--- a/Optimizer.pptx
+++ b/Optimizer.pptx
@@ -5,7 +5,7 @@
     <p:sldMasterId id="2147483648" r:id="rId1"/>
   </p:sldMasterIdLst>
   <p:notesMasterIdLst>
-    <p:notesMasterId r:id="rId56"/>
+    <p:notesMasterId r:id="rId58"/>
   </p:notesMasterIdLst>
   <p:sldIdLst>
     <p:sldId id="256" r:id="rId2"/>
@@ -39,29 +39,31 @@
     <p:sldId id="290" r:id="rId30"/>
     <p:sldId id="283" r:id="rId31"/>
     <p:sldId id="284" r:id="rId32"/>
-    <p:sldId id="314" r:id="rId33"/>
-    <p:sldId id="298" r:id="rId34"/>
-    <p:sldId id="288" r:id="rId35"/>
-    <p:sldId id="286" r:id="rId36"/>
-    <p:sldId id="294" r:id="rId37"/>
-    <p:sldId id="295" r:id="rId38"/>
-    <p:sldId id="307" r:id="rId39"/>
-    <p:sldId id="299" r:id="rId40"/>
-    <p:sldId id="300" r:id="rId41"/>
-    <p:sldId id="296" r:id="rId42"/>
-    <p:sldId id="310" r:id="rId43"/>
-    <p:sldId id="297" r:id="rId44"/>
-    <p:sldId id="311" r:id="rId45"/>
-    <p:sldId id="312" r:id="rId46"/>
-    <p:sldId id="313" r:id="rId47"/>
-    <p:sldId id="304" r:id="rId48"/>
-    <p:sldId id="301" r:id="rId49"/>
-    <p:sldId id="305" r:id="rId50"/>
-    <p:sldId id="308" r:id="rId51"/>
-    <p:sldId id="306" r:id="rId52"/>
-    <p:sldId id="279" r:id="rId53"/>
-    <p:sldId id="302" r:id="rId54"/>
-    <p:sldId id="303" r:id="rId55"/>
+    <p:sldId id="315" r:id="rId33"/>
+    <p:sldId id="314" r:id="rId34"/>
+    <p:sldId id="298" r:id="rId35"/>
+    <p:sldId id="288" r:id="rId36"/>
+    <p:sldId id="286" r:id="rId37"/>
+    <p:sldId id="294" r:id="rId38"/>
+    <p:sldId id="295" r:id="rId39"/>
+    <p:sldId id="307" r:id="rId40"/>
+    <p:sldId id="299" r:id="rId41"/>
+    <p:sldId id="300" r:id="rId42"/>
+    <p:sldId id="296" r:id="rId43"/>
+    <p:sldId id="310" r:id="rId44"/>
+    <p:sldId id="297" r:id="rId45"/>
+    <p:sldId id="311" r:id="rId46"/>
+    <p:sldId id="312" r:id="rId47"/>
+    <p:sldId id="313" r:id="rId48"/>
+    <p:sldId id="304" r:id="rId49"/>
+    <p:sldId id="301" r:id="rId50"/>
+    <p:sldId id="316" r:id="rId51"/>
+    <p:sldId id="305" r:id="rId52"/>
+    <p:sldId id="308" r:id="rId53"/>
+    <p:sldId id="306" r:id="rId54"/>
+    <p:sldId id="279" r:id="rId55"/>
+    <p:sldId id="302" r:id="rId56"/>
+    <p:sldId id="303" r:id="rId57"/>
   </p:sldIdLst>
   <p:sldSz cx="9144000" cy="6858000" type="screen4x3"/>
   <p:notesSz cx="6858000" cy="9144000"/>
@@ -261,7 +263,7 @@
           <a:p>
             <a:fld id="{2EDCB34D-5EC2-4739-9693-E425457AC201}" type="datetimeFigureOut">
               <a:rPr lang="en-US" smtClean="0"/>
-              <a:t>5/30/2016</a:t>
+              <a:t>7/12/2016</a:t>
             </a:fld>
             <a:endParaRPr lang="en-US"/>
           </a:p>
@@ -984,7 +986,7 @@
           <a:p>
             <a:fld id="{ADDBA41D-AE03-4F1C-B074-B56312AFAE46}" type="slidenum">
               <a:rPr lang="en-US" smtClean="0"/>
-              <a:t>32</a:t>
+              <a:t>33</a:t>
             </a:fld>
             <a:endParaRPr lang="en-US"/>
           </a:p>
@@ -1076,7 +1078,7 @@
           <a:p>
             <a:fld id="{ADDBA41D-AE03-4F1C-B074-B56312AFAE46}" type="slidenum">
               <a:rPr lang="en-US" smtClean="0"/>
-              <a:t>33</a:t>
+              <a:t>34</a:t>
             </a:fld>
             <a:endParaRPr lang="en-US"/>
           </a:p>
@@ -1204,7 +1206,7 @@
           <a:p>
             <a:fld id="{ADDBA41D-AE03-4F1C-B074-B56312AFAE46}" type="slidenum">
               <a:rPr lang="en-US" smtClean="0"/>
-              <a:t>35</a:t>
+              <a:t>36</a:t>
             </a:fld>
             <a:endParaRPr lang="en-US"/>
           </a:p>
@@ -1321,7 +1323,7 @@
           <a:p>
             <a:fld id="{ADDBA41D-AE03-4F1C-B074-B56312AFAE46}" type="slidenum">
               <a:rPr lang="en-US" smtClean="0"/>
-              <a:t>39</a:t>
+              <a:t>40</a:t>
             </a:fld>
             <a:endParaRPr lang="en-US"/>
           </a:p>
@@ -1422,7 +1424,7 @@
           <a:p>
             <a:fld id="{ADDBA41D-AE03-4F1C-B074-B56312AFAE46}" type="slidenum">
               <a:rPr lang="en-US" smtClean="0"/>
-              <a:t>40</a:t>
+              <a:t>41</a:t>
             </a:fld>
             <a:endParaRPr lang="en-US"/>
           </a:p>
@@ -1523,7 +1525,7 @@
           <a:p>
             <a:fld id="{ADDBA41D-AE03-4F1C-B074-B56312AFAE46}" type="slidenum">
               <a:rPr lang="en-US" smtClean="0"/>
-              <a:t>42</a:t>
+              <a:t>43</a:t>
             </a:fld>
             <a:endParaRPr lang="en-US"/>
           </a:p>
@@ -1632,7 +1634,7 @@
           <a:p>
             <a:fld id="{ADDBA41D-AE03-4F1C-B074-B56312AFAE46}" type="slidenum">
               <a:rPr lang="en-US" smtClean="0"/>
-              <a:t>43</a:t>
+              <a:t>44</a:t>
             </a:fld>
             <a:endParaRPr lang="en-US"/>
           </a:p>
@@ -1822,7 +1824,7 @@
           <a:p>
             <a:fld id="{ADDBA41D-AE03-4F1C-B074-B56312AFAE46}" type="slidenum">
               <a:rPr lang="en-US" smtClean="0"/>
-              <a:t>46</a:t>
+              <a:t>47</a:t>
             </a:fld>
             <a:endParaRPr lang="en-US"/>
           </a:p>
@@ -3180,7 +3182,7 @@
             <a:fld id="{5942B21B-2ADA-A040-A652-A7305E1B99FE}" type="datetimeFigureOut">
               <a:rPr lang="en-US" smtClean="0"/>
               <a:pPr/>
-              <a:t>5/30/2016</a:t>
+              <a:t>7/12/2016</a:t>
             </a:fld>
             <a:endParaRPr lang="en-US" dirty="0"/>
           </a:p>
@@ -3370,7 +3372,7 @@
           <a:p>
             <a:fld id="{5942B21B-2ADA-A040-A652-A7305E1B99FE}" type="datetimeFigureOut">
               <a:rPr lang="en-US" smtClean="0"/>
-              <a:t>5/30/2016</a:t>
+              <a:t>7/12/2016</a:t>
             </a:fld>
             <a:endParaRPr lang="en-US"/>
           </a:p>
@@ -3494,7 +3496,7 @@
             <a:fld id="{5942B21B-2ADA-A040-A652-A7305E1B99FE}" type="datetimeFigureOut">
               <a:rPr lang="en-US" smtClean="0"/>
               <a:pPr/>
-              <a:t>5/30/2016</a:t>
+              <a:t>7/12/2016</a:t>
             </a:fld>
             <a:r>
               <a:rPr lang="en-US"/>
@@ -3765,7 +3767,7 @@
             <a:fld id="{5942B21B-2ADA-A040-A652-A7305E1B99FE}" type="datetimeFigureOut">
               <a:rPr lang="en-US" smtClean="0"/>
               <a:pPr/>
-              <a:t>5/30/2016</a:t>
+              <a:t>7/12/2016</a:t>
             </a:fld>
             <a:r>
               <a:rPr lang="en-US" dirty="0"/>
@@ -4035,7 +4037,7 @@
             <a:fld id="{5942B21B-2ADA-A040-A652-A7305E1B99FE}" type="datetimeFigureOut">
               <a:rPr lang="en-US" smtClean="0"/>
               <a:pPr/>
-              <a:t>5/30/2016</a:t>
+              <a:t>7/12/2016</a:t>
             </a:fld>
             <a:r>
               <a:rPr lang="en-US" dirty="0"/>
@@ -4375,7 +4377,7 @@
             <a:fld id="{5942B21B-2ADA-A040-A652-A7305E1B99FE}" type="datetimeFigureOut">
               <a:rPr lang="en-US" smtClean="0"/>
               <a:pPr/>
-              <a:t>5/30/2016</a:t>
+              <a:t>7/12/2016</a:t>
             </a:fld>
             <a:r>
               <a:rPr lang="en-US" dirty="0"/>
@@ -4716,7 +4718,7 @@
             <a:fld id="{5942B21B-2ADA-A040-A652-A7305E1B99FE}" type="datetimeFigureOut">
               <a:rPr lang="en-US" smtClean="0"/>
               <a:pPr/>
-              <a:t>5/30/2016</a:t>
+              <a:t>7/12/2016</a:t>
             </a:fld>
             <a:r>
               <a:rPr lang="en-US" dirty="0"/>
@@ -5231,7 +5233,7 @@
             <a:fld id="{5942B21B-2ADA-A040-A652-A7305E1B99FE}" type="datetimeFigureOut">
               <a:rPr lang="en-US" smtClean="0"/>
               <a:pPr/>
-              <a:t>5/30/2016</a:t>
+              <a:t>7/12/2016</a:t>
             </a:fld>
             <a:r>
               <a:rPr lang="en-US" dirty="0"/>
@@ -5440,7 +5442,7 @@
             <a:fld id="{5942B21B-2ADA-A040-A652-A7305E1B99FE}" type="datetimeFigureOut">
               <a:rPr lang="en-US" smtClean="0"/>
               <a:pPr/>
-              <a:t>5/30/2016</a:t>
+              <a:t>7/12/2016</a:t>
             </a:fld>
             <a:r>
               <a:rPr lang="en-US" dirty="0"/>
@@ -5627,7 +5629,7 @@
             <a:fld id="{5942B21B-2ADA-A040-A652-A7305E1B99FE}" type="datetimeFigureOut">
               <a:rPr lang="en-US" smtClean="0"/>
               <a:pPr/>
-              <a:t>5/30/2016</a:t>
+              <a:t>7/12/2016</a:t>
             </a:fld>
             <a:r>
               <a:rPr lang="en-US" dirty="0"/>
@@ -5958,7 +5960,7 @@
             <a:fld id="{5942B21B-2ADA-A040-A652-A7305E1B99FE}" type="datetimeFigureOut">
               <a:rPr lang="en-US" smtClean="0"/>
               <a:pPr/>
-              <a:t>5/30/2016</a:t>
+              <a:t>7/12/2016</a:t>
             </a:fld>
             <a:r>
               <a:rPr lang="en-US" dirty="0"/>
@@ -6266,7 +6268,7 @@
             <a:fld id="{5942B21B-2ADA-A040-A652-A7305E1B99FE}" type="datetimeFigureOut">
               <a:rPr lang="en-US" smtClean="0"/>
               <a:pPr/>
-              <a:t>5/30/2016</a:t>
+              <a:t>7/12/2016</a:t>
             </a:fld>
             <a:r>
               <a:rPr lang="en-US" dirty="0"/>
@@ -6545,7 +6547,7 @@
             <a:fld id="{5942B21B-2ADA-A040-A652-A7305E1B99FE}" type="datetimeFigureOut">
               <a:rPr lang="en-US" smtClean="0"/>
               <a:pPr/>
-              <a:t>5/30/2016</a:t>
+              <a:t>7/12/2016</a:t>
             </a:fld>
             <a:r>
               <a:rPr lang="en-US" dirty="0"/>
@@ -7178,8 +7180,12 @@
               <a:buNone/>
             </a:pPr>
             <a:r>
+              <a:rPr lang="en-US"/>
+              <a:t>Sioux Falls, SD </a:t>
+            </a:r>
+            <a:r>
               <a:rPr lang="en-US" dirty="0"/>
-              <a:t>Iowa City, Iowa – June 11, 2016</a:t>
+              <a:t>– July 23, 2016</a:t>
             </a:r>
           </a:p>
         </p:txBody>
@@ -17725,7 +17731,7 @@
             <a:pPr lvl="1"/>
             <a:r>
               <a:rPr lang="en-US" dirty="0"/>
-              <a:t>Administration going back 6.5</a:t>
+              <a:t>Administration going back to 6.5</a:t>
             </a:r>
           </a:p>
           <a:p>
@@ -24825,6 +24831,116 @@
 </file>
 
 <file path=ppt/slides/slide32.xml><?xml version="1.0" encoding="utf-8"?>
+<p:sld xmlns:a="http://schemas.openxmlformats.org/drawingml/2006/main" xmlns:r="http://schemas.openxmlformats.org/officeDocument/2006/relationships" xmlns:p="http://schemas.openxmlformats.org/presentationml/2006/main">
+  <p:cSld>
+    <p:spTree>
+      <p:nvGrpSpPr>
+        <p:cNvPr id="1" name=""/>
+        <p:cNvGrpSpPr/>
+        <p:nvPr/>
+      </p:nvGrpSpPr>
+      <p:grpSpPr>
+        <a:xfrm>
+          <a:off x="0" y="0"/>
+          <a:ext cx="0" cy="0"/>
+          <a:chOff x="0" y="0"/>
+          <a:chExt cx="0" cy="0"/>
+        </a:xfrm>
+      </p:grpSpPr>
+      <p:sp>
+        <p:nvSpPr>
+          <p:cNvPr id="2" name="Title 1"/>
+          <p:cNvSpPr>
+            <a:spLocks noGrp="1"/>
+          </p:cNvSpPr>
+          <p:nvPr>
+            <p:ph type="title"/>
+          </p:nvPr>
+        </p:nvSpPr>
+        <p:spPr/>
+        <p:txBody>
+          <a:bodyPr/>
+          <a:lstStyle/>
+          <a:p>
+            <a:r>
+              <a:rPr lang="en-US" dirty="0"/>
+              <a:t>Smart Optimization</a:t>
+            </a:r>
+          </a:p>
+        </p:txBody>
+      </p:sp>
+      <p:pic>
+        <p:nvPicPr>
+          <p:cNvPr id="4" name="Picture 3"/>
+          <p:cNvPicPr>
+            <a:picLocks noChangeAspect="1"/>
+          </p:cNvPicPr>
+          <p:nvPr/>
+        </p:nvPicPr>
+        <p:blipFill>
+          <a:blip r:embed="rId2"/>
+          <a:stretch>
+            <a:fillRect/>
+          </a:stretch>
+        </p:blipFill>
+        <p:spPr>
+          <a:xfrm>
+            <a:off x="1554480" y="1563278"/>
+            <a:ext cx="5938786" cy="3862919"/>
+          </a:xfrm>
+          <a:prstGeom prst="rect">
+            <a:avLst/>
+          </a:prstGeom>
+        </p:spPr>
+      </p:pic>
+      <p:sp>
+        <p:nvSpPr>
+          <p:cNvPr id="5" name="TextBox 4"/>
+          <p:cNvSpPr txBox="1"/>
+          <p:nvPr/>
+        </p:nvSpPr>
+        <p:spPr>
+          <a:xfrm>
+            <a:off x="0" y="5600713"/>
+            <a:ext cx="9144000" cy="369332"/>
+          </a:xfrm>
+          <a:prstGeom prst="rect">
+            <a:avLst/>
+          </a:prstGeom>
+          <a:noFill/>
+        </p:spPr>
+        <p:txBody>
+          <a:bodyPr wrap="square" rtlCol="0">
+            <a:spAutoFit/>
+          </a:bodyPr>
+          <a:lstStyle/>
+          <a:p>
+            <a:pPr algn="r"/>
+            <a:r>
+              <a:rPr lang="en-US" dirty="0">
+                <a:solidFill>
+                  <a:schemeClr val="accent1"/>
+                </a:solidFill>
+              </a:rPr>
+              <a:t>http://imgs.xkcd.com/comics/efficiency.png</a:t>
+            </a:r>
+          </a:p>
+        </p:txBody>
+      </p:sp>
+    </p:spTree>
+    <p:extLst>
+      <p:ext uri="{BB962C8B-B14F-4D97-AF65-F5344CB8AC3E}">
+        <p14:creationId xmlns:p14="http://schemas.microsoft.com/office/powerpoint/2010/main" val="75097011"/>
+      </p:ext>
+    </p:extLst>
+  </p:cSld>
+  <p:clrMapOvr>
+    <a:masterClrMapping/>
+  </p:clrMapOvr>
+</p:sld>
+</file>
+
+<file path=ppt/slides/slide33.xml><?xml version="1.0" encoding="utf-8"?>
 <p:sld xmlns:a="http://schemas.openxmlformats.org/drawingml/2006/main" xmlns:r="http://schemas.openxmlformats.org/officeDocument/2006/relationships" xmlns:p="http://schemas.openxmlformats.org/presentationml/2006/main" show="0">
   <p:cSld>
     <p:spTree>
@@ -24863,8 +24979,8 @@
           </a:p>
         </p:txBody>
       </p:sp>
-      <mc:AlternateContent xmlns:mc="http://schemas.openxmlformats.org/markup-compatibility/2006">
-        <mc:Choice xmlns:a14="http://schemas.microsoft.com/office/drawing/2010/main" Requires="a14">
+      <mc:AlternateContent xmlns:mc="http://schemas.openxmlformats.org/markup-compatibility/2006" xmlns:a14="http://schemas.microsoft.com/office/drawing/2010/main">
+        <mc:Choice Requires="a14">
           <p:sp>
             <p:nvSpPr>
               <p:cNvPr id="3" name="Content Placeholder 2"/>
@@ -25079,7 +25195,7 @@
             </p:txBody>
           </p:sp>
         </mc:Choice>
-        <mc:Fallback>
+        <mc:Fallback xmlns="">
           <p:sp>
             <p:nvSpPr>
               <p:cNvPr id="3" name="Content Placeholder 2"/>
@@ -25126,7 +25242,7 @@
 </p:sld>
 </file>
 
-<file path=ppt/slides/slide33.xml><?xml version="1.0" encoding="utf-8"?>
+<file path=ppt/slides/slide34.xml><?xml version="1.0" encoding="utf-8"?>
 <p:sld xmlns:a="http://schemas.openxmlformats.org/drawingml/2006/main" xmlns:r="http://schemas.openxmlformats.org/officeDocument/2006/relationships" xmlns:p="http://schemas.openxmlformats.org/presentationml/2006/main">
   <p:cSld>
     <p:spTree>
@@ -25282,141 +25398,6 @@
     <p:extLst>
       <p:ext uri="{BB962C8B-B14F-4D97-AF65-F5344CB8AC3E}">
         <p14:creationId xmlns:p14="http://schemas.microsoft.com/office/powerpoint/2010/main" val="1630484383"/>
-      </p:ext>
-    </p:extLst>
-  </p:cSld>
-  <p:clrMapOvr>
-    <a:masterClrMapping/>
-  </p:clrMapOvr>
-</p:sld>
-</file>
-
-<file path=ppt/slides/slide34.xml><?xml version="1.0" encoding="utf-8"?>
-<p:sld xmlns:a="http://schemas.openxmlformats.org/drawingml/2006/main" xmlns:r="http://schemas.openxmlformats.org/officeDocument/2006/relationships" xmlns:p="http://schemas.openxmlformats.org/presentationml/2006/main">
-  <p:cSld>
-    <p:spTree>
-      <p:nvGrpSpPr>
-        <p:cNvPr id="1" name=""/>
-        <p:cNvGrpSpPr/>
-        <p:nvPr/>
-      </p:nvGrpSpPr>
-      <p:grpSpPr>
-        <a:xfrm>
-          <a:off x="0" y="0"/>
-          <a:ext cx="0" cy="0"/>
-          <a:chOff x="0" y="0"/>
-          <a:chExt cx="0" cy="0"/>
-        </a:xfrm>
-      </p:grpSpPr>
-      <p:sp>
-        <p:nvSpPr>
-          <p:cNvPr id="2" name="Title 1"/>
-          <p:cNvSpPr>
-            <a:spLocks noGrp="1"/>
-          </p:cNvSpPr>
-          <p:nvPr>
-            <p:ph type="title"/>
-          </p:nvPr>
-        </p:nvSpPr>
-        <p:spPr/>
-        <p:txBody>
-          <a:bodyPr/>
-          <a:lstStyle/>
-          <a:p>
-            <a:r>
-              <a:rPr lang="en-US" dirty="0"/>
-              <a:t>Heuristics and Transformations</a:t>
-            </a:r>
-          </a:p>
-        </p:txBody>
-      </p:sp>
-      <p:sp>
-        <p:nvSpPr>
-          <p:cNvPr id="3" name="Content Placeholder 2"/>
-          <p:cNvSpPr>
-            <a:spLocks noGrp="1"/>
-          </p:cNvSpPr>
-          <p:nvPr>
-            <p:ph idx="1"/>
-          </p:nvPr>
-        </p:nvSpPr>
-        <p:spPr/>
-        <p:txBody>
-          <a:bodyPr>
-            <a:normAutofit lnSpcReduction="10000"/>
-          </a:bodyPr>
-          <a:lstStyle/>
-          <a:p>
-            <a:r>
-              <a:rPr lang="en-US" dirty="0"/>
-              <a:t>Heuristics</a:t>
-            </a:r>
-          </a:p>
-          <a:p>
-            <a:pPr lvl="1"/>
-            <a:r>
-              <a:rPr lang="en-US" dirty="0"/>
-              <a:t>Rules that can eliminate entire branches of the search space</a:t>
-            </a:r>
-          </a:p>
-          <a:p>
-            <a:r>
-              <a:rPr lang="en-US" dirty="0"/>
-              <a:t>Transformations</a:t>
-            </a:r>
-          </a:p>
-          <a:p>
-            <a:pPr lvl="1"/>
-            <a:r>
-              <a:rPr lang="en-US" dirty="0"/>
-              <a:t>Find equivalent operations to get same output</a:t>
-            </a:r>
-          </a:p>
-          <a:p>
-            <a:pPr lvl="1"/>
-            <a:r>
-              <a:rPr lang="en-US" dirty="0"/>
-              <a:t>Rule-based</a:t>
-            </a:r>
-          </a:p>
-          <a:p>
-            <a:pPr lvl="2"/>
-            <a:r>
-              <a:rPr lang="en-US" dirty="0"/>
-              <a:t>DBCC SHOWONRULES</a:t>
-            </a:r>
-          </a:p>
-          <a:p>
-            <a:pPr lvl="2"/>
-            <a:r>
-              <a:rPr lang="en-US" dirty="0"/>
-              <a:t>DBCC RULEON / RULEOFF </a:t>
-            </a:r>
-          </a:p>
-          <a:p>
-            <a:pPr lvl="1"/>
-            <a:r>
-              <a:rPr lang="en-US" dirty="0"/>
-              <a:t>Four types</a:t>
-            </a:r>
-          </a:p>
-          <a:p>
-            <a:pPr lvl="2"/>
-            <a:r>
-              <a:rPr lang="en-US" dirty="0"/>
-              <a:t>Simplification, exploration, implementation, property enforcement</a:t>
-            </a:r>
-          </a:p>
-          <a:p>
-            <a:pPr lvl="1"/>
-            <a:endParaRPr lang="en-US" dirty="0"/>
-          </a:p>
-        </p:txBody>
-      </p:sp>
-    </p:spTree>
-    <p:extLst>
-      <p:ext uri="{BB962C8B-B14F-4D97-AF65-F5344CB8AC3E}">
-        <p14:creationId xmlns:p14="http://schemas.microsoft.com/office/powerpoint/2010/main" val="1718081727"/>
       </p:ext>
     </p:extLst>
   </p:cSld>
@@ -25460,7 +25441,7 @@
           <a:p>
             <a:r>
               <a:rPr lang="en-US" dirty="0"/>
-              <a:t>Transformations: Simplification*</a:t>
+              <a:t>Heuristics and Transformations</a:t>
             </a:r>
           </a:p>
         </p:txBody>
@@ -25477,120 +25458,81 @@
         </p:nvSpPr>
         <p:spPr/>
         <p:txBody>
-          <a:bodyPr/>
-          <a:lstStyle/>
-          <a:p>
-            <a:r>
-              <a:rPr lang="en-US" dirty="0"/>
-              <a:t>Subqueries to joins</a:t>
-            </a:r>
-          </a:p>
-          <a:p>
-            <a:r>
-              <a:rPr lang="en-US" dirty="0"/>
-              <a:t>Predicate pushdown</a:t>
-            </a:r>
-          </a:p>
-          <a:p>
-            <a:r>
-              <a:rPr lang="en-US" dirty="0"/>
-              <a:t>Foreign key table removal</a:t>
-            </a:r>
-          </a:p>
-          <a:p>
-            <a:r>
-              <a:rPr lang="en-US" dirty="0"/>
-              <a:t>Contradiction detection</a:t>
-            </a:r>
-          </a:p>
-          <a:p>
-            <a:r>
-              <a:rPr lang="en-US" dirty="0"/>
-              <a:t>Aggregates on unique keys</a:t>
-            </a:r>
-          </a:p>
-          <a:p>
-            <a:r>
-              <a:rPr lang="en-US" dirty="0"/>
-              <a:t>Convert outer join to inner</a:t>
-            </a:r>
-          </a:p>
-        </p:txBody>
-      </p:sp>
-      <p:sp>
-        <p:nvSpPr>
-          <p:cNvPr id="4" name="TextBox 3"/>
-          <p:cNvSpPr txBox="1"/>
-          <p:nvPr/>
-        </p:nvSpPr>
-        <p:spPr>
-          <a:xfrm>
-            <a:off x="1" y="6166438"/>
-            <a:ext cx="7084194" cy="646331"/>
-          </a:xfrm>
-          <a:prstGeom prst="rect">
-            <a:avLst/>
-          </a:prstGeom>
-          <a:noFill/>
-        </p:spPr>
-        <p:txBody>
-          <a:bodyPr wrap="square" rtlCol="0">
-            <a:spAutoFit/>
+          <a:bodyPr>
+            <a:normAutofit lnSpcReduction="10000"/>
           </a:bodyPr>
           <a:lstStyle/>
           <a:p>
             <a:r>
               <a:rPr lang="en-US" dirty="0"/>
-              <a:t>* A somewhat overloaded term.  Some simplification activities happen earlier in the process than others.</a:t>
-            </a:r>
-          </a:p>
-        </p:txBody>
-      </p:sp>
-      <p:sp>
-        <p:nvSpPr>
-          <p:cNvPr id="5" name="Oval 4"/>
-          <p:cNvSpPr/>
-          <p:nvPr/>
-        </p:nvSpPr>
-        <p:spPr>
-          <a:xfrm>
-            <a:off x="8215162" y="547440"/>
-            <a:ext cx="616016" cy="606391"/>
-          </a:xfrm>
-          <a:prstGeom prst="ellipse">
-            <a:avLst/>
-          </a:prstGeom>
-        </p:spPr>
-        <p:style>
-          <a:lnRef idx="1">
-            <a:schemeClr val="accent1"/>
-          </a:lnRef>
-          <a:fillRef idx="3">
-            <a:schemeClr val="accent1"/>
-          </a:fillRef>
-          <a:effectRef idx="2">
-            <a:schemeClr val="accent1"/>
-          </a:effectRef>
-          <a:fontRef idx="minor">
-            <a:schemeClr val="lt1"/>
-          </a:fontRef>
-        </p:style>
-        <p:txBody>
-          <a:bodyPr rtlCol="0" anchor="ctr"/>
-          <a:lstStyle/>
-          <a:p>
-            <a:pPr algn="ctr"/>
+              <a:t>Heuristics</a:t>
+            </a:r>
+          </a:p>
+          <a:p>
+            <a:pPr lvl="1"/>
             <a:r>
               <a:rPr lang="en-US" dirty="0"/>
-              <a:t>8</a:t>
-            </a:r>
+              <a:t>Rules that can eliminate entire branches of the search space</a:t>
+            </a:r>
+          </a:p>
+          <a:p>
+            <a:r>
+              <a:rPr lang="en-US" dirty="0"/>
+              <a:t>Transformations</a:t>
+            </a:r>
+          </a:p>
+          <a:p>
+            <a:pPr lvl="1"/>
+            <a:r>
+              <a:rPr lang="en-US" dirty="0"/>
+              <a:t>Find equivalent operations to get same output</a:t>
+            </a:r>
+          </a:p>
+          <a:p>
+            <a:pPr lvl="1"/>
+            <a:r>
+              <a:rPr lang="en-US" dirty="0"/>
+              <a:t>Rule-based</a:t>
+            </a:r>
+          </a:p>
+          <a:p>
+            <a:pPr lvl="2"/>
+            <a:r>
+              <a:rPr lang="en-US" dirty="0"/>
+              <a:t>DBCC SHOWONRULES</a:t>
+            </a:r>
+          </a:p>
+          <a:p>
+            <a:pPr lvl="2"/>
+            <a:r>
+              <a:rPr lang="en-US" dirty="0"/>
+              <a:t>DBCC RULEON / RULEOFF </a:t>
+            </a:r>
+          </a:p>
+          <a:p>
+            <a:pPr lvl="1"/>
+            <a:r>
+              <a:rPr lang="en-US" dirty="0"/>
+              <a:t>Four types</a:t>
+            </a:r>
+          </a:p>
+          <a:p>
+            <a:pPr lvl="2"/>
+            <a:r>
+              <a:rPr lang="en-US" dirty="0"/>
+              <a:t>Simplification, exploration, implementation, property enforcement</a:t>
+            </a:r>
+          </a:p>
+          <a:p>
+            <a:pPr lvl="1"/>
+            <a:endParaRPr lang="en-US" dirty="0"/>
           </a:p>
         </p:txBody>
       </p:sp>
     </p:spTree>
     <p:extLst>
       <p:ext uri="{BB962C8B-B14F-4D97-AF65-F5344CB8AC3E}">
-        <p14:creationId xmlns:p14="http://schemas.microsoft.com/office/powerpoint/2010/main" val="1200321785"/>
+        <p14:creationId xmlns:p14="http://schemas.microsoft.com/office/powerpoint/2010/main" val="1718081727"/>
       </p:ext>
     </p:extLst>
   </p:cSld>
@@ -25634,7 +25576,7 @@
           <a:p>
             <a:r>
               <a:rPr lang="en-US" dirty="0"/>
-              <a:t>Transformations: Exploration</a:t>
+              <a:t>Transformations: Simplification*</a:t>
             </a:r>
           </a:p>
         </p:txBody>
@@ -25656,73 +25598,79 @@
           <a:p>
             <a:r>
               <a:rPr lang="en-US" dirty="0"/>
-              <a:t>Start from a logical operation (may be a sub-branch of the full query): the pattern</a:t>
+              <a:t>Subqueries to joins</a:t>
             </a:r>
           </a:p>
           <a:p>
             <a:r>
               <a:rPr lang="en-US" dirty="0"/>
-              <a:t>Find equivalent logical operations: the substitute</a:t>
+              <a:t>Predicate pushdown</a:t>
             </a:r>
           </a:p>
           <a:p>
             <a:r>
               <a:rPr lang="en-US" dirty="0"/>
-              <a:t>Examples:</a:t>
-            </a:r>
-          </a:p>
-          <a:p>
-            <a:pPr lvl="1"/>
+              <a:t>Foreign key table removal</a:t>
+            </a:r>
+          </a:p>
+          <a:p>
             <a:r>
               <a:rPr lang="en-US" dirty="0"/>
-              <a:t>Join commutativity: A⋈B </a:t>
-            </a:r>
-            <a:r>
-              <a:rPr lang="en-US" dirty="0">
-                <a:sym typeface="Wingdings" panose="05000000000000000000" pitchFamily="2" charset="2"/>
-              </a:rPr>
-              <a:t></a:t>
-            </a:r>
+              <a:t>Contradiction detection</a:t>
+            </a:r>
+          </a:p>
+          <a:p>
             <a:r>
               <a:rPr lang="en-US" dirty="0"/>
-              <a:t> B⋈A</a:t>
-            </a:r>
-          </a:p>
-          <a:p>
-            <a:pPr lvl="1"/>
+              <a:t>Aggregates on unique keys</a:t>
+            </a:r>
+          </a:p>
+          <a:p>
             <a:r>
               <a:rPr lang="en-US" dirty="0"/>
-              <a:t>Join associativity: (A⋈B)⋈C </a:t>
-            </a:r>
-            <a:r>
-              <a:rPr lang="en-US" dirty="0">
-                <a:sym typeface="Wingdings" panose="05000000000000000000" pitchFamily="2" charset="2"/>
-              </a:rPr>
-              <a:t></a:t>
-            </a:r>
-            <a:r>
-              <a:rPr lang="en-US" dirty="0"/>
-              <a:t> A⋈(B⋈C)</a:t>
-            </a:r>
-          </a:p>
-          <a:p>
-            <a:pPr lvl="1"/>
-            <a:r>
-              <a:rPr lang="en-US" dirty="0"/>
-              <a:t>Aggregate before join</a:t>
+              <a:t>Convert outer join to inner</a:t>
             </a:r>
           </a:p>
         </p:txBody>
       </p:sp>
       <p:sp>
         <p:nvSpPr>
-          <p:cNvPr id="4" name="Oval 3"/>
+          <p:cNvPr id="4" name="TextBox 3"/>
+          <p:cNvSpPr txBox="1"/>
+          <p:nvPr/>
+        </p:nvSpPr>
+        <p:spPr>
+          <a:xfrm>
+            <a:off x="1" y="6166438"/>
+            <a:ext cx="7084194" cy="646331"/>
+          </a:xfrm>
+          <a:prstGeom prst="rect">
+            <a:avLst/>
+          </a:prstGeom>
+          <a:noFill/>
+        </p:spPr>
+        <p:txBody>
+          <a:bodyPr wrap="square" rtlCol="0">
+            <a:spAutoFit/>
+          </a:bodyPr>
+          <a:lstStyle/>
+          <a:p>
+            <a:r>
+              <a:rPr lang="en-US" dirty="0"/>
+              <a:t>* A somewhat overloaded term.  Some simplification activities happen earlier in the process than others.</a:t>
+            </a:r>
+          </a:p>
+        </p:txBody>
+      </p:sp>
+      <p:sp>
+        <p:nvSpPr>
+          <p:cNvPr id="5" name="Oval 4"/>
           <p:cNvSpPr/>
           <p:nvPr/>
         </p:nvSpPr>
         <p:spPr>
           <a:xfrm>
-            <a:off x="8282539" y="5159142"/>
+            <a:off x="8215162" y="547440"/>
             <a:ext cx="616016" cy="606391"/>
           </a:xfrm>
           <a:prstGeom prst="ellipse">
@@ -25750,7 +25698,7 @@
             <a:pPr algn="ctr"/>
             <a:r>
               <a:rPr lang="en-US" dirty="0"/>
-              <a:t>9</a:t>
+              <a:t>8</a:t>
             </a:r>
           </a:p>
         </p:txBody>
@@ -25758,7 +25706,7 @@
     </p:spTree>
     <p:extLst>
       <p:ext uri="{BB962C8B-B14F-4D97-AF65-F5344CB8AC3E}">
-        <p14:creationId xmlns:p14="http://schemas.microsoft.com/office/powerpoint/2010/main" val="3940448552"/>
+        <p14:creationId xmlns:p14="http://schemas.microsoft.com/office/powerpoint/2010/main" val="1200321785"/>
       </p:ext>
     </p:extLst>
   </p:cSld>
@@ -25802,7 +25750,7 @@
           <a:p>
             <a:r>
               <a:rPr lang="en-US" dirty="0"/>
-              <a:t>Transformations: Implementation</a:t>
+              <a:t>Transformations: Exploration</a:t>
             </a:r>
           </a:p>
         </p:txBody>
@@ -25824,72 +25772,101 @@
           <a:p>
             <a:r>
               <a:rPr lang="en-US" dirty="0"/>
-              <a:t>Start from a logical operation</a:t>
+              <a:t>Start from a logical operation (may be a sub-branch of the full query): the pattern</a:t>
             </a:r>
           </a:p>
           <a:p>
             <a:r>
               <a:rPr lang="en-US" dirty="0"/>
-              <a:t>Find equivalent physical operation</a:t>
+              <a:t>Find equivalent logical operations: the substitute</a:t>
             </a:r>
           </a:p>
           <a:p>
             <a:r>
               <a:rPr lang="en-US" dirty="0"/>
-              <a:t>Example:</a:t>
+              <a:t>Examples:</a:t>
             </a:r>
           </a:p>
           <a:p>
             <a:pPr lvl="1"/>
             <a:r>
               <a:rPr lang="en-US" dirty="0"/>
-              <a:t>A⋈B </a:t>
+              <a:t>Join commutativity: A⋈B </a:t>
             </a:r>
             <a:r>
               <a:rPr lang="en-US" dirty="0">
                 <a:sym typeface="Wingdings" panose="05000000000000000000" pitchFamily="2" charset="2"/>
               </a:rPr>
-              <a:t> A (nested loops join) B</a:t>
+              <a:t></a:t>
+            </a:r>
+            <a:r>
+              <a:rPr lang="en-US" dirty="0"/>
+              <a:t> B⋈A</a:t>
             </a:r>
           </a:p>
           <a:p>
             <a:pPr lvl="1"/>
             <a:r>
               <a:rPr lang="en-US" dirty="0"/>
-              <a:t>A⋈B </a:t>
+              <a:t>Join associativity: (A⋈B)⋈C </a:t>
             </a:r>
             <a:r>
               <a:rPr lang="en-US" dirty="0">
                 <a:sym typeface="Wingdings" panose="05000000000000000000" pitchFamily="2" charset="2"/>
               </a:rPr>
-              <a:t> A (merge join) B</a:t>
+              <a:t></a:t>
+            </a:r>
+            <a:r>
+              <a:rPr lang="en-US" dirty="0"/>
+              <a:t> A⋈(B⋈C)</a:t>
             </a:r>
           </a:p>
           <a:p>
             <a:pPr lvl="1"/>
             <a:r>
               <a:rPr lang="en-US" dirty="0"/>
-              <a:t>A⋈B </a:t>
-            </a:r>
-            <a:r>
-              <a:rPr lang="en-US" dirty="0">
-                <a:sym typeface="Wingdings" panose="05000000000000000000" pitchFamily="2" charset="2"/>
-              </a:rPr>
-              <a:t> A (hash join) B</a:t>
-            </a:r>
-          </a:p>
-          <a:p>
-            <a:r>
-              <a:rPr lang="en-US" dirty="0">
-                <a:sym typeface="Wingdings" panose="05000000000000000000" pitchFamily="2" charset="2"/>
-              </a:rPr>
-              <a:t>Obtain costing on physical operations</a:t>
-            </a:r>
-          </a:p>
-          <a:p>
+              <a:t>Aggregate before join</a:t>
+            </a:r>
+          </a:p>
+        </p:txBody>
+      </p:sp>
+      <p:sp>
+        <p:nvSpPr>
+          <p:cNvPr id="4" name="Oval 3"/>
+          <p:cNvSpPr/>
+          <p:nvPr/>
+        </p:nvSpPr>
+        <p:spPr>
+          <a:xfrm>
+            <a:off x="8282539" y="5159142"/>
+            <a:ext cx="616016" cy="606391"/>
+          </a:xfrm>
+          <a:prstGeom prst="ellipse">
+            <a:avLst/>
+          </a:prstGeom>
+        </p:spPr>
+        <p:style>
+          <a:lnRef idx="1">
+            <a:schemeClr val="accent1"/>
+          </a:lnRef>
+          <a:fillRef idx="3">
+            <a:schemeClr val="accent1"/>
+          </a:fillRef>
+          <a:effectRef idx="2">
+            <a:schemeClr val="accent1"/>
+          </a:effectRef>
+          <a:fontRef idx="minor">
+            <a:schemeClr val="lt1"/>
+          </a:fontRef>
+        </p:style>
+        <p:txBody>
+          <a:bodyPr rtlCol="0" anchor="ctr"/>
+          <a:lstStyle/>
+          <a:p>
+            <a:pPr algn="ctr"/>
             <a:r>
               <a:rPr lang="en-US" dirty="0"/>
-              <a:t>Can prune expensive branches from tree</a:t>
+              <a:t>9</a:t>
             </a:r>
           </a:p>
         </p:txBody>
@@ -25897,7 +25874,7 @@
     </p:spTree>
     <p:extLst>
       <p:ext uri="{BB962C8B-B14F-4D97-AF65-F5344CB8AC3E}">
-        <p14:creationId xmlns:p14="http://schemas.microsoft.com/office/powerpoint/2010/main" val="910537009"/>
+        <p14:creationId xmlns:p14="http://schemas.microsoft.com/office/powerpoint/2010/main" val="3940448552"/>
       </p:ext>
     </p:extLst>
   </p:cSld>
@@ -25941,7 +25918,7 @@
           <a:p>
             <a:r>
               <a:rPr lang="en-US" dirty="0"/>
-              <a:t>Transformations: Property Enforcement</a:t>
+              <a:t>Transformations: Implementation</a:t>
             </a:r>
           </a:p>
         </p:txBody>
@@ -25963,42 +25940,72 @@
           <a:p>
             <a:r>
               <a:rPr lang="en-US" dirty="0"/>
-              <a:t>Properties associated with parse tree nodes</a:t>
+              <a:t>Start from a logical operation</a:t>
+            </a:r>
+          </a:p>
+          <a:p>
+            <a:r>
+              <a:rPr lang="en-US" dirty="0"/>
+              <a:t>Find equivalent physical operation</a:t>
+            </a:r>
+          </a:p>
+          <a:p>
+            <a:r>
+              <a:rPr lang="en-US" dirty="0"/>
+              <a:t>Example:</a:t>
             </a:r>
           </a:p>
           <a:p>
             <a:pPr lvl="1"/>
             <a:r>
               <a:rPr lang="en-US" dirty="0"/>
-              <a:t>Uniqueness, type, </a:t>
-            </a:r>
-            <a:r>
-              <a:rPr lang="en-US" dirty="0" err="1"/>
-              <a:t>nullability</a:t>
-            </a:r>
+              <a:t>A⋈B </a:t>
+            </a:r>
+            <a:r>
+              <a:rPr lang="en-US" dirty="0">
+                <a:sym typeface="Wingdings" panose="05000000000000000000" pitchFamily="2" charset="2"/>
+              </a:rPr>
+              <a:t> A (nested loops join) B</a:t>
+            </a:r>
+          </a:p>
+          <a:p>
+            <a:pPr lvl="1"/>
             <a:r>
               <a:rPr lang="en-US" dirty="0"/>
-              <a:t>, sort order</a:t>
+              <a:t>A⋈B </a:t>
+            </a:r>
+            <a:r>
+              <a:rPr lang="en-US" dirty="0">
+                <a:sym typeface="Wingdings" panose="05000000000000000000" pitchFamily="2" charset="2"/>
+              </a:rPr>
+              <a:t> A (merge join) B</a:t>
             </a:r>
           </a:p>
           <a:p>
             <a:pPr lvl="1"/>
             <a:r>
               <a:rPr lang="en-US" dirty="0"/>
-              <a:t>Constraints on column values</a:t>
+              <a:t>A⋈B </a:t>
+            </a:r>
+            <a:r>
+              <a:rPr lang="en-US" dirty="0">
+                <a:sym typeface="Wingdings" panose="05000000000000000000" pitchFamily="2" charset="2"/>
+              </a:rPr>
+              <a:t> A (hash join) B</a:t>
+            </a:r>
+          </a:p>
+          <a:p>
+            <a:r>
+              <a:rPr lang="en-US" dirty="0">
+                <a:sym typeface="Wingdings" panose="05000000000000000000" pitchFamily="2" charset="2"/>
+              </a:rPr>
+              <a:t>Obtain costing on physical operations</a:t>
             </a:r>
           </a:p>
           <a:p>
             <a:r>
               <a:rPr lang="en-US" dirty="0"/>
-              <a:t>Transformation rules may cause certain properties to be enforced</a:t>
-            </a:r>
-          </a:p>
-          <a:p>
-            <a:pPr lvl="1"/>
-            <a:r>
-              <a:rPr lang="en-US" dirty="0"/>
-              <a:t>Example: sort order for a merge join</a:t>
+              <a:t>Can prune expensive branches from tree</a:t>
             </a:r>
           </a:p>
         </p:txBody>
@@ -26006,7 +26013,7 @@
     </p:spTree>
     <p:extLst>
       <p:ext uri="{BB962C8B-B14F-4D97-AF65-F5344CB8AC3E}">
-        <p14:creationId xmlns:p14="http://schemas.microsoft.com/office/powerpoint/2010/main" val="3566365270"/>
+        <p14:creationId xmlns:p14="http://schemas.microsoft.com/office/powerpoint/2010/main" val="910537009"/>
       </p:ext>
     </p:extLst>
   </p:cSld>
@@ -26045,16 +26052,13 @@
         </p:nvSpPr>
         <p:spPr/>
         <p:txBody>
-          <a:bodyPr>
-            <a:normAutofit fontScale="90000"/>
-          </a:bodyPr>
+          <a:bodyPr/>
           <a:lstStyle/>
           <a:p>
             <a:r>
-              <a:rPr lang="en-US" dirty="0" err="1"/>
-              <a:t>sys.dm_exec_query_transformation_stats</a:t>
-            </a:r>
-            <a:endParaRPr lang="en-US" dirty="0"/>
+              <a:rPr lang="en-US" dirty="0"/>
+              <a:t>Transformations: Property Enforcement</a:t>
+            </a:r>
           </a:p>
         </p:txBody>
       </p:sp>
@@ -26075,75 +26079,42 @@
           <a:p>
             <a:r>
               <a:rPr lang="en-US" dirty="0"/>
-              <a:t>One row per transformation rule</a:t>
+              <a:t>Properties associated with parse tree nodes</a:t>
             </a:r>
           </a:p>
           <a:p>
             <a:pPr lvl="1"/>
             <a:r>
               <a:rPr lang="en-US" dirty="0"/>
-              <a:t>“Promise” – How useful might the rule be for this query?</a:t>
+              <a:t>Uniqueness, type, </a:t>
+            </a:r>
+            <a:r>
+              <a:rPr lang="en-US" dirty="0" err="1"/>
+              <a:t>nullability</a:t>
+            </a:r>
+            <a:r>
+              <a:rPr lang="en-US" dirty="0"/>
+              <a:t>, sort order</a:t>
             </a:r>
           </a:p>
           <a:p>
             <a:pPr lvl="1"/>
             <a:r>
               <a:rPr lang="en-US" dirty="0"/>
-              <a:t>“Built-Substitute” – Number of times the rule generated an alternate tree</a:t>
+              <a:t>Constraints on column values</a:t>
+            </a:r>
+          </a:p>
+          <a:p>
+            <a:r>
+              <a:rPr lang="en-US" dirty="0"/>
+              <a:t>Transformation rules may cause certain properties to be enforced</a:t>
             </a:r>
           </a:p>
           <a:p>
             <a:pPr lvl="1"/>
             <a:r>
               <a:rPr lang="en-US" dirty="0"/>
-              <a:t>“Succeeded” – Number of times the rule was incorporated</a:t>
-            </a:r>
-          </a:p>
-          <a:p>
-            <a:r>
-              <a:rPr lang="en-US" dirty="0"/>
-              <a:t>Collect before and after images of this view on a quiet system</a:t>
-            </a:r>
-          </a:p>
-        </p:txBody>
-      </p:sp>
-      <p:sp>
-        <p:nvSpPr>
-          <p:cNvPr id="4" name="Oval 3"/>
-          <p:cNvSpPr/>
-          <p:nvPr/>
-        </p:nvSpPr>
-        <p:spPr>
-          <a:xfrm>
-            <a:off x="8378792" y="542942"/>
-            <a:ext cx="616016" cy="606391"/>
-          </a:xfrm>
-          <a:prstGeom prst="ellipse">
-            <a:avLst/>
-          </a:prstGeom>
-        </p:spPr>
-        <p:style>
-          <a:lnRef idx="1">
-            <a:schemeClr val="accent1"/>
-          </a:lnRef>
-          <a:fillRef idx="3">
-            <a:schemeClr val="accent1"/>
-          </a:fillRef>
-          <a:effectRef idx="2">
-            <a:schemeClr val="accent1"/>
-          </a:effectRef>
-          <a:fontRef idx="minor">
-            <a:schemeClr val="lt1"/>
-          </a:fontRef>
-        </p:style>
-        <p:txBody>
-          <a:bodyPr rtlCol="0" anchor="ctr"/>
-          <a:lstStyle/>
-          <a:p>
-            <a:pPr algn="ctr"/>
-            <a:r>
-              <a:rPr lang="en-US" sz="1600" dirty="0"/>
-              <a:t>10</a:t>
+              <a:t>Example: sort order for a merge join</a:t>
             </a:r>
           </a:p>
         </p:txBody>
@@ -26151,7 +26122,7 @@
     </p:spTree>
     <p:extLst>
       <p:ext uri="{BB962C8B-B14F-4D97-AF65-F5344CB8AC3E}">
-        <p14:creationId xmlns:p14="http://schemas.microsoft.com/office/powerpoint/2010/main" val="3574128401"/>
+        <p14:creationId xmlns:p14="http://schemas.microsoft.com/office/powerpoint/2010/main" val="3566365270"/>
       </p:ext>
     </p:extLst>
   </p:cSld>
@@ -26257,6 +26228,151 @@
 </file>
 
 <file path=ppt/slides/slide40.xml><?xml version="1.0" encoding="utf-8"?>
+<p:sld xmlns:a="http://schemas.openxmlformats.org/drawingml/2006/main" xmlns:r="http://schemas.openxmlformats.org/officeDocument/2006/relationships" xmlns:p="http://schemas.openxmlformats.org/presentationml/2006/main">
+  <p:cSld>
+    <p:spTree>
+      <p:nvGrpSpPr>
+        <p:cNvPr id="1" name=""/>
+        <p:cNvGrpSpPr/>
+        <p:nvPr/>
+      </p:nvGrpSpPr>
+      <p:grpSpPr>
+        <a:xfrm>
+          <a:off x="0" y="0"/>
+          <a:ext cx="0" cy="0"/>
+          <a:chOff x="0" y="0"/>
+          <a:chExt cx="0" cy="0"/>
+        </a:xfrm>
+      </p:grpSpPr>
+      <p:sp>
+        <p:nvSpPr>
+          <p:cNvPr id="2" name="Title 1"/>
+          <p:cNvSpPr>
+            <a:spLocks noGrp="1"/>
+          </p:cNvSpPr>
+          <p:nvPr>
+            <p:ph type="title"/>
+          </p:nvPr>
+        </p:nvSpPr>
+        <p:spPr/>
+        <p:txBody>
+          <a:bodyPr>
+            <a:normAutofit fontScale="90000"/>
+          </a:bodyPr>
+          <a:lstStyle/>
+          <a:p>
+            <a:r>
+              <a:rPr lang="en-US" dirty="0" err="1"/>
+              <a:t>sys.dm_exec_query_transformation_stats</a:t>
+            </a:r>
+            <a:endParaRPr lang="en-US" dirty="0"/>
+          </a:p>
+        </p:txBody>
+      </p:sp>
+      <p:sp>
+        <p:nvSpPr>
+          <p:cNvPr id="3" name="Content Placeholder 2"/>
+          <p:cNvSpPr>
+            <a:spLocks noGrp="1"/>
+          </p:cNvSpPr>
+          <p:nvPr>
+            <p:ph idx="1"/>
+          </p:nvPr>
+        </p:nvSpPr>
+        <p:spPr/>
+        <p:txBody>
+          <a:bodyPr/>
+          <a:lstStyle/>
+          <a:p>
+            <a:r>
+              <a:rPr lang="en-US" dirty="0"/>
+              <a:t>One row per transformation rule</a:t>
+            </a:r>
+          </a:p>
+          <a:p>
+            <a:pPr lvl="1"/>
+            <a:r>
+              <a:rPr lang="en-US" dirty="0"/>
+              <a:t>“Promise” – How useful might the rule be for this query?</a:t>
+            </a:r>
+          </a:p>
+          <a:p>
+            <a:pPr lvl="1"/>
+            <a:r>
+              <a:rPr lang="en-US" dirty="0"/>
+              <a:t>“Built-Substitute” – Number of times the rule generated an alternate tree</a:t>
+            </a:r>
+          </a:p>
+          <a:p>
+            <a:pPr lvl="1"/>
+            <a:r>
+              <a:rPr lang="en-US" dirty="0"/>
+              <a:t>“Succeeded” – Number of times the rule was incorporated</a:t>
+            </a:r>
+          </a:p>
+          <a:p>
+            <a:r>
+              <a:rPr lang="en-US" dirty="0"/>
+              <a:t>Collect before and after images of this view on a quiet system</a:t>
+            </a:r>
+          </a:p>
+        </p:txBody>
+      </p:sp>
+      <p:sp>
+        <p:nvSpPr>
+          <p:cNvPr id="4" name="Oval 3"/>
+          <p:cNvSpPr/>
+          <p:nvPr/>
+        </p:nvSpPr>
+        <p:spPr>
+          <a:xfrm>
+            <a:off x="8378792" y="542942"/>
+            <a:ext cx="616016" cy="606391"/>
+          </a:xfrm>
+          <a:prstGeom prst="ellipse">
+            <a:avLst/>
+          </a:prstGeom>
+        </p:spPr>
+        <p:style>
+          <a:lnRef idx="1">
+            <a:schemeClr val="accent1"/>
+          </a:lnRef>
+          <a:fillRef idx="3">
+            <a:schemeClr val="accent1"/>
+          </a:fillRef>
+          <a:effectRef idx="2">
+            <a:schemeClr val="accent1"/>
+          </a:effectRef>
+          <a:fontRef idx="minor">
+            <a:schemeClr val="lt1"/>
+          </a:fontRef>
+        </p:style>
+        <p:txBody>
+          <a:bodyPr rtlCol="0" anchor="ctr"/>
+          <a:lstStyle/>
+          <a:p>
+            <a:pPr algn="ctr"/>
+            <a:r>
+              <a:rPr lang="en-US" sz="1600" dirty="0"/>
+              <a:t>10</a:t>
+            </a:r>
+          </a:p>
+        </p:txBody>
+      </p:sp>
+    </p:spTree>
+    <p:extLst>
+      <p:ext uri="{BB962C8B-B14F-4D97-AF65-F5344CB8AC3E}">
+        <p14:creationId xmlns:p14="http://schemas.microsoft.com/office/powerpoint/2010/main" val="3574128401"/>
+      </p:ext>
+    </p:extLst>
+  </p:cSld>
+  <p:clrMapOvr>
+    <a:masterClrMapping/>
+  </p:clrMapOvr>
+</p:sld>
+</file>
+
+<file path=ppt/slides/slide41.xml><?xml version="1.0" encoding="utf-8"?>
 <p:sld xmlns:a="http://schemas.openxmlformats.org/drawingml/2006/main" xmlns:r="http://schemas.openxmlformats.org/officeDocument/2006/relationships" xmlns:p="http://schemas.openxmlformats.org/presentationml/2006/main" show="0">
   <p:cSld>
     <p:spTree>
@@ -26369,106 +26485,6 @@
     <p:extLst>
       <p:ext uri="{BB962C8B-B14F-4D97-AF65-F5344CB8AC3E}">
         <p14:creationId xmlns:p14="http://schemas.microsoft.com/office/powerpoint/2010/main" val="3650632215"/>
-      </p:ext>
-    </p:extLst>
-  </p:cSld>
-  <p:clrMapOvr>
-    <a:masterClrMapping/>
-  </p:clrMapOvr>
-</p:sld>
-</file>
-
-<file path=ppt/slides/slide41.xml><?xml version="1.0" encoding="utf-8"?>
-<p:sld xmlns:a="http://schemas.openxmlformats.org/drawingml/2006/main" xmlns:r="http://schemas.openxmlformats.org/officeDocument/2006/relationships" xmlns:p="http://schemas.openxmlformats.org/presentationml/2006/main">
-  <p:cSld>
-    <p:spTree>
-      <p:nvGrpSpPr>
-        <p:cNvPr id="1" name=""/>
-        <p:cNvGrpSpPr/>
-        <p:nvPr/>
-      </p:nvGrpSpPr>
-      <p:grpSpPr>
-        <a:xfrm>
-          <a:off x="0" y="0"/>
-          <a:ext cx="0" cy="0"/>
-          <a:chOff x="0" y="0"/>
-          <a:chExt cx="0" cy="0"/>
-        </a:xfrm>
-      </p:grpSpPr>
-      <p:sp>
-        <p:nvSpPr>
-          <p:cNvPr id="2" name="Title 1"/>
-          <p:cNvSpPr>
-            <a:spLocks noGrp="1"/>
-          </p:cNvSpPr>
-          <p:nvPr>
-            <p:ph type="title"/>
-          </p:nvPr>
-        </p:nvSpPr>
-        <p:spPr/>
-        <p:txBody>
-          <a:bodyPr/>
-          <a:lstStyle/>
-          <a:p>
-            <a:r>
-              <a:rPr lang="en-US" dirty="0"/>
-              <a:t>Parse Trees</a:t>
-            </a:r>
-          </a:p>
-        </p:txBody>
-      </p:sp>
-      <p:sp>
-        <p:nvSpPr>
-          <p:cNvPr id="3" name="Content Placeholder 2"/>
-          <p:cNvSpPr>
-            <a:spLocks noGrp="1"/>
-          </p:cNvSpPr>
-          <p:nvPr>
-            <p:ph idx="1"/>
-          </p:nvPr>
-        </p:nvSpPr>
-        <p:spPr/>
-        <p:txBody>
-          <a:bodyPr/>
-          <a:lstStyle/>
-          <a:p>
-            <a:r>
-              <a:rPr lang="en-US" dirty="0"/>
-              <a:t>Internal representation of query operation</a:t>
-            </a:r>
-          </a:p>
-          <a:p>
-            <a:r>
-              <a:rPr lang="en-US" dirty="0"/>
-              <a:t>Nodes may be logical or physical operators</a:t>
-            </a:r>
-          </a:p>
-          <a:p>
-            <a:pPr lvl="1"/>
-            <a:r>
-              <a:rPr lang="en-US" dirty="0"/>
-              <a:t>0 to infinity inputs, 1 output</a:t>
-            </a:r>
-          </a:p>
-          <a:p>
-            <a:r>
-              <a:rPr lang="en-US" dirty="0"/>
-              <a:t>SQL Server will output parse trees at various phases of optimization</a:t>
-            </a:r>
-          </a:p>
-          <a:p>
-            <a:pPr lvl="1"/>
-            <a:r>
-              <a:rPr lang="en-US" dirty="0"/>
-              <a:t>A variety of trace flags will trigger output</a:t>
-            </a:r>
-          </a:p>
-        </p:txBody>
-      </p:sp>
-    </p:spTree>
-    <p:extLst>
-      <p:ext uri="{BB962C8B-B14F-4D97-AF65-F5344CB8AC3E}">
-        <p14:creationId xmlns:p14="http://schemas.microsoft.com/office/powerpoint/2010/main" val="1114966382"/>
       </p:ext>
     </p:extLst>
   </p:cSld>
@@ -26512,1150 +26528,63 @@
           <a:p>
             <a:r>
               <a:rPr lang="en-US" dirty="0"/>
-              <a:t>Example Parse Tree</a:t>
+              <a:t>Parse Trees</a:t>
             </a:r>
           </a:p>
         </p:txBody>
       </p:sp>
       <p:sp>
         <p:nvSpPr>
-          <p:cNvPr id="5" name="TextBox 4"/>
-          <p:cNvSpPr txBox="1"/>
-          <p:nvPr/>
+          <p:cNvPr id="3" name="Content Placeholder 2"/>
+          <p:cNvSpPr>
+            <a:spLocks noGrp="1"/>
+          </p:cNvSpPr>
+          <p:nvPr>
+            <p:ph idx="1"/>
+          </p:nvPr>
         </p:nvSpPr>
-        <p:spPr>
-          <a:xfrm>
-            <a:off x="558265" y="1713297"/>
-            <a:ext cx="4025461" cy="2677656"/>
-          </a:xfrm>
-          <a:prstGeom prst="rect">
-            <a:avLst/>
-          </a:prstGeom>
-          <a:noFill/>
-        </p:spPr>
+        <p:spPr/>
         <p:txBody>
-          <a:bodyPr wrap="none" rtlCol="0">
-            <a:spAutoFit/>
-          </a:bodyPr>
+          <a:bodyPr/>
           <a:lstStyle/>
           <a:p>
             <a:r>
-              <a:rPr lang="en-US" sz="1400" dirty="0">
-                <a:solidFill>
-                  <a:srgbClr val="0000FF"/>
-                </a:solidFill>
-                <a:latin typeface="Consolas" panose="020B0609020204030204" pitchFamily="49" charset="0"/>
-              </a:rPr>
-              <a:t>select</a:t>
-            </a:r>
-            <a:r>
-              <a:rPr lang="en-US" sz="1400" dirty="0">
-                <a:solidFill>
-                  <a:prstClr val="black"/>
-                </a:solidFill>
-                <a:latin typeface="Consolas" panose="020B0609020204030204" pitchFamily="49" charset="0"/>
-              </a:rPr>
-              <a:t> </a:t>
-            </a:r>
-            <a:r>
-              <a:rPr lang="en-US" sz="1400" dirty="0">
-                <a:solidFill>
-                  <a:srgbClr val="0000FF"/>
-                </a:solidFill>
-                <a:latin typeface="Consolas" panose="020B0609020204030204" pitchFamily="49" charset="0"/>
-              </a:rPr>
-              <a:t>top</a:t>
-            </a:r>
-            <a:r>
-              <a:rPr lang="en-US" sz="1400" dirty="0">
-                <a:solidFill>
-                  <a:prstClr val="black"/>
-                </a:solidFill>
-                <a:latin typeface="Consolas" panose="020B0609020204030204" pitchFamily="49" charset="0"/>
-              </a:rPr>
-              <a:t> 10</a:t>
-            </a:r>
-          </a:p>
-          <a:p>
-            <a:r>
-              <a:rPr lang="en-US" sz="1400" dirty="0">
-                <a:solidFill>
-                  <a:srgbClr val="008080"/>
-                </a:solidFill>
-                <a:latin typeface="Consolas" panose="020B0609020204030204" pitchFamily="49" charset="0"/>
-              </a:rPr>
-              <a:t>	</a:t>
-            </a:r>
-            <a:r>
-              <a:rPr lang="en-US" sz="1400" dirty="0" err="1">
-                <a:solidFill>
-                  <a:srgbClr val="008080"/>
-                </a:solidFill>
-                <a:latin typeface="Consolas" panose="020B0609020204030204" pitchFamily="49" charset="0"/>
-              </a:rPr>
-              <a:t>od</a:t>
-            </a:r>
-            <a:r>
-              <a:rPr lang="en-US" sz="1400" dirty="0" err="1">
-                <a:solidFill>
-                  <a:srgbClr val="808080"/>
-                </a:solidFill>
-                <a:latin typeface="Consolas" panose="020B0609020204030204" pitchFamily="49" charset="0"/>
-              </a:rPr>
-              <a:t>.</a:t>
-            </a:r>
-            <a:r>
-              <a:rPr lang="en-US" sz="1400" dirty="0" err="1">
-                <a:solidFill>
-                  <a:srgbClr val="008080"/>
-                </a:solidFill>
-                <a:latin typeface="Consolas" panose="020B0609020204030204" pitchFamily="49" charset="0"/>
-              </a:rPr>
-              <a:t>ProductId</a:t>
-            </a:r>
-            <a:r>
-              <a:rPr lang="en-US" sz="1400" dirty="0">
-                <a:solidFill>
-                  <a:srgbClr val="808080"/>
-                </a:solidFill>
-                <a:latin typeface="Consolas" panose="020B0609020204030204" pitchFamily="49" charset="0"/>
-              </a:rPr>
-              <a:t>,</a:t>
-            </a:r>
-            <a:endParaRPr lang="en-US" sz="1400" dirty="0">
-              <a:solidFill>
-                <a:prstClr val="black"/>
-              </a:solidFill>
-              <a:latin typeface="Consolas" panose="020B0609020204030204" pitchFamily="49" charset="0"/>
-            </a:endParaRPr>
-          </a:p>
-          <a:p>
-            <a:r>
-              <a:rPr lang="en-US" sz="1400" dirty="0">
-                <a:solidFill>
-                  <a:srgbClr val="FF00FF"/>
-                </a:solidFill>
-                <a:latin typeface="Consolas" panose="020B0609020204030204" pitchFamily="49" charset="0"/>
-              </a:rPr>
-              <a:t>	sum</a:t>
-            </a:r>
-            <a:r>
-              <a:rPr lang="en-US" sz="1400" dirty="0">
-                <a:solidFill>
-                  <a:srgbClr val="808080"/>
-                </a:solidFill>
-                <a:latin typeface="Consolas" panose="020B0609020204030204" pitchFamily="49" charset="0"/>
-              </a:rPr>
-              <a:t>(</a:t>
-            </a:r>
-            <a:r>
-              <a:rPr lang="en-US" sz="1400" dirty="0" err="1">
-                <a:solidFill>
-                  <a:srgbClr val="008080"/>
-                </a:solidFill>
-                <a:latin typeface="Consolas" panose="020B0609020204030204" pitchFamily="49" charset="0"/>
-              </a:rPr>
-              <a:t>od</a:t>
-            </a:r>
-            <a:r>
-              <a:rPr lang="en-US" sz="1400" dirty="0" err="1">
-                <a:solidFill>
-                  <a:srgbClr val="808080"/>
-                </a:solidFill>
-                <a:latin typeface="Consolas" panose="020B0609020204030204" pitchFamily="49" charset="0"/>
-              </a:rPr>
-              <a:t>.</a:t>
-            </a:r>
-            <a:r>
-              <a:rPr lang="en-US" sz="1400" dirty="0" err="1">
-                <a:solidFill>
-                  <a:srgbClr val="008080"/>
-                </a:solidFill>
-                <a:latin typeface="Consolas" panose="020B0609020204030204" pitchFamily="49" charset="0"/>
-              </a:rPr>
-              <a:t>Quantity</a:t>
-            </a:r>
-            <a:r>
-              <a:rPr lang="en-US" sz="1400" dirty="0">
-                <a:solidFill>
-                  <a:srgbClr val="808080"/>
-                </a:solidFill>
-                <a:latin typeface="Consolas" panose="020B0609020204030204" pitchFamily="49" charset="0"/>
-              </a:rPr>
-              <a:t>)</a:t>
-            </a:r>
-            <a:r>
-              <a:rPr lang="en-US" sz="1400" dirty="0">
-                <a:solidFill>
-                  <a:prstClr val="black"/>
-                </a:solidFill>
-                <a:latin typeface="Consolas" panose="020B0609020204030204" pitchFamily="49" charset="0"/>
-              </a:rPr>
-              <a:t> </a:t>
-            </a:r>
-            <a:r>
-              <a:rPr lang="en-US" sz="1400" dirty="0">
-                <a:solidFill>
-                  <a:srgbClr val="808080"/>
-                </a:solidFill>
-                <a:latin typeface="Consolas" panose="020B0609020204030204" pitchFamily="49" charset="0"/>
-              </a:rPr>
-              <a:t>-</a:t>
-            </a:r>
-            <a:r>
-              <a:rPr lang="en-US" sz="1400" dirty="0">
-                <a:solidFill>
-                  <a:prstClr val="black"/>
-                </a:solidFill>
-                <a:latin typeface="Consolas" panose="020B0609020204030204" pitchFamily="49" charset="0"/>
-              </a:rPr>
-              <a:t> 20 </a:t>
-            </a:r>
-            <a:r>
-              <a:rPr lang="en-US" sz="1400" dirty="0" err="1">
-                <a:solidFill>
-                  <a:srgbClr val="008080"/>
-                </a:solidFill>
-                <a:latin typeface="Consolas" panose="020B0609020204030204" pitchFamily="49" charset="0"/>
-              </a:rPr>
-              <a:t>ExcessOrders</a:t>
-            </a:r>
-            <a:endParaRPr lang="en-US" sz="1400" dirty="0">
-              <a:solidFill>
-                <a:prstClr val="black"/>
-              </a:solidFill>
-              <a:latin typeface="Consolas" panose="020B0609020204030204" pitchFamily="49" charset="0"/>
-            </a:endParaRPr>
-          </a:p>
-          <a:p>
-            <a:r>
-              <a:rPr lang="en-US" sz="1400" dirty="0">
-                <a:solidFill>
-                  <a:srgbClr val="0000FF"/>
-                </a:solidFill>
-                <a:latin typeface="Consolas" panose="020B0609020204030204" pitchFamily="49" charset="0"/>
-              </a:rPr>
-              <a:t>from</a:t>
-            </a:r>
-            <a:r>
-              <a:rPr lang="en-US" sz="1400" dirty="0">
-                <a:solidFill>
-                  <a:prstClr val="black"/>
-                </a:solidFill>
-                <a:latin typeface="Consolas" panose="020B0609020204030204" pitchFamily="49" charset="0"/>
-              </a:rPr>
-              <a:t> </a:t>
-            </a:r>
-            <a:r>
-              <a:rPr lang="en-US" sz="1400" dirty="0" err="1">
-                <a:solidFill>
-                  <a:srgbClr val="008080"/>
-                </a:solidFill>
-                <a:latin typeface="Consolas" panose="020B0609020204030204" pitchFamily="49" charset="0"/>
-              </a:rPr>
-              <a:t>CorpDB</a:t>
-            </a:r>
-            <a:r>
-              <a:rPr lang="en-US" sz="1400" dirty="0" err="1">
-                <a:solidFill>
-                  <a:srgbClr val="808080"/>
-                </a:solidFill>
-                <a:latin typeface="Consolas" panose="020B0609020204030204" pitchFamily="49" charset="0"/>
-              </a:rPr>
-              <a:t>.</a:t>
-            </a:r>
-            <a:r>
-              <a:rPr lang="en-US" sz="1400" dirty="0" err="1">
-                <a:solidFill>
-                  <a:srgbClr val="008080"/>
-                </a:solidFill>
-                <a:latin typeface="Consolas" panose="020B0609020204030204" pitchFamily="49" charset="0"/>
-              </a:rPr>
-              <a:t>dbo</a:t>
-            </a:r>
-            <a:r>
-              <a:rPr lang="en-US" sz="1400" dirty="0" err="1">
-                <a:solidFill>
-                  <a:srgbClr val="808080"/>
-                </a:solidFill>
-                <a:latin typeface="Consolas" panose="020B0609020204030204" pitchFamily="49" charset="0"/>
-              </a:rPr>
-              <a:t>.</a:t>
-            </a:r>
-            <a:r>
-              <a:rPr lang="en-US" sz="1400" dirty="0" err="1">
-                <a:solidFill>
-                  <a:srgbClr val="008080"/>
-                </a:solidFill>
-                <a:latin typeface="Consolas" panose="020B0609020204030204" pitchFamily="49" charset="0"/>
-              </a:rPr>
-              <a:t>OrderHeader</a:t>
-            </a:r>
-            <a:r>
-              <a:rPr lang="en-US" sz="1400" dirty="0">
-                <a:solidFill>
-                  <a:prstClr val="black"/>
-                </a:solidFill>
-                <a:latin typeface="Consolas" panose="020B0609020204030204" pitchFamily="49" charset="0"/>
-              </a:rPr>
-              <a:t> </a:t>
-            </a:r>
-            <a:r>
-              <a:rPr lang="en-US" sz="1400" dirty="0">
-                <a:solidFill>
-                  <a:srgbClr val="008080"/>
-                </a:solidFill>
-                <a:latin typeface="Consolas" panose="020B0609020204030204" pitchFamily="49" charset="0"/>
-              </a:rPr>
-              <a:t>oh</a:t>
-            </a:r>
-            <a:endParaRPr lang="en-US" sz="1400" dirty="0">
-              <a:solidFill>
-                <a:prstClr val="black"/>
-              </a:solidFill>
-              <a:latin typeface="Consolas" panose="020B0609020204030204" pitchFamily="49" charset="0"/>
-            </a:endParaRPr>
-          </a:p>
-          <a:p>
-            <a:r>
-              <a:rPr lang="en-US" sz="1400" dirty="0">
-                <a:solidFill>
-                  <a:srgbClr val="808080"/>
-                </a:solidFill>
-                <a:latin typeface="Consolas" panose="020B0609020204030204" pitchFamily="49" charset="0"/>
-              </a:rPr>
-              <a:t>inner</a:t>
-            </a:r>
-            <a:r>
-              <a:rPr lang="en-US" sz="1400" dirty="0">
-                <a:solidFill>
-                  <a:prstClr val="black"/>
-                </a:solidFill>
-                <a:latin typeface="Consolas" panose="020B0609020204030204" pitchFamily="49" charset="0"/>
-              </a:rPr>
-              <a:t> </a:t>
-            </a:r>
-            <a:r>
-              <a:rPr lang="en-US" sz="1400" dirty="0">
-                <a:solidFill>
-                  <a:srgbClr val="808080"/>
-                </a:solidFill>
-                <a:latin typeface="Consolas" panose="020B0609020204030204" pitchFamily="49" charset="0"/>
-              </a:rPr>
-              <a:t>join</a:t>
-            </a:r>
-            <a:r>
-              <a:rPr lang="en-US" sz="1400" dirty="0">
-                <a:solidFill>
-                  <a:prstClr val="black"/>
-                </a:solidFill>
-                <a:latin typeface="Consolas" panose="020B0609020204030204" pitchFamily="49" charset="0"/>
-              </a:rPr>
-              <a:t> </a:t>
-            </a:r>
-            <a:r>
-              <a:rPr lang="en-US" sz="1400" dirty="0" err="1">
-                <a:solidFill>
-                  <a:srgbClr val="008080"/>
-                </a:solidFill>
-                <a:latin typeface="Consolas" panose="020B0609020204030204" pitchFamily="49" charset="0"/>
-              </a:rPr>
-              <a:t>CorpDB</a:t>
-            </a:r>
-            <a:r>
-              <a:rPr lang="en-US" sz="1400" dirty="0" err="1">
-                <a:solidFill>
-                  <a:srgbClr val="808080"/>
-                </a:solidFill>
-                <a:latin typeface="Consolas" panose="020B0609020204030204" pitchFamily="49" charset="0"/>
-              </a:rPr>
-              <a:t>.</a:t>
-            </a:r>
-            <a:r>
-              <a:rPr lang="en-US" sz="1400" dirty="0" err="1">
-                <a:solidFill>
-                  <a:srgbClr val="008080"/>
-                </a:solidFill>
-                <a:latin typeface="Consolas" panose="020B0609020204030204" pitchFamily="49" charset="0"/>
-              </a:rPr>
-              <a:t>dbo</a:t>
-            </a:r>
-            <a:r>
-              <a:rPr lang="en-US" sz="1400" dirty="0" err="1">
-                <a:solidFill>
-                  <a:srgbClr val="808080"/>
-                </a:solidFill>
-                <a:latin typeface="Consolas" panose="020B0609020204030204" pitchFamily="49" charset="0"/>
-              </a:rPr>
-              <a:t>.</a:t>
-            </a:r>
-            <a:r>
-              <a:rPr lang="en-US" sz="1400" dirty="0" err="1">
-                <a:solidFill>
-                  <a:srgbClr val="008080"/>
-                </a:solidFill>
-                <a:latin typeface="Consolas" panose="020B0609020204030204" pitchFamily="49" charset="0"/>
-              </a:rPr>
-              <a:t>OrderDetail</a:t>
-            </a:r>
-            <a:r>
-              <a:rPr lang="en-US" sz="1400" dirty="0">
-                <a:solidFill>
-                  <a:prstClr val="black"/>
-                </a:solidFill>
-                <a:latin typeface="Consolas" panose="020B0609020204030204" pitchFamily="49" charset="0"/>
-              </a:rPr>
-              <a:t> </a:t>
-            </a:r>
-            <a:r>
-              <a:rPr lang="en-US" sz="1400" dirty="0">
-                <a:solidFill>
-                  <a:srgbClr val="008080"/>
-                </a:solidFill>
-                <a:latin typeface="Consolas" panose="020B0609020204030204" pitchFamily="49" charset="0"/>
-              </a:rPr>
-              <a:t>od</a:t>
-            </a:r>
-            <a:endParaRPr lang="en-US" sz="1400" dirty="0">
-              <a:solidFill>
-                <a:prstClr val="black"/>
-              </a:solidFill>
-              <a:latin typeface="Consolas" panose="020B0609020204030204" pitchFamily="49" charset="0"/>
-            </a:endParaRPr>
-          </a:p>
-          <a:p>
-            <a:r>
-              <a:rPr lang="en-US" sz="1400" dirty="0">
-                <a:solidFill>
-                  <a:srgbClr val="0000FF"/>
-                </a:solidFill>
-                <a:latin typeface="Consolas" panose="020B0609020204030204" pitchFamily="49" charset="0"/>
-              </a:rPr>
-              <a:t>on</a:t>
-            </a:r>
-            <a:r>
-              <a:rPr lang="en-US" sz="1400" dirty="0">
-                <a:solidFill>
-                  <a:prstClr val="black"/>
-                </a:solidFill>
-                <a:latin typeface="Consolas" panose="020B0609020204030204" pitchFamily="49" charset="0"/>
-              </a:rPr>
-              <a:t> </a:t>
-            </a:r>
-            <a:r>
-              <a:rPr lang="en-US" sz="1400" dirty="0" err="1">
-                <a:solidFill>
-                  <a:srgbClr val="008080"/>
-                </a:solidFill>
-                <a:latin typeface="Consolas" panose="020B0609020204030204" pitchFamily="49" charset="0"/>
-              </a:rPr>
-              <a:t>oh</a:t>
-            </a:r>
-            <a:r>
-              <a:rPr lang="en-US" sz="1400" dirty="0" err="1">
-                <a:solidFill>
-                  <a:srgbClr val="808080"/>
-                </a:solidFill>
-                <a:latin typeface="Consolas" panose="020B0609020204030204" pitchFamily="49" charset="0"/>
-              </a:rPr>
-              <a:t>.</a:t>
-            </a:r>
-            <a:r>
-              <a:rPr lang="en-US" sz="1400" dirty="0" err="1">
-                <a:solidFill>
-                  <a:srgbClr val="008080"/>
-                </a:solidFill>
-                <a:latin typeface="Consolas" panose="020B0609020204030204" pitchFamily="49" charset="0"/>
-              </a:rPr>
-              <a:t>OrderId</a:t>
-            </a:r>
-            <a:r>
-              <a:rPr lang="en-US" sz="1400" dirty="0">
-                <a:solidFill>
-                  <a:prstClr val="black"/>
-                </a:solidFill>
-                <a:latin typeface="Consolas" panose="020B0609020204030204" pitchFamily="49" charset="0"/>
-              </a:rPr>
-              <a:t> </a:t>
-            </a:r>
-            <a:r>
-              <a:rPr lang="en-US" sz="1400" dirty="0">
-                <a:solidFill>
-                  <a:srgbClr val="808080"/>
-                </a:solidFill>
-                <a:latin typeface="Consolas" panose="020B0609020204030204" pitchFamily="49" charset="0"/>
-              </a:rPr>
-              <a:t>=</a:t>
-            </a:r>
-            <a:r>
-              <a:rPr lang="en-US" sz="1400" dirty="0">
-                <a:solidFill>
-                  <a:prstClr val="black"/>
-                </a:solidFill>
-                <a:latin typeface="Consolas" panose="020B0609020204030204" pitchFamily="49" charset="0"/>
-              </a:rPr>
-              <a:t> </a:t>
-            </a:r>
-            <a:r>
-              <a:rPr lang="en-US" sz="1400" dirty="0" err="1">
-                <a:solidFill>
-                  <a:srgbClr val="008080"/>
-                </a:solidFill>
-                <a:latin typeface="Consolas" panose="020B0609020204030204" pitchFamily="49" charset="0"/>
-              </a:rPr>
-              <a:t>od</a:t>
-            </a:r>
-            <a:r>
-              <a:rPr lang="en-US" sz="1400" dirty="0" err="1">
-                <a:solidFill>
-                  <a:srgbClr val="808080"/>
-                </a:solidFill>
-                <a:latin typeface="Consolas" panose="020B0609020204030204" pitchFamily="49" charset="0"/>
-              </a:rPr>
-              <a:t>.</a:t>
-            </a:r>
-            <a:r>
-              <a:rPr lang="en-US" sz="1400" dirty="0" err="1">
-                <a:solidFill>
-                  <a:srgbClr val="008080"/>
-                </a:solidFill>
-                <a:latin typeface="Consolas" panose="020B0609020204030204" pitchFamily="49" charset="0"/>
-              </a:rPr>
-              <a:t>OrderId</a:t>
-            </a:r>
-            <a:endParaRPr lang="en-US" sz="1400" dirty="0">
-              <a:solidFill>
-                <a:prstClr val="black"/>
-              </a:solidFill>
-              <a:latin typeface="Consolas" panose="020B0609020204030204" pitchFamily="49" charset="0"/>
-            </a:endParaRPr>
-          </a:p>
-          <a:p>
-            <a:r>
-              <a:rPr lang="en-US" sz="1400" dirty="0">
-                <a:solidFill>
-                  <a:srgbClr val="808080"/>
-                </a:solidFill>
-                <a:latin typeface="Consolas" panose="020B0609020204030204" pitchFamily="49" charset="0"/>
-              </a:rPr>
-              <a:t>inner</a:t>
-            </a:r>
-            <a:r>
-              <a:rPr lang="en-US" sz="1400" dirty="0">
-                <a:solidFill>
-                  <a:prstClr val="black"/>
-                </a:solidFill>
-                <a:latin typeface="Consolas" panose="020B0609020204030204" pitchFamily="49" charset="0"/>
-              </a:rPr>
-              <a:t> </a:t>
-            </a:r>
-            <a:r>
-              <a:rPr lang="en-US" sz="1400" dirty="0">
-                <a:solidFill>
-                  <a:srgbClr val="808080"/>
-                </a:solidFill>
-                <a:latin typeface="Consolas" panose="020B0609020204030204" pitchFamily="49" charset="0"/>
-              </a:rPr>
-              <a:t>join</a:t>
-            </a:r>
-            <a:r>
-              <a:rPr lang="en-US" sz="1400" dirty="0">
-                <a:solidFill>
-                  <a:prstClr val="black"/>
-                </a:solidFill>
-                <a:latin typeface="Consolas" panose="020B0609020204030204" pitchFamily="49" charset="0"/>
-              </a:rPr>
-              <a:t> </a:t>
-            </a:r>
-            <a:r>
-              <a:rPr lang="en-US" sz="1400" dirty="0" err="1">
-                <a:solidFill>
-                  <a:srgbClr val="008080"/>
-                </a:solidFill>
-                <a:latin typeface="Consolas" panose="020B0609020204030204" pitchFamily="49" charset="0"/>
-              </a:rPr>
-              <a:t>CorpDB</a:t>
-            </a:r>
-            <a:r>
-              <a:rPr lang="en-US" sz="1400" dirty="0" err="1">
-                <a:solidFill>
-                  <a:srgbClr val="808080"/>
-                </a:solidFill>
-                <a:latin typeface="Consolas" panose="020B0609020204030204" pitchFamily="49" charset="0"/>
-              </a:rPr>
-              <a:t>.</a:t>
-            </a:r>
-            <a:r>
-              <a:rPr lang="en-US" sz="1400" dirty="0" err="1">
-                <a:solidFill>
-                  <a:srgbClr val="008080"/>
-                </a:solidFill>
-                <a:latin typeface="Consolas" panose="020B0609020204030204" pitchFamily="49" charset="0"/>
-              </a:rPr>
-              <a:t>dbo</a:t>
-            </a:r>
-            <a:r>
-              <a:rPr lang="en-US" sz="1400" dirty="0" err="1">
-                <a:solidFill>
-                  <a:srgbClr val="808080"/>
-                </a:solidFill>
-                <a:latin typeface="Consolas" panose="020B0609020204030204" pitchFamily="49" charset="0"/>
-              </a:rPr>
-              <a:t>.</a:t>
-            </a:r>
-            <a:r>
-              <a:rPr lang="en-US" sz="1400" dirty="0" err="1">
-                <a:solidFill>
-                  <a:srgbClr val="008080"/>
-                </a:solidFill>
-                <a:latin typeface="Consolas" panose="020B0609020204030204" pitchFamily="49" charset="0"/>
-              </a:rPr>
-              <a:t>Customer</a:t>
-            </a:r>
-            <a:r>
-              <a:rPr lang="en-US" sz="1400" dirty="0">
-                <a:solidFill>
-                  <a:prstClr val="black"/>
-                </a:solidFill>
-                <a:latin typeface="Consolas" panose="020B0609020204030204" pitchFamily="49" charset="0"/>
-              </a:rPr>
-              <a:t> </a:t>
-            </a:r>
-            <a:r>
-              <a:rPr lang="en-US" sz="1400" dirty="0" err="1">
-                <a:solidFill>
-                  <a:srgbClr val="008080"/>
-                </a:solidFill>
-                <a:latin typeface="Consolas" panose="020B0609020204030204" pitchFamily="49" charset="0"/>
-              </a:rPr>
-              <a:t>cust</a:t>
-            </a:r>
-            <a:endParaRPr lang="en-US" sz="1400" dirty="0">
-              <a:solidFill>
-                <a:prstClr val="black"/>
-              </a:solidFill>
-              <a:latin typeface="Consolas" panose="020B0609020204030204" pitchFamily="49" charset="0"/>
-            </a:endParaRPr>
-          </a:p>
-          <a:p>
-            <a:r>
-              <a:rPr lang="en-US" sz="1400" dirty="0">
-                <a:solidFill>
-                  <a:srgbClr val="0000FF"/>
-                </a:solidFill>
-                <a:latin typeface="Consolas" panose="020B0609020204030204" pitchFamily="49" charset="0"/>
-              </a:rPr>
-              <a:t>on</a:t>
-            </a:r>
-            <a:r>
-              <a:rPr lang="en-US" sz="1400" dirty="0">
-                <a:solidFill>
-                  <a:prstClr val="black"/>
-                </a:solidFill>
-                <a:latin typeface="Consolas" panose="020B0609020204030204" pitchFamily="49" charset="0"/>
-              </a:rPr>
-              <a:t> </a:t>
-            </a:r>
-            <a:r>
-              <a:rPr lang="en-US" sz="1400" dirty="0" err="1">
-                <a:solidFill>
-                  <a:srgbClr val="008080"/>
-                </a:solidFill>
-                <a:latin typeface="Consolas" panose="020B0609020204030204" pitchFamily="49" charset="0"/>
-              </a:rPr>
-              <a:t>oh</a:t>
-            </a:r>
-            <a:r>
-              <a:rPr lang="en-US" sz="1400" dirty="0" err="1">
-                <a:solidFill>
-                  <a:srgbClr val="808080"/>
-                </a:solidFill>
-                <a:latin typeface="Consolas" panose="020B0609020204030204" pitchFamily="49" charset="0"/>
-              </a:rPr>
-              <a:t>.</a:t>
-            </a:r>
-            <a:r>
-              <a:rPr lang="en-US" sz="1400" dirty="0" err="1">
-                <a:solidFill>
-                  <a:srgbClr val="008080"/>
-                </a:solidFill>
-                <a:latin typeface="Consolas" panose="020B0609020204030204" pitchFamily="49" charset="0"/>
-              </a:rPr>
-              <a:t>CustomerId</a:t>
-            </a:r>
-            <a:r>
-              <a:rPr lang="en-US" sz="1400" dirty="0">
-                <a:solidFill>
-                  <a:prstClr val="black"/>
-                </a:solidFill>
-                <a:latin typeface="Consolas" panose="020B0609020204030204" pitchFamily="49" charset="0"/>
-              </a:rPr>
-              <a:t> </a:t>
-            </a:r>
-            <a:r>
-              <a:rPr lang="en-US" sz="1400" dirty="0">
-                <a:solidFill>
-                  <a:srgbClr val="808080"/>
-                </a:solidFill>
-                <a:latin typeface="Consolas" panose="020B0609020204030204" pitchFamily="49" charset="0"/>
-              </a:rPr>
-              <a:t>=</a:t>
-            </a:r>
-            <a:r>
-              <a:rPr lang="en-US" sz="1400" dirty="0">
-                <a:solidFill>
-                  <a:prstClr val="black"/>
-                </a:solidFill>
-                <a:latin typeface="Consolas" panose="020B0609020204030204" pitchFamily="49" charset="0"/>
-              </a:rPr>
-              <a:t> </a:t>
-            </a:r>
-            <a:r>
-              <a:rPr lang="en-US" sz="1400" dirty="0" err="1">
-                <a:solidFill>
-                  <a:srgbClr val="008080"/>
-                </a:solidFill>
-                <a:latin typeface="Consolas" panose="020B0609020204030204" pitchFamily="49" charset="0"/>
-              </a:rPr>
-              <a:t>cust</a:t>
-            </a:r>
-            <a:r>
-              <a:rPr lang="en-US" sz="1400" dirty="0" err="1">
-                <a:solidFill>
-                  <a:srgbClr val="808080"/>
-                </a:solidFill>
-                <a:latin typeface="Consolas" panose="020B0609020204030204" pitchFamily="49" charset="0"/>
-              </a:rPr>
-              <a:t>.</a:t>
-            </a:r>
-            <a:r>
-              <a:rPr lang="en-US" sz="1400" dirty="0" err="1">
-                <a:solidFill>
-                  <a:srgbClr val="008080"/>
-                </a:solidFill>
-                <a:latin typeface="Consolas" panose="020B0609020204030204" pitchFamily="49" charset="0"/>
-              </a:rPr>
-              <a:t>CustomerID</a:t>
-            </a:r>
-            <a:endParaRPr lang="en-US" sz="1400" dirty="0">
-              <a:solidFill>
-                <a:prstClr val="black"/>
-              </a:solidFill>
-              <a:latin typeface="Consolas" panose="020B0609020204030204" pitchFamily="49" charset="0"/>
-            </a:endParaRPr>
-          </a:p>
-          <a:p>
-            <a:r>
-              <a:rPr lang="en-US" sz="1400" dirty="0">
-                <a:solidFill>
-                  <a:srgbClr val="0000FF"/>
-                </a:solidFill>
-                <a:latin typeface="Consolas" panose="020B0609020204030204" pitchFamily="49" charset="0"/>
-              </a:rPr>
-              <a:t>where</a:t>
-            </a:r>
-            <a:r>
-              <a:rPr lang="en-US" sz="1400" dirty="0">
-                <a:solidFill>
-                  <a:prstClr val="black"/>
-                </a:solidFill>
-                <a:latin typeface="Consolas" panose="020B0609020204030204" pitchFamily="49" charset="0"/>
-              </a:rPr>
-              <a:t> </a:t>
-            </a:r>
-            <a:r>
-              <a:rPr lang="en-US" sz="1400" dirty="0" err="1">
-                <a:solidFill>
-                  <a:srgbClr val="008080"/>
-                </a:solidFill>
-                <a:latin typeface="Consolas" panose="020B0609020204030204" pitchFamily="49" charset="0"/>
-              </a:rPr>
-              <a:t>cust</a:t>
-            </a:r>
-            <a:r>
-              <a:rPr lang="en-US" sz="1400" dirty="0" err="1">
-                <a:solidFill>
-                  <a:srgbClr val="808080"/>
-                </a:solidFill>
-                <a:latin typeface="Consolas" panose="020B0609020204030204" pitchFamily="49" charset="0"/>
-              </a:rPr>
-              <a:t>.</a:t>
-            </a:r>
-            <a:r>
-              <a:rPr lang="en-US" sz="1400" dirty="0" err="1">
-                <a:solidFill>
-                  <a:srgbClr val="0000FF"/>
-                </a:solidFill>
-                <a:latin typeface="Consolas" panose="020B0609020204030204" pitchFamily="49" charset="0"/>
-              </a:rPr>
-              <a:t>State</a:t>
-            </a:r>
-            <a:r>
-              <a:rPr lang="en-US" sz="1400" dirty="0">
-                <a:solidFill>
-                  <a:prstClr val="black"/>
-                </a:solidFill>
-                <a:latin typeface="Consolas" panose="020B0609020204030204" pitchFamily="49" charset="0"/>
-              </a:rPr>
-              <a:t> </a:t>
-            </a:r>
-            <a:r>
-              <a:rPr lang="en-US" sz="1400" dirty="0">
-                <a:solidFill>
-                  <a:srgbClr val="808080"/>
-                </a:solidFill>
-                <a:latin typeface="Consolas" panose="020B0609020204030204" pitchFamily="49" charset="0"/>
-              </a:rPr>
-              <a:t>=</a:t>
-            </a:r>
-            <a:r>
-              <a:rPr lang="en-US" sz="1400" dirty="0">
-                <a:solidFill>
-                  <a:prstClr val="black"/>
-                </a:solidFill>
-                <a:latin typeface="Consolas" panose="020B0609020204030204" pitchFamily="49" charset="0"/>
-              </a:rPr>
-              <a:t> </a:t>
-            </a:r>
-            <a:r>
-              <a:rPr lang="en-US" sz="1400" dirty="0">
-                <a:solidFill>
-                  <a:srgbClr val="FF0000"/>
-                </a:solidFill>
-                <a:latin typeface="Consolas" panose="020B0609020204030204" pitchFamily="49" charset="0"/>
-              </a:rPr>
-              <a:t>'IA'</a:t>
-            </a:r>
-            <a:endParaRPr lang="en-US" sz="1400" dirty="0">
-              <a:solidFill>
-                <a:prstClr val="black"/>
-              </a:solidFill>
-              <a:latin typeface="Consolas" panose="020B0609020204030204" pitchFamily="49" charset="0"/>
-            </a:endParaRPr>
-          </a:p>
-          <a:p>
-            <a:r>
-              <a:rPr lang="en-US" sz="1400" dirty="0">
-                <a:solidFill>
-                  <a:srgbClr val="0000FF"/>
-                </a:solidFill>
-                <a:latin typeface="Consolas" panose="020B0609020204030204" pitchFamily="49" charset="0"/>
-              </a:rPr>
-              <a:t>group</a:t>
-            </a:r>
-            <a:r>
-              <a:rPr lang="en-US" sz="1400" dirty="0">
-                <a:solidFill>
-                  <a:prstClr val="black"/>
-                </a:solidFill>
-                <a:latin typeface="Consolas" panose="020B0609020204030204" pitchFamily="49" charset="0"/>
-              </a:rPr>
-              <a:t> </a:t>
-            </a:r>
-            <a:r>
-              <a:rPr lang="en-US" sz="1400" dirty="0">
-                <a:solidFill>
-                  <a:srgbClr val="0000FF"/>
-                </a:solidFill>
-                <a:latin typeface="Consolas" panose="020B0609020204030204" pitchFamily="49" charset="0"/>
-              </a:rPr>
-              <a:t>by</a:t>
-            </a:r>
-            <a:r>
-              <a:rPr lang="en-US" sz="1400" dirty="0">
-                <a:solidFill>
-                  <a:prstClr val="black"/>
-                </a:solidFill>
-                <a:latin typeface="Consolas" panose="020B0609020204030204" pitchFamily="49" charset="0"/>
-              </a:rPr>
-              <a:t> </a:t>
-            </a:r>
-            <a:r>
-              <a:rPr lang="en-US" sz="1400" dirty="0" err="1">
-                <a:solidFill>
-                  <a:srgbClr val="008080"/>
-                </a:solidFill>
-                <a:latin typeface="Consolas" panose="020B0609020204030204" pitchFamily="49" charset="0"/>
-              </a:rPr>
-              <a:t>od</a:t>
-            </a:r>
-            <a:r>
-              <a:rPr lang="en-US" sz="1400" dirty="0" err="1">
-                <a:solidFill>
-                  <a:srgbClr val="808080"/>
-                </a:solidFill>
-                <a:latin typeface="Consolas" panose="020B0609020204030204" pitchFamily="49" charset="0"/>
-              </a:rPr>
-              <a:t>.</a:t>
-            </a:r>
-            <a:r>
-              <a:rPr lang="en-US" sz="1400" dirty="0" err="1">
-                <a:solidFill>
-                  <a:srgbClr val="008080"/>
-                </a:solidFill>
-                <a:latin typeface="Consolas" panose="020B0609020204030204" pitchFamily="49" charset="0"/>
-              </a:rPr>
-              <a:t>ProductId</a:t>
-            </a:r>
-            <a:endParaRPr lang="en-US" sz="1400" dirty="0">
-              <a:solidFill>
-                <a:prstClr val="black"/>
-              </a:solidFill>
-              <a:latin typeface="Consolas" panose="020B0609020204030204" pitchFamily="49" charset="0"/>
-            </a:endParaRPr>
-          </a:p>
-          <a:p>
-            <a:r>
-              <a:rPr lang="en-US" sz="1400" dirty="0">
-                <a:solidFill>
-                  <a:srgbClr val="0000FF"/>
-                </a:solidFill>
-                <a:latin typeface="Consolas" panose="020B0609020204030204" pitchFamily="49" charset="0"/>
-              </a:rPr>
-              <a:t>having</a:t>
-            </a:r>
-            <a:r>
-              <a:rPr lang="en-US" sz="1400" dirty="0">
-                <a:solidFill>
-                  <a:prstClr val="black"/>
-                </a:solidFill>
-                <a:latin typeface="Consolas" panose="020B0609020204030204" pitchFamily="49" charset="0"/>
-              </a:rPr>
-              <a:t> </a:t>
-            </a:r>
-            <a:r>
-              <a:rPr lang="en-US" sz="1400" dirty="0">
-                <a:solidFill>
-                  <a:srgbClr val="FF00FF"/>
-                </a:solidFill>
-                <a:latin typeface="Consolas" panose="020B0609020204030204" pitchFamily="49" charset="0"/>
-              </a:rPr>
-              <a:t>sum</a:t>
-            </a:r>
-            <a:r>
-              <a:rPr lang="en-US" sz="1400" dirty="0">
-                <a:solidFill>
-                  <a:srgbClr val="808080"/>
-                </a:solidFill>
-                <a:latin typeface="Consolas" panose="020B0609020204030204" pitchFamily="49" charset="0"/>
-              </a:rPr>
-              <a:t>(</a:t>
-            </a:r>
-            <a:r>
-              <a:rPr lang="en-US" sz="1400" dirty="0" err="1">
-                <a:solidFill>
-                  <a:srgbClr val="008080"/>
-                </a:solidFill>
-                <a:latin typeface="Consolas" panose="020B0609020204030204" pitchFamily="49" charset="0"/>
-              </a:rPr>
-              <a:t>od</a:t>
-            </a:r>
-            <a:r>
-              <a:rPr lang="en-US" sz="1400" dirty="0" err="1">
-                <a:solidFill>
-                  <a:srgbClr val="808080"/>
-                </a:solidFill>
-                <a:latin typeface="Consolas" panose="020B0609020204030204" pitchFamily="49" charset="0"/>
-              </a:rPr>
-              <a:t>.</a:t>
-            </a:r>
-            <a:r>
-              <a:rPr lang="en-US" sz="1400" dirty="0" err="1">
-                <a:solidFill>
-                  <a:srgbClr val="008080"/>
-                </a:solidFill>
-                <a:latin typeface="Consolas" panose="020B0609020204030204" pitchFamily="49" charset="0"/>
-              </a:rPr>
-              <a:t>Quantity</a:t>
-            </a:r>
-            <a:r>
-              <a:rPr lang="en-US" sz="1400" dirty="0">
-                <a:solidFill>
-                  <a:srgbClr val="808080"/>
-                </a:solidFill>
-                <a:latin typeface="Consolas" panose="020B0609020204030204" pitchFamily="49" charset="0"/>
-              </a:rPr>
-              <a:t>)</a:t>
-            </a:r>
-            <a:r>
-              <a:rPr lang="en-US" sz="1400" dirty="0">
-                <a:solidFill>
-                  <a:prstClr val="black"/>
-                </a:solidFill>
-                <a:latin typeface="Consolas" panose="020B0609020204030204" pitchFamily="49" charset="0"/>
-              </a:rPr>
-              <a:t> </a:t>
-            </a:r>
-            <a:r>
-              <a:rPr lang="en-US" sz="1400" dirty="0">
-                <a:solidFill>
-                  <a:srgbClr val="808080"/>
-                </a:solidFill>
-                <a:latin typeface="Consolas" panose="020B0609020204030204" pitchFamily="49" charset="0"/>
-              </a:rPr>
-              <a:t>&gt;=</a:t>
-            </a:r>
-            <a:r>
-              <a:rPr lang="en-US" sz="1400" dirty="0">
-                <a:solidFill>
-                  <a:prstClr val="black"/>
-                </a:solidFill>
-                <a:latin typeface="Consolas" panose="020B0609020204030204" pitchFamily="49" charset="0"/>
-              </a:rPr>
-              <a:t> 20</a:t>
-            </a:r>
-          </a:p>
-          <a:p>
-            <a:r>
-              <a:rPr lang="en-US" sz="1400" dirty="0">
-                <a:solidFill>
-                  <a:srgbClr val="0000FF"/>
-                </a:solidFill>
-                <a:latin typeface="Consolas" panose="020B0609020204030204" pitchFamily="49" charset="0"/>
-              </a:rPr>
-              <a:t>order</a:t>
-            </a:r>
-            <a:r>
-              <a:rPr lang="en-US" sz="1400" dirty="0">
-                <a:solidFill>
-                  <a:prstClr val="black"/>
-                </a:solidFill>
-                <a:latin typeface="Consolas" panose="020B0609020204030204" pitchFamily="49" charset="0"/>
-              </a:rPr>
-              <a:t> </a:t>
-            </a:r>
-            <a:r>
-              <a:rPr lang="en-US" sz="1400" dirty="0">
-                <a:solidFill>
-                  <a:srgbClr val="0000FF"/>
-                </a:solidFill>
-                <a:latin typeface="Consolas" panose="020B0609020204030204" pitchFamily="49" charset="0"/>
-              </a:rPr>
-              <a:t>by</a:t>
-            </a:r>
-            <a:r>
-              <a:rPr lang="en-US" sz="1400" dirty="0">
-                <a:solidFill>
-                  <a:prstClr val="black"/>
-                </a:solidFill>
-                <a:latin typeface="Consolas" panose="020B0609020204030204" pitchFamily="49" charset="0"/>
-              </a:rPr>
-              <a:t> </a:t>
-            </a:r>
-            <a:r>
-              <a:rPr lang="en-US" sz="1400" dirty="0" err="1">
-                <a:solidFill>
-                  <a:srgbClr val="008080"/>
-                </a:solidFill>
-                <a:latin typeface="Consolas" panose="020B0609020204030204" pitchFamily="49" charset="0"/>
-              </a:rPr>
-              <a:t>od</a:t>
-            </a:r>
-            <a:r>
-              <a:rPr lang="en-US" sz="1400" dirty="0" err="1">
-                <a:solidFill>
-                  <a:srgbClr val="808080"/>
-                </a:solidFill>
-                <a:latin typeface="Consolas" panose="020B0609020204030204" pitchFamily="49" charset="0"/>
-              </a:rPr>
-              <a:t>.</a:t>
-            </a:r>
-            <a:r>
-              <a:rPr lang="en-US" sz="1400" dirty="0" err="1">
-                <a:solidFill>
-                  <a:srgbClr val="008080"/>
-                </a:solidFill>
-                <a:latin typeface="Consolas" panose="020B0609020204030204" pitchFamily="49" charset="0"/>
-              </a:rPr>
-              <a:t>ProductId</a:t>
-            </a:r>
-            <a:r>
-              <a:rPr lang="en-US" sz="1400" dirty="0">
-                <a:solidFill>
-                  <a:srgbClr val="808080"/>
-                </a:solidFill>
-                <a:latin typeface="Consolas" panose="020B0609020204030204" pitchFamily="49" charset="0"/>
-              </a:rPr>
-              <a:t>;</a:t>
-            </a:r>
-            <a:endParaRPr lang="en-US" sz="1400" dirty="0">
-              <a:solidFill>
-                <a:prstClr val="black"/>
-              </a:solidFill>
-              <a:latin typeface="Consolas" panose="020B0609020204030204" pitchFamily="49" charset="0"/>
-            </a:endParaRPr>
+              <a:rPr lang="en-US" dirty="0"/>
+              <a:t>Internal representation of query operation</a:t>
+            </a:r>
+          </a:p>
+          <a:p>
+            <a:r>
+              <a:rPr lang="en-US" dirty="0"/>
+              <a:t>Nodes may be logical or physical operators</a:t>
+            </a:r>
+          </a:p>
+          <a:p>
+            <a:pPr lvl="1"/>
+            <a:r>
+              <a:rPr lang="en-US" dirty="0"/>
+              <a:t>0 to infinity inputs, 1 output</a:t>
+            </a:r>
+          </a:p>
+          <a:p>
+            <a:r>
+              <a:rPr lang="en-US" dirty="0"/>
+              <a:t>SQL Server will output parse trees at various phases of optimization</a:t>
+            </a:r>
+          </a:p>
+          <a:p>
+            <a:pPr lvl="1"/>
+            <a:r>
+              <a:rPr lang="en-US" dirty="0"/>
+              <a:t>A variety of trace flags will trigger output</a:t>
+            </a:r>
           </a:p>
         </p:txBody>
       </p:sp>
-      <p:sp>
-        <p:nvSpPr>
-          <p:cNvPr id="6" name="Oval 5"/>
-          <p:cNvSpPr/>
-          <p:nvPr/>
-        </p:nvSpPr>
-        <p:spPr>
-          <a:xfrm>
-            <a:off x="8378792" y="542942"/>
-            <a:ext cx="616016" cy="606391"/>
-          </a:xfrm>
-          <a:prstGeom prst="ellipse">
-            <a:avLst/>
-          </a:prstGeom>
-        </p:spPr>
-        <p:style>
-          <a:lnRef idx="1">
-            <a:schemeClr val="accent1"/>
-          </a:lnRef>
-          <a:fillRef idx="3">
-            <a:schemeClr val="accent1"/>
-          </a:fillRef>
-          <a:effectRef idx="2">
-            <a:schemeClr val="accent1"/>
-          </a:effectRef>
-          <a:fontRef idx="minor">
-            <a:schemeClr val="lt1"/>
-          </a:fontRef>
-        </p:style>
-        <p:txBody>
-          <a:bodyPr rtlCol="0" anchor="ctr"/>
-          <a:lstStyle/>
-          <a:p>
-            <a:pPr algn="ctr"/>
-            <a:r>
-              <a:rPr lang="en-US" sz="1600" dirty="0"/>
-              <a:t>11</a:t>
-            </a:r>
-          </a:p>
-        </p:txBody>
-      </p:sp>
-      <p:pic>
-        <p:nvPicPr>
-          <p:cNvPr id="4" name="Picture 3"/>
-          <p:cNvPicPr>
-            <a:picLocks noChangeAspect="1"/>
-          </p:cNvPicPr>
-          <p:nvPr/>
-        </p:nvPicPr>
-        <p:blipFill>
-          <a:blip r:embed="rId3"/>
-          <a:stretch>
-            <a:fillRect/>
-          </a:stretch>
-        </p:blipFill>
-        <p:spPr>
-          <a:xfrm>
-            <a:off x="2895606" y="1417638"/>
-            <a:ext cx="5718472" cy="4597303"/>
-          </a:xfrm>
-          <a:prstGeom prst="rect">
-            <a:avLst/>
-          </a:prstGeom>
-        </p:spPr>
-      </p:pic>
     </p:spTree>
     <p:extLst>
       <p:ext uri="{BB962C8B-B14F-4D97-AF65-F5344CB8AC3E}">
-        <p14:creationId xmlns:p14="http://schemas.microsoft.com/office/powerpoint/2010/main" val="2851444044"/>
+        <p14:creationId xmlns:p14="http://schemas.microsoft.com/office/powerpoint/2010/main" val="1114966382"/>
       </p:ext>
     </p:extLst>
   </p:cSld>
@@ -27699,6 +26628,1193 @@
           <a:p>
             <a:r>
               <a:rPr lang="en-US" dirty="0"/>
+              <a:t>Example Parse Tree</a:t>
+            </a:r>
+          </a:p>
+        </p:txBody>
+      </p:sp>
+      <p:sp>
+        <p:nvSpPr>
+          <p:cNvPr id="5" name="TextBox 4"/>
+          <p:cNvSpPr txBox="1"/>
+          <p:nvPr/>
+        </p:nvSpPr>
+        <p:spPr>
+          <a:xfrm>
+            <a:off x="558265" y="1713297"/>
+            <a:ext cx="4025461" cy="2677656"/>
+          </a:xfrm>
+          <a:prstGeom prst="rect">
+            <a:avLst/>
+          </a:prstGeom>
+          <a:noFill/>
+        </p:spPr>
+        <p:txBody>
+          <a:bodyPr wrap="none" rtlCol="0">
+            <a:spAutoFit/>
+          </a:bodyPr>
+          <a:lstStyle/>
+          <a:p>
+            <a:r>
+              <a:rPr lang="en-US" sz="1400" dirty="0">
+                <a:solidFill>
+                  <a:srgbClr val="0000FF"/>
+                </a:solidFill>
+                <a:latin typeface="Consolas" panose="020B0609020204030204" pitchFamily="49" charset="0"/>
+              </a:rPr>
+              <a:t>select</a:t>
+            </a:r>
+            <a:r>
+              <a:rPr lang="en-US" sz="1400" dirty="0">
+                <a:solidFill>
+                  <a:prstClr val="black"/>
+                </a:solidFill>
+                <a:latin typeface="Consolas" panose="020B0609020204030204" pitchFamily="49" charset="0"/>
+              </a:rPr>
+              <a:t> </a:t>
+            </a:r>
+            <a:r>
+              <a:rPr lang="en-US" sz="1400" dirty="0">
+                <a:solidFill>
+                  <a:srgbClr val="0000FF"/>
+                </a:solidFill>
+                <a:latin typeface="Consolas" panose="020B0609020204030204" pitchFamily="49" charset="0"/>
+              </a:rPr>
+              <a:t>top</a:t>
+            </a:r>
+            <a:r>
+              <a:rPr lang="en-US" sz="1400" dirty="0">
+                <a:solidFill>
+                  <a:prstClr val="black"/>
+                </a:solidFill>
+                <a:latin typeface="Consolas" panose="020B0609020204030204" pitchFamily="49" charset="0"/>
+              </a:rPr>
+              <a:t> 10</a:t>
+            </a:r>
+          </a:p>
+          <a:p>
+            <a:r>
+              <a:rPr lang="en-US" sz="1400" dirty="0">
+                <a:solidFill>
+                  <a:srgbClr val="008080"/>
+                </a:solidFill>
+                <a:latin typeface="Consolas" panose="020B0609020204030204" pitchFamily="49" charset="0"/>
+              </a:rPr>
+              <a:t>	</a:t>
+            </a:r>
+            <a:r>
+              <a:rPr lang="en-US" sz="1400" dirty="0" err="1">
+                <a:solidFill>
+                  <a:srgbClr val="008080"/>
+                </a:solidFill>
+                <a:latin typeface="Consolas" panose="020B0609020204030204" pitchFamily="49" charset="0"/>
+              </a:rPr>
+              <a:t>od</a:t>
+            </a:r>
+            <a:r>
+              <a:rPr lang="en-US" sz="1400" dirty="0" err="1">
+                <a:solidFill>
+                  <a:srgbClr val="808080"/>
+                </a:solidFill>
+                <a:latin typeface="Consolas" panose="020B0609020204030204" pitchFamily="49" charset="0"/>
+              </a:rPr>
+              <a:t>.</a:t>
+            </a:r>
+            <a:r>
+              <a:rPr lang="en-US" sz="1400" dirty="0" err="1">
+                <a:solidFill>
+                  <a:srgbClr val="008080"/>
+                </a:solidFill>
+                <a:latin typeface="Consolas" panose="020B0609020204030204" pitchFamily="49" charset="0"/>
+              </a:rPr>
+              <a:t>ProductId</a:t>
+            </a:r>
+            <a:r>
+              <a:rPr lang="en-US" sz="1400" dirty="0">
+                <a:solidFill>
+                  <a:srgbClr val="808080"/>
+                </a:solidFill>
+                <a:latin typeface="Consolas" panose="020B0609020204030204" pitchFamily="49" charset="0"/>
+              </a:rPr>
+              <a:t>,</a:t>
+            </a:r>
+            <a:endParaRPr lang="en-US" sz="1400" dirty="0">
+              <a:solidFill>
+                <a:prstClr val="black"/>
+              </a:solidFill>
+              <a:latin typeface="Consolas" panose="020B0609020204030204" pitchFamily="49" charset="0"/>
+            </a:endParaRPr>
+          </a:p>
+          <a:p>
+            <a:r>
+              <a:rPr lang="en-US" sz="1400" dirty="0">
+                <a:solidFill>
+                  <a:srgbClr val="FF00FF"/>
+                </a:solidFill>
+                <a:latin typeface="Consolas" panose="020B0609020204030204" pitchFamily="49" charset="0"/>
+              </a:rPr>
+              <a:t>	sum</a:t>
+            </a:r>
+            <a:r>
+              <a:rPr lang="en-US" sz="1400" dirty="0">
+                <a:solidFill>
+                  <a:srgbClr val="808080"/>
+                </a:solidFill>
+                <a:latin typeface="Consolas" panose="020B0609020204030204" pitchFamily="49" charset="0"/>
+              </a:rPr>
+              <a:t>(</a:t>
+            </a:r>
+            <a:r>
+              <a:rPr lang="en-US" sz="1400" dirty="0" err="1">
+                <a:solidFill>
+                  <a:srgbClr val="008080"/>
+                </a:solidFill>
+                <a:latin typeface="Consolas" panose="020B0609020204030204" pitchFamily="49" charset="0"/>
+              </a:rPr>
+              <a:t>od</a:t>
+            </a:r>
+            <a:r>
+              <a:rPr lang="en-US" sz="1400" dirty="0" err="1">
+                <a:solidFill>
+                  <a:srgbClr val="808080"/>
+                </a:solidFill>
+                <a:latin typeface="Consolas" panose="020B0609020204030204" pitchFamily="49" charset="0"/>
+              </a:rPr>
+              <a:t>.</a:t>
+            </a:r>
+            <a:r>
+              <a:rPr lang="en-US" sz="1400" dirty="0" err="1">
+                <a:solidFill>
+                  <a:srgbClr val="008080"/>
+                </a:solidFill>
+                <a:latin typeface="Consolas" panose="020B0609020204030204" pitchFamily="49" charset="0"/>
+              </a:rPr>
+              <a:t>Quantity</a:t>
+            </a:r>
+            <a:r>
+              <a:rPr lang="en-US" sz="1400" dirty="0">
+                <a:solidFill>
+                  <a:srgbClr val="808080"/>
+                </a:solidFill>
+                <a:latin typeface="Consolas" panose="020B0609020204030204" pitchFamily="49" charset="0"/>
+              </a:rPr>
+              <a:t>)</a:t>
+            </a:r>
+            <a:r>
+              <a:rPr lang="en-US" sz="1400" dirty="0">
+                <a:solidFill>
+                  <a:prstClr val="black"/>
+                </a:solidFill>
+                <a:latin typeface="Consolas" panose="020B0609020204030204" pitchFamily="49" charset="0"/>
+              </a:rPr>
+              <a:t> </a:t>
+            </a:r>
+            <a:r>
+              <a:rPr lang="en-US" sz="1400" dirty="0">
+                <a:solidFill>
+                  <a:srgbClr val="808080"/>
+                </a:solidFill>
+                <a:latin typeface="Consolas" panose="020B0609020204030204" pitchFamily="49" charset="0"/>
+              </a:rPr>
+              <a:t>-</a:t>
+            </a:r>
+            <a:r>
+              <a:rPr lang="en-US" sz="1400" dirty="0">
+                <a:solidFill>
+                  <a:prstClr val="black"/>
+                </a:solidFill>
+                <a:latin typeface="Consolas" panose="020B0609020204030204" pitchFamily="49" charset="0"/>
+              </a:rPr>
+              <a:t> 20 </a:t>
+            </a:r>
+            <a:r>
+              <a:rPr lang="en-US" sz="1400" dirty="0" err="1">
+                <a:solidFill>
+                  <a:srgbClr val="008080"/>
+                </a:solidFill>
+                <a:latin typeface="Consolas" panose="020B0609020204030204" pitchFamily="49" charset="0"/>
+              </a:rPr>
+              <a:t>ExcessOrders</a:t>
+            </a:r>
+            <a:endParaRPr lang="en-US" sz="1400" dirty="0">
+              <a:solidFill>
+                <a:prstClr val="black"/>
+              </a:solidFill>
+              <a:latin typeface="Consolas" panose="020B0609020204030204" pitchFamily="49" charset="0"/>
+            </a:endParaRPr>
+          </a:p>
+          <a:p>
+            <a:r>
+              <a:rPr lang="en-US" sz="1400" dirty="0">
+                <a:solidFill>
+                  <a:srgbClr val="0000FF"/>
+                </a:solidFill>
+                <a:latin typeface="Consolas" panose="020B0609020204030204" pitchFamily="49" charset="0"/>
+              </a:rPr>
+              <a:t>from</a:t>
+            </a:r>
+            <a:r>
+              <a:rPr lang="en-US" sz="1400" dirty="0">
+                <a:solidFill>
+                  <a:prstClr val="black"/>
+                </a:solidFill>
+                <a:latin typeface="Consolas" panose="020B0609020204030204" pitchFamily="49" charset="0"/>
+              </a:rPr>
+              <a:t> </a:t>
+            </a:r>
+            <a:r>
+              <a:rPr lang="en-US" sz="1400" dirty="0" err="1">
+                <a:solidFill>
+                  <a:srgbClr val="008080"/>
+                </a:solidFill>
+                <a:latin typeface="Consolas" panose="020B0609020204030204" pitchFamily="49" charset="0"/>
+              </a:rPr>
+              <a:t>CorpDB</a:t>
+            </a:r>
+            <a:r>
+              <a:rPr lang="en-US" sz="1400" dirty="0" err="1">
+                <a:solidFill>
+                  <a:srgbClr val="808080"/>
+                </a:solidFill>
+                <a:latin typeface="Consolas" panose="020B0609020204030204" pitchFamily="49" charset="0"/>
+              </a:rPr>
+              <a:t>.</a:t>
+            </a:r>
+            <a:r>
+              <a:rPr lang="en-US" sz="1400" dirty="0" err="1">
+                <a:solidFill>
+                  <a:srgbClr val="008080"/>
+                </a:solidFill>
+                <a:latin typeface="Consolas" panose="020B0609020204030204" pitchFamily="49" charset="0"/>
+              </a:rPr>
+              <a:t>dbo</a:t>
+            </a:r>
+            <a:r>
+              <a:rPr lang="en-US" sz="1400" dirty="0" err="1">
+                <a:solidFill>
+                  <a:srgbClr val="808080"/>
+                </a:solidFill>
+                <a:latin typeface="Consolas" panose="020B0609020204030204" pitchFamily="49" charset="0"/>
+              </a:rPr>
+              <a:t>.</a:t>
+            </a:r>
+            <a:r>
+              <a:rPr lang="en-US" sz="1400" dirty="0" err="1">
+                <a:solidFill>
+                  <a:srgbClr val="008080"/>
+                </a:solidFill>
+                <a:latin typeface="Consolas" panose="020B0609020204030204" pitchFamily="49" charset="0"/>
+              </a:rPr>
+              <a:t>OrderHeader</a:t>
+            </a:r>
+            <a:r>
+              <a:rPr lang="en-US" sz="1400" dirty="0">
+                <a:solidFill>
+                  <a:prstClr val="black"/>
+                </a:solidFill>
+                <a:latin typeface="Consolas" panose="020B0609020204030204" pitchFamily="49" charset="0"/>
+              </a:rPr>
+              <a:t> </a:t>
+            </a:r>
+            <a:r>
+              <a:rPr lang="en-US" sz="1400" dirty="0">
+                <a:solidFill>
+                  <a:srgbClr val="008080"/>
+                </a:solidFill>
+                <a:latin typeface="Consolas" panose="020B0609020204030204" pitchFamily="49" charset="0"/>
+              </a:rPr>
+              <a:t>oh</a:t>
+            </a:r>
+            <a:endParaRPr lang="en-US" sz="1400" dirty="0">
+              <a:solidFill>
+                <a:prstClr val="black"/>
+              </a:solidFill>
+              <a:latin typeface="Consolas" panose="020B0609020204030204" pitchFamily="49" charset="0"/>
+            </a:endParaRPr>
+          </a:p>
+          <a:p>
+            <a:r>
+              <a:rPr lang="en-US" sz="1400" dirty="0">
+                <a:solidFill>
+                  <a:srgbClr val="808080"/>
+                </a:solidFill>
+                <a:latin typeface="Consolas" panose="020B0609020204030204" pitchFamily="49" charset="0"/>
+              </a:rPr>
+              <a:t>inner</a:t>
+            </a:r>
+            <a:r>
+              <a:rPr lang="en-US" sz="1400" dirty="0">
+                <a:solidFill>
+                  <a:prstClr val="black"/>
+                </a:solidFill>
+                <a:latin typeface="Consolas" panose="020B0609020204030204" pitchFamily="49" charset="0"/>
+              </a:rPr>
+              <a:t> </a:t>
+            </a:r>
+            <a:r>
+              <a:rPr lang="en-US" sz="1400" dirty="0">
+                <a:solidFill>
+                  <a:srgbClr val="808080"/>
+                </a:solidFill>
+                <a:latin typeface="Consolas" panose="020B0609020204030204" pitchFamily="49" charset="0"/>
+              </a:rPr>
+              <a:t>join</a:t>
+            </a:r>
+            <a:r>
+              <a:rPr lang="en-US" sz="1400" dirty="0">
+                <a:solidFill>
+                  <a:prstClr val="black"/>
+                </a:solidFill>
+                <a:latin typeface="Consolas" panose="020B0609020204030204" pitchFamily="49" charset="0"/>
+              </a:rPr>
+              <a:t> </a:t>
+            </a:r>
+            <a:r>
+              <a:rPr lang="en-US" sz="1400" dirty="0" err="1">
+                <a:solidFill>
+                  <a:srgbClr val="008080"/>
+                </a:solidFill>
+                <a:latin typeface="Consolas" panose="020B0609020204030204" pitchFamily="49" charset="0"/>
+              </a:rPr>
+              <a:t>CorpDB</a:t>
+            </a:r>
+            <a:r>
+              <a:rPr lang="en-US" sz="1400" dirty="0" err="1">
+                <a:solidFill>
+                  <a:srgbClr val="808080"/>
+                </a:solidFill>
+                <a:latin typeface="Consolas" panose="020B0609020204030204" pitchFamily="49" charset="0"/>
+              </a:rPr>
+              <a:t>.</a:t>
+            </a:r>
+            <a:r>
+              <a:rPr lang="en-US" sz="1400" dirty="0" err="1">
+                <a:solidFill>
+                  <a:srgbClr val="008080"/>
+                </a:solidFill>
+                <a:latin typeface="Consolas" panose="020B0609020204030204" pitchFamily="49" charset="0"/>
+              </a:rPr>
+              <a:t>dbo</a:t>
+            </a:r>
+            <a:r>
+              <a:rPr lang="en-US" sz="1400" dirty="0" err="1">
+                <a:solidFill>
+                  <a:srgbClr val="808080"/>
+                </a:solidFill>
+                <a:latin typeface="Consolas" panose="020B0609020204030204" pitchFamily="49" charset="0"/>
+              </a:rPr>
+              <a:t>.</a:t>
+            </a:r>
+            <a:r>
+              <a:rPr lang="en-US" sz="1400" dirty="0" err="1">
+                <a:solidFill>
+                  <a:srgbClr val="008080"/>
+                </a:solidFill>
+                <a:latin typeface="Consolas" panose="020B0609020204030204" pitchFamily="49" charset="0"/>
+              </a:rPr>
+              <a:t>OrderDetail</a:t>
+            </a:r>
+            <a:r>
+              <a:rPr lang="en-US" sz="1400" dirty="0">
+                <a:solidFill>
+                  <a:prstClr val="black"/>
+                </a:solidFill>
+                <a:latin typeface="Consolas" panose="020B0609020204030204" pitchFamily="49" charset="0"/>
+              </a:rPr>
+              <a:t> </a:t>
+            </a:r>
+            <a:r>
+              <a:rPr lang="en-US" sz="1400" dirty="0">
+                <a:solidFill>
+                  <a:srgbClr val="008080"/>
+                </a:solidFill>
+                <a:latin typeface="Consolas" panose="020B0609020204030204" pitchFamily="49" charset="0"/>
+              </a:rPr>
+              <a:t>od</a:t>
+            </a:r>
+            <a:endParaRPr lang="en-US" sz="1400" dirty="0">
+              <a:solidFill>
+                <a:prstClr val="black"/>
+              </a:solidFill>
+              <a:latin typeface="Consolas" panose="020B0609020204030204" pitchFamily="49" charset="0"/>
+            </a:endParaRPr>
+          </a:p>
+          <a:p>
+            <a:r>
+              <a:rPr lang="en-US" sz="1400" dirty="0">
+                <a:solidFill>
+                  <a:srgbClr val="0000FF"/>
+                </a:solidFill>
+                <a:latin typeface="Consolas" panose="020B0609020204030204" pitchFamily="49" charset="0"/>
+              </a:rPr>
+              <a:t>on</a:t>
+            </a:r>
+            <a:r>
+              <a:rPr lang="en-US" sz="1400" dirty="0">
+                <a:solidFill>
+                  <a:prstClr val="black"/>
+                </a:solidFill>
+                <a:latin typeface="Consolas" panose="020B0609020204030204" pitchFamily="49" charset="0"/>
+              </a:rPr>
+              <a:t> </a:t>
+            </a:r>
+            <a:r>
+              <a:rPr lang="en-US" sz="1400" dirty="0" err="1">
+                <a:solidFill>
+                  <a:srgbClr val="008080"/>
+                </a:solidFill>
+                <a:latin typeface="Consolas" panose="020B0609020204030204" pitchFamily="49" charset="0"/>
+              </a:rPr>
+              <a:t>oh</a:t>
+            </a:r>
+            <a:r>
+              <a:rPr lang="en-US" sz="1400" dirty="0" err="1">
+                <a:solidFill>
+                  <a:srgbClr val="808080"/>
+                </a:solidFill>
+                <a:latin typeface="Consolas" panose="020B0609020204030204" pitchFamily="49" charset="0"/>
+              </a:rPr>
+              <a:t>.</a:t>
+            </a:r>
+            <a:r>
+              <a:rPr lang="en-US" sz="1400" dirty="0" err="1">
+                <a:solidFill>
+                  <a:srgbClr val="008080"/>
+                </a:solidFill>
+                <a:latin typeface="Consolas" panose="020B0609020204030204" pitchFamily="49" charset="0"/>
+              </a:rPr>
+              <a:t>OrderId</a:t>
+            </a:r>
+            <a:r>
+              <a:rPr lang="en-US" sz="1400" dirty="0">
+                <a:solidFill>
+                  <a:prstClr val="black"/>
+                </a:solidFill>
+                <a:latin typeface="Consolas" panose="020B0609020204030204" pitchFamily="49" charset="0"/>
+              </a:rPr>
+              <a:t> </a:t>
+            </a:r>
+            <a:r>
+              <a:rPr lang="en-US" sz="1400" dirty="0">
+                <a:solidFill>
+                  <a:srgbClr val="808080"/>
+                </a:solidFill>
+                <a:latin typeface="Consolas" panose="020B0609020204030204" pitchFamily="49" charset="0"/>
+              </a:rPr>
+              <a:t>=</a:t>
+            </a:r>
+            <a:r>
+              <a:rPr lang="en-US" sz="1400" dirty="0">
+                <a:solidFill>
+                  <a:prstClr val="black"/>
+                </a:solidFill>
+                <a:latin typeface="Consolas" panose="020B0609020204030204" pitchFamily="49" charset="0"/>
+              </a:rPr>
+              <a:t> </a:t>
+            </a:r>
+            <a:r>
+              <a:rPr lang="en-US" sz="1400" dirty="0" err="1">
+                <a:solidFill>
+                  <a:srgbClr val="008080"/>
+                </a:solidFill>
+                <a:latin typeface="Consolas" panose="020B0609020204030204" pitchFamily="49" charset="0"/>
+              </a:rPr>
+              <a:t>od</a:t>
+            </a:r>
+            <a:r>
+              <a:rPr lang="en-US" sz="1400" dirty="0" err="1">
+                <a:solidFill>
+                  <a:srgbClr val="808080"/>
+                </a:solidFill>
+                <a:latin typeface="Consolas" panose="020B0609020204030204" pitchFamily="49" charset="0"/>
+              </a:rPr>
+              <a:t>.</a:t>
+            </a:r>
+            <a:r>
+              <a:rPr lang="en-US" sz="1400" dirty="0" err="1">
+                <a:solidFill>
+                  <a:srgbClr val="008080"/>
+                </a:solidFill>
+                <a:latin typeface="Consolas" panose="020B0609020204030204" pitchFamily="49" charset="0"/>
+              </a:rPr>
+              <a:t>OrderId</a:t>
+            </a:r>
+            <a:endParaRPr lang="en-US" sz="1400" dirty="0">
+              <a:solidFill>
+                <a:prstClr val="black"/>
+              </a:solidFill>
+              <a:latin typeface="Consolas" panose="020B0609020204030204" pitchFamily="49" charset="0"/>
+            </a:endParaRPr>
+          </a:p>
+          <a:p>
+            <a:r>
+              <a:rPr lang="en-US" sz="1400" dirty="0">
+                <a:solidFill>
+                  <a:srgbClr val="808080"/>
+                </a:solidFill>
+                <a:latin typeface="Consolas" panose="020B0609020204030204" pitchFamily="49" charset="0"/>
+              </a:rPr>
+              <a:t>inner</a:t>
+            </a:r>
+            <a:r>
+              <a:rPr lang="en-US" sz="1400" dirty="0">
+                <a:solidFill>
+                  <a:prstClr val="black"/>
+                </a:solidFill>
+                <a:latin typeface="Consolas" panose="020B0609020204030204" pitchFamily="49" charset="0"/>
+              </a:rPr>
+              <a:t> </a:t>
+            </a:r>
+            <a:r>
+              <a:rPr lang="en-US" sz="1400" dirty="0">
+                <a:solidFill>
+                  <a:srgbClr val="808080"/>
+                </a:solidFill>
+                <a:latin typeface="Consolas" panose="020B0609020204030204" pitchFamily="49" charset="0"/>
+              </a:rPr>
+              <a:t>join</a:t>
+            </a:r>
+            <a:r>
+              <a:rPr lang="en-US" sz="1400" dirty="0">
+                <a:solidFill>
+                  <a:prstClr val="black"/>
+                </a:solidFill>
+                <a:latin typeface="Consolas" panose="020B0609020204030204" pitchFamily="49" charset="0"/>
+              </a:rPr>
+              <a:t> </a:t>
+            </a:r>
+            <a:r>
+              <a:rPr lang="en-US" sz="1400" dirty="0" err="1">
+                <a:solidFill>
+                  <a:srgbClr val="008080"/>
+                </a:solidFill>
+                <a:latin typeface="Consolas" panose="020B0609020204030204" pitchFamily="49" charset="0"/>
+              </a:rPr>
+              <a:t>CorpDB</a:t>
+            </a:r>
+            <a:r>
+              <a:rPr lang="en-US" sz="1400" dirty="0" err="1">
+                <a:solidFill>
+                  <a:srgbClr val="808080"/>
+                </a:solidFill>
+                <a:latin typeface="Consolas" panose="020B0609020204030204" pitchFamily="49" charset="0"/>
+              </a:rPr>
+              <a:t>.</a:t>
+            </a:r>
+            <a:r>
+              <a:rPr lang="en-US" sz="1400" dirty="0" err="1">
+                <a:solidFill>
+                  <a:srgbClr val="008080"/>
+                </a:solidFill>
+                <a:latin typeface="Consolas" panose="020B0609020204030204" pitchFamily="49" charset="0"/>
+              </a:rPr>
+              <a:t>dbo</a:t>
+            </a:r>
+            <a:r>
+              <a:rPr lang="en-US" sz="1400" dirty="0" err="1">
+                <a:solidFill>
+                  <a:srgbClr val="808080"/>
+                </a:solidFill>
+                <a:latin typeface="Consolas" panose="020B0609020204030204" pitchFamily="49" charset="0"/>
+              </a:rPr>
+              <a:t>.</a:t>
+            </a:r>
+            <a:r>
+              <a:rPr lang="en-US" sz="1400" dirty="0" err="1">
+                <a:solidFill>
+                  <a:srgbClr val="008080"/>
+                </a:solidFill>
+                <a:latin typeface="Consolas" panose="020B0609020204030204" pitchFamily="49" charset="0"/>
+              </a:rPr>
+              <a:t>Customer</a:t>
+            </a:r>
+            <a:r>
+              <a:rPr lang="en-US" sz="1400" dirty="0">
+                <a:solidFill>
+                  <a:prstClr val="black"/>
+                </a:solidFill>
+                <a:latin typeface="Consolas" panose="020B0609020204030204" pitchFamily="49" charset="0"/>
+              </a:rPr>
+              <a:t> </a:t>
+            </a:r>
+            <a:r>
+              <a:rPr lang="en-US" sz="1400" dirty="0" err="1">
+                <a:solidFill>
+                  <a:srgbClr val="008080"/>
+                </a:solidFill>
+                <a:latin typeface="Consolas" panose="020B0609020204030204" pitchFamily="49" charset="0"/>
+              </a:rPr>
+              <a:t>cust</a:t>
+            </a:r>
+            <a:endParaRPr lang="en-US" sz="1400" dirty="0">
+              <a:solidFill>
+                <a:prstClr val="black"/>
+              </a:solidFill>
+              <a:latin typeface="Consolas" panose="020B0609020204030204" pitchFamily="49" charset="0"/>
+            </a:endParaRPr>
+          </a:p>
+          <a:p>
+            <a:r>
+              <a:rPr lang="en-US" sz="1400" dirty="0">
+                <a:solidFill>
+                  <a:srgbClr val="0000FF"/>
+                </a:solidFill>
+                <a:latin typeface="Consolas" panose="020B0609020204030204" pitchFamily="49" charset="0"/>
+              </a:rPr>
+              <a:t>on</a:t>
+            </a:r>
+            <a:r>
+              <a:rPr lang="en-US" sz="1400" dirty="0">
+                <a:solidFill>
+                  <a:prstClr val="black"/>
+                </a:solidFill>
+                <a:latin typeface="Consolas" panose="020B0609020204030204" pitchFamily="49" charset="0"/>
+              </a:rPr>
+              <a:t> </a:t>
+            </a:r>
+            <a:r>
+              <a:rPr lang="en-US" sz="1400" dirty="0" err="1">
+                <a:solidFill>
+                  <a:srgbClr val="008080"/>
+                </a:solidFill>
+                <a:latin typeface="Consolas" panose="020B0609020204030204" pitchFamily="49" charset="0"/>
+              </a:rPr>
+              <a:t>oh</a:t>
+            </a:r>
+            <a:r>
+              <a:rPr lang="en-US" sz="1400" dirty="0" err="1">
+                <a:solidFill>
+                  <a:srgbClr val="808080"/>
+                </a:solidFill>
+                <a:latin typeface="Consolas" panose="020B0609020204030204" pitchFamily="49" charset="0"/>
+              </a:rPr>
+              <a:t>.</a:t>
+            </a:r>
+            <a:r>
+              <a:rPr lang="en-US" sz="1400" dirty="0" err="1">
+                <a:solidFill>
+                  <a:srgbClr val="008080"/>
+                </a:solidFill>
+                <a:latin typeface="Consolas" panose="020B0609020204030204" pitchFamily="49" charset="0"/>
+              </a:rPr>
+              <a:t>CustomerId</a:t>
+            </a:r>
+            <a:r>
+              <a:rPr lang="en-US" sz="1400" dirty="0">
+                <a:solidFill>
+                  <a:prstClr val="black"/>
+                </a:solidFill>
+                <a:latin typeface="Consolas" panose="020B0609020204030204" pitchFamily="49" charset="0"/>
+              </a:rPr>
+              <a:t> </a:t>
+            </a:r>
+            <a:r>
+              <a:rPr lang="en-US" sz="1400" dirty="0">
+                <a:solidFill>
+                  <a:srgbClr val="808080"/>
+                </a:solidFill>
+                <a:latin typeface="Consolas" panose="020B0609020204030204" pitchFamily="49" charset="0"/>
+              </a:rPr>
+              <a:t>=</a:t>
+            </a:r>
+            <a:r>
+              <a:rPr lang="en-US" sz="1400" dirty="0">
+                <a:solidFill>
+                  <a:prstClr val="black"/>
+                </a:solidFill>
+                <a:latin typeface="Consolas" panose="020B0609020204030204" pitchFamily="49" charset="0"/>
+              </a:rPr>
+              <a:t> </a:t>
+            </a:r>
+            <a:r>
+              <a:rPr lang="en-US" sz="1400" dirty="0" err="1">
+                <a:solidFill>
+                  <a:srgbClr val="008080"/>
+                </a:solidFill>
+                <a:latin typeface="Consolas" panose="020B0609020204030204" pitchFamily="49" charset="0"/>
+              </a:rPr>
+              <a:t>cust</a:t>
+            </a:r>
+            <a:r>
+              <a:rPr lang="en-US" sz="1400" dirty="0" err="1">
+                <a:solidFill>
+                  <a:srgbClr val="808080"/>
+                </a:solidFill>
+                <a:latin typeface="Consolas" panose="020B0609020204030204" pitchFamily="49" charset="0"/>
+              </a:rPr>
+              <a:t>.</a:t>
+            </a:r>
+            <a:r>
+              <a:rPr lang="en-US" sz="1400" dirty="0" err="1">
+                <a:solidFill>
+                  <a:srgbClr val="008080"/>
+                </a:solidFill>
+                <a:latin typeface="Consolas" panose="020B0609020204030204" pitchFamily="49" charset="0"/>
+              </a:rPr>
+              <a:t>CustomerID</a:t>
+            </a:r>
+            <a:endParaRPr lang="en-US" sz="1400" dirty="0">
+              <a:solidFill>
+                <a:prstClr val="black"/>
+              </a:solidFill>
+              <a:latin typeface="Consolas" panose="020B0609020204030204" pitchFamily="49" charset="0"/>
+            </a:endParaRPr>
+          </a:p>
+          <a:p>
+            <a:r>
+              <a:rPr lang="en-US" sz="1400" dirty="0">
+                <a:solidFill>
+                  <a:srgbClr val="0000FF"/>
+                </a:solidFill>
+                <a:latin typeface="Consolas" panose="020B0609020204030204" pitchFamily="49" charset="0"/>
+              </a:rPr>
+              <a:t>where</a:t>
+            </a:r>
+            <a:r>
+              <a:rPr lang="en-US" sz="1400" dirty="0">
+                <a:solidFill>
+                  <a:prstClr val="black"/>
+                </a:solidFill>
+                <a:latin typeface="Consolas" panose="020B0609020204030204" pitchFamily="49" charset="0"/>
+              </a:rPr>
+              <a:t> </a:t>
+            </a:r>
+            <a:r>
+              <a:rPr lang="en-US" sz="1400" dirty="0" err="1">
+                <a:solidFill>
+                  <a:srgbClr val="008080"/>
+                </a:solidFill>
+                <a:latin typeface="Consolas" panose="020B0609020204030204" pitchFamily="49" charset="0"/>
+              </a:rPr>
+              <a:t>cust</a:t>
+            </a:r>
+            <a:r>
+              <a:rPr lang="en-US" sz="1400" dirty="0" err="1">
+                <a:solidFill>
+                  <a:srgbClr val="808080"/>
+                </a:solidFill>
+                <a:latin typeface="Consolas" panose="020B0609020204030204" pitchFamily="49" charset="0"/>
+              </a:rPr>
+              <a:t>.</a:t>
+            </a:r>
+            <a:r>
+              <a:rPr lang="en-US" sz="1400" dirty="0" err="1">
+                <a:solidFill>
+                  <a:srgbClr val="0000FF"/>
+                </a:solidFill>
+                <a:latin typeface="Consolas" panose="020B0609020204030204" pitchFamily="49" charset="0"/>
+              </a:rPr>
+              <a:t>State</a:t>
+            </a:r>
+            <a:r>
+              <a:rPr lang="en-US" sz="1400" dirty="0">
+                <a:solidFill>
+                  <a:prstClr val="black"/>
+                </a:solidFill>
+                <a:latin typeface="Consolas" panose="020B0609020204030204" pitchFamily="49" charset="0"/>
+              </a:rPr>
+              <a:t> </a:t>
+            </a:r>
+            <a:r>
+              <a:rPr lang="en-US" sz="1400" dirty="0">
+                <a:solidFill>
+                  <a:srgbClr val="808080"/>
+                </a:solidFill>
+                <a:latin typeface="Consolas" panose="020B0609020204030204" pitchFamily="49" charset="0"/>
+              </a:rPr>
+              <a:t>=</a:t>
+            </a:r>
+            <a:r>
+              <a:rPr lang="en-US" sz="1400" dirty="0">
+                <a:solidFill>
+                  <a:prstClr val="black"/>
+                </a:solidFill>
+                <a:latin typeface="Consolas" panose="020B0609020204030204" pitchFamily="49" charset="0"/>
+              </a:rPr>
+              <a:t> </a:t>
+            </a:r>
+            <a:r>
+              <a:rPr lang="en-US" sz="1400" dirty="0">
+                <a:solidFill>
+                  <a:srgbClr val="FF0000"/>
+                </a:solidFill>
+                <a:latin typeface="Consolas" panose="020B0609020204030204" pitchFamily="49" charset="0"/>
+              </a:rPr>
+              <a:t>'IA'</a:t>
+            </a:r>
+            <a:endParaRPr lang="en-US" sz="1400" dirty="0">
+              <a:solidFill>
+                <a:prstClr val="black"/>
+              </a:solidFill>
+              <a:latin typeface="Consolas" panose="020B0609020204030204" pitchFamily="49" charset="0"/>
+            </a:endParaRPr>
+          </a:p>
+          <a:p>
+            <a:r>
+              <a:rPr lang="en-US" sz="1400" dirty="0">
+                <a:solidFill>
+                  <a:srgbClr val="0000FF"/>
+                </a:solidFill>
+                <a:latin typeface="Consolas" panose="020B0609020204030204" pitchFamily="49" charset="0"/>
+              </a:rPr>
+              <a:t>group</a:t>
+            </a:r>
+            <a:r>
+              <a:rPr lang="en-US" sz="1400" dirty="0">
+                <a:solidFill>
+                  <a:prstClr val="black"/>
+                </a:solidFill>
+                <a:latin typeface="Consolas" panose="020B0609020204030204" pitchFamily="49" charset="0"/>
+              </a:rPr>
+              <a:t> </a:t>
+            </a:r>
+            <a:r>
+              <a:rPr lang="en-US" sz="1400" dirty="0">
+                <a:solidFill>
+                  <a:srgbClr val="0000FF"/>
+                </a:solidFill>
+                <a:latin typeface="Consolas" panose="020B0609020204030204" pitchFamily="49" charset="0"/>
+              </a:rPr>
+              <a:t>by</a:t>
+            </a:r>
+            <a:r>
+              <a:rPr lang="en-US" sz="1400" dirty="0">
+                <a:solidFill>
+                  <a:prstClr val="black"/>
+                </a:solidFill>
+                <a:latin typeface="Consolas" panose="020B0609020204030204" pitchFamily="49" charset="0"/>
+              </a:rPr>
+              <a:t> </a:t>
+            </a:r>
+            <a:r>
+              <a:rPr lang="en-US" sz="1400" dirty="0" err="1">
+                <a:solidFill>
+                  <a:srgbClr val="008080"/>
+                </a:solidFill>
+                <a:latin typeface="Consolas" panose="020B0609020204030204" pitchFamily="49" charset="0"/>
+              </a:rPr>
+              <a:t>od</a:t>
+            </a:r>
+            <a:r>
+              <a:rPr lang="en-US" sz="1400" dirty="0" err="1">
+                <a:solidFill>
+                  <a:srgbClr val="808080"/>
+                </a:solidFill>
+                <a:latin typeface="Consolas" panose="020B0609020204030204" pitchFamily="49" charset="0"/>
+              </a:rPr>
+              <a:t>.</a:t>
+            </a:r>
+            <a:r>
+              <a:rPr lang="en-US" sz="1400" dirty="0" err="1">
+                <a:solidFill>
+                  <a:srgbClr val="008080"/>
+                </a:solidFill>
+                <a:latin typeface="Consolas" panose="020B0609020204030204" pitchFamily="49" charset="0"/>
+              </a:rPr>
+              <a:t>ProductId</a:t>
+            </a:r>
+            <a:endParaRPr lang="en-US" sz="1400" dirty="0">
+              <a:solidFill>
+                <a:prstClr val="black"/>
+              </a:solidFill>
+              <a:latin typeface="Consolas" panose="020B0609020204030204" pitchFamily="49" charset="0"/>
+            </a:endParaRPr>
+          </a:p>
+          <a:p>
+            <a:r>
+              <a:rPr lang="en-US" sz="1400" dirty="0">
+                <a:solidFill>
+                  <a:srgbClr val="0000FF"/>
+                </a:solidFill>
+                <a:latin typeface="Consolas" panose="020B0609020204030204" pitchFamily="49" charset="0"/>
+              </a:rPr>
+              <a:t>having</a:t>
+            </a:r>
+            <a:r>
+              <a:rPr lang="en-US" sz="1400" dirty="0">
+                <a:solidFill>
+                  <a:prstClr val="black"/>
+                </a:solidFill>
+                <a:latin typeface="Consolas" panose="020B0609020204030204" pitchFamily="49" charset="0"/>
+              </a:rPr>
+              <a:t> </a:t>
+            </a:r>
+            <a:r>
+              <a:rPr lang="en-US" sz="1400" dirty="0">
+                <a:solidFill>
+                  <a:srgbClr val="FF00FF"/>
+                </a:solidFill>
+                <a:latin typeface="Consolas" panose="020B0609020204030204" pitchFamily="49" charset="0"/>
+              </a:rPr>
+              <a:t>sum</a:t>
+            </a:r>
+            <a:r>
+              <a:rPr lang="en-US" sz="1400" dirty="0">
+                <a:solidFill>
+                  <a:srgbClr val="808080"/>
+                </a:solidFill>
+                <a:latin typeface="Consolas" panose="020B0609020204030204" pitchFamily="49" charset="0"/>
+              </a:rPr>
+              <a:t>(</a:t>
+            </a:r>
+            <a:r>
+              <a:rPr lang="en-US" sz="1400" dirty="0" err="1">
+                <a:solidFill>
+                  <a:srgbClr val="008080"/>
+                </a:solidFill>
+                <a:latin typeface="Consolas" panose="020B0609020204030204" pitchFamily="49" charset="0"/>
+              </a:rPr>
+              <a:t>od</a:t>
+            </a:r>
+            <a:r>
+              <a:rPr lang="en-US" sz="1400" dirty="0" err="1">
+                <a:solidFill>
+                  <a:srgbClr val="808080"/>
+                </a:solidFill>
+                <a:latin typeface="Consolas" panose="020B0609020204030204" pitchFamily="49" charset="0"/>
+              </a:rPr>
+              <a:t>.</a:t>
+            </a:r>
+            <a:r>
+              <a:rPr lang="en-US" sz="1400" dirty="0" err="1">
+                <a:solidFill>
+                  <a:srgbClr val="008080"/>
+                </a:solidFill>
+                <a:latin typeface="Consolas" panose="020B0609020204030204" pitchFamily="49" charset="0"/>
+              </a:rPr>
+              <a:t>Quantity</a:t>
+            </a:r>
+            <a:r>
+              <a:rPr lang="en-US" sz="1400" dirty="0">
+                <a:solidFill>
+                  <a:srgbClr val="808080"/>
+                </a:solidFill>
+                <a:latin typeface="Consolas" panose="020B0609020204030204" pitchFamily="49" charset="0"/>
+              </a:rPr>
+              <a:t>)</a:t>
+            </a:r>
+            <a:r>
+              <a:rPr lang="en-US" sz="1400" dirty="0">
+                <a:solidFill>
+                  <a:prstClr val="black"/>
+                </a:solidFill>
+                <a:latin typeface="Consolas" panose="020B0609020204030204" pitchFamily="49" charset="0"/>
+              </a:rPr>
+              <a:t> </a:t>
+            </a:r>
+            <a:r>
+              <a:rPr lang="en-US" sz="1400" dirty="0">
+                <a:solidFill>
+                  <a:srgbClr val="808080"/>
+                </a:solidFill>
+                <a:latin typeface="Consolas" panose="020B0609020204030204" pitchFamily="49" charset="0"/>
+              </a:rPr>
+              <a:t>&gt;=</a:t>
+            </a:r>
+            <a:r>
+              <a:rPr lang="en-US" sz="1400" dirty="0">
+                <a:solidFill>
+                  <a:prstClr val="black"/>
+                </a:solidFill>
+                <a:latin typeface="Consolas" panose="020B0609020204030204" pitchFamily="49" charset="0"/>
+              </a:rPr>
+              <a:t> 20</a:t>
+            </a:r>
+          </a:p>
+          <a:p>
+            <a:r>
+              <a:rPr lang="en-US" sz="1400" dirty="0">
+                <a:solidFill>
+                  <a:srgbClr val="0000FF"/>
+                </a:solidFill>
+                <a:latin typeface="Consolas" panose="020B0609020204030204" pitchFamily="49" charset="0"/>
+              </a:rPr>
+              <a:t>order</a:t>
+            </a:r>
+            <a:r>
+              <a:rPr lang="en-US" sz="1400" dirty="0">
+                <a:solidFill>
+                  <a:prstClr val="black"/>
+                </a:solidFill>
+                <a:latin typeface="Consolas" panose="020B0609020204030204" pitchFamily="49" charset="0"/>
+              </a:rPr>
+              <a:t> </a:t>
+            </a:r>
+            <a:r>
+              <a:rPr lang="en-US" sz="1400" dirty="0">
+                <a:solidFill>
+                  <a:srgbClr val="0000FF"/>
+                </a:solidFill>
+                <a:latin typeface="Consolas" panose="020B0609020204030204" pitchFamily="49" charset="0"/>
+              </a:rPr>
+              <a:t>by</a:t>
+            </a:r>
+            <a:r>
+              <a:rPr lang="en-US" sz="1400" dirty="0">
+                <a:solidFill>
+                  <a:prstClr val="black"/>
+                </a:solidFill>
+                <a:latin typeface="Consolas" panose="020B0609020204030204" pitchFamily="49" charset="0"/>
+              </a:rPr>
+              <a:t> </a:t>
+            </a:r>
+            <a:r>
+              <a:rPr lang="en-US" sz="1400" dirty="0" err="1">
+                <a:solidFill>
+                  <a:srgbClr val="008080"/>
+                </a:solidFill>
+                <a:latin typeface="Consolas" panose="020B0609020204030204" pitchFamily="49" charset="0"/>
+              </a:rPr>
+              <a:t>od</a:t>
+            </a:r>
+            <a:r>
+              <a:rPr lang="en-US" sz="1400" dirty="0" err="1">
+                <a:solidFill>
+                  <a:srgbClr val="808080"/>
+                </a:solidFill>
+                <a:latin typeface="Consolas" panose="020B0609020204030204" pitchFamily="49" charset="0"/>
+              </a:rPr>
+              <a:t>.</a:t>
+            </a:r>
+            <a:r>
+              <a:rPr lang="en-US" sz="1400" dirty="0" err="1">
+                <a:solidFill>
+                  <a:srgbClr val="008080"/>
+                </a:solidFill>
+                <a:latin typeface="Consolas" panose="020B0609020204030204" pitchFamily="49" charset="0"/>
+              </a:rPr>
+              <a:t>ProductId</a:t>
+            </a:r>
+            <a:r>
+              <a:rPr lang="en-US" sz="1400" dirty="0">
+                <a:solidFill>
+                  <a:srgbClr val="808080"/>
+                </a:solidFill>
+                <a:latin typeface="Consolas" panose="020B0609020204030204" pitchFamily="49" charset="0"/>
+              </a:rPr>
+              <a:t>;</a:t>
+            </a:r>
+            <a:endParaRPr lang="en-US" sz="1400" dirty="0">
+              <a:solidFill>
+                <a:prstClr val="black"/>
+              </a:solidFill>
+              <a:latin typeface="Consolas" panose="020B0609020204030204" pitchFamily="49" charset="0"/>
+            </a:endParaRPr>
+          </a:p>
+        </p:txBody>
+      </p:sp>
+      <p:sp>
+        <p:nvSpPr>
+          <p:cNvPr id="6" name="Oval 5"/>
+          <p:cNvSpPr/>
+          <p:nvPr/>
+        </p:nvSpPr>
+        <p:spPr>
+          <a:xfrm>
+            <a:off x="8378792" y="542942"/>
+            <a:ext cx="616016" cy="606391"/>
+          </a:xfrm>
+          <a:prstGeom prst="ellipse">
+            <a:avLst/>
+          </a:prstGeom>
+        </p:spPr>
+        <p:style>
+          <a:lnRef idx="1">
+            <a:schemeClr val="accent1"/>
+          </a:lnRef>
+          <a:fillRef idx="3">
+            <a:schemeClr val="accent1"/>
+          </a:fillRef>
+          <a:effectRef idx="2">
+            <a:schemeClr val="accent1"/>
+          </a:effectRef>
+          <a:fontRef idx="minor">
+            <a:schemeClr val="lt1"/>
+          </a:fontRef>
+        </p:style>
+        <p:txBody>
+          <a:bodyPr rtlCol="0" anchor="ctr"/>
+          <a:lstStyle/>
+          <a:p>
+            <a:pPr algn="ctr"/>
+            <a:r>
+              <a:rPr lang="en-US" sz="1600" dirty="0"/>
+              <a:t>11</a:t>
+            </a:r>
+          </a:p>
+        </p:txBody>
+      </p:sp>
+      <p:pic>
+        <p:nvPicPr>
+          <p:cNvPr id="4" name="Picture 3"/>
+          <p:cNvPicPr>
+            <a:picLocks noChangeAspect="1"/>
+          </p:cNvPicPr>
+          <p:nvPr/>
+        </p:nvPicPr>
+        <p:blipFill>
+          <a:blip r:embed="rId3"/>
+          <a:stretch>
+            <a:fillRect/>
+          </a:stretch>
+        </p:blipFill>
+        <p:spPr>
+          <a:xfrm>
+            <a:off x="2895606" y="1417638"/>
+            <a:ext cx="5718472" cy="4597303"/>
+          </a:xfrm>
+          <a:prstGeom prst="rect">
+            <a:avLst/>
+          </a:prstGeom>
+        </p:spPr>
+      </p:pic>
+    </p:spTree>
+    <p:extLst>
+      <p:ext uri="{BB962C8B-B14F-4D97-AF65-F5344CB8AC3E}">
+        <p14:creationId xmlns:p14="http://schemas.microsoft.com/office/powerpoint/2010/main" val="2851444044"/>
+      </p:ext>
+    </p:extLst>
+  </p:cSld>
+  <p:clrMapOvr>
+    <a:masterClrMapping/>
+  </p:clrMapOvr>
+</p:sld>
+</file>
+
+<file path=ppt/slides/slide44.xml><?xml version="1.0" encoding="utf-8"?>
+<p:sld xmlns:a="http://schemas.openxmlformats.org/drawingml/2006/main" xmlns:r="http://schemas.openxmlformats.org/officeDocument/2006/relationships" xmlns:p="http://schemas.openxmlformats.org/presentationml/2006/main">
+  <p:cSld>
+    <p:spTree>
+      <p:nvGrpSpPr>
+        <p:cNvPr id="1" name=""/>
+        <p:cNvGrpSpPr/>
+        <p:nvPr/>
+      </p:nvGrpSpPr>
+      <p:grpSpPr>
+        <a:xfrm>
+          <a:off x="0" y="0"/>
+          <a:ext cx="0" cy="0"/>
+          <a:chOff x="0" y="0"/>
+          <a:chExt cx="0" cy="0"/>
+        </a:xfrm>
+      </p:grpSpPr>
+      <p:sp>
+        <p:nvSpPr>
+          <p:cNvPr id="2" name="Title 1"/>
+          <p:cNvSpPr>
+            <a:spLocks noGrp="1"/>
+          </p:cNvSpPr>
+          <p:nvPr>
+            <p:ph type="title"/>
+          </p:nvPr>
+        </p:nvSpPr>
+        <p:spPr/>
+        <p:txBody>
+          <a:bodyPr/>
+          <a:lstStyle/>
+          <a:p>
+            <a:r>
+              <a:rPr lang="en-US" dirty="0"/>
               <a:t>Memo Structure</a:t>
             </a:r>
           </a:p>
@@ -27771,7 +27887,7 @@
 </p:sld>
 </file>
 
-<file path=ppt/slides/slide44.xml><?xml version="1.0" encoding="utf-8"?>
+<file path=ppt/slides/slide45.xml><?xml version="1.0" encoding="utf-8"?>
 <p:sld xmlns:a="http://schemas.openxmlformats.org/drawingml/2006/main" xmlns:r="http://schemas.openxmlformats.org/officeDocument/2006/relationships" xmlns:p="http://schemas.openxmlformats.org/presentationml/2006/main">
   <p:cSld>
     <p:spTree>
@@ -29019,7 +29135,7 @@
 </p:sld>
 </file>
 
-<file path=ppt/slides/slide45.xml><?xml version="1.0" encoding="utf-8"?>
+<file path=ppt/slides/slide46.xml><?xml version="1.0" encoding="utf-8"?>
 <p:sld xmlns:a="http://schemas.openxmlformats.org/drawingml/2006/main" xmlns:r="http://schemas.openxmlformats.org/officeDocument/2006/relationships" xmlns:p="http://schemas.openxmlformats.org/presentationml/2006/main">
   <p:cSld>
     <p:spTree>
@@ -29994,7 +30110,7 @@
 </p:sld>
 </file>
 
-<file path=ppt/slides/slide46.xml><?xml version="1.0" encoding="utf-8"?>
+<file path=ppt/slides/slide47.xml><?xml version="1.0" encoding="utf-8"?>
 <p:sld xmlns:a="http://schemas.openxmlformats.org/drawingml/2006/main" xmlns:r="http://schemas.openxmlformats.org/officeDocument/2006/relationships" xmlns:p="http://schemas.openxmlformats.org/presentationml/2006/main">
   <p:cSld>
     <p:spTree>
@@ -31235,7 +31351,7 @@
 </p:sld>
 </file>
 
-<file path=ppt/slides/slide47.xml><?xml version="1.0" encoding="utf-8"?>
+<file path=ppt/slides/slide48.xml><?xml version="1.0" encoding="utf-8"?>
 <p:sld xmlns:a="http://schemas.openxmlformats.org/drawingml/2006/main" xmlns:r="http://schemas.openxmlformats.org/officeDocument/2006/relationships" xmlns:p="http://schemas.openxmlformats.org/presentationml/2006/main">
   <p:cSld>
     <p:spTree>
@@ -31381,7 +31497,7 @@
 </p:sld>
 </file>
 
-<file path=ppt/slides/slide48.xml><?xml version="1.0" encoding="utf-8"?>
+<file path=ppt/slides/slide49.xml><?xml version="1.0" encoding="utf-8"?>
 <p:sld xmlns:a="http://schemas.openxmlformats.org/drawingml/2006/main" xmlns:r="http://schemas.openxmlformats.org/officeDocument/2006/relationships" xmlns:p="http://schemas.openxmlformats.org/presentationml/2006/main">
   <p:cSld>
     <p:spTree>
@@ -31509,7 +31625,164 @@
 </p:sld>
 </file>
 
-<file path=ppt/slides/slide49.xml><?xml version="1.0" encoding="utf-8"?>
+<file path=ppt/slides/slide5.xml><?xml version="1.0" encoding="utf-8"?>
+<p:sld xmlns:a="http://schemas.openxmlformats.org/drawingml/2006/main" xmlns:r="http://schemas.openxmlformats.org/officeDocument/2006/relationships" xmlns:p="http://schemas.openxmlformats.org/presentationml/2006/main">
+  <p:cSld>
+    <p:spTree>
+      <p:nvGrpSpPr>
+        <p:cNvPr id="1" name=""/>
+        <p:cNvGrpSpPr/>
+        <p:nvPr/>
+      </p:nvGrpSpPr>
+      <p:grpSpPr>
+        <a:xfrm>
+          <a:off x="0" y="0"/>
+          <a:ext cx="0" cy="0"/>
+          <a:chOff x="0" y="0"/>
+          <a:chExt cx="0" cy="0"/>
+        </a:xfrm>
+      </p:grpSpPr>
+      <p:sp>
+        <p:nvSpPr>
+          <p:cNvPr id="2" name="Title 1"/>
+          <p:cNvSpPr>
+            <a:spLocks noGrp="1"/>
+          </p:cNvSpPr>
+          <p:nvPr>
+            <p:ph type="title"/>
+          </p:nvPr>
+        </p:nvSpPr>
+        <p:spPr/>
+        <p:txBody>
+          <a:bodyPr/>
+          <a:lstStyle/>
+          <a:p>
+            <a:r>
+              <a:rPr lang="en-US" dirty="0"/>
+              <a:t>Logical Processing Order</a:t>
+            </a:r>
+          </a:p>
+        </p:txBody>
+      </p:sp>
+      <p:sp>
+        <p:nvSpPr>
+          <p:cNvPr id="3" name="Content Placeholder 2"/>
+          <p:cNvSpPr>
+            <a:spLocks noGrp="1"/>
+          </p:cNvSpPr>
+          <p:nvPr>
+            <p:ph idx="1"/>
+          </p:nvPr>
+        </p:nvSpPr>
+        <p:spPr/>
+        <p:txBody>
+          <a:bodyPr/>
+          <a:lstStyle/>
+          <a:p>
+            <a:r>
+              <a:rPr lang="en-US" dirty="0"/>
+              <a:t>Defines the sequence in which SQL elements are logically processed</a:t>
+            </a:r>
+          </a:p>
+          <a:p>
+            <a:r>
+              <a:rPr lang="en-US" dirty="0"/>
+              <a:t>Forms the starting basis for parsing the submitted query</a:t>
+            </a:r>
+          </a:p>
+          <a:p>
+            <a:r>
+              <a:rPr lang="en-US" dirty="0"/>
+              <a:t>Usually discussed from the perspective of a SELECT query; similar for UPDATE / DELETE / INSERT / MERGE</a:t>
+            </a:r>
+          </a:p>
+        </p:txBody>
+      </p:sp>
+    </p:spTree>
+    <p:extLst>
+      <p:ext uri="{BB962C8B-B14F-4D97-AF65-F5344CB8AC3E}">
+        <p14:creationId xmlns:p14="http://schemas.microsoft.com/office/powerpoint/2010/main" val="782615263"/>
+      </p:ext>
+    </p:extLst>
+  </p:cSld>
+  <p:clrMapOvr>
+    <a:masterClrMapping/>
+  </p:clrMapOvr>
+</p:sld>
+</file>
+
+<file path=ppt/slides/slide50.xml><?xml version="1.0" encoding="utf-8"?>
+<p:sld xmlns:a="http://schemas.openxmlformats.org/drawingml/2006/main" xmlns:r="http://schemas.openxmlformats.org/officeDocument/2006/relationships" xmlns:p="http://schemas.openxmlformats.org/presentationml/2006/main">
+  <p:cSld>
+    <p:spTree>
+      <p:nvGrpSpPr>
+        <p:cNvPr id="1" name=""/>
+        <p:cNvGrpSpPr/>
+        <p:nvPr/>
+      </p:nvGrpSpPr>
+      <p:grpSpPr>
+        <a:xfrm>
+          <a:off x="0" y="0"/>
+          <a:ext cx="0" cy="0"/>
+          <a:chOff x="0" y="0"/>
+          <a:chExt cx="0" cy="0"/>
+        </a:xfrm>
+      </p:grpSpPr>
+      <p:sp>
+        <p:nvSpPr>
+          <p:cNvPr id="2" name="Title 1"/>
+          <p:cNvSpPr>
+            <a:spLocks noGrp="1"/>
+          </p:cNvSpPr>
+          <p:nvPr>
+            <p:ph type="title"/>
+          </p:nvPr>
+        </p:nvSpPr>
+        <p:spPr/>
+        <p:txBody>
+          <a:bodyPr/>
+          <a:lstStyle/>
+          <a:p>
+            <a:r>
+              <a:rPr lang="en-US" dirty="0"/>
+              <a:t>Questions?</a:t>
+            </a:r>
+          </a:p>
+        </p:txBody>
+      </p:sp>
+      <p:sp>
+        <p:nvSpPr>
+          <p:cNvPr id="3" name="Content Placeholder 2"/>
+          <p:cNvSpPr>
+            <a:spLocks noGrp="1"/>
+          </p:cNvSpPr>
+          <p:nvPr>
+            <p:ph idx="1"/>
+          </p:nvPr>
+        </p:nvSpPr>
+        <p:spPr/>
+        <p:txBody>
+          <a:bodyPr/>
+          <a:lstStyle/>
+          <a:p>
+            <a:endParaRPr lang="en-US" dirty="0"/>
+          </a:p>
+        </p:txBody>
+      </p:sp>
+    </p:spTree>
+    <p:extLst>
+      <p:ext uri="{BB962C8B-B14F-4D97-AF65-F5344CB8AC3E}">
+        <p14:creationId xmlns:p14="http://schemas.microsoft.com/office/powerpoint/2010/main" val="1049758272"/>
+      </p:ext>
+    </p:extLst>
+  </p:cSld>
+  <p:clrMapOvr>
+    <a:masterClrMapping/>
+  </p:clrMapOvr>
+</p:sld>
+</file>
+
+<file path=ppt/slides/slide51.xml><?xml version="1.0" encoding="utf-8"?>
 <p:sld xmlns:a="http://schemas.openxmlformats.org/drawingml/2006/main" xmlns:r="http://schemas.openxmlformats.org/officeDocument/2006/relationships" xmlns:p="http://schemas.openxmlformats.org/presentationml/2006/main">
   <p:cSld>
     <p:spTree>
@@ -31956,93 +32229,7 @@
 </p:sld>
 </file>
 
-<file path=ppt/slides/slide5.xml><?xml version="1.0" encoding="utf-8"?>
-<p:sld xmlns:a="http://schemas.openxmlformats.org/drawingml/2006/main" xmlns:r="http://schemas.openxmlformats.org/officeDocument/2006/relationships" xmlns:p="http://schemas.openxmlformats.org/presentationml/2006/main">
-  <p:cSld>
-    <p:spTree>
-      <p:nvGrpSpPr>
-        <p:cNvPr id="1" name=""/>
-        <p:cNvGrpSpPr/>
-        <p:nvPr/>
-      </p:nvGrpSpPr>
-      <p:grpSpPr>
-        <a:xfrm>
-          <a:off x="0" y="0"/>
-          <a:ext cx="0" cy="0"/>
-          <a:chOff x="0" y="0"/>
-          <a:chExt cx="0" cy="0"/>
-        </a:xfrm>
-      </p:grpSpPr>
-      <p:sp>
-        <p:nvSpPr>
-          <p:cNvPr id="2" name="Title 1"/>
-          <p:cNvSpPr>
-            <a:spLocks noGrp="1"/>
-          </p:cNvSpPr>
-          <p:nvPr>
-            <p:ph type="title"/>
-          </p:nvPr>
-        </p:nvSpPr>
-        <p:spPr/>
-        <p:txBody>
-          <a:bodyPr/>
-          <a:lstStyle/>
-          <a:p>
-            <a:r>
-              <a:rPr lang="en-US" dirty="0"/>
-              <a:t>Logical Processing Order</a:t>
-            </a:r>
-          </a:p>
-        </p:txBody>
-      </p:sp>
-      <p:sp>
-        <p:nvSpPr>
-          <p:cNvPr id="3" name="Content Placeholder 2"/>
-          <p:cNvSpPr>
-            <a:spLocks noGrp="1"/>
-          </p:cNvSpPr>
-          <p:nvPr>
-            <p:ph idx="1"/>
-          </p:nvPr>
-        </p:nvSpPr>
-        <p:spPr/>
-        <p:txBody>
-          <a:bodyPr/>
-          <a:lstStyle/>
-          <a:p>
-            <a:r>
-              <a:rPr lang="en-US" dirty="0"/>
-              <a:t>Defines the sequence in which SQL elements are logically processed</a:t>
-            </a:r>
-          </a:p>
-          <a:p>
-            <a:r>
-              <a:rPr lang="en-US" dirty="0"/>
-              <a:t>Forms the starting basis for parsing the submitted query</a:t>
-            </a:r>
-          </a:p>
-          <a:p>
-            <a:r>
-              <a:rPr lang="en-US" dirty="0"/>
-              <a:t>Usually discussed from the perspective of a SELECT query; similar for UPDATE / DELETE / INSERT / MERGE</a:t>
-            </a:r>
-          </a:p>
-        </p:txBody>
-      </p:sp>
-    </p:spTree>
-    <p:extLst>
-      <p:ext uri="{BB962C8B-B14F-4D97-AF65-F5344CB8AC3E}">
-        <p14:creationId xmlns:p14="http://schemas.microsoft.com/office/powerpoint/2010/main" val="782615263"/>
-      </p:ext>
-    </p:extLst>
-  </p:cSld>
-  <p:clrMapOvr>
-    <a:masterClrMapping/>
-  </p:clrMapOvr>
-</p:sld>
-</file>
-
-<file path=ppt/slides/slide50.xml><?xml version="1.0" encoding="utf-8"?>
+<file path=ppt/slides/slide52.xml><?xml version="1.0" encoding="utf-8"?>
 <p:sld xmlns:a="http://schemas.openxmlformats.org/drawingml/2006/main" xmlns:r="http://schemas.openxmlformats.org/officeDocument/2006/relationships" xmlns:p="http://schemas.openxmlformats.org/presentationml/2006/main">
   <p:cSld>
     <p:spTree>
@@ -32554,289 +32741,6 @@
 </p:sld>
 </file>
 
-<file path=ppt/slides/slide51.xml><?xml version="1.0" encoding="utf-8"?>
-<p:sld xmlns:a="http://schemas.openxmlformats.org/drawingml/2006/main" xmlns:r="http://schemas.openxmlformats.org/officeDocument/2006/relationships" xmlns:p="http://schemas.openxmlformats.org/presentationml/2006/main">
-  <p:cSld>
-    <p:spTree>
-      <p:nvGrpSpPr>
-        <p:cNvPr id="1" name=""/>
-        <p:cNvGrpSpPr/>
-        <p:nvPr/>
-      </p:nvGrpSpPr>
-      <p:grpSpPr>
-        <a:xfrm>
-          <a:off x="0" y="0"/>
-          <a:ext cx="0" cy="0"/>
-          <a:chOff x="0" y="0"/>
-          <a:chExt cx="0" cy="0"/>
-        </a:xfrm>
-      </p:grpSpPr>
-      <p:sp>
-        <p:nvSpPr>
-          <p:cNvPr id="2" name="Title 1"/>
-          <p:cNvSpPr>
-            <a:spLocks noGrp="1"/>
-          </p:cNvSpPr>
-          <p:nvPr>
-            <p:ph type="title"/>
-          </p:nvPr>
-        </p:nvSpPr>
-        <p:spPr/>
-        <p:txBody>
-          <a:bodyPr/>
-          <a:lstStyle/>
-          <a:p>
-            <a:r>
-              <a:rPr lang="en-US" dirty="0"/>
-              <a:t>Appendix: Commands</a:t>
-            </a:r>
-          </a:p>
-        </p:txBody>
-      </p:sp>
-      <p:sp>
-        <p:nvSpPr>
-          <p:cNvPr id="3" name="Content Placeholder 2"/>
-          <p:cNvSpPr>
-            <a:spLocks noGrp="1"/>
-          </p:cNvSpPr>
-          <p:nvPr>
-            <p:ph idx="1"/>
-          </p:nvPr>
-        </p:nvSpPr>
-        <p:spPr/>
-        <p:txBody>
-          <a:bodyPr/>
-          <a:lstStyle/>
-          <a:p>
-            <a:r>
-              <a:rPr lang="en-US" dirty="0"/>
-              <a:t>DBCC TRACEON / TRACEOFF</a:t>
-            </a:r>
-          </a:p>
-          <a:p>
-            <a:r>
-              <a:rPr lang="en-US" dirty="0"/>
-              <a:t>DBCC RULEON / RULEOFF</a:t>
-            </a:r>
-          </a:p>
-          <a:p>
-            <a:r>
-              <a:rPr lang="en-US" dirty="0"/>
-              <a:t>DBCC SHOWONRULES</a:t>
-            </a:r>
-          </a:p>
-          <a:p>
-            <a:r>
-              <a:rPr lang="en-US" dirty="0"/>
-              <a:t>DBCC SHOWOFFRULES</a:t>
-            </a:r>
-          </a:p>
-          <a:p>
-            <a:r>
-              <a:rPr lang="en-US" dirty="0"/>
-              <a:t>option (recompile, </a:t>
-            </a:r>
-            <a:r>
-              <a:rPr lang="en-US" dirty="0" err="1"/>
-              <a:t>querytraceon</a:t>
-            </a:r>
-            <a:r>
-              <a:rPr lang="en-US" dirty="0"/>
-              <a:t> ####)</a:t>
-            </a:r>
-          </a:p>
-          <a:p>
-            <a:r>
-              <a:rPr lang="en-US" dirty="0" err="1"/>
-              <a:t>sys.dm_exec_query_optimizer_info</a:t>
-            </a:r>
-            <a:endParaRPr lang="en-US" dirty="0"/>
-          </a:p>
-          <a:p>
-            <a:r>
-              <a:rPr lang="en-US" dirty="0" err="1"/>
-              <a:t>sys.dm_exec_query_transformation_stats</a:t>
-            </a:r>
-            <a:endParaRPr lang="en-US" dirty="0"/>
-          </a:p>
-        </p:txBody>
-      </p:sp>
-    </p:spTree>
-    <p:extLst>
-      <p:ext uri="{BB962C8B-B14F-4D97-AF65-F5344CB8AC3E}">
-        <p14:creationId xmlns:p14="http://schemas.microsoft.com/office/powerpoint/2010/main" val="400255049"/>
-      </p:ext>
-    </p:extLst>
-  </p:cSld>
-  <p:clrMapOvr>
-    <a:masterClrMapping/>
-  </p:clrMapOvr>
-</p:sld>
-</file>
-
-<file path=ppt/slides/slide52.xml><?xml version="1.0" encoding="utf-8"?>
-<p:sld xmlns:a="http://schemas.openxmlformats.org/drawingml/2006/main" xmlns:r="http://schemas.openxmlformats.org/officeDocument/2006/relationships" xmlns:p="http://schemas.openxmlformats.org/presentationml/2006/main">
-  <p:cSld>
-    <p:spTree>
-      <p:nvGrpSpPr>
-        <p:cNvPr id="1" name=""/>
-        <p:cNvGrpSpPr/>
-        <p:nvPr/>
-      </p:nvGrpSpPr>
-      <p:grpSpPr>
-        <a:xfrm>
-          <a:off x="0" y="0"/>
-          <a:ext cx="0" cy="0"/>
-          <a:chOff x="0" y="0"/>
-          <a:chExt cx="0" cy="0"/>
-        </a:xfrm>
-      </p:grpSpPr>
-      <p:sp>
-        <p:nvSpPr>
-          <p:cNvPr id="2" name="Title 1"/>
-          <p:cNvSpPr>
-            <a:spLocks noGrp="1"/>
-          </p:cNvSpPr>
-          <p:nvPr>
-            <p:ph type="title"/>
-          </p:nvPr>
-        </p:nvSpPr>
-        <p:spPr/>
-        <p:txBody>
-          <a:bodyPr/>
-          <a:lstStyle/>
-          <a:p>
-            <a:r>
-              <a:rPr lang="en-US" dirty="0"/>
-              <a:t>Appendix: History of SQL’s Optimizer</a:t>
-            </a:r>
-          </a:p>
-        </p:txBody>
-      </p:sp>
-      <p:sp>
-        <p:nvSpPr>
-          <p:cNvPr id="3" name="Content Placeholder 2"/>
-          <p:cNvSpPr>
-            <a:spLocks noGrp="1"/>
-          </p:cNvSpPr>
-          <p:nvPr>
-            <p:ph idx="1"/>
-          </p:nvPr>
-        </p:nvSpPr>
-        <p:spPr/>
-        <p:txBody>
-          <a:bodyPr/>
-          <a:lstStyle/>
-          <a:p>
-            <a:r>
-              <a:rPr lang="en-US" dirty="0"/>
-              <a:t>Volcano Optimizer (April 1993) (</a:t>
-            </a:r>
-            <a:r>
-              <a:rPr lang="en-US" dirty="0">
-                <a:hlinkClick r:id="rId2"/>
-              </a:rPr>
-              <a:t>PDF</a:t>
-            </a:r>
-            <a:r>
-              <a:rPr lang="en-US" dirty="0"/>
-              <a:t>)</a:t>
-            </a:r>
-          </a:p>
-          <a:p>
-            <a:pPr lvl="1"/>
-            <a:r>
-              <a:rPr lang="en-US" dirty="0"/>
-              <a:t>Goetz </a:t>
-            </a:r>
-            <a:r>
-              <a:rPr lang="en-US" dirty="0" err="1"/>
-              <a:t>Graefe</a:t>
-            </a:r>
-            <a:r>
-              <a:rPr lang="en-US" dirty="0"/>
-              <a:t>, William J. McKenna</a:t>
-            </a:r>
-          </a:p>
-          <a:p>
-            <a:pPr lvl="1"/>
-            <a:r>
-              <a:rPr lang="en-US" dirty="0"/>
-              <a:t>Based on </a:t>
-            </a:r>
-            <a:r>
-              <a:rPr lang="en-US" dirty="0" err="1"/>
-              <a:t>Graefe’s</a:t>
-            </a:r>
-            <a:r>
-              <a:rPr lang="en-US" dirty="0"/>
-              <a:t> earlier Exodus Optimizer</a:t>
-            </a:r>
-          </a:p>
-          <a:p>
-            <a:r>
-              <a:rPr lang="en-US" dirty="0"/>
-              <a:t>Cascades Framework (1995) (</a:t>
-            </a:r>
-            <a:r>
-              <a:rPr lang="en-US" dirty="0">
-                <a:hlinkClick r:id="rId3"/>
-              </a:rPr>
-              <a:t>PDF</a:t>
-            </a:r>
-            <a:r>
-              <a:rPr lang="en-US" dirty="0"/>
-              <a:t>)</a:t>
-            </a:r>
-          </a:p>
-          <a:p>
-            <a:pPr lvl="1"/>
-            <a:r>
-              <a:rPr lang="en-US" dirty="0"/>
-              <a:t>Goetz </a:t>
-            </a:r>
-            <a:r>
-              <a:rPr lang="en-US" dirty="0" err="1"/>
-              <a:t>Graefe</a:t>
-            </a:r>
-            <a:endParaRPr lang="en-US" dirty="0"/>
-          </a:p>
-          <a:p>
-            <a:pPr lvl="1"/>
-            <a:r>
-              <a:rPr lang="en-US" dirty="0"/>
-              <a:t>Refinement of the Volcano Optimizer</a:t>
-            </a:r>
-          </a:p>
-          <a:p>
-            <a:pPr lvl="1"/>
-            <a:r>
-              <a:rPr lang="en-US" dirty="0"/>
-              <a:t>Basis for rewritten optimizer in SQL Server 7.0</a:t>
-            </a:r>
-          </a:p>
-          <a:p>
-            <a:pPr lvl="1"/>
-            <a:r>
-              <a:rPr lang="en-US" dirty="0"/>
-              <a:t>Major innovation: the memo structure</a:t>
-            </a:r>
-          </a:p>
-        </p:txBody>
-      </p:sp>
-    </p:spTree>
-    <p:extLst>
-      <p:ext uri="{BB962C8B-B14F-4D97-AF65-F5344CB8AC3E}">
-        <p14:creationId xmlns:p14="http://schemas.microsoft.com/office/powerpoint/2010/main" val="4044722762"/>
-      </p:ext>
-    </p:extLst>
-  </p:cSld>
-  <p:clrMapOvr>
-    <a:masterClrMapping/>
-  </p:clrMapOvr>
-</p:sld>
-</file>
-
 <file path=ppt/slides/slide53.xml><?xml version="1.0" encoding="utf-8"?>
 <p:sld xmlns:a="http://schemas.openxmlformats.org/drawingml/2006/main" xmlns:r="http://schemas.openxmlformats.org/officeDocument/2006/relationships" xmlns:p="http://schemas.openxmlformats.org/presentationml/2006/main">
   <p:cSld>
@@ -32871,6 +32775,289 @@
           <a:p>
             <a:r>
               <a:rPr lang="en-US" dirty="0"/>
+              <a:t>Appendix: Commands</a:t>
+            </a:r>
+          </a:p>
+        </p:txBody>
+      </p:sp>
+      <p:sp>
+        <p:nvSpPr>
+          <p:cNvPr id="3" name="Content Placeholder 2"/>
+          <p:cNvSpPr>
+            <a:spLocks noGrp="1"/>
+          </p:cNvSpPr>
+          <p:nvPr>
+            <p:ph idx="1"/>
+          </p:nvPr>
+        </p:nvSpPr>
+        <p:spPr/>
+        <p:txBody>
+          <a:bodyPr/>
+          <a:lstStyle/>
+          <a:p>
+            <a:r>
+              <a:rPr lang="en-US" dirty="0"/>
+              <a:t>DBCC TRACEON / TRACEOFF</a:t>
+            </a:r>
+          </a:p>
+          <a:p>
+            <a:r>
+              <a:rPr lang="en-US" dirty="0"/>
+              <a:t>DBCC RULEON / RULEOFF</a:t>
+            </a:r>
+          </a:p>
+          <a:p>
+            <a:r>
+              <a:rPr lang="en-US" dirty="0"/>
+              <a:t>DBCC SHOWONRULES</a:t>
+            </a:r>
+          </a:p>
+          <a:p>
+            <a:r>
+              <a:rPr lang="en-US" dirty="0"/>
+              <a:t>DBCC SHOWOFFRULES</a:t>
+            </a:r>
+          </a:p>
+          <a:p>
+            <a:r>
+              <a:rPr lang="en-US" dirty="0"/>
+              <a:t>option (recompile, </a:t>
+            </a:r>
+            <a:r>
+              <a:rPr lang="en-US" dirty="0" err="1"/>
+              <a:t>querytraceon</a:t>
+            </a:r>
+            <a:r>
+              <a:rPr lang="en-US" dirty="0"/>
+              <a:t> ####)</a:t>
+            </a:r>
+          </a:p>
+          <a:p>
+            <a:r>
+              <a:rPr lang="en-US" dirty="0" err="1"/>
+              <a:t>sys.dm_exec_query_optimizer_info</a:t>
+            </a:r>
+            <a:endParaRPr lang="en-US" dirty="0"/>
+          </a:p>
+          <a:p>
+            <a:r>
+              <a:rPr lang="en-US" dirty="0" err="1"/>
+              <a:t>sys.dm_exec_query_transformation_stats</a:t>
+            </a:r>
+            <a:endParaRPr lang="en-US" dirty="0"/>
+          </a:p>
+        </p:txBody>
+      </p:sp>
+    </p:spTree>
+    <p:extLst>
+      <p:ext uri="{BB962C8B-B14F-4D97-AF65-F5344CB8AC3E}">
+        <p14:creationId xmlns:p14="http://schemas.microsoft.com/office/powerpoint/2010/main" val="400255049"/>
+      </p:ext>
+    </p:extLst>
+  </p:cSld>
+  <p:clrMapOvr>
+    <a:masterClrMapping/>
+  </p:clrMapOvr>
+</p:sld>
+</file>
+
+<file path=ppt/slides/slide54.xml><?xml version="1.0" encoding="utf-8"?>
+<p:sld xmlns:a="http://schemas.openxmlformats.org/drawingml/2006/main" xmlns:r="http://schemas.openxmlformats.org/officeDocument/2006/relationships" xmlns:p="http://schemas.openxmlformats.org/presentationml/2006/main">
+  <p:cSld>
+    <p:spTree>
+      <p:nvGrpSpPr>
+        <p:cNvPr id="1" name=""/>
+        <p:cNvGrpSpPr/>
+        <p:nvPr/>
+      </p:nvGrpSpPr>
+      <p:grpSpPr>
+        <a:xfrm>
+          <a:off x="0" y="0"/>
+          <a:ext cx="0" cy="0"/>
+          <a:chOff x="0" y="0"/>
+          <a:chExt cx="0" cy="0"/>
+        </a:xfrm>
+      </p:grpSpPr>
+      <p:sp>
+        <p:nvSpPr>
+          <p:cNvPr id="2" name="Title 1"/>
+          <p:cNvSpPr>
+            <a:spLocks noGrp="1"/>
+          </p:cNvSpPr>
+          <p:nvPr>
+            <p:ph type="title"/>
+          </p:nvPr>
+        </p:nvSpPr>
+        <p:spPr/>
+        <p:txBody>
+          <a:bodyPr/>
+          <a:lstStyle/>
+          <a:p>
+            <a:r>
+              <a:rPr lang="en-US" dirty="0"/>
+              <a:t>Appendix: History of SQL’s Optimizer</a:t>
+            </a:r>
+          </a:p>
+        </p:txBody>
+      </p:sp>
+      <p:sp>
+        <p:nvSpPr>
+          <p:cNvPr id="3" name="Content Placeholder 2"/>
+          <p:cNvSpPr>
+            <a:spLocks noGrp="1"/>
+          </p:cNvSpPr>
+          <p:nvPr>
+            <p:ph idx="1"/>
+          </p:nvPr>
+        </p:nvSpPr>
+        <p:spPr/>
+        <p:txBody>
+          <a:bodyPr/>
+          <a:lstStyle/>
+          <a:p>
+            <a:r>
+              <a:rPr lang="en-US" dirty="0"/>
+              <a:t>Volcano Optimizer (April 1993) (</a:t>
+            </a:r>
+            <a:r>
+              <a:rPr lang="en-US" dirty="0">
+                <a:hlinkClick r:id="rId2"/>
+              </a:rPr>
+              <a:t>PDF</a:t>
+            </a:r>
+            <a:r>
+              <a:rPr lang="en-US" dirty="0"/>
+              <a:t>)</a:t>
+            </a:r>
+          </a:p>
+          <a:p>
+            <a:pPr lvl="1"/>
+            <a:r>
+              <a:rPr lang="en-US" dirty="0"/>
+              <a:t>Goetz </a:t>
+            </a:r>
+            <a:r>
+              <a:rPr lang="en-US" dirty="0" err="1"/>
+              <a:t>Graefe</a:t>
+            </a:r>
+            <a:r>
+              <a:rPr lang="en-US" dirty="0"/>
+              <a:t>, William J. McKenna</a:t>
+            </a:r>
+          </a:p>
+          <a:p>
+            <a:pPr lvl="1"/>
+            <a:r>
+              <a:rPr lang="en-US" dirty="0"/>
+              <a:t>Based on </a:t>
+            </a:r>
+            <a:r>
+              <a:rPr lang="en-US" dirty="0" err="1"/>
+              <a:t>Graefe’s</a:t>
+            </a:r>
+            <a:r>
+              <a:rPr lang="en-US" dirty="0"/>
+              <a:t> earlier Exodus Optimizer</a:t>
+            </a:r>
+          </a:p>
+          <a:p>
+            <a:r>
+              <a:rPr lang="en-US" dirty="0"/>
+              <a:t>Cascades Framework (1995) (</a:t>
+            </a:r>
+            <a:r>
+              <a:rPr lang="en-US" dirty="0">
+                <a:hlinkClick r:id="rId3"/>
+              </a:rPr>
+              <a:t>PDF</a:t>
+            </a:r>
+            <a:r>
+              <a:rPr lang="en-US" dirty="0"/>
+              <a:t>)</a:t>
+            </a:r>
+          </a:p>
+          <a:p>
+            <a:pPr lvl="1"/>
+            <a:r>
+              <a:rPr lang="en-US" dirty="0"/>
+              <a:t>Goetz </a:t>
+            </a:r>
+            <a:r>
+              <a:rPr lang="en-US" dirty="0" err="1"/>
+              <a:t>Graefe</a:t>
+            </a:r>
+            <a:endParaRPr lang="en-US" dirty="0"/>
+          </a:p>
+          <a:p>
+            <a:pPr lvl="1"/>
+            <a:r>
+              <a:rPr lang="en-US" dirty="0"/>
+              <a:t>Refinement of the Volcano Optimizer</a:t>
+            </a:r>
+          </a:p>
+          <a:p>
+            <a:pPr lvl="1"/>
+            <a:r>
+              <a:rPr lang="en-US" dirty="0"/>
+              <a:t>Basis for rewritten optimizer in SQL Server 7.0</a:t>
+            </a:r>
+          </a:p>
+          <a:p>
+            <a:pPr lvl="1"/>
+            <a:r>
+              <a:rPr lang="en-US" dirty="0"/>
+              <a:t>Major innovation: the memo structure</a:t>
+            </a:r>
+          </a:p>
+        </p:txBody>
+      </p:sp>
+    </p:spTree>
+    <p:extLst>
+      <p:ext uri="{BB962C8B-B14F-4D97-AF65-F5344CB8AC3E}">
+        <p14:creationId xmlns:p14="http://schemas.microsoft.com/office/powerpoint/2010/main" val="4044722762"/>
+      </p:ext>
+    </p:extLst>
+  </p:cSld>
+  <p:clrMapOvr>
+    <a:masterClrMapping/>
+  </p:clrMapOvr>
+</p:sld>
+</file>
+
+<file path=ppt/slides/slide55.xml><?xml version="1.0" encoding="utf-8"?>
+<p:sld xmlns:a="http://schemas.openxmlformats.org/drawingml/2006/main" xmlns:r="http://schemas.openxmlformats.org/officeDocument/2006/relationships" xmlns:p="http://schemas.openxmlformats.org/presentationml/2006/main">
+  <p:cSld>
+    <p:spTree>
+      <p:nvGrpSpPr>
+        <p:cNvPr id="1" name=""/>
+        <p:cNvGrpSpPr/>
+        <p:nvPr/>
+      </p:nvGrpSpPr>
+      <p:grpSpPr>
+        <a:xfrm>
+          <a:off x="0" y="0"/>
+          <a:ext cx="0" cy="0"/>
+          <a:chOff x="0" y="0"/>
+          <a:chExt cx="0" cy="0"/>
+        </a:xfrm>
+      </p:grpSpPr>
+      <p:sp>
+        <p:nvSpPr>
+          <p:cNvPr id="2" name="Title 1"/>
+          <p:cNvSpPr>
+            <a:spLocks noGrp="1"/>
+          </p:cNvSpPr>
+          <p:nvPr>
+            <p:ph type="title"/>
+          </p:nvPr>
+        </p:nvSpPr>
+        <p:spPr/>
+        <p:txBody>
+          <a:bodyPr/>
+          <a:lstStyle/>
+          <a:p>
+            <a:r>
+              <a:rPr lang="en-US" dirty="0"/>
               <a:t>References</a:t>
             </a:r>
           </a:p>
@@ -33004,7 +33191,7 @@
 </p:sld>
 </file>
 
-<file path=ppt/slides/slide54.xml><?xml version="1.0" encoding="utf-8"?>
+<file path=ppt/slides/slide56.xml><?xml version="1.0" encoding="utf-8"?>
 <p:sld xmlns:a="http://schemas.openxmlformats.org/drawingml/2006/main" xmlns:r="http://schemas.openxmlformats.org/officeDocument/2006/relationships" xmlns:p="http://schemas.openxmlformats.org/presentationml/2006/main">
   <p:cSld>
     <p:spTree>

--- a/Optimizer.pptx
+++ b/Optimizer.pptx
@@ -22,8 +22,8 @@
     <p:sldId id="258" r:id="rId13"/>
     <p:sldId id="264" r:id="rId14"/>
     <p:sldId id="265" r:id="rId15"/>
-    <p:sldId id="266" r:id="rId16"/>
-    <p:sldId id="267" r:id="rId17"/>
+    <p:sldId id="267" r:id="rId16"/>
+    <p:sldId id="266" r:id="rId17"/>
     <p:sldId id="268" r:id="rId18"/>
     <p:sldId id="269" r:id="rId19"/>
     <p:sldId id="270" r:id="rId20"/>
@@ -674,11 +674,11 @@
           <a:p>
             <a:r>
               <a:rPr lang="en-US" dirty="0"/>
-              <a:t>A trivial plan is one which can only be executed</a:t>
+              <a:t>Merge join generally the best performing,</a:t>
             </a:r>
             <a:r>
               <a:rPr lang="en-US" baseline="0" dirty="0"/>
-              <a:t> in one possible way.  A common example is select * from table, or select * from table where col = value (if there are no index on “col”).  The query can be relatively complex, but only contain one table.  Having a subquery or a an inequality predicate automatically make the query non-trivial.  Trivial plans can be avoided using TF8757.</a:t>
+              <a:t> but requires sorted input on join columns.  Only valid for equijoins.</a:t>
             </a:r>
           </a:p>
           <a:p>
@@ -687,7 +687,7 @@
           <a:p>
             <a:r>
               <a:rPr lang="en-US" baseline="0" dirty="0"/>
-              <a:t>The Optimization Level property on a query plan will be “Trivial” or “Full”</a:t>
+              <a:t>Nested loops best when inputs are of significantly different size.  Only join operator that works for joins using inequalities.</a:t>
             </a:r>
           </a:p>
           <a:p>
@@ -696,14 +696,9 @@
           <a:p>
             <a:r>
               <a:rPr lang="en-US" baseline="0" dirty="0"/>
-              <a:t>The concept of Statistics and Cardinality Estimation is a complex topic to itself.  It is important to note that the CE underwent a significant re-write starting in SQL Server 2014 which can lead to very different plans being selected.</a:t>
-            </a:r>
-          </a:p>
-          <a:p>
-            <a:endParaRPr lang="en-US" baseline="0" dirty="0"/>
-          </a:p>
-          <a:p>
-            <a:endParaRPr lang="en-US" baseline="0" dirty="0"/>
+              <a:t>Hash join works well with large inputs without sorted input, but is only valid for equijoins.</a:t>
+            </a:r>
+            <a:endParaRPr lang="en-US" dirty="0"/>
           </a:p>
         </p:txBody>
       </p:sp>
@@ -724,7 +719,7 @@
           <a:p>
             <a:fld id="{ADDBA41D-AE03-4F1C-B074-B56312AFAE46}" type="slidenum">
               <a:rPr lang="en-US" smtClean="0"/>
-              <a:t>29</a:t>
+              <a:t>26</a:t>
             </a:fld>
             <a:endParaRPr lang="en-US"/>
           </a:p>
@@ -733,7 +728,7 @@
     </p:spTree>
     <p:extLst>
       <p:ext uri="{BB962C8B-B14F-4D97-AF65-F5344CB8AC3E}">
-        <p14:creationId xmlns:p14="http://schemas.microsoft.com/office/powerpoint/2010/main" val="3612119290"/>
+        <p14:creationId xmlns:p14="http://schemas.microsoft.com/office/powerpoint/2010/main" val="611840543"/>
       </p:ext>
     </p:extLst>
   </p:cSld>
@@ -789,11 +784,28 @@
           <a:p>
             <a:r>
               <a:rPr lang="en-US" dirty="0"/>
-              <a:t>Point out that in reality, there will be fewer than 25,920 plans because of logical</a:t>
+              <a:t>Constant folding refers to pre-computing as much of an expression as possible, for example: 2 * pi() * radius</a:t>
             </a:r>
             <a:r>
               <a:rPr lang="en-US" baseline="0" dirty="0"/>
-              <a:t> limitations.  For instance, if a join condition is not an equality, a merge join and hash join are not possible.</a:t>
+              <a:t> =&gt; 6.28319 * radius</a:t>
+            </a:r>
+            <a:endParaRPr lang="en-US" dirty="0"/>
+          </a:p>
+          <a:p>
+            <a:r>
+              <a:rPr lang="en-US" dirty="0"/>
+              <a:t>As an</a:t>
+            </a:r>
+            <a:r>
+              <a:rPr lang="en-US" baseline="0" dirty="0"/>
+              <a:t> example, data type resolution with the UNION operator will ensure that data types between the upper expression are compatible with the lower expression.</a:t>
+            </a:r>
+          </a:p>
+          <a:p>
+            <a:r>
+              <a:rPr lang="en-US" baseline="0" dirty="0"/>
+              <a:t>Aggregate binding checks if invalid columns are referenced downstream of the GROUP BY logical processing step.</a:t>
             </a:r>
             <a:endParaRPr lang="en-US" dirty="0"/>
           </a:p>
@@ -816,7 +828,7 @@
           <a:p>
             <a:fld id="{ADDBA41D-AE03-4F1C-B074-B56312AFAE46}" type="slidenum">
               <a:rPr lang="en-US" smtClean="0"/>
-              <a:t>35</a:t>
+              <a:t>28</a:t>
             </a:fld>
             <a:endParaRPr lang="en-US"/>
           </a:p>
@@ -825,7 +837,7 @@
     </p:spTree>
     <p:extLst>
       <p:ext uri="{BB962C8B-B14F-4D97-AF65-F5344CB8AC3E}">
-        <p14:creationId xmlns:p14="http://schemas.microsoft.com/office/powerpoint/2010/main" val="1734029549"/>
+        <p14:creationId xmlns:p14="http://schemas.microsoft.com/office/powerpoint/2010/main" val="2197873287"/>
       </p:ext>
     </p:extLst>
   </p:cSld>
@@ -879,7 +891,38 @@
           <a:bodyPr/>
           <a:lstStyle/>
           <a:p>
-            <a:endParaRPr lang="en-US" dirty="0"/>
+            <a:r>
+              <a:rPr lang="en-US" dirty="0"/>
+              <a:t>A trivial plan is one which can only be executed</a:t>
+            </a:r>
+            <a:r>
+              <a:rPr lang="en-US" baseline="0" dirty="0"/>
+              <a:t> in one possible way.  A common example is select * from table, or select * from table where col = value (if there are no index on “col”).  The query can be relatively complex, but only contain one table.  Having a subquery or a an inequality predicate automatically make the query non-trivial.  Trivial plans can be avoided using TF8757.</a:t>
+            </a:r>
+          </a:p>
+          <a:p>
+            <a:endParaRPr lang="en-US" baseline="0" dirty="0"/>
+          </a:p>
+          <a:p>
+            <a:r>
+              <a:rPr lang="en-US" baseline="0" dirty="0"/>
+              <a:t>The Optimization Level property on a query plan will be “Trivial” or “Full”</a:t>
+            </a:r>
+          </a:p>
+          <a:p>
+            <a:endParaRPr lang="en-US" baseline="0" dirty="0"/>
+          </a:p>
+          <a:p>
+            <a:r>
+              <a:rPr lang="en-US" baseline="0" dirty="0"/>
+              <a:t>The concept of Statistics and Cardinality Estimation is a complex topic to itself.  It is important to note that the CE underwent a significant re-write starting in SQL Server 2014 which can lead to very different plans being selected.</a:t>
+            </a:r>
+          </a:p>
+          <a:p>
+            <a:endParaRPr lang="en-US" baseline="0" dirty="0"/>
+          </a:p>
+          <a:p>
+            <a:endParaRPr lang="en-US" baseline="0" dirty="0"/>
           </a:p>
         </p:txBody>
       </p:sp>
@@ -900,7 +943,7 @@
           <a:p>
             <a:fld id="{ADDBA41D-AE03-4F1C-B074-B56312AFAE46}" type="slidenum">
               <a:rPr lang="en-US" smtClean="0"/>
-              <a:t>37</a:t>
+              <a:t>29</a:t>
             </a:fld>
             <a:endParaRPr lang="en-US"/>
           </a:p>
@@ -909,7 +952,7 @@
     </p:spTree>
     <p:extLst>
       <p:ext uri="{BB962C8B-B14F-4D97-AF65-F5344CB8AC3E}">
-        <p14:creationId xmlns:p14="http://schemas.microsoft.com/office/powerpoint/2010/main" val="1929112360"/>
+        <p14:creationId xmlns:p14="http://schemas.microsoft.com/office/powerpoint/2010/main" val="3612119290"/>
       </p:ext>
     </p:extLst>
   </p:cSld>
@@ -965,11 +1008,11 @@
           <a:p>
             <a:r>
               <a:rPr lang="en-US" dirty="0"/>
-              <a:t>Gain will have a value from 0 to 1, where 0 means no improvement,</a:t>
+              <a:t>Point out that in reality, there will be fewer than 25,920 plans because of logical</a:t>
             </a:r>
             <a:r>
               <a:rPr lang="en-US" baseline="0" dirty="0"/>
-              <a:t> and values approaching 1 indicate significant improvement.</a:t>
+              <a:t> limitations.  For instance, if a join condition is not an equality, a merge join and hash join are not possible.</a:t>
             </a:r>
             <a:endParaRPr lang="en-US" dirty="0"/>
           </a:p>
@@ -992,7 +1035,7 @@
           <a:p>
             <a:fld id="{ADDBA41D-AE03-4F1C-B074-B56312AFAE46}" type="slidenum">
               <a:rPr lang="en-US" smtClean="0"/>
-              <a:t>39</a:t>
+              <a:t>35</a:t>
             </a:fld>
             <a:endParaRPr lang="en-US"/>
           </a:p>
@@ -1001,7 +1044,7 @@
     </p:spTree>
     <p:extLst>
       <p:ext uri="{BB962C8B-B14F-4D97-AF65-F5344CB8AC3E}">
-        <p14:creationId xmlns:p14="http://schemas.microsoft.com/office/powerpoint/2010/main" val="194171185"/>
+        <p14:creationId xmlns:p14="http://schemas.microsoft.com/office/powerpoint/2010/main" val="1734029549"/>
       </p:ext>
     </p:extLst>
   </p:cSld>
@@ -1055,14 +1098,6 @@
           <a:bodyPr/>
           <a:lstStyle/>
           <a:p>
-            <a:r>
-              <a:rPr lang="en-US" dirty="0"/>
-              <a:t>Show</a:t>
-            </a:r>
-            <a:r>
-              <a:rPr lang="en-US" baseline="0" dirty="0"/>
-              <a:t> BOL for this DMV, then show 2005 version of BOL.</a:t>
-            </a:r>
             <a:endParaRPr lang="en-US" dirty="0"/>
           </a:p>
         </p:txBody>
@@ -1084,7 +1119,7 @@
           <a:p>
             <a:fld id="{ADDBA41D-AE03-4F1C-B074-B56312AFAE46}" type="slidenum">
               <a:rPr lang="en-US" smtClean="0"/>
-              <a:t>40</a:t>
+              <a:t>37</a:t>
             </a:fld>
             <a:endParaRPr lang="en-US"/>
           </a:p>
@@ -1093,7 +1128,7 @@
     </p:spTree>
     <p:extLst>
       <p:ext uri="{BB962C8B-B14F-4D97-AF65-F5344CB8AC3E}">
-        <p14:creationId xmlns:p14="http://schemas.microsoft.com/office/powerpoint/2010/main" val="584843494"/>
+        <p14:creationId xmlns:p14="http://schemas.microsoft.com/office/powerpoint/2010/main" val="1929112360"/>
       </p:ext>
     </p:extLst>
   </p:cSld>
@@ -1149,47 +1184,11 @@
           <a:p>
             <a:r>
               <a:rPr lang="en-US" dirty="0"/>
-              <a:t>Where the simplification rules really come into play is</a:t>
+              <a:t>Gain will have a value from 0 to 1, where 0 means no improvement,</a:t>
             </a:r>
             <a:r>
               <a:rPr lang="en-US" baseline="0" dirty="0"/>
-              <a:t> with queries that are generated by tools such as Entity Framework.</a:t>
-            </a:r>
-          </a:p>
-          <a:p>
-            <a:r>
-              <a:rPr lang="en-US" baseline="0" dirty="0"/>
-              <a:t>Other examples of simplification are</a:t>
-            </a:r>
-          </a:p>
-          <a:p>
-            <a:pPr marL="171450" indent="-171450">
-              <a:buFont typeface="Arial" panose="020B0604020202020204" pitchFamily="34" charset="0"/>
-              <a:buChar char="•"/>
-            </a:pPr>
-            <a:r>
-              <a:rPr lang="en-US" baseline="0" dirty="0"/>
-              <a:t>Select collapse (remove redundancies from WHERE clause)</a:t>
-            </a:r>
-          </a:p>
-          <a:p>
-            <a:pPr marL="171450" indent="-171450">
-              <a:buFont typeface="Arial" panose="020B0604020202020204" pitchFamily="34" charset="0"/>
-              <a:buChar char="•"/>
-            </a:pPr>
-            <a:r>
-              <a:rPr lang="en-US" baseline="0" dirty="0"/>
-              <a:t>Range simplification (multiple range predicates that can be collapsed into a single range or value)</a:t>
-            </a:r>
-          </a:p>
-          <a:p>
-            <a:pPr marL="171450" indent="-171450">
-              <a:buFont typeface="Arial" panose="020B0604020202020204" pitchFamily="34" charset="0"/>
-              <a:buChar char="•"/>
-            </a:pPr>
-            <a:r>
-              <a:rPr lang="en-US" baseline="0" dirty="0"/>
-              <a:t>Computed column matching</a:t>
+              <a:t> and values approaching 1 indicate significant improvement.</a:t>
             </a:r>
             <a:endParaRPr lang="en-US" dirty="0"/>
           </a:p>
@@ -1212,7 +1211,7 @@
           <a:p>
             <a:fld id="{ADDBA41D-AE03-4F1C-B074-B56312AFAE46}" type="slidenum">
               <a:rPr lang="en-US" smtClean="0"/>
-              <a:t>42</a:t>
+              <a:t>39</a:t>
             </a:fld>
             <a:endParaRPr lang="en-US"/>
           </a:p>
@@ -1221,7 +1220,7 @@
     </p:spTree>
     <p:extLst>
       <p:ext uri="{BB962C8B-B14F-4D97-AF65-F5344CB8AC3E}">
-        <p14:creationId xmlns:p14="http://schemas.microsoft.com/office/powerpoint/2010/main" val="2879536405"/>
+        <p14:creationId xmlns:p14="http://schemas.microsoft.com/office/powerpoint/2010/main" val="194171185"/>
       </p:ext>
     </p:extLst>
   </p:cSld>
@@ -1277,36 +1276,11 @@
           <a:p>
             <a:r>
               <a:rPr lang="en-US" dirty="0"/>
-              <a:t>Unlike </a:t>
-            </a:r>
-            <a:r>
-              <a:rPr lang="en-US" dirty="0" err="1"/>
-              <a:t>sys.dm_exec_query_optimizer_info</a:t>
-            </a:r>
-            <a:r>
-              <a:rPr lang="en-US" dirty="0"/>
-              <a:t>,</a:t>
+              <a:t>Show</a:t>
             </a:r>
             <a:r>
               <a:rPr lang="en-US" baseline="0" dirty="0"/>
-              <a:t> this one is completely undocumented.</a:t>
-            </a:r>
-          </a:p>
-          <a:p>
-            <a:endParaRPr lang="en-US" baseline="0" dirty="0"/>
-          </a:p>
-          <a:p>
-            <a:r>
-              <a:rPr lang="en-US" baseline="0" dirty="0"/>
-              <a:t>“Promise” values are, presumably, </a:t>
-            </a:r>
-            <a:r>
-              <a:rPr lang="en-US" baseline="0" dirty="0" err="1"/>
-              <a:t>unitless</a:t>
-            </a:r>
-            <a:r>
-              <a:rPr lang="en-US" baseline="0" dirty="0"/>
-              <a:t>.</a:t>
+              <a:t> BOL for this DMV, then show 2005 version of BOL.</a:t>
             </a:r>
             <a:endParaRPr lang="en-US" dirty="0"/>
           </a:p>
@@ -1329,7 +1303,7 @@
           <a:p>
             <a:fld id="{ADDBA41D-AE03-4F1C-B074-B56312AFAE46}" type="slidenum">
               <a:rPr lang="en-US" smtClean="0"/>
-              <a:t>46</a:t>
+              <a:t>40</a:t>
             </a:fld>
             <a:endParaRPr lang="en-US"/>
           </a:p>
@@ -1338,7 +1312,7 @@
     </p:spTree>
     <p:extLst>
       <p:ext uri="{BB962C8B-B14F-4D97-AF65-F5344CB8AC3E}">
-        <p14:creationId xmlns:p14="http://schemas.microsoft.com/office/powerpoint/2010/main" val="2312008963"/>
+        <p14:creationId xmlns:p14="http://schemas.microsoft.com/office/powerpoint/2010/main" val="584843494"/>
       </p:ext>
     </p:extLst>
   </p:cSld>
@@ -1394,20 +1368,47 @@
           <a:p>
             <a:r>
               <a:rPr lang="en-US" dirty="0"/>
-              <a:t>Supposedly at one time there was a developer at Microsoft</a:t>
+              <a:t>Where the simplification rules really come into play is</a:t>
             </a:r>
             <a:r>
               <a:rPr lang="en-US" baseline="0" dirty="0"/>
-              <a:t> by the name of Nick who based the cost units on his development PC.  Now completely meaningless except (perhaps) to compare queries.  Not really.  May not even be valid comparison within a query.</a:t>
-            </a:r>
-          </a:p>
-          <a:p>
-            <a:endParaRPr lang="en-US" baseline="0" dirty="0"/>
+              <a:t> with queries that are generated by tools such as Entity Framework.</a:t>
+            </a:r>
           </a:p>
           <a:p>
             <a:r>
               <a:rPr lang="en-US" baseline="0" dirty="0"/>
-              <a:t>Costing doesn’t account for modern hardware.  (Story about DR exercise in Iowa City).  Is the I/O subsystem a USB 1.1 drive or a PCI solid state card?</a:t>
+              <a:t>Other examples of simplification are</a:t>
+            </a:r>
+          </a:p>
+          <a:p>
+            <a:pPr marL="171450" indent="-171450">
+              <a:buFont typeface="Arial" panose="020B0604020202020204" pitchFamily="34" charset="0"/>
+              <a:buChar char="•"/>
+            </a:pPr>
+            <a:r>
+              <a:rPr lang="en-US" baseline="0" dirty="0"/>
+              <a:t>Select collapse (remove redundancies from WHERE clause)</a:t>
+            </a:r>
+          </a:p>
+          <a:p>
+            <a:pPr marL="171450" indent="-171450">
+              <a:buFont typeface="Arial" panose="020B0604020202020204" pitchFamily="34" charset="0"/>
+              <a:buChar char="•"/>
+            </a:pPr>
+            <a:r>
+              <a:rPr lang="en-US" baseline="0" dirty="0"/>
+              <a:t>Range simplification (multiple range predicates that can be collapsed into a single range or value)</a:t>
+            </a:r>
+          </a:p>
+          <a:p>
+            <a:pPr marL="171450" indent="-171450">
+              <a:buFont typeface="Arial" panose="020B0604020202020204" pitchFamily="34" charset="0"/>
+              <a:buChar char="•"/>
+            </a:pPr>
+            <a:r>
+              <a:rPr lang="en-US" baseline="0" dirty="0"/>
+              <a:t>Computed column matching</a:t>
             </a:r>
             <a:endParaRPr lang="en-US" dirty="0"/>
           </a:p>
@@ -1430,7 +1431,7 @@
           <a:p>
             <a:fld id="{ADDBA41D-AE03-4F1C-B074-B56312AFAE46}" type="slidenum">
               <a:rPr lang="en-US" smtClean="0"/>
-              <a:t>47</a:t>
+              <a:t>42</a:t>
             </a:fld>
             <a:endParaRPr lang="en-US"/>
           </a:p>
@@ -1439,7 +1440,7 @@
     </p:spTree>
     <p:extLst>
       <p:ext uri="{BB962C8B-B14F-4D97-AF65-F5344CB8AC3E}">
-        <p14:creationId xmlns:p14="http://schemas.microsoft.com/office/powerpoint/2010/main" val="962921486"/>
+        <p14:creationId xmlns:p14="http://schemas.microsoft.com/office/powerpoint/2010/main" val="2879536405"/>
       </p:ext>
     </p:extLst>
   </p:cSld>
@@ -1495,11 +1496,19 @@
           <a:p>
             <a:r>
               <a:rPr lang="en-US" dirty="0"/>
-              <a:t>After</a:t>
+              <a:t>Unlike </a:t>
+            </a:r>
+            <a:r>
+              <a:rPr lang="en-US" dirty="0" err="1"/>
+              <a:t>sys.dm_exec_query_optimizer_info</a:t>
+            </a:r>
+            <a:r>
+              <a:rPr lang="en-US" dirty="0"/>
+              <a:t>,</a:t>
             </a:r>
             <a:r>
               <a:rPr lang="en-US" baseline="0" dirty="0"/>
-              <a:t> this slide, type in a demo!</a:t>
+              <a:t> this one is completely undocumented.</a:t>
             </a:r>
           </a:p>
           <a:p>
@@ -1508,7 +1517,15 @@
           <a:p>
             <a:r>
               <a:rPr lang="en-US" baseline="0" dirty="0"/>
-              <a:t>Then run through Parse Trees demo script.</a:t>
+              <a:t>“Promise” values are, presumably, </a:t>
+            </a:r>
+            <a:r>
+              <a:rPr lang="en-US" baseline="0" dirty="0" err="1"/>
+              <a:t>unitless</a:t>
+            </a:r>
+            <a:r>
+              <a:rPr lang="en-US" baseline="0" dirty="0"/>
+              <a:t>.</a:t>
             </a:r>
             <a:endParaRPr lang="en-US" dirty="0"/>
           </a:p>
@@ -1531,7 +1548,7 @@
           <a:p>
             <a:fld id="{ADDBA41D-AE03-4F1C-B074-B56312AFAE46}" type="slidenum">
               <a:rPr lang="en-US" smtClean="0"/>
-              <a:t>49</a:t>
+              <a:t>46</a:t>
             </a:fld>
             <a:endParaRPr lang="en-US"/>
           </a:p>
@@ -1540,7 +1557,7 @@
     </p:spTree>
     <p:extLst>
       <p:ext uri="{BB962C8B-B14F-4D97-AF65-F5344CB8AC3E}">
-        <p14:creationId xmlns:p14="http://schemas.microsoft.com/office/powerpoint/2010/main" val="2482227221"/>
+        <p14:creationId xmlns:p14="http://schemas.microsoft.com/office/powerpoint/2010/main" val="2312008963"/>
       </p:ext>
     </p:extLst>
   </p:cSld>
@@ -1596,29 +1613,21 @@
           <a:p>
             <a:r>
               <a:rPr lang="en-US" dirty="0"/>
-              <a:t>One copy of the memo structure is created for each optimization and is then destroyed when optimization is completed.</a:t>
-            </a:r>
-          </a:p>
-          <a:p>
-            <a:r>
-              <a:rPr lang="en-US" dirty="0"/>
-              <a:t>Alternatives can be either</a:t>
+              <a:t>Supposedly at one time there was a developer at Microsoft</a:t>
             </a:r>
             <a:r>
               <a:rPr lang="en-US" baseline="0" dirty="0"/>
-              <a:t> logical or physical.</a:t>
-            </a:r>
+              <a:t> by the name of Nick who based the cost units on his development PC.  Now completely meaningless except (perhaps) to compare queries.  Not really.  May not even be valid comparison within a query.</a:t>
+            </a:r>
+          </a:p>
+          <a:p>
+            <a:endParaRPr lang="en-US" baseline="0" dirty="0"/>
           </a:p>
           <a:p>
             <a:r>
               <a:rPr lang="en-US" baseline="0" dirty="0"/>
-              <a:t>New groups can be created as options are explored.</a:t>
-            </a:r>
-          </a:p>
-          <a:p>
-            <a:endParaRPr lang="en-US" baseline="0" dirty="0"/>
-          </a:p>
-          <a:p>
+              <a:t>Costing doesn’t account for modern hardware.  (Story about DR exercise in Iowa City).  Is the I/O subsystem a USB 1.1 drive or a PCI solid state card?</a:t>
+            </a:r>
             <a:endParaRPr lang="en-US" dirty="0"/>
           </a:p>
         </p:txBody>
@@ -1640,7 +1649,7 @@
           <a:p>
             <a:fld id="{ADDBA41D-AE03-4F1C-B074-B56312AFAE46}" type="slidenum">
               <a:rPr lang="en-US" smtClean="0"/>
-              <a:t>50</a:t>
+              <a:t>47</a:t>
             </a:fld>
             <a:endParaRPr lang="en-US"/>
           </a:p>
@@ -1649,7 +1658,7 @@
     </p:spTree>
     <p:extLst>
       <p:ext uri="{BB962C8B-B14F-4D97-AF65-F5344CB8AC3E}">
-        <p14:creationId xmlns:p14="http://schemas.microsoft.com/office/powerpoint/2010/main" val="4096931798"/>
+        <p14:creationId xmlns:p14="http://schemas.microsoft.com/office/powerpoint/2010/main" val="962921486"/>
       </p:ext>
     </p:extLst>
   </p:cSld>
@@ -1797,6 +1806,216 @@
           <a:p>
             <a:r>
               <a:rPr lang="en-US" dirty="0"/>
+              <a:t>After</a:t>
+            </a:r>
+            <a:r>
+              <a:rPr lang="en-US" baseline="0" dirty="0"/>
+              <a:t> this slide, type in a demo!</a:t>
+            </a:r>
+          </a:p>
+          <a:p>
+            <a:endParaRPr lang="en-US" baseline="0" dirty="0"/>
+          </a:p>
+          <a:p>
+            <a:r>
+              <a:rPr lang="en-US" baseline="0" dirty="0"/>
+              <a:t>Then run through Parse Trees demo script.</a:t>
+            </a:r>
+            <a:endParaRPr lang="en-US" dirty="0"/>
+          </a:p>
+        </p:txBody>
+      </p:sp>
+      <p:sp>
+        <p:nvSpPr>
+          <p:cNvPr id="4" name="Slide Number Placeholder 3"/>
+          <p:cNvSpPr>
+            <a:spLocks noGrp="1"/>
+          </p:cNvSpPr>
+          <p:nvPr>
+            <p:ph type="sldNum" sz="quarter" idx="10"/>
+          </p:nvPr>
+        </p:nvSpPr>
+        <p:spPr/>
+        <p:txBody>
+          <a:bodyPr/>
+          <a:lstStyle/>
+          <a:p>
+            <a:fld id="{ADDBA41D-AE03-4F1C-B074-B56312AFAE46}" type="slidenum">
+              <a:rPr lang="en-US" smtClean="0"/>
+              <a:t>49</a:t>
+            </a:fld>
+            <a:endParaRPr lang="en-US"/>
+          </a:p>
+        </p:txBody>
+      </p:sp>
+    </p:spTree>
+    <p:extLst>
+      <p:ext uri="{BB962C8B-B14F-4D97-AF65-F5344CB8AC3E}">
+        <p14:creationId xmlns:p14="http://schemas.microsoft.com/office/powerpoint/2010/main" val="2482227221"/>
+      </p:ext>
+    </p:extLst>
+  </p:cSld>
+  <p:clrMapOvr>
+    <a:masterClrMapping/>
+  </p:clrMapOvr>
+</p:notes>
+</file>
+
+<file path=ppt/notesSlides/notesSlide21.xml><?xml version="1.0" encoding="utf-8"?>
+<p:notes xmlns:a="http://schemas.openxmlformats.org/drawingml/2006/main" xmlns:r="http://schemas.openxmlformats.org/officeDocument/2006/relationships" xmlns:p="http://schemas.openxmlformats.org/presentationml/2006/main">
+  <p:cSld>
+    <p:spTree>
+      <p:nvGrpSpPr>
+        <p:cNvPr id="1" name=""/>
+        <p:cNvGrpSpPr/>
+        <p:nvPr/>
+      </p:nvGrpSpPr>
+      <p:grpSpPr>
+        <a:xfrm>
+          <a:off x="0" y="0"/>
+          <a:ext cx="0" cy="0"/>
+          <a:chOff x="0" y="0"/>
+          <a:chExt cx="0" cy="0"/>
+        </a:xfrm>
+      </p:grpSpPr>
+      <p:sp>
+        <p:nvSpPr>
+          <p:cNvPr id="2" name="Slide Image Placeholder 1"/>
+          <p:cNvSpPr>
+            <a:spLocks noGrp="1" noRot="1" noChangeAspect="1"/>
+          </p:cNvSpPr>
+          <p:nvPr>
+            <p:ph type="sldImg"/>
+          </p:nvPr>
+        </p:nvSpPr>
+        <p:spPr/>
+      </p:sp>
+      <p:sp>
+        <p:nvSpPr>
+          <p:cNvPr id="3" name="Notes Placeholder 2"/>
+          <p:cNvSpPr>
+            <a:spLocks noGrp="1"/>
+          </p:cNvSpPr>
+          <p:nvPr>
+            <p:ph type="body" idx="1"/>
+          </p:nvPr>
+        </p:nvSpPr>
+        <p:spPr/>
+        <p:txBody>
+          <a:bodyPr/>
+          <a:lstStyle/>
+          <a:p>
+            <a:r>
+              <a:rPr lang="en-US" dirty="0"/>
+              <a:t>One copy of the memo structure is created for each optimization and is then destroyed when optimization is completed.</a:t>
+            </a:r>
+          </a:p>
+          <a:p>
+            <a:r>
+              <a:rPr lang="en-US" dirty="0"/>
+              <a:t>Alternatives can be either</a:t>
+            </a:r>
+            <a:r>
+              <a:rPr lang="en-US" baseline="0" dirty="0"/>
+              <a:t> logical or physical.</a:t>
+            </a:r>
+          </a:p>
+          <a:p>
+            <a:r>
+              <a:rPr lang="en-US" baseline="0" dirty="0"/>
+              <a:t>New groups can be created as options are explored.</a:t>
+            </a:r>
+          </a:p>
+          <a:p>
+            <a:endParaRPr lang="en-US" baseline="0" dirty="0"/>
+          </a:p>
+          <a:p>
+            <a:endParaRPr lang="en-US" dirty="0"/>
+          </a:p>
+        </p:txBody>
+      </p:sp>
+      <p:sp>
+        <p:nvSpPr>
+          <p:cNvPr id="4" name="Slide Number Placeholder 3"/>
+          <p:cNvSpPr>
+            <a:spLocks noGrp="1"/>
+          </p:cNvSpPr>
+          <p:nvPr>
+            <p:ph type="sldNum" sz="quarter" idx="10"/>
+          </p:nvPr>
+        </p:nvSpPr>
+        <p:spPr/>
+        <p:txBody>
+          <a:bodyPr/>
+          <a:lstStyle/>
+          <a:p>
+            <a:fld id="{ADDBA41D-AE03-4F1C-B074-B56312AFAE46}" type="slidenum">
+              <a:rPr lang="en-US" smtClean="0"/>
+              <a:t>50</a:t>
+            </a:fld>
+            <a:endParaRPr lang="en-US"/>
+          </a:p>
+        </p:txBody>
+      </p:sp>
+    </p:spTree>
+    <p:extLst>
+      <p:ext uri="{BB962C8B-B14F-4D97-AF65-F5344CB8AC3E}">
+        <p14:creationId xmlns:p14="http://schemas.microsoft.com/office/powerpoint/2010/main" val="4096931798"/>
+      </p:ext>
+    </p:extLst>
+  </p:cSld>
+  <p:clrMapOvr>
+    <a:masterClrMapping/>
+  </p:clrMapOvr>
+</p:notes>
+</file>
+
+<file path=ppt/notesSlides/notesSlide22.xml><?xml version="1.0" encoding="utf-8"?>
+<p:notes xmlns:a="http://schemas.openxmlformats.org/drawingml/2006/main" xmlns:r="http://schemas.openxmlformats.org/officeDocument/2006/relationships" xmlns:p="http://schemas.openxmlformats.org/presentationml/2006/main">
+  <p:cSld>
+    <p:spTree>
+      <p:nvGrpSpPr>
+        <p:cNvPr id="1" name=""/>
+        <p:cNvGrpSpPr/>
+        <p:nvPr/>
+      </p:nvGrpSpPr>
+      <p:grpSpPr>
+        <a:xfrm>
+          <a:off x="0" y="0"/>
+          <a:ext cx="0" cy="0"/>
+          <a:chOff x="0" y="0"/>
+          <a:chExt cx="0" cy="0"/>
+        </a:xfrm>
+      </p:grpSpPr>
+      <p:sp>
+        <p:nvSpPr>
+          <p:cNvPr id="2" name="Slide Image Placeholder 1"/>
+          <p:cNvSpPr>
+            <a:spLocks noGrp="1" noRot="1" noChangeAspect="1"/>
+          </p:cNvSpPr>
+          <p:nvPr>
+            <p:ph type="sldImg"/>
+          </p:nvPr>
+        </p:nvSpPr>
+        <p:spPr/>
+      </p:sp>
+      <p:sp>
+        <p:nvSpPr>
+          <p:cNvPr id="3" name="Notes Placeholder 2"/>
+          <p:cNvSpPr>
+            <a:spLocks noGrp="1"/>
+          </p:cNvSpPr>
+          <p:nvPr>
+            <p:ph type="body" idx="1"/>
+          </p:nvPr>
+        </p:nvSpPr>
+        <p:spPr/>
+        <p:txBody>
+          <a:bodyPr/>
+          <a:lstStyle/>
+          <a:p>
+            <a:r>
+              <a:rPr lang="en-US" dirty="0"/>
               <a:t>Now we can imagine additional</a:t>
             </a:r>
             <a:r>
@@ -2163,13 +2382,8 @@
           <a:p>
             <a:r>
               <a:rPr lang="en-US" dirty="0"/>
-              <a:t>One interesting aspect</a:t>
-            </a:r>
-            <a:r>
-              <a:rPr lang="en-US" baseline="0" dirty="0"/>
-              <a:t> of the GROUP BY step is that it requires knowledge of future steps – specifically, what aggregations will be required downstream?</a:t>
-            </a:r>
-            <a:endParaRPr lang="en-US" dirty="0"/>
+              <a:t>That’s 12.7 quadrillion!</a:t>
+            </a:r>
           </a:p>
         </p:txBody>
       </p:sp>
@@ -2190,7 +2404,7 @@
           <a:p>
             <a:fld id="{ADDBA41D-AE03-4F1C-B074-B56312AFAE46}" type="slidenum">
               <a:rPr lang="en-US" smtClean="0"/>
-              <a:t>19</a:t>
+              <a:t>15</a:t>
             </a:fld>
             <a:endParaRPr lang="en-US"/>
           </a:p>
@@ -2199,7 +2413,7 @@
     </p:spTree>
     <p:extLst>
       <p:ext uri="{BB962C8B-B14F-4D97-AF65-F5344CB8AC3E}">
-        <p14:creationId xmlns:p14="http://schemas.microsoft.com/office/powerpoint/2010/main" val="683612466"/>
+        <p14:creationId xmlns:p14="http://schemas.microsoft.com/office/powerpoint/2010/main" val="3448175499"/>
       </p:ext>
     </p:extLst>
   </p:cSld>
@@ -2255,446 +2469,8 @@
           <a:p>
             <a:r>
               <a:rPr lang="en-US" dirty="0"/>
-              <a:t>Based</a:t>
-            </a:r>
-            <a:r>
-              <a:rPr lang="en-US" baseline="0" dirty="0"/>
-              <a:t> on the mathematics of relational algebra.</a:t>
-            </a:r>
-            <a:endParaRPr lang="en-US" dirty="0"/>
-          </a:p>
-          <a:p>
-            <a:r>
-              <a:rPr lang="en-US" dirty="0"/>
-              <a:t>Example of a semi join:</a:t>
-            </a:r>
-          </a:p>
-          <a:p>
-            <a:r>
-              <a:rPr lang="en-US" sz="1200" kern="1200" dirty="0">
-                <a:solidFill>
-                  <a:schemeClr val="tx1"/>
-                </a:solidFill>
-                <a:latin typeface="+mn-lt"/>
-                <a:ea typeface="+mn-ea"/>
-                <a:cs typeface="+mn-cs"/>
-              </a:rPr>
-              <a:t>-- Find customers who have orders.</a:t>
-            </a:r>
-          </a:p>
-          <a:p>
-            <a:r>
-              <a:rPr lang="en-US" sz="1200" kern="1200" dirty="0">
-                <a:solidFill>
-                  <a:schemeClr val="tx1"/>
-                </a:solidFill>
-                <a:latin typeface="+mn-lt"/>
-                <a:ea typeface="+mn-ea"/>
-                <a:cs typeface="+mn-cs"/>
-              </a:rPr>
-              <a:t>select *</a:t>
-            </a:r>
-          </a:p>
-          <a:p>
-            <a:r>
-              <a:rPr lang="en-US" sz="1200" kern="1200" dirty="0">
-                <a:solidFill>
-                  <a:schemeClr val="tx1"/>
-                </a:solidFill>
-                <a:latin typeface="+mn-lt"/>
-                <a:ea typeface="+mn-ea"/>
-                <a:cs typeface="+mn-cs"/>
-              </a:rPr>
-              <a:t>from </a:t>
-            </a:r>
-            <a:r>
-              <a:rPr lang="en-US" sz="1200" kern="1200" dirty="0" err="1">
-                <a:solidFill>
-                  <a:schemeClr val="tx1"/>
-                </a:solidFill>
-                <a:latin typeface="+mn-lt"/>
-                <a:ea typeface="+mn-ea"/>
-                <a:cs typeface="+mn-cs"/>
-              </a:rPr>
-              <a:t>CorpDB.dbo.Customer</a:t>
-            </a:r>
-            <a:r>
-              <a:rPr lang="en-US" sz="1200" kern="1200" dirty="0">
-                <a:solidFill>
-                  <a:schemeClr val="tx1"/>
-                </a:solidFill>
-                <a:latin typeface="+mn-lt"/>
-                <a:ea typeface="+mn-ea"/>
-                <a:cs typeface="+mn-cs"/>
-              </a:rPr>
-              <a:t> c</a:t>
-            </a:r>
-          </a:p>
-          <a:p>
-            <a:r>
-              <a:rPr lang="en-US" sz="1200" kern="1200" dirty="0">
-                <a:solidFill>
-                  <a:schemeClr val="tx1"/>
-                </a:solidFill>
-                <a:latin typeface="+mn-lt"/>
-                <a:ea typeface="+mn-ea"/>
-                <a:cs typeface="+mn-cs"/>
-              </a:rPr>
-              <a:t>where exists</a:t>
-            </a:r>
-          </a:p>
-          <a:p>
-            <a:r>
-              <a:rPr lang="en-US" sz="1200" kern="1200" dirty="0">
-                <a:solidFill>
-                  <a:schemeClr val="tx1"/>
-                </a:solidFill>
-                <a:latin typeface="+mn-lt"/>
-                <a:ea typeface="+mn-ea"/>
-                <a:cs typeface="+mn-cs"/>
-              </a:rPr>
-              <a:t>(</a:t>
-            </a:r>
-          </a:p>
-          <a:p>
-            <a:r>
-              <a:rPr lang="en-US" sz="1200" kern="1200" dirty="0">
-                <a:solidFill>
-                  <a:schemeClr val="tx1"/>
-                </a:solidFill>
-                <a:latin typeface="+mn-lt"/>
-                <a:ea typeface="+mn-ea"/>
-                <a:cs typeface="+mn-cs"/>
-              </a:rPr>
-              <a:t>select *</a:t>
-            </a:r>
-          </a:p>
-          <a:p>
-            <a:r>
-              <a:rPr lang="en-US" sz="1200" kern="1200" dirty="0">
-                <a:solidFill>
-                  <a:schemeClr val="tx1"/>
-                </a:solidFill>
-                <a:latin typeface="+mn-lt"/>
-                <a:ea typeface="+mn-ea"/>
-                <a:cs typeface="+mn-cs"/>
-              </a:rPr>
-              <a:t>from </a:t>
-            </a:r>
-            <a:r>
-              <a:rPr lang="en-US" sz="1200" kern="1200" dirty="0" err="1">
-                <a:solidFill>
-                  <a:schemeClr val="tx1"/>
-                </a:solidFill>
-                <a:latin typeface="+mn-lt"/>
-                <a:ea typeface="+mn-ea"/>
-                <a:cs typeface="+mn-cs"/>
-              </a:rPr>
-              <a:t>CorpDB.dbo.OrderHeader</a:t>
-            </a:r>
-            <a:r>
-              <a:rPr lang="en-US" sz="1200" kern="1200" dirty="0">
-                <a:solidFill>
-                  <a:schemeClr val="tx1"/>
-                </a:solidFill>
-                <a:latin typeface="+mn-lt"/>
-                <a:ea typeface="+mn-ea"/>
-                <a:cs typeface="+mn-cs"/>
-              </a:rPr>
-              <a:t> oh</a:t>
-            </a:r>
-          </a:p>
-          <a:p>
-            <a:r>
-              <a:rPr lang="en-US" sz="1200" kern="1200" dirty="0">
-                <a:solidFill>
-                  <a:schemeClr val="tx1"/>
-                </a:solidFill>
-                <a:latin typeface="+mn-lt"/>
-                <a:ea typeface="+mn-ea"/>
-                <a:cs typeface="+mn-cs"/>
-              </a:rPr>
-              <a:t>where </a:t>
-            </a:r>
-            <a:r>
-              <a:rPr lang="en-US" sz="1200" kern="1200" dirty="0" err="1">
-                <a:solidFill>
-                  <a:schemeClr val="tx1"/>
-                </a:solidFill>
-                <a:latin typeface="+mn-lt"/>
-                <a:ea typeface="+mn-ea"/>
-                <a:cs typeface="+mn-cs"/>
-              </a:rPr>
-              <a:t>oh.CustomerID</a:t>
-            </a:r>
-            <a:r>
-              <a:rPr lang="en-US" sz="1200" kern="1200" dirty="0">
-                <a:solidFill>
-                  <a:schemeClr val="tx1"/>
-                </a:solidFill>
-                <a:latin typeface="+mn-lt"/>
-                <a:ea typeface="+mn-ea"/>
-                <a:cs typeface="+mn-cs"/>
-              </a:rPr>
-              <a:t> = </a:t>
-            </a:r>
-            <a:r>
-              <a:rPr lang="en-US" sz="1200" kern="1200" dirty="0" err="1">
-                <a:solidFill>
-                  <a:schemeClr val="tx1"/>
-                </a:solidFill>
-                <a:latin typeface="+mn-lt"/>
-                <a:ea typeface="+mn-ea"/>
-                <a:cs typeface="+mn-cs"/>
-              </a:rPr>
-              <a:t>c.CustomerID</a:t>
-            </a:r>
-            <a:endParaRPr lang="en-US" sz="1200" kern="1200" dirty="0">
-              <a:solidFill>
-                <a:schemeClr val="tx1"/>
-              </a:solidFill>
-              <a:latin typeface="+mn-lt"/>
-              <a:ea typeface="+mn-ea"/>
-              <a:cs typeface="+mn-cs"/>
-            </a:endParaRPr>
-          </a:p>
-          <a:p>
-            <a:r>
-              <a:rPr lang="en-US" sz="1200" kern="1200" dirty="0">
-                <a:solidFill>
-                  <a:schemeClr val="tx1"/>
-                </a:solidFill>
-                <a:latin typeface="+mn-lt"/>
-                <a:ea typeface="+mn-ea"/>
-                <a:cs typeface="+mn-cs"/>
-              </a:rPr>
-              <a:t>);</a:t>
-            </a:r>
-          </a:p>
-          <a:p>
-            <a:endParaRPr lang="en-US" sz="1200" kern="1200" dirty="0">
-              <a:solidFill>
-                <a:schemeClr val="tx1"/>
-              </a:solidFill>
-              <a:latin typeface="+mn-lt"/>
-              <a:ea typeface="+mn-ea"/>
-              <a:cs typeface="+mn-cs"/>
-            </a:endParaRPr>
-          </a:p>
-          <a:p>
-            <a:r>
-              <a:rPr lang="en-US" dirty="0"/>
-              <a:t>Example of an anti-semi</a:t>
-            </a:r>
-            <a:r>
-              <a:rPr lang="en-US" baseline="0" dirty="0"/>
-              <a:t> join:</a:t>
-            </a:r>
-          </a:p>
-          <a:p>
-            <a:endParaRPr lang="en-US" baseline="0" dirty="0"/>
-          </a:p>
-          <a:p>
-            <a:r>
-              <a:rPr lang="en-US" sz="1200" kern="1200" dirty="0">
-                <a:solidFill>
-                  <a:schemeClr val="tx1"/>
-                </a:solidFill>
-                <a:latin typeface="+mn-lt"/>
-                <a:ea typeface="+mn-ea"/>
-                <a:cs typeface="+mn-cs"/>
-              </a:rPr>
-              <a:t>select *</a:t>
-            </a:r>
-          </a:p>
-          <a:p>
-            <a:r>
-              <a:rPr lang="en-US" sz="1200" kern="1200" dirty="0">
-                <a:solidFill>
-                  <a:schemeClr val="tx1"/>
-                </a:solidFill>
-                <a:latin typeface="+mn-lt"/>
-                <a:ea typeface="+mn-ea"/>
-                <a:cs typeface="+mn-cs"/>
-              </a:rPr>
-              <a:t>from </a:t>
-            </a:r>
-            <a:r>
-              <a:rPr lang="en-US" sz="1200" kern="1200" dirty="0" err="1">
-                <a:solidFill>
-                  <a:schemeClr val="tx1"/>
-                </a:solidFill>
-                <a:latin typeface="+mn-lt"/>
-                <a:ea typeface="+mn-ea"/>
-                <a:cs typeface="+mn-cs"/>
-              </a:rPr>
-              <a:t>CorpDB.dbo.Customer</a:t>
-            </a:r>
-            <a:r>
-              <a:rPr lang="en-US" sz="1200" kern="1200" dirty="0">
-                <a:solidFill>
-                  <a:schemeClr val="tx1"/>
-                </a:solidFill>
-                <a:latin typeface="+mn-lt"/>
-                <a:ea typeface="+mn-ea"/>
-                <a:cs typeface="+mn-cs"/>
-              </a:rPr>
-              <a:t> c</a:t>
-            </a:r>
-          </a:p>
-          <a:p>
-            <a:r>
-              <a:rPr lang="en-US" sz="1200" kern="1200" dirty="0">
-                <a:solidFill>
-                  <a:schemeClr val="tx1"/>
-                </a:solidFill>
-                <a:latin typeface="+mn-lt"/>
-                <a:ea typeface="+mn-ea"/>
-                <a:cs typeface="+mn-cs"/>
-              </a:rPr>
-              <a:t>where not exists</a:t>
-            </a:r>
-          </a:p>
-          <a:p>
-            <a:r>
-              <a:rPr lang="en-US" sz="1200" kern="1200" dirty="0">
-                <a:solidFill>
-                  <a:schemeClr val="tx1"/>
-                </a:solidFill>
-                <a:latin typeface="+mn-lt"/>
-                <a:ea typeface="+mn-ea"/>
-                <a:cs typeface="+mn-cs"/>
-              </a:rPr>
-              <a:t>(</a:t>
-            </a:r>
-          </a:p>
-          <a:p>
-            <a:r>
-              <a:rPr lang="en-US" sz="1200" kern="1200" dirty="0">
-                <a:solidFill>
-                  <a:schemeClr val="tx1"/>
-                </a:solidFill>
-                <a:latin typeface="+mn-lt"/>
-                <a:ea typeface="+mn-ea"/>
-                <a:cs typeface="+mn-cs"/>
-              </a:rPr>
-              <a:t>select *</a:t>
-            </a:r>
-          </a:p>
-          <a:p>
-            <a:r>
-              <a:rPr lang="en-US" sz="1200" kern="1200" dirty="0">
-                <a:solidFill>
-                  <a:schemeClr val="tx1"/>
-                </a:solidFill>
-                <a:latin typeface="+mn-lt"/>
-                <a:ea typeface="+mn-ea"/>
-                <a:cs typeface="+mn-cs"/>
-              </a:rPr>
-              <a:t>from </a:t>
-            </a:r>
-            <a:r>
-              <a:rPr lang="en-US" sz="1200" kern="1200" dirty="0" err="1">
-                <a:solidFill>
-                  <a:schemeClr val="tx1"/>
-                </a:solidFill>
-                <a:latin typeface="+mn-lt"/>
-                <a:ea typeface="+mn-ea"/>
-                <a:cs typeface="+mn-cs"/>
-              </a:rPr>
-              <a:t>CorpDB.dbo.OrderHeader</a:t>
-            </a:r>
-            <a:r>
-              <a:rPr lang="en-US" sz="1200" kern="1200" dirty="0">
-                <a:solidFill>
-                  <a:schemeClr val="tx1"/>
-                </a:solidFill>
-                <a:latin typeface="+mn-lt"/>
-                <a:ea typeface="+mn-ea"/>
-                <a:cs typeface="+mn-cs"/>
-              </a:rPr>
-              <a:t> oh</a:t>
-            </a:r>
-          </a:p>
-          <a:p>
-            <a:r>
-              <a:rPr lang="en-US" sz="1200" kern="1200" dirty="0">
-                <a:solidFill>
-                  <a:schemeClr val="tx1"/>
-                </a:solidFill>
-                <a:latin typeface="+mn-lt"/>
-                <a:ea typeface="+mn-ea"/>
-                <a:cs typeface="+mn-cs"/>
-              </a:rPr>
-              <a:t>where </a:t>
-            </a:r>
-            <a:r>
-              <a:rPr lang="en-US" sz="1200" kern="1200" dirty="0" err="1">
-                <a:solidFill>
-                  <a:schemeClr val="tx1"/>
-                </a:solidFill>
-                <a:latin typeface="+mn-lt"/>
-                <a:ea typeface="+mn-ea"/>
-                <a:cs typeface="+mn-cs"/>
-              </a:rPr>
-              <a:t>oh.CustomerID</a:t>
-            </a:r>
-            <a:r>
-              <a:rPr lang="en-US" sz="1200" kern="1200" dirty="0">
-                <a:solidFill>
-                  <a:schemeClr val="tx1"/>
-                </a:solidFill>
-                <a:latin typeface="+mn-lt"/>
-                <a:ea typeface="+mn-ea"/>
-                <a:cs typeface="+mn-cs"/>
-              </a:rPr>
-              <a:t> = </a:t>
-            </a:r>
-            <a:r>
-              <a:rPr lang="en-US" sz="1200" kern="1200" dirty="0" err="1">
-                <a:solidFill>
-                  <a:schemeClr val="tx1"/>
-                </a:solidFill>
-                <a:latin typeface="+mn-lt"/>
-                <a:ea typeface="+mn-ea"/>
-                <a:cs typeface="+mn-cs"/>
-              </a:rPr>
-              <a:t>c.CustomerID</a:t>
-            </a:r>
-            <a:endParaRPr lang="en-US" sz="1200" kern="1200" dirty="0">
-              <a:solidFill>
-                <a:schemeClr val="tx1"/>
-              </a:solidFill>
-              <a:latin typeface="+mn-lt"/>
-              <a:ea typeface="+mn-ea"/>
-              <a:cs typeface="+mn-cs"/>
-            </a:endParaRPr>
-          </a:p>
-          <a:p>
-            <a:r>
-              <a:rPr lang="en-US" sz="1200" kern="1200" dirty="0">
-                <a:solidFill>
-                  <a:schemeClr val="tx1"/>
-                </a:solidFill>
-                <a:latin typeface="+mn-lt"/>
-                <a:ea typeface="+mn-ea"/>
-                <a:cs typeface="+mn-cs"/>
-              </a:rPr>
-              <a:t>);</a:t>
-            </a:r>
-          </a:p>
-          <a:p>
-            <a:endParaRPr lang="en-US" sz="1200" kern="1200" dirty="0">
-              <a:solidFill>
-                <a:schemeClr val="tx1"/>
-              </a:solidFill>
-              <a:latin typeface="+mn-lt"/>
-              <a:ea typeface="+mn-ea"/>
-              <a:cs typeface="+mn-cs"/>
-            </a:endParaRPr>
-          </a:p>
-          <a:p>
-            <a:endParaRPr lang="en-US" dirty="0"/>
+              <a:t>Down to 42 billion.</a:t>
+            </a:r>
           </a:p>
         </p:txBody>
       </p:sp>
@@ -2715,7 +2491,7 @@
           <a:p>
             <a:fld id="{ADDBA41D-AE03-4F1C-B074-B56312AFAE46}" type="slidenum">
               <a:rPr lang="en-US" smtClean="0"/>
-              <a:t>24</a:t>
+              <a:t>16</a:t>
             </a:fld>
             <a:endParaRPr lang="en-US"/>
           </a:p>
@@ -2724,7 +2500,7 @@
     </p:spTree>
     <p:extLst>
       <p:ext uri="{BB962C8B-B14F-4D97-AF65-F5344CB8AC3E}">
-        <p14:creationId xmlns:p14="http://schemas.microsoft.com/office/powerpoint/2010/main" val="1452330123"/>
+        <p14:creationId xmlns:p14="http://schemas.microsoft.com/office/powerpoint/2010/main" val="3363152987"/>
       </p:ext>
     </p:extLst>
   </p:cSld>
@@ -2780,29 +2556,11 @@
           <a:p>
             <a:r>
               <a:rPr lang="en-US" dirty="0"/>
-              <a:t>Merge join generally the best performing,</a:t>
+              <a:t>One interesting aspect</a:t>
             </a:r>
             <a:r>
               <a:rPr lang="en-US" baseline="0" dirty="0"/>
-              <a:t> but requires sorted input on join columns.  Only valid for equijoins.</a:t>
-            </a:r>
-          </a:p>
-          <a:p>
-            <a:endParaRPr lang="en-US" baseline="0" dirty="0"/>
-          </a:p>
-          <a:p>
-            <a:r>
-              <a:rPr lang="en-US" baseline="0" dirty="0"/>
-              <a:t>Nested loops best when inputs are of significantly different size.  Only join operator that works for joins using inequalities.</a:t>
-            </a:r>
-          </a:p>
-          <a:p>
-            <a:endParaRPr lang="en-US" baseline="0" dirty="0"/>
-          </a:p>
-          <a:p>
-            <a:r>
-              <a:rPr lang="en-US" baseline="0" dirty="0"/>
-              <a:t>Hash join works well with large inputs without sorted input, but is only valid for equijoins.</a:t>
+              <a:t> of the GROUP BY step is that it requires knowledge of future steps – specifically, what aggregations will be required downstream?</a:t>
             </a:r>
             <a:endParaRPr lang="en-US" dirty="0"/>
           </a:p>
@@ -2825,7 +2583,7 @@
           <a:p>
             <a:fld id="{ADDBA41D-AE03-4F1C-B074-B56312AFAE46}" type="slidenum">
               <a:rPr lang="en-US" smtClean="0"/>
-              <a:t>26</a:t>
+              <a:t>19</a:t>
             </a:fld>
             <a:endParaRPr lang="en-US"/>
           </a:p>
@@ -2834,7 +2592,7 @@
     </p:spTree>
     <p:extLst>
       <p:ext uri="{BB962C8B-B14F-4D97-AF65-F5344CB8AC3E}">
-        <p14:creationId xmlns:p14="http://schemas.microsoft.com/office/powerpoint/2010/main" val="611840543"/>
+        <p14:creationId xmlns:p14="http://schemas.microsoft.com/office/powerpoint/2010/main" val="683612466"/>
       </p:ext>
     </p:extLst>
   </p:cSld>
@@ -2890,29 +2648,445 @@
           <a:p>
             <a:r>
               <a:rPr lang="en-US" dirty="0"/>
-              <a:t>Constant folding refers to pre-computing as much of an expression as possible, for example: 2 * pi() * radius</a:t>
+              <a:t>Based</a:t>
             </a:r>
             <a:r>
               <a:rPr lang="en-US" baseline="0" dirty="0"/>
-              <a:t> =&gt; 6.28319 * radius</a:t>
+              <a:t> on the mathematics of relational algebra.</a:t>
             </a:r>
             <a:endParaRPr lang="en-US" dirty="0"/>
           </a:p>
           <a:p>
             <a:r>
               <a:rPr lang="en-US" dirty="0"/>
-              <a:t>As an</a:t>
+              <a:t>Example of a semi join:</a:t>
+            </a:r>
+          </a:p>
+          <a:p>
+            <a:r>
+              <a:rPr lang="en-US" sz="1200" kern="1200" dirty="0">
+                <a:solidFill>
+                  <a:schemeClr val="tx1"/>
+                </a:solidFill>
+                <a:latin typeface="+mn-lt"/>
+                <a:ea typeface="+mn-ea"/>
+                <a:cs typeface="+mn-cs"/>
+              </a:rPr>
+              <a:t>-- Find customers who have orders.</a:t>
+            </a:r>
+          </a:p>
+          <a:p>
+            <a:r>
+              <a:rPr lang="en-US" sz="1200" kern="1200" dirty="0">
+                <a:solidFill>
+                  <a:schemeClr val="tx1"/>
+                </a:solidFill>
+                <a:latin typeface="+mn-lt"/>
+                <a:ea typeface="+mn-ea"/>
+                <a:cs typeface="+mn-cs"/>
+              </a:rPr>
+              <a:t>select *</a:t>
+            </a:r>
+          </a:p>
+          <a:p>
+            <a:r>
+              <a:rPr lang="en-US" sz="1200" kern="1200" dirty="0">
+                <a:solidFill>
+                  <a:schemeClr val="tx1"/>
+                </a:solidFill>
+                <a:latin typeface="+mn-lt"/>
+                <a:ea typeface="+mn-ea"/>
+                <a:cs typeface="+mn-cs"/>
+              </a:rPr>
+              <a:t>from </a:t>
+            </a:r>
+            <a:r>
+              <a:rPr lang="en-US" sz="1200" kern="1200" dirty="0" err="1">
+                <a:solidFill>
+                  <a:schemeClr val="tx1"/>
+                </a:solidFill>
+                <a:latin typeface="+mn-lt"/>
+                <a:ea typeface="+mn-ea"/>
+                <a:cs typeface="+mn-cs"/>
+              </a:rPr>
+              <a:t>CorpDB.dbo.Customer</a:t>
+            </a:r>
+            <a:r>
+              <a:rPr lang="en-US" sz="1200" kern="1200" dirty="0">
+                <a:solidFill>
+                  <a:schemeClr val="tx1"/>
+                </a:solidFill>
+                <a:latin typeface="+mn-lt"/>
+                <a:ea typeface="+mn-ea"/>
+                <a:cs typeface="+mn-cs"/>
+              </a:rPr>
+              <a:t> c</a:t>
+            </a:r>
+          </a:p>
+          <a:p>
+            <a:r>
+              <a:rPr lang="en-US" sz="1200" kern="1200" dirty="0">
+                <a:solidFill>
+                  <a:schemeClr val="tx1"/>
+                </a:solidFill>
+                <a:latin typeface="+mn-lt"/>
+                <a:ea typeface="+mn-ea"/>
+                <a:cs typeface="+mn-cs"/>
+              </a:rPr>
+              <a:t>where exists</a:t>
+            </a:r>
+          </a:p>
+          <a:p>
+            <a:r>
+              <a:rPr lang="en-US" sz="1200" kern="1200" dirty="0">
+                <a:solidFill>
+                  <a:schemeClr val="tx1"/>
+                </a:solidFill>
+                <a:latin typeface="+mn-lt"/>
+                <a:ea typeface="+mn-ea"/>
+                <a:cs typeface="+mn-cs"/>
+              </a:rPr>
+              <a:t>(</a:t>
+            </a:r>
+          </a:p>
+          <a:p>
+            <a:r>
+              <a:rPr lang="en-US" sz="1200" kern="1200" dirty="0">
+                <a:solidFill>
+                  <a:schemeClr val="tx1"/>
+                </a:solidFill>
+                <a:latin typeface="+mn-lt"/>
+                <a:ea typeface="+mn-ea"/>
+                <a:cs typeface="+mn-cs"/>
+              </a:rPr>
+              <a:t>select *</a:t>
+            </a:r>
+          </a:p>
+          <a:p>
+            <a:r>
+              <a:rPr lang="en-US" sz="1200" kern="1200" dirty="0">
+                <a:solidFill>
+                  <a:schemeClr val="tx1"/>
+                </a:solidFill>
+                <a:latin typeface="+mn-lt"/>
+                <a:ea typeface="+mn-ea"/>
+                <a:cs typeface="+mn-cs"/>
+              </a:rPr>
+              <a:t>from </a:t>
+            </a:r>
+            <a:r>
+              <a:rPr lang="en-US" sz="1200" kern="1200" dirty="0" err="1">
+                <a:solidFill>
+                  <a:schemeClr val="tx1"/>
+                </a:solidFill>
+                <a:latin typeface="+mn-lt"/>
+                <a:ea typeface="+mn-ea"/>
+                <a:cs typeface="+mn-cs"/>
+              </a:rPr>
+              <a:t>CorpDB.dbo.OrderHeader</a:t>
+            </a:r>
+            <a:r>
+              <a:rPr lang="en-US" sz="1200" kern="1200" dirty="0">
+                <a:solidFill>
+                  <a:schemeClr val="tx1"/>
+                </a:solidFill>
+                <a:latin typeface="+mn-lt"/>
+                <a:ea typeface="+mn-ea"/>
+                <a:cs typeface="+mn-cs"/>
+              </a:rPr>
+              <a:t> oh</a:t>
+            </a:r>
+          </a:p>
+          <a:p>
+            <a:r>
+              <a:rPr lang="en-US" sz="1200" kern="1200" dirty="0">
+                <a:solidFill>
+                  <a:schemeClr val="tx1"/>
+                </a:solidFill>
+                <a:latin typeface="+mn-lt"/>
+                <a:ea typeface="+mn-ea"/>
+                <a:cs typeface="+mn-cs"/>
+              </a:rPr>
+              <a:t>where </a:t>
+            </a:r>
+            <a:r>
+              <a:rPr lang="en-US" sz="1200" kern="1200" dirty="0" err="1">
+                <a:solidFill>
+                  <a:schemeClr val="tx1"/>
+                </a:solidFill>
+                <a:latin typeface="+mn-lt"/>
+                <a:ea typeface="+mn-ea"/>
+                <a:cs typeface="+mn-cs"/>
+              </a:rPr>
+              <a:t>oh.CustomerID</a:t>
+            </a:r>
+            <a:r>
+              <a:rPr lang="en-US" sz="1200" kern="1200" dirty="0">
+                <a:solidFill>
+                  <a:schemeClr val="tx1"/>
+                </a:solidFill>
+                <a:latin typeface="+mn-lt"/>
+                <a:ea typeface="+mn-ea"/>
+                <a:cs typeface="+mn-cs"/>
+              </a:rPr>
+              <a:t> = </a:t>
+            </a:r>
+            <a:r>
+              <a:rPr lang="en-US" sz="1200" kern="1200" dirty="0" err="1">
+                <a:solidFill>
+                  <a:schemeClr val="tx1"/>
+                </a:solidFill>
+                <a:latin typeface="+mn-lt"/>
+                <a:ea typeface="+mn-ea"/>
+                <a:cs typeface="+mn-cs"/>
+              </a:rPr>
+              <a:t>c.CustomerID</a:t>
+            </a:r>
+            <a:endParaRPr lang="en-US" sz="1200" kern="1200" dirty="0">
+              <a:solidFill>
+                <a:schemeClr val="tx1"/>
+              </a:solidFill>
+              <a:latin typeface="+mn-lt"/>
+              <a:ea typeface="+mn-ea"/>
+              <a:cs typeface="+mn-cs"/>
+            </a:endParaRPr>
+          </a:p>
+          <a:p>
+            <a:r>
+              <a:rPr lang="en-US" sz="1200" kern="1200" dirty="0">
+                <a:solidFill>
+                  <a:schemeClr val="tx1"/>
+                </a:solidFill>
+                <a:latin typeface="+mn-lt"/>
+                <a:ea typeface="+mn-ea"/>
+                <a:cs typeface="+mn-cs"/>
+              </a:rPr>
+              <a:t>);</a:t>
+            </a:r>
+          </a:p>
+          <a:p>
+            <a:endParaRPr lang="en-US" sz="1200" kern="1200" dirty="0">
+              <a:solidFill>
+                <a:schemeClr val="tx1"/>
+              </a:solidFill>
+              <a:latin typeface="+mn-lt"/>
+              <a:ea typeface="+mn-ea"/>
+              <a:cs typeface="+mn-cs"/>
+            </a:endParaRPr>
+          </a:p>
+          <a:p>
+            <a:r>
+              <a:rPr lang="en-US" dirty="0"/>
+              <a:t>Example of an anti-semi</a:t>
             </a:r>
             <a:r>
               <a:rPr lang="en-US" baseline="0" dirty="0"/>
-              <a:t> example, data type resolution with the UNION operator will ensure that data types between the upper expression are compatible with the lower expression.</a:t>
-            </a:r>
-          </a:p>
-          <a:p>
-            <a:r>
-              <a:rPr lang="en-US" baseline="0" dirty="0"/>
-              <a:t>Aggregate binding checks if invalid columns are referenced downstream of the GROUP BY logical processing step.</a:t>
-            </a:r>
+              <a:t> join:</a:t>
+            </a:r>
+          </a:p>
+          <a:p>
+            <a:endParaRPr lang="en-US" baseline="0" dirty="0"/>
+          </a:p>
+          <a:p>
+            <a:r>
+              <a:rPr lang="en-US" sz="1200" kern="1200" dirty="0">
+                <a:solidFill>
+                  <a:schemeClr val="tx1"/>
+                </a:solidFill>
+                <a:latin typeface="+mn-lt"/>
+                <a:ea typeface="+mn-ea"/>
+                <a:cs typeface="+mn-cs"/>
+              </a:rPr>
+              <a:t>select *</a:t>
+            </a:r>
+          </a:p>
+          <a:p>
+            <a:r>
+              <a:rPr lang="en-US" sz="1200" kern="1200" dirty="0">
+                <a:solidFill>
+                  <a:schemeClr val="tx1"/>
+                </a:solidFill>
+                <a:latin typeface="+mn-lt"/>
+                <a:ea typeface="+mn-ea"/>
+                <a:cs typeface="+mn-cs"/>
+              </a:rPr>
+              <a:t>from </a:t>
+            </a:r>
+            <a:r>
+              <a:rPr lang="en-US" sz="1200" kern="1200" dirty="0" err="1">
+                <a:solidFill>
+                  <a:schemeClr val="tx1"/>
+                </a:solidFill>
+                <a:latin typeface="+mn-lt"/>
+                <a:ea typeface="+mn-ea"/>
+                <a:cs typeface="+mn-cs"/>
+              </a:rPr>
+              <a:t>CorpDB.dbo.Customer</a:t>
+            </a:r>
+            <a:r>
+              <a:rPr lang="en-US" sz="1200" kern="1200" dirty="0">
+                <a:solidFill>
+                  <a:schemeClr val="tx1"/>
+                </a:solidFill>
+                <a:latin typeface="+mn-lt"/>
+                <a:ea typeface="+mn-ea"/>
+                <a:cs typeface="+mn-cs"/>
+              </a:rPr>
+              <a:t> c</a:t>
+            </a:r>
+          </a:p>
+          <a:p>
+            <a:r>
+              <a:rPr lang="en-US" sz="1200" kern="1200" dirty="0">
+                <a:solidFill>
+                  <a:schemeClr val="tx1"/>
+                </a:solidFill>
+                <a:latin typeface="+mn-lt"/>
+                <a:ea typeface="+mn-ea"/>
+                <a:cs typeface="+mn-cs"/>
+              </a:rPr>
+              <a:t>where not exists</a:t>
+            </a:r>
+          </a:p>
+          <a:p>
+            <a:r>
+              <a:rPr lang="en-US" sz="1200" kern="1200" dirty="0">
+                <a:solidFill>
+                  <a:schemeClr val="tx1"/>
+                </a:solidFill>
+                <a:latin typeface="+mn-lt"/>
+                <a:ea typeface="+mn-ea"/>
+                <a:cs typeface="+mn-cs"/>
+              </a:rPr>
+              <a:t>(</a:t>
+            </a:r>
+          </a:p>
+          <a:p>
+            <a:r>
+              <a:rPr lang="en-US" sz="1200" kern="1200" dirty="0">
+                <a:solidFill>
+                  <a:schemeClr val="tx1"/>
+                </a:solidFill>
+                <a:latin typeface="+mn-lt"/>
+                <a:ea typeface="+mn-ea"/>
+                <a:cs typeface="+mn-cs"/>
+              </a:rPr>
+              <a:t>select *</a:t>
+            </a:r>
+          </a:p>
+          <a:p>
+            <a:r>
+              <a:rPr lang="en-US" sz="1200" kern="1200" dirty="0">
+                <a:solidFill>
+                  <a:schemeClr val="tx1"/>
+                </a:solidFill>
+                <a:latin typeface="+mn-lt"/>
+                <a:ea typeface="+mn-ea"/>
+                <a:cs typeface="+mn-cs"/>
+              </a:rPr>
+              <a:t>from </a:t>
+            </a:r>
+            <a:r>
+              <a:rPr lang="en-US" sz="1200" kern="1200" dirty="0" err="1">
+                <a:solidFill>
+                  <a:schemeClr val="tx1"/>
+                </a:solidFill>
+                <a:latin typeface="+mn-lt"/>
+                <a:ea typeface="+mn-ea"/>
+                <a:cs typeface="+mn-cs"/>
+              </a:rPr>
+              <a:t>CorpDB.dbo.OrderHeader</a:t>
+            </a:r>
+            <a:r>
+              <a:rPr lang="en-US" sz="1200" kern="1200" dirty="0">
+                <a:solidFill>
+                  <a:schemeClr val="tx1"/>
+                </a:solidFill>
+                <a:latin typeface="+mn-lt"/>
+                <a:ea typeface="+mn-ea"/>
+                <a:cs typeface="+mn-cs"/>
+              </a:rPr>
+              <a:t> oh</a:t>
+            </a:r>
+          </a:p>
+          <a:p>
+            <a:r>
+              <a:rPr lang="en-US" sz="1200" kern="1200" dirty="0">
+                <a:solidFill>
+                  <a:schemeClr val="tx1"/>
+                </a:solidFill>
+                <a:latin typeface="+mn-lt"/>
+                <a:ea typeface="+mn-ea"/>
+                <a:cs typeface="+mn-cs"/>
+              </a:rPr>
+              <a:t>where </a:t>
+            </a:r>
+            <a:r>
+              <a:rPr lang="en-US" sz="1200" kern="1200" dirty="0" err="1">
+                <a:solidFill>
+                  <a:schemeClr val="tx1"/>
+                </a:solidFill>
+                <a:latin typeface="+mn-lt"/>
+                <a:ea typeface="+mn-ea"/>
+                <a:cs typeface="+mn-cs"/>
+              </a:rPr>
+              <a:t>oh.CustomerID</a:t>
+            </a:r>
+            <a:r>
+              <a:rPr lang="en-US" sz="1200" kern="1200" dirty="0">
+                <a:solidFill>
+                  <a:schemeClr val="tx1"/>
+                </a:solidFill>
+                <a:latin typeface="+mn-lt"/>
+                <a:ea typeface="+mn-ea"/>
+                <a:cs typeface="+mn-cs"/>
+              </a:rPr>
+              <a:t> = </a:t>
+            </a:r>
+            <a:r>
+              <a:rPr lang="en-US" sz="1200" kern="1200" dirty="0" err="1">
+                <a:solidFill>
+                  <a:schemeClr val="tx1"/>
+                </a:solidFill>
+                <a:latin typeface="+mn-lt"/>
+                <a:ea typeface="+mn-ea"/>
+                <a:cs typeface="+mn-cs"/>
+              </a:rPr>
+              <a:t>c.CustomerID</a:t>
+            </a:r>
+            <a:endParaRPr lang="en-US" sz="1200" kern="1200" dirty="0">
+              <a:solidFill>
+                <a:schemeClr val="tx1"/>
+              </a:solidFill>
+              <a:latin typeface="+mn-lt"/>
+              <a:ea typeface="+mn-ea"/>
+              <a:cs typeface="+mn-cs"/>
+            </a:endParaRPr>
+          </a:p>
+          <a:p>
+            <a:r>
+              <a:rPr lang="en-US" sz="1200" kern="1200" dirty="0">
+                <a:solidFill>
+                  <a:schemeClr val="tx1"/>
+                </a:solidFill>
+                <a:latin typeface="+mn-lt"/>
+                <a:ea typeface="+mn-ea"/>
+                <a:cs typeface="+mn-cs"/>
+              </a:rPr>
+              <a:t>);</a:t>
+            </a:r>
+          </a:p>
+          <a:p>
+            <a:endParaRPr lang="en-US" sz="1200" kern="1200" dirty="0">
+              <a:solidFill>
+                <a:schemeClr val="tx1"/>
+              </a:solidFill>
+              <a:latin typeface="+mn-lt"/>
+              <a:ea typeface="+mn-ea"/>
+              <a:cs typeface="+mn-cs"/>
+            </a:endParaRPr>
+          </a:p>
+          <a:p>
             <a:endParaRPr lang="en-US" dirty="0"/>
           </a:p>
         </p:txBody>
@@ -2934,7 +3108,7 @@
           <a:p>
             <a:fld id="{ADDBA41D-AE03-4F1C-B074-B56312AFAE46}" type="slidenum">
               <a:rPr lang="en-US" smtClean="0"/>
-              <a:t>28</a:t>
+              <a:t>24</a:t>
             </a:fld>
             <a:endParaRPr lang="en-US"/>
           </a:p>
@@ -2943,7 +3117,7 @@
     </p:spTree>
     <p:extLst>
       <p:ext uri="{BB962C8B-B14F-4D97-AF65-F5344CB8AC3E}">
-        <p14:creationId xmlns:p14="http://schemas.microsoft.com/office/powerpoint/2010/main" val="2197873287"/>
+        <p14:creationId xmlns:p14="http://schemas.microsoft.com/office/powerpoint/2010/main" val="1452330123"/>
       </p:ext>
     </p:extLst>
   </p:cSld>
@@ -11282,67 +11456,117 @@
             <a:r>
               <a:rPr lang="en-US" dirty="0">
                 <a:solidFill>
+                  <a:srgbClr val="0000FF"/>
+                </a:solidFill>
+                <a:latin typeface="Consolas" panose="020B0609020204030204" pitchFamily="49" charset="0"/>
+                <a:ea typeface="Calibri" panose="020F0502020204030204" pitchFamily="34" charset="0"/>
+                <a:cs typeface="Times New Roman" panose="02020603050405020304" pitchFamily="18" charset="0"/>
+              </a:rPr>
+              <a:t>on</a:t>
+            </a:r>
+            <a:r>
+              <a:rPr lang="en-US" dirty="0">
+                <a:latin typeface="Consolas" panose="020B0609020204030204" pitchFamily="49" charset="0"/>
+                <a:ea typeface="Calibri" panose="020F0502020204030204" pitchFamily="34" charset="0"/>
+                <a:cs typeface="Times New Roman" panose="02020603050405020304" pitchFamily="18" charset="0"/>
+              </a:rPr>
+              <a:t> </a:t>
+            </a:r>
+            <a:r>
+              <a:rPr lang="en-US" dirty="0" err="1">
+                <a:solidFill>
                   <a:srgbClr val="008080"/>
                 </a:solidFill>
-                <a:highlight>
-                  <a:srgbClr val="FFFF00"/>
-                </a:highlight>
-                <a:latin typeface="Consolas" panose="020B0609020204030204" pitchFamily="49" charset="0"/>
-                <a:ea typeface="Calibri" panose="020F0502020204030204" pitchFamily="34" charset="0"/>
-                <a:cs typeface="Times New Roman" panose="02020603050405020304" pitchFamily="18" charset="0"/>
-              </a:rPr>
-              <a:t>on </a:t>
+                <a:latin typeface="Consolas" panose="020B0609020204030204" pitchFamily="49" charset="0"/>
+                <a:ea typeface="Calibri" panose="020F0502020204030204" pitchFamily="34" charset="0"/>
+                <a:cs typeface="Times New Roman" panose="02020603050405020304" pitchFamily="18" charset="0"/>
+              </a:rPr>
+              <a:t>oh</a:t>
+            </a:r>
+            <a:r>
+              <a:rPr lang="en-US" dirty="0" err="1">
+                <a:solidFill>
+                  <a:srgbClr val="808080"/>
+                </a:solidFill>
+                <a:latin typeface="Consolas" panose="020B0609020204030204" pitchFamily="49" charset="0"/>
+                <a:ea typeface="Calibri" panose="020F0502020204030204" pitchFamily="34" charset="0"/>
+                <a:cs typeface="Times New Roman" panose="02020603050405020304" pitchFamily="18" charset="0"/>
+              </a:rPr>
+              <a:t>.</a:t>
             </a:r>
             <a:r>
               <a:rPr lang="en-US" dirty="0" err="1">
                 <a:solidFill>
                   <a:srgbClr val="008080"/>
                 </a:solidFill>
-                <a:highlight>
-                  <a:srgbClr val="FFFF00"/>
-                </a:highlight>
-                <a:latin typeface="Consolas" panose="020B0609020204030204" pitchFamily="49" charset="0"/>
-                <a:ea typeface="Calibri" panose="020F0502020204030204" pitchFamily="34" charset="0"/>
-                <a:cs typeface="Times New Roman" panose="02020603050405020304" pitchFamily="18" charset="0"/>
-              </a:rPr>
-              <a:t>oh.OrderId</a:t>
-            </a:r>
-            <a:r>
-              <a:rPr lang="en-US" dirty="0">
+                <a:latin typeface="Consolas" panose="020B0609020204030204" pitchFamily="49" charset="0"/>
+                <a:ea typeface="Calibri" panose="020F0502020204030204" pitchFamily="34" charset="0"/>
+                <a:cs typeface="Times New Roman" panose="02020603050405020304" pitchFamily="18" charset="0"/>
+              </a:rPr>
+              <a:t>OrderId</a:t>
+            </a:r>
+            <a:r>
+              <a:rPr lang="en-US" dirty="0">
+                <a:latin typeface="Consolas" panose="020B0609020204030204" pitchFamily="49" charset="0"/>
+                <a:ea typeface="Calibri" panose="020F0502020204030204" pitchFamily="34" charset="0"/>
+                <a:cs typeface="Times New Roman" panose="02020603050405020304" pitchFamily="18" charset="0"/>
+              </a:rPr>
+              <a:t> </a:t>
+            </a:r>
+            <a:r>
+              <a:rPr lang="en-US" dirty="0">
+                <a:solidFill>
+                  <a:srgbClr val="808080"/>
+                </a:solidFill>
+                <a:latin typeface="Consolas" panose="020B0609020204030204" pitchFamily="49" charset="0"/>
+                <a:ea typeface="Calibri" panose="020F0502020204030204" pitchFamily="34" charset="0"/>
+                <a:cs typeface="Times New Roman" panose="02020603050405020304" pitchFamily="18" charset="0"/>
+              </a:rPr>
+              <a:t>=</a:t>
+            </a:r>
+            <a:r>
+              <a:rPr lang="en-US" dirty="0">
+                <a:latin typeface="Consolas" panose="020B0609020204030204" pitchFamily="49" charset="0"/>
+                <a:ea typeface="Calibri" panose="020F0502020204030204" pitchFamily="34" charset="0"/>
+                <a:cs typeface="Times New Roman" panose="02020603050405020304" pitchFamily="18" charset="0"/>
+              </a:rPr>
+              <a:t> </a:t>
+            </a:r>
+            <a:r>
+              <a:rPr lang="en-US" dirty="0" err="1">
                 <a:solidFill>
                   <a:srgbClr val="008080"/>
                 </a:solidFill>
-                <a:highlight>
-                  <a:srgbClr val="FFFF00"/>
-                </a:highlight>
-                <a:latin typeface="Consolas" panose="020B0609020204030204" pitchFamily="49" charset="0"/>
-                <a:ea typeface="Calibri" panose="020F0502020204030204" pitchFamily="34" charset="0"/>
-                <a:cs typeface="Times New Roman" panose="02020603050405020304" pitchFamily="18" charset="0"/>
-              </a:rPr>
-              <a:t> = </a:t>
+                <a:latin typeface="Consolas" panose="020B0609020204030204" pitchFamily="49" charset="0"/>
+                <a:ea typeface="Calibri" panose="020F0502020204030204" pitchFamily="34" charset="0"/>
+                <a:cs typeface="Times New Roman" panose="02020603050405020304" pitchFamily="18" charset="0"/>
+              </a:rPr>
+              <a:t>od</a:t>
+            </a:r>
+            <a:r>
+              <a:rPr lang="en-US" dirty="0" err="1">
+                <a:solidFill>
+                  <a:srgbClr val="808080"/>
+                </a:solidFill>
+                <a:latin typeface="Consolas" panose="020B0609020204030204" pitchFamily="49" charset="0"/>
+                <a:ea typeface="Calibri" panose="020F0502020204030204" pitchFamily="34" charset="0"/>
+                <a:cs typeface="Times New Roman" panose="02020603050405020304" pitchFamily="18" charset="0"/>
+              </a:rPr>
+              <a:t>.</a:t>
             </a:r>
             <a:r>
               <a:rPr lang="en-US" dirty="0" err="1">
                 <a:solidFill>
                   <a:srgbClr val="008080"/>
                 </a:solidFill>
-                <a:highlight>
-                  <a:srgbClr val="FFFF00"/>
-                </a:highlight>
-                <a:latin typeface="Consolas" panose="020B0609020204030204" pitchFamily="49" charset="0"/>
-                <a:ea typeface="Calibri" panose="020F0502020204030204" pitchFamily="34" charset="0"/>
-                <a:cs typeface="Times New Roman" panose="02020603050405020304" pitchFamily="18" charset="0"/>
-              </a:rPr>
-              <a:t>od.OrderId</a:t>
-            </a:r>
-            <a:endParaRPr lang="en-US" dirty="0">
-              <a:solidFill>
-                <a:srgbClr val="008080"/>
-              </a:solidFill>
-              <a:highlight>
-                <a:srgbClr val="FFFF00"/>
-              </a:highlight>
-              <a:latin typeface="Consolas" panose="020B0609020204030204" pitchFamily="49" charset="0"/>
+                <a:latin typeface="Consolas" panose="020B0609020204030204" pitchFamily="49" charset="0"/>
+                <a:ea typeface="Calibri" panose="020F0502020204030204" pitchFamily="34" charset="0"/>
+                <a:cs typeface="Times New Roman" panose="02020603050405020304" pitchFamily="18" charset="0"/>
+              </a:rPr>
+              <a:t>OrderId</a:t>
+            </a:r>
+            <a:endParaRPr lang="en-US" sz="2400" dirty="0">
+              <a:latin typeface="Calibri" panose="020F0502020204030204" pitchFamily="34" charset="0"/>
               <a:ea typeface="Calibri" panose="020F0502020204030204" pitchFamily="34" charset="0"/>
               <a:cs typeface="Times New Roman" panose="02020603050405020304" pitchFamily="18" charset="0"/>
             </a:endParaRPr>
@@ -11356,16 +11580,39 @@
             <a:r>
               <a:rPr lang="en-US" dirty="0">
                 <a:solidFill>
-                  <a:srgbClr val="808080"/>
-                </a:solidFill>
-                <a:latin typeface="Consolas" panose="020B0609020204030204" pitchFamily="49" charset="0"/>
-                <a:ea typeface="Calibri" panose="020F0502020204030204" pitchFamily="34" charset="0"/>
-                <a:cs typeface="Times New Roman" panose="02020603050405020304" pitchFamily="18" charset="0"/>
-              </a:rPr>
-              <a:t>inner</a:t>
-            </a:r>
-            <a:r>
-              <a:rPr lang="en-US" dirty="0">
+                  <a:srgbClr val="008080"/>
+                </a:solidFill>
+                <a:highlight>
+                  <a:srgbClr val="FFFF00"/>
+                </a:highlight>
+                <a:latin typeface="Consolas" panose="020B0609020204030204" pitchFamily="49" charset="0"/>
+                <a:ea typeface="Calibri" panose="020F0502020204030204" pitchFamily="34" charset="0"/>
+                <a:cs typeface="Times New Roman" panose="02020603050405020304" pitchFamily="18" charset="0"/>
+              </a:rPr>
+              <a:t>inner join </a:t>
+            </a:r>
+            <a:r>
+              <a:rPr lang="en-US" dirty="0" err="1">
+                <a:solidFill>
+                  <a:srgbClr val="008080"/>
+                </a:solidFill>
+                <a:highlight>
+                  <a:srgbClr val="FFFF00"/>
+                </a:highlight>
+                <a:latin typeface="Consolas" panose="020B0609020204030204" pitchFamily="49" charset="0"/>
+                <a:ea typeface="Calibri" panose="020F0502020204030204" pitchFamily="34" charset="0"/>
+                <a:cs typeface="Times New Roman" panose="02020603050405020304" pitchFamily="18" charset="0"/>
+              </a:rPr>
+              <a:t>dbo.Customer</a:t>
+            </a:r>
+            <a:r>
+              <a:rPr lang="en-US" dirty="0">
+                <a:solidFill>
+                  <a:srgbClr val="008080"/>
+                </a:solidFill>
+                <a:highlight>
+                  <a:srgbClr val="FFFF00"/>
+                </a:highlight>
                 <a:latin typeface="Consolas" panose="020B0609020204030204" pitchFamily="49" charset="0"/>
                 <a:ea typeface="Calibri" panose="020F0502020204030204" pitchFamily="34" charset="0"/>
                 <a:cs typeface="Times New Roman" panose="02020603050405020304" pitchFamily="18" charset="0"/>
@@ -11373,78 +11620,27 @@
               <a:t> </a:t>
             </a:r>
             <a:r>
-              <a:rPr lang="en-US" dirty="0">
-                <a:solidFill>
-                  <a:srgbClr val="808080"/>
-                </a:solidFill>
-                <a:latin typeface="Consolas" panose="020B0609020204030204" pitchFamily="49" charset="0"/>
-                <a:ea typeface="Calibri" panose="020F0502020204030204" pitchFamily="34" charset="0"/>
-                <a:cs typeface="Times New Roman" panose="02020603050405020304" pitchFamily="18" charset="0"/>
-              </a:rPr>
-              <a:t>join</a:t>
-            </a:r>
-            <a:r>
-              <a:rPr lang="en-US" dirty="0">
-                <a:latin typeface="Consolas" panose="020B0609020204030204" pitchFamily="49" charset="0"/>
-                <a:ea typeface="Calibri" panose="020F0502020204030204" pitchFamily="34" charset="0"/>
-                <a:cs typeface="Times New Roman" panose="02020603050405020304" pitchFamily="18" charset="0"/>
-              </a:rPr>
-              <a:t> </a:t>
-            </a:r>
-            <a:r>
               <a:rPr lang="en-US" dirty="0" err="1">
                 <a:solidFill>
                   <a:srgbClr val="008080"/>
                 </a:solidFill>
-                <a:latin typeface="Consolas" panose="020B0609020204030204" pitchFamily="49" charset="0"/>
-                <a:ea typeface="Calibri" panose="020F0502020204030204" pitchFamily="34" charset="0"/>
-                <a:cs typeface="Times New Roman" panose="02020603050405020304" pitchFamily="18" charset="0"/>
-              </a:rPr>
-              <a:t>dbo</a:t>
-            </a:r>
-            <a:r>
-              <a:rPr lang="en-US" dirty="0" err="1">
-                <a:solidFill>
-                  <a:srgbClr val="808080"/>
-                </a:solidFill>
-                <a:latin typeface="Consolas" panose="020B0609020204030204" pitchFamily="49" charset="0"/>
-                <a:ea typeface="Calibri" panose="020F0502020204030204" pitchFamily="34" charset="0"/>
-                <a:cs typeface="Times New Roman" panose="02020603050405020304" pitchFamily="18" charset="0"/>
-              </a:rPr>
-              <a:t>.</a:t>
-            </a:r>
-            <a:r>
-              <a:rPr lang="en-US" dirty="0" err="1">
+                <a:highlight>
+                  <a:srgbClr val="FFFF00"/>
+                </a:highlight>
+                <a:latin typeface="Consolas" panose="020B0609020204030204" pitchFamily="49" charset="0"/>
+                <a:ea typeface="Calibri" panose="020F0502020204030204" pitchFamily="34" charset="0"/>
+                <a:cs typeface="Times New Roman" panose="02020603050405020304" pitchFamily="18" charset="0"/>
+              </a:rPr>
+              <a:t>cust</a:t>
+            </a:r>
+            <a:r>
+              <a:rPr lang="en-US" dirty="0">
                 <a:solidFill>
                   <a:srgbClr val="008080"/>
                 </a:solidFill>
-                <a:latin typeface="Consolas" panose="020B0609020204030204" pitchFamily="49" charset="0"/>
-                <a:ea typeface="Calibri" panose="020F0502020204030204" pitchFamily="34" charset="0"/>
-                <a:cs typeface="Times New Roman" panose="02020603050405020304" pitchFamily="18" charset="0"/>
-              </a:rPr>
-              <a:t>Customer</a:t>
-            </a:r>
-            <a:r>
-              <a:rPr lang="en-US" dirty="0">
-                <a:latin typeface="Consolas" panose="020B0609020204030204" pitchFamily="49" charset="0"/>
-                <a:ea typeface="Calibri" panose="020F0502020204030204" pitchFamily="34" charset="0"/>
-                <a:cs typeface="Times New Roman" panose="02020603050405020304" pitchFamily="18" charset="0"/>
-              </a:rPr>
-              <a:t> </a:t>
-            </a:r>
-            <a:r>
-              <a:rPr lang="en-US" dirty="0" err="1">
-                <a:solidFill>
-                  <a:srgbClr val="008080"/>
-                </a:solidFill>
-                <a:latin typeface="Consolas" panose="020B0609020204030204" pitchFamily="49" charset="0"/>
-                <a:ea typeface="Calibri" panose="020F0502020204030204" pitchFamily="34" charset="0"/>
-                <a:cs typeface="Times New Roman" panose="02020603050405020304" pitchFamily="18" charset="0"/>
-              </a:rPr>
-              <a:t>cust</a:t>
-            </a:r>
-            <a:r>
-              <a:rPr lang="en-US" dirty="0">
+                <a:highlight>
+                  <a:srgbClr val="FFFF00"/>
+                </a:highlight>
                 <a:latin typeface="Consolas" panose="020B0609020204030204" pitchFamily="49" charset="0"/>
                 <a:ea typeface="Calibri" panose="020F0502020204030204" pitchFamily="34" charset="0"/>
                 <a:cs typeface="Times New Roman" panose="02020603050405020304" pitchFamily="18" charset="0"/>
@@ -11999,7 +12195,7 @@
           <a:p>
             <a:r>
               <a:rPr lang="en-US" sz="3000" dirty="0"/>
-              <a:t>Step 2: ON</a:t>
+              <a:t>Step 2: FROM</a:t>
             </a:r>
           </a:p>
           <a:p>
@@ -12009,21 +12205,8 @@
             </a:pPr>
             <a:r>
               <a:rPr lang="en-US" sz="3000" dirty="0"/>
-              <a:t>Find rows in R1 where </a:t>
-            </a:r>
-            <a:r>
-              <a:rPr lang="en-US" sz="3000" dirty="0" err="1"/>
-              <a:t>OrderId</a:t>
-            </a:r>
-            <a:r>
-              <a:rPr lang="en-US" sz="3000" dirty="0"/>
-              <a:t> = </a:t>
-            </a:r>
-            <a:r>
-              <a:rPr lang="en-US" sz="3000" dirty="0" err="1"/>
-              <a:t>OrderId</a:t>
-            </a:r>
-            <a:endParaRPr lang="en-US" sz="3000" dirty="0"/>
+              <a:t>R1 joined to Customer (Cartesian join)</a:t>
+            </a:r>
           </a:p>
           <a:p>
             <a:pPr marL="457200" indent="-457200">
@@ -12032,7 +12215,7 @@
             </a:pPr>
             <a:r>
               <a:rPr lang="en-US" sz="3000" dirty="0"/>
-              <a:t>Result is 603,133 rows / 8 columns</a:t>
+              <a:t>Result is 12,766,280,417,359,916 rows / 14 columns</a:t>
             </a:r>
           </a:p>
           <a:p>
@@ -12050,7 +12233,7 @@
     </p:spTree>
     <p:extLst>
       <p:ext uri="{BB962C8B-B14F-4D97-AF65-F5344CB8AC3E}">
-        <p14:creationId xmlns:p14="http://schemas.microsoft.com/office/powerpoint/2010/main" val="856205788"/>
+        <p14:creationId xmlns:p14="http://schemas.microsoft.com/office/powerpoint/2010/main" val="3450529162"/>
       </p:ext>
     </p:extLst>
   </p:cSld>
@@ -12493,117 +12676,67 @@
             <a:r>
               <a:rPr lang="en-US" dirty="0">
                 <a:solidFill>
-                  <a:srgbClr val="0000FF"/>
-                </a:solidFill>
-                <a:latin typeface="Consolas" panose="020B0609020204030204" pitchFamily="49" charset="0"/>
-                <a:ea typeface="Calibri" panose="020F0502020204030204" pitchFamily="34" charset="0"/>
-                <a:cs typeface="Times New Roman" panose="02020603050405020304" pitchFamily="18" charset="0"/>
-              </a:rPr>
-              <a:t>on</a:t>
-            </a:r>
-            <a:r>
-              <a:rPr lang="en-US" dirty="0">
-                <a:latin typeface="Consolas" panose="020B0609020204030204" pitchFamily="49" charset="0"/>
-                <a:ea typeface="Calibri" panose="020F0502020204030204" pitchFamily="34" charset="0"/>
-                <a:cs typeface="Times New Roman" panose="02020603050405020304" pitchFamily="18" charset="0"/>
-              </a:rPr>
-              <a:t> </a:t>
-            </a:r>
-            <a:r>
-              <a:rPr lang="en-US" dirty="0" err="1">
-                <a:solidFill>
                   <a:srgbClr val="008080"/>
                 </a:solidFill>
-                <a:latin typeface="Consolas" panose="020B0609020204030204" pitchFamily="49" charset="0"/>
-                <a:ea typeface="Calibri" panose="020F0502020204030204" pitchFamily="34" charset="0"/>
-                <a:cs typeface="Times New Roman" panose="02020603050405020304" pitchFamily="18" charset="0"/>
-              </a:rPr>
-              <a:t>oh</a:t>
-            </a:r>
-            <a:r>
-              <a:rPr lang="en-US" dirty="0" err="1">
-                <a:solidFill>
-                  <a:srgbClr val="808080"/>
-                </a:solidFill>
-                <a:latin typeface="Consolas" panose="020B0609020204030204" pitchFamily="49" charset="0"/>
-                <a:ea typeface="Calibri" panose="020F0502020204030204" pitchFamily="34" charset="0"/>
-                <a:cs typeface="Times New Roman" panose="02020603050405020304" pitchFamily="18" charset="0"/>
-              </a:rPr>
-              <a:t>.</a:t>
+                <a:highlight>
+                  <a:srgbClr val="FFFF00"/>
+                </a:highlight>
+                <a:latin typeface="Consolas" panose="020B0609020204030204" pitchFamily="49" charset="0"/>
+                <a:ea typeface="Calibri" panose="020F0502020204030204" pitchFamily="34" charset="0"/>
+                <a:cs typeface="Times New Roman" panose="02020603050405020304" pitchFamily="18" charset="0"/>
+              </a:rPr>
+              <a:t>on </a:t>
             </a:r>
             <a:r>
               <a:rPr lang="en-US" dirty="0" err="1">
                 <a:solidFill>
                   <a:srgbClr val="008080"/>
                 </a:solidFill>
-                <a:latin typeface="Consolas" panose="020B0609020204030204" pitchFamily="49" charset="0"/>
-                <a:ea typeface="Calibri" panose="020F0502020204030204" pitchFamily="34" charset="0"/>
-                <a:cs typeface="Times New Roman" panose="02020603050405020304" pitchFamily="18" charset="0"/>
-              </a:rPr>
-              <a:t>OrderId</a:t>
-            </a:r>
-            <a:r>
-              <a:rPr lang="en-US" dirty="0">
-                <a:latin typeface="Consolas" panose="020B0609020204030204" pitchFamily="49" charset="0"/>
-                <a:ea typeface="Calibri" panose="020F0502020204030204" pitchFamily="34" charset="0"/>
-                <a:cs typeface="Times New Roman" panose="02020603050405020304" pitchFamily="18" charset="0"/>
-              </a:rPr>
-              <a:t> </a:t>
-            </a:r>
-            <a:r>
-              <a:rPr lang="en-US" dirty="0">
-                <a:solidFill>
-                  <a:srgbClr val="808080"/>
-                </a:solidFill>
-                <a:latin typeface="Consolas" panose="020B0609020204030204" pitchFamily="49" charset="0"/>
-                <a:ea typeface="Calibri" panose="020F0502020204030204" pitchFamily="34" charset="0"/>
-                <a:cs typeface="Times New Roman" panose="02020603050405020304" pitchFamily="18" charset="0"/>
-              </a:rPr>
-              <a:t>=</a:t>
-            </a:r>
-            <a:r>
-              <a:rPr lang="en-US" dirty="0">
-                <a:latin typeface="Consolas" panose="020B0609020204030204" pitchFamily="49" charset="0"/>
-                <a:ea typeface="Calibri" panose="020F0502020204030204" pitchFamily="34" charset="0"/>
-                <a:cs typeface="Times New Roman" panose="02020603050405020304" pitchFamily="18" charset="0"/>
-              </a:rPr>
-              <a:t> </a:t>
-            </a:r>
-            <a:r>
-              <a:rPr lang="en-US" dirty="0" err="1">
+                <a:highlight>
+                  <a:srgbClr val="FFFF00"/>
+                </a:highlight>
+                <a:latin typeface="Consolas" panose="020B0609020204030204" pitchFamily="49" charset="0"/>
+                <a:ea typeface="Calibri" panose="020F0502020204030204" pitchFamily="34" charset="0"/>
+                <a:cs typeface="Times New Roman" panose="02020603050405020304" pitchFamily="18" charset="0"/>
+              </a:rPr>
+              <a:t>oh.OrderId</a:t>
+            </a:r>
+            <a:r>
+              <a:rPr lang="en-US" dirty="0">
                 <a:solidFill>
                   <a:srgbClr val="008080"/>
                 </a:solidFill>
-                <a:latin typeface="Consolas" panose="020B0609020204030204" pitchFamily="49" charset="0"/>
-                <a:ea typeface="Calibri" panose="020F0502020204030204" pitchFamily="34" charset="0"/>
-                <a:cs typeface="Times New Roman" panose="02020603050405020304" pitchFamily="18" charset="0"/>
-              </a:rPr>
-              <a:t>od</a:t>
-            </a:r>
-            <a:r>
-              <a:rPr lang="en-US" dirty="0" err="1">
-                <a:solidFill>
-                  <a:srgbClr val="808080"/>
-                </a:solidFill>
-                <a:latin typeface="Consolas" panose="020B0609020204030204" pitchFamily="49" charset="0"/>
-                <a:ea typeface="Calibri" panose="020F0502020204030204" pitchFamily="34" charset="0"/>
-                <a:cs typeface="Times New Roman" panose="02020603050405020304" pitchFamily="18" charset="0"/>
-              </a:rPr>
-              <a:t>.</a:t>
+                <a:highlight>
+                  <a:srgbClr val="FFFF00"/>
+                </a:highlight>
+                <a:latin typeface="Consolas" panose="020B0609020204030204" pitchFamily="49" charset="0"/>
+                <a:ea typeface="Calibri" panose="020F0502020204030204" pitchFamily="34" charset="0"/>
+                <a:cs typeface="Times New Roman" panose="02020603050405020304" pitchFamily="18" charset="0"/>
+              </a:rPr>
+              <a:t> = </a:t>
             </a:r>
             <a:r>
               <a:rPr lang="en-US" dirty="0" err="1">
                 <a:solidFill>
                   <a:srgbClr val="008080"/>
                 </a:solidFill>
-                <a:latin typeface="Consolas" panose="020B0609020204030204" pitchFamily="49" charset="0"/>
-                <a:ea typeface="Calibri" panose="020F0502020204030204" pitchFamily="34" charset="0"/>
-                <a:cs typeface="Times New Roman" panose="02020603050405020304" pitchFamily="18" charset="0"/>
-              </a:rPr>
-              <a:t>OrderId</a:t>
-            </a:r>
-            <a:endParaRPr lang="en-US" sz="2400" dirty="0">
-              <a:latin typeface="Calibri" panose="020F0502020204030204" pitchFamily="34" charset="0"/>
+                <a:highlight>
+                  <a:srgbClr val="FFFF00"/>
+                </a:highlight>
+                <a:latin typeface="Consolas" panose="020B0609020204030204" pitchFamily="49" charset="0"/>
+                <a:ea typeface="Calibri" panose="020F0502020204030204" pitchFamily="34" charset="0"/>
+                <a:cs typeface="Times New Roman" panose="02020603050405020304" pitchFamily="18" charset="0"/>
+              </a:rPr>
+              <a:t>od.OrderId</a:t>
+            </a:r>
+            <a:endParaRPr lang="en-US" dirty="0">
+              <a:solidFill>
+                <a:srgbClr val="008080"/>
+              </a:solidFill>
+              <a:highlight>
+                <a:srgbClr val="FFFF00"/>
+              </a:highlight>
+              <a:latin typeface="Consolas" panose="020B0609020204030204" pitchFamily="49" charset="0"/>
               <a:ea typeface="Calibri" panose="020F0502020204030204" pitchFamily="34" charset="0"/>
               <a:cs typeface="Times New Roman" panose="02020603050405020304" pitchFamily="18" charset="0"/>
             </a:endParaRPr>
@@ -12617,53 +12750,87 @@
             <a:r>
               <a:rPr lang="en-US" dirty="0">
                 <a:solidFill>
+                  <a:srgbClr val="808080"/>
+                </a:solidFill>
+                <a:latin typeface="Consolas" panose="020B0609020204030204" pitchFamily="49" charset="0"/>
+                <a:ea typeface="Calibri" panose="020F0502020204030204" pitchFamily="34" charset="0"/>
+                <a:cs typeface="Times New Roman" panose="02020603050405020304" pitchFamily="18" charset="0"/>
+              </a:rPr>
+              <a:t>inner</a:t>
+            </a:r>
+            <a:r>
+              <a:rPr lang="en-US" dirty="0">
+                <a:latin typeface="Consolas" panose="020B0609020204030204" pitchFamily="49" charset="0"/>
+                <a:ea typeface="Calibri" panose="020F0502020204030204" pitchFamily="34" charset="0"/>
+                <a:cs typeface="Times New Roman" panose="02020603050405020304" pitchFamily="18" charset="0"/>
+              </a:rPr>
+              <a:t> </a:t>
+            </a:r>
+            <a:r>
+              <a:rPr lang="en-US" dirty="0">
+                <a:solidFill>
+                  <a:srgbClr val="808080"/>
+                </a:solidFill>
+                <a:latin typeface="Consolas" panose="020B0609020204030204" pitchFamily="49" charset="0"/>
+                <a:ea typeface="Calibri" panose="020F0502020204030204" pitchFamily="34" charset="0"/>
+                <a:cs typeface="Times New Roman" panose="02020603050405020304" pitchFamily="18" charset="0"/>
+              </a:rPr>
+              <a:t>join</a:t>
+            </a:r>
+            <a:r>
+              <a:rPr lang="en-US" dirty="0">
+                <a:latin typeface="Consolas" panose="020B0609020204030204" pitchFamily="49" charset="0"/>
+                <a:ea typeface="Calibri" panose="020F0502020204030204" pitchFamily="34" charset="0"/>
+                <a:cs typeface="Times New Roman" panose="02020603050405020304" pitchFamily="18" charset="0"/>
+              </a:rPr>
+              <a:t> </a:t>
+            </a:r>
+            <a:r>
+              <a:rPr lang="en-US" dirty="0" err="1">
+                <a:solidFill>
                   <a:srgbClr val="008080"/>
                 </a:solidFill>
-                <a:highlight>
-                  <a:srgbClr val="FFFF00"/>
-                </a:highlight>
-                <a:latin typeface="Consolas" panose="020B0609020204030204" pitchFamily="49" charset="0"/>
-                <a:ea typeface="Calibri" panose="020F0502020204030204" pitchFamily="34" charset="0"/>
-                <a:cs typeface="Times New Roman" panose="02020603050405020304" pitchFamily="18" charset="0"/>
-              </a:rPr>
-              <a:t>inner join </a:t>
+                <a:latin typeface="Consolas" panose="020B0609020204030204" pitchFamily="49" charset="0"/>
+                <a:ea typeface="Calibri" panose="020F0502020204030204" pitchFamily="34" charset="0"/>
+                <a:cs typeface="Times New Roman" panose="02020603050405020304" pitchFamily="18" charset="0"/>
+              </a:rPr>
+              <a:t>dbo</a:t>
+            </a:r>
+            <a:r>
+              <a:rPr lang="en-US" dirty="0" err="1">
+                <a:solidFill>
+                  <a:srgbClr val="808080"/>
+                </a:solidFill>
+                <a:latin typeface="Consolas" panose="020B0609020204030204" pitchFamily="49" charset="0"/>
+                <a:ea typeface="Calibri" panose="020F0502020204030204" pitchFamily="34" charset="0"/>
+                <a:cs typeface="Times New Roman" panose="02020603050405020304" pitchFamily="18" charset="0"/>
+              </a:rPr>
+              <a:t>.</a:t>
             </a:r>
             <a:r>
               <a:rPr lang="en-US" dirty="0" err="1">
                 <a:solidFill>
                   <a:srgbClr val="008080"/>
                 </a:solidFill>
-                <a:highlight>
-                  <a:srgbClr val="FFFF00"/>
-                </a:highlight>
-                <a:latin typeface="Consolas" panose="020B0609020204030204" pitchFamily="49" charset="0"/>
-                <a:ea typeface="Calibri" panose="020F0502020204030204" pitchFamily="34" charset="0"/>
-                <a:cs typeface="Times New Roman" panose="02020603050405020304" pitchFamily="18" charset="0"/>
-              </a:rPr>
-              <a:t>dbo.Customer</a:t>
-            </a:r>
-            <a:r>
-              <a:rPr lang="en-US" dirty="0">
+                <a:latin typeface="Consolas" panose="020B0609020204030204" pitchFamily="49" charset="0"/>
+                <a:ea typeface="Calibri" panose="020F0502020204030204" pitchFamily="34" charset="0"/>
+                <a:cs typeface="Times New Roman" panose="02020603050405020304" pitchFamily="18" charset="0"/>
+              </a:rPr>
+              <a:t>Customer</a:t>
+            </a:r>
+            <a:r>
+              <a:rPr lang="en-US" dirty="0">
+                <a:latin typeface="Consolas" panose="020B0609020204030204" pitchFamily="49" charset="0"/>
+                <a:ea typeface="Calibri" panose="020F0502020204030204" pitchFamily="34" charset="0"/>
+                <a:cs typeface="Times New Roman" panose="02020603050405020304" pitchFamily="18" charset="0"/>
+              </a:rPr>
+              <a:t> </a:t>
+            </a:r>
+            <a:r>
+              <a:rPr lang="en-US" dirty="0" err="1">
                 <a:solidFill>
                   <a:srgbClr val="008080"/>
                 </a:solidFill>
-                <a:highlight>
-                  <a:srgbClr val="FFFF00"/>
-                </a:highlight>
-                <a:latin typeface="Consolas" panose="020B0609020204030204" pitchFamily="49" charset="0"/>
-                <a:ea typeface="Calibri" panose="020F0502020204030204" pitchFamily="34" charset="0"/>
-                <a:cs typeface="Times New Roman" panose="02020603050405020304" pitchFamily="18" charset="0"/>
-              </a:rPr>
-              <a:t> </a:t>
-            </a:r>
-            <a:r>
-              <a:rPr lang="en-US" dirty="0" err="1">
-                <a:solidFill>
-                  <a:srgbClr val="008080"/>
-                </a:solidFill>
-                <a:highlight>
-                  <a:srgbClr val="FFFF00"/>
-                </a:highlight>
                 <a:latin typeface="Consolas" panose="020B0609020204030204" pitchFamily="49" charset="0"/>
                 <a:ea typeface="Calibri" panose="020F0502020204030204" pitchFamily="34" charset="0"/>
                 <a:cs typeface="Times New Roman" panose="02020603050405020304" pitchFamily="18" charset="0"/>
@@ -12672,12 +12839,6 @@
             </a:r>
             <a:r>
               <a:rPr lang="en-US" dirty="0">
-                <a:solidFill>
-                  <a:srgbClr val="008080"/>
-                </a:solidFill>
-                <a:highlight>
-                  <a:srgbClr val="FFFF00"/>
-                </a:highlight>
                 <a:latin typeface="Consolas" panose="020B0609020204030204" pitchFamily="49" charset="0"/>
                 <a:ea typeface="Calibri" panose="020F0502020204030204" pitchFamily="34" charset="0"/>
                 <a:cs typeface="Times New Roman" panose="02020603050405020304" pitchFamily="18" charset="0"/>
@@ -13232,7 +13393,7 @@
           <a:p>
             <a:r>
               <a:rPr lang="en-US" sz="3000" dirty="0"/>
-              <a:t>Step 3: FROM</a:t>
+              <a:t>Step 2: ON</a:t>
             </a:r>
           </a:p>
           <a:p>
@@ -13242,8 +13403,21 @@
             </a:pPr>
             <a:r>
               <a:rPr lang="en-US" sz="3000" dirty="0"/>
-              <a:t>R2 joined to Customer</a:t>
-            </a:r>
+              <a:t>Find rows in R2 where </a:t>
+            </a:r>
+            <a:r>
+              <a:rPr lang="en-US" sz="3000" dirty="0" err="1"/>
+              <a:t>OrderId</a:t>
+            </a:r>
+            <a:r>
+              <a:rPr lang="en-US" sz="3000" dirty="0"/>
+              <a:t> = </a:t>
+            </a:r>
+            <a:r>
+              <a:rPr lang="en-US" sz="3000" dirty="0" err="1"/>
+              <a:t>OrderId</a:t>
+            </a:r>
+            <a:endParaRPr lang="en-US" sz="3000" dirty="0"/>
           </a:p>
           <a:p>
             <a:pPr marL="457200" indent="-457200">
@@ -13252,7 +13426,7 @@
             </a:pPr>
             <a:r>
               <a:rPr lang="en-US" sz="3000" dirty="0"/>
-              <a:t>Perform Cartesian join</a:t>
+              <a:t>Result is 42,298,923,556 rows / 8 columns</a:t>
             </a:r>
           </a:p>
           <a:p>
@@ -13262,17 +13436,7 @@
             </a:pPr>
             <a:r>
               <a:rPr lang="en-US" sz="3000" dirty="0"/>
-              <a:t>Result is 42,298,923,556 rows / 14 columns</a:t>
-            </a:r>
-          </a:p>
-          <a:p>
-            <a:pPr marL="457200" indent="-457200">
-              <a:buFont typeface="Arial" panose="020B0604020202020204" pitchFamily="34" charset="0"/>
-              <a:buChar char="•"/>
-            </a:pPr>
-            <a:r>
-              <a:rPr lang="en-US" sz="3000" dirty="0"/>
-              <a:t>This is result table R3</a:t>
+              <a:t>This is result table R2</a:t>
             </a:r>
           </a:p>
         </p:txBody>
@@ -13280,7 +13444,7 @@
     </p:spTree>
     <p:extLst>
       <p:ext uri="{BB962C8B-B14F-4D97-AF65-F5344CB8AC3E}">
-        <p14:creationId xmlns:p14="http://schemas.microsoft.com/office/powerpoint/2010/main" val="3450529162"/>
+        <p14:creationId xmlns:p14="http://schemas.microsoft.com/office/powerpoint/2010/main" val="856205788"/>
       </p:ext>
     </p:extLst>
   </p:cSld>

--- a/Optimizer.pptx
+++ b/Optimizer.pptx
@@ -13426,7 +13426,7 @@
             </a:pPr>
             <a:r>
               <a:rPr lang="en-US" sz="3000" dirty="0"/>
-              <a:t>Result is 42,298,923,556 rows / 8 columns</a:t>
+              <a:t>Result is 42,298,923,556 rows / 14 columns</a:t>
             </a:r>
           </a:p>
           <a:p>

--- a/Optimizer.pptx
+++ b/Optimizer.pptx
@@ -5,7 +5,7 @@
     <p:sldMasterId id="2147483648" r:id="rId1"/>
   </p:sldMasterIdLst>
   <p:notesMasterIdLst>
-    <p:notesMasterId r:id="rId63"/>
+    <p:notesMasterId r:id="rId65"/>
   </p:notesMasterIdLst>
   <p:sldIdLst>
     <p:sldId id="256" r:id="rId2"/>
@@ -30,45 +30,47 @@
     <p:sldId id="272" r:id="rId21"/>
     <p:sldId id="273" r:id="rId22"/>
     <p:sldId id="274" r:id="rId23"/>
-    <p:sldId id="275" r:id="rId24"/>
-    <p:sldId id="276" r:id="rId25"/>
-    <p:sldId id="277" r:id="rId26"/>
-    <p:sldId id="280" r:id="rId27"/>
-    <p:sldId id="281" r:id="rId28"/>
-    <p:sldId id="282" r:id="rId29"/>
-    <p:sldId id="287" r:id="rId30"/>
-    <p:sldId id="289" r:id="rId31"/>
-    <p:sldId id="291" r:id="rId32"/>
-    <p:sldId id="292" r:id="rId33"/>
-    <p:sldId id="293" r:id="rId34"/>
-    <p:sldId id="290" r:id="rId35"/>
-    <p:sldId id="283" r:id="rId36"/>
-    <p:sldId id="284" r:id="rId37"/>
-    <p:sldId id="315" r:id="rId38"/>
-    <p:sldId id="314" r:id="rId39"/>
-    <p:sldId id="298" r:id="rId40"/>
-    <p:sldId id="288" r:id="rId41"/>
-    <p:sldId id="286" r:id="rId42"/>
-    <p:sldId id="294" r:id="rId43"/>
-    <p:sldId id="295" r:id="rId44"/>
-    <p:sldId id="307" r:id="rId45"/>
-    <p:sldId id="299" r:id="rId46"/>
-    <p:sldId id="300" r:id="rId47"/>
-    <p:sldId id="296" r:id="rId48"/>
-    <p:sldId id="310" r:id="rId49"/>
-    <p:sldId id="297" r:id="rId50"/>
-    <p:sldId id="311" r:id="rId51"/>
-    <p:sldId id="312" r:id="rId52"/>
-    <p:sldId id="313" r:id="rId53"/>
-    <p:sldId id="304" r:id="rId54"/>
-    <p:sldId id="301" r:id="rId55"/>
-    <p:sldId id="316" r:id="rId56"/>
-    <p:sldId id="305" r:id="rId57"/>
-    <p:sldId id="308" r:id="rId58"/>
-    <p:sldId id="306" r:id="rId59"/>
-    <p:sldId id="279" r:id="rId60"/>
-    <p:sldId id="302" r:id="rId61"/>
-    <p:sldId id="303" r:id="rId62"/>
+    <p:sldId id="323" r:id="rId24"/>
+    <p:sldId id="324" r:id="rId25"/>
+    <p:sldId id="275" r:id="rId26"/>
+    <p:sldId id="276" r:id="rId27"/>
+    <p:sldId id="277" r:id="rId28"/>
+    <p:sldId id="280" r:id="rId29"/>
+    <p:sldId id="281" r:id="rId30"/>
+    <p:sldId id="282" r:id="rId31"/>
+    <p:sldId id="287" r:id="rId32"/>
+    <p:sldId id="289" r:id="rId33"/>
+    <p:sldId id="291" r:id="rId34"/>
+    <p:sldId id="292" r:id="rId35"/>
+    <p:sldId id="293" r:id="rId36"/>
+    <p:sldId id="290" r:id="rId37"/>
+    <p:sldId id="283" r:id="rId38"/>
+    <p:sldId id="284" r:id="rId39"/>
+    <p:sldId id="315" r:id="rId40"/>
+    <p:sldId id="314" r:id="rId41"/>
+    <p:sldId id="298" r:id="rId42"/>
+    <p:sldId id="288" r:id="rId43"/>
+    <p:sldId id="286" r:id="rId44"/>
+    <p:sldId id="294" r:id="rId45"/>
+    <p:sldId id="295" r:id="rId46"/>
+    <p:sldId id="307" r:id="rId47"/>
+    <p:sldId id="299" r:id="rId48"/>
+    <p:sldId id="300" r:id="rId49"/>
+    <p:sldId id="296" r:id="rId50"/>
+    <p:sldId id="325" r:id="rId51"/>
+    <p:sldId id="297" r:id="rId52"/>
+    <p:sldId id="311" r:id="rId53"/>
+    <p:sldId id="312" r:id="rId54"/>
+    <p:sldId id="313" r:id="rId55"/>
+    <p:sldId id="304" r:id="rId56"/>
+    <p:sldId id="301" r:id="rId57"/>
+    <p:sldId id="316" r:id="rId58"/>
+    <p:sldId id="305" r:id="rId59"/>
+    <p:sldId id="308" r:id="rId60"/>
+    <p:sldId id="306" r:id="rId61"/>
+    <p:sldId id="279" r:id="rId62"/>
+    <p:sldId id="302" r:id="rId63"/>
+    <p:sldId id="303" r:id="rId64"/>
   </p:sldIdLst>
   <p:sldSz cx="9144000" cy="6858000" type="screen4x3"/>
   <p:notesSz cx="6858000" cy="9144000"/>
@@ -673,11 +675,240 @@
           <a:p>
             <a:r>
               <a:rPr lang="en-US" dirty="0"/>
-              <a:t>Merge join generally the best performing,</a:t>
+              <a:t>Based</a:t>
             </a:r>
             <a:r>
               <a:rPr lang="en-US" baseline="0" dirty="0"/>
-              <a:t> but requires sorted input on join columns.  Only valid for equijoins.</a:t>
+              <a:t> on the mathematics of relational algebra.</a:t>
+            </a:r>
+            <a:endParaRPr lang="en-US" dirty="0"/>
+          </a:p>
+          <a:p>
+            <a:r>
+              <a:rPr lang="en-US" dirty="0"/>
+              <a:t>Example of a semi join:</a:t>
+            </a:r>
+          </a:p>
+          <a:p>
+            <a:r>
+              <a:rPr lang="en-US" sz="1200" kern="1200" dirty="0">
+                <a:solidFill>
+                  <a:schemeClr val="tx1"/>
+                </a:solidFill>
+                <a:latin typeface="+mn-lt"/>
+                <a:ea typeface="+mn-ea"/>
+                <a:cs typeface="+mn-cs"/>
+              </a:rPr>
+              <a:t>-- Find customers who have orders.</a:t>
+            </a:r>
+          </a:p>
+          <a:p>
+            <a:r>
+              <a:rPr lang="en-US" sz="1200" kern="1200" dirty="0">
+                <a:solidFill>
+                  <a:schemeClr val="tx1"/>
+                </a:solidFill>
+                <a:latin typeface="+mn-lt"/>
+                <a:ea typeface="+mn-ea"/>
+                <a:cs typeface="+mn-cs"/>
+              </a:rPr>
+              <a:t>select *</a:t>
+            </a:r>
+          </a:p>
+          <a:p>
+            <a:r>
+              <a:rPr lang="en-US" sz="1200" kern="1200" dirty="0">
+                <a:solidFill>
+                  <a:schemeClr val="tx1"/>
+                </a:solidFill>
+                <a:latin typeface="+mn-lt"/>
+                <a:ea typeface="+mn-ea"/>
+                <a:cs typeface="+mn-cs"/>
+              </a:rPr>
+              <a:t>from </a:t>
+            </a:r>
+            <a:r>
+              <a:rPr lang="en-US" sz="1200" kern="1200" dirty="0" err="1">
+                <a:solidFill>
+                  <a:schemeClr val="tx1"/>
+                </a:solidFill>
+                <a:latin typeface="+mn-lt"/>
+                <a:ea typeface="+mn-ea"/>
+                <a:cs typeface="+mn-cs"/>
+              </a:rPr>
+              <a:t>CorpDB.dbo.Customer</a:t>
+            </a:r>
+            <a:r>
+              <a:rPr lang="en-US" sz="1200" kern="1200" dirty="0">
+                <a:solidFill>
+                  <a:schemeClr val="tx1"/>
+                </a:solidFill>
+                <a:latin typeface="+mn-lt"/>
+                <a:ea typeface="+mn-ea"/>
+                <a:cs typeface="+mn-cs"/>
+              </a:rPr>
+              <a:t> c</a:t>
+            </a:r>
+          </a:p>
+          <a:p>
+            <a:r>
+              <a:rPr lang="en-US" sz="1200" kern="1200" dirty="0">
+                <a:solidFill>
+                  <a:schemeClr val="tx1"/>
+                </a:solidFill>
+                <a:latin typeface="+mn-lt"/>
+                <a:ea typeface="+mn-ea"/>
+                <a:cs typeface="+mn-cs"/>
+              </a:rPr>
+              <a:t>where exists</a:t>
+            </a:r>
+          </a:p>
+          <a:p>
+            <a:r>
+              <a:rPr lang="en-US" sz="1200" kern="1200" dirty="0">
+                <a:solidFill>
+                  <a:schemeClr val="tx1"/>
+                </a:solidFill>
+                <a:latin typeface="+mn-lt"/>
+                <a:ea typeface="+mn-ea"/>
+                <a:cs typeface="+mn-cs"/>
+              </a:rPr>
+              <a:t>(</a:t>
+            </a:r>
+          </a:p>
+          <a:p>
+            <a:r>
+              <a:rPr lang="en-US" sz="1200" kern="1200" dirty="0">
+                <a:solidFill>
+                  <a:schemeClr val="tx1"/>
+                </a:solidFill>
+                <a:latin typeface="+mn-lt"/>
+                <a:ea typeface="+mn-ea"/>
+                <a:cs typeface="+mn-cs"/>
+              </a:rPr>
+              <a:t>select *</a:t>
+            </a:r>
+          </a:p>
+          <a:p>
+            <a:r>
+              <a:rPr lang="en-US" sz="1200" kern="1200" dirty="0">
+                <a:solidFill>
+                  <a:schemeClr val="tx1"/>
+                </a:solidFill>
+                <a:latin typeface="+mn-lt"/>
+                <a:ea typeface="+mn-ea"/>
+                <a:cs typeface="+mn-cs"/>
+              </a:rPr>
+              <a:t>from </a:t>
+            </a:r>
+            <a:r>
+              <a:rPr lang="en-US" sz="1200" kern="1200" dirty="0" err="1">
+                <a:solidFill>
+                  <a:schemeClr val="tx1"/>
+                </a:solidFill>
+                <a:latin typeface="+mn-lt"/>
+                <a:ea typeface="+mn-ea"/>
+                <a:cs typeface="+mn-cs"/>
+              </a:rPr>
+              <a:t>CorpDB.dbo.OrderHeader</a:t>
+            </a:r>
+            <a:r>
+              <a:rPr lang="en-US" sz="1200" kern="1200" dirty="0">
+                <a:solidFill>
+                  <a:schemeClr val="tx1"/>
+                </a:solidFill>
+                <a:latin typeface="+mn-lt"/>
+                <a:ea typeface="+mn-ea"/>
+                <a:cs typeface="+mn-cs"/>
+              </a:rPr>
+              <a:t> oh</a:t>
+            </a:r>
+          </a:p>
+          <a:p>
+            <a:r>
+              <a:rPr lang="en-US" sz="1200" kern="1200" dirty="0">
+                <a:solidFill>
+                  <a:schemeClr val="tx1"/>
+                </a:solidFill>
+                <a:latin typeface="+mn-lt"/>
+                <a:ea typeface="+mn-ea"/>
+                <a:cs typeface="+mn-cs"/>
+              </a:rPr>
+              <a:t>where </a:t>
+            </a:r>
+            <a:r>
+              <a:rPr lang="en-US" sz="1200" kern="1200" dirty="0" err="1">
+                <a:solidFill>
+                  <a:schemeClr val="tx1"/>
+                </a:solidFill>
+                <a:latin typeface="+mn-lt"/>
+                <a:ea typeface="+mn-ea"/>
+                <a:cs typeface="+mn-cs"/>
+              </a:rPr>
+              <a:t>oh.CustomerID</a:t>
+            </a:r>
+            <a:r>
+              <a:rPr lang="en-US" sz="1200" kern="1200" dirty="0">
+                <a:solidFill>
+                  <a:schemeClr val="tx1"/>
+                </a:solidFill>
+                <a:latin typeface="+mn-lt"/>
+                <a:ea typeface="+mn-ea"/>
+                <a:cs typeface="+mn-cs"/>
+              </a:rPr>
+              <a:t> = </a:t>
+            </a:r>
+            <a:r>
+              <a:rPr lang="en-US" sz="1200" kern="1200" dirty="0" err="1">
+                <a:solidFill>
+                  <a:schemeClr val="tx1"/>
+                </a:solidFill>
+                <a:latin typeface="+mn-lt"/>
+                <a:ea typeface="+mn-ea"/>
+                <a:cs typeface="+mn-cs"/>
+              </a:rPr>
+              <a:t>c.CustomerID</a:t>
+            </a:r>
+            <a:endParaRPr lang="en-US" sz="1200" kern="1200" dirty="0">
+              <a:solidFill>
+                <a:schemeClr val="tx1"/>
+              </a:solidFill>
+              <a:latin typeface="+mn-lt"/>
+              <a:ea typeface="+mn-ea"/>
+              <a:cs typeface="+mn-cs"/>
+            </a:endParaRPr>
+          </a:p>
+          <a:p>
+            <a:r>
+              <a:rPr lang="en-US" sz="1200" kern="1200" dirty="0">
+                <a:solidFill>
+                  <a:schemeClr val="tx1"/>
+                </a:solidFill>
+                <a:latin typeface="+mn-lt"/>
+                <a:ea typeface="+mn-ea"/>
+                <a:cs typeface="+mn-cs"/>
+              </a:rPr>
+              <a:t>);</a:t>
+            </a:r>
+          </a:p>
+          <a:p>
+            <a:endParaRPr lang="en-US" sz="1200" kern="1200" dirty="0">
+              <a:solidFill>
+                <a:schemeClr val="tx1"/>
+              </a:solidFill>
+              <a:latin typeface="+mn-lt"/>
+              <a:ea typeface="+mn-ea"/>
+              <a:cs typeface="+mn-cs"/>
+            </a:endParaRPr>
+          </a:p>
+          <a:p>
+            <a:r>
+              <a:rPr lang="en-US" dirty="0"/>
+              <a:t>Example of an anti-semi</a:t>
+            </a:r>
+            <a:r>
+              <a:rPr lang="en-US" baseline="0" dirty="0"/>
+              <a:t> join:</a:t>
             </a:r>
           </a:p>
           <a:p>
@@ -685,18 +916,204 @@
           </a:p>
           <a:p>
             <a:r>
-              <a:rPr lang="en-US" baseline="0" dirty="0"/>
-              <a:t>Nested loops best when inputs are of significantly different size.  Only join operator that works for joins using inequalities.</a:t>
-            </a:r>
-          </a:p>
-          <a:p>
-            <a:endParaRPr lang="en-US" baseline="0" dirty="0"/>
-          </a:p>
-          <a:p>
-            <a:r>
-              <a:rPr lang="en-US" baseline="0" dirty="0"/>
-              <a:t>Hash join works well with large inputs without sorted input, but is only valid for equijoins.</a:t>
-            </a:r>
+              <a:rPr lang="en-US" sz="1200" kern="1200" dirty="0">
+                <a:solidFill>
+                  <a:schemeClr val="tx1"/>
+                </a:solidFill>
+                <a:latin typeface="+mn-lt"/>
+                <a:ea typeface="+mn-ea"/>
+                <a:cs typeface="+mn-cs"/>
+              </a:rPr>
+              <a:t>select *</a:t>
+            </a:r>
+          </a:p>
+          <a:p>
+            <a:r>
+              <a:rPr lang="en-US" sz="1200" kern="1200" dirty="0">
+                <a:solidFill>
+                  <a:schemeClr val="tx1"/>
+                </a:solidFill>
+                <a:latin typeface="+mn-lt"/>
+                <a:ea typeface="+mn-ea"/>
+                <a:cs typeface="+mn-cs"/>
+              </a:rPr>
+              <a:t>from </a:t>
+            </a:r>
+            <a:r>
+              <a:rPr lang="en-US" sz="1200" kern="1200" dirty="0" err="1">
+                <a:solidFill>
+                  <a:schemeClr val="tx1"/>
+                </a:solidFill>
+                <a:latin typeface="+mn-lt"/>
+                <a:ea typeface="+mn-ea"/>
+                <a:cs typeface="+mn-cs"/>
+              </a:rPr>
+              <a:t>CorpDB.dbo.Customer</a:t>
+            </a:r>
+            <a:r>
+              <a:rPr lang="en-US" sz="1200" kern="1200" dirty="0">
+                <a:solidFill>
+                  <a:schemeClr val="tx1"/>
+                </a:solidFill>
+                <a:latin typeface="+mn-lt"/>
+                <a:ea typeface="+mn-ea"/>
+                <a:cs typeface="+mn-cs"/>
+              </a:rPr>
+              <a:t> c</a:t>
+            </a:r>
+          </a:p>
+          <a:p>
+            <a:r>
+              <a:rPr lang="en-US" sz="1200" kern="1200" dirty="0">
+                <a:solidFill>
+                  <a:schemeClr val="tx1"/>
+                </a:solidFill>
+                <a:latin typeface="+mn-lt"/>
+                <a:ea typeface="+mn-ea"/>
+                <a:cs typeface="+mn-cs"/>
+              </a:rPr>
+              <a:t>where not exists</a:t>
+            </a:r>
+          </a:p>
+          <a:p>
+            <a:r>
+              <a:rPr lang="en-US" sz="1200" kern="1200" dirty="0">
+                <a:solidFill>
+                  <a:schemeClr val="tx1"/>
+                </a:solidFill>
+                <a:latin typeface="+mn-lt"/>
+                <a:ea typeface="+mn-ea"/>
+                <a:cs typeface="+mn-cs"/>
+              </a:rPr>
+              <a:t>(</a:t>
+            </a:r>
+          </a:p>
+          <a:p>
+            <a:r>
+              <a:rPr lang="en-US" sz="1200" kern="1200" dirty="0">
+                <a:solidFill>
+                  <a:schemeClr val="tx1"/>
+                </a:solidFill>
+                <a:latin typeface="+mn-lt"/>
+                <a:ea typeface="+mn-ea"/>
+                <a:cs typeface="+mn-cs"/>
+              </a:rPr>
+              <a:t>select *</a:t>
+            </a:r>
+          </a:p>
+          <a:p>
+            <a:r>
+              <a:rPr lang="en-US" sz="1200" kern="1200" dirty="0">
+                <a:solidFill>
+                  <a:schemeClr val="tx1"/>
+                </a:solidFill>
+                <a:latin typeface="+mn-lt"/>
+                <a:ea typeface="+mn-ea"/>
+                <a:cs typeface="+mn-cs"/>
+              </a:rPr>
+              <a:t>from </a:t>
+            </a:r>
+            <a:r>
+              <a:rPr lang="en-US" sz="1200" kern="1200" dirty="0" err="1">
+                <a:solidFill>
+                  <a:schemeClr val="tx1"/>
+                </a:solidFill>
+                <a:latin typeface="+mn-lt"/>
+                <a:ea typeface="+mn-ea"/>
+                <a:cs typeface="+mn-cs"/>
+              </a:rPr>
+              <a:t>CorpDB.dbo.OrderHeader</a:t>
+            </a:r>
+            <a:r>
+              <a:rPr lang="en-US" sz="1200" kern="1200" dirty="0">
+                <a:solidFill>
+                  <a:schemeClr val="tx1"/>
+                </a:solidFill>
+                <a:latin typeface="+mn-lt"/>
+                <a:ea typeface="+mn-ea"/>
+                <a:cs typeface="+mn-cs"/>
+              </a:rPr>
+              <a:t> oh</a:t>
+            </a:r>
+          </a:p>
+          <a:p>
+            <a:r>
+              <a:rPr lang="en-US" sz="1200" kern="1200" dirty="0">
+                <a:solidFill>
+                  <a:schemeClr val="tx1"/>
+                </a:solidFill>
+                <a:latin typeface="+mn-lt"/>
+                <a:ea typeface="+mn-ea"/>
+                <a:cs typeface="+mn-cs"/>
+              </a:rPr>
+              <a:t>where </a:t>
+            </a:r>
+            <a:r>
+              <a:rPr lang="en-US" sz="1200" kern="1200" dirty="0" err="1">
+                <a:solidFill>
+                  <a:schemeClr val="tx1"/>
+                </a:solidFill>
+                <a:latin typeface="+mn-lt"/>
+                <a:ea typeface="+mn-ea"/>
+                <a:cs typeface="+mn-cs"/>
+              </a:rPr>
+              <a:t>oh.CustomerID</a:t>
+            </a:r>
+            <a:r>
+              <a:rPr lang="en-US" sz="1200" kern="1200" dirty="0">
+                <a:solidFill>
+                  <a:schemeClr val="tx1"/>
+                </a:solidFill>
+                <a:latin typeface="+mn-lt"/>
+                <a:ea typeface="+mn-ea"/>
+                <a:cs typeface="+mn-cs"/>
+              </a:rPr>
+              <a:t> = </a:t>
+            </a:r>
+            <a:r>
+              <a:rPr lang="en-US" sz="1200" kern="1200" dirty="0" err="1">
+                <a:solidFill>
+                  <a:schemeClr val="tx1"/>
+                </a:solidFill>
+                <a:latin typeface="+mn-lt"/>
+                <a:ea typeface="+mn-ea"/>
+                <a:cs typeface="+mn-cs"/>
+              </a:rPr>
+              <a:t>c.CustomerID</a:t>
+            </a:r>
+            <a:endParaRPr lang="en-US" sz="1200" kern="1200" dirty="0">
+              <a:solidFill>
+                <a:schemeClr val="tx1"/>
+              </a:solidFill>
+              <a:latin typeface="+mn-lt"/>
+              <a:ea typeface="+mn-ea"/>
+              <a:cs typeface="+mn-cs"/>
+            </a:endParaRPr>
+          </a:p>
+          <a:p>
+            <a:r>
+              <a:rPr lang="en-US" sz="1200" kern="1200" dirty="0">
+                <a:solidFill>
+                  <a:schemeClr val="tx1"/>
+                </a:solidFill>
+                <a:latin typeface="+mn-lt"/>
+                <a:ea typeface="+mn-ea"/>
+                <a:cs typeface="+mn-cs"/>
+              </a:rPr>
+              <a:t>);</a:t>
+            </a:r>
+          </a:p>
+          <a:p>
+            <a:endParaRPr lang="en-US" sz="1200" kern="1200" dirty="0">
+              <a:solidFill>
+                <a:schemeClr val="tx1"/>
+              </a:solidFill>
+              <a:latin typeface="+mn-lt"/>
+              <a:ea typeface="+mn-ea"/>
+              <a:cs typeface="+mn-cs"/>
+            </a:endParaRPr>
+          </a:p>
+          <a:p>
             <a:endParaRPr lang="en-US" dirty="0"/>
           </a:p>
         </p:txBody>
@@ -727,7 +1144,7 @@
     </p:spTree>
     <p:extLst>
       <p:ext uri="{BB962C8B-B14F-4D97-AF65-F5344CB8AC3E}">
-        <p14:creationId xmlns:p14="http://schemas.microsoft.com/office/powerpoint/2010/main" val="611840543"/>
+        <p14:creationId xmlns:p14="http://schemas.microsoft.com/office/powerpoint/2010/main" val="1452330123"/>
       </p:ext>
     </p:extLst>
   </p:cSld>
@@ -783,28 +1200,29 @@
           <a:p>
             <a:r>
               <a:rPr lang="en-US" dirty="0"/>
-              <a:t>Constant folding refers to pre-computing as much of an expression as possible, for example: 2 * pi() * radius</a:t>
+              <a:t>Merge join generally the best performing,</a:t>
             </a:r>
             <a:r>
               <a:rPr lang="en-US" baseline="0" dirty="0"/>
-              <a:t> =&gt; 6.28319 * radius</a:t>
-            </a:r>
-            <a:endParaRPr lang="en-US" dirty="0"/>
-          </a:p>
-          <a:p>
-            <a:r>
-              <a:rPr lang="en-US" dirty="0"/>
-              <a:t>As an</a:t>
-            </a:r>
+              <a:t> but requires sorted input on join columns.  Only valid for equijoins.</a:t>
+            </a:r>
+          </a:p>
+          <a:p>
+            <a:endParaRPr lang="en-US" baseline="0" dirty="0"/>
+          </a:p>
+          <a:p>
             <a:r>
               <a:rPr lang="en-US" baseline="0" dirty="0"/>
-              <a:t> example, data type resolution with the UNION operator will ensure that data types between the upper expression are compatible with the lower expression.</a:t>
-            </a:r>
+              <a:t>Nested loops best when inputs are of significantly different size.  Only join operator that works for joins using inequalities.</a:t>
+            </a:r>
+          </a:p>
+          <a:p>
+            <a:endParaRPr lang="en-US" baseline="0" dirty="0"/>
           </a:p>
           <a:p>
             <a:r>
               <a:rPr lang="en-US" baseline="0" dirty="0"/>
-              <a:t>Aggregate binding checks if invalid columns are referenced downstream of the GROUP BY logical processing step.</a:t>
+              <a:t>Hash join works well with large inputs without sorted input, but is only valid for equijoins.</a:t>
             </a:r>
             <a:endParaRPr lang="en-US" dirty="0"/>
           </a:p>
@@ -836,7 +1254,7 @@
     </p:spTree>
     <p:extLst>
       <p:ext uri="{BB962C8B-B14F-4D97-AF65-F5344CB8AC3E}">
-        <p14:creationId xmlns:p14="http://schemas.microsoft.com/office/powerpoint/2010/main" val="2197873287"/>
+        <p14:creationId xmlns:p14="http://schemas.microsoft.com/office/powerpoint/2010/main" val="611840543"/>
       </p:ext>
     </p:extLst>
   </p:cSld>
@@ -892,36 +1310,30 @@
           <a:p>
             <a:r>
               <a:rPr lang="en-US" dirty="0"/>
-              <a:t>A trivial plan is one which can only be executed</a:t>
+              <a:t>Constant folding refers to pre-computing as much of an expression as possible, for example: 2 * pi() * radius</a:t>
             </a:r>
             <a:r>
               <a:rPr lang="en-US" baseline="0" dirty="0"/>
-              <a:t> in one possible way.  A common example is select * from table, or select * from table where col = value (if there are no index on “col”).  The query can be relatively complex, but only contain one table.  Having a subquery or a an inequality predicate automatically make the query non-trivial.  Trivial plans can be avoided using TF8757.</a:t>
-            </a:r>
-          </a:p>
-          <a:p>
-            <a:endParaRPr lang="en-US" baseline="0" dirty="0"/>
-          </a:p>
-          <a:p>
+              <a:t> =&gt; 6.28319 * radius</a:t>
+            </a:r>
+            <a:endParaRPr lang="en-US" dirty="0"/>
+          </a:p>
+          <a:p>
+            <a:r>
+              <a:rPr lang="en-US" dirty="0"/>
+              <a:t>As an</a:t>
+            </a:r>
             <a:r>
               <a:rPr lang="en-US" baseline="0" dirty="0"/>
-              <a:t>The Optimization Level property on a query plan will be “Trivial” or “Full”</a:t>
-            </a:r>
-          </a:p>
-          <a:p>
-            <a:endParaRPr lang="en-US" baseline="0" dirty="0"/>
+              <a:t> example, data type resolution with the UNION operator will ensure that data types between the upper expression are compatible with the lower expression.</a:t>
+            </a:r>
           </a:p>
           <a:p>
             <a:r>
               <a:rPr lang="en-US" baseline="0" dirty="0"/>
-              <a:t>The concept of Statistics and Cardinality Estimation is a complex topic to itself.  It is important to note that the CE underwent a significant re-write starting in SQL Server 2014 which can lead to very different plans being selected.</a:t>
-            </a:r>
-          </a:p>
-          <a:p>
-            <a:endParaRPr lang="en-US" baseline="0" dirty="0"/>
-          </a:p>
-          <a:p>
-            <a:endParaRPr lang="en-US" baseline="0" dirty="0"/>
+              <a:t>Aggregate binding checks if invalid columns are referenced downstream of the GROUP BY logical processing step.</a:t>
+            </a:r>
+            <a:endParaRPr lang="en-US" dirty="0"/>
           </a:p>
         </p:txBody>
       </p:sp>
@@ -942,7 +1354,7 @@
           <a:p>
             <a:fld id="{ADDBA41D-AE03-4F1C-B074-B56312AFAE46}" type="slidenum">
               <a:rPr lang="en-US" smtClean="0"/>
-              <a:t>28</a:t>
+              <a:t>29</a:t>
             </a:fld>
             <a:endParaRPr lang="en-US"/>
           </a:p>
@@ -951,7 +1363,7 @@
     </p:spTree>
     <p:extLst>
       <p:ext uri="{BB962C8B-B14F-4D97-AF65-F5344CB8AC3E}">
-        <p14:creationId xmlns:p14="http://schemas.microsoft.com/office/powerpoint/2010/main" val="3612119290"/>
+        <p14:creationId xmlns:p14="http://schemas.microsoft.com/office/powerpoint/2010/main" val="2197873287"/>
       </p:ext>
     </p:extLst>
   </p:cSld>
@@ -1007,13 +1419,36 @@
           <a:p>
             <a:r>
               <a:rPr lang="en-US" dirty="0"/>
-              <a:t>Point out that in reality, there will be fewer than 25,920 plans because of logical</a:t>
+              <a:t>A trivial plan is one which can only be executed</a:t>
             </a:r>
             <a:r>
               <a:rPr lang="en-US" baseline="0" dirty="0"/>
-              <a:t> limitations.  For instance, if a join condition is not an equality, a merge join and hash join are not possible.</a:t>
-            </a:r>
-            <a:endParaRPr lang="en-US" dirty="0"/>
+              <a:t> in one possible way.  A common example is select * from table, or select * from table where col = value (if there are no index on “col”).  The query can be relatively complex, but only contain one table.  Having a subquery or a an inequality predicate automatically make the query non-trivial.  Trivial plans can be avoided using TF8757.</a:t>
+            </a:r>
+          </a:p>
+          <a:p>
+            <a:endParaRPr lang="en-US" baseline="0" dirty="0"/>
+          </a:p>
+          <a:p>
+            <a:r>
+              <a:rPr lang="en-US" baseline="0" dirty="0"/>
+              <a:t>The Optimization Level property on a query plan will be “Trivial” or “Full”</a:t>
+            </a:r>
+          </a:p>
+          <a:p>
+            <a:endParaRPr lang="en-US" baseline="0" dirty="0"/>
+          </a:p>
+          <a:p>
+            <a:r>
+              <a:rPr lang="en-US" baseline="0" dirty="0"/>
+              <a:t>The concept of Statistics and Cardinality Estimation is a complex topic to itself.  It is important to note that the CE underwent a significant re-write starting in SQL Server 2014 which can lead to very different plans being selected.</a:t>
+            </a:r>
+          </a:p>
+          <a:p>
+            <a:endParaRPr lang="en-US" baseline="0" dirty="0"/>
+          </a:p>
+          <a:p>
+            <a:endParaRPr lang="en-US" baseline="0" dirty="0"/>
           </a:p>
         </p:txBody>
       </p:sp>
@@ -1034,7 +1469,7 @@
           <a:p>
             <a:fld id="{ADDBA41D-AE03-4F1C-B074-B56312AFAE46}" type="slidenum">
               <a:rPr lang="en-US" smtClean="0"/>
-              <a:t>34</a:t>
+              <a:t>30</a:t>
             </a:fld>
             <a:endParaRPr lang="en-US"/>
           </a:p>
@@ -1043,7 +1478,7 @@
     </p:spTree>
     <p:extLst>
       <p:ext uri="{BB962C8B-B14F-4D97-AF65-F5344CB8AC3E}">
-        <p14:creationId xmlns:p14="http://schemas.microsoft.com/office/powerpoint/2010/main" val="1734029549"/>
+        <p14:creationId xmlns:p14="http://schemas.microsoft.com/office/powerpoint/2010/main" val="3612119290"/>
       </p:ext>
     </p:extLst>
   </p:cSld>
@@ -1097,6 +1532,14 @@
           <a:bodyPr/>
           <a:lstStyle/>
           <a:p>
+            <a:r>
+              <a:rPr lang="en-US" dirty="0"/>
+              <a:t>Point out that in reality, there will be fewer than 25,920 plans because of logical</a:t>
+            </a:r>
+            <a:r>
+              <a:rPr lang="en-US" baseline="0" dirty="0"/>
+              <a:t> limitations.  For instance, if a join condition is not an equality, a merge join and hash join are not possible.</a:t>
+            </a:r>
             <a:endParaRPr lang="en-US" dirty="0"/>
           </a:p>
         </p:txBody>
@@ -1127,7 +1570,7 @@
     </p:spTree>
     <p:extLst>
       <p:ext uri="{BB962C8B-B14F-4D97-AF65-F5344CB8AC3E}">
-        <p14:creationId xmlns:p14="http://schemas.microsoft.com/office/powerpoint/2010/main" val="1929112360"/>
+        <p14:creationId xmlns:p14="http://schemas.microsoft.com/office/powerpoint/2010/main" val="1734029549"/>
       </p:ext>
     </p:extLst>
   </p:cSld>
@@ -1181,14 +1624,6 @@
           <a:bodyPr/>
           <a:lstStyle/>
           <a:p>
-            <a:r>
-              <a:rPr lang="en-US" dirty="0"/>
-              <a:t>Gain will have a value from 0 to 1, where 0 means no improvement,</a:t>
-            </a:r>
-            <a:r>
-              <a:rPr lang="en-US" baseline="0" dirty="0"/>
-              <a:t> and values approaching 1 indicate significant improvement.</a:t>
-            </a:r>
             <a:endParaRPr lang="en-US" dirty="0"/>
           </a:p>
         </p:txBody>
@@ -1219,7 +1654,7 @@
     </p:spTree>
     <p:extLst>
       <p:ext uri="{BB962C8B-B14F-4D97-AF65-F5344CB8AC3E}">
-        <p14:creationId xmlns:p14="http://schemas.microsoft.com/office/powerpoint/2010/main" val="194171185"/>
+        <p14:creationId xmlns:p14="http://schemas.microsoft.com/office/powerpoint/2010/main" val="1929112360"/>
       </p:ext>
     </p:extLst>
   </p:cSld>
@@ -1275,11 +1710,11 @@
           <a:p>
             <a:r>
               <a:rPr lang="en-US" dirty="0"/>
-              <a:t>Show</a:t>
+              <a:t>Gain will have a value from 0 to 1, where 0 means no improvement,</a:t>
             </a:r>
             <a:r>
               <a:rPr lang="en-US" baseline="0" dirty="0"/>
-              <a:t> BOL for this DMV, then show 2005 version of BOL.</a:t>
+              <a:t> and values approaching 1 indicate significant improvement.</a:t>
             </a:r>
             <a:endParaRPr lang="en-US" dirty="0"/>
           </a:p>
@@ -1302,7 +1737,7 @@
           <a:p>
             <a:fld id="{ADDBA41D-AE03-4F1C-B074-B56312AFAE46}" type="slidenum">
               <a:rPr lang="en-US" smtClean="0"/>
-              <a:t>39</a:t>
+              <a:t>40</a:t>
             </a:fld>
             <a:endParaRPr lang="en-US"/>
           </a:p>
@@ -1311,7 +1746,7 @@
     </p:spTree>
     <p:extLst>
       <p:ext uri="{BB962C8B-B14F-4D97-AF65-F5344CB8AC3E}">
-        <p14:creationId xmlns:p14="http://schemas.microsoft.com/office/powerpoint/2010/main" val="584843494"/>
+        <p14:creationId xmlns:p14="http://schemas.microsoft.com/office/powerpoint/2010/main" val="194171185"/>
       </p:ext>
     </p:extLst>
   </p:cSld>
@@ -1367,47 +1802,11 @@
           <a:p>
             <a:r>
               <a:rPr lang="en-US" dirty="0"/>
-              <a:t>Where the simplification rules really come into play is</a:t>
+              <a:t>Show</a:t>
             </a:r>
             <a:r>
               <a:rPr lang="en-US" baseline="0" dirty="0"/>
-              <a:t> with queries that are generated by tools such as Entity Framework.</a:t>
-            </a:r>
-          </a:p>
-          <a:p>
-            <a:r>
-              <a:rPr lang="en-US" baseline="0" dirty="0"/>
-              <a:t>Other examples of simplification are</a:t>
-            </a:r>
-          </a:p>
-          <a:p>
-            <a:pPr marL="171450" indent="-171450">
-              <a:buFont typeface="Arial" panose="020B0604020202020204" pitchFamily="34" charset="0"/>
-              <a:buChar char="•"/>
-            </a:pPr>
-            <a:r>
-              <a:rPr lang="en-US" baseline="0" dirty="0"/>
-              <a:t>Select collapse (remove redundancies from WHERE clause)</a:t>
-            </a:r>
-          </a:p>
-          <a:p>
-            <a:pPr marL="171450" indent="-171450">
-              <a:buFont typeface="Arial" panose="020B0604020202020204" pitchFamily="34" charset="0"/>
-              <a:buChar char="•"/>
-            </a:pPr>
-            <a:r>
-              <a:rPr lang="en-US" baseline="0" dirty="0"/>
-              <a:t>Range simplification (multiple range predicates that can be collapsed into a single range or value)</a:t>
-            </a:r>
-          </a:p>
-          <a:p>
-            <a:pPr marL="171450" indent="-171450">
-              <a:buFont typeface="Arial" panose="020B0604020202020204" pitchFamily="34" charset="0"/>
-              <a:buChar char="•"/>
-            </a:pPr>
-            <a:r>
-              <a:rPr lang="en-US" baseline="0" dirty="0"/>
-              <a:t>Computed column matching</a:t>
+              <a:t> BOL for this DMV, then show 2005 version of BOL.</a:t>
             </a:r>
             <a:endParaRPr lang="en-US" dirty="0"/>
           </a:p>
@@ -1439,7 +1838,7 @@
     </p:spTree>
     <p:extLst>
       <p:ext uri="{BB962C8B-B14F-4D97-AF65-F5344CB8AC3E}">
-        <p14:creationId xmlns:p14="http://schemas.microsoft.com/office/powerpoint/2010/main" val="2879536405"/>
+        <p14:creationId xmlns:p14="http://schemas.microsoft.com/office/powerpoint/2010/main" val="584843494"/>
       </p:ext>
     </p:extLst>
   </p:cSld>
@@ -1495,36 +1894,47 @@
           <a:p>
             <a:r>
               <a:rPr lang="en-US" dirty="0"/>
-              <a:t>Unlike </a:t>
-            </a:r>
-            <a:r>
-              <a:rPr lang="en-US" dirty="0" err="1"/>
-              <a:t>sys.dm_exec_query_optimizer_info</a:t>
-            </a:r>
-            <a:r>
-              <a:rPr lang="en-US" dirty="0"/>
-              <a:t>,</a:t>
+              <a:t>Where the simplification rules really come into play is</a:t>
             </a:r>
             <a:r>
               <a:rPr lang="en-US" baseline="0" dirty="0"/>
-              <a:t> this one is completely undocumented.</a:t>
-            </a:r>
-          </a:p>
-          <a:p>
-            <a:endParaRPr lang="en-US" baseline="0" dirty="0"/>
+              <a:t> with queries that are generated by tools such as Entity Framework.</a:t>
+            </a:r>
           </a:p>
           <a:p>
             <a:r>
               <a:rPr lang="en-US" baseline="0" dirty="0"/>
-              <a:t>“Promise” values are, presumably, </a:t>
-            </a:r>
-            <a:r>
-              <a:rPr lang="en-US" baseline="0" dirty="0" err="1"/>
-              <a:t>unitless</a:t>
-            </a:r>
+              <a:t>Other examples of simplification are</a:t>
+            </a:r>
+          </a:p>
+          <a:p>
+            <a:pPr marL="171450" indent="-171450">
+              <a:buFont typeface="Arial" panose="020B0604020202020204" pitchFamily="34" charset="0"/>
+              <a:buChar char="•"/>
+            </a:pPr>
             <a:r>
               <a:rPr lang="en-US" baseline="0" dirty="0"/>
-              <a:t>.</a:t>
+              <a:t>Select collapse (remove redundancies from WHERE clause)</a:t>
+            </a:r>
+          </a:p>
+          <a:p>
+            <a:pPr marL="171450" indent="-171450">
+              <a:buFont typeface="Arial" panose="020B0604020202020204" pitchFamily="34" charset="0"/>
+              <a:buChar char="•"/>
+            </a:pPr>
+            <a:r>
+              <a:rPr lang="en-US" baseline="0" dirty="0"/>
+              <a:t>Range simplification (multiple range predicates that can be collapsed into a single range or value)</a:t>
+            </a:r>
+          </a:p>
+          <a:p>
+            <a:pPr marL="171450" indent="-171450">
+              <a:buFont typeface="Arial" panose="020B0604020202020204" pitchFamily="34" charset="0"/>
+              <a:buChar char="•"/>
+            </a:pPr>
+            <a:r>
+              <a:rPr lang="en-US" baseline="0" dirty="0"/>
+              <a:t>Computed column matching</a:t>
             </a:r>
             <a:endParaRPr lang="en-US" dirty="0"/>
           </a:p>
@@ -1547,7 +1957,7 @@
           <a:p>
             <a:fld id="{ADDBA41D-AE03-4F1C-B074-B56312AFAE46}" type="slidenum">
               <a:rPr lang="en-US" smtClean="0"/>
-              <a:t>45</a:t>
+              <a:t>43</a:t>
             </a:fld>
             <a:endParaRPr lang="en-US"/>
           </a:p>
@@ -1556,7 +1966,7 @@
     </p:spTree>
     <p:extLst>
       <p:ext uri="{BB962C8B-B14F-4D97-AF65-F5344CB8AC3E}">
-        <p14:creationId xmlns:p14="http://schemas.microsoft.com/office/powerpoint/2010/main" val="2312008963"/>
+        <p14:creationId xmlns:p14="http://schemas.microsoft.com/office/powerpoint/2010/main" val="2879536405"/>
       </p:ext>
     </p:extLst>
   </p:cSld>
@@ -1612,11 +2022,19 @@
           <a:p>
             <a:r>
               <a:rPr lang="en-US" dirty="0"/>
-              <a:t>Supposedly at one time there was a developer at Microsoft</a:t>
+              <a:t>Unlike </a:t>
+            </a:r>
+            <a:r>
+              <a:rPr lang="en-US" dirty="0" err="1"/>
+              <a:t>sys.dm_exec_query_optimizer_info</a:t>
+            </a:r>
+            <a:r>
+              <a:rPr lang="en-US" dirty="0"/>
+              <a:t>,</a:t>
             </a:r>
             <a:r>
               <a:rPr lang="en-US" baseline="0" dirty="0"/>
-              <a:t> by the name of Nick who based the cost units on his development PC.  Now completely meaningless except (perhaps) to compare queries.  Not really.  May not even be valid comparison within a query.</a:t>
+              <a:t> this one is completely undocumented.</a:t>
             </a:r>
           </a:p>
           <a:p>
@@ -1625,7 +2043,15 @@
           <a:p>
             <a:r>
               <a:rPr lang="en-US" baseline="0" dirty="0"/>
-              <a:t>Costing doesn’t account for modern hardware.  (Story about DR exercise in Iowa City).  Is the I/O subsystem a USB 1.1 drive or a PCI solid state card?</a:t>
+              <a:t>“Promise” values are, presumably, </a:t>
+            </a:r>
+            <a:r>
+              <a:rPr lang="en-US" baseline="0" dirty="0" err="1"/>
+              <a:t>unitless</a:t>
+            </a:r>
+            <a:r>
+              <a:rPr lang="en-US" baseline="0" dirty="0"/>
+              <a:t>.</a:t>
             </a:r>
             <a:endParaRPr lang="en-US" dirty="0"/>
           </a:p>
@@ -1648,7 +2074,7 @@
           <a:p>
             <a:fld id="{ADDBA41D-AE03-4F1C-B074-B56312AFAE46}" type="slidenum">
               <a:rPr lang="en-US" smtClean="0"/>
-              <a:t>46</a:t>
+              <a:t>47</a:t>
             </a:fld>
             <a:endParaRPr lang="en-US"/>
           </a:p>
@@ -1657,7 +2083,7 @@
     </p:spTree>
     <p:extLst>
       <p:ext uri="{BB962C8B-B14F-4D97-AF65-F5344CB8AC3E}">
-        <p14:creationId xmlns:p14="http://schemas.microsoft.com/office/powerpoint/2010/main" val="962921486"/>
+        <p14:creationId xmlns:p14="http://schemas.microsoft.com/office/powerpoint/2010/main" val="2312008963"/>
       </p:ext>
     </p:extLst>
   </p:cSld>
@@ -1805,11 +2231,11 @@
           <a:p>
             <a:r>
               <a:rPr lang="en-US" dirty="0"/>
-              <a:t>After</a:t>
+              <a:t>Supposedly at one time there was a developer at Microsoft</a:t>
             </a:r>
             <a:r>
               <a:rPr lang="en-US" baseline="0" dirty="0"/>
-              <a:t> this slide, type in a demo!</a:t>
+              <a:t> by the name of Nick who based the cost units on his development PC.  Now completely meaningless except (perhaps) to compare queries.  Not really.  May not even be valid comparison within a query.</a:t>
             </a:r>
           </a:p>
           <a:p>
@@ -1818,7 +2244,7 @@
           <a:p>
             <a:r>
               <a:rPr lang="en-US" baseline="0" dirty="0"/>
-              <a:t>Then run through Parse Trees demo script.</a:t>
+              <a:t>Costing doesn’t account for modern hardware.  (Story about DR exercise in Iowa City).  Is the I/O subsystem a USB 1.1 drive or a PCI solid state card?</a:t>
             </a:r>
             <a:endParaRPr lang="en-US" dirty="0"/>
           </a:p>
@@ -1850,7 +2276,7 @@
     </p:spTree>
     <p:extLst>
       <p:ext uri="{BB962C8B-B14F-4D97-AF65-F5344CB8AC3E}">
-        <p14:creationId xmlns:p14="http://schemas.microsoft.com/office/powerpoint/2010/main" val="2482227221"/>
+        <p14:creationId xmlns:p14="http://schemas.microsoft.com/office/powerpoint/2010/main" val="962921486"/>
       </p:ext>
     </p:extLst>
   </p:cSld>
@@ -1906,29 +2332,21 @@
           <a:p>
             <a:r>
               <a:rPr lang="en-US" dirty="0"/>
-              <a:t>One copy of the memo structure is created for each optimization and is then destroyed when optimization is completed.</a:t>
-            </a:r>
-          </a:p>
-          <a:p>
-            <a:r>
-              <a:rPr lang="en-US" dirty="0"/>
-              <a:t>Alternatives can be either</a:t>
+              <a:t>After</a:t>
             </a:r>
             <a:r>
               <a:rPr lang="en-US" baseline="0" dirty="0"/>
-              <a:t> logical or physical.</a:t>
-            </a:r>
+              <a:t> this slide, type in a demo!</a:t>
+            </a:r>
+          </a:p>
+          <a:p>
+            <a:endParaRPr lang="en-US" baseline="0" dirty="0"/>
           </a:p>
           <a:p>
             <a:r>
               <a:rPr lang="en-US" baseline="0" dirty="0"/>
-              <a:t>New groups can be created as options are explored.</a:t>
-            </a:r>
-          </a:p>
-          <a:p>
-            <a:endParaRPr lang="en-US" baseline="0" dirty="0"/>
-          </a:p>
-          <a:p>
+              <a:t>Then run through Parse Trees demo script.</a:t>
+            </a:r>
             <a:endParaRPr lang="en-US" dirty="0"/>
           </a:p>
         </p:txBody>
@@ -1950,7 +2368,7 @@
           <a:p>
             <a:fld id="{ADDBA41D-AE03-4F1C-B074-B56312AFAE46}" type="slidenum">
               <a:rPr lang="en-US" smtClean="0"/>
-              <a:t>49</a:t>
+              <a:t>50</a:t>
             </a:fld>
             <a:endParaRPr lang="en-US"/>
           </a:p>
@@ -1959,7 +2377,7 @@
     </p:spTree>
     <p:extLst>
       <p:ext uri="{BB962C8B-B14F-4D97-AF65-F5344CB8AC3E}">
-        <p14:creationId xmlns:p14="http://schemas.microsoft.com/office/powerpoint/2010/main" val="4096931798"/>
+        <p14:creationId xmlns:p14="http://schemas.microsoft.com/office/powerpoint/2010/main" val="506269797"/>
       </p:ext>
     </p:extLst>
   </p:cSld>
@@ -2015,18 +2433,29 @@
           <a:p>
             <a:r>
               <a:rPr lang="en-US" dirty="0"/>
-              <a:t>Now we can imagine additional</a:t>
+              <a:t>One copy of the memo structure is created for each optimization and is then destroyed when optimization is completed.</a:t>
+            </a:r>
+          </a:p>
+          <a:p>
+            <a:r>
+              <a:rPr lang="en-US" dirty="0"/>
+              <a:t>Alternatives can be either</a:t>
             </a:r>
             <a:r>
               <a:rPr lang="en-US" baseline="0" dirty="0"/>
-              <a:t> options that implement physical rules.  For instance, Group 2 might explore a nested loops join on either 0.0 and 1.0 or on 1.0 and 2.0.</a:t>
+              <a:t> logical or physical.</a:t>
             </a:r>
           </a:p>
           <a:p>
             <a:r>
               <a:rPr lang="en-US" baseline="0" dirty="0"/>
-              <a:t>We can envision this as a multi-dimensional tree of parent-child relationships between options.</a:t>
-            </a:r>
+              <a:t>New groups can be created as options are explored.</a:t>
+            </a:r>
+          </a:p>
+          <a:p>
+            <a:endParaRPr lang="en-US" baseline="0" dirty="0"/>
+          </a:p>
+          <a:p>
             <a:endParaRPr lang="en-US" dirty="0"/>
           </a:p>
         </p:txBody>
@@ -2048,7 +2477,105 @@
           <a:p>
             <a:fld id="{ADDBA41D-AE03-4F1C-B074-B56312AFAE46}" type="slidenum">
               <a:rPr lang="en-US" smtClean="0"/>
-              <a:t>52</a:t>
+              <a:t>51</a:t>
+            </a:fld>
+            <a:endParaRPr lang="en-US"/>
+          </a:p>
+        </p:txBody>
+      </p:sp>
+    </p:spTree>
+    <p:extLst>
+      <p:ext uri="{BB962C8B-B14F-4D97-AF65-F5344CB8AC3E}">
+        <p14:creationId xmlns:p14="http://schemas.microsoft.com/office/powerpoint/2010/main" val="4096931798"/>
+      </p:ext>
+    </p:extLst>
+  </p:cSld>
+  <p:clrMapOvr>
+    <a:masterClrMapping/>
+  </p:clrMapOvr>
+</p:notes>
+</file>
+
+<file path=ppt/notesSlides/notesSlide23.xml><?xml version="1.0" encoding="utf-8"?>
+<p:notes xmlns:a="http://schemas.openxmlformats.org/drawingml/2006/main" xmlns:r="http://schemas.openxmlformats.org/officeDocument/2006/relationships" xmlns:p="http://schemas.openxmlformats.org/presentationml/2006/main">
+  <p:cSld>
+    <p:spTree>
+      <p:nvGrpSpPr>
+        <p:cNvPr id="1" name=""/>
+        <p:cNvGrpSpPr/>
+        <p:nvPr/>
+      </p:nvGrpSpPr>
+      <p:grpSpPr>
+        <a:xfrm>
+          <a:off x="0" y="0"/>
+          <a:ext cx="0" cy="0"/>
+          <a:chOff x="0" y="0"/>
+          <a:chExt cx="0" cy="0"/>
+        </a:xfrm>
+      </p:grpSpPr>
+      <p:sp>
+        <p:nvSpPr>
+          <p:cNvPr id="2" name="Slide Image Placeholder 1"/>
+          <p:cNvSpPr>
+            <a:spLocks noGrp="1" noRot="1" noChangeAspect="1"/>
+          </p:cNvSpPr>
+          <p:nvPr>
+            <p:ph type="sldImg"/>
+          </p:nvPr>
+        </p:nvSpPr>
+        <p:spPr/>
+      </p:sp>
+      <p:sp>
+        <p:nvSpPr>
+          <p:cNvPr id="3" name="Notes Placeholder 2"/>
+          <p:cNvSpPr>
+            <a:spLocks noGrp="1"/>
+          </p:cNvSpPr>
+          <p:nvPr>
+            <p:ph type="body" idx="1"/>
+          </p:nvPr>
+        </p:nvSpPr>
+        <p:spPr/>
+        <p:txBody>
+          <a:bodyPr/>
+          <a:lstStyle/>
+          <a:p>
+            <a:r>
+              <a:rPr lang="en-US" dirty="0"/>
+              <a:t>Now we can imagine additional</a:t>
+            </a:r>
+            <a:r>
+              <a:rPr lang="en-US" baseline="0" dirty="0"/>
+              <a:t> options that implement physical rules.  For instance, Group 2 might explore a nested loops join on either 0.0 and 1.0 or on 1.0 and 2.0.</a:t>
+            </a:r>
+          </a:p>
+          <a:p>
+            <a:r>
+              <a:rPr lang="en-US" baseline="0" dirty="0"/>
+              <a:t>We can envision this as a multi-dimensional tree of parent-child relationships between options.</a:t>
+            </a:r>
+            <a:endParaRPr lang="en-US" dirty="0"/>
+          </a:p>
+        </p:txBody>
+      </p:sp>
+      <p:sp>
+        <p:nvSpPr>
+          <p:cNvPr id="4" name="Slide Number Placeholder 3"/>
+          <p:cNvSpPr>
+            <a:spLocks noGrp="1"/>
+          </p:cNvSpPr>
+          <p:nvPr>
+            <p:ph type="sldNum" sz="quarter" idx="10"/>
+          </p:nvPr>
+        </p:nvSpPr>
+        <p:spPr/>
+        <p:txBody>
+          <a:bodyPr/>
+          <a:lstStyle/>
+          <a:p>
+            <a:fld id="{ADDBA41D-AE03-4F1C-B074-B56312AFAE46}" type="slidenum">
+              <a:rPr lang="en-US" smtClean="0"/>
+              <a:t>54</a:t>
             </a:fld>
             <a:endParaRPr lang="en-US"/>
           </a:p>
@@ -2647,445 +3174,21 @@
           <a:p>
             <a:r>
               <a:rPr lang="en-US" dirty="0"/>
-              <a:t>Based</a:t>
+              <a:t>After</a:t>
             </a:r>
             <a:r>
               <a:rPr lang="en-US" baseline="0" dirty="0"/>
-              <a:t> on the mathematics of relational algebra.</a:t>
-            </a:r>
-            <a:endParaRPr lang="en-US" dirty="0"/>
-          </a:p>
-          <a:p>
-            <a:r>
-              <a:rPr lang="en-US" dirty="0"/>
-              <a:t>Example of a semi join:</a:t>
-            </a:r>
-          </a:p>
-          <a:p>
-            <a:r>
-              <a:rPr lang="en-US" sz="1200" kern="1200" dirty="0">
-                <a:solidFill>
-                  <a:schemeClr val="tx1"/>
-                </a:solidFill>
-                <a:latin typeface="+mn-lt"/>
-                <a:ea typeface="+mn-ea"/>
-                <a:cs typeface="+mn-cs"/>
-              </a:rPr>
-              <a:t>-- Find customers who have orders.</a:t>
-            </a:r>
-          </a:p>
-          <a:p>
-            <a:r>
-              <a:rPr lang="en-US" sz="1200" kern="1200" dirty="0">
-                <a:solidFill>
-                  <a:schemeClr val="tx1"/>
-                </a:solidFill>
-                <a:latin typeface="+mn-lt"/>
-                <a:ea typeface="+mn-ea"/>
-                <a:cs typeface="+mn-cs"/>
-              </a:rPr>
-              <a:t>select *</a:t>
-            </a:r>
-          </a:p>
-          <a:p>
-            <a:r>
-              <a:rPr lang="en-US" sz="1200" kern="1200" dirty="0">
-                <a:solidFill>
-                  <a:schemeClr val="tx1"/>
-                </a:solidFill>
-                <a:latin typeface="+mn-lt"/>
-                <a:ea typeface="+mn-ea"/>
-                <a:cs typeface="+mn-cs"/>
-              </a:rPr>
-              <a:t>from </a:t>
-            </a:r>
-            <a:r>
-              <a:rPr lang="en-US" sz="1200" kern="1200" dirty="0" err="1">
-                <a:solidFill>
-                  <a:schemeClr val="tx1"/>
-                </a:solidFill>
-                <a:latin typeface="+mn-lt"/>
-                <a:ea typeface="+mn-ea"/>
-                <a:cs typeface="+mn-cs"/>
-              </a:rPr>
-              <a:t>CorpDB.dbo.Customer</a:t>
-            </a:r>
-            <a:r>
-              <a:rPr lang="en-US" sz="1200" kern="1200" dirty="0">
-                <a:solidFill>
-                  <a:schemeClr val="tx1"/>
-                </a:solidFill>
-                <a:latin typeface="+mn-lt"/>
-                <a:ea typeface="+mn-ea"/>
-                <a:cs typeface="+mn-cs"/>
-              </a:rPr>
-              <a:t> c</a:t>
-            </a:r>
-          </a:p>
-          <a:p>
-            <a:r>
-              <a:rPr lang="en-US" sz="1200" kern="1200" dirty="0">
-                <a:solidFill>
-                  <a:schemeClr val="tx1"/>
-                </a:solidFill>
-                <a:latin typeface="+mn-lt"/>
-                <a:ea typeface="+mn-ea"/>
-                <a:cs typeface="+mn-cs"/>
-              </a:rPr>
-              <a:t>where exists</a:t>
-            </a:r>
-          </a:p>
-          <a:p>
-            <a:r>
-              <a:rPr lang="en-US" sz="1200" kern="1200" dirty="0">
-                <a:solidFill>
-                  <a:schemeClr val="tx1"/>
-                </a:solidFill>
-                <a:latin typeface="+mn-lt"/>
-                <a:ea typeface="+mn-ea"/>
-                <a:cs typeface="+mn-cs"/>
-              </a:rPr>
-              <a:t>(</a:t>
-            </a:r>
-          </a:p>
-          <a:p>
-            <a:r>
-              <a:rPr lang="en-US" sz="1200" kern="1200" dirty="0">
-                <a:solidFill>
-                  <a:schemeClr val="tx1"/>
-                </a:solidFill>
-                <a:latin typeface="+mn-lt"/>
-                <a:ea typeface="+mn-ea"/>
-                <a:cs typeface="+mn-cs"/>
-              </a:rPr>
-              <a:t>select *</a:t>
-            </a:r>
-          </a:p>
-          <a:p>
-            <a:r>
-              <a:rPr lang="en-US" sz="1200" kern="1200" dirty="0">
-                <a:solidFill>
-                  <a:schemeClr val="tx1"/>
-                </a:solidFill>
-                <a:latin typeface="+mn-lt"/>
-                <a:ea typeface="+mn-ea"/>
-                <a:cs typeface="+mn-cs"/>
-              </a:rPr>
-              <a:t>from </a:t>
-            </a:r>
-            <a:r>
-              <a:rPr lang="en-US" sz="1200" kern="1200" dirty="0" err="1">
-                <a:solidFill>
-                  <a:schemeClr val="tx1"/>
-                </a:solidFill>
-                <a:latin typeface="+mn-lt"/>
-                <a:ea typeface="+mn-ea"/>
-                <a:cs typeface="+mn-cs"/>
-              </a:rPr>
-              <a:t>CorpDB.dbo.OrderHeader</a:t>
-            </a:r>
-            <a:r>
-              <a:rPr lang="en-US" sz="1200" kern="1200" dirty="0">
-                <a:solidFill>
-                  <a:schemeClr val="tx1"/>
-                </a:solidFill>
-                <a:latin typeface="+mn-lt"/>
-                <a:ea typeface="+mn-ea"/>
-                <a:cs typeface="+mn-cs"/>
-              </a:rPr>
-              <a:t> oh</a:t>
-            </a:r>
-          </a:p>
-          <a:p>
-            <a:r>
-              <a:rPr lang="en-US" sz="1200" kern="1200" dirty="0">
-                <a:solidFill>
-                  <a:schemeClr val="tx1"/>
-                </a:solidFill>
-                <a:latin typeface="+mn-lt"/>
-                <a:ea typeface="+mn-ea"/>
-                <a:cs typeface="+mn-cs"/>
-              </a:rPr>
-              <a:t>where </a:t>
-            </a:r>
-            <a:r>
-              <a:rPr lang="en-US" sz="1200" kern="1200" dirty="0" err="1">
-                <a:solidFill>
-                  <a:schemeClr val="tx1"/>
-                </a:solidFill>
-                <a:latin typeface="+mn-lt"/>
-                <a:ea typeface="+mn-ea"/>
-                <a:cs typeface="+mn-cs"/>
-              </a:rPr>
-              <a:t>oh.CustomerID</a:t>
-            </a:r>
-            <a:r>
-              <a:rPr lang="en-US" sz="1200" kern="1200" dirty="0">
-                <a:solidFill>
-                  <a:schemeClr val="tx1"/>
-                </a:solidFill>
-                <a:latin typeface="+mn-lt"/>
-                <a:ea typeface="+mn-ea"/>
-                <a:cs typeface="+mn-cs"/>
-              </a:rPr>
-              <a:t> = </a:t>
-            </a:r>
-            <a:r>
-              <a:rPr lang="en-US" sz="1200" kern="1200" dirty="0" err="1">
-                <a:solidFill>
-                  <a:schemeClr val="tx1"/>
-                </a:solidFill>
-                <a:latin typeface="+mn-lt"/>
-                <a:ea typeface="+mn-ea"/>
-                <a:cs typeface="+mn-cs"/>
-              </a:rPr>
-              <a:t>c.CustomerID</a:t>
-            </a:r>
-            <a:endParaRPr lang="en-US" sz="1200" kern="1200" dirty="0">
-              <a:solidFill>
-                <a:schemeClr val="tx1"/>
-              </a:solidFill>
-              <a:latin typeface="+mn-lt"/>
-              <a:ea typeface="+mn-ea"/>
-              <a:cs typeface="+mn-cs"/>
-            </a:endParaRPr>
-          </a:p>
-          <a:p>
-            <a:r>
-              <a:rPr lang="en-US" sz="1200" kern="1200" dirty="0">
-                <a:solidFill>
-                  <a:schemeClr val="tx1"/>
-                </a:solidFill>
-                <a:latin typeface="+mn-lt"/>
-                <a:ea typeface="+mn-ea"/>
-                <a:cs typeface="+mn-cs"/>
-              </a:rPr>
-              <a:t>);</a:t>
-            </a:r>
-          </a:p>
-          <a:p>
-            <a:endParaRPr lang="en-US" sz="1200" kern="1200" dirty="0">
-              <a:solidFill>
-                <a:schemeClr val="tx1"/>
-              </a:solidFill>
-              <a:latin typeface="+mn-lt"/>
-              <a:ea typeface="+mn-ea"/>
-              <a:cs typeface="+mn-cs"/>
-            </a:endParaRPr>
-          </a:p>
-          <a:p>
-            <a:r>
-              <a:rPr lang="en-US" dirty="0"/>
-              <a:t>Example of an anti-semi</a:t>
-            </a:r>
+              <a:t> this slide, type in a demo!</a:t>
+            </a:r>
+          </a:p>
+          <a:p>
+            <a:endParaRPr lang="en-US" baseline="0" dirty="0"/>
+          </a:p>
+          <a:p>
             <a:r>
               <a:rPr lang="en-US" baseline="0" dirty="0"/>
-              <a:t> join:</a:t>
-            </a:r>
-          </a:p>
-          <a:p>
-            <a:endParaRPr lang="en-US" baseline="0" dirty="0"/>
-          </a:p>
-          <a:p>
-            <a:r>
-              <a:rPr lang="en-US" sz="1200" kern="1200" dirty="0">
-                <a:solidFill>
-                  <a:schemeClr val="tx1"/>
-                </a:solidFill>
-                <a:latin typeface="+mn-lt"/>
-                <a:ea typeface="+mn-ea"/>
-                <a:cs typeface="+mn-cs"/>
-              </a:rPr>
-              <a:t>select *</a:t>
-            </a:r>
-          </a:p>
-          <a:p>
-            <a:r>
-              <a:rPr lang="en-US" sz="1200" kern="1200" dirty="0">
-                <a:solidFill>
-                  <a:schemeClr val="tx1"/>
-                </a:solidFill>
-                <a:latin typeface="+mn-lt"/>
-                <a:ea typeface="+mn-ea"/>
-                <a:cs typeface="+mn-cs"/>
-              </a:rPr>
-              <a:t>from </a:t>
-            </a:r>
-            <a:r>
-              <a:rPr lang="en-US" sz="1200" kern="1200" dirty="0" err="1">
-                <a:solidFill>
-                  <a:schemeClr val="tx1"/>
-                </a:solidFill>
-                <a:latin typeface="+mn-lt"/>
-                <a:ea typeface="+mn-ea"/>
-                <a:cs typeface="+mn-cs"/>
-              </a:rPr>
-              <a:t>CorpDB.dbo.Customer</a:t>
-            </a:r>
-            <a:r>
-              <a:rPr lang="en-US" sz="1200" kern="1200" dirty="0">
-                <a:solidFill>
-                  <a:schemeClr val="tx1"/>
-                </a:solidFill>
-                <a:latin typeface="+mn-lt"/>
-                <a:ea typeface="+mn-ea"/>
-                <a:cs typeface="+mn-cs"/>
-              </a:rPr>
-              <a:t> c</a:t>
-            </a:r>
-          </a:p>
-          <a:p>
-            <a:r>
-              <a:rPr lang="en-US" sz="1200" kern="1200" dirty="0">
-                <a:solidFill>
-                  <a:schemeClr val="tx1"/>
-                </a:solidFill>
-                <a:latin typeface="+mn-lt"/>
-                <a:ea typeface="+mn-ea"/>
-                <a:cs typeface="+mn-cs"/>
-              </a:rPr>
-              <a:t>where not exists</a:t>
-            </a:r>
-          </a:p>
-          <a:p>
-            <a:r>
-              <a:rPr lang="en-US" sz="1200" kern="1200" dirty="0">
-                <a:solidFill>
-                  <a:schemeClr val="tx1"/>
-                </a:solidFill>
-                <a:latin typeface="+mn-lt"/>
-                <a:ea typeface="+mn-ea"/>
-                <a:cs typeface="+mn-cs"/>
-              </a:rPr>
-              <a:t>(</a:t>
-            </a:r>
-          </a:p>
-          <a:p>
-            <a:r>
-              <a:rPr lang="en-US" sz="1200" kern="1200" dirty="0">
-                <a:solidFill>
-                  <a:schemeClr val="tx1"/>
-                </a:solidFill>
-                <a:latin typeface="+mn-lt"/>
-                <a:ea typeface="+mn-ea"/>
-                <a:cs typeface="+mn-cs"/>
-              </a:rPr>
-              <a:t>select *</a:t>
-            </a:r>
-          </a:p>
-          <a:p>
-            <a:r>
-              <a:rPr lang="en-US" sz="1200" kern="1200" dirty="0">
-                <a:solidFill>
-                  <a:schemeClr val="tx1"/>
-                </a:solidFill>
-                <a:latin typeface="+mn-lt"/>
-                <a:ea typeface="+mn-ea"/>
-                <a:cs typeface="+mn-cs"/>
-              </a:rPr>
-              <a:t>from </a:t>
-            </a:r>
-            <a:r>
-              <a:rPr lang="en-US" sz="1200" kern="1200" dirty="0" err="1">
-                <a:solidFill>
-                  <a:schemeClr val="tx1"/>
-                </a:solidFill>
-                <a:latin typeface="+mn-lt"/>
-                <a:ea typeface="+mn-ea"/>
-                <a:cs typeface="+mn-cs"/>
-              </a:rPr>
-              <a:t>CorpDB.dbo.OrderHeader</a:t>
-            </a:r>
-            <a:r>
-              <a:rPr lang="en-US" sz="1200" kern="1200" dirty="0">
-                <a:solidFill>
-                  <a:schemeClr val="tx1"/>
-                </a:solidFill>
-                <a:latin typeface="+mn-lt"/>
-                <a:ea typeface="+mn-ea"/>
-                <a:cs typeface="+mn-cs"/>
-              </a:rPr>
-              <a:t> oh</a:t>
-            </a:r>
-          </a:p>
-          <a:p>
-            <a:r>
-              <a:rPr lang="en-US" sz="1200" kern="1200" dirty="0">
-                <a:solidFill>
-                  <a:schemeClr val="tx1"/>
-                </a:solidFill>
-                <a:latin typeface="+mn-lt"/>
-                <a:ea typeface="+mn-ea"/>
-                <a:cs typeface="+mn-cs"/>
-              </a:rPr>
-              <a:t>where </a:t>
-            </a:r>
-            <a:r>
-              <a:rPr lang="en-US" sz="1200" kern="1200" dirty="0" err="1">
-                <a:solidFill>
-                  <a:schemeClr val="tx1"/>
-                </a:solidFill>
-                <a:latin typeface="+mn-lt"/>
-                <a:ea typeface="+mn-ea"/>
-                <a:cs typeface="+mn-cs"/>
-              </a:rPr>
-              <a:t>oh.CustomerID</a:t>
-            </a:r>
-            <a:r>
-              <a:rPr lang="en-US" sz="1200" kern="1200" dirty="0">
-                <a:solidFill>
-                  <a:schemeClr val="tx1"/>
-                </a:solidFill>
-                <a:latin typeface="+mn-lt"/>
-                <a:ea typeface="+mn-ea"/>
-                <a:cs typeface="+mn-cs"/>
-              </a:rPr>
-              <a:t> = </a:t>
-            </a:r>
-            <a:r>
-              <a:rPr lang="en-US" sz="1200" kern="1200" dirty="0" err="1">
-                <a:solidFill>
-                  <a:schemeClr val="tx1"/>
-                </a:solidFill>
-                <a:latin typeface="+mn-lt"/>
-                <a:ea typeface="+mn-ea"/>
-                <a:cs typeface="+mn-cs"/>
-              </a:rPr>
-              <a:t>c.CustomerID</a:t>
-            </a:r>
-            <a:endParaRPr lang="en-US" sz="1200" kern="1200" dirty="0">
-              <a:solidFill>
-                <a:schemeClr val="tx1"/>
-              </a:solidFill>
-              <a:latin typeface="+mn-lt"/>
-              <a:ea typeface="+mn-ea"/>
-              <a:cs typeface="+mn-cs"/>
-            </a:endParaRPr>
-          </a:p>
-          <a:p>
-            <a:r>
-              <a:rPr lang="en-US" sz="1200" kern="1200" dirty="0">
-                <a:solidFill>
-                  <a:schemeClr val="tx1"/>
-                </a:solidFill>
-                <a:latin typeface="+mn-lt"/>
-                <a:ea typeface="+mn-ea"/>
-                <a:cs typeface="+mn-cs"/>
-              </a:rPr>
-              <a:t>);</a:t>
-            </a:r>
-          </a:p>
-          <a:p>
-            <a:endParaRPr lang="en-US" sz="1200" kern="1200" dirty="0">
-              <a:solidFill>
-                <a:schemeClr val="tx1"/>
-              </a:solidFill>
-              <a:latin typeface="+mn-lt"/>
-              <a:ea typeface="+mn-ea"/>
-              <a:cs typeface="+mn-cs"/>
-            </a:endParaRPr>
-          </a:p>
-          <a:p>
+              <a:t>Then run through Parse Trees demo script.</a:t>
+            </a:r>
             <a:endParaRPr lang="en-US" dirty="0"/>
           </a:p>
         </p:txBody>
@@ -3107,7 +3210,7 @@
           <a:p>
             <a:fld id="{ADDBA41D-AE03-4F1C-B074-B56312AFAE46}" type="slidenum">
               <a:rPr lang="en-US" smtClean="0"/>
-              <a:t>23</a:t>
+              <a:t>24</a:t>
             </a:fld>
             <a:endParaRPr lang="en-US"/>
           </a:p>
@@ -3116,7 +3219,7 @@
     </p:spTree>
     <p:extLst>
       <p:ext uri="{BB962C8B-B14F-4D97-AF65-F5344CB8AC3E}">
-        <p14:creationId xmlns:p14="http://schemas.microsoft.com/office/powerpoint/2010/main" val="1452330123"/>
+        <p14:creationId xmlns:p14="http://schemas.microsoft.com/office/powerpoint/2010/main" val="883350520"/>
       </p:ext>
     </p:extLst>
   </p:cSld>
@@ -7441,25 +7544,57 @@
         </p:nvSpPr>
         <p:spPr/>
         <p:txBody>
-          <a:bodyPr/>
+          <a:bodyPr>
+            <a:normAutofit/>
+          </a:bodyPr>
           <a:lstStyle/>
           <a:p>
             <a:r>
               <a:rPr lang="en-US" dirty="0"/>
-              <a:t>Defines the sequence in which SQL elements are logically processed</a:t>
-            </a:r>
-          </a:p>
-          <a:p>
+              <a:t>Defines the sequence in which SQL elements are logically </a:t>
+            </a:r>
+            <a:r>
+              <a:rPr lang="en-US" dirty="0" smtClean="0"/>
+              <a:t>processed</a:t>
+            </a:r>
+          </a:p>
+          <a:p>
+            <a:r>
+              <a:rPr lang="en-US" dirty="0" smtClean="0"/>
+              <a:t>Forms </a:t>
+            </a:r>
             <a:r>
               <a:rPr lang="en-US" dirty="0"/>
-              <a:t>Forms the starting basis for parsing the submitted query</a:t>
+              <a:t>the starting basis for parsing the submitted query</a:t>
             </a:r>
           </a:p>
           <a:p>
             <a:r>
               <a:rPr lang="en-US" dirty="0"/>
-              <a:t>Usually discussed from the perspective of a SELECT query; similar for UPDATE / DELETE / INSERT / MERGE</a:t>
-            </a:r>
+              <a:t>Usually discussed from the perspective of a SELECT query; similar for UPDATE / DELETE / INSERT / </a:t>
+            </a:r>
+            <a:r>
+              <a:rPr lang="en-US" dirty="0" smtClean="0"/>
+              <a:t>MERGE</a:t>
+            </a:r>
+          </a:p>
+          <a:p>
+            <a:r>
+              <a:rPr lang="en-US" dirty="0"/>
+              <a:t>Declarative vs procedural programming</a:t>
+            </a:r>
+          </a:p>
+          <a:p>
+            <a:pPr lvl="1"/>
+            <a:r>
+              <a:rPr lang="en-US" dirty="0"/>
+              <a:t>“What” vs “How</a:t>
+            </a:r>
+            <a:r>
+              <a:rPr lang="en-US" dirty="0" smtClean="0"/>
+              <a:t>”</a:t>
+            </a:r>
+            <a:endParaRPr lang="en-US" dirty="0"/>
           </a:p>
         </p:txBody>
       </p:sp>
@@ -8494,7 +8629,7 @@
               <a:t> </a:t>
             </a:r>
             <a:r>
-              <a:rPr lang="en-US" dirty="0">
+              <a:rPr lang="en-US" dirty="0" smtClean="0">
                 <a:solidFill>
                   <a:srgbClr val="FF0000"/>
                 </a:solidFill>
@@ -8502,7 +8637,7 @@
                 <a:ea typeface="Calibri" panose="020F0502020204030204" pitchFamily="34" charset="0"/>
                 <a:cs typeface="Times New Roman" panose="02020603050405020304" pitchFamily="18" charset="0"/>
               </a:rPr>
-              <a:t>'SD'</a:t>
+              <a:t>'OK'</a:t>
             </a:r>
             <a:endParaRPr lang="en-US" sz="2400" dirty="0">
               <a:latin typeface="Calibri" panose="020F0502020204030204" pitchFamily="34" charset="0"/>
@@ -10001,7 +10136,7 @@
               <a:t> </a:t>
             </a:r>
             <a:r>
-              <a:rPr lang="en-US" dirty="0">
+              <a:rPr lang="en-US" dirty="0" smtClean="0">
                 <a:solidFill>
                   <a:srgbClr val="FF0000"/>
                 </a:solidFill>
@@ -10009,7 +10144,7 @@
                 <a:ea typeface="Calibri" panose="020F0502020204030204" pitchFamily="34" charset="0"/>
                 <a:cs typeface="Times New Roman" panose="02020603050405020304" pitchFamily="18" charset="0"/>
               </a:rPr>
-              <a:t>'SD'</a:t>
+              <a:t>'OK'</a:t>
             </a:r>
             <a:endParaRPr lang="en-US" sz="2400" dirty="0">
               <a:latin typeface="Calibri" panose="020F0502020204030204" pitchFamily="34" charset="0"/>
@@ -11248,7 +11383,7 @@
               <a:t> </a:t>
             </a:r>
             <a:r>
-              <a:rPr lang="en-US" dirty="0">
+              <a:rPr lang="en-US" dirty="0" smtClean="0">
                 <a:solidFill>
                   <a:srgbClr val="FF0000"/>
                 </a:solidFill>
@@ -11256,7 +11391,7 @@
                 <a:ea typeface="Calibri" panose="020F0502020204030204" pitchFamily="34" charset="0"/>
                 <a:cs typeface="Times New Roman" panose="02020603050405020304" pitchFamily="18" charset="0"/>
               </a:rPr>
-              <a:t>'SD'</a:t>
+              <a:t>'OK'</a:t>
             </a:r>
             <a:endParaRPr lang="en-US" sz="2400" dirty="0">
               <a:latin typeface="Calibri" panose="020F0502020204030204" pitchFamily="34" charset="0"/>
@@ -12454,7 +12589,7 @@
               <a:t> </a:t>
             </a:r>
             <a:r>
-              <a:rPr lang="en-US" dirty="0">
+              <a:rPr lang="en-US" dirty="0" smtClean="0">
                 <a:solidFill>
                   <a:srgbClr val="FF0000"/>
                 </a:solidFill>
@@ -12462,7 +12597,7 @@
                 <a:ea typeface="Calibri" panose="020F0502020204030204" pitchFamily="34" charset="0"/>
                 <a:cs typeface="Times New Roman" panose="02020603050405020304" pitchFamily="18" charset="0"/>
               </a:rPr>
-              <a:t>'SD'</a:t>
+              <a:t>'OK'</a:t>
             </a:r>
             <a:endParaRPr lang="en-US" sz="2400" dirty="0">
               <a:latin typeface="Calibri" panose="020F0502020204030204" pitchFamily="34" charset="0"/>
@@ -13673,7 +13808,7 @@
               <a:t> </a:t>
             </a:r>
             <a:r>
-              <a:rPr lang="en-US" dirty="0">
+              <a:rPr lang="en-US" dirty="0" smtClean="0">
                 <a:solidFill>
                   <a:srgbClr val="FF0000"/>
                 </a:solidFill>
@@ -13681,7 +13816,7 @@
                 <a:ea typeface="Calibri" panose="020F0502020204030204" pitchFamily="34" charset="0"/>
                 <a:cs typeface="Times New Roman" panose="02020603050405020304" pitchFamily="18" charset="0"/>
               </a:rPr>
-              <a:t>'SD'</a:t>
+              <a:t>'OK'</a:t>
             </a:r>
             <a:endParaRPr lang="en-US" sz="2400" dirty="0">
               <a:latin typeface="Calibri" panose="020F0502020204030204" pitchFamily="34" charset="0"/>
@@ -14083,6 +14218,13 @@
       <p:transition spd="slow"/>
     </mc:Fallback>
   </mc:AlternateContent>
+  <p:timing>
+    <p:tnLst>
+      <p:par>
+        <p:cTn id="1" dur="indefinite" restart="never" nodeType="tmRoot"/>
+      </p:par>
+    </p:tnLst>
+  </p:timing>
 </p:sld>
 </file>
 
@@ -14902,8 +15044,33 @@
                 <a:ea typeface="Calibri" panose="020F0502020204030204" pitchFamily="34" charset="0"/>
                 <a:cs typeface="Times New Roman" panose="02020603050405020304" pitchFamily="18" charset="0"/>
               </a:rPr>
-              <a:t> = 'SD'</a:t>
-            </a:r>
+              <a:t> = </a:t>
+            </a:r>
+            <a:r>
+              <a:rPr lang="en-US" dirty="0" smtClean="0">
+                <a:solidFill>
+                  <a:srgbClr val="008080"/>
+                </a:solidFill>
+                <a:highlight>
+                  <a:srgbClr val="FFFF00"/>
+                </a:highlight>
+                <a:latin typeface="Consolas" panose="020B0609020204030204" pitchFamily="49" charset="0"/>
+                <a:ea typeface="Calibri" panose="020F0502020204030204" pitchFamily="34" charset="0"/>
+                <a:cs typeface="Times New Roman" panose="02020603050405020304" pitchFamily="18" charset="0"/>
+              </a:rPr>
+              <a:t>'OK'</a:t>
+            </a:r>
+            <a:endParaRPr lang="en-US" dirty="0">
+              <a:solidFill>
+                <a:srgbClr val="008080"/>
+              </a:solidFill>
+              <a:highlight>
+                <a:srgbClr val="FFFF00"/>
+              </a:highlight>
+              <a:latin typeface="Consolas" panose="020B0609020204030204" pitchFamily="49" charset="0"/>
+              <a:ea typeface="Calibri" panose="020F0502020204030204" pitchFamily="34" charset="0"/>
+              <a:cs typeface="Times New Roman" panose="02020603050405020304" pitchFamily="18" charset="0"/>
+            </a:endParaRPr>
           </a:p>
           <a:p>
             <a:pPr>
@@ -15253,7 +15420,15 @@
             </a:pPr>
             <a:r>
               <a:rPr lang="en-US" sz="3000" dirty="0"/>
-              <a:t>Result is 1,961 rows / 14 columns</a:t>
+              <a:t>Result is 1,961 rows / </a:t>
+            </a:r>
+            <a:r>
+              <a:rPr lang="en-US" sz="3000" dirty="0" smtClean="0"/>
+              <a:t>14 </a:t>
+            </a:r>
+            <a:r>
+              <a:rPr lang="en-US" sz="3000" dirty="0"/>
+              <a:t>columns</a:t>
             </a:r>
           </a:p>
           <a:p>
@@ -15286,6 +15461,13 @@
       <p:transition spd="slow"/>
     </mc:Fallback>
   </mc:AlternateContent>
+  <p:timing>
+    <p:tnLst>
+      <p:par>
+        <p:cTn id="1" dur="indefinite" restart="never" nodeType="tmRoot"/>
+      </p:par>
+    </p:tnLst>
+  </p:timing>
 </p:sld>
 </file>
 
@@ -16145,7 +16327,7 @@
               <a:t> </a:t>
             </a:r>
             <a:r>
-              <a:rPr lang="en-US" dirty="0">
+              <a:rPr lang="en-US" dirty="0" smtClean="0">
                 <a:solidFill>
                   <a:srgbClr val="FF0000"/>
                 </a:solidFill>
@@ -16153,7 +16335,7 @@
                 <a:ea typeface="Calibri" panose="020F0502020204030204" pitchFamily="34" charset="0"/>
                 <a:cs typeface="Times New Roman" panose="02020603050405020304" pitchFamily="18" charset="0"/>
               </a:rPr>
-              <a:t>'SD'</a:t>
+              <a:t>'OK'</a:t>
             </a:r>
             <a:endParaRPr lang="en-US" sz="2400" dirty="0">
               <a:latin typeface="Calibri" panose="020F0502020204030204" pitchFamily="34" charset="0"/>
@@ -16542,6 +16724,13 @@
       <p:transition spd="slow"/>
     </mc:Fallback>
   </mc:AlternateContent>
+  <p:timing>
+    <p:tnLst>
+      <p:par>
+        <p:cTn id="1" dur="indefinite" restart="never" nodeType="tmRoot"/>
+      </p:par>
+    </p:tnLst>
+  </p:timing>
 </p:sld>
 </file>
 
@@ -17401,7 +17590,7 @@
               <a:t> </a:t>
             </a:r>
             <a:r>
-              <a:rPr lang="en-US" dirty="0">
+              <a:rPr lang="en-US" dirty="0" smtClean="0">
                 <a:solidFill>
                   <a:srgbClr val="FF0000"/>
                 </a:solidFill>
@@ -17409,7 +17598,7 @@
                 <a:ea typeface="Calibri" panose="020F0502020204030204" pitchFamily="34" charset="0"/>
                 <a:cs typeface="Times New Roman" panose="02020603050405020304" pitchFamily="18" charset="0"/>
               </a:rPr>
-              <a:t>'SD'</a:t>
+              <a:t>'OK'</a:t>
             </a:r>
             <a:endParaRPr lang="en-US" sz="2400" dirty="0">
               <a:latin typeface="Calibri" panose="020F0502020204030204" pitchFamily="34" charset="0"/>
@@ -19516,7 +19705,7 @@
               <a:t> </a:t>
             </a:r>
             <a:r>
-              <a:rPr lang="en-US" dirty="0">
+              <a:rPr lang="en-US" dirty="0" smtClean="0">
                 <a:solidFill>
                   <a:srgbClr val="FF0000"/>
                 </a:solidFill>
@@ -19524,7 +19713,7 @@
                 <a:ea typeface="Calibri" panose="020F0502020204030204" pitchFamily="34" charset="0"/>
                 <a:cs typeface="Times New Roman" panose="02020603050405020304" pitchFamily="18" charset="0"/>
               </a:rPr>
-              <a:t>'SD'</a:t>
+              <a:t>'OK'</a:t>
             </a:r>
             <a:endParaRPr lang="en-US" sz="2400" dirty="0">
               <a:latin typeface="Calibri" panose="020F0502020204030204" pitchFamily="34" charset="0"/>
@@ -20821,7 +21010,7 @@
               <a:t> </a:t>
             </a:r>
             <a:r>
-              <a:rPr lang="en-US" dirty="0">
+              <a:rPr lang="en-US" dirty="0" smtClean="0">
                 <a:solidFill>
                   <a:srgbClr val="FF0000"/>
                 </a:solidFill>
@@ -20829,7 +21018,7 @@
                 <a:ea typeface="Calibri" panose="020F0502020204030204" pitchFamily="34" charset="0"/>
                 <a:cs typeface="Times New Roman" panose="02020603050405020304" pitchFamily="18" charset="0"/>
               </a:rPr>
-              <a:t>'SD'</a:t>
+              <a:t>'OK'</a:t>
             </a:r>
             <a:endParaRPr lang="en-US" sz="2400" dirty="0">
               <a:latin typeface="Calibri" panose="020F0502020204030204" pitchFamily="34" charset="0"/>
@@ -22043,7 +22232,7 @@
               <a:t> </a:t>
             </a:r>
             <a:r>
-              <a:rPr lang="en-US" dirty="0">
+              <a:rPr lang="en-US" dirty="0" smtClean="0">
                 <a:solidFill>
                   <a:srgbClr val="FF0000"/>
                 </a:solidFill>
@@ -22051,7 +22240,7 @@
                 <a:ea typeface="Calibri" panose="020F0502020204030204" pitchFamily="34" charset="0"/>
                 <a:cs typeface="Times New Roman" panose="02020603050405020304" pitchFamily="18" charset="0"/>
               </a:rPr>
-              <a:t>'SD'</a:t>
+              <a:t>'OK'</a:t>
             </a:r>
             <a:endParaRPr lang="en-US" sz="2400" dirty="0">
               <a:latin typeface="Calibri" panose="020F0502020204030204" pitchFamily="34" charset="0"/>
@@ -22465,6 +22654,2591 @@
 </file>
 
 <file path=ppt/slides/slide23.xml><?xml version="1.0" encoding="utf-8"?>
+<p:sld xmlns:a="http://schemas.openxmlformats.org/drawingml/2006/main" xmlns:r="http://schemas.openxmlformats.org/officeDocument/2006/relationships" xmlns:p="http://schemas.openxmlformats.org/presentationml/2006/main" show="0">
+  <p:cSld>
+    <p:spTree>
+      <p:nvGrpSpPr>
+        <p:cNvPr id="1" name=""/>
+        <p:cNvGrpSpPr/>
+        <p:nvPr/>
+      </p:nvGrpSpPr>
+      <p:grpSpPr>
+        <a:xfrm>
+          <a:off x="0" y="0"/>
+          <a:ext cx="0" cy="0"/>
+          <a:chOff x="0" y="0"/>
+          <a:chExt cx="0" cy="0"/>
+        </a:xfrm>
+      </p:grpSpPr>
+      <p:sp>
+        <p:nvSpPr>
+          <p:cNvPr id="2" name="Title 1"/>
+          <p:cNvSpPr>
+            <a:spLocks noGrp="1"/>
+          </p:cNvSpPr>
+          <p:nvPr>
+            <p:ph type="title"/>
+          </p:nvPr>
+        </p:nvSpPr>
+        <p:spPr/>
+        <p:txBody>
+          <a:bodyPr>
+            <a:normAutofit/>
+          </a:bodyPr>
+          <a:lstStyle/>
+          <a:p>
+            <a:r>
+              <a:rPr lang="en-US" dirty="0" smtClean="0"/>
+              <a:t>How SQL Server Sees the Query</a:t>
+            </a:r>
+            <a:endParaRPr lang="en-US" dirty="0"/>
+          </a:p>
+        </p:txBody>
+      </p:sp>
+      <p:sp>
+        <p:nvSpPr>
+          <p:cNvPr id="4" name="Rectangle 3"/>
+          <p:cNvSpPr/>
+          <p:nvPr/>
+        </p:nvSpPr>
+        <p:spPr>
+          <a:xfrm>
+            <a:off x="425548" y="1535656"/>
+            <a:ext cx="8292904" cy="3352328"/>
+          </a:xfrm>
+          <a:prstGeom prst="rect">
+            <a:avLst/>
+          </a:prstGeom>
+        </p:spPr>
+        <p:txBody>
+          <a:bodyPr wrap="square">
+            <a:spAutoFit/>
+          </a:bodyPr>
+          <a:lstStyle/>
+          <a:p>
+            <a:pPr>
+              <a:lnSpc>
+                <a:spcPct val="107000"/>
+              </a:lnSpc>
+            </a:pPr>
+            <a:r>
+              <a:rPr lang="en-US" dirty="0" smtClean="0">
+                <a:solidFill>
+                  <a:srgbClr val="0000FF"/>
+                </a:solidFill>
+                <a:latin typeface="Consolas" panose="020B0609020204030204" pitchFamily="49" charset="0"/>
+                <a:ea typeface="Calibri" panose="020F0502020204030204" pitchFamily="34" charset="0"/>
+                <a:cs typeface="Times New Roman" panose="02020603050405020304" pitchFamily="18" charset="0"/>
+              </a:rPr>
+              <a:t>from</a:t>
+            </a:r>
+            <a:r>
+              <a:rPr lang="en-US" dirty="0" smtClean="0">
+                <a:latin typeface="Consolas" panose="020B0609020204030204" pitchFamily="49" charset="0"/>
+                <a:ea typeface="Calibri" panose="020F0502020204030204" pitchFamily="34" charset="0"/>
+                <a:cs typeface="Times New Roman" panose="02020603050405020304" pitchFamily="18" charset="0"/>
+              </a:rPr>
+              <a:t> </a:t>
+            </a:r>
+            <a:r>
+              <a:rPr lang="en-US" dirty="0" err="1">
+                <a:solidFill>
+                  <a:srgbClr val="008080"/>
+                </a:solidFill>
+                <a:latin typeface="Consolas" panose="020B0609020204030204" pitchFamily="49" charset="0"/>
+                <a:ea typeface="Calibri" panose="020F0502020204030204" pitchFamily="34" charset="0"/>
+                <a:cs typeface="Times New Roman" panose="02020603050405020304" pitchFamily="18" charset="0"/>
+              </a:rPr>
+              <a:t>dbo</a:t>
+            </a:r>
+            <a:r>
+              <a:rPr lang="en-US" dirty="0" err="1">
+                <a:solidFill>
+                  <a:srgbClr val="808080"/>
+                </a:solidFill>
+                <a:latin typeface="Consolas" panose="020B0609020204030204" pitchFamily="49" charset="0"/>
+                <a:ea typeface="Calibri" panose="020F0502020204030204" pitchFamily="34" charset="0"/>
+                <a:cs typeface="Times New Roman" panose="02020603050405020304" pitchFamily="18" charset="0"/>
+              </a:rPr>
+              <a:t>.</a:t>
+            </a:r>
+            <a:r>
+              <a:rPr lang="en-US" dirty="0" err="1">
+                <a:solidFill>
+                  <a:srgbClr val="008080"/>
+                </a:solidFill>
+                <a:latin typeface="Consolas" panose="020B0609020204030204" pitchFamily="49" charset="0"/>
+                <a:ea typeface="Calibri" panose="020F0502020204030204" pitchFamily="34" charset="0"/>
+                <a:cs typeface="Times New Roman" panose="02020603050405020304" pitchFamily="18" charset="0"/>
+              </a:rPr>
+              <a:t>OrderHeader</a:t>
+            </a:r>
+            <a:r>
+              <a:rPr lang="en-US" dirty="0">
+                <a:latin typeface="Consolas" panose="020B0609020204030204" pitchFamily="49" charset="0"/>
+                <a:ea typeface="Calibri" panose="020F0502020204030204" pitchFamily="34" charset="0"/>
+                <a:cs typeface="Times New Roman" panose="02020603050405020304" pitchFamily="18" charset="0"/>
+              </a:rPr>
+              <a:t> </a:t>
+            </a:r>
+            <a:r>
+              <a:rPr lang="en-US" dirty="0">
+                <a:solidFill>
+                  <a:srgbClr val="008080"/>
+                </a:solidFill>
+                <a:latin typeface="Consolas" panose="020B0609020204030204" pitchFamily="49" charset="0"/>
+                <a:ea typeface="Calibri" panose="020F0502020204030204" pitchFamily="34" charset="0"/>
+                <a:cs typeface="Times New Roman" panose="02020603050405020304" pitchFamily="18" charset="0"/>
+              </a:rPr>
+              <a:t>oh</a:t>
+            </a:r>
+            <a:endParaRPr lang="en-US" sz="2400" dirty="0">
+              <a:latin typeface="Calibri" panose="020F0502020204030204" pitchFamily="34" charset="0"/>
+              <a:ea typeface="Calibri" panose="020F0502020204030204" pitchFamily="34" charset="0"/>
+              <a:cs typeface="Times New Roman" panose="02020603050405020304" pitchFamily="18" charset="0"/>
+            </a:endParaRPr>
+          </a:p>
+          <a:p>
+            <a:pPr>
+              <a:lnSpc>
+                <a:spcPct val="107000"/>
+              </a:lnSpc>
+            </a:pPr>
+            <a:r>
+              <a:rPr lang="en-US" dirty="0">
+                <a:solidFill>
+                  <a:srgbClr val="808080"/>
+                </a:solidFill>
+                <a:latin typeface="Consolas" panose="020B0609020204030204" pitchFamily="49" charset="0"/>
+                <a:ea typeface="Calibri" panose="020F0502020204030204" pitchFamily="34" charset="0"/>
+                <a:cs typeface="Times New Roman" panose="02020603050405020304" pitchFamily="18" charset="0"/>
+              </a:rPr>
+              <a:t>inner</a:t>
+            </a:r>
+            <a:r>
+              <a:rPr lang="en-US" dirty="0">
+                <a:latin typeface="Consolas" panose="020B0609020204030204" pitchFamily="49" charset="0"/>
+                <a:ea typeface="Calibri" panose="020F0502020204030204" pitchFamily="34" charset="0"/>
+                <a:cs typeface="Times New Roman" panose="02020603050405020304" pitchFamily="18" charset="0"/>
+              </a:rPr>
+              <a:t> </a:t>
+            </a:r>
+            <a:r>
+              <a:rPr lang="en-US" dirty="0">
+                <a:solidFill>
+                  <a:srgbClr val="808080"/>
+                </a:solidFill>
+                <a:latin typeface="Consolas" panose="020B0609020204030204" pitchFamily="49" charset="0"/>
+                <a:ea typeface="Calibri" panose="020F0502020204030204" pitchFamily="34" charset="0"/>
+                <a:cs typeface="Times New Roman" panose="02020603050405020304" pitchFamily="18" charset="0"/>
+              </a:rPr>
+              <a:t>join</a:t>
+            </a:r>
+            <a:r>
+              <a:rPr lang="en-US" dirty="0">
+                <a:latin typeface="Consolas" panose="020B0609020204030204" pitchFamily="49" charset="0"/>
+                <a:ea typeface="Calibri" panose="020F0502020204030204" pitchFamily="34" charset="0"/>
+                <a:cs typeface="Times New Roman" panose="02020603050405020304" pitchFamily="18" charset="0"/>
+              </a:rPr>
+              <a:t> </a:t>
+            </a:r>
+            <a:r>
+              <a:rPr lang="en-US" dirty="0" err="1">
+                <a:solidFill>
+                  <a:srgbClr val="008080"/>
+                </a:solidFill>
+                <a:latin typeface="Consolas" panose="020B0609020204030204" pitchFamily="49" charset="0"/>
+                <a:ea typeface="Calibri" panose="020F0502020204030204" pitchFamily="34" charset="0"/>
+                <a:cs typeface="Times New Roman" panose="02020603050405020304" pitchFamily="18" charset="0"/>
+              </a:rPr>
+              <a:t>dbo</a:t>
+            </a:r>
+            <a:r>
+              <a:rPr lang="en-US" dirty="0" err="1">
+                <a:solidFill>
+                  <a:srgbClr val="808080"/>
+                </a:solidFill>
+                <a:latin typeface="Consolas" panose="020B0609020204030204" pitchFamily="49" charset="0"/>
+                <a:ea typeface="Calibri" panose="020F0502020204030204" pitchFamily="34" charset="0"/>
+                <a:cs typeface="Times New Roman" panose="02020603050405020304" pitchFamily="18" charset="0"/>
+              </a:rPr>
+              <a:t>.</a:t>
+            </a:r>
+            <a:r>
+              <a:rPr lang="en-US" dirty="0" err="1">
+                <a:solidFill>
+                  <a:srgbClr val="008080"/>
+                </a:solidFill>
+                <a:latin typeface="Consolas" panose="020B0609020204030204" pitchFamily="49" charset="0"/>
+                <a:ea typeface="Calibri" panose="020F0502020204030204" pitchFamily="34" charset="0"/>
+                <a:cs typeface="Times New Roman" panose="02020603050405020304" pitchFamily="18" charset="0"/>
+              </a:rPr>
+              <a:t>OrderDetail</a:t>
+            </a:r>
+            <a:r>
+              <a:rPr lang="en-US" dirty="0">
+                <a:latin typeface="Consolas" panose="020B0609020204030204" pitchFamily="49" charset="0"/>
+                <a:ea typeface="Calibri" panose="020F0502020204030204" pitchFamily="34" charset="0"/>
+                <a:cs typeface="Times New Roman" panose="02020603050405020304" pitchFamily="18" charset="0"/>
+              </a:rPr>
+              <a:t> </a:t>
+            </a:r>
+            <a:r>
+              <a:rPr lang="en-US" dirty="0" smtClean="0">
+                <a:solidFill>
+                  <a:srgbClr val="008080"/>
+                </a:solidFill>
+                <a:latin typeface="Consolas" panose="020B0609020204030204" pitchFamily="49" charset="0"/>
+                <a:ea typeface="Calibri" panose="020F0502020204030204" pitchFamily="34" charset="0"/>
+                <a:cs typeface="Times New Roman" panose="02020603050405020304" pitchFamily="18" charset="0"/>
+              </a:rPr>
+              <a:t>od</a:t>
+            </a:r>
+            <a:endParaRPr lang="en-US" dirty="0">
+              <a:latin typeface="Consolas" panose="020B0609020204030204" pitchFamily="49" charset="0"/>
+              <a:ea typeface="Calibri" panose="020F0502020204030204" pitchFamily="34" charset="0"/>
+              <a:cs typeface="Times New Roman" panose="02020603050405020304" pitchFamily="18" charset="0"/>
+            </a:endParaRPr>
+          </a:p>
+          <a:p>
+            <a:pPr>
+              <a:lnSpc>
+                <a:spcPct val="107000"/>
+              </a:lnSpc>
+            </a:pPr>
+            <a:r>
+              <a:rPr lang="en-US" dirty="0" smtClean="0">
+                <a:solidFill>
+                  <a:srgbClr val="808080"/>
+                </a:solidFill>
+                <a:latin typeface="Consolas" panose="020B0609020204030204" pitchFamily="49" charset="0"/>
+                <a:ea typeface="Calibri" panose="020F0502020204030204" pitchFamily="34" charset="0"/>
+                <a:cs typeface="Times New Roman" panose="02020603050405020304" pitchFamily="18" charset="0"/>
+              </a:rPr>
+              <a:t>inner</a:t>
+            </a:r>
+            <a:r>
+              <a:rPr lang="en-US" dirty="0" smtClean="0">
+                <a:latin typeface="Consolas" panose="020B0609020204030204" pitchFamily="49" charset="0"/>
+                <a:ea typeface="Calibri" panose="020F0502020204030204" pitchFamily="34" charset="0"/>
+                <a:cs typeface="Times New Roman" panose="02020603050405020304" pitchFamily="18" charset="0"/>
+              </a:rPr>
+              <a:t> </a:t>
+            </a:r>
+            <a:r>
+              <a:rPr lang="en-US" dirty="0">
+                <a:solidFill>
+                  <a:srgbClr val="808080"/>
+                </a:solidFill>
+                <a:latin typeface="Consolas" panose="020B0609020204030204" pitchFamily="49" charset="0"/>
+                <a:ea typeface="Calibri" panose="020F0502020204030204" pitchFamily="34" charset="0"/>
+                <a:cs typeface="Times New Roman" panose="02020603050405020304" pitchFamily="18" charset="0"/>
+              </a:rPr>
+              <a:t>join</a:t>
+            </a:r>
+            <a:r>
+              <a:rPr lang="en-US" dirty="0">
+                <a:latin typeface="Consolas" panose="020B0609020204030204" pitchFamily="49" charset="0"/>
+                <a:ea typeface="Calibri" panose="020F0502020204030204" pitchFamily="34" charset="0"/>
+                <a:cs typeface="Times New Roman" panose="02020603050405020304" pitchFamily="18" charset="0"/>
+              </a:rPr>
+              <a:t> </a:t>
+            </a:r>
+            <a:r>
+              <a:rPr lang="en-US" dirty="0" err="1">
+                <a:solidFill>
+                  <a:srgbClr val="008080"/>
+                </a:solidFill>
+                <a:latin typeface="Consolas" panose="020B0609020204030204" pitchFamily="49" charset="0"/>
+                <a:ea typeface="Calibri" panose="020F0502020204030204" pitchFamily="34" charset="0"/>
+                <a:cs typeface="Times New Roman" panose="02020603050405020304" pitchFamily="18" charset="0"/>
+              </a:rPr>
+              <a:t>dbo</a:t>
+            </a:r>
+            <a:r>
+              <a:rPr lang="en-US" dirty="0" err="1">
+                <a:solidFill>
+                  <a:srgbClr val="808080"/>
+                </a:solidFill>
+                <a:latin typeface="Consolas" panose="020B0609020204030204" pitchFamily="49" charset="0"/>
+                <a:ea typeface="Calibri" panose="020F0502020204030204" pitchFamily="34" charset="0"/>
+                <a:cs typeface="Times New Roman" panose="02020603050405020304" pitchFamily="18" charset="0"/>
+              </a:rPr>
+              <a:t>.</a:t>
+            </a:r>
+            <a:r>
+              <a:rPr lang="en-US" dirty="0" err="1">
+                <a:solidFill>
+                  <a:srgbClr val="008080"/>
+                </a:solidFill>
+                <a:latin typeface="Consolas" panose="020B0609020204030204" pitchFamily="49" charset="0"/>
+                <a:ea typeface="Calibri" panose="020F0502020204030204" pitchFamily="34" charset="0"/>
+                <a:cs typeface="Times New Roman" panose="02020603050405020304" pitchFamily="18" charset="0"/>
+              </a:rPr>
+              <a:t>Customer</a:t>
+            </a:r>
+            <a:r>
+              <a:rPr lang="en-US" dirty="0">
+                <a:latin typeface="Consolas" panose="020B0609020204030204" pitchFamily="49" charset="0"/>
+                <a:ea typeface="Calibri" panose="020F0502020204030204" pitchFamily="34" charset="0"/>
+                <a:cs typeface="Times New Roman" panose="02020603050405020304" pitchFamily="18" charset="0"/>
+              </a:rPr>
+              <a:t> </a:t>
+            </a:r>
+            <a:r>
+              <a:rPr lang="en-US" dirty="0" err="1" smtClean="0">
+                <a:solidFill>
+                  <a:srgbClr val="008080"/>
+                </a:solidFill>
+                <a:latin typeface="Consolas" panose="020B0609020204030204" pitchFamily="49" charset="0"/>
+                <a:ea typeface="Calibri" panose="020F0502020204030204" pitchFamily="34" charset="0"/>
+                <a:cs typeface="Times New Roman" panose="02020603050405020304" pitchFamily="18" charset="0"/>
+              </a:rPr>
+              <a:t>cust</a:t>
+            </a:r>
+            <a:endParaRPr lang="en-US" dirty="0">
+              <a:latin typeface="Consolas" panose="020B0609020204030204" pitchFamily="49" charset="0"/>
+              <a:ea typeface="Calibri" panose="020F0502020204030204" pitchFamily="34" charset="0"/>
+              <a:cs typeface="Times New Roman" panose="02020603050405020304" pitchFamily="18" charset="0"/>
+            </a:endParaRPr>
+          </a:p>
+          <a:p>
+            <a:pPr>
+              <a:lnSpc>
+                <a:spcPct val="107000"/>
+              </a:lnSpc>
+            </a:pPr>
+            <a:r>
+              <a:rPr lang="en-US" dirty="0">
+                <a:solidFill>
+                  <a:srgbClr val="0000FF"/>
+                </a:solidFill>
+                <a:latin typeface="Consolas" panose="020B0609020204030204" pitchFamily="49" charset="0"/>
+                <a:ea typeface="Calibri" panose="020F0502020204030204" pitchFamily="34" charset="0"/>
+                <a:cs typeface="Times New Roman" panose="02020603050405020304" pitchFamily="18" charset="0"/>
+              </a:rPr>
+              <a:t>on</a:t>
+            </a:r>
+            <a:r>
+              <a:rPr lang="en-US" dirty="0">
+                <a:latin typeface="Consolas" panose="020B0609020204030204" pitchFamily="49" charset="0"/>
+                <a:ea typeface="Calibri" panose="020F0502020204030204" pitchFamily="34" charset="0"/>
+                <a:cs typeface="Times New Roman" panose="02020603050405020304" pitchFamily="18" charset="0"/>
+              </a:rPr>
+              <a:t> </a:t>
+            </a:r>
+            <a:r>
+              <a:rPr lang="en-US" dirty="0" err="1">
+                <a:solidFill>
+                  <a:srgbClr val="008080"/>
+                </a:solidFill>
+                <a:latin typeface="Consolas" panose="020B0609020204030204" pitchFamily="49" charset="0"/>
+                <a:ea typeface="Calibri" panose="020F0502020204030204" pitchFamily="34" charset="0"/>
+                <a:cs typeface="Times New Roman" panose="02020603050405020304" pitchFamily="18" charset="0"/>
+              </a:rPr>
+              <a:t>oh</a:t>
+            </a:r>
+            <a:r>
+              <a:rPr lang="en-US" dirty="0" err="1">
+                <a:solidFill>
+                  <a:srgbClr val="808080"/>
+                </a:solidFill>
+                <a:latin typeface="Consolas" panose="020B0609020204030204" pitchFamily="49" charset="0"/>
+                <a:ea typeface="Calibri" panose="020F0502020204030204" pitchFamily="34" charset="0"/>
+                <a:cs typeface="Times New Roman" panose="02020603050405020304" pitchFamily="18" charset="0"/>
+              </a:rPr>
+              <a:t>.</a:t>
+            </a:r>
+            <a:r>
+              <a:rPr lang="en-US" dirty="0" err="1">
+                <a:solidFill>
+                  <a:srgbClr val="008080"/>
+                </a:solidFill>
+                <a:latin typeface="Consolas" panose="020B0609020204030204" pitchFamily="49" charset="0"/>
+                <a:ea typeface="Calibri" panose="020F0502020204030204" pitchFamily="34" charset="0"/>
+                <a:cs typeface="Times New Roman" panose="02020603050405020304" pitchFamily="18" charset="0"/>
+              </a:rPr>
+              <a:t>OrderId</a:t>
+            </a:r>
+            <a:r>
+              <a:rPr lang="en-US" dirty="0">
+                <a:latin typeface="Consolas" panose="020B0609020204030204" pitchFamily="49" charset="0"/>
+                <a:ea typeface="Calibri" panose="020F0502020204030204" pitchFamily="34" charset="0"/>
+                <a:cs typeface="Times New Roman" panose="02020603050405020304" pitchFamily="18" charset="0"/>
+              </a:rPr>
+              <a:t> </a:t>
+            </a:r>
+            <a:r>
+              <a:rPr lang="en-US" dirty="0">
+                <a:solidFill>
+                  <a:srgbClr val="808080"/>
+                </a:solidFill>
+                <a:latin typeface="Consolas" panose="020B0609020204030204" pitchFamily="49" charset="0"/>
+                <a:ea typeface="Calibri" panose="020F0502020204030204" pitchFamily="34" charset="0"/>
+                <a:cs typeface="Times New Roman" panose="02020603050405020304" pitchFamily="18" charset="0"/>
+              </a:rPr>
+              <a:t>=</a:t>
+            </a:r>
+            <a:r>
+              <a:rPr lang="en-US" dirty="0">
+                <a:latin typeface="Consolas" panose="020B0609020204030204" pitchFamily="49" charset="0"/>
+                <a:ea typeface="Calibri" panose="020F0502020204030204" pitchFamily="34" charset="0"/>
+                <a:cs typeface="Times New Roman" panose="02020603050405020304" pitchFamily="18" charset="0"/>
+              </a:rPr>
+              <a:t> </a:t>
+            </a:r>
+            <a:r>
+              <a:rPr lang="en-US" dirty="0" err="1">
+                <a:solidFill>
+                  <a:srgbClr val="008080"/>
+                </a:solidFill>
+                <a:latin typeface="Consolas" panose="020B0609020204030204" pitchFamily="49" charset="0"/>
+                <a:ea typeface="Calibri" panose="020F0502020204030204" pitchFamily="34" charset="0"/>
+                <a:cs typeface="Times New Roman" panose="02020603050405020304" pitchFamily="18" charset="0"/>
+              </a:rPr>
+              <a:t>od</a:t>
+            </a:r>
+            <a:r>
+              <a:rPr lang="en-US" dirty="0" err="1">
+                <a:solidFill>
+                  <a:srgbClr val="808080"/>
+                </a:solidFill>
+                <a:latin typeface="Consolas" panose="020B0609020204030204" pitchFamily="49" charset="0"/>
+                <a:ea typeface="Calibri" panose="020F0502020204030204" pitchFamily="34" charset="0"/>
+                <a:cs typeface="Times New Roman" panose="02020603050405020304" pitchFamily="18" charset="0"/>
+              </a:rPr>
+              <a:t>.</a:t>
+            </a:r>
+            <a:r>
+              <a:rPr lang="en-US" dirty="0" err="1">
+                <a:solidFill>
+                  <a:srgbClr val="008080"/>
+                </a:solidFill>
+                <a:latin typeface="Consolas" panose="020B0609020204030204" pitchFamily="49" charset="0"/>
+                <a:ea typeface="Calibri" panose="020F0502020204030204" pitchFamily="34" charset="0"/>
+                <a:cs typeface="Times New Roman" panose="02020603050405020304" pitchFamily="18" charset="0"/>
+              </a:rPr>
+              <a:t>OrderId</a:t>
+            </a:r>
+            <a:endParaRPr lang="en-US" sz="2400" dirty="0">
+              <a:latin typeface="Calibri" panose="020F0502020204030204" pitchFamily="34" charset="0"/>
+              <a:ea typeface="Calibri" panose="020F0502020204030204" pitchFamily="34" charset="0"/>
+              <a:cs typeface="Times New Roman" panose="02020603050405020304" pitchFamily="18" charset="0"/>
+            </a:endParaRPr>
+          </a:p>
+          <a:p>
+            <a:pPr>
+              <a:lnSpc>
+                <a:spcPct val="107000"/>
+              </a:lnSpc>
+            </a:pPr>
+            <a:r>
+              <a:rPr lang="en-US" dirty="0" smtClean="0">
+                <a:solidFill>
+                  <a:srgbClr val="0000FF"/>
+                </a:solidFill>
+                <a:latin typeface="Consolas" panose="020B0609020204030204" pitchFamily="49" charset="0"/>
+                <a:ea typeface="Calibri" panose="020F0502020204030204" pitchFamily="34" charset="0"/>
+                <a:cs typeface="Times New Roman" panose="02020603050405020304" pitchFamily="18" charset="0"/>
+              </a:rPr>
+              <a:t>on</a:t>
+            </a:r>
+            <a:r>
+              <a:rPr lang="en-US" dirty="0" smtClean="0">
+                <a:latin typeface="Consolas" panose="020B0609020204030204" pitchFamily="49" charset="0"/>
+                <a:ea typeface="Calibri" panose="020F0502020204030204" pitchFamily="34" charset="0"/>
+                <a:cs typeface="Times New Roman" panose="02020603050405020304" pitchFamily="18" charset="0"/>
+              </a:rPr>
+              <a:t> </a:t>
+            </a:r>
+            <a:r>
+              <a:rPr lang="en-US" dirty="0" err="1">
+                <a:solidFill>
+                  <a:srgbClr val="008080"/>
+                </a:solidFill>
+                <a:latin typeface="Consolas" panose="020B0609020204030204" pitchFamily="49" charset="0"/>
+                <a:ea typeface="Calibri" panose="020F0502020204030204" pitchFamily="34" charset="0"/>
+                <a:cs typeface="Times New Roman" panose="02020603050405020304" pitchFamily="18" charset="0"/>
+              </a:rPr>
+              <a:t>oh</a:t>
+            </a:r>
+            <a:r>
+              <a:rPr lang="en-US" dirty="0" err="1">
+                <a:solidFill>
+                  <a:srgbClr val="808080"/>
+                </a:solidFill>
+                <a:latin typeface="Consolas" panose="020B0609020204030204" pitchFamily="49" charset="0"/>
+                <a:ea typeface="Calibri" panose="020F0502020204030204" pitchFamily="34" charset="0"/>
+                <a:cs typeface="Times New Roman" panose="02020603050405020304" pitchFamily="18" charset="0"/>
+              </a:rPr>
+              <a:t>.</a:t>
+            </a:r>
+            <a:r>
+              <a:rPr lang="en-US" dirty="0" err="1">
+                <a:solidFill>
+                  <a:srgbClr val="008080"/>
+                </a:solidFill>
+                <a:latin typeface="Consolas" panose="020B0609020204030204" pitchFamily="49" charset="0"/>
+                <a:ea typeface="Calibri" panose="020F0502020204030204" pitchFamily="34" charset="0"/>
+                <a:cs typeface="Times New Roman" panose="02020603050405020304" pitchFamily="18" charset="0"/>
+              </a:rPr>
+              <a:t>CustomerId</a:t>
+            </a:r>
+            <a:r>
+              <a:rPr lang="en-US" dirty="0">
+                <a:latin typeface="Consolas" panose="020B0609020204030204" pitchFamily="49" charset="0"/>
+                <a:ea typeface="Calibri" panose="020F0502020204030204" pitchFamily="34" charset="0"/>
+                <a:cs typeface="Times New Roman" panose="02020603050405020304" pitchFamily="18" charset="0"/>
+              </a:rPr>
+              <a:t> </a:t>
+            </a:r>
+            <a:r>
+              <a:rPr lang="en-US" dirty="0">
+                <a:solidFill>
+                  <a:srgbClr val="808080"/>
+                </a:solidFill>
+                <a:latin typeface="Consolas" panose="020B0609020204030204" pitchFamily="49" charset="0"/>
+                <a:ea typeface="Calibri" panose="020F0502020204030204" pitchFamily="34" charset="0"/>
+                <a:cs typeface="Times New Roman" panose="02020603050405020304" pitchFamily="18" charset="0"/>
+              </a:rPr>
+              <a:t>=</a:t>
+            </a:r>
+            <a:r>
+              <a:rPr lang="en-US" dirty="0">
+                <a:latin typeface="Consolas" panose="020B0609020204030204" pitchFamily="49" charset="0"/>
+                <a:ea typeface="Calibri" panose="020F0502020204030204" pitchFamily="34" charset="0"/>
+                <a:cs typeface="Times New Roman" panose="02020603050405020304" pitchFamily="18" charset="0"/>
+              </a:rPr>
+              <a:t> </a:t>
+            </a:r>
+            <a:r>
+              <a:rPr lang="en-US" dirty="0" err="1">
+                <a:solidFill>
+                  <a:srgbClr val="008080"/>
+                </a:solidFill>
+                <a:latin typeface="Consolas" panose="020B0609020204030204" pitchFamily="49" charset="0"/>
+                <a:ea typeface="Calibri" panose="020F0502020204030204" pitchFamily="34" charset="0"/>
+                <a:cs typeface="Times New Roman" panose="02020603050405020304" pitchFamily="18" charset="0"/>
+              </a:rPr>
+              <a:t>cust</a:t>
+            </a:r>
+            <a:r>
+              <a:rPr lang="en-US" dirty="0" err="1">
+                <a:solidFill>
+                  <a:srgbClr val="808080"/>
+                </a:solidFill>
+                <a:latin typeface="Consolas" panose="020B0609020204030204" pitchFamily="49" charset="0"/>
+                <a:ea typeface="Calibri" panose="020F0502020204030204" pitchFamily="34" charset="0"/>
+                <a:cs typeface="Times New Roman" panose="02020603050405020304" pitchFamily="18" charset="0"/>
+              </a:rPr>
+              <a:t>.</a:t>
+            </a:r>
+            <a:r>
+              <a:rPr lang="en-US" dirty="0" err="1">
+                <a:solidFill>
+                  <a:srgbClr val="008080"/>
+                </a:solidFill>
+                <a:latin typeface="Consolas" panose="020B0609020204030204" pitchFamily="49" charset="0"/>
+                <a:ea typeface="Calibri" panose="020F0502020204030204" pitchFamily="34" charset="0"/>
+                <a:cs typeface="Times New Roman" panose="02020603050405020304" pitchFamily="18" charset="0"/>
+              </a:rPr>
+              <a:t>CustomerID</a:t>
+            </a:r>
+            <a:endParaRPr lang="en-US" sz="2400" dirty="0">
+              <a:latin typeface="Calibri" panose="020F0502020204030204" pitchFamily="34" charset="0"/>
+              <a:ea typeface="Calibri" panose="020F0502020204030204" pitchFamily="34" charset="0"/>
+              <a:cs typeface="Times New Roman" panose="02020603050405020304" pitchFamily="18" charset="0"/>
+            </a:endParaRPr>
+          </a:p>
+          <a:p>
+            <a:pPr>
+              <a:lnSpc>
+                <a:spcPct val="107000"/>
+              </a:lnSpc>
+            </a:pPr>
+            <a:r>
+              <a:rPr lang="en-US" dirty="0">
+                <a:solidFill>
+                  <a:srgbClr val="0000FF"/>
+                </a:solidFill>
+                <a:latin typeface="Consolas" panose="020B0609020204030204" pitchFamily="49" charset="0"/>
+                <a:ea typeface="Calibri" panose="020F0502020204030204" pitchFamily="34" charset="0"/>
+                <a:cs typeface="Times New Roman" panose="02020603050405020304" pitchFamily="18" charset="0"/>
+              </a:rPr>
+              <a:t>where</a:t>
+            </a:r>
+            <a:r>
+              <a:rPr lang="en-US" dirty="0">
+                <a:latin typeface="Consolas" panose="020B0609020204030204" pitchFamily="49" charset="0"/>
+                <a:ea typeface="Calibri" panose="020F0502020204030204" pitchFamily="34" charset="0"/>
+                <a:cs typeface="Times New Roman" panose="02020603050405020304" pitchFamily="18" charset="0"/>
+              </a:rPr>
+              <a:t> </a:t>
+            </a:r>
+            <a:r>
+              <a:rPr lang="en-US" dirty="0" err="1">
+                <a:solidFill>
+                  <a:srgbClr val="008080"/>
+                </a:solidFill>
+                <a:latin typeface="Consolas" panose="020B0609020204030204" pitchFamily="49" charset="0"/>
+                <a:ea typeface="Calibri" panose="020F0502020204030204" pitchFamily="34" charset="0"/>
+                <a:cs typeface="Times New Roman" panose="02020603050405020304" pitchFamily="18" charset="0"/>
+              </a:rPr>
+              <a:t>cust</a:t>
+            </a:r>
+            <a:r>
+              <a:rPr lang="en-US" dirty="0" err="1">
+                <a:solidFill>
+                  <a:srgbClr val="808080"/>
+                </a:solidFill>
+                <a:latin typeface="Consolas" panose="020B0609020204030204" pitchFamily="49" charset="0"/>
+                <a:ea typeface="Calibri" panose="020F0502020204030204" pitchFamily="34" charset="0"/>
+                <a:cs typeface="Times New Roman" panose="02020603050405020304" pitchFamily="18" charset="0"/>
+              </a:rPr>
+              <a:t>.</a:t>
+            </a:r>
+            <a:r>
+              <a:rPr lang="en-US" dirty="0" err="1">
+                <a:solidFill>
+                  <a:srgbClr val="0000FF"/>
+                </a:solidFill>
+                <a:latin typeface="Consolas" panose="020B0609020204030204" pitchFamily="49" charset="0"/>
+                <a:ea typeface="Calibri" panose="020F0502020204030204" pitchFamily="34" charset="0"/>
+                <a:cs typeface="Times New Roman" panose="02020603050405020304" pitchFamily="18" charset="0"/>
+              </a:rPr>
+              <a:t>State</a:t>
+            </a:r>
+            <a:r>
+              <a:rPr lang="en-US" dirty="0">
+                <a:latin typeface="Consolas" panose="020B0609020204030204" pitchFamily="49" charset="0"/>
+                <a:ea typeface="Calibri" panose="020F0502020204030204" pitchFamily="34" charset="0"/>
+                <a:cs typeface="Times New Roman" panose="02020603050405020304" pitchFamily="18" charset="0"/>
+              </a:rPr>
+              <a:t> </a:t>
+            </a:r>
+            <a:r>
+              <a:rPr lang="en-US" dirty="0">
+                <a:solidFill>
+                  <a:srgbClr val="808080"/>
+                </a:solidFill>
+                <a:latin typeface="Consolas" panose="020B0609020204030204" pitchFamily="49" charset="0"/>
+                <a:ea typeface="Calibri" panose="020F0502020204030204" pitchFamily="34" charset="0"/>
+                <a:cs typeface="Times New Roman" panose="02020603050405020304" pitchFamily="18" charset="0"/>
+              </a:rPr>
+              <a:t>=</a:t>
+            </a:r>
+            <a:r>
+              <a:rPr lang="en-US" dirty="0">
+                <a:latin typeface="Consolas" panose="020B0609020204030204" pitchFamily="49" charset="0"/>
+                <a:ea typeface="Calibri" panose="020F0502020204030204" pitchFamily="34" charset="0"/>
+                <a:cs typeface="Times New Roman" panose="02020603050405020304" pitchFamily="18" charset="0"/>
+              </a:rPr>
+              <a:t> </a:t>
+            </a:r>
+            <a:r>
+              <a:rPr lang="en-US" dirty="0" smtClean="0">
+                <a:solidFill>
+                  <a:srgbClr val="FF0000"/>
+                </a:solidFill>
+                <a:latin typeface="Consolas" panose="020B0609020204030204" pitchFamily="49" charset="0"/>
+                <a:ea typeface="Calibri" panose="020F0502020204030204" pitchFamily="34" charset="0"/>
+                <a:cs typeface="Times New Roman" panose="02020603050405020304" pitchFamily="18" charset="0"/>
+              </a:rPr>
+              <a:t>'OK'</a:t>
+            </a:r>
+            <a:endParaRPr lang="en-US" sz="2400" dirty="0">
+              <a:latin typeface="Calibri" panose="020F0502020204030204" pitchFamily="34" charset="0"/>
+              <a:ea typeface="Calibri" panose="020F0502020204030204" pitchFamily="34" charset="0"/>
+              <a:cs typeface="Times New Roman" panose="02020603050405020304" pitchFamily="18" charset="0"/>
+            </a:endParaRPr>
+          </a:p>
+          <a:p>
+            <a:pPr>
+              <a:lnSpc>
+                <a:spcPct val="107000"/>
+              </a:lnSpc>
+            </a:pPr>
+            <a:r>
+              <a:rPr lang="en-US" dirty="0">
+                <a:solidFill>
+                  <a:srgbClr val="0000FF"/>
+                </a:solidFill>
+                <a:latin typeface="Consolas" panose="020B0609020204030204" pitchFamily="49" charset="0"/>
+                <a:ea typeface="Calibri" panose="020F0502020204030204" pitchFamily="34" charset="0"/>
+                <a:cs typeface="Times New Roman" panose="02020603050405020304" pitchFamily="18" charset="0"/>
+              </a:rPr>
+              <a:t>group</a:t>
+            </a:r>
+            <a:r>
+              <a:rPr lang="en-US" dirty="0">
+                <a:latin typeface="Consolas" panose="020B0609020204030204" pitchFamily="49" charset="0"/>
+                <a:ea typeface="Calibri" panose="020F0502020204030204" pitchFamily="34" charset="0"/>
+                <a:cs typeface="Times New Roman" panose="02020603050405020304" pitchFamily="18" charset="0"/>
+              </a:rPr>
+              <a:t> </a:t>
+            </a:r>
+            <a:r>
+              <a:rPr lang="en-US" dirty="0">
+                <a:solidFill>
+                  <a:srgbClr val="0000FF"/>
+                </a:solidFill>
+                <a:latin typeface="Consolas" panose="020B0609020204030204" pitchFamily="49" charset="0"/>
+                <a:ea typeface="Calibri" panose="020F0502020204030204" pitchFamily="34" charset="0"/>
+                <a:cs typeface="Times New Roman" panose="02020603050405020304" pitchFamily="18" charset="0"/>
+              </a:rPr>
+              <a:t>by</a:t>
+            </a:r>
+            <a:r>
+              <a:rPr lang="en-US" dirty="0">
+                <a:latin typeface="Consolas" panose="020B0609020204030204" pitchFamily="49" charset="0"/>
+                <a:ea typeface="Calibri" panose="020F0502020204030204" pitchFamily="34" charset="0"/>
+                <a:cs typeface="Times New Roman" panose="02020603050405020304" pitchFamily="18" charset="0"/>
+              </a:rPr>
+              <a:t> </a:t>
+            </a:r>
+            <a:r>
+              <a:rPr lang="en-US" dirty="0" err="1">
+                <a:solidFill>
+                  <a:srgbClr val="008080"/>
+                </a:solidFill>
+                <a:latin typeface="Consolas" panose="020B0609020204030204" pitchFamily="49" charset="0"/>
+                <a:ea typeface="Calibri" panose="020F0502020204030204" pitchFamily="34" charset="0"/>
+                <a:cs typeface="Times New Roman" panose="02020603050405020304" pitchFamily="18" charset="0"/>
+              </a:rPr>
+              <a:t>od</a:t>
+            </a:r>
+            <a:r>
+              <a:rPr lang="en-US" dirty="0" err="1">
+                <a:solidFill>
+                  <a:srgbClr val="808080"/>
+                </a:solidFill>
+                <a:latin typeface="Consolas" panose="020B0609020204030204" pitchFamily="49" charset="0"/>
+                <a:ea typeface="Calibri" panose="020F0502020204030204" pitchFamily="34" charset="0"/>
+                <a:cs typeface="Times New Roman" panose="02020603050405020304" pitchFamily="18" charset="0"/>
+              </a:rPr>
+              <a:t>.</a:t>
+            </a:r>
+            <a:r>
+              <a:rPr lang="en-US" dirty="0" err="1">
+                <a:solidFill>
+                  <a:srgbClr val="008080"/>
+                </a:solidFill>
+                <a:latin typeface="Consolas" panose="020B0609020204030204" pitchFamily="49" charset="0"/>
+                <a:ea typeface="Calibri" panose="020F0502020204030204" pitchFamily="34" charset="0"/>
+                <a:cs typeface="Times New Roman" panose="02020603050405020304" pitchFamily="18" charset="0"/>
+              </a:rPr>
+              <a:t>ProductId</a:t>
+            </a:r>
+            <a:endParaRPr lang="en-US" sz="2400" dirty="0">
+              <a:latin typeface="Calibri" panose="020F0502020204030204" pitchFamily="34" charset="0"/>
+              <a:ea typeface="Calibri" panose="020F0502020204030204" pitchFamily="34" charset="0"/>
+              <a:cs typeface="Times New Roman" panose="02020603050405020304" pitchFamily="18" charset="0"/>
+            </a:endParaRPr>
+          </a:p>
+          <a:p>
+            <a:pPr>
+              <a:lnSpc>
+                <a:spcPct val="107000"/>
+              </a:lnSpc>
+            </a:pPr>
+            <a:r>
+              <a:rPr lang="en-US" dirty="0">
+                <a:solidFill>
+                  <a:srgbClr val="0000FF"/>
+                </a:solidFill>
+                <a:latin typeface="Consolas" panose="020B0609020204030204" pitchFamily="49" charset="0"/>
+                <a:ea typeface="Calibri" panose="020F0502020204030204" pitchFamily="34" charset="0"/>
+                <a:cs typeface="Times New Roman" panose="02020603050405020304" pitchFamily="18" charset="0"/>
+              </a:rPr>
+              <a:t>having</a:t>
+            </a:r>
+            <a:r>
+              <a:rPr lang="en-US" dirty="0">
+                <a:latin typeface="Consolas" panose="020B0609020204030204" pitchFamily="49" charset="0"/>
+                <a:ea typeface="Calibri" panose="020F0502020204030204" pitchFamily="34" charset="0"/>
+                <a:cs typeface="Times New Roman" panose="02020603050405020304" pitchFamily="18" charset="0"/>
+              </a:rPr>
+              <a:t> </a:t>
+            </a:r>
+            <a:r>
+              <a:rPr lang="en-US" dirty="0">
+                <a:solidFill>
+                  <a:srgbClr val="FF00FF"/>
+                </a:solidFill>
+                <a:latin typeface="Consolas" panose="020B0609020204030204" pitchFamily="49" charset="0"/>
+                <a:ea typeface="Calibri" panose="020F0502020204030204" pitchFamily="34" charset="0"/>
+                <a:cs typeface="Times New Roman" panose="02020603050405020304" pitchFamily="18" charset="0"/>
+              </a:rPr>
+              <a:t>sum</a:t>
+            </a:r>
+            <a:r>
+              <a:rPr lang="en-US" dirty="0">
+                <a:solidFill>
+                  <a:srgbClr val="808080"/>
+                </a:solidFill>
+                <a:latin typeface="Consolas" panose="020B0609020204030204" pitchFamily="49" charset="0"/>
+                <a:ea typeface="Calibri" panose="020F0502020204030204" pitchFamily="34" charset="0"/>
+                <a:cs typeface="Times New Roman" panose="02020603050405020304" pitchFamily="18" charset="0"/>
+              </a:rPr>
+              <a:t>(</a:t>
+            </a:r>
+            <a:r>
+              <a:rPr lang="en-US" dirty="0" err="1">
+                <a:solidFill>
+                  <a:srgbClr val="008080"/>
+                </a:solidFill>
+                <a:latin typeface="Consolas" panose="020B0609020204030204" pitchFamily="49" charset="0"/>
+                <a:ea typeface="Calibri" panose="020F0502020204030204" pitchFamily="34" charset="0"/>
+                <a:cs typeface="Times New Roman" panose="02020603050405020304" pitchFamily="18" charset="0"/>
+              </a:rPr>
+              <a:t>od</a:t>
+            </a:r>
+            <a:r>
+              <a:rPr lang="en-US" dirty="0" err="1">
+                <a:solidFill>
+                  <a:srgbClr val="808080"/>
+                </a:solidFill>
+                <a:latin typeface="Consolas" panose="020B0609020204030204" pitchFamily="49" charset="0"/>
+                <a:ea typeface="Calibri" panose="020F0502020204030204" pitchFamily="34" charset="0"/>
+                <a:cs typeface="Times New Roman" panose="02020603050405020304" pitchFamily="18" charset="0"/>
+              </a:rPr>
+              <a:t>.</a:t>
+            </a:r>
+            <a:r>
+              <a:rPr lang="en-US" dirty="0" err="1">
+                <a:solidFill>
+                  <a:srgbClr val="008080"/>
+                </a:solidFill>
+                <a:latin typeface="Consolas" panose="020B0609020204030204" pitchFamily="49" charset="0"/>
+                <a:ea typeface="Calibri" panose="020F0502020204030204" pitchFamily="34" charset="0"/>
+                <a:cs typeface="Times New Roman" panose="02020603050405020304" pitchFamily="18" charset="0"/>
+              </a:rPr>
+              <a:t>Quantity</a:t>
+            </a:r>
+            <a:r>
+              <a:rPr lang="en-US" dirty="0">
+                <a:solidFill>
+                  <a:srgbClr val="808080"/>
+                </a:solidFill>
+                <a:latin typeface="Consolas" panose="020B0609020204030204" pitchFamily="49" charset="0"/>
+                <a:ea typeface="Calibri" panose="020F0502020204030204" pitchFamily="34" charset="0"/>
+                <a:cs typeface="Times New Roman" panose="02020603050405020304" pitchFamily="18" charset="0"/>
+              </a:rPr>
+              <a:t>)</a:t>
+            </a:r>
+            <a:r>
+              <a:rPr lang="en-US" dirty="0">
+                <a:latin typeface="Consolas" panose="020B0609020204030204" pitchFamily="49" charset="0"/>
+                <a:ea typeface="Calibri" panose="020F0502020204030204" pitchFamily="34" charset="0"/>
+                <a:cs typeface="Times New Roman" panose="02020603050405020304" pitchFamily="18" charset="0"/>
+              </a:rPr>
+              <a:t> </a:t>
+            </a:r>
+            <a:r>
+              <a:rPr lang="en-US" dirty="0">
+                <a:solidFill>
+                  <a:srgbClr val="808080"/>
+                </a:solidFill>
+                <a:latin typeface="Consolas" panose="020B0609020204030204" pitchFamily="49" charset="0"/>
+                <a:ea typeface="Calibri" panose="020F0502020204030204" pitchFamily="34" charset="0"/>
+                <a:cs typeface="Times New Roman" panose="02020603050405020304" pitchFamily="18" charset="0"/>
+              </a:rPr>
+              <a:t>&gt;=</a:t>
+            </a:r>
+            <a:r>
+              <a:rPr lang="en-US" dirty="0">
+                <a:latin typeface="Consolas" panose="020B0609020204030204" pitchFamily="49" charset="0"/>
+                <a:ea typeface="Calibri" panose="020F0502020204030204" pitchFamily="34" charset="0"/>
+                <a:cs typeface="Times New Roman" panose="02020603050405020304" pitchFamily="18" charset="0"/>
+              </a:rPr>
+              <a:t> 20</a:t>
+            </a:r>
+            <a:endParaRPr lang="en-US" sz="2400" dirty="0">
+              <a:latin typeface="Calibri" panose="020F0502020204030204" pitchFamily="34" charset="0"/>
+              <a:ea typeface="Calibri" panose="020F0502020204030204" pitchFamily="34" charset="0"/>
+              <a:cs typeface="Times New Roman" panose="02020603050405020304" pitchFamily="18" charset="0"/>
+            </a:endParaRPr>
+          </a:p>
+          <a:p>
+            <a:pPr>
+              <a:lnSpc>
+                <a:spcPct val="107000"/>
+              </a:lnSpc>
+            </a:pPr>
+            <a:r>
+              <a:rPr lang="en-US" dirty="0">
+                <a:solidFill>
+                  <a:srgbClr val="0000FF"/>
+                </a:solidFill>
+                <a:latin typeface="Consolas" panose="020B0609020204030204" pitchFamily="49" charset="0"/>
+                <a:ea typeface="Calibri" panose="020F0502020204030204" pitchFamily="34" charset="0"/>
+                <a:cs typeface="Times New Roman" panose="02020603050405020304" pitchFamily="18" charset="0"/>
+              </a:rPr>
+              <a:t>select</a:t>
+            </a:r>
+            <a:r>
+              <a:rPr lang="en-US" dirty="0">
+                <a:latin typeface="Consolas" panose="020B0609020204030204" pitchFamily="49" charset="0"/>
+                <a:ea typeface="Calibri" panose="020F0502020204030204" pitchFamily="34" charset="0"/>
+                <a:cs typeface="Times New Roman" panose="02020603050405020304" pitchFamily="18" charset="0"/>
+              </a:rPr>
+              <a:t> </a:t>
+            </a:r>
+            <a:r>
+              <a:rPr lang="en-US" dirty="0" err="1" smtClean="0">
+                <a:solidFill>
+                  <a:srgbClr val="008080"/>
+                </a:solidFill>
+                <a:latin typeface="Consolas" panose="020B0609020204030204" pitchFamily="49" charset="0"/>
+                <a:ea typeface="Calibri" panose="020F0502020204030204" pitchFamily="34" charset="0"/>
+                <a:cs typeface="Times New Roman" panose="02020603050405020304" pitchFamily="18" charset="0"/>
+              </a:rPr>
+              <a:t>od</a:t>
+            </a:r>
+            <a:r>
+              <a:rPr lang="en-US" dirty="0" err="1" smtClean="0">
+                <a:solidFill>
+                  <a:srgbClr val="808080"/>
+                </a:solidFill>
+                <a:latin typeface="Consolas" panose="020B0609020204030204" pitchFamily="49" charset="0"/>
+                <a:ea typeface="Calibri" panose="020F0502020204030204" pitchFamily="34" charset="0"/>
+                <a:cs typeface="Times New Roman" panose="02020603050405020304" pitchFamily="18" charset="0"/>
+              </a:rPr>
+              <a:t>.</a:t>
+            </a:r>
+            <a:r>
+              <a:rPr lang="en-US" dirty="0" err="1" smtClean="0">
+                <a:solidFill>
+                  <a:srgbClr val="008080"/>
+                </a:solidFill>
+                <a:latin typeface="Consolas" panose="020B0609020204030204" pitchFamily="49" charset="0"/>
+                <a:ea typeface="Calibri" panose="020F0502020204030204" pitchFamily="34" charset="0"/>
+                <a:cs typeface="Times New Roman" panose="02020603050405020304" pitchFamily="18" charset="0"/>
+              </a:rPr>
+              <a:t>ProductId</a:t>
+            </a:r>
+            <a:r>
+              <a:rPr lang="en-US" dirty="0">
+                <a:solidFill>
+                  <a:srgbClr val="808080"/>
+                </a:solidFill>
+                <a:latin typeface="Consolas" panose="020B0609020204030204" pitchFamily="49" charset="0"/>
+                <a:ea typeface="Calibri" panose="020F0502020204030204" pitchFamily="34" charset="0"/>
+                <a:cs typeface="Times New Roman" panose="02020603050405020304" pitchFamily="18" charset="0"/>
+              </a:rPr>
+              <a:t>,</a:t>
+            </a:r>
+            <a:r>
+              <a:rPr lang="en-US" dirty="0">
+                <a:latin typeface="Consolas" panose="020B0609020204030204" pitchFamily="49" charset="0"/>
+                <a:ea typeface="Calibri" panose="020F0502020204030204" pitchFamily="34" charset="0"/>
+                <a:cs typeface="Times New Roman" panose="02020603050405020304" pitchFamily="18" charset="0"/>
+              </a:rPr>
+              <a:t> </a:t>
+            </a:r>
+            <a:r>
+              <a:rPr lang="en-US" dirty="0">
+                <a:solidFill>
+                  <a:srgbClr val="FF00FF"/>
+                </a:solidFill>
+                <a:latin typeface="Consolas" panose="020B0609020204030204" pitchFamily="49" charset="0"/>
+                <a:ea typeface="Calibri" panose="020F0502020204030204" pitchFamily="34" charset="0"/>
+                <a:cs typeface="Times New Roman" panose="02020603050405020304" pitchFamily="18" charset="0"/>
+              </a:rPr>
+              <a:t>sum</a:t>
+            </a:r>
+            <a:r>
+              <a:rPr lang="en-US" dirty="0">
+                <a:solidFill>
+                  <a:srgbClr val="808080"/>
+                </a:solidFill>
+                <a:latin typeface="Consolas" panose="020B0609020204030204" pitchFamily="49" charset="0"/>
+                <a:ea typeface="Calibri" panose="020F0502020204030204" pitchFamily="34" charset="0"/>
+                <a:cs typeface="Times New Roman" panose="02020603050405020304" pitchFamily="18" charset="0"/>
+              </a:rPr>
+              <a:t>(</a:t>
+            </a:r>
+            <a:r>
+              <a:rPr lang="en-US" dirty="0" err="1">
+                <a:solidFill>
+                  <a:srgbClr val="008080"/>
+                </a:solidFill>
+                <a:latin typeface="Consolas" panose="020B0609020204030204" pitchFamily="49" charset="0"/>
+                <a:ea typeface="Calibri" panose="020F0502020204030204" pitchFamily="34" charset="0"/>
+                <a:cs typeface="Times New Roman" panose="02020603050405020304" pitchFamily="18" charset="0"/>
+              </a:rPr>
+              <a:t>od</a:t>
+            </a:r>
+            <a:r>
+              <a:rPr lang="en-US" dirty="0" err="1">
+                <a:solidFill>
+                  <a:srgbClr val="808080"/>
+                </a:solidFill>
+                <a:latin typeface="Consolas" panose="020B0609020204030204" pitchFamily="49" charset="0"/>
+                <a:ea typeface="Calibri" panose="020F0502020204030204" pitchFamily="34" charset="0"/>
+                <a:cs typeface="Times New Roman" panose="02020603050405020304" pitchFamily="18" charset="0"/>
+              </a:rPr>
+              <a:t>.</a:t>
+            </a:r>
+            <a:r>
+              <a:rPr lang="en-US" dirty="0" err="1">
+                <a:solidFill>
+                  <a:srgbClr val="008080"/>
+                </a:solidFill>
+                <a:latin typeface="Consolas" panose="020B0609020204030204" pitchFamily="49" charset="0"/>
+                <a:ea typeface="Calibri" panose="020F0502020204030204" pitchFamily="34" charset="0"/>
+                <a:cs typeface="Times New Roman" panose="02020603050405020304" pitchFamily="18" charset="0"/>
+              </a:rPr>
+              <a:t>Quantity</a:t>
+            </a:r>
+            <a:r>
+              <a:rPr lang="en-US" dirty="0">
+                <a:solidFill>
+                  <a:srgbClr val="808080"/>
+                </a:solidFill>
+                <a:latin typeface="Consolas" panose="020B0609020204030204" pitchFamily="49" charset="0"/>
+                <a:ea typeface="Calibri" panose="020F0502020204030204" pitchFamily="34" charset="0"/>
+                <a:cs typeface="Times New Roman" panose="02020603050405020304" pitchFamily="18" charset="0"/>
+              </a:rPr>
+              <a:t>)</a:t>
+            </a:r>
+            <a:r>
+              <a:rPr lang="en-US" dirty="0">
+                <a:latin typeface="Consolas" panose="020B0609020204030204" pitchFamily="49" charset="0"/>
+                <a:ea typeface="Calibri" panose="020F0502020204030204" pitchFamily="34" charset="0"/>
+                <a:cs typeface="Times New Roman" panose="02020603050405020304" pitchFamily="18" charset="0"/>
+              </a:rPr>
+              <a:t> </a:t>
+            </a:r>
+            <a:r>
+              <a:rPr lang="en-US" dirty="0">
+                <a:solidFill>
+                  <a:srgbClr val="808080"/>
+                </a:solidFill>
+                <a:latin typeface="Consolas" panose="020B0609020204030204" pitchFamily="49" charset="0"/>
+                <a:ea typeface="Calibri" panose="020F0502020204030204" pitchFamily="34" charset="0"/>
+                <a:cs typeface="Times New Roman" panose="02020603050405020304" pitchFamily="18" charset="0"/>
+              </a:rPr>
+              <a:t>-</a:t>
+            </a:r>
+            <a:r>
+              <a:rPr lang="en-US" dirty="0">
+                <a:latin typeface="Consolas" panose="020B0609020204030204" pitchFamily="49" charset="0"/>
+                <a:ea typeface="Calibri" panose="020F0502020204030204" pitchFamily="34" charset="0"/>
+                <a:cs typeface="Times New Roman" panose="02020603050405020304" pitchFamily="18" charset="0"/>
+              </a:rPr>
+              <a:t> 20 </a:t>
+            </a:r>
+            <a:r>
+              <a:rPr lang="en-US" dirty="0" err="1">
+                <a:solidFill>
+                  <a:srgbClr val="008080"/>
+                </a:solidFill>
+                <a:latin typeface="Consolas" panose="020B0609020204030204" pitchFamily="49" charset="0"/>
+                <a:ea typeface="Calibri" panose="020F0502020204030204" pitchFamily="34" charset="0"/>
+                <a:cs typeface="Times New Roman" panose="02020603050405020304" pitchFamily="18" charset="0"/>
+              </a:rPr>
+              <a:t>ExcessOrders</a:t>
+            </a:r>
+            <a:endParaRPr lang="en-US" sz="2400" dirty="0">
+              <a:latin typeface="Calibri" panose="020F0502020204030204" pitchFamily="34" charset="0"/>
+              <a:ea typeface="Calibri" panose="020F0502020204030204" pitchFamily="34" charset="0"/>
+              <a:cs typeface="Times New Roman" panose="02020603050405020304" pitchFamily="18" charset="0"/>
+            </a:endParaRPr>
+          </a:p>
+          <a:p>
+            <a:pPr>
+              <a:lnSpc>
+                <a:spcPct val="107000"/>
+              </a:lnSpc>
+            </a:pPr>
+            <a:r>
+              <a:rPr lang="en-US" dirty="0" smtClean="0">
+                <a:solidFill>
+                  <a:srgbClr val="0000FF"/>
+                </a:solidFill>
+                <a:latin typeface="Consolas" panose="020B0609020204030204" pitchFamily="49" charset="0"/>
+                <a:ea typeface="Calibri" panose="020F0502020204030204" pitchFamily="34" charset="0"/>
+                <a:cs typeface="Times New Roman" panose="02020603050405020304" pitchFamily="18" charset="0"/>
+              </a:rPr>
+              <a:t>order</a:t>
+            </a:r>
+            <a:r>
+              <a:rPr lang="en-US" dirty="0" smtClean="0">
+                <a:latin typeface="Consolas" panose="020B0609020204030204" pitchFamily="49" charset="0"/>
+                <a:ea typeface="Calibri" panose="020F0502020204030204" pitchFamily="34" charset="0"/>
+                <a:cs typeface="Times New Roman" panose="02020603050405020304" pitchFamily="18" charset="0"/>
+              </a:rPr>
+              <a:t> </a:t>
+            </a:r>
+            <a:r>
+              <a:rPr lang="en-US" dirty="0">
+                <a:solidFill>
+                  <a:srgbClr val="0000FF"/>
+                </a:solidFill>
+                <a:latin typeface="Consolas" panose="020B0609020204030204" pitchFamily="49" charset="0"/>
+                <a:ea typeface="Calibri" panose="020F0502020204030204" pitchFamily="34" charset="0"/>
+                <a:cs typeface="Times New Roman" panose="02020603050405020304" pitchFamily="18" charset="0"/>
+              </a:rPr>
+              <a:t>by</a:t>
+            </a:r>
+            <a:r>
+              <a:rPr lang="en-US" dirty="0">
+                <a:latin typeface="Consolas" panose="020B0609020204030204" pitchFamily="49" charset="0"/>
+                <a:ea typeface="Calibri" panose="020F0502020204030204" pitchFamily="34" charset="0"/>
+                <a:cs typeface="Times New Roman" panose="02020603050405020304" pitchFamily="18" charset="0"/>
+              </a:rPr>
+              <a:t> </a:t>
+            </a:r>
+            <a:r>
+              <a:rPr lang="en-US" dirty="0" err="1" smtClean="0">
+                <a:solidFill>
+                  <a:srgbClr val="008080"/>
+                </a:solidFill>
+                <a:latin typeface="Consolas" panose="020B0609020204030204" pitchFamily="49" charset="0"/>
+                <a:ea typeface="Calibri" panose="020F0502020204030204" pitchFamily="34" charset="0"/>
+                <a:cs typeface="Times New Roman" panose="02020603050405020304" pitchFamily="18" charset="0"/>
+              </a:rPr>
+              <a:t>od</a:t>
+            </a:r>
+            <a:r>
+              <a:rPr lang="en-US" dirty="0" err="1" smtClean="0">
+                <a:solidFill>
+                  <a:srgbClr val="808080"/>
+                </a:solidFill>
+                <a:latin typeface="Consolas" panose="020B0609020204030204" pitchFamily="49" charset="0"/>
+                <a:ea typeface="Calibri" panose="020F0502020204030204" pitchFamily="34" charset="0"/>
+                <a:cs typeface="Times New Roman" panose="02020603050405020304" pitchFamily="18" charset="0"/>
+              </a:rPr>
+              <a:t>.</a:t>
+            </a:r>
+            <a:r>
+              <a:rPr lang="en-US" dirty="0" err="1" smtClean="0">
+                <a:solidFill>
+                  <a:srgbClr val="008080"/>
+                </a:solidFill>
+                <a:latin typeface="Consolas" panose="020B0609020204030204" pitchFamily="49" charset="0"/>
+                <a:ea typeface="Calibri" panose="020F0502020204030204" pitchFamily="34" charset="0"/>
+                <a:cs typeface="Times New Roman" panose="02020603050405020304" pitchFamily="18" charset="0"/>
+              </a:rPr>
+              <a:t>ProductId</a:t>
+            </a:r>
+            <a:endParaRPr lang="en-US" dirty="0" smtClean="0">
+              <a:solidFill>
+                <a:srgbClr val="008080"/>
+              </a:solidFill>
+              <a:latin typeface="Consolas" panose="020B0609020204030204" pitchFamily="49" charset="0"/>
+              <a:ea typeface="Calibri" panose="020F0502020204030204" pitchFamily="34" charset="0"/>
+              <a:cs typeface="Times New Roman" panose="02020603050405020304" pitchFamily="18" charset="0"/>
+            </a:endParaRPr>
+          </a:p>
+          <a:p>
+            <a:pPr>
+              <a:lnSpc>
+                <a:spcPct val="107000"/>
+              </a:lnSpc>
+            </a:pPr>
+            <a:r>
+              <a:rPr lang="en-US" dirty="0">
+                <a:solidFill>
+                  <a:srgbClr val="0000FF"/>
+                </a:solidFill>
+                <a:latin typeface="Consolas" panose="020B0609020204030204" pitchFamily="49" charset="0"/>
+                <a:ea typeface="Calibri" panose="020F0502020204030204" pitchFamily="34" charset="0"/>
+                <a:cs typeface="Times New Roman" panose="02020603050405020304" pitchFamily="18" charset="0"/>
+              </a:rPr>
+              <a:t>top</a:t>
+            </a:r>
+            <a:r>
+              <a:rPr lang="en-US" dirty="0">
+                <a:latin typeface="Consolas" panose="020B0609020204030204" pitchFamily="49" charset="0"/>
+                <a:ea typeface="Calibri" panose="020F0502020204030204" pitchFamily="34" charset="0"/>
+                <a:cs typeface="Times New Roman" panose="02020603050405020304" pitchFamily="18" charset="0"/>
+              </a:rPr>
+              <a:t> 5</a:t>
+            </a:r>
+            <a:r>
+              <a:rPr lang="en-US" dirty="0" smtClean="0">
+                <a:solidFill>
+                  <a:srgbClr val="808080"/>
+                </a:solidFill>
+                <a:latin typeface="Consolas" panose="020B0609020204030204" pitchFamily="49" charset="0"/>
+                <a:ea typeface="Calibri" panose="020F0502020204030204" pitchFamily="34" charset="0"/>
+                <a:cs typeface="Times New Roman" panose="02020603050405020304" pitchFamily="18" charset="0"/>
+              </a:rPr>
+              <a:t>;</a:t>
+            </a:r>
+            <a:endParaRPr lang="en-US" sz="2400" dirty="0">
+              <a:effectLst/>
+              <a:latin typeface="Calibri" panose="020F0502020204030204" pitchFamily="34" charset="0"/>
+              <a:ea typeface="Calibri" panose="020F0502020204030204" pitchFamily="34" charset="0"/>
+              <a:cs typeface="Times New Roman" panose="02020603050405020304" pitchFamily="18" charset="0"/>
+            </a:endParaRPr>
+          </a:p>
+        </p:txBody>
+      </p:sp>
+    </p:spTree>
+    <p:extLst>
+      <p:ext uri="{BB962C8B-B14F-4D97-AF65-F5344CB8AC3E}">
+        <p14:creationId xmlns:p14="http://schemas.microsoft.com/office/powerpoint/2010/main" val="2368125967"/>
+      </p:ext>
+    </p:extLst>
+  </p:cSld>
+  <p:clrMapOvr>
+    <a:masterClrMapping/>
+  </p:clrMapOvr>
+  <mc:AlternateContent xmlns:mc="http://schemas.openxmlformats.org/markup-compatibility/2006">
+    <mc:Choice xmlns:p14="http://schemas.microsoft.com/office/powerpoint/2010/main" Requires="p14">
+      <p:transition spd="slow" p14:dur="2000"/>
+    </mc:Choice>
+    <mc:Fallback>
+      <p:transition spd="slow"/>
+    </mc:Fallback>
+  </mc:AlternateContent>
+  <p:timing>
+    <p:tnLst>
+      <p:par>
+        <p:cTn id="1" dur="indefinite" restart="never" nodeType="tmRoot"/>
+      </p:par>
+    </p:tnLst>
+  </p:timing>
+</p:sld>
+</file>
+
+<file path=ppt/slides/slide24.xml><?xml version="1.0" encoding="utf-8"?>
+<p:sld xmlns:a="http://schemas.openxmlformats.org/drawingml/2006/main" xmlns:r="http://schemas.openxmlformats.org/officeDocument/2006/relationships" xmlns:p="http://schemas.openxmlformats.org/presentationml/2006/main" show="0">
+  <p:cSld>
+    <p:spTree>
+      <p:nvGrpSpPr>
+        <p:cNvPr id="1" name=""/>
+        <p:cNvGrpSpPr/>
+        <p:nvPr/>
+      </p:nvGrpSpPr>
+      <p:grpSpPr>
+        <a:xfrm>
+          <a:off x="0" y="0"/>
+          <a:ext cx="0" cy="0"/>
+          <a:chOff x="0" y="0"/>
+          <a:chExt cx="0" cy="0"/>
+        </a:xfrm>
+      </p:grpSpPr>
+      <p:sp>
+        <p:nvSpPr>
+          <p:cNvPr id="2" name="Title 1"/>
+          <p:cNvSpPr>
+            <a:spLocks noGrp="1"/>
+          </p:cNvSpPr>
+          <p:nvPr>
+            <p:ph type="title"/>
+          </p:nvPr>
+        </p:nvSpPr>
+        <p:spPr/>
+        <p:txBody>
+          <a:bodyPr/>
+          <a:lstStyle/>
+          <a:p>
+            <a:r>
+              <a:rPr lang="en-US" dirty="0" smtClean="0"/>
+              <a:t>Parse </a:t>
+            </a:r>
+            <a:r>
+              <a:rPr lang="en-US" dirty="0"/>
+              <a:t>Tree</a:t>
+            </a:r>
+          </a:p>
+        </p:txBody>
+      </p:sp>
+      <p:sp>
+        <p:nvSpPr>
+          <p:cNvPr id="5" name="TextBox 4"/>
+          <p:cNvSpPr txBox="1"/>
+          <p:nvPr/>
+        </p:nvSpPr>
+        <p:spPr>
+          <a:xfrm>
+            <a:off x="558265" y="1713297"/>
+            <a:ext cx="4025461" cy="2858475"/>
+          </a:xfrm>
+          <a:prstGeom prst="rect">
+            <a:avLst/>
+          </a:prstGeom>
+          <a:noFill/>
+        </p:spPr>
+        <p:txBody>
+          <a:bodyPr wrap="none" rtlCol="0">
+            <a:spAutoFit/>
+          </a:bodyPr>
+          <a:lstStyle/>
+          <a:p>
+            <a:pPr>
+              <a:lnSpc>
+                <a:spcPct val="107000"/>
+              </a:lnSpc>
+            </a:pPr>
+            <a:r>
+              <a:rPr lang="en-US" sz="1400" dirty="0">
+                <a:solidFill>
+                  <a:srgbClr val="0000FF"/>
+                </a:solidFill>
+                <a:latin typeface="Consolas" panose="020B0609020204030204" pitchFamily="49" charset="0"/>
+                <a:ea typeface="Calibri" panose="020F0502020204030204" pitchFamily="34" charset="0"/>
+                <a:cs typeface="Times New Roman" panose="02020603050405020304" pitchFamily="18" charset="0"/>
+              </a:rPr>
+              <a:t>from</a:t>
+            </a:r>
+            <a:r>
+              <a:rPr lang="en-US" sz="1400" dirty="0">
+                <a:latin typeface="Consolas" panose="020B0609020204030204" pitchFamily="49" charset="0"/>
+                <a:ea typeface="Calibri" panose="020F0502020204030204" pitchFamily="34" charset="0"/>
+                <a:cs typeface="Times New Roman" panose="02020603050405020304" pitchFamily="18" charset="0"/>
+              </a:rPr>
+              <a:t> </a:t>
+            </a:r>
+            <a:r>
+              <a:rPr lang="en-US" sz="1400" dirty="0" err="1">
+                <a:solidFill>
+                  <a:srgbClr val="008080"/>
+                </a:solidFill>
+                <a:latin typeface="Consolas" panose="020B0609020204030204" pitchFamily="49" charset="0"/>
+                <a:ea typeface="Calibri" panose="020F0502020204030204" pitchFamily="34" charset="0"/>
+                <a:cs typeface="Times New Roman" panose="02020603050405020304" pitchFamily="18" charset="0"/>
+              </a:rPr>
+              <a:t>dbo</a:t>
+            </a:r>
+            <a:r>
+              <a:rPr lang="en-US" sz="1400" dirty="0" err="1">
+                <a:solidFill>
+                  <a:srgbClr val="808080"/>
+                </a:solidFill>
+                <a:latin typeface="Consolas" panose="020B0609020204030204" pitchFamily="49" charset="0"/>
+                <a:ea typeface="Calibri" panose="020F0502020204030204" pitchFamily="34" charset="0"/>
+                <a:cs typeface="Times New Roman" panose="02020603050405020304" pitchFamily="18" charset="0"/>
+              </a:rPr>
+              <a:t>.</a:t>
+            </a:r>
+            <a:r>
+              <a:rPr lang="en-US" sz="1400" dirty="0" err="1">
+                <a:solidFill>
+                  <a:srgbClr val="008080"/>
+                </a:solidFill>
+                <a:latin typeface="Consolas" panose="020B0609020204030204" pitchFamily="49" charset="0"/>
+                <a:ea typeface="Calibri" panose="020F0502020204030204" pitchFamily="34" charset="0"/>
+                <a:cs typeface="Times New Roman" panose="02020603050405020304" pitchFamily="18" charset="0"/>
+              </a:rPr>
+              <a:t>OrderHeader</a:t>
+            </a:r>
+            <a:r>
+              <a:rPr lang="en-US" sz="1400" dirty="0">
+                <a:latin typeface="Consolas" panose="020B0609020204030204" pitchFamily="49" charset="0"/>
+                <a:ea typeface="Calibri" panose="020F0502020204030204" pitchFamily="34" charset="0"/>
+                <a:cs typeface="Times New Roman" panose="02020603050405020304" pitchFamily="18" charset="0"/>
+              </a:rPr>
+              <a:t> </a:t>
+            </a:r>
+            <a:r>
+              <a:rPr lang="en-US" sz="1400" dirty="0">
+                <a:solidFill>
+                  <a:srgbClr val="008080"/>
+                </a:solidFill>
+                <a:latin typeface="Consolas" panose="020B0609020204030204" pitchFamily="49" charset="0"/>
+                <a:ea typeface="Calibri" panose="020F0502020204030204" pitchFamily="34" charset="0"/>
+                <a:cs typeface="Times New Roman" panose="02020603050405020304" pitchFamily="18" charset="0"/>
+              </a:rPr>
+              <a:t>oh</a:t>
+            </a:r>
+            <a:endParaRPr lang="en-US" dirty="0">
+              <a:latin typeface="Calibri" panose="020F0502020204030204" pitchFamily="34" charset="0"/>
+              <a:ea typeface="Calibri" panose="020F0502020204030204" pitchFamily="34" charset="0"/>
+              <a:cs typeface="Times New Roman" panose="02020603050405020304" pitchFamily="18" charset="0"/>
+            </a:endParaRPr>
+          </a:p>
+          <a:p>
+            <a:pPr>
+              <a:lnSpc>
+                <a:spcPct val="107000"/>
+              </a:lnSpc>
+            </a:pPr>
+            <a:r>
+              <a:rPr lang="en-US" sz="1400" dirty="0">
+                <a:solidFill>
+                  <a:srgbClr val="808080"/>
+                </a:solidFill>
+                <a:latin typeface="Consolas" panose="020B0609020204030204" pitchFamily="49" charset="0"/>
+                <a:ea typeface="Calibri" panose="020F0502020204030204" pitchFamily="34" charset="0"/>
+                <a:cs typeface="Times New Roman" panose="02020603050405020304" pitchFamily="18" charset="0"/>
+              </a:rPr>
+              <a:t>inner</a:t>
+            </a:r>
+            <a:r>
+              <a:rPr lang="en-US" sz="1400" dirty="0">
+                <a:latin typeface="Consolas" panose="020B0609020204030204" pitchFamily="49" charset="0"/>
+                <a:ea typeface="Calibri" panose="020F0502020204030204" pitchFamily="34" charset="0"/>
+                <a:cs typeface="Times New Roman" panose="02020603050405020304" pitchFamily="18" charset="0"/>
+              </a:rPr>
+              <a:t> </a:t>
+            </a:r>
+            <a:r>
+              <a:rPr lang="en-US" sz="1400" dirty="0">
+                <a:solidFill>
+                  <a:srgbClr val="808080"/>
+                </a:solidFill>
+                <a:latin typeface="Consolas" panose="020B0609020204030204" pitchFamily="49" charset="0"/>
+                <a:ea typeface="Calibri" panose="020F0502020204030204" pitchFamily="34" charset="0"/>
+                <a:cs typeface="Times New Roman" panose="02020603050405020304" pitchFamily="18" charset="0"/>
+              </a:rPr>
+              <a:t>join</a:t>
+            </a:r>
+            <a:r>
+              <a:rPr lang="en-US" sz="1400" dirty="0">
+                <a:latin typeface="Consolas" panose="020B0609020204030204" pitchFamily="49" charset="0"/>
+                <a:ea typeface="Calibri" panose="020F0502020204030204" pitchFamily="34" charset="0"/>
+                <a:cs typeface="Times New Roman" panose="02020603050405020304" pitchFamily="18" charset="0"/>
+              </a:rPr>
+              <a:t> </a:t>
+            </a:r>
+            <a:r>
+              <a:rPr lang="en-US" sz="1400" dirty="0" err="1">
+                <a:solidFill>
+                  <a:srgbClr val="008080"/>
+                </a:solidFill>
+                <a:latin typeface="Consolas" panose="020B0609020204030204" pitchFamily="49" charset="0"/>
+                <a:ea typeface="Calibri" panose="020F0502020204030204" pitchFamily="34" charset="0"/>
+                <a:cs typeface="Times New Roman" panose="02020603050405020304" pitchFamily="18" charset="0"/>
+              </a:rPr>
+              <a:t>dbo</a:t>
+            </a:r>
+            <a:r>
+              <a:rPr lang="en-US" sz="1400" dirty="0" err="1">
+                <a:solidFill>
+                  <a:srgbClr val="808080"/>
+                </a:solidFill>
+                <a:latin typeface="Consolas" panose="020B0609020204030204" pitchFamily="49" charset="0"/>
+                <a:ea typeface="Calibri" panose="020F0502020204030204" pitchFamily="34" charset="0"/>
+                <a:cs typeface="Times New Roman" panose="02020603050405020304" pitchFamily="18" charset="0"/>
+              </a:rPr>
+              <a:t>.</a:t>
+            </a:r>
+            <a:r>
+              <a:rPr lang="en-US" sz="1400" dirty="0" err="1">
+                <a:solidFill>
+                  <a:srgbClr val="008080"/>
+                </a:solidFill>
+                <a:latin typeface="Consolas" panose="020B0609020204030204" pitchFamily="49" charset="0"/>
+                <a:ea typeface="Calibri" panose="020F0502020204030204" pitchFamily="34" charset="0"/>
+                <a:cs typeface="Times New Roman" panose="02020603050405020304" pitchFamily="18" charset="0"/>
+              </a:rPr>
+              <a:t>OrderDetail</a:t>
+            </a:r>
+            <a:r>
+              <a:rPr lang="en-US" sz="1400" dirty="0">
+                <a:latin typeface="Consolas" panose="020B0609020204030204" pitchFamily="49" charset="0"/>
+                <a:ea typeface="Calibri" panose="020F0502020204030204" pitchFamily="34" charset="0"/>
+                <a:cs typeface="Times New Roman" panose="02020603050405020304" pitchFamily="18" charset="0"/>
+              </a:rPr>
+              <a:t> </a:t>
+            </a:r>
+            <a:r>
+              <a:rPr lang="en-US" sz="1400" dirty="0">
+                <a:solidFill>
+                  <a:srgbClr val="008080"/>
+                </a:solidFill>
+                <a:latin typeface="Consolas" panose="020B0609020204030204" pitchFamily="49" charset="0"/>
+                <a:ea typeface="Calibri" panose="020F0502020204030204" pitchFamily="34" charset="0"/>
+                <a:cs typeface="Times New Roman" panose="02020603050405020304" pitchFamily="18" charset="0"/>
+              </a:rPr>
+              <a:t>od</a:t>
+            </a:r>
+            <a:endParaRPr lang="en-US" sz="1400" dirty="0">
+              <a:latin typeface="Consolas" panose="020B0609020204030204" pitchFamily="49" charset="0"/>
+              <a:ea typeface="Calibri" panose="020F0502020204030204" pitchFamily="34" charset="0"/>
+              <a:cs typeface="Times New Roman" panose="02020603050405020304" pitchFamily="18" charset="0"/>
+            </a:endParaRPr>
+          </a:p>
+          <a:p>
+            <a:pPr>
+              <a:lnSpc>
+                <a:spcPct val="107000"/>
+              </a:lnSpc>
+            </a:pPr>
+            <a:r>
+              <a:rPr lang="en-US" sz="1400" dirty="0">
+                <a:solidFill>
+                  <a:srgbClr val="808080"/>
+                </a:solidFill>
+                <a:latin typeface="Consolas" panose="020B0609020204030204" pitchFamily="49" charset="0"/>
+                <a:ea typeface="Calibri" panose="020F0502020204030204" pitchFamily="34" charset="0"/>
+                <a:cs typeface="Times New Roman" panose="02020603050405020304" pitchFamily="18" charset="0"/>
+              </a:rPr>
+              <a:t>inner</a:t>
+            </a:r>
+            <a:r>
+              <a:rPr lang="en-US" sz="1400" dirty="0">
+                <a:latin typeface="Consolas" panose="020B0609020204030204" pitchFamily="49" charset="0"/>
+                <a:ea typeface="Calibri" panose="020F0502020204030204" pitchFamily="34" charset="0"/>
+                <a:cs typeface="Times New Roman" panose="02020603050405020304" pitchFamily="18" charset="0"/>
+              </a:rPr>
+              <a:t> </a:t>
+            </a:r>
+            <a:r>
+              <a:rPr lang="en-US" sz="1400" dirty="0">
+                <a:solidFill>
+                  <a:srgbClr val="808080"/>
+                </a:solidFill>
+                <a:latin typeface="Consolas" panose="020B0609020204030204" pitchFamily="49" charset="0"/>
+                <a:ea typeface="Calibri" panose="020F0502020204030204" pitchFamily="34" charset="0"/>
+                <a:cs typeface="Times New Roman" panose="02020603050405020304" pitchFamily="18" charset="0"/>
+              </a:rPr>
+              <a:t>join</a:t>
+            </a:r>
+            <a:r>
+              <a:rPr lang="en-US" sz="1400" dirty="0">
+                <a:latin typeface="Consolas" panose="020B0609020204030204" pitchFamily="49" charset="0"/>
+                <a:ea typeface="Calibri" panose="020F0502020204030204" pitchFamily="34" charset="0"/>
+                <a:cs typeface="Times New Roman" panose="02020603050405020304" pitchFamily="18" charset="0"/>
+              </a:rPr>
+              <a:t> </a:t>
+            </a:r>
+            <a:r>
+              <a:rPr lang="en-US" sz="1400" dirty="0" err="1">
+                <a:solidFill>
+                  <a:srgbClr val="008080"/>
+                </a:solidFill>
+                <a:latin typeface="Consolas" panose="020B0609020204030204" pitchFamily="49" charset="0"/>
+                <a:ea typeface="Calibri" panose="020F0502020204030204" pitchFamily="34" charset="0"/>
+                <a:cs typeface="Times New Roman" panose="02020603050405020304" pitchFamily="18" charset="0"/>
+              </a:rPr>
+              <a:t>dbo</a:t>
+            </a:r>
+            <a:r>
+              <a:rPr lang="en-US" sz="1400" dirty="0" err="1">
+                <a:solidFill>
+                  <a:srgbClr val="808080"/>
+                </a:solidFill>
+                <a:latin typeface="Consolas" panose="020B0609020204030204" pitchFamily="49" charset="0"/>
+                <a:ea typeface="Calibri" panose="020F0502020204030204" pitchFamily="34" charset="0"/>
+                <a:cs typeface="Times New Roman" panose="02020603050405020304" pitchFamily="18" charset="0"/>
+              </a:rPr>
+              <a:t>.</a:t>
+            </a:r>
+            <a:r>
+              <a:rPr lang="en-US" sz="1400" dirty="0" err="1">
+                <a:solidFill>
+                  <a:srgbClr val="008080"/>
+                </a:solidFill>
+                <a:latin typeface="Consolas" panose="020B0609020204030204" pitchFamily="49" charset="0"/>
+                <a:ea typeface="Calibri" panose="020F0502020204030204" pitchFamily="34" charset="0"/>
+                <a:cs typeface="Times New Roman" panose="02020603050405020304" pitchFamily="18" charset="0"/>
+              </a:rPr>
+              <a:t>Customer</a:t>
+            </a:r>
+            <a:r>
+              <a:rPr lang="en-US" sz="1400" dirty="0">
+                <a:latin typeface="Consolas" panose="020B0609020204030204" pitchFamily="49" charset="0"/>
+                <a:ea typeface="Calibri" panose="020F0502020204030204" pitchFamily="34" charset="0"/>
+                <a:cs typeface="Times New Roman" panose="02020603050405020304" pitchFamily="18" charset="0"/>
+              </a:rPr>
+              <a:t> </a:t>
+            </a:r>
+            <a:r>
+              <a:rPr lang="en-US" sz="1400" dirty="0" err="1">
+                <a:solidFill>
+                  <a:srgbClr val="008080"/>
+                </a:solidFill>
+                <a:latin typeface="Consolas" panose="020B0609020204030204" pitchFamily="49" charset="0"/>
+                <a:ea typeface="Calibri" panose="020F0502020204030204" pitchFamily="34" charset="0"/>
+                <a:cs typeface="Times New Roman" panose="02020603050405020304" pitchFamily="18" charset="0"/>
+              </a:rPr>
+              <a:t>cust</a:t>
+            </a:r>
+            <a:endParaRPr lang="en-US" sz="1400" dirty="0">
+              <a:latin typeface="Consolas" panose="020B0609020204030204" pitchFamily="49" charset="0"/>
+              <a:ea typeface="Calibri" panose="020F0502020204030204" pitchFamily="34" charset="0"/>
+              <a:cs typeface="Times New Roman" panose="02020603050405020304" pitchFamily="18" charset="0"/>
+            </a:endParaRPr>
+          </a:p>
+          <a:p>
+            <a:pPr>
+              <a:lnSpc>
+                <a:spcPct val="107000"/>
+              </a:lnSpc>
+            </a:pPr>
+            <a:r>
+              <a:rPr lang="en-US" sz="1400" dirty="0">
+                <a:solidFill>
+                  <a:srgbClr val="0000FF"/>
+                </a:solidFill>
+                <a:latin typeface="Consolas" panose="020B0609020204030204" pitchFamily="49" charset="0"/>
+                <a:ea typeface="Calibri" panose="020F0502020204030204" pitchFamily="34" charset="0"/>
+                <a:cs typeface="Times New Roman" panose="02020603050405020304" pitchFamily="18" charset="0"/>
+              </a:rPr>
+              <a:t>on</a:t>
+            </a:r>
+            <a:r>
+              <a:rPr lang="en-US" sz="1400" dirty="0">
+                <a:latin typeface="Consolas" panose="020B0609020204030204" pitchFamily="49" charset="0"/>
+                <a:ea typeface="Calibri" panose="020F0502020204030204" pitchFamily="34" charset="0"/>
+                <a:cs typeface="Times New Roman" panose="02020603050405020304" pitchFamily="18" charset="0"/>
+              </a:rPr>
+              <a:t> </a:t>
+            </a:r>
+            <a:r>
+              <a:rPr lang="en-US" sz="1400" dirty="0" err="1">
+                <a:solidFill>
+                  <a:srgbClr val="008080"/>
+                </a:solidFill>
+                <a:latin typeface="Consolas" panose="020B0609020204030204" pitchFamily="49" charset="0"/>
+                <a:ea typeface="Calibri" panose="020F0502020204030204" pitchFamily="34" charset="0"/>
+                <a:cs typeface="Times New Roman" panose="02020603050405020304" pitchFamily="18" charset="0"/>
+              </a:rPr>
+              <a:t>oh</a:t>
+            </a:r>
+            <a:r>
+              <a:rPr lang="en-US" sz="1400" dirty="0" err="1">
+                <a:solidFill>
+                  <a:srgbClr val="808080"/>
+                </a:solidFill>
+                <a:latin typeface="Consolas" panose="020B0609020204030204" pitchFamily="49" charset="0"/>
+                <a:ea typeface="Calibri" panose="020F0502020204030204" pitchFamily="34" charset="0"/>
+                <a:cs typeface="Times New Roman" panose="02020603050405020304" pitchFamily="18" charset="0"/>
+              </a:rPr>
+              <a:t>.</a:t>
+            </a:r>
+            <a:r>
+              <a:rPr lang="en-US" sz="1400" dirty="0" err="1">
+                <a:solidFill>
+                  <a:srgbClr val="008080"/>
+                </a:solidFill>
+                <a:latin typeface="Consolas" panose="020B0609020204030204" pitchFamily="49" charset="0"/>
+                <a:ea typeface="Calibri" panose="020F0502020204030204" pitchFamily="34" charset="0"/>
+                <a:cs typeface="Times New Roman" panose="02020603050405020304" pitchFamily="18" charset="0"/>
+              </a:rPr>
+              <a:t>OrderId</a:t>
+            </a:r>
+            <a:r>
+              <a:rPr lang="en-US" sz="1400" dirty="0">
+                <a:latin typeface="Consolas" panose="020B0609020204030204" pitchFamily="49" charset="0"/>
+                <a:ea typeface="Calibri" panose="020F0502020204030204" pitchFamily="34" charset="0"/>
+                <a:cs typeface="Times New Roman" panose="02020603050405020304" pitchFamily="18" charset="0"/>
+              </a:rPr>
+              <a:t> </a:t>
+            </a:r>
+            <a:r>
+              <a:rPr lang="en-US" sz="1400" dirty="0">
+                <a:solidFill>
+                  <a:srgbClr val="808080"/>
+                </a:solidFill>
+                <a:latin typeface="Consolas" panose="020B0609020204030204" pitchFamily="49" charset="0"/>
+                <a:ea typeface="Calibri" panose="020F0502020204030204" pitchFamily="34" charset="0"/>
+                <a:cs typeface="Times New Roman" panose="02020603050405020304" pitchFamily="18" charset="0"/>
+              </a:rPr>
+              <a:t>=</a:t>
+            </a:r>
+            <a:r>
+              <a:rPr lang="en-US" sz="1400" dirty="0">
+                <a:latin typeface="Consolas" panose="020B0609020204030204" pitchFamily="49" charset="0"/>
+                <a:ea typeface="Calibri" panose="020F0502020204030204" pitchFamily="34" charset="0"/>
+                <a:cs typeface="Times New Roman" panose="02020603050405020304" pitchFamily="18" charset="0"/>
+              </a:rPr>
+              <a:t> </a:t>
+            </a:r>
+            <a:r>
+              <a:rPr lang="en-US" sz="1400" dirty="0" err="1">
+                <a:solidFill>
+                  <a:srgbClr val="008080"/>
+                </a:solidFill>
+                <a:latin typeface="Consolas" panose="020B0609020204030204" pitchFamily="49" charset="0"/>
+                <a:ea typeface="Calibri" panose="020F0502020204030204" pitchFamily="34" charset="0"/>
+                <a:cs typeface="Times New Roman" panose="02020603050405020304" pitchFamily="18" charset="0"/>
+              </a:rPr>
+              <a:t>od</a:t>
+            </a:r>
+            <a:r>
+              <a:rPr lang="en-US" sz="1400" dirty="0" err="1">
+                <a:solidFill>
+                  <a:srgbClr val="808080"/>
+                </a:solidFill>
+                <a:latin typeface="Consolas" panose="020B0609020204030204" pitchFamily="49" charset="0"/>
+                <a:ea typeface="Calibri" panose="020F0502020204030204" pitchFamily="34" charset="0"/>
+                <a:cs typeface="Times New Roman" panose="02020603050405020304" pitchFamily="18" charset="0"/>
+              </a:rPr>
+              <a:t>.</a:t>
+            </a:r>
+            <a:r>
+              <a:rPr lang="en-US" sz="1400" dirty="0" err="1">
+                <a:solidFill>
+                  <a:srgbClr val="008080"/>
+                </a:solidFill>
+                <a:latin typeface="Consolas" panose="020B0609020204030204" pitchFamily="49" charset="0"/>
+                <a:ea typeface="Calibri" panose="020F0502020204030204" pitchFamily="34" charset="0"/>
+                <a:cs typeface="Times New Roman" panose="02020603050405020304" pitchFamily="18" charset="0"/>
+              </a:rPr>
+              <a:t>OrderId</a:t>
+            </a:r>
+            <a:endParaRPr lang="en-US" dirty="0">
+              <a:latin typeface="Calibri" panose="020F0502020204030204" pitchFamily="34" charset="0"/>
+              <a:ea typeface="Calibri" panose="020F0502020204030204" pitchFamily="34" charset="0"/>
+              <a:cs typeface="Times New Roman" panose="02020603050405020304" pitchFamily="18" charset="0"/>
+            </a:endParaRPr>
+          </a:p>
+          <a:p>
+            <a:pPr>
+              <a:lnSpc>
+                <a:spcPct val="107000"/>
+              </a:lnSpc>
+            </a:pPr>
+            <a:r>
+              <a:rPr lang="en-US" sz="1400" dirty="0">
+                <a:solidFill>
+                  <a:srgbClr val="0000FF"/>
+                </a:solidFill>
+                <a:latin typeface="Consolas" panose="020B0609020204030204" pitchFamily="49" charset="0"/>
+                <a:ea typeface="Calibri" panose="020F0502020204030204" pitchFamily="34" charset="0"/>
+                <a:cs typeface="Times New Roman" panose="02020603050405020304" pitchFamily="18" charset="0"/>
+              </a:rPr>
+              <a:t>on</a:t>
+            </a:r>
+            <a:r>
+              <a:rPr lang="en-US" sz="1400" dirty="0">
+                <a:latin typeface="Consolas" panose="020B0609020204030204" pitchFamily="49" charset="0"/>
+                <a:ea typeface="Calibri" panose="020F0502020204030204" pitchFamily="34" charset="0"/>
+                <a:cs typeface="Times New Roman" panose="02020603050405020304" pitchFamily="18" charset="0"/>
+              </a:rPr>
+              <a:t> </a:t>
+            </a:r>
+            <a:r>
+              <a:rPr lang="en-US" sz="1400" dirty="0" err="1">
+                <a:solidFill>
+                  <a:srgbClr val="008080"/>
+                </a:solidFill>
+                <a:latin typeface="Consolas" panose="020B0609020204030204" pitchFamily="49" charset="0"/>
+                <a:ea typeface="Calibri" panose="020F0502020204030204" pitchFamily="34" charset="0"/>
+                <a:cs typeface="Times New Roman" panose="02020603050405020304" pitchFamily="18" charset="0"/>
+              </a:rPr>
+              <a:t>oh</a:t>
+            </a:r>
+            <a:r>
+              <a:rPr lang="en-US" sz="1400" dirty="0" err="1">
+                <a:solidFill>
+                  <a:srgbClr val="808080"/>
+                </a:solidFill>
+                <a:latin typeface="Consolas" panose="020B0609020204030204" pitchFamily="49" charset="0"/>
+                <a:ea typeface="Calibri" panose="020F0502020204030204" pitchFamily="34" charset="0"/>
+                <a:cs typeface="Times New Roman" panose="02020603050405020304" pitchFamily="18" charset="0"/>
+              </a:rPr>
+              <a:t>.</a:t>
+            </a:r>
+            <a:r>
+              <a:rPr lang="en-US" sz="1400" dirty="0" err="1">
+                <a:solidFill>
+                  <a:srgbClr val="008080"/>
+                </a:solidFill>
+                <a:latin typeface="Consolas" panose="020B0609020204030204" pitchFamily="49" charset="0"/>
+                <a:ea typeface="Calibri" panose="020F0502020204030204" pitchFamily="34" charset="0"/>
+                <a:cs typeface="Times New Roman" panose="02020603050405020304" pitchFamily="18" charset="0"/>
+              </a:rPr>
+              <a:t>CustomerId</a:t>
+            </a:r>
+            <a:r>
+              <a:rPr lang="en-US" sz="1400" dirty="0">
+                <a:latin typeface="Consolas" panose="020B0609020204030204" pitchFamily="49" charset="0"/>
+                <a:ea typeface="Calibri" panose="020F0502020204030204" pitchFamily="34" charset="0"/>
+                <a:cs typeface="Times New Roman" panose="02020603050405020304" pitchFamily="18" charset="0"/>
+              </a:rPr>
+              <a:t> </a:t>
+            </a:r>
+            <a:r>
+              <a:rPr lang="en-US" sz="1400" dirty="0">
+                <a:solidFill>
+                  <a:srgbClr val="808080"/>
+                </a:solidFill>
+                <a:latin typeface="Consolas" panose="020B0609020204030204" pitchFamily="49" charset="0"/>
+                <a:ea typeface="Calibri" panose="020F0502020204030204" pitchFamily="34" charset="0"/>
+                <a:cs typeface="Times New Roman" panose="02020603050405020304" pitchFamily="18" charset="0"/>
+              </a:rPr>
+              <a:t>=</a:t>
+            </a:r>
+            <a:r>
+              <a:rPr lang="en-US" sz="1400" dirty="0">
+                <a:latin typeface="Consolas" panose="020B0609020204030204" pitchFamily="49" charset="0"/>
+                <a:ea typeface="Calibri" panose="020F0502020204030204" pitchFamily="34" charset="0"/>
+                <a:cs typeface="Times New Roman" panose="02020603050405020304" pitchFamily="18" charset="0"/>
+              </a:rPr>
+              <a:t> </a:t>
+            </a:r>
+            <a:r>
+              <a:rPr lang="en-US" sz="1400" dirty="0" err="1">
+                <a:solidFill>
+                  <a:srgbClr val="008080"/>
+                </a:solidFill>
+                <a:latin typeface="Consolas" panose="020B0609020204030204" pitchFamily="49" charset="0"/>
+                <a:ea typeface="Calibri" panose="020F0502020204030204" pitchFamily="34" charset="0"/>
+                <a:cs typeface="Times New Roman" panose="02020603050405020304" pitchFamily="18" charset="0"/>
+              </a:rPr>
+              <a:t>cust</a:t>
+            </a:r>
+            <a:r>
+              <a:rPr lang="en-US" sz="1400" dirty="0" err="1">
+                <a:solidFill>
+                  <a:srgbClr val="808080"/>
+                </a:solidFill>
+                <a:latin typeface="Consolas" panose="020B0609020204030204" pitchFamily="49" charset="0"/>
+                <a:ea typeface="Calibri" panose="020F0502020204030204" pitchFamily="34" charset="0"/>
+                <a:cs typeface="Times New Roman" panose="02020603050405020304" pitchFamily="18" charset="0"/>
+              </a:rPr>
+              <a:t>.</a:t>
+            </a:r>
+            <a:r>
+              <a:rPr lang="en-US" sz="1400" dirty="0" err="1">
+                <a:solidFill>
+                  <a:srgbClr val="008080"/>
+                </a:solidFill>
+                <a:latin typeface="Consolas" panose="020B0609020204030204" pitchFamily="49" charset="0"/>
+                <a:ea typeface="Calibri" panose="020F0502020204030204" pitchFamily="34" charset="0"/>
+                <a:cs typeface="Times New Roman" panose="02020603050405020304" pitchFamily="18" charset="0"/>
+              </a:rPr>
+              <a:t>CustomerID</a:t>
+            </a:r>
+            <a:endParaRPr lang="en-US" dirty="0">
+              <a:latin typeface="Calibri" panose="020F0502020204030204" pitchFamily="34" charset="0"/>
+              <a:ea typeface="Calibri" panose="020F0502020204030204" pitchFamily="34" charset="0"/>
+              <a:cs typeface="Times New Roman" panose="02020603050405020304" pitchFamily="18" charset="0"/>
+            </a:endParaRPr>
+          </a:p>
+          <a:p>
+            <a:pPr>
+              <a:lnSpc>
+                <a:spcPct val="107000"/>
+              </a:lnSpc>
+            </a:pPr>
+            <a:r>
+              <a:rPr lang="en-US" sz="1400" dirty="0">
+                <a:solidFill>
+                  <a:srgbClr val="0000FF"/>
+                </a:solidFill>
+                <a:latin typeface="Consolas" panose="020B0609020204030204" pitchFamily="49" charset="0"/>
+                <a:ea typeface="Calibri" panose="020F0502020204030204" pitchFamily="34" charset="0"/>
+                <a:cs typeface="Times New Roman" panose="02020603050405020304" pitchFamily="18" charset="0"/>
+              </a:rPr>
+              <a:t>where</a:t>
+            </a:r>
+            <a:r>
+              <a:rPr lang="en-US" sz="1400" dirty="0">
+                <a:latin typeface="Consolas" panose="020B0609020204030204" pitchFamily="49" charset="0"/>
+                <a:ea typeface="Calibri" panose="020F0502020204030204" pitchFamily="34" charset="0"/>
+                <a:cs typeface="Times New Roman" panose="02020603050405020304" pitchFamily="18" charset="0"/>
+              </a:rPr>
+              <a:t> </a:t>
+            </a:r>
+            <a:r>
+              <a:rPr lang="en-US" sz="1400" dirty="0" err="1">
+                <a:solidFill>
+                  <a:srgbClr val="008080"/>
+                </a:solidFill>
+                <a:latin typeface="Consolas" panose="020B0609020204030204" pitchFamily="49" charset="0"/>
+                <a:ea typeface="Calibri" panose="020F0502020204030204" pitchFamily="34" charset="0"/>
+                <a:cs typeface="Times New Roman" panose="02020603050405020304" pitchFamily="18" charset="0"/>
+              </a:rPr>
+              <a:t>cust</a:t>
+            </a:r>
+            <a:r>
+              <a:rPr lang="en-US" sz="1400" dirty="0" err="1">
+                <a:solidFill>
+                  <a:srgbClr val="808080"/>
+                </a:solidFill>
+                <a:latin typeface="Consolas" panose="020B0609020204030204" pitchFamily="49" charset="0"/>
+                <a:ea typeface="Calibri" panose="020F0502020204030204" pitchFamily="34" charset="0"/>
+                <a:cs typeface="Times New Roman" panose="02020603050405020304" pitchFamily="18" charset="0"/>
+              </a:rPr>
+              <a:t>.</a:t>
+            </a:r>
+            <a:r>
+              <a:rPr lang="en-US" sz="1400" dirty="0" err="1">
+                <a:solidFill>
+                  <a:srgbClr val="0000FF"/>
+                </a:solidFill>
+                <a:latin typeface="Consolas" panose="020B0609020204030204" pitchFamily="49" charset="0"/>
+                <a:ea typeface="Calibri" panose="020F0502020204030204" pitchFamily="34" charset="0"/>
+                <a:cs typeface="Times New Roman" panose="02020603050405020304" pitchFamily="18" charset="0"/>
+              </a:rPr>
+              <a:t>State</a:t>
+            </a:r>
+            <a:r>
+              <a:rPr lang="en-US" sz="1400" dirty="0">
+                <a:latin typeface="Consolas" panose="020B0609020204030204" pitchFamily="49" charset="0"/>
+                <a:ea typeface="Calibri" panose="020F0502020204030204" pitchFamily="34" charset="0"/>
+                <a:cs typeface="Times New Roman" panose="02020603050405020304" pitchFamily="18" charset="0"/>
+              </a:rPr>
+              <a:t> </a:t>
+            </a:r>
+            <a:r>
+              <a:rPr lang="en-US" sz="1400" dirty="0">
+                <a:solidFill>
+                  <a:srgbClr val="808080"/>
+                </a:solidFill>
+                <a:latin typeface="Consolas" panose="020B0609020204030204" pitchFamily="49" charset="0"/>
+                <a:ea typeface="Calibri" panose="020F0502020204030204" pitchFamily="34" charset="0"/>
+                <a:cs typeface="Times New Roman" panose="02020603050405020304" pitchFamily="18" charset="0"/>
+              </a:rPr>
+              <a:t>=</a:t>
+            </a:r>
+            <a:r>
+              <a:rPr lang="en-US" sz="1400" dirty="0">
+                <a:latin typeface="Consolas" panose="020B0609020204030204" pitchFamily="49" charset="0"/>
+                <a:ea typeface="Calibri" panose="020F0502020204030204" pitchFamily="34" charset="0"/>
+                <a:cs typeface="Times New Roman" panose="02020603050405020304" pitchFamily="18" charset="0"/>
+              </a:rPr>
+              <a:t> </a:t>
+            </a:r>
+            <a:r>
+              <a:rPr lang="en-US" sz="1400" dirty="0">
+                <a:solidFill>
+                  <a:srgbClr val="FF0000"/>
+                </a:solidFill>
+                <a:latin typeface="Consolas" panose="020B0609020204030204" pitchFamily="49" charset="0"/>
+                <a:ea typeface="Calibri" panose="020F0502020204030204" pitchFamily="34" charset="0"/>
+                <a:cs typeface="Times New Roman" panose="02020603050405020304" pitchFamily="18" charset="0"/>
+              </a:rPr>
+              <a:t>'OK'</a:t>
+            </a:r>
+            <a:endParaRPr lang="en-US" dirty="0">
+              <a:latin typeface="Calibri" panose="020F0502020204030204" pitchFamily="34" charset="0"/>
+              <a:ea typeface="Calibri" panose="020F0502020204030204" pitchFamily="34" charset="0"/>
+              <a:cs typeface="Times New Roman" panose="02020603050405020304" pitchFamily="18" charset="0"/>
+            </a:endParaRPr>
+          </a:p>
+          <a:p>
+            <a:pPr>
+              <a:lnSpc>
+                <a:spcPct val="107000"/>
+              </a:lnSpc>
+            </a:pPr>
+            <a:r>
+              <a:rPr lang="en-US" sz="1400" dirty="0">
+                <a:solidFill>
+                  <a:srgbClr val="0000FF"/>
+                </a:solidFill>
+                <a:latin typeface="Consolas" panose="020B0609020204030204" pitchFamily="49" charset="0"/>
+                <a:ea typeface="Calibri" panose="020F0502020204030204" pitchFamily="34" charset="0"/>
+                <a:cs typeface="Times New Roman" panose="02020603050405020304" pitchFamily="18" charset="0"/>
+              </a:rPr>
+              <a:t>group</a:t>
+            </a:r>
+            <a:r>
+              <a:rPr lang="en-US" sz="1400" dirty="0">
+                <a:latin typeface="Consolas" panose="020B0609020204030204" pitchFamily="49" charset="0"/>
+                <a:ea typeface="Calibri" panose="020F0502020204030204" pitchFamily="34" charset="0"/>
+                <a:cs typeface="Times New Roman" panose="02020603050405020304" pitchFamily="18" charset="0"/>
+              </a:rPr>
+              <a:t> </a:t>
+            </a:r>
+            <a:r>
+              <a:rPr lang="en-US" sz="1400" dirty="0">
+                <a:solidFill>
+                  <a:srgbClr val="0000FF"/>
+                </a:solidFill>
+                <a:latin typeface="Consolas" panose="020B0609020204030204" pitchFamily="49" charset="0"/>
+                <a:ea typeface="Calibri" panose="020F0502020204030204" pitchFamily="34" charset="0"/>
+                <a:cs typeface="Times New Roman" panose="02020603050405020304" pitchFamily="18" charset="0"/>
+              </a:rPr>
+              <a:t>by</a:t>
+            </a:r>
+            <a:r>
+              <a:rPr lang="en-US" sz="1400" dirty="0">
+                <a:latin typeface="Consolas" panose="020B0609020204030204" pitchFamily="49" charset="0"/>
+                <a:ea typeface="Calibri" panose="020F0502020204030204" pitchFamily="34" charset="0"/>
+                <a:cs typeface="Times New Roman" panose="02020603050405020304" pitchFamily="18" charset="0"/>
+              </a:rPr>
+              <a:t> </a:t>
+            </a:r>
+            <a:r>
+              <a:rPr lang="en-US" sz="1400" dirty="0" err="1">
+                <a:solidFill>
+                  <a:srgbClr val="008080"/>
+                </a:solidFill>
+                <a:latin typeface="Consolas" panose="020B0609020204030204" pitchFamily="49" charset="0"/>
+                <a:ea typeface="Calibri" panose="020F0502020204030204" pitchFamily="34" charset="0"/>
+                <a:cs typeface="Times New Roman" panose="02020603050405020304" pitchFamily="18" charset="0"/>
+              </a:rPr>
+              <a:t>od</a:t>
+            </a:r>
+            <a:r>
+              <a:rPr lang="en-US" sz="1400" dirty="0" err="1">
+                <a:solidFill>
+                  <a:srgbClr val="808080"/>
+                </a:solidFill>
+                <a:latin typeface="Consolas" panose="020B0609020204030204" pitchFamily="49" charset="0"/>
+                <a:ea typeface="Calibri" panose="020F0502020204030204" pitchFamily="34" charset="0"/>
+                <a:cs typeface="Times New Roman" panose="02020603050405020304" pitchFamily="18" charset="0"/>
+              </a:rPr>
+              <a:t>.</a:t>
+            </a:r>
+            <a:r>
+              <a:rPr lang="en-US" sz="1400" dirty="0" err="1">
+                <a:solidFill>
+                  <a:srgbClr val="008080"/>
+                </a:solidFill>
+                <a:latin typeface="Consolas" panose="020B0609020204030204" pitchFamily="49" charset="0"/>
+                <a:ea typeface="Calibri" panose="020F0502020204030204" pitchFamily="34" charset="0"/>
+                <a:cs typeface="Times New Roman" panose="02020603050405020304" pitchFamily="18" charset="0"/>
+              </a:rPr>
+              <a:t>ProductId</a:t>
+            </a:r>
+            <a:endParaRPr lang="en-US" dirty="0">
+              <a:latin typeface="Calibri" panose="020F0502020204030204" pitchFamily="34" charset="0"/>
+              <a:ea typeface="Calibri" panose="020F0502020204030204" pitchFamily="34" charset="0"/>
+              <a:cs typeface="Times New Roman" panose="02020603050405020304" pitchFamily="18" charset="0"/>
+            </a:endParaRPr>
+          </a:p>
+          <a:p>
+            <a:pPr>
+              <a:lnSpc>
+                <a:spcPct val="107000"/>
+              </a:lnSpc>
+            </a:pPr>
+            <a:r>
+              <a:rPr lang="en-US" sz="1400" dirty="0">
+                <a:solidFill>
+                  <a:srgbClr val="0000FF"/>
+                </a:solidFill>
+                <a:latin typeface="Consolas" panose="020B0609020204030204" pitchFamily="49" charset="0"/>
+                <a:ea typeface="Calibri" panose="020F0502020204030204" pitchFamily="34" charset="0"/>
+                <a:cs typeface="Times New Roman" panose="02020603050405020304" pitchFamily="18" charset="0"/>
+              </a:rPr>
+              <a:t>having</a:t>
+            </a:r>
+            <a:r>
+              <a:rPr lang="en-US" sz="1400" dirty="0">
+                <a:latin typeface="Consolas" panose="020B0609020204030204" pitchFamily="49" charset="0"/>
+                <a:ea typeface="Calibri" panose="020F0502020204030204" pitchFamily="34" charset="0"/>
+                <a:cs typeface="Times New Roman" panose="02020603050405020304" pitchFamily="18" charset="0"/>
+              </a:rPr>
+              <a:t> </a:t>
+            </a:r>
+            <a:r>
+              <a:rPr lang="en-US" sz="1400" dirty="0">
+                <a:solidFill>
+                  <a:srgbClr val="FF00FF"/>
+                </a:solidFill>
+                <a:latin typeface="Consolas" panose="020B0609020204030204" pitchFamily="49" charset="0"/>
+                <a:ea typeface="Calibri" panose="020F0502020204030204" pitchFamily="34" charset="0"/>
+                <a:cs typeface="Times New Roman" panose="02020603050405020304" pitchFamily="18" charset="0"/>
+              </a:rPr>
+              <a:t>sum</a:t>
+            </a:r>
+            <a:r>
+              <a:rPr lang="en-US" sz="1400" dirty="0">
+                <a:solidFill>
+                  <a:srgbClr val="808080"/>
+                </a:solidFill>
+                <a:latin typeface="Consolas" panose="020B0609020204030204" pitchFamily="49" charset="0"/>
+                <a:ea typeface="Calibri" panose="020F0502020204030204" pitchFamily="34" charset="0"/>
+                <a:cs typeface="Times New Roman" panose="02020603050405020304" pitchFamily="18" charset="0"/>
+              </a:rPr>
+              <a:t>(</a:t>
+            </a:r>
+            <a:r>
+              <a:rPr lang="en-US" sz="1400" dirty="0" err="1">
+                <a:solidFill>
+                  <a:srgbClr val="008080"/>
+                </a:solidFill>
+                <a:latin typeface="Consolas" panose="020B0609020204030204" pitchFamily="49" charset="0"/>
+                <a:ea typeface="Calibri" panose="020F0502020204030204" pitchFamily="34" charset="0"/>
+                <a:cs typeface="Times New Roman" panose="02020603050405020304" pitchFamily="18" charset="0"/>
+              </a:rPr>
+              <a:t>od</a:t>
+            </a:r>
+            <a:r>
+              <a:rPr lang="en-US" sz="1400" dirty="0" err="1">
+                <a:solidFill>
+                  <a:srgbClr val="808080"/>
+                </a:solidFill>
+                <a:latin typeface="Consolas" panose="020B0609020204030204" pitchFamily="49" charset="0"/>
+                <a:ea typeface="Calibri" panose="020F0502020204030204" pitchFamily="34" charset="0"/>
+                <a:cs typeface="Times New Roman" panose="02020603050405020304" pitchFamily="18" charset="0"/>
+              </a:rPr>
+              <a:t>.</a:t>
+            </a:r>
+            <a:r>
+              <a:rPr lang="en-US" sz="1400" dirty="0" err="1">
+                <a:solidFill>
+                  <a:srgbClr val="008080"/>
+                </a:solidFill>
+                <a:latin typeface="Consolas" panose="020B0609020204030204" pitchFamily="49" charset="0"/>
+                <a:ea typeface="Calibri" panose="020F0502020204030204" pitchFamily="34" charset="0"/>
+                <a:cs typeface="Times New Roman" panose="02020603050405020304" pitchFamily="18" charset="0"/>
+              </a:rPr>
+              <a:t>Quantity</a:t>
+            </a:r>
+            <a:r>
+              <a:rPr lang="en-US" sz="1400" dirty="0">
+                <a:solidFill>
+                  <a:srgbClr val="808080"/>
+                </a:solidFill>
+                <a:latin typeface="Consolas" panose="020B0609020204030204" pitchFamily="49" charset="0"/>
+                <a:ea typeface="Calibri" panose="020F0502020204030204" pitchFamily="34" charset="0"/>
+                <a:cs typeface="Times New Roman" panose="02020603050405020304" pitchFamily="18" charset="0"/>
+              </a:rPr>
+              <a:t>)</a:t>
+            </a:r>
+            <a:r>
+              <a:rPr lang="en-US" sz="1400" dirty="0">
+                <a:latin typeface="Consolas" panose="020B0609020204030204" pitchFamily="49" charset="0"/>
+                <a:ea typeface="Calibri" panose="020F0502020204030204" pitchFamily="34" charset="0"/>
+                <a:cs typeface="Times New Roman" panose="02020603050405020304" pitchFamily="18" charset="0"/>
+              </a:rPr>
+              <a:t> </a:t>
+            </a:r>
+            <a:r>
+              <a:rPr lang="en-US" sz="1400" dirty="0">
+                <a:solidFill>
+                  <a:srgbClr val="808080"/>
+                </a:solidFill>
+                <a:latin typeface="Consolas" panose="020B0609020204030204" pitchFamily="49" charset="0"/>
+                <a:ea typeface="Calibri" panose="020F0502020204030204" pitchFamily="34" charset="0"/>
+                <a:cs typeface="Times New Roman" panose="02020603050405020304" pitchFamily="18" charset="0"/>
+              </a:rPr>
+              <a:t>&gt;=</a:t>
+            </a:r>
+            <a:r>
+              <a:rPr lang="en-US" sz="1400" dirty="0">
+                <a:latin typeface="Consolas" panose="020B0609020204030204" pitchFamily="49" charset="0"/>
+                <a:ea typeface="Calibri" panose="020F0502020204030204" pitchFamily="34" charset="0"/>
+                <a:cs typeface="Times New Roman" panose="02020603050405020304" pitchFamily="18" charset="0"/>
+              </a:rPr>
+              <a:t> 20</a:t>
+            </a:r>
+            <a:endParaRPr lang="en-US" dirty="0">
+              <a:latin typeface="Calibri" panose="020F0502020204030204" pitchFamily="34" charset="0"/>
+              <a:ea typeface="Calibri" panose="020F0502020204030204" pitchFamily="34" charset="0"/>
+              <a:cs typeface="Times New Roman" panose="02020603050405020304" pitchFamily="18" charset="0"/>
+            </a:endParaRPr>
+          </a:p>
+          <a:p>
+            <a:pPr>
+              <a:lnSpc>
+                <a:spcPct val="107000"/>
+              </a:lnSpc>
+            </a:pPr>
+            <a:r>
+              <a:rPr lang="en-US" sz="1400" dirty="0">
+                <a:solidFill>
+                  <a:srgbClr val="0000FF"/>
+                </a:solidFill>
+                <a:latin typeface="Consolas" panose="020B0609020204030204" pitchFamily="49" charset="0"/>
+                <a:ea typeface="Calibri" panose="020F0502020204030204" pitchFamily="34" charset="0"/>
+                <a:cs typeface="Times New Roman" panose="02020603050405020304" pitchFamily="18" charset="0"/>
+              </a:rPr>
+              <a:t>select</a:t>
+            </a:r>
+            <a:r>
+              <a:rPr lang="en-US" sz="1400" dirty="0">
+                <a:latin typeface="Consolas" panose="020B0609020204030204" pitchFamily="49" charset="0"/>
+                <a:ea typeface="Calibri" panose="020F0502020204030204" pitchFamily="34" charset="0"/>
+                <a:cs typeface="Times New Roman" panose="02020603050405020304" pitchFamily="18" charset="0"/>
+              </a:rPr>
+              <a:t> </a:t>
+            </a:r>
+            <a:r>
+              <a:rPr lang="en-US" sz="1400" dirty="0" err="1" smtClean="0">
+                <a:solidFill>
+                  <a:srgbClr val="008080"/>
+                </a:solidFill>
+                <a:latin typeface="Consolas" panose="020B0609020204030204" pitchFamily="49" charset="0"/>
+                <a:ea typeface="Calibri" panose="020F0502020204030204" pitchFamily="34" charset="0"/>
+                <a:cs typeface="Times New Roman" panose="02020603050405020304" pitchFamily="18" charset="0"/>
+              </a:rPr>
+              <a:t>od</a:t>
+            </a:r>
+            <a:r>
+              <a:rPr lang="en-US" sz="1400" dirty="0" err="1" smtClean="0">
+                <a:solidFill>
+                  <a:srgbClr val="808080"/>
+                </a:solidFill>
+                <a:latin typeface="Consolas" panose="020B0609020204030204" pitchFamily="49" charset="0"/>
+                <a:ea typeface="Calibri" panose="020F0502020204030204" pitchFamily="34" charset="0"/>
+                <a:cs typeface="Times New Roman" panose="02020603050405020304" pitchFamily="18" charset="0"/>
+              </a:rPr>
+              <a:t>.</a:t>
+            </a:r>
+            <a:r>
+              <a:rPr lang="en-US" sz="1400" dirty="0" err="1" smtClean="0">
+                <a:solidFill>
+                  <a:srgbClr val="008080"/>
+                </a:solidFill>
+                <a:latin typeface="Consolas" panose="020B0609020204030204" pitchFamily="49" charset="0"/>
+                <a:ea typeface="Calibri" panose="020F0502020204030204" pitchFamily="34" charset="0"/>
+                <a:cs typeface="Times New Roman" panose="02020603050405020304" pitchFamily="18" charset="0"/>
+              </a:rPr>
+              <a:t>ProductId</a:t>
+            </a:r>
+            <a:r>
+              <a:rPr lang="en-US" sz="1400" dirty="0" smtClean="0">
+                <a:solidFill>
+                  <a:srgbClr val="808080"/>
+                </a:solidFill>
+                <a:latin typeface="Consolas" panose="020B0609020204030204" pitchFamily="49" charset="0"/>
+                <a:ea typeface="Calibri" panose="020F0502020204030204" pitchFamily="34" charset="0"/>
+                <a:cs typeface="Times New Roman" panose="02020603050405020304" pitchFamily="18" charset="0"/>
+              </a:rPr>
+              <a:t>,</a:t>
+            </a:r>
+            <a:endParaRPr lang="en-US" sz="1400" dirty="0" smtClean="0">
+              <a:latin typeface="Consolas" panose="020B0609020204030204" pitchFamily="49" charset="0"/>
+              <a:ea typeface="Calibri" panose="020F0502020204030204" pitchFamily="34" charset="0"/>
+              <a:cs typeface="Times New Roman" panose="02020603050405020304" pitchFamily="18" charset="0"/>
+            </a:endParaRPr>
+          </a:p>
+          <a:p>
+            <a:pPr>
+              <a:lnSpc>
+                <a:spcPct val="107000"/>
+              </a:lnSpc>
+            </a:pPr>
+            <a:r>
+              <a:rPr lang="en-US" sz="1400" dirty="0">
+                <a:solidFill>
+                  <a:srgbClr val="FF00FF"/>
+                </a:solidFill>
+                <a:latin typeface="Consolas" panose="020B0609020204030204" pitchFamily="49" charset="0"/>
+                <a:ea typeface="Calibri" panose="020F0502020204030204" pitchFamily="34" charset="0"/>
+                <a:cs typeface="Times New Roman" panose="02020603050405020304" pitchFamily="18" charset="0"/>
+              </a:rPr>
+              <a:t>	</a:t>
+            </a:r>
+            <a:r>
+              <a:rPr lang="en-US" sz="1400" dirty="0" smtClean="0">
+                <a:solidFill>
+                  <a:srgbClr val="FF00FF"/>
+                </a:solidFill>
+                <a:latin typeface="Consolas" panose="020B0609020204030204" pitchFamily="49" charset="0"/>
+                <a:ea typeface="Calibri" panose="020F0502020204030204" pitchFamily="34" charset="0"/>
+                <a:cs typeface="Times New Roman" panose="02020603050405020304" pitchFamily="18" charset="0"/>
+              </a:rPr>
+              <a:t>sum</a:t>
+            </a:r>
+            <a:r>
+              <a:rPr lang="en-US" sz="1400" dirty="0" smtClean="0">
+                <a:solidFill>
+                  <a:srgbClr val="808080"/>
+                </a:solidFill>
+                <a:latin typeface="Consolas" panose="020B0609020204030204" pitchFamily="49" charset="0"/>
+                <a:ea typeface="Calibri" panose="020F0502020204030204" pitchFamily="34" charset="0"/>
+                <a:cs typeface="Times New Roman" panose="02020603050405020304" pitchFamily="18" charset="0"/>
+              </a:rPr>
+              <a:t>(</a:t>
+            </a:r>
+            <a:r>
+              <a:rPr lang="en-US" sz="1400" dirty="0" err="1" smtClean="0">
+                <a:solidFill>
+                  <a:srgbClr val="008080"/>
+                </a:solidFill>
+                <a:latin typeface="Consolas" panose="020B0609020204030204" pitchFamily="49" charset="0"/>
+                <a:ea typeface="Calibri" panose="020F0502020204030204" pitchFamily="34" charset="0"/>
+                <a:cs typeface="Times New Roman" panose="02020603050405020304" pitchFamily="18" charset="0"/>
+              </a:rPr>
+              <a:t>od</a:t>
+            </a:r>
+            <a:r>
+              <a:rPr lang="en-US" sz="1400" dirty="0" err="1" smtClean="0">
+                <a:solidFill>
+                  <a:srgbClr val="808080"/>
+                </a:solidFill>
+                <a:latin typeface="Consolas" panose="020B0609020204030204" pitchFamily="49" charset="0"/>
+                <a:ea typeface="Calibri" panose="020F0502020204030204" pitchFamily="34" charset="0"/>
+                <a:cs typeface="Times New Roman" panose="02020603050405020304" pitchFamily="18" charset="0"/>
+              </a:rPr>
+              <a:t>.</a:t>
+            </a:r>
+            <a:r>
+              <a:rPr lang="en-US" sz="1400" dirty="0" err="1" smtClean="0">
+                <a:solidFill>
+                  <a:srgbClr val="008080"/>
+                </a:solidFill>
+                <a:latin typeface="Consolas" panose="020B0609020204030204" pitchFamily="49" charset="0"/>
+                <a:ea typeface="Calibri" panose="020F0502020204030204" pitchFamily="34" charset="0"/>
+                <a:cs typeface="Times New Roman" panose="02020603050405020304" pitchFamily="18" charset="0"/>
+              </a:rPr>
+              <a:t>Quantity</a:t>
+            </a:r>
+            <a:r>
+              <a:rPr lang="en-US" sz="1400" dirty="0">
+                <a:solidFill>
+                  <a:srgbClr val="808080"/>
+                </a:solidFill>
+                <a:latin typeface="Consolas" panose="020B0609020204030204" pitchFamily="49" charset="0"/>
+                <a:ea typeface="Calibri" panose="020F0502020204030204" pitchFamily="34" charset="0"/>
+                <a:cs typeface="Times New Roman" panose="02020603050405020304" pitchFamily="18" charset="0"/>
+              </a:rPr>
+              <a:t>)</a:t>
+            </a:r>
+            <a:r>
+              <a:rPr lang="en-US" sz="1400" dirty="0">
+                <a:latin typeface="Consolas" panose="020B0609020204030204" pitchFamily="49" charset="0"/>
+                <a:ea typeface="Calibri" panose="020F0502020204030204" pitchFamily="34" charset="0"/>
+                <a:cs typeface="Times New Roman" panose="02020603050405020304" pitchFamily="18" charset="0"/>
+              </a:rPr>
+              <a:t> </a:t>
+            </a:r>
+            <a:r>
+              <a:rPr lang="en-US" sz="1400" dirty="0">
+                <a:solidFill>
+                  <a:srgbClr val="808080"/>
+                </a:solidFill>
+                <a:latin typeface="Consolas" panose="020B0609020204030204" pitchFamily="49" charset="0"/>
+                <a:ea typeface="Calibri" panose="020F0502020204030204" pitchFamily="34" charset="0"/>
+                <a:cs typeface="Times New Roman" panose="02020603050405020304" pitchFamily="18" charset="0"/>
+              </a:rPr>
+              <a:t>-</a:t>
+            </a:r>
+            <a:r>
+              <a:rPr lang="en-US" sz="1400" dirty="0">
+                <a:latin typeface="Consolas" panose="020B0609020204030204" pitchFamily="49" charset="0"/>
+                <a:ea typeface="Calibri" panose="020F0502020204030204" pitchFamily="34" charset="0"/>
+                <a:cs typeface="Times New Roman" panose="02020603050405020304" pitchFamily="18" charset="0"/>
+              </a:rPr>
+              <a:t> 20 </a:t>
+            </a:r>
+            <a:r>
+              <a:rPr lang="en-US" sz="1400" dirty="0" err="1">
+                <a:solidFill>
+                  <a:srgbClr val="008080"/>
+                </a:solidFill>
+                <a:latin typeface="Consolas" panose="020B0609020204030204" pitchFamily="49" charset="0"/>
+                <a:ea typeface="Calibri" panose="020F0502020204030204" pitchFamily="34" charset="0"/>
+                <a:cs typeface="Times New Roman" panose="02020603050405020304" pitchFamily="18" charset="0"/>
+              </a:rPr>
+              <a:t>ExcessOrders</a:t>
+            </a:r>
+            <a:endParaRPr lang="en-US" dirty="0">
+              <a:latin typeface="Calibri" panose="020F0502020204030204" pitchFamily="34" charset="0"/>
+              <a:ea typeface="Calibri" panose="020F0502020204030204" pitchFamily="34" charset="0"/>
+              <a:cs typeface="Times New Roman" panose="02020603050405020304" pitchFamily="18" charset="0"/>
+            </a:endParaRPr>
+          </a:p>
+          <a:p>
+            <a:pPr>
+              <a:lnSpc>
+                <a:spcPct val="107000"/>
+              </a:lnSpc>
+            </a:pPr>
+            <a:r>
+              <a:rPr lang="en-US" sz="1400" dirty="0">
+                <a:solidFill>
+                  <a:srgbClr val="0000FF"/>
+                </a:solidFill>
+                <a:latin typeface="Consolas" panose="020B0609020204030204" pitchFamily="49" charset="0"/>
+                <a:ea typeface="Calibri" panose="020F0502020204030204" pitchFamily="34" charset="0"/>
+                <a:cs typeface="Times New Roman" panose="02020603050405020304" pitchFamily="18" charset="0"/>
+              </a:rPr>
+              <a:t>order</a:t>
+            </a:r>
+            <a:r>
+              <a:rPr lang="en-US" sz="1400" dirty="0">
+                <a:latin typeface="Consolas" panose="020B0609020204030204" pitchFamily="49" charset="0"/>
+                <a:ea typeface="Calibri" panose="020F0502020204030204" pitchFamily="34" charset="0"/>
+                <a:cs typeface="Times New Roman" panose="02020603050405020304" pitchFamily="18" charset="0"/>
+              </a:rPr>
+              <a:t> </a:t>
+            </a:r>
+            <a:r>
+              <a:rPr lang="en-US" sz="1400" dirty="0">
+                <a:solidFill>
+                  <a:srgbClr val="0000FF"/>
+                </a:solidFill>
+                <a:latin typeface="Consolas" panose="020B0609020204030204" pitchFamily="49" charset="0"/>
+                <a:ea typeface="Calibri" panose="020F0502020204030204" pitchFamily="34" charset="0"/>
+                <a:cs typeface="Times New Roman" panose="02020603050405020304" pitchFamily="18" charset="0"/>
+              </a:rPr>
+              <a:t>by</a:t>
+            </a:r>
+            <a:r>
+              <a:rPr lang="en-US" sz="1400" dirty="0">
+                <a:latin typeface="Consolas" panose="020B0609020204030204" pitchFamily="49" charset="0"/>
+                <a:ea typeface="Calibri" panose="020F0502020204030204" pitchFamily="34" charset="0"/>
+                <a:cs typeface="Times New Roman" panose="02020603050405020304" pitchFamily="18" charset="0"/>
+              </a:rPr>
+              <a:t> </a:t>
+            </a:r>
+            <a:r>
+              <a:rPr lang="en-US" sz="1400" dirty="0" err="1">
+                <a:solidFill>
+                  <a:srgbClr val="008080"/>
+                </a:solidFill>
+                <a:latin typeface="Consolas" panose="020B0609020204030204" pitchFamily="49" charset="0"/>
+                <a:ea typeface="Calibri" panose="020F0502020204030204" pitchFamily="34" charset="0"/>
+                <a:cs typeface="Times New Roman" panose="02020603050405020304" pitchFamily="18" charset="0"/>
+              </a:rPr>
+              <a:t>od</a:t>
+            </a:r>
+            <a:r>
+              <a:rPr lang="en-US" sz="1400" dirty="0" err="1">
+                <a:solidFill>
+                  <a:srgbClr val="808080"/>
+                </a:solidFill>
+                <a:latin typeface="Consolas" panose="020B0609020204030204" pitchFamily="49" charset="0"/>
+                <a:ea typeface="Calibri" panose="020F0502020204030204" pitchFamily="34" charset="0"/>
+                <a:cs typeface="Times New Roman" panose="02020603050405020304" pitchFamily="18" charset="0"/>
+              </a:rPr>
+              <a:t>.</a:t>
+            </a:r>
+            <a:r>
+              <a:rPr lang="en-US" sz="1400" dirty="0" err="1">
+                <a:solidFill>
+                  <a:srgbClr val="008080"/>
+                </a:solidFill>
+                <a:latin typeface="Consolas" panose="020B0609020204030204" pitchFamily="49" charset="0"/>
+                <a:ea typeface="Calibri" panose="020F0502020204030204" pitchFamily="34" charset="0"/>
+                <a:cs typeface="Times New Roman" panose="02020603050405020304" pitchFamily="18" charset="0"/>
+              </a:rPr>
+              <a:t>ProductId</a:t>
+            </a:r>
+            <a:endParaRPr lang="en-US" sz="1400" dirty="0">
+              <a:solidFill>
+                <a:srgbClr val="008080"/>
+              </a:solidFill>
+              <a:latin typeface="Consolas" panose="020B0609020204030204" pitchFamily="49" charset="0"/>
+              <a:ea typeface="Calibri" panose="020F0502020204030204" pitchFamily="34" charset="0"/>
+              <a:cs typeface="Times New Roman" panose="02020603050405020304" pitchFamily="18" charset="0"/>
+            </a:endParaRPr>
+          </a:p>
+          <a:p>
+            <a:pPr>
+              <a:lnSpc>
+                <a:spcPct val="107000"/>
+              </a:lnSpc>
+            </a:pPr>
+            <a:r>
+              <a:rPr lang="en-US" sz="1400" dirty="0">
+                <a:solidFill>
+                  <a:srgbClr val="0000FF"/>
+                </a:solidFill>
+                <a:latin typeface="Consolas" panose="020B0609020204030204" pitchFamily="49" charset="0"/>
+                <a:ea typeface="Calibri" panose="020F0502020204030204" pitchFamily="34" charset="0"/>
+                <a:cs typeface="Times New Roman" panose="02020603050405020304" pitchFamily="18" charset="0"/>
+              </a:rPr>
+              <a:t>top</a:t>
+            </a:r>
+            <a:r>
+              <a:rPr lang="en-US" sz="1400" dirty="0">
+                <a:latin typeface="Consolas" panose="020B0609020204030204" pitchFamily="49" charset="0"/>
+                <a:ea typeface="Calibri" panose="020F0502020204030204" pitchFamily="34" charset="0"/>
+                <a:cs typeface="Times New Roman" panose="02020603050405020304" pitchFamily="18" charset="0"/>
+              </a:rPr>
+              <a:t> 5</a:t>
+            </a:r>
+            <a:r>
+              <a:rPr lang="en-US" sz="1400" dirty="0">
+                <a:solidFill>
+                  <a:srgbClr val="808080"/>
+                </a:solidFill>
+                <a:latin typeface="Consolas" panose="020B0609020204030204" pitchFamily="49" charset="0"/>
+                <a:ea typeface="Calibri" panose="020F0502020204030204" pitchFamily="34" charset="0"/>
+                <a:cs typeface="Times New Roman" panose="02020603050405020304" pitchFamily="18" charset="0"/>
+              </a:rPr>
+              <a:t>;</a:t>
+            </a:r>
+            <a:endParaRPr lang="en-US" dirty="0">
+              <a:latin typeface="Calibri" panose="020F0502020204030204" pitchFamily="34" charset="0"/>
+              <a:ea typeface="Calibri" panose="020F0502020204030204" pitchFamily="34" charset="0"/>
+              <a:cs typeface="Times New Roman" panose="02020603050405020304" pitchFamily="18" charset="0"/>
+            </a:endParaRPr>
+          </a:p>
+        </p:txBody>
+      </p:sp>
+      <p:sp>
+        <p:nvSpPr>
+          <p:cNvPr id="6" name="Oval 5"/>
+          <p:cNvSpPr/>
+          <p:nvPr/>
+        </p:nvSpPr>
+        <p:spPr>
+          <a:xfrm>
+            <a:off x="8378792" y="542942"/>
+            <a:ext cx="616016" cy="606391"/>
+          </a:xfrm>
+          <a:prstGeom prst="ellipse">
+            <a:avLst/>
+          </a:prstGeom>
+        </p:spPr>
+        <p:style>
+          <a:lnRef idx="1">
+            <a:schemeClr val="accent1"/>
+          </a:lnRef>
+          <a:fillRef idx="3">
+            <a:schemeClr val="accent1"/>
+          </a:fillRef>
+          <a:effectRef idx="2">
+            <a:schemeClr val="accent1"/>
+          </a:effectRef>
+          <a:fontRef idx="minor">
+            <a:schemeClr val="lt1"/>
+          </a:fontRef>
+        </p:style>
+        <p:txBody>
+          <a:bodyPr rtlCol="0" anchor="ctr"/>
+          <a:lstStyle/>
+          <a:p>
+            <a:pPr algn="ctr"/>
+            <a:r>
+              <a:rPr lang="en-US" sz="1600" dirty="0"/>
+              <a:t>11</a:t>
+            </a:r>
+          </a:p>
+        </p:txBody>
+      </p:sp>
+      <p:pic>
+        <p:nvPicPr>
+          <p:cNvPr id="4" name="Picture 3"/>
+          <p:cNvPicPr>
+            <a:picLocks noChangeAspect="1"/>
+          </p:cNvPicPr>
+          <p:nvPr/>
+        </p:nvPicPr>
+        <p:blipFill>
+          <a:blip r:embed="rId3"/>
+          <a:stretch>
+            <a:fillRect/>
+          </a:stretch>
+        </p:blipFill>
+        <p:spPr>
+          <a:xfrm>
+            <a:off x="3247268" y="542942"/>
+            <a:ext cx="5439532" cy="5681438"/>
+          </a:xfrm>
+          <a:prstGeom prst="rect">
+            <a:avLst/>
+          </a:prstGeom>
+        </p:spPr>
+      </p:pic>
+    </p:spTree>
+    <p:extLst>
+      <p:ext uri="{BB962C8B-B14F-4D97-AF65-F5344CB8AC3E}">
+        <p14:creationId xmlns:p14="http://schemas.microsoft.com/office/powerpoint/2010/main" val="1565686106"/>
+      </p:ext>
+    </p:extLst>
+  </p:cSld>
+  <p:clrMapOvr>
+    <a:masterClrMapping/>
+  </p:clrMapOvr>
+  <mc:AlternateContent xmlns:mc="http://schemas.openxmlformats.org/markup-compatibility/2006">
+    <mc:Choice xmlns:p14="http://schemas.microsoft.com/office/powerpoint/2010/main" Requires="p14">
+      <p:transition spd="slow" p14:dur="2000"/>
+    </mc:Choice>
+    <mc:Fallback>
+      <p:transition spd="slow"/>
+    </mc:Fallback>
+  </mc:AlternateContent>
+  <p:timing>
+    <p:tnLst>
+      <p:par>
+        <p:cTn id="1" dur="indefinite" restart="never" nodeType="tmRoot"/>
+      </p:par>
+    </p:tnLst>
+  </p:timing>
+</p:sld>
+</file>
+
+<file path=ppt/slides/slide25.xml><?xml version="1.0" encoding="utf-8"?>
 <p:sld xmlns:a="http://schemas.openxmlformats.org/drawingml/2006/main" xmlns:r="http://schemas.openxmlformats.org/officeDocument/2006/relationships" xmlns:p="http://schemas.openxmlformats.org/presentationml/2006/main">
   <p:cSld>
     <p:spTree>
@@ -22786,10 +25560,17 @@
   <p:clrMapOvr>
     <a:masterClrMapping/>
   </p:clrMapOvr>
+  <p:timing>
+    <p:tnLst>
+      <p:par>
+        <p:cTn id="1" dur="indefinite" restart="never" nodeType="tmRoot"/>
+      </p:par>
+    </p:tnLst>
+  </p:timing>
 </p:sld>
 </file>
 
-<file path=ppt/slides/slide24.xml><?xml version="1.0" encoding="utf-8"?>
+<file path=ppt/slides/slide26.xml><?xml version="1.0" encoding="utf-8"?>
 <p:sld xmlns:a="http://schemas.openxmlformats.org/drawingml/2006/main" xmlns:r="http://schemas.openxmlformats.org/officeDocument/2006/relationships" xmlns:p="http://schemas.openxmlformats.org/presentationml/2006/main">
   <p:cSld>
     <p:spTree>
@@ -23039,7 +25820,7 @@
 </p:sld>
 </file>
 
-<file path=ppt/slides/slide25.xml><?xml version="1.0" encoding="utf-8"?>
+<file path=ppt/slides/slide27.xml><?xml version="1.0" encoding="utf-8"?>
 <p:sld xmlns:a="http://schemas.openxmlformats.org/drawingml/2006/main" xmlns:r="http://schemas.openxmlformats.org/officeDocument/2006/relationships" xmlns:p="http://schemas.openxmlformats.org/presentationml/2006/main">
   <p:cSld>
     <p:spTree>
@@ -23318,7 +26099,7 @@
 </p:sld>
 </file>
 
-<file path=ppt/slides/slide26.xml><?xml version="1.0" encoding="utf-8"?>
+<file path=ppt/slides/slide28.xml><?xml version="1.0" encoding="utf-8"?>
 <p:sld xmlns:a="http://schemas.openxmlformats.org/drawingml/2006/main" xmlns:r="http://schemas.openxmlformats.org/officeDocument/2006/relationships" xmlns:p="http://schemas.openxmlformats.org/presentationml/2006/main">
   <p:cSld>
     <p:spTree>
@@ -23404,7 +26185,7 @@
 </p:sld>
 </file>
 
-<file path=ppt/slides/slide27.xml><?xml version="1.0" encoding="utf-8"?>
+<file path=ppt/slides/slide29.xml><?xml version="1.0" encoding="utf-8"?>
 <p:sld xmlns:a="http://schemas.openxmlformats.org/drawingml/2006/main" xmlns:r="http://schemas.openxmlformats.org/officeDocument/2006/relationships" xmlns:p="http://schemas.openxmlformats.org/presentationml/2006/main">
   <p:cSld>
     <p:spTree>
@@ -23588,7 +26369,118 @@
 </p:sld>
 </file>
 
-<file path=ppt/slides/slide28.xml><?xml version="1.0" encoding="utf-8"?>
+<file path=ppt/slides/slide3.xml><?xml version="1.0" encoding="utf-8"?>
+<p:sld xmlns:a="http://schemas.openxmlformats.org/drawingml/2006/main" xmlns:r="http://schemas.openxmlformats.org/officeDocument/2006/relationships" xmlns:p="http://schemas.openxmlformats.org/presentationml/2006/main">
+  <p:cSld>
+    <p:spTree>
+      <p:nvGrpSpPr>
+        <p:cNvPr id="1" name=""/>
+        <p:cNvGrpSpPr/>
+        <p:nvPr/>
+      </p:nvGrpSpPr>
+      <p:grpSpPr>
+        <a:xfrm>
+          <a:off x="0" y="0"/>
+          <a:ext cx="0" cy="0"/>
+          <a:chOff x="0" y="0"/>
+          <a:chExt cx="0" cy="0"/>
+        </a:xfrm>
+      </p:grpSpPr>
+      <p:sp>
+        <p:nvSpPr>
+          <p:cNvPr id="2" name="Title 1"/>
+          <p:cNvSpPr>
+            <a:spLocks noGrp="1"/>
+          </p:cNvSpPr>
+          <p:nvPr>
+            <p:ph type="title"/>
+          </p:nvPr>
+        </p:nvSpPr>
+        <p:spPr/>
+        <p:txBody>
+          <a:bodyPr/>
+          <a:lstStyle/>
+          <a:p>
+            <a:r>
+              <a:rPr lang="en-US" dirty="0"/>
+              <a:t>About This Session</a:t>
+            </a:r>
+          </a:p>
+        </p:txBody>
+      </p:sp>
+      <p:sp>
+        <p:nvSpPr>
+          <p:cNvPr id="3" name="Content Placeholder 2"/>
+          <p:cNvSpPr>
+            <a:spLocks noGrp="1"/>
+          </p:cNvSpPr>
+          <p:nvPr>
+            <p:ph idx="1"/>
+          </p:nvPr>
+        </p:nvSpPr>
+        <p:spPr/>
+        <p:txBody>
+          <a:bodyPr/>
+          <a:lstStyle/>
+          <a:p>
+            <a:r>
+              <a:rPr lang="en-US" dirty="0"/>
+              <a:t>What this session is not</a:t>
+            </a:r>
+          </a:p>
+          <a:p>
+            <a:pPr lvl="1"/>
+            <a:r>
+              <a:rPr lang="en-US" dirty="0"/>
+              <a:t>An end-to-end optimizer session</a:t>
+            </a:r>
+          </a:p>
+          <a:p>
+            <a:pPr lvl="1"/>
+            <a:r>
+              <a:rPr lang="en-US" dirty="0"/>
+              <a:t>A performance tuning session</a:t>
+            </a:r>
+          </a:p>
+          <a:p>
+            <a:endParaRPr lang="en-US" dirty="0"/>
+          </a:p>
+          <a:p>
+            <a:r>
+              <a:rPr lang="en-US" dirty="0"/>
+              <a:t>Goals of this session</a:t>
+            </a:r>
+          </a:p>
+          <a:p>
+            <a:pPr lvl="1"/>
+            <a:r>
+              <a:rPr lang="en-US" dirty="0"/>
+              <a:t>Additional understanding of SQL Server internals</a:t>
+            </a:r>
+          </a:p>
+          <a:p>
+            <a:pPr lvl="1"/>
+            <a:r>
+              <a:rPr lang="en-US" dirty="0"/>
+              <a:t>Provide an additional skill for performance tuning</a:t>
+            </a:r>
+          </a:p>
+        </p:txBody>
+      </p:sp>
+    </p:spTree>
+    <p:extLst>
+      <p:ext uri="{BB962C8B-B14F-4D97-AF65-F5344CB8AC3E}">
+        <p14:creationId xmlns:p14="http://schemas.microsoft.com/office/powerpoint/2010/main" val="1507468022"/>
+      </p:ext>
+    </p:extLst>
+  </p:cSld>
+  <p:clrMapOvr>
+    <a:masterClrMapping/>
+  </p:clrMapOvr>
+</p:sld>
+</file>
+
+<file path=ppt/slides/slide30.xml><?xml version="1.0" encoding="utf-8"?>
 <p:sld xmlns:a="http://schemas.openxmlformats.org/drawingml/2006/main" xmlns:r="http://schemas.openxmlformats.org/officeDocument/2006/relationships" xmlns:p="http://schemas.openxmlformats.org/presentationml/2006/main">
   <p:cSld>
     <p:spTree>
@@ -23790,7 +26682,7 @@
 </p:sld>
 </file>
 
-<file path=ppt/slides/slide29.xml><?xml version="1.0" encoding="utf-8"?>
+<file path=ppt/slides/slide31.xml><?xml version="1.0" encoding="utf-8"?>
 <p:sld xmlns:a="http://schemas.openxmlformats.org/drawingml/2006/main" xmlns:r="http://schemas.openxmlformats.org/officeDocument/2006/relationships" xmlns:p="http://schemas.openxmlformats.org/presentationml/2006/main" show="0">
   <p:cSld>
     <p:spTree>
@@ -24176,118 +27068,7 @@
 </p:sld>
 </file>
 
-<file path=ppt/slides/slide3.xml><?xml version="1.0" encoding="utf-8"?>
-<p:sld xmlns:a="http://schemas.openxmlformats.org/drawingml/2006/main" xmlns:r="http://schemas.openxmlformats.org/officeDocument/2006/relationships" xmlns:p="http://schemas.openxmlformats.org/presentationml/2006/main">
-  <p:cSld>
-    <p:spTree>
-      <p:nvGrpSpPr>
-        <p:cNvPr id="1" name=""/>
-        <p:cNvGrpSpPr/>
-        <p:nvPr/>
-      </p:nvGrpSpPr>
-      <p:grpSpPr>
-        <a:xfrm>
-          <a:off x="0" y="0"/>
-          <a:ext cx="0" cy="0"/>
-          <a:chOff x="0" y="0"/>
-          <a:chExt cx="0" cy="0"/>
-        </a:xfrm>
-      </p:grpSpPr>
-      <p:sp>
-        <p:nvSpPr>
-          <p:cNvPr id="2" name="Title 1"/>
-          <p:cNvSpPr>
-            <a:spLocks noGrp="1"/>
-          </p:cNvSpPr>
-          <p:nvPr>
-            <p:ph type="title"/>
-          </p:nvPr>
-        </p:nvSpPr>
-        <p:spPr/>
-        <p:txBody>
-          <a:bodyPr/>
-          <a:lstStyle/>
-          <a:p>
-            <a:r>
-              <a:rPr lang="en-US" dirty="0"/>
-              <a:t>About This Session</a:t>
-            </a:r>
-          </a:p>
-        </p:txBody>
-      </p:sp>
-      <p:sp>
-        <p:nvSpPr>
-          <p:cNvPr id="3" name="Content Placeholder 2"/>
-          <p:cNvSpPr>
-            <a:spLocks noGrp="1"/>
-          </p:cNvSpPr>
-          <p:nvPr>
-            <p:ph idx="1"/>
-          </p:nvPr>
-        </p:nvSpPr>
-        <p:spPr/>
-        <p:txBody>
-          <a:bodyPr/>
-          <a:lstStyle/>
-          <a:p>
-            <a:r>
-              <a:rPr lang="en-US" dirty="0"/>
-              <a:t>What this session is not</a:t>
-            </a:r>
-          </a:p>
-          <a:p>
-            <a:pPr lvl="1"/>
-            <a:r>
-              <a:rPr lang="en-US" dirty="0"/>
-              <a:t>An end-to-end optimizer session</a:t>
-            </a:r>
-          </a:p>
-          <a:p>
-            <a:pPr lvl="1"/>
-            <a:r>
-              <a:rPr lang="en-US" dirty="0"/>
-              <a:t>A performance tuning session</a:t>
-            </a:r>
-          </a:p>
-          <a:p>
-            <a:endParaRPr lang="en-US" dirty="0"/>
-          </a:p>
-          <a:p>
-            <a:r>
-              <a:rPr lang="en-US" dirty="0"/>
-              <a:t>Goals of this session</a:t>
-            </a:r>
-          </a:p>
-          <a:p>
-            <a:pPr lvl="1"/>
-            <a:r>
-              <a:rPr lang="en-US" dirty="0"/>
-              <a:t>Additional understanding of SQL Server internals</a:t>
-            </a:r>
-          </a:p>
-          <a:p>
-            <a:pPr lvl="1"/>
-            <a:r>
-              <a:rPr lang="en-US" dirty="0"/>
-              <a:t>Provide an additional skill for performance tuning</a:t>
-            </a:r>
-          </a:p>
-        </p:txBody>
-      </p:sp>
-    </p:spTree>
-    <p:extLst>
-      <p:ext uri="{BB962C8B-B14F-4D97-AF65-F5344CB8AC3E}">
-        <p14:creationId xmlns:p14="http://schemas.microsoft.com/office/powerpoint/2010/main" val="1507468022"/>
-      </p:ext>
-    </p:extLst>
-  </p:cSld>
-  <p:clrMapOvr>
-    <a:masterClrMapping/>
-  </p:clrMapOvr>
-</p:sld>
-</file>
-
-<file path=ppt/slides/slide30.xml><?xml version="1.0" encoding="utf-8"?>
+<file path=ppt/slides/slide32.xml><?xml version="1.0" encoding="utf-8"?>
 <p:sld xmlns:a="http://schemas.openxmlformats.org/drawingml/2006/main" xmlns:r="http://schemas.openxmlformats.org/officeDocument/2006/relationships" xmlns:p="http://schemas.openxmlformats.org/presentationml/2006/main" show="0">
   <p:cSld>
     <p:spTree>
@@ -25222,7 +28003,7 @@
 </p:sld>
 </file>
 
-<file path=ppt/slides/slide31.xml><?xml version="1.0" encoding="utf-8"?>
+<file path=ppt/slides/slide33.xml><?xml version="1.0" encoding="utf-8"?>
 <p:sld xmlns:a="http://schemas.openxmlformats.org/drawingml/2006/main" xmlns:r="http://schemas.openxmlformats.org/officeDocument/2006/relationships" xmlns:p="http://schemas.openxmlformats.org/presentationml/2006/main" show="0">
   <p:cSld>
     <p:spTree>
@@ -28097,7 +30878,7 @@
 </p:sld>
 </file>
 
-<file path=ppt/slides/slide32.xml><?xml version="1.0" encoding="utf-8"?>
+<file path=ppt/slides/slide34.xml><?xml version="1.0" encoding="utf-8"?>
 <p:sld xmlns:a="http://schemas.openxmlformats.org/drawingml/2006/main" xmlns:r="http://schemas.openxmlformats.org/officeDocument/2006/relationships" xmlns:p="http://schemas.openxmlformats.org/presentationml/2006/main" show="0">
   <p:cSld>
     <p:spTree>
@@ -28217,7 +30998,7 @@
 </p:sld>
 </file>
 
-<file path=ppt/slides/slide33.xml><?xml version="1.0" encoding="utf-8"?>
+<file path=ppt/slides/slide35.xml><?xml version="1.0" encoding="utf-8"?>
 <p:sld xmlns:a="http://schemas.openxmlformats.org/drawingml/2006/main" xmlns:r="http://schemas.openxmlformats.org/officeDocument/2006/relationships" xmlns:p="http://schemas.openxmlformats.org/presentationml/2006/main" show="0">
   <p:cSld>
     <p:spTree>
@@ -28400,7 +31181,7 @@
 </p:sld>
 </file>
 
-<file path=ppt/slides/slide34.xml><?xml version="1.0" encoding="utf-8"?>
+<file path=ppt/slides/slide36.xml><?xml version="1.0" encoding="utf-8"?>
 <p:sld xmlns:a="http://schemas.openxmlformats.org/drawingml/2006/main" xmlns:r="http://schemas.openxmlformats.org/officeDocument/2006/relationships" xmlns:p="http://schemas.openxmlformats.org/presentationml/2006/main" show="0">
   <p:cSld>
     <p:spTree>
@@ -29104,7 +31885,7 @@
 </p:sld>
 </file>
 
-<file path=ppt/slides/slide35.xml><?xml version="1.0" encoding="utf-8"?>
+<file path=ppt/slides/slide37.xml><?xml version="1.0" encoding="utf-8"?>
 <p:sld xmlns:a="http://schemas.openxmlformats.org/drawingml/2006/main" xmlns:r="http://schemas.openxmlformats.org/officeDocument/2006/relationships" xmlns:p="http://schemas.openxmlformats.org/presentationml/2006/main">
   <p:cSld>
     <p:spTree>
@@ -29271,7 +32052,7 @@
 </p:sld>
 </file>
 
-<file path=ppt/slides/slide36.xml><?xml version="1.0" encoding="utf-8"?>
+<file path=ppt/slides/slide38.xml><?xml version="1.0" encoding="utf-8"?>
 <p:sld xmlns:a="http://schemas.openxmlformats.org/drawingml/2006/main" xmlns:r="http://schemas.openxmlformats.org/officeDocument/2006/relationships" xmlns:p="http://schemas.openxmlformats.org/presentationml/2006/main">
   <p:cSld>
     <p:spTree>
@@ -29371,7 +32152,7 @@
 </p:sld>
 </file>
 
-<file path=ppt/slides/slide37.xml><?xml version="1.0" encoding="utf-8"?>
+<file path=ppt/slides/slide39.xml><?xml version="1.0" encoding="utf-8"?>
 <p:sld xmlns:a="http://schemas.openxmlformats.org/drawingml/2006/main" xmlns:r="http://schemas.openxmlformats.org/officeDocument/2006/relationships" xmlns:p="http://schemas.openxmlformats.org/presentationml/2006/main">
   <p:cSld>
     <p:spTree>
@@ -29481,7 +32262,115 @@
 </p:sld>
 </file>
 
-<file path=ppt/slides/slide38.xml><?xml version="1.0" encoding="utf-8"?>
+<file path=ppt/slides/slide4.xml><?xml version="1.0" encoding="utf-8"?>
+<p:sld xmlns:a="http://schemas.openxmlformats.org/drawingml/2006/main" xmlns:r="http://schemas.openxmlformats.org/officeDocument/2006/relationships" xmlns:p="http://schemas.openxmlformats.org/presentationml/2006/main">
+  <p:cSld>
+    <p:spTree>
+      <p:nvGrpSpPr>
+        <p:cNvPr id="1" name=""/>
+        <p:cNvGrpSpPr/>
+        <p:nvPr/>
+      </p:nvGrpSpPr>
+      <p:grpSpPr>
+        <a:xfrm>
+          <a:off x="0" y="0"/>
+          <a:ext cx="0" cy="0"/>
+          <a:chOff x="0" y="0"/>
+          <a:chExt cx="0" cy="0"/>
+        </a:xfrm>
+      </p:grpSpPr>
+      <p:sp>
+        <p:nvSpPr>
+          <p:cNvPr id="2" name="Title 1"/>
+          <p:cNvSpPr>
+            <a:spLocks noGrp="1"/>
+          </p:cNvSpPr>
+          <p:nvPr>
+            <p:ph type="title"/>
+          </p:nvPr>
+        </p:nvSpPr>
+        <p:spPr/>
+        <p:txBody>
+          <a:bodyPr/>
+          <a:lstStyle/>
+          <a:p>
+            <a:r>
+              <a:rPr lang="en-US" dirty="0"/>
+              <a:t>Agenda</a:t>
+            </a:r>
+          </a:p>
+        </p:txBody>
+      </p:sp>
+      <p:sp>
+        <p:nvSpPr>
+          <p:cNvPr id="3" name="Content Placeholder 2"/>
+          <p:cNvSpPr>
+            <a:spLocks noGrp="1"/>
+          </p:cNvSpPr>
+          <p:nvPr>
+            <p:ph idx="1"/>
+          </p:nvPr>
+        </p:nvSpPr>
+        <p:spPr/>
+        <p:txBody>
+          <a:bodyPr>
+            <a:normAutofit/>
+          </a:bodyPr>
+          <a:lstStyle/>
+          <a:p>
+            <a:r>
+              <a:rPr lang="en-US" dirty="0"/>
+              <a:t>Background:</a:t>
+            </a:r>
+          </a:p>
+          <a:p>
+            <a:pPr lvl="1"/>
+            <a:r>
+              <a:rPr lang="en-US" dirty="0"/>
+              <a:t>Logical processing order</a:t>
+            </a:r>
+          </a:p>
+          <a:p>
+            <a:pPr lvl="1"/>
+            <a:r>
+              <a:rPr lang="en-US" dirty="0"/>
+              <a:t>Physical processing considerations</a:t>
+            </a:r>
+          </a:p>
+          <a:p>
+            <a:r>
+              <a:rPr lang="en-US" dirty="0"/>
+              <a:t>Executing a query: parse, bind, transform, optimize, execute</a:t>
+            </a:r>
+          </a:p>
+          <a:p>
+            <a:r>
+              <a:rPr lang="en-US" dirty="0"/>
+              <a:t>Heuristics, transformation rules, parse trees, memos</a:t>
+            </a:r>
+          </a:p>
+          <a:p>
+            <a:r>
+              <a:rPr lang="en-US" dirty="0"/>
+              <a:t>Limitations &amp; DMVs</a:t>
+            </a:r>
+          </a:p>
+        </p:txBody>
+      </p:sp>
+    </p:spTree>
+    <p:extLst>
+      <p:ext uri="{BB962C8B-B14F-4D97-AF65-F5344CB8AC3E}">
+        <p14:creationId xmlns:p14="http://schemas.microsoft.com/office/powerpoint/2010/main" val="675647204"/>
+      </p:ext>
+    </p:extLst>
+  </p:cSld>
+  <p:clrMapOvr>
+    <a:masterClrMapping/>
+  </p:clrMapOvr>
+</p:sld>
+</file>
+
+<file path=ppt/slides/slide40.xml><?xml version="1.0" encoding="utf-8"?>
 <p:sld xmlns:a="http://schemas.openxmlformats.org/drawingml/2006/main" xmlns:r="http://schemas.openxmlformats.org/officeDocument/2006/relationships" xmlns:p="http://schemas.openxmlformats.org/presentationml/2006/main" show="0">
   <p:cSld>
     <p:spTree>
@@ -29791,7 +32680,7 @@
 </p:sld>
 </file>
 
-<file path=ppt/slides/slide39.xml><?xml version="1.0" encoding="utf-8"?>
+<file path=ppt/slides/slide41.xml><?xml version="1.0" encoding="utf-8"?>
 <p:sld xmlns:a="http://schemas.openxmlformats.org/drawingml/2006/main" xmlns:r="http://schemas.openxmlformats.org/officeDocument/2006/relationships" xmlns:p="http://schemas.openxmlformats.org/presentationml/2006/main">
   <p:cSld>
     <p:spTree>
@@ -29947,423 +32836,6 @@
     <p:extLst>
       <p:ext uri="{BB962C8B-B14F-4D97-AF65-F5344CB8AC3E}">
         <p14:creationId xmlns:p14="http://schemas.microsoft.com/office/powerpoint/2010/main" val="1630484383"/>
-      </p:ext>
-    </p:extLst>
-  </p:cSld>
-  <p:clrMapOvr>
-    <a:masterClrMapping/>
-  </p:clrMapOvr>
-</p:sld>
-</file>
-
-<file path=ppt/slides/slide4.xml><?xml version="1.0" encoding="utf-8"?>
-<p:sld xmlns:a="http://schemas.openxmlformats.org/drawingml/2006/main" xmlns:r="http://schemas.openxmlformats.org/officeDocument/2006/relationships" xmlns:p="http://schemas.openxmlformats.org/presentationml/2006/main">
-  <p:cSld>
-    <p:spTree>
-      <p:nvGrpSpPr>
-        <p:cNvPr id="1" name=""/>
-        <p:cNvGrpSpPr/>
-        <p:nvPr/>
-      </p:nvGrpSpPr>
-      <p:grpSpPr>
-        <a:xfrm>
-          <a:off x="0" y="0"/>
-          <a:ext cx="0" cy="0"/>
-          <a:chOff x="0" y="0"/>
-          <a:chExt cx="0" cy="0"/>
-        </a:xfrm>
-      </p:grpSpPr>
-      <p:sp>
-        <p:nvSpPr>
-          <p:cNvPr id="2" name="Title 1"/>
-          <p:cNvSpPr>
-            <a:spLocks noGrp="1"/>
-          </p:cNvSpPr>
-          <p:nvPr>
-            <p:ph type="title"/>
-          </p:nvPr>
-        </p:nvSpPr>
-        <p:spPr/>
-        <p:txBody>
-          <a:bodyPr/>
-          <a:lstStyle/>
-          <a:p>
-            <a:r>
-              <a:rPr lang="en-US" dirty="0"/>
-              <a:t>Agenda</a:t>
-            </a:r>
-          </a:p>
-        </p:txBody>
-      </p:sp>
-      <p:sp>
-        <p:nvSpPr>
-          <p:cNvPr id="3" name="Content Placeholder 2"/>
-          <p:cNvSpPr>
-            <a:spLocks noGrp="1"/>
-          </p:cNvSpPr>
-          <p:nvPr>
-            <p:ph idx="1"/>
-          </p:nvPr>
-        </p:nvSpPr>
-        <p:spPr/>
-        <p:txBody>
-          <a:bodyPr>
-            <a:normAutofit/>
-          </a:bodyPr>
-          <a:lstStyle/>
-          <a:p>
-            <a:r>
-              <a:rPr lang="en-US" dirty="0"/>
-              <a:t>Background:</a:t>
-            </a:r>
-          </a:p>
-          <a:p>
-            <a:pPr lvl="1"/>
-            <a:r>
-              <a:rPr lang="en-US" dirty="0"/>
-              <a:t>Logical processing order</a:t>
-            </a:r>
-          </a:p>
-          <a:p>
-            <a:pPr lvl="1"/>
-            <a:r>
-              <a:rPr lang="en-US" dirty="0"/>
-              <a:t>Physical processing considerations</a:t>
-            </a:r>
-          </a:p>
-          <a:p>
-            <a:r>
-              <a:rPr lang="en-US" dirty="0"/>
-              <a:t>Executing a query: parse, bind, transform, optimize, execute</a:t>
-            </a:r>
-          </a:p>
-          <a:p>
-            <a:r>
-              <a:rPr lang="en-US" dirty="0"/>
-              <a:t>Heuristics, transformation rules, parse trees, memos</a:t>
-            </a:r>
-          </a:p>
-          <a:p>
-            <a:r>
-              <a:rPr lang="en-US" dirty="0"/>
-              <a:t>Limitations &amp; DMVs</a:t>
-            </a:r>
-          </a:p>
-        </p:txBody>
-      </p:sp>
-    </p:spTree>
-    <p:extLst>
-      <p:ext uri="{BB962C8B-B14F-4D97-AF65-F5344CB8AC3E}">
-        <p14:creationId xmlns:p14="http://schemas.microsoft.com/office/powerpoint/2010/main" val="675647204"/>
-      </p:ext>
-    </p:extLst>
-  </p:cSld>
-  <p:clrMapOvr>
-    <a:masterClrMapping/>
-  </p:clrMapOvr>
-</p:sld>
-</file>
-
-<file path=ppt/slides/slide40.xml><?xml version="1.0" encoding="utf-8"?>
-<p:sld xmlns:a="http://schemas.openxmlformats.org/drawingml/2006/main" xmlns:r="http://schemas.openxmlformats.org/officeDocument/2006/relationships" xmlns:p="http://schemas.openxmlformats.org/presentationml/2006/main">
-  <p:cSld>
-    <p:spTree>
-      <p:nvGrpSpPr>
-        <p:cNvPr id="1" name=""/>
-        <p:cNvGrpSpPr/>
-        <p:nvPr/>
-      </p:nvGrpSpPr>
-      <p:grpSpPr>
-        <a:xfrm>
-          <a:off x="0" y="0"/>
-          <a:ext cx="0" cy="0"/>
-          <a:chOff x="0" y="0"/>
-          <a:chExt cx="0" cy="0"/>
-        </a:xfrm>
-      </p:grpSpPr>
-      <p:sp>
-        <p:nvSpPr>
-          <p:cNvPr id="2" name="Title 1"/>
-          <p:cNvSpPr>
-            <a:spLocks noGrp="1"/>
-          </p:cNvSpPr>
-          <p:nvPr>
-            <p:ph type="title"/>
-          </p:nvPr>
-        </p:nvSpPr>
-        <p:spPr/>
-        <p:txBody>
-          <a:bodyPr/>
-          <a:lstStyle/>
-          <a:p>
-            <a:r>
-              <a:rPr lang="en-US" dirty="0"/>
-              <a:t>Heuristics and Transformations</a:t>
-            </a:r>
-          </a:p>
-        </p:txBody>
-      </p:sp>
-      <p:sp>
-        <p:nvSpPr>
-          <p:cNvPr id="3" name="Content Placeholder 2"/>
-          <p:cNvSpPr>
-            <a:spLocks noGrp="1"/>
-          </p:cNvSpPr>
-          <p:nvPr>
-            <p:ph idx="1"/>
-          </p:nvPr>
-        </p:nvSpPr>
-        <p:spPr/>
-        <p:txBody>
-          <a:bodyPr>
-            <a:normAutofit lnSpcReduction="10000"/>
-          </a:bodyPr>
-          <a:lstStyle/>
-          <a:p>
-            <a:r>
-              <a:rPr lang="en-US" dirty="0"/>
-              <a:t>Heuristics</a:t>
-            </a:r>
-          </a:p>
-          <a:p>
-            <a:pPr lvl="1"/>
-            <a:r>
-              <a:rPr lang="en-US" dirty="0"/>
-              <a:t>Rules that can eliminate entire branches of the search space</a:t>
-            </a:r>
-          </a:p>
-          <a:p>
-            <a:r>
-              <a:rPr lang="en-US" dirty="0"/>
-              <a:t>Transformations</a:t>
-            </a:r>
-          </a:p>
-          <a:p>
-            <a:pPr lvl="1"/>
-            <a:r>
-              <a:rPr lang="en-US" dirty="0"/>
-              <a:t>Find equivalent operations to get same output</a:t>
-            </a:r>
-          </a:p>
-          <a:p>
-            <a:pPr lvl="1"/>
-            <a:r>
-              <a:rPr lang="en-US" dirty="0"/>
-              <a:t>Rule-based</a:t>
-            </a:r>
-          </a:p>
-          <a:p>
-            <a:pPr lvl="2"/>
-            <a:r>
-              <a:rPr lang="en-US" dirty="0"/>
-              <a:t>DBCC SHOWONRULES</a:t>
-            </a:r>
-          </a:p>
-          <a:p>
-            <a:pPr lvl="2"/>
-            <a:r>
-              <a:rPr lang="en-US" dirty="0"/>
-              <a:t>DBCC RULEON / RULEOFF </a:t>
-            </a:r>
-          </a:p>
-          <a:p>
-            <a:pPr lvl="1"/>
-            <a:r>
-              <a:rPr lang="en-US" dirty="0"/>
-              <a:t>Four types</a:t>
-            </a:r>
-          </a:p>
-          <a:p>
-            <a:pPr lvl="2"/>
-            <a:r>
-              <a:rPr lang="en-US" dirty="0"/>
-              <a:t>Simplification, exploration, implementation, property enforcement</a:t>
-            </a:r>
-          </a:p>
-          <a:p>
-            <a:pPr lvl="1"/>
-            <a:endParaRPr lang="en-US" dirty="0"/>
-          </a:p>
-        </p:txBody>
-      </p:sp>
-    </p:spTree>
-    <p:extLst>
-      <p:ext uri="{BB962C8B-B14F-4D97-AF65-F5344CB8AC3E}">
-        <p14:creationId xmlns:p14="http://schemas.microsoft.com/office/powerpoint/2010/main" val="1718081727"/>
-      </p:ext>
-    </p:extLst>
-  </p:cSld>
-  <p:clrMapOvr>
-    <a:masterClrMapping/>
-  </p:clrMapOvr>
-</p:sld>
-</file>
-
-<file path=ppt/slides/slide41.xml><?xml version="1.0" encoding="utf-8"?>
-<p:sld xmlns:a="http://schemas.openxmlformats.org/drawingml/2006/main" xmlns:r="http://schemas.openxmlformats.org/officeDocument/2006/relationships" xmlns:p="http://schemas.openxmlformats.org/presentationml/2006/main">
-  <p:cSld>
-    <p:spTree>
-      <p:nvGrpSpPr>
-        <p:cNvPr id="1" name=""/>
-        <p:cNvGrpSpPr/>
-        <p:nvPr/>
-      </p:nvGrpSpPr>
-      <p:grpSpPr>
-        <a:xfrm>
-          <a:off x="0" y="0"/>
-          <a:ext cx="0" cy="0"/>
-          <a:chOff x="0" y="0"/>
-          <a:chExt cx="0" cy="0"/>
-        </a:xfrm>
-      </p:grpSpPr>
-      <p:sp>
-        <p:nvSpPr>
-          <p:cNvPr id="2" name="Title 1"/>
-          <p:cNvSpPr>
-            <a:spLocks noGrp="1"/>
-          </p:cNvSpPr>
-          <p:nvPr>
-            <p:ph type="title"/>
-          </p:nvPr>
-        </p:nvSpPr>
-        <p:spPr/>
-        <p:txBody>
-          <a:bodyPr/>
-          <a:lstStyle/>
-          <a:p>
-            <a:r>
-              <a:rPr lang="en-US" dirty="0"/>
-              <a:t>Transformations: Simplification*</a:t>
-            </a:r>
-          </a:p>
-        </p:txBody>
-      </p:sp>
-      <p:sp>
-        <p:nvSpPr>
-          <p:cNvPr id="3" name="Content Placeholder 2"/>
-          <p:cNvSpPr>
-            <a:spLocks noGrp="1"/>
-          </p:cNvSpPr>
-          <p:nvPr>
-            <p:ph idx="1"/>
-          </p:nvPr>
-        </p:nvSpPr>
-        <p:spPr/>
-        <p:txBody>
-          <a:bodyPr/>
-          <a:lstStyle/>
-          <a:p>
-            <a:r>
-              <a:rPr lang="en-US" dirty="0"/>
-              <a:t>Subqueries to joins</a:t>
-            </a:r>
-          </a:p>
-          <a:p>
-            <a:r>
-              <a:rPr lang="en-US" dirty="0"/>
-              <a:t>Predicate pushdown</a:t>
-            </a:r>
-          </a:p>
-          <a:p>
-            <a:r>
-              <a:rPr lang="en-US" dirty="0"/>
-              <a:t>Foreign key table removal</a:t>
-            </a:r>
-          </a:p>
-          <a:p>
-            <a:r>
-              <a:rPr lang="en-US" dirty="0"/>
-              <a:t>Contradiction detection</a:t>
-            </a:r>
-          </a:p>
-          <a:p>
-            <a:r>
-              <a:rPr lang="en-US" dirty="0"/>
-              <a:t>Aggregates on unique keys</a:t>
-            </a:r>
-          </a:p>
-          <a:p>
-            <a:r>
-              <a:rPr lang="en-US" dirty="0"/>
-              <a:t>Convert outer join to inner</a:t>
-            </a:r>
-          </a:p>
-        </p:txBody>
-      </p:sp>
-      <p:sp>
-        <p:nvSpPr>
-          <p:cNvPr id="4" name="TextBox 3"/>
-          <p:cNvSpPr txBox="1"/>
-          <p:nvPr/>
-        </p:nvSpPr>
-        <p:spPr>
-          <a:xfrm>
-            <a:off x="1" y="6166438"/>
-            <a:ext cx="7084194" cy="646331"/>
-          </a:xfrm>
-          <a:prstGeom prst="rect">
-            <a:avLst/>
-          </a:prstGeom>
-          <a:noFill/>
-        </p:spPr>
-        <p:txBody>
-          <a:bodyPr wrap="square" rtlCol="0">
-            <a:spAutoFit/>
-          </a:bodyPr>
-          <a:lstStyle/>
-          <a:p>
-            <a:r>
-              <a:rPr lang="en-US" dirty="0"/>
-              <a:t>* A somewhat overloaded term.  Some simplification activities happen earlier in the process than others.</a:t>
-            </a:r>
-          </a:p>
-        </p:txBody>
-      </p:sp>
-      <p:sp>
-        <p:nvSpPr>
-          <p:cNvPr id="5" name="Oval 4"/>
-          <p:cNvSpPr/>
-          <p:nvPr/>
-        </p:nvSpPr>
-        <p:spPr>
-          <a:xfrm>
-            <a:off x="8215162" y="547440"/>
-            <a:ext cx="616016" cy="606391"/>
-          </a:xfrm>
-          <a:prstGeom prst="ellipse">
-            <a:avLst/>
-          </a:prstGeom>
-        </p:spPr>
-        <p:style>
-          <a:lnRef idx="1">
-            <a:schemeClr val="accent1"/>
-          </a:lnRef>
-          <a:fillRef idx="3">
-            <a:schemeClr val="accent1"/>
-          </a:fillRef>
-          <a:effectRef idx="2">
-            <a:schemeClr val="accent1"/>
-          </a:effectRef>
-          <a:fontRef idx="minor">
-            <a:schemeClr val="lt1"/>
-          </a:fontRef>
-        </p:style>
-        <p:txBody>
-          <a:bodyPr rtlCol="0" anchor="ctr"/>
-          <a:lstStyle/>
-          <a:p>
-            <a:pPr algn="ctr"/>
-            <a:r>
-              <a:rPr lang="en-US" dirty="0"/>
-              <a:t>8</a:t>
-            </a:r>
-          </a:p>
-        </p:txBody>
-      </p:sp>
-    </p:spTree>
-    <p:extLst>
-      <p:ext uri="{BB962C8B-B14F-4D97-AF65-F5344CB8AC3E}">
-        <p14:creationId xmlns:p14="http://schemas.microsoft.com/office/powerpoint/2010/main" val="1200321785"/>
       </p:ext>
     </p:extLst>
   </p:cSld>
@@ -30407,7 +32879,7 @@
           <a:p>
             <a:r>
               <a:rPr lang="en-US" dirty="0"/>
-              <a:t>Transformations: Exploration</a:t>
+              <a:t>Heuristics and Transformations</a:t>
             </a:r>
           </a:p>
         </p:txBody>
@@ -30424,114 +32896,81 @@
         </p:nvSpPr>
         <p:spPr/>
         <p:txBody>
-          <a:bodyPr/>
+          <a:bodyPr>
+            <a:normAutofit lnSpcReduction="10000"/>
+          </a:bodyPr>
           <a:lstStyle/>
           <a:p>
             <a:r>
               <a:rPr lang="en-US" dirty="0"/>
-              <a:t>Start from a logical operation (may be a sub-branch of the full query): the pattern</a:t>
-            </a:r>
-          </a:p>
-          <a:p>
+              <a:t>Heuristics</a:t>
+            </a:r>
+          </a:p>
+          <a:p>
+            <a:pPr lvl="1"/>
             <a:r>
               <a:rPr lang="en-US" dirty="0"/>
-              <a:t>Find equivalent logical operations: the substitute</a:t>
+              <a:t>Rules that can eliminate entire branches of the search space</a:t>
             </a:r>
           </a:p>
           <a:p>
             <a:r>
               <a:rPr lang="en-US" dirty="0"/>
-              <a:t>Examples:</a:t>
+              <a:t>Transformations</a:t>
             </a:r>
           </a:p>
           <a:p>
             <a:pPr lvl="1"/>
             <a:r>
               <a:rPr lang="en-US" dirty="0"/>
-              <a:t>Join commutativity: A⋈B </a:t>
-            </a:r>
-            <a:r>
-              <a:rPr lang="en-US" dirty="0">
-                <a:sym typeface="Wingdings" panose="05000000000000000000" pitchFamily="2" charset="2"/>
-              </a:rPr>
-              <a:t></a:t>
-            </a:r>
+              <a:t>Find equivalent operations to get same output</a:t>
+            </a:r>
+          </a:p>
+          <a:p>
+            <a:pPr lvl="1"/>
             <a:r>
               <a:rPr lang="en-US" dirty="0"/>
-              <a:t> B⋈A</a:t>
+              <a:t>Rule-based</a:t>
+            </a:r>
+          </a:p>
+          <a:p>
+            <a:pPr lvl="2"/>
+            <a:r>
+              <a:rPr lang="en-US" dirty="0"/>
+              <a:t>DBCC SHOWONRULES</a:t>
+            </a:r>
+          </a:p>
+          <a:p>
+            <a:pPr lvl="2"/>
+            <a:r>
+              <a:rPr lang="en-US" dirty="0"/>
+              <a:t>DBCC RULEON / RULEOFF </a:t>
             </a:r>
           </a:p>
           <a:p>
             <a:pPr lvl="1"/>
             <a:r>
               <a:rPr lang="en-US" dirty="0"/>
-              <a:t>Join associativity: (A⋈B)⋈C </a:t>
-            </a:r>
-            <a:r>
-              <a:rPr lang="en-US" dirty="0">
-                <a:sym typeface="Wingdings" panose="05000000000000000000" pitchFamily="2" charset="2"/>
-              </a:rPr>
-              <a:t></a:t>
-            </a:r>
+              <a:t>Four types</a:t>
+            </a:r>
+          </a:p>
+          <a:p>
+            <a:pPr lvl="2"/>
             <a:r>
               <a:rPr lang="en-US" dirty="0"/>
-              <a:t> A⋈(B⋈C)</a:t>
+              <a:t>Simplification, exploration, implementation, property enforcement</a:t>
             </a:r>
           </a:p>
           <a:p>
             <a:pPr lvl="1"/>
-            <a:r>
-              <a:rPr lang="en-US" dirty="0"/>
-              <a:t>Aggregate before join</a:t>
-            </a:r>
-          </a:p>
-        </p:txBody>
-      </p:sp>
-      <p:sp>
-        <p:nvSpPr>
-          <p:cNvPr id="4" name="Oval 3"/>
-          <p:cNvSpPr/>
-          <p:nvPr/>
-        </p:nvSpPr>
-        <p:spPr>
-          <a:xfrm>
-            <a:off x="8282539" y="5159142"/>
-            <a:ext cx="616016" cy="606391"/>
-          </a:xfrm>
-          <a:prstGeom prst="ellipse">
-            <a:avLst/>
-          </a:prstGeom>
-        </p:spPr>
-        <p:style>
-          <a:lnRef idx="1">
-            <a:schemeClr val="accent1"/>
-          </a:lnRef>
-          <a:fillRef idx="3">
-            <a:schemeClr val="accent1"/>
-          </a:fillRef>
-          <a:effectRef idx="2">
-            <a:schemeClr val="accent1"/>
-          </a:effectRef>
-          <a:fontRef idx="minor">
-            <a:schemeClr val="lt1"/>
-          </a:fontRef>
-        </p:style>
-        <p:txBody>
-          <a:bodyPr rtlCol="0" anchor="ctr"/>
-          <a:lstStyle/>
-          <a:p>
-            <a:pPr algn="ctr"/>
-            <a:r>
-              <a:rPr lang="en-US" dirty="0"/>
-              <a:t>9</a:t>
-            </a:r>
+            <a:endParaRPr lang="en-US" dirty="0"/>
           </a:p>
         </p:txBody>
       </p:sp>
     </p:spTree>
     <p:extLst>
       <p:ext uri="{BB962C8B-B14F-4D97-AF65-F5344CB8AC3E}">
-        <p14:creationId xmlns:p14="http://schemas.microsoft.com/office/powerpoint/2010/main" val="3940448552"/>
+        <p14:creationId xmlns:p14="http://schemas.microsoft.com/office/powerpoint/2010/main" val="1718081727"/>
       </p:ext>
     </p:extLst>
   </p:cSld>
@@ -30575,7 +33014,7 @@
           <a:p>
             <a:r>
               <a:rPr lang="en-US" dirty="0"/>
-              <a:t>Transformations: Implementation</a:t>
+              <a:t>Transformations: Simplification*</a:t>
             </a:r>
           </a:p>
         </p:txBody>
@@ -30597,72 +33036,107 @@
           <a:p>
             <a:r>
               <a:rPr lang="en-US" dirty="0"/>
-              <a:t>Start from a logical operation</a:t>
+              <a:t>Subqueries to joins</a:t>
             </a:r>
           </a:p>
           <a:p>
             <a:r>
               <a:rPr lang="en-US" dirty="0"/>
-              <a:t>Find equivalent physical operation</a:t>
+              <a:t>Predicate pushdown</a:t>
             </a:r>
           </a:p>
           <a:p>
             <a:r>
               <a:rPr lang="en-US" dirty="0"/>
-              <a:t>Example:</a:t>
-            </a:r>
-          </a:p>
-          <a:p>
-            <a:pPr lvl="1"/>
+              <a:t>Foreign key table removal</a:t>
+            </a:r>
+          </a:p>
+          <a:p>
             <a:r>
               <a:rPr lang="en-US" dirty="0"/>
-              <a:t>A⋈B </a:t>
-            </a:r>
-            <a:r>
-              <a:rPr lang="en-US" dirty="0">
-                <a:sym typeface="Wingdings" panose="05000000000000000000" pitchFamily="2" charset="2"/>
-              </a:rPr>
-              <a:t> A (nested loops join) B</a:t>
-            </a:r>
-          </a:p>
-          <a:p>
-            <a:pPr lvl="1"/>
+              <a:t>Contradiction detection</a:t>
+            </a:r>
+          </a:p>
+          <a:p>
             <a:r>
               <a:rPr lang="en-US" dirty="0"/>
-              <a:t>A⋈B </a:t>
-            </a:r>
-            <a:r>
-              <a:rPr lang="en-US" dirty="0">
-                <a:sym typeface="Wingdings" panose="05000000000000000000" pitchFamily="2" charset="2"/>
-              </a:rPr>
-              <a:t> A (merge join) B</a:t>
-            </a:r>
-          </a:p>
-          <a:p>
-            <a:pPr lvl="1"/>
+              <a:t>Aggregates on unique keys</a:t>
+            </a:r>
+          </a:p>
+          <a:p>
             <a:r>
               <a:rPr lang="en-US" dirty="0"/>
-              <a:t>A⋈B </a:t>
-            </a:r>
-            <a:r>
-              <a:rPr lang="en-US" dirty="0">
-                <a:sym typeface="Wingdings" panose="05000000000000000000" pitchFamily="2" charset="2"/>
-              </a:rPr>
-              <a:t> A (hash join) B</a:t>
-            </a:r>
-          </a:p>
-          <a:p>
-            <a:r>
-              <a:rPr lang="en-US" dirty="0">
-                <a:sym typeface="Wingdings" panose="05000000000000000000" pitchFamily="2" charset="2"/>
-              </a:rPr>
-              <a:t>Obtain costing on physical operations</a:t>
-            </a:r>
-          </a:p>
+              <a:t>Convert outer join to inner</a:t>
+            </a:r>
+          </a:p>
+        </p:txBody>
+      </p:sp>
+      <p:sp>
+        <p:nvSpPr>
+          <p:cNvPr id="4" name="TextBox 3"/>
+          <p:cNvSpPr txBox="1"/>
+          <p:nvPr/>
+        </p:nvSpPr>
+        <p:spPr>
+          <a:xfrm>
+            <a:off x="1" y="6166438"/>
+            <a:ext cx="7084194" cy="646331"/>
+          </a:xfrm>
+          <a:prstGeom prst="rect">
+            <a:avLst/>
+          </a:prstGeom>
+          <a:noFill/>
+        </p:spPr>
+        <p:txBody>
+          <a:bodyPr wrap="square" rtlCol="0">
+            <a:spAutoFit/>
+          </a:bodyPr>
+          <a:lstStyle/>
           <a:p>
             <a:r>
               <a:rPr lang="en-US" dirty="0"/>
-              <a:t>Can prune expensive branches from tree</a:t>
+              <a:t>* A somewhat overloaded term.  Some simplification activities happen earlier in the process than others.</a:t>
+            </a:r>
+          </a:p>
+        </p:txBody>
+      </p:sp>
+      <p:sp>
+        <p:nvSpPr>
+          <p:cNvPr id="5" name="Oval 4"/>
+          <p:cNvSpPr/>
+          <p:nvPr/>
+        </p:nvSpPr>
+        <p:spPr>
+          <a:xfrm>
+            <a:off x="8215162" y="547440"/>
+            <a:ext cx="616016" cy="606391"/>
+          </a:xfrm>
+          <a:prstGeom prst="ellipse">
+            <a:avLst/>
+          </a:prstGeom>
+        </p:spPr>
+        <p:style>
+          <a:lnRef idx="1">
+            <a:schemeClr val="accent1"/>
+          </a:lnRef>
+          <a:fillRef idx="3">
+            <a:schemeClr val="accent1"/>
+          </a:fillRef>
+          <a:effectRef idx="2">
+            <a:schemeClr val="accent1"/>
+          </a:effectRef>
+          <a:fontRef idx="minor">
+            <a:schemeClr val="lt1"/>
+          </a:fontRef>
+        </p:style>
+        <p:txBody>
+          <a:bodyPr rtlCol="0" anchor="ctr"/>
+          <a:lstStyle/>
+          <a:p>
+            <a:pPr algn="ctr"/>
+            <a:r>
+              <a:rPr lang="en-US" dirty="0"/>
+              <a:t>8</a:t>
             </a:r>
           </a:p>
         </p:txBody>
@@ -30670,7 +33144,7 @@
     </p:spTree>
     <p:extLst>
       <p:ext uri="{BB962C8B-B14F-4D97-AF65-F5344CB8AC3E}">
-        <p14:creationId xmlns:p14="http://schemas.microsoft.com/office/powerpoint/2010/main" val="910537009"/>
+        <p14:creationId xmlns:p14="http://schemas.microsoft.com/office/powerpoint/2010/main" val="1200321785"/>
       </p:ext>
     </p:extLst>
   </p:cSld>
@@ -30714,7 +33188,7 @@
           <a:p>
             <a:r>
               <a:rPr lang="en-US" dirty="0"/>
-              <a:t>Transformations: Property Enforcement</a:t>
+              <a:t>Transformations: Exploration</a:t>
             </a:r>
           </a:p>
         </p:txBody>
@@ -30736,42 +33210,101 @@
           <a:p>
             <a:r>
               <a:rPr lang="en-US" dirty="0"/>
-              <a:t>Properties associated with parse tree nodes</a:t>
+              <a:t>Start from a logical operation (may be a sub-branch of the full query): the pattern</a:t>
+            </a:r>
+          </a:p>
+          <a:p>
+            <a:r>
+              <a:rPr lang="en-US" dirty="0"/>
+              <a:t>Find equivalent logical operations: the substitute</a:t>
+            </a:r>
+          </a:p>
+          <a:p>
+            <a:r>
+              <a:rPr lang="en-US" dirty="0"/>
+              <a:t>Examples:</a:t>
             </a:r>
           </a:p>
           <a:p>
             <a:pPr lvl="1"/>
             <a:r>
               <a:rPr lang="en-US" dirty="0"/>
-              <a:t>Uniqueness, type, </a:t>
-            </a:r>
-            <a:r>
-              <a:rPr lang="en-US" dirty="0" err="1"/>
-              <a:t>nullability</a:t>
+              <a:t>Join commutativity: A⋈B </a:t>
+            </a:r>
+            <a:r>
+              <a:rPr lang="en-US" dirty="0">
+                <a:sym typeface="Wingdings" panose="05000000000000000000" pitchFamily="2" charset="2"/>
+              </a:rPr>
+              <a:t></a:t>
             </a:r>
             <a:r>
               <a:rPr lang="en-US" dirty="0"/>
-              <a:t>, sort order</a:t>
+              <a:t> B⋈A</a:t>
             </a:r>
           </a:p>
           <a:p>
             <a:pPr lvl="1"/>
             <a:r>
               <a:rPr lang="en-US" dirty="0"/>
-              <a:t>Constraints on column values</a:t>
-            </a:r>
-          </a:p>
-          <a:p>
+              <a:t>Join associativity: (A⋈B)⋈C </a:t>
+            </a:r>
+            <a:r>
+              <a:rPr lang="en-US" dirty="0">
+                <a:sym typeface="Wingdings" panose="05000000000000000000" pitchFamily="2" charset="2"/>
+              </a:rPr>
+              <a:t></a:t>
+            </a:r>
             <a:r>
               <a:rPr lang="en-US" dirty="0"/>
-              <a:t>Transformation rules may cause certain properties to be enforced</a:t>
+              <a:t> A⋈(B⋈C)</a:t>
             </a:r>
           </a:p>
           <a:p>
             <a:pPr lvl="1"/>
             <a:r>
               <a:rPr lang="en-US" dirty="0"/>
-              <a:t>Example: sort order for a merge join</a:t>
+              <a:t>Aggregate before join</a:t>
+            </a:r>
+          </a:p>
+        </p:txBody>
+      </p:sp>
+      <p:sp>
+        <p:nvSpPr>
+          <p:cNvPr id="4" name="Oval 3"/>
+          <p:cNvSpPr/>
+          <p:nvPr/>
+        </p:nvSpPr>
+        <p:spPr>
+          <a:xfrm>
+            <a:off x="8282539" y="5159142"/>
+            <a:ext cx="616016" cy="606391"/>
+          </a:xfrm>
+          <a:prstGeom prst="ellipse">
+            <a:avLst/>
+          </a:prstGeom>
+        </p:spPr>
+        <p:style>
+          <a:lnRef idx="1">
+            <a:schemeClr val="accent1"/>
+          </a:lnRef>
+          <a:fillRef idx="3">
+            <a:schemeClr val="accent1"/>
+          </a:fillRef>
+          <a:effectRef idx="2">
+            <a:schemeClr val="accent1"/>
+          </a:effectRef>
+          <a:fontRef idx="minor">
+            <a:schemeClr val="lt1"/>
+          </a:fontRef>
+        </p:style>
+        <p:txBody>
+          <a:bodyPr rtlCol="0" anchor="ctr"/>
+          <a:lstStyle/>
+          <a:p>
+            <a:pPr algn="ctr"/>
+            <a:r>
+              <a:rPr lang="en-US" dirty="0"/>
+              <a:t>9</a:t>
             </a:r>
           </a:p>
         </p:txBody>
@@ -30779,7 +33312,7 @@
     </p:spTree>
     <p:extLst>
       <p:ext uri="{BB962C8B-B14F-4D97-AF65-F5344CB8AC3E}">
-        <p14:creationId xmlns:p14="http://schemas.microsoft.com/office/powerpoint/2010/main" val="3566365270"/>
+        <p14:creationId xmlns:p14="http://schemas.microsoft.com/office/powerpoint/2010/main" val="3940448552"/>
       </p:ext>
     </p:extLst>
   </p:cSld>
@@ -30818,6 +33351,254 @@
         </p:nvSpPr>
         <p:spPr/>
         <p:txBody>
+          <a:bodyPr/>
+          <a:lstStyle/>
+          <a:p>
+            <a:r>
+              <a:rPr lang="en-US" dirty="0"/>
+              <a:t>Transformations: Implementation</a:t>
+            </a:r>
+          </a:p>
+        </p:txBody>
+      </p:sp>
+      <p:sp>
+        <p:nvSpPr>
+          <p:cNvPr id="3" name="Content Placeholder 2"/>
+          <p:cNvSpPr>
+            <a:spLocks noGrp="1"/>
+          </p:cNvSpPr>
+          <p:nvPr>
+            <p:ph idx="1"/>
+          </p:nvPr>
+        </p:nvSpPr>
+        <p:spPr/>
+        <p:txBody>
+          <a:bodyPr/>
+          <a:lstStyle/>
+          <a:p>
+            <a:r>
+              <a:rPr lang="en-US" dirty="0"/>
+              <a:t>Start from a logical operation</a:t>
+            </a:r>
+          </a:p>
+          <a:p>
+            <a:r>
+              <a:rPr lang="en-US" dirty="0"/>
+              <a:t>Find equivalent physical operation</a:t>
+            </a:r>
+          </a:p>
+          <a:p>
+            <a:r>
+              <a:rPr lang="en-US" dirty="0"/>
+              <a:t>Example:</a:t>
+            </a:r>
+          </a:p>
+          <a:p>
+            <a:pPr lvl="1"/>
+            <a:r>
+              <a:rPr lang="en-US" dirty="0"/>
+              <a:t>A⋈B </a:t>
+            </a:r>
+            <a:r>
+              <a:rPr lang="en-US" dirty="0">
+                <a:sym typeface="Wingdings" panose="05000000000000000000" pitchFamily="2" charset="2"/>
+              </a:rPr>
+              <a:t> A (nested loops join) B</a:t>
+            </a:r>
+          </a:p>
+          <a:p>
+            <a:pPr lvl="1"/>
+            <a:r>
+              <a:rPr lang="en-US" dirty="0"/>
+              <a:t>A⋈B </a:t>
+            </a:r>
+            <a:r>
+              <a:rPr lang="en-US" dirty="0">
+                <a:sym typeface="Wingdings" panose="05000000000000000000" pitchFamily="2" charset="2"/>
+              </a:rPr>
+              <a:t> A (merge join) B</a:t>
+            </a:r>
+          </a:p>
+          <a:p>
+            <a:pPr lvl="1"/>
+            <a:r>
+              <a:rPr lang="en-US" dirty="0"/>
+              <a:t>A⋈B </a:t>
+            </a:r>
+            <a:r>
+              <a:rPr lang="en-US" dirty="0">
+                <a:sym typeface="Wingdings" panose="05000000000000000000" pitchFamily="2" charset="2"/>
+              </a:rPr>
+              <a:t> A (hash join) B</a:t>
+            </a:r>
+          </a:p>
+          <a:p>
+            <a:r>
+              <a:rPr lang="en-US" dirty="0">
+                <a:sym typeface="Wingdings" panose="05000000000000000000" pitchFamily="2" charset="2"/>
+              </a:rPr>
+              <a:t>Obtain costing on physical operations</a:t>
+            </a:r>
+          </a:p>
+          <a:p>
+            <a:r>
+              <a:rPr lang="en-US" dirty="0"/>
+              <a:t>Can prune expensive branches from tree</a:t>
+            </a:r>
+          </a:p>
+        </p:txBody>
+      </p:sp>
+    </p:spTree>
+    <p:extLst>
+      <p:ext uri="{BB962C8B-B14F-4D97-AF65-F5344CB8AC3E}">
+        <p14:creationId xmlns:p14="http://schemas.microsoft.com/office/powerpoint/2010/main" val="910537009"/>
+      </p:ext>
+    </p:extLst>
+  </p:cSld>
+  <p:clrMapOvr>
+    <a:masterClrMapping/>
+  </p:clrMapOvr>
+</p:sld>
+</file>
+
+<file path=ppt/slides/slide46.xml><?xml version="1.0" encoding="utf-8"?>
+<p:sld xmlns:a="http://schemas.openxmlformats.org/drawingml/2006/main" xmlns:r="http://schemas.openxmlformats.org/officeDocument/2006/relationships" xmlns:p="http://schemas.openxmlformats.org/presentationml/2006/main">
+  <p:cSld>
+    <p:spTree>
+      <p:nvGrpSpPr>
+        <p:cNvPr id="1" name=""/>
+        <p:cNvGrpSpPr/>
+        <p:nvPr/>
+      </p:nvGrpSpPr>
+      <p:grpSpPr>
+        <a:xfrm>
+          <a:off x="0" y="0"/>
+          <a:ext cx="0" cy="0"/>
+          <a:chOff x="0" y="0"/>
+          <a:chExt cx="0" cy="0"/>
+        </a:xfrm>
+      </p:grpSpPr>
+      <p:sp>
+        <p:nvSpPr>
+          <p:cNvPr id="2" name="Title 1"/>
+          <p:cNvSpPr>
+            <a:spLocks noGrp="1"/>
+          </p:cNvSpPr>
+          <p:nvPr>
+            <p:ph type="title"/>
+          </p:nvPr>
+        </p:nvSpPr>
+        <p:spPr/>
+        <p:txBody>
+          <a:bodyPr/>
+          <a:lstStyle/>
+          <a:p>
+            <a:r>
+              <a:rPr lang="en-US" dirty="0"/>
+              <a:t>Transformations: Property Enforcement</a:t>
+            </a:r>
+          </a:p>
+        </p:txBody>
+      </p:sp>
+      <p:sp>
+        <p:nvSpPr>
+          <p:cNvPr id="3" name="Content Placeholder 2"/>
+          <p:cNvSpPr>
+            <a:spLocks noGrp="1"/>
+          </p:cNvSpPr>
+          <p:nvPr>
+            <p:ph idx="1"/>
+          </p:nvPr>
+        </p:nvSpPr>
+        <p:spPr/>
+        <p:txBody>
+          <a:bodyPr/>
+          <a:lstStyle/>
+          <a:p>
+            <a:r>
+              <a:rPr lang="en-US" dirty="0"/>
+              <a:t>Properties associated with parse tree nodes</a:t>
+            </a:r>
+          </a:p>
+          <a:p>
+            <a:pPr lvl="1"/>
+            <a:r>
+              <a:rPr lang="en-US" dirty="0"/>
+              <a:t>Uniqueness, type, </a:t>
+            </a:r>
+            <a:r>
+              <a:rPr lang="en-US" dirty="0" err="1"/>
+              <a:t>nullability</a:t>
+            </a:r>
+            <a:r>
+              <a:rPr lang="en-US" dirty="0"/>
+              <a:t>, sort order</a:t>
+            </a:r>
+          </a:p>
+          <a:p>
+            <a:pPr lvl="1"/>
+            <a:r>
+              <a:rPr lang="en-US" dirty="0"/>
+              <a:t>Constraints on column values</a:t>
+            </a:r>
+          </a:p>
+          <a:p>
+            <a:r>
+              <a:rPr lang="en-US" dirty="0"/>
+              <a:t>Transformation rules may cause certain properties to be enforced</a:t>
+            </a:r>
+          </a:p>
+          <a:p>
+            <a:pPr lvl="1"/>
+            <a:r>
+              <a:rPr lang="en-US" dirty="0"/>
+              <a:t>Example: sort order for a merge join</a:t>
+            </a:r>
+          </a:p>
+        </p:txBody>
+      </p:sp>
+    </p:spTree>
+    <p:extLst>
+      <p:ext uri="{BB962C8B-B14F-4D97-AF65-F5344CB8AC3E}">
+        <p14:creationId xmlns:p14="http://schemas.microsoft.com/office/powerpoint/2010/main" val="3566365270"/>
+      </p:ext>
+    </p:extLst>
+  </p:cSld>
+  <p:clrMapOvr>
+    <a:masterClrMapping/>
+  </p:clrMapOvr>
+</p:sld>
+</file>
+
+<file path=ppt/slides/slide47.xml><?xml version="1.0" encoding="utf-8"?>
+<p:sld xmlns:a="http://schemas.openxmlformats.org/drawingml/2006/main" xmlns:r="http://schemas.openxmlformats.org/officeDocument/2006/relationships" xmlns:p="http://schemas.openxmlformats.org/presentationml/2006/main">
+  <p:cSld>
+    <p:spTree>
+      <p:nvGrpSpPr>
+        <p:cNvPr id="1" name=""/>
+        <p:cNvGrpSpPr/>
+        <p:nvPr/>
+      </p:nvGrpSpPr>
+      <p:grpSpPr>
+        <a:xfrm>
+          <a:off x="0" y="0"/>
+          <a:ext cx="0" cy="0"/>
+          <a:chOff x="0" y="0"/>
+          <a:chExt cx="0" cy="0"/>
+        </a:xfrm>
+      </p:grpSpPr>
+      <p:sp>
+        <p:nvSpPr>
+          <p:cNvPr id="2" name="Title 1"/>
+          <p:cNvSpPr>
+            <a:spLocks noGrp="1"/>
+          </p:cNvSpPr>
+          <p:nvPr>
+            <p:ph type="title"/>
+          </p:nvPr>
+        </p:nvSpPr>
+        <p:spPr/>
+        <p:txBody>
           <a:bodyPr>
             <a:normAutofit fontScale="90000"/>
           </a:bodyPr>
@@ -30934,7 +33715,7 @@
 </p:sld>
 </file>
 
-<file path=ppt/slides/slide46.xml><?xml version="1.0" encoding="utf-8"?>
+<file path=ppt/slides/slide48.xml><?xml version="1.0" encoding="utf-8"?>
 <p:sld xmlns:a="http://schemas.openxmlformats.org/drawingml/2006/main" xmlns:r="http://schemas.openxmlformats.org/officeDocument/2006/relationships" xmlns:p="http://schemas.openxmlformats.org/presentationml/2006/main" show="0">
   <p:cSld>
     <p:spTree>
@@ -31061,1293 +33842,6 @@
       <p:transition spd="slow"/>
     </mc:Fallback>
   </mc:AlternateContent>
-</p:sld>
-</file>
-
-<file path=ppt/slides/slide47.xml><?xml version="1.0" encoding="utf-8"?>
-<p:sld xmlns:a="http://schemas.openxmlformats.org/drawingml/2006/main" xmlns:r="http://schemas.openxmlformats.org/officeDocument/2006/relationships" xmlns:p="http://schemas.openxmlformats.org/presentationml/2006/main">
-  <p:cSld>
-    <p:spTree>
-      <p:nvGrpSpPr>
-        <p:cNvPr id="1" name=""/>
-        <p:cNvGrpSpPr/>
-        <p:nvPr/>
-      </p:nvGrpSpPr>
-      <p:grpSpPr>
-        <a:xfrm>
-          <a:off x="0" y="0"/>
-          <a:ext cx="0" cy="0"/>
-          <a:chOff x="0" y="0"/>
-          <a:chExt cx="0" cy="0"/>
-        </a:xfrm>
-      </p:grpSpPr>
-      <p:sp>
-        <p:nvSpPr>
-          <p:cNvPr id="2" name="Title 1"/>
-          <p:cNvSpPr>
-            <a:spLocks noGrp="1"/>
-          </p:cNvSpPr>
-          <p:nvPr>
-            <p:ph type="title"/>
-          </p:nvPr>
-        </p:nvSpPr>
-        <p:spPr/>
-        <p:txBody>
-          <a:bodyPr/>
-          <a:lstStyle/>
-          <a:p>
-            <a:r>
-              <a:rPr lang="en-US" dirty="0"/>
-              <a:t>Parse Trees</a:t>
-            </a:r>
-          </a:p>
-        </p:txBody>
-      </p:sp>
-      <p:sp>
-        <p:nvSpPr>
-          <p:cNvPr id="3" name="Content Placeholder 2"/>
-          <p:cNvSpPr>
-            <a:spLocks noGrp="1"/>
-          </p:cNvSpPr>
-          <p:nvPr>
-            <p:ph idx="1"/>
-          </p:nvPr>
-        </p:nvSpPr>
-        <p:spPr/>
-        <p:txBody>
-          <a:bodyPr/>
-          <a:lstStyle/>
-          <a:p>
-            <a:r>
-              <a:rPr lang="en-US" dirty="0"/>
-              <a:t>Internal representation of query operation</a:t>
-            </a:r>
-          </a:p>
-          <a:p>
-            <a:r>
-              <a:rPr lang="en-US" dirty="0"/>
-              <a:t>Nodes may be logical or physical operators</a:t>
-            </a:r>
-          </a:p>
-          <a:p>
-            <a:pPr lvl="1"/>
-            <a:r>
-              <a:rPr lang="en-US" dirty="0"/>
-              <a:t>0 to infinity inputs, 1 output</a:t>
-            </a:r>
-          </a:p>
-          <a:p>
-            <a:r>
-              <a:rPr lang="en-US" dirty="0"/>
-              <a:t>SQL Server will output parse trees at various phases of optimization</a:t>
-            </a:r>
-          </a:p>
-          <a:p>
-            <a:pPr lvl="1"/>
-            <a:r>
-              <a:rPr lang="en-US" dirty="0"/>
-              <a:t>A variety of trace flags will trigger output</a:t>
-            </a:r>
-          </a:p>
-        </p:txBody>
-      </p:sp>
-    </p:spTree>
-    <p:extLst>
-      <p:ext uri="{BB962C8B-B14F-4D97-AF65-F5344CB8AC3E}">
-        <p14:creationId xmlns:p14="http://schemas.microsoft.com/office/powerpoint/2010/main" val="1114966382"/>
-      </p:ext>
-    </p:extLst>
-  </p:cSld>
-  <p:clrMapOvr>
-    <a:masterClrMapping/>
-  </p:clrMapOvr>
-</p:sld>
-</file>
-
-<file path=ppt/slides/slide48.xml><?xml version="1.0" encoding="utf-8"?>
-<p:sld xmlns:a="http://schemas.openxmlformats.org/drawingml/2006/main" xmlns:r="http://schemas.openxmlformats.org/officeDocument/2006/relationships" xmlns:p="http://schemas.openxmlformats.org/presentationml/2006/main">
-  <p:cSld>
-    <p:spTree>
-      <p:nvGrpSpPr>
-        <p:cNvPr id="1" name=""/>
-        <p:cNvGrpSpPr/>
-        <p:nvPr/>
-      </p:nvGrpSpPr>
-      <p:grpSpPr>
-        <a:xfrm>
-          <a:off x="0" y="0"/>
-          <a:ext cx="0" cy="0"/>
-          <a:chOff x="0" y="0"/>
-          <a:chExt cx="0" cy="0"/>
-        </a:xfrm>
-      </p:grpSpPr>
-      <p:sp>
-        <p:nvSpPr>
-          <p:cNvPr id="2" name="Title 1"/>
-          <p:cNvSpPr>
-            <a:spLocks noGrp="1"/>
-          </p:cNvSpPr>
-          <p:nvPr>
-            <p:ph type="title"/>
-          </p:nvPr>
-        </p:nvSpPr>
-        <p:spPr/>
-        <p:txBody>
-          <a:bodyPr/>
-          <a:lstStyle/>
-          <a:p>
-            <a:r>
-              <a:rPr lang="en-US" dirty="0"/>
-              <a:t>Example Parse Tree</a:t>
-            </a:r>
-          </a:p>
-        </p:txBody>
-      </p:sp>
-      <p:sp>
-        <p:nvSpPr>
-          <p:cNvPr id="5" name="TextBox 4"/>
-          <p:cNvSpPr txBox="1"/>
-          <p:nvPr/>
-        </p:nvSpPr>
-        <p:spPr>
-          <a:xfrm>
-            <a:off x="558265" y="1713297"/>
-            <a:ext cx="4025461" cy="2677656"/>
-          </a:xfrm>
-          <a:prstGeom prst="rect">
-            <a:avLst/>
-          </a:prstGeom>
-          <a:noFill/>
-        </p:spPr>
-        <p:txBody>
-          <a:bodyPr wrap="none" rtlCol="0">
-            <a:spAutoFit/>
-          </a:bodyPr>
-          <a:lstStyle/>
-          <a:p>
-            <a:r>
-              <a:rPr lang="en-US" sz="1400" dirty="0">
-                <a:solidFill>
-                  <a:srgbClr val="0000FF"/>
-                </a:solidFill>
-                <a:latin typeface="Consolas" panose="020B0609020204030204" pitchFamily="49" charset="0"/>
-              </a:rPr>
-              <a:t>select</a:t>
-            </a:r>
-            <a:r>
-              <a:rPr lang="en-US" sz="1400" dirty="0">
-                <a:solidFill>
-                  <a:prstClr val="black"/>
-                </a:solidFill>
-                <a:latin typeface="Consolas" panose="020B0609020204030204" pitchFamily="49" charset="0"/>
-              </a:rPr>
-              <a:t> </a:t>
-            </a:r>
-            <a:r>
-              <a:rPr lang="en-US" sz="1400" dirty="0">
-                <a:solidFill>
-                  <a:srgbClr val="0000FF"/>
-                </a:solidFill>
-                <a:latin typeface="Consolas" panose="020B0609020204030204" pitchFamily="49" charset="0"/>
-              </a:rPr>
-              <a:t>top</a:t>
-            </a:r>
-            <a:r>
-              <a:rPr lang="en-US" sz="1400" dirty="0">
-                <a:solidFill>
-                  <a:prstClr val="black"/>
-                </a:solidFill>
-                <a:latin typeface="Consolas" panose="020B0609020204030204" pitchFamily="49" charset="0"/>
-              </a:rPr>
-              <a:t> 10</a:t>
-            </a:r>
-          </a:p>
-          <a:p>
-            <a:r>
-              <a:rPr lang="en-US" sz="1400" dirty="0">
-                <a:solidFill>
-                  <a:srgbClr val="008080"/>
-                </a:solidFill>
-                <a:latin typeface="Consolas" panose="020B0609020204030204" pitchFamily="49" charset="0"/>
-              </a:rPr>
-              <a:t>	</a:t>
-            </a:r>
-            <a:r>
-              <a:rPr lang="en-US" sz="1400" dirty="0" err="1">
-                <a:solidFill>
-                  <a:srgbClr val="008080"/>
-                </a:solidFill>
-                <a:latin typeface="Consolas" panose="020B0609020204030204" pitchFamily="49" charset="0"/>
-              </a:rPr>
-              <a:t>od</a:t>
-            </a:r>
-            <a:r>
-              <a:rPr lang="en-US" sz="1400" dirty="0" err="1">
-                <a:solidFill>
-                  <a:srgbClr val="808080"/>
-                </a:solidFill>
-                <a:latin typeface="Consolas" panose="020B0609020204030204" pitchFamily="49" charset="0"/>
-              </a:rPr>
-              <a:t>.</a:t>
-            </a:r>
-            <a:r>
-              <a:rPr lang="en-US" sz="1400" dirty="0" err="1">
-                <a:solidFill>
-                  <a:srgbClr val="008080"/>
-                </a:solidFill>
-                <a:latin typeface="Consolas" panose="020B0609020204030204" pitchFamily="49" charset="0"/>
-              </a:rPr>
-              <a:t>ProductId</a:t>
-            </a:r>
-            <a:r>
-              <a:rPr lang="en-US" sz="1400" dirty="0">
-                <a:solidFill>
-                  <a:srgbClr val="808080"/>
-                </a:solidFill>
-                <a:latin typeface="Consolas" panose="020B0609020204030204" pitchFamily="49" charset="0"/>
-              </a:rPr>
-              <a:t>,</a:t>
-            </a:r>
-            <a:endParaRPr lang="en-US" sz="1400" dirty="0">
-              <a:solidFill>
-                <a:prstClr val="black"/>
-              </a:solidFill>
-              <a:latin typeface="Consolas" panose="020B0609020204030204" pitchFamily="49" charset="0"/>
-            </a:endParaRPr>
-          </a:p>
-          <a:p>
-            <a:r>
-              <a:rPr lang="en-US" sz="1400" dirty="0">
-                <a:solidFill>
-                  <a:srgbClr val="FF00FF"/>
-                </a:solidFill>
-                <a:latin typeface="Consolas" panose="020B0609020204030204" pitchFamily="49" charset="0"/>
-              </a:rPr>
-              <a:t>	sum</a:t>
-            </a:r>
-            <a:r>
-              <a:rPr lang="en-US" sz="1400" dirty="0">
-                <a:solidFill>
-                  <a:srgbClr val="808080"/>
-                </a:solidFill>
-                <a:latin typeface="Consolas" panose="020B0609020204030204" pitchFamily="49" charset="0"/>
-              </a:rPr>
-              <a:t>(</a:t>
-            </a:r>
-            <a:r>
-              <a:rPr lang="en-US" sz="1400" dirty="0" err="1">
-                <a:solidFill>
-                  <a:srgbClr val="008080"/>
-                </a:solidFill>
-                <a:latin typeface="Consolas" panose="020B0609020204030204" pitchFamily="49" charset="0"/>
-              </a:rPr>
-              <a:t>od</a:t>
-            </a:r>
-            <a:r>
-              <a:rPr lang="en-US" sz="1400" dirty="0" err="1">
-                <a:solidFill>
-                  <a:srgbClr val="808080"/>
-                </a:solidFill>
-                <a:latin typeface="Consolas" panose="020B0609020204030204" pitchFamily="49" charset="0"/>
-              </a:rPr>
-              <a:t>.</a:t>
-            </a:r>
-            <a:r>
-              <a:rPr lang="en-US" sz="1400" dirty="0" err="1">
-                <a:solidFill>
-                  <a:srgbClr val="008080"/>
-                </a:solidFill>
-                <a:latin typeface="Consolas" panose="020B0609020204030204" pitchFamily="49" charset="0"/>
-              </a:rPr>
-              <a:t>Quantity</a:t>
-            </a:r>
-            <a:r>
-              <a:rPr lang="en-US" sz="1400" dirty="0">
-                <a:solidFill>
-                  <a:srgbClr val="808080"/>
-                </a:solidFill>
-                <a:latin typeface="Consolas" panose="020B0609020204030204" pitchFamily="49" charset="0"/>
-              </a:rPr>
-              <a:t>)</a:t>
-            </a:r>
-            <a:r>
-              <a:rPr lang="en-US" sz="1400" dirty="0">
-                <a:solidFill>
-                  <a:prstClr val="black"/>
-                </a:solidFill>
-                <a:latin typeface="Consolas" panose="020B0609020204030204" pitchFamily="49" charset="0"/>
-              </a:rPr>
-              <a:t> </a:t>
-            </a:r>
-            <a:r>
-              <a:rPr lang="en-US" sz="1400" dirty="0">
-                <a:solidFill>
-                  <a:srgbClr val="808080"/>
-                </a:solidFill>
-                <a:latin typeface="Consolas" panose="020B0609020204030204" pitchFamily="49" charset="0"/>
-              </a:rPr>
-              <a:t>-</a:t>
-            </a:r>
-            <a:r>
-              <a:rPr lang="en-US" sz="1400" dirty="0">
-                <a:solidFill>
-                  <a:prstClr val="black"/>
-                </a:solidFill>
-                <a:latin typeface="Consolas" panose="020B0609020204030204" pitchFamily="49" charset="0"/>
-              </a:rPr>
-              <a:t> 20 </a:t>
-            </a:r>
-            <a:r>
-              <a:rPr lang="en-US" sz="1400" dirty="0" err="1">
-                <a:solidFill>
-                  <a:srgbClr val="008080"/>
-                </a:solidFill>
-                <a:latin typeface="Consolas" panose="020B0609020204030204" pitchFamily="49" charset="0"/>
-              </a:rPr>
-              <a:t>ExcessOrders</a:t>
-            </a:r>
-            <a:endParaRPr lang="en-US" sz="1400" dirty="0">
-              <a:solidFill>
-                <a:prstClr val="black"/>
-              </a:solidFill>
-              <a:latin typeface="Consolas" panose="020B0609020204030204" pitchFamily="49" charset="0"/>
-            </a:endParaRPr>
-          </a:p>
-          <a:p>
-            <a:r>
-              <a:rPr lang="en-US" sz="1400" dirty="0">
-                <a:solidFill>
-                  <a:srgbClr val="0000FF"/>
-                </a:solidFill>
-                <a:latin typeface="Consolas" panose="020B0609020204030204" pitchFamily="49" charset="0"/>
-              </a:rPr>
-              <a:t>from</a:t>
-            </a:r>
-            <a:r>
-              <a:rPr lang="en-US" sz="1400" dirty="0">
-                <a:solidFill>
-                  <a:prstClr val="black"/>
-                </a:solidFill>
-                <a:latin typeface="Consolas" panose="020B0609020204030204" pitchFamily="49" charset="0"/>
-              </a:rPr>
-              <a:t> </a:t>
-            </a:r>
-            <a:r>
-              <a:rPr lang="en-US" sz="1400" dirty="0" err="1">
-                <a:solidFill>
-                  <a:srgbClr val="008080"/>
-                </a:solidFill>
-                <a:latin typeface="Consolas" panose="020B0609020204030204" pitchFamily="49" charset="0"/>
-              </a:rPr>
-              <a:t>CorpDB</a:t>
-            </a:r>
-            <a:r>
-              <a:rPr lang="en-US" sz="1400" dirty="0" err="1">
-                <a:solidFill>
-                  <a:srgbClr val="808080"/>
-                </a:solidFill>
-                <a:latin typeface="Consolas" panose="020B0609020204030204" pitchFamily="49" charset="0"/>
-              </a:rPr>
-              <a:t>.</a:t>
-            </a:r>
-            <a:r>
-              <a:rPr lang="en-US" sz="1400" dirty="0" err="1">
-                <a:solidFill>
-                  <a:srgbClr val="008080"/>
-                </a:solidFill>
-                <a:latin typeface="Consolas" panose="020B0609020204030204" pitchFamily="49" charset="0"/>
-              </a:rPr>
-              <a:t>dbo</a:t>
-            </a:r>
-            <a:r>
-              <a:rPr lang="en-US" sz="1400" dirty="0" err="1">
-                <a:solidFill>
-                  <a:srgbClr val="808080"/>
-                </a:solidFill>
-                <a:latin typeface="Consolas" panose="020B0609020204030204" pitchFamily="49" charset="0"/>
-              </a:rPr>
-              <a:t>.</a:t>
-            </a:r>
-            <a:r>
-              <a:rPr lang="en-US" sz="1400" dirty="0" err="1">
-                <a:solidFill>
-                  <a:srgbClr val="008080"/>
-                </a:solidFill>
-                <a:latin typeface="Consolas" panose="020B0609020204030204" pitchFamily="49" charset="0"/>
-              </a:rPr>
-              <a:t>OrderHeader</a:t>
-            </a:r>
-            <a:r>
-              <a:rPr lang="en-US" sz="1400" dirty="0">
-                <a:solidFill>
-                  <a:prstClr val="black"/>
-                </a:solidFill>
-                <a:latin typeface="Consolas" panose="020B0609020204030204" pitchFamily="49" charset="0"/>
-              </a:rPr>
-              <a:t> </a:t>
-            </a:r>
-            <a:r>
-              <a:rPr lang="en-US" sz="1400" dirty="0">
-                <a:solidFill>
-                  <a:srgbClr val="008080"/>
-                </a:solidFill>
-                <a:latin typeface="Consolas" panose="020B0609020204030204" pitchFamily="49" charset="0"/>
-              </a:rPr>
-              <a:t>oh</a:t>
-            </a:r>
-            <a:endParaRPr lang="en-US" sz="1400" dirty="0">
-              <a:solidFill>
-                <a:prstClr val="black"/>
-              </a:solidFill>
-              <a:latin typeface="Consolas" panose="020B0609020204030204" pitchFamily="49" charset="0"/>
-            </a:endParaRPr>
-          </a:p>
-          <a:p>
-            <a:r>
-              <a:rPr lang="en-US" sz="1400" dirty="0">
-                <a:solidFill>
-                  <a:srgbClr val="808080"/>
-                </a:solidFill>
-                <a:latin typeface="Consolas" panose="020B0609020204030204" pitchFamily="49" charset="0"/>
-              </a:rPr>
-              <a:t>inner</a:t>
-            </a:r>
-            <a:r>
-              <a:rPr lang="en-US" sz="1400" dirty="0">
-                <a:solidFill>
-                  <a:prstClr val="black"/>
-                </a:solidFill>
-                <a:latin typeface="Consolas" panose="020B0609020204030204" pitchFamily="49" charset="0"/>
-              </a:rPr>
-              <a:t> </a:t>
-            </a:r>
-            <a:r>
-              <a:rPr lang="en-US" sz="1400" dirty="0">
-                <a:solidFill>
-                  <a:srgbClr val="808080"/>
-                </a:solidFill>
-                <a:latin typeface="Consolas" panose="020B0609020204030204" pitchFamily="49" charset="0"/>
-              </a:rPr>
-              <a:t>join</a:t>
-            </a:r>
-            <a:r>
-              <a:rPr lang="en-US" sz="1400" dirty="0">
-                <a:solidFill>
-                  <a:prstClr val="black"/>
-                </a:solidFill>
-                <a:latin typeface="Consolas" panose="020B0609020204030204" pitchFamily="49" charset="0"/>
-              </a:rPr>
-              <a:t> </a:t>
-            </a:r>
-            <a:r>
-              <a:rPr lang="en-US" sz="1400" dirty="0" err="1">
-                <a:solidFill>
-                  <a:srgbClr val="008080"/>
-                </a:solidFill>
-                <a:latin typeface="Consolas" panose="020B0609020204030204" pitchFamily="49" charset="0"/>
-              </a:rPr>
-              <a:t>CorpDB</a:t>
-            </a:r>
-            <a:r>
-              <a:rPr lang="en-US" sz="1400" dirty="0" err="1">
-                <a:solidFill>
-                  <a:srgbClr val="808080"/>
-                </a:solidFill>
-                <a:latin typeface="Consolas" panose="020B0609020204030204" pitchFamily="49" charset="0"/>
-              </a:rPr>
-              <a:t>.</a:t>
-            </a:r>
-            <a:r>
-              <a:rPr lang="en-US" sz="1400" dirty="0" err="1">
-                <a:solidFill>
-                  <a:srgbClr val="008080"/>
-                </a:solidFill>
-                <a:latin typeface="Consolas" panose="020B0609020204030204" pitchFamily="49" charset="0"/>
-              </a:rPr>
-              <a:t>dbo</a:t>
-            </a:r>
-            <a:r>
-              <a:rPr lang="en-US" sz="1400" dirty="0" err="1">
-                <a:solidFill>
-                  <a:srgbClr val="808080"/>
-                </a:solidFill>
-                <a:latin typeface="Consolas" panose="020B0609020204030204" pitchFamily="49" charset="0"/>
-              </a:rPr>
-              <a:t>.</a:t>
-            </a:r>
-            <a:r>
-              <a:rPr lang="en-US" sz="1400" dirty="0" err="1">
-                <a:solidFill>
-                  <a:srgbClr val="008080"/>
-                </a:solidFill>
-                <a:latin typeface="Consolas" panose="020B0609020204030204" pitchFamily="49" charset="0"/>
-              </a:rPr>
-              <a:t>OrderDetail</a:t>
-            </a:r>
-            <a:r>
-              <a:rPr lang="en-US" sz="1400" dirty="0">
-                <a:solidFill>
-                  <a:prstClr val="black"/>
-                </a:solidFill>
-                <a:latin typeface="Consolas" panose="020B0609020204030204" pitchFamily="49" charset="0"/>
-              </a:rPr>
-              <a:t> </a:t>
-            </a:r>
-            <a:r>
-              <a:rPr lang="en-US" sz="1400" dirty="0">
-                <a:solidFill>
-                  <a:srgbClr val="008080"/>
-                </a:solidFill>
-                <a:latin typeface="Consolas" panose="020B0609020204030204" pitchFamily="49" charset="0"/>
-              </a:rPr>
-              <a:t>od</a:t>
-            </a:r>
-            <a:endParaRPr lang="en-US" sz="1400" dirty="0">
-              <a:solidFill>
-                <a:prstClr val="black"/>
-              </a:solidFill>
-              <a:latin typeface="Consolas" panose="020B0609020204030204" pitchFamily="49" charset="0"/>
-            </a:endParaRPr>
-          </a:p>
-          <a:p>
-            <a:r>
-              <a:rPr lang="en-US" sz="1400" dirty="0">
-                <a:solidFill>
-                  <a:srgbClr val="0000FF"/>
-                </a:solidFill>
-                <a:latin typeface="Consolas" panose="020B0609020204030204" pitchFamily="49" charset="0"/>
-              </a:rPr>
-              <a:t>on</a:t>
-            </a:r>
-            <a:r>
-              <a:rPr lang="en-US" sz="1400" dirty="0">
-                <a:solidFill>
-                  <a:prstClr val="black"/>
-                </a:solidFill>
-                <a:latin typeface="Consolas" panose="020B0609020204030204" pitchFamily="49" charset="0"/>
-              </a:rPr>
-              <a:t> </a:t>
-            </a:r>
-            <a:r>
-              <a:rPr lang="en-US" sz="1400" dirty="0" err="1">
-                <a:solidFill>
-                  <a:srgbClr val="008080"/>
-                </a:solidFill>
-                <a:latin typeface="Consolas" panose="020B0609020204030204" pitchFamily="49" charset="0"/>
-              </a:rPr>
-              <a:t>oh</a:t>
-            </a:r>
-            <a:r>
-              <a:rPr lang="en-US" sz="1400" dirty="0" err="1">
-                <a:solidFill>
-                  <a:srgbClr val="808080"/>
-                </a:solidFill>
-                <a:latin typeface="Consolas" panose="020B0609020204030204" pitchFamily="49" charset="0"/>
-              </a:rPr>
-              <a:t>.</a:t>
-            </a:r>
-            <a:r>
-              <a:rPr lang="en-US" sz="1400" dirty="0" err="1">
-                <a:solidFill>
-                  <a:srgbClr val="008080"/>
-                </a:solidFill>
-                <a:latin typeface="Consolas" panose="020B0609020204030204" pitchFamily="49" charset="0"/>
-              </a:rPr>
-              <a:t>OrderId</a:t>
-            </a:r>
-            <a:r>
-              <a:rPr lang="en-US" sz="1400" dirty="0">
-                <a:solidFill>
-                  <a:prstClr val="black"/>
-                </a:solidFill>
-                <a:latin typeface="Consolas" panose="020B0609020204030204" pitchFamily="49" charset="0"/>
-              </a:rPr>
-              <a:t> </a:t>
-            </a:r>
-            <a:r>
-              <a:rPr lang="en-US" sz="1400" dirty="0">
-                <a:solidFill>
-                  <a:srgbClr val="808080"/>
-                </a:solidFill>
-                <a:latin typeface="Consolas" panose="020B0609020204030204" pitchFamily="49" charset="0"/>
-              </a:rPr>
-              <a:t>=</a:t>
-            </a:r>
-            <a:r>
-              <a:rPr lang="en-US" sz="1400" dirty="0">
-                <a:solidFill>
-                  <a:prstClr val="black"/>
-                </a:solidFill>
-                <a:latin typeface="Consolas" panose="020B0609020204030204" pitchFamily="49" charset="0"/>
-              </a:rPr>
-              <a:t> </a:t>
-            </a:r>
-            <a:r>
-              <a:rPr lang="en-US" sz="1400" dirty="0" err="1">
-                <a:solidFill>
-                  <a:srgbClr val="008080"/>
-                </a:solidFill>
-                <a:latin typeface="Consolas" panose="020B0609020204030204" pitchFamily="49" charset="0"/>
-              </a:rPr>
-              <a:t>od</a:t>
-            </a:r>
-            <a:r>
-              <a:rPr lang="en-US" sz="1400" dirty="0" err="1">
-                <a:solidFill>
-                  <a:srgbClr val="808080"/>
-                </a:solidFill>
-                <a:latin typeface="Consolas" panose="020B0609020204030204" pitchFamily="49" charset="0"/>
-              </a:rPr>
-              <a:t>.</a:t>
-            </a:r>
-            <a:r>
-              <a:rPr lang="en-US" sz="1400" dirty="0" err="1">
-                <a:solidFill>
-                  <a:srgbClr val="008080"/>
-                </a:solidFill>
-                <a:latin typeface="Consolas" panose="020B0609020204030204" pitchFamily="49" charset="0"/>
-              </a:rPr>
-              <a:t>OrderId</a:t>
-            </a:r>
-            <a:endParaRPr lang="en-US" sz="1400" dirty="0">
-              <a:solidFill>
-                <a:prstClr val="black"/>
-              </a:solidFill>
-              <a:latin typeface="Consolas" panose="020B0609020204030204" pitchFamily="49" charset="0"/>
-            </a:endParaRPr>
-          </a:p>
-          <a:p>
-            <a:r>
-              <a:rPr lang="en-US" sz="1400" dirty="0">
-                <a:solidFill>
-                  <a:srgbClr val="808080"/>
-                </a:solidFill>
-                <a:latin typeface="Consolas" panose="020B0609020204030204" pitchFamily="49" charset="0"/>
-              </a:rPr>
-              <a:t>inner</a:t>
-            </a:r>
-            <a:r>
-              <a:rPr lang="en-US" sz="1400" dirty="0">
-                <a:solidFill>
-                  <a:prstClr val="black"/>
-                </a:solidFill>
-                <a:latin typeface="Consolas" panose="020B0609020204030204" pitchFamily="49" charset="0"/>
-              </a:rPr>
-              <a:t> </a:t>
-            </a:r>
-            <a:r>
-              <a:rPr lang="en-US" sz="1400" dirty="0">
-                <a:solidFill>
-                  <a:srgbClr val="808080"/>
-                </a:solidFill>
-                <a:latin typeface="Consolas" panose="020B0609020204030204" pitchFamily="49" charset="0"/>
-              </a:rPr>
-              <a:t>join</a:t>
-            </a:r>
-            <a:r>
-              <a:rPr lang="en-US" sz="1400" dirty="0">
-                <a:solidFill>
-                  <a:prstClr val="black"/>
-                </a:solidFill>
-                <a:latin typeface="Consolas" panose="020B0609020204030204" pitchFamily="49" charset="0"/>
-              </a:rPr>
-              <a:t> </a:t>
-            </a:r>
-            <a:r>
-              <a:rPr lang="en-US" sz="1400" dirty="0" err="1">
-                <a:solidFill>
-                  <a:srgbClr val="008080"/>
-                </a:solidFill>
-                <a:latin typeface="Consolas" panose="020B0609020204030204" pitchFamily="49" charset="0"/>
-              </a:rPr>
-              <a:t>CorpDB</a:t>
-            </a:r>
-            <a:r>
-              <a:rPr lang="en-US" sz="1400" dirty="0" err="1">
-                <a:solidFill>
-                  <a:srgbClr val="808080"/>
-                </a:solidFill>
-                <a:latin typeface="Consolas" panose="020B0609020204030204" pitchFamily="49" charset="0"/>
-              </a:rPr>
-              <a:t>.</a:t>
-            </a:r>
-            <a:r>
-              <a:rPr lang="en-US" sz="1400" dirty="0" err="1">
-                <a:solidFill>
-                  <a:srgbClr val="008080"/>
-                </a:solidFill>
-                <a:latin typeface="Consolas" panose="020B0609020204030204" pitchFamily="49" charset="0"/>
-              </a:rPr>
-              <a:t>dbo</a:t>
-            </a:r>
-            <a:r>
-              <a:rPr lang="en-US" sz="1400" dirty="0" err="1">
-                <a:solidFill>
-                  <a:srgbClr val="808080"/>
-                </a:solidFill>
-                <a:latin typeface="Consolas" panose="020B0609020204030204" pitchFamily="49" charset="0"/>
-              </a:rPr>
-              <a:t>.</a:t>
-            </a:r>
-            <a:r>
-              <a:rPr lang="en-US" sz="1400" dirty="0" err="1">
-                <a:solidFill>
-                  <a:srgbClr val="008080"/>
-                </a:solidFill>
-                <a:latin typeface="Consolas" panose="020B0609020204030204" pitchFamily="49" charset="0"/>
-              </a:rPr>
-              <a:t>Customer</a:t>
-            </a:r>
-            <a:r>
-              <a:rPr lang="en-US" sz="1400" dirty="0">
-                <a:solidFill>
-                  <a:prstClr val="black"/>
-                </a:solidFill>
-                <a:latin typeface="Consolas" panose="020B0609020204030204" pitchFamily="49" charset="0"/>
-              </a:rPr>
-              <a:t> </a:t>
-            </a:r>
-            <a:r>
-              <a:rPr lang="en-US" sz="1400" dirty="0" err="1">
-                <a:solidFill>
-                  <a:srgbClr val="008080"/>
-                </a:solidFill>
-                <a:latin typeface="Consolas" panose="020B0609020204030204" pitchFamily="49" charset="0"/>
-              </a:rPr>
-              <a:t>cust</a:t>
-            </a:r>
-            <a:endParaRPr lang="en-US" sz="1400" dirty="0">
-              <a:solidFill>
-                <a:prstClr val="black"/>
-              </a:solidFill>
-              <a:latin typeface="Consolas" panose="020B0609020204030204" pitchFamily="49" charset="0"/>
-            </a:endParaRPr>
-          </a:p>
-          <a:p>
-            <a:r>
-              <a:rPr lang="en-US" sz="1400" dirty="0">
-                <a:solidFill>
-                  <a:srgbClr val="0000FF"/>
-                </a:solidFill>
-                <a:latin typeface="Consolas" panose="020B0609020204030204" pitchFamily="49" charset="0"/>
-              </a:rPr>
-              <a:t>on</a:t>
-            </a:r>
-            <a:r>
-              <a:rPr lang="en-US" sz="1400" dirty="0">
-                <a:solidFill>
-                  <a:prstClr val="black"/>
-                </a:solidFill>
-                <a:latin typeface="Consolas" panose="020B0609020204030204" pitchFamily="49" charset="0"/>
-              </a:rPr>
-              <a:t> </a:t>
-            </a:r>
-            <a:r>
-              <a:rPr lang="en-US" sz="1400" dirty="0" err="1">
-                <a:solidFill>
-                  <a:srgbClr val="008080"/>
-                </a:solidFill>
-                <a:latin typeface="Consolas" panose="020B0609020204030204" pitchFamily="49" charset="0"/>
-              </a:rPr>
-              <a:t>oh</a:t>
-            </a:r>
-            <a:r>
-              <a:rPr lang="en-US" sz="1400" dirty="0" err="1">
-                <a:solidFill>
-                  <a:srgbClr val="808080"/>
-                </a:solidFill>
-                <a:latin typeface="Consolas" panose="020B0609020204030204" pitchFamily="49" charset="0"/>
-              </a:rPr>
-              <a:t>.</a:t>
-            </a:r>
-            <a:r>
-              <a:rPr lang="en-US" sz="1400" dirty="0" err="1">
-                <a:solidFill>
-                  <a:srgbClr val="008080"/>
-                </a:solidFill>
-                <a:latin typeface="Consolas" panose="020B0609020204030204" pitchFamily="49" charset="0"/>
-              </a:rPr>
-              <a:t>CustomerId</a:t>
-            </a:r>
-            <a:r>
-              <a:rPr lang="en-US" sz="1400" dirty="0">
-                <a:solidFill>
-                  <a:prstClr val="black"/>
-                </a:solidFill>
-                <a:latin typeface="Consolas" panose="020B0609020204030204" pitchFamily="49" charset="0"/>
-              </a:rPr>
-              <a:t> </a:t>
-            </a:r>
-            <a:r>
-              <a:rPr lang="en-US" sz="1400" dirty="0">
-                <a:solidFill>
-                  <a:srgbClr val="808080"/>
-                </a:solidFill>
-                <a:latin typeface="Consolas" panose="020B0609020204030204" pitchFamily="49" charset="0"/>
-              </a:rPr>
-              <a:t>=</a:t>
-            </a:r>
-            <a:r>
-              <a:rPr lang="en-US" sz="1400" dirty="0">
-                <a:solidFill>
-                  <a:prstClr val="black"/>
-                </a:solidFill>
-                <a:latin typeface="Consolas" panose="020B0609020204030204" pitchFamily="49" charset="0"/>
-              </a:rPr>
-              <a:t> </a:t>
-            </a:r>
-            <a:r>
-              <a:rPr lang="en-US" sz="1400" dirty="0" err="1">
-                <a:solidFill>
-                  <a:srgbClr val="008080"/>
-                </a:solidFill>
-                <a:latin typeface="Consolas" panose="020B0609020204030204" pitchFamily="49" charset="0"/>
-              </a:rPr>
-              <a:t>cust</a:t>
-            </a:r>
-            <a:r>
-              <a:rPr lang="en-US" sz="1400" dirty="0" err="1">
-                <a:solidFill>
-                  <a:srgbClr val="808080"/>
-                </a:solidFill>
-                <a:latin typeface="Consolas" panose="020B0609020204030204" pitchFamily="49" charset="0"/>
-              </a:rPr>
-              <a:t>.</a:t>
-            </a:r>
-            <a:r>
-              <a:rPr lang="en-US" sz="1400" dirty="0" err="1">
-                <a:solidFill>
-                  <a:srgbClr val="008080"/>
-                </a:solidFill>
-                <a:latin typeface="Consolas" panose="020B0609020204030204" pitchFamily="49" charset="0"/>
-              </a:rPr>
-              <a:t>CustomerID</a:t>
-            </a:r>
-            <a:endParaRPr lang="en-US" sz="1400" dirty="0">
-              <a:solidFill>
-                <a:prstClr val="black"/>
-              </a:solidFill>
-              <a:latin typeface="Consolas" panose="020B0609020204030204" pitchFamily="49" charset="0"/>
-            </a:endParaRPr>
-          </a:p>
-          <a:p>
-            <a:r>
-              <a:rPr lang="en-US" sz="1400" dirty="0">
-                <a:solidFill>
-                  <a:srgbClr val="0000FF"/>
-                </a:solidFill>
-                <a:latin typeface="Consolas" panose="020B0609020204030204" pitchFamily="49" charset="0"/>
-              </a:rPr>
-              <a:t>where</a:t>
-            </a:r>
-            <a:r>
-              <a:rPr lang="en-US" sz="1400" dirty="0">
-                <a:solidFill>
-                  <a:prstClr val="black"/>
-                </a:solidFill>
-                <a:latin typeface="Consolas" panose="020B0609020204030204" pitchFamily="49" charset="0"/>
-              </a:rPr>
-              <a:t> </a:t>
-            </a:r>
-            <a:r>
-              <a:rPr lang="en-US" sz="1400" dirty="0" err="1">
-                <a:solidFill>
-                  <a:srgbClr val="008080"/>
-                </a:solidFill>
-                <a:latin typeface="Consolas" panose="020B0609020204030204" pitchFamily="49" charset="0"/>
-              </a:rPr>
-              <a:t>cust</a:t>
-            </a:r>
-            <a:r>
-              <a:rPr lang="en-US" sz="1400" dirty="0" err="1">
-                <a:solidFill>
-                  <a:srgbClr val="808080"/>
-                </a:solidFill>
-                <a:latin typeface="Consolas" panose="020B0609020204030204" pitchFamily="49" charset="0"/>
-              </a:rPr>
-              <a:t>.</a:t>
-            </a:r>
-            <a:r>
-              <a:rPr lang="en-US" sz="1400" dirty="0" err="1">
-                <a:solidFill>
-                  <a:srgbClr val="0000FF"/>
-                </a:solidFill>
-                <a:latin typeface="Consolas" panose="020B0609020204030204" pitchFamily="49" charset="0"/>
-              </a:rPr>
-              <a:t>State</a:t>
-            </a:r>
-            <a:r>
-              <a:rPr lang="en-US" sz="1400" dirty="0">
-                <a:solidFill>
-                  <a:prstClr val="black"/>
-                </a:solidFill>
-                <a:latin typeface="Consolas" panose="020B0609020204030204" pitchFamily="49" charset="0"/>
-              </a:rPr>
-              <a:t> </a:t>
-            </a:r>
-            <a:r>
-              <a:rPr lang="en-US" sz="1400" dirty="0">
-                <a:solidFill>
-                  <a:srgbClr val="808080"/>
-                </a:solidFill>
-                <a:latin typeface="Consolas" panose="020B0609020204030204" pitchFamily="49" charset="0"/>
-              </a:rPr>
-              <a:t>=</a:t>
-            </a:r>
-            <a:r>
-              <a:rPr lang="en-US" sz="1400" dirty="0">
-                <a:solidFill>
-                  <a:prstClr val="black"/>
-                </a:solidFill>
-                <a:latin typeface="Consolas" panose="020B0609020204030204" pitchFamily="49" charset="0"/>
-              </a:rPr>
-              <a:t> </a:t>
-            </a:r>
-            <a:r>
-              <a:rPr lang="en-US" sz="1400" dirty="0">
-                <a:solidFill>
-                  <a:srgbClr val="FF0000"/>
-                </a:solidFill>
-                <a:latin typeface="Consolas" panose="020B0609020204030204" pitchFamily="49" charset="0"/>
-              </a:rPr>
-              <a:t>'SD'</a:t>
-            </a:r>
-            <a:endParaRPr lang="en-US" sz="1400" dirty="0">
-              <a:solidFill>
-                <a:prstClr val="black"/>
-              </a:solidFill>
-              <a:latin typeface="Consolas" panose="020B0609020204030204" pitchFamily="49" charset="0"/>
-            </a:endParaRPr>
-          </a:p>
-          <a:p>
-            <a:r>
-              <a:rPr lang="en-US" sz="1400" dirty="0">
-                <a:solidFill>
-                  <a:srgbClr val="0000FF"/>
-                </a:solidFill>
-                <a:latin typeface="Consolas" panose="020B0609020204030204" pitchFamily="49" charset="0"/>
-              </a:rPr>
-              <a:t>group</a:t>
-            </a:r>
-            <a:r>
-              <a:rPr lang="en-US" sz="1400" dirty="0">
-                <a:solidFill>
-                  <a:prstClr val="black"/>
-                </a:solidFill>
-                <a:latin typeface="Consolas" panose="020B0609020204030204" pitchFamily="49" charset="0"/>
-              </a:rPr>
-              <a:t> </a:t>
-            </a:r>
-            <a:r>
-              <a:rPr lang="en-US" sz="1400" dirty="0">
-                <a:solidFill>
-                  <a:srgbClr val="0000FF"/>
-                </a:solidFill>
-                <a:latin typeface="Consolas" panose="020B0609020204030204" pitchFamily="49" charset="0"/>
-              </a:rPr>
-              <a:t>by</a:t>
-            </a:r>
-            <a:r>
-              <a:rPr lang="en-US" sz="1400" dirty="0">
-                <a:solidFill>
-                  <a:prstClr val="black"/>
-                </a:solidFill>
-                <a:latin typeface="Consolas" panose="020B0609020204030204" pitchFamily="49" charset="0"/>
-              </a:rPr>
-              <a:t> </a:t>
-            </a:r>
-            <a:r>
-              <a:rPr lang="en-US" sz="1400" dirty="0" err="1">
-                <a:solidFill>
-                  <a:srgbClr val="008080"/>
-                </a:solidFill>
-                <a:latin typeface="Consolas" panose="020B0609020204030204" pitchFamily="49" charset="0"/>
-              </a:rPr>
-              <a:t>od</a:t>
-            </a:r>
-            <a:r>
-              <a:rPr lang="en-US" sz="1400" dirty="0" err="1">
-                <a:solidFill>
-                  <a:srgbClr val="808080"/>
-                </a:solidFill>
-                <a:latin typeface="Consolas" panose="020B0609020204030204" pitchFamily="49" charset="0"/>
-              </a:rPr>
-              <a:t>.</a:t>
-            </a:r>
-            <a:r>
-              <a:rPr lang="en-US" sz="1400" dirty="0" err="1">
-                <a:solidFill>
-                  <a:srgbClr val="008080"/>
-                </a:solidFill>
-                <a:latin typeface="Consolas" panose="020B0609020204030204" pitchFamily="49" charset="0"/>
-              </a:rPr>
-              <a:t>ProductId</a:t>
-            </a:r>
-            <a:endParaRPr lang="en-US" sz="1400" dirty="0">
-              <a:solidFill>
-                <a:prstClr val="black"/>
-              </a:solidFill>
-              <a:latin typeface="Consolas" panose="020B0609020204030204" pitchFamily="49" charset="0"/>
-            </a:endParaRPr>
-          </a:p>
-          <a:p>
-            <a:r>
-              <a:rPr lang="en-US" sz="1400" dirty="0">
-                <a:solidFill>
-                  <a:srgbClr val="0000FF"/>
-                </a:solidFill>
-                <a:latin typeface="Consolas" panose="020B0609020204030204" pitchFamily="49" charset="0"/>
-              </a:rPr>
-              <a:t>having</a:t>
-            </a:r>
-            <a:r>
-              <a:rPr lang="en-US" sz="1400" dirty="0">
-                <a:solidFill>
-                  <a:prstClr val="black"/>
-                </a:solidFill>
-                <a:latin typeface="Consolas" panose="020B0609020204030204" pitchFamily="49" charset="0"/>
-              </a:rPr>
-              <a:t> </a:t>
-            </a:r>
-            <a:r>
-              <a:rPr lang="en-US" sz="1400" dirty="0">
-                <a:solidFill>
-                  <a:srgbClr val="FF00FF"/>
-                </a:solidFill>
-                <a:latin typeface="Consolas" panose="020B0609020204030204" pitchFamily="49" charset="0"/>
-              </a:rPr>
-              <a:t>sum</a:t>
-            </a:r>
-            <a:r>
-              <a:rPr lang="en-US" sz="1400" dirty="0">
-                <a:solidFill>
-                  <a:srgbClr val="808080"/>
-                </a:solidFill>
-                <a:latin typeface="Consolas" panose="020B0609020204030204" pitchFamily="49" charset="0"/>
-              </a:rPr>
-              <a:t>(</a:t>
-            </a:r>
-            <a:r>
-              <a:rPr lang="en-US" sz="1400" dirty="0" err="1">
-                <a:solidFill>
-                  <a:srgbClr val="008080"/>
-                </a:solidFill>
-                <a:latin typeface="Consolas" panose="020B0609020204030204" pitchFamily="49" charset="0"/>
-              </a:rPr>
-              <a:t>od</a:t>
-            </a:r>
-            <a:r>
-              <a:rPr lang="en-US" sz="1400" dirty="0" err="1">
-                <a:solidFill>
-                  <a:srgbClr val="808080"/>
-                </a:solidFill>
-                <a:latin typeface="Consolas" panose="020B0609020204030204" pitchFamily="49" charset="0"/>
-              </a:rPr>
-              <a:t>.</a:t>
-            </a:r>
-            <a:r>
-              <a:rPr lang="en-US" sz="1400" dirty="0" err="1">
-                <a:solidFill>
-                  <a:srgbClr val="008080"/>
-                </a:solidFill>
-                <a:latin typeface="Consolas" panose="020B0609020204030204" pitchFamily="49" charset="0"/>
-              </a:rPr>
-              <a:t>Quantity</a:t>
-            </a:r>
-            <a:r>
-              <a:rPr lang="en-US" sz="1400" dirty="0">
-                <a:solidFill>
-                  <a:srgbClr val="808080"/>
-                </a:solidFill>
-                <a:latin typeface="Consolas" panose="020B0609020204030204" pitchFamily="49" charset="0"/>
-              </a:rPr>
-              <a:t>)</a:t>
-            </a:r>
-            <a:r>
-              <a:rPr lang="en-US" sz="1400" dirty="0">
-                <a:solidFill>
-                  <a:prstClr val="black"/>
-                </a:solidFill>
-                <a:latin typeface="Consolas" panose="020B0609020204030204" pitchFamily="49" charset="0"/>
-              </a:rPr>
-              <a:t> </a:t>
-            </a:r>
-            <a:r>
-              <a:rPr lang="en-US" sz="1400" dirty="0">
-                <a:solidFill>
-                  <a:srgbClr val="808080"/>
-                </a:solidFill>
-                <a:latin typeface="Consolas" panose="020B0609020204030204" pitchFamily="49" charset="0"/>
-              </a:rPr>
-              <a:t>&gt;=</a:t>
-            </a:r>
-            <a:r>
-              <a:rPr lang="en-US" sz="1400" dirty="0">
-                <a:solidFill>
-                  <a:prstClr val="black"/>
-                </a:solidFill>
-                <a:latin typeface="Consolas" panose="020B0609020204030204" pitchFamily="49" charset="0"/>
-              </a:rPr>
-              <a:t> 20</a:t>
-            </a:r>
-          </a:p>
-          <a:p>
-            <a:r>
-              <a:rPr lang="en-US" sz="1400" dirty="0">
-                <a:solidFill>
-                  <a:srgbClr val="0000FF"/>
-                </a:solidFill>
-                <a:latin typeface="Consolas" panose="020B0609020204030204" pitchFamily="49" charset="0"/>
-              </a:rPr>
-              <a:t>order</a:t>
-            </a:r>
-            <a:r>
-              <a:rPr lang="en-US" sz="1400" dirty="0">
-                <a:solidFill>
-                  <a:prstClr val="black"/>
-                </a:solidFill>
-                <a:latin typeface="Consolas" panose="020B0609020204030204" pitchFamily="49" charset="0"/>
-              </a:rPr>
-              <a:t> </a:t>
-            </a:r>
-            <a:r>
-              <a:rPr lang="en-US" sz="1400" dirty="0">
-                <a:solidFill>
-                  <a:srgbClr val="0000FF"/>
-                </a:solidFill>
-                <a:latin typeface="Consolas" panose="020B0609020204030204" pitchFamily="49" charset="0"/>
-              </a:rPr>
-              <a:t>by</a:t>
-            </a:r>
-            <a:r>
-              <a:rPr lang="en-US" sz="1400" dirty="0">
-                <a:solidFill>
-                  <a:prstClr val="black"/>
-                </a:solidFill>
-                <a:latin typeface="Consolas" panose="020B0609020204030204" pitchFamily="49" charset="0"/>
-              </a:rPr>
-              <a:t> </a:t>
-            </a:r>
-            <a:r>
-              <a:rPr lang="en-US" sz="1400" dirty="0" err="1">
-                <a:solidFill>
-                  <a:srgbClr val="008080"/>
-                </a:solidFill>
-                <a:latin typeface="Consolas" panose="020B0609020204030204" pitchFamily="49" charset="0"/>
-              </a:rPr>
-              <a:t>od</a:t>
-            </a:r>
-            <a:r>
-              <a:rPr lang="en-US" sz="1400" dirty="0" err="1">
-                <a:solidFill>
-                  <a:srgbClr val="808080"/>
-                </a:solidFill>
-                <a:latin typeface="Consolas" panose="020B0609020204030204" pitchFamily="49" charset="0"/>
-              </a:rPr>
-              <a:t>.</a:t>
-            </a:r>
-            <a:r>
-              <a:rPr lang="en-US" sz="1400" dirty="0" err="1">
-                <a:solidFill>
-                  <a:srgbClr val="008080"/>
-                </a:solidFill>
-                <a:latin typeface="Consolas" panose="020B0609020204030204" pitchFamily="49" charset="0"/>
-              </a:rPr>
-              <a:t>ProductId</a:t>
-            </a:r>
-            <a:r>
-              <a:rPr lang="en-US" sz="1400" dirty="0">
-                <a:solidFill>
-                  <a:srgbClr val="808080"/>
-                </a:solidFill>
-                <a:latin typeface="Consolas" panose="020B0609020204030204" pitchFamily="49" charset="0"/>
-              </a:rPr>
-              <a:t>;</a:t>
-            </a:r>
-            <a:endParaRPr lang="en-US" sz="1400" dirty="0">
-              <a:solidFill>
-                <a:prstClr val="black"/>
-              </a:solidFill>
-              <a:latin typeface="Consolas" panose="020B0609020204030204" pitchFamily="49" charset="0"/>
-            </a:endParaRPr>
-          </a:p>
-        </p:txBody>
-      </p:sp>
-      <p:sp>
-        <p:nvSpPr>
-          <p:cNvPr id="6" name="Oval 5"/>
-          <p:cNvSpPr/>
-          <p:nvPr/>
-        </p:nvSpPr>
-        <p:spPr>
-          <a:xfrm>
-            <a:off x="8378792" y="542942"/>
-            <a:ext cx="616016" cy="606391"/>
-          </a:xfrm>
-          <a:prstGeom prst="ellipse">
-            <a:avLst/>
-          </a:prstGeom>
-        </p:spPr>
-        <p:style>
-          <a:lnRef idx="1">
-            <a:schemeClr val="accent1"/>
-          </a:lnRef>
-          <a:fillRef idx="3">
-            <a:schemeClr val="accent1"/>
-          </a:fillRef>
-          <a:effectRef idx="2">
-            <a:schemeClr val="accent1"/>
-          </a:effectRef>
-          <a:fontRef idx="minor">
-            <a:schemeClr val="lt1"/>
-          </a:fontRef>
-        </p:style>
-        <p:txBody>
-          <a:bodyPr rtlCol="0" anchor="ctr"/>
-          <a:lstStyle/>
-          <a:p>
-            <a:pPr algn="ctr"/>
-            <a:r>
-              <a:rPr lang="en-US" sz="1600" dirty="0"/>
-              <a:t>11</a:t>
-            </a:r>
-          </a:p>
-        </p:txBody>
-      </p:sp>
-      <p:pic>
-        <p:nvPicPr>
-          <p:cNvPr id="3" name="Picture 2"/>
-          <p:cNvPicPr>
-            <a:picLocks noChangeAspect="1"/>
-          </p:cNvPicPr>
-          <p:nvPr/>
-        </p:nvPicPr>
-        <p:blipFill>
-          <a:blip r:embed="rId3"/>
-          <a:stretch>
-            <a:fillRect/>
-          </a:stretch>
-        </p:blipFill>
-        <p:spPr>
-          <a:xfrm>
-            <a:off x="3555276" y="542942"/>
-            <a:ext cx="5439532" cy="5681438"/>
-          </a:xfrm>
-          <a:prstGeom prst="rect">
-            <a:avLst/>
-          </a:prstGeom>
-        </p:spPr>
-      </p:pic>
-    </p:spTree>
-    <p:extLst>
-      <p:ext uri="{BB962C8B-B14F-4D97-AF65-F5344CB8AC3E}">
-        <p14:creationId xmlns:p14="http://schemas.microsoft.com/office/powerpoint/2010/main" val="2851444044"/>
-      </p:ext>
-    </p:extLst>
-  </p:cSld>
-  <p:clrMapOvr>
-    <a:masterClrMapping/>
-  </p:clrMapOvr>
 </p:sld>
 </file>
 
@@ -32385,7 +33879,7 @@
           <a:p>
             <a:r>
               <a:rPr lang="en-US" dirty="0"/>
-              <a:t>Memo Structure</a:t>
+              <a:t>Parse Trees</a:t>
             </a:r>
           </a:p>
         </p:txBody>
@@ -32407,39 +33901,33 @@
           <a:p>
             <a:r>
               <a:rPr lang="en-US" dirty="0"/>
-              <a:t>Used to explore different alternatives to a portion of the query tree</a:t>
+              <a:t>Internal representation of query operation</a:t>
             </a:r>
           </a:p>
           <a:p>
             <a:r>
               <a:rPr lang="en-US" dirty="0"/>
-              <a:t>Can think of it as a matrix</a:t>
+              <a:t>Nodes may be logical or physical operators</a:t>
             </a:r>
           </a:p>
           <a:p>
             <a:pPr lvl="1"/>
             <a:r>
               <a:rPr lang="en-US" dirty="0"/>
-              <a:t>Rows (groups) represent substitutes – each entry is logically equivalent</a:t>
+              <a:t>0 to infinity inputs, 1 output</a:t>
+            </a:r>
+          </a:p>
+          <a:p>
+            <a:r>
+              <a:rPr lang="en-US" dirty="0"/>
+              <a:t>SQL Server will output parse trees at various phases of optimization</a:t>
             </a:r>
           </a:p>
           <a:p>
             <a:pPr lvl="1"/>
             <a:r>
               <a:rPr lang="en-US" dirty="0"/>
-              <a:t>Columns represent application of a transformation rule</a:t>
-            </a:r>
-          </a:p>
-          <a:p>
-            <a:r>
-              <a:rPr lang="en-US" dirty="0"/>
-              <a:t>Each entry is hashed to prevent duplication</a:t>
-            </a:r>
-          </a:p>
-          <a:p>
-            <a:r>
-              <a:rPr lang="en-US" dirty="0"/>
-              <a:t>Physical substitutes are costed</a:t>
+              <a:t>A variety of trace flags will trigger output</a:t>
             </a:r>
           </a:p>
         </p:txBody>
@@ -32447,7 +33935,7 @@
     </p:spTree>
     <p:extLst>
       <p:ext uri="{BB962C8B-B14F-4D97-AF65-F5344CB8AC3E}">
-        <p14:creationId xmlns:p14="http://schemas.microsoft.com/office/powerpoint/2010/main" val="3817045267"/>
+        <p14:creationId xmlns:p14="http://schemas.microsoft.com/office/powerpoint/2010/main" val="1114966382"/>
       </p:ext>
     </p:extLst>
   </p:cSld>
@@ -32553,6 +34041,1314 @@
 </file>
 
 <file path=ppt/slides/slide50.xml><?xml version="1.0" encoding="utf-8"?>
+<p:sld xmlns:a="http://schemas.openxmlformats.org/drawingml/2006/main" xmlns:r="http://schemas.openxmlformats.org/officeDocument/2006/relationships" xmlns:p="http://schemas.openxmlformats.org/presentationml/2006/main">
+  <p:cSld>
+    <p:spTree>
+      <p:nvGrpSpPr>
+        <p:cNvPr id="1" name=""/>
+        <p:cNvGrpSpPr/>
+        <p:nvPr/>
+      </p:nvGrpSpPr>
+      <p:grpSpPr>
+        <a:xfrm>
+          <a:off x="0" y="0"/>
+          <a:ext cx="0" cy="0"/>
+          <a:chOff x="0" y="0"/>
+          <a:chExt cx="0" cy="0"/>
+        </a:xfrm>
+      </p:grpSpPr>
+      <p:sp>
+        <p:nvSpPr>
+          <p:cNvPr id="2" name="Title 1"/>
+          <p:cNvSpPr>
+            <a:spLocks noGrp="1"/>
+          </p:cNvSpPr>
+          <p:nvPr>
+            <p:ph type="title"/>
+          </p:nvPr>
+        </p:nvSpPr>
+        <p:spPr/>
+        <p:txBody>
+          <a:bodyPr/>
+          <a:lstStyle/>
+          <a:p>
+            <a:r>
+              <a:rPr lang="en-US" dirty="0"/>
+              <a:t>Example Parse Tree</a:t>
+            </a:r>
+          </a:p>
+        </p:txBody>
+      </p:sp>
+      <p:sp>
+        <p:nvSpPr>
+          <p:cNvPr id="5" name="TextBox 4"/>
+          <p:cNvSpPr txBox="1"/>
+          <p:nvPr/>
+        </p:nvSpPr>
+        <p:spPr>
+          <a:xfrm>
+            <a:off x="558265" y="1713297"/>
+            <a:ext cx="4025461" cy="2677656"/>
+          </a:xfrm>
+          <a:prstGeom prst="rect">
+            <a:avLst/>
+          </a:prstGeom>
+          <a:noFill/>
+        </p:spPr>
+        <p:txBody>
+          <a:bodyPr wrap="none" rtlCol="0">
+            <a:spAutoFit/>
+          </a:bodyPr>
+          <a:lstStyle/>
+          <a:p>
+            <a:r>
+              <a:rPr lang="en-US" sz="1400" dirty="0">
+                <a:solidFill>
+                  <a:srgbClr val="0000FF"/>
+                </a:solidFill>
+                <a:latin typeface="Consolas" panose="020B0609020204030204" pitchFamily="49" charset="0"/>
+              </a:rPr>
+              <a:t>select</a:t>
+            </a:r>
+            <a:r>
+              <a:rPr lang="en-US" sz="1400" dirty="0">
+                <a:solidFill>
+                  <a:prstClr val="black"/>
+                </a:solidFill>
+                <a:latin typeface="Consolas" panose="020B0609020204030204" pitchFamily="49" charset="0"/>
+              </a:rPr>
+              <a:t> </a:t>
+            </a:r>
+            <a:r>
+              <a:rPr lang="en-US" sz="1400" dirty="0">
+                <a:solidFill>
+                  <a:srgbClr val="0000FF"/>
+                </a:solidFill>
+                <a:latin typeface="Consolas" panose="020B0609020204030204" pitchFamily="49" charset="0"/>
+              </a:rPr>
+              <a:t>top</a:t>
+            </a:r>
+            <a:r>
+              <a:rPr lang="en-US" sz="1400" dirty="0">
+                <a:solidFill>
+                  <a:prstClr val="black"/>
+                </a:solidFill>
+                <a:latin typeface="Consolas" panose="020B0609020204030204" pitchFamily="49" charset="0"/>
+              </a:rPr>
+              <a:t> </a:t>
+            </a:r>
+            <a:r>
+              <a:rPr lang="en-US" sz="1400" dirty="0">
+                <a:solidFill>
+                  <a:prstClr val="black"/>
+                </a:solidFill>
+                <a:latin typeface="Consolas" panose="020B0609020204030204" pitchFamily="49" charset="0"/>
+              </a:rPr>
+              <a:t>5</a:t>
+            </a:r>
+            <a:endParaRPr lang="en-US" sz="1400" dirty="0">
+              <a:solidFill>
+                <a:prstClr val="black"/>
+              </a:solidFill>
+              <a:latin typeface="Consolas" panose="020B0609020204030204" pitchFamily="49" charset="0"/>
+            </a:endParaRPr>
+          </a:p>
+          <a:p>
+            <a:r>
+              <a:rPr lang="en-US" sz="1400" dirty="0">
+                <a:solidFill>
+                  <a:srgbClr val="008080"/>
+                </a:solidFill>
+                <a:latin typeface="Consolas" panose="020B0609020204030204" pitchFamily="49" charset="0"/>
+              </a:rPr>
+              <a:t>	</a:t>
+            </a:r>
+            <a:r>
+              <a:rPr lang="en-US" sz="1400" dirty="0" err="1">
+                <a:solidFill>
+                  <a:srgbClr val="008080"/>
+                </a:solidFill>
+                <a:latin typeface="Consolas" panose="020B0609020204030204" pitchFamily="49" charset="0"/>
+              </a:rPr>
+              <a:t>od</a:t>
+            </a:r>
+            <a:r>
+              <a:rPr lang="en-US" sz="1400" dirty="0" err="1">
+                <a:solidFill>
+                  <a:srgbClr val="808080"/>
+                </a:solidFill>
+                <a:latin typeface="Consolas" panose="020B0609020204030204" pitchFamily="49" charset="0"/>
+              </a:rPr>
+              <a:t>.</a:t>
+            </a:r>
+            <a:r>
+              <a:rPr lang="en-US" sz="1400" dirty="0" err="1">
+                <a:solidFill>
+                  <a:srgbClr val="008080"/>
+                </a:solidFill>
+                <a:latin typeface="Consolas" panose="020B0609020204030204" pitchFamily="49" charset="0"/>
+              </a:rPr>
+              <a:t>ProductId</a:t>
+            </a:r>
+            <a:r>
+              <a:rPr lang="en-US" sz="1400" dirty="0">
+                <a:solidFill>
+                  <a:srgbClr val="808080"/>
+                </a:solidFill>
+                <a:latin typeface="Consolas" panose="020B0609020204030204" pitchFamily="49" charset="0"/>
+              </a:rPr>
+              <a:t>,</a:t>
+            </a:r>
+            <a:endParaRPr lang="en-US" sz="1400" dirty="0">
+              <a:solidFill>
+                <a:prstClr val="black"/>
+              </a:solidFill>
+              <a:latin typeface="Consolas" panose="020B0609020204030204" pitchFamily="49" charset="0"/>
+            </a:endParaRPr>
+          </a:p>
+          <a:p>
+            <a:r>
+              <a:rPr lang="en-US" sz="1400" dirty="0">
+                <a:solidFill>
+                  <a:srgbClr val="FF00FF"/>
+                </a:solidFill>
+                <a:latin typeface="Consolas" panose="020B0609020204030204" pitchFamily="49" charset="0"/>
+              </a:rPr>
+              <a:t>	sum</a:t>
+            </a:r>
+            <a:r>
+              <a:rPr lang="en-US" sz="1400" dirty="0">
+                <a:solidFill>
+                  <a:srgbClr val="808080"/>
+                </a:solidFill>
+                <a:latin typeface="Consolas" panose="020B0609020204030204" pitchFamily="49" charset="0"/>
+              </a:rPr>
+              <a:t>(</a:t>
+            </a:r>
+            <a:r>
+              <a:rPr lang="en-US" sz="1400" dirty="0" err="1">
+                <a:solidFill>
+                  <a:srgbClr val="008080"/>
+                </a:solidFill>
+                <a:latin typeface="Consolas" panose="020B0609020204030204" pitchFamily="49" charset="0"/>
+              </a:rPr>
+              <a:t>od</a:t>
+            </a:r>
+            <a:r>
+              <a:rPr lang="en-US" sz="1400" dirty="0" err="1">
+                <a:solidFill>
+                  <a:srgbClr val="808080"/>
+                </a:solidFill>
+                <a:latin typeface="Consolas" panose="020B0609020204030204" pitchFamily="49" charset="0"/>
+              </a:rPr>
+              <a:t>.</a:t>
+            </a:r>
+            <a:r>
+              <a:rPr lang="en-US" sz="1400" dirty="0" err="1">
+                <a:solidFill>
+                  <a:srgbClr val="008080"/>
+                </a:solidFill>
+                <a:latin typeface="Consolas" panose="020B0609020204030204" pitchFamily="49" charset="0"/>
+              </a:rPr>
+              <a:t>Quantity</a:t>
+            </a:r>
+            <a:r>
+              <a:rPr lang="en-US" sz="1400" dirty="0">
+                <a:solidFill>
+                  <a:srgbClr val="808080"/>
+                </a:solidFill>
+                <a:latin typeface="Consolas" panose="020B0609020204030204" pitchFamily="49" charset="0"/>
+              </a:rPr>
+              <a:t>)</a:t>
+            </a:r>
+            <a:r>
+              <a:rPr lang="en-US" sz="1400" dirty="0">
+                <a:solidFill>
+                  <a:prstClr val="black"/>
+                </a:solidFill>
+                <a:latin typeface="Consolas" panose="020B0609020204030204" pitchFamily="49" charset="0"/>
+              </a:rPr>
+              <a:t> </a:t>
+            </a:r>
+            <a:r>
+              <a:rPr lang="en-US" sz="1400" dirty="0">
+                <a:solidFill>
+                  <a:srgbClr val="808080"/>
+                </a:solidFill>
+                <a:latin typeface="Consolas" panose="020B0609020204030204" pitchFamily="49" charset="0"/>
+              </a:rPr>
+              <a:t>-</a:t>
+            </a:r>
+            <a:r>
+              <a:rPr lang="en-US" sz="1400" dirty="0">
+                <a:solidFill>
+                  <a:prstClr val="black"/>
+                </a:solidFill>
+                <a:latin typeface="Consolas" panose="020B0609020204030204" pitchFamily="49" charset="0"/>
+              </a:rPr>
+              <a:t> 20 </a:t>
+            </a:r>
+            <a:r>
+              <a:rPr lang="en-US" sz="1400" dirty="0" err="1">
+                <a:solidFill>
+                  <a:srgbClr val="008080"/>
+                </a:solidFill>
+                <a:latin typeface="Consolas" panose="020B0609020204030204" pitchFamily="49" charset="0"/>
+              </a:rPr>
+              <a:t>ExcessOrders</a:t>
+            </a:r>
+            <a:endParaRPr lang="en-US" sz="1400" dirty="0">
+              <a:solidFill>
+                <a:prstClr val="black"/>
+              </a:solidFill>
+              <a:latin typeface="Consolas" panose="020B0609020204030204" pitchFamily="49" charset="0"/>
+            </a:endParaRPr>
+          </a:p>
+          <a:p>
+            <a:r>
+              <a:rPr lang="en-US" sz="1400" dirty="0">
+                <a:solidFill>
+                  <a:srgbClr val="0000FF"/>
+                </a:solidFill>
+                <a:latin typeface="Consolas" panose="020B0609020204030204" pitchFamily="49" charset="0"/>
+              </a:rPr>
+              <a:t>from</a:t>
+            </a:r>
+            <a:r>
+              <a:rPr lang="en-US" sz="1400" dirty="0">
+                <a:solidFill>
+                  <a:prstClr val="black"/>
+                </a:solidFill>
+                <a:latin typeface="Consolas" panose="020B0609020204030204" pitchFamily="49" charset="0"/>
+              </a:rPr>
+              <a:t> </a:t>
+            </a:r>
+            <a:r>
+              <a:rPr lang="en-US" sz="1400" dirty="0" err="1">
+                <a:solidFill>
+                  <a:srgbClr val="008080"/>
+                </a:solidFill>
+                <a:latin typeface="Consolas" panose="020B0609020204030204" pitchFamily="49" charset="0"/>
+              </a:rPr>
+              <a:t>CorpDB</a:t>
+            </a:r>
+            <a:r>
+              <a:rPr lang="en-US" sz="1400" dirty="0" err="1">
+                <a:solidFill>
+                  <a:srgbClr val="808080"/>
+                </a:solidFill>
+                <a:latin typeface="Consolas" panose="020B0609020204030204" pitchFamily="49" charset="0"/>
+              </a:rPr>
+              <a:t>.</a:t>
+            </a:r>
+            <a:r>
+              <a:rPr lang="en-US" sz="1400" dirty="0" err="1">
+                <a:solidFill>
+                  <a:srgbClr val="008080"/>
+                </a:solidFill>
+                <a:latin typeface="Consolas" panose="020B0609020204030204" pitchFamily="49" charset="0"/>
+              </a:rPr>
+              <a:t>dbo</a:t>
+            </a:r>
+            <a:r>
+              <a:rPr lang="en-US" sz="1400" dirty="0" err="1">
+                <a:solidFill>
+                  <a:srgbClr val="808080"/>
+                </a:solidFill>
+                <a:latin typeface="Consolas" panose="020B0609020204030204" pitchFamily="49" charset="0"/>
+              </a:rPr>
+              <a:t>.</a:t>
+            </a:r>
+            <a:r>
+              <a:rPr lang="en-US" sz="1400" dirty="0" err="1">
+                <a:solidFill>
+                  <a:srgbClr val="008080"/>
+                </a:solidFill>
+                <a:latin typeface="Consolas" panose="020B0609020204030204" pitchFamily="49" charset="0"/>
+              </a:rPr>
+              <a:t>OrderHeader</a:t>
+            </a:r>
+            <a:r>
+              <a:rPr lang="en-US" sz="1400" dirty="0">
+                <a:solidFill>
+                  <a:prstClr val="black"/>
+                </a:solidFill>
+                <a:latin typeface="Consolas" panose="020B0609020204030204" pitchFamily="49" charset="0"/>
+              </a:rPr>
+              <a:t> </a:t>
+            </a:r>
+            <a:r>
+              <a:rPr lang="en-US" sz="1400" dirty="0">
+                <a:solidFill>
+                  <a:srgbClr val="008080"/>
+                </a:solidFill>
+                <a:latin typeface="Consolas" panose="020B0609020204030204" pitchFamily="49" charset="0"/>
+              </a:rPr>
+              <a:t>oh</a:t>
+            </a:r>
+            <a:endParaRPr lang="en-US" sz="1400" dirty="0">
+              <a:solidFill>
+                <a:prstClr val="black"/>
+              </a:solidFill>
+              <a:latin typeface="Consolas" panose="020B0609020204030204" pitchFamily="49" charset="0"/>
+            </a:endParaRPr>
+          </a:p>
+          <a:p>
+            <a:r>
+              <a:rPr lang="en-US" sz="1400" dirty="0">
+                <a:solidFill>
+                  <a:srgbClr val="808080"/>
+                </a:solidFill>
+                <a:latin typeface="Consolas" panose="020B0609020204030204" pitchFamily="49" charset="0"/>
+              </a:rPr>
+              <a:t>inner</a:t>
+            </a:r>
+            <a:r>
+              <a:rPr lang="en-US" sz="1400" dirty="0">
+                <a:solidFill>
+                  <a:prstClr val="black"/>
+                </a:solidFill>
+                <a:latin typeface="Consolas" panose="020B0609020204030204" pitchFamily="49" charset="0"/>
+              </a:rPr>
+              <a:t> </a:t>
+            </a:r>
+            <a:r>
+              <a:rPr lang="en-US" sz="1400" dirty="0">
+                <a:solidFill>
+                  <a:srgbClr val="808080"/>
+                </a:solidFill>
+                <a:latin typeface="Consolas" panose="020B0609020204030204" pitchFamily="49" charset="0"/>
+              </a:rPr>
+              <a:t>join</a:t>
+            </a:r>
+            <a:r>
+              <a:rPr lang="en-US" sz="1400" dirty="0">
+                <a:solidFill>
+                  <a:prstClr val="black"/>
+                </a:solidFill>
+                <a:latin typeface="Consolas" panose="020B0609020204030204" pitchFamily="49" charset="0"/>
+              </a:rPr>
+              <a:t> </a:t>
+            </a:r>
+            <a:r>
+              <a:rPr lang="en-US" sz="1400" dirty="0" err="1">
+                <a:solidFill>
+                  <a:srgbClr val="008080"/>
+                </a:solidFill>
+                <a:latin typeface="Consolas" panose="020B0609020204030204" pitchFamily="49" charset="0"/>
+              </a:rPr>
+              <a:t>CorpDB</a:t>
+            </a:r>
+            <a:r>
+              <a:rPr lang="en-US" sz="1400" dirty="0" err="1">
+                <a:solidFill>
+                  <a:srgbClr val="808080"/>
+                </a:solidFill>
+                <a:latin typeface="Consolas" panose="020B0609020204030204" pitchFamily="49" charset="0"/>
+              </a:rPr>
+              <a:t>.</a:t>
+            </a:r>
+            <a:r>
+              <a:rPr lang="en-US" sz="1400" dirty="0" err="1">
+                <a:solidFill>
+                  <a:srgbClr val="008080"/>
+                </a:solidFill>
+                <a:latin typeface="Consolas" panose="020B0609020204030204" pitchFamily="49" charset="0"/>
+              </a:rPr>
+              <a:t>dbo</a:t>
+            </a:r>
+            <a:r>
+              <a:rPr lang="en-US" sz="1400" dirty="0" err="1">
+                <a:solidFill>
+                  <a:srgbClr val="808080"/>
+                </a:solidFill>
+                <a:latin typeface="Consolas" panose="020B0609020204030204" pitchFamily="49" charset="0"/>
+              </a:rPr>
+              <a:t>.</a:t>
+            </a:r>
+            <a:r>
+              <a:rPr lang="en-US" sz="1400" dirty="0" err="1">
+                <a:solidFill>
+                  <a:srgbClr val="008080"/>
+                </a:solidFill>
+                <a:latin typeface="Consolas" panose="020B0609020204030204" pitchFamily="49" charset="0"/>
+              </a:rPr>
+              <a:t>OrderDetail</a:t>
+            </a:r>
+            <a:r>
+              <a:rPr lang="en-US" sz="1400" dirty="0">
+                <a:solidFill>
+                  <a:prstClr val="black"/>
+                </a:solidFill>
+                <a:latin typeface="Consolas" panose="020B0609020204030204" pitchFamily="49" charset="0"/>
+              </a:rPr>
+              <a:t> </a:t>
+            </a:r>
+            <a:r>
+              <a:rPr lang="en-US" sz="1400" dirty="0">
+                <a:solidFill>
+                  <a:srgbClr val="008080"/>
+                </a:solidFill>
+                <a:latin typeface="Consolas" panose="020B0609020204030204" pitchFamily="49" charset="0"/>
+              </a:rPr>
+              <a:t>od</a:t>
+            </a:r>
+            <a:endParaRPr lang="en-US" sz="1400" dirty="0">
+              <a:solidFill>
+                <a:prstClr val="black"/>
+              </a:solidFill>
+              <a:latin typeface="Consolas" panose="020B0609020204030204" pitchFamily="49" charset="0"/>
+            </a:endParaRPr>
+          </a:p>
+          <a:p>
+            <a:r>
+              <a:rPr lang="en-US" sz="1400" dirty="0">
+                <a:solidFill>
+                  <a:srgbClr val="0000FF"/>
+                </a:solidFill>
+                <a:latin typeface="Consolas" panose="020B0609020204030204" pitchFamily="49" charset="0"/>
+              </a:rPr>
+              <a:t>on</a:t>
+            </a:r>
+            <a:r>
+              <a:rPr lang="en-US" sz="1400" dirty="0">
+                <a:solidFill>
+                  <a:prstClr val="black"/>
+                </a:solidFill>
+                <a:latin typeface="Consolas" panose="020B0609020204030204" pitchFamily="49" charset="0"/>
+              </a:rPr>
+              <a:t> </a:t>
+            </a:r>
+            <a:r>
+              <a:rPr lang="en-US" sz="1400" dirty="0" err="1">
+                <a:solidFill>
+                  <a:srgbClr val="008080"/>
+                </a:solidFill>
+                <a:latin typeface="Consolas" panose="020B0609020204030204" pitchFamily="49" charset="0"/>
+              </a:rPr>
+              <a:t>oh</a:t>
+            </a:r>
+            <a:r>
+              <a:rPr lang="en-US" sz="1400" dirty="0" err="1">
+                <a:solidFill>
+                  <a:srgbClr val="808080"/>
+                </a:solidFill>
+                <a:latin typeface="Consolas" panose="020B0609020204030204" pitchFamily="49" charset="0"/>
+              </a:rPr>
+              <a:t>.</a:t>
+            </a:r>
+            <a:r>
+              <a:rPr lang="en-US" sz="1400" dirty="0" err="1">
+                <a:solidFill>
+                  <a:srgbClr val="008080"/>
+                </a:solidFill>
+                <a:latin typeface="Consolas" panose="020B0609020204030204" pitchFamily="49" charset="0"/>
+              </a:rPr>
+              <a:t>OrderId</a:t>
+            </a:r>
+            <a:r>
+              <a:rPr lang="en-US" sz="1400" dirty="0">
+                <a:solidFill>
+                  <a:prstClr val="black"/>
+                </a:solidFill>
+                <a:latin typeface="Consolas" panose="020B0609020204030204" pitchFamily="49" charset="0"/>
+              </a:rPr>
+              <a:t> </a:t>
+            </a:r>
+            <a:r>
+              <a:rPr lang="en-US" sz="1400" dirty="0">
+                <a:solidFill>
+                  <a:srgbClr val="808080"/>
+                </a:solidFill>
+                <a:latin typeface="Consolas" panose="020B0609020204030204" pitchFamily="49" charset="0"/>
+              </a:rPr>
+              <a:t>=</a:t>
+            </a:r>
+            <a:r>
+              <a:rPr lang="en-US" sz="1400" dirty="0">
+                <a:solidFill>
+                  <a:prstClr val="black"/>
+                </a:solidFill>
+                <a:latin typeface="Consolas" panose="020B0609020204030204" pitchFamily="49" charset="0"/>
+              </a:rPr>
+              <a:t> </a:t>
+            </a:r>
+            <a:r>
+              <a:rPr lang="en-US" sz="1400" dirty="0" err="1">
+                <a:solidFill>
+                  <a:srgbClr val="008080"/>
+                </a:solidFill>
+                <a:latin typeface="Consolas" panose="020B0609020204030204" pitchFamily="49" charset="0"/>
+              </a:rPr>
+              <a:t>od</a:t>
+            </a:r>
+            <a:r>
+              <a:rPr lang="en-US" sz="1400" dirty="0" err="1">
+                <a:solidFill>
+                  <a:srgbClr val="808080"/>
+                </a:solidFill>
+                <a:latin typeface="Consolas" panose="020B0609020204030204" pitchFamily="49" charset="0"/>
+              </a:rPr>
+              <a:t>.</a:t>
+            </a:r>
+            <a:r>
+              <a:rPr lang="en-US" sz="1400" dirty="0" err="1">
+                <a:solidFill>
+                  <a:srgbClr val="008080"/>
+                </a:solidFill>
+                <a:latin typeface="Consolas" panose="020B0609020204030204" pitchFamily="49" charset="0"/>
+              </a:rPr>
+              <a:t>OrderId</a:t>
+            </a:r>
+            <a:endParaRPr lang="en-US" sz="1400" dirty="0">
+              <a:solidFill>
+                <a:prstClr val="black"/>
+              </a:solidFill>
+              <a:latin typeface="Consolas" panose="020B0609020204030204" pitchFamily="49" charset="0"/>
+            </a:endParaRPr>
+          </a:p>
+          <a:p>
+            <a:r>
+              <a:rPr lang="en-US" sz="1400" dirty="0">
+                <a:solidFill>
+                  <a:srgbClr val="808080"/>
+                </a:solidFill>
+                <a:latin typeface="Consolas" panose="020B0609020204030204" pitchFamily="49" charset="0"/>
+              </a:rPr>
+              <a:t>inner</a:t>
+            </a:r>
+            <a:r>
+              <a:rPr lang="en-US" sz="1400" dirty="0">
+                <a:solidFill>
+                  <a:prstClr val="black"/>
+                </a:solidFill>
+                <a:latin typeface="Consolas" panose="020B0609020204030204" pitchFamily="49" charset="0"/>
+              </a:rPr>
+              <a:t> </a:t>
+            </a:r>
+            <a:r>
+              <a:rPr lang="en-US" sz="1400" dirty="0">
+                <a:solidFill>
+                  <a:srgbClr val="808080"/>
+                </a:solidFill>
+                <a:latin typeface="Consolas" panose="020B0609020204030204" pitchFamily="49" charset="0"/>
+              </a:rPr>
+              <a:t>join</a:t>
+            </a:r>
+            <a:r>
+              <a:rPr lang="en-US" sz="1400" dirty="0">
+                <a:solidFill>
+                  <a:prstClr val="black"/>
+                </a:solidFill>
+                <a:latin typeface="Consolas" panose="020B0609020204030204" pitchFamily="49" charset="0"/>
+              </a:rPr>
+              <a:t> </a:t>
+            </a:r>
+            <a:r>
+              <a:rPr lang="en-US" sz="1400" dirty="0" err="1">
+                <a:solidFill>
+                  <a:srgbClr val="008080"/>
+                </a:solidFill>
+                <a:latin typeface="Consolas" panose="020B0609020204030204" pitchFamily="49" charset="0"/>
+              </a:rPr>
+              <a:t>CorpDB</a:t>
+            </a:r>
+            <a:r>
+              <a:rPr lang="en-US" sz="1400" dirty="0" err="1">
+                <a:solidFill>
+                  <a:srgbClr val="808080"/>
+                </a:solidFill>
+                <a:latin typeface="Consolas" panose="020B0609020204030204" pitchFamily="49" charset="0"/>
+              </a:rPr>
+              <a:t>.</a:t>
+            </a:r>
+            <a:r>
+              <a:rPr lang="en-US" sz="1400" dirty="0" err="1">
+                <a:solidFill>
+                  <a:srgbClr val="008080"/>
+                </a:solidFill>
+                <a:latin typeface="Consolas" panose="020B0609020204030204" pitchFamily="49" charset="0"/>
+              </a:rPr>
+              <a:t>dbo</a:t>
+            </a:r>
+            <a:r>
+              <a:rPr lang="en-US" sz="1400" dirty="0" err="1">
+                <a:solidFill>
+                  <a:srgbClr val="808080"/>
+                </a:solidFill>
+                <a:latin typeface="Consolas" panose="020B0609020204030204" pitchFamily="49" charset="0"/>
+              </a:rPr>
+              <a:t>.</a:t>
+            </a:r>
+            <a:r>
+              <a:rPr lang="en-US" sz="1400" dirty="0" err="1">
+                <a:solidFill>
+                  <a:srgbClr val="008080"/>
+                </a:solidFill>
+                <a:latin typeface="Consolas" panose="020B0609020204030204" pitchFamily="49" charset="0"/>
+              </a:rPr>
+              <a:t>Customer</a:t>
+            </a:r>
+            <a:r>
+              <a:rPr lang="en-US" sz="1400" dirty="0">
+                <a:solidFill>
+                  <a:prstClr val="black"/>
+                </a:solidFill>
+                <a:latin typeface="Consolas" panose="020B0609020204030204" pitchFamily="49" charset="0"/>
+              </a:rPr>
+              <a:t> </a:t>
+            </a:r>
+            <a:r>
+              <a:rPr lang="en-US" sz="1400" dirty="0" err="1">
+                <a:solidFill>
+                  <a:srgbClr val="008080"/>
+                </a:solidFill>
+                <a:latin typeface="Consolas" panose="020B0609020204030204" pitchFamily="49" charset="0"/>
+              </a:rPr>
+              <a:t>cust</a:t>
+            </a:r>
+            <a:endParaRPr lang="en-US" sz="1400" dirty="0">
+              <a:solidFill>
+                <a:prstClr val="black"/>
+              </a:solidFill>
+              <a:latin typeface="Consolas" panose="020B0609020204030204" pitchFamily="49" charset="0"/>
+            </a:endParaRPr>
+          </a:p>
+          <a:p>
+            <a:r>
+              <a:rPr lang="en-US" sz="1400" dirty="0">
+                <a:solidFill>
+                  <a:srgbClr val="0000FF"/>
+                </a:solidFill>
+                <a:latin typeface="Consolas" panose="020B0609020204030204" pitchFamily="49" charset="0"/>
+              </a:rPr>
+              <a:t>on</a:t>
+            </a:r>
+            <a:r>
+              <a:rPr lang="en-US" sz="1400" dirty="0">
+                <a:solidFill>
+                  <a:prstClr val="black"/>
+                </a:solidFill>
+                <a:latin typeface="Consolas" panose="020B0609020204030204" pitchFamily="49" charset="0"/>
+              </a:rPr>
+              <a:t> </a:t>
+            </a:r>
+            <a:r>
+              <a:rPr lang="en-US" sz="1400" dirty="0" err="1">
+                <a:solidFill>
+                  <a:srgbClr val="008080"/>
+                </a:solidFill>
+                <a:latin typeface="Consolas" panose="020B0609020204030204" pitchFamily="49" charset="0"/>
+              </a:rPr>
+              <a:t>oh</a:t>
+            </a:r>
+            <a:r>
+              <a:rPr lang="en-US" sz="1400" dirty="0" err="1">
+                <a:solidFill>
+                  <a:srgbClr val="808080"/>
+                </a:solidFill>
+                <a:latin typeface="Consolas" panose="020B0609020204030204" pitchFamily="49" charset="0"/>
+              </a:rPr>
+              <a:t>.</a:t>
+            </a:r>
+            <a:r>
+              <a:rPr lang="en-US" sz="1400" dirty="0" err="1">
+                <a:solidFill>
+                  <a:srgbClr val="008080"/>
+                </a:solidFill>
+                <a:latin typeface="Consolas" panose="020B0609020204030204" pitchFamily="49" charset="0"/>
+              </a:rPr>
+              <a:t>CustomerId</a:t>
+            </a:r>
+            <a:r>
+              <a:rPr lang="en-US" sz="1400" dirty="0">
+                <a:solidFill>
+                  <a:prstClr val="black"/>
+                </a:solidFill>
+                <a:latin typeface="Consolas" panose="020B0609020204030204" pitchFamily="49" charset="0"/>
+              </a:rPr>
+              <a:t> </a:t>
+            </a:r>
+            <a:r>
+              <a:rPr lang="en-US" sz="1400" dirty="0">
+                <a:solidFill>
+                  <a:srgbClr val="808080"/>
+                </a:solidFill>
+                <a:latin typeface="Consolas" panose="020B0609020204030204" pitchFamily="49" charset="0"/>
+              </a:rPr>
+              <a:t>=</a:t>
+            </a:r>
+            <a:r>
+              <a:rPr lang="en-US" sz="1400" dirty="0">
+                <a:solidFill>
+                  <a:prstClr val="black"/>
+                </a:solidFill>
+                <a:latin typeface="Consolas" panose="020B0609020204030204" pitchFamily="49" charset="0"/>
+              </a:rPr>
+              <a:t> </a:t>
+            </a:r>
+            <a:r>
+              <a:rPr lang="en-US" sz="1400" dirty="0" err="1">
+                <a:solidFill>
+                  <a:srgbClr val="008080"/>
+                </a:solidFill>
+                <a:latin typeface="Consolas" panose="020B0609020204030204" pitchFamily="49" charset="0"/>
+              </a:rPr>
+              <a:t>cust</a:t>
+            </a:r>
+            <a:r>
+              <a:rPr lang="en-US" sz="1400" dirty="0" err="1">
+                <a:solidFill>
+                  <a:srgbClr val="808080"/>
+                </a:solidFill>
+                <a:latin typeface="Consolas" panose="020B0609020204030204" pitchFamily="49" charset="0"/>
+              </a:rPr>
+              <a:t>.</a:t>
+            </a:r>
+            <a:r>
+              <a:rPr lang="en-US" sz="1400" dirty="0" err="1">
+                <a:solidFill>
+                  <a:srgbClr val="008080"/>
+                </a:solidFill>
+                <a:latin typeface="Consolas" panose="020B0609020204030204" pitchFamily="49" charset="0"/>
+              </a:rPr>
+              <a:t>CustomerID</a:t>
+            </a:r>
+            <a:endParaRPr lang="en-US" sz="1400" dirty="0">
+              <a:solidFill>
+                <a:prstClr val="black"/>
+              </a:solidFill>
+              <a:latin typeface="Consolas" panose="020B0609020204030204" pitchFamily="49" charset="0"/>
+            </a:endParaRPr>
+          </a:p>
+          <a:p>
+            <a:r>
+              <a:rPr lang="en-US" sz="1400" dirty="0">
+                <a:solidFill>
+                  <a:srgbClr val="0000FF"/>
+                </a:solidFill>
+                <a:latin typeface="Consolas" panose="020B0609020204030204" pitchFamily="49" charset="0"/>
+              </a:rPr>
+              <a:t>where</a:t>
+            </a:r>
+            <a:r>
+              <a:rPr lang="en-US" sz="1400" dirty="0">
+                <a:solidFill>
+                  <a:prstClr val="black"/>
+                </a:solidFill>
+                <a:latin typeface="Consolas" panose="020B0609020204030204" pitchFamily="49" charset="0"/>
+              </a:rPr>
+              <a:t> </a:t>
+            </a:r>
+            <a:r>
+              <a:rPr lang="en-US" sz="1400" dirty="0" err="1">
+                <a:solidFill>
+                  <a:srgbClr val="008080"/>
+                </a:solidFill>
+                <a:latin typeface="Consolas" panose="020B0609020204030204" pitchFamily="49" charset="0"/>
+              </a:rPr>
+              <a:t>cust</a:t>
+            </a:r>
+            <a:r>
+              <a:rPr lang="en-US" sz="1400" dirty="0" err="1">
+                <a:solidFill>
+                  <a:srgbClr val="808080"/>
+                </a:solidFill>
+                <a:latin typeface="Consolas" panose="020B0609020204030204" pitchFamily="49" charset="0"/>
+              </a:rPr>
+              <a:t>.</a:t>
+            </a:r>
+            <a:r>
+              <a:rPr lang="en-US" sz="1400" dirty="0" err="1">
+                <a:solidFill>
+                  <a:srgbClr val="0000FF"/>
+                </a:solidFill>
+                <a:latin typeface="Consolas" panose="020B0609020204030204" pitchFamily="49" charset="0"/>
+              </a:rPr>
+              <a:t>State</a:t>
+            </a:r>
+            <a:r>
+              <a:rPr lang="en-US" sz="1400" dirty="0">
+                <a:solidFill>
+                  <a:prstClr val="black"/>
+                </a:solidFill>
+                <a:latin typeface="Consolas" panose="020B0609020204030204" pitchFamily="49" charset="0"/>
+              </a:rPr>
+              <a:t> </a:t>
+            </a:r>
+            <a:r>
+              <a:rPr lang="en-US" sz="1400" dirty="0">
+                <a:solidFill>
+                  <a:srgbClr val="808080"/>
+                </a:solidFill>
+                <a:latin typeface="Consolas" panose="020B0609020204030204" pitchFamily="49" charset="0"/>
+              </a:rPr>
+              <a:t>=</a:t>
+            </a:r>
+            <a:r>
+              <a:rPr lang="en-US" sz="1400" dirty="0">
+                <a:solidFill>
+                  <a:prstClr val="black"/>
+                </a:solidFill>
+                <a:latin typeface="Consolas" panose="020B0609020204030204" pitchFamily="49" charset="0"/>
+              </a:rPr>
+              <a:t> </a:t>
+            </a:r>
+            <a:r>
+              <a:rPr lang="en-US" sz="1400" dirty="0" smtClean="0">
+                <a:solidFill>
+                  <a:srgbClr val="FF0000"/>
+                </a:solidFill>
+                <a:latin typeface="Consolas" panose="020B0609020204030204" pitchFamily="49" charset="0"/>
+              </a:rPr>
+              <a:t>'OK'</a:t>
+            </a:r>
+            <a:endParaRPr lang="en-US" sz="1400" dirty="0">
+              <a:solidFill>
+                <a:prstClr val="black"/>
+              </a:solidFill>
+              <a:latin typeface="Consolas" panose="020B0609020204030204" pitchFamily="49" charset="0"/>
+            </a:endParaRPr>
+          </a:p>
+          <a:p>
+            <a:r>
+              <a:rPr lang="en-US" sz="1400" dirty="0">
+                <a:solidFill>
+                  <a:srgbClr val="0000FF"/>
+                </a:solidFill>
+                <a:latin typeface="Consolas" panose="020B0609020204030204" pitchFamily="49" charset="0"/>
+              </a:rPr>
+              <a:t>group</a:t>
+            </a:r>
+            <a:r>
+              <a:rPr lang="en-US" sz="1400" dirty="0">
+                <a:solidFill>
+                  <a:prstClr val="black"/>
+                </a:solidFill>
+                <a:latin typeface="Consolas" panose="020B0609020204030204" pitchFamily="49" charset="0"/>
+              </a:rPr>
+              <a:t> </a:t>
+            </a:r>
+            <a:r>
+              <a:rPr lang="en-US" sz="1400" dirty="0">
+                <a:solidFill>
+                  <a:srgbClr val="0000FF"/>
+                </a:solidFill>
+                <a:latin typeface="Consolas" panose="020B0609020204030204" pitchFamily="49" charset="0"/>
+              </a:rPr>
+              <a:t>by</a:t>
+            </a:r>
+            <a:r>
+              <a:rPr lang="en-US" sz="1400" dirty="0">
+                <a:solidFill>
+                  <a:prstClr val="black"/>
+                </a:solidFill>
+                <a:latin typeface="Consolas" panose="020B0609020204030204" pitchFamily="49" charset="0"/>
+              </a:rPr>
+              <a:t> </a:t>
+            </a:r>
+            <a:r>
+              <a:rPr lang="en-US" sz="1400" dirty="0" err="1">
+                <a:solidFill>
+                  <a:srgbClr val="008080"/>
+                </a:solidFill>
+                <a:latin typeface="Consolas" panose="020B0609020204030204" pitchFamily="49" charset="0"/>
+              </a:rPr>
+              <a:t>od</a:t>
+            </a:r>
+            <a:r>
+              <a:rPr lang="en-US" sz="1400" dirty="0" err="1">
+                <a:solidFill>
+                  <a:srgbClr val="808080"/>
+                </a:solidFill>
+                <a:latin typeface="Consolas" panose="020B0609020204030204" pitchFamily="49" charset="0"/>
+              </a:rPr>
+              <a:t>.</a:t>
+            </a:r>
+            <a:r>
+              <a:rPr lang="en-US" sz="1400" dirty="0" err="1">
+                <a:solidFill>
+                  <a:srgbClr val="008080"/>
+                </a:solidFill>
+                <a:latin typeface="Consolas" panose="020B0609020204030204" pitchFamily="49" charset="0"/>
+              </a:rPr>
+              <a:t>ProductId</a:t>
+            </a:r>
+            <a:endParaRPr lang="en-US" sz="1400" dirty="0">
+              <a:solidFill>
+                <a:prstClr val="black"/>
+              </a:solidFill>
+              <a:latin typeface="Consolas" panose="020B0609020204030204" pitchFamily="49" charset="0"/>
+            </a:endParaRPr>
+          </a:p>
+          <a:p>
+            <a:r>
+              <a:rPr lang="en-US" sz="1400" dirty="0">
+                <a:solidFill>
+                  <a:srgbClr val="0000FF"/>
+                </a:solidFill>
+                <a:latin typeface="Consolas" panose="020B0609020204030204" pitchFamily="49" charset="0"/>
+              </a:rPr>
+              <a:t>having</a:t>
+            </a:r>
+            <a:r>
+              <a:rPr lang="en-US" sz="1400" dirty="0">
+                <a:solidFill>
+                  <a:prstClr val="black"/>
+                </a:solidFill>
+                <a:latin typeface="Consolas" panose="020B0609020204030204" pitchFamily="49" charset="0"/>
+              </a:rPr>
+              <a:t> </a:t>
+            </a:r>
+            <a:r>
+              <a:rPr lang="en-US" sz="1400" dirty="0">
+                <a:solidFill>
+                  <a:srgbClr val="FF00FF"/>
+                </a:solidFill>
+                <a:latin typeface="Consolas" panose="020B0609020204030204" pitchFamily="49" charset="0"/>
+              </a:rPr>
+              <a:t>sum</a:t>
+            </a:r>
+            <a:r>
+              <a:rPr lang="en-US" sz="1400" dirty="0">
+                <a:solidFill>
+                  <a:srgbClr val="808080"/>
+                </a:solidFill>
+                <a:latin typeface="Consolas" panose="020B0609020204030204" pitchFamily="49" charset="0"/>
+              </a:rPr>
+              <a:t>(</a:t>
+            </a:r>
+            <a:r>
+              <a:rPr lang="en-US" sz="1400" dirty="0" err="1">
+                <a:solidFill>
+                  <a:srgbClr val="008080"/>
+                </a:solidFill>
+                <a:latin typeface="Consolas" panose="020B0609020204030204" pitchFamily="49" charset="0"/>
+              </a:rPr>
+              <a:t>od</a:t>
+            </a:r>
+            <a:r>
+              <a:rPr lang="en-US" sz="1400" dirty="0" err="1">
+                <a:solidFill>
+                  <a:srgbClr val="808080"/>
+                </a:solidFill>
+                <a:latin typeface="Consolas" panose="020B0609020204030204" pitchFamily="49" charset="0"/>
+              </a:rPr>
+              <a:t>.</a:t>
+            </a:r>
+            <a:r>
+              <a:rPr lang="en-US" sz="1400" dirty="0" err="1">
+                <a:solidFill>
+                  <a:srgbClr val="008080"/>
+                </a:solidFill>
+                <a:latin typeface="Consolas" panose="020B0609020204030204" pitchFamily="49" charset="0"/>
+              </a:rPr>
+              <a:t>Quantity</a:t>
+            </a:r>
+            <a:r>
+              <a:rPr lang="en-US" sz="1400" dirty="0">
+                <a:solidFill>
+                  <a:srgbClr val="808080"/>
+                </a:solidFill>
+                <a:latin typeface="Consolas" panose="020B0609020204030204" pitchFamily="49" charset="0"/>
+              </a:rPr>
+              <a:t>)</a:t>
+            </a:r>
+            <a:r>
+              <a:rPr lang="en-US" sz="1400" dirty="0">
+                <a:solidFill>
+                  <a:prstClr val="black"/>
+                </a:solidFill>
+                <a:latin typeface="Consolas" panose="020B0609020204030204" pitchFamily="49" charset="0"/>
+              </a:rPr>
+              <a:t> </a:t>
+            </a:r>
+            <a:r>
+              <a:rPr lang="en-US" sz="1400" dirty="0">
+                <a:solidFill>
+                  <a:srgbClr val="808080"/>
+                </a:solidFill>
+                <a:latin typeface="Consolas" panose="020B0609020204030204" pitchFamily="49" charset="0"/>
+              </a:rPr>
+              <a:t>&gt;=</a:t>
+            </a:r>
+            <a:r>
+              <a:rPr lang="en-US" sz="1400" dirty="0">
+                <a:solidFill>
+                  <a:prstClr val="black"/>
+                </a:solidFill>
+                <a:latin typeface="Consolas" panose="020B0609020204030204" pitchFamily="49" charset="0"/>
+              </a:rPr>
+              <a:t> 20</a:t>
+            </a:r>
+          </a:p>
+          <a:p>
+            <a:r>
+              <a:rPr lang="en-US" sz="1400" dirty="0">
+                <a:solidFill>
+                  <a:srgbClr val="0000FF"/>
+                </a:solidFill>
+                <a:latin typeface="Consolas" panose="020B0609020204030204" pitchFamily="49" charset="0"/>
+              </a:rPr>
+              <a:t>order</a:t>
+            </a:r>
+            <a:r>
+              <a:rPr lang="en-US" sz="1400" dirty="0">
+                <a:solidFill>
+                  <a:prstClr val="black"/>
+                </a:solidFill>
+                <a:latin typeface="Consolas" panose="020B0609020204030204" pitchFamily="49" charset="0"/>
+              </a:rPr>
+              <a:t> </a:t>
+            </a:r>
+            <a:r>
+              <a:rPr lang="en-US" sz="1400" dirty="0">
+                <a:solidFill>
+                  <a:srgbClr val="0000FF"/>
+                </a:solidFill>
+                <a:latin typeface="Consolas" panose="020B0609020204030204" pitchFamily="49" charset="0"/>
+              </a:rPr>
+              <a:t>by</a:t>
+            </a:r>
+            <a:r>
+              <a:rPr lang="en-US" sz="1400" dirty="0">
+                <a:solidFill>
+                  <a:prstClr val="black"/>
+                </a:solidFill>
+                <a:latin typeface="Consolas" panose="020B0609020204030204" pitchFamily="49" charset="0"/>
+              </a:rPr>
+              <a:t> </a:t>
+            </a:r>
+            <a:r>
+              <a:rPr lang="en-US" sz="1400" dirty="0" err="1">
+                <a:solidFill>
+                  <a:srgbClr val="008080"/>
+                </a:solidFill>
+                <a:latin typeface="Consolas" panose="020B0609020204030204" pitchFamily="49" charset="0"/>
+              </a:rPr>
+              <a:t>od</a:t>
+            </a:r>
+            <a:r>
+              <a:rPr lang="en-US" sz="1400" dirty="0" err="1">
+                <a:solidFill>
+                  <a:srgbClr val="808080"/>
+                </a:solidFill>
+                <a:latin typeface="Consolas" panose="020B0609020204030204" pitchFamily="49" charset="0"/>
+              </a:rPr>
+              <a:t>.</a:t>
+            </a:r>
+            <a:r>
+              <a:rPr lang="en-US" sz="1400" dirty="0" err="1">
+                <a:solidFill>
+                  <a:srgbClr val="008080"/>
+                </a:solidFill>
+                <a:latin typeface="Consolas" panose="020B0609020204030204" pitchFamily="49" charset="0"/>
+              </a:rPr>
+              <a:t>ProductId</a:t>
+            </a:r>
+            <a:r>
+              <a:rPr lang="en-US" sz="1400" dirty="0">
+                <a:solidFill>
+                  <a:srgbClr val="808080"/>
+                </a:solidFill>
+                <a:latin typeface="Consolas" panose="020B0609020204030204" pitchFamily="49" charset="0"/>
+              </a:rPr>
+              <a:t>;</a:t>
+            </a:r>
+            <a:endParaRPr lang="en-US" sz="1400" dirty="0">
+              <a:solidFill>
+                <a:prstClr val="black"/>
+              </a:solidFill>
+              <a:latin typeface="Consolas" panose="020B0609020204030204" pitchFamily="49" charset="0"/>
+            </a:endParaRPr>
+          </a:p>
+        </p:txBody>
+      </p:sp>
+      <p:sp>
+        <p:nvSpPr>
+          <p:cNvPr id="6" name="Oval 5"/>
+          <p:cNvSpPr/>
+          <p:nvPr/>
+        </p:nvSpPr>
+        <p:spPr>
+          <a:xfrm>
+            <a:off x="8378792" y="542942"/>
+            <a:ext cx="616016" cy="606391"/>
+          </a:xfrm>
+          <a:prstGeom prst="ellipse">
+            <a:avLst/>
+          </a:prstGeom>
+        </p:spPr>
+        <p:style>
+          <a:lnRef idx="1">
+            <a:schemeClr val="accent1"/>
+          </a:lnRef>
+          <a:fillRef idx="3">
+            <a:schemeClr val="accent1"/>
+          </a:fillRef>
+          <a:effectRef idx="2">
+            <a:schemeClr val="accent1"/>
+          </a:effectRef>
+          <a:fontRef idx="minor">
+            <a:schemeClr val="lt1"/>
+          </a:fontRef>
+        </p:style>
+        <p:txBody>
+          <a:bodyPr rtlCol="0" anchor="ctr"/>
+          <a:lstStyle/>
+          <a:p>
+            <a:pPr algn="ctr"/>
+            <a:r>
+              <a:rPr lang="en-US" sz="1600" dirty="0"/>
+              <a:t>11</a:t>
+            </a:r>
+          </a:p>
+        </p:txBody>
+      </p:sp>
+      <p:pic>
+        <p:nvPicPr>
+          <p:cNvPr id="4" name="Picture 3"/>
+          <p:cNvPicPr>
+            <a:picLocks noChangeAspect="1"/>
+          </p:cNvPicPr>
+          <p:nvPr/>
+        </p:nvPicPr>
+        <p:blipFill>
+          <a:blip r:embed="rId3"/>
+          <a:stretch>
+            <a:fillRect/>
+          </a:stretch>
+        </p:blipFill>
+        <p:spPr>
+          <a:xfrm>
+            <a:off x="3247268" y="542942"/>
+            <a:ext cx="5439532" cy="5681438"/>
+          </a:xfrm>
+          <a:prstGeom prst="rect">
+            <a:avLst/>
+          </a:prstGeom>
+        </p:spPr>
+      </p:pic>
+    </p:spTree>
+    <p:extLst>
+      <p:ext uri="{BB962C8B-B14F-4D97-AF65-F5344CB8AC3E}">
+        <p14:creationId xmlns:p14="http://schemas.microsoft.com/office/powerpoint/2010/main" val="1751467117"/>
+      </p:ext>
+    </p:extLst>
+  </p:cSld>
+  <p:clrMapOvr>
+    <a:masterClrMapping/>
+  </p:clrMapOvr>
+</p:sld>
+</file>
+
+<file path=ppt/slides/slide51.xml><?xml version="1.0" encoding="utf-8"?>
+<p:sld xmlns:a="http://schemas.openxmlformats.org/drawingml/2006/main" xmlns:r="http://schemas.openxmlformats.org/officeDocument/2006/relationships" xmlns:p="http://schemas.openxmlformats.org/presentationml/2006/main">
+  <p:cSld>
+    <p:spTree>
+      <p:nvGrpSpPr>
+        <p:cNvPr id="1" name=""/>
+        <p:cNvGrpSpPr/>
+        <p:nvPr/>
+      </p:nvGrpSpPr>
+      <p:grpSpPr>
+        <a:xfrm>
+          <a:off x="0" y="0"/>
+          <a:ext cx="0" cy="0"/>
+          <a:chOff x="0" y="0"/>
+          <a:chExt cx="0" cy="0"/>
+        </a:xfrm>
+      </p:grpSpPr>
+      <p:sp>
+        <p:nvSpPr>
+          <p:cNvPr id="2" name="Title 1"/>
+          <p:cNvSpPr>
+            <a:spLocks noGrp="1"/>
+          </p:cNvSpPr>
+          <p:nvPr>
+            <p:ph type="title"/>
+          </p:nvPr>
+        </p:nvSpPr>
+        <p:spPr/>
+        <p:txBody>
+          <a:bodyPr/>
+          <a:lstStyle/>
+          <a:p>
+            <a:r>
+              <a:rPr lang="en-US" dirty="0"/>
+              <a:t>Memo Structure</a:t>
+            </a:r>
+          </a:p>
+        </p:txBody>
+      </p:sp>
+      <p:sp>
+        <p:nvSpPr>
+          <p:cNvPr id="3" name="Content Placeholder 2"/>
+          <p:cNvSpPr>
+            <a:spLocks noGrp="1"/>
+          </p:cNvSpPr>
+          <p:nvPr>
+            <p:ph idx="1"/>
+          </p:nvPr>
+        </p:nvSpPr>
+        <p:spPr/>
+        <p:txBody>
+          <a:bodyPr/>
+          <a:lstStyle/>
+          <a:p>
+            <a:r>
+              <a:rPr lang="en-US" dirty="0"/>
+              <a:t>Used to explore different alternatives to a portion of the query tree</a:t>
+            </a:r>
+          </a:p>
+          <a:p>
+            <a:r>
+              <a:rPr lang="en-US" dirty="0"/>
+              <a:t>Can think of it as a matrix</a:t>
+            </a:r>
+          </a:p>
+          <a:p>
+            <a:pPr lvl="1"/>
+            <a:r>
+              <a:rPr lang="en-US" dirty="0"/>
+              <a:t>Rows (groups) represent substitutes – each entry is logically equivalent</a:t>
+            </a:r>
+          </a:p>
+          <a:p>
+            <a:pPr lvl="1"/>
+            <a:r>
+              <a:rPr lang="en-US" dirty="0"/>
+              <a:t>Columns represent application of a transformation rule</a:t>
+            </a:r>
+          </a:p>
+          <a:p>
+            <a:r>
+              <a:rPr lang="en-US" dirty="0"/>
+              <a:t>Each entry is hashed to prevent duplication</a:t>
+            </a:r>
+          </a:p>
+          <a:p>
+            <a:r>
+              <a:rPr lang="en-US" dirty="0"/>
+              <a:t>Physical substitutes are costed</a:t>
+            </a:r>
+          </a:p>
+        </p:txBody>
+      </p:sp>
+    </p:spTree>
+    <p:extLst>
+      <p:ext uri="{BB962C8B-B14F-4D97-AF65-F5344CB8AC3E}">
+        <p14:creationId xmlns:p14="http://schemas.microsoft.com/office/powerpoint/2010/main" val="3817045267"/>
+      </p:ext>
+    </p:extLst>
+  </p:cSld>
+  <p:clrMapOvr>
+    <a:masterClrMapping/>
+  </p:clrMapOvr>
+</p:sld>
+</file>
+
+<file path=ppt/slides/slide52.xml><?xml version="1.0" encoding="utf-8"?>
 <p:sld xmlns:a="http://schemas.openxmlformats.org/drawingml/2006/main" xmlns:r="http://schemas.openxmlformats.org/officeDocument/2006/relationships" xmlns:p="http://schemas.openxmlformats.org/presentationml/2006/main">
   <p:cSld>
     <p:spTree>
@@ -33800,7 +36596,7 @@
 </p:sld>
 </file>
 
-<file path=ppt/slides/slide51.xml><?xml version="1.0" encoding="utf-8"?>
+<file path=ppt/slides/slide53.xml><?xml version="1.0" encoding="utf-8"?>
 <p:sld xmlns:a="http://schemas.openxmlformats.org/drawingml/2006/main" xmlns:r="http://schemas.openxmlformats.org/officeDocument/2006/relationships" xmlns:p="http://schemas.openxmlformats.org/presentationml/2006/main">
   <p:cSld>
     <p:spTree>
@@ -34775,7 +37571,7 @@
 </p:sld>
 </file>
 
-<file path=ppt/slides/slide52.xml><?xml version="1.0" encoding="utf-8"?>
+<file path=ppt/slides/slide54.xml><?xml version="1.0" encoding="utf-8"?>
 <p:sld xmlns:a="http://schemas.openxmlformats.org/drawingml/2006/main" xmlns:r="http://schemas.openxmlformats.org/officeDocument/2006/relationships" xmlns:p="http://schemas.openxmlformats.org/presentationml/2006/main">
   <p:cSld>
     <p:spTree>
@@ -36016,7 +38812,7 @@
 </p:sld>
 </file>
 
-<file path=ppt/slides/slide53.xml><?xml version="1.0" encoding="utf-8"?>
+<file path=ppt/slides/slide55.xml><?xml version="1.0" encoding="utf-8"?>
 <p:sld xmlns:a="http://schemas.openxmlformats.org/drawingml/2006/main" xmlns:r="http://schemas.openxmlformats.org/officeDocument/2006/relationships" xmlns:p="http://schemas.openxmlformats.org/presentationml/2006/main">
   <p:cSld>
     <p:spTree>
@@ -36162,7 +38958,7 @@
 </p:sld>
 </file>
 
-<file path=ppt/slides/slide54.xml><?xml version="1.0" encoding="utf-8"?>
+<file path=ppt/slides/slide56.xml><?xml version="1.0" encoding="utf-8"?>
 <p:sld xmlns:a="http://schemas.openxmlformats.org/drawingml/2006/main" xmlns:r="http://schemas.openxmlformats.org/officeDocument/2006/relationships" xmlns:p="http://schemas.openxmlformats.org/presentationml/2006/main">
   <p:cSld>
     <p:spTree>
@@ -36290,7 +39086,7 @@
 </p:sld>
 </file>
 
-<file path=ppt/slides/slide55.xml><?xml version="1.0" encoding="utf-8"?>
+<file path=ppt/slides/slide57.xml><?xml version="1.0" encoding="utf-8"?>
 <p:sld xmlns:a="http://schemas.openxmlformats.org/drawingml/2006/main" xmlns:r="http://schemas.openxmlformats.org/officeDocument/2006/relationships" xmlns:p="http://schemas.openxmlformats.org/presentationml/2006/main">
   <p:cSld>
     <p:spTree>
@@ -36361,7 +39157,7 @@
 </p:sld>
 </file>
 
-<file path=ppt/slides/slide56.xml><?xml version="1.0" encoding="utf-8"?>
+<file path=ppt/slides/slide58.xml><?xml version="1.0" encoding="utf-8"?>
 <p:sld xmlns:a="http://schemas.openxmlformats.org/drawingml/2006/main" xmlns:r="http://schemas.openxmlformats.org/officeDocument/2006/relationships" xmlns:p="http://schemas.openxmlformats.org/presentationml/2006/main">
   <p:cSld>
     <p:spTree>
@@ -36808,7 +39604,7 @@
 </p:sld>
 </file>
 
-<file path=ppt/slides/slide57.xml><?xml version="1.0" encoding="utf-8"?>
+<file path=ppt/slides/slide59.xml><?xml version="1.0" encoding="utf-8"?>
 <p:sld xmlns:a="http://schemas.openxmlformats.org/drawingml/2006/main" xmlns:r="http://schemas.openxmlformats.org/officeDocument/2006/relationships" xmlns:p="http://schemas.openxmlformats.org/presentationml/2006/main">
   <p:cSld>
     <p:spTree>
@@ -37320,289 +40116,6 @@
 </p:sld>
 </file>
 
-<file path=ppt/slides/slide58.xml><?xml version="1.0" encoding="utf-8"?>
-<p:sld xmlns:a="http://schemas.openxmlformats.org/drawingml/2006/main" xmlns:r="http://schemas.openxmlformats.org/officeDocument/2006/relationships" xmlns:p="http://schemas.openxmlformats.org/presentationml/2006/main">
-  <p:cSld>
-    <p:spTree>
-      <p:nvGrpSpPr>
-        <p:cNvPr id="1" name=""/>
-        <p:cNvGrpSpPr/>
-        <p:nvPr/>
-      </p:nvGrpSpPr>
-      <p:grpSpPr>
-        <a:xfrm>
-          <a:off x="0" y="0"/>
-          <a:ext cx="0" cy="0"/>
-          <a:chOff x="0" y="0"/>
-          <a:chExt cx="0" cy="0"/>
-        </a:xfrm>
-      </p:grpSpPr>
-      <p:sp>
-        <p:nvSpPr>
-          <p:cNvPr id="2" name="Title 1"/>
-          <p:cNvSpPr>
-            <a:spLocks noGrp="1"/>
-          </p:cNvSpPr>
-          <p:nvPr>
-            <p:ph type="title"/>
-          </p:nvPr>
-        </p:nvSpPr>
-        <p:spPr/>
-        <p:txBody>
-          <a:bodyPr/>
-          <a:lstStyle/>
-          <a:p>
-            <a:r>
-              <a:rPr lang="en-US" dirty="0"/>
-              <a:t>Appendix: Commands</a:t>
-            </a:r>
-          </a:p>
-        </p:txBody>
-      </p:sp>
-      <p:sp>
-        <p:nvSpPr>
-          <p:cNvPr id="3" name="Content Placeholder 2"/>
-          <p:cNvSpPr>
-            <a:spLocks noGrp="1"/>
-          </p:cNvSpPr>
-          <p:nvPr>
-            <p:ph idx="1"/>
-          </p:nvPr>
-        </p:nvSpPr>
-        <p:spPr/>
-        <p:txBody>
-          <a:bodyPr/>
-          <a:lstStyle/>
-          <a:p>
-            <a:r>
-              <a:rPr lang="en-US" dirty="0"/>
-              <a:t>DBCC TRACEON / TRACEOFF</a:t>
-            </a:r>
-          </a:p>
-          <a:p>
-            <a:r>
-              <a:rPr lang="en-US" dirty="0"/>
-              <a:t>DBCC RULEON / RULEOFF</a:t>
-            </a:r>
-          </a:p>
-          <a:p>
-            <a:r>
-              <a:rPr lang="en-US" dirty="0"/>
-              <a:t>DBCC SHOWONRULES</a:t>
-            </a:r>
-          </a:p>
-          <a:p>
-            <a:r>
-              <a:rPr lang="en-US" dirty="0"/>
-              <a:t>DBCC SHOWOFFRULES</a:t>
-            </a:r>
-          </a:p>
-          <a:p>
-            <a:r>
-              <a:rPr lang="en-US" dirty="0"/>
-              <a:t>option (recompile, </a:t>
-            </a:r>
-            <a:r>
-              <a:rPr lang="en-US" dirty="0" err="1"/>
-              <a:t>querytraceon</a:t>
-            </a:r>
-            <a:r>
-              <a:rPr lang="en-US" dirty="0"/>
-              <a:t> ####)</a:t>
-            </a:r>
-          </a:p>
-          <a:p>
-            <a:r>
-              <a:rPr lang="en-US" dirty="0" err="1"/>
-              <a:t>sys.dm_exec_query_optimizer_info</a:t>
-            </a:r>
-            <a:endParaRPr lang="en-US" dirty="0"/>
-          </a:p>
-          <a:p>
-            <a:r>
-              <a:rPr lang="en-US" dirty="0" err="1"/>
-              <a:t>sys.dm_exec_query_transformation_stats</a:t>
-            </a:r>
-            <a:endParaRPr lang="en-US" dirty="0"/>
-          </a:p>
-        </p:txBody>
-      </p:sp>
-    </p:spTree>
-    <p:extLst>
-      <p:ext uri="{BB962C8B-B14F-4D97-AF65-F5344CB8AC3E}">
-        <p14:creationId xmlns:p14="http://schemas.microsoft.com/office/powerpoint/2010/main" val="400255049"/>
-      </p:ext>
-    </p:extLst>
-  </p:cSld>
-  <p:clrMapOvr>
-    <a:masterClrMapping/>
-  </p:clrMapOvr>
-</p:sld>
-</file>
-
-<file path=ppt/slides/slide59.xml><?xml version="1.0" encoding="utf-8"?>
-<p:sld xmlns:a="http://schemas.openxmlformats.org/drawingml/2006/main" xmlns:r="http://schemas.openxmlformats.org/officeDocument/2006/relationships" xmlns:p="http://schemas.openxmlformats.org/presentationml/2006/main">
-  <p:cSld>
-    <p:spTree>
-      <p:nvGrpSpPr>
-        <p:cNvPr id="1" name=""/>
-        <p:cNvGrpSpPr/>
-        <p:nvPr/>
-      </p:nvGrpSpPr>
-      <p:grpSpPr>
-        <a:xfrm>
-          <a:off x="0" y="0"/>
-          <a:ext cx="0" cy="0"/>
-          <a:chOff x="0" y="0"/>
-          <a:chExt cx="0" cy="0"/>
-        </a:xfrm>
-      </p:grpSpPr>
-      <p:sp>
-        <p:nvSpPr>
-          <p:cNvPr id="2" name="Title 1"/>
-          <p:cNvSpPr>
-            <a:spLocks noGrp="1"/>
-          </p:cNvSpPr>
-          <p:nvPr>
-            <p:ph type="title"/>
-          </p:nvPr>
-        </p:nvSpPr>
-        <p:spPr/>
-        <p:txBody>
-          <a:bodyPr/>
-          <a:lstStyle/>
-          <a:p>
-            <a:r>
-              <a:rPr lang="en-US" dirty="0"/>
-              <a:t>Appendix: History of SQL’s Optimizer</a:t>
-            </a:r>
-          </a:p>
-        </p:txBody>
-      </p:sp>
-      <p:sp>
-        <p:nvSpPr>
-          <p:cNvPr id="3" name="Content Placeholder 2"/>
-          <p:cNvSpPr>
-            <a:spLocks noGrp="1"/>
-          </p:cNvSpPr>
-          <p:nvPr>
-            <p:ph idx="1"/>
-          </p:nvPr>
-        </p:nvSpPr>
-        <p:spPr/>
-        <p:txBody>
-          <a:bodyPr/>
-          <a:lstStyle/>
-          <a:p>
-            <a:r>
-              <a:rPr lang="en-US" dirty="0"/>
-              <a:t>Volcano Optimizer (April 1993) (</a:t>
-            </a:r>
-            <a:r>
-              <a:rPr lang="en-US" dirty="0">
-                <a:hlinkClick r:id="rId2"/>
-              </a:rPr>
-              <a:t>PDF</a:t>
-            </a:r>
-            <a:r>
-              <a:rPr lang="en-US" dirty="0"/>
-              <a:t>)</a:t>
-            </a:r>
-          </a:p>
-          <a:p>
-            <a:pPr lvl="1"/>
-            <a:r>
-              <a:rPr lang="en-US" dirty="0"/>
-              <a:t>Goetz </a:t>
-            </a:r>
-            <a:r>
-              <a:rPr lang="en-US" dirty="0" err="1"/>
-              <a:t>Graefe</a:t>
-            </a:r>
-            <a:r>
-              <a:rPr lang="en-US" dirty="0"/>
-              <a:t>, William J. McKenna</a:t>
-            </a:r>
-          </a:p>
-          <a:p>
-            <a:pPr lvl="1"/>
-            <a:r>
-              <a:rPr lang="en-US" dirty="0"/>
-              <a:t>Based on </a:t>
-            </a:r>
-            <a:r>
-              <a:rPr lang="en-US" dirty="0" err="1"/>
-              <a:t>Graefe’s</a:t>
-            </a:r>
-            <a:r>
-              <a:rPr lang="en-US" dirty="0"/>
-              <a:t> earlier Exodus Optimizer</a:t>
-            </a:r>
-          </a:p>
-          <a:p>
-            <a:r>
-              <a:rPr lang="en-US" dirty="0"/>
-              <a:t>Cascades Framework (1995) (</a:t>
-            </a:r>
-            <a:r>
-              <a:rPr lang="en-US" dirty="0">
-                <a:hlinkClick r:id="rId3"/>
-              </a:rPr>
-              <a:t>PDF</a:t>
-            </a:r>
-            <a:r>
-              <a:rPr lang="en-US" dirty="0"/>
-              <a:t>)</a:t>
-            </a:r>
-          </a:p>
-          <a:p>
-            <a:pPr lvl="1"/>
-            <a:r>
-              <a:rPr lang="en-US" dirty="0"/>
-              <a:t>Goetz </a:t>
-            </a:r>
-            <a:r>
-              <a:rPr lang="en-US" dirty="0" err="1"/>
-              <a:t>Graefe</a:t>
-            </a:r>
-            <a:endParaRPr lang="en-US" dirty="0"/>
-          </a:p>
-          <a:p>
-            <a:pPr lvl="1"/>
-            <a:r>
-              <a:rPr lang="en-US" dirty="0"/>
-              <a:t>Refinement of the Volcano Optimizer</a:t>
-            </a:r>
-          </a:p>
-          <a:p>
-            <a:pPr lvl="1"/>
-            <a:r>
-              <a:rPr lang="en-US" dirty="0"/>
-              <a:t>Basis for rewritten optimizer in SQL Server 7.0</a:t>
-            </a:r>
-          </a:p>
-          <a:p>
-            <a:pPr lvl="1"/>
-            <a:r>
-              <a:rPr lang="en-US" dirty="0"/>
-              <a:t>Major innovation: the memo structure</a:t>
-            </a:r>
-          </a:p>
-        </p:txBody>
-      </p:sp>
-    </p:spTree>
-    <p:extLst>
-      <p:ext uri="{BB962C8B-B14F-4D97-AF65-F5344CB8AC3E}">
-        <p14:creationId xmlns:p14="http://schemas.microsoft.com/office/powerpoint/2010/main" val="4044722762"/>
-      </p:ext>
-    </p:extLst>
-  </p:cSld>
-  <p:clrMapOvr>
-    <a:masterClrMapping/>
-  </p:clrMapOvr>
-</p:sld>
-</file>
-
 <file path=ppt/slides/slide6.xml><?xml version="1.0" encoding="utf-8"?>
 <p:sld xmlns:a="http://schemas.openxmlformats.org/drawingml/2006/main" xmlns:r="http://schemas.openxmlformats.org/officeDocument/2006/relationships" xmlns:p="http://schemas.openxmlformats.org/presentationml/2006/main">
   <p:cSld>
@@ -38259,6 +40772,289 @@
           <a:p>
             <a:r>
               <a:rPr lang="en-US" dirty="0"/>
+              <a:t>Appendix: Commands</a:t>
+            </a:r>
+          </a:p>
+        </p:txBody>
+      </p:sp>
+      <p:sp>
+        <p:nvSpPr>
+          <p:cNvPr id="3" name="Content Placeholder 2"/>
+          <p:cNvSpPr>
+            <a:spLocks noGrp="1"/>
+          </p:cNvSpPr>
+          <p:nvPr>
+            <p:ph idx="1"/>
+          </p:nvPr>
+        </p:nvSpPr>
+        <p:spPr/>
+        <p:txBody>
+          <a:bodyPr/>
+          <a:lstStyle/>
+          <a:p>
+            <a:r>
+              <a:rPr lang="en-US" dirty="0"/>
+              <a:t>DBCC TRACEON / TRACEOFF</a:t>
+            </a:r>
+          </a:p>
+          <a:p>
+            <a:r>
+              <a:rPr lang="en-US" dirty="0"/>
+              <a:t>DBCC RULEON / RULEOFF</a:t>
+            </a:r>
+          </a:p>
+          <a:p>
+            <a:r>
+              <a:rPr lang="en-US" dirty="0"/>
+              <a:t>DBCC SHOWONRULES</a:t>
+            </a:r>
+          </a:p>
+          <a:p>
+            <a:r>
+              <a:rPr lang="en-US" dirty="0"/>
+              <a:t>DBCC SHOWOFFRULES</a:t>
+            </a:r>
+          </a:p>
+          <a:p>
+            <a:r>
+              <a:rPr lang="en-US" dirty="0"/>
+              <a:t>option (recompile, </a:t>
+            </a:r>
+            <a:r>
+              <a:rPr lang="en-US" dirty="0" err="1"/>
+              <a:t>querytraceon</a:t>
+            </a:r>
+            <a:r>
+              <a:rPr lang="en-US" dirty="0"/>
+              <a:t> ####)</a:t>
+            </a:r>
+          </a:p>
+          <a:p>
+            <a:r>
+              <a:rPr lang="en-US" dirty="0" err="1"/>
+              <a:t>sys.dm_exec_query_optimizer_info</a:t>
+            </a:r>
+            <a:endParaRPr lang="en-US" dirty="0"/>
+          </a:p>
+          <a:p>
+            <a:r>
+              <a:rPr lang="en-US" dirty="0" err="1"/>
+              <a:t>sys.dm_exec_query_transformation_stats</a:t>
+            </a:r>
+            <a:endParaRPr lang="en-US" dirty="0"/>
+          </a:p>
+        </p:txBody>
+      </p:sp>
+    </p:spTree>
+    <p:extLst>
+      <p:ext uri="{BB962C8B-B14F-4D97-AF65-F5344CB8AC3E}">
+        <p14:creationId xmlns:p14="http://schemas.microsoft.com/office/powerpoint/2010/main" val="400255049"/>
+      </p:ext>
+    </p:extLst>
+  </p:cSld>
+  <p:clrMapOvr>
+    <a:masterClrMapping/>
+  </p:clrMapOvr>
+</p:sld>
+</file>
+
+<file path=ppt/slides/slide61.xml><?xml version="1.0" encoding="utf-8"?>
+<p:sld xmlns:a="http://schemas.openxmlformats.org/drawingml/2006/main" xmlns:r="http://schemas.openxmlformats.org/officeDocument/2006/relationships" xmlns:p="http://schemas.openxmlformats.org/presentationml/2006/main">
+  <p:cSld>
+    <p:spTree>
+      <p:nvGrpSpPr>
+        <p:cNvPr id="1" name=""/>
+        <p:cNvGrpSpPr/>
+        <p:nvPr/>
+      </p:nvGrpSpPr>
+      <p:grpSpPr>
+        <a:xfrm>
+          <a:off x="0" y="0"/>
+          <a:ext cx="0" cy="0"/>
+          <a:chOff x="0" y="0"/>
+          <a:chExt cx="0" cy="0"/>
+        </a:xfrm>
+      </p:grpSpPr>
+      <p:sp>
+        <p:nvSpPr>
+          <p:cNvPr id="2" name="Title 1"/>
+          <p:cNvSpPr>
+            <a:spLocks noGrp="1"/>
+          </p:cNvSpPr>
+          <p:nvPr>
+            <p:ph type="title"/>
+          </p:nvPr>
+        </p:nvSpPr>
+        <p:spPr/>
+        <p:txBody>
+          <a:bodyPr/>
+          <a:lstStyle/>
+          <a:p>
+            <a:r>
+              <a:rPr lang="en-US" dirty="0"/>
+              <a:t>Appendix: History of SQL’s Optimizer</a:t>
+            </a:r>
+          </a:p>
+        </p:txBody>
+      </p:sp>
+      <p:sp>
+        <p:nvSpPr>
+          <p:cNvPr id="3" name="Content Placeholder 2"/>
+          <p:cNvSpPr>
+            <a:spLocks noGrp="1"/>
+          </p:cNvSpPr>
+          <p:nvPr>
+            <p:ph idx="1"/>
+          </p:nvPr>
+        </p:nvSpPr>
+        <p:spPr/>
+        <p:txBody>
+          <a:bodyPr/>
+          <a:lstStyle/>
+          <a:p>
+            <a:r>
+              <a:rPr lang="en-US" dirty="0"/>
+              <a:t>Volcano Optimizer (April 1993) (</a:t>
+            </a:r>
+            <a:r>
+              <a:rPr lang="en-US" dirty="0">
+                <a:hlinkClick r:id="rId2"/>
+              </a:rPr>
+              <a:t>PDF</a:t>
+            </a:r>
+            <a:r>
+              <a:rPr lang="en-US" dirty="0"/>
+              <a:t>)</a:t>
+            </a:r>
+          </a:p>
+          <a:p>
+            <a:pPr lvl="1"/>
+            <a:r>
+              <a:rPr lang="en-US" dirty="0"/>
+              <a:t>Goetz </a:t>
+            </a:r>
+            <a:r>
+              <a:rPr lang="en-US" dirty="0" err="1"/>
+              <a:t>Graefe</a:t>
+            </a:r>
+            <a:r>
+              <a:rPr lang="en-US" dirty="0"/>
+              <a:t>, William J. McKenna</a:t>
+            </a:r>
+          </a:p>
+          <a:p>
+            <a:pPr lvl="1"/>
+            <a:r>
+              <a:rPr lang="en-US" dirty="0"/>
+              <a:t>Based on </a:t>
+            </a:r>
+            <a:r>
+              <a:rPr lang="en-US" dirty="0" err="1"/>
+              <a:t>Graefe’s</a:t>
+            </a:r>
+            <a:r>
+              <a:rPr lang="en-US" dirty="0"/>
+              <a:t> earlier Exodus Optimizer</a:t>
+            </a:r>
+          </a:p>
+          <a:p>
+            <a:r>
+              <a:rPr lang="en-US" dirty="0"/>
+              <a:t>Cascades Framework (1995) (</a:t>
+            </a:r>
+            <a:r>
+              <a:rPr lang="en-US" dirty="0">
+                <a:hlinkClick r:id="rId3"/>
+              </a:rPr>
+              <a:t>PDF</a:t>
+            </a:r>
+            <a:r>
+              <a:rPr lang="en-US" dirty="0"/>
+              <a:t>)</a:t>
+            </a:r>
+          </a:p>
+          <a:p>
+            <a:pPr lvl="1"/>
+            <a:r>
+              <a:rPr lang="en-US" dirty="0"/>
+              <a:t>Goetz </a:t>
+            </a:r>
+            <a:r>
+              <a:rPr lang="en-US" dirty="0" err="1"/>
+              <a:t>Graefe</a:t>
+            </a:r>
+            <a:endParaRPr lang="en-US" dirty="0"/>
+          </a:p>
+          <a:p>
+            <a:pPr lvl="1"/>
+            <a:r>
+              <a:rPr lang="en-US" dirty="0"/>
+              <a:t>Refinement of the Volcano Optimizer</a:t>
+            </a:r>
+          </a:p>
+          <a:p>
+            <a:pPr lvl="1"/>
+            <a:r>
+              <a:rPr lang="en-US" dirty="0"/>
+              <a:t>Basis for rewritten optimizer in SQL Server 7.0</a:t>
+            </a:r>
+          </a:p>
+          <a:p>
+            <a:pPr lvl="1"/>
+            <a:r>
+              <a:rPr lang="en-US" dirty="0"/>
+              <a:t>Major innovation: the memo structure</a:t>
+            </a:r>
+          </a:p>
+        </p:txBody>
+      </p:sp>
+    </p:spTree>
+    <p:extLst>
+      <p:ext uri="{BB962C8B-B14F-4D97-AF65-F5344CB8AC3E}">
+        <p14:creationId xmlns:p14="http://schemas.microsoft.com/office/powerpoint/2010/main" val="4044722762"/>
+      </p:ext>
+    </p:extLst>
+  </p:cSld>
+  <p:clrMapOvr>
+    <a:masterClrMapping/>
+  </p:clrMapOvr>
+</p:sld>
+</file>
+
+<file path=ppt/slides/slide62.xml><?xml version="1.0" encoding="utf-8"?>
+<p:sld xmlns:a="http://schemas.openxmlformats.org/drawingml/2006/main" xmlns:r="http://schemas.openxmlformats.org/officeDocument/2006/relationships" xmlns:p="http://schemas.openxmlformats.org/presentationml/2006/main">
+  <p:cSld>
+    <p:spTree>
+      <p:nvGrpSpPr>
+        <p:cNvPr id="1" name=""/>
+        <p:cNvGrpSpPr/>
+        <p:nvPr/>
+      </p:nvGrpSpPr>
+      <p:grpSpPr>
+        <a:xfrm>
+          <a:off x="0" y="0"/>
+          <a:ext cx="0" cy="0"/>
+          <a:chOff x="0" y="0"/>
+          <a:chExt cx="0" cy="0"/>
+        </a:xfrm>
+      </p:grpSpPr>
+      <p:sp>
+        <p:nvSpPr>
+          <p:cNvPr id="2" name="Title 1"/>
+          <p:cNvSpPr>
+            <a:spLocks noGrp="1"/>
+          </p:cNvSpPr>
+          <p:nvPr>
+            <p:ph type="title"/>
+          </p:nvPr>
+        </p:nvSpPr>
+        <p:spPr/>
+        <p:txBody>
+          <a:bodyPr/>
+          <a:lstStyle/>
+          <a:p>
+            <a:r>
+              <a:rPr lang="en-US" dirty="0"/>
               <a:t>References</a:t>
             </a:r>
           </a:p>
@@ -38392,7 +41188,7 @@
 </p:sld>
 </file>
 
-<file path=ppt/slides/slide61.xml><?xml version="1.0" encoding="utf-8"?>
+<file path=ppt/slides/slide63.xml><?xml version="1.0" encoding="utf-8"?>
 <p:sld xmlns:a="http://schemas.openxmlformats.org/drawingml/2006/main" xmlns:r="http://schemas.openxmlformats.org/officeDocument/2006/relationships" xmlns:p="http://schemas.openxmlformats.org/presentationml/2006/main">
   <p:cSld>
     <p:spTree>

--- a/Optimizer.pptx
+++ b/Optimizer.pptx
@@ -12976,8 +12976,13 @@
             </a:pPr>
             <a:r>
               <a:rPr lang="en-US" sz="3000" dirty="0"/>
-              <a:t>This is result table R2</a:t>
-            </a:r>
+              <a:t>This is result table </a:t>
+            </a:r>
+            <a:r>
+              <a:rPr lang="en-US" sz="3000" dirty="0" smtClean="0"/>
+              <a:t>R3</a:t>
+            </a:r>
+            <a:endParaRPr lang="en-US" sz="3000" dirty="0"/>
           </a:p>
         </p:txBody>
       </p:sp>
@@ -15410,8 +15415,21 @@
             </a:pPr>
             <a:r>
               <a:rPr lang="en-US" sz="3000" dirty="0"/>
-              <a:t>Find rows in R4 where State = ‘SD’</a:t>
-            </a:r>
+              <a:t>Find rows in R4 where State = </a:t>
+            </a:r>
+            <a:r>
+              <a:rPr lang="en-US" sz="3000" dirty="0" smtClean="0"/>
+              <a:t>‘</a:t>
+            </a:r>
+            <a:r>
+              <a:rPr lang="en-US" sz="3000" dirty="0" smtClean="0"/>
+              <a:t>OK</a:t>
+            </a:r>
+            <a:r>
+              <a:rPr lang="en-US" sz="3000" dirty="0" smtClean="0"/>
+              <a:t>’</a:t>
+            </a:r>
+            <a:endParaRPr lang="en-US" sz="3000" dirty="0"/>
           </a:p>
           <a:p>
             <a:pPr marL="457200" indent="-457200">
@@ -15420,7 +15438,15 @@
             </a:pPr>
             <a:r>
               <a:rPr lang="en-US" sz="3000" dirty="0"/>
-              <a:t>Result is 1,961 rows / </a:t>
+              <a:t>Result is </a:t>
+            </a:r>
+            <a:r>
+              <a:rPr lang="en-US" sz="3000" dirty="0" smtClean="0"/>
+              <a:t>8,612 </a:t>
+            </a:r>
+            <a:r>
+              <a:rPr lang="en-US" sz="3000" dirty="0"/>
+              <a:t>rows / </a:t>
             </a:r>
             <a:r>
               <a:rPr lang="en-US" sz="3000" dirty="0" smtClean="0"/>
@@ -16619,7 +16645,7 @@
         <p:spPr>
           <a:xfrm>
             <a:off x="513471" y="3249636"/>
-            <a:ext cx="8187397" cy="2504049"/>
+            <a:ext cx="8187397" cy="2715735"/>
           </a:xfrm>
           <a:prstGeom prst="rect">
             <a:avLst/>
@@ -16669,7 +16695,19 @@
             </a:pPr>
             <a:r>
               <a:rPr lang="en-US" sz="3000" dirty="0"/>
-              <a:t>Result is 1,472 rows / 2 columns</a:t>
+              <a:t>Result is </a:t>
+            </a:r>
+            <a:r>
+              <a:rPr lang="en-US" sz="3000" dirty="0" smtClean="0"/>
+              <a:t>4,409</a:t>
+            </a:r>
+            <a:r>
+              <a:rPr lang="en-US" sz="3000" dirty="0" smtClean="0"/>
+              <a:t> </a:t>
+            </a:r>
+            <a:r>
+              <a:rPr lang="en-US" sz="3000" dirty="0"/>
+              <a:t>rows / 2 columns</a:t>
             </a:r>
           </a:p>
           <a:p>
@@ -17879,7 +17917,15 @@
             </a:pPr>
             <a:r>
               <a:rPr lang="en-US" sz="3000" dirty="0"/>
-              <a:t>Result is 10 rows / 2 columns</a:t>
+              <a:t>Result is </a:t>
+            </a:r>
+            <a:r>
+              <a:rPr lang="en-US" sz="3000" dirty="0" smtClean="0"/>
+              <a:t>39 </a:t>
+            </a:r>
+            <a:r>
+              <a:rPr lang="en-US" sz="3000" dirty="0"/>
+              <a:t>rows / 2 columns</a:t>
             </a:r>
           </a:p>
           <a:p>
@@ -20117,7 +20163,19 @@
             </a:pPr>
             <a:r>
               <a:rPr lang="en-US" sz="3000" dirty="0"/>
-              <a:t>Result is 10 rows / 2 columns</a:t>
+              <a:t>Result is </a:t>
+            </a:r>
+            <a:r>
+              <a:rPr lang="en-US" sz="3000" dirty="0" smtClean="0"/>
+              <a:t>39</a:t>
+            </a:r>
+            <a:r>
+              <a:rPr lang="en-US" sz="3000" dirty="0" smtClean="0"/>
+              <a:t> </a:t>
+            </a:r>
+            <a:r>
+              <a:rPr lang="en-US" sz="3000" dirty="0"/>
+              <a:t>rows / 2 columns</a:t>
             </a:r>
           </a:p>
           <a:p>
@@ -21336,7 +21394,15 @@
             </a:pPr>
             <a:r>
               <a:rPr lang="en-US" sz="3000" dirty="0"/>
-              <a:t>Result is 10 rows / 2 columns</a:t>
+              <a:t>Result is </a:t>
+            </a:r>
+            <a:r>
+              <a:rPr lang="en-US" sz="3000" dirty="0" smtClean="0"/>
+              <a:t>5 </a:t>
+            </a:r>
+            <a:r>
+              <a:rPr lang="en-US" sz="3000" dirty="0"/>
+              <a:t>rows / 2 columns</a:t>
             </a:r>
           </a:p>
           <a:p>

--- a/Optimizer.pptx
+++ b/Optimizer.pptx
@@ -5,7 +5,7 @@
     <p:sldMasterId id="2147483648" r:id="rId1"/>
   </p:sldMasterIdLst>
   <p:notesMasterIdLst>
-    <p:notesMasterId r:id="rId67"/>
+    <p:notesMasterId r:id="rId68"/>
   </p:notesMasterIdLst>
   <p:sldIdLst>
     <p:sldId id="256" r:id="rId2"/>
@@ -37,42 +37,43 @@
     <p:sldId id="276" r:id="rId28"/>
     <p:sldId id="277" r:id="rId29"/>
     <p:sldId id="280" r:id="rId30"/>
-    <p:sldId id="281" r:id="rId31"/>
-    <p:sldId id="327" r:id="rId32"/>
-    <p:sldId id="326" r:id="rId33"/>
-    <p:sldId id="282" r:id="rId34"/>
-    <p:sldId id="287" r:id="rId35"/>
-    <p:sldId id="289" r:id="rId36"/>
-    <p:sldId id="291" r:id="rId37"/>
-    <p:sldId id="292" r:id="rId38"/>
-    <p:sldId id="293" r:id="rId39"/>
-    <p:sldId id="290" r:id="rId40"/>
-    <p:sldId id="283" r:id="rId41"/>
-    <p:sldId id="284" r:id="rId42"/>
-    <p:sldId id="315" r:id="rId43"/>
-    <p:sldId id="314" r:id="rId44"/>
-    <p:sldId id="298" r:id="rId45"/>
-    <p:sldId id="288" r:id="rId46"/>
-    <p:sldId id="286" r:id="rId47"/>
-    <p:sldId id="294" r:id="rId48"/>
-    <p:sldId id="295" r:id="rId49"/>
-    <p:sldId id="307" r:id="rId50"/>
-    <p:sldId id="299" r:id="rId51"/>
-    <p:sldId id="300" r:id="rId52"/>
-    <p:sldId id="296" r:id="rId53"/>
-    <p:sldId id="325" r:id="rId54"/>
-    <p:sldId id="297" r:id="rId55"/>
-    <p:sldId id="311" r:id="rId56"/>
-    <p:sldId id="312" r:id="rId57"/>
-    <p:sldId id="313" r:id="rId58"/>
-    <p:sldId id="304" r:id="rId59"/>
-    <p:sldId id="301" r:id="rId60"/>
-    <p:sldId id="305" r:id="rId61"/>
-    <p:sldId id="308" r:id="rId62"/>
-    <p:sldId id="306" r:id="rId63"/>
-    <p:sldId id="279" r:id="rId64"/>
-    <p:sldId id="302" r:id="rId65"/>
-    <p:sldId id="303" r:id="rId66"/>
+    <p:sldId id="329" r:id="rId31"/>
+    <p:sldId id="281" r:id="rId32"/>
+    <p:sldId id="327" r:id="rId33"/>
+    <p:sldId id="326" r:id="rId34"/>
+    <p:sldId id="282" r:id="rId35"/>
+    <p:sldId id="287" r:id="rId36"/>
+    <p:sldId id="289" r:id="rId37"/>
+    <p:sldId id="291" r:id="rId38"/>
+    <p:sldId id="292" r:id="rId39"/>
+    <p:sldId id="293" r:id="rId40"/>
+    <p:sldId id="290" r:id="rId41"/>
+    <p:sldId id="283" r:id="rId42"/>
+    <p:sldId id="284" r:id="rId43"/>
+    <p:sldId id="315" r:id="rId44"/>
+    <p:sldId id="314" r:id="rId45"/>
+    <p:sldId id="298" r:id="rId46"/>
+    <p:sldId id="288" r:id="rId47"/>
+    <p:sldId id="286" r:id="rId48"/>
+    <p:sldId id="294" r:id="rId49"/>
+    <p:sldId id="295" r:id="rId50"/>
+    <p:sldId id="307" r:id="rId51"/>
+    <p:sldId id="299" r:id="rId52"/>
+    <p:sldId id="300" r:id="rId53"/>
+    <p:sldId id="296" r:id="rId54"/>
+    <p:sldId id="325" r:id="rId55"/>
+    <p:sldId id="297" r:id="rId56"/>
+    <p:sldId id="311" r:id="rId57"/>
+    <p:sldId id="312" r:id="rId58"/>
+    <p:sldId id="313" r:id="rId59"/>
+    <p:sldId id="304" r:id="rId60"/>
+    <p:sldId id="301" r:id="rId61"/>
+    <p:sldId id="305" r:id="rId62"/>
+    <p:sldId id="308" r:id="rId63"/>
+    <p:sldId id="306" r:id="rId64"/>
+    <p:sldId id="279" r:id="rId65"/>
+    <p:sldId id="302" r:id="rId66"/>
+    <p:sldId id="303" r:id="rId67"/>
   </p:sldIdLst>
   <p:sldSz cx="9144000" cy="6858000" type="screen4x3"/>
   <p:notesSz cx="6858000" cy="9144000"/>
@@ -272,7 +273,7 @@
           <a:p>
             <a:fld id="{2EDCB34D-5EC2-4739-9693-E425457AC201}" type="datetimeFigureOut">
               <a:rPr lang="en-US" smtClean="0"/>
-              <a:t>07/28/2016</a:t>
+              <a:t>08/01/2016</a:t>
             </a:fld>
             <a:endParaRPr lang="en-US"/>
           </a:p>
@@ -1432,7 +1433,7 @@
           <a:p>
             <a:fld id="{ADDBA41D-AE03-4F1C-B074-B56312AFAE46}" type="slidenum">
               <a:rPr lang="en-US" smtClean="0"/>
-              <a:t>30</a:t>
+              <a:t>31</a:t>
             </a:fld>
             <a:endParaRPr lang="en-US"/>
           </a:p>
@@ -1516,7 +1517,7 @@
           <a:p>
             <a:fld id="{ADDBA41D-AE03-4F1C-B074-B56312AFAE46}" type="slidenum">
               <a:rPr lang="en-US" smtClean="0"/>
-              <a:t>31</a:t>
+              <a:t>32</a:t>
             </a:fld>
             <a:endParaRPr lang="en-US"/>
           </a:p>
@@ -1628,7 +1629,7 @@
           <a:p>
             <a:fld id="{ADDBA41D-AE03-4F1C-B074-B56312AFAE46}" type="slidenum">
               <a:rPr lang="en-US" smtClean="0"/>
-              <a:t>32</a:t>
+              <a:t>33</a:t>
             </a:fld>
             <a:endParaRPr lang="en-US"/>
           </a:p>
@@ -1743,7 +1744,7 @@
           <a:p>
             <a:fld id="{ADDBA41D-AE03-4F1C-B074-B56312AFAE46}" type="slidenum">
               <a:rPr lang="en-US" smtClean="0"/>
-              <a:t>33</a:t>
+              <a:t>34</a:t>
             </a:fld>
             <a:endParaRPr lang="en-US"/>
           </a:p>
@@ -1835,7 +1836,7 @@
           <a:p>
             <a:fld id="{ADDBA41D-AE03-4F1C-B074-B56312AFAE46}" type="slidenum">
               <a:rPr lang="en-US" smtClean="0"/>
-              <a:t>39</a:t>
+              <a:t>40</a:t>
             </a:fld>
             <a:endParaRPr lang="en-US"/>
           </a:p>
@@ -1919,7 +1920,7 @@
           <a:p>
             <a:fld id="{ADDBA41D-AE03-4F1C-B074-B56312AFAE46}" type="slidenum">
               <a:rPr lang="en-US" smtClean="0"/>
-              <a:t>41</a:t>
+              <a:t>42</a:t>
             </a:fld>
             <a:endParaRPr lang="en-US"/>
           </a:p>
@@ -2011,7 +2012,7 @@
           <a:p>
             <a:fld id="{ADDBA41D-AE03-4F1C-B074-B56312AFAE46}" type="slidenum">
               <a:rPr lang="en-US" smtClean="0"/>
-              <a:t>43</a:t>
+              <a:t>44</a:t>
             </a:fld>
             <a:endParaRPr lang="en-US"/>
           </a:p>
@@ -2195,7 +2196,7 @@
           <a:p>
             <a:fld id="{ADDBA41D-AE03-4F1C-B074-B56312AFAE46}" type="slidenum">
               <a:rPr lang="en-US" smtClean="0"/>
-              <a:t>44</a:t>
+              <a:t>45</a:t>
             </a:fld>
             <a:endParaRPr lang="en-US"/>
           </a:p>
@@ -2323,7 +2324,7 @@
           <a:p>
             <a:fld id="{ADDBA41D-AE03-4F1C-B074-B56312AFAE46}" type="slidenum">
               <a:rPr lang="en-US" smtClean="0"/>
-              <a:t>46</a:t>
+              <a:t>47</a:t>
             </a:fld>
             <a:endParaRPr lang="en-US"/>
           </a:p>
@@ -2440,7 +2441,7 @@
           <a:p>
             <a:fld id="{ADDBA41D-AE03-4F1C-B074-B56312AFAE46}" type="slidenum">
               <a:rPr lang="en-US" smtClean="0"/>
-              <a:t>50</a:t>
+              <a:t>51</a:t>
             </a:fld>
             <a:endParaRPr lang="en-US"/>
           </a:p>
@@ -2541,7 +2542,7 @@
           <a:p>
             <a:fld id="{ADDBA41D-AE03-4F1C-B074-B56312AFAE46}" type="slidenum">
               <a:rPr lang="en-US" smtClean="0"/>
-              <a:t>51</a:t>
+              <a:t>52</a:t>
             </a:fld>
             <a:endParaRPr lang="en-US"/>
           </a:p>
@@ -2642,7 +2643,7 @@
           <a:p>
             <a:fld id="{ADDBA41D-AE03-4F1C-B074-B56312AFAE46}" type="slidenum">
               <a:rPr lang="en-US" smtClean="0"/>
-              <a:t>53</a:t>
+              <a:t>54</a:t>
             </a:fld>
             <a:endParaRPr lang="en-US"/>
           </a:p>
@@ -2751,7 +2752,7 @@
           <a:p>
             <a:fld id="{ADDBA41D-AE03-4F1C-B074-B56312AFAE46}" type="slidenum">
               <a:rPr lang="en-US" smtClean="0"/>
-              <a:t>54</a:t>
+              <a:t>55</a:t>
             </a:fld>
             <a:endParaRPr lang="en-US"/>
           </a:p>
@@ -2849,7 +2850,7 @@
           <a:p>
             <a:fld id="{ADDBA41D-AE03-4F1C-B074-B56312AFAE46}" type="slidenum">
               <a:rPr lang="en-US" smtClean="0"/>
-              <a:t>57</a:t>
+              <a:t>58</a:t>
             </a:fld>
             <a:endParaRPr lang="en-US"/>
           </a:p>
@@ -3729,7 +3730,7 @@
             <a:fld id="{5942B21B-2ADA-A040-A652-A7305E1B99FE}" type="datetimeFigureOut">
               <a:rPr lang="en-US" smtClean="0"/>
               <a:pPr/>
-              <a:t>07/28/2016</a:t>
+              <a:t>08/01/2016</a:t>
             </a:fld>
             <a:endParaRPr lang="en-US" dirty="0"/>
           </a:p>
@@ -3919,7 +3920,7 @@
           <a:p>
             <a:fld id="{5942B21B-2ADA-A040-A652-A7305E1B99FE}" type="datetimeFigureOut">
               <a:rPr lang="en-US" smtClean="0"/>
-              <a:t>07/28/2016</a:t>
+              <a:t>08/01/2016</a:t>
             </a:fld>
             <a:endParaRPr lang="en-US"/>
           </a:p>
@@ -4043,7 +4044,7 @@
             <a:fld id="{5942B21B-2ADA-A040-A652-A7305E1B99FE}" type="datetimeFigureOut">
               <a:rPr lang="en-US" smtClean="0"/>
               <a:pPr/>
-              <a:t>07/28/2016</a:t>
+              <a:t>08/01/2016</a:t>
             </a:fld>
             <a:r>
               <a:rPr lang="en-US"/>
@@ -4314,7 +4315,7 @@
             <a:fld id="{5942B21B-2ADA-A040-A652-A7305E1B99FE}" type="datetimeFigureOut">
               <a:rPr lang="en-US" smtClean="0"/>
               <a:pPr/>
-              <a:t>07/28/2016</a:t>
+              <a:t>08/01/2016</a:t>
             </a:fld>
             <a:r>
               <a:rPr lang="en-US" dirty="0"/>
@@ -4584,7 +4585,7 @@
             <a:fld id="{5942B21B-2ADA-A040-A652-A7305E1B99FE}" type="datetimeFigureOut">
               <a:rPr lang="en-US" smtClean="0"/>
               <a:pPr/>
-              <a:t>07/28/2016</a:t>
+              <a:t>08/01/2016</a:t>
             </a:fld>
             <a:r>
               <a:rPr lang="en-US" dirty="0"/>
@@ -4924,7 +4925,7 @@
             <a:fld id="{5942B21B-2ADA-A040-A652-A7305E1B99FE}" type="datetimeFigureOut">
               <a:rPr lang="en-US" smtClean="0"/>
               <a:pPr/>
-              <a:t>07/28/2016</a:t>
+              <a:t>08/01/2016</a:t>
             </a:fld>
             <a:r>
               <a:rPr lang="en-US" dirty="0"/>
@@ -5265,7 +5266,7 @@
             <a:fld id="{5942B21B-2ADA-A040-A652-A7305E1B99FE}" type="datetimeFigureOut">
               <a:rPr lang="en-US" smtClean="0"/>
               <a:pPr/>
-              <a:t>07/28/2016</a:t>
+              <a:t>08/01/2016</a:t>
             </a:fld>
             <a:r>
               <a:rPr lang="en-US" dirty="0"/>
@@ -5780,7 +5781,7 @@
             <a:fld id="{5942B21B-2ADA-A040-A652-A7305E1B99FE}" type="datetimeFigureOut">
               <a:rPr lang="en-US" smtClean="0"/>
               <a:pPr/>
-              <a:t>07/28/2016</a:t>
+              <a:t>08/01/2016</a:t>
             </a:fld>
             <a:r>
               <a:rPr lang="en-US" dirty="0"/>
@@ -5989,7 +5990,7 @@
             <a:fld id="{5942B21B-2ADA-A040-A652-A7305E1B99FE}" type="datetimeFigureOut">
               <a:rPr lang="en-US" smtClean="0"/>
               <a:pPr/>
-              <a:t>07/28/2016</a:t>
+              <a:t>08/01/2016</a:t>
             </a:fld>
             <a:r>
               <a:rPr lang="en-US" dirty="0"/>
@@ -6176,7 +6177,7 @@
             <a:fld id="{5942B21B-2ADA-A040-A652-A7305E1B99FE}" type="datetimeFigureOut">
               <a:rPr lang="en-US" smtClean="0"/>
               <a:pPr/>
-              <a:t>07/28/2016</a:t>
+              <a:t>08/01/2016</a:t>
             </a:fld>
             <a:r>
               <a:rPr lang="en-US" dirty="0"/>
@@ -6507,7 +6508,7 @@
             <a:fld id="{5942B21B-2ADA-A040-A652-A7305E1B99FE}" type="datetimeFigureOut">
               <a:rPr lang="en-US" smtClean="0"/>
               <a:pPr/>
-              <a:t>07/28/2016</a:t>
+              <a:t>08/01/2016</a:t>
             </a:fld>
             <a:r>
               <a:rPr lang="en-US" dirty="0"/>
@@ -6815,7 +6816,7 @@
             <a:fld id="{5942B21B-2ADA-A040-A652-A7305E1B99FE}" type="datetimeFigureOut">
               <a:rPr lang="en-US" smtClean="0"/>
               <a:pPr/>
-              <a:t>07/28/2016</a:t>
+              <a:t>08/01/2016</a:t>
             </a:fld>
             <a:r>
               <a:rPr lang="en-US" dirty="0"/>
@@ -7094,7 +7095,7 @@
             <a:fld id="{5942B21B-2ADA-A040-A652-A7305E1B99FE}" type="datetimeFigureOut">
               <a:rPr lang="en-US" smtClean="0"/>
               <a:pPr/>
-              <a:t>07/28/2016</a:t>
+              <a:t>08/01/2016</a:t>
             </a:fld>
             <a:r>
               <a:rPr lang="en-US" dirty="0"/>
@@ -7692,11 +7693,7 @@
             </a:pPr>
             <a:r>
               <a:rPr lang="en-US" dirty="0" smtClean="0"/>
-              <a:t>Oklahoma </a:t>
-            </a:r>
-            <a:r>
-              <a:rPr lang="en-US" dirty="0" smtClean="0"/>
-              <a:t>City, OK </a:t>
+              <a:t>Oklahoma City, OK </a:t>
             </a:r>
             <a:r>
               <a:rPr lang="en-US" dirty="0"/>
@@ -9930,21 +9927,21 @@
                 <a:gridCol w="2764301">
                   <a:extLst>
                     <a:ext uri="{9D8B030D-6E8A-4147-A177-3AD203B41FA5}">
-                      <a16:colId xmlns="" xmlns:a16="http://schemas.microsoft.com/office/drawing/2014/main" val="234227049"/>
+                      <a16:colId xmlns:a16="http://schemas.microsoft.com/office/drawing/2014/main" xmlns="" val="234227049"/>
                     </a:ext>
                   </a:extLst>
                 </a:gridCol>
                 <a:gridCol w="2764301">
                   <a:extLst>
                     <a:ext uri="{9D8B030D-6E8A-4147-A177-3AD203B41FA5}">
-                      <a16:colId xmlns="" xmlns:a16="http://schemas.microsoft.com/office/drawing/2014/main" val="4053135350"/>
+                      <a16:colId xmlns:a16="http://schemas.microsoft.com/office/drawing/2014/main" xmlns="" val="4053135350"/>
                     </a:ext>
                   </a:extLst>
                 </a:gridCol>
                 <a:gridCol w="2764301">
                   <a:extLst>
                     <a:ext uri="{9D8B030D-6E8A-4147-A177-3AD203B41FA5}">
-                      <a16:colId xmlns="" xmlns:a16="http://schemas.microsoft.com/office/drawing/2014/main" val="672378647"/>
+                      <a16:colId xmlns:a16="http://schemas.microsoft.com/office/drawing/2014/main" xmlns="" val="672378647"/>
                     </a:ext>
                   </a:extLst>
                 </a:gridCol>
@@ -9994,7 +9991,7 @@
                 </a:tc>
                 <a:extLst>
                   <a:ext uri="{0D108BD9-81ED-4DB2-BD59-A6C34878D82A}">
-                    <a16:rowId xmlns="" xmlns:a16="http://schemas.microsoft.com/office/drawing/2014/main" val="2843053056"/>
+                    <a16:rowId xmlns:a16="http://schemas.microsoft.com/office/drawing/2014/main" xmlns="" val="2843053056"/>
                   </a:ext>
                 </a:extLst>
               </a:tr>
@@ -10044,7 +10041,7 @@
                 </a:tc>
                 <a:extLst>
                   <a:ext uri="{0D108BD9-81ED-4DB2-BD59-A6C34878D82A}">
-                    <a16:rowId xmlns="" xmlns:a16="http://schemas.microsoft.com/office/drawing/2014/main" val="3055328934"/>
+                    <a16:rowId xmlns:a16="http://schemas.microsoft.com/office/drawing/2014/main" xmlns="" val="3055328934"/>
                   </a:ext>
                 </a:extLst>
               </a:tr>
@@ -10094,7 +10091,7 @@
                 </a:tc>
                 <a:extLst>
                   <a:ext uri="{0D108BD9-81ED-4DB2-BD59-A6C34878D82A}">
-                    <a16:rowId xmlns="" xmlns:a16="http://schemas.microsoft.com/office/drawing/2014/main" val="1144851549"/>
+                    <a16:rowId xmlns:a16="http://schemas.microsoft.com/office/drawing/2014/main" xmlns="" val="1144851549"/>
                   </a:ext>
                 </a:extLst>
               </a:tr>
@@ -10143,7 +10140,7 @@
                 </a:tc>
                 <a:extLst>
                   <a:ext uri="{0D108BD9-81ED-4DB2-BD59-A6C34878D82A}">
-                    <a16:rowId xmlns="" xmlns:a16="http://schemas.microsoft.com/office/drawing/2014/main" val="4258932578"/>
+                    <a16:rowId xmlns:a16="http://schemas.microsoft.com/office/drawing/2014/main" xmlns="" val="4258932578"/>
                   </a:ext>
                 </a:extLst>
               </a:tr>
@@ -17957,11 +17954,11 @@
   <p:clrMapOvr>
     <a:masterClrMapping/>
   </p:clrMapOvr>
-  <mc:AlternateContent xmlns:mc="http://schemas.openxmlformats.org/markup-compatibility/2006">
-    <mc:Choice xmlns:p14="http://schemas.microsoft.com/office/powerpoint/2010/main" Requires="p14">
+  <mc:AlternateContent xmlns:mc="http://schemas.openxmlformats.org/markup-compatibility/2006" xmlns:p14="http://schemas.microsoft.com/office/powerpoint/2010/main">
+    <mc:Choice Requires="p14">
       <p:transition spd="slow" p14:dur="2000"/>
     </mc:Choice>
-    <mc:Fallback>
+    <mc:Fallback xmlns="">
       <p:transition spd="slow"/>
     </mc:Fallback>
   </mc:AlternateContent>
@@ -24187,12 +24184,9 @@
           <a:p>
             <a:r>
               <a:rPr lang="en-US" dirty="0" smtClean="0"/>
-              <a:t>Parse </a:t>
-            </a:r>
-            <a:r>
-              <a:rPr lang="en-US" dirty="0"/>
-              <a:t>Tree</a:t>
-            </a:r>
+              <a:t>Query Tree</a:t>
+            </a:r>
+            <a:endParaRPr lang="en-US" dirty="0"/>
           </a:p>
         </p:txBody>
       </p:sp>
@@ -25390,47 +25384,6 @@
               <a:ea typeface="Calibri" panose="020F0502020204030204" pitchFamily="34" charset="0"/>
               <a:cs typeface="Times New Roman" panose="02020603050405020304" pitchFamily="18" charset="0"/>
             </a:endParaRPr>
-          </a:p>
-        </p:txBody>
-      </p:sp>
-      <p:sp>
-        <p:nvSpPr>
-          <p:cNvPr id="6" name="Oval 5"/>
-          <p:cNvSpPr/>
-          <p:nvPr/>
-        </p:nvSpPr>
-        <p:spPr>
-          <a:xfrm>
-            <a:off x="8378792" y="542942"/>
-            <a:ext cx="616016" cy="606391"/>
-          </a:xfrm>
-          <a:prstGeom prst="ellipse">
-            <a:avLst/>
-          </a:prstGeom>
-        </p:spPr>
-        <p:style>
-          <a:lnRef idx="1">
-            <a:schemeClr val="accent1"/>
-          </a:lnRef>
-          <a:fillRef idx="3">
-            <a:schemeClr val="accent1"/>
-          </a:fillRef>
-          <a:effectRef idx="2">
-            <a:schemeClr val="accent1"/>
-          </a:effectRef>
-          <a:fontRef idx="minor">
-            <a:schemeClr val="lt1"/>
-          </a:fontRef>
-        </p:style>
-        <p:txBody>
-          <a:bodyPr rtlCol="0" anchor="ctr"/>
-          <a:lstStyle/>
-          <a:p>
-            <a:pPr algn="ctr"/>
-            <a:r>
-              <a:rPr lang="en-US" sz="1600" dirty="0"/>
-              <a:t>11</a:t>
-            </a:r>
           </a:p>
         </p:txBody>
       </p:sp>
@@ -27458,6 +27411,96 @@
 </file>
 
 <file path=ppt/slides/slide30.xml><?xml version="1.0" encoding="utf-8"?>
+<p:sld xmlns:a="http://schemas.openxmlformats.org/drawingml/2006/main" xmlns:r="http://schemas.openxmlformats.org/officeDocument/2006/relationships" xmlns:p="http://schemas.openxmlformats.org/presentationml/2006/main">
+  <p:cSld>
+    <p:spTree>
+      <p:nvGrpSpPr>
+        <p:cNvPr id="1" name=""/>
+        <p:cNvGrpSpPr/>
+        <p:nvPr/>
+      </p:nvGrpSpPr>
+      <p:grpSpPr>
+        <a:xfrm>
+          <a:off x="0" y="0"/>
+          <a:ext cx="0" cy="0"/>
+          <a:chOff x="0" y="0"/>
+          <a:chExt cx="0" cy="0"/>
+        </a:xfrm>
+      </p:grpSpPr>
+      <p:sp>
+        <p:nvSpPr>
+          <p:cNvPr id="2" name="Title 1"/>
+          <p:cNvSpPr>
+            <a:spLocks noGrp="1"/>
+          </p:cNvSpPr>
+          <p:nvPr>
+            <p:ph type="title"/>
+          </p:nvPr>
+        </p:nvSpPr>
+        <p:spPr/>
+        <p:txBody>
+          <a:bodyPr>
+            <a:normAutofit fontScale="90000"/>
+          </a:bodyPr>
+          <a:lstStyle/>
+          <a:p>
+            <a:r>
+              <a:rPr lang="en-US" dirty="0"/>
+              <a:t>Process of Executing a </a:t>
+            </a:r>
+            <a:r>
+              <a:rPr lang="en-US" dirty="0" smtClean="0"/>
+              <a:t>Query - Graphical</a:t>
+            </a:r>
+            <a:endParaRPr lang="en-US" dirty="0"/>
+          </a:p>
+        </p:txBody>
+      </p:sp>
+      <p:pic>
+        <p:nvPicPr>
+          <p:cNvPr id="7" name="Picture 6"/>
+          <p:cNvPicPr>
+            <a:picLocks noChangeAspect="1"/>
+          </p:cNvPicPr>
+          <p:nvPr/>
+        </p:nvPicPr>
+        <p:blipFill>
+          <a:blip r:embed="rId2"/>
+          <a:stretch>
+            <a:fillRect/>
+          </a:stretch>
+        </p:blipFill>
+        <p:spPr>
+          <a:xfrm>
+            <a:off x="942975" y="1425576"/>
+            <a:ext cx="7475207" cy="4687887"/>
+          </a:xfrm>
+          <a:prstGeom prst="rect">
+            <a:avLst/>
+          </a:prstGeom>
+        </p:spPr>
+      </p:pic>
+    </p:spTree>
+    <p:extLst>
+      <p:ext uri="{BB962C8B-B14F-4D97-AF65-F5344CB8AC3E}">
+        <p14:creationId xmlns:p14="http://schemas.microsoft.com/office/powerpoint/2010/main" val="471432878"/>
+      </p:ext>
+    </p:extLst>
+  </p:cSld>
+  <p:clrMapOvr>
+    <a:masterClrMapping/>
+  </p:clrMapOvr>
+  <p:timing>
+    <p:tnLst>
+      <p:par>
+        <p:cTn id="1" dur="indefinite" restart="never" nodeType="tmRoot"/>
+      </p:par>
+    </p:tnLst>
+  </p:timing>
+</p:sld>
+</file>
+
+<file path=ppt/slides/slide31.xml><?xml version="1.0" encoding="utf-8"?>
 <p:sld xmlns:a="http://schemas.openxmlformats.org/drawingml/2006/main" xmlns:r="http://schemas.openxmlformats.org/officeDocument/2006/relationships" xmlns:p="http://schemas.openxmlformats.org/presentationml/2006/main">
   <p:cSld>
     <p:spTree>
@@ -28206,7 +28249,7 @@
 </p:sld>
 </file>
 
-<file path=ppt/slides/slide31.xml><?xml version="1.0" encoding="utf-8"?>
+<file path=ppt/slides/slide32.xml><?xml version="1.0" encoding="utf-8"?>
 <p:sld xmlns:a="http://schemas.openxmlformats.org/drawingml/2006/main" xmlns:r="http://schemas.openxmlformats.org/officeDocument/2006/relationships" xmlns:p="http://schemas.openxmlformats.org/presentationml/2006/main">
   <p:cSld>
     <p:spTree>
@@ -30408,7 +30451,7 @@
 </p:sld>
 </file>
 
-<file path=ppt/slides/slide32.xml><?xml version="1.0" encoding="utf-8"?>
+<file path=ppt/slides/slide33.xml><?xml version="1.0" encoding="utf-8"?>
 <p:sld xmlns:a="http://schemas.openxmlformats.org/drawingml/2006/main" xmlns:r="http://schemas.openxmlformats.org/officeDocument/2006/relationships" xmlns:p="http://schemas.openxmlformats.org/presentationml/2006/main">
   <p:cSld>
     <p:spTree>
@@ -30536,7 +30579,7 @@
 </p:sld>
 </file>
 
-<file path=ppt/slides/slide33.xml><?xml version="1.0" encoding="utf-8"?>
+<file path=ppt/slides/slide34.xml><?xml version="1.0" encoding="utf-8"?>
 <p:sld xmlns:a="http://schemas.openxmlformats.org/drawingml/2006/main" xmlns:r="http://schemas.openxmlformats.org/officeDocument/2006/relationships" xmlns:p="http://schemas.openxmlformats.org/presentationml/2006/main">
   <p:cSld>
     <p:spTree>
@@ -30745,7 +30788,7 @@
 </p:sld>
 </file>
 
-<file path=ppt/slides/slide34.xml><?xml version="1.0" encoding="utf-8"?>
+<file path=ppt/slides/slide35.xml><?xml version="1.0" encoding="utf-8"?>
 <p:sld xmlns:a="http://schemas.openxmlformats.org/drawingml/2006/main" xmlns:r="http://schemas.openxmlformats.org/officeDocument/2006/relationships" xmlns:p="http://schemas.openxmlformats.org/presentationml/2006/main" show="0">
   <p:cSld>
     <p:spTree>
@@ -31114,948 +31157,6 @@
     <p:extLst>
       <p:ext uri="{BB962C8B-B14F-4D97-AF65-F5344CB8AC3E}">
         <p14:creationId xmlns:p14="http://schemas.microsoft.com/office/powerpoint/2010/main" val="1602013291"/>
-      </p:ext>
-    </p:extLst>
-  </p:cSld>
-  <p:clrMapOvr>
-    <a:masterClrMapping/>
-  </p:clrMapOvr>
-  <mc:AlternateContent xmlns:mc="http://schemas.openxmlformats.org/markup-compatibility/2006" xmlns:p14="http://schemas.microsoft.com/office/powerpoint/2010/main">
-    <mc:Choice Requires="p14">
-      <p:transition spd="slow" p14:dur="2000"/>
-    </mc:Choice>
-    <mc:Fallback xmlns="">
-      <p:transition spd="slow"/>
-    </mc:Fallback>
-  </mc:AlternateContent>
-  <p:timing>
-    <p:tnLst>
-      <p:par>
-        <p:cTn id="1" dur="indefinite" restart="never" nodeType="tmRoot"/>
-      </p:par>
-    </p:tnLst>
-  </p:timing>
-</p:sld>
-</file>
-
-<file path=ppt/slides/slide35.xml><?xml version="1.0" encoding="utf-8"?>
-<p:sld xmlns:a="http://schemas.openxmlformats.org/drawingml/2006/main" xmlns:r="http://schemas.openxmlformats.org/officeDocument/2006/relationships" xmlns:p="http://schemas.openxmlformats.org/presentationml/2006/main" show="0">
-  <p:cSld>
-    <p:spTree>
-      <p:nvGrpSpPr>
-        <p:cNvPr id="1" name=""/>
-        <p:cNvGrpSpPr/>
-        <p:nvPr/>
-      </p:nvGrpSpPr>
-      <p:grpSpPr>
-        <a:xfrm>
-          <a:off x="0" y="0"/>
-          <a:ext cx="0" cy="0"/>
-          <a:chOff x="0" y="0"/>
-          <a:chExt cx="0" cy="0"/>
-        </a:xfrm>
-      </p:grpSpPr>
-      <p:sp>
-        <p:nvSpPr>
-          <p:cNvPr id="2" name="Rectangle 1"/>
-          <p:cNvSpPr/>
-          <p:nvPr/>
-        </p:nvSpPr>
-        <p:spPr>
-          <a:xfrm>
-            <a:off x="423511" y="370475"/>
-            <a:ext cx="8239226" cy="707886"/>
-          </a:xfrm>
-          <a:prstGeom prst="rect">
-            <a:avLst/>
-          </a:prstGeom>
-        </p:spPr>
-        <p:txBody>
-          <a:bodyPr wrap="square">
-            <a:spAutoFit/>
-          </a:bodyPr>
-          <a:lstStyle/>
-          <a:p>
-            <a:pPr indent="-57150"/>
-            <a:r>
-              <a:rPr lang="en-US" sz="2000" dirty="0">
-                <a:solidFill>
-                  <a:srgbClr val="0000FF"/>
-                </a:solidFill>
-                <a:latin typeface="Consolas" panose="020B0609020204030204" pitchFamily="49" charset="0"/>
-              </a:rPr>
-              <a:t>select</a:t>
-            </a:r>
-            <a:r>
-              <a:rPr lang="en-US" sz="2000" dirty="0">
-                <a:solidFill>
-                  <a:prstClr val="black"/>
-                </a:solidFill>
-                <a:latin typeface="Consolas" panose="020B0609020204030204" pitchFamily="49" charset="0"/>
-              </a:rPr>
-              <a:t> </a:t>
-            </a:r>
-            <a:r>
-              <a:rPr lang="en-US" sz="2000" dirty="0">
-                <a:solidFill>
-                  <a:srgbClr val="808080"/>
-                </a:solidFill>
-                <a:latin typeface="Consolas" panose="020B0609020204030204" pitchFamily="49" charset="0"/>
-              </a:rPr>
-              <a:t>...</a:t>
-            </a:r>
-            <a:endParaRPr lang="en-US" sz="2000" dirty="0">
-              <a:solidFill>
-                <a:prstClr val="black"/>
-              </a:solidFill>
-              <a:latin typeface="Consolas" panose="020B0609020204030204" pitchFamily="49" charset="0"/>
-            </a:endParaRPr>
-          </a:p>
-          <a:p>
-            <a:pPr indent="-57150"/>
-            <a:r>
-              <a:rPr lang="fi-FI" sz="2000" dirty="0">
-                <a:solidFill>
-                  <a:srgbClr val="0000FF"/>
-                </a:solidFill>
-                <a:latin typeface="Consolas" panose="020B0609020204030204" pitchFamily="49" charset="0"/>
-              </a:rPr>
-              <a:t>from</a:t>
-            </a:r>
-            <a:r>
-              <a:rPr lang="fi-FI" sz="2000" dirty="0">
-                <a:solidFill>
-                  <a:prstClr val="black"/>
-                </a:solidFill>
-                <a:latin typeface="Consolas" panose="020B0609020204030204" pitchFamily="49" charset="0"/>
-              </a:rPr>
-              <a:t> </a:t>
-            </a:r>
-            <a:r>
-              <a:rPr lang="fi-FI" sz="2000" dirty="0">
-                <a:solidFill>
-                  <a:srgbClr val="008080"/>
-                </a:solidFill>
-                <a:latin typeface="Consolas" panose="020B0609020204030204" pitchFamily="49" charset="0"/>
-              </a:rPr>
-              <a:t>a</a:t>
-            </a:r>
-            <a:r>
-              <a:rPr lang="fi-FI" sz="2000" dirty="0">
-                <a:solidFill>
-                  <a:prstClr val="black"/>
-                </a:solidFill>
-                <a:latin typeface="Consolas" panose="020B0609020204030204" pitchFamily="49" charset="0"/>
-              </a:rPr>
-              <a:t> </a:t>
-            </a:r>
-            <a:r>
-              <a:rPr lang="fi-FI" sz="2000" dirty="0">
-                <a:solidFill>
-                  <a:srgbClr val="808080"/>
-                </a:solidFill>
-                <a:latin typeface="Consolas" panose="020B0609020204030204" pitchFamily="49" charset="0"/>
-              </a:rPr>
-              <a:t>join</a:t>
-            </a:r>
-            <a:r>
-              <a:rPr lang="fi-FI" sz="2000" dirty="0">
-                <a:solidFill>
-                  <a:prstClr val="black"/>
-                </a:solidFill>
-                <a:latin typeface="Consolas" panose="020B0609020204030204" pitchFamily="49" charset="0"/>
-              </a:rPr>
-              <a:t> </a:t>
-            </a:r>
-            <a:r>
-              <a:rPr lang="fi-FI" sz="2000" dirty="0">
-                <a:solidFill>
-                  <a:srgbClr val="008080"/>
-                </a:solidFill>
-                <a:latin typeface="Consolas" panose="020B0609020204030204" pitchFamily="49" charset="0"/>
-              </a:rPr>
-              <a:t>b</a:t>
-            </a:r>
-            <a:r>
-              <a:rPr lang="fi-FI" sz="2000" dirty="0">
-                <a:solidFill>
-                  <a:prstClr val="black"/>
-                </a:solidFill>
-                <a:latin typeface="Consolas" panose="020B0609020204030204" pitchFamily="49" charset="0"/>
-              </a:rPr>
-              <a:t> </a:t>
-            </a:r>
-            <a:r>
-              <a:rPr lang="fi-FI" sz="2000" dirty="0">
-                <a:solidFill>
-                  <a:srgbClr val="0000FF"/>
-                </a:solidFill>
-                <a:latin typeface="Consolas" panose="020B0609020204030204" pitchFamily="49" charset="0"/>
-              </a:rPr>
-              <a:t>on</a:t>
-            </a:r>
-            <a:r>
-              <a:rPr lang="fi-FI" sz="2000" dirty="0">
-                <a:solidFill>
-                  <a:prstClr val="black"/>
-                </a:solidFill>
-                <a:latin typeface="Consolas" panose="020B0609020204030204" pitchFamily="49" charset="0"/>
-              </a:rPr>
-              <a:t> </a:t>
-            </a:r>
-            <a:r>
-              <a:rPr lang="fi-FI" sz="2000" dirty="0">
-                <a:solidFill>
-                  <a:srgbClr val="808080"/>
-                </a:solidFill>
-                <a:latin typeface="Consolas" panose="020B0609020204030204" pitchFamily="49" charset="0"/>
-              </a:rPr>
-              <a:t>...</a:t>
-            </a:r>
-            <a:r>
-              <a:rPr lang="fi-FI" sz="2000" dirty="0">
-                <a:solidFill>
-                  <a:prstClr val="black"/>
-                </a:solidFill>
-                <a:latin typeface="Consolas" panose="020B0609020204030204" pitchFamily="49" charset="0"/>
-              </a:rPr>
-              <a:t> </a:t>
-            </a:r>
-            <a:r>
-              <a:rPr lang="fi-FI" sz="2000" dirty="0">
-                <a:solidFill>
-                  <a:srgbClr val="808080"/>
-                </a:solidFill>
-                <a:latin typeface="Consolas" panose="020B0609020204030204" pitchFamily="49" charset="0"/>
-              </a:rPr>
-              <a:t>join</a:t>
-            </a:r>
-            <a:r>
-              <a:rPr lang="fi-FI" sz="2000" dirty="0">
-                <a:solidFill>
-                  <a:prstClr val="black"/>
-                </a:solidFill>
-                <a:latin typeface="Consolas" panose="020B0609020204030204" pitchFamily="49" charset="0"/>
-              </a:rPr>
-              <a:t> </a:t>
-            </a:r>
-            <a:r>
-              <a:rPr lang="fi-FI" sz="2000" dirty="0">
-                <a:solidFill>
-                  <a:srgbClr val="008080"/>
-                </a:solidFill>
-                <a:latin typeface="Consolas" panose="020B0609020204030204" pitchFamily="49" charset="0"/>
-              </a:rPr>
-              <a:t>c</a:t>
-            </a:r>
-            <a:r>
-              <a:rPr lang="fi-FI" sz="2000" dirty="0">
-                <a:solidFill>
-                  <a:prstClr val="black"/>
-                </a:solidFill>
-                <a:latin typeface="Consolas" panose="020B0609020204030204" pitchFamily="49" charset="0"/>
-              </a:rPr>
-              <a:t> </a:t>
-            </a:r>
-            <a:r>
-              <a:rPr lang="fi-FI" sz="2000" dirty="0">
-                <a:solidFill>
-                  <a:srgbClr val="0000FF"/>
-                </a:solidFill>
-                <a:latin typeface="Consolas" panose="020B0609020204030204" pitchFamily="49" charset="0"/>
-              </a:rPr>
-              <a:t>on</a:t>
-            </a:r>
-            <a:r>
-              <a:rPr lang="fi-FI" sz="2000" dirty="0">
-                <a:solidFill>
-                  <a:prstClr val="black"/>
-                </a:solidFill>
-                <a:latin typeface="Consolas" panose="020B0609020204030204" pitchFamily="49" charset="0"/>
-              </a:rPr>
-              <a:t> </a:t>
-            </a:r>
-            <a:r>
-              <a:rPr lang="fi-FI" sz="2000" dirty="0">
-                <a:solidFill>
-                  <a:srgbClr val="808080"/>
-                </a:solidFill>
-                <a:latin typeface="Consolas" panose="020B0609020204030204" pitchFamily="49" charset="0"/>
-              </a:rPr>
-              <a:t>...</a:t>
-            </a:r>
-            <a:r>
-              <a:rPr lang="fi-FI" sz="2000" dirty="0">
-                <a:solidFill>
-                  <a:prstClr val="black"/>
-                </a:solidFill>
-                <a:latin typeface="Consolas" panose="020B0609020204030204" pitchFamily="49" charset="0"/>
-              </a:rPr>
-              <a:t> </a:t>
-            </a:r>
-            <a:r>
-              <a:rPr lang="fi-FI" sz="2000" dirty="0">
-                <a:solidFill>
-                  <a:srgbClr val="808080"/>
-                </a:solidFill>
-                <a:latin typeface="Consolas" panose="020B0609020204030204" pitchFamily="49" charset="0"/>
-              </a:rPr>
-              <a:t>join</a:t>
-            </a:r>
-            <a:r>
-              <a:rPr lang="fi-FI" sz="2000" dirty="0">
-                <a:solidFill>
-                  <a:prstClr val="black"/>
-                </a:solidFill>
-                <a:latin typeface="Consolas" panose="020B0609020204030204" pitchFamily="49" charset="0"/>
-              </a:rPr>
-              <a:t> </a:t>
-            </a:r>
-            <a:r>
-              <a:rPr lang="fi-FI" sz="2000" dirty="0">
-                <a:solidFill>
-                  <a:srgbClr val="008080"/>
-                </a:solidFill>
-                <a:latin typeface="Consolas" panose="020B0609020204030204" pitchFamily="49" charset="0"/>
-              </a:rPr>
-              <a:t>d</a:t>
-            </a:r>
-            <a:r>
-              <a:rPr lang="fi-FI" sz="2000" dirty="0">
-                <a:solidFill>
-                  <a:prstClr val="black"/>
-                </a:solidFill>
-                <a:latin typeface="Consolas" panose="020B0609020204030204" pitchFamily="49" charset="0"/>
-              </a:rPr>
-              <a:t> </a:t>
-            </a:r>
-            <a:r>
-              <a:rPr lang="fi-FI" sz="2000" dirty="0">
-                <a:solidFill>
-                  <a:srgbClr val="0000FF"/>
-                </a:solidFill>
-                <a:latin typeface="Consolas" panose="020B0609020204030204" pitchFamily="49" charset="0"/>
-              </a:rPr>
-              <a:t>on</a:t>
-            </a:r>
-            <a:r>
-              <a:rPr lang="fi-FI" sz="2000" dirty="0">
-                <a:solidFill>
-                  <a:prstClr val="black"/>
-                </a:solidFill>
-                <a:latin typeface="Consolas" panose="020B0609020204030204" pitchFamily="49" charset="0"/>
-              </a:rPr>
-              <a:t> </a:t>
-            </a:r>
-            <a:r>
-              <a:rPr lang="fi-FI" sz="2000" dirty="0">
-                <a:solidFill>
-                  <a:srgbClr val="808080"/>
-                </a:solidFill>
-                <a:latin typeface="Consolas" panose="020B0609020204030204" pitchFamily="49" charset="0"/>
-              </a:rPr>
-              <a:t>...</a:t>
-            </a:r>
-          </a:p>
-        </p:txBody>
-      </p:sp>
-      <p:graphicFrame>
-        <p:nvGraphicFramePr>
-          <p:cNvPr id="3" name="Table 2"/>
-          <p:cNvGraphicFramePr>
-            <a:graphicFrameLocks noGrp="1"/>
-          </p:cNvGraphicFramePr>
-          <p:nvPr>
-            <p:extLst>
-              <p:ext uri="{D42A27DB-BD31-4B8C-83A1-F6EECF244321}">
-                <p14:modId xmlns:p14="http://schemas.microsoft.com/office/powerpoint/2010/main" val="465510585"/>
-              </p:ext>
-            </p:extLst>
-          </p:nvPr>
-        </p:nvGraphicFramePr>
-        <p:xfrm>
-          <a:off x="423509" y="1146743"/>
-          <a:ext cx="8239228" cy="4450080"/>
-        </p:xfrm>
-        <a:graphic>
-          <a:graphicData uri="http://schemas.openxmlformats.org/drawingml/2006/table">
-            <a:tbl>
-              <a:tblPr firstRow="1" bandRow="1">
-                <a:tableStyleId>{5C22544A-7EE6-4342-B048-85BDC9FD1C3A}</a:tableStyleId>
-              </a:tblPr>
-              <a:tblGrid>
-                <a:gridCol w="7632835">
-                  <a:extLst>
-                    <a:ext uri="{9D8B030D-6E8A-4147-A177-3AD203B41FA5}">
-                      <a16:colId xmlns="" xmlns:a16="http://schemas.microsoft.com/office/drawing/2014/main" val="3644048045"/>
-                    </a:ext>
-                  </a:extLst>
-                </a:gridCol>
-                <a:gridCol w="606393">
-                  <a:extLst>
-                    <a:ext uri="{9D8B030D-6E8A-4147-A177-3AD203B41FA5}">
-                      <a16:colId xmlns="" xmlns:a16="http://schemas.microsoft.com/office/drawing/2014/main" val="2034254753"/>
-                    </a:ext>
-                  </a:extLst>
-                </a:gridCol>
-              </a:tblGrid>
-              <a:tr h="370840">
-                <a:tc gridSpan="2">
-                  <a:txBody>
-                    <a:bodyPr/>
-                    <a:lstStyle/>
-                    <a:p>
-                      <a:r>
-                        <a:rPr lang="en-US" dirty="0"/>
-                        <a:t>Physical access methods (per table)</a:t>
-                      </a:r>
-                    </a:p>
-                  </a:txBody>
-                  <a:tcPr/>
-                </a:tc>
-                <a:tc hMerge="1">
-                  <a:txBody>
-                    <a:bodyPr/>
-                    <a:lstStyle/>
-                    <a:p>
-                      <a:endParaRPr lang="en-US" dirty="0"/>
-                    </a:p>
-                  </a:txBody>
-                  <a:tcPr/>
-                </a:tc>
-                <a:extLst>
-                  <a:ext uri="{0D108BD9-81ED-4DB2-BD59-A6C34878D82A}">
-                    <a16:rowId xmlns="" xmlns:a16="http://schemas.microsoft.com/office/drawing/2014/main" val="2708275910"/>
-                  </a:ext>
-                </a:extLst>
-              </a:tr>
-              <a:tr h="370840">
-                <a:tc>
-                  <a:txBody>
-                    <a:bodyPr/>
-                    <a:lstStyle/>
-                    <a:p>
-                      <a:r>
-                        <a:rPr lang="en-US" dirty="0"/>
-                        <a:t>Unordered clustered index scan</a:t>
-                      </a:r>
-                    </a:p>
-                  </a:txBody>
-                  <a:tcPr/>
-                </a:tc>
-                <a:tc>
-                  <a:txBody>
-                    <a:bodyPr/>
-                    <a:lstStyle/>
-                    <a:p>
-                      <a:pPr algn="ctr"/>
-                      <a:r>
-                        <a:rPr lang="en-US" dirty="0"/>
-                        <a:t>1</a:t>
-                      </a:r>
-                    </a:p>
-                  </a:txBody>
-                  <a:tcPr/>
-                </a:tc>
-                <a:extLst>
-                  <a:ext uri="{0D108BD9-81ED-4DB2-BD59-A6C34878D82A}">
-                    <a16:rowId xmlns="" xmlns:a16="http://schemas.microsoft.com/office/drawing/2014/main" val="2161984115"/>
-                  </a:ext>
-                </a:extLst>
-              </a:tr>
-              <a:tr h="370840">
-                <a:tc>
-                  <a:txBody>
-                    <a:bodyPr/>
-                    <a:lstStyle/>
-                    <a:p>
-                      <a:r>
-                        <a:rPr lang="en-US" dirty="0"/>
-                        <a:t>Unordered</a:t>
-                      </a:r>
-                      <a:r>
-                        <a:rPr lang="en-US" baseline="0" dirty="0"/>
-                        <a:t> </a:t>
-                      </a:r>
-                      <a:r>
-                        <a:rPr lang="en-US" baseline="0" dirty="0" err="1"/>
-                        <a:t>nonclustered</a:t>
-                      </a:r>
-                      <a:r>
-                        <a:rPr lang="en-US" baseline="0" dirty="0"/>
-                        <a:t> index scan (covering)</a:t>
-                      </a:r>
-                      <a:endParaRPr lang="en-US" dirty="0"/>
-                    </a:p>
-                  </a:txBody>
-                  <a:tcPr/>
-                </a:tc>
-                <a:tc>
-                  <a:txBody>
-                    <a:bodyPr/>
-                    <a:lstStyle/>
-                    <a:p>
-                      <a:pPr algn="ctr"/>
-                      <a:r>
-                        <a:rPr lang="en-US" dirty="0"/>
-                        <a:t>3</a:t>
-                      </a:r>
-                    </a:p>
-                  </a:txBody>
-                  <a:tcPr/>
-                </a:tc>
-                <a:extLst>
-                  <a:ext uri="{0D108BD9-81ED-4DB2-BD59-A6C34878D82A}">
-                    <a16:rowId xmlns="" xmlns:a16="http://schemas.microsoft.com/office/drawing/2014/main" val="2841678841"/>
-                  </a:ext>
-                </a:extLst>
-              </a:tr>
-              <a:tr h="370840">
-                <a:tc>
-                  <a:txBody>
-                    <a:bodyPr/>
-                    <a:lstStyle/>
-                    <a:p>
-                      <a:r>
-                        <a:rPr lang="en-US" dirty="0"/>
-                        <a:t>Ordered clustered index scan</a:t>
-                      </a:r>
-                    </a:p>
-                  </a:txBody>
-                  <a:tcPr/>
-                </a:tc>
-                <a:tc>
-                  <a:txBody>
-                    <a:bodyPr/>
-                    <a:lstStyle/>
-                    <a:p>
-                      <a:pPr algn="ctr"/>
-                      <a:r>
-                        <a:rPr lang="en-US" dirty="0"/>
-                        <a:t>1</a:t>
-                      </a:r>
-                    </a:p>
-                  </a:txBody>
-                  <a:tcPr/>
-                </a:tc>
-                <a:extLst>
-                  <a:ext uri="{0D108BD9-81ED-4DB2-BD59-A6C34878D82A}">
-                    <a16:rowId xmlns="" xmlns:a16="http://schemas.microsoft.com/office/drawing/2014/main" val="3144998627"/>
-                  </a:ext>
-                </a:extLst>
-              </a:tr>
-              <a:tr h="370840">
-                <a:tc>
-                  <a:txBody>
-                    <a:bodyPr/>
-                    <a:lstStyle/>
-                    <a:p>
-                      <a:r>
-                        <a:rPr lang="en-US" dirty="0"/>
-                        <a:t>Ordered </a:t>
-                      </a:r>
-                      <a:r>
-                        <a:rPr lang="en-US" dirty="0" err="1"/>
-                        <a:t>nonclustered</a:t>
-                      </a:r>
-                      <a:r>
-                        <a:rPr lang="en-US" dirty="0"/>
-                        <a:t> index scan (covering)</a:t>
-                      </a:r>
-                    </a:p>
-                  </a:txBody>
-                  <a:tcPr/>
-                </a:tc>
-                <a:tc>
-                  <a:txBody>
-                    <a:bodyPr/>
-                    <a:lstStyle/>
-                    <a:p>
-                      <a:pPr algn="ctr"/>
-                      <a:r>
-                        <a:rPr lang="en-US" dirty="0"/>
-                        <a:t>3</a:t>
-                      </a:r>
-                    </a:p>
-                  </a:txBody>
-                  <a:tcPr/>
-                </a:tc>
-                <a:extLst>
-                  <a:ext uri="{0D108BD9-81ED-4DB2-BD59-A6C34878D82A}">
-                    <a16:rowId xmlns="" xmlns:a16="http://schemas.microsoft.com/office/drawing/2014/main" val="1419261869"/>
-                  </a:ext>
-                </a:extLst>
-              </a:tr>
-              <a:tr h="370840">
-                <a:tc>
-                  <a:txBody>
-                    <a:bodyPr/>
-                    <a:lstStyle/>
-                    <a:p>
-                      <a:r>
-                        <a:rPr lang="en-US" dirty="0" err="1"/>
-                        <a:t>Nonclustered</a:t>
-                      </a:r>
-                      <a:r>
-                        <a:rPr lang="en-US" dirty="0"/>
-                        <a:t> seek + ordered partial scan + lookup</a:t>
-                      </a:r>
-                    </a:p>
-                  </a:txBody>
-                  <a:tcPr/>
-                </a:tc>
-                <a:tc>
-                  <a:txBody>
-                    <a:bodyPr/>
-                    <a:lstStyle/>
-                    <a:p>
-                      <a:pPr algn="ctr"/>
-                      <a:r>
-                        <a:rPr lang="en-US" dirty="0"/>
-                        <a:t>3</a:t>
-                      </a:r>
-                    </a:p>
-                  </a:txBody>
-                  <a:tcPr/>
-                </a:tc>
-                <a:extLst>
-                  <a:ext uri="{0D108BD9-81ED-4DB2-BD59-A6C34878D82A}">
-                    <a16:rowId xmlns="" xmlns:a16="http://schemas.microsoft.com/office/drawing/2014/main" val="1427391072"/>
-                  </a:ext>
-                </a:extLst>
-              </a:tr>
-              <a:tr h="370840">
-                <a:tc>
-                  <a:txBody>
-                    <a:bodyPr/>
-                    <a:lstStyle/>
-                    <a:p>
-                      <a:r>
-                        <a:rPr lang="en-US" dirty="0"/>
-                        <a:t>Unordered</a:t>
-                      </a:r>
-                      <a:r>
-                        <a:rPr lang="en-US" baseline="0" dirty="0"/>
-                        <a:t> </a:t>
-                      </a:r>
-                      <a:r>
-                        <a:rPr lang="en-US" baseline="0" dirty="0" err="1"/>
-                        <a:t>nonclustered</a:t>
-                      </a:r>
-                      <a:r>
-                        <a:rPr lang="en-US" baseline="0" dirty="0"/>
-                        <a:t> index scan + lookup</a:t>
-                      </a:r>
-                      <a:endParaRPr lang="en-US" dirty="0"/>
-                    </a:p>
-                  </a:txBody>
-                  <a:tcPr/>
-                </a:tc>
-                <a:tc>
-                  <a:txBody>
-                    <a:bodyPr/>
-                    <a:lstStyle/>
-                    <a:p>
-                      <a:pPr algn="ctr"/>
-                      <a:r>
-                        <a:rPr lang="en-US" dirty="0"/>
-                        <a:t>3</a:t>
-                      </a:r>
-                    </a:p>
-                  </a:txBody>
-                  <a:tcPr/>
-                </a:tc>
-                <a:extLst>
-                  <a:ext uri="{0D108BD9-81ED-4DB2-BD59-A6C34878D82A}">
-                    <a16:rowId xmlns="" xmlns:a16="http://schemas.microsoft.com/office/drawing/2014/main" val="2346539918"/>
-                  </a:ext>
-                </a:extLst>
-              </a:tr>
-              <a:tr h="370840">
-                <a:tc>
-                  <a:txBody>
-                    <a:bodyPr/>
-                    <a:lstStyle/>
-                    <a:p>
-                      <a:r>
-                        <a:rPr lang="en-US" dirty="0"/>
-                        <a:t>Clustered index seek + ordered</a:t>
-                      </a:r>
-                      <a:r>
-                        <a:rPr lang="en-US" baseline="0" dirty="0"/>
-                        <a:t> partial scan</a:t>
-                      </a:r>
-                      <a:endParaRPr lang="en-US" dirty="0"/>
-                    </a:p>
-                  </a:txBody>
-                  <a:tcPr/>
-                </a:tc>
-                <a:tc>
-                  <a:txBody>
-                    <a:bodyPr/>
-                    <a:lstStyle/>
-                    <a:p>
-                      <a:pPr algn="ctr"/>
-                      <a:r>
-                        <a:rPr lang="en-US" dirty="0"/>
-                        <a:t>1</a:t>
-                      </a:r>
-                    </a:p>
-                  </a:txBody>
-                  <a:tcPr/>
-                </a:tc>
-                <a:extLst>
-                  <a:ext uri="{0D108BD9-81ED-4DB2-BD59-A6C34878D82A}">
-                    <a16:rowId xmlns="" xmlns:a16="http://schemas.microsoft.com/office/drawing/2014/main" val="2275483042"/>
-                  </a:ext>
-                </a:extLst>
-              </a:tr>
-              <a:tr h="370840">
-                <a:tc>
-                  <a:txBody>
-                    <a:bodyPr/>
-                    <a:lstStyle/>
-                    <a:p>
-                      <a:r>
-                        <a:rPr lang="en-US" dirty="0" err="1"/>
-                        <a:t>Nonclustered</a:t>
-                      </a:r>
-                      <a:r>
-                        <a:rPr lang="en-US" dirty="0"/>
-                        <a:t> index seek + ordered partial scan (covering)</a:t>
-                      </a:r>
-                    </a:p>
-                  </a:txBody>
-                  <a:tcPr/>
-                </a:tc>
-                <a:tc>
-                  <a:txBody>
-                    <a:bodyPr/>
-                    <a:lstStyle/>
-                    <a:p>
-                      <a:pPr algn="ctr"/>
-                      <a:r>
-                        <a:rPr lang="en-US" dirty="0"/>
-                        <a:t>3</a:t>
-                      </a:r>
-                    </a:p>
-                  </a:txBody>
-                  <a:tcPr/>
-                </a:tc>
-                <a:extLst>
-                  <a:ext uri="{0D108BD9-81ED-4DB2-BD59-A6C34878D82A}">
-                    <a16:rowId xmlns="" xmlns:a16="http://schemas.microsoft.com/office/drawing/2014/main" val="4202569347"/>
-                  </a:ext>
-                </a:extLst>
-              </a:tr>
-              <a:tr h="370840">
-                <a:tc>
-                  <a:txBody>
-                    <a:bodyPr/>
-                    <a:lstStyle/>
-                    <a:p>
-                      <a:r>
-                        <a:rPr lang="en-US" dirty="0"/>
-                        <a:t>Indexed views</a:t>
-                      </a:r>
-                    </a:p>
-                  </a:txBody>
-                  <a:tcPr/>
-                </a:tc>
-                <a:tc>
-                  <a:txBody>
-                    <a:bodyPr/>
-                    <a:lstStyle/>
-                    <a:p>
-                      <a:pPr algn="ctr"/>
-                      <a:r>
-                        <a:rPr lang="en-US" dirty="0"/>
-                        <a:t>0</a:t>
-                      </a:r>
-                    </a:p>
-                  </a:txBody>
-                  <a:tcPr/>
-                </a:tc>
-                <a:extLst>
-                  <a:ext uri="{0D108BD9-81ED-4DB2-BD59-A6C34878D82A}">
-                    <a16:rowId xmlns="" xmlns:a16="http://schemas.microsoft.com/office/drawing/2014/main" val="2989839269"/>
-                  </a:ext>
-                </a:extLst>
-              </a:tr>
-              <a:tr h="370840">
-                <a:tc>
-                  <a:txBody>
-                    <a:bodyPr/>
-                    <a:lstStyle/>
-                    <a:p>
-                      <a:r>
-                        <a:rPr lang="en-US" dirty="0"/>
-                        <a:t>Index intersection*</a:t>
-                      </a:r>
-                    </a:p>
-                  </a:txBody>
-                  <a:tcPr/>
-                </a:tc>
-                <a:tc>
-                  <a:txBody>
-                    <a:bodyPr/>
-                    <a:lstStyle/>
-                    <a:p>
-                      <a:pPr algn="ctr"/>
-                      <a:r>
-                        <a:rPr lang="en-US" dirty="0"/>
-                        <a:t>54</a:t>
-                      </a:r>
-                    </a:p>
-                  </a:txBody>
-                  <a:tcPr/>
-                </a:tc>
-                <a:extLst>
-                  <a:ext uri="{0D108BD9-81ED-4DB2-BD59-A6C34878D82A}">
-                    <a16:rowId xmlns="" xmlns:a16="http://schemas.microsoft.com/office/drawing/2014/main" val="2130545569"/>
-                  </a:ext>
-                </a:extLst>
-              </a:tr>
-              <a:tr h="370840">
-                <a:tc>
-                  <a:txBody>
-                    <a:bodyPr/>
-                    <a:lstStyle/>
-                    <a:p>
-                      <a:r>
-                        <a:rPr lang="en-US" sz="1800" b="1" kern="1200" dirty="0">
-                          <a:solidFill>
-                            <a:schemeClr val="lt1"/>
-                          </a:solidFill>
-                          <a:latin typeface="+mn-lt"/>
-                          <a:ea typeface="+mn-ea"/>
-                          <a:cs typeface="+mn-cs"/>
-                        </a:rPr>
-                        <a:t>Total</a:t>
-                      </a:r>
-                    </a:p>
-                  </a:txBody>
-                  <a:tcPr>
-                    <a:solidFill>
-                      <a:schemeClr val="accent1"/>
-                    </a:solidFill>
-                  </a:tcPr>
-                </a:tc>
-                <a:tc>
-                  <a:txBody>
-                    <a:bodyPr/>
-                    <a:lstStyle/>
-                    <a:p>
-                      <a:pPr algn="ctr"/>
-                      <a:r>
-                        <a:rPr lang="en-US" sz="1800" b="1" kern="1200" dirty="0">
-                          <a:solidFill>
-                            <a:schemeClr val="lt1"/>
-                          </a:solidFill>
-                          <a:latin typeface="+mn-lt"/>
-                          <a:ea typeface="+mn-ea"/>
-                          <a:cs typeface="+mn-cs"/>
-                        </a:rPr>
-                        <a:t>72</a:t>
-                      </a:r>
-                    </a:p>
-                  </a:txBody>
-                  <a:tcPr>
-                    <a:solidFill>
-                      <a:schemeClr val="accent1"/>
-                    </a:solidFill>
-                  </a:tcPr>
-                </a:tc>
-                <a:extLst>
-                  <a:ext uri="{0D108BD9-81ED-4DB2-BD59-A6C34878D82A}">
-                    <a16:rowId xmlns="" xmlns:a16="http://schemas.microsoft.com/office/drawing/2014/main" val="1848127216"/>
-                  </a:ext>
-                </a:extLst>
-              </a:tr>
-            </a:tbl>
-          </a:graphicData>
-        </a:graphic>
-      </p:graphicFrame>
-      <p:sp>
-        <p:nvSpPr>
-          <p:cNvPr id="4" name="TextBox 3"/>
-          <p:cNvSpPr txBox="1"/>
-          <p:nvPr/>
-        </p:nvSpPr>
-        <p:spPr>
-          <a:xfrm>
-            <a:off x="423511" y="5613004"/>
-            <a:ext cx="8239226" cy="400110"/>
-          </a:xfrm>
-          <a:prstGeom prst="rect">
-            <a:avLst/>
-          </a:prstGeom>
-          <a:noFill/>
-        </p:spPr>
-        <p:txBody>
-          <a:bodyPr wrap="square" rtlCol="0">
-            <a:spAutoFit/>
-          </a:bodyPr>
-          <a:lstStyle/>
-          <a:p>
-            <a:r>
-              <a:rPr lang="en-US" sz="1000" dirty="0"/>
-              <a:t>6 combinations of 2 indexes; 1 join per pair = 6 joins; 3 join methods each = 18</a:t>
-            </a:r>
-          </a:p>
-          <a:p>
-            <a:r>
-              <a:rPr lang="en-US" sz="1000" dirty="0"/>
-              <a:t>6 combinations of 3 indexes; 2 joins per triplet = 12 joins; 3 join methods each = 36; total = 54</a:t>
-            </a:r>
-          </a:p>
-        </p:txBody>
-      </p:sp>
-      <p:sp>
-        <p:nvSpPr>
-          <p:cNvPr id="5" name="Oval 4"/>
-          <p:cNvSpPr/>
-          <p:nvPr/>
-        </p:nvSpPr>
-        <p:spPr>
-          <a:xfrm>
-            <a:off x="8527984" y="5509863"/>
-            <a:ext cx="616016" cy="606391"/>
-          </a:xfrm>
-          <a:prstGeom prst="ellipse">
-            <a:avLst/>
-          </a:prstGeom>
-        </p:spPr>
-        <p:style>
-          <a:lnRef idx="1">
-            <a:schemeClr val="accent1"/>
-          </a:lnRef>
-          <a:fillRef idx="3">
-            <a:schemeClr val="accent1"/>
-          </a:fillRef>
-          <a:effectRef idx="2">
-            <a:schemeClr val="accent1"/>
-          </a:effectRef>
-          <a:fontRef idx="minor">
-            <a:schemeClr val="lt1"/>
-          </a:fontRef>
-        </p:style>
-        <p:txBody>
-          <a:bodyPr rtlCol="0" anchor="ctr"/>
-          <a:lstStyle/>
-          <a:p>
-            <a:pPr algn="ctr"/>
-            <a:r>
-              <a:rPr lang="en-US" dirty="0"/>
-              <a:t>5</a:t>
-            </a:r>
-          </a:p>
-        </p:txBody>
-      </p:sp>
-    </p:spTree>
-    <p:extLst>
-      <p:ext uri="{BB962C8B-B14F-4D97-AF65-F5344CB8AC3E}">
-        <p14:creationId xmlns:p14="http://schemas.microsoft.com/office/powerpoint/2010/main" val="4101184660"/>
       </p:ext>
     </p:extLst>
   </p:cSld>
@@ -32410,6 +31511,948 @@
           <p:nvPr>
             <p:extLst>
               <p:ext uri="{D42A27DB-BD31-4B8C-83A1-F6EECF244321}">
+                <p14:modId xmlns:p14="http://schemas.microsoft.com/office/powerpoint/2010/main" val="465510585"/>
+              </p:ext>
+            </p:extLst>
+          </p:nvPr>
+        </p:nvGraphicFramePr>
+        <p:xfrm>
+          <a:off x="423509" y="1146743"/>
+          <a:ext cx="8239228" cy="4450080"/>
+        </p:xfrm>
+        <a:graphic>
+          <a:graphicData uri="http://schemas.openxmlformats.org/drawingml/2006/table">
+            <a:tbl>
+              <a:tblPr firstRow="1" bandRow="1">
+                <a:tableStyleId>{5C22544A-7EE6-4342-B048-85BDC9FD1C3A}</a:tableStyleId>
+              </a:tblPr>
+              <a:tblGrid>
+                <a:gridCol w="7632835">
+                  <a:extLst>
+                    <a:ext uri="{9D8B030D-6E8A-4147-A177-3AD203B41FA5}">
+                      <a16:colId xmlns:a16="http://schemas.microsoft.com/office/drawing/2014/main" xmlns="" val="3644048045"/>
+                    </a:ext>
+                  </a:extLst>
+                </a:gridCol>
+                <a:gridCol w="606393">
+                  <a:extLst>
+                    <a:ext uri="{9D8B030D-6E8A-4147-A177-3AD203B41FA5}">
+                      <a16:colId xmlns:a16="http://schemas.microsoft.com/office/drawing/2014/main" xmlns="" val="2034254753"/>
+                    </a:ext>
+                  </a:extLst>
+                </a:gridCol>
+              </a:tblGrid>
+              <a:tr h="370840">
+                <a:tc gridSpan="2">
+                  <a:txBody>
+                    <a:bodyPr/>
+                    <a:lstStyle/>
+                    <a:p>
+                      <a:r>
+                        <a:rPr lang="en-US" dirty="0"/>
+                        <a:t>Physical access methods (per table)</a:t>
+                      </a:r>
+                    </a:p>
+                  </a:txBody>
+                  <a:tcPr/>
+                </a:tc>
+                <a:tc hMerge="1">
+                  <a:txBody>
+                    <a:bodyPr/>
+                    <a:lstStyle/>
+                    <a:p>
+                      <a:endParaRPr lang="en-US" dirty="0"/>
+                    </a:p>
+                  </a:txBody>
+                  <a:tcPr/>
+                </a:tc>
+                <a:extLst>
+                  <a:ext uri="{0D108BD9-81ED-4DB2-BD59-A6C34878D82A}">
+                    <a16:rowId xmlns:a16="http://schemas.microsoft.com/office/drawing/2014/main" xmlns="" val="2708275910"/>
+                  </a:ext>
+                </a:extLst>
+              </a:tr>
+              <a:tr h="370840">
+                <a:tc>
+                  <a:txBody>
+                    <a:bodyPr/>
+                    <a:lstStyle/>
+                    <a:p>
+                      <a:r>
+                        <a:rPr lang="en-US" dirty="0"/>
+                        <a:t>Unordered clustered index scan</a:t>
+                      </a:r>
+                    </a:p>
+                  </a:txBody>
+                  <a:tcPr/>
+                </a:tc>
+                <a:tc>
+                  <a:txBody>
+                    <a:bodyPr/>
+                    <a:lstStyle/>
+                    <a:p>
+                      <a:pPr algn="ctr"/>
+                      <a:r>
+                        <a:rPr lang="en-US" dirty="0"/>
+                        <a:t>1</a:t>
+                      </a:r>
+                    </a:p>
+                  </a:txBody>
+                  <a:tcPr/>
+                </a:tc>
+                <a:extLst>
+                  <a:ext uri="{0D108BD9-81ED-4DB2-BD59-A6C34878D82A}">
+                    <a16:rowId xmlns:a16="http://schemas.microsoft.com/office/drawing/2014/main" xmlns="" val="2161984115"/>
+                  </a:ext>
+                </a:extLst>
+              </a:tr>
+              <a:tr h="370840">
+                <a:tc>
+                  <a:txBody>
+                    <a:bodyPr/>
+                    <a:lstStyle/>
+                    <a:p>
+                      <a:r>
+                        <a:rPr lang="en-US" dirty="0"/>
+                        <a:t>Unordered</a:t>
+                      </a:r>
+                      <a:r>
+                        <a:rPr lang="en-US" baseline="0" dirty="0"/>
+                        <a:t> </a:t>
+                      </a:r>
+                      <a:r>
+                        <a:rPr lang="en-US" baseline="0" dirty="0" err="1"/>
+                        <a:t>nonclustered</a:t>
+                      </a:r>
+                      <a:r>
+                        <a:rPr lang="en-US" baseline="0" dirty="0"/>
+                        <a:t> index scan (covering)</a:t>
+                      </a:r>
+                      <a:endParaRPr lang="en-US" dirty="0"/>
+                    </a:p>
+                  </a:txBody>
+                  <a:tcPr/>
+                </a:tc>
+                <a:tc>
+                  <a:txBody>
+                    <a:bodyPr/>
+                    <a:lstStyle/>
+                    <a:p>
+                      <a:pPr algn="ctr"/>
+                      <a:r>
+                        <a:rPr lang="en-US" dirty="0"/>
+                        <a:t>3</a:t>
+                      </a:r>
+                    </a:p>
+                  </a:txBody>
+                  <a:tcPr/>
+                </a:tc>
+                <a:extLst>
+                  <a:ext uri="{0D108BD9-81ED-4DB2-BD59-A6C34878D82A}">
+                    <a16:rowId xmlns:a16="http://schemas.microsoft.com/office/drawing/2014/main" xmlns="" val="2841678841"/>
+                  </a:ext>
+                </a:extLst>
+              </a:tr>
+              <a:tr h="370840">
+                <a:tc>
+                  <a:txBody>
+                    <a:bodyPr/>
+                    <a:lstStyle/>
+                    <a:p>
+                      <a:r>
+                        <a:rPr lang="en-US" dirty="0"/>
+                        <a:t>Ordered clustered index scan</a:t>
+                      </a:r>
+                    </a:p>
+                  </a:txBody>
+                  <a:tcPr/>
+                </a:tc>
+                <a:tc>
+                  <a:txBody>
+                    <a:bodyPr/>
+                    <a:lstStyle/>
+                    <a:p>
+                      <a:pPr algn="ctr"/>
+                      <a:r>
+                        <a:rPr lang="en-US" dirty="0"/>
+                        <a:t>1</a:t>
+                      </a:r>
+                    </a:p>
+                  </a:txBody>
+                  <a:tcPr/>
+                </a:tc>
+                <a:extLst>
+                  <a:ext uri="{0D108BD9-81ED-4DB2-BD59-A6C34878D82A}">
+                    <a16:rowId xmlns:a16="http://schemas.microsoft.com/office/drawing/2014/main" xmlns="" val="3144998627"/>
+                  </a:ext>
+                </a:extLst>
+              </a:tr>
+              <a:tr h="370840">
+                <a:tc>
+                  <a:txBody>
+                    <a:bodyPr/>
+                    <a:lstStyle/>
+                    <a:p>
+                      <a:r>
+                        <a:rPr lang="en-US" dirty="0"/>
+                        <a:t>Ordered </a:t>
+                      </a:r>
+                      <a:r>
+                        <a:rPr lang="en-US" dirty="0" err="1"/>
+                        <a:t>nonclustered</a:t>
+                      </a:r>
+                      <a:r>
+                        <a:rPr lang="en-US" dirty="0"/>
+                        <a:t> index scan (covering)</a:t>
+                      </a:r>
+                    </a:p>
+                  </a:txBody>
+                  <a:tcPr/>
+                </a:tc>
+                <a:tc>
+                  <a:txBody>
+                    <a:bodyPr/>
+                    <a:lstStyle/>
+                    <a:p>
+                      <a:pPr algn="ctr"/>
+                      <a:r>
+                        <a:rPr lang="en-US" dirty="0"/>
+                        <a:t>3</a:t>
+                      </a:r>
+                    </a:p>
+                  </a:txBody>
+                  <a:tcPr/>
+                </a:tc>
+                <a:extLst>
+                  <a:ext uri="{0D108BD9-81ED-4DB2-BD59-A6C34878D82A}">
+                    <a16:rowId xmlns:a16="http://schemas.microsoft.com/office/drawing/2014/main" xmlns="" val="1419261869"/>
+                  </a:ext>
+                </a:extLst>
+              </a:tr>
+              <a:tr h="370840">
+                <a:tc>
+                  <a:txBody>
+                    <a:bodyPr/>
+                    <a:lstStyle/>
+                    <a:p>
+                      <a:r>
+                        <a:rPr lang="en-US" dirty="0" err="1"/>
+                        <a:t>Nonclustered</a:t>
+                      </a:r>
+                      <a:r>
+                        <a:rPr lang="en-US" dirty="0"/>
+                        <a:t> seek + ordered partial scan + lookup</a:t>
+                      </a:r>
+                    </a:p>
+                  </a:txBody>
+                  <a:tcPr/>
+                </a:tc>
+                <a:tc>
+                  <a:txBody>
+                    <a:bodyPr/>
+                    <a:lstStyle/>
+                    <a:p>
+                      <a:pPr algn="ctr"/>
+                      <a:r>
+                        <a:rPr lang="en-US" dirty="0"/>
+                        <a:t>3</a:t>
+                      </a:r>
+                    </a:p>
+                  </a:txBody>
+                  <a:tcPr/>
+                </a:tc>
+                <a:extLst>
+                  <a:ext uri="{0D108BD9-81ED-4DB2-BD59-A6C34878D82A}">
+                    <a16:rowId xmlns:a16="http://schemas.microsoft.com/office/drawing/2014/main" xmlns="" val="1427391072"/>
+                  </a:ext>
+                </a:extLst>
+              </a:tr>
+              <a:tr h="370840">
+                <a:tc>
+                  <a:txBody>
+                    <a:bodyPr/>
+                    <a:lstStyle/>
+                    <a:p>
+                      <a:r>
+                        <a:rPr lang="en-US" dirty="0"/>
+                        <a:t>Unordered</a:t>
+                      </a:r>
+                      <a:r>
+                        <a:rPr lang="en-US" baseline="0" dirty="0"/>
+                        <a:t> </a:t>
+                      </a:r>
+                      <a:r>
+                        <a:rPr lang="en-US" baseline="0" dirty="0" err="1"/>
+                        <a:t>nonclustered</a:t>
+                      </a:r>
+                      <a:r>
+                        <a:rPr lang="en-US" baseline="0" dirty="0"/>
+                        <a:t> index scan + lookup</a:t>
+                      </a:r>
+                      <a:endParaRPr lang="en-US" dirty="0"/>
+                    </a:p>
+                  </a:txBody>
+                  <a:tcPr/>
+                </a:tc>
+                <a:tc>
+                  <a:txBody>
+                    <a:bodyPr/>
+                    <a:lstStyle/>
+                    <a:p>
+                      <a:pPr algn="ctr"/>
+                      <a:r>
+                        <a:rPr lang="en-US" dirty="0"/>
+                        <a:t>3</a:t>
+                      </a:r>
+                    </a:p>
+                  </a:txBody>
+                  <a:tcPr/>
+                </a:tc>
+                <a:extLst>
+                  <a:ext uri="{0D108BD9-81ED-4DB2-BD59-A6C34878D82A}">
+                    <a16:rowId xmlns:a16="http://schemas.microsoft.com/office/drawing/2014/main" xmlns="" val="2346539918"/>
+                  </a:ext>
+                </a:extLst>
+              </a:tr>
+              <a:tr h="370840">
+                <a:tc>
+                  <a:txBody>
+                    <a:bodyPr/>
+                    <a:lstStyle/>
+                    <a:p>
+                      <a:r>
+                        <a:rPr lang="en-US" dirty="0"/>
+                        <a:t>Clustered index seek + ordered</a:t>
+                      </a:r>
+                      <a:r>
+                        <a:rPr lang="en-US" baseline="0" dirty="0"/>
+                        <a:t> partial scan</a:t>
+                      </a:r>
+                      <a:endParaRPr lang="en-US" dirty="0"/>
+                    </a:p>
+                  </a:txBody>
+                  <a:tcPr/>
+                </a:tc>
+                <a:tc>
+                  <a:txBody>
+                    <a:bodyPr/>
+                    <a:lstStyle/>
+                    <a:p>
+                      <a:pPr algn="ctr"/>
+                      <a:r>
+                        <a:rPr lang="en-US" dirty="0"/>
+                        <a:t>1</a:t>
+                      </a:r>
+                    </a:p>
+                  </a:txBody>
+                  <a:tcPr/>
+                </a:tc>
+                <a:extLst>
+                  <a:ext uri="{0D108BD9-81ED-4DB2-BD59-A6C34878D82A}">
+                    <a16:rowId xmlns:a16="http://schemas.microsoft.com/office/drawing/2014/main" xmlns="" val="2275483042"/>
+                  </a:ext>
+                </a:extLst>
+              </a:tr>
+              <a:tr h="370840">
+                <a:tc>
+                  <a:txBody>
+                    <a:bodyPr/>
+                    <a:lstStyle/>
+                    <a:p>
+                      <a:r>
+                        <a:rPr lang="en-US" dirty="0" err="1"/>
+                        <a:t>Nonclustered</a:t>
+                      </a:r>
+                      <a:r>
+                        <a:rPr lang="en-US" dirty="0"/>
+                        <a:t> index seek + ordered partial scan (covering)</a:t>
+                      </a:r>
+                    </a:p>
+                  </a:txBody>
+                  <a:tcPr/>
+                </a:tc>
+                <a:tc>
+                  <a:txBody>
+                    <a:bodyPr/>
+                    <a:lstStyle/>
+                    <a:p>
+                      <a:pPr algn="ctr"/>
+                      <a:r>
+                        <a:rPr lang="en-US" dirty="0"/>
+                        <a:t>3</a:t>
+                      </a:r>
+                    </a:p>
+                  </a:txBody>
+                  <a:tcPr/>
+                </a:tc>
+                <a:extLst>
+                  <a:ext uri="{0D108BD9-81ED-4DB2-BD59-A6C34878D82A}">
+                    <a16:rowId xmlns:a16="http://schemas.microsoft.com/office/drawing/2014/main" xmlns="" val="4202569347"/>
+                  </a:ext>
+                </a:extLst>
+              </a:tr>
+              <a:tr h="370840">
+                <a:tc>
+                  <a:txBody>
+                    <a:bodyPr/>
+                    <a:lstStyle/>
+                    <a:p>
+                      <a:r>
+                        <a:rPr lang="en-US" dirty="0"/>
+                        <a:t>Indexed views</a:t>
+                      </a:r>
+                    </a:p>
+                  </a:txBody>
+                  <a:tcPr/>
+                </a:tc>
+                <a:tc>
+                  <a:txBody>
+                    <a:bodyPr/>
+                    <a:lstStyle/>
+                    <a:p>
+                      <a:pPr algn="ctr"/>
+                      <a:r>
+                        <a:rPr lang="en-US" dirty="0"/>
+                        <a:t>0</a:t>
+                      </a:r>
+                    </a:p>
+                  </a:txBody>
+                  <a:tcPr/>
+                </a:tc>
+                <a:extLst>
+                  <a:ext uri="{0D108BD9-81ED-4DB2-BD59-A6C34878D82A}">
+                    <a16:rowId xmlns:a16="http://schemas.microsoft.com/office/drawing/2014/main" xmlns="" val="2989839269"/>
+                  </a:ext>
+                </a:extLst>
+              </a:tr>
+              <a:tr h="370840">
+                <a:tc>
+                  <a:txBody>
+                    <a:bodyPr/>
+                    <a:lstStyle/>
+                    <a:p>
+                      <a:r>
+                        <a:rPr lang="en-US" dirty="0"/>
+                        <a:t>Index intersection*</a:t>
+                      </a:r>
+                    </a:p>
+                  </a:txBody>
+                  <a:tcPr/>
+                </a:tc>
+                <a:tc>
+                  <a:txBody>
+                    <a:bodyPr/>
+                    <a:lstStyle/>
+                    <a:p>
+                      <a:pPr algn="ctr"/>
+                      <a:r>
+                        <a:rPr lang="en-US" dirty="0"/>
+                        <a:t>54</a:t>
+                      </a:r>
+                    </a:p>
+                  </a:txBody>
+                  <a:tcPr/>
+                </a:tc>
+                <a:extLst>
+                  <a:ext uri="{0D108BD9-81ED-4DB2-BD59-A6C34878D82A}">
+                    <a16:rowId xmlns:a16="http://schemas.microsoft.com/office/drawing/2014/main" xmlns="" val="2130545569"/>
+                  </a:ext>
+                </a:extLst>
+              </a:tr>
+              <a:tr h="370840">
+                <a:tc>
+                  <a:txBody>
+                    <a:bodyPr/>
+                    <a:lstStyle/>
+                    <a:p>
+                      <a:r>
+                        <a:rPr lang="en-US" sz="1800" b="1" kern="1200" dirty="0">
+                          <a:solidFill>
+                            <a:schemeClr val="lt1"/>
+                          </a:solidFill>
+                          <a:latin typeface="+mn-lt"/>
+                          <a:ea typeface="+mn-ea"/>
+                          <a:cs typeface="+mn-cs"/>
+                        </a:rPr>
+                        <a:t>Total</a:t>
+                      </a:r>
+                    </a:p>
+                  </a:txBody>
+                  <a:tcPr>
+                    <a:solidFill>
+                      <a:schemeClr val="accent1"/>
+                    </a:solidFill>
+                  </a:tcPr>
+                </a:tc>
+                <a:tc>
+                  <a:txBody>
+                    <a:bodyPr/>
+                    <a:lstStyle/>
+                    <a:p>
+                      <a:pPr algn="ctr"/>
+                      <a:r>
+                        <a:rPr lang="en-US" sz="1800" b="1" kern="1200" dirty="0">
+                          <a:solidFill>
+                            <a:schemeClr val="lt1"/>
+                          </a:solidFill>
+                          <a:latin typeface="+mn-lt"/>
+                          <a:ea typeface="+mn-ea"/>
+                          <a:cs typeface="+mn-cs"/>
+                        </a:rPr>
+                        <a:t>72</a:t>
+                      </a:r>
+                    </a:p>
+                  </a:txBody>
+                  <a:tcPr>
+                    <a:solidFill>
+                      <a:schemeClr val="accent1"/>
+                    </a:solidFill>
+                  </a:tcPr>
+                </a:tc>
+                <a:extLst>
+                  <a:ext uri="{0D108BD9-81ED-4DB2-BD59-A6C34878D82A}">
+                    <a16:rowId xmlns:a16="http://schemas.microsoft.com/office/drawing/2014/main" xmlns="" val="1848127216"/>
+                  </a:ext>
+                </a:extLst>
+              </a:tr>
+            </a:tbl>
+          </a:graphicData>
+        </a:graphic>
+      </p:graphicFrame>
+      <p:sp>
+        <p:nvSpPr>
+          <p:cNvPr id="4" name="TextBox 3"/>
+          <p:cNvSpPr txBox="1"/>
+          <p:nvPr/>
+        </p:nvSpPr>
+        <p:spPr>
+          <a:xfrm>
+            <a:off x="423511" y="5613004"/>
+            <a:ext cx="8239226" cy="400110"/>
+          </a:xfrm>
+          <a:prstGeom prst="rect">
+            <a:avLst/>
+          </a:prstGeom>
+          <a:noFill/>
+        </p:spPr>
+        <p:txBody>
+          <a:bodyPr wrap="square" rtlCol="0">
+            <a:spAutoFit/>
+          </a:bodyPr>
+          <a:lstStyle/>
+          <a:p>
+            <a:r>
+              <a:rPr lang="en-US" sz="1000" dirty="0"/>
+              <a:t>6 combinations of 2 indexes; 1 join per pair = 6 joins; 3 join methods each = 18</a:t>
+            </a:r>
+          </a:p>
+          <a:p>
+            <a:r>
+              <a:rPr lang="en-US" sz="1000" dirty="0"/>
+              <a:t>6 combinations of 3 indexes; 2 joins per triplet = 12 joins; 3 join methods each = 36; total = 54</a:t>
+            </a:r>
+          </a:p>
+        </p:txBody>
+      </p:sp>
+      <p:sp>
+        <p:nvSpPr>
+          <p:cNvPr id="5" name="Oval 4"/>
+          <p:cNvSpPr/>
+          <p:nvPr/>
+        </p:nvSpPr>
+        <p:spPr>
+          <a:xfrm>
+            <a:off x="8527984" y="5509863"/>
+            <a:ext cx="616016" cy="606391"/>
+          </a:xfrm>
+          <a:prstGeom prst="ellipse">
+            <a:avLst/>
+          </a:prstGeom>
+        </p:spPr>
+        <p:style>
+          <a:lnRef idx="1">
+            <a:schemeClr val="accent1"/>
+          </a:lnRef>
+          <a:fillRef idx="3">
+            <a:schemeClr val="accent1"/>
+          </a:fillRef>
+          <a:effectRef idx="2">
+            <a:schemeClr val="accent1"/>
+          </a:effectRef>
+          <a:fontRef idx="minor">
+            <a:schemeClr val="lt1"/>
+          </a:fontRef>
+        </p:style>
+        <p:txBody>
+          <a:bodyPr rtlCol="0" anchor="ctr"/>
+          <a:lstStyle/>
+          <a:p>
+            <a:pPr algn="ctr"/>
+            <a:r>
+              <a:rPr lang="en-US" dirty="0"/>
+              <a:t>5</a:t>
+            </a:r>
+          </a:p>
+        </p:txBody>
+      </p:sp>
+    </p:spTree>
+    <p:extLst>
+      <p:ext uri="{BB962C8B-B14F-4D97-AF65-F5344CB8AC3E}">
+        <p14:creationId xmlns:p14="http://schemas.microsoft.com/office/powerpoint/2010/main" val="4101184660"/>
+      </p:ext>
+    </p:extLst>
+  </p:cSld>
+  <p:clrMapOvr>
+    <a:masterClrMapping/>
+  </p:clrMapOvr>
+  <mc:AlternateContent xmlns:mc="http://schemas.openxmlformats.org/markup-compatibility/2006" xmlns:p14="http://schemas.microsoft.com/office/powerpoint/2010/main">
+    <mc:Choice Requires="p14">
+      <p:transition spd="slow" p14:dur="2000"/>
+    </mc:Choice>
+    <mc:Fallback xmlns="">
+      <p:transition spd="slow"/>
+    </mc:Fallback>
+  </mc:AlternateContent>
+  <p:timing>
+    <p:tnLst>
+      <p:par>
+        <p:cTn id="1" dur="indefinite" restart="never" nodeType="tmRoot"/>
+      </p:par>
+    </p:tnLst>
+  </p:timing>
+</p:sld>
+</file>
+
+<file path=ppt/slides/slide37.xml><?xml version="1.0" encoding="utf-8"?>
+<p:sld xmlns:a="http://schemas.openxmlformats.org/drawingml/2006/main" xmlns:r="http://schemas.openxmlformats.org/officeDocument/2006/relationships" xmlns:p="http://schemas.openxmlformats.org/presentationml/2006/main" show="0">
+  <p:cSld>
+    <p:spTree>
+      <p:nvGrpSpPr>
+        <p:cNvPr id="1" name=""/>
+        <p:cNvGrpSpPr/>
+        <p:nvPr/>
+      </p:nvGrpSpPr>
+      <p:grpSpPr>
+        <a:xfrm>
+          <a:off x="0" y="0"/>
+          <a:ext cx="0" cy="0"/>
+          <a:chOff x="0" y="0"/>
+          <a:chExt cx="0" cy="0"/>
+        </a:xfrm>
+      </p:grpSpPr>
+      <p:sp>
+        <p:nvSpPr>
+          <p:cNvPr id="2" name="Rectangle 1"/>
+          <p:cNvSpPr/>
+          <p:nvPr/>
+        </p:nvSpPr>
+        <p:spPr>
+          <a:xfrm>
+            <a:off x="423511" y="370475"/>
+            <a:ext cx="8239226" cy="707886"/>
+          </a:xfrm>
+          <a:prstGeom prst="rect">
+            <a:avLst/>
+          </a:prstGeom>
+        </p:spPr>
+        <p:txBody>
+          <a:bodyPr wrap="square">
+            <a:spAutoFit/>
+          </a:bodyPr>
+          <a:lstStyle/>
+          <a:p>
+            <a:pPr indent="-57150"/>
+            <a:r>
+              <a:rPr lang="en-US" sz="2000" dirty="0">
+                <a:solidFill>
+                  <a:srgbClr val="0000FF"/>
+                </a:solidFill>
+                <a:latin typeface="Consolas" panose="020B0609020204030204" pitchFamily="49" charset="0"/>
+              </a:rPr>
+              <a:t>select</a:t>
+            </a:r>
+            <a:r>
+              <a:rPr lang="en-US" sz="2000" dirty="0">
+                <a:solidFill>
+                  <a:prstClr val="black"/>
+                </a:solidFill>
+                <a:latin typeface="Consolas" panose="020B0609020204030204" pitchFamily="49" charset="0"/>
+              </a:rPr>
+              <a:t> </a:t>
+            </a:r>
+            <a:r>
+              <a:rPr lang="en-US" sz="2000" dirty="0">
+                <a:solidFill>
+                  <a:srgbClr val="808080"/>
+                </a:solidFill>
+                <a:latin typeface="Consolas" panose="020B0609020204030204" pitchFamily="49" charset="0"/>
+              </a:rPr>
+              <a:t>...</a:t>
+            </a:r>
+            <a:endParaRPr lang="en-US" sz="2000" dirty="0">
+              <a:solidFill>
+                <a:prstClr val="black"/>
+              </a:solidFill>
+              <a:latin typeface="Consolas" panose="020B0609020204030204" pitchFamily="49" charset="0"/>
+            </a:endParaRPr>
+          </a:p>
+          <a:p>
+            <a:pPr indent="-57150"/>
+            <a:r>
+              <a:rPr lang="fi-FI" sz="2000" dirty="0">
+                <a:solidFill>
+                  <a:srgbClr val="0000FF"/>
+                </a:solidFill>
+                <a:latin typeface="Consolas" panose="020B0609020204030204" pitchFamily="49" charset="0"/>
+              </a:rPr>
+              <a:t>from</a:t>
+            </a:r>
+            <a:r>
+              <a:rPr lang="fi-FI" sz="2000" dirty="0">
+                <a:solidFill>
+                  <a:prstClr val="black"/>
+                </a:solidFill>
+                <a:latin typeface="Consolas" panose="020B0609020204030204" pitchFamily="49" charset="0"/>
+              </a:rPr>
+              <a:t> </a:t>
+            </a:r>
+            <a:r>
+              <a:rPr lang="fi-FI" sz="2000" dirty="0">
+                <a:solidFill>
+                  <a:srgbClr val="008080"/>
+                </a:solidFill>
+                <a:latin typeface="Consolas" panose="020B0609020204030204" pitchFamily="49" charset="0"/>
+              </a:rPr>
+              <a:t>a</a:t>
+            </a:r>
+            <a:r>
+              <a:rPr lang="fi-FI" sz="2000" dirty="0">
+                <a:solidFill>
+                  <a:prstClr val="black"/>
+                </a:solidFill>
+                <a:latin typeface="Consolas" panose="020B0609020204030204" pitchFamily="49" charset="0"/>
+              </a:rPr>
+              <a:t> </a:t>
+            </a:r>
+            <a:r>
+              <a:rPr lang="fi-FI" sz="2000" dirty="0">
+                <a:solidFill>
+                  <a:srgbClr val="808080"/>
+                </a:solidFill>
+                <a:latin typeface="Consolas" panose="020B0609020204030204" pitchFamily="49" charset="0"/>
+              </a:rPr>
+              <a:t>join</a:t>
+            </a:r>
+            <a:r>
+              <a:rPr lang="fi-FI" sz="2000" dirty="0">
+                <a:solidFill>
+                  <a:prstClr val="black"/>
+                </a:solidFill>
+                <a:latin typeface="Consolas" panose="020B0609020204030204" pitchFamily="49" charset="0"/>
+              </a:rPr>
+              <a:t> </a:t>
+            </a:r>
+            <a:r>
+              <a:rPr lang="fi-FI" sz="2000" dirty="0">
+                <a:solidFill>
+                  <a:srgbClr val="008080"/>
+                </a:solidFill>
+                <a:latin typeface="Consolas" panose="020B0609020204030204" pitchFamily="49" charset="0"/>
+              </a:rPr>
+              <a:t>b</a:t>
+            </a:r>
+            <a:r>
+              <a:rPr lang="fi-FI" sz="2000" dirty="0">
+                <a:solidFill>
+                  <a:prstClr val="black"/>
+                </a:solidFill>
+                <a:latin typeface="Consolas" panose="020B0609020204030204" pitchFamily="49" charset="0"/>
+              </a:rPr>
+              <a:t> </a:t>
+            </a:r>
+            <a:r>
+              <a:rPr lang="fi-FI" sz="2000" dirty="0">
+                <a:solidFill>
+                  <a:srgbClr val="0000FF"/>
+                </a:solidFill>
+                <a:latin typeface="Consolas" panose="020B0609020204030204" pitchFamily="49" charset="0"/>
+              </a:rPr>
+              <a:t>on</a:t>
+            </a:r>
+            <a:r>
+              <a:rPr lang="fi-FI" sz="2000" dirty="0">
+                <a:solidFill>
+                  <a:prstClr val="black"/>
+                </a:solidFill>
+                <a:latin typeface="Consolas" panose="020B0609020204030204" pitchFamily="49" charset="0"/>
+              </a:rPr>
+              <a:t> </a:t>
+            </a:r>
+            <a:r>
+              <a:rPr lang="fi-FI" sz="2000" dirty="0">
+                <a:solidFill>
+                  <a:srgbClr val="808080"/>
+                </a:solidFill>
+                <a:latin typeface="Consolas" panose="020B0609020204030204" pitchFamily="49" charset="0"/>
+              </a:rPr>
+              <a:t>...</a:t>
+            </a:r>
+            <a:r>
+              <a:rPr lang="fi-FI" sz="2000" dirty="0">
+                <a:solidFill>
+                  <a:prstClr val="black"/>
+                </a:solidFill>
+                <a:latin typeface="Consolas" panose="020B0609020204030204" pitchFamily="49" charset="0"/>
+              </a:rPr>
+              <a:t> </a:t>
+            </a:r>
+            <a:r>
+              <a:rPr lang="fi-FI" sz="2000" dirty="0">
+                <a:solidFill>
+                  <a:srgbClr val="808080"/>
+                </a:solidFill>
+                <a:latin typeface="Consolas" panose="020B0609020204030204" pitchFamily="49" charset="0"/>
+              </a:rPr>
+              <a:t>join</a:t>
+            </a:r>
+            <a:r>
+              <a:rPr lang="fi-FI" sz="2000" dirty="0">
+                <a:solidFill>
+                  <a:prstClr val="black"/>
+                </a:solidFill>
+                <a:latin typeface="Consolas" panose="020B0609020204030204" pitchFamily="49" charset="0"/>
+              </a:rPr>
+              <a:t> </a:t>
+            </a:r>
+            <a:r>
+              <a:rPr lang="fi-FI" sz="2000" dirty="0">
+                <a:solidFill>
+                  <a:srgbClr val="008080"/>
+                </a:solidFill>
+                <a:latin typeface="Consolas" panose="020B0609020204030204" pitchFamily="49" charset="0"/>
+              </a:rPr>
+              <a:t>c</a:t>
+            </a:r>
+            <a:r>
+              <a:rPr lang="fi-FI" sz="2000" dirty="0">
+                <a:solidFill>
+                  <a:prstClr val="black"/>
+                </a:solidFill>
+                <a:latin typeface="Consolas" panose="020B0609020204030204" pitchFamily="49" charset="0"/>
+              </a:rPr>
+              <a:t> </a:t>
+            </a:r>
+            <a:r>
+              <a:rPr lang="fi-FI" sz="2000" dirty="0">
+                <a:solidFill>
+                  <a:srgbClr val="0000FF"/>
+                </a:solidFill>
+                <a:latin typeface="Consolas" panose="020B0609020204030204" pitchFamily="49" charset="0"/>
+              </a:rPr>
+              <a:t>on</a:t>
+            </a:r>
+            <a:r>
+              <a:rPr lang="fi-FI" sz="2000" dirty="0">
+                <a:solidFill>
+                  <a:prstClr val="black"/>
+                </a:solidFill>
+                <a:latin typeface="Consolas" panose="020B0609020204030204" pitchFamily="49" charset="0"/>
+              </a:rPr>
+              <a:t> </a:t>
+            </a:r>
+            <a:r>
+              <a:rPr lang="fi-FI" sz="2000" dirty="0">
+                <a:solidFill>
+                  <a:srgbClr val="808080"/>
+                </a:solidFill>
+                <a:latin typeface="Consolas" panose="020B0609020204030204" pitchFamily="49" charset="0"/>
+              </a:rPr>
+              <a:t>...</a:t>
+            </a:r>
+            <a:r>
+              <a:rPr lang="fi-FI" sz="2000" dirty="0">
+                <a:solidFill>
+                  <a:prstClr val="black"/>
+                </a:solidFill>
+                <a:latin typeface="Consolas" panose="020B0609020204030204" pitchFamily="49" charset="0"/>
+              </a:rPr>
+              <a:t> </a:t>
+            </a:r>
+            <a:r>
+              <a:rPr lang="fi-FI" sz="2000" dirty="0">
+                <a:solidFill>
+                  <a:srgbClr val="808080"/>
+                </a:solidFill>
+                <a:latin typeface="Consolas" panose="020B0609020204030204" pitchFamily="49" charset="0"/>
+              </a:rPr>
+              <a:t>join</a:t>
+            </a:r>
+            <a:r>
+              <a:rPr lang="fi-FI" sz="2000" dirty="0">
+                <a:solidFill>
+                  <a:prstClr val="black"/>
+                </a:solidFill>
+                <a:latin typeface="Consolas" panose="020B0609020204030204" pitchFamily="49" charset="0"/>
+              </a:rPr>
+              <a:t> </a:t>
+            </a:r>
+            <a:r>
+              <a:rPr lang="fi-FI" sz="2000" dirty="0">
+                <a:solidFill>
+                  <a:srgbClr val="008080"/>
+                </a:solidFill>
+                <a:latin typeface="Consolas" panose="020B0609020204030204" pitchFamily="49" charset="0"/>
+              </a:rPr>
+              <a:t>d</a:t>
+            </a:r>
+            <a:r>
+              <a:rPr lang="fi-FI" sz="2000" dirty="0">
+                <a:solidFill>
+                  <a:prstClr val="black"/>
+                </a:solidFill>
+                <a:latin typeface="Consolas" panose="020B0609020204030204" pitchFamily="49" charset="0"/>
+              </a:rPr>
+              <a:t> </a:t>
+            </a:r>
+            <a:r>
+              <a:rPr lang="fi-FI" sz="2000" dirty="0">
+                <a:solidFill>
+                  <a:srgbClr val="0000FF"/>
+                </a:solidFill>
+                <a:latin typeface="Consolas" panose="020B0609020204030204" pitchFamily="49" charset="0"/>
+              </a:rPr>
+              <a:t>on</a:t>
+            </a:r>
+            <a:r>
+              <a:rPr lang="fi-FI" sz="2000" dirty="0">
+                <a:solidFill>
+                  <a:prstClr val="black"/>
+                </a:solidFill>
+                <a:latin typeface="Consolas" panose="020B0609020204030204" pitchFamily="49" charset="0"/>
+              </a:rPr>
+              <a:t> </a:t>
+            </a:r>
+            <a:r>
+              <a:rPr lang="fi-FI" sz="2000" dirty="0">
+                <a:solidFill>
+                  <a:srgbClr val="808080"/>
+                </a:solidFill>
+                <a:latin typeface="Consolas" panose="020B0609020204030204" pitchFamily="49" charset="0"/>
+              </a:rPr>
+              <a:t>...</a:t>
+            </a:r>
+          </a:p>
+        </p:txBody>
+      </p:sp>
+      <p:graphicFrame>
+        <p:nvGraphicFramePr>
+          <p:cNvPr id="3" name="Table 2"/>
+          <p:cNvGraphicFramePr>
+            <a:graphicFrameLocks noGrp="1"/>
+          </p:cNvGraphicFramePr>
+          <p:nvPr>
+            <p:extLst>
+              <p:ext uri="{D42A27DB-BD31-4B8C-83A1-F6EECF244321}">
                 <p14:modId xmlns:p14="http://schemas.microsoft.com/office/powerpoint/2010/main" val="1613515009"/>
               </p:ext>
             </p:extLst>
@@ -32429,14 +32472,14 @@
                 <a:gridCol w="4119615">
                   <a:extLst>
                     <a:ext uri="{9D8B030D-6E8A-4147-A177-3AD203B41FA5}">
-                      <a16:colId xmlns="" xmlns:a16="http://schemas.microsoft.com/office/drawing/2014/main" val="3644048045"/>
+                      <a16:colId xmlns:a16="http://schemas.microsoft.com/office/drawing/2014/main" xmlns="" val="3644048045"/>
                     </a:ext>
                   </a:extLst>
                 </a:gridCol>
                 <a:gridCol w="4119613">
                   <a:extLst>
                     <a:ext uri="{9D8B030D-6E8A-4147-A177-3AD203B41FA5}">
-                      <a16:colId xmlns="" xmlns:a16="http://schemas.microsoft.com/office/drawing/2014/main" val="2034254753"/>
+                      <a16:colId xmlns:a16="http://schemas.microsoft.com/office/drawing/2014/main" xmlns="" val="2034254753"/>
                     </a:ext>
                   </a:extLst>
                 </a:gridCol>
@@ -32472,7 +32515,7 @@
                 </a:tc>
                 <a:extLst>
                   <a:ext uri="{0D108BD9-81ED-4DB2-BD59-A6C34878D82A}">
-                    <a16:rowId xmlns="" xmlns:a16="http://schemas.microsoft.com/office/drawing/2014/main" val="2708275910"/>
+                    <a16:rowId xmlns:a16="http://schemas.microsoft.com/office/drawing/2014/main" xmlns="" val="2708275910"/>
                   </a:ext>
                 </a:extLst>
               </a:tr>
@@ -32672,7 +32715,7 @@
                 </a:tc>
                 <a:extLst>
                   <a:ext uri="{0D108BD9-81ED-4DB2-BD59-A6C34878D82A}">
-                    <a16:rowId xmlns="" xmlns:a16="http://schemas.microsoft.com/office/drawing/2014/main" val="2161984115"/>
+                    <a16:rowId xmlns:a16="http://schemas.microsoft.com/office/drawing/2014/main" xmlns="" val="2161984115"/>
                   </a:ext>
                 </a:extLst>
               </a:tr>
@@ -32872,7 +32915,7 @@
                 </a:tc>
                 <a:extLst>
                   <a:ext uri="{0D108BD9-81ED-4DB2-BD59-A6C34878D82A}">
-                    <a16:rowId xmlns="" xmlns:a16="http://schemas.microsoft.com/office/drawing/2014/main" val="2841678841"/>
+                    <a16:rowId xmlns:a16="http://schemas.microsoft.com/office/drawing/2014/main" xmlns="" val="2841678841"/>
                   </a:ext>
                 </a:extLst>
               </a:tr>
@@ -33072,7 +33115,7 @@
                 </a:tc>
                 <a:extLst>
                   <a:ext uri="{0D108BD9-81ED-4DB2-BD59-A6C34878D82A}">
-                    <a16:rowId xmlns="" xmlns:a16="http://schemas.microsoft.com/office/drawing/2014/main" val="3144998627"/>
+                    <a16:rowId xmlns:a16="http://schemas.microsoft.com/office/drawing/2014/main" xmlns="" val="3144998627"/>
                   </a:ext>
                 </a:extLst>
               </a:tr>
@@ -33272,7 +33315,7 @@
                 </a:tc>
                 <a:extLst>
                   <a:ext uri="{0D108BD9-81ED-4DB2-BD59-A6C34878D82A}">
-                    <a16:rowId xmlns="" xmlns:a16="http://schemas.microsoft.com/office/drawing/2014/main" val="1419261869"/>
+                    <a16:rowId xmlns:a16="http://schemas.microsoft.com/office/drawing/2014/main" xmlns="" val="1419261869"/>
                   </a:ext>
                 </a:extLst>
               </a:tr>
@@ -33472,7 +33515,7 @@
                 </a:tc>
                 <a:extLst>
                   <a:ext uri="{0D108BD9-81ED-4DB2-BD59-A6C34878D82A}">
-                    <a16:rowId xmlns="" xmlns:a16="http://schemas.microsoft.com/office/drawing/2014/main" val="1427391072"/>
+                    <a16:rowId xmlns:a16="http://schemas.microsoft.com/office/drawing/2014/main" xmlns="" val="1427391072"/>
                   </a:ext>
                 </a:extLst>
               </a:tr>
@@ -33672,7 +33715,7 @@
                 </a:tc>
                 <a:extLst>
                   <a:ext uri="{0D108BD9-81ED-4DB2-BD59-A6C34878D82A}">
-                    <a16:rowId xmlns="" xmlns:a16="http://schemas.microsoft.com/office/drawing/2014/main" val="2346539918"/>
+                    <a16:rowId xmlns:a16="http://schemas.microsoft.com/office/drawing/2014/main" xmlns="" val="2346539918"/>
                   </a:ext>
                 </a:extLst>
               </a:tr>
@@ -33881,7 +33924,7 @@
                 </a:tc>
                 <a:extLst>
                   <a:ext uri="{0D108BD9-81ED-4DB2-BD59-A6C34878D82A}">
-                    <a16:rowId xmlns="" xmlns:a16="http://schemas.microsoft.com/office/drawing/2014/main" val="2275483042"/>
+                    <a16:rowId xmlns:a16="http://schemas.microsoft.com/office/drawing/2014/main" xmlns="" val="2275483042"/>
                   </a:ext>
                 </a:extLst>
               </a:tr>
@@ -34090,7 +34133,7 @@
                 </a:tc>
                 <a:extLst>
                   <a:ext uri="{0D108BD9-81ED-4DB2-BD59-A6C34878D82A}">
-                    <a16:rowId xmlns="" xmlns:a16="http://schemas.microsoft.com/office/drawing/2014/main" val="4202569347"/>
+                    <a16:rowId xmlns:a16="http://schemas.microsoft.com/office/drawing/2014/main" xmlns="" val="4202569347"/>
                   </a:ext>
                 </a:extLst>
               </a:tr>
@@ -34299,7 +34342,7 @@
                 </a:tc>
                 <a:extLst>
                   <a:ext uri="{0D108BD9-81ED-4DB2-BD59-A6C34878D82A}">
-                    <a16:rowId xmlns="" xmlns:a16="http://schemas.microsoft.com/office/drawing/2014/main" val="2989839269"/>
+                    <a16:rowId xmlns:a16="http://schemas.microsoft.com/office/drawing/2014/main" xmlns="" val="2989839269"/>
                   </a:ext>
                 </a:extLst>
               </a:tr>
@@ -34508,7 +34551,7 @@
                 </a:tc>
                 <a:extLst>
                   <a:ext uri="{0D108BD9-81ED-4DB2-BD59-A6C34878D82A}">
-                    <a16:rowId xmlns="" xmlns:a16="http://schemas.microsoft.com/office/drawing/2014/main" val="2130545569"/>
+                    <a16:rowId xmlns:a16="http://schemas.microsoft.com/office/drawing/2014/main" xmlns="" val="2130545569"/>
                   </a:ext>
                 </a:extLst>
               </a:tr>
@@ -34717,7 +34760,7 @@
                 </a:tc>
                 <a:extLst>
                   <a:ext uri="{0D108BD9-81ED-4DB2-BD59-A6C34878D82A}">
-                    <a16:rowId xmlns="" xmlns:a16="http://schemas.microsoft.com/office/drawing/2014/main" val="3045796785"/>
+                    <a16:rowId xmlns:a16="http://schemas.microsoft.com/office/drawing/2014/main" xmlns="" val="3045796785"/>
                   </a:ext>
                 </a:extLst>
               </a:tr>
@@ -34926,7 +34969,7 @@
                 </a:tc>
                 <a:extLst>
                   <a:ext uri="{0D108BD9-81ED-4DB2-BD59-A6C34878D82A}">
-                    <a16:rowId xmlns="" xmlns:a16="http://schemas.microsoft.com/office/drawing/2014/main" val="1091494175"/>
+                    <a16:rowId xmlns:a16="http://schemas.microsoft.com/office/drawing/2014/main" xmlns="" val="1091494175"/>
                   </a:ext>
                 </a:extLst>
               </a:tr>
@@ -34962,7 +35005,7 @@
 </p:sld>
 </file>
 
-<file path=ppt/slides/slide37.xml><?xml version="1.0" encoding="utf-8"?>
+<file path=ppt/slides/slide38.xml><?xml version="1.0" encoding="utf-8"?>
 <p:sld xmlns:a="http://schemas.openxmlformats.org/drawingml/2006/main" xmlns:r="http://schemas.openxmlformats.org/officeDocument/2006/relationships" xmlns:p="http://schemas.openxmlformats.org/presentationml/2006/main" show="0">
   <p:cSld>
     <p:spTree>
@@ -35089,7 +35132,7 @@
 </p:sld>
 </file>
 
-<file path=ppt/slides/slide38.xml><?xml version="1.0" encoding="utf-8"?>
+<file path=ppt/slides/slide39.xml><?xml version="1.0" encoding="utf-8"?>
 <p:sld xmlns:a="http://schemas.openxmlformats.org/drawingml/2006/main" xmlns:r="http://schemas.openxmlformats.org/officeDocument/2006/relationships" xmlns:p="http://schemas.openxmlformats.org/presentationml/2006/main" show="0">
   <p:cSld>
     <p:spTree>
@@ -35279,7 +35322,118 @@
 </p:sld>
 </file>
 
-<file path=ppt/slides/slide39.xml><?xml version="1.0" encoding="utf-8"?>
+<file path=ppt/slides/slide4.xml><?xml version="1.0" encoding="utf-8"?>
+<p:sld xmlns:a="http://schemas.openxmlformats.org/drawingml/2006/main" xmlns:r="http://schemas.openxmlformats.org/officeDocument/2006/relationships" xmlns:p="http://schemas.openxmlformats.org/presentationml/2006/main">
+  <p:cSld>
+    <p:spTree>
+      <p:nvGrpSpPr>
+        <p:cNvPr id="1" name=""/>
+        <p:cNvGrpSpPr/>
+        <p:nvPr/>
+      </p:nvGrpSpPr>
+      <p:grpSpPr>
+        <a:xfrm>
+          <a:off x="0" y="0"/>
+          <a:ext cx="0" cy="0"/>
+          <a:chOff x="0" y="0"/>
+          <a:chExt cx="0" cy="0"/>
+        </a:xfrm>
+      </p:grpSpPr>
+      <p:sp>
+        <p:nvSpPr>
+          <p:cNvPr id="2" name="Title 1"/>
+          <p:cNvSpPr>
+            <a:spLocks noGrp="1"/>
+          </p:cNvSpPr>
+          <p:nvPr>
+            <p:ph type="title"/>
+          </p:nvPr>
+        </p:nvSpPr>
+        <p:spPr/>
+        <p:txBody>
+          <a:bodyPr/>
+          <a:lstStyle/>
+          <a:p>
+            <a:r>
+              <a:rPr lang="en-US" dirty="0"/>
+              <a:t>About This Session</a:t>
+            </a:r>
+          </a:p>
+        </p:txBody>
+      </p:sp>
+      <p:sp>
+        <p:nvSpPr>
+          <p:cNvPr id="3" name="Content Placeholder 2"/>
+          <p:cNvSpPr>
+            <a:spLocks noGrp="1"/>
+          </p:cNvSpPr>
+          <p:nvPr>
+            <p:ph idx="1"/>
+          </p:nvPr>
+        </p:nvSpPr>
+        <p:spPr/>
+        <p:txBody>
+          <a:bodyPr/>
+          <a:lstStyle/>
+          <a:p>
+            <a:r>
+              <a:rPr lang="en-US" dirty="0"/>
+              <a:t>What this session is not</a:t>
+            </a:r>
+          </a:p>
+          <a:p>
+            <a:pPr lvl="1"/>
+            <a:r>
+              <a:rPr lang="en-US" dirty="0"/>
+              <a:t>An end-to-end optimizer session</a:t>
+            </a:r>
+          </a:p>
+          <a:p>
+            <a:pPr lvl="1"/>
+            <a:r>
+              <a:rPr lang="en-US" dirty="0"/>
+              <a:t>A performance tuning session</a:t>
+            </a:r>
+          </a:p>
+          <a:p>
+            <a:endParaRPr lang="en-US" dirty="0"/>
+          </a:p>
+          <a:p>
+            <a:r>
+              <a:rPr lang="en-US" dirty="0"/>
+              <a:t>Goals of this session</a:t>
+            </a:r>
+          </a:p>
+          <a:p>
+            <a:pPr lvl="1"/>
+            <a:r>
+              <a:rPr lang="en-US" dirty="0"/>
+              <a:t>Additional understanding of SQL Server internals</a:t>
+            </a:r>
+          </a:p>
+          <a:p>
+            <a:pPr lvl="1"/>
+            <a:r>
+              <a:rPr lang="en-US" dirty="0"/>
+              <a:t>Provide an additional skill for performance tuning</a:t>
+            </a:r>
+          </a:p>
+        </p:txBody>
+      </p:sp>
+    </p:spTree>
+    <p:extLst>
+      <p:ext uri="{BB962C8B-B14F-4D97-AF65-F5344CB8AC3E}">
+        <p14:creationId xmlns:p14="http://schemas.microsoft.com/office/powerpoint/2010/main" val="1507468022"/>
+      </p:ext>
+    </p:extLst>
+  </p:cSld>
+  <p:clrMapOvr>
+    <a:masterClrMapping/>
+  </p:clrMapOvr>
+</p:sld>
+</file>
+
+<file path=ppt/slides/slide40.xml><?xml version="1.0" encoding="utf-8"?>
 <p:sld xmlns:a="http://schemas.openxmlformats.org/drawingml/2006/main" xmlns:r="http://schemas.openxmlformats.org/officeDocument/2006/relationships" xmlns:p="http://schemas.openxmlformats.org/presentationml/2006/main" show="0">
   <p:cSld>
     <p:spTree>
@@ -35980,291 +36134,6 @@
       <p:transition spd="slow"/>
     </mc:Fallback>
   </mc:AlternateContent>
-  <p:timing>
-    <p:tnLst>
-      <p:par>
-        <p:cTn id="1" dur="indefinite" restart="never" nodeType="tmRoot"/>
-      </p:par>
-    </p:tnLst>
-  </p:timing>
-</p:sld>
-</file>
-
-<file path=ppt/slides/slide4.xml><?xml version="1.0" encoding="utf-8"?>
-<p:sld xmlns:a="http://schemas.openxmlformats.org/drawingml/2006/main" xmlns:r="http://schemas.openxmlformats.org/officeDocument/2006/relationships" xmlns:p="http://schemas.openxmlformats.org/presentationml/2006/main">
-  <p:cSld>
-    <p:spTree>
-      <p:nvGrpSpPr>
-        <p:cNvPr id="1" name=""/>
-        <p:cNvGrpSpPr/>
-        <p:nvPr/>
-      </p:nvGrpSpPr>
-      <p:grpSpPr>
-        <a:xfrm>
-          <a:off x="0" y="0"/>
-          <a:ext cx="0" cy="0"/>
-          <a:chOff x="0" y="0"/>
-          <a:chExt cx="0" cy="0"/>
-        </a:xfrm>
-      </p:grpSpPr>
-      <p:sp>
-        <p:nvSpPr>
-          <p:cNvPr id="2" name="Title 1"/>
-          <p:cNvSpPr>
-            <a:spLocks noGrp="1"/>
-          </p:cNvSpPr>
-          <p:nvPr>
-            <p:ph type="title"/>
-          </p:nvPr>
-        </p:nvSpPr>
-        <p:spPr/>
-        <p:txBody>
-          <a:bodyPr/>
-          <a:lstStyle/>
-          <a:p>
-            <a:r>
-              <a:rPr lang="en-US" dirty="0"/>
-              <a:t>About This Session</a:t>
-            </a:r>
-          </a:p>
-        </p:txBody>
-      </p:sp>
-      <p:sp>
-        <p:nvSpPr>
-          <p:cNvPr id="3" name="Content Placeholder 2"/>
-          <p:cNvSpPr>
-            <a:spLocks noGrp="1"/>
-          </p:cNvSpPr>
-          <p:nvPr>
-            <p:ph idx="1"/>
-          </p:nvPr>
-        </p:nvSpPr>
-        <p:spPr/>
-        <p:txBody>
-          <a:bodyPr/>
-          <a:lstStyle/>
-          <a:p>
-            <a:r>
-              <a:rPr lang="en-US" dirty="0"/>
-              <a:t>What this session is not</a:t>
-            </a:r>
-          </a:p>
-          <a:p>
-            <a:pPr lvl="1"/>
-            <a:r>
-              <a:rPr lang="en-US" dirty="0"/>
-              <a:t>An end-to-end optimizer session</a:t>
-            </a:r>
-          </a:p>
-          <a:p>
-            <a:pPr lvl="1"/>
-            <a:r>
-              <a:rPr lang="en-US" dirty="0"/>
-              <a:t>A performance tuning session</a:t>
-            </a:r>
-          </a:p>
-          <a:p>
-            <a:endParaRPr lang="en-US" dirty="0"/>
-          </a:p>
-          <a:p>
-            <a:r>
-              <a:rPr lang="en-US" dirty="0"/>
-              <a:t>Goals of this session</a:t>
-            </a:r>
-          </a:p>
-          <a:p>
-            <a:pPr lvl="1"/>
-            <a:r>
-              <a:rPr lang="en-US" dirty="0"/>
-              <a:t>Additional understanding of SQL Server internals</a:t>
-            </a:r>
-          </a:p>
-          <a:p>
-            <a:pPr lvl="1"/>
-            <a:r>
-              <a:rPr lang="en-US" dirty="0"/>
-              <a:t>Provide an additional skill for performance tuning</a:t>
-            </a:r>
-          </a:p>
-        </p:txBody>
-      </p:sp>
-    </p:spTree>
-    <p:extLst>
-      <p:ext uri="{BB962C8B-B14F-4D97-AF65-F5344CB8AC3E}">
-        <p14:creationId xmlns:p14="http://schemas.microsoft.com/office/powerpoint/2010/main" val="1507468022"/>
-      </p:ext>
-    </p:extLst>
-  </p:cSld>
-  <p:clrMapOvr>
-    <a:masterClrMapping/>
-  </p:clrMapOvr>
-</p:sld>
-</file>
-
-<file path=ppt/slides/slide40.xml><?xml version="1.0" encoding="utf-8"?>
-<p:sld xmlns:a="http://schemas.openxmlformats.org/drawingml/2006/main" xmlns:r="http://schemas.openxmlformats.org/officeDocument/2006/relationships" xmlns:p="http://schemas.openxmlformats.org/presentationml/2006/main">
-  <p:cSld>
-    <p:spTree>
-      <p:nvGrpSpPr>
-        <p:cNvPr id="1" name=""/>
-        <p:cNvGrpSpPr/>
-        <p:nvPr/>
-      </p:nvGrpSpPr>
-      <p:grpSpPr>
-        <a:xfrm>
-          <a:off x="0" y="0"/>
-          <a:ext cx="0" cy="0"/>
-          <a:chOff x="0" y="0"/>
-          <a:chExt cx="0" cy="0"/>
-        </a:xfrm>
-      </p:grpSpPr>
-      <p:sp>
-        <p:nvSpPr>
-          <p:cNvPr id="2" name="Title 1"/>
-          <p:cNvSpPr>
-            <a:spLocks noGrp="1"/>
-          </p:cNvSpPr>
-          <p:nvPr>
-            <p:ph type="title"/>
-          </p:nvPr>
-        </p:nvSpPr>
-        <p:spPr/>
-        <p:txBody>
-          <a:bodyPr/>
-          <a:lstStyle/>
-          <a:p>
-            <a:r>
-              <a:rPr lang="en-US" dirty="0"/>
-              <a:t>Full Optimization Phases</a:t>
-            </a:r>
-          </a:p>
-        </p:txBody>
-      </p:sp>
-      <p:sp>
-        <p:nvSpPr>
-          <p:cNvPr id="3" name="Content Placeholder 2"/>
-          <p:cNvSpPr>
-            <a:spLocks noGrp="1"/>
-          </p:cNvSpPr>
-          <p:nvPr>
-            <p:ph idx="1"/>
-          </p:nvPr>
-        </p:nvSpPr>
-        <p:spPr/>
-        <p:txBody>
-          <a:bodyPr>
-            <a:normAutofit lnSpcReduction="10000"/>
-          </a:bodyPr>
-          <a:lstStyle/>
-          <a:p>
-            <a:r>
-              <a:rPr lang="en-US" dirty="0"/>
-              <a:t>Search 0 – “Transaction Processing Phase”</a:t>
-            </a:r>
-          </a:p>
-          <a:p>
-            <a:pPr lvl="1"/>
-            <a:r>
-              <a:rPr lang="en-US" dirty="0"/>
-              <a:t>Mostly heuristics</a:t>
-            </a:r>
-          </a:p>
-          <a:p>
-            <a:pPr lvl="1"/>
-            <a:r>
-              <a:rPr lang="en-US" dirty="0"/>
-              <a:t>Minimum 3 tables</a:t>
-            </a:r>
-          </a:p>
-          <a:p>
-            <a:pPr lvl="2"/>
-            <a:r>
-              <a:rPr lang="en-US" dirty="0"/>
-              <a:t>Small, selective tables first</a:t>
-            </a:r>
-          </a:p>
-          <a:p>
-            <a:pPr lvl="1"/>
-            <a:r>
-              <a:rPr lang="en-US" dirty="0"/>
-              <a:t>Continue if cost &gt;= 0.2*</a:t>
-            </a:r>
-          </a:p>
-          <a:p>
-            <a:r>
-              <a:rPr lang="en-US" dirty="0"/>
-              <a:t>Search 1 – “Quick Plan Phase”</a:t>
-            </a:r>
-          </a:p>
-          <a:p>
-            <a:pPr lvl="1"/>
-            <a:r>
-              <a:rPr lang="en-US" dirty="0"/>
-              <a:t>Additional heuristics &amp; transformation rules</a:t>
-            </a:r>
-          </a:p>
-          <a:p>
-            <a:pPr lvl="2"/>
-            <a:r>
-              <a:rPr lang="en-US" dirty="0"/>
-              <a:t>Limited join orders</a:t>
-            </a:r>
-          </a:p>
-          <a:p>
-            <a:pPr lvl="1"/>
-            <a:r>
-              <a:rPr lang="en-US" dirty="0"/>
-              <a:t>Explore parallel option if cost &gt; CTFP</a:t>
-            </a:r>
-          </a:p>
-          <a:p>
-            <a:pPr lvl="1"/>
-            <a:r>
-              <a:rPr lang="en-US" dirty="0"/>
-              <a:t>Continue if cost &gt;= 1.0*</a:t>
-            </a:r>
-          </a:p>
-        </p:txBody>
-      </p:sp>
-      <p:sp>
-        <p:nvSpPr>
-          <p:cNvPr id="4" name="TextBox 3"/>
-          <p:cNvSpPr txBox="1"/>
-          <p:nvPr/>
-        </p:nvSpPr>
-        <p:spPr>
-          <a:xfrm>
-            <a:off x="457200" y="6124059"/>
-            <a:ext cx="1283365" cy="369332"/>
-          </a:xfrm>
-          <a:prstGeom prst="rect">
-            <a:avLst/>
-          </a:prstGeom>
-          <a:noFill/>
-        </p:spPr>
-        <p:txBody>
-          <a:bodyPr wrap="none" rtlCol="0">
-            <a:spAutoFit/>
-          </a:bodyPr>
-          <a:lstStyle/>
-          <a:p>
-            <a:r>
-              <a:rPr lang="en-US" dirty="0"/>
-              <a:t>* Unofficial</a:t>
-            </a:r>
-          </a:p>
-        </p:txBody>
-      </p:sp>
-    </p:spTree>
-    <p:extLst>
-      <p:ext uri="{BB962C8B-B14F-4D97-AF65-F5344CB8AC3E}">
-        <p14:creationId xmlns:p14="http://schemas.microsoft.com/office/powerpoint/2010/main" val="2241709670"/>
-      </p:ext>
-    </p:extLst>
-  </p:cSld>
-  <p:clrMapOvr>
-    <a:masterClrMapping/>
-  </p:clrMapOvr>
   <p:timing>
     <p:tnLst>
       <p:par>
@@ -36309,7 +36178,7 @@
           <a:p>
             <a:r>
               <a:rPr lang="en-US" dirty="0"/>
-              <a:t>Full Optimization Phases, continued</a:t>
+              <a:t>Full Optimization Phases</a:t>
             </a:r>
           </a:p>
         </p:txBody>
@@ -36327,45 +36196,112 @@
         <p:spPr/>
         <p:txBody>
           <a:bodyPr>
-            <a:normAutofit/>
+            <a:normAutofit lnSpcReduction="10000"/>
           </a:bodyPr>
           <a:lstStyle/>
           <a:p>
             <a:r>
               <a:rPr lang="en-US" dirty="0"/>
-              <a:t>Search 2 – “Full Optimization Phase”</a:t>
+              <a:t>Search 0 – “Transaction Processing Phase”</a:t>
             </a:r>
           </a:p>
           <a:p>
             <a:pPr lvl="1"/>
             <a:r>
               <a:rPr lang="en-US" dirty="0"/>
-              <a:t>Uses advanced transformation rules</a:t>
+              <a:t>Mostly heuristics</a:t>
             </a:r>
           </a:p>
           <a:p>
             <a:pPr lvl="1"/>
             <a:r>
               <a:rPr lang="en-US" dirty="0"/>
-              <a:t>Minimum 5 tables</a:t>
+              <a:t>Minimum 3 tables</a:t>
+            </a:r>
+          </a:p>
+          <a:p>
+            <a:pPr lvl="2"/>
+            <a:r>
+              <a:rPr lang="en-US" dirty="0"/>
+              <a:t>Small, selective tables first</a:t>
             </a:r>
           </a:p>
           <a:p>
             <a:pPr lvl="1"/>
             <a:r>
               <a:rPr lang="en-US" dirty="0"/>
-              <a:t>Aborts on timeout</a:t>
-            </a:r>
-          </a:p>
-          <a:p>
-            <a:endParaRPr lang="en-US" dirty="0"/>
+              <a:t>Continue if cost &gt;= 0.2*</a:t>
+            </a:r>
+          </a:p>
+          <a:p>
+            <a:r>
+              <a:rPr lang="en-US" dirty="0"/>
+              <a:t>Search 1 – “Quick Plan Phase”</a:t>
+            </a:r>
+          </a:p>
+          <a:p>
+            <a:pPr lvl="1"/>
+            <a:r>
+              <a:rPr lang="en-US" dirty="0"/>
+              <a:t>Additional heuristics &amp; transformation rules</a:t>
+            </a:r>
+          </a:p>
+          <a:p>
+            <a:pPr lvl="2"/>
+            <a:r>
+              <a:rPr lang="en-US" dirty="0"/>
+              <a:t>Limited join orders</a:t>
+            </a:r>
+          </a:p>
+          <a:p>
+            <a:pPr lvl="1"/>
+            <a:r>
+              <a:rPr lang="en-US" dirty="0"/>
+              <a:t>Explore parallel option if cost &gt; CTFP</a:t>
+            </a:r>
+          </a:p>
+          <a:p>
+            <a:pPr lvl="1"/>
+            <a:r>
+              <a:rPr lang="en-US" dirty="0"/>
+              <a:t>Continue if cost &gt;= 1.0*</a:t>
+            </a:r>
+          </a:p>
+        </p:txBody>
+      </p:sp>
+      <p:sp>
+        <p:nvSpPr>
+          <p:cNvPr id="4" name="TextBox 3"/>
+          <p:cNvSpPr txBox="1"/>
+          <p:nvPr/>
+        </p:nvSpPr>
+        <p:spPr>
+          <a:xfrm>
+            <a:off x="457200" y="6124059"/>
+            <a:ext cx="1283365" cy="369332"/>
+          </a:xfrm>
+          <a:prstGeom prst="rect">
+            <a:avLst/>
+          </a:prstGeom>
+          <a:noFill/>
+        </p:spPr>
+        <p:txBody>
+          <a:bodyPr wrap="none" rtlCol="0">
+            <a:spAutoFit/>
+          </a:bodyPr>
+          <a:lstStyle/>
+          <a:p>
+            <a:r>
+              <a:rPr lang="en-US" dirty="0"/>
+              <a:t>* Unofficial</a:t>
+            </a:r>
           </a:p>
         </p:txBody>
       </p:sp>
     </p:spTree>
     <p:extLst>
       <p:ext uri="{BB962C8B-B14F-4D97-AF65-F5344CB8AC3E}">
-        <p14:creationId xmlns:p14="http://schemas.microsoft.com/office/powerpoint/2010/main" val="2397992714"/>
+        <p14:creationId xmlns:p14="http://schemas.microsoft.com/office/powerpoint/2010/main" val="2241709670"/>
       </p:ext>
     </p:extLst>
   </p:cSld>
@@ -36416,6 +36352,113 @@
           <a:p>
             <a:r>
               <a:rPr lang="en-US" dirty="0"/>
+              <a:t>Full Optimization Phases, continued</a:t>
+            </a:r>
+          </a:p>
+        </p:txBody>
+      </p:sp>
+      <p:sp>
+        <p:nvSpPr>
+          <p:cNvPr id="3" name="Content Placeholder 2"/>
+          <p:cNvSpPr>
+            <a:spLocks noGrp="1"/>
+          </p:cNvSpPr>
+          <p:nvPr>
+            <p:ph idx="1"/>
+          </p:nvPr>
+        </p:nvSpPr>
+        <p:spPr/>
+        <p:txBody>
+          <a:bodyPr>
+            <a:normAutofit/>
+          </a:bodyPr>
+          <a:lstStyle/>
+          <a:p>
+            <a:r>
+              <a:rPr lang="en-US" dirty="0"/>
+              <a:t>Search 2 – “Full Optimization Phase”</a:t>
+            </a:r>
+          </a:p>
+          <a:p>
+            <a:pPr lvl="1"/>
+            <a:r>
+              <a:rPr lang="en-US" dirty="0"/>
+              <a:t>Uses advanced transformation rules</a:t>
+            </a:r>
+          </a:p>
+          <a:p>
+            <a:pPr lvl="1"/>
+            <a:r>
+              <a:rPr lang="en-US" dirty="0"/>
+              <a:t>Minimum 5 tables</a:t>
+            </a:r>
+          </a:p>
+          <a:p>
+            <a:pPr lvl="1"/>
+            <a:r>
+              <a:rPr lang="en-US" dirty="0"/>
+              <a:t>Aborts on timeout</a:t>
+            </a:r>
+          </a:p>
+          <a:p>
+            <a:endParaRPr lang="en-US" dirty="0"/>
+          </a:p>
+        </p:txBody>
+      </p:sp>
+    </p:spTree>
+    <p:extLst>
+      <p:ext uri="{BB962C8B-B14F-4D97-AF65-F5344CB8AC3E}">
+        <p14:creationId xmlns:p14="http://schemas.microsoft.com/office/powerpoint/2010/main" val="2397992714"/>
+      </p:ext>
+    </p:extLst>
+  </p:cSld>
+  <p:clrMapOvr>
+    <a:masterClrMapping/>
+  </p:clrMapOvr>
+  <p:timing>
+    <p:tnLst>
+      <p:par>
+        <p:cTn id="1" dur="indefinite" restart="never" nodeType="tmRoot"/>
+      </p:par>
+    </p:tnLst>
+  </p:timing>
+</p:sld>
+</file>
+
+<file path=ppt/slides/slide43.xml><?xml version="1.0" encoding="utf-8"?>
+<p:sld xmlns:a="http://schemas.openxmlformats.org/drawingml/2006/main" xmlns:r="http://schemas.openxmlformats.org/officeDocument/2006/relationships" xmlns:p="http://schemas.openxmlformats.org/presentationml/2006/main">
+  <p:cSld>
+    <p:spTree>
+      <p:nvGrpSpPr>
+        <p:cNvPr id="1" name=""/>
+        <p:cNvGrpSpPr/>
+        <p:nvPr/>
+      </p:nvGrpSpPr>
+      <p:grpSpPr>
+        <a:xfrm>
+          <a:off x="0" y="0"/>
+          <a:ext cx="0" cy="0"/>
+          <a:chOff x="0" y="0"/>
+          <a:chExt cx="0" cy="0"/>
+        </a:xfrm>
+      </p:grpSpPr>
+      <p:sp>
+        <p:nvSpPr>
+          <p:cNvPr id="2" name="Title 1"/>
+          <p:cNvSpPr>
+            <a:spLocks noGrp="1"/>
+          </p:cNvSpPr>
+          <p:nvPr>
+            <p:ph type="title"/>
+          </p:nvPr>
+        </p:nvSpPr>
+        <p:spPr/>
+        <p:txBody>
+          <a:bodyPr/>
+          <a:lstStyle/>
+          <a:p>
+            <a:r>
+              <a:rPr lang="en-US" dirty="0"/>
               <a:t>Smart Optimization</a:t>
             </a:r>
           </a:p>
@@ -36499,7 +36542,7 @@
 </p:sld>
 </file>
 
-<file path=ppt/slides/slide43.xml><?xml version="1.0" encoding="utf-8"?>
+<file path=ppt/slides/slide44.xml><?xml version="1.0" encoding="utf-8"?>
 <p:sld xmlns:a="http://schemas.openxmlformats.org/drawingml/2006/main" xmlns:r="http://schemas.openxmlformats.org/officeDocument/2006/relationships" xmlns:p="http://schemas.openxmlformats.org/presentationml/2006/main" show="0">
   <p:cSld>
     <p:spTree>
@@ -36816,7 +36859,7 @@
 </p:sld>
 </file>
 
-<file path=ppt/slides/slide44.xml><?xml version="1.0" encoding="utf-8"?>
+<file path=ppt/slides/slide45.xml><?xml version="1.0" encoding="utf-8"?>
 <p:sld xmlns:a="http://schemas.openxmlformats.org/drawingml/2006/main" xmlns:r="http://schemas.openxmlformats.org/officeDocument/2006/relationships" xmlns:p="http://schemas.openxmlformats.org/presentationml/2006/main">
   <p:cSld>
     <p:spTree>
@@ -36972,148 +37015,6 @@
     <p:extLst>
       <p:ext uri="{BB962C8B-B14F-4D97-AF65-F5344CB8AC3E}">
         <p14:creationId xmlns:p14="http://schemas.microsoft.com/office/powerpoint/2010/main" val="1630484383"/>
-      </p:ext>
-    </p:extLst>
-  </p:cSld>
-  <p:clrMapOvr>
-    <a:masterClrMapping/>
-  </p:clrMapOvr>
-  <p:timing>
-    <p:tnLst>
-      <p:par>
-        <p:cTn id="1" dur="indefinite" restart="never" nodeType="tmRoot"/>
-      </p:par>
-    </p:tnLst>
-  </p:timing>
-</p:sld>
-</file>
-
-<file path=ppt/slides/slide45.xml><?xml version="1.0" encoding="utf-8"?>
-<p:sld xmlns:a="http://schemas.openxmlformats.org/drawingml/2006/main" xmlns:r="http://schemas.openxmlformats.org/officeDocument/2006/relationships" xmlns:p="http://schemas.openxmlformats.org/presentationml/2006/main">
-  <p:cSld>
-    <p:spTree>
-      <p:nvGrpSpPr>
-        <p:cNvPr id="1" name=""/>
-        <p:cNvGrpSpPr/>
-        <p:nvPr/>
-      </p:nvGrpSpPr>
-      <p:grpSpPr>
-        <a:xfrm>
-          <a:off x="0" y="0"/>
-          <a:ext cx="0" cy="0"/>
-          <a:chOff x="0" y="0"/>
-          <a:chExt cx="0" cy="0"/>
-        </a:xfrm>
-      </p:grpSpPr>
-      <p:sp>
-        <p:nvSpPr>
-          <p:cNvPr id="2" name="Title 1"/>
-          <p:cNvSpPr>
-            <a:spLocks noGrp="1"/>
-          </p:cNvSpPr>
-          <p:nvPr>
-            <p:ph type="title"/>
-          </p:nvPr>
-        </p:nvSpPr>
-        <p:spPr/>
-        <p:txBody>
-          <a:bodyPr/>
-          <a:lstStyle/>
-          <a:p>
-            <a:r>
-              <a:rPr lang="en-US" dirty="0"/>
-              <a:t>Heuristics and Transformations</a:t>
-            </a:r>
-          </a:p>
-        </p:txBody>
-      </p:sp>
-      <p:sp>
-        <p:nvSpPr>
-          <p:cNvPr id="3" name="Content Placeholder 2"/>
-          <p:cNvSpPr>
-            <a:spLocks noGrp="1"/>
-          </p:cNvSpPr>
-          <p:nvPr>
-            <p:ph idx="1"/>
-          </p:nvPr>
-        </p:nvSpPr>
-        <p:spPr/>
-        <p:txBody>
-          <a:bodyPr>
-            <a:normAutofit lnSpcReduction="10000"/>
-          </a:bodyPr>
-          <a:lstStyle/>
-          <a:p>
-            <a:r>
-              <a:rPr lang="en-US" dirty="0"/>
-              <a:t>Heuristics</a:t>
-            </a:r>
-          </a:p>
-          <a:p>
-            <a:pPr lvl="1"/>
-            <a:r>
-              <a:rPr lang="en-US" dirty="0"/>
-              <a:t>Rules that can eliminate entire branches of the search space</a:t>
-            </a:r>
-          </a:p>
-          <a:p>
-            <a:r>
-              <a:rPr lang="en-US" dirty="0"/>
-              <a:t>Transformations</a:t>
-            </a:r>
-          </a:p>
-          <a:p>
-            <a:pPr lvl="1"/>
-            <a:r>
-              <a:rPr lang="en-US" dirty="0"/>
-              <a:t>Find equivalent operations to get same output</a:t>
-            </a:r>
-          </a:p>
-          <a:p>
-            <a:pPr lvl="1"/>
-            <a:r>
-              <a:rPr lang="en-US" dirty="0"/>
-              <a:t>Rule-based</a:t>
-            </a:r>
-          </a:p>
-          <a:p>
-            <a:pPr lvl="2"/>
-            <a:r>
-              <a:rPr lang="en-US" dirty="0"/>
-              <a:t>DBCC SHOWONRULES</a:t>
-            </a:r>
-          </a:p>
-          <a:p>
-            <a:pPr lvl="2"/>
-            <a:r>
-              <a:rPr lang="en-US" dirty="0"/>
-              <a:t>DBCC RULEON / RULEOFF </a:t>
-            </a:r>
-          </a:p>
-          <a:p>
-            <a:pPr lvl="1"/>
-            <a:r>
-              <a:rPr lang="en-US" dirty="0"/>
-              <a:t>Four types</a:t>
-            </a:r>
-          </a:p>
-          <a:p>
-            <a:pPr lvl="2"/>
-            <a:r>
-              <a:rPr lang="en-US" dirty="0"/>
-              <a:t>Simplification, exploration, implementation, property enforcement</a:t>
-            </a:r>
-          </a:p>
-          <a:p>
-            <a:pPr lvl="1"/>
-            <a:endParaRPr lang="en-US" dirty="0"/>
-          </a:p>
-        </p:txBody>
-      </p:sp>
-    </p:spTree>
-    <p:extLst>
-      <p:ext uri="{BB962C8B-B14F-4D97-AF65-F5344CB8AC3E}">
-        <p14:creationId xmlns:p14="http://schemas.microsoft.com/office/powerpoint/2010/main" val="1718081727"/>
       </p:ext>
     </p:extLst>
   </p:cSld>
@@ -37164,7 +37065,7 @@
           <a:p>
             <a:r>
               <a:rPr lang="en-US" dirty="0"/>
-              <a:t>Transformations: Simplification*</a:t>
+              <a:t>Heuristics and Transformations</a:t>
             </a:r>
           </a:p>
         </p:txBody>
@@ -37181,120 +37082,81 @@
         </p:nvSpPr>
         <p:spPr/>
         <p:txBody>
-          <a:bodyPr/>
-          <a:lstStyle/>
-          <a:p>
-            <a:r>
-              <a:rPr lang="en-US" dirty="0"/>
-              <a:t>Subqueries to joins</a:t>
-            </a:r>
-          </a:p>
-          <a:p>
-            <a:r>
-              <a:rPr lang="en-US" dirty="0"/>
-              <a:t>Predicate pushdown</a:t>
-            </a:r>
-          </a:p>
-          <a:p>
-            <a:r>
-              <a:rPr lang="en-US" dirty="0"/>
-              <a:t>Foreign key table removal</a:t>
-            </a:r>
-          </a:p>
-          <a:p>
-            <a:r>
-              <a:rPr lang="en-US" dirty="0"/>
-              <a:t>Contradiction detection</a:t>
-            </a:r>
-          </a:p>
-          <a:p>
-            <a:r>
-              <a:rPr lang="en-US" dirty="0"/>
-              <a:t>Aggregates on unique keys</a:t>
-            </a:r>
-          </a:p>
-          <a:p>
-            <a:r>
-              <a:rPr lang="en-US" dirty="0"/>
-              <a:t>Convert outer join to inner</a:t>
-            </a:r>
-          </a:p>
-        </p:txBody>
-      </p:sp>
-      <p:sp>
-        <p:nvSpPr>
-          <p:cNvPr id="4" name="TextBox 3"/>
-          <p:cNvSpPr txBox="1"/>
-          <p:nvPr/>
-        </p:nvSpPr>
-        <p:spPr>
-          <a:xfrm>
-            <a:off x="1" y="6166438"/>
-            <a:ext cx="7084194" cy="646331"/>
-          </a:xfrm>
-          <a:prstGeom prst="rect">
-            <a:avLst/>
-          </a:prstGeom>
-          <a:noFill/>
-        </p:spPr>
-        <p:txBody>
-          <a:bodyPr wrap="square" rtlCol="0">
-            <a:spAutoFit/>
+          <a:bodyPr>
+            <a:normAutofit lnSpcReduction="10000"/>
           </a:bodyPr>
           <a:lstStyle/>
           <a:p>
             <a:r>
               <a:rPr lang="en-US" dirty="0"/>
-              <a:t>* A somewhat overloaded term.  Some simplification activities happen earlier in the process than others.</a:t>
-            </a:r>
-          </a:p>
-        </p:txBody>
-      </p:sp>
-      <p:sp>
-        <p:nvSpPr>
-          <p:cNvPr id="5" name="Oval 4"/>
-          <p:cNvSpPr/>
-          <p:nvPr/>
-        </p:nvSpPr>
-        <p:spPr>
-          <a:xfrm>
-            <a:off x="8215162" y="547440"/>
-            <a:ext cx="616016" cy="606391"/>
-          </a:xfrm>
-          <a:prstGeom prst="ellipse">
-            <a:avLst/>
-          </a:prstGeom>
-        </p:spPr>
-        <p:style>
-          <a:lnRef idx="1">
-            <a:schemeClr val="accent1"/>
-          </a:lnRef>
-          <a:fillRef idx="3">
-            <a:schemeClr val="accent1"/>
-          </a:fillRef>
-          <a:effectRef idx="2">
-            <a:schemeClr val="accent1"/>
-          </a:effectRef>
-          <a:fontRef idx="minor">
-            <a:schemeClr val="lt1"/>
-          </a:fontRef>
-        </p:style>
-        <p:txBody>
-          <a:bodyPr rtlCol="0" anchor="ctr"/>
-          <a:lstStyle/>
-          <a:p>
-            <a:pPr algn="ctr"/>
+              <a:t>Heuristics</a:t>
+            </a:r>
+          </a:p>
+          <a:p>
+            <a:pPr lvl="1"/>
             <a:r>
               <a:rPr lang="en-US" dirty="0"/>
-              <a:t>8</a:t>
-            </a:r>
+              <a:t>Rules that can eliminate entire branches of the search space</a:t>
+            </a:r>
+          </a:p>
+          <a:p>
+            <a:r>
+              <a:rPr lang="en-US" dirty="0"/>
+              <a:t>Transformations</a:t>
+            </a:r>
+          </a:p>
+          <a:p>
+            <a:pPr lvl="1"/>
+            <a:r>
+              <a:rPr lang="en-US" dirty="0"/>
+              <a:t>Find equivalent operations to get same output</a:t>
+            </a:r>
+          </a:p>
+          <a:p>
+            <a:pPr lvl="1"/>
+            <a:r>
+              <a:rPr lang="en-US" dirty="0"/>
+              <a:t>Rule-based</a:t>
+            </a:r>
+          </a:p>
+          <a:p>
+            <a:pPr lvl="2"/>
+            <a:r>
+              <a:rPr lang="en-US" dirty="0"/>
+              <a:t>DBCC SHOWONRULES</a:t>
+            </a:r>
+          </a:p>
+          <a:p>
+            <a:pPr lvl="2"/>
+            <a:r>
+              <a:rPr lang="en-US" dirty="0"/>
+              <a:t>DBCC RULEON / RULEOFF </a:t>
+            </a:r>
+          </a:p>
+          <a:p>
+            <a:pPr lvl="1"/>
+            <a:r>
+              <a:rPr lang="en-US" dirty="0"/>
+              <a:t>Four types</a:t>
+            </a:r>
+          </a:p>
+          <a:p>
+            <a:pPr lvl="2"/>
+            <a:r>
+              <a:rPr lang="en-US" dirty="0"/>
+              <a:t>Simplification, exploration, implementation, property enforcement</a:t>
+            </a:r>
+          </a:p>
+          <a:p>
+            <a:pPr lvl="1"/>
+            <a:endParaRPr lang="en-US" dirty="0"/>
           </a:p>
         </p:txBody>
       </p:sp>
     </p:spTree>
     <p:extLst>
       <p:ext uri="{BB962C8B-B14F-4D97-AF65-F5344CB8AC3E}">
-        <p14:creationId xmlns:p14="http://schemas.microsoft.com/office/powerpoint/2010/main" val="1200321785"/>
+        <p14:creationId xmlns:p14="http://schemas.microsoft.com/office/powerpoint/2010/main" val="1718081727"/>
       </p:ext>
     </p:extLst>
   </p:cSld>
@@ -37345,6 +37207,187 @@
           <a:p>
             <a:r>
               <a:rPr lang="en-US" dirty="0"/>
+              <a:t>Transformations: Simplification*</a:t>
+            </a:r>
+          </a:p>
+        </p:txBody>
+      </p:sp>
+      <p:sp>
+        <p:nvSpPr>
+          <p:cNvPr id="3" name="Content Placeholder 2"/>
+          <p:cNvSpPr>
+            <a:spLocks noGrp="1"/>
+          </p:cNvSpPr>
+          <p:nvPr>
+            <p:ph idx="1"/>
+          </p:nvPr>
+        </p:nvSpPr>
+        <p:spPr/>
+        <p:txBody>
+          <a:bodyPr/>
+          <a:lstStyle/>
+          <a:p>
+            <a:r>
+              <a:rPr lang="en-US" dirty="0"/>
+              <a:t>Subqueries to joins</a:t>
+            </a:r>
+          </a:p>
+          <a:p>
+            <a:r>
+              <a:rPr lang="en-US" dirty="0"/>
+              <a:t>Predicate pushdown</a:t>
+            </a:r>
+          </a:p>
+          <a:p>
+            <a:r>
+              <a:rPr lang="en-US" dirty="0"/>
+              <a:t>Foreign key table removal</a:t>
+            </a:r>
+          </a:p>
+          <a:p>
+            <a:r>
+              <a:rPr lang="en-US" dirty="0"/>
+              <a:t>Contradiction detection</a:t>
+            </a:r>
+          </a:p>
+          <a:p>
+            <a:r>
+              <a:rPr lang="en-US" dirty="0"/>
+              <a:t>Aggregates on unique keys</a:t>
+            </a:r>
+          </a:p>
+          <a:p>
+            <a:r>
+              <a:rPr lang="en-US" dirty="0"/>
+              <a:t>Convert outer join to inner</a:t>
+            </a:r>
+          </a:p>
+        </p:txBody>
+      </p:sp>
+      <p:sp>
+        <p:nvSpPr>
+          <p:cNvPr id="4" name="TextBox 3"/>
+          <p:cNvSpPr txBox="1"/>
+          <p:nvPr/>
+        </p:nvSpPr>
+        <p:spPr>
+          <a:xfrm>
+            <a:off x="1" y="6166438"/>
+            <a:ext cx="7084194" cy="646331"/>
+          </a:xfrm>
+          <a:prstGeom prst="rect">
+            <a:avLst/>
+          </a:prstGeom>
+          <a:noFill/>
+        </p:spPr>
+        <p:txBody>
+          <a:bodyPr wrap="square" rtlCol="0">
+            <a:spAutoFit/>
+          </a:bodyPr>
+          <a:lstStyle/>
+          <a:p>
+            <a:r>
+              <a:rPr lang="en-US" dirty="0"/>
+              <a:t>* A somewhat overloaded term.  Some simplification activities happen earlier in the process than others.</a:t>
+            </a:r>
+          </a:p>
+        </p:txBody>
+      </p:sp>
+      <p:sp>
+        <p:nvSpPr>
+          <p:cNvPr id="5" name="Oval 4"/>
+          <p:cNvSpPr/>
+          <p:nvPr/>
+        </p:nvSpPr>
+        <p:spPr>
+          <a:xfrm>
+            <a:off x="8215162" y="547440"/>
+            <a:ext cx="616016" cy="606391"/>
+          </a:xfrm>
+          <a:prstGeom prst="ellipse">
+            <a:avLst/>
+          </a:prstGeom>
+        </p:spPr>
+        <p:style>
+          <a:lnRef idx="1">
+            <a:schemeClr val="accent1"/>
+          </a:lnRef>
+          <a:fillRef idx="3">
+            <a:schemeClr val="accent1"/>
+          </a:fillRef>
+          <a:effectRef idx="2">
+            <a:schemeClr val="accent1"/>
+          </a:effectRef>
+          <a:fontRef idx="minor">
+            <a:schemeClr val="lt1"/>
+          </a:fontRef>
+        </p:style>
+        <p:txBody>
+          <a:bodyPr rtlCol="0" anchor="ctr"/>
+          <a:lstStyle/>
+          <a:p>
+            <a:pPr algn="ctr"/>
+            <a:r>
+              <a:rPr lang="en-US" dirty="0"/>
+              <a:t>8</a:t>
+            </a:r>
+          </a:p>
+        </p:txBody>
+      </p:sp>
+    </p:spTree>
+    <p:extLst>
+      <p:ext uri="{BB962C8B-B14F-4D97-AF65-F5344CB8AC3E}">
+        <p14:creationId xmlns:p14="http://schemas.microsoft.com/office/powerpoint/2010/main" val="1200321785"/>
+      </p:ext>
+    </p:extLst>
+  </p:cSld>
+  <p:clrMapOvr>
+    <a:masterClrMapping/>
+  </p:clrMapOvr>
+  <p:timing>
+    <p:tnLst>
+      <p:par>
+        <p:cTn id="1" dur="indefinite" restart="never" nodeType="tmRoot"/>
+      </p:par>
+    </p:tnLst>
+  </p:timing>
+</p:sld>
+</file>
+
+<file path=ppt/slides/slide48.xml><?xml version="1.0" encoding="utf-8"?>
+<p:sld xmlns:a="http://schemas.openxmlformats.org/drawingml/2006/main" xmlns:r="http://schemas.openxmlformats.org/officeDocument/2006/relationships" xmlns:p="http://schemas.openxmlformats.org/presentationml/2006/main">
+  <p:cSld>
+    <p:spTree>
+      <p:nvGrpSpPr>
+        <p:cNvPr id="1" name=""/>
+        <p:cNvGrpSpPr/>
+        <p:nvPr/>
+      </p:nvGrpSpPr>
+      <p:grpSpPr>
+        <a:xfrm>
+          <a:off x="0" y="0"/>
+          <a:ext cx="0" cy="0"/>
+          <a:chOff x="0" y="0"/>
+          <a:chExt cx="0" cy="0"/>
+        </a:xfrm>
+      </p:grpSpPr>
+      <p:sp>
+        <p:nvSpPr>
+          <p:cNvPr id="2" name="Title 1"/>
+          <p:cNvSpPr>
+            <a:spLocks noGrp="1"/>
+          </p:cNvSpPr>
+          <p:nvPr>
+            <p:ph type="title"/>
+          </p:nvPr>
+        </p:nvSpPr>
+        <p:spPr/>
+        <p:txBody>
+          <a:bodyPr/>
+          <a:lstStyle/>
+          <a:p>
+            <a:r>
+              <a:rPr lang="en-US" dirty="0"/>
               <a:t>Transformations: Exploration</a:t>
             </a:r>
           </a:p>
@@ -37470,145 +37513,6 @@
     <p:extLst>
       <p:ext uri="{BB962C8B-B14F-4D97-AF65-F5344CB8AC3E}">
         <p14:creationId xmlns:p14="http://schemas.microsoft.com/office/powerpoint/2010/main" val="3940448552"/>
-      </p:ext>
-    </p:extLst>
-  </p:cSld>
-  <p:clrMapOvr>
-    <a:masterClrMapping/>
-  </p:clrMapOvr>
-</p:sld>
-</file>
-
-<file path=ppt/slides/slide48.xml><?xml version="1.0" encoding="utf-8"?>
-<p:sld xmlns:a="http://schemas.openxmlformats.org/drawingml/2006/main" xmlns:r="http://schemas.openxmlformats.org/officeDocument/2006/relationships" xmlns:p="http://schemas.openxmlformats.org/presentationml/2006/main">
-  <p:cSld>
-    <p:spTree>
-      <p:nvGrpSpPr>
-        <p:cNvPr id="1" name=""/>
-        <p:cNvGrpSpPr/>
-        <p:nvPr/>
-      </p:nvGrpSpPr>
-      <p:grpSpPr>
-        <a:xfrm>
-          <a:off x="0" y="0"/>
-          <a:ext cx="0" cy="0"/>
-          <a:chOff x="0" y="0"/>
-          <a:chExt cx="0" cy="0"/>
-        </a:xfrm>
-      </p:grpSpPr>
-      <p:sp>
-        <p:nvSpPr>
-          <p:cNvPr id="2" name="Title 1"/>
-          <p:cNvSpPr>
-            <a:spLocks noGrp="1"/>
-          </p:cNvSpPr>
-          <p:nvPr>
-            <p:ph type="title"/>
-          </p:nvPr>
-        </p:nvSpPr>
-        <p:spPr/>
-        <p:txBody>
-          <a:bodyPr/>
-          <a:lstStyle/>
-          <a:p>
-            <a:r>
-              <a:rPr lang="en-US" dirty="0"/>
-              <a:t>Transformations: Implementation</a:t>
-            </a:r>
-          </a:p>
-        </p:txBody>
-      </p:sp>
-      <p:sp>
-        <p:nvSpPr>
-          <p:cNvPr id="3" name="Content Placeholder 2"/>
-          <p:cNvSpPr>
-            <a:spLocks noGrp="1"/>
-          </p:cNvSpPr>
-          <p:nvPr>
-            <p:ph idx="1"/>
-          </p:nvPr>
-        </p:nvSpPr>
-        <p:spPr/>
-        <p:txBody>
-          <a:bodyPr/>
-          <a:lstStyle/>
-          <a:p>
-            <a:r>
-              <a:rPr lang="en-US" dirty="0"/>
-              <a:t>Start from a logical operation</a:t>
-            </a:r>
-          </a:p>
-          <a:p>
-            <a:r>
-              <a:rPr lang="en-US" dirty="0"/>
-              <a:t>Find equivalent physical operation</a:t>
-            </a:r>
-          </a:p>
-          <a:p>
-            <a:r>
-              <a:rPr lang="en-US" dirty="0"/>
-              <a:t>Example:</a:t>
-            </a:r>
-          </a:p>
-          <a:p>
-            <a:pPr lvl="1"/>
-            <a:r>
-              <a:rPr lang="en-US" dirty="0"/>
-              <a:t>A⋈B </a:t>
-            </a:r>
-            <a:r>
-              <a:rPr lang="en-US" dirty="0">
-                <a:sym typeface="Wingdings" panose="05000000000000000000" pitchFamily="2" charset="2"/>
-              </a:rPr>
-              <a:t> A (nested loops join) B</a:t>
-            </a:r>
-          </a:p>
-          <a:p>
-            <a:pPr lvl="1"/>
-            <a:r>
-              <a:rPr lang="en-US" dirty="0"/>
-              <a:t>A⋈B </a:t>
-            </a:r>
-            <a:r>
-              <a:rPr lang="en-US" dirty="0">
-                <a:sym typeface="Wingdings" panose="05000000000000000000" pitchFamily="2" charset="2"/>
-              </a:rPr>
-              <a:t> A (merge join) B</a:t>
-            </a:r>
-          </a:p>
-          <a:p>
-            <a:pPr lvl="1"/>
-            <a:r>
-              <a:rPr lang="en-US" dirty="0"/>
-              <a:t>A⋈B </a:t>
-            </a:r>
-            <a:r>
-              <a:rPr lang="en-US" dirty="0">
-                <a:sym typeface="Wingdings" panose="05000000000000000000" pitchFamily="2" charset="2"/>
-              </a:rPr>
-              <a:t> A (hash join) B</a:t>
-            </a:r>
-          </a:p>
-          <a:p>
-            <a:r>
-              <a:rPr lang="en-US" dirty="0">
-                <a:sym typeface="Wingdings" panose="05000000000000000000" pitchFamily="2" charset="2"/>
-              </a:rPr>
-              <a:t>Obtain costing on physical operations</a:t>
-            </a:r>
-          </a:p>
-          <a:p>
-            <a:r>
-              <a:rPr lang="en-US" dirty="0"/>
-              <a:t>Can prune expensive branches from tree</a:t>
-            </a:r>
-          </a:p>
-        </p:txBody>
-      </p:sp>
-    </p:spTree>
-    <p:extLst>
-      <p:ext uri="{BB962C8B-B14F-4D97-AF65-F5344CB8AC3E}">
-        <p14:creationId xmlns:p14="http://schemas.microsoft.com/office/powerpoint/2010/main" val="910537009"/>
       </p:ext>
     </p:extLst>
   </p:cSld>
@@ -37652,7 +37556,7 @@
           <a:p>
             <a:r>
               <a:rPr lang="en-US" dirty="0"/>
-              <a:t>Transformations: Property Enforcement</a:t>
+              <a:t>Transformations: Implementation</a:t>
             </a:r>
           </a:p>
         </p:txBody>
@@ -37674,42 +37578,72 @@
           <a:p>
             <a:r>
               <a:rPr lang="en-US" dirty="0"/>
-              <a:t>Properties associated with parse tree nodes</a:t>
+              <a:t>Start from a logical operation</a:t>
+            </a:r>
+          </a:p>
+          <a:p>
+            <a:r>
+              <a:rPr lang="en-US" dirty="0"/>
+              <a:t>Find equivalent physical operation</a:t>
+            </a:r>
+          </a:p>
+          <a:p>
+            <a:r>
+              <a:rPr lang="en-US" dirty="0"/>
+              <a:t>Example:</a:t>
             </a:r>
           </a:p>
           <a:p>
             <a:pPr lvl="1"/>
             <a:r>
               <a:rPr lang="en-US" dirty="0"/>
-              <a:t>Uniqueness, type, </a:t>
-            </a:r>
-            <a:r>
-              <a:rPr lang="en-US" dirty="0" err="1"/>
-              <a:t>nullability</a:t>
-            </a:r>
+              <a:t>A⋈B </a:t>
+            </a:r>
+            <a:r>
+              <a:rPr lang="en-US" dirty="0">
+                <a:sym typeface="Wingdings" panose="05000000000000000000" pitchFamily="2" charset="2"/>
+              </a:rPr>
+              <a:t> A (nested loops join) B</a:t>
+            </a:r>
+          </a:p>
+          <a:p>
+            <a:pPr lvl="1"/>
             <a:r>
               <a:rPr lang="en-US" dirty="0"/>
-              <a:t>, sort order</a:t>
+              <a:t>A⋈B </a:t>
+            </a:r>
+            <a:r>
+              <a:rPr lang="en-US" dirty="0">
+                <a:sym typeface="Wingdings" panose="05000000000000000000" pitchFamily="2" charset="2"/>
+              </a:rPr>
+              <a:t> A (merge join) B</a:t>
             </a:r>
           </a:p>
           <a:p>
             <a:pPr lvl="1"/>
             <a:r>
               <a:rPr lang="en-US" dirty="0"/>
-              <a:t>Constraints on column values</a:t>
+              <a:t>A⋈B </a:t>
+            </a:r>
+            <a:r>
+              <a:rPr lang="en-US" dirty="0">
+                <a:sym typeface="Wingdings" panose="05000000000000000000" pitchFamily="2" charset="2"/>
+              </a:rPr>
+              <a:t> A (hash join) B</a:t>
+            </a:r>
+          </a:p>
+          <a:p>
+            <a:r>
+              <a:rPr lang="en-US" dirty="0">
+                <a:sym typeface="Wingdings" panose="05000000000000000000" pitchFamily="2" charset="2"/>
+              </a:rPr>
+              <a:t>Obtain costing on physical operations</a:t>
             </a:r>
           </a:p>
           <a:p>
             <a:r>
               <a:rPr lang="en-US" dirty="0"/>
-              <a:t>Transformation rules may cause certain properties to be enforced</a:t>
-            </a:r>
-          </a:p>
-          <a:p>
-            <a:pPr lvl="1"/>
-            <a:r>
-              <a:rPr lang="en-US" dirty="0"/>
-              <a:t>Example: sort order for a merge join</a:t>
+              <a:t>Can prune expensive branches from tree</a:t>
             </a:r>
           </a:p>
         </p:txBody>
@@ -37717,7 +37651,7 @@
     </p:spTree>
     <p:extLst>
       <p:ext uri="{BB962C8B-B14F-4D97-AF65-F5344CB8AC3E}">
-        <p14:creationId xmlns:p14="http://schemas.microsoft.com/office/powerpoint/2010/main" val="3566365270"/>
+        <p14:creationId xmlns:p14="http://schemas.microsoft.com/office/powerpoint/2010/main" val="910537009"/>
       </p:ext>
     </p:extLst>
   </p:cSld>
@@ -37864,6 +37798,115 @@
         </p:nvSpPr>
         <p:spPr/>
         <p:txBody>
+          <a:bodyPr/>
+          <a:lstStyle/>
+          <a:p>
+            <a:r>
+              <a:rPr lang="en-US" dirty="0"/>
+              <a:t>Transformations: Property Enforcement</a:t>
+            </a:r>
+          </a:p>
+        </p:txBody>
+      </p:sp>
+      <p:sp>
+        <p:nvSpPr>
+          <p:cNvPr id="3" name="Content Placeholder 2"/>
+          <p:cNvSpPr>
+            <a:spLocks noGrp="1"/>
+          </p:cNvSpPr>
+          <p:nvPr>
+            <p:ph idx="1"/>
+          </p:nvPr>
+        </p:nvSpPr>
+        <p:spPr/>
+        <p:txBody>
+          <a:bodyPr/>
+          <a:lstStyle/>
+          <a:p>
+            <a:r>
+              <a:rPr lang="en-US" dirty="0"/>
+              <a:t>Properties associated with parse tree nodes</a:t>
+            </a:r>
+          </a:p>
+          <a:p>
+            <a:pPr lvl="1"/>
+            <a:r>
+              <a:rPr lang="en-US" dirty="0"/>
+              <a:t>Uniqueness, type, </a:t>
+            </a:r>
+            <a:r>
+              <a:rPr lang="en-US" dirty="0" err="1"/>
+              <a:t>nullability</a:t>
+            </a:r>
+            <a:r>
+              <a:rPr lang="en-US" dirty="0"/>
+              <a:t>, sort order</a:t>
+            </a:r>
+          </a:p>
+          <a:p>
+            <a:pPr lvl="1"/>
+            <a:r>
+              <a:rPr lang="en-US" dirty="0"/>
+              <a:t>Constraints on column values</a:t>
+            </a:r>
+          </a:p>
+          <a:p>
+            <a:r>
+              <a:rPr lang="en-US" dirty="0"/>
+              <a:t>Transformation rules may cause certain properties to be enforced</a:t>
+            </a:r>
+          </a:p>
+          <a:p>
+            <a:pPr lvl="1"/>
+            <a:r>
+              <a:rPr lang="en-US" dirty="0"/>
+              <a:t>Example: sort order for a merge join</a:t>
+            </a:r>
+          </a:p>
+        </p:txBody>
+      </p:sp>
+    </p:spTree>
+    <p:extLst>
+      <p:ext uri="{BB962C8B-B14F-4D97-AF65-F5344CB8AC3E}">
+        <p14:creationId xmlns:p14="http://schemas.microsoft.com/office/powerpoint/2010/main" val="3566365270"/>
+      </p:ext>
+    </p:extLst>
+  </p:cSld>
+  <p:clrMapOvr>
+    <a:masterClrMapping/>
+  </p:clrMapOvr>
+</p:sld>
+</file>
+
+<file path=ppt/slides/slide51.xml><?xml version="1.0" encoding="utf-8"?>
+<p:sld xmlns:a="http://schemas.openxmlformats.org/drawingml/2006/main" xmlns:r="http://schemas.openxmlformats.org/officeDocument/2006/relationships" xmlns:p="http://schemas.openxmlformats.org/presentationml/2006/main">
+  <p:cSld>
+    <p:spTree>
+      <p:nvGrpSpPr>
+        <p:cNvPr id="1" name=""/>
+        <p:cNvGrpSpPr/>
+        <p:nvPr/>
+      </p:nvGrpSpPr>
+      <p:grpSpPr>
+        <a:xfrm>
+          <a:off x="0" y="0"/>
+          <a:ext cx="0" cy="0"/>
+          <a:chOff x="0" y="0"/>
+          <a:chExt cx="0" cy="0"/>
+        </a:xfrm>
+      </p:grpSpPr>
+      <p:sp>
+        <p:nvSpPr>
+          <p:cNvPr id="2" name="Title 1"/>
+          <p:cNvSpPr>
+            <a:spLocks noGrp="1"/>
+          </p:cNvSpPr>
+          <p:nvPr>
+            <p:ph type="title"/>
+          </p:nvPr>
+        </p:nvSpPr>
+        <p:spPr/>
+        <p:txBody>
           <a:bodyPr>
             <a:normAutofit fontScale="90000"/>
           </a:bodyPr>
@@ -37980,7 +38023,7 @@
 </p:sld>
 </file>
 
-<file path=ppt/slides/slide51.xml><?xml version="1.0" encoding="utf-8"?>
+<file path=ppt/slides/slide52.xml><?xml version="1.0" encoding="utf-8"?>
 <p:sld xmlns:a="http://schemas.openxmlformats.org/drawingml/2006/main" xmlns:r="http://schemas.openxmlformats.org/officeDocument/2006/relationships" xmlns:p="http://schemas.openxmlformats.org/presentationml/2006/main" show="0">
   <p:cSld>
     <p:spTree>
@@ -38107,106 +38150,6 @@
       <p:transition spd="slow"/>
     </mc:Fallback>
   </mc:AlternateContent>
-</p:sld>
-</file>
-
-<file path=ppt/slides/slide52.xml><?xml version="1.0" encoding="utf-8"?>
-<p:sld xmlns:a="http://schemas.openxmlformats.org/drawingml/2006/main" xmlns:r="http://schemas.openxmlformats.org/officeDocument/2006/relationships" xmlns:p="http://schemas.openxmlformats.org/presentationml/2006/main">
-  <p:cSld>
-    <p:spTree>
-      <p:nvGrpSpPr>
-        <p:cNvPr id="1" name=""/>
-        <p:cNvGrpSpPr/>
-        <p:nvPr/>
-      </p:nvGrpSpPr>
-      <p:grpSpPr>
-        <a:xfrm>
-          <a:off x="0" y="0"/>
-          <a:ext cx="0" cy="0"/>
-          <a:chOff x="0" y="0"/>
-          <a:chExt cx="0" cy="0"/>
-        </a:xfrm>
-      </p:grpSpPr>
-      <p:sp>
-        <p:nvSpPr>
-          <p:cNvPr id="2" name="Title 1"/>
-          <p:cNvSpPr>
-            <a:spLocks noGrp="1"/>
-          </p:cNvSpPr>
-          <p:nvPr>
-            <p:ph type="title"/>
-          </p:nvPr>
-        </p:nvSpPr>
-        <p:spPr/>
-        <p:txBody>
-          <a:bodyPr/>
-          <a:lstStyle/>
-          <a:p>
-            <a:r>
-              <a:rPr lang="en-US" dirty="0"/>
-              <a:t>Parse Trees</a:t>
-            </a:r>
-          </a:p>
-        </p:txBody>
-      </p:sp>
-      <p:sp>
-        <p:nvSpPr>
-          <p:cNvPr id="3" name="Content Placeholder 2"/>
-          <p:cNvSpPr>
-            <a:spLocks noGrp="1"/>
-          </p:cNvSpPr>
-          <p:nvPr>
-            <p:ph idx="1"/>
-          </p:nvPr>
-        </p:nvSpPr>
-        <p:spPr/>
-        <p:txBody>
-          <a:bodyPr/>
-          <a:lstStyle/>
-          <a:p>
-            <a:r>
-              <a:rPr lang="en-US" dirty="0"/>
-              <a:t>Internal representation of query operation</a:t>
-            </a:r>
-          </a:p>
-          <a:p>
-            <a:r>
-              <a:rPr lang="en-US" dirty="0"/>
-              <a:t>Nodes may be logical or physical operators</a:t>
-            </a:r>
-          </a:p>
-          <a:p>
-            <a:pPr lvl="1"/>
-            <a:r>
-              <a:rPr lang="en-US" dirty="0"/>
-              <a:t>0 to infinity inputs, 1 output</a:t>
-            </a:r>
-          </a:p>
-          <a:p>
-            <a:r>
-              <a:rPr lang="en-US" dirty="0"/>
-              <a:t>SQL Server will output parse trees at various phases of optimization</a:t>
-            </a:r>
-          </a:p>
-          <a:p>
-            <a:pPr lvl="1"/>
-            <a:r>
-              <a:rPr lang="en-US" dirty="0"/>
-              <a:t>A variety of trace flags will trigger output</a:t>
-            </a:r>
-          </a:p>
-        </p:txBody>
-      </p:sp>
-    </p:spTree>
-    <p:extLst>
-      <p:ext uri="{BB962C8B-B14F-4D97-AF65-F5344CB8AC3E}">
-        <p14:creationId xmlns:p14="http://schemas.microsoft.com/office/powerpoint/2010/main" val="1114966382"/>
-      </p:ext>
-    </p:extLst>
-  </p:cSld>
-  <p:clrMapOvr>
-    <a:masterClrMapping/>
-  </p:clrMapOvr>
 </p:sld>
 </file>
 
@@ -38244,1150 +38187,63 @@
           <a:p>
             <a:r>
               <a:rPr lang="en-US" dirty="0"/>
-              <a:t>Example Parse Tree</a:t>
+              <a:t>Parse Trees</a:t>
             </a:r>
           </a:p>
         </p:txBody>
       </p:sp>
       <p:sp>
         <p:nvSpPr>
-          <p:cNvPr id="5" name="TextBox 4"/>
-          <p:cNvSpPr txBox="1"/>
-          <p:nvPr/>
+          <p:cNvPr id="3" name="Content Placeholder 2"/>
+          <p:cNvSpPr>
+            <a:spLocks noGrp="1"/>
+          </p:cNvSpPr>
+          <p:nvPr>
+            <p:ph idx="1"/>
+          </p:nvPr>
         </p:nvSpPr>
-        <p:spPr>
-          <a:xfrm>
-            <a:off x="558265" y="1713297"/>
-            <a:ext cx="4025461" cy="2677656"/>
-          </a:xfrm>
-          <a:prstGeom prst="rect">
-            <a:avLst/>
-          </a:prstGeom>
-          <a:noFill/>
-        </p:spPr>
+        <p:spPr/>
         <p:txBody>
-          <a:bodyPr wrap="none" rtlCol="0">
-            <a:spAutoFit/>
-          </a:bodyPr>
+          <a:bodyPr/>
           <a:lstStyle/>
           <a:p>
             <a:r>
-              <a:rPr lang="en-US" sz="1400" dirty="0">
-                <a:solidFill>
-                  <a:srgbClr val="0000FF"/>
-                </a:solidFill>
-                <a:latin typeface="Consolas" panose="020B0609020204030204" pitchFamily="49" charset="0"/>
-              </a:rPr>
-              <a:t>select</a:t>
-            </a:r>
-            <a:r>
-              <a:rPr lang="en-US" sz="1400" dirty="0">
-                <a:solidFill>
-                  <a:prstClr val="black"/>
-                </a:solidFill>
-                <a:latin typeface="Consolas" panose="020B0609020204030204" pitchFamily="49" charset="0"/>
-              </a:rPr>
-              <a:t> </a:t>
-            </a:r>
-            <a:r>
-              <a:rPr lang="en-US" sz="1400" dirty="0">
-                <a:solidFill>
-                  <a:srgbClr val="0000FF"/>
-                </a:solidFill>
-                <a:latin typeface="Consolas" panose="020B0609020204030204" pitchFamily="49" charset="0"/>
-              </a:rPr>
-              <a:t>top</a:t>
-            </a:r>
-            <a:r>
-              <a:rPr lang="en-US" sz="1400" dirty="0">
-                <a:solidFill>
-                  <a:prstClr val="black"/>
-                </a:solidFill>
-                <a:latin typeface="Consolas" panose="020B0609020204030204" pitchFamily="49" charset="0"/>
-              </a:rPr>
-              <a:t> 5</a:t>
-            </a:r>
-          </a:p>
-          <a:p>
-            <a:r>
-              <a:rPr lang="en-US" sz="1400" dirty="0">
-                <a:solidFill>
-                  <a:srgbClr val="008080"/>
-                </a:solidFill>
-                <a:latin typeface="Consolas" panose="020B0609020204030204" pitchFamily="49" charset="0"/>
-              </a:rPr>
-              <a:t>	</a:t>
-            </a:r>
-            <a:r>
-              <a:rPr lang="en-US" sz="1400" dirty="0" err="1">
-                <a:solidFill>
-                  <a:srgbClr val="008080"/>
-                </a:solidFill>
-                <a:latin typeface="Consolas" panose="020B0609020204030204" pitchFamily="49" charset="0"/>
-              </a:rPr>
-              <a:t>od</a:t>
-            </a:r>
-            <a:r>
-              <a:rPr lang="en-US" sz="1400" dirty="0" err="1">
-                <a:solidFill>
-                  <a:srgbClr val="808080"/>
-                </a:solidFill>
-                <a:latin typeface="Consolas" panose="020B0609020204030204" pitchFamily="49" charset="0"/>
-              </a:rPr>
-              <a:t>.</a:t>
-            </a:r>
-            <a:r>
-              <a:rPr lang="en-US" sz="1400" dirty="0" err="1">
-                <a:solidFill>
-                  <a:srgbClr val="008080"/>
-                </a:solidFill>
-                <a:latin typeface="Consolas" panose="020B0609020204030204" pitchFamily="49" charset="0"/>
-              </a:rPr>
-              <a:t>ProductId</a:t>
-            </a:r>
-            <a:r>
-              <a:rPr lang="en-US" sz="1400" dirty="0">
-                <a:solidFill>
-                  <a:srgbClr val="808080"/>
-                </a:solidFill>
-                <a:latin typeface="Consolas" panose="020B0609020204030204" pitchFamily="49" charset="0"/>
-              </a:rPr>
-              <a:t>,</a:t>
-            </a:r>
-            <a:endParaRPr lang="en-US" sz="1400" dirty="0">
-              <a:solidFill>
-                <a:prstClr val="black"/>
-              </a:solidFill>
-              <a:latin typeface="Consolas" panose="020B0609020204030204" pitchFamily="49" charset="0"/>
-            </a:endParaRPr>
-          </a:p>
-          <a:p>
-            <a:r>
-              <a:rPr lang="en-US" sz="1400" dirty="0">
-                <a:solidFill>
-                  <a:srgbClr val="FF00FF"/>
-                </a:solidFill>
-                <a:latin typeface="Consolas" panose="020B0609020204030204" pitchFamily="49" charset="0"/>
-              </a:rPr>
-              <a:t>	sum</a:t>
-            </a:r>
-            <a:r>
-              <a:rPr lang="en-US" sz="1400" dirty="0">
-                <a:solidFill>
-                  <a:srgbClr val="808080"/>
-                </a:solidFill>
-                <a:latin typeface="Consolas" panose="020B0609020204030204" pitchFamily="49" charset="0"/>
-              </a:rPr>
-              <a:t>(</a:t>
-            </a:r>
-            <a:r>
-              <a:rPr lang="en-US" sz="1400" dirty="0" err="1">
-                <a:solidFill>
-                  <a:srgbClr val="008080"/>
-                </a:solidFill>
-                <a:latin typeface="Consolas" panose="020B0609020204030204" pitchFamily="49" charset="0"/>
-              </a:rPr>
-              <a:t>od</a:t>
-            </a:r>
-            <a:r>
-              <a:rPr lang="en-US" sz="1400" dirty="0" err="1">
-                <a:solidFill>
-                  <a:srgbClr val="808080"/>
-                </a:solidFill>
-                <a:latin typeface="Consolas" panose="020B0609020204030204" pitchFamily="49" charset="0"/>
-              </a:rPr>
-              <a:t>.</a:t>
-            </a:r>
-            <a:r>
-              <a:rPr lang="en-US" sz="1400" dirty="0" err="1">
-                <a:solidFill>
-                  <a:srgbClr val="008080"/>
-                </a:solidFill>
-                <a:latin typeface="Consolas" panose="020B0609020204030204" pitchFamily="49" charset="0"/>
-              </a:rPr>
-              <a:t>Quantity</a:t>
-            </a:r>
-            <a:r>
-              <a:rPr lang="en-US" sz="1400" dirty="0">
-                <a:solidFill>
-                  <a:srgbClr val="808080"/>
-                </a:solidFill>
-                <a:latin typeface="Consolas" panose="020B0609020204030204" pitchFamily="49" charset="0"/>
-              </a:rPr>
-              <a:t>)</a:t>
-            </a:r>
-            <a:r>
-              <a:rPr lang="en-US" sz="1400" dirty="0">
-                <a:solidFill>
-                  <a:prstClr val="black"/>
-                </a:solidFill>
-                <a:latin typeface="Consolas" panose="020B0609020204030204" pitchFamily="49" charset="0"/>
-              </a:rPr>
-              <a:t> </a:t>
-            </a:r>
-            <a:r>
-              <a:rPr lang="en-US" sz="1400" dirty="0">
-                <a:solidFill>
-                  <a:srgbClr val="808080"/>
-                </a:solidFill>
-                <a:latin typeface="Consolas" panose="020B0609020204030204" pitchFamily="49" charset="0"/>
-              </a:rPr>
-              <a:t>-</a:t>
-            </a:r>
-            <a:r>
-              <a:rPr lang="en-US" sz="1400" dirty="0">
-                <a:solidFill>
-                  <a:prstClr val="black"/>
-                </a:solidFill>
-                <a:latin typeface="Consolas" panose="020B0609020204030204" pitchFamily="49" charset="0"/>
-              </a:rPr>
-              <a:t> 20 </a:t>
-            </a:r>
-            <a:r>
-              <a:rPr lang="en-US" sz="1400" dirty="0" err="1">
-                <a:solidFill>
-                  <a:srgbClr val="008080"/>
-                </a:solidFill>
-                <a:latin typeface="Consolas" panose="020B0609020204030204" pitchFamily="49" charset="0"/>
-              </a:rPr>
-              <a:t>ExcessOrders</a:t>
-            </a:r>
-            <a:endParaRPr lang="en-US" sz="1400" dirty="0">
-              <a:solidFill>
-                <a:prstClr val="black"/>
-              </a:solidFill>
-              <a:latin typeface="Consolas" panose="020B0609020204030204" pitchFamily="49" charset="0"/>
-            </a:endParaRPr>
-          </a:p>
-          <a:p>
-            <a:r>
-              <a:rPr lang="en-US" sz="1400" dirty="0">
-                <a:solidFill>
-                  <a:srgbClr val="0000FF"/>
-                </a:solidFill>
-                <a:latin typeface="Consolas" panose="020B0609020204030204" pitchFamily="49" charset="0"/>
-              </a:rPr>
-              <a:t>from</a:t>
-            </a:r>
-            <a:r>
-              <a:rPr lang="en-US" sz="1400" dirty="0">
-                <a:solidFill>
-                  <a:prstClr val="black"/>
-                </a:solidFill>
-                <a:latin typeface="Consolas" panose="020B0609020204030204" pitchFamily="49" charset="0"/>
-              </a:rPr>
-              <a:t> </a:t>
-            </a:r>
-            <a:r>
-              <a:rPr lang="en-US" sz="1400" dirty="0" err="1">
-                <a:solidFill>
-                  <a:srgbClr val="008080"/>
-                </a:solidFill>
-                <a:latin typeface="Consolas" panose="020B0609020204030204" pitchFamily="49" charset="0"/>
-              </a:rPr>
-              <a:t>CorpDB</a:t>
-            </a:r>
-            <a:r>
-              <a:rPr lang="en-US" sz="1400" dirty="0" err="1">
-                <a:solidFill>
-                  <a:srgbClr val="808080"/>
-                </a:solidFill>
-                <a:latin typeface="Consolas" panose="020B0609020204030204" pitchFamily="49" charset="0"/>
-              </a:rPr>
-              <a:t>.</a:t>
-            </a:r>
-            <a:r>
-              <a:rPr lang="en-US" sz="1400" dirty="0" err="1">
-                <a:solidFill>
-                  <a:srgbClr val="008080"/>
-                </a:solidFill>
-                <a:latin typeface="Consolas" panose="020B0609020204030204" pitchFamily="49" charset="0"/>
-              </a:rPr>
-              <a:t>dbo</a:t>
-            </a:r>
-            <a:r>
-              <a:rPr lang="en-US" sz="1400" dirty="0" err="1">
-                <a:solidFill>
-                  <a:srgbClr val="808080"/>
-                </a:solidFill>
-                <a:latin typeface="Consolas" panose="020B0609020204030204" pitchFamily="49" charset="0"/>
-              </a:rPr>
-              <a:t>.</a:t>
-            </a:r>
-            <a:r>
-              <a:rPr lang="en-US" sz="1400" dirty="0" err="1">
-                <a:solidFill>
-                  <a:srgbClr val="008080"/>
-                </a:solidFill>
-                <a:latin typeface="Consolas" panose="020B0609020204030204" pitchFamily="49" charset="0"/>
-              </a:rPr>
-              <a:t>OrderHeader</a:t>
-            </a:r>
-            <a:r>
-              <a:rPr lang="en-US" sz="1400" dirty="0">
-                <a:solidFill>
-                  <a:prstClr val="black"/>
-                </a:solidFill>
-                <a:latin typeface="Consolas" panose="020B0609020204030204" pitchFamily="49" charset="0"/>
-              </a:rPr>
-              <a:t> </a:t>
-            </a:r>
-            <a:r>
-              <a:rPr lang="en-US" sz="1400" dirty="0">
-                <a:solidFill>
-                  <a:srgbClr val="008080"/>
-                </a:solidFill>
-                <a:latin typeface="Consolas" panose="020B0609020204030204" pitchFamily="49" charset="0"/>
-              </a:rPr>
-              <a:t>oh</a:t>
-            </a:r>
-            <a:endParaRPr lang="en-US" sz="1400" dirty="0">
-              <a:solidFill>
-                <a:prstClr val="black"/>
-              </a:solidFill>
-              <a:latin typeface="Consolas" panose="020B0609020204030204" pitchFamily="49" charset="0"/>
-            </a:endParaRPr>
-          </a:p>
-          <a:p>
-            <a:r>
-              <a:rPr lang="en-US" sz="1400" dirty="0">
-                <a:solidFill>
-                  <a:srgbClr val="808080"/>
-                </a:solidFill>
-                <a:latin typeface="Consolas" panose="020B0609020204030204" pitchFamily="49" charset="0"/>
-              </a:rPr>
-              <a:t>inner</a:t>
-            </a:r>
-            <a:r>
-              <a:rPr lang="en-US" sz="1400" dirty="0">
-                <a:solidFill>
-                  <a:prstClr val="black"/>
-                </a:solidFill>
-                <a:latin typeface="Consolas" panose="020B0609020204030204" pitchFamily="49" charset="0"/>
-              </a:rPr>
-              <a:t> </a:t>
-            </a:r>
-            <a:r>
-              <a:rPr lang="en-US" sz="1400" dirty="0">
-                <a:solidFill>
-                  <a:srgbClr val="808080"/>
-                </a:solidFill>
-                <a:latin typeface="Consolas" panose="020B0609020204030204" pitchFamily="49" charset="0"/>
-              </a:rPr>
-              <a:t>join</a:t>
-            </a:r>
-            <a:r>
-              <a:rPr lang="en-US" sz="1400" dirty="0">
-                <a:solidFill>
-                  <a:prstClr val="black"/>
-                </a:solidFill>
-                <a:latin typeface="Consolas" panose="020B0609020204030204" pitchFamily="49" charset="0"/>
-              </a:rPr>
-              <a:t> </a:t>
-            </a:r>
-            <a:r>
-              <a:rPr lang="en-US" sz="1400" dirty="0" err="1">
-                <a:solidFill>
-                  <a:srgbClr val="008080"/>
-                </a:solidFill>
-                <a:latin typeface="Consolas" panose="020B0609020204030204" pitchFamily="49" charset="0"/>
-              </a:rPr>
-              <a:t>CorpDB</a:t>
-            </a:r>
-            <a:r>
-              <a:rPr lang="en-US" sz="1400" dirty="0" err="1">
-                <a:solidFill>
-                  <a:srgbClr val="808080"/>
-                </a:solidFill>
-                <a:latin typeface="Consolas" panose="020B0609020204030204" pitchFamily="49" charset="0"/>
-              </a:rPr>
-              <a:t>.</a:t>
-            </a:r>
-            <a:r>
-              <a:rPr lang="en-US" sz="1400" dirty="0" err="1">
-                <a:solidFill>
-                  <a:srgbClr val="008080"/>
-                </a:solidFill>
-                <a:latin typeface="Consolas" panose="020B0609020204030204" pitchFamily="49" charset="0"/>
-              </a:rPr>
-              <a:t>dbo</a:t>
-            </a:r>
-            <a:r>
-              <a:rPr lang="en-US" sz="1400" dirty="0" err="1">
-                <a:solidFill>
-                  <a:srgbClr val="808080"/>
-                </a:solidFill>
-                <a:latin typeface="Consolas" panose="020B0609020204030204" pitchFamily="49" charset="0"/>
-              </a:rPr>
-              <a:t>.</a:t>
-            </a:r>
-            <a:r>
-              <a:rPr lang="en-US" sz="1400" dirty="0" err="1">
-                <a:solidFill>
-                  <a:srgbClr val="008080"/>
-                </a:solidFill>
-                <a:latin typeface="Consolas" panose="020B0609020204030204" pitchFamily="49" charset="0"/>
-              </a:rPr>
-              <a:t>OrderDetail</a:t>
-            </a:r>
-            <a:r>
-              <a:rPr lang="en-US" sz="1400" dirty="0">
-                <a:solidFill>
-                  <a:prstClr val="black"/>
-                </a:solidFill>
-                <a:latin typeface="Consolas" panose="020B0609020204030204" pitchFamily="49" charset="0"/>
-              </a:rPr>
-              <a:t> </a:t>
-            </a:r>
-            <a:r>
-              <a:rPr lang="en-US" sz="1400" dirty="0">
-                <a:solidFill>
-                  <a:srgbClr val="008080"/>
-                </a:solidFill>
-                <a:latin typeface="Consolas" panose="020B0609020204030204" pitchFamily="49" charset="0"/>
-              </a:rPr>
-              <a:t>od</a:t>
-            </a:r>
-            <a:endParaRPr lang="en-US" sz="1400" dirty="0">
-              <a:solidFill>
-                <a:prstClr val="black"/>
-              </a:solidFill>
-              <a:latin typeface="Consolas" panose="020B0609020204030204" pitchFamily="49" charset="0"/>
-            </a:endParaRPr>
-          </a:p>
-          <a:p>
-            <a:r>
-              <a:rPr lang="en-US" sz="1400" dirty="0">
-                <a:solidFill>
-                  <a:srgbClr val="0000FF"/>
-                </a:solidFill>
-                <a:latin typeface="Consolas" panose="020B0609020204030204" pitchFamily="49" charset="0"/>
-              </a:rPr>
-              <a:t>on</a:t>
-            </a:r>
-            <a:r>
-              <a:rPr lang="en-US" sz="1400" dirty="0">
-                <a:solidFill>
-                  <a:prstClr val="black"/>
-                </a:solidFill>
-                <a:latin typeface="Consolas" panose="020B0609020204030204" pitchFamily="49" charset="0"/>
-              </a:rPr>
-              <a:t> </a:t>
-            </a:r>
-            <a:r>
-              <a:rPr lang="en-US" sz="1400" dirty="0" err="1">
-                <a:solidFill>
-                  <a:srgbClr val="008080"/>
-                </a:solidFill>
-                <a:latin typeface="Consolas" panose="020B0609020204030204" pitchFamily="49" charset="0"/>
-              </a:rPr>
-              <a:t>oh</a:t>
-            </a:r>
-            <a:r>
-              <a:rPr lang="en-US" sz="1400" dirty="0" err="1">
-                <a:solidFill>
-                  <a:srgbClr val="808080"/>
-                </a:solidFill>
-                <a:latin typeface="Consolas" panose="020B0609020204030204" pitchFamily="49" charset="0"/>
-              </a:rPr>
-              <a:t>.</a:t>
-            </a:r>
-            <a:r>
-              <a:rPr lang="en-US" sz="1400" dirty="0" err="1">
-                <a:solidFill>
-                  <a:srgbClr val="008080"/>
-                </a:solidFill>
-                <a:latin typeface="Consolas" panose="020B0609020204030204" pitchFamily="49" charset="0"/>
-              </a:rPr>
-              <a:t>OrderId</a:t>
-            </a:r>
-            <a:r>
-              <a:rPr lang="en-US" sz="1400" dirty="0">
-                <a:solidFill>
-                  <a:prstClr val="black"/>
-                </a:solidFill>
-                <a:latin typeface="Consolas" panose="020B0609020204030204" pitchFamily="49" charset="0"/>
-              </a:rPr>
-              <a:t> </a:t>
-            </a:r>
-            <a:r>
-              <a:rPr lang="en-US" sz="1400" dirty="0">
-                <a:solidFill>
-                  <a:srgbClr val="808080"/>
-                </a:solidFill>
-                <a:latin typeface="Consolas" panose="020B0609020204030204" pitchFamily="49" charset="0"/>
-              </a:rPr>
-              <a:t>=</a:t>
-            </a:r>
-            <a:r>
-              <a:rPr lang="en-US" sz="1400" dirty="0">
-                <a:solidFill>
-                  <a:prstClr val="black"/>
-                </a:solidFill>
-                <a:latin typeface="Consolas" panose="020B0609020204030204" pitchFamily="49" charset="0"/>
-              </a:rPr>
-              <a:t> </a:t>
-            </a:r>
-            <a:r>
-              <a:rPr lang="en-US" sz="1400" dirty="0" err="1">
-                <a:solidFill>
-                  <a:srgbClr val="008080"/>
-                </a:solidFill>
-                <a:latin typeface="Consolas" panose="020B0609020204030204" pitchFamily="49" charset="0"/>
-              </a:rPr>
-              <a:t>od</a:t>
-            </a:r>
-            <a:r>
-              <a:rPr lang="en-US" sz="1400" dirty="0" err="1">
-                <a:solidFill>
-                  <a:srgbClr val="808080"/>
-                </a:solidFill>
-                <a:latin typeface="Consolas" panose="020B0609020204030204" pitchFamily="49" charset="0"/>
-              </a:rPr>
-              <a:t>.</a:t>
-            </a:r>
-            <a:r>
-              <a:rPr lang="en-US" sz="1400" dirty="0" err="1">
-                <a:solidFill>
-                  <a:srgbClr val="008080"/>
-                </a:solidFill>
-                <a:latin typeface="Consolas" panose="020B0609020204030204" pitchFamily="49" charset="0"/>
-              </a:rPr>
-              <a:t>OrderId</a:t>
-            </a:r>
-            <a:endParaRPr lang="en-US" sz="1400" dirty="0">
-              <a:solidFill>
-                <a:prstClr val="black"/>
-              </a:solidFill>
-              <a:latin typeface="Consolas" panose="020B0609020204030204" pitchFamily="49" charset="0"/>
-            </a:endParaRPr>
-          </a:p>
-          <a:p>
-            <a:r>
-              <a:rPr lang="en-US" sz="1400" dirty="0">
-                <a:solidFill>
-                  <a:srgbClr val="808080"/>
-                </a:solidFill>
-                <a:latin typeface="Consolas" panose="020B0609020204030204" pitchFamily="49" charset="0"/>
-              </a:rPr>
-              <a:t>inner</a:t>
-            </a:r>
-            <a:r>
-              <a:rPr lang="en-US" sz="1400" dirty="0">
-                <a:solidFill>
-                  <a:prstClr val="black"/>
-                </a:solidFill>
-                <a:latin typeface="Consolas" panose="020B0609020204030204" pitchFamily="49" charset="0"/>
-              </a:rPr>
-              <a:t> </a:t>
-            </a:r>
-            <a:r>
-              <a:rPr lang="en-US" sz="1400" dirty="0">
-                <a:solidFill>
-                  <a:srgbClr val="808080"/>
-                </a:solidFill>
-                <a:latin typeface="Consolas" panose="020B0609020204030204" pitchFamily="49" charset="0"/>
-              </a:rPr>
-              <a:t>join</a:t>
-            </a:r>
-            <a:r>
-              <a:rPr lang="en-US" sz="1400" dirty="0">
-                <a:solidFill>
-                  <a:prstClr val="black"/>
-                </a:solidFill>
-                <a:latin typeface="Consolas" panose="020B0609020204030204" pitchFamily="49" charset="0"/>
-              </a:rPr>
-              <a:t> </a:t>
-            </a:r>
-            <a:r>
-              <a:rPr lang="en-US" sz="1400" dirty="0" err="1">
-                <a:solidFill>
-                  <a:srgbClr val="008080"/>
-                </a:solidFill>
-                <a:latin typeface="Consolas" panose="020B0609020204030204" pitchFamily="49" charset="0"/>
-              </a:rPr>
-              <a:t>CorpDB</a:t>
-            </a:r>
-            <a:r>
-              <a:rPr lang="en-US" sz="1400" dirty="0" err="1">
-                <a:solidFill>
-                  <a:srgbClr val="808080"/>
-                </a:solidFill>
-                <a:latin typeface="Consolas" panose="020B0609020204030204" pitchFamily="49" charset="0"/>
-              </a:rPr>
-              <a:t>.</a:t>
-            </a:r>
-            <a:r>
-              <a:rPr lang="en-US" sz="1400" dirty="0" err="1">
-                <a:solidFill>
-                  <a:srgbClr val="008080"/>
-                </a:solidFill>
-                <a:latin typeface="Consolas" panose="020B0609020204030204" pitchFamily="49" charset="0"/>
-              </a:rPr>
-              <a:t>dbo</a:t>
-            </a:r>
-            <a:r>
-              <a:rPr lang="en-US" sz="1400" dirty="0" err="1">
-                <a:solidFill>
-                  <a:srgbClr val="808080"/>
-                </a:solidFill>
-                <a:latin typeface="Consolas" panose="020B0609020204030204" pitchFamily="49" charset="0"/>
-              </a:rPr>
-              <a:t>.</a:t>
-            </a:r>
-            <a:r>
-              <a:rPr lang="en-US" sz="1400" dirty="0" err="1">
-                <a:solidFill>
-                  <a:srgbClr val="008080"/>
-                </a:solidFill>
-                <a:latin typeface="Consolas" panose="020B0609020204030204" pitchFamily="49" charset="0"/>
-              </a:rPr>
-              <a:t>Customer</a:t>
-            </a:r>
-            <a:r>
-              <a:rPr lang="en-US" sz="1400" dirty="0">
-                <a:solidFill>
-                  <a:prstClr val="black"/>
-                </a:solidFill>
-                <a:latin typeface="Consolas" panose="020B0609020204030204" pitchFamily="49" charset="0"/>
-              </a:rPr>
-              <a:t> </a:t>
-            </a:r>
-            <a:r>
-              <a:rPr lang="en-US" sz="1400" dirty="0" err="1">
-                <a:solidFill>
-                  <a:srgbClr val="008080"/>
-                </a:solidFill>
-                <a:latin typeface="Consolas" panose="020B0609020204030204" pitchFamily="49" charset="0"/>
-              </a:rPr>
-              <a:t>cust</a:t>
-            </a:r>
-            <a:endParaRPr lang="en-US" sz="1400" dirty="0">
-              <a:solidFill>
-                <a:prstClr val="black"/>
-              </a:solidFill>
-              <a:latin typeface="Consolas" panose="020B0609020204030204" pitchFamily="49" charset="0"/>
-            </a:endParaRPr>
-          </a:p>
-          <a:p>
-            <a:r>
-              <a:rPr lang="en-US" sz="1400" dirty="0">
-                <a:solidFill>
-                  <a:srgbClr val="0000FF"/>
-                </a:solidFill>
-                <a:latin typeface="Consolas" panose="020B0609020204030204" pitchFamily="49" charset="0"/>
-              </a:rPr>
-              <a:t>on</a:t>
-            </a:r>
-            <a:r>
-              <a:rPr lang="en-US" sz="1400" dirty="0">
-                <a:solidFill>
-                  <a:prstClr val="black"/>
-                </a:solidFill>
-                <a:latin typeface="Consolas" panose="020B0609020204030204" pitchFamily="49" charset="0"/>
-              </a:rPr>
-              <a:t> </a:t>
-            </a:r>
-            <a:r>
-              <a:rPr lang="en-US" sz="1400" dirty="0" err="1">
-                <a:solidFill>
-                  <a:srgbClr val="008080"/>
-                </a:solidFill>
-                <a:latin typeface="Consolas" panose="020B0609020204030204" pitchFamily="49" charset="0"/>
-              </a:rPr>
-              <a:t>oh</a:t>
-            </a:r>
-            <a:r>
-              <a:rPr lang="en-US" sz="1400" dirty="0" err="1">
-                <a:solidFill>
-                  <a:srgbClr val="808080"/>
-                </a:solidFill>
-                <a:latin typeface="Consolas" panose="020B0609020204030204" pitchFamily="49" charset="0"/>
-              </a:rPr>
-              <a:t>.</a:t>
-            </a:r>
-            <a:r>
-              <a:rPr lang="en-US" sz="1400" dirty="0" err="1">
-                <a:solidFill>
-                  <a:srgbClr val="008080"/>
-                </a:solidFill>
-                <a:latin typeface="Consolas" panose="020B0609020204030204" pitchFamily="49" charset="0"/>
-              </a:rPr>
-              <a:t>CustomerId</a:t>
-            </a:r>
-            <a:r>
-              <a:rPr lang="en-US" sz="1400" dirty="0">
-                <a:solidFill>
-                  <a:prstClr val="black"/>
-                </a:solidFill>
-                <a:latin typeface="Consolas" panose="020B0609020204030204" pitchFamily="49" charset="0"/>
-              </a:rPr>
-              <a:t> </a:t>
-            </a:r>
-            <a:r>
-              <a:rPr lang="en-US" sz="1400" dirty="0">
-                <a:solidFill>
-                  <a:srgbClr val="808080"/>
-                </a:solidFill>
-                <a:latin typeface="Consolas" panose="020B0609020204030204" pitchFamily="49" charset="0"/>
-              </a:rPr>
-              <a:t>=</a:t>
-            </a:r>
-            <a:r>
-              <a:rPr lang="en-US" sz="1400" dirty="0">
-                <a:solidFill>
-                  <a:prstClr val="black"/>
-                </a:solidFill>
-                <a:latin typeface="Consolas" panose="020B0609020204030204" pitchFamily="49" charset="0"/>
-              </a:rPr>
-              <a:t> </a:t>
-            </a:r>
-            <a:r>
-              <a:rPr lang="en-US" sz="1400" dirty="0" err="1">
-                <a:solidFill>
-                  <a:srgbClr val="008080"/>
-                </a:solidFill>
-                <a:latin typeface="Consolas" panose="020B0609020204030204" pitchFamily="49" charset="0"/>
-              </a:rPr>
-              <a:t>cust</a:t>
-            </a:r>
-            <a:r>
-              <a:rPr lang="en-US" sz="1400" dirty="0" err="1">
-                <a:solidFill>
-                  <a:srgbClr val="808080"/>
-                </a:solidFill>
-                <a:latin typeface="Consolas" panose="020B0609020204030204" pitchFamily="49" charset="0"/>
-              </a:rPr>
-              <a:t>.</a:t>
-            </a:r>
-            <a:r>
-              <a:rPr lang="en-US" sz="1400" dirty="0" err="1">
-                <a:solidFill>
-                  <a:srgbClr val="008080"/>
-                </a:solidFill>
-                <a:latin typeface="Consolas" panose="020B0609020204030204" pitchFamily="49" charset="0"/>
-              </a:rPr>
-              <a:t>CustomerID</a:t>
-            </a:r>
-            <a:endParaRPr lang="en-US" sz="1400" dirty="0">
-              <a:solidFill>
-                <a:prstClr val="black"/>
-              </a:solidFill>
-              <a:latin typeface="Consolas" panose="020B0609020204030204" pitchFamily="49" charset="0"/>
-            </a:endParaRPr>
-          </a:p>
-          <a:p>
-            <a:r>
-              <a:rPr lang="en-US" sz="1400" dirty="0">
-                <a:solidFill>
-                  <a:srgbClr val="0000FF"/>
-                </a:solidFill>
-                <a:latin typeface="Consolas" panose="020B0609020204030204" pitchFamily="49" charset="0"/>
-              </a:rPr>
-              <a:t>where</a:t>
-            </a:r>
-            <a:r>
-              <a:rPr lang="en-US" sz="1400" dirty="0">
-                <a:solidFill>
-                  <a:prstClr val="black"/>
-                </a:solidFill>
-                <a:latin typeface="Consolas" panose="020B0609020204030204" pitchFamily="49" charset="0"/>
-              </a:rPr>
-              <a:t> </a:t>
-            </a:r>
-            <a:r>
-              <a:rPr lang="en-US" sz="1400" dirty="0" err="1">
-                <a:solidFill>
-                  <a:srgbClr val="008080"/>
-                </a:solidFill>
-                <a:latin typeface="Consolas" panose="020B0609020204030204" pitchFamily="49" charset="0"/>
-              </a:rPr>
-              <a:t>cust</a:t>
-            </a:r>
-            <a:r>
-              <a:rPr lang="en-US" sz="1400" dirty="0" err="1">
-                <a:solidFill>
-                  <a:srgbClr val="808080"/>
-                </a:solidFill>
-                <a:latin typeface="Consolas" panose="020B0609020204030204" pitchFamily="49" charset="0"/>
-              </a:rPr>
-              <a:t>.</a:t>
-            </a:r>
-            <a:r>
-              <a:rPr lang="en-US" sz="1400" dirty="0" err="1">
-                <a:solidFill>
-                  <a:srgbClr val="0000FF"/>
-                </a:solidFill>
-                <a:latin typeface="Consolas" panose="020B0609020204030204" pitchFamily="49" charset="0"/>
-              </a:rPr>
-              <a:t>State</a:t>
-            </a:r>
-            <a:r>
-              <a:rPr lang="en-US" sz="1400" dirty="0">
-                <a:solidFill>
-                  <a:prstClr val="black"/>
-                </a:solidFill>
-                <a:latin typeface="Consolas" panose="020B0609020204030204" pitchFamily="49" charset="0"/>
-              </a:rPr>
-              <a:t> </a:t>
-            </a:r>
-            <a:r>
-              <a:rPr lang="en-US" sz="1400" dirty="0">
-                <a:solidFill>
-                  <a:srgbClr val="808080"/>
-                </a:solidFill>
-                <a:latin typeface="Consolas" panose="020B0609020204030204" pitchFamily="49" charset="0"/>
-              </a:rPr>
-              <a:t>=</a:t>
-            </a:r>
-            <a:r>
-              <a:rPr lang="en-US" sz="1400" dirty="0">
-                <a:solidFill>
-                  <a:prstClr val="black"/>
-                </a:solidFill>
-                <a:latin typeface="Consolas" panose="020B0609020204030204" pitchFamily="49" charset="0"/>
-              </a:rPr>
-              <a:t> </a:t>
-            </a:r>
-            <a:r>
-              <a:rPr lang="en-US" sz="1400" dirty="0" smtClean="0">
-                <a:solidFill>
-                  <a:srgbClr val="FF0000"/>
-                </a:solidFill>
-                <a:latin typeface="Consolas" panose="020B0609020204030204" pitchFamily="49" charset="0"/>
-              </a:rPr>
-              <a:t>'OK'</a:t>
-            </a:r>
-            <a:endParaRPr lang="en-US" sz="1400" dirty="0">
-              <a:solidFill>
-                <a:prstClr val="black"/>
-              </a:solidFill>
-              <a:latin typeface="Consolas" panose="020B0609020204030204" pitchFamily="49" charset="0"/>
-            </a:endParaRPr>
-          </a:p>
-          <a:p>
-            <a:r>
-              <a:rPr lang="en-US" sz="1400" dirty="0">
-                <a:solidFill>
-                  <a:srgbClr val="0000FF"/>
-                </a:solidFill>
-                <a:latin typeface="Consolas" panose="020B0609020204030204" pitchFamily="49" charset="0"/>
-              </a:rPr>
-              <a:t>group</a:t>
-            </a:r>
-            <a:r>
-              <a:rPr lang="en-US" sz="1400" dirty="0">
-                <a:solidFill>
-                  <a:prstClr val="black"/>
-                </a:solidFill>
-                <a:latin typeface="Consolas" panose="020B0609020204030204" pitchFamily="49" charset="0"/>
-              </a:rPr>
-              <a:t> </a:t>
-            </a:r>
-            <a:r>
-              <a:rPr lang="en-US" sz="1400" dirty="0">
-                <a:solidFill>
-                  <a:srgbClr val="0000FF"/>
-                </a:solidFill>
-                <a:latin typeface="Consolas" panose="020B0609020204030204" pitchFamily="49" charset="0"/>
-              </a:rPr>
-              <a:t>by</a:t>
-            </a:r>
-            <a:r>
-              <a:rPr lang="en-US" sz="1400" dirty="0">
-                <a:solidFill>
-                  <a:prstClr val="black"/>
-                </a:solidFill>
-                <a:latin typeface="Consolas" panose="020B0609020204030204" pitchFamily="49" charset="0"/>
-              </a:rPr>
-              <a:t> </a:t>
-            </a:r>
-            <a:r>
-              <a:rPr lang="en-US" sz="1400" dirty="0" err="1">
-                <a:solidFill>
-                  <a:srgbClr val="008080"/>
-                </a:solidFill>
-                <a:latin typeface="Consolas" panose="020B0609020204030204" pitchFamily="49" charset="0"/>
-              </a:rPr>
-              <a:t>od</a:t>
-            </a:r>
-            <a:r>
-              <a:rPr lang="en-US" sz="1400" dirty="0" err="1">
-                <a:solidFill>
-                  <a:srgbClr val="808080"/>
-                </a:solidFill>
-                <a:latin typeface="Consolas" panose="020B0609020204030204" pitchFamily="49" charset="0"/>
-              </a:rPr>
-              <a:t>.</a:t>
-            </a:r>
-            <a:r>
-              <a:rPr lang="en-US" sz="1400" dirty="0" err="1">
-                <a:solidFill>
-                  <a:srgbClr val="008080"/>
-                </a:solidFill>
-                <a:latin typeface="Consolas" panose="020B0609020204030204" pitchFamily="49" charset="0"/>
-              </a:rPr>
-              <a:t>ProductId</a:t>
-            </a:r>
-            <a:endParaRPr lang="en-US" sz="1400" dirty="0">
-              <a:solidFill>
-                <a:prstClr val="black"/>
-              </a:solidFill>
-              <a:latin typeface="Consolas" panose="020B0609020204030204" pitchFamily="49" charset="0"/>
-            </a:endParaRPr>
-          </a:p>
-          <a:p>
-            <a:r>
-              <a:rPr lang="en-US" sz="1400" dirty="0">
-                <a:solidFill>
-                  <a:srgbClr val="0000FF"/>
-                </a:solidFill>
-                <a:latin typeface="Consolas" panose="020B0609020204030204" pitchFamily="49" charset="0"/>
-              </a:rPr>
-              <a:t>having</a:t>
-            </a:r>
-            <a:r>
-              <a:rPr lang="en-US" sz="1400" dirty="0">
-                <a:solidFill>
-                  <a:prstClr val="black"/>
-                </a:solidFill>
-                <a:latin typeface="Consolas" panose="020B0609020204030204" pitchFamily="49" charset="0"/>
-              </a:rPr>
-              <a:t> </a:t>
-            </a:r>
-            <a:r>
-              <a:rPr lang="en-US" sz="1400" dirty="0">
-                <a:solidFill>
-                  <a:srgbClr val="FF00FF"/>
-                </a:solidFill>
-                <a:latin typeface="Consolas" panose="020B0609020204030204" pitchFamily="49" charset="0"/>
-              </a:rPr>
-              <a:t>sum</a:t>
-            </a:r>
-            <a:r>
-              <a:rPr lang="en-US" sz="1400" dirty="0">
-                <a:solidFill>
-                  <a:srgbClr val="808080"/>
-                </a:solidFill>
-                <a:latin typeface="Consolas" panose="020B0609020204030204" pitchFamily="49" charset="0"/>
-              </a:rPr>
-              <a:t>(</a:t>
-            </a:r>
-            <a:r>
-              <a:rPr lang="en-US" sz="1400" dirty="0" err="1">
-                <a:solidFill>
-                  <a:srgbClr val="008080"/>
-                </a:solidFill>
-                <a:latin typeface="Consolas" panose="020B0609020204030204" pitchFamily="49" charset="0"/>
-              </a:rPr>
-              <a:t>od</a:t>
-            </a:r>
-            <a:r>
-              <a:rPr lang="en-US" sz="1400" dirty="0" err="1">
-                <a:solidFill>
-                  <a:srgbClr val="808080"/>
-                </a:solidFill>
-                <a:latin typeface="Consolas" panose="020B0609020204030204" pitchFamily="49" charset="0"/>
-              </a:rPr>
-              <a:t>.</a:t>
-            </a:r>
-            <a:r>
-              <a:rPr lang="en-US" sz="1400" dirty="0" err="1">
-                <a:solidFill>
-                  <a:srgbClr val="008080"/>
-                </a:solidFill>
-                <a:latin typeface="Consolas" panose="020B0609020204030204" pitchFamily="49" charset="0"/>
-              </a:rPr>
-              <a:t>Quantity</a:t>
-            </a:r>
-            <a:r>
-              <a:rPr lang="en-US" sz="1400" dirty="0">
-                <a:solidFill>
-                  <a:srgbClr val="808080"/>
-                </a:solidFill>
-                <a:latin typeface="Consolas" panose="020B0609020204030204" pitchFamily="49" charset="0"/>
-              </a:rPr>
-              <a:t>)</a:t>
-            </a:r>
-            <a:r>
-              <a:rPr lang="en-US" sz="1400" dirty="0">
-                <a:solidFill>
-                  <a:prstClr val="black"/>
-                </a:solidFill>
-                <a:latin typeface="Consolas" panose="020B0609020204030204" pitchFamily="49" charset="0"/>
-              </a:rPr>
-              <a:t> </a:t>
-            </a:r>
-            <a:r>
-              <a:rPr lang="en-US" sz="1400" dirty="0">
-                <a:solidFill>
-                  <a:srgbClr val="808080"/>
-                </a:solidFill>
-                <a:latin typeface="Consolas" panose="020B0609020204030204" pitchFamily="49" charset="0"/>
-              </a:rPr>
-              <a:t>&gt;=</a:t>
-            </a:r>
-            <a:r>
-              <a:rPr lang="en-US" sz="1400" dirty="0">
-                <a:solidFill>
-                  <a:prstClr val="black"/>
-                </a:solidFill>
-                <a:latin typeface="Consolas" panose="020B0609020204030204" pitchFamily="49" charset="0"/>
-              </a:rPr>
-              <a:t> 20</a:t>
-            </a:r>
-          </a:p>
-          <a:p>
-            <a:r>
-              <a:rPr lang="en-US" sz="1400" dirty="0">
-                <a:solidFill>
-                  <a:srgbClr val="0000FF"/>
-                </a:solidFill>
-                <a:latin typeface="Consolas" panose="020B0609020204030204" pitchFamily="49" charset="0"/>
-              </a:rPr>
-              <a:t>order</a:t>
-            </a:r>
-            <a:r>
-              <a:rPr lang="en-US" sz="1400" dirty="0">
-                <a:solidFill>
-                  <a:prstClr val="black"/>
-                </a:solidFill>
-                <a:latin typeface="Consolas" panose="020B0609020204030204" pitchFamily="49" charset="0"/>
-              </a:rPr>
-              <a:t> </a:t>
-            </a:r>
-            <a:r>
-              <a:rPr lang="en-US" sz="1400" dirty="0">
-                <a:solidFill>
-                  <a:srgbClr val="0000FF"/>
-                </a:solidFill>
-                <a:latin typeface="Consolas" panose="020B0609020204030204" pitchFamily="49" charset="0"/>
-              </a:rPr>
-              <a:t>by</a:t>
-            </a:r>
-            <a:r>
-              <a:rPr lang="en-US" sz="1400" dirty="0">
-                <a:solidFill>
-                  <a:prstClr val="black"/>
-                </a:solidFill>
-                <a:latin typeface="Consolas" panose="020B0609020204030204" pitchFamily="49" charset="0"/>
-              </a:rPr>
-              <a:t> </a:t>
-            </a:r>
-            <a:r>
-              <a:rPr lang="en-US" sz="1400" dirty="0" err="1">
-                <a:solidFill>
-                  <a:srgbClr val="008080"/>
-                </a:solidFill>
-                <a:latin typeface="Consolas" panose="020B0609020204030204" pitchFamily="49" charset="0"/>
-              </a:rPr>
-              <a:t>od</a:t>
-            </a:r>
-            <a:r>
-              <a:rPr lang="en-US" sz="1400" dirty="0" err="1">
-                <a:solidFill>
-                  <a:srgbClr val="808080"/>
-                </a:solidFill>
-                <a:latin typeface="Consolas" panose="020B0609020204030204" pitchFamily="49" charset="0"/>
-              </a:rPr>
-              <a:t>.</a:t>
-            </a:r>
-            <a:r>
-              <a:rPr lang="en-US" sz="1400" dirty="0" err="1">
-                <a:solidFill>
-                  <a:srgbClr val="008080"/>
-                </a:solidFill>
-                <a:latin typeface="Consolas" panose="020B0609020204030204" pitchFamily="49" charset="0"/>
-              </a:rPr>
-              <a:t>ProductId</a:t>
-            </a:r>
-            <a:r>
-              <a:rPr lang="en-US" sz="1400" dirty="0">
-                <a:solidFill>
-                  <a:srgbClr val="808080"/>
-                </a:solidFill>
-                <a:latin typeface="Consolas" panose="020B0609020204030204" pitchFamily="49" charset="0"/>
-              </a:rPr>
-              <a:t>;</a:t>
-            </a:r>
-            <a:endParaRPr lang="en-US" sz="1400" dirty="0">
-              <a:solidFill>
-                <a:prstClr val="black"/>
-              </a:solidFill>
-              <a:latin typeface="Consolas" panose="020B0609020204030204" pitchFamily="49" charset="0"/>
-            </a:endParaRPr>
+              <a:rPr lang="en-US" dirty="0"/>
+              <a:t>Internal representation of query operation</a:t>
+            </a:r>
+          </a:p>
+          <a:p>
+            <a:r>
+              <a:rPr lang="en-US" dirty="0"/>
+              <a:t>Nodes may be logical or physical operators</a:t>
+            </a:r>
+          </a:p>
+          <a:p>
+            <a:pPr lvl="1"/>
+            <a:r>
+              <a:rPr lang="en-US" dirty="0"/>
+              <a:t>0 to infinity inputs, 1 output</a:t>
+            </a:r>
+          </a:p>
+          <a:p>
+            <a:r>
+              <a:rPr lang="en-US" dirty="0"/>
+              <a:t>SQL Server will output parse trees at various phases of optimization</a:t>
+            </a:r>
+          </a:p>
+          <a:p>
+            <a:pPr lvl="1"/>
+            <a:r>
+              <a:rPr lang="en-US" dirty="0"/>
+              <a:t>A variety of trace flags will trigger output</a:t>
+            </a:r>
           </a:p>
         </p:txBody>
       </p:sp>
-      <p:sp>
-        <p:nvSpPr>
-          <p:cNvPr id="6" name="Oval 5"/>
-          <p:cNvSpPr/>
-          <p:nvPr/>
-        </p:nvSpPr>
-        <p:spPr>
-          <a:xfrm>
-            <a:off x="8378792" y="542942"/>
-            <a:ext cx="616016" cy="606391"/>
-          </a:xfrm>
-          <a:prstGeom prst="ellipse">
-            <a:avLst/>
-          </a:prstGeom>
-        </p:spPr>
-        <p:style>
-          <a:lnRef idx="1">
-            <a:schemeClr val="accent1"/>
-          </a:lnRef>
-          <a:fillRef idx="3">
-            <a:schemeClr val="accent1"/>
-          </a:fillRef>
-          <a:effectRef idx="2">
-            <a:schemeClr val="accent1"/>
-          </a:effectRef>
-          <a:fontRef idx="minor">
-            <a:schemeClr val="lt1"/>
-          </a:fontRef>
-        </p:style>
-        <p:txBody>
-          <a:bodyPr rtlCol="0" anchor="ctr"/>
-          <a:lstStyle/>
-          <a:p>
-            <a:pPr algn="ctr"/>
-            <a:r>
-              <a:rPr lang="en-US" sz="1600" dirty="0"/>
-              <a:t>11</a:t>
-            </a:r>
-          </a:p>
-        </p:txBody>
-      </p:sp>
-      <p:pic>
-        <p:nvPicPr>
-          <p:cNvPr id="4" name="Picture 3"/>
-          <p:cNvPicPr>
-            <a:picLocks noChangeAspect="1"/>
-          </p:cNvPicPr>
-          <p:nvPr/>
-        </p:nvPicPr>
-        <p:blipFill>
-          <a:blip r:embed="rId3"/>
-          <a:stretch>
-            <a:fillRect/>
-          </a:stretch>
-        </p:blipFill>
-        <p:spPr>
-          <a:xfrm>
-            <a:off x="3247268" y="542942"/>
-            <a:ext cx="5439532" cy="5681438"/>
-          </a:xfrm>
-          <a:prstGeom prst="rect">
-            <a:avLst/>
-          </a:prstGeom>
-        </p:spPr>
-      </p:pic>
     </p:spTree>
     <p:extLst>
       <p:ext uri="{BB962C8B-B14F-4D97-AF65-F5344CB8AC3E}">
-        <p14:creationId xmlns:p14="http://schemas.microsoft.com/office/powerpoint/2010/main" val="1751467117"/>
+        <p14:creationId xmlns:p14="http://schemas.microsoft.com/office/powerpoint/2010/main" val="1114966382"/>
       </p:ext>
     </p:extLst>
   </p:cSld>
@@ -39431,69 +38287,1150 @@
           <a:p>
             <a:r>
               <a:rPr lang="en-US" dirty="0"/>
-              <a:t>Memo Structure</a:t>
+              <a:t>Example Parse Tree</a:t>
             </a:r>
           </a:p>
         </p:txBody>
       </p:sp>
       <p:sp>
         <p:nvSpPr>
-          <p:cNvPr id="3" name="Content Placeholder 2"/>
-          <p:cNvSpPr>
-            <a:spLocks noGrp="1"/>
-          </p:cNvSpPr>
-          <p:nvPr>
-            <p:ph idx="1"/>
-          </p:nvPr>
+          <p:cNvPr id="5" name="TextBox 4"/>
+          <p:cNvSpPr txBox="1"/>
+          <p:nvPr/>
         </p:nvSpPr>
-        <p:spPr/>
+        <p:spPr>
+          <a:xfrm>
+            <a:off x="558265" y="1713297"/>
+            <a:ext cx="4025461" cy="2677656"/>
+          </a:xfrm>
+          <a:prstGeom prst="rect">
+            <a:avLst/>
+          </a:prstGeom>
+          <a:noFill/>
+        </p:spPr>
         <p:txBody>
-          <a:bodyPr/>
+          <a:bodyPr wrap="none" rtlCol="0">
+            <a:spAutoFit/>
+          </a:bodyPr>
           <a:lstStyle/>
           <a:p>
             <a:r>
-              <a:rPr lang="en-US" dirty="0"/>
-              <a:t>Used to explore different alternatives to a portion of the query tree</a:t>
-            </a:r>
-          </a:p>
-          <a:p>
-            <a:r>
-              <a:rPr lang="en-US" dirty="0"/>
-              <a:t>Can think of it as a matrix</a:t>
-            </a:r>
-          </a:p>
-          <a:p>
-            <a:pPr lvl="1"/>
-            <a:r>
-              <a:rPr lang="en-US" dirty="0"/>
-              <a:t>Rows (groups) represent substitutes – each entry is logically equivalent</a:t>
-            </a:r>
-          </a:p>
-          <a:p>
-            <a:pPr lvl="1"/>
-            <a:r>
-              <a:rPr lang="en-US" dirty="0"/>
-              <a:t>Columns represent application of a transformation rule</a:t>
-            </a:r>
-          </a:p>
-          <a:p>
-            <a:r>
-              <a:rPr lang="en-US" dirty="0"/>
-              <a:t>Each entry is hashed to prevent duplication</a:t>
-            </a:r>
-          </a:p>
-          <a:p>
-            <a:r>
-              <a:rPr lang="en-US" dirty="0"/>
-              <a:t>Physical substitutes are costed</a:t>
-            </a:r>
+              <a:rPr lang="en-US" sz="1400" dirty="0">
+                <a:solidFill>
+                  <a:srgbClr val="0000FF"/>
+                </a:solidFill>
+                <a:latin typeface="Consolas" panose="020B0609020204030204" pitchFamily="49" charset="0"/>
+              </a:rPr>
+              <a:t>select</a:t>
+            </a:r>
+            <a:r>
+              <a:rPr lang="en-US" sz="1400" dirty="0">
+                <a:solidFill>
+                  <a:prstClr val="black"/>
+                </a:solidFill>
+                <a:latin typeface="Consolas" panose="020B0609020204030204" pitchFamily="49" charset="0"/>
+              </a:rPr>
+              <a:t> </a:t>
+            </a:r>
+            <a:r>
+              <a:rPr lang="en-US" sz="1400" dirty="0">
+                <a:solidFill>
+                  <a:srgbClr val="0000FF"/>
+                </a:solidFill>
+                <a:latin typeface="Consolas" panose="020B0609020204030204" pitchFamily="49" charset="0"/>
+              </a:rPr>
+              <a:t>top</a:t>
+            </a:r>
+            <a:r>
+              <a:rPr lang="en-US" sz="1400" dirty="0">
+                <a:solidFill>
+                  <a:prstClr val="black"/>
+                </a:solidFill>
+                <a:latin typeface="Consolas" panose="020B0609020204030204" pitchFamily="49" charset="0"/>
+              </a:rPr>
+              <a:t> 5</a:t>
+            </a:r>
+          </a:p>
+          <a:p>
+            <a:r>
+              <a:rPr lang="en-US" sz="1400" dirty="0">
+                <a:solidFill>
+                  <a:srgbClr val="008080"/>
+                </a:solidFill>
+                <a:latin typeface="Consolas" panose="020B0609020204030204" pitchFamily="49" charset="0"/>
+              </a:rPr>
+              <a:t>	</a:t>
+            </a:r>
+            <a:r>
+              <a:rPr lang="en-US" sz="1400" dirty="0" err="1">
+                <a:solidFill>
+                  <a:srgbClr val="008080"/>
+                </a:solidFill>
+                <a:latin typeface="Consolas" panose="020B0609020204030204" pitchFamily="49" charset="0"/>
+              </a:rPr>
+              <a:t>od</a:t>
+            </a:r>
+            <a:r>
+              <a:rPr lang="en-US" sz="1400" dirty="0" err="1">
+                <a:solidFill>
+                  <a:srgbClr val="808080"/>
+                </a:solidFill>
+                <a:latin typeface="Consolas" panose="020B0609020204030204" pitchFamily="49" charset="0"/>
+              </a:rPr>
+              <a:t>.</a:t>
+            </a:r>
+            <a:r>
+              <a:rPr lang="en-US" sz="1400" dirty="0" err="1">
+                <a:solidFill>
+                  <a:srgbClr val="008080"/>
+                </a:solidFill>
+                <a:latin typeface="Consolas" panose="020B0609020204030204" pitchFamily="49" charset="0"/>
+              </a:rPr>
+              <a:t>ProductId</a:t>
+            </a:r>
+            <a:r>
+              <a:rPr lang="en-US" sz="1400" dirty="0">
+                <a:solidFill>
+                  <a:srgbClr val="808080"/>
+                </a:solidFill>
+                <a:latin typeface="Consolas" panose="020B0609020204030204" pitchFamily="49" charset="0"/>
+              </a:rPr>
+              <a:t>,</a:t>
+            </a:r>
+            <a:endParaRPr lang="en-US" sz="1400" dirty="0">
+              <a:solidFill>
+                <a:prstClr val="black"/>
+              </a:solidFill>
+              <a:latin typeface="Consolas" panose="020B0609020204030204" pitchFamily="49" charset="0"/>
+            </a:endParaRPr>
+          </a:p>
+          <a:p>
+            <a:r>
+              <a:rPr lang="en-US" sz="1400" dirty="0">
+                <a:solidFill>
+                  <a:srgbClr val="FF00FF"/>
+                </a:solidFill>
+                <a:latin typeface="Consolas" panose="020B0609020204030204" pitchFamily="49" charset="0"/>
+              </a:rPr>
+              <a:t>	sum</a:t>
+            </a:r>
+            <a:r>
+              <a:rPr lang="en-US" sz="1400" dirty="0">
+                <a:solidFill>
+                  <a:srgbClr val="808080"/>
+                </a:solidFill>
+                <a:latin typeface="Consolas" panose="020B0609020204030204" pitchFamily="49" charset="0"/>
+              </a:rPr>
+              <a:t>(</a:t>
+            </a:r>
+            <a:r>
+              <a:rPr lang="en-US" sz="1400" dirty="0" err="1">
+                <a:solidFill>
+                  <a:srgbClr val="008080"/>
+                </a:solidFill>
+                <a:latin typeface="Consolas" panose="020B0609020204030204" pitchFamily="49" charset="0"/>
+              </a:rPr>
+              <a:t>od</a:t>
+            </a:r>
+            <a:r>
+              <a:rPr lang="en-US" sz="1400" dirty="0" err="1">
+                <a:solidFill>
+                  <a:srgbClr val="808080"/>
+                </a:solidFill>
+                <a:latin typeface="Consolas" panose="020B0609020204030204" pitchFamily="49" charset="0"/>
+              </a:rPr>
+              <a:t>.</a:t>
+            </a:r>
+            <a:r>
+              <a:rPr lang="en-US" sz="1400" dirty="0" err="1">
+                <a:solidFill>
+                  <a:srgbClr val="008080"/>
+                </a:solidFill>
+                <a:latin typeface="Consolas" panose="020B0609020204030204" pitchFamily="49" charset="0"/>
+              </a:rPr>
+              <a:t>Quantity</a:t>
+            </a:r>
+            <a:r>
+              <a:rPr lang="en-US" sz="1400" dirty="0">
+                <a:solidFill>
+                  <a:srgbClr val="808080"/>
+                </a:solidFill>
+                <a:latin typeface="Consolas" panose="020B0609020204030204" pitchFamily="49" charset="0"/>
+              </a:rPr>
+              <a:t>)</a:t>
+            </a:r>
+            <a:r>
+              <a:rPr lang="en-US" sz="1400" dirty="0">
+                <a:solidFill>
+                  <a:prstClr val="black"/>
+                </a:solidFill>
+                <a:latin typeface="Consolas" panose="020B0609020204030204" pitchFamily="49" charset="0"/>
+              </a:rPr>
+              <a:t> </a:t>
+            </a:r>
+            <a:r>
+              <a:rPr lang="en-US" sz="1400" dirty="0">
+                <a:solidFill>
+                  <a:srgbClr val="808080"/>
+                </a:solidFill>
+                <a:latin typeface="Consolas" panose="020B0609020204030204" pitchFamily="49" charset="0"/>
+              </a:rPr>
+              <a:t>-</a:t>
+            </a:r>
+            <a:r>
+              <a:rPr lang="en-US" sz="1400" dirty="0">
+                <a:solidFill>
+                  <a:prstClr val="black"/>
+                </a:solidFill>
+                <a:latin typeface="Consolas" panose="020B0609020204030204" pitchFamily="49" charset="0"/>
+              </a:rPr>
+              <a:t> 20 </a:t>
+            </a:r>
+            <a:r>
+              <a:rPr lang="en-US" sz="1400" dirty="0" err="1">
+                <a:solidFill>
+                  <a:srgbClr val="008080"/>
+                </a:solidFill>
+                <a:latin typeface="Consolas" panose="020B0609020204030204" pitchFamily="49" charset="0"/>
+              </a:rPr>
+              <a:t>ExcessOrders</a:t>
+            </a:r>
+            <a:endParaRPr lang="en-US" sz="1400" dirty="0">
+              <a:solidFill>
+                <a:prstClr val="black"/>
+              </a:solidFill>
+              <a:latin typeface="Consolas" panose="020B0609020204030204" pitchFamily="49" charset="0"/>
+            </a:endParaRPr>
+          </a:p>
+          <a:p>
+            <a:r>
+              <a:rPr lang="en-US" sz="1400" dirty="0">
+                <a:solidFill>
+                  <a:srgbClr val="0000FF"/>
+                </a:solidFill>
+                <a:latin typeface="Consolas" panose="020B0609020204030204" pitchFamily="49" charset="0"/>
+              </a:rPr>
+              <a:t>from</a:t>
+            </a:r>
+            <a:r>
+              <a:rPr lang="en-US" sz="1400" dirty="0">
+                <a:solidFill>
+                  <a:prstClr val="black"/>
+                </a:solidFill>
+                <a:latin typeface="Consolas" panose="020B0609020204030204" pitchFamily="49" charset="0"/>
+              </a:rPr>
+              <a:t> </a:t>
+            </a:r>
+            <a:r>
+              <a:rPr lang="en-US" sz="1400" dirty="0" err="1">
+                <a:solidFill>
+                  <a:srgbClr val="008080"/>
+                </a:solidFill>
+                <a:latin typeface="Consolas" panose="020B0609020204030204" pitchFamily="49" charset="0"/>
+              </a:rPr>
+              <a:t>CorpDB</a:t>
+            </a:r>
+            <a:r>
+              <a:rPr lang="en-US" sz="1400" dirty="0" err="1">
+                <a:solidFill>
+                  <a:srgbClr val="808080"/>
+                </a:solidFill>
+                <a:latin typeface="Consolas" panose="020B0609020204030204" pitchFamily="49" charset="0"/>
+              </a:rPr>
+              <a:t>.</a:t>
+            </a:r>
+            <a:r>
+              <a:rPr lang="en-US" sz="1400" dirty="0" err="1">
+                <a:solidFill>
+                  <a:srgbClr val="008080"/>
+                </a:solidFill>
+                <a:latin typeface="Consolas" panose="020B0609020204030204" pitchFamily="49" charset="0"/>
+              </a:rPr>
+              <a:t>dbo</a:t>
+            </a:r>
+            <a:r>
+              <a:rPr lang="en-US" sz="1400" dirty="0" err="1">
+                <a:solidFill>
+                  <a:srgbClr val="808080"/>
+                </a:solidFill>
+                <a:latin typeface="Consolas" panose="020B0609020204030204" pitchFamily="49" charset="0"/>
+              </a:rPr>
+              <a:t>.</a:t>
+            </a:r>
+            <a:r>
+              <a:rPr lang="en-US" sz="1400" dirty="0" err="1">
+                <a:solidFill>
+                  <a:srgbClr val="008080"/>
+                </a:solidFill>
+                <a:latin typeface="Consolas" panose="020B0609020204030204" pitchFamily="49" charset="0"/>
+              </a:rPr>
+              <a:t>OrderHeader</a:t>
+            </a:r>
+            <a:r>
+              <a:rPr lang="en-US" sz="1400" dirty="0">
+                <a:solidFill>
+                  <a:prstClr val="black"/>
+                </a:solidFill>
+                <a:latin typeface="Consolas" panose="020B0609020204030204" pitchFamily="49" charset="0"/>
+              </a:rPr>
+              <a:t> </a:t>
+            </a:r>
+            <a:r>
+              <a:rPr lang="en-US" sz="1400" dirty="0">
+                <a:solidFill>
+                  <a:srgbClr val="008080"/>
+                </a:solidFill>
+                <a:latin typeface="Consolas" panose="020B0609020204030204" pitchFamily="49" charset="0"/>
+              </a:rPr>
+              <a:t>oh</a:t>
+            </a:r>
+            <a:endParaRPr lang="en-US" sz="1400" dirty="0">
+              <a:solidFill>
+                <a:prstClr val="black"/>
+              </a:solidFill>
+              <a:latin typeface="Consolas" panose="020B0609020204030204" pitchFamily="49" charset="0"/>
+            </a:endParaRPr>
+          </a:p>
+          <a:p>
+            <a:r>
+              <a:rPr lang="en-US" sz="1400" dirty="0">
+                <a:solidFill>
+                  <a:srgbClr val="808080"/>
+                </a:solidFill>
+                <a:latin typeface="Consolas" panose="020B0609020204030204" pitchFamily="49" charset="0"/>
+              </a:rPr>
+              <a:t>inner</a:t>
+            </a:r>
+            <a:r>
+              <a:rPr lang="en-US" sz="1400" dirty="0">
+                <a:solidFill>
+                  <a:prstClr val="black"/>
+                </a:solidFill>
+                <a:latin typeface="Consolas" panose="020B0609020204030204" pitchFamily="49" charset="0"/>
+              </a:rPr>
+              <a:t> </a:t>
+            </a:r>
+            <a:r>
+              <a:rPr lang="en-US" sz="1400" dirty="0">
+                <a:solidFill>
+                  <a:srgbClr val="808080"/>
+                </a:solidFill>
+                <a:latin typeface="Consolas" panose="020B0609020204030204" pitchFamily="49" charset="0"/>
+              </a:rPr>
+              <a:t>join</a:t>
+            </a:r>
+            <a:r>
+              <a:rPr lang="en-US" sz="1400" dirty="0">
+                <a:solidFill>
+                  <a:prstClr val="black"/>
+                </a:solidFill>
+                <a:latin typeface="Consolas" panose="020B0609020204030204" pitchFamily="49" charset="0"/>
+              </a:rPr>
+              <a:t> </a:t>
+            </a:r>
+            <a:r>
+              <a:rPr lang="en-US" sz="1400" dirty="0" err="1">
+                <a:solidFill>
+                  <a:srgbClr val="008080"/>
+                </a:solidFill>
+                <a:latin typeface="Consolas" panose="020B0609020204030204" pitchFamily="49" charset="0"/>
+              </a:rPr>
+              <a:t>CorpDB</a:t>
+            </a:r>
+            <a:r>
+              <a:rPr lang="en-US" sz="1400" dirty="0" err="1">
+                <a:solidFill>
+                  <a:srgbClr val="808080"/>
+                </a:solidFill>
+                <a:latin typeface="Consolas" panose="020B0609020204030204" pitchFamily="49" charset="0"/>
+              </a:rPr>
+              <a:t>.</a:t>
+            </a:r>
+            <a:r>
+              <a:rPr lang="en-US" sz="1400" dirty="0" err="1">
+                <a:solidFill>
+                  <a:srgbClr val="008080"/>
+                </a:solidFill>
+                <a:latin typeface="Consolas" panose="020B0609020204030204" pitchFamily="49" charset="0"/>
+              </a:rPr>
+              <a:t>dbo</a:t>
+            </a:r>
+            <a:r>
+              <a:rPr lang="en-US" sz="1400" dirty="0" err="1">
+                <a:solidFill>
+                  <a:srgbClr val="808080"/>
+                </a:solidFill>
+                <a:latin typeface="Consolas" panose="020B0609020204030204" pitchFamily="49" charset="0"/>
+              </a:rPr>
+              <a:t>.</a:t>
+            </a:r>
+            <a:r>
+              <a:rPr lang="en-US" sz="1400" dirty="0" err="1">
+                <a:solidFill>
+                  <a:srgbClr val="008080"/>
+                </a:solidFill>
+                <a:latin typeface="Consolas" panose="020B0609020204030204" pitchFamily="49" charset="0"/>
+              </a:rPr>
+              <a:t>OrderDetail</a:t>
+            </a:r>
+            <a:r>
+              <a:rPr lang="en-US" sz="1400" dirty="0">
+                <a:solidFill>
+                  <a:prstClr val="black"/>
+                </a:solidFill>
+                <a:latin typeface="Consolas" panose="020B0609020204030204" pitchFamily="49" charset="0"/>
+              </a:rPr>
+              <a:t> </a:t>
+            </a:r>
+            <a:r>
+              <a:rPr lang="en-US" sz="1400" dirty="0">
+                <a:solidFill>
+                  <a:srgbClr val="008080"/>
+                </a:solidFill>
+                <a:latin typeface="Consolas" panose="020B0609020204030204" pitchFamily="49" charset="0"/>
+              </a:rPr>
+              <a:t>od</a:t>
+            </a:r>
+            <a:endParaRPr lang="en-US" sz="1400" dirty="0">
+              <a:solidFill>
+                <a:prstClr val="black"/>
+              </a:solidFill>
+              <a:latin typeface="Consolas" panose="020B0609020204030204" pitchFamily="49" charset="0"/>
+            </a:endParaRPr>
+          </a:p>
+          <a:p>
+            <a:r>
+              <a:rPr lang="en-US" sz="1400" dirty="0">
+                <a:solidFill>
+                  <a:srgbClr val="0000FF"/>
+                </a:solidFill>
+                <a:latin typeface="Consolas" panose="020B0609020204030204" pitchFamily="49" charset="0"/>
+              </a:rPr>
+              <a:t>on</a:t>
+            </a:r>
+            <a:r>
+              <a:rPr lang="en-US" sz="1400" dirty="0">
+                <a:solidFill>
+                  <a:prstClr val="black"/>
+                </a:solidFill>
+                <a:latin typeface="Consolas" panose="020B0609020204030204" pitchFamily="49" charset="0"/>
+              </a:rPr>
+              <a:t> </a:t>
+            </a:r>
+            <a:r>
+              <a:rPr lang="en-US" sz="1400" dirty="0" err="1">
+                <a:solidFill>
+                  <a:srgbClr val="008080"/>
+                </a:solidFill>
+                <a:latin typeface="Consolas" panose="020B0609020204030204" pitchFamily="49" charset="0"/>
+              </a:rPr>
+              <a:t>oh</a:t>
+            </a:r>
+            <a:r>
+              <a:rPr lang="en-US" sz="1400" dirty="0" err="1">
+                <a:solidFill>
+                  <a:srgbClr val="808080"/>
+                </a:solidFill>
+                <a:latin typeface="Consolas" panose="020B0609020204030204" pitchFamily="49" charset="0"/>
+              </a:rPr>
+              <a:t>.</a:t>
+            </a:r>
+            <a:r>
+              <a:rPr lang="en-US" sz="1400" dirty="0" err="1">
+                <a:solidFill>
+                  <a:srgbClr val="008080"/>
+                </a:solidFill>
+                <a:latin typeface="Consolas" panose="020B0609020204030204" pitchFamily="49" charset="0"/>
+              </a:rPr>
+              <a:t>OrderId</a:t>
+            </a:r>
+            <a:r>
+              <a:rPr lang="en-US" sz="1400" dirty="0">
+                <a:solidFill>
+                  <a:prstClr val="black"/>
+                </a:solidFill>
+                <a:latin typeface="Consolas" panose="020B0609020204030204" pitchFamily="49" charset="0"/>
+              </a:rPr>
+              <a:t> </a:t>
+            </a:r>
+            <a:r>
+              <a:rPr lang="en-US" sz="1400" dirty="0">
+                <a:solidFill>
+                  <a:srgbClr val="808080"/>
+                </a:solidFill>
+                <a:latin typeface="Consolas" panose="020B0609020204030204" pitchFamily="49" charset="0"/>
+              </a:rPr>
+              <a:t>=</a:t>
+            </a:r>
+            <a:r>
+              <a:rPr lang="en-US" sz="1400" dirty="0">
+                <a:solidFill>
+                  <a:prstClr val="black"/>
+                </a:solidFill>
+                <a:latin typeface="Consolas" panose="020B0609020204030204" pitchFamily="49" charset="0"/>
+              </a:rPr>
+              <a:t> </a:t>
+            </a:r>
+            <a:r>
+              <a:rPr lang="en-US" sz="1400" dirty="0" err="1">
+                <a:solidFill>
+                  <a:srgbClr val="008080"/>
+                </a:solidFill>
+                <a:latin typeface="Consolas" panose="020B0609020204030204" pitchFamily="49" charset="0"/>
+              </a:rPr>
+              <a:t>od</a:t>
+            </a:r>
+            <a:r>
+              <a:rPr lang="en-US" sz="1400" dirty="0" err="1">
+                <a:solidFill>
+                  <a:srgbClr val="808080"/>
+                </a:solidFill>
+                <a:latin typeface="Consolas" panose="020B0609020204030204" pitchFamily="49" charset="0"/>
+              </a:rPr>
+              <a:t>.</a:t>
+            </a:r>
+            <a:r>
+              <a:rPr lang="en-US" sz="1400" dirty="0" err="1">
+                <a:solidFill>
+                  <a:srgbClr val="008080"/>
+                </a:solidFill>
+                <a:latin typeface="Consolas" panose="020B0609020204030204" pitchFamily="49" charset="0"/>
+              </a:rPr>
+              <a:t>OrderId</a:t>
+            </a:r>
+            <a:endParaRPr lang="en-US" sz="1400" dirty="0">
+              <a:solidFill>
+                <a:prstClr val="black"/>
+              </a:solidFill>
+              <a:latin typeface="Consolas" panose="020B0609020204030204" pitchFamily="49" charset="0"/>
+            </a:endParaRPr>
+          </a:p>
+          <a:p>
+            <a:r>
+              <a:rPr lang="en-US" sz="1400" dirty="0">
+                <a:solidFill>
+                  <a:srgbClr val="808080"/>
+                </a:solidFill>
+                <a:latin typeface="Consolas" panose="020B0609020204030204" pitchFamily="49" charset="0"/>
+              </a:rPr>
+              <a:t>inner</a:t>
+            </a:r>
+            <a:r>
+              <a:rPr lang="en-US" sz="1400" dirty="0">
+                <a:solidFill>
+                  <a:prstClr val="black"/>
+                </a:solidFill>
+                <a:latin typeface="Consolas" panose="020B0609020204030204" pitchFamily="49" charset="0"/>
+              </a:rPr>
+              <a:t> </a:t>
+            </a:r>
+            <a:r>
+              <a:rPr lang="en-US" sz="1400" dirty="0">
+                <a:solidFill>
+                  <a:srgbClr val="808080"/>
+                </a:solidFill>
+                <a:latin typeface="Consolas" panose="020B0609020204030204" pitchFamily="49" charset="0"/>
+              </a:rPr>
+              <a:t>join</a:t>
+            </a:r>
+            <a:r>
+              <a:rPr lang="en-US" sz="1400" dirty="0">
+                <a:solidFill>
+                  <a:prstClr val="black"/>
+                </a:solidFill>
+                <a:latin typeface="Consolas" panose="020B0609020204030204" pitchFamily="49" charset="0"/>
+              </a:rPr>
+              <a:t> </a:t>
+            </a:r>
+            <a:r>
+              <a:rPr lang="en-US" sz="1400" dirty="0" err="1">
+                <a:solidFill>
+                  <a:srgbClr val="008080"/>
+                </a:solidFill>
+                <a:latin typeface="Consolas" panose="020B0609020204030204" pitchFamily="49" charset="0"/>
+              </a:rPr>
+              <a:t>CorpDB</a:t>
+            </a:r>
+            <a:r>
+              <a:rPr lang="en-US" sz="1400" dirty="0" err="1">
+                <a:solidFill>
+                  <a:srgbClr val="808080"/>
+                </a:solidFill>
+                <a:latin typeface="Consolas" panose="020B0609020204030204" pitchFamily="49" charset="0"/>
+              </a:rPr>
+              <a:t>.</a:t>
+            </a:r>
+            <a:r>
+              <a:rPr lang="en-US" sz="1400" dirty="0" err="1">
+                <a:solidFill>
+                  <a:srgbClr val="008080"/>
+                </a:solidFill>
+                <a:latin typeface="Consolas" panose="020B0609020204030204" pitchFamily="49" charset="0"/>
+              </a:rPr>
+              <a:t>dbo</a:t>
+            </a:r>
+            <a:r>
+              <a:rPr lang="en-US" sz="1400" dirty="0" err="1">
+                <a:solidFill>
+                  <a:srgbClr val="808080"/>
+                </a:solidFill>
+                <a:latin typeface="Consolas" panose="020B0609020204030204" pitchFamily="49" charset="0"/>
+              </a:rPr>
+              <a:t>.</a:t>
+            </a:r>
+            <a:r>
+              <a:rPr lang="en-US" sz="1400" dirty="0" err="1">
+                <a:solidFill>
+                  <a:srgbClr val="008080"/>
+                </a:solidFill>
+                <a:latin typeface="Consolas" panose="020B0609020204030204" pitchFamily="49" charset="0"/>
+              </a:rPr>
+              <a:t>Customer</a:t>
+            </a:r>
+            <a:r>
+              <a:rPr lang="en-US" sz="1400" dirty="0">
+                <a:solidFill>
+                  <a:prstClr val="black"/>
+                </a:solidFill>
+                <a:latin typeface="Consolas" panose="020B0609020204030204" pitchFamily="49" charset="0"/>
+              </a:rPr>
+              <a:t> </a:t>
+            </a:r>
+            <a:r>
+              <a:rPr lang="en-US" sz="1400" dirty="0" err="1">
+                <a:solidFill>
+                  <a:srgbClr val="008080"/>
+                </a:solidFill>
+                <a:latin typeface="Consolas" panose="020B0609020204030204" pitchFamily="49" charset="0"/>
+              </a:rPr>
+              <a:t>cust</a:t>
+            </a:r>
+            <a:endParaRPr lang="en-US" sz="1400" dirty="0">
+              <a:solidFill>
+                <a:prstClr val="black"/>
+              </a:solidFill>
+              <a:latin typeface="Consolas" panose="020B0609020204030204" pitchFamily="49" charset="0"/>
+            </a:endParaRPr>
+          </a:p>
+          <a:p>
+            <a:r>
+              <a:rPr lang="en-US" sz="1400" dirty="0">
+                <a:solidFill>
+                  <a:srgbClr val="0000FF"/>
+                </a:solidFill>
+                <a:latin typeface="Consolas" panose="020B0609020204030204" pitchFamily="49" charset="0"/>
+              </a:rPr>
+              <a:t>on</a:t>
+            </a:r>
+            <a:r>
+              <a:rPr lang="en-US" sz="1400" dirty="0">
+                <a:solidFill>
+                  <a:prstClr val="black"/>
+                </a:solidFill>
+                <a:latin typeface="Consolas" panose="020B0609020204030204" pitchFamily="49" charset="0"/>
+              </a:rPr>
+              <a:t> </a:t>
+            </a:r>
+            <a:r>
+              <a:rPr lang="en-US" sz="1400" dirty="0" err="1">
+                <a:solidFill>
+                  <a:srgbClr val="008080"/>
+                </a:solidFill>
+                <a:latin typeface="Consolas" panose="020B0609020204030204" pitchFamily="49" charset="0"/>
+              </a:rPr>
+              <a:t>oh</a:t>
+            </a:r>
+            <a:r>
+              <a:rPr lang="en-US" sz="1400" dirty="0" err="1">
+                <a:solidFill>
+                  <a:srgbClr val="808080"/>
+                </a:solidFill>
+                <a:latin typeface="Consolas" panose="020B0609020204030204" pitchFamily="49" charset="0"/>
+              </a:rPr>
+              <a:t>.</a:t>
+            </a:r>
+            <a:r>
+              <a:rPr lang="en-US" sz="1400" dirty="0" err="1">
+                <a:solidFill>
+                  <a:srgbClr val="008080"/>
+                </a:solidFill>
+                <a:latin typeface="Consolas" panose="020B0609020204030204" pitchFamily="49" charset="0"/>
+              </a:rPr>
+              <a:t>CustomerId</a:t>
+            </a:r>
+            <a:r>
+              <a:rPr lang="en-US" sz="1400" dirty="0">
+                <a:solidFill>
+                  <a:prstClr val="black"/>
+                </a:solidFill>
+                <a:latin typeface="Consolas" panose="020B0609020204030204" pitchFamily="49" charset="0"/>
+              </a:rPr>
+              <a:t> </a:t>
+            </a:r>
+            <a:r>
+              <a:rPr lang="en-US" sz="1400" dirty="0">
+                <a:solidFill>
+                  <a:srgbClr val="808080"/>
+                </a:solidFill>
+                <a:latin typeface="Consolas" panose="020B0609020204030204" pitchFamily="49" charset="0"/>
+              </a:rPr>
+              <a:t>=</a:t>
+            </a:r>
+            <a:r>
+              <a:rPr lang="en-US" sz="1400" dirty="0">
+                <a:solidFill>
+                  <a:prstClr val="black"/>
+                </a:solidFill>
+                <a:latin typeface="Consolas" panose="020B0609020204030204" pitchFamily="49" charset="0"/>
+              </a:rPr>
+              <a:t> </a:t>
+            </a:r>
+            <a:r>
+              <a:rPr lang="en-US" sz="1400" dirty="0" err="1">
+                <a:solidFill>
+                  <a:srgbClr val="008080"/>
+                </a:solidFill>
+                <a:latin typeface="Consolas" panose="020B0609020204030204" pitchFamily="49" charset="0"/>
+              </a:rPr>
+              <a:t>cust</a:t>
+            </a:r>
+            <a:r>
+              <a:rPr lang="en-US" sz="1400" dirty="0" err="1">
+                <a:solidFill>
+                  <a:srgbClr val="808080"/>
+                </a:solidFill>
+                <a:latin typeface="Consolas" panose="020B0609020204030204" pitchFamily="49" charset="0"/>
+              </a:rPr>
+              <a:t>.</a:t>
+            </a:r>
+            <a:r>
+              <a:rPr lang="en-US" sz="1400" dirty="0" err="1">
+                <a:solidFill>
+                  <a:srgbClr val="008080"/>
+                </a:solidFill>
+                <a:latin typeface="Consolas" panose="020B0609020204030204" pitchFamily="49" charset="0"/>
+              </a:rPr>
+              <a:t>CustomerID</a:t>
+            </a:r>
+            <a:endParaRPr lang="en-US" sz="1400" dirty="0">
+              <a:solidFill>
+                <a:prstClr val="black"/>
+              </a:solidFill>
+              <a:latin typeface="Consolas" panose="020B0609020204030204" pitchFamily="49" charset="0"/>
+            </a:endParaRPr>
+          </a:p>
+          <a:p>
+            <a:r>
+              <a:rPr lang="en-US" sz="1400" dirty="0">
+                <a:solidFill>
+                  <a:srgbClr val="0000FF"/>
+                </a:solidFill>
+                <a:latin typeface="Consolas" panose="020B0609020204030204" pitchFamily="49" charset="0"/>
+              </a:rPr>
+              <a:t>where</a:t>
+            </a:r>
+            <a:r>
+              <a:rPr lang="en-US" sz="1400" dirty="0">
+                <a:solidFill>
+                  <a:prstClr val="black"/>
+                </a:solidFill>
+                <a:latin typeface="Consolas" panose="020B0609020204030204" pitchFamily="49" charset="0"/>
+              </a:rPr>
+              <a:t> </a:t>
+            </a:r>
+            <a:r>
+              <a:rPr lang="en-US" sz="1400" dirty="0" err="1">
+                <a:solidFill>
+                  <a:srgbClr val="008080"/>
+                </a:solidFill>
+                <a:latin typeface="Consolas" panose="020B0609020204030204" pitchFamily="49" charset="0"/>
+              </a:rPr>
+              <a:t>cust</a:t>
+            </a:r>
+            <a:r>
+              <a:rPr lang="en-US" sz="1400" dirty="0" err="1">
+                <a:solidFill>
+                  <a:srgbClr val="808080"/>
+                </a:solidFill>
+                <a:latin typeface="Consolas" panose="020B0609020204030204" pitchFamily="49" charset="0"/>
+              </a:rPr>
+              <a:t>.</a:t>
+            </a:r>
+            <a:r>
+              <a:rPr lang="en-US" sz="1400" dirty="0" err="1">
+                <a:solidFill>
+                  <a:srgbClr val="0000FF"/>
+                </a:solidFill>
+                <a:latin typeface="Consolas" panose="020B0609020204030204" pitchFamily="49" charset="0"/>
+              </a:rPr>
+              <a:t>State</a:t>
+            </a:r>
+            <a:r>
+              <a:rPr lang="en-US" sz="1400" dirty="0">
+                <a:solidFill>
+                  <a:prstClr val="black"/>
+                </a:solidFill>
+                <a:latin typeface="Consolas" panose="020B0609020204030204" pitchFamily="49" charset="0"/>
+              </a:rPr>
+              <a:t> </a:t>
+            </a:r>
+            <a:r>
+              <a:rPr lang="en-US" sz="1400" dirty="0">
+                <a:solidFill>
+                  <a:srgbClr val="808080"/>
+                </a:solidFill>
+                <a:latin typeface="Consolas" panose="020B0609020204030204" pitchFamily="49" charset="0"/>
+              </a:rPr>
+              <a:t>=</a:t>
+            </a:r>
+            <a:r>
+              <a:rPr lang="en-US" sz="1400" dirty="0">
+                <a:solidFill>
+                  <a:prstClr val="black"/>
+                </a:solidFill>
+                <a:latin typeface="Consolas" panose="020B0609020204030204" pitchFamily="49" charset="0"/>
+              </a:rPr>
+              <a:t> </a:t>
+            </a:r>
+            <a:r>
+              <a:rPr lang="en-US" sz="1400" dirty="0" smtClean="0">
+                <a:solidFill>
+                  <a:srgbClr val="FF0000"/>
+                </a:solidFill>
+                <a:latin typeface="Consolas" panose="020B0609020204030204" pitchFamily="49" charset="0"/>
+              </a:rPr>
+              <a:t>'OK'</a:t>
+            </a:r>
+            <a:endParaRPr lang="en-US" sz="1400" dirty="0">
+              <a:solidFill>
+                <a:prstClr val="black"/>
+              </a:solidFill>
+              <a:latin typeface="Consolas" panose="020B0609020204030204" pitchFamily="49" charset="0"/>
+            </a:endParaRPr>
+          </a:p>
+          <a:p>
+            <a:r>
+              <a:rPr lang="en-US" sz="1400" dirty="0">
+                <a:solidFill>
+                  <a:srgbClr val="0000FF"/>
+                </a:solidFill>
+                <a:latin typeface="Consolas" panose="020B0609020204030204" pitchFamily="49" charset="0"/>
+              </a:rPr>
+              <a:t>group</a:t>
+            </a:r>
+            <a:r>
+              <a:rPr lang="en-US" sz="1400" dirty="0">
+                <a:solidFill>
+                  <a:prstClr val="black"/>
+                </a:solidFill>
+                <a:latin typeface="Consolas" panose="020B0609020204030204" pitchFamily="49" charset="0"/>
+              </a:rPr>
+              <a:t> </a:t>
+            </a:r>
+            <a:r>
+              <a:rPr lang="en-US" sz="1400" dirty="0">
+                <a:solidFill>
+                  <a:srgbClr val="0000FF"/>
+                </a:solidFill>
+                <a:latin typeface="Consolas" panose="020B0609020204030204" pitchFamily="49" charset="0"/>
+              </a:rPr>
+              <a:t>by</a:t>
+            </a:r>
+            <a:r>
+              <a:rPr lang="en-US" sz="1400" dirty="0">
+                <a:solidFill>
+                  <a:prstClr val="black"/>
+                </a:solidFill>
+                <a:latin typeface="Consolas" panose="020B0609020204030204" pitchFamily="49" charset="0"/>
+              </a:rPr>
+              <a:t> </a:t>
+            </a:r>
+            <a:r>
+              <a:rPr lang="en-US" sz="1400" dirty="0" err="1">
+                <a:solidFill>
+                  <a:srgbClr val="008080"/>
+                </a:solidFill>
+                <a:latin typeface="Consolas" panose="020B0609020204030204" pitchFamily="49" charset="0"/>
+              </a:rPr>
+              <a:t>od</a:t>
+            </a:r>
+            <a:r>
+              <a:rPr lang="en-US" sz="1400" dirty="0" err="1">
+                <a:solidFill>
+                  <a:srgbClr val="808080"/>
+                </a:solidFill>
+                <a:latin typeface="Consolas" panose="020B0609020204030204" pitchFamily="49" charset="0"/>
+              </a:rPr>
+              <a:t>.</a:t>
+            </a:r>
+            <a:r>
+              <a:rPr lang="en-US" sz="1400" dirty="0" err="1">
+                <a:solidFill>
+                  <a:srgbClr val="008080"/>
+                </a:solidFill>
+                <a:latin typeface="Consolas" panose="020B0609020204030204" pitchFamily="49" charset="0"/>
+              </a:rPr>
+              <a:t>ProductId</a:t>
+            </a:r>
+            <a:endParaRPr lang="en-US" sz="1400" dirty="0">
+              <a:solidFill>
+                <a:prstClr val="black"/>
+              </a:solidFill>
+              <a:latin typeface="Consolas" panose="020B0609020204030204" pitchFamily="49" charset="0"/>
+            </a:endParaRPr>
+          </a:p>
+          <a:p>
+            <a:r>
+              <a:rPr lang="en-US" sz="1400" dirty="0">
+                <a:solidFill>
+                  <a:srgbClr val="0000FF"/>
+                </a:solidFill>
+                <a:latin typeface="Consolas" panose="020B0609020204030204" pitchFamily="49" charset="0"/>
+              </a:rPr>
+              <a:t>having</a:t>
+            </a:r>
+            <a:r>
+              <a:rPr lang="en-US" sz="1400" dirty="0">
+                <a:solidFill>
+                  <a:prstClr val="black"/>
+                </a:solidFill>
+                <a:latin typeface="Consolas" panose="020B0609020204030204" pitchFamily="49" charset="0"/>
+              </a:rPr>
+              <a:t> </a:t>
+            </a:r>
+            <a:r>
+              <a:rPr lang="en-US" sz="1400" dirty="0">
+                <a:solidFill>
+                  <a:srgbClr val="FF00FF"/>
+                </a:solidFill>
+                <a:latin typeface="Consolas" panose="020B0609020204030204" pitchFamily="49" charset="0"/>
+              </a:rPr>
+              <a:t>sum</a:t>
+            </a:r>
+            <a:r>
+              <a:rPr lang="en-US" sz="1400" dirty="0">
+                <a:solidFill>
+                  <a:srgbClr val="808080"/>
+                </a:solidFill>
+                <a:latin typeface="Consolas" panose="020B0609020204030204" pitchFamily="49" charset="0"/>
+              </a:rPr>
+              <a:t>(</a:t>
+            </a:r>
+            <a:r>
+              <a:rPr lang="en-US" sz="1400" dirty="0" err="1">
+                <a:solidFill>
+                  <a:srgbClr val="008080"/>
+                </a:solidFill>
+                <a:latin typeface="Consolas" panose="020B0609020204030204" pitchFamily="49" charset="0"/>
+              </a:rPr>
+              <a:t>od</a:t>
+            </a:r>
+            <a:r>
+              <a:rPr lang="en-US" sz="1400" dirty="0" err="1">
+                <a:solidFill>
+                  <a:srgbClr val="808080"/>
+                </a:solidFill>
+                <a:latin typeface="Consolas" panose="020B0609020204030204" pitchFamily="49" charset="0"/>
+              </a:rPr>
+              <a:t>.</a:t>
+            </a:r>
+            <a:r>
+              <a:rPr lang="en-US" sz="1400" dirty="0" err="1">
+                <a:solidFill>
+                  <a:srgbClr val="008080"/>
+                </a:solidFill>
+                <a:latin typeface="Consolas" panose="020B0609020204030204" pitchFamily="49" charset="0"/>
+              </a:rPr>
+              <a:t>Quantity</a:t>
+            </a:r>
+            <a:r>
+              <a:rPr lang="en-US" sz="1400" dirty="0">
+                <a:solidFill>
+                  <a:srgbClr val="808080"/>
+                </a:solidFill>
+                <a:latin typeface="Consolas" panose="020B0609020204030204" pitchFamily="49" charset="0"/>
+              </a:rPr>
+              <a:t>)</a:t>
+            </a:r>
+            <a:r>
+              <a:rPr lang="en-US" sz="1400" dirty="0">
+                <a:solidFill>
+                  <a:prstClr val="black"/>
+                </a:solidFill>
+                <a:latin typeface="Consolas" panose="020B0609020204030204" pitchFamily="49" charset="0"/>
+              </a:rPr>
+              <a:t> </a:t>
+            </a:r>
+            <a:r>
+              <a:rPr lang="en-US" sz="1400" dirty="0">
+                <a:solidFill>
+                  <a:srgbClr val="808080"/>
+                </a:solidFill>
+                <a:latin typeface="Consolas" panose="020B0609020204030204" pitchFamily="49" charset="0"/>
+              </a:rPr>
+              <a:t>&gt;=</a:t>
+            </a:r>
+            <a:r>
+              <a:rPr lang="en-US" sz="1400" dirty="0">
+                <a:solidFill>
+                  <a:prstClr val="black"/>
+                </a:solidFill>
+                <a:latin typeface="Consolas" panose="020B0609020204030204" pitchFamily="49" charset="0"/>
+              </a:rPr>
+              <a:t> 20</a:t>
+            </a:r>
+          </a:p>
+          <a:p>
+            <a:r>
+              <a:rPr lang="en-US" sz="1400" dirty="0">
+                <a:solidFill>
+                  <a:srgbClr val="0000FF"/>
+                </a:solidFill>
+                <a:latin typeface="Consolas" panose="020B0609020204030204" pitchFamily="49" charset="0"/>
+              </a:rPr>
+              <a:t>order</a:t>
+            </a:r>
+            <a:r>
+              <a:rPr lang="en-US" sz="1400" dirty="0">
+                <a:solidFill>
+                  <a:prstClr val="black"/>
+                </a:solidFill>
+                <a:latin typeface="Consolas" panose="020B0609020204030204" pitchFamily="49" charset="0"/>
+              </a:rPr>
+              <a:t> </a:t>
+            </a:r>
+            <a:r>
+              <a:rPr lang="en-US" sz="1400" dirty="0">
+                <a:solidFill>
+                  <a:srgbClr val="0000FF"/>
+                </a:solidFill>
+                <a:latin typeface="Consolas" panose="020B0609020204030204" pitchFamily="49" charset="0"/>
+              </a:rPr>
+              <a:t>by</a:t>
+            </a:r>
+            <a:r>
+              <a:rPr lang="en-US" sz="1400" dirty="0">
+                <a:solidFill>
+                  <a:prstClr val="black"/>
+                </a:solidFill>
+                <a:latin typeface="Consolas" panose="020B0609020204030204" pitchFamily="49" charset="0"/>
+              </a:rPr>
+              <a:t> </a:t>
+            </a:r>
+            <a:r>
+              <a:rPr lang="en-US" sz="1400" dirty="0" err="1">
+                <a:solidFill>
+                  <a:srgbClr val="008080"/>
+                </a:solidFill>
+                <a:latin typeface="Consolas" panose="020B0609020204030204" pitchFamily="49" charset="0"/>
+              </a:rPr>
+              <a:t>od</a:t>
+            </a:r>
+            <a:r>
+              <a:rPr lang="en-US" sz="1400" dirty="0" err="1">
+                <a:solidFill>
+                  <a:srgbClr val="808080"/>
+                </a:solidFill>
+                <a:latin typeface="Consolas" panose="020B0609020204030204" pitchFamily="49" charset="0"/>
+              </a:rPr>
+              <a:t>.</a:t>
+            </a:r>
+            <a:r>
+              <a:rPr lang="en-US" sz="1400" dirty="0" err="1">
+                <a:solidFill>
+                  <a:srgbClr val="008080"/>
+                </a:solidFill>
+                <a:latin typeface="Consolas" panose="020B0609020204030204" pitchFamily="49" charset="0"/>
+              </a:rPr>
+              <a:t>ProductId</a:t>
+            </a:r>
+            <a:r>
+              <a:rPr lang="en-US" sz="1400" dirty="0">
+                <a:solidFill>
+                  <a:srgbClr val="808080"/>
+                </a:solidFill>
+                <a:latin typeface="Consolas" panose="020B0609020204030204" pitchFamily="49" charset="0"/>
+              </a:rPr>
+              <a:t>;</a:t>
+            </a:r>
+            <a:endParaRPr lang="en-US" sz="1400" dirty="0">
+              <a:solidFill>
+                <a:prstClr val="black"/>
+              </a:solidFill>
+              <a:latin typeface="Consolas" panose="020B0609020204030204" pitchFamily="49" charset="0"/>
+            </a:endParaRPr>
           </a:p>
         </p:txBody>
       </p:sp>
+      <p:sp>
+        <p:nvSpPr>
+          <p:cNvPr id="6" name="Oval 5"/>
+          <p:cNvSpPr/>
+          <p:nvPr/>
+        </p:nvSpPr>
+        <p:spPr>
+          <a:xfrm>
+            <a:off x="8378792" y="542942"/>
+            <a:ext cx="616016" cy="606391"/>
+          </a:xfrm>
+          <a:prstGeom prst="ellipse">
+            <a:avLst/>
+          </a:prstGeom>
+        </p:spPr>
+        <p:style>
+          <a:lnRef idx="1">
+            <a:schemeClr val="accent1"/>
+          </a:lnRef>
+          <a:fillRef idx="3">
+            <a:schemeClr val="accent1"/>
+          </a:fillRef>
+          <a:effectRef idx="2">
+            <a:schemeClr val="accent1"/>
+          </a:effectRef>
+          <a:fontRef idx="minor">
+            <a:schemeClr val="lt1"/>
+          </a:fontRef>
+        </p:style>
+        <p:txBody>
+          <a:bodyPr rtlCol="0" anchor="ctr"/>
+          <a:lstStyle/>
+          <a:p>
+            <a:pPr algn="ctr"/>
+            <a:r>
+              <a:rPr lang="en-US" sz="1600" dirty="0"/>
+              <a:t>11</a:t>
+            </a:r>
+          </a:p>
+        </p:txBody>
+      </p:sp>
+      <p:pic>
+        <p:nvPicPr>
+          <p:cNvPr id="4" name="Picture 3"/>
+          <p:cNvPicPr>
+            <a:picLocks noChangeAspect="1"/>
+          </p:cNvPicPr>
+          <p:nvPr/>
+        </p:nvPicPr>
+        <p:blipFill>
+          <a:blip r:embed="rId3"/>
+          <a:stretch>
+            <a:fillRect/>
+          </a:stretch>
+        </p:blipFill>
+        <p:spPr>
+          <a:xfrm>
+            <a:off x="3247268" y="542942"/>
+            <a:ext cx="5439532" cy="5681438"/>
+          </a:xfrm>
+          <a:prstGeom prst="rect">
+            <a:avLst/>
+          </a:prstGeom>
+        </p:spPr>
+      </p:pic>
     </p:spTree>
     <p:extLst>
       <p:ext uri="{BB962C8B-B14F-4D97-AF65-F5344CB8AC3E}">
-        <p14:creationId xmlns:p14="http://schemas.microsoft.com/office/powerpoint/2010/main" val="3817045267"/>
+        <p14:creationId xmlns:p14="http://schemas.microsoft.com/office/powerpoint/2010/main" val="1751467117"/>
       </p:ext>
     </p:extLst>
   </p:cSld>
@@ -39537,6 +39474,112 @@
           <a:p>
             <a:r>
               <a:rPr lang="en-US" dirty="0"/>
+              <a:t>Memo Structure</a:t>
+            </a:r>
+          </a:p>
+        </p:txBody>
+      </p:sp>
+      <p:sp>
+        <p:nvSpPr>
+          <p:cNvPr id="3" name="Content Placeholder 2"/>
+          <p:cNvSpPr>
+            <a:spLocks noGrp="1"/>
+          </p:cNvSpPr>
+          <p:nvPr>
+            <p:ph idx="1"/>
+          </p:nvPr>
+        </p:nvSpPr>
+        <p:spPr/>
+        <p:txBody>
+          <a:bodyPr/>
+          <a:lstStyle/>
+          <a:p>
+            <a:r>
+              <a:rPr lang="en-US" dirty="0"/>
+              <a:t>Used to explore different alternatives to a portion of the query tree</a:t>
+            </a:r>
+          </a:p>
+          <a:p>
+            <a:r>
+              <a:rPr lang="en-US" dirty="0"/>
+              <a:t>Can think of it as a matrix</a:t>
+            </a:r>
+          </a:p>
+          <a:p>
+            <a:pPr lvl="1"/>
+            <a:r>
+              <a:rPr lang="en-US" dirty="0"/>
+              <a:t>Rows (groups) represent substitutes – each entry is logically equivalent</a:t>
+            </a:r>
+          </a:p>
+          <a:p>
+            <a:pPr lvl="1"/>
+            <a:r>
+              <a:rPr lang="en-US" dirty="0"/>
+              <a:t>Columns represent application of a transformation rule</a:t>
+            </a:r>
+          </a:p>
+          <a:p>
+            <a:r>
+              <a:rPr lang="en-US" dirty="0"/>
+              <a:t>Each entry is hashed to prevent duplication</a:t>
+            </a:r>
+          </a:p>
+          <a:p>
+            <a:r>
+              <a:rPr lang="en-US" dirty="0"/>
+              <a:t>Physical substitutes are costed</a:t>
+            </a:r>
+          </a:p>
+        </p:txBody>
+      </p:sp>
+    </p:spTree>
+    <p:extLst>
+      <p:ext uri="{BB962C8B-B14F-4D97-AF65-F5344CB8AC3E}">
+        <p14:creationId xmlns:p14="http://schemas.microsoft.com/office/powerpoint/2010/main" val="3817045267"/>
+      </p:ext>
+    </p:extLst>
+  </p:cSld>
+  <p:clrMapOvr>
+    <a:masterClrMapping/>
+  </p:clrMapOvr>
+</p:sld>
+</file>
+
+<file path=ppt/slides/slide56.xml><?xml version="1.0" encoding="utf-8"?>
+<p:sld xmlns:a="http://schemas.openxmlformats.org/drawingml/2006/main" xmlns:r="http://schemas.openxmlformats.org/officeDocument/2006/relationships" xmlns:p="http://schemas.openxmlformats.org/presentationml/2006/main">
+  <p:cSld>
+    <p:spTree>
+      <p:nvGrpSpPr>
+        <p:cNvPr id="1" name=""/>
+        <p:cNvGrpSpPr/>
+        <p:nvPr/>
+      </p:nvGrpSpPr>
+      <p:grpSpPr>
+        <a:xfrm>
+          <a:off x="0" y="0"/>
+          <a:ext cx="0" cy="0"/>
+          <a:chOff x="0" y="0"/>
+          <a:chExt cx="0" cy="0"/>
+        </a:xfrm>
+      </p:grpSpPr>
+      <p:sp>
+        <p:nvSpPr>
+          <p:cNvPr id="2" name="Title 1"/>
+          <p:cNvSpPr>
+            <a:spLocks noGrp="1"/>
+          </p:cNvSpPr>
+          <p:nvPr>
+            <p:ph type="title"/>
+          </p:nvPr>
+        </p:nvSpPr>
+        <p:spPr/>
+        <p:txBody>
+          <a:bodyPr/>
+          <a:lstStyle/>
+          <a:p>
+            <a:r>
+              <a:rPr lang="en-US" dirty="0"/>
               <a:t>Example Memo</a:t>
             </a:r>
           </a:p>
@@ -40185,14 +40228,14 @@
                 <a:gridCol w="957714">
                   <a:extLst>
                     <a:ext uri="{9D8B030D-6E8A-4147-A177-3AD203B41FA5}">
-                      <a16:colId xmlns="" xmlns:a16="http://schemas.microsoft.com/office/drawing/2014/main" val="3940544257"/>
+                      <a16:colId xmlns:a16="http://schemas.microsoft.com/office/drawing/2014/main" xmlns="" val="3940544257"/>
                     </a:ext>
                   </a:extLst>
                 </a:gridCol>
                 <a:gridCol w="2464067">
                   <a:extLst>
                     <a:ext uri="{9D8B030D-6E8A-4147-A177-3AD203B41FA5}">
-                      <a16:colId xmlns="" xmlns:a16="http://schemas.microsoft.com/office/drawing/2014/main" val="3658567973"/>
+                      <a16:colId xmlns:a16="http://schemas.microsoft.com/office/drawing/2014/main" xmlns="" val="3658567973"/>
                     </a:ext>
                   </a:extLst>
                 </a:gridCol>
@@ -40226,7 +40269,7 @@
                 </a:tc>
                 <a:extLst>
                   <a:ext uri="{0D108BD9-81ED-4DB2-BD59-A6C34878D82A}">
-                    <a16:rowId xmlns="" xmlns:a16="http://schemas.microsoft.com/office/drawing/2014/main" val="1032275335"/>
+                    <a16:rowId xmlns:a16="http://schemas.microsoft.com/office/drawing/2014/main" xmlns="" val="1032275335"/>
                   </a:ext>
                 </a:extLst>
               </a:tr>
@@ -40356,7 +40399,7 @@
                 </a:tc>
                 <a:extLst>
                   <a:ext uri="{0D108BD9-81ED-4DB2-BD59-A6C34878D82A}">
-                    <a16:rowId xmlns="" xmlns:a16="http://schemas.microsoft.com/office/drawing/2014/main" val="4191484087"/>
+                    <a16:rowId xmlns:a16="http://schemas.microsoft.com/office/drawing/2014/main" xmlns="" val="4191484087"/>
                   </a:ext>
                 </a:extLst>
               </a:tr>
@@ -40430,7 +40473,7 @@
                 </a:tc>
                 <a:extLst>
                   <a:ext uri="{0D108BD9-81ED-4DB2-BD59-A6C34878D82A}">
-                    <a16:rowId xmlns="" xmlns:a16="http://schemas.microsoft.com/office/drawing/2014/main" val="1864588626"/>
+                    <a16:rowId xmlns:a16="http://schemas.microsoft.com/office/drawing/2014/main" xmlns="" val="1864588626"/>
                   </a:ext>
                 </a:extLst>
               </a:tr>
@@ -40552,7 +40595,7 @@
                 </a:tc>
                 <a:extLst>
                   <a:ext uri="{0D108BD9-81ED-4DB2-BD59-A6C34878D82A}">
-                    <a16:rowId xmlns="" xmlns:a16="http://schemas.microsoft.com/office/drawing/2014/main" val="3035259714"/>
+                    <a16:rowId xmlns:a16="http://schemas.microsoft.com/office/drawing/2014/main" xmlns="" val="3035259714"/>
                   </a:ext>
                 </a:extLst>
               </a:tr>
@@ -40641,7 +40684,7 @@
                 </a:tc>
                 <a:extLst>
                   <a:ext uri="{0D108BD9-81ED-4DB2-BD59-A6C34878D82A}">
-                    <a16:rowId xmlns="" xmlns:a16="http://schemas.microsoft.com/office/drawing/2014/main" val="2023621082"/>
+                    <a16:rowId xmlns:a16="http://schemas.microsoft.com/office/drawing/2014/main" xmlns="" val="2023621082"/>
                   </a:ext>
                 </a:extLst>
               </a:tr>
@@ -40730,7 +40773,7 @@
                 </a:tc>
                 <a:extLst>
                   <a:ext uri="{0D108BD9-81ED-4DB2-BD59-A6C34878D82A}">
-                    <a16:rowId xmlns="" xmlns:a16="http://schemas.microsoft.com/office/drawing/2014/main" val="120016333"/>
+                    <a16:rowId xmlns:a16="http://schemas.microsoft.com/office/drawing/2014/main" xmlns="" val="120016333"/>
                   </a:ext>
                 </a:extLst>
               </a:tr>
@@ -40751,7 +40794,7 @@
 </p:sld>
 </file>
 
-<file path=ppt/slides/slide56.xml><?xml version="1.0" encoding="utf-8"?>
+<file path=ppt/slides/slide57.xml><?xml version="1.0" encoding="utf-8"?>
 <p:sld xmlns:a="http://schemas.openxmlformats.org/drawingml/2006/main" xmlns:r="http://schemas.openxmlformats.org/officeDocument/2006/relationships" xmlns:p="http://schemas.openxmlformats.org/presentationml/2006/main">
   <p:cSld>
     <p:spTree>
@@ -40875,21 +40918,21 @@
                 <a:gridCol w="960120">
                   <a:extLst>
                     <a:ext uri="{9D8B030D-6E8A-4147-A177-3AD203B41FA5}">
-                      <a16:colId xmlns="" xmlns:a16="http://schemas.microsoft.com/office/drawing/2014/main" val="392696932"/>
+                      <a16:colId xmlns:a16="http://schemas.microsoft.com/office/drawing/2014/main" xmlns="" val="392696932"/>
                     </a:ext>
                   </a:extLst>
                 </a:gridCol>
                 <a:gridCol w="2468880">
                   <a:extLst>
                     <a:ext uri="{9D8B030D-6E8A-4147-A177-3AD203B41FA5}">
-                      <a16:colId xmlns="" xmlns:a16="http://schemas.microsoft.com/office/drawing/2014/main" val="2769969192"/>
+                      <a16:colId xmlns:a16="http://schemas.microsoft.com/office/drawing/2014/main" xmlns="" val="2769969192"/>
                     </a:ext>
                   </a:extLst>
                 </a:gridCol>
                 <a:gridCol w="2468880">
                   <a:extLst>
                     <a:ext uri="{9D8B030D-6E8A-4147-A177-3AD203B41FA5}">
-                      <a16:colId xmlns="" xmlns:a16="http://schemas.microsoft.com/office/drawing/2014/main" val="2022610816"/>
+                      <a16:colId xmlns:a16="http://schemas.microsoft.com/office/drawing/2014/main" xmlns="" val="2022610816"/>
                     </a:ext>
                   </a:extLst>
                 </a:gridCol>
@@ -40941,7 +40984,7 @@
                 </a:tc>
                 <a:extLst>
                   <a:ext uri="{0D108BD9-81ED-4DB2-BD59-A6C34878D82A}">
-                    <a16:rowId xmlns="" xmlns:a16="http://schemas.microsoft.com/office/drawing/2014/main" val="2344937666"/>
+                    <a16:rowId xmlns:a16="http://schemas.microsoft.com/office/drawing/2014/main" xmlns="" val="2344937666"/>
                   </a:ext>
                 </a:extLst>
               </a:tr>
@@ -41074,7 +41117,7 @@
                 </a:tc>
                 <a:extLst>
                   <a:ext uri="{0D108BD9-81ED-4DB2-BD59-A6C34878D82A}">
-                    <a16:rowId xmlns="" xmlns:a16="http://schemas.microsoft.com/office/drawing/2014/main" val="1917341330"/>
+                    <a16:rowId xmlns:a16="http://schemas.microsoft.com/office/drawing/2014/main" xmlns="" val="1917341330"/>
                   </a:ext>
                 </a:extLst>
               </a:tr>
@@ -41291,7 +41334,7 @@
                 </a:tc>
                 <a:extLst>
                   <a:ext uri="{0D108BD9-81ED-4DB2-BD59-A6C34878D82A}">
-                    <a16:rowId xmlns="" xmlns:a16="http://schemas.microsoft.com/office/drawing/2014/main" val="3088042860"/>
+                    <a16:rowId xmlns:a16="http://schemas.microsoft.com/office/drawing/2014/main" xmlns="" val="3088042860"/>
                   </a:ext>
                 </a:extLst>
               </a:tr>
@@ -41375,7 +41418,7 @@
                 </a:tc>
                 <a:extLst>
                   <a:ext uri="{0D108BD9-81ED-4DB2-BD59-A6C34878D82A}">
-                    <a16:rowId xmlns="" xmlns:a16="http://schemas.microsoft.com/office/drawing/2014/main" val="2658530722"/>
+                    <a16:rowId xmlns:a16="http://schemas.microsoft.com/office/drawing/2014/main" xmlns="" val="2658530722"/>
                   </a:ext>
                 </a:extLst>
               </a:tr>
@@ -41507,7 +41550,7 @@
                 </a:tc>
                 <a:extLst>
                   <a:ext uri="{0D108BD9-81ED-4DB2-BD59-A6C34878D82A}">
-                    <a16:rowId xmlns="" xmlns:a16="http://schemas.microsoft.com/office/drawing/2014/main" val="1481886367"/>
+                    <a16:rowId xmlns:a16="http://schemas.microsoft.com/office/drawing/2014/main" xmlns="" val="1481886367"/>
                   </a:ext>
                 </a:extLst>
               </a:tr>
@@ -41606,7 +41649,7 @@
                 </a:tc>
                 <a:extLst>
                   <a:ext uri="{0D108BD9-81ED-4DB2-BD59-A6C34878D82A}">
-                    <a16:rowId xmlns="" xmlns:a16="http://schemas.microsoft.com/office/drawing/2014/main" val="4248384778"/>
+                    <a16:rowId xmlns:a16="http://schemas.microsoft.com/office/drawing/2014/main" xmlns="" val="4248384778"/>
                   </a:ext>
                 </a:extLst>
               </a:tr>
@@ -41705,7 +41748,7 @@
                 </a:tc>
                 <a:extLst>
                   <a:ext uri="{0D108BD9-81ED-4DB2-BD59-A6C34878D82A}">
-                    <a16:rowId xmlns="" xmlns:a16="http://schemas.microsoft.com/office/drawing/2014/main" val="1670483340"/>
+                    <a16:rowId xmlns:a16="http://schemas.microsoft.com/office/drawing/2014/main" xmlns="" val="1670483340"/>
                   </a:ext>
                 </a:extLst>
               </a:tr>
@@ -41726,7 +41769,7 @@
 </p:sld>
 </file>
 
-<file path=ppt/slides/slide57.xml><?xml version="1.0" encoding="utf-8"?>
+<file path=ppt/slides/slide58.xml><?xml version="1.0" encoding="utf-8"?>
 <p:sld xmlns:a="http://schemas.openxmlformats.org/drawingml/2006/main" xmlns:r="http://schemas.openxmlformats.org/officeDocument/2006/relationships" xmlns:p="http://schemas.openxmlformats.org/presentationml/2006/main">
   <p:cSld>
     <p:spTree>
@@ -41850,28 +41893,28 @@
                 <a:gridCol w="960120">
                   <a:extLst>
                     <a:ext uri="{9D8B030D-6E8A-4147-A177-3AD203B41FA5}">
-                      <a16:colId xmlns="" xmlns:a16="http://schemas.microsoft.com/office/drawing/2014/main" val="392696932"/>
+                      <a16:colId xmlns:a16="http://schemas.microsoft.com/office/drawing/2014/main" xmlns="" val="392696932"/>
                     </a:ext>
                   </a:extLst>
                 </a:gridCol>
                 <a:gridCol w="2468880">
                   <a:extLst>
                     <a:ext uri="{9D8B030D-6E8A-4147-A177-3AD203B41FA5}">
-                      <a16:colId xmlns="" xmlns:a16="http://schemas.microsoft.com/office/drawing/2014/main" val="2769969192"/>
+                      <a16:colId xmlns:a16="http://schemas.microsoft.com/office/drawing/2014/main" xmlns="" val="2769969192"/>
                     </a:ext>
                   </a:extLst>
                 </a:gridCol>
                 <a:gridCol w="2468880">
                   <a:extLst>
                     <a:ext uri="{9D8B030D-6E8A-4147-A177-3AD203B41FA5}">
-                      <a16:colId xmlns="" xmlns:a16="http://schemas.microsoft.com/office/drawing/2014/main" val="2022610816"/>
+                      <a16:colId xmlns:a16="http://schemas.microsoft.com/office/drawing/2014/main" xmlns="" val="2022610816"/>
                     </a:ext>
                   </a:extLst>
                 </a:gridCol>
                 <a:gridCol w="2468880">
                   <a:extLst>
                     <a:ext uri="{9D8B030D-6E8A-4147-A177-3AD203B41FA5}">
-                      <a16:colId xmlns="" xmlns:a16="http://schemas.microsoft.com/office/drawing/2014/main" val="102813283"/>
+                      <a16:colId xmlns:a16="http://schemas.microsoft.com/office/drawing/2014/main" xmlns="" val="102813283"/>
                     </a:ext>
                   </a:extLst>
                 </a:gridCol>
@@ -41936,7 +41979,7 @@
                 </a:tc>
                 <a:extLst>
                   <a:ext uri="{0D108BD9-81ED-4DB2-BD59-A6C34878D82A}">
-                    <a16:rowId xmlns="" xmlns:a16="http://schemas.microsoft.com/office/drawing/2014/main" val="2344937666"/>
+                    <a16:rowId xmlns:a16="http://schemas.microsoft.com/office/drawing/2014/main" xmlns="" val="2344937666"/>
                   </a:ext>
                 </a:extLst>
               </a:tr>
@@ -42096,7 +42139,7 @@
                 </a:tc>
                 <a:extLst>
                   <a:ext uri="{0D108BD9-81ED-4DB2-BD59-A6C34878D82A}">
-                    <a16:rowId xmlns="" xmlns:a16="http://schemas.microsoft.com/office/drawing/2014/main" val="1917341330"/>
+                    <a16:rowId xmlns:a16="http://schemas.microsoft.com/office/drawing/2014/main" xmlns="" val="1917341330"/>
                   </a:ext>
                 </a:extLst>
               </a:tr>
@@ -42400,7 +42443,7 @@
                 </a:tc>
                 <a:extLst>
                   <a:ext uri="{0D108BD9-81ED-4DB2-BD59-A6C34878D82A}">
-                    <a16:rowId xmlns="" xmlns:a16="http://schemas.microsoft.com/office/drawing/2014/main" val="3088042860"/>
+                    <a16:rowId xmlns:a16="http://schemas.microsoft.com/office/drawing/2014/main" xmlns="" val="3088042860"/>
                   </a:ext>
                 </a:extLst>
               </a:tr>
@@ -42494,7 +42537,7 @@
                 </a:tc>
                 <a:extLst>
                   <a:ext uri="{0D108BD9-81ED-4DB2-BD59-A6C34878D82A}">
-                    <a16:rowId xmlns="" xmlns:a16="http://schemas.microsoft.com/office/drawing/2014/main" val="2658530722"/>
+                    <a16:rowId xmlns:a16="http://schemas.microsoft.com/office/drawing/2014/main" xmlns="" val="2658530722"/>
                   </a:ext>
                 </a:extLst>
               </a:tr>
@@ -42687,7 +42730,7 @@
                 </a:tc>
                 <a:extLst>
                   <a:ext uri="{0D108BD9-81ED-4DB2-BD59-A6C34878D82A}">
-                    <a16:rowId xmlns="" xmlns:a16="http://schemas.microsoft.com/office/drawing/2014/main" val="1481886367"/>
+                    <a16:rowId xmlns:a16="http://schemas.microsoft.com/office/drawing/2014/main" xmlns="" val="1481886367"/>
                   </a:ext>
                 </a:extLst>
               </a:tr>
@@ -42796,7 +42839,7 @@
                 </a:tc>
                 <a:extLst>
                   <a:ext uri="{0D108BD9-81ED-4DB2-BD59-A6C34878D82A}">
-                    <a16:rowId xmlns="" xmlns:a16="http://schemas.microsoft.com/office/drawing/2014/main" val="4248384778"/>
+                    <a16:rowId xmlns:a16="http://schemas.microsoft.com/office/drawing/2014/main" xmlns="" val="4248384778"/>
                   </a:ext>
                 </a:extLst>
               </a:tr>
@@ -42905,7 +42948,7 @@
                 </a:tc>
                 <a:extLst>
                   <a:ext uri="{0D108BD9-81ED-4DB2-BD59-A6C34878D82A}">
-                    <a16:rowId xmlns="" xmlns:a16="http://schemas.microsoft.com/office/drawing/2014/main" val="1670483340"/>
+                    <a16:rowId xmlns:a16="http://schemas.microsoft.com/office/drawing/2014/main" xmlns="" val="1670483340"/>
                   </a:ext>
                 </a:extLst>
               </a:tr>
@@ -42967,7 +43010,7 @@
 </p:sld>
 </file>
 
-<file path=ppt/slides/slide58.xml><?xml version="1.0" encoding="utf-8"?>
+<file path=ppt/slides/slide59.xml><?xml version="1.0" encoding="utf-8"?>
 <p:sld xmlns:a="http://schemas.openxmlformats.org/drawingml/2006/main" xmlns:r="http://schemas.openxmlformats.org/officeDocument/2006/relationships" xmlns:p="http://schemas.openxmlformats.org/presentationml/2006/main">
   <p:cSld>
     <p:spTree>
@@ -43104,134 +43147,6 @@
     <p:extLst>
       <p:ext uri="{BB962C8B-B14F-4D97-AF65-F5344CB8AC3E}">
         <p14:creationId xmlns:p14="http://schemas.microsoft.com/office/powerpoint/2010/main" val="2101516933"/>
-      </p:ext>
-    </p:extLst>
-  </p:cSld>
-  <p:clrMapOvr>
-    <a:masterClrMapping/>
-  </p:clrMapOvr>
-</p:sld>
-</file>
-
-<file path=ppt/slides/slide59.xml><?xml version="1.0" encoding="utf-8"?>
-<p:sld xmlns:a="http://schemas.openxmlformats.org/drawingml/2006/main" xmlns:r="http://schemas.openxmlformats.org/officeDocument/2006/relationships" xmlns:p="http://schemas.openxmlformats.org/presentationml/2006/main">
-  <p:cSld>
-    <p:spTree>
-      <p:nvGrpSpPr>
-        <p:cNvPr id="1" name=""/>
-        <p:cNvGrpSpPr/>
-        <p:nvPr/>
-      </p:nvGrpSpPr>
-      <p:grpSpPr>
-        <a:xfrm>
-          <a:off x="0" y="0"/>
-          <a:ext cx="0" cy="0"/>
-          <a:chOff x="0" y="0"/>
-          <a:chExt cx="0" cy="0"/>
-        </a:xfrm>
-      </p:grpSpPr>
-      <p:sp>
-        <p:nvSpPr>
-          <p:cNvPr id="2" name="Title 1"/>
-          <p:cNvSpPr>
-            <a:spLocks noGrp="1"/>
-          </p:cNvSpPr>
-          <p:nvPr>
-            <p:ph type="title"/>
-          </p:nvPr>
-        </p:nvSpPr>
-        <p:spPr/>
-        <p:txBody>
-          <a:bodyPr/>
-          <a:lstStyle/>
-          <a:p>
-            <a:r>
-              <a:rPr lang="en-US" dirty="0"/>
-              <a:t>Conclusions</a:t>
-            </a:r>
-          </a:p>
-        </p:txBody>
-      </p:sp>
-      <p:sp>
-        <p:nvSpPr>
-          <p:cNvPr id="3" name="Content Placeholder 2"/>
-          <p:cNvSpPr>
-            <a:spLocks noGrp="1"/>
-          </p:cNvSpPr>
-          <p:nvPr>
-            <p:ph idx="1"/>
-          </p:nvPr>
-        </p:nvSpPr>
-        <p:spPr/>
-        <p:txBody>
-          <a:bodyPr/>
-          <a:lstStyle/>
-          <a:p>
-            <a:r>
-              <a:rPr lang="en-US" dirty="0"/>
-              <a:t>SQL is a declarative language</a:t>
-            </a:r>
-          </a:p>
-          <a:p>
-            <a:pPr lvl="1"/>
-            <a:r>
-              <a:rPr lang="en-US" dirty="0"/>
-              <a:t>In theory, it shouldn’t matter how SQL is written</a:t>
-            </a:r>
-          </a:p>
-          <a:p>
-            <a:pPr lvl="2"/>
-            <a:r>
-              <a:rPr lang="en-US" dirty="0"/>
-              <a:t>We are effectively giving SQL Server a set of requirements and asking it to write a program for us</a:t>
-            </a:r>
-          </a:p>
-          <a:p>
-            <a:pPr lvl="1"/>
-            <a:r>
-              <a:rPr lang="en-US" dirty="0"/>
-              <a:t>In practice, it does matter because no optimizer is perfect</a:t>
-            </a:r>
-          </a:p>
-          <a:p>
-            <a:pPr lvl="2"/>
-            <a:r>
-              <a:rPr lang="en-US" dirty="0"/>
-              <a:t>It will give us correct results</a:t>
-            </a:r>
-          </a:p>
-          <a:p>
-            <a:pPr lvl="2"/>
-            <a:r>
-              <a:rPr lang="en-US" dirty="0"/>
-              <a:t>In the real world, efficiency matters</a:t>
-            </a:r>
-          </a:p>
-          <a:p>
-            <a:r>
-              <a:rPr lang="en-US" dirty="0"/>
-              <a:t>Writing “better” queries</a:t>
-            </a:r>
-          </a:p>
-          <a:p>
-            <a:pPr lvl="1"/>
-            <a:r>
-              <a:rPr lang="en-US" dirty="0"/>
-              <a:t>Sometimes we need to “out-smart” the optimizer</a:t>
-            </a:r>
-          </a:p>
-          <a:p>
-            <a:pPr marL="0" indent="0">
-              <a:buNone/>
-            </a:pPr>
-            <a:endParaRPr lang="en-US" dirty="0"/>
-          </a:p>
-        </p:txBody>
-      </p:sp>
-    </p:spTree>
-    <p:extLst>
-      <p:ext uri="{BB962C8B-B14F-4D97-AF65-F5344CB8AC3E}">
-        <p14:creationId xmlns:p14="http://schemas.microsoft.com/office/powerpoint/2010/main" val="2736690025"/>
       </p:ext>
     </p:extLst>
   </p:cSld>
@@ -43370,6 +43285,134 @@
           <a:p>
             <a:r>
               <a:rPr lang="en-US" dirty="0"/>
+              <a:t>Conclusions</a:t>
+            </a:r>
+          </a:p>
+        </p:txBody>
+      </p:sp>
+      <p:sp>
+        <p:nvSpPr>
+          <p:cNvPr id="3" name="Content Placeholder 2"/>
+          <p:cNvSpPr>
+            <a:spLocks noGrp="1"/>
+          </p:cNvSpPr>
+          <p:nvPr>
+            <p:ph idx="1"/>
+          </p:nvPr>
+        </p:nvSpPr>
+        <p:spPr/>
+        <p:txBody>
+          <a:bodyPr/>
+          <a:lstStyle/>
+          <a:p>
+            <a:r>
+              <a:rPr lang="en-US" dirty="0"/>
+              <a:t>SQL is a declarative language</a:t>
+            </a:r>
+          </a:p>
+          <a:p>
+            <a:pPr lvl="1"/>
+            <a:r>
+              <a:rPr lang="en-US" dirty="0"/>
+              <a:t>In theory, it shouldn’t matter how SQL is written</a:t>
+            </a:r>
+          </a:p>
+          <a:p>
+            <a:pPr lvl="2"/>
+            <a:r>
+              <a:rPr lang="en-US" dirty="0"/>
+              <a:t>We are effectively giving SQL Server a set of requirements and asking it to write a program for us</a:t>
+            </a:r>
+          </a:p>
+          <a:p>
+            <a:pPr lvl="1"/>
+            <a:r>
+              <a:rPr lang="en-US" dirty="0"/>
+              <a:t>In practice, it does matter because no optimizer is perfect</a:t>
+            </a:r>
+          </a:p>
+          <a:p>
+            <a:pPr lvl="2"/>
+            <a:r>
+              <a:rPr lang="en-US" dirty="0"/>
+              <a:t>It will give us correct results</a:t>
+            </a:r>
+          </a:p>
+          <a:p>
+            <a:pPr lvl="2"/>
+            <a:r>
+              <a:rPr lang="en-US" dirty="0"/>
+              <a:t>In the real world, efficiency matters</a:t>
+            </a:r>
+          </a:p>
+          <a:p>
+            <a:r>
+              <a:rPr lang="en-US" dirty="0"/>
+              <a:t>Writing “better” queries</a:t>
+            </a:r>
+          </a:p>
+          <a:p>
+            <a:pPr lvl="1"/>
+            <a:r>
+              <a:rPr lang="en-US" dirty="0"/>
+              <a:t>Sometimes we need to “out-smart” the optimizer</a:t>
+            </a:r>
+          </a:p>
+          <a:p>
+            <a:pPr marL="0" indent="0">
+              <a:buNone/>
+            </a:pPr>
+            <a:endParaRPr lang="en-US" dirty="0"/>
+          </a:p>
+        </p:txBody>
+      </p:sp>
+    </p:spTree>
+    <p:extLst>
+      <p:ext uri="{BB962C8B-B14F-4D97-AF65-F5344CB8AC3E}">
+        <p14:creationId xmlns:p14="http://schemas.microsoft.com/office/powerpoint/2010/main" val="2736690025"/>
+      </p:ext>
+    </p:extLst>
+  </p:cSld>
+  <p:clrMapOvr>
+    <a:masterClrMapping/>
+  </p:clrMapOvr>
+</p:sld>
+</file>
+
+<file path=ppt/slides/slide61.xml><?xml version="1.0" encoding="utf-8"?>
+<p:sld xmlns:a="http://schemas.openxmlformats.org/drawingml/2006/main" xmlns:r="http://schemas.openxmlformats.org/officeDocument/2006/relationships" xmlns:p="http://schemas.openxmlformats.org/presentationml/2006/main">
+  <p:cSld>
+    <p:spTree>
+      <p:nvGrpSpPr>
+        <p:cNvPr id="1" name=""/>
+        <p:cNvGrpSpPr/>
+        <p:nvPr/>
+      </p:nvGrpSpPr>
+      <p:grpSpPr>
+        <a:xfrm>
+          <a:off x="0" y="0"/>
+          <a:ext cx="0" cy="0"/>
+          <a:chOff x="0" y="0"/>
+          <a:chExt cx="0" cy="0"/>
+        </a:xfrm>
+      </p:grpSpPr>
+      <p:sp>
+        <p:nvSpPr>
+          <p:cNvPr id="2" name="Title 1"/>
+          <p:cNvSpPr>
+            <a:spLocks noGrp="1"/>
+          </p:cNvSpPr>
+          <p:nvPr>
+            <p:ph type="title"/>
+          </p:nvPr>
+        </p:nvSpPr>
+        <p:spPr/>
+        <p:txBody>
+          <a:bodyPr/>
+          <a:lstStyle/>
+          <a:p>
+            <a:r>
+              <a:rPr lang="en-US" dirty="0"/>
               <a:t>Appendix: Trace Flags</a:t>
             </a:r>
           </a:p>
@@ -43404,14 +43447,14 @@
                 <a:gridCol w="934278">
                   <a:extLst>
                     <a:ext uri="{9D8B030D-6E8A-4147-A177-3AD203B41FA5}">
-                      <a16:colId xmlns="" xmlns:a16="http://schemas.microsoft.com/office/drawing/2014/main" val="4198655800"/>
+                      <a16:colId xmlns:a16="http://schemas.microsoft.com/office/drawing/2014/main" xmlns="" val="4198655800"/>
                     </a:ext>
                   </a:extLst>
                 </a:gridCol>
                 <a:gridCol w="7295322">
                   <a:extLst>
                     <a:ext uri="{9D8B030D-6E8A-4147-A177-3AD203B41FA5}">
-                      <a16:colId xmlns="" xmlns:a16="http://schemas.microsoft.com/office/drawing/2014/main" val="135413862"/>
+                      <a16:colId xmlns:a16="http://schemas.microsoft.com/office/drawing/2014/main" xmlns="" val="135413862"/>
                     </a:ext>
                   </a:extLst>
                 </a:gridCol>
@@ -43445,7 +43488,7 @@
                 </a:tc>
                 <a:extLst>
                   <a:ext uri="{0D108BD9-81ED-4DB2-BD59-A6C34878D82A}">
-                    <a16:rowId xmlns="" xmlns:a16="http://schemas.microsoft.com/office/drawing/2014/main" val="3068323444"/>
+                    <a16:rowId xmlns:a16="http://schemas.microsoft.com/office/drawing/2014/main" xmlns="" val="3068323444"/>
                   </a:ext>
                 </a:extLst>
               </a:tr>
@@ -43478,7 +43521,7 @@
                 </a:tc>
                 <a:extLst>
                   <a:ext uri="{0D108BD9-81ED-4DB2-BD59-A6C34878D82A}">
-                    <a16:rowId xmlns="" xmlns:a16="http://schemas.microsoft.com/office/drawing/2014/main" val="1586961909"/>
+                    <a16:rowId xmlns:a16="http://schemas.microsoft.com/office/drawing/2014/main" xmlns="" val="1586961909"/>
                   </a:ext>
                 </a:extLst>
               </a:tr>
@@ -43516,7 +43559,7 @@
                 </a:tc>
                 <a:extLst>
                   <a:ext uri="{0D108BD9-81ED-4DB2-BD59-A6C34878D82A}">
-                    <a16:rowId xmlns="" xmlns:a16="http://schemas.microsoft.com/office/drawing/2014/main" val="2280300197"/>
+                    <a16:rowId xmlns:a16="http://schemas.microsoft.com/office/drawing/2014/main" xmlns="" val="2280300197"/>
                   </a:ext>
                 </a:extLst>
               </a:tr>
@@ -43554,7 +43597,7 @@
                 </a:tc>
                 <a:extLst>
                   <a:ext uri="{0D108BD9-81ED-4DB2-BD59-A6C34878D82A}">
-                    <a16:rowId xmlns="" xmlns:a16="http://schemas.microsoft.com/office/drawing/2014/main" val="1192843310"/>
+                    <a16:rowId xmlns:a16="http://schemas.microsoft.com/office/drawing/2014/main" xmlns="" val="1192843310"/>
                   </a:ext>
                 </a:extLst>
               </a:tr>
@@ -43592,7 +43635,7 @@
                 </a:tc>
                 <a:extLst>
                   <a:ext uri="{0D108BD9-81ED-4DB2-BD59-A6C34878D82A}">
-                    <a16:rowId xmlns="" xmlns:a16="http://schemas.microsoft.com/office/drawing/2014/main" val="2620585158"/>
+                    <a16:rowId xmlns:a16="http://schemas.microsoft.com/office/drawing/2014/main" xmlns="" val="2620585158"/>
                   </a:ext>
                 </a:extLst>
               </a:tr>
@@ -43625,7 +43668,7 @@
                 </a:tc>
                 <a:extLst>
                   <a:ext uri="{0D108BD9-81ED-4DB2-BD59-A6C34878D82A}">
-                    <a16:rowId xmlns="" xmlns:a16="http://schemas.microsoft.com/office/drawing/2014/main" val="1697738616"/>
+                    <a16:rowId xmlns:a16="http://schemas.microsoft.com/office/drawing/2014/main" xmlns="" val="1697738616"/>
                   </a:ext>
                 </a:extLst>
               </a:tr>
@@ -43663,7 +43706,7 @@
                 </a:tc>
                 <a:extLst>
                   <a:ext uri="{0D108BD9-81ED-4DB2-BD59-A6C34878D82A}">
-                    <a16:rowId xmlns="" xmlns:a16="http://schemas.microsoft.com/office/drawing/2014/main" val="316611556"/>
+                    <a16:rowId xmlns:a16="http://schemas.microsoft.com/office/drawing/2014/main" xmlns="" val="316611556"/>
                   </a:ext>
                 </a:extLst>
               </a:tr>
@@ -43696,7 +43739,7 @@
                 </a:tc>
                 <a:extLst>
                   <a:ext uri="{0D108BD9-81ED-4DB2-BD59-A6C34878D82A}">
-                    <a16:rowId xmlns="" xmlns:a16="http://schemas.microsoft.com/office/drawing/2014/main" val="1312814102"/>
+                    <a16:rowId xmlns:a16="http://schemas.microsoft.com/office/drawing/2014/main" xmlns="" val="1312814102"/>
                   </a:ext>
                 </a:extLst>
               </a:tr>
@@ -43729,7 +43772,7 @@
                 </a:tc>
                 <a:extLst>
                   <a:ext uri="{0D108BD9-81ED-4DB2-BD59-A6C34878D82A}">
-                    <a16:rowId xmlns="" xmlns:a16="http://schemas.microsoft.com/office/drawing/2014/main" val="1975533996"/>
+                    <a16:rowId xmlns:a16="http://schemas.microsoft.com/office/drawing/2014/main" xmlns="" val="1975533996"/>
                   </a:ext>
                 </a:extLst>
               </a:tr>
@@ -43762,7 +43805,7 @@
                 </a:tc>
                 <a:extLst>
                   <a:ext uri="{0D108BD9-81ED-4DB2-BD59-A6C34878D82A}">
-                    <a16:rowId xmlns="" xmlns:a16="http://schemas.microsoft.com/office/drawing/2014/main" val="2759032957"/>
+                    <a16:rowId xmlns:a16="http://schemas.microsoft.com/office/drawing/2014/main" xmlns="" val="2759032957"/>
                   </a:ext>
                 </a:extLst>
               </a:tr>
@@ -43790,7 +43833,7 @@
 </p:sld>
 </file>
 
-<file path=ppt/slides/slide61.xml><?xml version="1.0" encoding="utf-8"?>
+<file path=ppt/slides/slide62.xml><?xml version="1.0" encoding="utf-8"?>
 <p:sld xmlns:a="http://schemas.openxmlformats.org/drawingml/2006/main" xmlns:r="http://schemas.openxmlformats.org/officeDocument/2006/relationships" xmlns:p="http://schemas.openxmlformats.org/presentationml/2006/main">
   <p:cSld>
     <p:spTree>
@@ -43858,14 +43901,14 @@
                 <a:gridCol w="934278">
                   <a:extLst>
                     <a:ext uri="{9D8B030D-6E8A-4147-A177-3AD203B41FA5}">
-                      <a16:colId xmlns="" xmlns:a16="http://schemas.microsoft.com/office/drawing/2014/main" val="4198655800"/>
+                      <a16:colId xmlns:a16="http://schemas.microsoft.com/office/drawing/2014/main" xmlns="" val="4198655800"/>
                     </a:ext>
                   </a:extLst>
                 </a:gridCol>
                 <a:gridCol w="7295322">
                   <a:extLst>
                     <a:ext uri="{9D8B030D-6E8A-4147-A177-3AD203B41FA5}">
-                      <a16:colId xmlns="" xmlns:a16="http://schemas.microsoft.com/office/drawing/2014/main" val="135413862"/>
+                      <a16:colId xmlns:a16="http://schemas.microsoft.com/office/drawing/2014/main" xmlns="" val="135413862"/>
                     </a:ext>
                   </a:extLst>
                 </a:gridCol>
@@ -43899,7 +43942,7 @@
                 </a:tc>
                 <a:extLst>
                   <a:ext uri="{0D108BD9-81ED-4DB2-BD59-A6C34878D82A}">
-                    <a16:rowId xmlns="" xmlns:a16="http://schemas.microsoft.com/office/drawing/2014/main" val="3068323444"/>
+                    <a16:rowId xmlns:a16="http://schemas.microsoft.com/office/drawing/2014/main" xmlns="" val="3068323444"/>
                   </a:ext>
                 </a:extLst>
               </a:tr>
@@ -43932,7 +43975,7 @@
                 </a:tc>
                 <a:extLst>
                   <a:ext uri="{0D108BD9-81ED-4DB2-BD59-A6C34878D82A}">
-                    <a16:rowId xmlns="" xmlns:a16="http://schemas.microsoft.com/office/drawing/2014/main" val="2484981654"/>
+                    <a16:rowId xmlns:a16="http://schemas.microsoft.com/office/drawing/2014/main" xmlns="" val="2484981654"/>
                   </a:ext>
                 </a:extLst>
               </a:tr>
@@ -43970,7 +44013,7 @@
                 </a:tc>
                 <a:extLst>
                   <a:ext uri="{0D108BD9-81ED-4DB2-BD59-A6C34878D82A}">
-                    <a16:rowId xmlns="" xmlns:a16="http://schemas.microsoft.com/office/drawing/2014/main" val="1377910784"/>
+                    <a16:rowId xmlns:a16="http://schemas.microsoft.com/office/drawing/2014/main" xmlns="" val="1377910784"/>
                   </a:ext>
                 </a:extLst>
               </a:tr>
@@ -44003,7 +44046,7 @@
                 </a:tc>
                 <a:extLst>
                   <a:ext uri="{0D108BD9-81ED-4DB2-BD59-A6C34878D82A}">
-                    <a16:rowId xmlns="" xmlns:a16="http://schemas.microsoft.com/office/drawing/2014/main" val="1387856053"/>
+                    <a16:rowId xmlns:a16="http://schemas.microsoft.com/office/drawing/2014/main" xmlns="" val="1387856053"/>
                   </a:ext>
                 </a:extLst>
               </a:tr>
@@ -44041,7 +44084,7 @@
                 </a:tc>
                 <a:extLst>
                   <a:ext uri="{0D108BD9-81ED-4DB2-BD59-A6C34878D82A}">
-                    <a16:rowId xmlns="" xmlns:a16="http://schemas.microsoft.com/office/drawing/2014/main" val="2599123823"/>
+                    <a16:rowId xmlns:a16="http://schemas.microsoft.com/office/drawing/2014/main" xmlns="" val="2599123823"/>
                   </a:ext>
                 </a:extLst>
               </a:tr>
@@ -44082,7 +44125,7 @@
                 </a:tc>
                 <a:extLst>
                   <a:ext uri="{0D108BD9-81ED-4DB2-BD59-A6C34878D82A}">
-                    <a16:rowId xmlns="" xmlns:a16="http://schemas.microsoft.com/office/drawing/2014/main" val="1232603862"/>
+                    <a16:rowId xmlns:a16="http://schemas.microsoft.com/office/drawing/2014/main" xmlns="" val="1232603862"/>
                   </a:ext>
                 </a:extLst>
               </a:tr>
@@ -44115,7 +44158,7 @@
                 </a:tc>
                 <a:extLst>
                   <a:ext uri="{0D108BD9-81ED-4DB2-BD59-A6C34878D82A}">
-                    <a16:rowId xmlns="" xmlns:a16="http://schemas.microsoft.com/office/drawing/2014/main" val="4145944521"/>
+                    <a16:rowId xmlns:a16="http://schemas.microsoft.com/office/drawing/2014/main" xmlns="" val="4145944521"/>
                   </a:ext>
                 </a:extLst>
               </a:tr>
@@ -44153,7 +44196,7 @@
                 </a:tc>
                 <a:extLst>
                   <a:ext uri="{0D108BD9-81ED-4DB2-BD59-A6C34878D82A}">
-                    <a16:rowId xmlns="" xmlns:a16="http://schemas.microsoft.com/office/drawing/2014/main" val="2954677722"/>
+                    <a16:rowId xmlns:a16="http://schemas.microsoft.com/office/drawing/2014/main" xmlns="" val="2954677722"/>
                   </a:ext>
                 </a:extLst>
               </a:tr>
@@ -44186,7 +44229,7 @@
                 </a:tc>
                 <a:extLst>
                   <a:ext uri="{0D108BD9-81ED-4DB2-BD59-A6C34878D82A}">
-                    <a16:rowId xmlns="" xmlns:a16="http://schemas.microsoft.com/office/drawing/2014/main" val="205903975"/>
+                    <a16:rowId xmlns:a16="http://schemas.microsoft.com/office/drawing/2014/main" xmlns="" val="205903975"/>
                   </a:ext>
                 </a:extLst>
               </a:tr>
@@ -44219,7 +44262,7 @@
                 </a:tc>
                 <a:extLst>
                   <a:ext uri="{0D108BD9-81ED-4DB2-BD59-A6C34878D82A}">
-                    <a16:rowId xmlns="" xmlns:a16="http://schemas.microsoft.com/office/drawing/2014/main" val="2893595017"/>
+                    <a16:rowId xmlns:a16="http://schemas.microsoft.com/office/drawing/2014/main" xmlns="" val="2893595017"/>
                   </a:ext>
                 </a:extLst>
               </a:tr>
@@ -44252,7 +44295,7 @@
                 </a:tc>
                 <a:extLst>
                   <a:ext uri="{0D108BD9-81ED-4DB2-BD59-A6C34878D82A}">
-                    <a16:rowId xmlns="" xmlns:a16="http://schemas.microsoft.com/office/drawing/2014/main" val="2337380595"/>
+                    <a16:rowId xmlns:a16="http://schemas.microsoft.com/office/drawing/2014/main" xmlns="" val="2337380595"/>
                   </a:ext>
                 </a:extLst>
               </a:tr>
@@ -44293,126 +44336,6 @@
     <p:extLst>
       <p:ext uri="{BB962C8B-B14F-4D97-AF65-F5344CB8AC3E}">
         <p14:creationId xmlns:p14="http://schemas.microsoft.com/office/powerpoint/2010/main" val="2226135712"/>
-      </p:ext>
-    </p:extLst>
-  </p:cSld>
-  <p:clrMapOvr>
-    <a:masterClrMapping/>
-  </p:clrMapOvr>
-</p:sld>
-</file>
-
-<file path=ppt/slides/slide62.xml><?xml version="1.0" encoding="utf-8"?>
-<p:sld xmlns:a="http://schemas.openxmlformats.org/drawingml/2006/main" xmlns:r="http://schemas.openxmlformats.org/officeDocument/2006/relationships" xmlns:p="http://schemas.openxmlformats.org/presentationml/2006/main">
-  <p:cSld>
-    <p:spTree>
-      <p:nvGrpSpPr>
-        <p:cNvPr id="1" name=""/>
-        <p:cNvGrpSpPr/>
-        <p:nvPr/>
-      </p:nvGrpSpPr>
-      <p:grpSpPr>
-        <a:xfrm>
-          <a:off x="0" y="0"/>
-          <a:ext cx="0" cy="0"/>
-          <a:chOff x="0" y="0"/>
-          <a:chExt cx="0" cy="0"/>
-        </a:xfrm>
-      </p:grpSpPr>
-      <p:sp>
-        <p:nvSpPr>
-          <p:cNvPr id="2" name="Title 1"/>
-          <p:cNvSpPr>
-            <a:spLocks noGrp="1"/>
-          </p:cNvSpPr>
-          <p:nvPr>
-            <p:ph type="title"/>
-          </p:nvPr>
-        </p:nvSpPr>
-        <p:spPr/>
-        <p:txBody>
-          <a:bodyPr/>
-          <a:lstStyle/>
-          <a:p>
-            <a:r>
-              <a:rPr lang="en-US" dirty="0"/>
-              <a:t>Appendix: Commands</a:t>
-            </a:r>
-          </a:p>
-        </p:txBody>
-      </p:sp>
-      <p:sp>
-        <p:nvSpPr>
-          <p:cNvPr id="3" name="Content Placeholder 2"/>
-          <p:cNvSpPr>
-            <a:spLocks noGrp="1"/>
-          </p:cNvSpPr>
-          <p:nvPr>
-            <p:ph idx="1"/>
-          </p:nvPr>
-        </p:nvSpPr>
-        <p:spPr/>
-        <p:txBody>
-          <a:bodyPr/>
-          <a:lstStyle/>
-          <a:p>
-            <a:r>
-              <a:rPr lang="en-US" dirty="0"/>
-              <a:t>DBCC TRACEON / TRACEOFF</a:t>
-            </a:r>
-          </a:p>
-          <a:p>
-            <a:r>
-              <a:rPr lang="en-US" dirty="0"/>
-              <a:t>DBCC RULEON / RULEOFF</a:t>
-            </a:r>
-          </a:p>
-          <a:p>
-            <a:r>
-              <a:rPr lang="en-US" dirty="0"/>
-              <a:t>DBCC SHOWONRULES</a:t>
-            </a:r>
-          </a:p>
-          <a:p>
-            <a:r>
-              <a:rPr lang="en-US" dirty="0"/>
-              <a:t>DBCC SHOWOFFRULES</a:t>
-            </a:r>
-          </a:p>
-          <a:p>
-            <a:r>
-              <a:rPr lang="en-US" dirty="0"/>
-              <a:t>option (recompile, </a:t>
-            </a:r>
-            <a:r>
-              <a:rPr lang="en-US" dirty="0" err="1"/>
-              <a:t>querytraceon</a:t>
-            </a:r>
-            <a:r>
-              <a:rPr lang="en-US" dirty="0"/>
-              <a:t> ####)</a:t>
-            </a:r>
-          </a:p>
-          <a:p>
-            <a:r>
-              <a:rPr lang="en-US" dirty="0" err="1"/>
-              <a:t>sys.dm_exec_query_optimizer_info</a:t>
-            </a:r>
-            <a:endParaRPr lang="en-US" dirty="0"/>
-          </a:p>
-          <a:p>
-            <a:r>
-              <a:rPr lang="en-US" dirty="0" err="1"/>
-              <a:t>sys.dm_exec_query_transformation_stats</a:t>
-            </a:r>
-            <a:endParaRPr lang="en-US" dirty="0"/>
-          </a:p>
-        </p:txBody>
-      </p:sp>
-    </p:spTree>
-    <p:extLst>
-      <p:ext uri="{BB962C8B-B14F-4D97-AF65-F5344CB8AC3E}">
-        <p14:creationId xmlns:p14="http://schemas.microsoft.com/office/powerpoint/2010/main" val="400255049"/>
       </p:ext>
     </p:extLst>
   </p:cSld>
@@ -44456,7 +44379,7 @@
           <a:p>
             <a:r>
               <a:rPr lang="en-US" dirty="0"/>
-              <a:t>Appendix: History of SQL’s Optimizer</a:t>
+              <a:t>Appendix: Commands</a:t>
             </a:r>
           </a:p>
         </p:txBody>
@@ -44478,104 +44401,61 @@
           <a:p>
             <a:r>
               <a:rPr lang="en-US" dirty="0"/>
-              <a:t>Volcano Optimizer (April 1993) (</a:t>
-            </a:r>
-            <a:r>
-              <a:rPr lang="en-US" dirty="0">
-                <a:hlinkClick r:id="rId2"/>
-              </a:rPr>
-              <a:t>PDF</a:t>
-            </a:r>
+              <a:t>DBCC TRACEON / TRACEOFF</a:t>
+            </a:r>
+          </a:p>
+          <a:p>
             <a:r>
               <a:rPr lang="en-US" dirty="0"/>
-              <a:t>)</a:t>
-            </a:r>
-          </a:p>
-          <a:p>
-            <a:pPr lvl="1"/>
+              <a:t>DBCC RULEON / RULEOFF</a:t>
+            </a:r>
+          </a:p>
+          <a:p>
             <a:r>
               <a:rPr lang="en-US" dirty="0"/>
-              <a:t>Goetz </a:t>
+              <a:t>DBCC SHOWONRULES</a:t>
+            </a:r>
+          </a:p>
+          <a:p>
+            <a:r>
+              <a:rPr lang="en-US" dirty="0"/>
+              <a:t>DBCC SHOWOFFRULES</a:t>
+            </a:r>
+          </a:p>
+          <a:p>
+            <a:r>
+              <a:rPr lang="en-US" dirty="0"/>
+              <a:t>option (recompile, </a:t>
             </a:r>
             <a:r>
               <a:rPr lang="en-US" dirty="0" err="1"/>
-              <a:t>Graefe</a:t>
+              <a:t>querytraceon</a:t>
             </a:r>
             <a:r>
               <a:rPr lang="en-US" dirty="0"/>
-              <a:t>, William J. McKenna</a:t>
-            </a:r>
-          </a:p>
-          <a:p>
-            <a:pPr lvl="1"/>
-            <a:r>
-              <a:rPr lang="en-US" dirty="0"/>
-              <a:t>Based on </a:t>
-            </a:r>
+              <a:t> ####)</a:t>
+            </a:r>
+          </a:p>
+          <a:p>
             <a:r>
               <a:rPr lang="en-US" dirty="0" err="1"/>
-              <a:t>Graefe’s</a:t>
-            </a:r>
-            <a:r>
-              <a:rPr lang="en-US" dirty="0"/>
-              <a:t> earlier Exodus Optimizer</a:t>
-            </a:r>
-          </a:p>
-          <a:p>
-            <a:r>
-              <a:rPr lang="en-US" dirty="0"/>
-              <a:t>Cascades Framework (1995) (</a:t>
-            </a:r>
-            <a:r>
-              <a:rPr lang="en-US" dirty="0">
-                <a:hlinkClick r:id="rId3"/>
-              </a:rPr>
-              <a:t>PDF</a:t>
-            </a:r>
-            <a:r>
-              <a:rPr lang="en-US" dirty="0"/>
-              <a:t>)</a:t>
-            </a:r>
-          </a:p>
-          <a:p>
-            <a:pPr lvl="1"/>
-            <a:r>
-              <a:rPr lang="en-US" dirty="0"/>
-              <a:t>Goetz </a:t>
-            </a:r>
+              <a:t>sys.dm_exec_query_optimizer_info</a:t>
+            </a:r>
+            <a:endParaRPr lang="en-US" dirty="0"/>
+          </a:p>
+          <a:p>
             <a:r>
               <a:rPr lang="en-US" dirty="0" err="1"/>
-              <a:t>Graefe</a:t>
+              <a:t>sys.dm_exec_query_transformation_stats</a:t>
             </a:r>
             <a:endParaRPr lang="en-US" dirty="0"/>
-          </a:p>
-          <a:p>
-            <a:pPr lvl="1"/>
-            <a:r>
-              <a:rPr lang="en-US" dirty="0"/>
-              <a:t>Refinement of the Volcano Optimizer</a:t>
-            </a:r>
-          </a:p>
-          <a:p>
-            <a:pPr lvl="1"/>
-            <a:r>
-              <a:rPr lang="en-US" dirty="0"/>
-              <a:t>Basis for rewritten optimizer in SQL Server 7.0</a:t>
-            </a:r>
-          </a:p>
-          <a:p>
-            <a:pPr lvl="1"/>
-            <a:r>
-              <a:rPr lang="en-US" dirty="0"/>
-              <a:t>Major innovation: the memo structure</a:t>
-            </a:r>
           </a:p>
         </p:txBody>
       </p:sp>
     </p:spTree>
     <p:extLst>
       <p:ext uri="{BB962C8B-B14F-4D97-AF65-F5344CB8AC3E}">
-        <p14:creationId xmlns:p14="http://schemas.microsoft.com/office/powerpoint/2010/main" val="4044722762"/>
+        <p14:creationId xmlns:p14="http://schemas.microsoft.com/office/powerpoint/2010/main" val="400255049"/>
       </p:ext>
     </p:extLst>
   </p:cSld>
@@ -44619,6 +44499,169 @@
           <a:p>
             <a:r>
               <a:rPr lang="en-US" dirty="0"/>
+              <a:t>Appendix: History of SQL’s Optimizer</a:t>
+            </a:r>
+          </a:p>
+        </p:txBody>
+      </p:sp>
+      <p:sp>
+        <p:nvSpPr>
+          <p:cNvPr id="3" name="Content Placeholder 2"/>
+          <p:cNvSpPr>
+            <a:spLocks noGrp="1"/>
+          </p:cNvSpPr>
+          <p:nvPr>
+            <p:ph idx="1"/>
+          </p:nvPr>
+        </p:nvSpPr>
+        <p:spPr/>
+        <p:txBody>
+          <a:bodyPr/>
+          <a:lstStyle/>
+          <a:p>
+            <a:r>
+              <a:rPr lang="en-US" dirty="0"/>
+              <a:t>Volcano Optimizer (April 1993) (</a:t>
+            </a:r>
+            <a:r>
+              <a:rPr lang="en-US" dirty="0">
+                <a:hlinkClick r:id="rId2"/>
+              </a:rPr>
+              <a:t>PDF</a:t>
+            </a:r>
+            <a:r>
+              <a:rPr lang="en-US" dirty="0"/>
+              <a:t>)</a:t>
+            </a:r>
+          </a:p>
+          <a:p>
+            <a:pPr lvl="1"/>
+            <a:r>
+              <a:rPr lang="en-US" dirty="0"/>
+              <a:t>Goetz </a:t>
+            </a:r>
+            <a:r>
+              <a:rPr lang="en-US" dirty="0" err="1"/>
+              <a:t>Graefe</a:t>
+            </a:r>
+            <a:r>
+              <a:rPr lang="en-US" dirty="0"/>
+              <a:t>, William J. McKenna</a:t>
+            </a:r>
+          </a:p>
+          <a:p>
+            <a:pPr lvl="1"/>
+            <a:r>
+              <a:rPr lang="en-US" dirty="0"/>
+              <a:t>Based on </a:t>
+            </a:r>
+            <a:r>
+              <a:rPr lang="en-US" dirty="0" err="1"/>
+              <a:t>Graefe’s</a:t>
+            </a:r>
+            <a:r>
+              <a:rPr lang="en-US" dirty="0"/>
+              <a:t> earlier Exodus Optimizer</a:t>
+            </a:r>
+          </a:p>
+          <a:p>
+            <a:r>
+              <a:rPr lang="en-US" dirty="0"/>
+              <a:t>Cascades Framework (1995) (</a:t>
+            </a:r>
+            <a:r>
+              <a:rPr lang="en-US" dirty="0">
+                <a:hlinkClick r:id="rId3"/>
+              </a:rPr>
+              <a:t>PDF</a:t>
+            </a:r>
+            <a:r>
+              <a:rPr lang="en-US" dirty="0"/>
+              <a:t>)</a:t>
+            </a:r>
+          </a:p>
+          <a:p>
+            <a:pPr lvl="1"/>
+            <a:r>
+              <a:rPr lang="en-US" dirty="0"/>
+              <a:t>Goetz </a:t>
+            </a:r>
+            <a:r>
+              <a:rPr lang="en-US" dirty="0" err="1"/>
+              <a:t>Graefe</a:t>
+            </a:r>
+            <a:endParaRPr lang="en-US" dirty="0"/>
+          </a:p>
+          <a:p>
+            <a:pPr lvl="1"/>
+            <a:r>
+              <a:rPr lang="en-US" dirty="0"/>
+              <a:t>Refinement of the Volcano Optimizer</a:t>
+            </a:r>
+          </a:p>
+          <a:p>
+            <a:pPr lvl="1"/>
+            <a:r>
+              <a:rPr lang="en-US" dirty="0"/>
+              <a:t>Basis for rewritten optimizer in SQL Server 7.0</a:t>
+            </a:r>
+          </a:p>
+          <a:p>
+            <a:pPr lvl="1"/>
+            <a:r>
+              <a:rPr lang="en-US" dirty="0"/>
+              <a:t>Major innovation: the memo structure</a:t>
+            </a:r>
+          </a:p>
+        </p:txBody>
+      </p:sp>
+    </p:spTree>
+    <p:extLst>
+      <p:ext uri="{BB962C8B-B14F-4D97-AF65-F5344CB8AC3E}">
+        <p14:creationId xmlns:p14="http://schemas.microsoft.com/office/powerpoint/2010/main" val="4044722762"/>
+      </p:ext>
+    </p:extLst>
+  </p:cSld>
+  <p:clrMapOvr>
+    <a:masterClrMapping/>
+  </p:clrMapOvr>
+</p:sld>
+</file>
+
+<file path=ppt/slides/slide65.xml><?xml version="1.0" encoding="utf-8"?>
+<p:sld xmlns:a="http://schemas.openxmlformats.org/drawingml/2006/main" xmlns:r="http://schemas.openxmlformats.org/officeDocument/2006/relationships" xmlns:p="http://schemas.openxmlformats.org/presentationml/2006/main">
+  <p:cSld>
+    <p:spTree>
+      <p:nvGrpSpPr>
+        <p:cNvPr id="1" name=""/>
+        <p:cNvGrpSpPr/>
+        <p:nvPr/>
+      </p:nvGrpSpPr>
+      <p:grpSpPr>
+        <a:xfrm>
+          <a:off x="0" y="0"/>
+          <a:ext cx="0" cy="0"/>
+          <a:chOff x="0" y="0"/>
+          <a:chExt cx="0" cy="0"/>
+        </a:xfrm>
+      </p:grpSpPr>
+      <p:sp>
+        <p:nvSpPr>
+          <p:cNvPr id="2" name="Title 1"/>
+          <p:cNvSpPr>
+            <a:spLocks noGrp="1"/>
+          </p:cNvSpPr>
+          <p:nvPr>
+            <p:ph type="title"/>
+          </p:nvPr>
+        </p:nvSpPr>
+        <p:spPr/>
+        <p:txBody>
+          <a:bodyPr/>
+          <a:lstStyle/>
+          <a:p>
+            <a:r>
+              <a:rPr lang="en-US" dirty="0"/>
               <a:t>References</a:t>
             </a:r>
           </a:p>
@@ -44752,7 +44795,7 @@
 </p:sld>
 </file>
 
-<file path=ppt/slides/slide65.xml><?xml version="1.0" encoding="utf-8"?>
+<file path=ppt/slides/slide66.xml><?xml version="1.0" encoding="utf-8"?>
 <p:sld xmlns:a="http://schemas.openxmlformats.org/drawingml/2006/main" xmlns:r="http://schemas.openxmlformats.org/officeDocument/2006/relationships" xmlns:p="http://schemas.openxmlformats.org/presentationml/2006/main">
   <p:cSld>
     <p:spTree>

--- a/Optimizer.pptx
+++ b/Optimizer.pptx
@@ -273,7 +273,7 @@
           <a:p>
             <a:fld id="{2EDCB34D-5EC2-4739-9693-E425457AC201}" type="datetimeFigureOut">
               <a:rPr lang="en-US" smtClean="0"/>
-              <a:t>08/01/2016</a:t>
+              <a:t>8/11/2016</a:t>
             </a:fld>
             <a:endParaRPr lang="en-US"/>
           </a:p>
@@ -1581,31 +1581,31 @@
           <a:lstStyle/>
           <a:p>
             <a:r>
-              <a:rPr lang="en-US" dirty="0" smtClean="0"/>
+              <a:rPr lang="en-US" dirty="0"/>
               <a:t>Constant folding refers to pre-computing as much of an expression as possible, for example: 2 * pi() * radius</a:t>
             </a:r>
             <a:r>
-              <a:rPr lang="en-US" baseline="0" dirty="0" smtClean="0"/>
+              <a:rPr lang="en-US" baseline="0" dirty="0"/>
               <a:t> =&gt; 6.28319 * radius</a:t>
             </a:r>
-            <a:endParaRPr lang="en-US" dirty="0" smtClean="0"/>
-          </a:p>
-          <a:p>
-            <a:r>
-              <a:rPr lang="en-US" dirty="0" smtClean="0"/>
+            <a:endParaRPr lang="en-US" dirty="0"/>
+          </a:p>
+          <a:p>
+            <a:r>
+              <a:rPr lang="en-US" dirty="0"/>
               <a:t>As an</a:t>
             </a:r>
             <a:r>
-              <a:rPr lang="en-US" baseline="0" dirty="0" smtClean="0"/>
+              <a:rPr lang="en-US" baseline="0" dirty="0"/>
               <a:t> example, data type resolution with the UNION operator will ensure that data types between the upper expression are compatible with the lower expression.</a:t>
             </a:r>
           </a:p>
           <a:p>
             <a:r>
-              <a:rPr lang="en-US" baseline="0" dirty="0" smtClean="0"/>
+              <a:rPr lang="en-US" baseline="0" dirty="0"/>
               <a:t>Aggregate binding checks if invalid columns are referenced downstream of the GROUP BY logical processing step.</a:t>
             </a:r>
-            <a:endParaRPr lang="en-US" dirty="0" smtClean="0"/>
+            <a:endParaRPr lang="en-US" dirty="0"/>
           </a:p>
           <a:p>
             <a:endParaRPr lang="en-US" dirty="0"/>
@@ -3730,7 +3730,7 @@
             <a:fld id="{5942B21B-2ADA-A040-A652-A7305E1B99FE}" type="datetimeFigureOut">
               <a:rPr lang="en-US" smtClean="0"/>
               <a:pPr/>
-              <a:t>08/01/2016</a:t>
+              <a:t>8/11/2016</a:t>
             </a:fld>
             <a:endParaRPr lang="en-US" dirty="0"/>
           </a:p>
@@ -3920,7 +3920,7 @@
           <a:p>
             <a:fld id="{5942B21B-2ADA-A040-A652-A7305E1B99FE}" type="datetimeFigureOut">
               <a:rPr lang="en-US" smtClean="0"/>
-              <a:t>08/01/2016</a:t>
+              <a:t>8/11/2016</a:t>
             </a:fld>
             <a:endParaRPr lang="en-US"/>
           </a:p>
@@ -4044,7 +4044,7 @@
             <a:fld id="{5942B21B-2ADA-A040-A652-A7305E1B99FE}" type="datetimeFigureOut">
               <a:rPr lang="en-US" smtClean="0"/>
               <a:pPr/>
-              <a:t>08/01/2016</a:t>
+              <a:t>8/11/2016</a:t>
             </a:fld>
             <a:r>
               <a:rPr lang="en-US"/>
@@ -4315,7 +4315,7 @@
             <a:fld id="{5942B21B-2ADA-A040-A652-A7305E1B99FE}" type="datetimeFigureOut">
               <a:rPr lang="en-US" smtClean="0"/>
               <a:pPr/>
-              <a:t>08/01/2016</a:t>
+              <a:t>8/11/2016</a:t>
             </a:fld>
             <a:r>
               <a:rPr lang="en-US" dirty="0"/>
@@ -4585,7 +4585,7 @@
             <a:fld id="{5942B21B-2ADA-A040-A652-A7305E1B99FE}" type="datetimeFigureOut">
               <a:rPr lang="en-US" smtClean="0"/>
               <a:pPr/>
-              <a:t>08/01/2016</a:t>
+              <a:t>8/11/2016</a:t>
             </a:fld>
             <a:r>
               <a:rPr lang="en-US" dirty="0"/>
@@ -4925,7 +4925,7 @@
             <a:fld id="{5942B21B-2ADA-A040-A652-A7305E1B99FE}" type="datetimeFigureOut">
               <a:rPr lang="en-US" smtClean="0"/>
               <a:pPr/>
-              <a:t>08/01/2016</a:t>
+              <a:t>8/11/2016</a:t>
             </a:fld>
             <a:r>
               <a:rPr lang="en-US" dirty="0"/>
@@ -5266,7 +5266,7 @@
             <a:fld id="{5942B21B-2ADA-A040-A652-A7305E1B99FE}" type="datetimeFigureOut">
               <a:rPr lang="en-US" smtClean="0"/>
               <a:pPr/>
-              <a:t>08/01/2016</a:t>
+              <a:t>8/11/2016</a:t>
             </a:fld>
             <a:r>
               <a:rPr lang="en-US" dirty="0"/>
@@ -5781,7 +5781,7 @@
             <a:fld id="{5942B21B-2ADA-A040-A652-A7305E1B99FE}" type="datetimeFigureOut">
               <a:rPr lang="en-US" smtClean="0"/>
               <a:pPr/>
-              <a:t>08/01/2016</a:t>
+              <a:t>8/11/2016</a:t>
             </a:fld>
             <a:r>
               <a:rPr lang="en-US" dirty="0"/>
@@ -5990,7 +5990,7 @@
             <a:fld id="{5942B21B-2ADA-A040-A652-A7305E1B99FE}" type="datetimeFigureOut">
               <a:rPr lang="en-US" smtClean="0"/>
               <a:pPr/>
-              <a:t>08/01/2016</a:t>
+              <a:t>8/11/2016</a:t>
             </a:fld>
             <a:r>
               <a:rPr lang="en-US" dirty="0"/>
@@ -6177,7 +6177,7 @@
             <a:fld id="{5942B21B-2ADA-A040-A652-A7305E1B99FE}" type="datetimeFigureOut">
               <a:rPr lang="en-US" smtClean="0"/>
               <a:pPr/>
-              <a:t>08/01/2016</a:t>
+              <a:t>8/11/2016</a:t>
             </a:fld>
             <a:r>
               <a:rPr lang="en-US" dirty="0"/>
@@ -6508,7 +6508,7 @@
             <a:fld id="{5942B21B-2ADA-A040-A652-A7305E1B99FE}" type="datetimeFigureOut">
               <a:rPr lang="en-US" smtClean="0"/>
               <a:pPr/>
-              <a:t>08/01/2016</a:t>
+              <a:t>8/11/2016</a:t>
             </a:fld>
             <a:r>
               <a:rPr lang="en-US" dirty="0"/>
@@ -6816,7 +6816,7 @@
             <a:fld id="{5942B21B-2ADA-A040-A652-A7305E1B99FE}" type="datetimeFigureOut">
               <a:rPr lang="en-US" smtClean="0"/>
               <a:pPr/>
-              <a:t>08/01/2016</a:t>
+              <a:t>8/11/2016</a:t>
             </a:fld>
             <a:r>
               <a:rPr lang="en-US" dirty="0"/>
@@ -7095,7 +7095,7 @@
             <a:fld id="{5942B21B-2ADA-A040-A652-A7305E1B99FE}" type="datetimeFigureOut">
               <a:rPr lang="en-US" smtClean="0"/>
               <a:pPr/>
-              <a:t>08/01/2016</a:t>
+              <a:t>8/11/2016</a:t>
             </a:fld>
             <a:r>
               <a:rPr lang="en-US" dirty="0"/>
@@ -7692,20 +7692,8 @@
               <a:buNone/>
             </a:pPr>
             <a:r>
-              <a:rPr lang="en-US" dirty="0" smtClean="0"/>
-              <a:t>Oklahoma City, OK </a:t>
-            </a:r>
-            <a:r>
               <a:rPr lang="en-US" dirty="0"/>
-              <a:t>– </a:t>
-            </a:r>
-            <a:r>
-              <a:rPr lang="en-US" dirty="0" smtClean="0"/>
-              <a:t>August 27, </a:t>
-            </a:r>
-            <a:r>
-              <a:rPr lang="en-US" dirty="0"/>
-              <a:t>2016</a:t>
+              <a:t>Oklahoma City, OK – August 27, 2016</a:t>
             </a:r>
           </a:p>
         </p:txBody>
@@ -7801,6 +7789,9 @@
             <a:off x="457200" y="1600200"/>
             <a:ext cx="8229600" cy="603985"/>
           </a:xfrm>
+          <a:solidFill>
+            <a:schemeClr val="tx1"/>
+          </a:solidFill>
         </p:spPr>
         <p:txBody>
           <a:bodyPr/>
@@ -7810,7 +7801,11 @@
               <a:buNone/>
             </a:pPr>
             <a:r>
-              <a:rPr lang="en-US" dirty="0"/>
+              <a:rPr lang="en-US" b="1" dirty="0">
+                <a:solidFill>
+                  <a:schemeClr val="bg1"/>
+                </a:solidFill>
+              </a:rPr>
               <a:t>What is TF3604?</a:t>
             </a:r>
           </a:p>
@@ -7818,13 +7813,21 @@
             <a:pPr marL="0" indent="0">
               <a:buNone/>
             </a:pPr>
-            <a:endParaRPr lang="en-US" dirty="0"/>
+            <a:endParaRPr lang="en-US" b="1" dirty="0">
+              <a:solidFill>
+                <a:schemeClr val="bg1"/>
+              </a:solidFill>
+            </a:endParaRPr>
           </a:p>
           <a:p>
             <a:pPr marL="0" indent="0">
               <a:buNone/>
             </a:pPr>
-            <a:endParaRPr lang="en-US" dirty="0"/>
+            <a:endParaRPr lang="en-US" b="1" dirty="0">
+              <a:solidFill>
+                <a:schemeClr val="bg1"/>
+              </a:solidFill>
+            </a:endParaRPr>
           </a:p>
         </p:txBody>
       </p:sp>
@@ -7844,12 +7847,7 @@
           <a:prstGeom prst="rect">
             <a:avLst/>
           </a:prstGeom>
-          <a:solidFill>
-            <a:schemeClr val="accent5">
-              <a:lumMod val="20000"/>
-              <a:lumOff val="80000"/>
-            </a:schemeClr>
-          </a:solidFill>
+          <a:noFill/>
         </p:spPr>
         <p:txBody>
           <a:bodyPr vert="horz" lIns="91440" tIns="45720" rIns="91440" bIns="45720" rtlCol="0" anchor="ctr">
@@ -7993,9 +7991,9 @@
             </a:lvl9pPr>
           </a:lstStyle>
           <a:p>
-            <a:pPr marL="0" indent="0" algn="ctr">
-              <a:buFont typeface="Wingdings" charset="2"/>
-              <a:buNone/>
+            <a:pPr>
+              <a:buFont typeface="Courier New" panose="02070309020205020404" pitchFamily="49" charset="0"/>
+              <a:buChar char="o"/>
             </a:pPr>
             <a:r>
               <a:rPr lang="en-US" dirty="0"/>
@@ -8020,12 +8018,7 @@
           <a:prstGeom prst="rect">
             <a:avLst/>
           </a:prstGeom>
-          <a:solidFill>
-            <a:schemeClr val="accent5">
-              <a:lumMod val="20000"/>
-              <a:lumOff val="80000"/>
-            </a:schemeClr>
-          </a:solidFill>
+          <a:noFill/>
         </p:spPr>
         <p:txBody>
           <a:bodyPr vert="horz" lIns="91440" tIns="45720" rIns="91440" bIns="45720" rtlCol="0" anchor="ctr">
@@ -8169,9 +8162,9 @@
             </a:lvl9pPr>
           </a:lstStyle>
           <a:p>
-            <a:pPr marL="0" indent="0" algn="ctr">
-              <a:buFont typeface="Wingdings" charset="2"/>
-              <a:buNone/>
+            <a:pPr>
+              <a:buFont typeface="Courier New" panose="02070309020205020404" pitchFamily="49" charset="0"/>
+              <a:buChar char="o"/>
             </a:pPr>
             <a:r>
               <a:rPr lang="en-US" dirty="0"/>
@@ -8196,12 +8189,7 @@
           <a:prstGeom prst="rect">
             <a:avLst/>
           </a:prstGeom>
-          <a:solidFill>
-            <a:schemeClr val="accent5">
-              <a:lumMod val="20000"/>
-              <a:lumOff val="80000"/>
-            </a:schemeClr>
-          </a:solidFill>
+          <a:noFill/>
         </p:spPr>
         <p:txBody>
           <a:bodyPr vert="horz" lIns="91440" tIns="45720" rIns="91440" bIns="45720" rtlCol="0" anchor="ctr">
@@ -8345,9 +8333,9 @@
             </a:lvl9pPr>
           </a:lstStyle>
           <a:p>
-            <a:pPr marL="0" indent="0" algn="ctr">
-              <a:buFont typeface="Wingdings" charset="2"/>
-              <a:buNone/>
+            <a:pPr>
+              <a:buFont typeface="Courier New" panose="02070309020205020404" pitchFamily="49" charset="0"/>
+              <a:buChar char="o"/>
             </a:pPr>
             <a:r>
               <a:rPr lang="en-US" dirty="0"/>
@@ -8435,31 +8423,19 @@
           <a:p>
             <a:r>
               <a:rPr lang="en-US" dirty="0"/>
-              <a:t>Defines the sequence in which SQL elements are logically </a:t>
-            </a:r>
-            <a:r>
-              <a:rPr lang="en-US" dirty="0" smtClean="0"/>
-              <a:t>processed</a:t>
-            </a:r>
-          </a:p>
-          <a:p>
-            <a:r>
-              <a:rPr lang="en-US" dirty="0" smtClean="0"/>
-              <a:t>Forms </a:t>
-            </a:r>
+              <a:t>Defines the sequence in which SQL elements are logically processed</a:t>
+            </a:r>
+          </a:p>
+          <a:p>
             <a:r>
               <a:rPr lang="en-US" dirty="0"/>
-              <a:t>the starting basis for parsing the submitted query</a:t>
+              <a:t>Forms the starting basis for parsing the submitted query</a:t>
             </a:r>
           </a:p>
           <a:p>
             <a:r>
               <a:rPr lang="en-US" dirty="0"/>
-              <a:t>Usually discussed from the perspective of a SELECT query; similar for UPDATE / DELETE / INSERT / </a:t>
-            </a:r>
-            <a:r>
-              <a:rPr lang="en-US" dirty="0" smtClean="0"/>
-              <a:t>MERGE</a:t>
+              <a:t>Usually discussed from the perspective of a SELECT query; similar for UPDATE / DELETE / INSERT / MERGE</a:t>
             </a:r>
           </a:p>
           <a:p>
@@ -8472,13 +8448,8 @@
             <a:pPr lvl="1"/>
             <a:r>
               <a:rPr lang="en-US" dirty="0"/>
-              <a:t>“What” vs “How</a:t>
-            </a:r>
-            <a:r>
-              <a:rPr lang="en-US" dirty="0" smtClean="0"/>
-              <a:t>”</a:t>
-            </a:r>
-            <a:endParaRPr lang="en-US" dirty="0"/>
+              <a:t>“What” vs “How”</a:t>
+            </a:r>
           </a:p>
         </p:txBody>
       </p:sp>
@@ -8492,13 +8463,6 @@
   <p:clrMapOvr>
     <a:masterClrMapping/>
   </p:clrMapOvr>
-  <p:timing>
-    <p:tnLst>
-      <p:par>
-        <p:cTn id="1" dur="indefinite" restart="never" nodeType="tmRoot"/>
-      </p:par>
-    </p:tnLst>
-  </p:timing>
 </p:sld>
 </file>
 
@@ -8674,29 +8638,29 @@
           <a:lstStyle/>
           <a:p>
             <a:r>
-              <a:rPr lang="en-US" dirty="0" smtClean="0"/>
+              <a:rPr lang="en-US" dirty="0"/>
               <a:t>For more details, see </a:t>
             </a:r>
             <a:r>
-              <a:rPr lang="en-US" dirty="0" smtClean="0">
+              <a:rPr lang="en-US" dirty="0">
                 <a:hlinkClick r:id="rId2"/>
               </a:rPr>
               <a:t>this </a:t>
             </a:r>
             <a:r>
-              <a:rPr lang="en-US" dirty="0" smtClean="0"/>
+              <a:rPr lang="en-US" dirty="0"/>
               <a:t>and subsequent articles from </a:t>
             </a:r>
             <a:r>
-              <a:rPr lang="en-US" dirty="0" err="1" smtClean="0"/>
+              <a:rPr lang="en-US" dirty="0" err="1"/>
               <a:t>Itzik</a:t>
             </a:r>
             <a:r>
-              <a:rPr lang="en-US" dirty="0" smtClean="0"/>
+              <a:rPr lang="en-US" dirty="0"/>
               <a:t> Ben-</a:t>
             </a:r>
             <a:r>
-              <a:rPr lang="en-US" dirty="0" err="1" smtClean="0"/>
+              <a:rPr lang="en-US" dirty="0" err="1"/>
               <a:t>Gan</a:t>
             </a:r>
             <a:endParaRPr lang="en-US" dirty="0"/>
@@ -8713,13 +8677,6 @@
   <p:clrMapOvr>
     <a:masterClrMapping/>
   </p:clrMapOvr>
-  <p:timing>
-    <p:tnLst>
-      <p:par>
-        <p:cTn id="1" dur="indefinite" restart="never" nodeType="tmRoot"/>
-      </p:par>
-    </p:tnLst>
-  </p:timing>
 </p:sld>
 </file>
 
@@ -9579,7 +9536,7 @@
               <a:t> </a:t>
             </a:r>
             <a:r>
-              <a:rPr lang="en-US" dirty="0" smtClean="0">
+              <a:rPr lang="en-US" dirty="0">
                 <a:solidFill>
                   <a:srgbClr val="FF0000"/>
                 </a:solidFill>
@@ -9927,21 +9884,21 @@
                 <a:gridCol w="2764301">
                   <a:extLst>
                     <a:ext uri="{9D8B030D-6E8A-4147-A177-3AD203B41FA5}">
-                      <a16:colId xmlns:a16="http://schemas.microsoft.com/office/drawing/2014/main" xmlns="" val="234227049"/>
+                      <a16:colId xmlns:a16="http://schemas.microsoft.com/office/drawing/2014/main" val="234227049"/>
                     </a:ext>
                   </a:extLst>
                 </a:gridCol>
                 <a:gridCol w="2764301">
                   <a:extLst>
                     <a:ext uri="{9D8B030D-6E8A-4147-A177-3AD203B41FA5}">
-                      <a16:colId xmlns:a16="http://schemas.microsoft.com/office/drawing/2014/main" xmlns="" val="4053135350"/>
+                      <a16:colId xmlns:a16="http://schemas.microsoft.com/office/drawing/2014/main" val="4053135350"/>
                     </a:ext>
                   </a:extLst>
                 </a:gridCol>
                 <a:gridCol w="2764301">
                   <a:extLst>
                     <a:ext uri="{9D8B030D-6E8A-4147-A177-3AD203B41FA5}">
-                      <a16:colId xmlns:a16="http://schemas.microsoft.com/office/drawing/2014/main" xmlns="" val="672378647"/>
+                      <a16:colId xmlns:a16="http://schemas.microsoft.com/office/drawing/2014/main" val="672378647"/>
                     </a:ext>
                   </a:extLst>
                 </a:gridCol>
@@ -9991,7 +9948,7 @@
                 </a:tc>
                 <a:extLst>
                   <a:ext uri="{0D108BD9-81ED-4DB2-BD59-A6C34878D82A}">
-                    <a16:rowId xmlns:a16="http://schemas.microsoft.com/office/drawing/2014/main" xmlns="" val="2843053056"/>
+                    <a16:rowId xmlns:a16="http://schemas.microsoft.com/office/drawing/2014/main" val="2843053056"/>
                   </a:ext>
                 </a:extLst>
               </a:tr>
@@ -10041,7 +9998,7 @@
                 </a:tc>
                 <a:extLst>
                   <a:ext uri="{0D108BD9-81ED-4DB2-BD59-A6C34878D82A}">
-                    <a16:rowId xmlns:a16="http://schemas.microsoft.com/office/drawing/2014/main" xmlns="" val="3055328934"/>
+                    <a16:rowId xmlns:a16="http://schemas.microsoft.com/office/drawing/2014/main" val="3055328934"/>
                   </a:ext>
                 </a:extLst>
               </a:tr>
@@ -10091,7 +10048,7 @@
                 </a:tc>
                 <a:extLst>
                   <a:ext uri="{0D108BD9-81ED-4DB2-BD59-A6C34878D82A}">
-                    <a16:rowId xmlns:a16="http://schemas.microsoft.com/office/drawing/2014/main" xmlns="" val="1144851549"/>
+                    <a16:rowId xmlns:a16="http://schemas.microsoft.com/office/drawing/2014/main" val="1144851549"/>
                   </a:ext>
                 </a:extLst>
               </a:tr>
@@ -10140,7 +10097,7 @@
                 </a:tc>
                 <a:extLst>
                   <a:ext uri="{0D108BD9-81ED-4DB2-BD59-A6C34878D82A}">
-                    <a16:rowId xmlns:a16="http://schemas.microsoft.com/office/drawing/2014/main" xmlns="" val="4258932578"/>
+                    <a16:rowId xmlns:a16="http://schemas.microsoft.com/office/drawing/2014/main" val="4258932578"/>
                   </a:ext>
                 </a:extLst>
               </a:tr>
@@ -10158,14 +10115,6 @@
   <p:clrMapOvr>
     <a:masterClrMapping/>
   </p:clrMapOvr>
-  <mc:AlternateContent xmlns:mc="http://schemas.openxmlformats.org/markup-compatibility/2006" xmlns:p14="http://schemas.microsoft.com/office/powerpoint/2010/main">
-    <mc:Choice Requires="p14">
-      <p:transition spd="slow" p14:dur="2000"/>
-    </mc:Choice>
-    <mc:Fallback xmlns="">
-      <p:transition spd="slow"/>
-    </mc:Fallback>
-  </mc:AlternateContent>
 </p:sld>
 </file>
 
@@ -11086,7 +11035,7 @@
               <a:t> </a:t>
             </a:r>
             <a:r>
-              <a:rPr lang="en-US" dirty="0" smtClean="0">
+              <a:rPr lang="en-US" dirty="0">
                 <a:solidFill>
                   <a:srgbClr val="FF0000"/>
                 </a:solidFill>
@@ -11494,14 +11443,6 @@
   <p:clrMapOvr>
     <a:masterClrMapping/>
   </p:clrMapOvr>
-  <mc:AlternateContent xmlns:mc="http://schemas.openxmlformats.org/markup-compatibility/2006" xmlns:p14="http://schemas.microsoft.com/office/powerpoint/2010/main">
-    <mc:Choice Requires="p14">
-      <p:transition spd="slow" p14:dur="2000"/>
-    </mc:Choice>
-    <mc:Fallback xmlns="">
-      <p:transition spd="slow"/>
-    </mc:Fallback>
-  </mc:AlternateContent>
 </p:sld>
 </file>
 
@@ -12333,7 +12274,7 @@
               <a:t> </a:t>
             </a:r>
             <a:r>
-              <a:rPr lang="en-US" dirty="0" smtClean="0">
+              <a:rPr lang="en-US" dirty="0">
                 <a:solidFill>
                   <a:srgbClr val="FF0000"/>
                 </a:solidFill>
@@ -12722,14 +12663,6 @@
   <p:clrMapOvr>
     <a:masterClrMapping/>
   </p:clrMapOvr>
-  <mc:AlternateContent xmlns:mc="http://schemas.openxmlformats.org/markup-compatibility/2006" xmlns:p14="http://schemas.microsoft.com/office/powerpoint/2010/main">
-    <mc:Choice Requires="p14">
-      <p:transition spd="slow" p14:dur="2000"/>
-    </mc:Choice>
-    <mc:Fallback xmlns="">
-      <p:transition spd="slow"/>
-    </mc:Fallback>
-  </mc:AlternateContent>
 </p:sld>
 </file>
 
@@ -13539,7 +13472,7 @@
               <a:t> </a:t>
             </a:r>
             <a:r>
-              <a:rPr lang="en-US" dirty="0" smtClean="0">
+              <a:rPr lang="en-US" dirty="0">
                 <a:solidFill>
                   <a:srgbClr val="FF0000"/>
                 </a:solidFill>
@@ -13926,13 +13859,8 @@
             </a:pPr>
             <a:r>
               <a:rPr lang="en-US" sz="3000" dirty="0"/>
-              <a:t>This is result table </a:t>
-            </a:r>
-            <a:r>
-              <a:rPr lang="en-US" sz="3000" dirty="0" smtClean="0"/>
-              <a:t>R3</a:t>
-            </a:r>
-            <a:endParaRPr lang="en-US" sz="3000" dirty="0"/>
+              <a:t>This is result table R3</a:t>
+            </a:r>
           </a:p>
         </p:txBody>
       </p:sp>
@@ -13946,14 +13874,6 @@
   <p:clrMapOvr>
     <a:masterClrMapping/>
   </p:clrMapOvr>
-  <mc:AlternateContent xmlns:mc="http://schemas.openxmlformats.org/markup-compatibility/2006" xmlns:p14="http://schemas.microsoft.com/office/powerpoint/2010/main">
-    <mc:Choice Requires="p14">
-      <p:transition spd="slow" p14:dur="2000"/>
-    </mc:Choice>
-    <mc:Fallback xmlns="">
-      <p:transition spd="slow"/>
-    </mc:Fallback>
-  </mc:AlternateContent>
 </p:sld>
 </file>
 
@@ -14763,7 +14683,7 @@
               <a:t> </a:t>
             </a:r>
             <a:r>
-              <a:rPr lang="en-US" dirty="0" smtClean="0">
+              <a:rPr lang="en-US" dirty="0">
                 <a:solidFill>
                   <a:srgbClr val="FF0000"/>
                 </a:solidFill>
@@ -15165,21 +15085,6 @@
   <p:clrMapOvr>
     <a:masterClrMapping/>
   </p:clrMapOvr>
-  <mc:AlternateContent xmlns:mc="http://schemas.openxmlformats.org/markup-compatibility/2006" xmlns:p14="http://schemas.microsoft.com/office/powerpoint/2010/main">
-    <mc:Choice Requires="p14">
-      <p:transition spd="slow" p14:dur="2000"/>
-    </mc:Choice>
-    <mc:Fallback xmlns="">
-      <p:transition spd="slow"/>
-    </mc:Fallback>
-  </mc:AlternateContent>
-  <p:timing>
-    <p:tnLst>
-      <p:par>
-        <p:cTn id="1" dur="indefinite" restart="never" nodeType="tmRoot"/>
-      </p:par>
-    </p:tnLst>
-  </p:timing>
 </p:sld>
 </file>
 
@@ -15999,33 +15904,8 @@
                 <a:ea typeface="Calibri" panose="020F0502020204030204" pitchFamily="34" charset="0"/>
                 <a:cs typeface="Times New Roman" panose="02020603050405020304" pitchFamily="18" charset="0"/>
               </a:rPr>
-              <a:t> = </a:t>
-            </a:r>
-            <a:r>
-              <a:rPr lang="en-US" dirty="0" smtClean="0">
-                <a:solidFill>
-                  <a:srgbClr val="008080"/>
-                </a:solidFill>
-                <a:highlight>
-                  <a:srgbClr val="FFFF00"/>
-                </a:highlight>
-                <a:latin typeface="Consolas" panose="020B0609020204030204" pitchFamily="49" charset="0"/>
-                <a:ea typeface="Calibri" panose="020F0502020204030204" pitchFamily="34" charset="0"/>
-                <a:cs typeface="Times New Roman" panose="02020603050405020304" pitchFamily="18" charset="0"/>
-              </a:rPr>
-              <a:t>'OK'</a:t>
-            </a:r>
-            <a:endParaRPr lang="en-US" dirty="0">
-              <a:solidFill>
-                <a:srgbClr val="008080"/>
-              </a:solidFill>
-              <a:highlight>
-                <a:srgbClr val="FFFF00"/>
-              </a:highlight>
-              <a:latin typeface="Consolas" panose="020B0609020204030204" pitchFamily="49" charset="0"/>
-              <a:ea typeface="Calibri" panose="020F0502020204030204" pitchFamily="34" charset="0"/>
-              <a:cs typeface="Times New Roman" panose="02020603050405020304" pitchFamily="18" charset="0"/>
-            </a:endParaRPr>
+              <a:t> = 'OK'</a:t>
+            </a:r>
           </a:p>
           <a:p>
             <a:pPr>
@@ -16365,13 +16245,8 @@
             </a:pPr>
             <a:r>
               <a:rPr lang="en-US" sz="3000" dirty="0"/>
-              <a:t>Find rows in R4 where State = </a:t>
-            </a:r>
-            <a:r>
-              <a:rPr lang="en-US" sz="3000" dirty="0" smtClean="0"/>
-              <a:t>‘OK’</a:t>
-            </a:r>
-            <a:endParaRPr lang="en-US" sz="3000" dirty="0"/>
+              <a:t>Find rows in R4 where State = ‘OK’</a:t>
+            </a:r>
           </a:p>
           <a:p>
             <a:pPr marL="457200" indent="-457200">
@@ -16380,23 +16255,7 @@
             </a:pPr>
             <a:r>
               <a:rPr lang="en-US" sz="3000" dirty="0"/>
-              <a:t>Result is </a:t>
-            </a:r>
-            <a:r>
-              <a:rPr lang="en-US" sz="3000" dirty="0" smtClean="0"/>
-              <a:t>8,612 </a:t>
-            </a:r>
-            <a:r>
-              <a:rPr lang="en-US" sz="3000" dirty="0"/>
-              <a:t>rows / </a:t>
-            </a:r>
-            <a:r>
-              <a:rPr lang="en-US" sz="3000" dirty="0" smtClean="0"/>
-              <a:t>14 </a:t>
-            </a:r>
-            <a:r>
-              <a:rPr lang="en-US" sz="3000" dirty="0"/>
-              <a:t>columns</a:t>
+              <a:t>Result is 8,612 rows / 14 columns</a:t>
             </a:r>
           </a:p>
           <a:p>
@@ -16421,21 +16280,6 @@
   <p:clrMapOvr>
     <a:masterClrMapping/>
   </p:clrMapOvr>
-  <mc:AlternateContent xmlns:mc="http://schemas.openxmlformats.org/markup-compatibility/2006" xmlns:p14="http://schemas.microsoft.com/office/powerpoint/2010/main">
-    <mc:Choice Requires="p14">
-      <p:transition spd="slow" p14:dur="2000"/>
-    </mc:Choice>
-    <mc:Fallback xmlns="">
-      <p:transition spd="slow"/>
-    </mc:Fallback>
-  </mc:AlternateContent>
-  <p:timing>
-    <p:tnLst>
-      <p:par>
-        <p:cTn id="1" dur="indefinite" restart="never" nodeType="tmRoot"/>
-      </p:par>
-    </p:tnLst>
-  </p:timing>
 </p:sld>
 </file>
 
@@ -17295,7 +17139,7 @@
               <a:t> </a:t>
             </a:r>
             <a:r>
-              <a:rPr lang="en-US" dirty="0" smtClean="0">
+              <a:rPr lang="en-US" dirty="0">
                 <a:solidFill>
                   <a:srgbClr val="FF0000"/>
                 </a:solidFill>
@@ -17637,15 +17481,7 @@
             </a:pPr>
             <a:r>
               <a:rPr lang="en-US" sz="3000" dirty="0"/>
-              <a:t>Result is </a:t>
-            </a:r>
-            <a:r>
-              <a:rPr lang="en-US" sz="3000" dirty="0" smtClean="0"/>
-              <a:t>4,409 </a:t>
-            </a:r>
-            <a:r>
-              <a:rPr lang="en-US" sz="3000" dirty="0"/>
-              <a:t>rows / 2 columns</a:t>
+              <a:t>Result is 4,409 rows / 2 columns</a:t>
             </a:r>
           </a:p>
           <a:p>
@@ -17692,21 +17528,6 @@
   <p:clrMapOvr>
     <a:masterClrMapping/>
   </p:clrMapOvr>
-  <mc:AlternateContent xmlns:mc="http://schemas.openxmlformats.org/markup-compatibility/2006" xmlns:p14="http://schemas.microsoft.com/office/powerpoint/2010/main">
-    <mc:Choice Requires="p14">
-      <p:transition spd="slow" p14:dur="2000"/>
-    </mc:Choice>
-    <mc:Fallback xmlns="">
-      <p:transition spd="slow"/>
-    </mc:Fallback>
-  </mc:AlternateContent>
-  <p:timing>
-    <p:tnLst>
-      <p:par>
-        <p:cTn id="1" dur="indefinite" restart="never" nodeType="tmRoot"/>
-      </p:par>
-    </p:tnLst>
-  </p:timing>
 </p:sld>
 </file>
 
@@ -17926,20 +17747,8 @@
               <a:buNone/>
             </a:pPr>
             <a:r>
-              <a:rPr lang="en-US" dirty="0" smtClean="0"/>
-              <a:t>Oklahoma City, OK </a:t>
-            </a:r>
-            <a:r>
               <a:rPr lang="en-US" dirty="0"/>
-              <a:t>– </a:t>
-            </a:r>
-            <a:r>
-              <a:rPr lang="en-US" dirty="0" smtClean="0"/>
-              <a:t>August 27, </a:t>
-            </a:r>
-            <a:r>
-              <a:rPr lang="en-US" dirty="0"/>
-              <a:t>2016</a:t>
+              <a:t>Oklahoma City, OK – August 27, 2016</a:t>
             </a:r>
           </a:p>
         </p:txBody>
@@ -17954,14 +17763,6 @@
   <p:clrMapOvr>
     <a:masterClrMapping/>
   </p:clrMapOvr>
-  <mc:AlternateContent xmlns:mc="http://schemas.openxmlformats.org/markup-compatibility/2006" xmlns:p14="http://schemas.microsoft.com/office/powerpoint/2010/main">
-    <mc:Choice Requires="p14">
-      <p:transition spd="slow" p14:dur="2000"/>
-    </mc:Choice>
-    <mc:Fallback xmlns="">
-      <p:transition spd="slow"/>
-    </mc:Fallback>
-  </mc:AlternateContent>
 </p:sld>
 </file>
 
@@ -18821,7 +18622,7 @@
               <a:t> </a:t>
             </a:r>
             <a:r>
-              <a:rPr lang="en-US" dirty="0" smtClean="0">
+              <a:rPr lang="en-US" dirty="0">
                 <a:solidFill>
                   <a:srgbClr val="FF0000"/>
                 </a:solidFill>
@@ -19110,15 +18911,7 @@
             </a:pPr>
             <a:r>
               <a:rPr lang="en-US" sz="3000" dirty="0"/>
-              <a:t>Result is </a:t>
-            </a:r>
-            <a:r>
-              <a:rPr lang="en-US" sz="3000" dirty="0" smtClean="0"/>
-              <a:t>39 </a:t>
-            </a:r>
-            <a:r>
-              <a:rPr lang="en-US" sz="3000" dirty="0"/>
-              <a:t>rows / 2 columns</a:t>
+              <a:t>Result is 39 rows / 2 columns</a:t>
             </a:r>
           </a:p>
           <a:p>
@@ -19144,14 +18937,6 @@
   <p:clrMapOvr>
     <a:masterClrMapping/>
   </p:clrMapOvr>
-  <mc:AlternateContent xmlns:mc="http://schemas.openxmlformats.org/markup-compatibility/2006" xmlns:p14="http://schemas.microsoft.com/office/powerpoint/2010/main">
-    <mc:Choice Requires="p14">
-      <p:transition spd="slow" p14:dur="2000"/>
-    </mc:Choice>
-    <mc:Fallback xmlns="">
-      <p:transition spd="slow"/>
-    </mc:Fallback>
-  </mc:AlternateContent>
 </p:sld>
 </file>
 
@@ -19934,7 +19719,7 @@
               <a:t> </a:t>
             </a:r>
             <a:r>
-              <a:rPr lang="en-US" dirty="0" smtClean="0">
+              <a:rPr lang="en-US" dirty="0">
                 <a:solidFill>
                   <a:srgbClr val="FF0000"/>
                 </a:solidFill>
@@ -20346,15 +20131,7 @@
             </a:pPr>
             <a:r>
               <a:rPr lang="en-US" sz="3000" dirty="0"/>
-              <a:t>Result is </a:t>
-            </a:r>
-            <a:r>
-              <a:rPr lang="en-US" sz="3000" dirty="0" smtClean="0"/>
-              <a:t>39 </a:t>
-            </a:r>
-            <a:r>
-              <a:rPr lang="en-US" sz="3000" dirty="0"/>
-              <a:t>rows / 2 columns</a:t>
+              <a:t>Result is 39 rows / 2 columns</a:t>
             </a:r>
           </a:p>
           <a:p>
@@ -20380,14 +20157,6 @@
   <p:clrMapOvr>
     <a:masterClrMapping/>
   </p:clrMapOvr>
-  <mc:AlternateContent xmlns:mc="http://schemas.openxmlformats.org/markup-compatibility/2006" xmlns:p14="http://schemas.microsoft.com/office/powerpoint/2010/main">
-    <mc:Choice Requires="p14">
-      <p:transition spd="slow" p14:dur="2000"/>
-    </mc:Choice>
-    <mc:Fallback xmlns="">
-      <p:transition spd="slow"/>
-    </mc:Fallback>
-  </mc:AlternateContent>
 </p:sld>
 </file>
 
@@ -21247,7 +21016,7 @@
               <a:t> </a:t>
             </a:r>
             <a:r>
-              <a:rPr lang="en-US" dirty="0" smtClean="0">
+              <a:rPr lang="en-US" dirty="0">
                 <a:solidFill>
                   <a:srgbClr val="FF0000"/>
                 </a:solidFill>
@@ -21573,15 +21342,7 @@
             </a:pPr>
             <a:r>
               <a:rPr lang="en-US" sz="3000" dirty="0"/>
-              <a:t>Result is </a:t>
-            </a:r>
-            <a:r>
-              <a:rPr lang="en-US" sz="3000" dirty="0" smtClean="0"/>
-              <a:t>5 </a:t>
-            </a:r>
-            <a:r>
-              <a:rPr lang="en-US" sz="3000" dirty="0"/>
-              <a:t>rows / 2 columns</a:t>
+              <a:t>Result is 5 rows / 2 columns</a:t>
             </a:r>
           </a:p>
           <a:p>
@@ -21607,14 +21368,6 @@
   <p:clrMapOvr>
     <a:masterClrMapping/>
   </p:clrMapOvr>
-  <mc:AlternateContent xmlns:mc="http://schemas.openxmlformats.org/markup-compatibility/2006" xmlns:p14="http://schemas.microsoft.com/office/powerpoint/2010/main">
-    <mc:Choice Requires="p14">
-      <p:transition spd="slow" p14:dur="2000"/>
-    </mc:Choice>
-    <mc:Fallback xmlns="">
-      <p:transition spd="slow"/>
-    </mc:Fallback>
-  </mc:AlternateContent>
 </p:sld>
 </file>
 
@@ -22477,7 +22230,7 @@
               <a:t> </a:t>
             </a:r>
             <a:r>
-              <a:rPr lang="en-US" dirty="0" smtClean="0">
+              <a:rPr lang="en-US" dirty="0">
                 <a:solidFill>
                   <a:srgbClr val="FF0000"/>
                 </a:solidFill>
@@ -22887,14 +22640,6 @@
   <p:clrMapOvr>
     <a:masterClrMapping/>
   </p:clrMapOvr>
-  <mc:AlternateContent xmlns:mc="http://schemas.openxmlformats.org/markup-compatibility/2006" xmlns:p14="http://schemas.microsoft.com/office/powerpoint/2010/main">
-    <mc:Choice Requires="p14">
-      <p:transition spd="slow" p14:dur="2000"/>
-    </mc:Choice>
-    <mc:Fallback xmlns="">
-      <p:transition spd="slow"/>
-    </mc:Fallback>
-  </mc:AlternateContent>
 </p:sld>
 </file>
 
@@ -22933,10 +22678,9 @@
           <a:lstStyle/>
           <a:p>
             <a:r>
-              <a:rPr lang="en-US" dirty="0" smtClean="0"/>
+              <a:rPr lang="en-US" dirty="0"/>
               <a:t>How SQL Server Sees the Query</a:t>
             </a:r>
-            <a:endParaRPr lang="en-US" dirty="0"/>
           </a:p>
         </p:txBody>
       </p:sp>
@@ -22967,7 +22711,7 @@
               </a:lnSpc>
             </a:pPr>
             <a:r>
-              <a:rPr lang="en-US" dirty="0" smtClean="0">
+              <a:rPr lang="en-US" dirty="0">
                 <a:solidFill>
                   <a:srgbClr val="0000FF"/>
                 </a:solidFill>
@@ -22978,7 +22722,7 @@
               <a:t>from</a:t>
             </a:r>
             <a:r>
-              <a:rPr lang="en-US" dirty="0" smtClean="0">
+              <a:rPr lang="en-US" dirty="0">
                 <a:latin typeface="Consolas" panose="020B0609020204030204" pitchFamily="49" charset="0"/>
                 <a:ea typeface="Calibri" panose="020F0502020204030204" pitchFamily="34" charset="0"/>
                 <a:cs typeface="Times New Roman" panose="02020603050405020304" pitchFamily="18" charset="0"/>
@@ -23129,7 +22873,7 @@
               <a:t> </a:t>
             </a:r>
             <a:r>
-              <a:rPr lang="en-US" dirty="0" smtClean="0">
+              <a:rPr lang="en-US" dirty="0">
                 <a:solidFill>
                   <a:srgbClr val="008080"/>
                 </a:solidFill>
@@ -23152,7 +22896,7 @@
               </a:lnSpc>
             </a:pPr>
             <a:r>
-              <a:rPr lang="en-US" dirty="0" smtClean="0">
+              <a:rPr lang="en-US" dirty="0">
                 <a:solidFill>
                   <a:srgbClr val="808080"/>
                 </a:solidFill>
@@ -23163,7 +22907,7 @@
               <a:t>inner</a:t>
             </a:r>
             <a:r>
-              <a:rPr lang="en-US" dirty="0" smtClean="0">
+              <a:rPr lang="en-US" dirty="0">
                 <a:latin typeface="Consolas" panose="020B0609020204030204" pitchFamily="49" charset="0"/>
                 <a:ea typeface="Calibri" panose="020F0502020204030204" pitchFamily="34" charset="0"/>
                 <a:cs typeface="Times New Roman" panose="02020603050405020304" pitchFamily="18" charset="0"/>
@@ -23231,7 +22975,7 @@
               <a:t> </a:t>
             </a:r>
             <a:r>
-              <a:rPr lang="en-US" dirty="0" err="1" smtClean="0">
+              <a:rPr lang="en-US" dirty="0" err="1">
                 <a:solidFill>
                   <a:srgbClr val="008080"/>
                 </a:solidFill>
@@ -23378,7 +23122,7 @@
               </a:lnSpc>
             </a:pPr>
             <a:r>
-              <a:rPr lang="en-US" dirty="0" smtClean="0">
+              <a:rPr lang="en-US" dirty="0">
                 <a:solidFill>
                   <a:srgbClr val="0000FF"/>
                 </a:solidFill>
@@ -23389,7 +23133,7 @@
               <a:t>on</a:t>
             </a:r>
             <a:r>
-              <a:rPr lang="en-US" dirty="0" smtClean="0">
+              <a:rPr lang="en-US" dirty="0">
                 <a:latin typeface="Consolas" panose="020B0609020204030204" pitchFamily="49" charset="0"/>
                 <a:ea typeface="Calibri" panose="020F0502020204030204" pitchFamily="34" charset="0"/>
                 <a:cs typeface="Times New Roman" panose="02020603050405020304" pitchFamily="18" charset="0"/>
@@ -23581,7 +23325,7 @@
               <a:t> </a:t>
             </a:r>
             <a:r>
-              <a:rPr lang="en-US" dirty="0" smtClean="0">
+              <a:rPr lang="en-US" dirty="0">
                 <a:solidFill>
                   <a:srgbClr val="FF0000"/>
                 </a:solidFill>
@@ -23830,7 +23574,7 @@
               <a:t> </a:t>
             </a:r>
             <a:r>
-              <a:rPr lang="en-US" dirty="0" err="1" smtClean="0">
+              <a:rPr lang="en-US" dirty="0" err="1">
                 <a:solidFill>
                   <a:srgbClr val="008080"/>
                 </a:solidFill>
@@ -23841,7 +23585,7 @@
               <a:t>od</a:t>
             </a:r>
             <a:r>
-              <a:rPr lang="en-US" dirty="0" err="1" smtClean="0">
+              <a:rPr lang="en-US" dirty="0" err="1">
                 <a:solidFill>
                   <a:srgbClr val="808080"/>
                 </a:solidFill>
@@ -23852,7 +23596,7 @@
               <a:t>.</a:t>
             </a:r>
             <a:r>
-              <a:rPr lang="en-US" dirty="0" err="1" smtClean="0">
+              <a:rPr lang="en-US" dirty="0" err="1">
                 <a:solidFill>
                   <a:srgbClr val="008080"/>
                 </a:solidFill>
@@ -23998,7 +23742,7 @@
               </a:lnSpc>
             </a:pPr>
             <a:r>
-              <a:rPr lang="en-US" dirty="0" smtClean="0">
+              <a:rPr lang="en-US" dirty="0">
                 <a:solidFill>
                   <a:srgbClr val="0000FF"/>
                 </a:solidFill>
@@ -24009,7 +23753,7 @@
               <a:t>order</a:t>
             </a:r>
             <a:r>
-              <a:rPr lang="en-US" dirty="0" smtClean="0">
+              <a:rPr lang="en-US" dirty="0">
                 <a:latin typeface="Consolas" panose="020B0609020204030204" pitchFamily="49" charset="0"/>
                 <a:ea typeface="Calibri" panose="020F0502020204030204" pitchFamily="34" charset="0"/>
                 <a:cs typeface="Times New Roman" panose="02020603050405020304" pitchFamily="18" charset="0"/>
@@ -24036,7 +23780,7 @@
               <a:t> </a:t>
             </a:r>
             <a:r>
-              <a:rPr lang="en-US" dirty="0" err="1" smtClean="0">
+              <a:rPr lang="en-US" dirty="0" err="1">
                 <a:solidFill>
                   <a:srgbClr val="008080"/>
                 </a:solidFill>
@@ -24047,7 +23791,7 @@
               <a:t>od</a:t>
             </a:r>
             <a:r>
-              <a:rPr lang="en-US" dirty="0" err="1" smtClean="0">
+              <a:rPr lang="en-US" dirty="0" err="1">
                 <a:solidFill>
                   <a:srgbClr val="808080"/>
                 </a:solidFill>
@@ -24058,7 +23802,7 @@
               <a:t>.</a:t>
             </a:r>
             <a:r>
-              <a:rPr lang="en-US" dirty="0" err="1" smtClean="0">
+              <a:rPr lang="en-US" dirty="0" err="1">
                 <a:solidFill>
                   <a:srgbClr val="008080"/>
                 </a:solidFill>
@@ -24068,7 +23812,7 @@
               </a:rPr>
               <a:t>ProductId</a:t>
             </a:r>
-            <a:endParaRPr lang="en-US" dirty="0" smtClean="0">
+            <a:endParaRPr lang="en-US" dirty="0">
               <a:solidFill>
                 <a:srgbClr val="008080"/>
               </a:solidFill>
@@ -24103,7 +23847,7 @@
               <a:t> 5</a:t>
             </a:r>
             <a:r>
-              <a:rPr lang="en-US" dirty="0" smtClean="0">
+              <a:rPr lang="en-US" dirty="0">
                 <a:solidFill>
                   <a:srgbClr val="808080"/>
                 </a:solidFill>
@@ -24132,21 +23876,6 @@
   <p:clrMapOvr>
     <a:masterClrMapping/>
   </p:clrMapOvr>
-  <mc:AlternateContent xmlns:mc="http://schemas.openxmlformats.org/markup-compatibility/2006" xmlns:p14="http://schemas.microsoft.com/office/powerpoint/2010/main">
-    <mc:Choice Requires="p14">
-      <p:transition spd="slow" p14:dur="2000"/>
-    </mc:Choice>
-    <mc:Fallback xmlns="">
-      <p:transition spd="slow"/>
-    </mc:Fallback>
-  </mc:AlternateContent>
-  <p:timing>
-    <p:tnLst>
-      <p:par>
-        <p:cTn id="1" dur="indefinite" restart="never" nodeType="tmRoot"/>
-      </p:par>
-    </p:tnLst>
-  </p:timing>
 </p:sld>
 </file>
 
@@ -24183,10 +23912,9 @@
           <a:lstStyle/>
           <a:p>
             <a:r>
-              <a:rPr lang="en-US" dirty="0" smtClean="0"/>
+              <a:rPr lang="en-US" dirty="0"/>
               <a:t>Query Tree</a:t>
             </a:r>
-            <a:endParaRPr lang="en-US" dirty="0"/>
           </a:p>
         </p:txBody>
       </p:sp>
@@ -25081,7 +24809,7 @@
               <a:t> </a:t>
             </a:r>
             <a:r>
-              <a:rPr lang="en-US" sz="1400" dirty="0" err="1" smtClean="0">
+              <a:rPr lang="en-US" sz="1400" dirty="0" err="1">
                 <a:solidFill>
                   <a:srgbClr val="008080"/>
                 </a:solidFill>
@@ -25092,7 +24820,7 @@
               <a:t>od</a:t>
             </a:r>
             <a:r>
-              <a:rPr lang="en-US" sz="1400" dirty="0" err="1" smtClean="0">
+              <a:rPr lang="en-US" sz="1400" dirty="0" err="1">
                 <a:solidFill>
                   <a:srgbClr val="808080"/>
                 </a:solidFill>
@@ -25103,7 +24831,7 @@
               <a:t>.</a:t>
             </a:r>
             <a:r>
-              <a:rPr lang="en-US" sz="1400" dirty="0" err="1" smtClean="0">
+              <a:rPr lang="en-US" sz="1400" dirty="0" err="1">
                 <a:solidFill>
                   <a:srgbClr val="008080"/>
                 </a:solidFill>
@@ -25114,7 +24842,7 @@
               <a:t>ProductId</a:t>
             </a:r>
             <a:r>
-              <a:rPr lang="en-US" sz="1400" dirty="0" smtClean="0">
+              <a:rPr lang="en-US" sz="1400" dirty="0">
                 <a:solidFill>
                   <a:srgbClr val="808080"/>
                 </a:solidFill>
@@ -25124,7 +24852,7 @@
               </a:rPr>
               <a:t>,</a:t>
             </a:r>
-            <a:endParaRPr lang="en-US" sz="1400" dirty="0" smtClean="0">
+            <a:endParaRPr lang="en-US" sz="1400" dirty="0">
               <a:latin typeface="Consolas" panose="020B0609020204030204" pitchFamily="49" charset="0"/>
               <a:ea typeface="Calibri" panose="020F0502020204030204" pitchFamily="34" charset="0"/>
               <a:cs typeface="Times New Roman" panose="02020603050405020304" pitchFamily="18" charset="0"/>
@@ -25145,21 +24873,10 @@
                 <a:ea typeface="Calibri" panose="020F0502020204030204" pitchFamily="34" charset="0"/>
                 <a:cs typeface="Times New Roman" panose="02020603050405020304" pitchFamily="18" charset="0"/>
               </a:rPr>
-              <a:t>	</a:t>
-            </a:r>
-            <a:r>
-              <a:rPr lang="en-US" sz="1400" dirty="0" smtClean="0">
-                <a:solidFill>
-                  <a:srgbClr val="FF00FF"/>
-                </a:solidFill>
-                <a:latin typeface="Consolas" panose="020B0609020204030204" pitchFamily="49" charset="0"/>
-                <a:ea typeface="Calibri" panose="020F0502020204030204" pitchFamily="34" charset="0"/>
-                <a:cs typeface="Times New Roman" panose="02020603050405020304" pitchFamily="18" charset="0"/>
-              </a:rPr>
-              <a:t>sum</a:t>
-            </a:r>
-            <a:r>
-              <a:rPr lang="en-US" sz="1400" dirty="0" smtClean="0">
+              <a:t>	sum</a:t>
+            </a:r>
+            <a:r>
+              <a:rPr lang="en-US" sz="1400" dirty="0">
                 <a:solidFill>
                   <a:srgbClr val="808080"/>
                 </a:solidFill>
@@ -25170,7 +24887,7 @@
               <a:t>(</a:t>
             </a:r>
             <a:r>
-              <a:rPr lang="en-US" sz="1400" dirty="0" err="1" smtClean="0">
+              <a:rPr lang="en-US" sz="1400" dirty="0" err="1">
                 <a:solidFill>
                   <a:srgbClr val="008080"/>
                 </a:solidFill>
@@ -25181,7 +24898,7 @@
               <a:t>od</a:t>
             </a:r>
             <a:r>
-              <a:rPr lang="en-US" sz="1400" dirty="0" err="1" smtClean="0">
+              <a:rPr lang="en-US" sz="1400" dirty="0" err="1">
                 <a:solidFill>
                   <a:srgbClr val="808080"/>
                 </a:solidFill>
@@ -25192,7 +24909,7 @@
               <a:t>.</a:t>
             </a:r>
             <a:r>
-              <a:rPr lang="en-US" sz="1400" dirty="0" err="1" smtClean="0">
+              <a:rPr lang="en-US" sz="1400" dirty="0" err="1">
                 <a:solidFill>
                   <a:srgbClr val="008080"/>
                 </a:solidFill>
@@ -25421,21 +25138,6 @@
   <p:clrMapOvr>
     <a:masterClrMapping/>
   </p:clrMapOvr>
-  <mc:AlternateContent xmlns:mc="http://schemas.openxmlformats.org/markup-compatibility/2006" xmlns:p14="http://schemas.microsoft.com/office/powerpoint/2010/main">
-    <mc:Choice Requires="p14">
-      <p:transition spd="slow" p14:dur="2000"/>
-    </mc:Choice>
-    <mc:Fallback xmlns="">
-      <p:transition spd="slow"/>
-    </mc:Fallback>
-  </mc:AlternateContent>
-  <p:timing>
-    <p:tnLst>
-      <p:par>
-        <p:cTn id="1" dur="indefinite" restart="never" nodeType="tmRoot"/>
-      </p:par>
-    </p:tnLst>
-  </p:timing>
 </p:sld>
 </file>
 
@@ -25761,13 +25463,6 @@
   <p:clrMapOvr>
     <a:masterClrMapping/>
   </p:clrMapOvr>
-  <p:timing>
-    <p:tnLst>
-      <p:par>
-        <p:cTn id="1" dur="indefinite" restart="never" nodeType="tmRoot"/>
-      </p:par>
-    </p:tnLst>
-  </p:timing>
 </p:sld>
 </file>
 
@@ -26297,13 +25992,6 @@
   <p:clrMapOvr>
     <a:masterClrMapping/>
   </p:clrMapOvr>
-  <p:timing>
-    <p:tnLst>
-      <p:par>
-        <p:cTn id="1" dur="indefinite" restart="never" nodeType="tmRoot"/>
-      </p:par>
-    </p:tnLst>
-  </p:timing>
 </p:sld>
 </file>
 
@@ -26390,13 +26078,6 @@
   <p:clrMapOvr>
     <a:masterClrMapping/>
   </p:clrMapOvr>
-  <p:timing>
-    <p:tnLst>
-      <p:par>
-        <p:cTn id="1" dur="indefinite" restart="never" nodeType="tmRoot"/>
-      </p:par>
-    </p:tnLst>
-  </p:timing>
 </p:sld>
 </file>
 
@@ -27446,13 +27127,8 @@
           <a:p>
             <a:r>
               <a:rPr lang="en-US" dirty="0"/>
-              <a:t>Process of Executing a </a:t>
-            </a:r>
-            <a:r>
-              <a:rPr lang="en-US" dirty="0" smtClean="0"/>
-              <a:t>Query - Graphical</a:t>
-            </a:r>
-            <a:endParaRPr lang="en-US" dirty="0"/>
+              <a:t>Process of Executing a Query - Graphical</a:t>
+            </a:r>
           </a:p>
         </p:txBody>
       </p:sp>
@@ -27490,13 +27166,6 @@
   <p:clrMapOvr>
     <a:masterClrMapping/>
   </p:clrMapOvr>
-  <p:timing>
-    <p:tnLst>
-      <p:par>
-        <p:cTn id="1" dur="indefinite" restart="never" nodeType="tmRoot"/>
-      </p:par>
-    </p:tnLst>
-  </p:timing>
 </p:sld>
 </file>
 
@@ -27534,13 +27203,8 @@
           <a:p>
             <a:r>
               <a:rPr lang="en-US" dirty="0"/>
-              <a:t>Parsing and Binding	</a:t>
-            </a:r>
-            <a:r>
-              <a:rPr lang="en-US" dirty="0" smtClean="0"/>
-              <a:t> (1 of 3)</a:t>
-            </a:r>
-            <a:endParaRPr lang="en-US" dirty="0"/>
+              <a:t>Parsing and Binding	 (1 of 3)</a:t>
+            </a:r>
           </a:p>
         </p:txBody>
       </p:sp>
@@ -27593,13 +27257,8 @@
             <a:pPr lvl="2"/>
             <a:r>
               <a:rPr lang="en-US" dirty="0"/>
-              <a:t>Identify </a:t>
-            </a:r>
-            <a:r>
-              <a:rPr lang="en-US" dirty="0" smtClean="0"/>
-              <a:t>constants</a:t>
-            </a:r>
-            <a:endParaRPr lang="en-US" dirty="0"/>
+              <a:t>Identify constants</a:t>
+            </a:r>
           </a:p>
         </p:txBody>
       </p:sp>
@@ -27851,7 +27510,7 @@
               <a:buNone/>
             </a:pPr>
             <a:r>
-              <a:rPr lang="en-US" sz="3200" dirty="0" smtClean="0">
+              <a:rPr lang="en-US" sz="3200" dirty="0">
                 <a:solidFill>
                   <a:srgbClr val="0000FF"/>
                 </a:solidFill>
@@ -27860,7 +27519,7 @@
               <a:t>form</a:t>
             </a:r>
             <a:r>
-              <a:rPr lang="en-US" sz="3200" dirty="0" smtClean="0">
+              <a:rPr lang="en-US" sz="3200" dirty="0">
                 <a:solidFill>
                   <a:prstClr val="black"/>
                 </a:solidFill>
@@ -27892,7 +27551,7 @@
               <a:buNone/>
             </a:pPr>
             <a:r>
-              <a:rPr lang="en-US" sz="3200" dirty="0" smtClean="0">
+              <a:rPr lang="en-US" sz="3200" dirty="0">
                 <a:solidFill>
                   <a:srgbClr val="0000FF"/>
                 </a:solidFill>
@@ -27901,7 +27560,7 @@
               <a:t>wear</a:t>
             </a:r>
             <a:r>
-              <a:rPr lang="en-US" sz="3200" dirty="0" smtClean="0">
+              <a:rPr lang="en-US" sz="3200" dirty="0">
                 <a:solidFill>
                   <a:prstClr val="black"/>
                 </a:solidFill>
@@ -27954,7 +27613,7 @@
               <a:buNone/>
             </a:pPr>
             <a:r>
-              <a:rPr lang="en-US" sz="3200" dirty="0" err="1" smtClean="0">
+              <a:rPr lang="en-US" sz="3200" dirty="0" err="1">
                 <a:solidFill>
                   <a:srgbClr val="0000FF"/>
                 </a:solidFill>
@@ -27963,7 +27622,7 @@
               <a:t>orderby</a:t>
             </a:r>
             <a:r>
-              <a:rPr lang="en-US" sz="3200" dirty="0" smtClean="0">
+              <a:rPr lang="en-US" sz="3200" dirty="0">
                 <a:solidFill>
                   <a:prstClr val="black"/>
                 </a:solidFill>
@@ -28283,13 +27942,8 @@
           <a:p>
             <a:r>
               <a:rPr lang="en-US" dirty="0"/>
-              <a:t>Parsing and Binding	</a:t>
-            </a:r>
-            <a:r>
-              <a:rPr lang="en-US" dirty="0" smtClean="0"/>
-              <a:t> (2 of 3)</a:t>
-            </a:r>
-            <a:endParaRPr lang="en-US" dirty="0"/>
+              <a:t>Parsing and Binding	 (2 of 3)</a:t>
+            </a:r>
           </a:p>
         </p:txBody>
       </p:sp>
@@ -28327,10 +27981,9 @@
           <a:p>
             <a:pPr lvl="1"/>
             <a:r>
-              <a:rPr lang="en-US" dirty="0" smtClean="0"/>
+              <a:rPr lang="en-US" dirty="0"/>
               <a:t>Expand views</a:t>
             </a:r>
-            <a:endParaRPr lang="en-US" dirty="0"/>
           </a:p>
         </p:txBody>
       </p:sp>
@@ -28518,7 +28171,7 @@
               <a:t> </a:t>
             </a:r>
             <a:r>
-              <a:rPr lang="en-US" sz="1600" dirty="0" err="1" smtClean="0">
+              <a:rPr lang="en-US" sz="1600" dirty="0" err="1">
                 <a:solidFill>
                   <a:srgbClr val="008080"/>
                 </a:solidFill>
@@ -28527,7 +28180,7 @@
               <a:t>c</a:t>
             </a:r>
             <a:r>
-              <a:rPr lang="en-US" sz="1600" dirty="0" err="1" smtClean="0">
+              <a:rPr lang="en-US" sz="1600" dirty="0" err="1">
                 <a:solidFill>
                   <a:srgbClr val="808080"/>
                 </a:solidFill>
@@ -28536,7 +28189,7 @@
               <a:t>.</a:t>
             </a:r>
             <a:r>
-              <a:rPr lang="en-US" sz="1600" dirty="0" err="1" smtClean="0">
+              <a:rPr lang="en-US" sz="1600" dirty="0" err="1">
                 <a:solidFill>
                   <a:srgbClr val="008080"/>
                 </a:solidFill>
@@ -28545,7 +28198,7 @@
               <a:t>CustomerID</a:t>
             </a:r>
             <a:r>
-              <a:rPr lang="en-US" sz="1600" dirty="0" smtClean="0">
+              <a:rPr lang="en-US" sz="1600" dirty="0">
                 <a:solidFill>
                   <a:srgbClr val="808080"/>
                 </a:solidFill>
@@ -28554,7 +28207,7 @@
               <a:t>,</a:t>
             </a:r>
             <a:r>
-              <a:rPr lang="en-US" sz="1600" dirty="0" smtClean="0">
+              <a:rPr lang="en-US" sz="1600" dirty="0">
                 <a:solidFill>
                   <a:prstClr val="black"/>
                 </a:solidFill>
@@ -28563,7 +28216,7 @@
               <a:t> </a:t>
             </a:r>
             <a:r>
-              <a:rPr lang="en-US" sz="1600" dirty="0" err="1" smtClean="0">
+              <a:rPr lang="en-US" sz="1600" dirty="0" err="1">
                 <a:solidFill>
                   <a:srgbClr val="008080"/>
                 </a:solidFill>
@@ -28572,7 +28225,7 @@
               <a:t>c</a:t>
             </a:r>
             <a:r>
-              <a:rPr lang="en-US" sz="1600" dirty="0" err="1" smtClean="0">
+              <a:rPr lang="en-US" sz="1600" dirty="0" err="1">
                 <a:solidFill>
                   <a:srgbClr val="808080"/>
                 </a:solidFill>
@@ -28581,7 +28234,7 @@
               <a:t>.</a:t>
             </a:r>
             <a:r>
-              <a:rPr lang="en-US" sz="1600" dirty="0" err="1" smtClean="0">
+              <a:rPr lang="en-US" sz="1600" dirty="0" err="1">
                 <a:solidFill>
                   <a:srgbClr val="008080"/>
                 </a:solidFill>
@@ -28590,7 +28243,7 @@
               <a:t>FirstName</a:t>
             </a:r>
             <a:r>
-              <a:rPr lang="en-US" sz="1600" dirty="0" smtClean="0">
+              <a:rPr lang="en-US" sz="1600" dirty="0">
                 <a:solidFill>
                   <a:srgbClr val="808080"/>
                 </a:solidFill>
@@ -28599,7 +28252,7 @@
               <a:t>,</a:t>
             </a:r>
             <a:r>
-              <a:rPr lang="en-US" sz="1600" dirty="0" smtClean="0">
+              <a:rPr lang="en-US" sz="1600" dirty="0">
                 <a:solidFill>
                   <a:prstClr val="black"/>
                 </a:solidFill>
@@ -28608,7 +28261,7 @@
               <a:t> </a:t>
             </a:r>
             <a:r>
-              <a:rPr lang="en-US" sz="1600" dirty="0" err="1" smtClean="0">
+              <a:rPr lang="en-US" sz="1600" dirty="0" err="1">
                 <a:solidFill>
                   <a:srgbClr val="008080"/>
                 </a:solidFill>
@@ -28617,7 +28270,7 @@
               <a:t>c</a:t>
             </a:r>
             <a:r>
-              <a:rPr lang="en-US" sz="1600" dirty="0" err="1" smtClean="0">
+              <a:rPr lang="en-US" sz="1600" dirty="0" err="1">
                 <a:solidFill>
                   <a:srgbClr val="808080"/>
                 </a:solidFill>
@@ -28626,7 +28279,7 @@
               <a:t>.</a:t>
             </a:r>
             <a:r>
-              <a:rPr lang="en-US" sz="1600" dirty="0" err="1" smtClean="0">
+              <a:rPr lang="en-US" sz="1600" dirty="0" err="1">
                 <a:solidFill>
                   <a:srgbClr val="008080"/>
                 </a:solidFill>
@@ -28635,7 +28288,7 @@
               <a:t>LastName</a:t>
             </a:r>
             <a:r>
-              <a:rPr lang="en-US" sz="1600" dirty="0" smtClean="0">
+              <a:rPr lang="en-US" sz="1600" dirty="0">
                 <a:solidFill>
                   <a:srgbClr val="808080"/>
                 </a:solidFill>
@@ -28644,7 +28297,7 @@
               <a:t>,</a:t>
             </a:r>
             <a:r>
-              <a:rPr lang="en-US" sz="1600" dirty="0" smtClean="0">
+              <a:rPr lang="en-US" sz="1600" dirty="0">
                 <a:solidFill>
                   <a:prstClr val="black"/>
                 </a:solidFill>
@@ -28653,7 +28306,7 @@
               <a:t> </a:t>
             </a:r>
             <a:r>
-              <a:rPr lang="en-US" sz="1600" dirty="0" err="1" smtClean="0">
+              <a:rPr lang="en-US" sz="1600" dirty="0" err="1">
                 <a:solidFill>
                   <a:srgbClr val="008080"/>
                 </a:solidFill>
@@ -28662,7 +28315,7 @@
               <a:t>oh</a:t>
             </a:r>
             <a:r>
-              <a:rPr lang="en-US" sz="1600" dirty="0" err="1" smtClean="0">
+              <a:rPr lang="en-US" sz="1600" dirty="0" err="1">
                 <a:solidFill>
                   <a:srgbClr val="808080"/>
                 </a:solidFill>
@@ -28671,7 +28324,7 @@
               <a:t>.</a:t>
             </a:r>
             <a:r>
-              <a:rPr lang="en-US" sz="1600" dirty="0" err="1" smtClean="0">
+              <a:rPr lang="en-US" sz="1600" dirty="0" err="1">
                 <a:solidFill>
                   <a:srgbClr val="008080"/>
                 </a:solidFill>
@@ -30485,13 +30138,8 @@
           <a:p>
             <a:r>
               <a:rPr lang="en-US" dirty="0"/>
-              <a:t>Parsing and Binding	</a:t>
-            </a:r>
-            <a:r>
-              <a:rPr lang="en-US" dirty="0" smtClean="0"/>
-              <a:t> (3 of 3)</a:t>
-            </a:r>
-            <a:endParaRPr lang="en-US" dirty="0"/>
+              <a:t>Parsing and Binding	 (3 of 3)</a:t>
+            </a:r>
           </a:p>
         </p:txBody>
       </p:sp>
@@ -30524,10 +30172,9 @@
           <a:p>
             <a:pPr lvl="1"/>
             <a:r>
-              <a:rPr lang="en-US" dirty="0" smtClean="0"/>
+              <a:rPr lang="en-US" dirty="0"/>
               <a:t>Binding</a:t>
             </a:r>
-            <a:endParaRPr lang="en-US" dirty="0"/>
           </a:p>
           <a:p>
             <a:pPr lvl="2"/>
@@ -30569,13 +30216,6 @@
   <p:clrMapOvr>
     <a:masterClrMapping/>
   </p:clrMapOvr>
-  <p:timing>
-    <p:tnLst>
-      <p:par>
-        <p:cTn id="1" dur="indefinite" restart="never" nodeType="tmRoot"/>
-      </p:par>
-    </p:tnLst>
-  </p:timing>
 </p:sld>
 </file>
 
@@ -30778,13 +30418,6 @@
   <p:clrMapOvr>
     <a:masterClrMapping/>
   </p:clrMapOvr>
-  <p:timing>
-    <p:tnLst>
-      <p:par>
-        <p:cTn id="1" dur="indefinite" restart="never" nodeType="tmRoot"/>
-      </p:par>
-    </p:tnLst>
-  </p:timing>
 </p:sld>
 </file>
 
@@ -31163,21 +30796,6 @@
   <p:clrMapOvr>
     <a:masterClrMapping/>
   </p:clrMapOvr>
-  <mc:AlternateContent xmlns:mc="http://schemas.openxmlformats.org/markup-compatibility/2006" xmlns:p14="http://schemas.microsoft.com/office/powerpoint/2010/main">
-    <mc:Choice Requires="p14">
-      <p:transition spd="slow" p14:dur="2000"/>
-    </mc:Choice>
-    <mc:Fallback xmlns="">
-      <p:transition spd="slow"/>
-    </mc:Fallback>
-  </mc:AlternateContent>
-  <p:timing>
-    <p:tnLst>
-      <p:par>
-        <p:cTn id="1" dur="indefinite" restart="never" nodeType="tmRoot"/>
-      </p:par>
-    </p:tnLst>
-  </p:timing>
 </p:sld>
 </file>
 
@@ -31530,14 +31148,14 @@
                 <a:gridCol w="7632835">
                   <a:extLst>
                     <a:ext uri="{9D8B030D-6E8A-4147-A177-3AD203B41FA5}">
-                      <a16:colId xmlns:a16="http://schemas.microsoft.com/office/drawing/2014/main" xmlns="" val="3644048045"/>
+                      <a16:colId xmlns:a16="http://schemas.microsoft.com/office/drawing/2014/main" val="3644048045"/>
                     </a:ext>
                   </a:extLst>
                 </a:gridCol>
                 <a:gridCol w="606393">
                   <a:extLst>
                     <a:ext uri="{9D8B030D-6E8A-4147-A177-3AD203B41FA5}">
-                      <a16:colId xmlns:a16="http://schemas.microsoft.com/office/drawing/2014/main" xmlns="" val="2034254753"/>
+                      <a16:colId xmlns:a16="http://schemas.microsoft.com/office/drawing/2014/main" val="2034254753"/>
                     </a:ext>
                   </a:extLst>
                 </a:gridCol>
@@ -31568,7 +31186,7 @@
                 </a:tc>
                 <a:extLst>
                   <a:ext uri="{0D108BD9-81ED-4DB2-BD59-A6C34878D82A}">
-                    <a16:rowId xmlns:a16="http://schemas.microsoft.com/office/drawing/2014/main" xmlns="" val="2708275910"/>
+                    <a16:rowId xmlns:a16="http://schemas.microsoft.com/office/drawing/2014/main" val="2708275910"/>
                   </a:ext>
                 </a:extLst>
               </a:tr>
@@ -31602,7 +31220,7 @@
                 </a:tc>
                 <a:extLst>
                   <a:ext uri="{0D108BD9-81ED-4DB2-BD59-A6C34878D82A}">
-                    <a16:rowId xmlns:a16="http://schemas.microsoft.com/office/drawing/2014/main" xmlns="" val="2161984115"/>
+                    <a16:rowId xmlns:a16="http://schemas.microsoft.com/office/drawing/2014/main" val="2161984115"/>
                   </a:ext>
                 </a:extLst>
               </a:tr>
@@ -31649,7 +31267,7 @@
                 </a:tc>
                 <a:extLst>
                   <a:ext uri="{0D108BD9-81ED-4DB2-BD59-A6C34878D82A}">
-                    <a16:rowId xmlns:a16="http://schemas.microsoft.com/office/drawing/2014/main" xmlns="" val="2841678841"/>
+                    <a16:rowId xmlns:a16="http://schemas.microsoft.com/office/drawing/2014/main" val="2841678841"/>
                   </a:ext>
                 </a:extLst>
               </a:tr>
@@ -31683,7 +31301,7 @@
                 </a:tc>
                 <a:extLst>
                   <a:ext uri="{0D108BD9-81ED-4DB2-BD59-A6C34878D82A}">
-                    <a16:rowId xmlns:a16="http://schemas.microsoft.com/office/drawing/2014/main" xmlns="" val="3144998627"/>
+                    <a16:rowId xmlns:a16="http://schemas.microsoft.com/office/drawing/2014/main" val="3144998627"/>
                   </a:ext>
                 </a:extLst>
               </a:tr>
@@ -31725,7 +31343,7 @@
                 </a:tc>
                 <a:extLst>
                   <a:ext uri="{0D108BD9-81ED-4DB2-BD59-A6C34878D82A}">
-                    <a16:rowId xmlns:a16="http://schemas.microsoft.com/office/drawing/2014/main" xmlns="" val="1419261869"/>
+                    <a16:rowId xmlns:a16="http://schemas.microsoft.com/office/drawing/2014/main" val="1419261869"/>
                   </a:ext>
                 </a:extLst>
               </a:tr>
@@ -31763,7 +31381,7 @@
                 </a:tc>
                 <a:extLst>
                   <a:ext uri="{0D108BD9-81ED-4DB2-BD59-A6C34878D82A}">
-                    <a16:rowId xmlns:a16="http://schemas.microsoft.com/office/drawing/2014/main" xmlns="" val="1427391072"/>
+                    <a16:rowId xmlns:a16="http://schemas.microsoft.com/office/drawing/2014/main" val="1427391072"/>
                   </a:ext>
                 </a:extLst>
               </a:tr>
@@ -31810,7 +31428,7 @@
                 </a:tc>
                 <a:extLst>
                   <a:ext uri="{0D108BD9-81ED-4DB2-BD59-A6C34878D82A}">
-                    <a16:rowId xmlns:a16="http://schemas.microsoft.com/office/drawing/2014/main" xmlns="" val="2346539918"/>
+                    <a16:rowId xmlns:a16="http://schemas.microsoft.com/office/drawing/2014/main" val="2346539918"/>
                   </a:ext>
                 </a:extLst>
               </a:tr>
@@ -31849,7 +31467,7 @@
                 </a:tc>
                 <a:extLst>
                   <a:ext uri="{0D108BD9-81ED-4DB2-BD59-A6C34878D82A}">
-                    <a16:rowId xmlns:a16="http://schemas.microsoft.com/office/drawing/2014/main" xmlns="" val="2275483042"/>
+                    <a16:rowId xmlns:a16="http://schemas.microsoft.com/office/drawing/2014/main" val="2275483042"/>
                   </a:ext>
                 </a:extLst>
               </a:tr>
@@ -31887,7 +31505,7 @@
                 </a:tc>
                 <a:extLst>
                   <a:ext uri="{0D108BD9-81ED-4DB2-BD59-A6C34878D82A}">
-                    <a16:rowId xmlns:a16="http://schemas.microsoft.com/office/drawing/2014/main" xmlns="" val="4202569347"/>
+                    <a16:rowId xmlns:a16="http://schemas.microsoft.com/office/drawing/2014/main" val="4202569347"/>
                   </a:ext>
                 </a:extLst>
               </a:tr>
@@ -31921,7 +31539,7 @@
                 </a:tc>
                 <a:extLst>
                   <a:ext uri="{0D108BD9-81ED-4DB2-BD59-A6C34878D82A}">
-                    <a16:rowId xmlns:a16="http://schemas.microsoft.com/office/drawing/2014/main" xmlns="" val="2989839269"/>
+                    <a16:rowId xmlns:a16="http://schemas.microsoft.com/office/drawing/2014/main" val="2989839269"/>
                   </a:ext>
                 </a:extLst>
               </a:tr>
@@ -31955,7 +31573,7 @@
                 </a:tc>
                 <a:extLst>
                   <a:ext uri="{0D108BD9-81ED-4DB2-BD59-A6C34878D82A}">
-                    <a16:rowId xmlns:a16="http://schemas.microsoft.com/office/drawing/2014/main" xmlns="" val="2130545569"/>
+                    <a16:rowId xmlns:a16="http://schemas.microsoft.com/office/drawing/2014/main" val="2130545569"/>
                   </a:ext>
                 </a:extLst>
               </a:tr>
@@ -32011,7 +31629,7 @@
                 </a:tc>
                 <a:extLst>
                   <a:ext uri="{0D108BD9-81ED-4DB2-BD59-A6C34878D82A}">
-                    <a16:rowId xmlns:a16="http://schemas.microsoft.com/office/drawing/2014/main" xmlns="" val="1848127216"/>
+                    <a16:rowId xmlns:a16="http://schemas.microsoft.com/office/drawing/2014/main" val="1848127216"/>
                   </a:ext>
                 </a:extLst>
               </a:tr>
@@ -32105,21 +31723,6 @@
   <p:clrMapOvr>
     <a:masterClrMapping/>
   </p:clrMapOvr>
-  <mc:AlternateContent xmlns:mc="http://schemas.openxmlformats.org/markup-compatibility/2006" xmlns:p14="http://schemas.microsoft.com/office/powerpoint/2010/main">
-    <mc:Choice Requires="p14">
-      <p:transition spd="slow" p14:dur="2000"/>
-    </mc:Choice>
-    <mc:Fallback xmlns="">
-      <p:transition spd="slow"/>
-    </mc:Fallback>
-  </mc:AlternateContent>
-  <p:timing>
-    <p:tnLst>
-      <p:par>
-        <p:cTn id="1" dur="indefinite" restart="never" nodeType="tmRoot"/>
-      </p:par>
-    </p:tnLst>
-  </p:timing>
 </p:sld>
 </file>
 
@@ -32472,14 +32075,14 @@
                 <a:gridCol w="4119615">
                   <a:extLst>
                     <a:ext uri="{9D8B030D-6E8A-4147-A177-3AD203B41FA5}">
-                      <a16:colId xmlns:a16="http://schemas.microsoft.com/office/drawing/2014/main" xmlns="" val="3644048045"/>
+                      <a16:colId xmlns:a16="http://schemas.microsoft.com/office/drawing/2014/main" val="3644048045"/>
                     </a:ext>
                   </a:extLst>
                 </a:gridCol>
                 <a:gridCol w="4119613">
                   <a:extLst>
                     <a:ext uri="{9D8B030D-6E8A-4147-A177-3AD203B41FA5}">
-                      <a16:colId xmlns:a16="http://schemas.microsoft.com/office/drawing/2014/main" xmlns="" val="2034254753"/>
+                      <a16:colId xmlns:a16="http://schemas.microsoft.com/office/drawing/2014/main" val="2034254753"/>
                     </a:ext>
                   </a:extLst>
                 </a:gridCol>
@@ -32515,7 +32118,7 @@
                 </a:tc>
                 <a:extLst>
                   <a:ext uri="{0D108BD9-81ED-4DB2-BD59-A6C34878D82A}">
-                    <a16:rowId xmlns:a16="http://schemas.microsoft.com/office/drawing/2014/main" xmlns="" val="2708275910"/>
+                    <a16:rowId xmlns:a16="http://schemas.microsoft.com/office/drawing/2014/main" val="2708275910"/>
                   </a:ext>
                 </a:extLst>
               </a:tr>
@@ -32715,7 +32318,7 @@
                 </a:tc>
                 <a:extLst>
                   <a:ext uri="{0D108BD9-81ED-4DB2-BD59-A6C34878D82A}">
-                    <a16:rowId xmlns:a16="http://schemas.microsoft.com/office/drawing/2014/main" xmlns="" val="2161984115"/>
+                    <a16:rowId xmlns:a16="http://schemas.microsoft.com/office/drawing/2014/main" val="2161984115"/>
                   </a:ext>
                 </a:extLst>
               </a:tr>
@@ -32915,7 +32518,7 @@
                 </a:tc>
                 <a:extLst>
                   <a:ext uri="{0D108BD9-81ED-4DB2-BD59-A6C34878D82A}">
-                    <a16:rowId xmlns:a16="http://schemas.microsoft.com/office/drawing/2014/main" xmlns="" val="2841678841"/>
+                    <a16:rowId xmlns:a16="http://schemas.microsoft.com/office/drawing/2014/main" val="2841678841"/>
                   </a:ext>
                 </a:extLst>
               </a:tr>
@@ -33115,7 +32718,7 @@
                 </a:tc>
                 <a:extLst>
                   <a:ext uri="{0D108BD9-81ED-4DB2-BD59-A6C34878D82A}">
-                    <a16:rowId xmlns:a16="http://schemas.microsoft.com/office/drawing/2014/main" xmlns="" val="3144998627"/>
+                    <a16:rowId xmlns:a16="http://schemas.microsoft.com/office/drawing/2014/main" val="3144998627"/>
                   </a:ext>
                 </a:extLst>
               </a:tr>
@@ -33315,7 +32918,7 @@
                 </a:tc>
                 <a:extLst>
                   <a:ext uri="{0D108BD9-81ED-4DB2-BD59-A6C34878D82A}">
-                    <a16:rowId xmlns:a16="http://schemas.microsoft.com/office/drawing/2014/main" xmlns="" val="1419261869"/>
+                    <a16:rowId xmlns:a16="http://schemas.microsoft.com/office/drawing/2014/main" val="1419261869"/>
                   </a:ext>
                 </a:extLst>
               </a:tr>
@@ -33515,7 +33118,7 @@
                 </a:tc>
                 <a:extLst>
                   <a:ext uri="{0D108BD9-81ED-4DB2-BD59-A6C34878D82A}">
-                    <a16:rowId xmlns:a16="http://schemas.microsoft.com/office/drawing/2014/main" xmlns="" val="1427391072"/>
+                    <a16:rowId xmlns:a16="http://schemas.microsoft.com/office/drawing/2014/main" val="1427391072"/>
                   </a:ext>
                 </a:extLst>
               </a:tr>
@@ -33715,7 +33318,7 @@
                 </a:tc>
                 <a:extLst>
                   <a:ext uri="{0D108BD9-81ED-4DB2-BD59-A6C34878D82A}">
-                    <a16:rowId xmlns:a16="http://schemas.microsoft.com/office/drawing/2014/main" xmlns="" val="2346539918"/>
+                    <a16:rowId xmlns:a16="http://schemas.microsoft.com/office/drawing/2014/main" val="2346539918"/>
                   </a:ext>
                 </a:extLst>
               </a:tr>
@@ -33924,7 +33527,7 @@
                 </a:tc>
                 <a:extLst>
                   <a:ext uri="{0D108BD9-81ED-4DB2-BD59-A6C34878D82A}">
-                    <a16:rowId xmlns:a16="http://schemas.microsoft.com/office/drawing/2014/main" xmlns="" val="2275483042"/>
+                    <a16:rowId xmlns:a16="http://schemas.microsoft.com/office/drawing/2014/main" val="2275483042"/>
                   </a:ext>
                 </a:extLst>
               </a:tr>
@@ -34133,7 +33736,7 @@
                 </a:tc>
                 <a:extLst>
                   <a:ext uri="{0D108BD9-81ED-4DB2-BD59-A6C34878D82A}">
-                    <a16:rowId xmlns:a16="http://schemas.microsoft.com/office/drawing/2014/main" xmlns="" val="4202569347"/>
+                    <a16:rowId xmlns:a16="http://schemas.microsoft.com/office/drawing/2014/main" val="4202569347"/>
                   </a:ext>
                 </a:extLst>
               </a:tr>
@@ -34342,7 +33945,7 @@
                 </a:tc>
                 <a:extLst>
                   <a:ext uri="{0D108BD9-81ED-4DB2-BD59-A6C34878D82A}">
-                    <a16:rowId xmlns:a16="http://schemas.microsoft.com/office/drawing/2014/main" xmlns="" val="2989839269"/>
+                    <a16:rowId xmlns:a16="http://schemas.microsoft.com/office/drawing/2014/main" val="2989839269"/>
                   </a:ext>
                 </a:extLst>
               </a:tr>
@@ -34551,7 +34154,7 @@
                 </a:tc>
                 <a:extLst>
                   <a:ext uri="{0D108BD9-81ED-4DB2-BD59-A6C34878D82A}">
-                    <a16:rowId xmlns:a16="http://schemas.microsoft.com/office/drawing/2014/main" xmlns="" val="2130545569"/>
+                    <a16:rowId xmlns:a16="http://schemas.microsoft.com/office/drawing/2014/main" val="2130545569"/>
                   </a:ext>
                 </a:extLst>
               </a:tr>
@@ -34760,7 +34363,7 @@
                 </a:tc>
                 <a:extLst>
                   <a:ext uri="{0D108BD9-81ED-4DB2-BD59-A6C34878D82A}">
-                    <a16:rowId xmlns:a16="http://schemas.microsoft.com/office/drawing/2014/main" xmlns="" val="3045796785"/>
+                    <a16:rowId xmlns:a16="http://schemas.microsoft.com/office/drawing/2014/main" val="3045796785"/>
                   </a:ext>
                 </a:extLst>
               </a:tr>
@@ -34969,7 +34572,7 @@
                 </a:tc>
                 <a:extLst>
                   <a:ext uri="{0D108BD9-81ED-4DB2-BD59-A6C34878D82A}">
-                    <a16:rowId xmlns:a16="http://schemas.microsoft.com/office/drawing/2014/main" xmlns="" val="1091494175"/>
+                    <a16:rowId xmlns:a16="http://schemas.microsoft.com/office/drawing/2014/main" val="1091494175"/>
                   </a:ext>
                 </a:extLst>
               </a:tr>
@@ -34987,21 +34590,6 @@
   <p:clrMapOvr>
     <a:masterClrMapping/>
   </p:clrMapOvr>
-  <mc:AlternateContent xmlns:mc="http://schemas.openxmlformats.org/markup-compatibility/2006" xmlns:p14="http://schemas.microsoft.com/office/powerpoint/2010/main">
-    <mc:Choice Requires="p14">
-      <p:transition spd="slow" p14:dur="2000"/>
-    </mc:Choice>
-    <mc:Fallback xmlns="">
-      <p:transition spd="slow"/>
-    </mc:Fallback>
-  </mc:AlternateContent>
-  <p:timing>
-    <p:tnLst>
-      <p:par>
-        <p:cTn id="1" dur="indefinite" restart="never" nodeType="tmRoot"/>
-      </p:par>
-    </p:tnLst>
-  </p:timing>
 </p:sld>
 </file>
 
@@ -35114,21 +34702,6 @@
   <p:clrMapOvr>
     <a:masterClrMapping/>
   </p:clrMapOvr>
-  <mc:AlternateContent xmlns:mc="http://schemas.openxmlformats.org/markup-compatibility/2006" xmlns:p14="http://schemas.microsoft.com/office/powerpoint/2010/main">
-    <mc:Choice Requires="p14">
-      <p:transition spd="slow" p14:dur="2000"/>
-    </mc:Choice>
-    <mc:Fallback xmlns="">
-      <p:transition spd="slow"/>
-    </mc:Fallback>
-  </mc:AlternateContent>
-  <p:timing>
-    <p:tnLst>
-      <p:par>
-        <p:cTn id="1" dur="indefinite" restart="never" nodeType="tmRoot"/>
-      </p:par>
-    </p:tnLst>
-  </p:timing>
 </p:sld>
 </file>
 
@@ -35304,21 +34877,6 @@
   <p:clrMapOvr>
     <a:masterClrMapping/>
   </p:clrMapOvr>
-  <mc:AlternateContent xmlns:mc="http://schemas.openxmlformats.org/markup-compatibility/2006" xmlns:p14="http://schemas.microsoft.com/office/powerpoint/2010/main">
-    <mc:Choice Requires="p14">
-      <p:transition spd="slow" p14:dur="2000"/>
-    </mc:Choice>
-    <mc:Fallback xmlns="">
-      <p:transition spd="slow"/>
-    </mc:Fallback>
-  </mc:AlternateContent>
-  <p:timing>
-    <p:tnLst>
-      <p:par>
-        <p:cTn id="1" dur="indefinite" restart="never" nodeType="tmRoot"/>
-      </p:par>
-    </p:tnLst>
-  </p:timing>
 </p:sld>
 </file>
 
@@ -36126,21 +35684,6 @@
   <p:clrMapOvr>
     <a:masterClrMapping/>
   </p:clrMapOvr>
-  <mc:AlternateContent xmlns:mc="http://schemas.openxmlformats.org/markup-compatibility/2006" xmlns:p14="http://schemas.microsoft.com/office/powerpoint/2010/main">
-    <mc:Choice Requires="p14">
-      <p:transition spd="slow" p14:dur="2000"/>
-    </mc:Choice>
-    <mc:Fallback xmlns="">
-      <p:transition spd="slow"/>
-    </mc:Fallback>
-  </mc:AlternateContent>
-  <p:timing>
-    <p:tnLst>
-      <p:par>
-        <p:cTn id="1" dur="indefinite" restart="never" nodeType="tmRoot"/>
-      </p:par>
-    </p:tnLst>
-  </p:timing>
 </p:sld>
 </file>
 
@@ -36308,13 +35851,6 @@
   <p:clrMapOvr>
     <a:masterClrMapping/>
   </p:clrMapOvr>
-  <p:timing>
-    <p:tnLst>
-      <p:par>
-        <p:cTn id="1" dur="indefinite" restart="never" nodeType="tmRoot"/>
-      </p:par>
-    </p:tnLst>
-  </p:timing>
 </p:sld>
 </file>
 
@@ -36415,13 +35951,6 @@
   <p:clrMapOvr>
     <a:masterClrMapping/>
   </p:clrMapOvr>
-  <p:timing>
-    <p:tnLst>
-      <p:par>
-        <p:cTn id="1" dur="indefinite" restart="never" nodeType="tmRoot"/>
-      </p:par>
-    </p:tnLst>
-  </p:timing>
 </p:sld>
 </file>
 
@@ -36532,13 +36061,6 @@
   <p:clrMapOvr>
     <a:masterClrMapping/>
   </p:clrMapOvr>
-  <p:timing>
-    <p:tnLst>
-      <p:par>
-        <p:cTn id="1" dur="indefinite" restart="never" nodeType="tmRoot"/>
-      </p:par>
-    </p:tnLst>
-  </p:timing>
 </p:sld>
 </file>
 
@@ -36841,21 +36363,6 @@
   <p:clrMapOvr>
     <a:masterClrMapping/>
   </p:clrMapOvr>
-  <mc:AlternateContent xmlns:mc="http://schemas.openxmlformats.org/markup-compatibility/2006" xmlns:p14="http://schemas.microsoft.com/office/powerpoint/2010/main">
-    <mc:Choice Requires="p14">
-      <p:transition spd="slow" p14:dur="2000"/>
-    </mc:Choice>
-    <mc:Fallback xmlns="">
-      <p:transition spd="slow"/>
-    </mc:Fallback>
-  </mc:AlternateContent>
-  <p:timing>
-    <p:tnLst>
-      <p:par>
-        <p:cTn id="1" dur="indefinite" restart="never" nodeType="tmRoot"/>
-      </p:par>
-    </p:tnLst>
-  </p:timing>
 </p:sld>
 </file>
 
@@ -37021,13 +36528,6 @@
   <p:clrMapOvr>
     <a:masterClrMapping/>
   </p:clrMapOvr>
-  <p:timing>
-    <p:tnLst>
-      <p:par>
-        <p:cTn id="1" dur="indefinite" restart="never" nodeType="tmRoot"/>
-      </p:par>
-    </p:tnLst>
-  </p:timing>
 </p:sld>
 </file>
 
@@ -37163,13 +36663,6 @@
   <p:clrMapOvr>
     <a:masterClrMapping/>
   </p:clrMapOvr>
-  <p:timing>
-    <p:tnLst>
-      <p:par>
-        <p:cTn id="1" dur="indefinite" restart="never" nodeType="tmRoot"/>
-      </p:par>
-    </p:tnLst>
-  </p:timing>
 </p:sld>
 </file>
 
@@ -37344,13 +36837,6 @@
   <p:clrMapOvr>
     <a:masterClrMapping/>
   </p:clrMapOvr>
-  <p:timing>
-    <p:tnLst>
-      <p:par>
-        <p:cTn id="1" dur="indefinite" restart="never" nodeType="tmRoot"/>
-      </p:par>
-    </p:tnLst>
-  </p:timing>
 </p:sld>
 </file>
 
@@ -38142,14 +37628,6 @@
   <p:clrMapOvr>
     <a:masterClrMapping/>
   </p:clrMapOvr>
-  <mc:AlternateContent xmlns:mc="http://schemas.openxmlformats.org/markup-compatibility/2006" xmlns:p14="http://schemas.microsoft.com/office/powerpoint/2010/main">
-    <mc:Choice Requires="p14">
-      <p:transition spd="slow" p14:dur="2000"/>
-    </mc:Choice>
-    <mc:Fallback xmlns="">
-      <p:transition spd="slow"/>
-    </mc:Fallback>
-  </mc:AlternateContent>
 </p:sld>
 </file>
 
@@ -39093,7 +38571,7 @@
               <a:t> </a:t>
             </a:r>
             <a:r>
-              <a:rPr lang="en-US" sz="1400" dirty="0" smtClean="0">
+              <a:rPr lang="en-US" sz="1400" dirty="0">
                 <a:solidFill>
                   <a:srgbClr val="FF0000"/>
                 </a:solidFill>
@@ -40228,14 +39706,14 @@
                 <a:gridCol w="957714">
                   <a:extLst>
                     <a:ext uri="{9D8B030D-6E8A-4147-A177-3AD203B41FA5}">
-                      <a16:colId xmlns:a16="http://schemas.microsoft.com/office/drawing/2014/main" xmlns="" val="3940544257"/>
+                      <a16:colId xmlns:a16="http://schemas.microsoft.com/office/drawing/2014/main" val="3940544257"/>
                     </a:ext>
                   </a:extLst>
                 </a:gridCol>
                 <a:gridCol w="2464067">
                   <a:extLst>
                     <a:ext uri="{9D8B030D-6E8A-4147-A177-3AD203B41FA5}">
-                      <a16:colId xmlns:a16="http://schemas.microsoft.com/office/drawing/2014/main" xmlns="" val="3658567973"/>
+                      <a16:colId xmlns:a16="http://schemas.microsoft.com/office/drawing/2014/main" val="3658567973"/>
                     </a:ext>
                   </a:extLst>
                 </a:gridCol>
@@ -40269,7 +39747,7 @@
                 </a:tc>
                 <a:extLst>
                   <a:ext uri="{0D108BD9-81ED-4DB2-BD59-A6C34878D82A}">
-                    <a16:rowId xmlns:a16="http://schemas.microsoft.com/office/drawing/2014/main" xmlns="" val="1032275335"/>
+                    <a16:rowId xmlns:a16="http://schemas.microsoft.com/office/drawing/2014/main" val="1032275335"/>
                   </a:ext>
                 </a:extLst>
               </a:tr>
@@ -40399,7 +39877,7 @@
                 </a:tc>
                 <a:extLst>
                   <a:ext uri="{0D108BD9-81ED-4DB2-BD59-A6C34878D82A}">
-                    <a16:rowId xmlns:a16="http://schemas.microsoft.com/office/drawing/2014/main" xmlns="" val="4191484087"/>
+                    <a16:rowId xmlns:a16="http://schemas.microsoft.com/office/drawing/2014/main" val="4191484087"/>
                   </a:ext>
                 </a:extLst>
               </a:tr>
@@ -40473,7 +39951,7 @@
                 </a:tc>
                 <a:extLst>
                   <a:ext uri="{0D108BD9-81ED-4DB2-BD59-A6C34878D82A}">
-                    <a16:rowId xmlns:a16="http://schemas.microsoft.com/office/drawing/2014/main" xmlns="" val="1864588626"/>
+                    <a16:rowId xmlns:a16="http://schemas.microsoft.com/office/drawing/2014/main" val="1864588626"/>
                   </a:ext>
                 </a:extLst>
               </a:tr>
@@ -40595,7 +40073,7 @@
                 </a:tc>
                 <a:extLst>
                   <a:ext uri="{0D108BD9-81ED-4DB2-BD59-A6C34878D82A}">
-                    <a16:rowId xmlns:a16="http://schemas.microsoft.com/office/drawing/2014/main" xmlns="" val="3035259714"/>
+                    <a16:rowId xmlns:a16="http://schemas.microsoft.com/office/drawing/2014/main" val="3035259714"/>
                   </a:ext>
                 </a:extLst>
               </a:tr>
@@ -40684,7 +40162,7 @@
                 </a:tc>
                 <a:extLst>
                   <a:ext uri="{0D108BD9-81ED-4DB2-BD59-A6C34878D82A}">
-                    <a16:rowId xmlns:a16="http://schemas.microsoft.com/office/drawing/2014/main" xmlns="" val="2023621082"/>
+                    <a16:rowId xmlns:a16="http://schemas.microsoft.com/office/drawing/2014/main" val="2023621082"/>
                   </a:ext>
                 </a:extLst>
               </a:tr>
@@ -40773,7 +40251,7 @@
                 </a:tc>
                 <a:extLst>
                   <a:ext uri="{0D108BD9-81ED-4DB2-BD59-A6C34878D82A}">
-                    <a16:rowId xmlns:a16="http://schemas.microsoft.com/office/drawing/2014/main" xmlns="" val="120016333"/>
+                    <a16:rowId xmlns:a16="http://schemas.microsoft.com/office/drawing/2014/main" val="120016333"/>
                   </a:ext>
                 </a:extLst>
               </a:tr>
@@ -40918,21 +40396,21 @@
                 <a:gridCol w="960120">
                   <a:extLst>
                     <a:ext uri="{9D8B030D-6E8A-4147-A177-3AD203B41FA5}">
-                      <a16:colId xmlns:a16="http://schemas.microsoft.com/office/drawing/2014/main" xmlns="" val="392696932"/>
+                      <a16:colId xmlns:a16="http://schemas.microsoft.com/office/drawing/2014/main" val="392696932"/>
                     </a:ext>
                   </a:extLst>
                 </a:gridCol>
                 <a:gridCol w="2468880">
                   <a:extLst>
                     <a:ext uri="{9D8B030D-6E8A-4147-A177-3AD203B41FA5}">
-                      <a16:colId xmlns:a16="http://schemas.microsoft.com/office/drawing/2014/main" xmlns="" val="2769969192"/>
+                      <a16:colId xmlns:a16="http://schemas.microsoft.com/office/drawing/2014/main" val="2769969192"/>
                     </a:ext>
                   </a:extLst>
                 </a:gridCol>
                 <a:gridCol w="2468880">
                   <a:extLst>
                     <a:ext uri="{9D8B030D-6E8A-4147-A177-3AD203B41FA5}">
-                      <a16:colId xmlns:a16="http://schemas.microsoft.com/office/drawing/2014/main" xmlns="" val="2022610816"/>
+                      <a16:colId xmlns:a16="http://schemas.microsoft.com/office/drawing/2014/main" val="2022610816"/>
                     </a:ext>
                   </a:extLst>
                 </a:gridCol>
@@ -40984,7 +40462,7 @@
                 </a:tc>
                 <a:extLst>
                   <a:ext uri="{0D108BD9-81ED-4DB2-BD59-A6C34878D82A}">
-                    <a16:rowId xmlns:a16="http://schemas.microsoft.com/office/drawing/2014/main" xmlns="" val="2344937666"/>
+                    <a16:rowId xmlns:a16="http://schemas.microsoft.com/office/drawing/2014/main" val="2344937666"/>
                   </a:ext>
                 </a:extLst>
               </a:tr>
@@ -41117,7 +40595,7 @@
                 </a:tc>
                 <a:extLst>
                   <a:ext uri="{0D108BD9-81ED-4DB2-BD59-A6C34878D82A}">
-                    <a16:rowId xmlns:a16="http://schemas.microsoft.com/office/drawing/2014/main" xmlns="" val="1917341330"/>
+                    <a16:rowId xmlns:a16="http://schemas.microsoft.com/office/drawing/2014/main" val="1917341330"/>
                   </a:ext>
                 </a:extLst>
               </a:tr>
@@ -41334,7 +40812,7 @@
                 </a:tc>
                 <a:extLst>
                   <a:ext uri="{0D108BD9-81ED-4DB2-BD59-A6C34878D82A}">
-                    <a16:rowId xmlns:a16="http://schemas.microsoft.com/office/drawing/2014/main" xmlns="" val="3088042860"/>
+                    <a16:rowId xmlns:a16="http://schemas.microsoft.com/office/drawing/2014/main" val="3088042860"/>
                   </a:ext>
                 </a:extLst>
               </a:tr>
@@ -41418,7 +40896,7 @@
                 </a:tc>
                 <a:extLst>
                   <a:ext uri="{0D108BD9-81ED-4DB2-BD59-A6C34878D82A}">
-                    <a16:rowId xmlns:a16="http://schemas.microsoft.com/office/drawing/2014/main" xmlns="" val="2658530722"/>
+                    <a16:rowId xmlns:a16="http://schemas.microsoft.com/office/drawing/2014/main" val="2658530722"/>
                   </a:ext>
                 </a:extLst>
               </a:tr>
@@ -41550,7 +41028,7 @@
                 </a:tc>
                 <a:extLst>
                   <a:ext uri="{0D108BD9-81ED-4DB2-BD59-A6C34878D82A}">
-                    <a16:rowId xmlns:a16="http://schemas.microsoft.com/office/drawing/2014/main" xmlns="" val="1481886367"/>
+                    <a16:rowId xmlns:a16="http://schemas.microsoft.com/office/drawing/2014/main" val="1481886367"/>
                   </a:ext>
                 </a:extLst>
               </a:tr>
@@ -41649,7 +41127,7 @@
                 </a:tc>
                 <a:extLst>
                   <a:ext uri="{0D108BD9-81ED-4DB2-BD59-A6C34878D82A}">
-                    <a16:rowId xmlns:a16="http://schemas.microsoft.com/office/drawing/2014/main" xmlns="" val="4248384778"/>
+                    <a16:rowId xmlns:a16="http://schemas.microsoft.com/office/drawing/2014/main" val="4248384778"/>
                   </a:ext>
                 </a:extLst>
               </a:tr>
@@ -41748,7 +41226,7 @@
                 </a:tc>
                 <a:extLst>
                   <a:ext uri="{0D108BD9-81ED-4DB2-BD59-A6C34878D82A}">
-                    <a16:rowId xmlns:a16="http://schemas.microsoft.com/office/drawing/2014/main" xmlns="" val="1670483340"/>
+                    <a16:rowId xmlns:a16="http://schemas.microsoft.com/office/drawing/2014/main" val="1670483340"/>
                   </a:ext>
                 </a:extLst>
               </a:tr>
@@ -41893,28 +41371,28 @@
                 <a:gridCol w="960120">
                   <a:extLst>
                     <a:ext uri="{9D8B030D-6E8A-4147-A177-3AD203B41FA5}">
-                      <a16:colId xmlns:a16="http://schemas.microsoft.com/office/drawing/2014/main" xmlns="" val="392696932"/>
+                      <a16:colId xmlns:a16="http://schemas.microsoft.com/office/drawing/2014/main" val="392696932"/>
                     </a:ext>
                   </a:extLst>
                 </a:gridCol>
                 <a:gridCol w="2468880">
                   <a:extLst>
                     <a:ext uri="{9D8B030D-6E8A-4147-A177-3AD203B41FA5}">
-                      <a16:colId xmlns:a16="http://schemas.microsoft.com/office/drawing/2014/main" xmlns="" val="2769969192"/>
+                      <a16:colId xmlns:a16="http://schemas.microsoft.com/office/drawing/2014/main" val="2769969192"/>
                     </a:ext>
                   </a:extLst>
                 </a:gridCol>
                 <a:gridCol w="2468880">
                   <a:extLst>
                     <a:ext uri="{9D8B030D-6E8A-4147-A177-3AD203B41FA5}">
-                      <a16:colId xmlns:a16="http://schemas.microsoft.com/office/drawing/2014/main" xmlns="" val="2022610816"/>
+                      <a16:colId xmlns:a16="http://schemas.microsoft.com/office/drawing/2014/main" val="2022610816"/>
                     </a:ext>
                   </a:extLst>
                 </a:gridCol>
                 <a:gridCol w="2468880">
                   <a:extLst>
                     <a:ext uri="{9D8B030D-6E8A-4147-A177-3AD203B41FA5}">
-                      <a16:colId xmlns:a16="http://schemas.microsoft.com/office/drawing/2014/main" xmlns="" val="102813283"/>
+                      <a16:colId xmlns:a16="http://schemas.microsoft.com/office/drawing/2014/main" val="102813283"/>
                     </a:ext>
                   </a:extLst>
                 </a:gridCol>
@@ -41979,7 +41457,7 @@
                 </a:tc>
                 <a:extLst>
                   <a:ext uri="{0D108BD9-81ED-4DB2-BD59-A6C34878D82A}">
-                    <a16:rowId xmlns:a16="http://schemas.microsoft.com/office/drawing/2014/main" xmlns="" val="2344937666"/>
+                    <a16:rowId xmlns:a16="http://schemas.microsoft.com/office/drawing/2014/main" val="2344937666"/>
                   </a:ext>
                 </a:extLst>
               </a:tr>
@@ -42139,7 +41617,7 @@
                 </a:tc>
                 <a:extLst>
                   <a:ext uri="{0D108BD9-81ED-4DB2-BD59-A6C34878D82A}">
-                    <a16:rowId xmlns:a16="http://schemas.microsoft.com/office/drawing/2014/main" xmlns="" val="1917341330"/>
+                    <a16:rowId xmlns:a16="http://schemas.microsoft.com/office/drawing/2014/main" val="1917341330"/>
                   </a:ext>
                 </a:extLst>
               </a:tr>
@@ -42443,7 +41921,7 @@
                 </a:tc>
                 <a:extLst>
                   <a:ext uri="{0D108BD9-81ED-4DB2-BD59-A6C34878D82A}">
-                    <a16:rowId xmlns:a16="http://schemas.microsoft.com/office/drawing/2014/main" xmlns="" val="3088042860"/>
+                    <a16:rowId xmlns:a16="http://schemas.microsoft.com/office/drawing/2014/main" val="3088042860"/>
                   </a:ext>
                 </a:extLst>
               </a:tr>
@@ -42537,7 +42015,7 @@
                 </a:tc>
                 <a:extLst>
                   <a:ext uri="{0D108BD9-81ED-4DB2-BD59-A6C34878D82A}">
-                    <a16:rowId xmlns:a16="http://schemas.microsoft.com/office/drawing/2014/main" xmlns="" val="2658530722"/>
+                    <a16:rowId xmlns:a16="http://schemas.microsoft.com/office/drawing/2014/main" val="2658530722"/>
                   </a:ext>
                 </a:extLst>
               </a:tr>
@@ -42730,7 +42208,7 @@
                 </a:tc>
                 <a:extLst>
                   <a:ext uri="{0D108BD9-81ED-4DB2-BD59-A6C34878D82A}">
-                    <a16:rowId xmlns:a16="http://schemas.microsoft.com/office/drawing/2014/main" xmlns="" val="1481886367"/>
+                    <a16:rowId xmlns:a16="http://schemas.microsoft.com/office/drawing/2014/main" val="1481886367"/>
                   </a:ext>
                 </a:extLst>
               </a:tr>
@@ -42839,7 +42317,7 @@
                 </a:tc>
                 <a:extLst>
                   <a:ext uri="{0D108BD9-81ED-4DB2-BD59-A6C34878D82A}">
-                    <a16:rowId xmlns:a16="http://schemas.microsoft.com/office/drawing/2014/main" xmlns="" val="4248384778"/>
+                    <a16:rowId xmlns:a16="http://schemas.microsoft.com/office/drawing/2014/main" val="4248384778"/>
                   </a:ext>
                 </a:extLst>
               </a:tr>
@@ -42948,7 +42426,7 @@
                 </a:tc>
                 <a:extLst>
                   <a:ext uri="{0D108BD9-81ED-4DB2-BD59-A6C34878D82A}">
-                    <a16:rowId xmlns:a16="http://schemas.microsoft.com/office/drawing/2014/main" xmlns="" val="1670483340"/>
+                    <a16:rowId xmlns:a16="http://schemas.microsoft.com/office/drawing/2014/main" val="1670483340"/>
                   </a:ext>
                 </a:extLst>
               </a:tr>
@@ -43447,14 +42925,14 @@
                 <a:gridCol w="934278">
                   <a:extLst>
                     <a:ext uri="{9D8B030D-6E8A-4147-A177-3AD203B41FA5}">
-                      <a16:colId xmlns:a16="http://schemas.microsoft.com/office/drawing/2014/main" xmlns="" val="4198655800"/>
+                      <a16:colId xmlns:a16="http://schemas.microsoft.com/office/drawing/2014/main" val="4198655800"/>
                     </a:ext>
                   </a:extLst>
                 </a:gridCol>
                 <a:gridCol w="7295322">
                   <a:extLst>
                     <a:ext uri="{9D8B030D-6E8A-4147-A177-3AD203B41FA5}">
-                      <a16:colId xmlns:a16="http://schemas.microsoft.com/office/drawing/2014/main" xmlns="" val="135413862"/>
+                      <a16:colId xmlns:a16="http://schemas.microsoft.com/office/drawing/2014/main" val="135413862"/>
                     </a:ext>
                   </a:extLst>
                 </a:gridCol>
@@ -43488,7 +42966,7 @@
                 </a:tc>
                 <a:extLst>
                   <a:ext uri="{0D108BD9-81ED-4DB2-BD59-A6C34878D82A}">
-                    <a16:rowId xmlns:a16="http://schemas.microsoft.com/office/drawing/2014/main" xmlns="" val="3068323444"/>
+                    <a16:rowId xmlns:a16="http://schemas.microsoft.com/office/drawing/2014/main" val="3068323444"/>
                   </a:ext>
                 </a:extLst>
               </a:tr>
@@ -43521,7 +42999,7 @@
                 </a:tc>
                 <a:extLst>
                   <a:ext uri="{0D108BD9-81ED-4DB2-BD59-A6C34878D82A}">
-                    <a16:rowId xmlns:a16="http://schemas.microsoft.com/office/drawing/2014/main" xmlns="" val="1586961909"/>
+                    <a16:rowId xmlns:a16="http://schemas.microsoft.com/office/drawing/2014/main" val="1586961909"/>
                   </a:ext>
                 </a:extLst>
               </a:tr>
@@ -43559,7 +43037,7 @@
                 </a:tc>
                 <a:extLst>
                   <a:ext uri="{0D108BD9-81ED-4DB2-BD59-A6C34878D82A}">
-                    <a16:rowId xmlns:a16="http://schemas.microsoft.com/office/drawing/2014/main" xmlns="" val="2280300197"/>
+                    <a16:rowId xmlns:a16="http://schemas.microsoft.com/office/drawing/2014/main" val="2280300197"/>
                   </a:ext>
                 </a:extLst>
               </a:tr>
@@ -43597,7 +43075,7 @@
                 </a:tc>
                 <a:extLst>
                   <a:ext uri="{0D108BD9-81ED-4DB2-BD59-A6C34878D82A}">
-                    <a16:rowId xmlns:a16="http://schemas.microsoft.com/office/drawing/2014/main" xmlns="" val="1192843310"/>
+                    <a16:rowId xmlns:a16="http://schemas.microsoft.com/office/drawing/2014/main" val="1192843310"/>
                   </a:ext>
                 </a:extLst>
               </a:tr>
@@ -43635,7 +43113,7 @@
                 </a:tc>
                 <a:extLst>
                   <a:ext uri="{0D108BD9-81ED-4DB2-BD59-A6C34878D82A}">
-                    <a16:rowId xmlns:a16="http://schemas.microsoft.com/office/drawing/2014/main" xmlns="" val="2620585158"/>
+                    <a16:rowId xmlns:a16="http://schemas.microsoft.com/office/drawing/2014/main" val="2620585158"/>
                   </a:ext>
                 </a:extLst>
               </a:tr>
@@ -43668,7 +43146,7 @@
                 </a:tc>
                 <a:extLst>
                   <a:ext uri="{0D108BD9-81ED-4DB2-BD59-A6C34878D82A}">
-                    <a16:rowId xmlns:a16="http://schemas.microsoft.com/office/drawing/2014/main" xmlns="" val="1697738616"/>
+                    <a16:rowId xmlns:a16="http://schemas.microsoft.com/office/drawing/2014/main" val="1697738616"/>
                   </a:ext>
                 </a:extLst>
               </a:tr>
@@ -43706,7 +43184,7 @@
                 </a:tc>
                 <a:extLst>
                   <a:ext uri="{0D108BD9-81ED-4DB2-BD59-A6C34878D82A}">
-                    <a16:rowId xmlns:a16="http://schemas.microsoft.com/office/drawing/2014/main" xmlns="" val="316611556"/>
+                    <a16:rowId xmlns:a16="http://schemas.microsoft.com/office/drawing/2014/main" val="316611556"/>
                   </a:ext>
                 </a:extLst>
               </a:tr>
@@ -43739,7 +43217,7 @@
                 </a:tc>
                 <a:extLst>
                   <a:ext uri="{0D108BD9-81ED-4DB2-BD59-A6C34878D82A}">
-                    <a16:rowId xmlns:a16="http://schemas.microsoft.com/office/drawing/2014/main" xmlns="" val="1312814102"/>
+                    <a16:rowId xmlns:a16="http://schemas.microsoft.com/office/drawing/2014/main" val="1312814102"/>
                   </a:ext>
                 </a:extLst>
               </a:tr>
@@ -43772,7 +43250,7 @@
                 </a:tc>
                 <a:extLst>
                   <a:ext uri="{0D108BD9-81ED-4DB2-BD59-A6C34878D82A}">
-                    <a16:rowId xmlns:a16="http://schemas.microsoft.com/office/drawing/2014/main" xmlns="" val="1975533996"/>
+                    <a16:rowId xmlns:a16="http://schemas.microsoft.com/office/drawing/2014/main" val="1975533996"/>
                   </a:ext>
                 </a:extLst>
               </a:tr>
@@ -43805,7 +43283,7 @@
                 </a:tc>
                 <a:extLst>
                   <a:ext uri="{0D108BD9-81ED-4DB2-BD59-A6C34878D82A}">
-                    <a16:rowId xmlns:a16="http://schemas.microsoft.com/office/drawing/2014/main" xmlns="" val="2759032957"/>
+                    <a16:rowId xmlns:a16="http://schemas.microsoft.com/office/drawing/2014/main" val="2759032957"/>
                   </a:ext>
                 </a:extLst>
               </a:tr>
@@ -43823,13 +43301,6 @@
   <p:clrMapOvr>
     <a:masterClrMapping/>
   </p:clrMapOvr>
-  <p:timing>
-    <p:tnLst>
-      <p:par>
-        <p:cTn id="1" dur="indefinite" restart="never" nodeType="tmRoot"/>
-      </p:par>
-    </p:tnLst>
-  </p:timing>
 </p:sld>
 </file>
 
@@ -43901,14 +43372,14 @@
                 <a:gridCol w="934278">
                   <a:extLst>
                     <a:ext uri="{9D8B030D-6E8A-4147-A177-3AD203B41FA5}">
-                      <a16:colId xmlns:a16="http://schemas.microsoft.com/office/drawing/2014/main" xmlns="" val="4198655800"/>
+                      <a16:colId xmlns:a16="http://schemas.microsoft.com/office/drawing/2014/main" val="4198655800"/>
                     </a:ext>
                   </a:extLst>
                 </a:gridCol>
                 <a:gridCol w="7295322">
                   <a:extLst>
                     <a:ext uri="{9D8B030D-6E8A-4147-A177-3AD203B41FA5}">
-                      <a16:colId xmlns:a16="http://schemas.microsoft.com/office/drawing/2014/main" xmlns="" val="135413862"/>
+                      <a16:colId xmlns:a16="http://schemas.microsoft.com/office/drawing/2014/main" val="135413862"/>
                     </a:ext>
                   </a:extLst>
                 </a:gridCol>
@@ -43942,7 +43413,7 @@
                 </a:tc>
                 <a:extLst>
                   <a:ext uri="{0D108BD9-81ED-4DB2-BD59-A6C34878D82A}">
-                    <a16:rowId xmlns:a16="http://schemas.microsoft.com/office/drawing/2014/main" xmlns="" val="3068323444"/>
+                    <a16:rowId xmlns:a16="http://schemas.microsoft.com/office/drawing/2014/main" val="3068323444"/>
                   </a:ext>
                 </a:extLst>
               </a:tr>
@@ -43975,7 +43446,7 @@
                 </a:tc>
                 <a:extLst>
                   <a:ext uri="{0D108BD9-81ED-4DB2-BD59-A6C34878D82A}">
-                    <a16:rowId xmlns:a16="http://schemas.microsoft.com/office/drawing/2014/main" xmlns="" val="2484981654"/>
+                    <a16:rowId xmlns:a16="http://schemas.microsoft.com/office/drawing/2014/main" val="2484981654"/>
                   </a:ext>
                 </a:extLst>
               </a:tr>
@@ -44013,7 +43484,7 @@
                 </a:tc>
                 <a:extLst>
                   <a:ext uri="{0D108BD9-81ED-4DB2-BD59-A6C34878D82A}">
-                    <a16:rowId xmlns:a16="http://schemas.microsoft.com/office/drawing/2014/main" xmlns="" val="1377910784"/>
+                    <a16:rowId xmlns:a16="http://schemas.microsoft.com/office/drawing/2014/main" val="1377910784"/>
                   </a:ext>
                 </a:extLst>
               </a:tr>
@@ -44046,7 +43517,7 @@
                 </a:tc>
                 <a:extLst>
                   <a:ext uri="{0D108BD9-81ED-4DB2-BD59-A6C34878D82A}">
-                    <a16:rowId xmlns:a16="http://schemas.microsoft.com/office/drawing/2014/main" xmlns="" val="1387856053"/>
+                    <a16:rowId xmlns:a16="http://schemas.microsoft.com/office/drawing/2014/main" val="1387856053"/>
                   </a:ext>
                 </a:extLst>
               </a:tr>
@@ -44084,7 +43555,7 @@
                 </a:tc>
                 <a:extLst>
                   <a:ext uri="{0D108BD9-81ED-4DB2-BD59-A6C34878D82A}">
-                    <a16:rowId xmlns:a16="http://schemas.microsoft.com/office/drawing/2014/main" xmlns="" val="2599123823"/>
+                    <a16:rowId xmlns:a16="http://schemas.microsoft.com/office/drawing/2014/main" val="2599123823"/>
                   </a:ext>
                 </a:extLst>
               </a:tr>
@@ -44125,7 +43596,7 @@
                 </a:tc>
                 <a:extLst>
                   <a:ext uri="{0D108BD9-81ED-4DB2-BD59-A6C34878D82A}">
-                    <a16:rowId xmlns:a16="http://schemas.microsoft.com/office/drawing/2014/main" xmlns="" val="1232603862"/>
+                    <a16:rowId xmlns:a16="http://schemas.microsoft.com/office/drawing/2014/main" val="1232603862"/>
                   </a:ext>
                 </a:extLst>
               </a:tr>
@@ -44158,7 +43629,7 @@
                 </a:tc>
                 <a:extLst>
                   <a:ext uri="{0D108BD9-81ED-4DB2-BD59-A6C34878D82A}">
-                    <a16:rowId xmlns:a16="http://schemas.microsoft.com/office/drawing/2014/main" xmlns="" val="4145944521"/>
+                    <a16:rowId xmlns:a16="http://schemas.microsoft.com/office/drawing/2014/main" val="4145944521"/>
                   </a:ext>
                 </a:extLst>
               </a:tr>
@@ -44196,7 +43667,7 @@
                 </a:tc>
                 <a:extLst>
                   <a:ext uri="{0D108BD9-81ED-4DB2-BD59-A6C34878D82A}">
-                    <a16:rowId xmlns:a16="http://schemas.microsoft.com/office/drawing/2014/main" xmlns="" val="2954677722"/>
+                    <a16:rowId xmlns:a16="http://schemas.microsoft.com/office/drawing/2014/main" val="2954677722"/>
                   </a:ext>
                 </a:extLst>
               </a:tr>
@@ -44229,7 +43700,7 @@
                 </a:tc>
                 <a:extLst>
                   <a:ext uri="{0D108BD9-81ED-4DB2-BD59-A6C34878D82A}">
-                    <a16:rowId xmlns:a16="http://schemas.microsoft.com/office/drawing/2014/main" xmlns="" val="205903975"/>
+                    <a16:rowId xmlns:a16="http://schemas.microsoft.com/office/drawing/2014/main" val="205903975"/>
                   </a:ext>
                 </a:extLst>
               </a:tr>
@@ -44262,7 +43733,7 @@
                 </a:tc>
                 <a:extLst>
                   <a:ext uri="{0D108BD9-81ED-4DB2-BD59-A6C34878D82A}">
-                    <a16:rowId xmlns:a16="http://schemas.microsoft.com/office/drawing/2014/main" xmlns="" val="2893595017"/>
+                    <a16:rowId xmlns:a16="http://schemas.microsoft.com/office/drawing/2014/main" val="2893595017"/>
                   </a:ext>
                 </a:extLst>
               </a:tr>
@@ -44295,7 +43766,7 @@
                 </a:tc>
                 <a:extLst>
                   <a:ext uri="{0D108BD9-81ED-4DB2-BD59-A6C34878D82A}">
-                    <a16:rowId xmlns:a16="http://schemas.microsoft.com/office/drawing/2014/main" xmlns="" val="2337380595"/>
+                    <a16:rowId xmlns:a16="http://schemas.microsoft.com/office/drawing/2014/main" val="2337380595"/>
                   </a:ext>
                 </a:extLst>
               </a:tr>
@@ -44989,6 +44460,9 @@
             <a:off x="457200" y="1600200"/>
             <a:ext cx="8229600" cy="603985"/>
           </a:xfrm>
+          <a:solidFill>
+            <a:schemeClr val="tx1"/>
+          </a:solidFill>
         </p:spPr>
         <p:txBody>
           <a:bodyPr/>
@@ -44998,7 +44472,11 @@
               <a:buNone/>
             </a:pPr>
             <a:r>
-              <a:rPr lang="en-US" dirty="0"/>
+              <a:rPr lang="en-US" b="1" dirty="0">
+                <a:solidFill>
+                  <a:schemeClr val="bg1"/>
+                </a:solidFill>
+              </a:rPr>
               <a:t>What is logical processing order?</a:t>
             </a:r>
           </a:p>
@@ -45006,13 +44484,21 @@
             <a:pPr marL="0" indent="0">
               <a:buNone/>
             </a:pPr>
-            <a:endParaRPr lang="en-US" dirty="0"/>
+            <a:endParaRPr lang="en-US" b="1" dirty="0">
+              <a:solidFill>
+                <a:schemeClr val="bg1"/>
+              </a:solidFill>
+            </a:endParaRPr>
           </a:p>
           <a:p>
             <a:pPr marL="0" indent="0">
               <a:buNone/>
             </a:pPr>
-            <a:endParaRPr lang="en-US" dirty="0"/>
+            <a:endParaRPr lang="en-US" b="1" dirty="0">
+              <a:solidFill>
+                <a:schemeClr val="bg1"/>
+              </a:solidFill>
+            </a:endParaRPr>
           </a:p>
         </p:txBody>
       </p:sp>
@@ -45032,12 +44518,7 @@
           <a:prstGeom prst="rect">
             <a:avLst/>
           </a:prstGeom>
-          <a:solidFill>
-            <a:schemeClr val="accent5">
-              <a:lumMod val="20000"/>
-              <a:lumOff val="80000"/>
-            </a:schemeClr>
-          </a:solidFill>
+          <a:noFill/>
         </p:spPr>
         <p:txBody>
           <a:bodyPr vert="horz" lIns="91440" tIns="45720" rIns="91440" bIns="45720" rtlCol="0" anchor="ctr">
@@ -45181,9 +44662,10 @@
             </a:lvl9pPr>
           </a:lstStyle>
           <a:p>
-            <a:pPr marL="0" indent="0" algn="ctr">
-              <a:buFont typeface="Wingdings" charset="2"/>
-              <a:buNone/>
+            <a:pPr>
+              <a:buSzPct val="100000"/>
+              <a:buFont typeface="Courier New" panose="02070309020205020404" pitchFamily="49" charset="0"/>
+              <a:buChar char="o"/>
             </a:pPr>
             <a:r>
               <a:rPr lang="en-US" dirty="0"/>
@@ -45208,12 +44690,7 @@
           <a:prstGeom prst="rect">
             <a:avLst/>
           </a:prstGeom>
-          <a:solidFill>
-            <a:schemeClr val="accent5">
-              <a:lumMod val="20000"/>
-              <a:lumOff val="80000"/>
-            </a:schemeClr>
-          </a:solidFill>
+          <a:noFill/>
         </p:spPr>
         <p:txBody>
           <a:bodyPr vert="horz" lIns="91440" tIns="45720" rIns="91440" bIns="45720" rtlCol="0" anchor="ctr">
@@ -45357,9 +44834,10 @@
             </a:lvl9pPr>
           </a:lstStyle>
           <a:p>
-            <a:pPr marL="0" indent="0" algn="ctr">
-              <a:buFont typeface="Wingdings" charset="2"/>
-              <a:buNone/>
+            <a:pPr>
+              <a:buSzPct val="100000"/>
+              <a:buFont typeface="Courier New" panose="02070309020205020404" pitchFamily="49" charset="0"/>
+              <a:buChar char="o"/>
             </a:pPr>
             <a:r>
               <a:rPr lang="en-US" dirty="0"/>
@@ -45384,12 +44862,7 @@
           <a:prstGeom prst="rect">
             <a:avLst/>
           </a:prstGeom>
-          <a:solidFill>
-            <a:schemeClr val="accent5">
-              <a:lumMod val="20000"/>
-              <a:lumOff val="80000"/>
-            </a:schemeClr>
-          </a:solidFill>
+          <a:noFill/>
         </p:spPr>
         <p:txBody>
           <a:bodyPr vert="horz" lIns="91440" tIns="45720" rIns="91440" bIns="45720" rtlCol="0" anchor="ctr">
@@ -45533,9 +45006,10 @@
             </a:lvl9pPr>
           </a:lstStyle>
           <a:p>
-            <a:pPr marL="0" indent="0" algn="ctr">
-              <a:buFont typeface="Wingdings" charset="2"/>
-              <a:buNone/>
+            <a:pPr>
+              <a:buSzPct val="100000"/>
+              <a:buFont typeface="Courier New" panose="02070309020205020404" pitchFamily="49" charset="0"/>
+              <a:buChar char="o"/>
             </a:pPr>
             <a:r>
               <a:rPr lang="en-US" dirty="0"/>
@@ -45611,6 +45085,9 @@
             <a:off x="457200" y="1600200"/>
             <a:ext cx="8229600" cy="603985"/>
           </a:xfrm>
+          <a:solidFill>
+            <a:schemeClr val="tx1"/>
+          </a:solidFill>
         </p:spPr>
         <p:txBody>
           <a:bodyPr/>
@@ -45620,7 +45097,11 @@
               <a:buNone/>
             </a:pPr>
             <a:r>
-              <a:rPr lang="en-US" dirty="0"/>
+              <a:rPr lang="en-US" b="1" dirty="0">
+                <a:solidFill>
+                  <a:schemeClr val="bg1"/>
+                </a:solidFill>
+              </a:rPr>
               <a:t>What is a query tree?</a:t>
             </a:r>
           </a:p>
@@ -45628,13 +45109,21 @@
             <a:pPr marL="0" indent="0">
               <a:buNone/>
             </a:pPr>
-            <a:endParaRPr lang="en-US" dirty="0"/>
+            <a:endParaRPr lang="en-US" b="1" dirty="0">
+              <a:solidFill>
+                <a:schemeClr val="bg1"/>
+              </a:solidFill>
+            </a:endParaRPr>
           </a:p>
           <a:p>
             <a:pPr marL="0" indent="0">
               <a:buNone/>
             </a:pPr>
-            <a:endParaRPr lang="en-US" dirty="0"/>
+            <a:endParaRPr lang="en-US" b="1" dirty="0">
+              <a:solidFill>
+                <a:schemeClr val="bg1"/>
+              </a:solidFill>
+            </a:endParaRPr>
           </a:p>
         </p:txBody>
       </p:sp>
@@ -45654,12 +45143,7 @@
           <a:prstGeom prst="rect">
             <a:avLst/>
           </a:prstGeom>
-          <a:solidFill>
-            <a:schemeClr val="accent5">
-              <a:lumMod val="20000"/>
-              <a:lumOff val="80000"/>
-            </a:schemeClr>
-          </a:solidFill>
+          <a:noFill/>
         </p:spPr>
         <p:txBody>
           <a:bodyPr vert="horz" lIns="91440" tIns="45720" rIns="91440" bIns="45720" rtlCol="0" anchor="ctr">
@@ -45803,9 +45287,9 @@
             </a:lvl9pPr>
           </a:lstStyle>
           <a:p>
-            <a:pPr marL="0" indent="0" algn="ctr">
-              <a:buFont typeface="Wingdings" charset="2"/>
-              <a:buNone/>
+            <a:pPr>
+              <a:buFont typeface="Courier New" panose="02070309020205020404" pitchFamily="49" charset="0"/>
+              <a:buChar char="o"/>
             </a:pPr>
             <a:r>
               <a:rPr lang="en-US" dirty="0"/>
@@ -45830,12 +45314,7 @@
           <a:prstGeom prst="rect">
             <a:avLst/>
           </a:prstGeom>
-          <a:solidFill>
-            <a:schemeClr val="accent5">
-              <a:lumMod val="20000"/>
-              <a:lumOff val="80000"/>
-            </a:schemeClr>
-          </a:solidFill>
+          <a:noFill/>
         </p:spPr>
         <p:txBody>
           <a:bodyPr vert="horz" lIns="91440" tIns="45720" rIns="91440" bIns="45720" rtlCol="0" anchor="ctr">
@@ -45979,9 +45458,9 @@
             </a:lvl9pPr>
           </a:lstStyle>
           <a:p>
-            <a:pPr marL="0" indent="0" algn="ctr">
-              <a:buFont typeface="Wingdings" charset="2"/>
-              <a:buNone/>
+            <a:pPr>
+              <a:buFont typeface="Courier New" panose="02070309020205020404" pitchFamily="49" charset="0"/>
+              <a:buChar char="o"/>
             </a:pPr>
             <a:r>
               <a:rPr lang="en-US" dirty="0"/>
@@ -46006,12 +45485,7 @@
           <a:prstGeom prst="rect">
             <a:avLst/>
           </a:prstGeom>
-          <a:solidFill>
-            <a:schemeClr val="accent5">
-              <a:lumMod val="20000"/>
-              <a:lumOff val="80000"/>
-            </a:schemeClr>
-          </a:solidFill>
+          <a:noFill/>
         </p:spPr>
         <p:txBody>
           <a:bodyPr vert="horz" lIns="91440" tIns="45720" rIns="91440" bIns="45720" rtlCol="0" anchor="ctr">
@@ -46155,9 +45629,9 @@
             </a:lvl9pPr>
           </a:lstStyle>
           <a:p>
-            <a:pPr marL="0" indent="0" algn="ctr">
-              <a:buFont typeface="Wingdings" charset="2"/>
-              <a:buNone/>
+            <a:pPr>
+              <a:buFont typeface="Courier New" panose="02070309020205020404" pitchFamily="49" charset="0"/>
+              <a:buChar char="o"/>
             </a:pPr>
             <a:r>
               <a:rPr lang="en-US" dirty="0"/>
@@ -46233,6 +45707,9 @@
             <a:off x="457200" y="1600200"/>
             <a:ext cx="8229600" cy="603985"/>
           </a:xfrm>
+          <a:solidFill>
+            <a:schemeClr val="tx1"/>
+          </a:solidFill>
         </p:spPr>
         <p:txBody>
           <a:bodyPr/>
@@ -46242,7 +45719,11 @@
               <a:buNone/>
             </a:pPr>
             <a:r>
-              <a:rPr lang="en-US" dirty="0"/>
+              <a:rPr lang="en-US" b="1" dirty="0">
+                <a:solidFill>
+                  <a:schemeClr val="bg1"/>
+                </a:solidFill>
+              </a:rPr>
               <a:t>What is a memo structure in SQL Server?</a:t>
             </a:r>
           </a:p>
@@ -46250,13 +45731,21 @@
             <a:pPr marL="0" indent="0">
               <a:buNone/>
             </a:pPr>
-            <a:endParaRPr lang="en-US" dirty="0"/>
+            <a:endParaRPr lang="en-US" b="1" dirty="0">
+              <a:solidFill>
+                <a:schemeClr val="bg1"/>
+              </a:solidFill>
+            </a:endParaRPr>
           </a:p>
           <a:p>
             <a:pPr marL="0" indent="0">
               <a:buNone/>
             </a:pPr>
-            <a:endParaRPr lang="en-US" dirty="0"/>
+            <a:endParaRPr lang="en-US" b="1" dirty="0">
+              <a:solidFill>
+                <a:schemeClr val="bg1"/>
+              </a:solidFill>
+            </a:endParaRPr>
           </a:p>
         </p:txBody>
       </p:sp>
@@ -46276,12 +45765,7 @@
           <a:prstGeom prst="rect">
             <a:avLst/>
           </a:prstGeom>
-          <a:solidFill>
-            <a:schemeClr val="accent5">
-              <a:lumMod val="20000"/>
-              <a:lumOff val="80000"/>
-            </a:schemeClr>
-          </a:solidFill>
+          <a:noFill/>
         </p:spPr>
         <p:txBody>
           <a:bodyPr vert="horz" lIns="91440" tIns="45720" rIns="91440" bIns="45720" rtlCol="0" anchor="ctr">
@@ -46425,9 +45909,9 @@
             </a:lvl9pPr>
           </a:lstStyle>
           <a:p>
-            <a:pPr marL="0" indent="0" algn="ctr">
-              <a:buFont typeface="Wingdings" charset="2"/>
-              <a:buNone/>
+            <a:pPr>
+              <a:buFont typeface="Courier New" panose="02070309020205020404" pitchFamily="49" charset="0"/>
+              <a:buChar char="o"/>
             </a:pPr>
             <a:r>
               <a:rPr lang="en-US" dirty="0"/>
@@ -46452,12 +45936,7 @@
           <a:prstGeom prst="rect">
             <a:avLst/>
           </a:prstGeom>
-          <a:solidFill>
-            <a:schemeClr val="accent5">
-              <a:lumMod val="20000"/>
-              <a:lumOff val="80000"/>
-            </a:schemeClr>
-          </a:solidFill>
+          <a:noFill/>
         </p:spPr>
         <p:txBody>
           <a:bodyPr vert="horz" lIns="91440" tIns="45720" rIns="91440" bIns="45720" rtlCol="0" anchor="ctr">
@@ -46601,9 +46080,9 @@
             </a:lvl9pPr>
           </a:lstStyle>
           <a:p>
-            <a:pPr marL="0" indent="0" algn="ctr">
-              <a:buFont typeface="Wingdings" charset="2"/>
-              <a:buNone/>
+            <a:pPr>
+              <a:buFont typeface="Courier New" panose="02070309020205020404" pitchFamily="49" charset="0"/>
+              <a:buChar char="o"/>
             </a:pPr>
             <a:r>
               <a:rPr lang="en-US" dirty="0"/>
@@ -46628,12 +46107,7 @@
           <a:prstGeom prst="rect">
             <a:avLst/>
           </a:prstGeom>
-          <a:solidFill>
-            <a:schemeClr val="accent5">
-              <a:lumMod val="20000"/>
-              <a:lumOff val="80000"/>
-            </a:schemeClr>
-          </a:solidFill>
+          <a:noFill/>
         </p:spPr>
         <p:txBody>
           <a:bodyPr vert="horz" lIns="91440" tIns="45720" rIns="91440" bIns="45720" rtlCol="0" anchor="ctr">
@@ -46777,9 +46251,9 @@
             </a:lvl9pPr>
           </a:lstStyle>
           <a:p>
-            <a:pPr marL="0" indent="0" algn="ctr">
-              <a:buFont typeface="Wingdings" charset="2"/>
-              <a:buNone/>
+            <a:pPr>
+              <a:buFont typeface="Courier New" panose="02070309020205020404" pitchFamily="49" charset="0"/>
+              <a:buChar char="o"/>
             </a:pPr>
             <a:r>
               <a:rPr lang="en-US" dirty="0"/>

--- a/Optimizer.pptx
+++ b/Optimizer.pptx
@@ -272,7 +272,7 @@
           <a:p>
             <a:fld id="{2EDCB34D-5EC2-4739-9693-E425457AC201}" type="datetimeFigureOut">
               <a:rPr lang="en-US" smtClean="0"/>
-              <a:t>8/24/2016</a:t>
+              <a:t>9/13/2016</a:t>
             </a:fld>
             <a:endParaRPr lang="en-US"/>
           </a:p>
@@ -3112,7 +3112,7 @@
             <a:fld id="{5942B21B-2ADA-A040-A652-A7305E1B99FE}" type="datetimeFigureOut">
               <a:rPr lang="en-US" smtClean="0"/>
               <a:pPr/>
-              <a:t>8/24/2016</a:t>
+              <a:t>9/13/2016</a:t>
             </a:fld>
             <a:endParaRPr lang="en-US" dirty="0"/>
           </a:p>
@@ -3302,7 +3302,7 @@
           <a:p>
             <a:fld id="{5942B21B-2ADA-A040-A652-A7305E1B99FE}" type="datetimeFigureOut">
               <a:rPr lang="en-US" smtClean="0"/>
-              <a:t>8/24/2016</a:t>
+              <a:t>9/13/2016</a:t>
             </a:fld>
             <a:endParaRPr lang="en-US"/>
           </a:p>
@@ -3426,7 +3426,7 @@
             <a:fld id="{5942B21B-2ADA-A040-A652-A7305E1B99FE}" type="datetimeFigureOut">
               <a:rPr lang="en-US" smtClean="0"/>
               <a:pPr/>
-              <a:t>8/24/2016</a:t>
+              <a:t>9/13/2016</a:t>
             </a:fld>
             <a:r>
               <a:rPr lang="en-US"/>
@@ -3697,7 +3697,7 @@
             <a:fld id="{5942B21B-2ADA-A040-A652-A7305E1B99FE}" type="datetimeFigureOut">
               <a:rPr lang="en-US" smtClean="0"/>
               <a:pPr/>
-              <a:t>8/24/2016</a:t>
+              <a:t>9/13/2016</a:t>
             </a:fld>
             <a:r>
               <a:rPr lang="en-US" dirty="0"/>
@@ -3967,7 +3967,7 @@
             <a:fld id="{5942B21B-2ADA-A040-A652-A7305E1B99FE}" type="datetimeFigureOut">
               <a:rPr lang="en-US" smtClean="0"/>
               <a:pPr/>
-              <a:t>8/24/2016</a:t>
+              <a:t>9/13/2016</a:t>
             </a:fld>
             <a:r>
               <a:rPr lang="en-US" dirty="0"/>
@@ -4307,7 +4307,7 @@
             <a:fld id="{5942B21B-2ADA-A040-A652-A7305E1B99FE}" type="datetimeFigureOut">
               <a:rPr lang="en-US" smtClean="0"/>
               <a:pPr/>
-              <a:t>8/24/2016</a:t>
+              <a:t>9/13/2016</a:t>
             </a:fld>
             <a:r>
               <a:rPr lang="en-US" dirty="0"/>
@@ -4648,7 +4648,7 @@
             <a:fld id="{5942B21B-2ADA-A040-A652-A7305E1B99FE}" type="datetimeFigureOut">
               <a:rPr lang="en-US" smtClean="0"/>
               <a:pPr/>
-              <a:t>8/24/2016</a:t>
+              <a:t>9/13/2016</a:t>
             </a:fld>
             <a:r>
               <a:rPr lang="en-US" dirty="0"/>
@@ -5163,7 +5163,7 @@
             <a:fld id="{5942B21B-2ADA-A040-A652-A7305E1B99FE}" type="datetimeFigureOut">
               <a:rPr lang="en-US" smtClean="0"/>
               <a:pPr/>
-              <a:t>8/24/2016</a:t>
+              <a:t>9/13/2016</a:t>
             </a:fld>
             <a:r>
               <a:rPr lang="en-US" dirty="0"/>
@@ -5372,7 +5372,7 @@
             <a:fld id="{5942B21B-2ADA-A040-A652-A7305E1B99FE}" type="datetimeFigureOut">
               <a:rPr lang="en-US" smtClean="0"/>
               <a:pPr/>
-              <a:t>8/24/2016</a:t>
+              <a:t>9/13/2016</a:t>
             </a:fld>
             <a:r>
               <a:rPr lang="en-US" dirty="0"/>
@@ -5559,7 +5559,7 @@
             <a:fld id="{5942B21B-2ADA-A040-A652-A7305E1B99FE}" type="datetimeFigureOut">
               <a:rPr lang="en-US" smtClean="0"/>
               <a:pPr/>
-              <a:t>8/24/2016</a:t>
+              <a:t>9/13/2016</a:t>
             </a:fld>
             <a:r>
               <a:rPr lang="en-US" dirty="0"/>
@@ -5890,7 +5890,7 @@
             <a:fld id="{5942B21B-2ADA-A040-A652-A7305E1B99FE}" type="datetimeFigureOut">
               <a:rPr lang="en-US" smtClean="0"/>
               <a:pPr/>
-              <a:t>8/24/2016</a:t>
+              <a:t>9/13/2016</a:t>
             </a:fld>
             <a:r>
               <a:rPr lang="en-US" dirty="0"/>
@@ -6198,7 +6198,7 @@
             <a:fld id="{5942B21B-2ADA-A040-A652-A7305E1B99FE}" type="datetimeFigureOut">
               <a:rPr lang="en-US" smtClean="0"/>
               <a:pPr/>
-              <a:t>8/24/2016</a:t>
+              <a:t>9/13/2016</a:t>
             </a:fld>
             <a:r>
               <a:rPr lang="en-US" dirty="0"/>
@@ -6477,7 +6477,7 @@
             <a:fld id="{5942B21B-2ADA-A040-A652-A7305E1B99FE}" type="datetimeFigureOut">
               <a:rPr lang="en-US" smtClean="0"/>
               <a:pPr/>
-              <a:t>8/24/2016</a:t>
+              <a:t>9/13/2016</a:t>
             </a:fld>
             <a:r>
               <a:rPr lang="en-US" dirty="0"/>
@@ -8289,15 +8289,15 @@
                 <a:ea typeface="Calibri" panose="020F0502020204030204" pitchFamily="34" charset="0"/>
                 <a:cs typeface="Times New Roman" panose="02020603050405020304" pitchFamily="18" charset="0"/>
               </a:rPr>
-              <a:t>=</a:t>
-            </a:r>
-            <a:r>
-              <a:rPr lang="en-US" dirty="0">
-                <a:latin typeface="Consolas" panose="020B0609020204030204" pitchFamily="49" charset="0"/>
-                <a:ea typeface="Calibri" panose="020F0502020204030204" pitchFamily="34" charset="0"/>
-                <a:cs typeface="Times New Roman" panose="02020603050405020304" pitchFamily="18" charset="0"/>
-              </a:rPr>
-              <a:t> </a:t>
+              <a:t>in</a:t>
+            </a:r>
+            <a:r>
+              <a:rPr lang="en-US" dirty="0">
+                <a:latin typeface="Consolas" panose="020B0609020204030204" pitchFamily="49" charset="0"/>
+                <a:ea typeface="Calibri" panose="020F0502020204030204" pitchFamily="34" charset="0"/>
+                <a:cs typeface="Times New Roman" panose="02020603050405020304" pitchFamily="18" charset="0"/>
+              </a:rPr>
+              <a:t> (</a:t>
             </a:r>
             <a:r>
               <a:rPr lang="en-US" dirty="0">
@@ -8308,7 +8308,15 @@
                 <a:ea typeface="Calibri" panose="020F0502020204030204" pitchFamily="34" charset="0"/>
                 <a:cs typeface="Times New Roman" panose="02020603050405020304" pitchFamily="18" charset="0"/>
               </a:rPr>
-              <a:t>'OK'</a:t>
+              <a:t>'KS', 'MO'</a:t>
+            </a:r>
+            <a:r>
+              <a:rPr lang="en-US" dirty="0">
+                <a:latin typeface="Consolas" panose="020B0609020204030204" pitchFamily="49" charset="0"/>
+                <a:ea typeface="Calibri" panose="020F0502020204030204" pitchFamily="34" charset="0"/>
+                <a:cs typeface="Times New Roman" panose="02020603050405020304" pitchFamily="18" charset="0"/>
+              </a:rPr>
+              <a:t>)</a:t>
             </a:r>
             <a:endParaRPr lang="en-US" sz="2400" dirty="0">
               <a:latin typeface="Calibri" panose="020F0502020204030204" pitchFamily="34" charset="0"/>
@@ -9788,15 +9796,15 @@
                 <a:ea typeface="Calibri" panose="020F0502020204030204" pitchFamily="34" charset="0"/>
                 <a:cs typeface="Times New Roman" panose="02020603050405020304" pitchFamily="18" charset="0"/>
               </a:rPr>
-              <a:t>=</a:t>
-            </a:r>
-            <a:r>
-              <a:rPr lang="en-US" dirty="0">
-                <a:latin typeface="Consolas" panose="020B0609020204030204" pitchFamily="49" charset="0"/>
-                <a:ea typeface="Calibri" panose="020F0502020204030204" pitchFamily="34" charset="0"/>
-                <a:cs typeface="Times New Roman" panose="02020603050405020304" pitchFamily="18" charset="0"/>
-              </a:rPr>
-              <a:t> </a:t>
+              <a:t>in</a:t>
+            </a:r>
+            <a:r>
+              <a:rPr lang="en-US" dirty="0">
+                <a:latin typeface="Consolas" panose="020B0609020204030204" pitchFamily="49" charset="0"/>
+                <a:ea typeface="Calibri" panose="020F0502020204030204" pitchFamily="34" charset="0"/>
+                <a:cs typeface="Times New Roman" panose="02020603050405020304" pitchFamily="18" charset="0"/>
+              </a:rPr>
+              <a:t> (</a:t>
             </a:r>
             <a:r>
               <a:rPr lang="en-US" dirty="0">
@@ -9807,7 +9815,15 @@
                 <a:ea typeface="Calibri" panose="020F0502020204030204" pitchFamily="34" charset="0"/>
                 <a:cs typeface="Times New Roman" panose="02020603050405020304" pitchFamily="18" charset="0"/>
               </a:rPr>
-              <a:t>'OK'</a:t>
+              <a:t>'KS', 'MO'</a:t>
+            </a:r>
+            <a:r>
+              <a:rPr lang="en-US" dirty="0">
+                <a:latin typeface="Consolas" panose="020B0609020204030204" pitchFamily="49" charset="0"/>
+                <a:ea typeface="Calibri" panose="020F0502020204030204" pitchFamily="34" charset="0"/>
+                <a:cs typeface="Times New Roman" panose="02020603050405020304" pitchFamily="18" charset="0"/>
+              </a:rPr>
+              <a:t>)</a:t>
             </a:r>
             <a:endParaRPr lang="en-US" sz="2400" dirty="0">
               <a:latin typeface="Calibri" panose="020F0502020204030204" pitchFamily="34" charset="0"/>
@@ -11012,30 +11028,33 @@
             </a:r>
             <a:r>
               <a:rPr lang="en-US" dirty="0">
-                <a:latin typeface="Consolas" panose="020B0609020204030204" pitchFamily="49" charset="0"/>
-                <a:ea typeface="Calibri" panose="020F0502020204030204" pitchFamily="34" charset="0"/>
-                <a:cs typeface="Times New Roman" panose="02020603050405020304" pitchFamily="18" charset="0"/>
-              </a:rPr>
-              <a:t> </a:t>
-            </a:r>
-            <a:r>
-              <a:rPr lang="en-US" dirty="0">
-                <a:solidFill>
-                  <a:srgbClr val="808080"/>
-                </a:solidFill>
-                <a:latin typeface="Consolas" panose="020B0609020204030204" pitchFamily="49" charset="0"/>
-                <a:ea typeface="Calibri" panose="020F0502020204030204" pitchFamily="34" charset="0"/>
-                <a:cs typeface="Times New Roman" panose="02020603050405020304" pitchFamily="18" charset="0"/>
-              </a:rPr>
-              <a:t>=</a:t>
-            </a:r>
-            <a:r>
-              <a:rPr lang="en-US" dirty="0">
-                <a:latin typeface="Consolas" panose="020B0609020204030204" pitchFamily="49" charset="0"/>
-                <a:ea typeface="Calibri" panose="020F0502020204030204" pitchFamily="34" charset="0"/>
-                <a:cs typeface="Times New Roman" panose="02020603050405020304" pitchFamily="18" charset="0"/>
-              </a:rPr>
-              <a:t> </a:t>
+                <a:solidFill>
+                  <a:srgbClr val="0000FF"/>
+                </a:solidFill>
+                <a:latin typeface="Consolas" panose="020B0609020204030204" pitchFamily="49" charset="0"/>
+                <a:ea typeface="Calibri" panose="020F0502020204030204" pitchFamily="34" charset="0"/>
+                <a:cs typeface="Times New Roman" panose="02020603050405020304" pitchFamily="18" charset="0"/>
+              </a:rPr>
+              <a:t> </a:t>
+            </a:r>
+            <a:r>
+              <a:rPr lang="en-US" dirty="0">
+                <a:solidFill>
+                  <a:srgbClr val="808080"/>
+                </a:solidFill>
+                <a:latin typeface="Consolas" panose="020B0609020204030204" pitchFamily="49" charset="0"/>
+                <a:ea typeface="Calibri" panose="020F0502020204030204" pitchFamily="34" charset="0"/>
+                <a:cs typeface="Times New Roman" panose="02020603050405020304" pitchFamily="18" charset="0"/>
+              </a:rPr>
+              <a:t>in</a:t>
+            </a:r>
+            <a:r>
+              <a:rPr lang="en-US" dirty="0">
+                <a:latin typeface="Consolas" panose="020B0609020204030204" pitchFamily="49" charset="0"/>
+                <a:ea typeface="Calibri" panose="020F0502020204030204" pitchFamily="34" charset="0"/>
+                <a:cs typeface="Times New Roman" panose="02020603050405020304" pitchFamily="18" charset="0"/>
+              </a:rPr>
+              <a:t> (</a:t>
             </a:r>
             <a:r>
               <a:rPr lang="en-US" dirty="0">
@@ -11046,13 +11065,16 @@
                 <a:ea typeface="Calibri" panose="020F0502020204030204" pitchFamily="34" charset="0"/>
                 <a:cs typeface="Times New Roman" panose="02020603050405020304" pitchFamily="18" charset="0"/>
               </a:rPr>
-              <a:t>'OK'</a:t>
-            </a:r>
-            <a:endParaRPr lang="en-US" sz="2400" dirty="0">
-              <a:latin typeface="Calibri" panose="020F0502020204030204" pitchFamily="34" charset="0"/>
-              <a:ea typeface="Calibri" panose="020F0502020204030204" pitchFamily="34" charset="0"/>
-              <a:cs typeface="Times New Roman" panose="02020603050405020304" pitchFamily="18" charset="0"/>
-            </a:endParaRPr>
+              <a:t>'KS', 'MO'</a:t>
+            </a:r>
+            <a:r>
+              <a:rPr lang="en-US" dirty="0">
+                <a:latin typeface="Consolas" panose="020B0609020204030204" pitchFamily="49" charset="0"/>
+                <a:ea typeface="Calibri" panose="020F0502020204030204" pitchFamily="34" charset="0"/>
+                <a:cs typeface="Times New Roman" panose="02020603050405020304" pitchFamily="18" charset="0"/>
+              </a:rPr>
+              <a:t>)</a:t>
+            </a:r>
           </a:p>
           <a:p>
             <a:pPr>
@@ -12225,15 +12247,15 @@
                 <a:ea typeface="Calibri" panose="020F0502020204030204" pitchFamily="34" charset="0"/>
                 <a:cs typeface="Times New Roman" panose="02020603050405020304" pitchFamily="18" charset="0"/>
               </a:rPr>
-              <a:t>=</a:t>
-            </a:r>
-            <a:r>
-              <a:rPr lang="en-US" dirty="0">
-                <a:latin typeface="Consolas" panose="020B0609020204030204" pitchFamily="49" charset="0"/>
-                <a:ea typeface="Calibri" panose="020F0502020204030204" pitchFamily="34" charset="0"/>
-                <a:cs typeface="Times New Roman" panose="02020603050405020304" pitchFamily="18" charset="0"/>
-              </a:rPr>
-              <a:t> </a:t>
+              <a:t>in</a:t>
+            </a:r>
+            <a:r>
+              <a:rPr lang="en-US" dirty="0">
+                <a:latin typeface="Consolas" panose="020B0609020204030204" pitchFamily="49" charset="0"/>
+                <a:ea typeface="Calibri" panose="020F0502020204030204" pitchFamily="34" charset="0"/>
+                <a:cs typeface="Times New Roman" panose="02020603050405020304" pitchFamily="18" charset="0"/>
+              </a:rPr>
+              <a:t> (</a:t>
             </a:r>
             <a:r>
               <a:rPr lang="en-US" dirty="0">
@@ -12244,7 +12266,15 @@
                 <a:ea typeface="Calibri" panose="020F0502020204030204" pitchFamily="34" charset="0"/>
                 <a:cs typeface="Times New Roman" panose="02020603050405020304" pitchFamily="18" charset="0"/>
               </a:rPr>
-              <a:t>'OK'</a:t>
+              <a:t>'KS', 'MO'</a:t>
+            </a:r>
+            <a:r>
+              <a:rPr lang="en-US" dirty="0">
+                <a:latin typeface="Consolas" panose="020B0609020204030204" pitchFamily="49" charset="0"/>
+                <a:ea typeface="Calibri" panose="020F0502020204030204" pitchFamily="34" charset="0"/>
+                <a:cs typeface="Times New Roman" panose="02020603050405020304" pitchFamily="18" charset="0"/>
+              </a:rPr>
+              <a:t>)</a:t>
             </a:r>
             <a:endParaRPr lang="en-US" sz="2400" dirty="0">
               <a:latin typeface="Calibri" panose="020F0502020204030204" pitchFamily="34" charset="0"/>
@@ -13436,15 +13466,15 @@
                 <a:ea typeface="Calibri" panose="020F0502020204030204" pitchFamily="34" charset="0"/>
                 <a:cs typeface="Times New Roman" panose="02020603050405020304" pitchFamily="18" charset="0"/>
               </a:rPr>
-              <a:t>=</a:t>
-            </a:r>
-            <a:r>
-              <a:rPr lang="en-US" dirty="0">
-                <a:latin typeface="Consolas" panose="020B0609020204030204" pitchFamily="49" charset="0"/>
-                <a:ea typeface="Calibri" panose="020F0502020204030204" pitchFamily="34" charset="0"/>
-                <a:cs typeface="Times New Roman" panose="02020603050405020304" pitchFamily="18" charset="0"/>
-              </a:rPr>
-              <a:t> </a:t>
+              <a:t>in</a:t>
+            </a:r>
+            <a:r>
+              <a:rPr lang="en-US" dirty="0">
+                <a:latin typeface="Consolas" panose="020B0609020204030204" pitchFamily="49" charset="0"/>
+                <a:ea typeface="Calibri" panose="020F0502020204030204" pitchFamily="34" charset="0"/>
+                <a:cs typeface="Times New Roman" panose="02020603050405020304" pitchFamily="18" charset="0"/>
+              </a:rPr>
+              <a:t> (</a:t>
             </a:r>
             <a:r>
               <a:rPr lang="en-US" dirty="0">
@@ -13455,7 +13485,15 @@
                 <a:ea typeface="Calibri" panose="020F0502020204030204" pitchFamily="34" charset="0"/>
                 <a:cs typeface="Times New Roman" panose="02020603050405020304" pitchFamily="18" charset="0"/>
               </a:rPr>
-              <a:t>'OK'</a:t>
+              <a:t>'KS', 'MO'</a:t>
+            </a:r>
+            <a:r>
+              <a:rPr lang="en-US" dirty="0">
+                <a:latin typeface="Consolas" panose="020B0609020204030204" pitchFamily="49" charset="0"/>
+                <a:ea typeface="Calibri" panose="020F0502020204030204" pitchFamily="34" charset="0"/>
+                <a:cs typeface="Times New Roman" panose="02020603050405020304" pitchFamily="18" charset="0"/>
+              </a:rPr>
+              <a:t>)</a:t>
             </a:r>
             <a:endParaRPr lang="en-US" sz="2400" dirty="0">
               <a:latin typeface="Calibri" panose="020F0502020204030204" pitchFamily="34" charset="0"/>
@@ -14668,7 +14706,7 @@
                 <a:ea typeface="Calibri" panose="020F0502020204030204" pitchFamily="34" charset="0"/>
                 <a:cs typeface="Times New Roman" panose="02020603050405020304" pitchFamily="18" charset="0"/>
               </a:rPr>
-              <a:t> = 'OK'</a:t>
+              <a:t> in ('KS', 'MO')</a:t>
             </a:r>
           </a:p>
           <a:p>
@@ -15009,7 +15047,7 @@
             </a:pPr>
             <a:r>
               <a:rPr lang="en-US" sz="3000" dirty="0"/>
-              <a:t>Find rows in R4 where State = ‘OK’</a:t>
+              <a:t>Find rows in R4 where State = ‘KS’ or ‘MO’</a:t>
             </a:r>
           </a:p>
           <a:p>
@@ -15019,7 +15057,7 @@
             </a:pPr>
             <a:r>
               <a:rPr lang="en-US" sz="3000" dirty="0"/>
-              <a:t>Result is 8,612 rows / 14 columns</a:t>
+              <a:t>Result is 19,805 rows / 14 columns</a:t>
             </a:r>
           </a:p>
           <a:p>
@@ -15892,15 +15930,15 @@
                 <a:ea typeface="Calibri" panose="020F0502020204030204" pitchFamily="34" charset="0"/>
                 <a:cs typeface="Times New Roman" panose="02020603050405020304" pitchFamily="18" charset="0"/>
               </a:rPr>
-              <a:t>=</a:t>
-            </a:r>
-            <a:r>
-              <a:rPr lang="en-US" dirty="0">
-                <a:latin typeface="Consolas" panose="020B0609020204030204" pitchFamily="49" charset="0"/>
-                <a:ea typeface="Calibri" panose="020F0502020204030204" pitchFamily="34" charset="0"/>
-                <a:cs typeface="Times New Roman" panose="02020603050405020304" pitchFamily="18" charset="0"/>
-              </a:rPr>
-              <a:t> </a:t>
+              <a:t>in</a:t>
+            </a:r>
+            <a:r>
+              <a:rPr lang="en-US" dirty="0">
+                <a:latin typeface="Consolas" panose="020B0609020204030204" pitchFamily="49" charset="0"/>
+                <a:ea typeface="Calibri" panose="020F0502020204030204" pitchFamily="34" charset="0"/>
+                <a:cs typeface="Times New Roman" panose="02020603050405020304" pitchFamily="18" charset="0"/>
+              </a:rPr>
+              <a:t> (</a:t>
             </a:r>
             <a:r>
               <a:rPr lang="en-US" dirty="0">
@@ -15911,7 +15949,15 @@
                 <a:ea typeface="Calibri" panose="020F0502020204030204" pitchFamily="34" charset="0"/>
                 <a:cs typeface="Times New Roman" panose="02020603050405020304" pitchFamily="18" charset="0"/>
               </a:rPr>
-              <a:t>'OK'</a:t>
+              <a:t>'KS', 'MO'</a:t>
+            </a:r>
+            <a:r>
+              <a:rPr lang="en-US" dirty="0">
+                <a:latin typeface="Consolas" panose="020B0609020204030204" pitchFamily="49" charset="0"/>
+                <a:ea typeface="Calibri" panose="020F0502020204030204" pitchFamily="34" charset="0"/>
+                <a:cs typeface="Times New Roman" panose="02020603050405020304" pitchFamily="18" charset="0"/>
+              </a:rPr>
+              <a:t>)</a:t>
             </a:r>
             <a:endParaRPr lang="en-US" sz="2400" dirty="0">
               <a:latin typeface="Calibri" panose="020F0502020204030204" pitchFamily="34" charset="0"/>
@@ -16245,7 +16291,7 @@
             </a:pPr>
             <a:r>
               <a:rPr lang="en-US" sz="3000" dirty="0"/>
-              <a:t>Result is 4,409 rows / 2 columns</a:t>
+              <a:t>Result is 6,464 rows / 2 columns</a:t>
             </a:r>
           </a:p>
           <a:p>
@@ -17140,15 +17186,15 @@
                 <a:ea typeface="Calibri" panose="020F0502020204030204" pitchFamily="34" charset="0"/>
                 <a:cs typeface="Times New Roman" panose="02020603050405020304" pitchFamily="18" charset="0"/>
               </a:rPr>
-              <a:t>=</a:t>
-            </a:r>
-            <a:r>
-              <a:rPr lang="en-US" dirty="0">
-                <a:latin typeface="Consolas" panose="020B0609020204030204" pitchFamily="49" charset="0"/>
-                <a:ea typeface="Calibri" panose="020F0502020204030204" pitchFamily="34" charset="0"/>
-                <a:cs typeface="Times New Roman" panose="02020603050405020304" pitchFamily="18" charset="0"/>
-              </a:rPr>
-              <a:t> </a:t>
+              <a:t>in</a:t>
+            </a:r>
+            <a:r>
+              <a:rPr lang="en-US" dirty="0">
+                <a:latin typeface="Consolas" panose="020B0609020204030204" pitchFamily="49" charset="0"/>
+                <a:ea typeface="Calibri" panose="020F0502020204030204" pitchFamily="34" charset="0"/>
+                <a:cs typeface="Times New Roman" panose="02020603050405020304" pitchFamily="18" charset="0"/>
+              </a:rPr>
+              <a:t> (</a:t>
             </a:r>
             <a:r>
               <a:rPr lang="en-US" dirty="0">
@@ -17159,7 +17205,15 @@
                 <a:ea typeface="Calibri" panose="020F0502020204030204" pitchFamily="34" charset="0"/>
                 <a:cs typeface="Times New Roman" panose="02020603050405020304" pitchFamily="18" charset="0"/>
               </a:rPr>
-              <a:t>'OK'</a:t>
+              <a:t>'KS', 'MO'</a:t>
+            </a:r>
+            <a:r>
+              <a:rPr lang="en-US" dirty="0">
+                <a:latin typeface="Consolas" panose="020B0609020204030204" pitchFamily="49" charset="0"/>
+                <a:ea typeface="Calibri" panose="020F0502020204030204" pitchFamily="34" charset="0"/>
+                <a:cs typeface="Times New Roman" panose="02020603050405020304" pitchFamily="18" charset="0"/>
+              </a:rPr>
+              <a:t>)</a:t>
             </a:r>
             <a:endParaRPr lang="en-US" sz="2400" dirty="0">
               <a:latin typeface="Calibri" panose="020F0502020204030204" pitchFamily="34" charset="0"/>
@@ -17440,7 +17494,7 @@
             </a:pPr>
             <a:r>
               <a:rPr lang="en-US" sz="3000" dirty="0"/>
-              <a:t>Result is 39 rows / 2 columns</a:t>
+              <a:t>Result is 123 rows / 2 columns</a:t>
             </a:r>
           </a:p>
           <a:p>
@@ -19247,15 +19301,15 @@
                 <a:ea typeface="Calibri" panose="020F0502020204030204" pitchFamily="34" charset="0"/>
                 <a:cs typeface="Times New Roman" panose="02020603050405020304" pitchFamily="18" charset="0"/>
               </a:rPr>
-              <a:t>=</a:t>
-            </a:r>
-            <a:r>
-              <a:rPr lang="en-US" dirty="0">
-                <a:latin typeface="Consolas" panose="020B0609020204030204" pitchFamily="49" charset="0"/>
-                <a:ea typeface="Calibri" panose="020F0502020204030204" pitchFamily="34" charset="0"/>
-                <a:cs typeface="Times New Roman" panose="02020603050405020304" pitchFamily="18" charset="0"/>
-              </a:rPr>
-              <a:t> </a:t>
+              <a:t>in</a:t>
+            </a:r>
+            <a:r>
+              <a:rPr lang="en-US" dirty="0">
+                <a:latin typeface="Consolas" panose="020B0609020204030204" pitchFamily="49" charset="0"/>
+                <a:ea typeface="Calibri" panose="020F0502020204030204" pitchFamily="34" charset="0"/>
+                <a:cs typeface="Times New Roman" panose="02020603050405020304" pitchFamily="18" charset="0"/>
+              </a:rPr>
+              <a:t> (</a:t>
             </a:r>
             <a:r>
               <a:rPr lang="en-US" dirty="0">
@@ -19266,7 +19320,15 @@
                 <a:ea typeface="Calibri" panose="020F0502020204030204" pitchFamily="34" charset="0"/>
                 <a:cs typeface="Times New Roman" panose="02020603050405020304" pitchFamily="18" charset="0"/>
               </a:rPr>
-              <a:t>'OK'</a:t>
+              <a:t>'KS', 'MO'</a:t>
+            </a:r>
+            <a:r>
+              <a:rPr lang="en-US" dirty="0">
+                <a:latin typeface="Consolas" panose="020B0609020204030204" pitchFamily="49" charset="0"/>
+                <a:ea typeface="Calibri" panose="020F0502020204030204" pitchFamily="34" charset="0"/>
+                <a:cs typeface="Times New Roman" panose="02020603050405020304" pitchFamily="18" charset="0"/>
+              </a:rPr>
+              <a:t>)</a:t>
             </a:r>
             <a:endParaRPr lang="en-US" sz="2400" dirty="0">
               <a:latin typeface="Calibri" panose="020F0502020204030204" pitchFamily="34" charset="0"/>
@@ -20544,15 +20606,15 @@
                 <a:ea typeface="Calibri" panose="020F0502020204030204" pitchFamily="34" charset="0"/>
                 <a:cs typeface="Times New Roman" panose="02020603050405020304" pitchFamily="18" charset="0"/>
               </a:rPr>
-              <a:t>=</a:t>
-            </a:r>
-            <a:r>
-              <a:rPr lang="en-US" dirty="0">
-                <a:latin typeface="Consolas" panose="020B0609020204030204" pitchFamily="49" charset="0"/>
-                <a:ea typeface="Calibri" panose="020F0502020204030204" pitchFamily="34" charset="0"/>
-                <a:cs typeface="Times New Roman" panose="02020603050405020304" pitchFamily="18" charset="0"/>
-              </a:rPr>
-              <a:t> </a:t>
+              <a:t>in</a:t>
+            </a:r>
+            <a:r>
+              <a:rPr lang="en-US" dirty="0">
+                <a:latin typeface="Consolas" panose="020B0609020204030204" pitchFamily="49" charset="0"/>
+                <a:ea typeface="Calibri" panose="020F0502020204030204" pitchFamily="34" charset="0"/>
+                <a:cs typeface="Times New Roman" panose="02020603050405020304" pitchFamily="18" charset="0"/>
+              </a:rPr>
+              <a:t> (</a:t>
             </a:r>
             <a:r>
               <a:rPr lang="en-US" dirty="0">
@@ -20563,7 +20625,15 @@
                 <a:ea typeface="Calibri" panose="020F0502020204030204" pitchFamily="34" charset="0"/>
                 <a:cs typeface="Times New Roman" panose="02020603050405020304" pitchFamily="18" charset="0"/>
               </a:rPr>
-              <a:t>'OK'</a:t>
+              <a:t>'KS', 'MO'</a:t>
+            </a:r>
+            <a:r>
+              <a:rPr lang="en-US" dirty="0">
+                <a:latin typeface="Consolas" panose="020B0609020204030204" pitchFamily="49" charset="0"/>
+                <a:ea typeface="Calibri" panose="020F0502020204030204" pitchFamily="34" charset="0"/>
+                <a:cs typeface="Times New Roman" panose="02020603050405020304" pitchFamily="18" charset="0"/>
+              </a:rPr>
+              <a:t>)</a:t>
             </a:r>
             <a:endParaRPr lang="en-US" sz="2400" dirty="0">
               <a:latin typeface="Calibri" panose="020F0502020204030204" pitchFamily="34" charset="0"/>
@@ -21758,15 +21828,15 @@
                 <a:ea typeface="Calibri" panose="020F0502020204030204" pitchFamily="34" charset="0"/>
                 <a:cs typeface="Times New Roman" panose="02020603050405020304" pitchFamily="18" charset="0"/>
               </a:rPr>
-              <a:t>=</a:t>
-            </a:r>
-            <a:r>
-              <a:rPr lang="en-US" dirty="0">
-                <a:latin typeface="Consolas" panose="020B0609020204030204" pitchFamily="49" charset="0"/>
-                <a:ea typeface="Calibri" panose="020F0502020204030204" pitchFamily="34" charset="0"/>
-                <a:cs typeface="Times New Roman" panose="02020603050405020304" pitchFamily="18" charset="0"/>
-              </a:rPr>
-              <a:t> </a:t>
+              <a:t>in</a:t>
+            </a:r>
+            <a:r>
+              <a:rPr lang="en-US" dirty="0">
+                <a:latin typeface="Consolas" panose="020B0609020204030204" pitchFamily="49" charset="0"/>
+                <a:ea typeface="Calibri" panose="020F0502020204030204" pitchFamily="34" charset="0"/>
+                <a:cs typeface="Times New Roman" panose="02020603050405020304" pitchFamily="18" charset="0"/>
+              </a:rPr>
+              <a:t> (</a:t>
             </a:r>
             <a:r>
               <a:rPr lang="en-US" dirty="0">
@@ -21777,7 +21847,15 @@
                 <a:ea typeface="Calibri" panose="020F0502020204030204" pitchFamily="34" charset="0"/>
                 <a:cs typeface="Times New Roman" panose="02020603050405020304" pitchFamily="18" charset="0"/>
               </a:rPr>
-              <a:t>'OK'</a:t>
+              <a:t>'KS', 'MO'</a:t>
+            </a:r>
+            <a:r>
+              <a:rPr lang="en-US" dirty="0">
+                <a:latin typeface="Consolas" panose="020B0609020204030204" pitchFamily="49" charset="0"/>
+                <a:ea typeface="Calibri" panose="020F0502020204030204" pitchFamily="34" charset="0"/>
+                <a:cs typeface="Times New Roman" panose="02020603050405020304" pitchFamily="18" charset="0"/>
+              </a:rPr>
+              <a:t>)</a:t>
             </a:r>
             <a:endParaRPr lang="en-US" sz="2400" dirty="0">
               <a:latin typeface="Calibri" panose="020F0502020204030204" pitchFamily="34" charset="0"/>
@@ -22853,15 +22931,15 @@
                 <a:ea typeface="Calibri" panose="020F0502020204030204" pitchFamily="34" charset="0"/>
                 <a:cs typeface="Times New Roman" panose="02020603050405020304" pitchFamily="18" charset="0"/>
               </a:rPr>
-              <a:t>=</a:t>
-            </a:r>
-            <a:r>
-              <a:rPr lang="en-US" dirty="0">
-                <a:latin typeface="Consolas" panose="020B0609020204030204" pitchFamily="49" charset="0"/>
-                <a:ea typeface="Calibri" panose="020F0502020204030204" pitchFamily="34" charset="0"/>
-                <a:cs typeface="Times New Roman" panose="02020603050405020304" pitchFamily="18" charset="0"/>
-              </a:rPr>
-              <a:t> </a:t>
+              <a:t>in</a:t>
+            </a:r>
+            <a:r>
+              <a:rPr lang="en-US" dirty="0">
+                <a:latin typeface="Consolas" panose="020B0609020204030204" pitchFamily="49" charset="0"/>
+                <a:ea typeface="Calibri" panose="020F0502020204030204" pitchFamily="34" charset="0"/>
+                <a:cs typeface="Times New Roman" panose="02020603050405020304" pitchFamily="18" charset="0"/>
+              </a:rPr>
+              <a:t> (</a:t>
             </a:r>
             <a:r>
               <a:rPr lang="en-US" dirty="0">
@@ -22872,7 +22950,15 @@
                 <a:ea typeface="Calibri" panose="020F0502020204030204" pitchFamily="34" charset="0"/>
                 <a:cs typeface="Times New Roman" panose="02020603050405020304" pitchFamily="18" charset="0"/>
               </a:rPr>
-              <a:t>'OK'</a:t>
+              <a:t>'KS', 'MO'</a:t>
+            </a:r>
+            <a:r>
+              <a:rPr lang="en-US" dirty="0">
+                <a:latin typeface="Consolas" panose="020B0609020204030204" pitchFamily="49" charset="0"/>
+                <a:ea typeface="Calibri" panose="020F0502020204030204" pitchFamily="34" charset="0"/>
+                <a:cs typeface="Times New Roman" panose="02020603050405020304" pitchFamily="18" charset="0"/>
+              </a:rPr>
+              <a:t>)</a:t>
             </a:r>
             <a:endParaRPr lang="en-US" sz="2400" dirty="0">
               <a:latin typeface="Calibri" panose="020F0502020204030204" pitchFamily="34" charset="0"/>
@@ -24088,7 +24174,7 @@
                 <a:ea typeface="Calibri" panose="020F0502020204030204" pitchFamily="34" charset="0"/>
                 <a:cs typeface="Times New Roman" panose="02020603050405020304" pitchFamily="18" charset="0"/>
               </a:rPr>
-              <a:t>=</a:t>
+              <a:t>in</a:t>
             </a:r>
             <a:r>
               <a:rPr lang="en-US" sz="1400" dirty="0">
@@ -24096,7 +24182,7 @@
                 <a:ea typeface="Calibri" panose="020F0502020204030204" pitchFamily="34" charset="0"/>
                 <a:cs typeface="Times New Roman" panose="02020603050405020304" pitchFamily="18" charset="0"/>
               </a:rPr>
-              <a:t> </a:t>
+              <a:t> (</a:t>
             </a:r>
             <a:r>
               <a:rPr lang="en-US" sz="1400" dirty="0">
@@ -24107,7 +24193,15 @@
                 <a:ea typeface="Calibri" panose="020F0502020204030204" pitchFamily="34" charset="0"/>
                 <a:cs typeface="Times New Roman" panose="02020603050405020304" pitchFamily="18" charset="0"/>
               </a:rPr>
-              <a:t>'OK'</a:t>
+              <a:t>'KS', 'MO'</a:t>
+            </a:r>
+            <a:r>
+              <a:rPr lang="en-US" sz="1400" dirty="0">
+                <a:latin typeface="Consolas" panose="020B0609020204030204" pitchFamily="49" charset="0"/>
+                <a:ea typeface="Calibri" panose="020F0502020204030204" pitchFamily="34" charset="0"/>
+                <a:cs typeface="Times New Roman" panose="02020603050405020304" pitchFamily="18" charset="0"/>
+              </a:rPr>
+              <a:t>)</a:t>
             </a:r>
             <a:endParaRPr lang="en-US" dirty="0">
               <a:latin typeface="Calibri" panose="020F0502020204030204" pitchFamily="34" charset="0"/>
@@ -24645,7 +24739,7 @@
       </p:sp>
       <p:pic>
         <p:nvPicPr>
-          <p:cNvPr id="4" name="Picture 3"/>
+          <p:cNvPr id="3" name="Picture 2"/>
           <p:cNvPicPr>
             <a:picLocks noChangeAspect="1"/>
           </p:cNvPicPr>
@@ -24659,8 +24753,8 @@
         </p:blipFill>
         <p:spPr>
           <a:xfrm>
-            <a:off x="3247268" y="542942"/>
-            <a:ext cx="5439532" cy="5681438"/>
+            <a:off x="3246120" y="539496"/>
+            <a:ext cx="5428419" cy="5678424"/>
           </a:xfrm>
           <a:prstGeom prst="rect">
             <a:avLst/>
@@ -28258,17 +28352,18 @@
                   <a:srgbClr val="808080"/>
                 </a:solidFill>
                 <a:latin typeface="Consolas" panose="020B0609020204030204" pitchFamily="49" charset="0"/>
-              </a:rPr>
-              <a:t>=</a:t>
+                <a:ea typeface="Calibri" panose="020F0502020204030204" pitchFamily="34" charset="0"/>
+                <a:cs typeface="Times New Roman" panose="02020603050405020304" pitchFamily="18" charset="0"/>
+              </a:rPr>
+              <a:t>in</a:t>
             </a:r>
             <a:r>
               <a:rPr lang="en-US" sz="1600" dirty="0">
-                <a:solidFill>
-                  <a:prstClr val="black"/>
-                </a:solidFill>
-                <a:latin typeface="Consolas" panose="020B0609020204030204" pitchFamily="49" charset="0"/>
-              </a:rPr>
-              <a:t> </a:t>
+                <a:latin typeface="Consolas" panose="020B0609020204030204" pitchFamily="49" charset="0"/>
+                <a:ea typeface="Calibri" panose="020F0502020204030204" pitchFamily="34" charset="0"/>
+                <a:cs typeface="Times New Roman" panose="02020603050405020304" pitchFamily="18" charset="0"/>
+              </a:rPr>
+              <a:t> (</a:t>
             </a:r>
             <a:r>
               <a:rPr lang="en-US" sz="1600" dirty="0">
@@ -28276,8 +28371,18 @@
                   <a:srgbClr val="FF0000"/>
                 </a:solidFill>
                 <a:latin typeface="Consolas" panose="020B0609020204030204" pitchFamily="49" charset="0"/>
-              </a:rPr>
-              <a:t>'OK'</a:t>
+                <a:ea typeface="Calibri" panose="020F0502020204030204" pitchFamily="34" charset="0"/>
+                <a:cs typeface="Times New Roman" panose="02020603050405020304" pitchFamily="18" charset="0"/>
+              </a:rPr>
+              <a:t>'KS', 'MO'</a:t>
+            </a:r>
+            <a:r>
+              <a:rPr lang="en-US" sz="1600" dirty="0">
+                <a:latin typeface="Consolas" panose="020B0609020204030204" pitchFamily="49" charset="0"/>
+                <a:ea typeface="Calibri" panose="020F0502020204030204" pitchFamily="34" charset="0"/>
+                <a:cs typeface="Times New Roman" panose="02020603050405020304" pitchFamily="18" charset="0"/>
+              </a:rPr>
+              <a:t>)</a:t>
             </a:r>
             <a:endParaRPr lang="en-US" sz="1600" dirty="0">
               <a:solidFill>
@@ -37285,17 +37390,18 @@
                   <a:srgbClr val="808080"/>
                 </a:solidFill>
                 <a:latin typeface="Consolas" panose="020B0609020204030204" pitchFamily="49" charset="0"/>
-              </a:rPr>
-              <a:t>=</a:t>
+                <a:ea typeface="Calibri" panose="020F0502020204030204" pitchFamily="34" charset="0"/>
+                <a:cs typeface="Times New Roman" panose="02020603050405020304" pitchFamily="18" charset="0"/>
+              </a:rPr>
+              <a:t>in</a:t>
             </a:r>
             <a:r>
               <a:rPr lang="en-US" sz="1400" dirty="0">
-                <a:solidFill>
-                  <a:prstClr val="black"/>
-                </a:solidFill>
-                <a:latin typeface="Consolas" panose="020B0609020204030204" pitchFamily="49" charset="0"/>
-              </a:rPr>
-              <a:t> </a:t>
+                <a:latin typeface="Consolas" panose="020B0609020204030204" pitchFamily="49" charset="0"/>
+                <a:ea typeface="Calibri" panose="020F0502020204030204" pitchFamily="34" charset="0"/>
+                <a:cs typeface="Times New Roman" panose="02020603050405020304" pitchFamily="18" charset="0"/>
+              </a:rPr>
+              <a:t> (</a:t>
             </a:r>
             <a:r>
               <a:rPr lang="en-US" sz="1400" dirty="0">
@@ -37303,8 +37409,18 @@
                   <a:srgbClr val="FF0000"/>
                 </a:solidFill>
                 <a:latin typeface="Consolas" panose="020B0609020204030204" pitchFamily="49" charset="0"/>
-              </a:rPr>
-              <a:t>'OK'</a:t>
+                <a:ea typeface="Calibri" panose="020F0502020204030204" pitchFamily="34" charset="0"/>
+                <a:cs typeface="Times New Roman" panose="02020603050405020304" pitchFamily="18" charset="0"/>
+              </a:rPr>
+              <a:t>'KS', 'MO'</a:t>
+            </a:r>
+            <a:r>
+              <a:rPr lang="en-US" sz="1400" dirty="0">
+                <a:latin typeface="Consolas" panose="020B0609020204030204" pitchFamily="49" charset="0"/>
+                <a:ea typeface="Calibri" panose="020F0502020204030204" pitchFamily="34" charset="0"/>
+                <a:cs typeface="Times New Roman" panose="02020603050405020304" pitchFamily="18" charset="0"/>
+              </a:rPr>
+              <a:t>)</a:t>
             </a:r>
             <a:endParaRPr lang="en-US" sz="1400" dirty="0">
               <a:solidFill>
@@ -37610,7 +37726,7 @@
       </p:sp>
       <p:pic>
         <p:nvPicPr>
-          <p:cNvPr id="4" name="Picture 3"/>
+          <p:cNvPr id="3" name="Picture 2"/>
           <p:cNvPicPr>
             <a:picLocks noChangeAspect="1"/>
           </p:cNvPicPr>
@@ -37624,8 +37740,8 @@
         </p:blipFill>
         <p:spPr>
           <a:xfrm>
-            <a:off x="3247268" y="542942"/>
-            <a:ext cx="5439532" cy="5681438"/>
+            <a:off x="3246120" y="539496"/>
+            <a:ext cx="5428419" cy="5678424"/>
           </a:xfrm>
           <a:prstGeom prst="rect">
             <a:avLst/>

--- a/Optimizer.pptx
+++ b/Optimizer.pptx
@@ -35,32 +35,32 @@
     <p:sldId id="331" r:id="rId26"/>
     <p:sldId id="276" r:id="rId27"/>
     <p:sldId id="277" r:id="rId28"/>
-    <p:sldId id="280" r:id="rId29"/>
-    <p:sldId id="329" r:id="rId30"/>
-    <p:sldId id="281" r:id="rId31"/>
-    <p:sldId id="327" r:id="rId32"/>
-    <p:sldId id="326" r:id="rId33"/>
-    <p:sldId id="282" r:id="rId34"/>
-    <p:sldId id="287" r:id="rId35"/>
-    <p:sldId id="289" r:id="rId36"/>
-    <p:sldId id="291" r:id="rId37"/>
-    <p:sldId id="292" r:id="rId38"/>
-    <p:sldId id="293" r:id="rId39"/>
-    <p:sldId id="290" r:id="rId40"/>
-    <p:sldId id="283" r:id="rId41"/>
-    <p:sldId id="284" r:id="rId42"/>
-    <p:sldId id="315" r:id="rId43"/>
-    <p:sldId id="314" r:id="rId44"/>
-    <p:sldId id="298" r:id="rId45"/>
-    <p:sldId id="288" r:id="rId46"/>
-    <p:sldId id="286" r:id="rId47"/>
-    <p:sldId id="294" r:id="rId48"/>
-    <p:sldId id="295" r:id="rId49"/>
-    <p:sldId id="307" r:id="rId50"/>
-    <p:sldId id="299" r:id="rId51"/>
-    <p:sldId id="300" r:id="rId52"/>
-    <p:sldId id="296" r:id="rId53"/>
-    <p:sldId id="325" r:id="rId54"/>
+    <p:sldId id="296" r:id="rId29"/>
+    <p:sldId id="325" r:id="rId30"/>
+    <p:sldId id="280" r:id="rId31"/>
+    <p:sldId id="329" r:id="rId32"/>
+    <p:sldId id="281" r:id="rId33"/>
+    <p:sldId id="327" r:id="rId34"/>
+    <p:sldId id="326" r:id="rId35"/>
+    <p:sldId id="282" r:id="rId36"/>
+    <p:sldId id="287" r:id="rId37"/>
+    <p:sldId id="289" r:id="rId38"/>
+    <p:sldId id="291" r:id="rId39"/>
+    <p:sldId id="292" r:id="rId40"/>
+    <p:sldId id="293" r:id="rId41"/>
+    <p:sldId id="290" r:id="rId42"/>
+    <p:sldId id="283" r:id="rId43"/>
+    <p:sldId id="284" r:id="rId44"/>
+    <p:sldId id="315" r:id="rId45"/>
+    <p:sldId id="314" r:id="rId46"/>
+    <p:sldId id="298" r:id="rId47"/>
+    <p:sldId id="288" r:id="rId48"/>
+    <p:sldId id="286" r:id="rId49"/>
+    <p:sldId id="294" r:id="rId50"/>
+    <p:sldId id="295" r:id="rId51"/>
+    <p:sldId id="307" r:id="rId52"/>
+    <p:sldId id="299" r:id="rId53"/>
+    <p:sldId id="300" r:id="rId54"/>
     <p:sldId id="297" r:id="rId55"/>
     <p:sldId id="311" r:id="rId56"/>
     <p:sldId id="312" r:id="rId57"/>
@@ -272,7 +272,7 @@
           <a:p>
             <a:fld id="{2EDCB34D-5EC2-4739-9693-E425457AC201}" type="datetimeFigureOut">
               <a:rPr lang="en-US" smtClean="0"/>
-              <a:t>9/13/2016</a:t>
+              <a:t>09/14/2016</a:t>
             </a:fld>
             <a:endParaRPr lang="en-US"/>
           </a:p>
@@ -785,6 +785,23 @@
           <a:bodyPr/>
           <a:lstStyle/>
           <a:p>
+            <a:r>
+              <a:rPr lang="en-US" dirty="0"/>
+              <a:t>After</a:t>
+            </a:r>
+            <a:r>
+              <a:rPr lang="en-US" baseline="0" dirty="0"/>
+              <a:t> this slide, type in a demo!</a:t>
+            </a:r>
+          </a:p>
+          <a:p>
+            <a:endParaRPr lang="en-US" baseline="0" dirty="0"/>
+          </a:p>
+          <a:p>
+            <a:r>
+              <a:rPr lang="en-US" baseline="0" dirty="0"/>
+              <a:t>Then run through Parse Trees demo script.</a:t>
+            </a:r>
             <a:endParaRPr lang="en-US" dirty="0"/>
           </a:p>
         </p:txBody>
@@ -806,7 +823,7 @@
           <a:p>
             <a:fld id="{ADDBA41D-AE03-4F1C-B074-B56312AFAE46}" type="slidenum">
               <a:rPr lang="en-US" smtClean="0"/>
-              <a:t>30</a:t>
+              <a:t>29</a:t>
             </a:fld>
             <a:endParaRPr lang="en-US"/>
           </a:p>
@@ -815,7 +832,7 @@
     </p:spTree>
     <p:extLst>
       <p:ext uri="{BB962C8B-B14F-4D97-AF65-F5344CB8AC3E}">
-        <p14:creationId xmlns:p14="http://schemas.microsoft.com/office/powerpoint/2010/main" val="2197873287"/>
+        <p14:creationId xmlns:p14="http://schemas.microsoft.com/office/powerpoint/2010/main" val="506269797"/>
       </p:ext>
     </p:extLst>
   </p:cSld>
@@ -890,7 +907,7 @@
           <a:p>
             <a:fld id="{ADDBA41D-AE03-4F1C-B074-B56312AFAE46}" type="slidenum">
               <a:rPr lang="en-US" smtClean="0"/>
-              <a:t>31</a:t>
+              <a:t>32</a:t>
             </a:fld>
             <a:endParaRPr lang="en-US"/>
           </a:p>
@@ -899,7 +916,7 @@
     </p:spTree>
     <p:extLst>
       <p:ext uri="{BB962C8B-B14F-4D97-AF65-F5344CB8AC3E}">
-        <p14:creationId xmlns:p14="http://schemas.microsoft.com/office/powerpoint/2010/main" val="474815554"/>
+        <p14:creationId xmlns:p14="http://schemas.microsoft.com/office/powerpoint/2010/main" val="2197873287"/>
       </p:ext>
     </p:extLst>
   </p:cSld>
@@ -953,34 +970,6 @@
           <a:bodyPr/>
           <a:lstStyle/>
           <a:p>
-            <a:r>
-              <a:rPr lang="en-US" dirty="0"/>
-              <a:t>Constant folding refers to pre-computing as much of an expression as possible, for example: 2 * pi() * radius</a:t>
-            </a:r>
-            <a:r>
-              <a:rPr lang="en-US" baseline="0" dirty="0"/>
-              <a:t> =&gt; 6.28319 * radius</a:t>
-            </a:r>
-            <a:endParaRPr lang="en-US" dirty="0"/>
-          </a:p>
-          <a:p>
-            <a:r>
-              <a:rPr lang="en-US" dirty="0"/>
-              <a:t>As an</a:t>
-            </a:r>
-            <a:r>
-              <a:rPr lang="en-US" baseline="0" dirty="0"/>
-              <a:t> example, data type resolution with the UNION operator will ensure that data types between the upper expression are compatible with the lower expression.</a:t>
-            </a:r>
-          </a:p>
-          <a:p>
-            <a:r>
-              <a:rPr lang="en-US" baseline="0" dirty="0"/>
-              <a:t>Aggregate binding checks if invalid columns are referenced downstream of the GROUP BY logical processing step.</a:t>
-            </a:r>
-            <a:endParaRPr lang="en-US" dirty="0"/>
-          </a:p>
-          <a:p>
             <a:endParaRPr lang="en-US" dirty="0"/>
           </a:p>
         </p:txBody>
@@ -1002,7 +991,7 @@
           <a:p>
             <a:fld id="{ADDBA41D-AE03-4F1C-B074-B56312AFAE46}" type="slidenum">
               <a:rPr lang="en-US" smtClean="0"/>
-              <a:t>32</a:t>
+              <a:t>33</a:t>
             </a:fld>
             <a:endParaRPr lang="en-US"/>
           </a:p>
@@ -1011,7 +1000,7 @@
     </p:spTree>
     <p:extLst>
       <p:ext uri="{BB962C8B-B14F-4D97-AF65-F5344CB8AC3E}">
-        <p14:creationId xmlns:p14="http://schemas.microsoft.com/office/powerpoint/2010/main" val="2174138734"/>
+        <p14:creationId xmlns:p14="http://schemas.microsoft.com/office/powerpoint/2010/main" val="474815554"/>
       </p:ext>
     </p:extLst>
   </p:cSld>
@@ -1067,36 +1056,33 @@
           <a:p>
             <a:r>
               <a:rPr lang="en-US" dirty="0"/>
-              <a:t>A trivial plan is one which can only be executed</a:t>
+              <a:t>Constant folding refers to pre-computing as much of an expression as possible, for example: 2 * pi() * radius</a:t>
             </a:r>
             <a:r>
               <a:rPr lang="en-US" baseline="0" dirty="0"/>
-              <a:t> in one possible way.  A common example is select * from table, or select * from table where col = value (if there are no index on “col”).  The query can be relatively complex, but only contain one table.  Having a subquery or a an inequality predicate automatically make the query non-trivial.  Trivial plans can be avoided using TF8757.</a:t>
-            </a:r>
-          </a:p>
-          <a:p>
-            <a:endParaRPr lang="en-US" baseline="0" dirty="0"/>
-          </a:p>
-          <a:p>
+              <a:t> =&gt; 6.28319 * radius</a:t>
+            </a:r>
+            <a:endParaRPr lang="en-US" dirty="0"/>
+          </a:p>
+          <a:p>
+            <a:r>
+              <a:rPr lang="en-US" dirty="0"/>
+              <a:t>As an</a:t>
+            </a:r>
             <a:r>
               <a:rPr lang="en-US" baseline="0" dirty="0"/>
-              <a:t>The Optimization Level property on a query plan will be “Trivial” or “Full”</a:t>
-            </a:r>
-          </a:p>
-          <a:p>
-            <a:endParaRPr lang="en-US" baseline="0" dirty="0"/>
+              <a:t> example, data type resolution with the UNION operator will ensure that data types between the upper expression are compatible with the lower expression.</a:t>
+            </a:r>
           </a:p>
           <a:p>
             <a:r>
               <a:rPr lang="en-US" baseline="0" dirty="0"/>
-              <a:t>The concept of Statistics and Cardinality Estimation is a complex topic to itself.  It is important to note that the CE underwent a significant re-write starting in SQL Server 2014 which can lead to very different plans being selected.</a:t>
-            </a:r>
-          </a:p>
-          <a:p>
-            <a:endParaRPr lang="en-US" baseline="0" dirty="0"/>
-          </a:p>
-          <a:p>
-            <a:endParaRPr lang="en-US" baseline="0" dirty="0"/>
+              <a:t>Aggregate binding checks if invalid columns are referenced downstream of the GROUP BY logical processing step.</a:t>
+            </a:r>
+            <a:endParaRPr lang="en-US" dirty="0"/>
+          </a:p>
+          <a:p>
+            <a:endParaRPr lang="en-US" dirty="0"/>
           </a:p>
         </p:txBody>
       </p:sp>
@@ -1117,7 +1103,7 @@
           <a:p>
             <a:fld id="{ADDBA41D-AE03-4F1C-B074-B56312AFAE46}" type="slidenum">
               <a:rPr lang="en-US" smtClean="0"/>
-              <a:t>33</a:t>
+              <a:t>34</a:t>
             </a:fld>
             <a:endParaRPr lang="en-US"/>
           </a:p>
@@ -1126,7 +1112,7 @@
     </p:spTree>
     <p:extLst>
       <p:ext uri="{BB962C8B-B14F-4D97-AF65-F5344CB8AC3E}">
-        <p14:creationId xmlns:p14="http://schemas.microsoft.com/office/powerpoint/2010/main" val="3612119290"/>
+        <p14:creationId xmlns:p14="http://schemas.microsoft.com/office/powerpoint/2010/main" val="2174138734"/>
       </p:ext>
     </p:extLst>
   </p:cSld>
@@ -1182,13 +1168,36 @@
           <a:p>
             <a:r>
               <a:rPr lang="en-US" dirty="0"/>
-              <a:t>Point out that in reality, there will be fewer than 25,920 plans because of logical</a:t>
+              <a:t>A trivial plan is one which can only be executed</a:t>
             </a:r>
             <a:r>
               <a:rPr lang="en-US" baseline="0" dirty="0"/>
-              <a:t> limitations.  For instance, if a join condition is not an equality, a merge join and hash join are not possible.</a:t>
-            </a:r>
-            <a:endParaRPr lang="en-US" dirty="0"/>
+              <a:t> in one possible way.  A common example is select * from table, or select * from table where col = value (if there are no index on “col”).  The query can be relatively complex, but only contain one table.  Having a subquery or a an inequality predicate automatically make the query non-trivial.  Trivial plans can be avoided using TF8757.</a:t>
+            </a:r>
+          </a:p>
+          <a:p>
+            <a:endParaRPr lang="en-US" baseline="0" dirty="0"/>
+          </a:p>
+          <a:p>
+            <a:r>
+              <a:rPr lang="en-US" baseline="0" dirty="0"/>
+              <a:t>The Optimization Level property on a query plan will be “Trivial” or “Full”</a:t>
+            </a:r>
+          </a:p>
+          <a:p>
+            <a:endParaRPr lang="en-US" baseline="0" dirty="0"/>
+          </a:p>
+          <a:p>
+            <a:r>
+              <a:rPr lang="en-US" baseline="0" dirty="0"/>
+              <a:t>The concept of Statistics and Cardinality Estimation is a complex topic to itself.  It is important to note that the CE underwent a significant re-write starting in SQL Server 2014 which can lead to very different plans being selected.</a:t>
+            </a:r>
+          </a:p>
+          <a:p>
+            <a:endParaRPr lang="en-US" baseline="0" dirty="0"/>
+          </a:p>
+          <a:p>
+            <a:endParaRPr lang="en-US" baseline="0" dirty="0"/>
           </a:p>
         </p:txBody>
       </p:sp>
@@ -1209,7 +1218,7 @@
           <a:p>
             <a:fld id="{ADDBA41D-AE03-4F1C-B074-B56312AFAE46}" type="slidenum">
               <a:rPr lang="en-US" smtClean="0"/>
-              <a:t>39</a:t>
+              <a:t>35</a:t>
             </a:fld>
             <a:endParaRPr lang="en-US"/>
           </a:p>
@@ -1218,7 +1227,7 @@
     </p:spTree>
     <p:extLst>
       <p:ext uri="{BB962C8B-B14F-4D97-AF65-F5344CB8AC3E}">
-        <p14:creationId xmlns:p14="http://schemas.microsoft.com/office/powerpoint/2010/main" val="1734029549"/>
+        <p14:creationId xmlns:p14="http://schemas.microsoft.com/office/powerpoint/2010/main" val="3612119290"/>
       </p:ext>
     </p:extLst>
   </p:cSld>
@@ -1272,6 +1281,14 @@
           <a:bodyPr/>
           <a:lstStyle/>
           <a:p>
+            <a:r>
+              <a:rPr lang="en-US" dirty="0"/>
+              <a:t>Point out that in reality, there will be fewer than 25,920 plans because of logical</a:t>
+            </a:r>
+            <a:r>
+              <a:rPr lang="en-US" baseline="0" dirty="0"/>
+              <a:t> limitations.  For instance, if a join condition is not an equality, a merge join and hash join are not possible.</a:t>
+            </a:r>
             <a:endParaRPr lang="en-US" dirty="0"/>
           </a:p>
         </p:txBody>
@@ -1302,7 +1319,7 @@
     </p:spTree>
     <p:extLst>
       <p:ext uri="{BB962C8B-B14F-4D97-AF65-F5344CB8AC3E}">
-        <p14:creationId xmlns:p14="http://schemas.microsoft.com/office/powerpoint/2010/main" val="1929112360"/>
+        <p14:creationId xmlns:p14="http://schemas.microsoft.com/office/powerpoint/2010/main" val="1734029549"/>
       </p:ext>
     </p:extLst>
   </p:cSld>
@@ -1356,14 +1373,6 @@
           <a:bodyPr/>
           <a:lstStyle/>
           <a:p>
-            <a:r>
-              <a:rPr lang="en-US" dirty="0"/>
-              <a:t>Gain will have a value from 0 to 1, where 0 means no improvement,</a:t>
-            </a:r>
-            <a:r>
-              <a:rPr lang="en-US" baseline="0" dirty="0"/>
-              <a:t> and values approaching 1 indicate significant improvement.</a:t>
-            </a:r>
             <a:endParaRPr lang="en-US" dirty="0"/>
           </a:p>
         </p:txBody>
@@ -1394,7 +1403,7 @@
     </p:spTree>
     <p:extLst>
       <p:ext uri="{BB962C8B-B14F-4D97-AF65-F5344CB8AC3E}">
-        <p14:creationId xmlns:p14="http://schemas.microsoft.com/office/powerpoint/2010/main" val="194171185"/>
+        <p14:creationId xmlns:p14="http://schemas.microsoft.com/office/powerpoint/2010/main" val="1929112360"/>
       </p:ext>
     </p:extLst>
   </p:cSld>
@@ -1450,11 +1459,11 @@
           <a:p>
             <a:r>
               <a:rPr lang="en-US" dirty="0"/>
-              <a:t>Show</a:t>
+              <a:t>Gain will have a value from 0 to 1, where 0 means no improvement,</a:t>
             </a:r>
             <a:r>
               <a:rPr lang="en-US" baseline="0" dirty="0"/>
-              <a:t> BOL for this DMV, then show 2005 version of BOL.</a:t>
+              <a:t> and values approaching 1 indicate significant improvement.</a:t>
             </a:r>
             <a:endParaRPr lang="en-US" dirty="0"/>
           </a:p>
@@ -1477,7 +1486,7 @@
           <a:p>
             <a:fld id="{ADDBA41D-AE03-4F1C-B074-B56312AFAE46}" type="slidenum">
               <a:rPr lang="en-US" smtClean="0"/>
-              <a:t>44</a:t>
+              <a:t>45</a:t>
             </a:fld>
             <a:endParaRPr lang="en-US"/>
           </a:p>
@@ -1486,7 +1495,7 @@
     </p:spTree>
     <p:extLst>
       <p:ext uri="{BB962C8B-B14F-4D97-AF65-F5344CB8AC3E}">
-        <p14:creationId xmlns:p14="http://schemas.microsoft.com/office/powerpoint/2010/main" val="584843494"/>
+        <p14:creationId xmlns:p14="http://schemas.microsoft.com/office/powerpoint/2010/main" val="194171185"/>
       </p:ext>
     </p:extLst>
   </p:cSld>
@@ -1542,47 +1551,11 @@
           <a:p>
             <a:r>
               <a:rPr lang="en-US" dirty="0"/>
-              <a:t>Where the simplification rules really come into play is</a:t>
+              <a:t>Show</a:t>
             </a:r>
             <a:r>
               <a:rPr lang="en-US" baseline="0" dirty="0"/>
-              <a:t> with queries that are generated by tools such as Entity Framework.</a:t>
-            </a:r>
-          </a:p>
-          <a:p>
-            <a:r>
-              <a:rPr lang="en-US" baseline="0" dirty="0"/>
-              <a:t>Other examples of simplification are</a:t>
-            </a:r>
-          </a:p>
-          <a:p>
-            <a:pPr marL="171450" indent="-171450">
-              <a:buFont typeface="Arial" panose="020B0604020202020204" pitchFamily="34" charset="0"/>
-              <a:buChar char="•"/>
-            </a:pPr>
-            <a:r>
-              <a:rPr lang="en-US" baseline="0" dirty="0"/>
-              <a:t>Select collapse (remove redundancies from WHERE clause)</a:t>
-            </a:r>
-          </a:p>
-          <a:p>
-            <a:pPr marL="171450" indent="-171450">
-              <a:buFont typeface="Arial" panose="020B0604020202020204" pitchFamily="34" charset="0"/>
-              <a:buChar char="•"/>
-            </a:pPr>
-            <a:r>
-              <a:rPr lang="en-US" baseline="0" dirty="0"/>
-              <a:t>Range simplification (multiple range predicates that can be collapsed into a single range or value)</a:t>
-            </a:r>
-          </a:p>
-          <a:p>
-            <a:pPr marL="171450" indent="-171450">
-              <a:buFont typeface="Arial" panose="020B0604020202020204" pitchFamily="34" charset="0"/>
-              <a:buChar char="•"/>
-            </a:pPr>
-            <a:r>
-              <a:rPr lang="en-US" baseline="0" dirty="0"/>
-              <a:t>Computed column matching</a:t>
+              <a:t> BOL for this DMV, then show 2005 version of BOL.</a:t>
             </a:r>
             <a:endParaRPr lang="en-US" dirty="0"/>
           </a:p>
@@ -1614,7 +1587,7 @@
     </p:spTree>
     <p:extLst>
       <p:ext uri="{BB962C8B-B14F-4D97-AF65-F5344CB8AC3E}">
-        <p14:creationId xmlns:p14="http://schemas.microsoft.com/office/powerpoint/2010/main" val="2879536405"/>
+        <p14:creationId xmlns:p14="http://schemas.microsoft.com/office/powerpoint/2010/main" val="584843494"/>
       </p:ext>
     </p:extLst>
   </p:cSld>
@@ -1762,36 +1735,47 @@
           <a:p>
             <a:r>
               <a:rPr lang="en-US" dirty="0"/>
-              <a:t>Unlike </a:t>
-            </a:r>
-            <a:r>
-              <a:rPr lang="en-US" dirty="0" err="1"/>
-              <a:t>sys.dm_exec_query_optimizer_info</a:t>
-            </a:r>
-            <a:r>
-              <a:rPr lang="en-US" dirty="0"/>
-              <a:t>,</a:t>
+              <a:t>Where the simplification rules really come into play is</a:t>
             </a:r>
             <a:r>
               <a:rPr lang="en-US" baseline="0" dirty="0"/>
-              <a:t> this one is completely undocumented.</a:t>
-            </a:r>
-          </a:p>
-          <a:p>
-            <a:endParaRPr lang="en-US" baseline="0" dirty="0"/>
+              <a:t> with queries that are generated by tools such as Entity Framework.</a:t>
+            </a:r>
           </a:p>
           <a:p>
             <a:r>
               <a:rPr lang="en-US" baseline="0" dirty="0"/>
-              <a:t>“Promise” values are, presumably, </a:t>
-            </a:r>
-            <a:r>
-              <a:rPr lang="en-US" baseline="0" dirty="0" err="1"/>
-              <a:t>unitless</a:t>
-            </a:r>
+              <a:t>Other examples of simplification are</a:t>
+            </a:r>
+          </a:p>
+          <a:p>
+            <a:pPr marL="171450" indent="-171450">
+              <a:buFont typeface="Arial" panose="020B0604020202020204" pitchFamily="34" charset="0"/>
+              <a:buChar char="•"/>
+            </a:pPr>
             <a:r>
               <a:rPr lang="en-US" baseline="0" dirty="0"/>
-              <a:t>.</a:t>
+              <a:t>Select collapse (remove redundancies from WHERE clause)</a:t>
+            </a:r>
+          </a:p>
+          <a:p>
+            <a:pPr marL="171450" indent="-171450">
+              <a:buFont typeface="Arial" panose="020B0604020202020204" pitchFamily="34" charset="0"/>
+              <a:buChar char="•"/>
+            </a:pPr>
+            <a:r>
+              <a:rPr lang="en-US" baseline="0" dirty="0"/>
+              <a:t>Range simplification (multiple range predicates that can be collapsed into a single range or value)</a:t>
+            </a:r>
+          </a:p>
+          <a:p>
+            <a:pPr marL="171450" indent="-171450">
+              <a:buFont typeface="Arial" panose="020B0604020202020204" pitchFamily="34" charset="0"/>
+              <a:buChar char="•"/>
+            </a:pPr>
+            <a:r>
+              <a:rPr lang="en-US" baseline="0" dirty="0"/>
+              <a:t>Computed column matching</a:t>
             </a:r>
             <a:endParaRPr lang="en-US" dirty="0"/>
           </a:p>
@@ -1814,7 +1798,7 @@
           <a:p>
             <a:fld id="{ADDBA41D-AE03-4F1C-B074-B56312AFAE46}" type="slidenum">
               <a:rPr lang="en-US" smtClean="0"/>
-              <a:t>50</a:t>
+              <a:t>48</a:t>
             </a:fld>
             <a:endParaRPr lang="en-US"/>
           </a:p>
@@ -1823,7 +1807,7 @@
     </p:spTree>
     <p:extLst>
       <p:ext uri="{BB962C8B-B14F-4D97-AF65-F5344CB8AC3E}">
-        <p14:creationId xmlns:p14="http://schemas.microsoft.com/office/powerpoint/2010/main" val="2312008963"/>
+        <p14:creationId xmlns:p14="http://schemas.microsoft.com/office/powerpoint/2010/main" val="2879536405"/>
       </p:ext>
     </p:extLst>
   </p:cSld>
@@ -1879,11 +1863,19 @@
           <a:p>
             <a:r>
               <a:rPr lang="en-US" dirty="0"/>
-              <a:t>Supposedly at one time there was a developer at Microsoft</a:t>
+              <a:t>Unlike </a:t>
+            </a:r>
+            <a:r>
+              <a:rPr lang="en-US" dirty="0" err="1"/>
+              <a:t>sys.dm_exec_query_optimizer_info</a:t>
+            </a:r>
+            <a:r>
+              <a:rPr lang="en-US" dirty="0"/>
+              <a:t>,</a:t>
             </a:r>
             <a:r>
               <a:rPr lang="en-US" baseline="0" dirty="0"/>
-              <a:t> by the name of Nick who based the cost units on his development PC.  Now completely meaningless except (perhaps) to compare queries.  Not really.  May not even be valid comparison within a query.</a:t>
+              <a:t> this one is completely undocumented.</a:t>
             </a:r>
           </a:p>
           <a:p>
@@ -1892,7 +1884,15 @@
           <a:p>
             <a:r>
               <a:rPr lang="en-US" baseline="0" dirty="0"/>
-              <a:t>Costing doesn’t account for modern hardware.  (Story about DR exercise in Iowa City).  Is the I/O subsystem a USB 1.1 drive or a PCI solid state card?</a:t>
+              <a:t>“Promise” values are, presumably, </a:t>
+            </a:r>
+            <a:r>
+              <a:rPr lang="en-US" baseline="0" dirty="0" err="1"/>
+              <a:t>unitless</a:t>
+            </a:r>
+            <a:r>
+              <a:rPr lang="en-US" baseline="0" dirty="0"/>
+              <a:t>.</a:t>
             </a:r>
             <a:endParaRPr lang="en-US" dirty="0"/>
           </a:p>
@@ -1915,7 +1915,7 @@
           <a:p>
             <a:fld id="{ADDBA41D-AE03-4F1C-B074-B56312AFAE46}" type="slidenum">
               <a:rPr lang="en-US" smtClean="0"/>
-              <a:t>51</a:t>
+              <a:t>52</a:t>
             </a:fld>
             <a:endParaRPr lang="en-US"/>
           </a:p>
@@ -1924,7 +1924,7 @@
     </p:spTree>
     <p:extLst>
       <p:ext uri="{BB962C8B-B14F-4D97-AF65-F5344CB8AC3E}">
-        <p14:creationId xmlns:p14="http://schemas.microsoft.com/office/powerpoint/2010/main" val="962921486"/>
+        <p14:creationId xmlns:p14="http://schemas.microsoft.com/office/powerpoint/2010/main" val="2312008963"/>
       </p:ext>
     </p:extLst>
   </p:cSld>
@@ -1980,11 +1980,11 @@
           <a:p>
             <a:r>
               <a:rPr lang="en-US" dirty="0"/>
-              <a:t>After</a:t>
+              <a:t>Supposedly at one time there was a developer at Microsoft</a:t>
             </a:r>
             <a:r>
               <a:rPr lang="en-US" baseline="0" dirty="0"/>
-              <a:t> this slide, type in a demo!</a:t>
+              <a:t> by the name of Nick who based the cost units on his development PC.  Now completely meaningless except (perhaps) to compare queries.  Not really.  May not even be valid comparison within a query.</a:t>
             </a:r>
           </a:p>
           <a:p>
@@ -1993,7 +1993,7 @@
           <a:p>
             <a:r>
               <a:rPr lang="en-US" baseline="0" dirty="0"/>
-              <a:t>Then run through Parse Trees demo script.</a:t>
+              <a:t>Costing doesn’t account for modern hardware.  (Story about DR exercise in Iowa City).  Is the I/O subsystem a USB 1.1 drive or a PCI solid state card?</a:t>
             </a:r>
             <a:endParaRPr lang="en-US" dirty="0"/>
           </a:p>
@@ -2025,7 +2025,7 @@
     </p:spTree>
     <p:extLst>
       <p:ext uri="{BB962C8B-B14F-4D97-AF65-F5344CB8AC3E}">
-        <p14:creationId xmlns:p14="http://schemas.microsoft.com/office/powerpoint/2010/main" val="506269797"/>
+        <p14:creationId xmlns:p14="http://schemas.microsoft.com/office/powerpoint/2010/main" val="962921486"/>
       </p:ext>
     </p:extLst>
   </p:cSld>
@@ -3112,7 +3112,7 @@
             <a:fld id="{5942B21B-2ADA-A040-A652-A7305E1B99FE}" type="datetimeFigureOut">
               <a:rPr lang="en-US" smtClean="0"/>
               <a:pPr/>
-              <a:t>9/13/2016</a:t>
+              <a:t>09/14/2016</a:t>
             </a:fld>
             <a:endParaRPr lang="en-US" dirty="0"/>
           </a:p>
@@ -3302,7 +3302,7 @@
           <a:p>
             <a:fld id="{5942B21B-2ADA-A040-A652-A7305E1B99FE}" type="datetimeFigureOut">
               <a:rPr lang="en-US" smtClean="0"/>
-              <a:t>9/13/2016</a:t>
+              <a:t>09/14/2016</a:t>
             </a:fld>
             <a:endParaRPr lang="en-US"/>
           </a:p>
@@ -3426,7 +3426,7 @@
             <a:fld id="{5942B21B-2ADA-A040-A652-A7305E1B99FE}" type="datetimeFigureOut">
               <a:rPr lang="en-US" smtClean="0"/>
               <a:pPr/>
-              <a:t>9/13/2016</a:t>
+              <a:t>09/14/2016</a:t>
             </a:fld>
             <a:r>
               <a:rPr lang="en-US"/>
@@ -3697,7 +3697,7 @@
             <a:fld id="{5942B21B-2ADA-A040-A652-A7305E1B99FE}" type="datetimeFigureOut">
               <a:rPr lang="en-US" smtClean="0"/>
               <a:pPr/>
-              <a:t>9/13/2016</a:t>
+              <a:t>09/14/2016</a:t>
             </a:fld>
             <a:r>
               <a:rPr lang="en-US" dirty="0"/>
@@ -3967,7 +3967,7 @@
             <a:fld id="{5942B21B-2ADA-A040-A652-A7305E1B99FE}" type="datetimeFigureOut">
               <a:rPr lang="en-US" smtClean="0"/>
               <a:pPr/>
-              <a:t>9/13/2016</a:t>
+              <a:t>09/14/2016</a:t>
             </a:fld>
             <a:r>
               <a:rPr lang="en-US" dirty="0"/>
@@ -4307,7 +4307,7 @@
             <a:fld id="{5942B21B-2ADA-A040-A652-A7305E1B99FE}" type="datetimeFigureOut">
               <a:rPr lang="en-US" smtClean="0"/>
               <a:pPr/>
-              <a:t>9/13/2016</a:t>
+              <a:t>09/14/2016</a:t>
             </a:fld>
             <a:r>
               <a:rPr lang="en-US" dirty="0"/>
@@ -4648,7 +4648,7 @@
             <a:fld id="{5942B21B-2ADA-A040-A652-A7305E1B99FE}" type="datetimeFigureOut">
               <a:rPr lang="en-US" smtClean="0"/>
               <a:pPr/>
-              <a:t>9/13/2016</a:t>
+              <a:t>09/14/2016</a:t>
             </a:fld>
             <a:r>
               <a:rPr lang="en-US" dirty="0"/>
@@ -5163,7 +5163,7 @@
             <a:fld id="{5942B21B-2ADA-A040-A652-A7305E1B99FE}" type="datetimeFigureOut">
               <a:rPr lang="en-US" smtClean="0"/>
               <a:pPr/>
-              <a:t>9/13/2016</a:t>
+              <a:t>09/14/2016</a:t>
             </a:fld>
             <a:r>
               <a:rPr lang="en-US" dirty="0"/>
@@ -5372,7 +5372,7 @@
             <a:fld id="{5942B21B-2ADA-A040-A652-A7305E1B99FE}" type="datetimeFigureOut">
               <a:rPr lang="en-US" smtClean="0"/>
               <a:pPr/>
-              <a:t>9/13/2016</a:t>
+              <a:t>09/14/2016</a:t>
             </a:fld>
             <a:r>
               <a:rPr lang="en-US" dirty="0"/>
@@ -5559,7 +5559,7 @@
             <a:fld id="{5942B21B-2ADA-A040-A652-A7305E1B99FE}" type="datetimeFigureOut">
               <a:rPr lang="en-US" smtClean="0"/>
               <a:pPr/>
-              <a:t>9/13/2016</a:t>
+              <a:t>09/14/2016</a:t>
             </a:fld>
             <a:r>
               <a:rPr lang="en-US" dirty="0"/>
@@ -5890,7 +5890,7 @@
             <a:fld id="{5942B21B-2ADA-A040-A652-A7305E1B99FE}" type="datetimeFigureOut">
               <a:rPr lang="en-US" smtClean="0"/>
               <a:pPr/>
-              <a:t>9/13/2016</a:t>
+              <a:t>09/14/2016</a:t>
             </a:fld>
             <a:r>
               <a:rPr lang="en-US" dirty="0"/>
@@ -6198,7 +6198,7 @@
             <a:fld id="{5942B21B-2ADA-A040-A652-A7305E1B99FE}" type="datetimeFigureOut">
               <a:rPr lang="en-US" smtClean="0"/>
               <a:pPr/>
-              <a:t>9/13/2016</a:t>
+              <a:t>09/14/2016</a:t>
             </a:fld>
             <a:r>
               <a:rPr lang="en-US" dirty="0"/>
@@ -6477,7 +6477,7 @@
             <a:fld id="{5942B21B-2ADA-A040-A652-A7305E1B99FE}" type="datetimeFigureOut">
               <a:rPr lang="en-US" smtClean="0"/>
               <a:pPr/>
-              <a:t>9/13/2016</a:t>
+              <a:t>09/14/2016</a:t>
             </a:fld>
             <a:r>
               <a:rPr lang="en-US" dirty="0"/>
@@ -7110,8 +7110,20 @@
               <a:buNone/>
             </a:pPr>
             <a:r>
+              <a:rPr lang="en-US" dirty="0" smtClean="0"/>
+              <a:t>Kansas City, MO </a:t>
+            </a:r>
+            <a:r>
               <a:rPr lang="en-US" dirty="0"/>
-              <a:t>Oklahoma City, OK – August 27, 2016</a:t>
+              <a:t>– </a:t>
+            </a:r>
+            <a:r>
+              <a:rPr lang="en-US" dirty="0" smtClean="0"/>
+              <a:t>September 24, </a:t>
+            </a:r>
+            <a:r>
+              <a:rPr lang="en-US" dirty="0"/>
+              <a:t>2016</a:t>
             </a:r>
           </a:p>
         </p:txBody>
@@ -7445,7 +7457,7 @@
 </file>
 
 <file path=ppt/slides/slide12.xml><?xml version="1.0" encoding="utf-8"?>
-<p:sld xmlns:a="http://schemas.openxmlformats.org/drawingml/2006/main" xmlns:r="http://schemas.openxmlformats.org/officeDocument/2006/relationships" xmlns:p="http://schemas.openxmlformats.org/presentationml/2006/main" show="0">
+<p:sld xmlns:a="http://schemas.openxmlformats.org/drawingml/2006/main" xmlns:r="http://schemas.openxmlformats.org/officeDocument/2006/relationships" xmlns:p="http://schemas.openxmlformats.org/presentationml/2006/main">
   <p:cSld>
     <p:spTree>
       <p:nvGrpSpPr>
@@ -8656,21 +8668,21 @@
                 <a:gridCol w="2764301">
                   <a:extLst>
                     <a:ext uri="{9D8B030D-6E8A-4147-A177-3AD203B41FA5}">
-                      <a16:colId xmlns:a16="http://schemas.microsoft.com/office/drawing/2014/main" val="234227049"/>
+                      <a16:colId xmlns:a16="http://schemas.microsoft.com/office/drawing/2014/main" xmlns="" val="234227049"/>
                     </a:ext>
                   </a:extLst>
                 </a:gridCol>
                 <a:gridCol w="2764301">
                   <a:extLst>
                     <a:ext uri="{9D8B030D-6E8A-4147-A177-3AD203B41FA5}">
-                      <a16:colId xmlns:a16="http://schemas.microsoft.com/office/drawing/2014/main" val="4053135350"/>
+                      <a16:colId xmlns:a16="http://schemas.microsoft.com/office/drawing/2014/main" xmlns="" val="4053135350"/>
                     </a:ext>
                   </a:extLst>
                 </a:gridCol>
                 <a:gridCol w="2764301">
                   <a:extLst>
                     <a:ext uri="{9D8B030D-6E8A-4147-A177-3AD203B41FA5}">
-                      <a16:colId xmlns:a16="http://schemas.microsoft.com/office/drawing/2014/main" val="672378647"/>
+                      <a16:colId xmlns:a16="http://schemas.microsoft.com/office/drawing/2014/main" xmlns="" val="672378647"/>
                     </a:ext>
                   </a:extLst>
                 </a:gridCol>
@@ -8720,7 +8732,7 @@
                 </a:tc>
                 <a:extLst>
                   <a:ext uri="{0D108BD9-81ED-4DB2-BD59-A6C34878D82A}">
-                    <a16:rowId xmlns:a16="http://schemas.microsoft.com/office/drawing/2014/main" val="2843053056"/>
+                    <a16:rowId xmlns:a16="http://schemas.microsoft.com/office/drawing/2014/main" xmlns="" val="2843053056"/>
                   </a:ext>
                 </a:extLst>
               </a:tr>
@@ -8770,7 +8782,7 @@
                 </a:tc>
                 <a:extLst>
                   <a:ext uri="{0D108BD9-81ED-4DB2-BD59-A6C34878D82A}">
-                    <a16:rowId xmlns:a16="http://schemas.microsoft.com/office/drawing/2014/main" val="3055328934"/>
+                    <a16:rowId xmlns:a16="http://schemas.microsoft.com/office/drawing/2014/main" xmlns="" val="3055328934"/>
                   </a:ext>
                 </a:extLst>
               </a:tr>
@@ -8820,7 +8832,7 @@
                 </a:tc>
                 <a:extLst>
                   <a:ext uri="{0D108BD9-81ED-4DB2-BD59-A6C34878D82A}">
-                    <a16:rowId xmlns:a16="http://schemas.microsoft.com/office/drawing/2014/main" val="1144851549"/>
+                    <a16:rowId xmlns:a16="http://schemas.microsoft.com/office/drawing/2014/main" xmlns="" val="1144851549"/>
                   </a:ext>
                 </a:extLst>
               </a:tr>
@@ -8869,7 +8881,7 @@
                 </a:tc>
                 <a:extLst>
                   <a:ext uri="{0D108BD9-81ED-4DB2-BD59-A6C34878D82A}">
-                    <a16:rowId xmlns:a16="http://schemas.microsoft.com/office/drawing/2014/main" val="4258932578"/>
+                    <a16:rowId xmlns:a16="http://schemas.microsoft.com/office/drawing/2014/main" xmlns="" val="4258932578"/>
                   </a:ext>
                 </a:extLst>
               </a:tr>
@@ -8887,11 +8899,19 @@
   <p:clrMapOvr>
     <a:masterClrMapping/>
   </p:clrMapOvr>
+  <mc:AlternateContent xmlns:mc="http://schemas.openxmlformats.org/markup-compatibility/2006">
+    <mc:Choice xmlns:p14="http://schemas.microsoft.com/office/powerpoint/2010/main" Requires="p14">
+      <p:transition spd="slow" p14:dur="2000"/>
+    </mc:Choice>
+    <mc:Fallback>
+      <p:transition spd="slow"/>
+    </mc:Fallback>
+  </mc:AlternateContent>
 </p:sld>
 </file>
 
 <file path=ppt/slides/slide13.xml><?xml version="1.0" encoding="utf-8"?>
-<p:sld xmlns:a="http://schemas.openxmlformats.org/drawingml/2006/main" xmlns:r="http://schemas.openxmlformats.org/officeDocument/2006/relationships" xmlns:p="http://schemas.openxmlformats.org/presentationml/2006/main" show="0">
+<p:sld xmlns:a="http://schemas.openxmlformats.org/drawingml/2006/main" xmlns:r="http://schemas.openxmlformats.org/officeDocument/2006/relationships" xmlns:p="http://schemas.openxmlformats.org/presentationml/2006/main">
   <p:cSld>
     <p:spTree>
       <p:nvGrpSpPr>
@@ -10223,11 +10243,19 @@
   <p:clrMapOvr>
     <a:masterClrMapping/>
   </p:clrMapOvr>
+  <mc:AlternateContent xmlns:mc="http://schemas.openxmlformats.org/markup-compatibility/2006">
+    <mc:Choice xmlns:p14="http://schemas.microsoft.com/office/powerpoint/2010/main" Requires="p14">
+      <p:transition spd="slow" p14:dur="2000"/>
+    </mc:Choice>
+    <mc:Fallback>
+      <p:transition spd="slow"/>
+    </mc:Fallback>
+  </mc:AlternateContent>
 </p:sld>
 </file>
 
 <file path=ppt/slides/slide14.xml><?xml version="1.0" encoding="utf-8"?>
-<p:sld xmlns:a="http://schemas.openxmlformats.org/drawingml/2006/main" xmlns:r="http://schemas.openxmlformats.org/officeDocument/2006/relationships" xmlns:p="http://schemas.openxmlformats.org/presentationml/2006/main" show="0">
+<p:sld xmlns:a="http://schemas.openxmlformats.org/drawingml/2006/main" xmlns:r="http://schemas.openxmlformats.org/officeDocument/2006/relationships" xmlns:p="http://schemas.openxmlformats.org/presentationml/2006/main">
   <p:cSld>
     <p:spTree>
       <p:nvGrpSpPr>
@@ -11449,11 +11477,19 @@
   <p:clrMapOvr>
     <a:masterClrMapping/>
   </p:clrMapOvr>
+  <mc:AlternateContent xmlns:mc="http://schemas.openxmlformats.org/markup-compatibility/2006">
+    <mc:Choice xmlns:p14="http://schemas.microsoft.com/office/powerpoint/2010/main" Requires="p14">
+      <p:transition spd="slow" p14:dur="2000"/>
+    </mc:Choice>
+    <mc:Fallback>
+      <p:transition spd="slow"/>
+    </mc:Fallback>
+  </mc:AlternateContent>
 </p:sld>
 </file>
 
 <file path=ppt/slides/slide15.xml><?xml version="1.0" encoding="utf-8"?>
-<p:sld xmlns:a="http://schemas.openxmlformats.org/drawingml/2006/main" xmlns:r="http://schemas.openxmlformats.org/officeDocument/2006/relationships" xmlns:p="http://schemas.openxmlformats.org/presentationml/2006/main" show="0">
+<p:sld xmlns:a="http://schemas.openxmlformats.org/drawingml/2006/main" xmlns:r="http://schemas.openxmlformats.org/officeDocument/2006/relationships" xmlns:p="http://schemas.openxmlformats.org/presentationml/2006/main">
   <p:cSld>
     <p:spTree>
       <p:nvGrpSpPr>
@@ -12668,11 +12704,19 @@
   <p:clrMapOvr>
     <a:masterClrMapping/>
   </p:clrMapOvr>
+  <mc:AlternateContent xmlns:mc="http://schemas.openxmlformats.org/markup-compatibility/2006">
+    <mc:Choice xmlns:p14="http://schemas.microsoft.com/office/powerpoint/2010/main" Requires="p14">
+      <p:transition spd="slow" p14:dur="2000"/>
+    </mc:Choice>
+    <mc:Fallback>
+      <p:transition spd="slow"/>
+    </mc:Fallback>
+  </mc:AlternateContent>
 </p:sld>
 </file>
 
 <file path=ppt/slides/slide16.xml><?xml version="1.0" encoding="utf-8"?>
-<p:sld xmlns:a="http://schemas.openxmlformats.org/drawingml/2006/main" xmlns:r="http://schemas.openxmlformats.org/officeDocument/2006/relationships" xmlns:p="http://schemas.openxmlformats.org/presentationml/2006/main" show="0">
+<p:sld xmlns:a="http://schemas.openxmlformats.org/drawingml/2006/main" xmlns:r="http://schemas.openxmlformats.org/officeDocument/2006/relationships" xmlns:p="http://schemas.openxmlformats.org/presentationml/2006/main">
   <p:cSld>
     <p:spTree>
       <p:nvGrpSpPr>
@@ -13887,11 +13931,19 @@
   <p:clrMapOvr>
     <a:masterClrMapping/>
   </p:clrMapOvr>
+  <mc:AlternateContent xmlns:mc="http://schemas.openxmlformats.org/markup-compatibility/2006">
+    <mc:Choice xmlns:p14="http://schemas.microsoft.com/office/powerpoint/2010/main" Requires="p14">
+      <p:transition spd="slow" p14:dur="2000"/>
+    </mc:Choice>
+    <mc:Fallback>
+      <p:transition spd="slow"/>
+    </mc:Fallback>
+  </mc:AlternateContent>
 </p:sld>
 </file>
 
 <file path=ppt/slides/slide17.xml><?xml version="1.0" encoding="utf-8"?>
-<p:sld xmlns:a="http://schemas.openxmlformats.org/drawingml/2006/main" xmlns:r="http://schemas.openxmlformats.org/officeDocument/2006/relationships" xmlns:p="http://schemas.openxmlformats.org/presentationml/2006/main" show="0">
+<p:sld xmlns:a="http://schemas.openxmlformats.org/drawingml/2006/main" xmlns:r="http://schemas.openxmlformats.org/officeDocument/2006/relationships" xmlns:p="http://schemas.openxmlformats.org/presentationml/2006/main">
   <p:cSld>
     <p:spTree>
       <p:nvGrpSpPr>
@@ -15082,11 +15134,19 @@
   <p:clrMapOvr>
     <a:masterClrMapping/>
   </p:clrMapOvr>
+  <mc:AlternateContent xmlns:mc="http://schemas.openxmlformats.org/markup-compatibility/2006">
+    <mc:Choice xmlns:p14="http://schemas.microsoft.com/office/powerpoint/2010/main" Requires="p14">
+      <p:transition spd="slow" p14:dur="2000"/>
+    </mc:Choice>
+    <mc:Fallback>
+      <p:transition spd="slow"/>
+    </mc:Fallback>
+  </mc:AlternateContent>
 </p:sld>
 </file>
 
 <file path=ppt/slides/slide18.xml><?xml version="1.0" encoding="utf-8"?>
-<p:sld xmlns:a="http://schemas.openxmlformats.org/drawingml/2006/main" xmlns:r="http://schemas.openxmlformats.org/officeDocument/2006/relationships" xmlns:p="http://schemas.openxmlformats.org/presentationml/2006/main" show="0">
+<p:sld xmlns:a="http://schemas.openxmlformats.org/drawingml/2006/main" xmlns:r="http://schemas.openxmlformats.org/officeDocument/2006/relationships" xmlns:p="http://schemas.openxmlformats.org/presentationml/2006/main">
   <p:cSld>
     <p:spTree>
       <p:nvGrpSpPr>
@@ -16338,11 +16398,19 @@
   <p:clrMapOvr>
     <a:masterClrMapping/>
   </p:clrMapOvr>
+  <mc:AlternateContent xmlns:mc="http://schemas.openxmlformats.org/markup-compatibility/2006">
+    <mc:Choice xmlns:p14="http://schemas.microsoft.com/office/powerpoint/2010/main" Requires="p14">
+      <p:transition spd="slow" p14:dur="2000"/>
+    </mc:Choice>
+    <mc:Fallback>
+      <p:transition spd="slow"/>
+    </mc:Fallback>
+  </mc:AlternateContent>
 </p:sld>
 </file>
 
 <file path=ppt/slides/slide19.xml><?xml version="1.0" encoding="utf-8"?>
-<p:sld xmlns:a="http://schemas.openxmlformats.org/drawingml/2006/main" xmlns:r="http://schemas.openxmlformats.org/officeDocument/2006/relationships" xmlns:p="http://schemas.openxmlformats.org/presentationml/2006/main" show="0">
+<p:sld xmlns:a="http://schemas.openxmlformats.org/drawingml/2006/main" xmlns:r="http://schemas.openxmlformats.org/officeDocument/2006/relationships" xmlns:p="http://schemas.openxmlformats.org/presentationml/2006/main">
   <p:cSld>
     <p:spTree>
       <p:nvGrpSpPr>
@@ -17520,6 +17588,14 @@
   <p:clrMapOvr>
     <a:masterClrMapping/>
   </p:clrMapOvr>
+  <mc:AlternateContent xmlns:mc="http://schemas.openxmlformats.org/markup-compatibility/2006">
+    <mc:Choice xmlns:p14="http://schemas.microsoft.com/office/powerpoint/2010/main" Requires="p14">
+      <p:transition spd="slow" p14:dur="2000"/>
+    </mc:Choice>
+    <mc:Fallback>
+      <p:transition spd="slow"/>
+    </mc:Fallback>
+  </mc:AlternateContent>
 </p:sld>
 </file>
 
@@ -18534,7 +18610,7 @@
 </file>
 
 <file path=ppt/slides/slide20.xml><?xml version="1.0" encoding="utf-8"?>
-<p:sld xmlns:a="http://schemas.openxmlformats.org/drawingml/2006/main" xmlns:r="http://schemas.openxmlformats.org/officeDocument/2006/relationships" xmlns:p="http://schemas.openxmlformats.org/presentationml/2006/main" show="0">
+<p:sld xmlns:a="http://schemas.openxmlformats.org/drawingml/2006/main" xmlns:r="http://schemas.openxmlformats.org/officeDocument/2006/relationships" xmlns:p="http://schemas.openxmlformats.org/presentationml/2006/main">
   <p:cSld>
     <p:spTree>
       <p:nvGrpSpPr>
@@ -19758,11 +19834,19 @@
   <p:clrMapOvr>
     <a:masterClrMapping/>
   </p:clrMapOvr>
+  <mc:AlternateContent xmlns:mc="http://schemas.openxmlformats.org/markup-compatibility/2006">
+    <mc:Choice xmlns:p14="http://schemas.microsoft.com/office/powerpoint/2010/main" Requires="p14">
+      <p:transition spd="slow" p14:dur="2000"/>
+    </mc:Choice>
+    <mc:Fallback>
+      <p:transition spd="slow"/>
+    </mc:Fallback>
+  </mc:AlternateContent>
 </p:sld>
 </file>
 
 <file path=ppt/slides/slide21.xml><?xml version="1.0" encoding="utf-8"?>
-<p:sld xmlns:a="http://schemas.openxmlformats.org/drawingml/2006/main" xmlns:r="http://schemas.openxmlformats.org/officeDocument/2006/relationships" xmlns:p="http://schemas.openxmlformats.org/presentationml/2006/main" show="0">
+<p:sld xmlns:a="http://schemas.openxmlformats.org/drawingml/2006/main" xmlns:r="http://schemas.openxmlformats.org/officeDocument/2006/relationships" xmlns:p="http://schemas.openxmlformats.org/presentationml/2006/main">
   <p:cSld>
     <p:spTree>
       <p:nvGrpSpPr>
@@ -20977,11 +21061,19 @@
   <p:clrMapOvr>
     <a:masterClrMapping/>
   </p:clrMapOvr>
+  <mc:AlternateContent xmlns:mc="http://schemas.openxmlformats.org/markup-compatibility/2006">
+    <mc:Choice xmlns:p14="http://schemas.microsoft.com/office/powerpoint/2010/main" Requires="p14">
+      <p:transition spd="slow" p14:dur="2000"/>
+    </mc:Choice>
+    <mc:Fallback>
+      <p:transition spd="slow"/>
+    </mc:Fallback>
+  </mc:AlternateContent>
 </p:sld>
 </file>
 
 <file path=ppt/slides/slide22.xml><?xml version="1.0" encoding="utf-8"?>
-<p:sld xmlns:a="http://schemas.openxmlformats.org/drawingml/2006/main" xmlns:r="http://schemas.openxmlformats.org/officeDocument/2006/relationships" xmlns:p="http://schemas.openxmlformats.org/presentationml/2006/main" show="0">
+<p:sld xmlns:a="http://schemas.openxmlformats.org/drawingml/2006/main" xmlns:r="http://schemas.openxmlformats.org/officeDocument/2006/relationships" xmlns:p="http://schemas.openxmlformats.org/presentationml/2006/main">
   <p:cSld>
     <p:spTree>
       <p:nvGrpSpPr>
@@ -22257,11 +22349,19 @@
   <p:clrMapOvr>
     <a:masterClrMapping/>
   </p:clrMapOvr>
+  <mc:AlternateContent xmlns:mc="http://schemas.openxmlformats.org/markup-compatibility/2006">
+    <mc:Choice xmlns:p14="http://schemas.microsoft.com/office/powerpoint/2010/main" Requires="p14">
+      <p:transition spd="slow" p14:dur="2000"/>
+    </mc:Choice>
+    <mc:Fallback>
+      <p:transition spd="slow"/>
+    </mc:Fallback>
+  </mc:AlternateContent>
 </p:sld>
 </file>
 
 <file path=ppt/slides/slide23.xml><?xml version="1.0" encoding="utf-8"?>
-<p:sld xmlns:a="http://schemas.openxmlformats.org/drawingml/2006/main" xmlns:r="http://schemas.openxmlformats.org/officeDocument/2006/relationships" xmlns:p="http://schemas.openxmlformats.org/presentationml/2006/main" show="0">
+<p:sld xmlns:a="http://schemas.openxmlformats.org/drawingml/2006/main" xmlns:r="http://schemas.openxmlformats.org/officeDocument/2006/relationships" xmlns:p="http://schemas.openxmlformats.org/presentationml/2006/main">
   <p:cSld>
     <p:spTree>
       <p:nvGrpSpPr>
@@ -23501,11 +23601,19 @@
   <p:clrMapOvr>
     <a:masterClrMapping/>
   </p:clrMapOvr>
+  <mc:AlternateContent xmlns:mc="http://schemas.openxmlformats.org/markup-compatibility/2006">
+    <mc:Choice xmlns:p14="http://schemas.microsoft.com/office/powerpoint/2010/main" Requires="p14">
+      <p:transition spd="slow" p14:dur="2000"/>
+    </mc:Choice>
+    <mc:Fallback>
+      <p:transition spd="slow"/>
+    </mc:Fallback>
+  </mc:AlternateContent>
 </p:sld>
 </file>
 
 <file path=ppt/slides/slide24.xml><?xml version="1.0" encoding="utf-8"?>
-<p:sld xmlns:a="http://schemas.openxmlformats.org/drawingml/2006/main" xmlns:r="http://schemas.openxmlformats.org/officeDocument/2006/relationships" xmlns:p="http://schemas.openxmlformats.org/presentationml/2006/main" show="0">
+<p:sld xmlns:a="http://schemas.openxmlformats.org/drawingml/2006/main" xmlns:r="http://schemas.openxmlformats.org/officeDocument/2006/relationships" xmlns:p="http://schemas.openxmlformats.org/presentationml/2006/main">
   <p:cSld>
     <p:spTree>
       <p:nvGrpSpPr>
@@ -24771,6 +24879,14 @@
   <p:clrMapOvr>
     <a:masterClrMapping/>
   </p:clrMapOvr>
+  <mc:AlternateContent xmlns:mc="http://schemas.openxmlformats.org/markup-compatibility/2006">
+    <mc:Choice xmlns:p14="http://schemas.microsoft.com/office/powerpoint/2010/main" Requires="p14">
+      <p:transition spd="slow" p14:dur="2000"/>
+    </mc:Choice>
+    <mc:Fallback>
+      <p:transition spd="slow"/>
+    </mc:Fallback>
+  </mc:AlternateContent>
 </p:sld>
 </file>
 
@@ -25765,7 +25881,7 @@
           <a:p>
             <a:r>
               <a:rPr lang="en-US" dirty="0"/>
-              <a:t>Process of Executing a Query</a:t>
+              <a:t>Parse Trees</a:t>
             </a:r>
           </a:p>
         </p:txBody>
@@ -25787,19 +25903,33 @@
           <a:p>
             <a:r>
               <a:rPr lang="en-US" dirty="0"/>
-              <a:t>Parsing and binding</a:t>
+              <a:t>Internal representation of query operation</a:t>
             </a:r>
           </a:p>
           <a:p>
             <a:r>
               <a:rPr lang="en-US" dirty="0"/>
-              <a:t>Optimization</a:t>
-            </a:r>
-          </a:p>
-          <a:p>
+              <a:t>Nodes may be logical or physical operators</a:t>
+            </a:r>
+          </a:p>
+          <a:p>
+            <a:pPr lvl="1"/>
             <a:r>
               <a:rPr lang="en-US" dirty="0"/>
-              <a:t>Execution</a:t>
+              <a:t>0 to infinity inputs, 1 output</a:t>
+            </a:r>
+          </a:p>
+          <a:p>
+            <a:r>
+              <a:rPr lang="en-US" dirty="0"/>
+              <a:t>SQL Server will output parse trees at various phases of optimization</a:t>
+            </a:r>
+          </a:p>
+          <a:p>
+            <a:pPr lvl="1"/>
+            <a:r>
+              <a:rPr lang="en-US" dirty="0"/>
+              <a:t>A variety of trace flags will trigger output</a:t>
             </a:r>
           </a:p>
         </p:txBody>
@@ -25807,7 +25937,7 @@
     </p:spTree>
     <p:extLst>
       <p:ext uri="{BB962C8B-B14F-4D97-AF65-F5344CB8AC3E}">
-        <p14:creationId xmlns:p14="http://schemas.microsoft.com/office/powerpoint/2010/main" val="183120470"/>
+        <p14:creationId xmlns:p14="http://schemas.microsoft.com/office/powerpoint/2010/main" val="1114966382"/>
       </p:ext>
     </p:extLst>
   </p:cSld>
@@ -25846,14 +25976,1134 @@
         </p:nvSpPr>
         <p:spPr/>
         <p:txBody>
-          <a:bodyPr>
-            <a:normAutofit fontScale="90000"/>
+          <a:bodyPr/>
+          <a:lstStyle/>
+          <a:p>
+            <a:r>
+              <a:rPr lang="en-US" dirty="0"/>
+              <a:t>Example Parse Tree</a:t>
+            </a:r>
+          </a:p>
+        </p:txBody>
+      </p:sp>
+      <p:sp>
+        <p:nvSpPr>
+          <p:cNvPr id="5" name="TextBox 4"/>
+          <p:cNvSpPr txBox="1"/>
+          <p:nvPr/>
+        </p:nvSpPr>
+        <p:spPr>
+          <a:xfrm>
+            <a:off x="558265" y="1713297"/>
+            <a:ext cx="4025461" cy="2677656"/>
+          </a:xfrm>
+          <a:prstGeom prst="rect">
+            <a:avLst/>
+          </a:prstGeom>
+          <a:noFill/>
+        </p:spPr>
+        <p:txBody>
+          <a:bodyPr wrap="none" rtlCol="0">
+            <a:spAutoFit/>
           </a:bodyPr>
           <a:lstStyle/>
           <a:p>
             <a:r>
-              <a:rPr lang="en-US" dirty="0"/>
-              <a:t>Process of Executing a Query - Graphical</a:t>
+              <a:rPr lang="en-US" sz="1400" dirty="0">
+                <a:solidFill>
+                  <a:srgbClr val="0000FF"/>
+                </a:solidFill>
+                <a:latin typeface="Consolas" panose="020B0609020204030204" pitchFamily="49" charset="0"/>
+              </a:rPr>
+              <a:t>select</a:t>
+            </a:r>
+            <a:r>
+              <a:rPr lang="en-US" sz="1400" dirty="0">
+                <a:solidFill>
+                  <a:prstClr val="black"/>
+                </a:solidFill>
+                <a:latin typeface="Consolas" panose="020B0609020204030204" pitchFamily="49" charset="0"/>
+              </a:rPr>
+              <a:t> </a:t>
+            </a:r>
+            <a:r>
+              <a:rPr lang="en-US" sz="1400" dirty="0">
+                <a:solidFill>
+                  <a:srgbClr val="0000FF"/>
+                </a:solidFill>
+                <a:latin typeface="Consolas" panose="020B0609020204030204" pitchFamily="49" charset="0"/>
+              </a:rPr>
+              <a:t>top</a:t>
+            </a:r>
+            <a:r>
+              <a:rPr lang="en-US" sz="1400" dirty="0">
+                <a:solidFill>
+                  <a:prstClr val="black"/>
+                </a:solidFill>
+                <a:latin typeface="Consolas" panose="020B0609020204030204" pitchFamily="49" charset="0"/>
+              </a:rPr>
+              <a:t> 5</a:t>
+            </a:r>
+          </a:p>
+          <a:p>
+            <a:r>
+              <a:rPr lang="en-US" sz="1400" dirty="0">
+                <a:solidFill>
+                  <a:srgbClr val="008080"/>
+                </a:solidFill>
+                <a:latin typeface="Consolas" panose="020B0609020204030204" pitchFamily="49" charset="0"/>
+              </a:rPr>
+              <a:t>	</a:t>
+            </a:r>
+            <a:r>
+              <a:rPr lang="en-US" sz="1400" dirty="0" err="1">
+                <a:solidFill>
+                  <a:srgbClr val="008080"/>
+                </a:solidFill>
+                <a:latin typeface="Consolas" panose="020B0609020204030204" pitchFamily="49" charset="0"/>
+              </a:rPr>
+              <a:t>od</a:t>
+            </a:r>
+            <a:r>
+              <a:rPr lang="en-US" sz="1400" dirty="0" err="1">
+                <a:solidFill>
+                  <a:srgbClr val="808080"/>
+                </a:solidFill>
+                <a:latin typeface="Consolas" panose="020B0609020204030204" pitchFamily="49" charset="0"/>
+              </a:rPr>
+              <a:t>.</a:t>
+            </a:r>
+            <a:r>
+              <a:rPr lang="en-US" sz="1400" dirty="0" err="1">
+                <a:solidFill>
+                  <a:srgbClr val="008080"/>
+                </a:solidFill>
+                <a:latin typeface="Consolas" panose="020B0609020204030204" pitchFamily="49" charset="0"/>
+              </a:rPr>
+              <a:t>ProductId</a:t>
+            </a:r>
+            <a:r>
+              <a:rPr lang="en-US" sz="1400" dirty="0">
+                <a:solidFill>
+                  <a:srgbClr val="808080"/>
+                </a:solidFill>
+                <a:latin typeface="Consolas" panose="020B0609020204030204" pitchFamily="49" charset="0"/>
+              </a:rPr>
+              <a:t>,</a:t>
+            </a:r>
+            <a:endParaRPr lang="en-US" sz="1400" dirty="0">
+              <a:solidFill>
+                <a:prstClr val="black"/>
+              </a:solidFill>
+              <a:latin typeface="Consolas" panose="020B0609020204030204" pitchFamily="49" charset="0"/>
+            </a:endParaRPr>
+          </a:p>
+          <a:p>
+            <a:r>
+              <a:rPr lang="en-US" sz="1400" dirty="0">
+                <a:solidFill>
+                  <a:srgbClr val="FF00FF"/>
+                </a:solidFill>
+                <a:latin typeface="Consolas" panose="020B0609020204030204" pitchFamily="49" charset="0"/>
+              </a:rPr>
+              <a:t>	sum</a:t>
+            </a:r>
+            <a:r>
+              <a:rPr lang="en-US" sz="1400" dirty="0">
+                <a:solidFill>
+                  <a:srgbClr val="808080"/>
+                </a:solidFill>
+                <a:latin typeface="Consolas" panose="020B0609020204030204" pitchFamily="49" charset="0"/>
+              </a:rPr>
+              <a:t>(</a:t>
+            </a:r>
+            <a:r>
+              <a:rPr lang="en-US" sz="1400" dirty="0" err="1">
+                <a:solidFill>
+                  <a:srgbClr val="008080"/>
+                </a:solidFill>
+                <a:latin typeface="Consolas" panose="020B0609020204030204" pitchFamily="49" charset="0"/>
+              </a:rPr>
+              <a:t>od</a:t>
+            </a:r>
+            <a:r>
+              <a:rPr lang="en-US" sz="1400" dirty="0" err="1">
+                <a:solidFill>
+                  <a:srgbClr val="808080"/>
+                </a:solidFill>
+                <a:latin typeface="Consolas" panose="020B0609020204030204" pitchFamily="49" charset="0"/>
+              </a:rPr>
+              <a:t>.</a:t>
+            </a:r>
+            <a:r>
+              <a:rPr lang="en-US" sz="1400" dirty="0" err="1">
+                <a:solidFill>
+                  <a:srgbClr val="008080"/>
+                </a:solidFill>
+                <a:latin typeface="Consolas" panose="020B0609020204030204" pitchFamily="49" charset="0"/>
+              </a:rPr>
+              <a:t>Quantity</a:t>
+            </a:r>
+            <a:r>
+              <a:rPr lang="en-US" sz="1400" dirty="0">
+                <a:solidFill>
+                  <a:srgbClr val="808080"/>
+                </a:solidFill>
+                <a:latin typeface="Consolas" panose="020B0609020204030204" pitchFamily="49" charset="0"/>
+              </a:rPr>
+              <a:t>)</a:t>
+            </a:r>
+            <a:r>
+              <a:rPr lang="en-US" sz="1400" dirty="0">
+                <a:solidFill>
+                  <a:prstClr val="black"/>
+                </a:solidFill>
+                <a:latin typeface="Consolas" panose="020B0609020204030204" pitchFamily="49" charset="0"/>
+              </a:rPr>
+              <a:t> </a:t>
+            </a:r>
+            <a:r>
+              <a:rPr lang="en-US" sz="1400" dirty="0">
+                <a:solidFill>
+                  <a:srgbClr val="808080"/>
+                </a:solidFill>
+                <a:latin typeface="Consolas" panose="020B0609020204030204" pitchFamily="49" charset="0"/>
+              </a:rPr>
+              <a:t>-</a:t>
+            </a:r>
+            <a:r>
+              <a:rPr lang="en-US" sz="1400" dirty="0">
+                <a:solidFill>
+                  <a:prstClr val="black"/>
+                </a:solidFill>
+                <a:latin typeface="Consolas" panose="020B0609020204030204" pitchFamily="49" charset="0"/>
+              </a:rPr>
+              <a:t> 20 </a:t>
+            </a:r>
+            <a:r>
+              <a:rPr lang="en-US" sz="1400" dirty="0" err="1">
+                <a:solidFill>
+                  <a:srgbClr val="008080"/>
+                </a:solidFill>
+                <a:latin typeface="Consolas" panose="020B0609020204030204" pitchFamily="49" charset="0"/>
+              </a:rPr>
+              <a:t>ExcessOrders</a:t>
+            </a:r>
+            <a:endParaRPr lang="en-US" sz="1400" dirty="0">
+              <a:solidFill>
+                <a:prstClr val="black"/>
+              </a:solidFill>
+              <a:latin typeface="Consolas" panose="020B0609020204030204" pitchFamily="49" charset="0"/>
+            </a:endParaRPr>
+          </a:p>
+          <a:p>
+            <a:r>
+              <a:rPr lang="en-US" sz="1400" dirty="0">
+                <a:solidFill>
+                  <a:srgbClr val="0000FF"/>
+                </a:solidFill>
+                <a:latin typeface="Consolas" panose="020B0609020204030204" pitchFamily="49" charset="0"/>
+              </a:rPr>
+              <a:t>from</a:t>
+            </a:r>
+            <a:r>
+              <a:rPr lang="en-US" sz="1400" dirty="0">
+                <a:solidFill>
+                  <a:prstClr val="black"/>
+                </a:solidFill>
+                <a:latin typeface="Consolas" panose="020B0609020204030204" pitchFamily="49" charset="0"/>
+              </a:rPr>
+              <a:t> </a:t>
+            </a:r>
+            <a:r>
+              <a:rPr lang="en-US" sz="1400" dirty="0" err="1">
+                <a:solidFill>
+                  <a:srgbClr val="008080"/>
+                </a:solidFill>
+                <a:latin typeface="Consolas" panose="020B0609020204030204" pitchFamily="49" charset="0"/>
+              </a:rPr>
+              <a:t>CorpDB</a:t>
+            </a:r>
+            <a:r>
+              <a:rPr lang="en-US" sz="1400" dirty="0" err="1">
+                <a:solidFill>
+                  <a:srgbClr val="808080"/>
+                </a:solidFill>
+                <a:latin typeface="Consolas" panose="020B0609020204030204" pitchFamily="49" charset="0"/>
+              </a:rPr>
+              <a:t>.</a:t>
+            </a:r>
+            <a:r>
+              <a:rPr lang="en-US" sz="1400" dirty="0" err="1">
+                <a:solidFill>
+                  <a:srgbClr val="008080"/>
+                </a:solidFill>
+                <a:latin typeface="Consolas" panose="020B0609020204030204" pitchFamily="49" charset="0"/>
+              </a:rPr>
+              <a:t>dbo</a:t>
+            </a:r>
+            <a:r>
+              <a:rPr lang="en-US" sz="1400" dirty="0" err="1">
+                <a:solidFill>
+                  <a:srgbClr val="808080"/>
+                </a:solidFill>
+                <a:latin typeface="Consolas" panose="020B0609020204030204" pitchFamily="49" charset="0"/>
+              </a:rPr>
+              <a:t>.</a:t>
+            </a:r>
+            <a:r>
+              <a:rPr lang="en-US" sz="1400" dirty="0" err="1">
+                <a:solidFill>
+                  <a:srgbClr val="008080"/>
+                </a:solidFill>
+                <a:latin typeface="Consolas" panose="020B0609020204030204" pitchFamily="49" charset="0"/>
+              </a:rPr>
+              <a:t>OrderHeader</a:t>
+            </a:r>
+            <a:r>
+              <a:rPr lang="en-US" sz="1400" dirty="0">
+                <a:solidFill>
+                  <a:prstClr val="black"/>
+                </a:solidFill>
+                <a:latin typeface="Consolas" panose="020B0609020204030204" pitchFamily="49" charset="0"/>
+              </a:rPr>
+              <a:t> </a:t>
+            </a:r>
+            <a:r>
+              <a:rPr lang="en-US" sz="1400" dirty="0">
+                <a:solidFill>
+                  <a:srgbClr val="008080"/>
+                </a:solidFill>
+                <a:latin typeface="Consolas" panose="020B0609020204030204" pitchFamily="49" charset="0"/>
+              </a:rPr>
+              <a:t>oh</a:t>
+            </a:r>
+            <a:endParaRPr lang="en-US" sz="1400" dirty="0">
+              <a:solidFill>
+                <a:prstClr val="black"/>
+              </a:solidFill>
+              <a:latin typeface="Consolas" panose="020B0609020204030204" pitchFamily="49" charset="0"/>
+            </a:endParaRPr>
+          </a:p>
+          <a:p>
+            <a:r>
+              <a:rPr lang="en-US" sz="1400" dirty="0">
+                <a:solidFill>
+                  <a:srgbClr val="808080"/>
+                </a:solidFill>
+                <a:latin typeface="Consolas" panose="020B0609020204030204" pitchFamily="49" charset="0"/>
+              </a:rPr>
+              <a:t>inner</a:t>
+            </a:r>
+            <a:r>
+              <a:rPr lang="en-US" sz="1400" dirty="0">
+                <a:solidFill>
+                  <a:prstClr val="black"/>
+                </a:solidFill>
+                <a:latin typeface="Consolas" panose="020B0609020204030204" pitchFamily="49" charset="0"/>
+              </a:rPr>
+              <a:t> </a:t>
+            </a:r>
+            <a:r>
+              <a:rPr lang="en-US" sz="1400" dirty="0">
+                <a:solidFill>
+                  <a:srgbClr val="808080"/>
+                </a:solidFill>
+                <a:latin typeface="Consolas" panose="020B0609020204030204" pitchFamily="49" charset="0"/>
+              </a:rPr>
+              <a:t>join</a:t>
+            </a:r>
+            <a:r>
+              <a:rPr lang="en-US" sz="1400" dirty="0">
+                <a:solidFill>
+                  <a:prstClr val="black"/>
+                </a:solidFill>
+                <a:latin typeface="Consolas" panose="020B0609020204030204" pitchFamily="49" charset="0"/>
+              </a:rPr>
+              <a:t> </a:t>
+            </a:r>
+            <a:r>
+              <a:rPr lang="en-US" sz="1400" dirty="0" err="1">
+                <a:solidFill>
+                  <a:srgbClr val="008080"/>
+                </a:solidFill>
+                <a:latin typeface="Consolas" panose="020B0609020204030204" pitchFamily="49" charset="0"/>
+              </a:rPr>
+              <a:t>CorpDB</a:t>
+            </a:r>
+            <a:r>
+              <a:rPr lang="en-US" sz="1400" dirty="0" err="1">
+                <a:solidFill>
+                  <a:srgbClr val="808080"/>
+                </a:solidFill>
+                <a:latin typeface="Consolas" panose="020B0609020204030204" pitchFamily="49" charset="0"/>
+              </a:rPr>
+              <a:t>.</a:t>
+            </a:r>
+            <a:r>
+              <a:rPr lang="en-US" sz="1400" dirty="0" err="1">
+                <a:solidFill>
+                  <a:srgbClr val="008080"/>
+                </a:solidFill>
+                <a:latin typeface="Consolas" panose="020B0609020204030204" pitchFamily="49" charset="0"/>
+              </a:rPr>
+              <a:t>dbo</a:t>
+            </a:r>
+            <a:r>
+              <a:rPr lang="en-US" sz="1400" dirty="0" err="1">
+                <a:solidFill>
+                  <a:srgbClr val="808080"/>
+                </a:solidFill>
+                <a:latin typeface="Consolas" panose="020B0609020204030204" pitchFamily="49" charset="0"/>
+              </a:rPr>
+              <a:t>.</a:t>
+            </a:r>
+            <a:r>
+              <a:rPr lang="en-US" sz="1400" dirty="0" err="1">
+                <a:solidFill>
+                  <a:srgbClr val="008080"/>
+                </a:solidFill>
+                <a:latin typeface="Consolas" panose="020B0609020204030204" pitchFamily="49" charset="0"/>
+              </a:rPr>
+              <a:t>OrderDetail</a:t>
+            </a:r>
+            <a:r>
+              <a:rPr lang="en-US" sz="1400" dirty="0">
+                <a:solidFill>
+                  <a:prstClr val="black"/>
+                </a:solidFill>
+                <a:latin typeface="Consolas" panose="020B0609020204030204" pitchFamily="49" charset="0"/>
+              </a:rPr>
+              <a:t> </a:t>
+            </a:r>
+            <a:r>
+              <a:rPr lang="en-US" sz="1400" dirty="0">
+                <a:solidFill>
+                  <a:srgbClr val="008080"/>
+                </a:solidFill>
+                <a:latin typeface="Consolas" panose="020B0609020204030204" pitchFamily="49" charset="0"/>
+              </a:rPr>
+              <a:t>od</a:t>
+            </a:r>
+            <a:endParaRPr lang="en-US" sz="1400" dirty="0">
+              <a:solidFill>
+                <a:prstClr val="black"/>
+              </a:solidFill>
+              <a:latin typeface="Consolas" panose="020B0609020204030204" pitchFamily="49" charset="0"/>
+            </a:endParaRPr>
+          </a:p>
+          <a:p>
+            <a:r>
+              <a:rPr lang="en-US" sz="1400" dirty="0">
+                <a:solidFill>
+                  <a:srgbClr val="0000FF"/>
+                </a:solidFill>
+                <a:latin typeface="Consolas" panose="020B0609020204030204" pitchFamily="49" charset="0"/>
+              </a:rPr>
+              <a:t>on</a:t>
+            </a:r>
+            <a:r>
+              <a:rPr lang="en-US" sz="1400" dirty="0">
+                <a:solidFill>
+                  <a:prstClr val="black"/>
+                </a:solidFill>
+                <a:latin typeface="Consolas" panose="020B0609020204030204" pitchFamily="49" charset="0"/>
+              </a:rPr>
+              <a:t> </a:t>
+            </a:r>
+            <a:r>
+              <a:rPr lang="en-US" sz="1400" dirty="0" err="1">
+                <a:solidFill>
+                  <a:srgbClr val="008080"/>
+                </a:solidFill>
+                <a:latin typeface="Consolas" panose="020B0609020204030204" pitchFamily="49" charset="0"/>
+              </a:rPr>
+              <a:t>oh</a:t>
+            </a:r>
+            <a:r>
+              <a:rPr lang="en-US" sz="1400" dirty="0" err="1">
+                <a:solidFill>
+                  <a:srgbClr val="808080"/>
+                </a:solidFill>
+                <a:latin typeface="Consolas" panose="020B0609020204030204" pitchFamily="49" charset="0"/>
+              </a:rPr>
+              <a:t>.</a:t>
+            </a:r>
+            <a:r>
+              <a:rPr lang="en-US" sz="1400" dirty="0" err="1">
+                <a:solidFill>
+                  <a:srgbClr val="008080"/>
+                </a:solidFill>
+                <a:latin typeface="Consolas" panose="020B0609020204030204" pitchFamily="49" charset="0"/>
+              </a:rPr>
+              <a:t>OrderId</a:t>
+            </a:r>
+            <a:r>
+              <a:rPr lang="en-US" sz="1400" dirty="0">
+                <a:solidFill>
+                  <a:prstClr val="black"/>
+                </a:solidFill>
+                <a:latin typeface="Consolas" panose="020B0609020204030204" pitchFamily="49" charset="0"/>
+              </a:rPr>
+              <a:t> </a:t>
+            </a:r>
+            <a:r>
+              <a:rPr lang="en-US" sz="1400" dirty="0">
+                <a:solidFill>
+                  <a:srgbClr val="808080"/>
+                </a:solidFill>
+                <a:latin typeface="Consolas" panose="020B0609020204030204" pitchFamily="49" charset="0"/>
+              </a:rPr>
+              <a:t>=</a:t>
+            </a:r>
+            <a:r>
+              <a:rPr lang="en-US" sz="1400" dirty="0">
+                <a:solidFill>
+                  <a:prstClr val="black"/>
+                </a:solidFill>
+                <a:latin typeface="Consolas" panose="020B0609020204030204" pitchFamily="49" charset="0"/>
+              </a:rPr>
+              <a:t> </a:t>
+            </a:r>
+            <a:r>
+              <a:rPr lang="en-US" sz="1400" dirty="0" err="1">
+                <a:solidFill>
+                  <a:srgbClr val="008080"/>
+                </a:solidFill>
+                <a:latin typeface="Consolas" panose="020B0609020204030204" pitchFamily="49" charset="0"/>
+              </a:rPr>
+              <a:t>od</a:t>
+            </a:r>
+            <a:r>
+              <a:rPr lang="en-US" sz="1400" dirty="0" err="1">
+                <a:solidFill>
+                  <a:srgbClr val="808080"/>
+                </a:solidFill>
+                <a:latin typeface="Consolas" panose="020B0609020204030204" pitchFamily="49" charset="0"/>
+              </a:rPr>
+              <a:t>.</a:t>
+            </a:r>
+            <a:r>
+              <a:rPr lang="en-US" sz="1400" dirty="0" err="1">
+                <a:solidFill>
+                  <a:srgbClr val="008080"/>
+                </a:solidFill>
+                <a:latin typeface="Consolas" panose="020B0609020204030204" pitchFamily="49" charset="0"/>
+              </a:rPr>
+              <a:t>OrderId</a:t>
+            </a:r>
+            <a:endParaRPr lang="en-US" sz="1400" dirty="0">
+              <a:solidFill>
+                <a:prstClr val="black"/>
+              </a:solidFill>
+              <a:latin typeface="Consolas" panose="020B0609020204030204" pitchFamily="49" charset="0"/>
+            </a:endParaRPr>
+          </a:p>
+          <a:p>
+            <a:r>
+              <a:rPr lang="en-US" sz="1400" dirty="0">
+                <a:solidFill>
+                  <a:srgbClr val="808080"/>
+                </a:solidFill>
+                <a:latin typeface="Consolas" panose="020B0609020204030204" pitchFamily="49" charset="0"/>
+              </a:rPr>
+              <a:t>inner</a:t>
+            </a:r>
+            <a:r>
+              <a:rPr lang="en-US" sz="1400" dirty="0">
+                <a:solidFill>
+                  <a:prstClr val="black"/>
+                </a:solidFill>
+                <a:latin typeface="Consolas" panose="020B0609020204030204" pitchFamily="49" charset="0"/>
+              </a:rPr>
+              <a:t> </a:t>
+            </a:r>
+            <a:r>
+              <a:rPr lang="en-US" sz="1400" dirty="0">
+                <a:solidFill>
+                  <a:srgbClr val="808080"/>
+                </a:solidFill>
+                <a:latin typeface="Consolas" panose="020B0609020204030204" pitchFamily="49" charset="0"/>
+              </a:rPr>
+              <a:t>join</a:t>
+            </a:r>
+            <a:r>
+              <a:rPr lang="en-US" sz="1400" dirty="0">
+                <a:solidFill>
+                  <a:prstClr val="black"/>
+                </a:solidFill>
+                <a:latin typeface="Consolas" panose="020B0609020204030204" pitchFamily="49" charset="0"/>
+              </a:rPr>
+              <a:t> </a:t>
+            </a:r>
+            <a:r>
+              <a:rPr lang="en-US" sz="1400" dirty="0" err="1">
+                <a:solidFill>
+                  <a:srgbClr val="008080"/>
+                </a:solidFill>
+                <a:latin typeface="Consolas" panose="020B0609020204030204" pitchFamily="49" charset="0"/>
+              </a:rPr>
+              <a:t>CorpDB</a:t>
+            </a:r>
+            <a:r>
+              <a:rPr lang="en-US" sz="1400" dirty="0" err="1">
+                <a:solidFill>
+                  <a:srgbClr val="808080"/>
+                </a:solidFill>
+                <a:latin typeface="Consolas" panose="020B0609020204030204" pitchFamily="49" charset="0"/>
+              </a:rPr>
+              <a:t>.</a:t>
+            </a:r>
+            <a:r>
+              <a:rPr lang="en-US" sz="1400" dirty="0" err="1">
+                <a:solidFill>
+                  <a:srgbClr val="008080"/>
+                </a:solidFill>
+                <a:latin typeface="Consolas" panose="020B0609020204030204" pitchFamily="49" charset="0"/>
+              </a:rPr>
+              <a:t>dbo</a:t>
+            </a:r>
+            <a:r>
+              <a:rPr lang="en-US" sz="1400" dirty="0" err="1">
+                <a:solidFill>
+                  <a:srgbClr val="808080"/>
+                </a:solidFill>
+                <a:latin typeface="Consolas" panose="020B0609020204030204" pitchFamily="49" charset="0"/>
+              </a:rPr>
+              <a:t>.</a:t>
+            </a:r>
+            <a:r>
+              <a:rPr lang="en-US" sz="1400" dirty="0" err="1">
+                <a:solidFill>
+                  <a:srgbClr val="008080"/>
+                </a:solidFill>
+                <a:latin typeface="Consolas" panose="020B0609020204030204" pitchFamily="49" charset="0"/>
+              </a:rPr>
+              <a:t>Customer</a:t>
+            </a:r>
+            <a:r>
+              <a:rPr lang="en-US" sz="1400" dirty="0">
+                <a:solidFill>
+                  <a:prstClr val="black"/>
+                </a:solidFill>
+                <a:latin typeface="Consolas" panose="020B0609020204030204" pitchFamily="49" charset="0"/>
+              </a:rPr>
+              <a:t> </a:t>
+            </a:r>
+            <a:r>
+              <a:rPr lang="en-US" sz="1400" dirty="0" err="1">
+                <a:solidFill>
+                  <a:srgbClr val="008080"/>
+                </a:solidFill>
+                <a:latin typeface="Consolas" panose="020B0609020204030204" pitchFamily="49" charset="0"/>
+              </a:rPr>
+              <a:t>cust</a:t>
+            </a:r>
+            <a:endParaRPr lang="en-US" sz="1400" dirty="0">
+              <a:solidFill>
+                <a:prstClr val="black"/>
+              </a:solidFill>
+              <a:latin typeface="Consolas" panose="020B0609020204030204" pitchFamily="49" charset="0"/>
+            </a:endParaRPr>
+          </a:p>
+          <a:p>
+            <a:r>
+              <a:rPr lang="en-US" sz="1400" dirty="0">
+                <a:solidFill>
+                  <a:srgbClr val="0000FF"/>
+                </a:solidFill>
+                <a:latin typeface="Consolas" panose="020B0609020204030204" pitchFamily="49" charset="0"/>
+              </a:rPr>
+              <a:t>on</a:t>
+            </a:r>
+            <a:r>
+              <a:rPr lang="en-US" sz="1400" dirty="0">
+                <a:solidFill>
+                  <a:prstClr val="black"/>
+                </a:solidFill>
+                <a:latin typeface="Consolas" panose="020B0609020204030204" pitchFamily="49" charset="0"/>
+              </a:rPr>
+              <a:t> </a:t>
+            </a:r>
+            <a:r>
+              <a:rPr lang="en-US" sz="1400" dirty="0" err="1">
+                <a:solidFill>
+                  <a:srgbClr val="008080"/>
+                </a:solidFill>
+                <a:latin typeface="Consolas" panose="020B0609020204030204" pitchFamily="49" charset="0"/>
+              </a:rPr>
+              <a:t>oh</a:t>
+            </a:r>
+            <a:r>
+              <a:rPr lang="en-US" sz="1400" dirty="0" err="1">
+                <a:solidFill>
+                  <a:srgbClr val="808080"/>
+                </a:solidFill>
+                <a:latin typeface="Consolas" panose="020B0609020204030204" pitchFamily="49" charset="0"/>
+              </a:rPr>
+              <a:t>.</a:t>
+            </a:r>
+            <a:r>
+              <a:rPr lang="en-US" sz="1400" dirty="0" err="1">
+                <a:solidFill>
+                  <a:srgbClr val="008080"/>
+                </a:solidFill>
+                <a:latin typeface="Consolas" panose="020B0609020204030204" pitchFamily="49" charset="0"/>
+              </a:rPr>
+              <a:t>CustomerId</a:t>
+            </a:r>
+            <a:r>
+              <a:rPr lang="en-US" sz="1400" dirty="0">
+                <a:solidFill>
+                  <a:prstClr val="black"/>
+                </a:solidFill>
+                <a:latin typeface="Consolas" panose="020B0609020204030204" pitchFamily="49" charset="0"/>
+              </a:rPr>
+              <a:t> </a:t>
+            </a:r>
+            <a:r>
+              <a:rPr lang="en-US" sz="1400" dirty="0">
+                <a:solidFill>
+                  <a:srgbClr val="808080"/>
+                </a:solidFill>
+                <a:latin typeface="Consolas" panose="020B0609020204030204" pitchFamily="49" charset="0"/>
+              </a:rPr>
+              <a:t>=</a:t>
+            </a:r>
+            <a:r>
+              <a:rPr lang="en-US" sz="1400" dirty="0">
+                <a:solidFill>
+                  <a:prstClr val="black"/>
+                </a:solidFill>
+                <a:latin typeface="Consolas" panose="020B0609020204030204" pitchFamily="49" charset="0"/>
+              </a:rPr>
+              <a:t> </a:t>
+            </a:r>
+            <a:r>
+              <a:rPr lang="en-US" sz="1400" dirty="0" err="1">
+                <a:solidFill>
+                  <a:srgbClr val="008080"/>
+                </a:solidFill>
+                <a:latin typeface="Consolas" panose="020B0609020204030204" pitchFamily="49" charset="0"/>
+              </a:rPr>
+              <a:t>cust</a:t>
+            </a:r>
+            <a:r>
+              <a:rPr lang="en-US" sz="1400" dirty="0" err="1">
+                <a:solidFill>
+                  <a:srgbClr val="808080"/>
+                </a:solidFill>
+                <a:latin typeface="Consolas" panose="020B0609020204030204" pitchFamily="49" charset="0"/>
+              </a:rPr>
+              <a:t>.</a:t>
+            </a:r>
+            <a:r>
+              <a:rPr lang="en-US" sz="1400" dirty="0" err="1">
+                <a:solidFill>
+                  <a:srgbClr val="008080"/>
+                </a:solidFill>
+                <a:latin typeface="Consolas" panose="020B0609020204030204" pitchFamily="49" charset="0"/>
+              </a:rPr>
+              <a:t>CustomerID</a:t>
+            </a:r>
+            <a:endParaRPr lang="en-US" sz="1400" dirty="0">
+              <a:solidFill>
+                <a:prstClr val="black"/>
+              </a:solidFill>
+              <a:latin typeface="Consolas" panose="020B0609020204030204" pitchFamily="49" charset="0"/>
+            </a:endParaRPr>
+          </a:p>
+          <a:p>
+            <a:r>
+              <a:rPr lang="en-US" sz="1400" dirty="0">
+                <a:solidFill>
+                  <a:srgbClr val="0000FF"/>
+                </a:solidFill>
+                <a:latin typeface="Consolas" panose="020B0609020204030204" pitchFamily="49" charset="0"/>
+              </a:rPr>
+              <a:t>where</a:t>
+            </a:r>
+            <a:r>
+              <a:rPr lang="en-US" sz="1400" dirty="0">
+                <a:solidFill>
+                  <a:prstClr val="black"/>
+                </a:solidFill>
+                <a:latin typeface="Consolas" panose="020B0609020204030204" pitchFamily="49" charset="0"/>
+              </a:rPr>
+              <a:t> </a:t>
+            </a:r>
+            <a:r>
+              <a:rPr lang="en-US" sz="1400" dirty="0" err="1">
+                <a:solidFill>
+                  <a:srgbClr val="008080"/>
+                </a:solidFill>
+                <a:latin typeface="Consolas" panose="020B0609020204030204" pitchFamily="49" charset="0"/>
+              </a:rPr>
+              <a:t>cust</a:t>
+            </a:r>
+            <a:r>
+              <a:rPr lang="en-US" sz="1400" dirty="0" err="1">
+                <a:solidFill>
+                  <a:srgbClr val="808080"/>
+                </a:solidFill>
+                <a:latin typeface="Consolas" panose="020B0609020204030204" pitchFamily="49" charset="0"/>
+              </a:rPr>
+              <a:t>.</a:t>
+            </a:r>
+            <a:r>
+              <a:rPr lang="en-US" sz="1400" dirty="0" err="1">
+                <a:solidFill>
+                  <a:srgbClr val="0000FF"/>
+                </a:solidFill>
+                <a:latin typeface="Consolas" panose="020B0609020204030204" pitchFamily="49" charset="0"/>
+              </a:rPr>
+              <a:t>State</a:t>
+            </a:r>
+            <a:r>
+              <a:rPr lang="en-US" sz="1400" dirty="0">
+                <a:solidFill>
+                  <a:prstClr val="black"/>
+                </a:solidFill>
+                <a:latin typeface="Consolas" panose="020B0609020204030204" pitchFamily="49" charset="0"/>
+              </a:rPr>
+              <a:t> </a:t>
+            </a:r>
+            <a:r>
+              <a:rPr lang="en-US" sz="1400" dirty="0">
+                <a:solidFill>
+                  <a:srgbClr val="808080"/>
+                </a:solidFill>
+                <a:latin typeface="Consolas" panose="020B0609020204030204" pitchFamily="49" charset="0"/>
+                <a:ea typeface="Calibri" panose="020F0502020204030204" pitchFamily="34" charset="0"/>
+                <a:cs typeface="Times New Roman" panose="02020603050405020304" pitchFamily="18" charset="0"/>
+              </a:rPr>
+              <a:t>in</a:t>
+            </a:r>
+            <a:r>
+              <a:rPr lang="en-US" sz="1400" dirty="0">
+                <a:latin typeface="Consolas" panose="020B0609020204030204" pitchFamily="49" charset="0"/>
+                <a:ea typeface="Calibri" panose="020F0502020204030204" pitchFamily="34" charset="0"/>
+                <a:cs typeface="Times New Roman" panose="02020603050405020304" pitchFamily="18" charset="0"/>
+              </a:rPr>
+              <a:t> (</a:t>
+            </a:r>
+            <a:r>
+              <a:rPr lang="en-US" sz="1400" dirty="0">
+                <a:solidFill>
+                  <a:srgbClr val="FF0000"/>
+                </a:solidFill>
+                <a:latin typeface="Consolas" panose="020B0609020204030204" pitchFamily="49" charset="0"/>
+                <a:ea typeface="Calibri" panose="020F0502020204030204" pitchFamily="34" charset="0"/>
+                <a:cs typeface="Times New Roman" panose="02020603050405020304" pitchFamily="18" charset="0"/>
+              </a:rPr>
+              <a:t>'KS', 'MO'</a:t>
+            </a:r>
+            <a:r>
+              <a:rPr lang="en-US" sz="1400" dirty="0">
+                <a:latin typeface="Consolas" panose="020B0609020204030204" pitchFamily="49" charset="0"/>
+                <a:ea typeface="Calibri" panose="020F0502020204030204" pitchFamily="34" charset="0"/>
+                <a:cs typeface="Times New Roman" panose="02020603050405020304" pitchFamily="18" charset="0"/>
+              </a:rPr>
+              <a:t>)</a:t>
+            </a:r>
+            <a:endParaRPr lang="en-US" sz="1400" dirty="0">
+              <a:solidFill>
+                <a:prstClr val="black"/>
+              </a:solidFill>
+              <a:latin typeface="Consolas" panose="020B0609020204030204" pitchFamily="49" charset="0"/>
+            </a:endParaRPr>
+          </a:p>
+          <a:p>
+            <a:r>
+              <a:rPr lang="en-US" sz="1400" dirty="0">
+                <a:solidFill>
+                  <a:srgbClr val="0000FF"/>
+                </a:solidFill>
+                <a:latin typeface="Consolas" panose="020B0609020204030204" pitchFamily="49" charset="0"/>
+              </a:rPr>
+              <a:t>group</a:t>
+            </a:r>
+            <a:r>
+              <a:rPr lang="en-US" sz="1400" dirty="0">
+                <a:solidFill>
+                  <a:prstClr val="black"/>
+                </a:solidFill>
+                <a:latin typeface="Consolas" panose="020B0609020204030204" pitchFamily="49" charset="0"/>
+              </a:rPr>
+              <a:t> </a:t>
+            </a:r>
+            <a:r>
+              <a:rPr lang="en-US" sz="1400" dirty="0">
+                <a:solidFill>
+                  <a:srgbClr val="0000FF"/>
+                </a:solidFill>
+                <a:latin typeface="Consolas" panose="020B0609020204030204" pitchFamily="49" charset="0"/>
+              </a:rPr>
+              <a:t>by</a:t>
+            </a:r>
+            <a:r>
+              <a:rPr lang="en-US" sz="1400" dirty="0">
+                <a:solidFill>
+                  <a:prstClr val="black"/>
+                </a:solidFill>
+                <a:latin typeface="Consolas" panose="020B0609020204030204" pitchFamily="49" charset="0"/>
+              </a:rPr>
+              <a:t> </a:t>
+            </a:r>
+            <a:r>
+              <a:rPr lang="en-US" sz="1400" dirty="0" err="1">
+                <a:solidFill>
+                  <a:srgbClr val="008080"/>
+                </a:solidFill>
+                <a:latin typeface="Consolas" panose="020B0609020204030204" pitchFamily="49" charset="0"/>
+              </a:rPr>
+              <a:t>od</a:t>
+            </a:r>
+            <a:r>
+              <a:rPr lang="en-US" sz="1400" dirty="0" err="1">
+                <a:solidFill>
+                  <a:srgbClr val="808080"/>
+                </a:solidFill>
+                <a:latin typeface="Consolas" panose="020B0609020204030204" pitchFamily="49" charset="0"/>
+              </a:rPr>
+              <a:t>.</a:t>
+            </a:r>
+            <a:r>
+              <a:rPr lang="en-US" sz="1400" dirty="0" err="1">
+                <a:solidFill>
+                  <a:srgbClr val="008080"/>
+                </a:solidFill>
+                <a:latin typeface="Consolas" panose="020B0609020204030204" pitchFamily="49" charset="0"/>
+              </a:rPr>
+              <a:t>ProductId</a:t>
+            </a:r>
+            <a:endParaRPr lang="en-US" sz="1400" dirty="0">
+              <a:solidFill>
+                <a:prstClr val="black"/>
+              </a:solidFill>
+              <a:latin typeface="Consolas" panose="020B0609020204030204" pitchFamily="49" charset="0"/>
+            </a:endParaRPr>
+          </a:p>
+          <a:p>
+            <a:r>
+              <a:rPr lang="en-US" sz="1400" dirty="0">
+                <a:solidFill>
+                  <a:srgbClr val="0000FF"/>
+                </a:solidFill>
+                <a:latin typeface="Consolas" panose="020B0609020204030204" pitchFamily="49" charset="0"/>
+              </a:rPr>
+              <a:t>having</a:t>
+            </a:r>
+            <a:r>
+              <a:rPr lang="en-US" sz="1400" dirty="0">
+                <a:solidFill>
+                  <a:prstClr val="black"/>
+                </a:solidFill>
+                <a:latin typeface="Consolas" panose="020B0609020204030204" pitchFamily="49" charset="0"/>
+              </a:rPr>
+              <a:t> </a:t>
+            </a:r>
+            <a:r>
+              <a:rPr lang="en-US" sz="1400" dirty="0">
+                <a:solidFill>
+                  <a:srgbClr val="FF00FF"/>
+                </a:solidFill>
+                <a:latin typeface="Consolas" panose="020B0609020204030204" pitchFamily="49" charset="0"/>
+              </a:rPr>
+              <a:t>sum</a:t>
+            </a:r>
+            <a:r>
+              <a:rPr lang="en-US" sz="1400" dirty="0">
+                <a:solidFill>
+                  <a:srgbClr val="808080"/>
+                </a:solidFill>
+                <a:latin typeface="Consolas" panose="020B0609020204030204" pitchFamily="49" charset="0"/>
+              </a:rPr>
+              <a:t>(</a:t>
+            </a:r>
+            <a:r>
+              <a:rPr lang="en-US" sz="1400" dirty="0" err="1">
+                <a:solidFill>
+                  <a:srgbClr val="008080"/>
+                </a:solidFill>
+                <a:latin typeface="Consolas" panose="020B0609020204030204" pitchFamily="49" charset="0"/>
+              </a:rPr>
+              <a:t>od</a:t>
+            </a:r>
+            <a:r>
+              <a:rPr lang="en-US" sz="1400" dirty="0" err="1">
+                <a:solidFill>
+                  <a:srgbClr val="808080"/>
+                </a:solidFill>
+                <a:latin typeface="Consolas" panose="020B0609020204030204" pitchFamily="49" charset="0"/>
+              </a:rPr>
+              <a:t>.</a:t>
+            </a:r>
+            <a:r>
+              <a:rPr lang="en-US" sz="1400" dirty="0" err="1">
+                <a:solidFill>
+                  <a:srgbClr val="008080"/>
+                </a:solidFill>
+                <a:latin typeface="Consolas" panose="020B0609020204030204" pitchFamily="49" charset="0"/>
+              </a:rPr>
+              <a:t>Quantity</a:t>
+            </a:r>
+            <a:r>
+              <a:rPr lang="en-US" sz="1400" dirty="0">
+                <a:solidFill>
+                  <a:srgbClr val="808080"/>
+                </a:solidFill>
+                <a:latin typeface="Consolas" panose="020B0609020204030204" pitchFamily="49" charset="0"/>
+              </a:rPr>
+              <a:t>)</a:t>
+            </a:r>
+            <a:r>
+              <a:rPr lang="en-US" sz="1400" dirty="0">
+                <a:solidFill>
+                  <a:prstClr val="black"/>
+                </a:solidFill>
+                <a:latin typeface="Consolas" panose="020B0609020204030204" pitchFamily="49" charset="0"/>
+              </a:rPr>
+              <a:t> </a:t>
+            </a:r>
+            <a:r>
+              <a:rPr lang="en-US" sz="1400" dirty="0">
+                <a:solidFill>
+                  <a:srgbClr val="808080"/>
+                </a:solidFill>
+                <a:latin typeface="Consolas" panose="020B0609020204030204" pitchFamily="49" charset="0"/>
+              </a:rPr>
+              <a:t>&gt;=</a:t>
+            </a:r>
+            <a:r>
+              <a:rPr lang="en-US" sz="1400" dirty="0">
+                <a:solidFill>
+                  <a:prstClr val="black"/>
+                </a:solidFill>
+                <a:latin typeface="Consolas" panose="020B0609020204030204" pitchFamily="49" charset="0"/>
+              </a:rPr>
+              <a:t> 20</a:t>
+            </a:r>
+          </a:p>
+          <a:p>
+            <a:r>
+              <a:rPr lang="en-US" sz="1400" dirty="0">
+                <a:solidFill>
+                  <a:srgbClr val="0000FF"/>
+                </a:solidFill>
+                <a:latin typeface="Consolas" panose="020B0609020204030204" pitchFamily="49" charset="0"/>
+              </a:rPr>
+              <a:t>order</a:t>
+            </a:r>
+            <a:r>
+              <a:rPr lang="en-US" sz="1400" dirty="0">
+                <a:solidFill>
+                  <a:prstClr val="black"/>
+                </a:solidFill>
+                <a:latin typeface="Consolas" panose="020B0609020204030204" pitchFamily="49" charset="0"/>
+              </a:rPr>
+              <a:t> </a:t>
+            </a:r>
+            <a:r>
+              <a:rPr lang="en-US" sz="1400" dirty="0">
+                <a:solidFill>
+                  <a:srgbClr val="0000FF"/>
+                </a:solidFill>
+                <a:latin typeface="Consolas" panose="020B0609020204030204" pitchFamily="49" charset="0"/>
+              </a:rPr>
+              <a:t>by</a:t>
+            </a:r>
+            <a:r>
+              <a:rPr lang="en-US" sz="1400" dirty="0">
+                <a:solidFill>
+                  <a:prstClr val="black"/>
+                </a:solidFill>
+                <a:latin typeface="Consolas" panose="020B0609020204030204" pitchFamily="49" charset="0"/>
+              </a:rPr>
+              <a:t> </a:t>
+            </a:r>
+            <a:r>
+              <a:rPr lang="en-US" sz="1400" dirty="0" err="1">
+                <a:solidFill>
+                  <a:srgbClr val="008080"/>
+                </a:solidFill>
+                <a:latin typeface="Consolas" panose="020B0609020204030204" pitchFamily="49" charset="0"/>
+              </a:rPr>
+              <a:t>od</a:t>
+            </a:r>
+            <a:r>
+              <a:rPr lang="en-US" sz="1400" dirty="0" err="1">
+                <a:solidFill>
+                  <a:srgbClr val="808080"/>
+                </a:solidFill>
+                <a:latin typeface="Consolas" panose="020B0609020204030204" pitchFamily="49" charset="0"/>
+              </a:rPr>
+              <a:t>.</a:t>
+            </a:r>
+            <a:r>
+              <a:rPr lang="en-US" sz="1400" dirty="0" err="1">
+                <a:solidFill>
+                  <a:srgbClr val="008080"/>
+                </a:solidFill>
+                <a:latin typeface="Consolas" panose="020B0609020204030204" pitchFamily="49" charset="0"/>
+              </a:rPr>
+              <a:t>ProductId</a:t>
+            </a:r>
+            <a:r>
+              <a:rPr lang="en-US" sz="1400" dirty="0">
+                <a:solidFill>
+                  <a:srgbClr val="808080"/>
+                </a:solidFill>
+                <a:latin typeface="Consolas" panose="020B0609020204030204" pitchFamily="49" charset="0"/>
+              </a:rPr>
+              <a:t>;</a:t>
+            </a:r>
+            <a:endParaRPr lang="en-US" sz="1400" dirty="0">
+              <a:solidFill>
+                <a:prstClr val="black"/>
+              </a:solidFill>
+              <a:latin typeface="Consolas" panose="020B0609020204030204" pitchFamily="49" charset="0"/>
+            </a:endParaRPr>
+          </a:p>
+        </p:txBody>
+      </p:sp>
+      <p:sp>
+        <p:nvSpPr>
+          <p:cNvPr id="6" name="Oval 5"/>
+          <p:cNvSpPr/>
+          <p:nvPr/>
+        </p:nvSpPr>
+        <p:spPr>
+          <a:xfrm>
+            <a:off x="8378792" y="542942"/>
+            <a:ext cx="616016" cy="606391"/>
+          </a:xfrm>
+          <a:prstGeom prst="ellipse">
+            <a:avLst/>
+          </a:prstGeom>
+        </p:spPr>
+        <p:style>
+          <a:lnRef idx="1">
+            <a:schemeClr val="accent1"/>
+          </a:lnRef>
+          <a:fillRef idx="3">
+            <a:schemeClr val="accent1"/>
+          </a:fillRef>
+          <a:effectRef idx="2">
+            <a:schemeClr val="accent1"/>
+          </a:effectRef>
+          <a:fontRef idx="minor">
+            <a:schemeClr val="lt1"/>
+          </a:fontRef>
+        </p:style>
+        <p:txBody>
+          <a:bodyPr rtlCol="0" anchor="ctr"/>
+          <a:lstStyle/>
+          <a:p>
+            <a:pPr algn="ctr"/>
+            <a:r>
+              <a:rPr lang="en-US" sz="1600" dirty="0"/>
+              <a:t>11</a:t>
             </a:r>
           </a:p>
         </p:txBody>
@@ -25867,15 +27117,15 @@
           <p:nvPr/>
         </p:nvPicPr>
         <p:blipFill>
-          <a:blip r:embed="rId2"/>
+          <a:blip r:embed="rId3"/>
           <a:stretch>
             <a:fillRect/>
           </a:stretch>
         </p:blipFill>
         <p:spPr>
           <a:xfrm>
-            <a:off x="1238865" y="1387041"/>
-            <a:ext cx="6890364" cy="4620726"/>
+            <a:off x="3246120" y="539496"/>
+            <a:ext cx="5428419" cy="5678424"/>
           </a:xfrm>
           <a:prstGeom prst="rect">
             <a:avLst/>
@@ -25885,7 +27135,7 @@
     </p:spTree>
     <p:extLst>
       <p:ext uri="{BB962C8B-B14F-4D97-AF65-F5344CB8AC3E}">
-        <p14:creationId xmlns:p14="http://schemas.microsoft.com/office/powerpoint/2010/main" val="471432878"/>
+        <p14:creationId xmlns:p14="http://schemas.microsoft.com/office/powerpoint/2010/main" val="1751467117"/>
       </p:ext>
     </p:extLst>
   </p:cSld>
@@ -26007,6 +27257,170 @@
 </file>
 
 <file path=ppt/slides/slide30.xml><?xml version="1.0" encoding="utf-8"?>
+<p:sld xmlns:a="http://schemas.openxmlformats.org/drawingml/2006/main" xmlns:r="http://schemas.openxmlformats.org/officeDocument/2006/relationships" xmlns:p="http://schemas.openxmlformats.org/presentationml/2006/main">
+  <p:cSld>
+    <p:spTree>
+      <p:nvGrpSpPr>
+        <p:cNvPr id="1" name=""/>
+        <p:cNvGrpSpPr/>
+        <p:nvPr/>
+      </p:nvGrpSpPr>
+      <p:grpSpPr>
+        <a:xfrm>
+          <a:off x="0" y="0"/>
+          <a:ext cx="0" cy="0"/>
+          <a:chOff x="0" y="0"/>
+          <a:chExt cx="0" cy="0"/>
+        </a:xfrm>
+      </p:grpSpPr>
+      <p:sp>
+        <p:nvSpPr>
+          <p:cNvPr id="2" name="Title 1"/>
+          <p:cNvSpPr>
+            <a:spLocks noGrp="1"/>
+          </p:cNvSpPr>
+          <p:nvPr>
+            <p:ph type="title"/>
+          </p:nvPr>
+        </p:nvSpPr>
+        <p:spPr/>
+        <p:txBody>
+          <a:bodyPr/>
+          <a:lstStyle/>
+          <a:p>
+            <a:r>
+              <a:rPr lang="en-US" dirty="0"/>
+              <a:t>Process of Executing a Query</a:t>
+            </a:r>
+          </a:p>
+        </p:txBody>
+      </p:sp>
+      <p:sp>
+        <p:nvSpPr>
+          <p:cNvPr id="3" name="Content Placeholder 2"/>
+          <p:cNvSpPr>
+            <a:spLocks noGrp="1"/>
+          </p:cNvSpPr>
+          <p:nvPr>
+            <p:ph idx="1"/>
+          </p:nvPr>
+        </p:nvSpPr>
+        <p:spPr/>
+        <p:txBody>
+          <a:bodyPr/>
+          <a:lstStyle/>
+          <a:p>
+            <a:r>
+              <a:rPr lang="en-US" dirty="0"/>
+              <a:t>Parsing and binding</a:t>
+            </a:r>
+          </a:p>
+          <a:p>
+            <a:r>
+              <a:rPr lang="en-US" dirty="0"/>
+              <a:t>Optimization</a:t>
+            </a:r>
+          </a:p>
+          <a:p>
+            <a:r>
+              <a:rPr lang="en-US" dirty="0"/>
+              <a:t>Execution</a:t>
+            </a:r>
+          </a:p>
+        </p:txBody>
+      </p:sp>
+    </p:spTree>
+    <p:extLst>
+      <p:ext uri="{BB962C8B-B14F-4D97-AF65-F5344CB8AC3E}">
+        <p14:creationId xmlns:p14="http://schemas.microsoft.com/office/powerpoint/2010/main" val="183120470"/>
+      </p:ext>
+    </p:extLst>
+  </p:cSld>
+  <p:clrMapOvr>
+    <a:masterClrMapping/>
+  </p:clrMapOvr>
+</p:sld>
+</file>
+
+<file path=ppt/slides/slide31.xml><?xml version="1.0" encoding="utf-8"?>
+<p:sld xmlns:a="http://schemas.openxmlformats.org/drawingml/2006/main" xmlns:r="http://schemas.openxmlformats.org/officeDocument/2006/relationships" xmlns:p="http://schemas.openxmlformats.org/presentationml/2006/main">
+  <p:cSld>
+    <p:spTree>
+      <p:nvGrpSpPr>
+        <p:cNvPr id="1" name=""/>
+        <p:cNvGrpSpPr/>
+        <p:nvPr/>
+      </p:nvGrpSpPr>
+      <p:grpSpPr>
+        <a:xfrm>
+          <a:off x="0" y="0"/>
+          <a:ext cx="0" cy="0"/>
+          <a:chOff x="0" y="0"/>
+          <a:chExt cx="0" cy="0"/>
+        </a:xfrm>
+      </p:grpSpPr>
+      <p:sp>
+        <p:nvSpPr>
+          <p:cNvPr id="2" name="Title 1"/>
+          <p:cNvSpPr>
+            <a:spLocks noGrp="1"/>
+          </p:cNvSpPr>
+          <p:nvPr>
+            <p:ph type="title"/>
+          </p:nvPr>
+        </p:nvSpPr>
+        <p:spPr/>
+        <p:txBody>
+          <a:bodyPr>
+            <a:normAutofit fontScale="90000"/>
+          </a:bodyPr>
+          <a:lstStyle/>
+          <a:p>
+            <a:r>
+              <a:rPr lang="en-US" dirty="0"/>
+              <a:t>Process of Executing a Query - Graphical</a:t>
+            </a:r>
+          </a:p>
+        </p:txBody>
+      </p:sp>
+      <p:pic>
+        <p:nvPicPr>
+          <p:cNvPr id="3" name="Picture 2"/>
+          <p:cNvPicPr>
+            <a:picLocks noChangeAspect="1"/>
+          </p:cNvPicPr>
+          <p:nvPr/>
+        </p:nvPicPr>
+        <p:blipFill>
+          <a:blip r:embed="rId2"/>
+          <a:stretch>
+            <a:fillRect/>
+          </a:stretch>
+        </p:blipFill>
+        <p:spPr>
+          <a:xfrm>
+            <a:off x="1238865" y="1387041"/>
+            <a:ext cx="6890364" cy="4620726"/>
+          </a:xfrm>
+          <a:prstGeom prst="rect">
+            <a:avLst/>
+          </a:prstGeom>
+        </p:spPr>
+      </p:pic>
+    </p:spTree>
+    <p:extLst>
+      <p:ext uri="{BB962C8B-B14F-4D97-AF65-F5344CB8AC3E}">
+        <p14:creationId xmlns:p14="http://schemas.microsoft.com/office/powerpoint/2010/main" val="471432878"/>
+      </p:ext>
+    </p:extLst>
+  </p:cSld>
+  <p:clrMapOvr>
+    <a:masterClrMapping/>
+  </p:clrMapOvr>
+</p:sld>
+</file>
+
+<file path=ppt/slides/slide32.xml><?xml version="1.0" encoding="utf-8"?>
 <p:sld xmlns:a="http://schemas.openxmlformats.org/drawingml/2006/main" xmlns:r="http://schemas.openxmlformats.org/officeDocument/2006/relationships" xmlns:p="http://schemas.openxmlformats.org/presentationml/2006/main">
   <p:cSld>
     <p:spTree>
@@ -26745,7 +28159,7 @@
 </p:sld>
 </file>
 
-<file path=ppt/slides/slide31.xml><?xml version="1.0" encoding="utf-8"?>
+<file path=ppt/slides/slide33.xml><?xml version="1.0" encoding="utf-8"?>
 <p:sld xmlns:a="http://schemas.openxmlformats.org/drawingml/2006/main" xmlns:r="http://schemas.openxmlformats.org/officeDocument/2006/relationships" xmlns:p="http://schemas.openxmlformats.org/presentationml/2006/main">
   <p:cSld>
     <p:spTree>
@@ -28952,7 +30366,7 @@
 </p:sld>
 </file>
 
-<file path=ppt/slides/slide32.xml><?xml version="1.0" encoding="utf-8"?>
+<file path=ppt/slides/slide34.xml><?xml version="1.0" encoding="utf-8"?>
 <p:sld xmlns:a="http://schemas.openxmlformats.org/drawingml/2006/main" xmlns:r="http://schemas.openxmlformats.org/officeDocument/2006/relationships" xmlns:p="http://schemas.openxmlformats.org/presentationml/2006/main">
   <p:cSld>
     <p:spTree>
@@ -29067,7 +30481,7 @@
 </p:sld>
 </file>
 
-<file path=ppt/slides/slide33.xml><?xml version="1.0" encoding="utf-8"?>
+<file path=ppt/slides/slide35.xml><?xml version="1.0" encoding="utf-8"?>
 <p:sld xmlns:a="http://schemas.openxmlformats.org/drawingml/2006/main" xmlns:r="http://schemas.openxmlformats.org/officeDocument/2006/relationships" xmlns:p="http://schemas.openxmlformats.org/presentationml/2006/main">
   <p:cSld>
     <p:spTree>
@@ -29269,7 +30683,7 @@
 </p:sld>
 </file>
 
-<file path=ppt/slides/slide34.xml><?xml version="1.0" encoding="utf-8"?>
+<file path=ppt/slides/slide36.xml><?xml version="1.0" encoding="utf-8"?>
 <p:sld xmlns:a="http://schemas.openxmlformats.org/drawingml/2006/main" xmlns:r="http://schemas.openxmlformats.org/officeDocument/2006/relationships" xmlns:p="http://schemas.openxmlformats.org/presentationml/2006/main" show="0">
   <p:cSld>
     <p:spTree>
@@ -29644,10 +31058,18 @@
   <p:clrMapOvr>
     <a:masterClrMapping/>
   </p:clrMapOvr>
+  <mc:AlternateContent xmlns:mc="http://schemas.openxmlformats.org/markup-compatibility/2006">
+    <mc:Choice xmlns:p14="http://schemas.microsoft.com/office/powerpoint/2010/main" Requires="p14">
+      <p:transition spd="slow" p14:dur="2000"/>
+    </mc:Choice>
+    <mc:Fallback>
+      <p:transition spd="slow"/>
+    </mc:Fallback>
+  </mc:AlternateContent>
 </p:sld>
 </file>
 
-<file path=ppt/slides/slide35.xml><?xml version="1.0" encoding="utf-8"?>
+<file path=ppt/slides/slide37.xml><?xml version="1.0" encoding="utf-8"?>
 <p:sld xmlns:a="http://schemas.openxmlformats.org/drawingml/2006/main" xmlns:r="http://schemas.openxmlformats.org/officeDocument/2006/relationships" xmlns:p="http://schemas.openxmlformats.org/presentationml/2006/main" show="0">
   <p:cSld>
     <p:spTree>
@@ -29996,14 +31418,14 @@
                 <a:gridCol w="7632835">
                   <a:extLst>
                     <a:ext uri="{9D8B030D-6E8A-4147-A177-3AD203B41FA5}">
-                      <a16:colId xmlns:a16="http://schemas.microsoft.com/office/drawing/2014/main" val="3644048045"/>
+                      <a16:colId xmlns:a16="http://schemas.microsoft.com/office/drawing/2014/main" xmlns="" val="3644048045"/>
                     </a:ext>
                   </a:extLst>
                 </a:gridCol>
                 <a:gridCol w="606393">
                   <a:extLst>
                     <a:ext uri="{9D8B030D-6E8A-4147-A177-3AD203B41FA5}">
-                      <a16:colId xmlns:a16="http://schemas.microsoft.com/office/drawing/2014/main" val="2034254753"/>
+                      <a16:colId xmlns:a16="http://schemas.microsoft.com/office/drawing/2014/main" xmlns="" val="2034254753"/>
                     </a:ext>
                   </a:extLst>
                 </a:gridCol>
@@ -30034,7 +31456,7 @@
                 </a:tc>
                 <a:extLst>
                   <a:ext uri="{0D108BD9-81ED-4DB2-BD59-A6C34878D82A}">
-                    <a16:rowId xmlns:a16="http://schemas.microsoft.com/office/drawing/2014/main" val="2708275910"/>
+                    <a16:rowId xmlns:a16="http://schemas.microsoft.com/office/drawing/2014/main" xmlns="" val="2708275910"/>
                   </a:ext>
                 </a:extLst>
               </a:tr>
@@ -30068,7 +31490,7 @@
                 </a:tc>
                 <a:extLst>
                   <a:ext uri="{0D108BD9-81ED-4DB2-BD59-A6C34878D82A}">
-                    <a16:rowId xmlns:a16="http://schemas.microsoft.com/office/drawing/2014/main" val="2161984115"/>
+                    <a16:rowId xmlns:a16="http://schemas.microsoft.com/office/drawing/2014/main" xmlns="" val="2161984115"/>
                   </a:ext>
                 </a:extLst>
               </a:tr>
@@ -30115,7 +31537,7 @@
                 </a:tc>
                 <a:extLst>
                   <a:ext uri="{0D108BD9-81ED-4DB2-BD59-A6C34878D82A}">
-                    <a16:rowId xmlns:a16="http://schemas.microsoft.com/office/drawing/2014/main" val="2841678841"/>
+                    <a16:rowId xmlns:a16="http://schemas.microsoft.com/office/drawing/2014/main" xmlns="" val="2841678841"/>
                   </a:ext>
                 </a:extLst>
               </a:tr>
@@ -30149,7 +31571,7 @@
                 </a:tc>
                 <a:extLst>
                   <a:ext uri="{0D108BD9-81ED-4DB2-BD59-A6C34878D82A}">
-                    <a16:rowId xmlns:a16="http://schemas.microsoft.com/office/drawing/2014/main" val="3144998627"/>
+                    <a16:rowId xmlns:a16="http://schemas.microsoft.com/office/drawing/2014/main" xmlns="" val="3144998627"/>
                   </a:ext>
                 </a:extLst>
               </a:tr>
@@ -30191,7 +31613,7 @@
                 </a:tc>
                 <a:extLst>
                   <a:ext uri="{0D108BD9-81ED-4DB2-BD59-A6C34878D82A}">
-                    <a16:rowId xmlns:a16="http://schemas.microsoft.com/office/drawing/2014/main" val="1419261869"/>
+                    <a16:rowId xmlns:a16="http://schemas.microsoft.com/office/drawing/2014/main" xmlns="" val="1419261869"/>
                   </a:ext>
                 </a:extLst>
               </a:tr>
@@ -30229,7 +31651,7 @@
                 </a:tc>
                 <a:extLst>
                   <a:ext uri="{0D108BD9-81ED-4DB2-BD59-A6C34878D82A}">
-                    <a16:rowId xmlns:a16="http://schemas.microsoft.com/office/drawing/2014/main" val="1427391072"/>
+                    <a16:rowId xmlns:a16="http://schemas.microsoft.com/office/drawing/2014/main" xmlns="" val="1427391072"/>
                   </a:ext>
                 </a:extLst>
               </a:tr>
@@ -30276,7 +31698,7 @@
                 </a:tc>
                 <a:extLst>
                   <a:ext uri="{0D108BD9-81ED-4DB2-BD59-A6C34878D82A}">
-                    <a16:rowId xmlns:a16="http://schemas.microsoft.com/office/drawing/2014/main" val="2346539918"/>
+                    <a16:rowId xmlns:a16="http://schemas.microsoft.com/office/drawing/2014/main" xmlns="" val="2346539918"/>
                   </a:ext>
                 </a:extLst>
               </a:tr>
@@ -30315,7 +31737,7 @@
                 </a:tc>
                 <a:extLst>
                   <a:ext uri="{0D108BD9-81ED-4DB2-BD59-A6C34878D82A}">
-                    <a16:rowId xmlns:a16="http://schemas.microsoft.com/office/drawing/2014/main" val="2275483042"/>
+                    <a16:rowId xmlns:a16="http://schemas.microsoft.com/office/drawing/2014/main" xmlns="" val="2275483042"/>
                   </a:ext>
                 </a:extLst>
               </a:tr>
@@ -30353,7 +31775,7 @@
                 </a:tc>
                 <a:extLst>
                   <a:ext uri="{0D108BD9-81ED-4DB2-BD59-A6C34878D82A}">
-                    <a16:rowId xmlns:a16="http://schemas.microsoft.com/office/drawing/2014/main" val="4202569347"/>
+                    <a16:rowId xmlns:a16="http://schemas.microsoft.com/office/drawing/2014/main" xmlns="" val="4202569347"/>
                   </a:ext>
                 </a:extLst>
               </a:tr>
@@ -30387,7 +31809,7 @@
                 </a:tc>
                 <a:extLst>
                   <a:ext uri="{0D108BD9-81ED-4DB2-BD59-A6C34878D82A}">
-                    <a16:rowId xmlns:a16="http://schemas.microsoft.com/office/drawing/2014/main" val="2989839269"/>
+                    <a16:rowId xmlns:a16="http://schemas.microsoft.com/office/drawing/2014/main" xmlns="" val="2989839269"/>
                   </a:ext>
                 </a:extLst>
               </a:tr>
@@ -30421,7 +31843,7 @@
                 </a:tc>
                 <a:extLst>
                   <a:ext uri="{0D108BD9-81ED-4DB2-BD59-A6C34878D82A}">
-                    <a16:rowId xmlns:a16="http://schemas.microsoft.com/office/drawing/2014/main" val="2130545569"/>
+                    <a16:rowId xmlns:a16="http://schemas.microsoft.com/office/drawing/2014/main" xmlns="" val="2130545569"/>
                   </a:ext>
                 </a:extLst>
               </a:tr>
@@ -30477,7 +31899,7 @@
                 </a:tc>
                 <a:extLst>
                   <a:ext uri="{0D108BD9-81ED-4DB2-BD59-A6C34878D82A}">
-                    <a16:rowId xmlns:a16="http://schemas.microsoft.com/office/drawing/2014/main" val="1848127216"/>
+                    <a16:rowId xmlns:a16="http://schemas.microsoft.com/office/drawing/2014/main" xmlns="" val="1848127216"/>
                   </a:ext>
                 </a:extLst>
               </a:tr>
@@ -30571,10 +31993,18 @@
   <p:clrMapOvr>
     <a:masterClrMapping/>
   </p:clrMapOvr>
+  <mc:AlternateContent xmlns:mc="http://schemas.openxmlformats.org/markup-compatibility/2006">
+    <mc:Choice xmlns:p14="http://schemas.microsoft.com/office/powerpoint/2010/main" Requires="p14">
+      <p:transition spd="slow" p14:dur="2000"/>
+    </mc:Choice>
+    <mc:Fallback>
+      <p:transition spd="slow"/>
+    </mc:Fallback>
+  </mc:AlternateContent>
 </p:sld>
 </file>
 
-<file path=ppt/slides/slide36.xml><?xml version="1.0" encoding="utf-8"?>
+<file path=ppt/slides/slide38.xml><?xml version="1.0" encoding="utf-8"?>
 <p:sld xmlns:a="http://schemas.openxmlformats.org/drawingml/2006/main" xmlns:r="http://schemas.openxmlformats.org/officeDocument/2006/relationships" xmlns:p="http://schemas.openxmlformats.org/presentationml/2006/main" show="0">
   <p:cSld>
     <p:spTree>
@@ -30923,14 +32353,14 @@
                 <a:gridCol w="4119615">
                   <a:extLst>
                     <a:ext uri="{9D8B030D-6E8A-4147-A177-3AD203B41FA5}">
-                      <a16:colId xmlns:a16="http://schemas.microsoft.com/office/drawing/2014/main" val="3644048045"/>
+                      <a16:colId xmlns:a16="http://schemas.microsoft.com/office/drawing/2014/main" xmlns="" val="3644048045"/>
                     </a:ext>
                   </a:extLst>
                 </a:gridCol>
                 <a:gridCol w="4119613">
                   <a:extLst>
                     <a:ext uri="{9D8B030D-6E8A-4147-A177-3AD203B41FA5}">
-                      <a16:colId xmlns:a16="http://schemas.microsoft.com/office/drawing/2014/main" val="2034254753"/>
+                      <a16:colId xmlns:a16="http://schemas.microsoft.com/office/drawing/2014/main" xmlns="" val="2034254753"/>
                     </a:ext>
                   </a:extLst>
                 </a:gridCol>
@@ -30966,7 +32396,7 @@
                 </a:tc>
                 <a:extLst>
                   <a:ext uri="{0D108BD9-81ED-4DB2-BD59-A6C34878D82A}">
-                    <a16:rowId xmlns:a16="http://schemas.microsoft.com/office/drawing/2014/main" val="2708275910"/>
+                    <a16:rowId xmlns:a16="http://schemas.microsoft.com/office/drawing/2014/main" xmlns="" val="2708275910"/>
                   </a:ext>
                 </a:extLst>
               </a:tr>
@@ -31166,7 +32596,7 @@
                 </a:tc>
                 <a:extLst>
                   <a:ext uri="{0D108BD9-81ED-4DB2-BD59-A6C34878D82A}">
-                    <a16:rowId xmlns:a16="http://schemas.microsoft.com/office/drawing/2014/main" val="2161984115"/>
+                    <a16:rowId xmlns:a16="http://schemas.microsoft.com/office/drawing/2014/main" xmlns="" val="2161984115"/>
                   </a:ext>
                 </a:extLst>
               </a:tr>
@@ -31366,7 +32796,7 @@
                 </a:tc>
                 <a:extLst>
                   <a:ext uri="{0D108BD9-81ED-4DB2-BD59-A6C34878D82A}">
-                    <a16:rowId xmlns:a16="http://schemas.microsoft.com/office/drawing/2014/main" val="2841678841"/>
+                    <a16:rowId xmlns:a16="http://schemas.microsoft.com/office/drawing/2014/main" xmlns="" val="2841678841"/>
                   </a:ext>
                 </a:extLst>
               </a:tr>
@@ -31566,7 +32996,7 @@
                 </a:tc>
                 <a:extLst>
                   <a:ext uri="{0D108BD9-81ED-4DB2-BD59-A6C34878D82A}">
-                    <a16:rowId xmlns:a16="http://schemas.microsoft.com/office/drawing/2014/main" val="3144998627"/>
+                    <a16:rowId xmlns:a16="http://schemas.microsoft.com/office/drawing/2014/main" xmlns="" val="3144998627"/>
                   </a:ext>
                 </a:extLst>
               </a:tr>
@@ -31766,7 +33196,7 @@
                 </a:tc>
                 <a:extLst>
                   <a:ext uri="{0D108BD9-81ED-4DB2-BD59-A6C34878D82A}">
-                    <a16:rowId xmlns:a16="http://schemas.microsoft.com/office/drawing/2014/main" val="1419261869"/>
+                    <a16:rowId xmlns:a16="http://schemas.microsoft.com/office/drawing/2014/main" xmlns="" val="1419261869"/>
                   </a:ext>
                 </a:extLst>
               </a:tr>
@@ -31966,7 +33396,7 @@
                 </a:tc>
                 <a:extLst>
                   <a:ext uri="{0D108BD9-81ED-4DB2-BD59-A6C34878D82A}">
-                    <a16:rowId xmlns:a16="http://schemas.microsoft.com/office/drawing/2014/main" val="1427391072"/>
+                    <a16:rowId xmlns:a16="http://schemas.microsoft.com/office/drawing/2014/main" xmlns="" val="1427391072"/>
                   </a:ext>
                 </a:extLst>
               </a:tr>
@@ -32166,7 +33596,7 @@
                 </a:tc>
                 <a:extLst>
                   <a:ext uri="{0D108BD9-81ED-4DB2-BD59-A6C34878D82A}">
-                    <a16:rowId xmlns:a16="http://schemas.microsoft.com/office/drawing/2014/main" val="2346539918"/>
+                    <a16:rowId xmlns:a16="http://schemas.microsoft.com/office/drawing/2014/main" xmlns="" val="2346539918"/>
                   </a:ext>
                 </a:extLst>
               </a:tr>
@@ -32375,7 +33805,7 @@
                 </a:tc>
                 <a:extLst>
                   <a:ext uri="{0D108BD9-81ED-4DB2-BD59-A6C34878D82A}">
-                    <a16:rowId xmlns:a16="http://schemas.microsoft.com/office/drawing/2014/main" val="2275483042"/>
+                    <a16:rowId xmlns:a16="http://schemas.microsoft.com/office/drawing/2014/main" xmlns="" val="2275483042"/>
                   </a:ext>
                 </a:extLst>
               </a:tr>
@@ -32584,7 +34014,7 @@
                 </a:tc>
                 <a:extLst>
                   <a:ext uri="{0D108BD9-81ED-4DB2-BD59-A6C34878D82A}">
-                    <a16:rowId xmlns:a16="http://schemas.microsoft.com/office/drawing/2014/main" val="4202569347"/>
+                    <a16:rowId xmlns:a16="http://schemas.microsoft.com/office/drawing/2014/main" xmlns="" val="4202569347"/>
                   </a:ext>
                 </a:extLst>
               </a:tr>
@@ -32793,7 +34223,7 @@
                 </a:tc>
                 <a:extLst>
                   <a:ext uri="{0D108BD9-81ED-4DB2-BD59-A6C34878D82A}">
-                    <a16:rowId xmlns:a16="http://schemas.microsoft.com/office/drawing/2014/main" val="2989839269"/>
+                    <a16:rowId xmlns:a16="http://schemas.microsoft.com/office/drawing/2014/main" xmlns="" val="2989839269"/>
                   </a:ext>
                 </a:extLst>
               </a:tr>
@@ -33002,7 +34432,7 @@
                 </a:tc>
                 <a:extLst>
                   <a:ext uri="{0D108BD9-81ED-4DB2-BD59-A6C34878D82A}">
-                    <a16:rowId xmlns:a16="http://schemas.microsoft.com/office/drawing/2014/main" val="2130545569"/>
+                    <a16:rowId xmlns:a16="http://schemas.microsoft.com/office/drawing/2014/main" xmlns="" val="2130545569"/>
                   </a:ext>
                 </a:extLst>
               </a:tr>
@@ -33211,7 +34641,7 @@
                 </a:tc>
                 <a:extLst>
                   <a:ext uri="{0D108BD9-81ED-4DB2-BD59-A6C34878D82A}">
-                    <a16:rowId xmlns:a16="http://schemas.microsoft.com/office/drawing/2014/main" val="3045796785"/>
+                    <a16:rowId xmlns:a16="http://schemas.microsoft.com/office/drawing/2014/main" xmlns="" val="3045796785"/>
                   </a:ext>
                 </a:extLst>
               </a:tr>
@@ -33420,7 +34850,7 @@
                 </a:tc>
                 <a:extLst>
                   <a:ext uri="{0D108BD9-81ED-4DB2-BD59-A6C34878D82A}">
-                    <a16:rowId xmlns:a16="http://schemas.microsoft.com/office/drawing/2014/main" val="1091494175"/>
+                    <a16:rowId xmlns:a16="http://schemas.microsoft.com/office/drawing/2014/main" xmlns="" val="1091494175"/>
                   </a:ext>
                 </a:extLst>
               </a:tr>
@@ -33438,10 +34868,18 @@
   <p:clrMapOvr>
     <a:masterClrMapping/>
   </p:clrMapOvr>
+  <mc:AlternateContent xmlns:mc="http://schemas.openxmlformats.org/markup-compatibility/2006">
+    <mc:Choice xmlns:p14="http://schemas.microsoft.com/office/powerpoint/2010/main" Requires="p14">
+      <p:transition spd="slow" p14:dur="2000"/>
+    </mc:Choice>
+    <mc:Fallback>
+      <p:transition spd="slow"/>
+    </mc:Fallback>
+  </mc:AlternateContent>
 </p:sld>
 </file>
 
-<file path=ppt/slides/slide37.xml><?xml version="1.0" encoding="utf-8"?>
+<file path=ppt/slides/slide39.xml><?xml version="1.0" encoding="utf-8"?>
 <p:sld xmlns:a="http://schemas.openxmlformats.org/drawingml/2006/main" xmlns:r="http://schemas.openxmlformats.org/officeDocument/2006/relationships" xmlns:p="http://schemas.openxmlformats.org/presentationml/2006/main" show="0">
   <p:cSld>
     <p:spTree>
@@ -33550,10 +34988,126 @@
   <p:clrMapOvr>
     <a:masterClrMapping/>
   </p:clrMapOvr>
+  <mc:AlternateContent xmlns:mc="http://schemas.openxmlformats.org/markup-compatibility/2006">
+    <mc:Choice xmlns:p14="http://schemas.microsoft.com/office/powerpoint/2010/main" Requires="p14">
+      <p:transition spd="slow" p14:dur="2000"/>
+    </mc:Choice>
+    <mc:Fallback>
+      <p:transition spd="slow"/>
+    </mc:Fallback>
+  </mc:AlternateContent>
 </p:sld>
 </file>
 
-<file path=ppt/slides/slide38.xml><?xml version="1.0" encoding="utf-8"?>
+<file path=ppt/slides/slide4.xml><?xml version="1.0" encoding="utf-8"?>
+<p:sld xmlns:a="http://schemas.openxmlformats.org/drawingml/2006/main" xmlns:r="http://schemas.openxmlformats.org/officeDocument/2006/relationships" xmlns:p="http://schemas.openxmlformats.org/presentationml/2006/main">
+  <p:cSld>
+    <p:spTree>
+      <p:nvGrpSpPr>
+        <p:cNvPr id="1" name=""/>
+        <p:cNvGrpSpPr/>
+        <p:nvPr/>
+      </p:nvGrpSpPr>
+      <p:grpSpPr>
+        <a:xfrm>
+          <a:off x="0" y="0"/>
+          <a:ext cx="0" cy="0"/>
+          <a:chOff x="0" y="0"/>
+          <a:chExt cx="0" cy="0"/>
+        </a:xfrm>
+      </p:grpSpPr>
+      <p:sp>
+        <p:nvSpPr>
+          <p:cNvPr id="2" name="Title 1"/>
+          <p:cNvSpPr>
+            <a:spLocks noGrp="1"/>
+          </p:cNvSpPr>
+          <p:nvPr>
+            <p:ph type="title"/>
+          </p:nvPr>
+        </p:nvSpPr>
+        <p:spPr/>
+        <p:txBody>
+          <a:bodyPr/>
+          <a:lstStyle/>
+          <a:p>
+            <a:r>
+              <a:rPr lang="en-US" dirty="0"/>
+              <a:t>Agenda</a:t>
+            </a:r>
+          </a:p>
+        </p:txBody>
+      </p:sp>
+      <p:sp>
+        <p:nvSpPr>
+          <p:cNvPr id="3" name="Content Placeholder 2"/>
+          <p:cNvSpPr>
+            <a:spLocks noGrp="1"/>
+          </p:cNvSpPr>
+          <p:nvPr>
+            <p:ph idx="1"/>
+          </p:nvPr>
+        </p:nvSpPr>
+        <p:spPr/>
+        <p:txBody>
+          <a:bodyPr>
+            <a:normAutofit/>
+          </a:bodyPr>
+          <a:lstStyle/>
+          <a:p>
+            <a:r>
+              <a:rPr lang="en-US" dirty="0"/>
+              <a:t>Background:</a:t>
+            </a:r>
+          </a:p>
+          <a:p>
+            <a:pPr lvl="1"/>
+            <a:r>
+              <a:rPr lang="en-US" dirty="0"/>
+              <a:t>Logical processing order</a:t>
+            </a:r>
+          </a:p>
+          <a:p>
+            <a:pPr lvl="1"/>
+            <a:r>
+              <a:rPr lang="en-US" dirty="0"/>
+              <a:t>Physical processing considerations</a:t>
+            </a:r>
+          </a:p>
+          <a:p>
+            <a:r>
+              <a:rPr lang="en-US" dirty="0"/>
+              <a:t>Executing a query: parse, bind, transform, optimize, execute</a:t>
+            </a:r>
+          </a:p>
+          <a:p>
+            <a:r>
+              <a:rPr lang="en-US" dirty="0"/>
+              <a:t>Heuristics, transformation rules, parse trees, memos</a:t>
+            </a:r>
+          </a:p>
+          <a:p>
+            <a:r>
+              <a:rPr lang="en-US" dirty="0"/>
+              <a:t>Limitations &amp; DMVs</a:t>
+            </a:r>
+          </a:p>
+        </p:txBody>
+      </p:sp>
+    </p:spTree>
+    <p:extLst>
+      <p:ext uri="{BB962C8B-B14F-4D97-AF65-F5344CB8AC3E}">
+        <p14:creationId xmlns:p14="http://schemas.microsoft.com/office/powerpoint/2010/main" val="675647204"/>
+      </p:ext>
+    </p:extLst>
+  </p:cSld>
+  <p:clrMapOvr>
+    <a:masterClrMapping/>
+  </p:clrMapOvr>
+</p:sld>
+</file>
+
+<file path=ppt/slides/slide40.xml><?xml version="1.0" encoding="utf-8"?>
 <p:sld xmlns:a="http://schemas.openxmlformats.org/drawingml/2006/main" xmlns:r="http://schemas.openxmlformats.org/officeDocument/2006/relationships" xmlns:p="http://schemas.openxmlformats.org/presentationml/2006/main" show="0">
   <p:cSld>
     <p:spTree>
@@ -33725,10 +35279,18 @@
   <p:clrMapOvr>
     <a:masterClrMapping/>
   </p:clrMapOvr>
+  <mc:AlternateContent xmlns:mc="http://schemas.openxmlformats.org/markup-compatibility/2006">
+    <mc:Choice xmlns:p14="http://schemas.microsoft.com/office/powerpoint/2010/main" Requires="p14">
+      <p:transition spd="slow" p14:dur="2000"/>
+    </mc:Choice>
+    <mc:Fallback>
+      <p:transition spd="slow"/>
+    </mc:Fallback>
+  </mc:AlternateContent>
 </p:sld>
 </file>
 
-<file path=ppt/slides/slide39.xml><?xml version="1.0" encoding="utf-8"?>
+<file path=ppt/slides/slide41.xml><?xml version="1.0" encoding="utf-8"?>
 <p:sld xmlns:a="http://schemas.openxmlformats.org/drawingml/2006/main" xmlns:r="http://schemas.openxmlformats.org/officeDocument/2006/relationships" xmlns:p="http://schemas.openxmlformats.org/presentationml/2006/main" show="0">
   <p:cSld>
     <p:spTree>
@@ -34421,11 +35983,19 @@
   <p:clrMapOvr>
     <a:masterClrMapping/>
   </p:clrMapOvr>
+  <mc:AlternateContent xmlns:mc="http://schemas.openxmlformats.org/markup-compatibility/2006">
+    <mc:Choice xmlns:p14="http://schemas.microsoft.com/office/powerpoint/2010/main" Requires="p14">
+      <p:transition spd="slow" p14:dur="2000"/>
+    </mc:Choice>
+    <mc:Fallback>
+      <p:transition spd="slow"/>
+    </mc:Fallback>
+  </mc:AlternateContent>
 </p:sld>
 </file>
 
-<file path=ppt/slides/slide4.xml><?xml version="1.0" encoding="utf-8"?>
-<p:sld xmlns:a="http://schemas.openxmlformats.org/drawingml/2006/main" xmlns:r="http://schemas.openxmlformats.org/officeDocument/2006/relationships" xmlns:p="http://schemas.openxmlformats.org/presentationml/2006/main">
+<file path=ppt/slides/slide42.xml><?xml version="1.0" encoding="utf-8"?>
+<p:sld xmlns:a="http://schemas.openxmlformats.org/drawingml/2006/main" xmlns:r="http://schemas.openxmlformats.org/officeDocument/2006/relationships" xmlns:p="http://schemas.openxmlformats.org/presentationml/2006/main" show="0">
   <p:cSld>
     <p:spTree>
       <p:nvGrpSpPr>
@@ -34458,7 +36028,7 @@
           <a:p>
             <a:r>
               <a:rPr lang="en-US" dirty="0"/>
-              <a:t>Agenda</a:t>
+              <a:t>Full Optimization Phases</a:t>
             </a:r>
           </a:p>
         </p:txBody>
@@ -34476,45 +36046,104 @@
         <p:spPr/>
         <p:txBody>
           <a:bodyPr>
-            <a:normAutofit/>
+            <a:normAutofit lnSpcReduction="10000"/>
           </a:bodyPr>
           <a:lstStyle/>
           <a:p>
             <a:r>
               <a:rPr lang="en-US" dirty="0"/>
-              <a:t>Background:</a:t>
+              <a:t>Search 0 – “Transaction Processing Phase”</a:t>
             </a:r>
           </a:p>
           <a:p>
             <a:pPr lvl="1"/>
             <a:r>
               <a:rPr lang="en-US" dirty="0"/>
-              <a:t>Logical processing order</a:t>
+              <a:t>Mostly heuristics</a:t>
             </a:r>
           </a:p>
           <a:p>
             <a:pPr lvl="1"/>
             <a:r>
               <a:rPr lang="en-US" dirty="0"/>
-              <a:t>Physical processing considerations</a:t>
-            </a:r>
-          </a:p>
-          <a:p>
+              <a:t>Minimum 3 tables</a:t>
+            </a:r>
+          </a:p>
+          <a:p>
+            <a:pPr lvl="2"/>
             <a:r>
               <a:rPr lang="en-US" dirty="0"/>
-              <a:t>Executing a query: parse, bind, transform, optimize, execute</a:t>
-            </a:r>
-          </a:p>
-          <a:p>
+              <a:t>Small, selective tables first</a:t>
+            </a:r>
+          </a:p>
+          <a:p>
+            <a:pPr lvl="1"/>
             <a:r>
               <a:rPr lang="en-US" dirty="0"/>
-              <a:t>Heuristics, transformation rules, parse trees, memos</a:t>
+              <a:t>Continue if cost &gt;= 0.2*</a:t>
             </a:r>
           </a:p>
           <a:p>
             <a:r>
               <a:rPr lang="en-US" dirty="0"/>
-              <a:t>Limitations &amp; DMVs</a:t>
+              <a:t>Search 1 – “Quick Plan Phase”</a:t>
+            </a:r>
+          </a:p>
+          <a:p>
+            <a:pPr lvl="1"/>
+            <a:r>
+              <a:rPr lang="en-US" dirty="0"/>
+              <a:t>Additional heuristics &amp; transformation rules</a:t>
+            </a:r>
+          </a:p>
+          <a:p>
+            <a:pPr lvl="2"/>
+            <a:r>
+              <a:rPr lang="en-US" dirty="0"/>
+              <a:t>Limited join orders</a:t>
+            </a:r>
+          </a:p>
+          <a:p>
+            <a:pPr lvl="1"/>
+            <a:r>
+              <a:rPr lang="en-US" dirty="0"/>
+              <a:t>Explore parallel option if cost &gt; CTFP</a:t>
+            </a:r>
+          </a:p>
+          <a:p>
+            <a:pPr lvl="1"/>
+            <a:r>
+              <a:rPr lang="en-US" dirty="0"/>
+              <a:t>Continue if cost &gt;= 1.0*</a:t>
+            </a:r>
+          </a:p>
+        </p:txBody>
+      </p:sp>
+      <p:sp>
+        <p:nvSpPr>
+          <p:cNvPr id="4" name="TextBox 3"/>
+          <p:cNvSpPr txBox="1"/>
+          <p:nvPr/>
+        </p:nvSpPr>
+        <p:spPr>
+          <a:xfrm>
+            <a:off x="457200" y="6124059"/>
+            <a:ext cx="1283365" cy="369332"/>
+          </a:xfrm>
+          <a:prstGeom prst="rect">
+            <a:avLst/>
+          </a:prstGeom>
+          <a:noFill/>
+        </p:spPr>
+        <p:txBody>
+          <a:bodyPr wrap="none" rtlCol="0">
+            <a:spAutoFit/>
+          </a:bodyPr>
+          <a:lstStyle/>
+          <a:p>
+            <a:r>
+              <a:rPr lang="en-US" dirty="0"/>
+              <a:t>* Unofficial</a:t>
             </a:r>
           </a:p>
         </p:txBody>
@@ -34522,18 +36151,26 @@
     </p:spTree>
     <p:extLst>
       <p:ext uri="{BB962C8B-B14F-4D97-AF65-F5344CB8AC3E}">
-        <p14:creationId xmlns:p14="http://schemas.microsoft.com/office/powerpoint/2010/main" val="675647204"/>
+        <p14:creationId xmlns:p14="http://schemas.microsoft.com/office/powerpoint/2010/main" val="2241709670"/>
       </p:ext>
     </p:extLst>
   </p:cSld>
   <p:clrMapOvr>
     <a:masterClrMapping/>
   </p:clrMapOvr>
+  <mc:AlternateContent xmlns:mc="http://schemas.openxmlformats.org/markup-compatibility/2006">
+    <mc:Choice xmlns:p14="http://schemas.microsoft.com/office/powerpoint/2010/main" Requires="p14">
+      <p:transition spd="slow" p14:dur="2000"/>
+    </mc:Choice>
+    <mc:Fallback>
+      <p:transition spd="slow"/>
+    </mc:Fallback>
+  </mc:AlternateContent>
 </p:sld>
 </file>
 
-<file path=ppt/slides/slide40.xml><?xml version="1.0" encoding="utf-8"?>
-<p:sld xmlns:a="http://schemas.openxmlformats.org/drawingml/2006/main" xmlns:r="http://schemas.openxmlformats.org/officeDocument/2006/relationships" xmlns:p="http://schemas.openxmlformats.org/presentationml/2006/main">
+<file path=ppt/slides/slide43.xml><?xml version="1.0" encoding="utf-8"?>
+<p:sld xmlns:a="http://schemas.openxmlformats.org/drawingml/2006/main" xmlns:r="http://schemas.openxmlformats.org/officeDocument/2006/relationships" xmlns:p="http://schemas.openxmlformats.org/presentationml/2006/main" show="0">
   <p:cSld>
     <p:spTree>
       <p:nvGrpSpPr>
@@ -34566,173 +36203,6 @@
           <a:p>
             <a:r>
               <a:rPr lang="en-US" dirty="0"/>
-              <a:t>Full Optimization Phases</a:t>
-            </a:r>
-          </a:p>
-        </p:txBody>
-      </p:sp>
-      <p:sp>
-        <p:nvSpPr>
-          <p:cNvPr id="3" name="Content Placeholder 2"/>
-          <p:cNvSpPr>
-            <a:spLocks noGrp="1"/>
-          </p:cNvSpPr>
-          <p:nvPr>
-            <p:ph idx="1"/>
-          </p:nvPr>
-        </p:nvSpPr>
-        <p:spPr/>
-        <p:txBody>
-          <a:bodyPr>
-            <a:normAutofit lnSpcReduction="10000"/>
-          </a:bodyPr>
-          <a:lstStyle/>
-          <a:p>
-            <a:r>
-              <a:rPr lang="en-US" dirty="0"/>
-              <a:t>Search 0 – “Transaction Processing Phase”</a:t>
-            </a:r>
-          </a:p>
-          <a:p>
-            <a:pPr lvl="1"/>
-            <a:r>
-              <a:rPr lang="en-US" dirty="0"/>
-              <a:t>Mostly heuristics</a:t>
-            </a:r>
-          </a:p>
-          <a:p>
-            <a:pPr lvl="1"/>
-            <a:r>
-              <a:rPr lang="en-US" dirty="0"/>
-              <a:t>Minimum 3 tables</a:t>
-            </a:r>
-          </a:p>
-          <a:p>
-            <a:pPr lvl="2"/>
-            <a:r>
-              <a:rPr lang="en-US" dirty="0"/>
-              <a:t>Small, selective tables first</a:t>
-            </a:r>
-          </a:p>
-          <a:p>
-            <a:pPr lvl="1"/>
-            <a:r>
-              <a:rPr lang="en-US" dirty="0"/>
-              <a:t>Continue if cost &gt;= 0.2*</a:t>
-            </a:r>
-          </a:p>
-          <a:p>
-            <a:r>
-              <a:rPr lang="en-US" dirty="0"/>
-              <a:t>Search 1 – “Quick Plan Phase”</a:t>
-            </a:r>
-          </a:p>
-          <a:p>
-            <a:pPr lvl="1"/>
-            <a:r>
-              <a:rPr lang="en-US" dirty="0"/>
-              <a:t>Additional heuristics &amp; transformation rules</a:t>
-            </a:r>
-          </a:p>
-          <a:p>
-            <a:pPr lvl="2"/>
-            <a:r>
-              <a:rPr lang="en-US" dirty="0"/>
-              <a:t>Limited join orders</a:t>
-            </a:r>
-          </a:p>
-          <a:p>
-            <a:pPr lvl="1"/>
-            <a:r>
-              <a:rPr lang="en-US" dirty="0"/>
-              <a:t>Explore parallel option if cost &gt; CTFP</a:t>
-            </a:r>
-          </a:p>
-          <a:p>
-            <a:pPr lvl="1"/>
-            <a:r>
-              <a:rPr lang="en-US" dirty="0"/>
-              <a:t>Continue if cost &gt;= 1.0*</a:t>
-            </a:r>
-          </a:p>
-        </p:txBody>
-      </p:sp>
-      <p:sp>
-        <p:nvSpPr>
-          <p:cNvPr id="4" name="TextBox 3"/>
-          <p:cNvSpPr txBox="1"/>
-          <p:nvPr/>
-        </p:nvSpPr>
-        <p:spPr>
-          <a:xfrm>
-            <a:off x="457200" y="6124059"/>
-            <a:ext cx="1283365" cy="369332"/>
-          </a:xfrm>
-          <a:prstGeom prst="rect">
-            <a:avLst/>
-          </a:prstGeom>
-          <a:noFill/>
-        </p:spPr>
-        <p:txBody>
-          <a:bodyPr wrap="none" rtlCol="0">
-            <a:spAutoFit/>
-          </a:bodyPr>
-          <a:lstStyle/>
-          <a:p>
-            <a:r>
-              <a:rPr lang="en-US" dirty="0"/>
-              <a:t>* Unofficial</a:t>
-            </a:r>
-          </a:p>
-        </p:txBody>
-      </p:sp>
-    </p:spTree>
-    <p:extLst>
-      <p:ext uri="{BB962C8B-B14F-4D97-AF65-F5344CB8AC3E}">
-        <p14:creationId xmlns:p14="http://schemas.microsoft.com/office/powerpoint/2010/main" val="2241709670"/>
-      </p:ext>
-    </p:extLst>
-  </p:cSld>
-  <p:clrMapOvr>
-    <a:masterClrMapping/>
-  </p:clrMapOvr>
-</p:sld>
-</file>
-
-<file path=ppt/slides/slide41.xml><?xml version="1.0" encoding="utf-8"?>
-<p:sld xmlns:a="http://schemas.openxmlformats.org/drawingml/2006/main" xmlns:r="http://schemas.openxmlformats.org/officeDocument/2006/relationships" xmlns:p="http://schemas.openxmlformats.org/presentationml/2006/main">
-  <p:cSld>
-    <p:spTree>
-      <p:nvGrpSpPr>
-        <p:cNvPr id="1" name=""/>
-        <p:cNvGrpSpPr/>
-        <p:nvPr/>
-      </p:nvGrpSpPr>
-      <p:grpSpPr>
-        <a:xfrm>
-          <a:off x="0" y="0"/>
-          <a:ext cx="0" cy="0"/>
-          <a:chOff x="0" y="0"/>
-          <a:chExt cx="0" cy="0"/>
-        </a:xfrm>
-      </p:grpSpPr>
-      <p:sp>
-        <p:nvSpPr>
-          <p:cNvPr id="2" name="Title 1"/>
-          <p:cNvSpPr>
-            <a:spLocks noGrp="1"/>
-          </p:cNvSpPr>
-          <p:nvPr>
-            <p:ph type="title"/>
-          </p:nvPr>
-        </p:nvSpPr>
-        <p:spPr/>
-        <p:txBody>
-          <a:bodyPr/>
-          <a:lstStyle/>
-          <a:p>
-            <a:r>
-              <a:rPr lang="en-US" dirty="0"/>
               <a:t>Full Optimization Phases, continued</a:t>
             </a:r>
           </a:p>
@@ -34796,10 +36266,18 @@
   <p:clrMapOvr>
     <a:masterClrMapping/>
   </p:clrMapOvr>
+  <mc:AlternateContent xmlns:mc="http://schemas.openxmlformats.org/markup-compatibility/2006">
+    <mc:Choice xmlns:p14="http://schemas.microsoft.com/office/powerpoint/2010/main" Requires="p14">
+      <p:transition spd="slow" p14:dur="2000"/>
+    </mc:Choice>
+    <mc:Fallback>
+      <p:transition spd="slow"/>
+    </mc:Fallback>
+  </mc:AlternateContent>
 </p:sld>
 </file>
 
-<file path=ppt/slides/slide42.xml><?xml version="1.0" encoding="utf-8"?>
+<file path=ppt/slides/slide44.xml><?xml version="1.0" encoding="utf-8"?>
 <p:sld xmlns:a="http://schemas.openxmlformats.org/drawingml/2006/main" xmlns:r="http://schemas.openxmlformats.org/officeDocument/2006/relationships" xmlns:p="http://schemas.openxmlformats.org/presentationml/2006/main">
   <p:cSld>
     <p:spTree>
@@ -34909,7 +36387,7 @@
 </p:sld>
 </file>
 
-<file path=ppt/slides/slide43.xml><?xml version="1.0" encoding="utf-8"?>
+<file path=ppt/slides/slide45.xml><?xml version="1.0" encoding="utf-8"?>
 <p:sld xmlns:a="http://schemas.openxmlformats.org/drawingml/2006/main" xmlns:r="http://schemas.openxmlformats.org/officeDocument/2006/relationships" xmlns:p="http://schemas.openxmlformats.org/presentationml/2006/main" show="0">
   <p:cSld>
     <p:spTree>
@@ -35208,10 +36686,18 @@
   <p:clrMapOvr>
     <a:masterClrMapping/>
   </p:clrMapOvr>
+  <mc:AlternateContent xmlns:mc="http://schemas.openxmlformats.org/markup-compatibility/2006">
+    <mc:Choice xmlns:p14="http://schemas.microsoft.com/office/powerpoint/2010/main" Requires="p14">
+      <p:transition spd="slow" p14:dur="2000"/>
+    </mc:Choice>
+    <mc:Fallback>
+      <p:transition spd="slow"/>
+    </mc:Fallback>
+  </mc:AlternateContent>
 </p:sld>
 </file>
 
-<file path=ppt/slides/slide44.xml><?xml version="1.0" encoding="utf-8"?>
+<file path=ppt/slides/slide46.xml><?xml version="1.0" encoding="utf-8"?>
 <p:sld xmlns:a="http://schemas.openxmlformats.org/drawingml/2006/main" xmlns:r="http://schemas.openxmlformats.org/officeDocument/2006/relationships" xmlns:p="http://schemas.openxmlformats.org/presentationml/2006/main">
   <p:cSld>
     <p:spTree>
@@ -35367,315 +36853,6 @@
     <p:extLst>
       <p:ext uri="{BB962C8B-B14F-4D97-AF65-F5344CB8AC3E}">
         <p14:creationId xmlns:p14="http://schemas.microsoft.com/office/powerpoint/2010/main" val="1630484383"/>
-      </p:ext>
-    </p:extLst>
-  </p:cSld>
-  <p:clrMapOvr>
-    <a:masterClrMapping/>
-  </p:clrMapOvr>
-</p:sld>
-</file>
-
-<file path=ppt/slides/slide45.xml><?xml version="1.0" encoding="utf-8"?>
-<p:sld xmlns:a="http://schemas.openxmlformats.org/drawingml/2006/main" xmlns:r="http://schemas.openxmlformats.org/officeDocument/2006/relationships" xmlns:p="http://schemas.openxmlformats.org/presentationml/2006/main">
-  <p:cSld>
-    <p:spTree>
-      <p:nvGrpSpPr>
-        <p:cNvPr id="1" name=""/>
-        <p:cNvGrpSpPr/>
-        <p:nvPr/>
-      </p:nvGrpSpPr>
-      <p:grpSpPr>
-        <a:xfrm>
-          <a:off x="0" y="0"/>
-          <a:ext cx="0" cy="0"/>
-          <a:chOff x="0" y="0"/>
-          <a:chExt cx="0" cy="0"/>
-        </a:xfrm>
-      </p:grpSpPr>
-      <p:sp>
-        <p:nvSpPr>
-          <p:cNvPr id="2" name="Title 1"/>
-          <p:cNvSpPr>
-            <a:spLocks noGrp="1"/>
-          </p:cNvSpPr>
-          <p:nvPr>
-            <p:ph type="title"/>
-          </p:nvPr>
-        </p:nvSpPr>
-        <p:spPr/>
-        <p:txBody>
-          <a:bodyPr/>
-          <a:lstStyle/>
-          <a:p>
-            <a:r>
-              <a:rPr lang="en-US" dirty="0"/>
-              <a:t>Heuristics and Transformations</a:t>
-            </a:r>
-          </a:p>
-        </p:txBody>
-      </p:sp>
-      <p:sp>
-        <p:nvSpPr>
-          <p:cNvPr id="3" name="Content Placeholder 2"/>
-          <p:cNvSpPr>
-            <a:spLocks noGrp="1"/>
-          </p:cNvSpPr>
-          <p:nvPr>
-            <p:ph idx="1"/>
-          </p:nvPr>
-        </p:nvSpPr>
-        <p:spPr/>
-        <p:txBody>
-          <a:bodyPr>
-            <a:normAutofit lnSpcReduction="10000"/>
-          </a:bodyPr>
-          <a:lstStyle/>
-          <a:p>
-            <a:r>
-              <a:rPr lang="en-US" dirty="0"/>
-              <a:t>Heuristics</a:t>
-            </a:r>
-          </a:p>
-          <a:p>
-            <a:pPr lvl="1"/>
-            <a:r>
-              <a:rPr lang="en-US" dirty="0"/>
-              <a:t>Rules that can eliminate entire branches of the search space</a:t>
-            </a:r>
-          </a:p>
-          <a:p>
-            <a:r>
-              <a:rPr lang="en-US" dirty="0"/>
-              <a:t>Transformations</a:t>
-            </a:r>
-          </a:p>
-          <a:p>
-            <a:pPr lvl="1"/>
-            <a:r>
-              <a:rPr lang="en-US" dirty="0"/>
-              <a:t>Find equivalent operations to get same output</a:t>
-            </a:r>
-          </a:p>
-          <a:p>
-            <a:pPr lvl="1"/>
-            <a:r>
-              <a:rPr lang="en-US" dirty="0"/>
-              <a:t>Rule-based</a:t>
-            </a:r>
-          </a:p>
-          <a:p>
-            <a:pPr lvl="2"/>
-            <a:r>
-              <a:rPr lang="en-US" dirty="0"/>
-              <a:t>DBCC SHOWONRULES</a:t>
-            </a:r>
-          </a:p>
-          <a:p>
-            <a:pPr lvl="2"/>
-            <a:r>
-              <a:rPr lang="en-US" dirty="0"/>
-              <a:t>DBCC RULEON / RULEOFF </a:t>
-            </a:r>
-          </a:p>
-          <a:p>
-            <a:pPr lvl="1"/>
-            <a:r>
-              <a:rPr lang="en-US" dirty="0"/>
-              <a:t>Four types</a:t>
-            </a:r>
-          </a:p>
-          <a:p>
-            <a:pPr lvl="2"/>
-            <a:r>
-              <a:rPr lang="en-US" dirty="0"/>
-              <a:t>Simplification, exploration, implementation, property enforcement</a:t>
-            </a:r>
-          </a:p>
-          <a:p>
-            <a:pPr lvl="1"/>
-            <a:endParaRPr lang="en-US" dirty="0"/>
-          </a:p>
-        </p:txBody>
-      </p:sp>
-    </p:spTree>
-    <p:extLst>
-      <p:ext uri="{BB962C8B-B14F-4D97-AF65-F5344CB8AC3E}">
-        <p14:creationId xmlns:p14="http://schemas.microsoft.com/office/powerpoint/2010/main" val="1718081727"/>
-      </p:ext>
-    </p:extLst>
-  </p:cSld>
-  <p:clrMapOvr>
-    <a:masterClrMapping/>
-  </p:clrMapOvr>
-</p:sld>
-</file>
-
-<file path=ppt/slides/slide46.xml><?xml version="1.0" encoding="utf-8"?>
-<p:sld xmlns:a="http://schemas.openxmlformats.org/drawingml/2006/main" xmlns:r="http://schemas.openxmlformats.org/officeDocument/2006/relationships" xmlns:p="http://schemas.openxmlformats.org/presentationml/2006/main">
-  <p:cSld>
-    <p:spTree>
-      <p:nvGrpSpPr>
-        <p:cNvPr id="1" name=""/>
-        <p:cNvGrpSpPr/>
-        <p:nvPr/>
-      </p:nvGrpSpPr>
-      <p:grpSpPr>
-        <a:xfrm>
-          <a:off x="0" y="0"/>
-          <a:ext cx="0" cy="0"/>
-          <a:chOff x="0" y="0"/>
-          <a:chExt cx="0" cy="0"/>
-        </a:xfrm>
-      </p:grpSpPr>
-      <p:sp>
-        <p:nvSpPr>
-          <p:cNvPr id="2" name="Title 1"/>
-          <p:cNvSpPr>
-            <a:spLocks noGrp="1"/>
-          </p:cNvSpPr>
-          <p:nvPr>
-            <p:ph type="title"/>
-          </p:nvPr>
-        </p:nvSpPr>
-        <p:spPr/>
-        <p:txBody>
-          <a:bodyPr/>
-          <a:lstStyle/>
-          <a:p>
-            <a:r>
-              <a:rPr lang="en-US" dirty="0"/>
-              <a:t>Transformations: Simplification*</a:t>
-            </a:r>
-          </a:p>
-        </p:txBody>
-      </p:sp>
-      <p:sp>
-        <p:nvSpPr>
-          <p:cNvPr id="3" name="Content Placeholder 2"/>
-          <p:cNvSpPr>
-            <a:spLocks noGrp="1"/>
-          </p:cNvSpPr>
-          <p:nvPr>
-            <p:ph idx="1"/>
-          </p:nvPr>
-        </p:nvSpPr>
-        <p:spPr/>
-        <p:txBody>
-          <a:bodyPr/>
-          <a:lstStyle/>
-          <a:p>
-            <a:r>
-              <a:rPr lang="en-US" dirty="0"/>
-              <a:t>Subqueries to joins</a:t>
-            </a:r>
-          </a:p>
-          <a:p>
-            <a:r>
-              <a:rPr lang="en-US" dirty="0"/>
-              <a:t>Predicate pushdown</a:t>
-            </a:r>
-          </a:p>
-          <a:p>
-            <a:r>
-              <a:rPr lang="en-US" dirty="0"/>
-              <a:t>Foreign key table removal</a:t>
-            </a:r>
-          </a:p>
-          <a:p>
-            <a:r>
-              <a:rPr lang="en-US" dirty="0"/>
-              <a:t>Contradiction detection</a:t>
-            </a:r>
-          </a:p>
-          <a:p>
-            <a:r>
-              <a:rPr lang="en-US" dirty="0"/>
-              <a:t>Aggregates on unique keys</a:t>
-            </a:r>
-          </a:p>
-          <a:p>
-            <a:r>
-              <a:rPr lang="en-US" dirty="0"/>
-              <a:t>Convert outer join to inner</a:t>
-            </a:r>
-          </a:p>
-        </p:txBody>
-      </p:sp>
-      <p:sp>
-        <p:nvSpPr>
-          <p:cNvPr id="4" name="TextBox 3"/>
-          <p:cNvSpPr txBox="1"/>
-          <p:nvPr/>
-        </p:nvSpPr>
-        <p:spPr>
-          <a:xfrm>
-            <a:off x="1" y="6166438"/>
-            <a:ext cx="7084194" cy="646331"/>
-          </a:xfrm>
-          <a:prstGeom prst="rect">
-            <a:avLst/>
-          </a:prstGeom>
-          <a:noFill/>
-        </p:spPr>
-        <p:txBody>
-          <a:bodyPr wrap="square" rtlCol="0">
-            <a:spAutoFit/>
-          </a:bodyPr>
-          <a:lstStyle/>
-          <a:p>
-            <a:r>
-              <a:rPr lang="en-US" dirty="0"/>
-              <a:t>* A somewhat overloaded term.  Some simplification activities happen earlier in the process than others.</a:t>
-            </a:r>
-          </a:p>
-        </p:txBody>
-      </p:sp>
-      <p:sp>
-        <p:nvSpPr>
-          <p:cNvPr id="5" name="Oval 4"/>
-          <p:cNvSpPr/>
-          <p:nvPr/>
-        </p:nvSpPr>
-        <p:spPr>
-          <a:xfrm>
-            <a:off x="8215162" y="547440"/>
-            <a:ext cx="616016" cy="606391"/>
-          </a:xfrm>
-          <a:prstGeom prst="ellipse">
-            <a:avLst/>
-          </a:prstGeom>
-        </p:spPr>
-        <p:style>
-          <a:lnRef idx="1">
-            <a:schemeClr val="accent1"/>
-          </a:lnRef>
-          <a:fillRef idx="3">
-            <a:schemeClr val="accent1"/>
-          </a:fillRef>
-          <a:effectRef idx="2">
-            <a:schemeClr val="accent1"/>
-          </a:effectRef>
-          <a:fontRef idx="minor">
-            <a:schemeClr val="lt1"/>
-          </a:fontRef>
-        </p:style>
-        <p:txBody>
-          <a:bodyPr rtlCol="0" anchor="ctr"/>
-          <a:lstStyle/>
-          <a:p>
-            <a:pPr algn="ctr"/>
-            <a:r>
-              <a:rPr lang="en-US" dirty="0"/>
-              <a:t>8</a:t>
-            </a:r>
-          </a:p>
-        </p:txBody>
-      </p:sp>
-    </p:spTree>
-    <p:extLst>
-      <p:ext uri="{BB962C8B-B14F-4D97-AF65-F5344CB8AC3E}">
-        <p14:creationId xmlns:p14="http://schemas.microsoft.com/office/powerpoint/2010/main" val="1200321785"/>
       </p:ext>
     </p:extLst>
   </p:cSld>
@@ -35719,7 +36896,7 @@
           <a:p>
             <a:r>
               <a:rPr lang="en-US" dirty="0"/>
-              <a:t>Transformations: Exploration</a:t>
+              <a:t>Heuristics and Transformations</a:t>
             </a:r>
           </a:p>
         </p:txBody>
@@ -35736,114 +36913,81 @@
         </p:nvSpPr>
         <p:spPr/>
         <p:txBody>
-          <a:bodyPr/>
+          <a:bodyPr>
+            <a:normAutofit lnSpcReduction="10000"/>
+          </a:bodyPr>
           <a:lstStyle/>
           <a:p>
             <a:r>
               <a:rPr lang="en-US" dirty="0"/>
-              <a:t>Start from a logical operation (may be a sub-branch of the full query): the pattern</a:t>
-            </a:r>
-          </a:p>
-          <a:p>
+              <a:t>Heuristics</a:t>
+            </a:r>
+          </a:p>
+          <a:p>
+            <a:pPr lvl="1"/>
             <a:r>
               <a:rPr lang="en-US" dirty="0"/>
-              <a:t>Find equivalent logical operations: the substitute</a:t>
+              <a:t>Rules that can eliminate entire branches of the search space</a:t>
             </a:r>
           </a:p>
           <a:p>
             <a:r>
               <a:rPr lang="en-US" dirty="0"/>
-              <a:t>Examples:</a:t>
+              <a:t>Transformations</a:t>
             </a:r>
           </a:p>
           <a:p>
             <a:pPr lvl="1"/>
             <a:r>
               <a:rPr lang="en-US" dirty="0"/>
-              <a:t>Join commutativity: A⋈B </a:t>
-            </a:r>
-            <a:r>
-              <a:rPr lang="en-US" dirty="0">
-                <a:sym typeface="Wingdings" panose="05000000000000000000" pitchFamily="2" charset="2"/>
-              </a:rPr>
-              <a:t></a:t>
-            </a:r>
+              <a:t>Find equivalent operations to get same output</a:t>
+            </a:r>
+          </a:p>
+          <a:p>
+            <a:pPr lvl="1"/>
             <a:r>
               <a:rPr lang="en-US" dirty="0"/>
-              <a:t> B⋈A</a:t>
+              <a:t>Rule-based</a:t>
+            </a:r>
+          </a:p>
+          <a:p>
+            <a:pPr lvl="2"/>
+            <a:r>
+              <a:rPr lang="en-US" dirty="0"/>
+              <a:t>DBCC SHOWONRULES</a:t>
+            </a:r>
+          </a:p>
+          <a:p>
+            <a:pPr lvl="2"/>
+            <a:r>
+              <a:rPr lang="en-US" dirty="0"/>
+              <a:t>DBCC RULEON / RULEOFF </a:t>
             </a:r>
           </a:p>
           <a:p>
             <a:pPr lvl="1"/>
             <a:r>
               <a:rPr lang="en-US" dirty="0"/>
-              <a:t>Join associativity: (A⋈B)⋈C </a:t>
-            </a:r>
-            <a:r>
-              <a:rPr lang="en-US" dirty="0">
-                <a:sym typeface="Wingdings" panose="05000000000000000000" pitchFamily="2" charset="2"/>
-              </a:rPr>
-              <a:t></a:t>
-            </a:r>
+              <a:t>Four types</a:t>
+            </a:r>
+          </a:p>
+          <a:p>
+            <a:pPr lvl="2"/>
             <a:r>
               <a:rPr lang="en-US" dirty="0"/>
-              <a:t> A⋈(B⋈C)</a:t>
+              <a:t>Simplification, exploration, implementation, property enforcement</a:t>
             </a:r>
           </a:p>
           <a:p>
             <a:pPr lvl="1"/>
-            <a:r>
-              <a:rPr lang="en-US" dirty="0"/>
-              <a:t>Aggregate before join</a:t>
-            </a:r>
-          </a:p>
-        </p:txBody>
-      </p:sp>
-      <p:sp>
-        <p:nvSpPr>
-          <p:cNvPr id="4" name="Oval 3"/>
-          <p:cNvSpPr/>
-          <p:nvPr/>
-        </p:nvSpPr>
-        <p:spPr>
-          <a:xfrm>
-            <a:off x="8282539" y="5159142"/>
-            <a:ext cx="616016" cy="606391"/>
-          </a:xfrm>
-          <a:prstGeom prst="ellipse">
-            <a:avLst/>
-          </a:prstGeom>
-        </p:spPr>
-        <p:style>
-          <a:lnRef idx="1">
-            <a:schemeClr val="accent1"/>
-          </a:lnRef>
-          <a:fillRef idx="3">
-            <a:schemeClr val="accent1"/>
-          </a:fillRef>
-          <a:effectRef idx="2">
-            <a:schemeClr val="accent1"/>
-          </a:effectRef>
-          <a:fontRef idx="minor">
-            <a:schemeClr val="lt1"/>
-          </a:fontRef>
-        </p:style>
-        <p:txBody>
-          <a:bodyPr rtlCol="0" anchor="ctr"/>
-          <a:lstStyle/>
-          <a:p>
-            <a:pPr algn="ctr"/>
-            <a:r>
-              <a:rPr lang="en-US" dirty="0"/>
-              <a:t>9</a:t>
-            </a:r>
+            <a:endParaRPr lang="en-US" dirty="0"/>
           </a:p>
         </p:txBody>
       </p:sp>
     </p:spTree>
     <p:extLst>
       <p:ext uri="{BB962C8B-B14F-4D97-AF65-F5344CB8AC3E}">
-        <p14:creationId xmlns:p14="http://schemas.microsoft.com/office/powerpoint/2010/main" val="3940448552"/>
+        <p14:creationId xmlns:p14="http://schemas.microsoft.com/office/powerpoint/2010/main" val="1718081727"/>
       </p:ext>
     </p:extLst>
   </p:cSld>
@@ -35887,7 +37031,7 @@
           <a:p>
             <a:r>
               <a:rPr lang="en-US" dirty="0"/>
-              <a:t>Transformations: Implementation</a:t>
+              <a:t>Transformations: Simplification*</a:t>
             </a:r>
           </a:p>
         </p:txBody>
@@ -35909,72 +37053,107 @@
           <a:p>
             <a:r>
               <a:rPr lang="en-US" dirty="0"/>
-              <a:t>Start from a logical operation</a:t>
+              <a:t>Subqueries to joins</a:t>
             </a:r>
           </a:p>
           <a:p>
             <a:r>
               <a:rPr lang="en-US" dirty="0"/>
-              <a:t>Find equivalent physical operation</a:t>
+              <a:t>Predicate pushdown</a:t>
             </a:r>
           </a:p>
           <a:p>
             <a:r>
               <a:rPr lang="en-US" dirty="0"/>
-              <a:t>Example:</a:t>
-            </a:r>
-          </a:p>
-          <a:p>
-            <a:pPr lvl="1"/>
+              <a:t>Foreign key table removal</a:t>
+            </a:r>
+          </a:p>
+          <a:p>
             <a:r>
               <a:rPr lang="en-US" dirty="0"/>
-              <a:t>A⋈B </a:t>
-            </a:r>
-            <a:r>
-              <a:rPr lang="en-US" dirty="0">
-                <a:sym typeface="Wingdings" panose="05000000000000000000" pitchFamily="2" charset="2"/>
-              </a:rPr>
-              <a:t> A (nested loops join) B</a:t>
-            </a:r>
-          </a:p>
-          <a:p>
-            <a:pPr lvl="1"/>
+              <a:t>Contradiction detection</a:t>
+            </a:r>
+          </a:p>
+          <a:p>
             <a:r>
               <a:rPr lang="en-US" dirty="0"/>
-              <a:t>A⋈B </a:t>
-            </a:r>
-            <a:r>
-              <a:rPr lang="en-US" dirty="0">
-                <a:sym typeface="Wingdings" panose="05000000000000000000" pitchFamily="2" charset="2"/>
-              </a:rPr>
-              <a:t> A (merge join) B</a:t>
-            </a:r>
-          </a:p>
-          <a:p>
-            <a:pPr lvl="1"/>
+              <a:t>Aggregates on unique keys</a:t>
+            </a:r>
+          </a:p>
+          <a:p>
             <a:r>
               <a:rPr lang="en-US" dirty="0"/>
-              <a:t>A⋈B </a:t>
-            </a:r>
-            <a:r>
-              <a:rPr lang="en-US" dirty="0">
-                <a:sym typeface="Wingdings" panose="05000000000000000000" pitchFamily="2" charset="2"/>
-              </a:rPr>
-              <a:t> A (hash join) B</a:t>
-            </a:r>
-          </a:p>
-          <a:p>
-            <a:r>
-              <a:rPr lang="en-US" dirty="0">
-                <a:sym typeface="Wingdings" panose="05000000000000000000" pitchFamily="2" charset="2"/>
-              </a:rPr>
-              <a:t>Obtain costing on physical operations</a:t>
-            </a:r>
-          </a:p>
+              <a:t>Convert outer join to inner</a:t>
+            </a:r>
+          </a:p>
+        </p:txBody>
+      </p:sp>
+      <p:sp>
+        <p:nvSpPr>
+          <p:cNvPr id="4" name="TextBox 3"/>
+          <p:cNvSpPr txBox="1"/>
+          <p:nvPr/>
+        </p:nvSpPr>
+        <p:spPr>
+          <a:xfrm>
+            <a:off x="1" y="6166438"/>
+            <a:ext cx="7084194" cy="646331"/>
+          </a:xfrm>
+          <a:prstGeom prst="rect">
+            <a:avLst/>
+          </a:prstGeom>
+          <a:noFill/>
+        </p:spPr>
+        <p:txBody>
+          <a:bodyPr wrap="square" rtlCol="0">
+            <a:spAutoFit/>
+          </a:bodyPr>
+          <a:lstStyle/>
           <a:p>
             <a:r>
               <a:rPr lang="en-US" dirty="0"/>
-              <a:t>Can prune expensive branches from tree</a:t>
+              <a:t>* A somewhat overloaded term.  Some simplification activities happen earlier in the process than others.</a:t>
+            </a:r>
+          </a:p>
+        </p:txBody>
+      </p:sp>
+      <p:sp>
+        <p:nvSpPr>
+          <p:cNvPr id="5" name="Oval 4"/>
+          <p:cNvSpPr/>
+          <p:nvPr/>
+        </p:nvSpPr>
+        <p:spPr>
+          <a:xfrm>
+            <a:off x="8215162" y="547440"/>
+            <a:ext cx="616016" cy="606391"/>
+          </a:xfrm>
+          <a:prstGeom prst="ellipse">
+            <a:avLst/>
+          </a:prstGeom>
+        </p:spPr>
+        <p:style>
+          <a:lnRef idx="1">
+            <a:schemeClr val="accent1"/>
+          </a:lnRef>
+          <a:fillRef idx="3">
+            <a:schemeClr val="accent1"/>
+          </a:fillRef>
+          <a:effectRef idx="2">
+            <a:schemeClr val="accent1"/>
+          </a:effectRef>
+          <a:fontRef idx="minor">
+            <a:schemeClr val="lt1"/>
+          </a:fontRef>
+        </p:style>
+        <p:txBody>
+          <a:bodyPr rtlCol="0" anchor="ctr"/>
+          <a:lstStyle/>
+          <a:p>
+            <a:pPr algn="ctr"/>
+            <a:r>
+              <a:rPr lang="en-US" dirty="0"/>
+              <a:t>8</a:t>
             </a:r>
           </a:p>
         </p:txBody>
@@ -35982,7 +37161,7 @@
     </p:spTree>
     <p:extLst>
       <p:ext uri="{BB962C8B-B14F-4D97-AF65-F5344CB8AC3E}">
-        <p14:creationId xmlns:p14="http://schemas.microsoft.com/office/powerpoint/2010/main" val="910537009"/>
+        <p14:creationId xmlns:p14="http://schemas.microsoft.com/office/powerpoint/2010/main" val="1200321785"/>
       </p:ext>
     </p:extLst>
   </p:cSld>
@@ -36026,7 +37205,7 @@
           <a:p>
             <a:r>
               <a:rPr lang="en-US" dirty="0"/>
-              <a:t>Transformations: Property Enforcement</a:t>
+              <a:t>Transformations: Exploration</a:t>
             </a:r>
           </a:p>
         </p:txBody>
@@ -36048,42 +37227,101 @@
           <a:p>
             <a:r>
               <a:rPr lang="en-US" dirty="0"/>
-              <a:t>Properties associated with parse tree nodes</a:t>
+              <a:t>Start from a logical operation (may be a sub-branch of the full query): the pattern</a:t>
+            </a:r>
+          </a:p>
+          <a:p>
+            <a:r>
+              <a:rPr lang="en-US" dirty="0"/>
+              <a:t>Find equivalent logical operations: the substitute</a:t>
+            </a:r>
+          </a:p>
+          <a:p>
+            <a:r>
+              <a:rPr lang="en-US" dirty="0"/>
+              <a:t>Examples:</a:t>
             </a:r>
           </a:p>
           <a:p>
             <a:pPr lvl="1"/>
             <a:r>
               <a:rPr lang="en-US" dirty="0"/>
-              <a:t>Uniqueness, type, </a:t>
-            </a:r>
-            <a:r>
-              <a:rPr lang="en-US" dirty="0" err="1"/>
-              <a:t>nullability</a:t>
+              <a:t>Join commutativity: A⋈B </a:t>
+            </a:r>
+            <a:r>
+              <a:rPr lang="en-US" dirty="0">
+                <a:sym typeface="Wingdings" panose="05000000000000000000" pitchFamily="2" charset="2"/>
+              </a:rPr>
+              <a:t></a:t>
             </a:r>
             <a:r>
               <a:rPr lang="en-US" dirty="0"/>
-              <a:t>, sort order</a:t>
+              <a:t> B⋈A</a:t>
             </a:r>
           </a:p>
           <a:p>
             <a:pPr lvl="1"/>
             <a:r>
               <a:rPr lang="en-US" dirty="0"/>
-              <a:t>Constraints on column values</a:t>
-            </a:r>
-          </a:p>
-          <a:p>
+              <a:t>Join associativity: (A⋈B)⋈C </a:t>
+            </a:r>
+            <a:r>
+              <a:rPr lang="en-US" dirty="0">
+                <a:sym typeface="Wingdings" panose="05000000000000000000" pitchFamily="2" charset="2"/>
+              </a:rPr>
+              <a:t></a:t>
+            </a:r>
             <a:r>
               <a:rPr lang="en-US" dirty="0"/>
-              <a:t>Transformation rules may cause certain properties to be enforced</a:t>
+              <a:t> A⋈(B⋈C)</a:t>
             </a:r>
           </a:p>
           <a:p>
             <a:pPr lvl="1"/>
             <a:r>
               <a:rPr lang="en-US" dirty="0"/>
-              <a:t>Example: sort order for a merge join</a:t>
+              <a:t>Aggregate before join</a:t>
+            </a:r>
+          </a:p>
+        </p:txBody>
+      </p:sp>
+      <p:sp>
+        <p:nvSpPr>
+          <p:cNvPr id="4" name="Oval 3"/>
+          <p:cNvSpPr/>
+          <p:nvPr/>
+        </p:nvSpPr>
+        <p:spPr>
+          <a:xfrm>
+            <a:off x="8282539" y="5159142"/>
+            <a:ext cx="616016" cy="606391"/>
+          </a:xfrm>
+          <a:prstGeom prst="ellipse">
+            <a:avLst/>
+          </a:prstGeom>
+        </p:spPr>
+        <p:style>
+          <a:lnRef idx="1">
+            <a:schemeClr val="accent1"/>
+          </a:lnRef>
+          <a:fillRef idx="3">
+            <a:schemeClr val="accent1"/>
+          </a:fillRef>
+          <a:effectRef idx="2">
+            <a:schemeClr val="accent1"/>
+          </a:effectRef>
+          <a:fontRef idx="minor">
+            <a:schemeClr val="lt1"/>
+          </a:fontRef>
+        </p:style>
+        <p:txBody>
+          <a:bodyPr rtlCol="0" anchor="ctr"/>
+          <a:lstStyle/>
+          <a:p>
+            <a:pPr algn="ctr"/>
+            <a:r>
+              <a:rPr lang="en-US" dirty="0"/>
+              <a:t>9</a:t>
             </a:r>
           </a:p>
         </p:txBody>
@@ -36091,7 +37329,7 @@
     </p:spTree>
     <p:extLst>
       <p:ext uri="{BB962C8B-B14F-4D97-AF65-F5344CB8AC3E}">
-        <p14:creationId xmlns:p14="http://schemas.microsoft.com/office/powerpoint/2010/main" val="3566365270"/>
+        <p14:creationId xmlns:p14="http://schemas.microsoft.com/office/powerpoint/2010/main" val="3940448552"/>
       </p:ext>
     </p:extLst>
   </p:cSld>
@@ -36225,16 +37463,13 @@
         </p:nvSpPr>
         <p:spPr/>
         <p:txBody>
-          <a:bodyPr>
-            <a:normAutofit fontScale="90000"/>
-          </a:bodyPr>
+          <a:bodyPr/>
           <a:lstStyle/>
           <a:p>
             <a:r>
-              <a:rPr lang="en-US" dirty="0" err="1"/>
-              <a:t>sys.dm_exec_query_transformation_stats</a:t>
-            </a:r>
-            <a:endParaRPr lang="en-US" dirty="0"/>
+              <a:rPr lang="en-US" dirty="0"/>
+              <a:t>Transformations: Implementation</a:t>
+            </a:r>
           </a:p>
         </p:txBody>
       </p:sp>
@@ -36255,75 +37490,72 @@
           <a:p>
             <a:r>
               <a:rPr lang="en-US" dirty="0"/>
-              <a:t>One row per transformation rule</a:t>
+              <a:t>Start from a logical operation</a:t>
+            </a:r>
+          </a:p>
+          <a:p>
+            <a:r>
+              <a:rPr lang="en-US" dirty="0"/>
+              <a:t>Find equivalent physical operation</a:t>
+            </a:r>
+          </a:p>
+          <a:p>
+            <a:r>
+              <a:rPr lang="en-US" dirty="0"/>
+              <a:t>Example:</a:t>
             </a:r>
           </a:p>
           <a:p>
             <a:pPr lvl="1"/>
             <a:r>
               <a:rPr lang="en-US" dirty="0"/>
-              <a:t>“Promise” – How useful might the rule be for this query?</a:t>
+              <a:t>A⋈B </a:t>
+            </a:r>
+            <a:r>
+              <a:rPr lang="en-US" dirty="0">
+                <a:sym typeface="Wingdings" panose="05000000000000000000" pitchFamily="2" charset="2"/>
+              </a:rPr>
+              <a:t> A (nested loops join) B</a:t>
             </a:r>
           </a:p>
           <a:p>
             <a:pPr lvl="1"/>
             <a:r>
               <a:rPr lang="en-US" dirty="0"/>
-              <a:t>“Built-Substitute” – Number of times the rule generated an alternate tree</a:t>
+              <a:t>A⋈B </a:t>
+            </a:r>
+            <a:r>
+              <a:rPr lang="en-US" dirty="0">
+                <a:sym typeface="Wingdings" panose="05000000000000000000" pitchFamily="2" charset="2"/>
+              </a:rPr>
+              <a:t> A (merge join) B</a:t>
             </a:r>
           </a:p>
           <a:p>
             <a:pPr lvl="1"/>
             <a:r>
               <a:rPr lang="en-US" dirty="0"/>
-              <a:t>“Succeeded” – Number of times the rule was incorporated</a:t>
+              <a:t>A⋈B </a:t>
+            </a:r>
+            <a:r>
+              <a:rPr lang="en-US" dirty="0">
+                <a:sym typeface="Wingdings" panose="05000000000000000000" pitchFamily="2" charset="2"/>
+              </a:rPr>
+              <a:t> A (hash join) B</a:t>
+            </a:r>
+          </a:p>
+          <a:p>
+            <a:r>
+              <a:rPr lang="en-US" dirty="0">
+                <a:sym typeface="Wingdings" panose="05000000000000000000" pitchFamily="2" charset="2"/>
+              </a:rPr>
+              <a:t>Obtain costing on physical operations</a:t>
             </a:r>
           </a:p>
           <a:p>
             <a:r>
               <a:rPr lang="en-US" dirty="0"/>
-              <a:t>Collect before and after images of this view on a quiet system</a:t>
-            </a:r>
-          </a:p>
-        </p:txBody>
-      </p:sp>
-      <p:sp>
-        <p:nvSpPr>
-          <p:cNvPr id="4" name="Oval 3"/>
-          <p:cNvSpPr/>
-          <p:nvPr/>
-        </p:nvSpPr>
-        <p:spPr>
-          <a:xfrm>
-            <a:off x="8378792" y="542942"/>
-            <a:ext cx="616016" cy="606391"/>
-          </a:xfrm>
-          <a:prstGeom prst="ellipse">
-            <a:avLst/>
-          </a:prstGeom>
-        </p:spPr>
-        <p:style>
-          <a:lnRef idx="1">
-            <a:schemeClr val="accent1"/>
-          </a:lnRef>
-          <a:fillRef idx="3">
-            <a:schemeClr val="accent1"/>
-          </a:fillRef>
-          <a:effectRef idx="2">
-            <a:schemeClr val="accent1"/>
-          </a:effectRef>
-          <a:fontRef idx="minor">
-            <a:schemeClr val="lt1"/>
-          </a:fontRef>
-        </p:style>
-        <p:txBody>
-          <a:bodyPr rtlCol="0" anchor="ctr"/>
-          <a:lstStyle/>
-          <a:p>
-            <a:pPr algn="ctr"/>
-            <a:r>
-              <a:rPr lang="en-US" sz="1600" dirty="0"/>
-              <a:t>10</a:t>
+              <a:t>Can prune expensive branches from tree</a:t>
             </a:r>
           </a:p>
         </p:txBody>
@@ -36331,7 +37563,7 @@
     </p:spTree>
     <p:extLst>
       <p:ext uri="{BB962C8B-B14F-4D97-AF65-F5344CB8AC3E}">
-        <p14:creationId xmlns:p14="http://schemas.microsoft.com/office/powerpoint/2010/main" val="3574128401"/>
+        <p14:creationId xmlns:p14="http://schemas.microsoft.com/office/powerpoint/2010/main" val="910537009"/>
       </p:ext>
     </p:extLst>
   </p:cSld>
@@ -36342,7 +37574,7 @@
 </file>
 
 <file path=ppt/slides/slide51.xml><?xml version="1.0" encoding="utf-8"?>
-<p:sld xmlns:a="http://schemas.openxmlformats.org/drawingml/2006/main" xmlns:r="http://schemas.openxmlformats.org/officeDocument/2006/relationships" xmlns:p="http://schemas.openxmlformats.org/presentationml/2006/main" show="0">
+<p:sld xmlns:a="http://schemas.openxmlformats.org/drawingml/2006/main" xmlns:r="http://schemas.openxmlformats.org/officeDocument/2006/relationships" xmlns:p="http://schemas.openxmlformats.org/presentationml/2006/main">
   <p:cSld>
     <p:spTree>
       <p:nvGrpSpPr>
@@ -36375,7 +37607,7 @@
           <a:p>
             <a:r>
               <a:rPr lang="en-US" dirty="0"/>
-              <a:t>Factors Considered by the Optimizer</a:t>
+              <a:t>Transformations: Property Enforcement</a:t>
             </a:r>
           </a:p>
         </p:txBody>
@@ -36397,55 +37629,42 @@
           <a:p>
             <a:r>
               <a:rPr lang="en-US" dirty="0"/>
-              <a:t>Memory grants</a:t>
-            </a:r>
-          </a:p>
-          <a:p>
+              <a:t>Properties associated with parse tree nodes</a:t>
+            </a:r>
+          </a:p>
+          <a:p>
+            <a:pPr lvl="1"/>
             <a:r>
               <a:rPr lang="en-US" dirty="0"/>
-              <a:t>Costing</a:t>
+              <a:t>Uniqueness, type, </a:t>
+            </a:r>
+            <a:r>
+              <a:rPr lang="en-US" dirty="0" err="1"/>
+              <a:t>nullability</a:t>
+            </a:r>
+            <a:r>
+              <a:rPr lang="en-US" dirty="0"/>
+              <a:t>, sort order</a:t>
             </a:r>
           </a:p>
           <a:p>
             <a:pPr lvl="1"/>
             <a:r>
               <a:rPr lang="en-US" dirty="0"/>
-              <a:t>Cold cache</a:t>
+              <a:t>Constraints on column values</a:t>
+            </a:r>
+          </a:p>
+          <a:p>
+            <a:r>
+              <a:rPr lang="en-US" dirty="0"/>
+              <a:t>Transformation rules may cause certain properties to be enforced</a:t>
             </a:r>
           </a:p>
           <a:p>
             <a:pPr lvl="1"/>
             <a:r>
               <a:rPr lang="en-US" dirty="0"/>
-              <a:t>Sequential vs random I/O</a:t>
-            </a:r>
-          </a:p>
-          <a:p>
-            <a:pPr lvl="2"/>
-            <a:r>
-              <a:rPr lang="en-US" dirty="0"/>
-              <a:t>But not the nature of the I/O subsystem</a:t>
-            </a:r>
-          </a:p>
-          <a:p>
-            <a:pPr lvl="1"/>
-            <a:r>
-              <a:rPr lang="en-US" dirty="0"/>
-              <a:t>CPU costs, core count, available memory</a:t>
-            </a:r>
-          </a:p>
-          <a:p>
-            <a:pPr lvl="1"/>
-            <a:r>
-              <a:rPr lang="en-US" dirty="0"/>
-              <a:t>Cardinality estimator</a:t>
-            </a:r>
-          </a:p>
-          <a:p>
-            <a:pPr lvl="1"/>
-            <a:r>
-              <a:rPr lang="en-US" dirty="0"/>
-              <a:t>What do cost units really mean?</a:t>
+              <a:t>Example: sort order for a merge join</a:t>
             </a:r>
           </a:p>
         </p:txBody>
@@ -36453,7 +37672,7 @@
     </p:spTree>
     <p:extLst>
       <p:ext uri="{BB962C8B-B14F-4D97-AF65-F5344CB8AC3E}">
-        <p14:creationId xmlns:p14="http://schemas.microsoft.com/office/powerpoint/2010/main" val="3650632215"/>
+        <p14:creationId xmlns:p14="http://schemas.microsoft.com/office/powerpoint/2010/main" val="3566365270"/>
       </p:ext>
     </p:extLst>
   </p:cSld>
@@ -36492,13 +37711,16 @@
         </p:nvSpPr>
         <p:spPr/>
         <p:txBody>
-          <a:bodyPr/>
+          <a:bodyPr>
+            <a:normAutofit fontScale="90000"/>
+          </a:bodyPr>
           <a:lstStyle/>
           <a:p>
             <a:r>
-              <a:rPr lang="en-US" dirty="0"/>
-              <a:t>Parse Trees</a:t>
-            </a:r>
+              <a:rPr lang="en-US" dirty="0" err="1"/>
+              <a:t>sys.dm_exec_query_transformation_stats</a:t>
+            </a:r>
+            <a:endParaRPr lang="en-US" dirty="0"/>
           </a:p>
         </p:txBody>
       </p:sp>
@@ -36519,33 +37741,75 @@
           <a:p>
             <a:r>
               <a:rPr lang="en-US" dirty="0"/>
-              <a:t>Internal representation of query operation</a:t>
-            </a:r>
-          </a:p>
-          <a:p>
+              <a:t>One row per transformation rule</a:t>
+            </a:r>
+          </a:p>
+          <a:p>
+            <a:pPr lvl="1"/>
             <a:r>
               <a:rPr lang="en-US" dirty="0"/>
-              <a:t>Nodes may be logical or physical operators</a:t>
+              <a:t>“Promise” – How useful might the rule be for this query?</a:t>
             </a:r>
           </a:p>
           <a:p>
             <a:pPr lvl="1"/>
             <a:r>
               <a:rPr lang="en-US" dirty="0"/>
-              <a:t>0 to infinity inputs, 1 output</a:t>
-            </a:r>
-          </a:p>
-          <a:p>
+              <a:t>“Built-Substitute” – Number of times the rule generated an alternate tree</a:t>
+            </a:r>
+          </a:p>
+          <a:p>
+            <a:pPr lvl="1"/>
             <a:r>
               <a:rPr lang="en-US" dirty="0"/>
-              <a:t>SQL Server will output parse trees at various phases of optimization</a:t>
-            </a:r>
-          </a:p>
-          <a:p>
-            <a:pPr lvl="1"/>
+              <a:t>“Succeeded” – Number of times the rule was incorporated</a:t>
+            </a:r>
+          </a:p>
+          <a:p>
             <a:r>
               <a:rPr lang="en-US" dirty="0"/>
-              <a:t>A variety of trace flags will trigger output</a:t>
+              <a:t>Collect before and after images of this view on a quiet system</a:t>
+            </a:r>
+          </a:p>
+        </p:txBody>
+      </p:sp>
+      <p:sp>
+        <p:nvSpPr>
+          <p:cNvPr id="4" name="Oval 3"/>
+          <p:cNvSpPr/>
+          <p:nvPr/>
+        </p:nvSpPr>
+        <p:spPr>
+          <a:xfrm>
+            <a:off x="8378792" y="542942"/>
+            <a:ext cx="616016" cy="606391"/>
+          </a:xfrm>
+          <a:prstGeom prst="ellipse">
+            <a:avLst/>
+          </a:prstGeom>
+        </p:spPr>
+        <p:style>
+          <a:lnRef idx="1">
+            <a:schemeClr val="accent1"/>
+          </a:lnRef>
+          <a:fillRef idx="3">
+            <a:schemeClr val="accent1"/>
+          </a:fillRef>
+          <a:effectRef idx="2">
+            <a:schemeClr val="accent1"/>
+          </a:effectRef>
+          <a:fontRef idx="minor">
+            <a:schemeClr val="lt1"/>
+          </a:fontRef>
+        </p:style>
+        <p:txBody>
+          <a:bodyPr rtlCol="0" anchor="ctr"/>
+          <a:lstStyle/>
+          <a:p>
+            <a:pPr algn="ctr"/>
+            <a:r>
+              <a:rPr lang="en-US" sz="1600" dirty="0"/>
+              <a:t>10</a:t>
             </a:r>
           </a:p>
         </p:txBody>
@@ -36553,7 +37817,7 @@
     </p:spTree>
     <p:extLst>
       <p:ext uri="{BB962C8B-B14F-4D97-AF65-F5344CB8AC3E}">
-        <p14:creationId xmlns:p14="http://schemas.microsoft.com/office/powerpoint/2010/main" val="1114966382"/>
+        <p14:creationId xmlns:p14="http://schemas.microsoft.com/office/powerpoint/2010/main" val="3574128401"/>
       </p:ext>
     </p:extLst>
   </p:cSld>
@@ -36564,7 +37828,7 @@
 </file>
 
 <file path=ppt/slides/slide53.xml><?xml version="1.0" encoding="utf-8"?>
-<p:sld xmlns:a="http://schemas.openxmlformats.org/drawingml/2006/main" xmlns:r="http://schemas.openxmlformats.org/officeDocument/2006/relationships" xmlns:p="http://schemas.openxmlformats.org/presentationml/2006/main">
+<p:sld xmlns:a="http://schemas.openxmlformats.org/drawingml/2006/main" xmlns:r="http://schemas.openxmlformats.org/officeDocument/2006/relationships" xmlns:p="http://schemas.openxmlformats.org/presentationml/2006/main" show="0">
   <p:cSld>
     <p:spTree>
       <p:nvGrpSpPr>
@@ -36597,1167 +37861,99 @@
           <a:p>
             <a:r>
               <a:rPr lang="en-US" dirty="0"/>
-              <a:t>Example Parse Tree</a:t>
+              <a:t>Factors Considered by the Optimizer</a:t>
             </a:r>
           </a:p>
         </p:txBody>
       </p:sp>
       <p:sp>
         <p:nvSpPr>
-          <p:cNvPr id="5" name="TextBox 4"/>
-          <p:cNvSpPr txBox="1"/>
-          <p:nvPr/>
+          <p:cNvPr id="3" name="Content Placeholder 2"/>
+          <p:cNvSpPr>
+            <a:spLocks noGrp="1"/>
+          </p:cNvSpPr>
+          <p:nvPr>
+            <p:ph idx="1"/>
+          </p:nvPr>
         </p:nvSpPr>
-        <p:spPr>
-          <a:xfrm>
-            <a:off x="558265" y="1713297"/>
-            <a:ext cx="4025461" cy="2677656"/>
-          </a:xfrm>
-          <a:prstGeom prst="rect">
-            <a:avLst/>
-          </a:prstGeom>
-          <a:noFill/>
-        </p:spPr>
+        <p:spPr/>
         <p:txBody>
-          <a:bodyPr wrap="none" rtlCol="0">
-            <a:spAutoFit/>
-          </a:bodyPr>
+          <a:bodyPr/>
           <a:lstStyle/>
           <a:p>
             <a:r>
-              <a:rPr lang="en-US" sz="1400" dirty="0">
-                <a:solidFill>
-                  <a:srgbClr val="0000FF"/>
-                </a:solidFill>
-                <a:latin typeface="Consolas" panose="020B0609020204030204" pitchFamily="49" charset="0"/>
-              </a:rPr>
-              <a:t>select</a:t>
-            </a:r>
-            <a:r>
-              <a:rPr lang="en-US" sz="1400" dirty="0">
-                <a:solidFill>
-                  <a:prstClr val="black"/>
-                </a:solidFill>
-                <a:latin typeface="Consolas" panose="020B0609020204030204" pitchFamily="49" charset="0"/>
-              </a:rPr>
-              <a:t> </a:t>
-            </a:r>
-            <a:r>
-              <a:rPr lang="en-US" sz="1400" dirty="0">
-                <a:solidFill>
-                  <a:srgbClr val="0000FF"/>
-                </a:solidFill>
-                <a:latin typeface="Consolas" panose="020B0609020204030204" pitchFamily="49" charset="0"/>
-              </a:rPr>
-              <a:t>top</a:t>
-            </a:r>
-            <a:r>
-              <a:rPr lang="en-US" sz="1400" dirty="0">
-                <a:solidFill>
-                  <a:prstClr val="black"/>
-                </a:solidFill>
-                <a:latin typeface="Consolas" panose="020B0609020204030204" pitchFamily="49" charset="0"/>
-              </a:rPr>
-              <a:t> 5</a:t>
-            </a:r>
-          </a:p>
-          <a:p>
-            <a:r>
-              <a:rPr lang="en-US" sz="1400" dirty="0">
-                <a:solidFill>
-                  <a:srgbClr val="008080"/>
-                </a:solidFill>
-                <a:latin typeface="Consolas" panose="020B0609020204030204" pitchFamily="49" charset="0"/>
-              </a:rPr>
-              <a:t>	</a:t>
-            </a:r>
-            <a:r>
-              <a:rPr lang="en-US" sz="1400" dirty="0" err="1">
-                <a:solidFill>
-                  <a:srgbClr val="008080"/>
-                </a:solidFill>
-                <a:latin typeface="Consolas" panose="020B0609020204030204" pitchFamily="49" charset="0"/>
-              </a:rPr>
-              <a:t>od</a:t>
-            </a:r>
-            <a:r>
-              <a:rPr lang="en-US" sz="1400" dirty="0" err="1">
-                <a:solidFill>
-                  <a:srgbClr val="808080"/>
-                </a:solidFill>
-                <a:latin typeface="Consolas" panose="020B0609020204030204" pitchFamily="49" charset="0"/>
-              </a:rPr>
-              <a:t>.</a:t>
-            </a:r>
-            <a:r>
-              <a:rPr lang="en-US" sz="1400" dirty="0" err="1">
-                <a:solidFill>
-                  <a:srgbClr val="008080"/>
-                </a:solidFill>
-                <a:latin typeface="Consolas" panose="020B0609020204030204" pitchFamily="49" charset="0"/>
-              </a:rPr>
-              <a:t>ProductId</a:t>
-            </a:r>
-            <a:r>
-              <a:rPr lang="en-US" sz="1400" dirty="0">
-                <a:solidFill>
-                  <a:srgbClr val="808080"/>
-                </a:solidFill>
-                <a:latin typeface="Consolas" panose="020B0609020204030204" pitchFamily="49" charset="0"/>
-              </a:rPr>
-              <a:t>,</a:t>
-            </a:r>
-            <a:endParaRPr lang="en-US" sz="1400" dirty="0">
-              <a:solidFill>
-                <a:prstClr val="black"/>
-              </a:solidFill>
-              <a:latin typeface="Consolas" panose="020B0609020204030204" pitchFamily="49" charset="0"/>
-            </a:endParaRPr>
-          </a:p>
-          <a:p>
-            <a:r>
-              <a:rPr lang="en-US" sz="1400" dirty="0">
-                <a:solidFill>
-                  <a:srgbClr val="FF00FF"/>
-                </a:solidFill>
-                <a:latin typeface="Consolas" panose="020B0609020204030204" pitchFamily="49" charset="0"/>
-              </a:rPr>
-              <a:t>	sum</a:t>
-            </a:r>
-            <a:r>
-              <a:rPr lang="en-US" sz="1400" dirty="0">
-                <a:solidFill>
-                  <a:srgbClr val="808080"/>
-                </a:solidFill>
-                <a:latin typeface="Consolas" panose="020B0609020204030204" pitchFamily="49" charset="0"/>
-              </a:rPr>
-              <a:t>(</a:t>
-            </a:r>
-            <a:r>
-              <a:rPr lang="en-US" sz="1400" dirty="0" err="1">
-                <a:solidFill>
-                  <a:srgbClr val="008080"/>
-                </a:solidFill>
-                <a:latin typeface="Consolas" panose="020B0609020204030204" pitchFamily="49" charset="0"/>
-              </a:rPr>
-              <a:t>od</a:t>
-            </a:r>
-            <a:r>
-              <a:rPr lang="en-US" sz="1400" dirty="0" err="1">
-                <a:solidFill>
-                  <a:srgbClr val="808080"/>
-                </a:solidFill>
-                <a:latin typeface="Consolas" panose="020B0609020204030204" pitchFamily="49" charset="0"/>
-              </a:rPr>
-              <a:t>.</a:t>
-            </a:r>
-            <a:r>
-              <a:rPr lang="en-US" sz="1400" dirty="0" err="1">
-                <a:solidFill>
-                  <a:srgbClr val="008080"/>
-                </a:solidFill>
-                <a:latin typeface="Consolas" panose="020B0609020204030204" pitchFamily="49" charset="0"/>
-              </a:rPr>
-              <a:t>Quantity</a:t>
-            </a:r>
-            <a:r>
-              <a:rPr lang="en-US" sz="1400" dirty="0">
-                <a:solidFill>
-                  <a:srgbClr val="808080"/>
-                </a:solidFill>
-                <a:latin typeface="Consolas" panose="020B0609020204030204" pitchFamily="49" charset="0"/>
-              </a:rPr>
-              <a:t>)</a:t>
-            </a:r>
-            <a:r>
-              <a:rPr lang="en-US" sz="1400" dirty="0">
-                <a:solidFill>
-                  <a:prstClr val="black"/>
-                </a:solidFill>
-                <a:latin typeface="Consolas" panose="020B0609020204030204" pitchFamily="49" charset="0"/>
-              </a:rPr>
-              <a:t> </a:t>
-            </a:r>
-            <a:r>
-              <a:rPr lang="en-US" sz="1400" dirty="0">
-                <a:solidFill>
-                  <a:srgbClr val="808080"/>
-                </a:solidFill>
-                <a:latin typeface="Consolas" panose="020B0609020204030204" pitchFamily="49" charset="0"/>
-              </a:rPr>
-              <a:t>-</a:t>
-            </a:r>
-            <a:r>
-              <a:rPr lang="en-US" sz="1400" dirty="0">
-                <a:solidFill>
-                  <a:prstClr val="black"/>
-                </a:solidFill>
-                <a:latin typeface="Consolas" panose="020B0609020204030204" pitchFamily="49" charset="0"/>
-              </a:rPr>
-              <a:t> 20 </a:t>
-            </a:r>
-            <a:r>
-              <a:rPr lang="en-US" sz="1400" dirty="0" err="1">
-                <a:solidFill>
-                  <a:srgbClr val="008080"/>
-                </a:solidFill>
-                <a:latin typeface="Consolas" panose="020B0609020204030204" pitchFamily="49" charset="0"/>
-              </a:rPr>
-              <a:t>ExcessOrders</a:t>
-            </a:r>
-            <a:endParaRPr lang="en-US" sz="1400" dirty="0">
-              <a:solidFill>
-                <a:prstClr val="black"/>
-              </a:solidFill>
-              <a:latin typeface="Consolas" panose="020B0609020204030204" pitchFamily="49" charset="0"/>
-            </a:endParaRPr>
-          </a:p>
-          <a:p>
-            <a:r>
-              <a:rPr lang="en-US" sz="1400" dirty="0">
-                <a:solidFill>
-                  <a:srgbClr val="0000FF"/>
-                </a:solidFill>
-                <a:latin typeface="Consolas" panose="020B0609020204030204" pitchFamily="49" charset="0"/>
-              </a:rPr>
-              <a:t>from</a:t>
-            </a:r>
-            <a:r>
-              <a:rPr lang="en-US" sz="1400" dirty="0">
-                <a:solidFill>
-                  <a:prstClr val="black"/>
-                </a:solidFill>
-                <a:latin typeface="Consolas" panose="020B0609020204030204" pitchFamily="49" charset="0"/>
-              </a:rPr>
-              <a:t> </a:t>
-            </a:r>
-            <a:r>
-              <a:rPr lang="en-US" sz="1400" dirty="0" err="1">
-                <a:solidFill>
-                  <a:srgbClr val="008080"/>
-                </a:solidFill>
-                <a:latin typeface="Consolas" panose="020B0609020204030204" pitchFamily="49" charset="0"/>
-              </a:rPr>
-              <a:t>CorpDB</a:t>
-            </a:r>
-            <a:r>
-              <a:rPr lang="en-US" sz="1400" dirty="0" err="1">
-                <a:solidFill>
-                  <a:srgbClr val="808080"/>
-                </a:solidFill>
-                <a:latin typeface="Consolas" panose="020B0609020204030204" pitchFamily="49" charset="0"/>
-              </a:rPr>
-              <a:t>.</a:t>
-            </a:r>
-            <a:r>
-              <a:rPr lang="en-US" sz="1400" dirty="0" err="1">
-                <a:solidFill>
-                  <a:srgbClr val="008080"/>
-                </a:solidFill>
-                <a:latin typeface="Consolas" panose="020B0609020204030204" pitchFamily="49" charset="0"/>
-              </a:rPr>
-              <a:t>dbo</a:t>
-            </a:r>
-            <a:r>
-              <a:rPr lang="en-US" sz="1400" dirty="0" err="1">
-                <a:solidFill>
-                  <a:srgbClr val="808080"/>
-                </a:solidFill>
-                <a:latin typeface="Consolas" panose="020B0609020204030204" pitchFamily="49" charset="0"/>
-              </a:rPr>
-              <a:t>.</a:t>
-            </a:r>
-            <a:r>
-              <a:rPr lang="en-US" sz="1400" dirty="0" err="1">
-                <a:solidFill>
-                  <a:srgbClr val="008080"/>
-                </a:solidFill>
-                <a:latin typeface="Consolas" panose="020B0609020204030204" pitchFamily="49" charset="0"/>
-              </a:rPr>
-              <a:t>OrderHeader</a:t>
-            </a:r>
-            <a:r>
-              <a:rPr lang="en-US" sz="1400" dirty="0">
-                <a:solidFill>
-                  <a:prstClr val="black"/>
-                </a:solidFill>
-                <a:latin typeface="Consolas" panose="020B0609020204030204" pitchFamily="49" charset="0"/>
-              </a:rPr>
-              <a:t> </a:t>
-            </a:r>
-            <a:r>
-              <a:rPr lang="en-US" sz="1400" dirty="0">
-                <a:solidFill>
-                  <a:srgbClr val="008080"/>
-                </a:solidFill>
-                <a:latin typeface="Consolas" panose="020B0609020204030204" pitchFamily="49" charset="0"/>
-              </a:rPr>
-              <a:t>oh</a:t>
-            </a:r>
-            <a:endParaRPr lang="en-US" sz="1400" dirty="0">
-              <a:solidFill>
-                <a:prstClr val="black"/>
-              </a:solidFill>
-              <a:latin typeface="Consolas" panose="020B0609020204030204" pitchFamily="49" charset="0"/>
-            </a:endParaRPr>
-          </a:p>
-          <a:p>
-            <a:r>
-              <a:rPr lang="en-US" sz="1400" dirty="0">
-                <a:solidFill>
-                  <a:srgbClr val="808080"/>
-                </a:solidFill>
-                <a:latin typeface="Consolas" panose="020B0609020204030204" pitchFamily="49" charset="0"/>
-              </a:rPr>
-              <a:t>inner</a:t>
-            </a:r>
-            <a:r>
-              <a:rPr lang="en-US" sz="1400" dirty="0">
-                <a:solidFill>
-                  <a:prstClr val="black"/>
-                </a:solidFill>
-                <a:latin typeface="Consolas" panose="020B0609020204030204" pitchFamily="49" charset="0"/>
-              </a:rPr>
-              <a:t> </a:t>
-            </a:r>
-            <a:r>
-              <a:rPr lang="en-US" sz="1400" dirty="0">
-                <a:solidFill>
-                  <a:srgbClr val="808080"/>
-                </a:solidFill>
-                <a:latin typeface="Consolas" panose="020B0609020204030204" pitchFamily="49" charset="0"/>
-              </a:rPr>
-              <a:t>join</a:t>
-            </a:r>
-            <a:r>
-              <a:rPr lang="en-US" sz="1400" dirty="0">
-                <a:solidFill>
-                  <a:prstClr val="black"/>
-                </a:solidFill>
-                <a:latin typeface="Consolas" panose="020B0609020204030204" pitchFamily="49" charset="0"/>
-              </a:rPr>
-              <a:t> </a:t>
-            </a:r>
-            <a:r>
-              <a:rPr lang="en-US" sz="1400" dirty="0" err="1">
-                <a:solidFill>
-                  <a:srgbClr val="008080"/>
-                </a:solidFill>
-                <a:latin typeface="Consolas" panose="020B0609020204030204" pitchFamily="49" charset="0"/>
-              </a:rPr>
-              <a:t>CorpDB</a:t>
-            </a:r>
-            <a:r>
-              <a:rPr lang="en-US" sz="1400" dirty="0" err="1">
-                <a:solidFill>
-                  <a:srgbClr val="808080"/>
-                </a:solidFill>
-                <a:latin typeface="Consolas" panose="020B0609020204030204" pitchFamily="49" charset="0"/>
-              </a:rPr>
-              <a:t>.</a:t>
-            </a:r>
-            <a:r>
-              <a:rPr lang="en-US" sz="1400" dirty="0" err="1">
-                <a:solidFill>
-                  <a:srgbClr val="008080"/>
-                </a:solidFill>
-                <a:latin typeface="Consolas" panose="020B0609020204030204" pitchFamily="49" charset="0"/>
-              </a:rPr>
-              <a:t>dbo</a:t>
-            </a:r>
-            <a:r>
-              <a:rPr lang="en-US" sz="1400" dirty="0" err="1">
-                <a:solidFill>
-                  <a:srgbClr val="808080"/>
-                </a:solidFill>
-                <a:latin typeface="Consolas" panose="020B0609020204030204" pitchFamily="49" charset="0"/>
-              </a:rPr>
-              <a:t>.</a:t>
-            </a:r>
-            <a:r>
-              <a:rPr lang="en-US" sz="1400" dirty="0" err="1">
-                <a:solidFill>
-                  <a:srgbClr val="008080"/>
-                </a:solidFill>
-                <a:latin typeface="Consolas" panose="020B0609020204030204" pitchFamily="49" charset="0"/>
-              </a:rPr>
-              <a:t>OrderDetail</a:t>
-            </a:r>
-            <a:r>
-              <a:rPr lang="en-US" sz="1400" dirty="0">
-                <a:solidFill>
-                  <a:prstClr val="black"/>
-                </a:solidFill>
-                <a:latin typeface="Consolas" panose="020B0609020204030204" pitchFamily="49" charset="0"/>
-              </a:rPr>
-              <a:t> </a:t>
-            </a:r>
-            <a:r>
-              <a:rPr lang="en-US" sz="1400" dirty="0">
-                <a:solidFill>
-                  <a:srgbClr val="008080"/>
-                </a:solidFill>
-                <a:latin typeface="Consolas" panose="020B0609020204030204" pitchFamily="49" charset="0"/>
-              </a:rPr>
-              <a:t>od</a:t>
-            </a:r>
-            <a:endParaRPr lang="en-US" sz="1400" dirty="0">
-              <a:solidFill>
-                <a:prstClr val="black"/>
-              </a:solidFill>
-              <a:latin typeface="Consolas" panose="020B0609020204030204" pitchFamily="49" charset="0"/>
-            </a:endParaRPr>
-          </a:p>
-          <a:p>
-            <a:r>
-              <a:rPr lang="en-US" sz="1400" dirty="0">
-                <a:solidFill>
-                  <a:srgbClr val="0000FF"/>
-                </a:solidFill>
-                <a:latin typeface="Consolas" panose="020B0609020204030204" pitchFamily="49" charset="0"/>
-              </a:rPr>
-              <a:t>on</a:t>
-            </a:r>
-            <a:r>
-              <a:rPr lang="en-US" sz="1400" dirty="0">
-                <a:solidFill>
-                  <a:prstClr val="black"/>
-                </a:solidFill>
-                <a:latin typeface="Consolas" panose="020B0609020204030204" pitchFamily="49" charset="0"/>
-              </a:rPr>
-              <a:t> </a:t>
-            </a:r>
-            <a:r>
-              <a:rPr lang="en-US" sz="1400" dirty="0" err="1">
-                <a:solidFill>
-                  <a:srgbClr val="008080"/>
-                </a:solidFill>
-                <a:latin typeface="Consolas" panose="020B0609020204030204" pitchFamily="49" charset="0"/>
-              </a:rPr>
-              <a:t>oh</a:t>
-            </a:r>
-            <a:r>
-              <a:rPr lang="en-US" sz="1400" dirty="0" err="1">
-                <a:solidFill>
-                  <a:srgbClr val="808080"/>
-                </a:solidFill>
-                <a:latin typeface="Consolas" panose="020B0609020204030204" pitchFamily="49" charset="0"/>
-              </a:rPr>
-              <a:t>.</a:t>
-            </a:r>
-            <a:r>
-              <a:rPr lang="en-US" sz="1400" dirty="0" err="1">
-                <a:solidFill>
-                  <a:srgbClr val="008080"/>
-                </a:solidFill>
-                <a:latin typeface="Consolas" panose="020B0609020204030204" pitchFamily="49" charset="0"/>
-              </a:rPr>
-              <a:t>OrderId</a:t>
-            </a:r>
-            <a:r>
-              <a:rPr lang="en-US" sz="1400" dirty="0">
-                <a:solidFill>
-                  <a:prstClr val="black"/>
-                </a:solidFill>
-                <a:latin typeface="Consolas" panose="020B0609020204030204" pitchFamily="49" charset="0"/>
-              </a:rPr>
-              <a:t> </a:t>
-            </a:r>
-            <a:r>
-              <a:rPr lang="en-US" sz="1400" dirty="0">
-                <a:solidFill>
-                  <a:srgbClr val="808080"/>
-                </a:solidFill>
-                <a:latin typeface="Consolas" panose="020B0609020204030204" pitchFamily="49" charset="0"/>
-              </a:rPr>
-              <a:t>=</a:t>
-            </a:r>
-            <a:r>
-              <a:rPr lang="en-US" sz="1400" dirty="0">
-                <a:solidFill>
-                  <a:prstClr val="black"/>
-                </a:solidFill>
-                <a:latin typeface="Consolas" panose="020B0609020204030204" pitchFamily="49" charset="0"/>
-              </a:rPr>
-              <a:t> </a:t>
-            </a:r>
-            <a:r>
-              <a:rPr lang="en-US" sz="1400" dirty="0" err="1">
-                <a:solidFill>
-                  <a:srgbClr val="008080"/>
-                </a:solidFill>
-                <a:latin typeface="Consolas" panose="020B0609020204030204" pitchFamily="49" charset="0"/>
-              </a:rPr>
-              <a:t>od</a:t>
-            </a:r>
-            <a:r>
-              <a:rPr lang="en-US" sz="1400" dirty="0" err="1">
-                <a:solidFill>
-                  <a:srgbClr val="808080"/>
-                </a:solidFill>
-                <a:latin typeface="Consolas" panose="020B0609020204030204" pitchFamily="49" charset="0"/>
-              </a:rPr>
-              <a:t>.</a:t>
-            </a:r>
-            <a:r>
-              <a:rPr lang="en-US" sz="1400" dirty="0" err="1">
-                <a:solidFill>
-                  <a:srgbClr val="008080"/>
-                </a:solidFill>
-                <a:latin typeface="Consolas" panose="020B0609020204030204" pitchFamily="49" charset="0"/>
-              </a:rPr>
-              <a:t>OrderId</a:t>
-            </a:r>
-            <a:endParaRPr lang="en-US" sz="1400" dirty="0">
-              <a:solidFill>
-                <a:prstClr val="black"/>
-              </a:solidFill>
-              <a:latin typeface="Consolas" panose="020B0609020204030204" pitchFamily="49" charset="0"/>
-            </a:endParaRPr>
-          </a:p>
-          <a:p>
-            <a:r>
-              <a:rPr lang="en-US" sz="1400" dirty="0">
-                <a:solidFill>
-                  <a:srgbClr val="808080"/>
-                </a:solidFill>
-                <a:latin typeface="Consolas" panose="020B0609020204030204" pitchFamily="49" charset="0"/>
-              </a:rPr>
-              <a:t>inner</a:t>
-            </a:r>
-            <a:r>
-              <a:rPr lang="en-US" sz="1400" dirty="0">
-                <a:solidFill>
-                  <a:prstClr val="black"/>
-                </a:solidFill>
-                <a:latin typeface="Consolas" panose="020B0609020204030204" pitchFamily="49" charset="0"/>
-              </a:rPr>
-              <a:t> </a:t>
-            </a:r>
-            <a:r>
-              <a:rPr lang="en-US" sz="1400" dirty="0">
-                <a:solidFill>
-                  <a:srgbClr val="808080"/>
-                </a:solidFill>
-                <a:latin typeface="Consolas" panose="020B0609020204030204" pitchFamily="49" charset="0"/>
-              </a:rPr>
-              <a:t>join</a:t>
-            </a:r>
-            <a:r>
-              <a:rPr lang="en-US" sz="1400" dirty="0">
-                <a:solidFill>
-                  <a:prstClr val="black"/>
-                </a:solidFill>
-                <a:latin typeface="Consolas" panose="020B0609020204030204" pitchFamily="49" charset="0"/>
-              </a:rPr>
-              <a:t> </a:t>
-            </a:r>
-            <a:r>
-              <a:rPr lang="en-US" sz="1400" dirty="0" err="1">
-                <a:solidFill>
-                  <a:srgbClr val="008080"/>
-                </a:solidFill>
-                <a:latin typeface="Consolas" panose="020B0609020204030204" pitchFamily="49" charset="0"/>
-              </a:rPr>
-              <a:t>CorpDB</a:t>
-            </a:r>
-            <a:r>
-              <a:rPr lang="en-US" sz="1400" dirty="0" err="1">
-                <a:solidFill>
-                  <a:srgbClr val="808080"/>
-                </a:solidFill>
-                <a:latin typeface="Consolas" panose="020B0609020204030204" pitchFamily="49" charset="0"/>
-              </a:rPr>
-              <a:t>.</a:t>
-            </a:r>
-            <a:r>
-              <a:rPr lang="en-US" sz="1400" dirty="0" err="1">
-                <a:solidFill>
-                  <a:srgbClr val="008080"/>
-                </a:solidFill>
-                <a:latin typeface="Consolas" panose="020B0609020204030204" pitchFamily="49" charset="0"/>
-              </a:rPr>
-              <a:t>dbo</a:t>
-            </a:r>
-            <a:r>
-              <a:rPr lang="en-US" sz="1400" dirty="0" err="1">
-                <a:solidFill>
-                  <a:srgbClr val="808080"/>
-                </a:solidFill>
-                <a:latin typeface="Consolas" panose="020B0609020204030204" pitchFamily="49" charset="0"/>
-              </a:rPr>
-              <a:t>.</a:t>
-            </a:r>
-            <a:r>
-              <a:rPr lang="en-US" sz="1400" dirty="0" err="1">
-                <a:solidFill>
-                  <a:srgbClr val="008080"/>
-                </a:solidFill>
-                <a:latin typeface="Consolas" panose="020B0609020204030204" pitchFamily="49" charset="0"/>
-              </a:rPr>
-              <a:t>Customer</a:t>
-            </a:r>
-            <a:r>
-              <a:rPr lang="en-US" sz="1400" dirty="0">
-                <a:solidFill>
-                  <a:prstClr val="black"/>
-                </a:solidFill>
-                <a:latin typeface="Consolas" panose="020B0609020204030204" pitchFamily="49" charset="0"/>
-              </a:rPr>
-              <a:t> </a:t>
-            </a:r>
-            <a:r>
-              <a:rPr lang="en-US" sz="1400" dirty="0" err="1">
-                <a:solidFill>
-                  <a:srgbClr val="008080"/>
-                </a:solidFill>
-                <a:latin typeface="Consolas" panose="020B0609020204030204" pitchFamily="49" charset="0"/>
-              </a:rPr>
-              <a:t>cust</a:t>
-            </a:r>
-            <a:endParaRPr lang="en-US" sz="1400" dirty="0">
-              <a:solidFill>
-                <a:prstClr val="black"/>
-              </a:solidFill>
-              <a:latin typeface="Consolas" panose="020B0609020204030204" pitchFamily="49" charset="0"/>
-            </a:endParaRPr>
-          </a:p>
-          <a:p>
-            <a:r>
-              <a:rPr lang="en-US" sz="1400" dirty="0">
-                <a:solidFill>
-                  <a:srgbClr val="0000FF"/>
-                </a:solidFill>
-                <a:latin typeface="Consolas" panose="020B0609020204030204" pitchFamily="49" charset="0"/>
-              </a:rPr>
-              <a:t>on</a:t>
-            </a:r>
-            <a:r>
-              <a:rPr lang="en-US" sz="1400" dirty="0">
-                <a:solidFill>
-                  <a:prstClr val="black"/>
-                </a:solidFill>
-                <a:latin typeface="Consolas" panose="020B0609020204030204" pitchFamily="49" charset="0"/>
-              </a:rPr>
-              <a:t> </a:t>
-            </a:r>
-            <a:r>
-              <a:rPr lang="en-US" sz="1400" dirty="0" err="1">
-                <a:solidFill>
-                  <a:srgbClr val="008080"/>
-                </a:solidFill>
-                <a:latin typeface="Consolas" panose="020B0609020204030204" pitchFamily="49" charset="0"/>
-              </a:rPr>
-              <a:t>oh</a:t>
-            </a:r>
-            <a:r>
-              <a:rPr lang="en-US" sz="1400" dirty="0" err="1">
-                <a:solidFill>
-                  <a:srgbClr val="808080"/>
-                </a:solidFill>
-                <a:latin typeface="Consolas" panose="020B0609020204030204" pitchFamily="49" charset="0"/>
-              </a:rPr>
-              <a:t>.</a:t>
-            </a:r>
-            <a:r>
-              <a:rPr lang="en-US" sz="1400" dirty="0" err="1">
-                <a:solidFill>
-                  <a:srgbClr val="008080"/>
-                </a:solidFill>
-                <a:latin typeface="Consolas" panose="020B0609020204030204" pitchFamily="49" charset="0"/>
-              </a:rPr>
-              <a:t>CustomerId</a:t>
-            </a:r>
-            <a:r>
-              <a:rPr lang="en-US" sz="1400" dirty="0">
-                <a:solidFill>
-                  <a:prstClr val="black"/>
-                </a:solidFill>
-                <a:latin typeface="Consolas" panose="020B0609020204030204" pitchFamily="49" charset="0"/>
-              </a:rPr>
-              <a:t> </a:t>
-            </a:r>
-            <a:r>
-              <a:rPr lang="en-US" sz="1400" dirty="0">
-                <a:solidFill>
-                  <a:srgbClr val="808080"/>
-                </a:solidFill>
-                <a:latin typeface="Consolas" panose="020B0609020204030204" pitchFamily="49" charset="0"/>
-              </a:rPr>
-              <a:t>=</a:t>
-            </a:r>
-            <a:r>
-              <a:rPr lang="en-US" sz="1400" dirty="0">
-                <a:solidFill>
-                  <a:prstClr val="black"/>
-                </a:solidFill>
-                <a:latin typeface="Consolas" panose="020B0609020204030204" pitchFamily="49" charset="0"/>
-              </a:rPr>
-              <a:t> </a:t>
-            </a:r>
-            <a:r>
-              <a:rPr lang="en-US" sz="1400" dirty="0" err="1">
-                <a:solidFill>
-                  <a:srgbClr val="008080"/>
-                </a:solidFill>
-                <a:latin typeface="Consolas" panose="020B0609020204030204" pitchFamily="49" charset="0"/>
-              </a:rPr>
-              <a:t>cust</a:t>
-            </a:r>
-            <a:r>
-              <a:rPr lang="en-US" sz="1400" dirty="0" err="1">
-                <a:solidFill>
-                  <a:srgbClr val="808080"/>
-                </a:solidFill>
-                <a:latin typeface="Consolas" panose="020B0609020204030204" pitchFamily="49" charset="0"/>
-              </a:rPr>
-              <a:t>.</a:t>
-            </a:r>
-            <a:r>
-              <a:rPr lang="en-US" sz="1400" dirty="0" err="1">
-                <a:solidFill>
-                  <a:srgbClr val="008080"/>
-                </a:solidFill>
-                <a:latin typeface="Consolas" panose="020B0609020204030204" pitchFamily="49" charset="0"/>
-              </a:rPr>
-              <a:t>CustomerID</a:t>
-            </a:r>
-            <a:endParaRPr lang="en-US" sz="1400" dirty="0">
-              <a:solidFill>
-                <a:prstClr val="black"/>
-              </a:solidFill>
-              <a:latin typeface="Consolas" panose="020B0609020204030204" pitchFamily="49" charset="0"/>
-            </a:endParaRPr>
-          </a:p>
-          <a:p>
-            <a:r>
-              <a:rPr lang="en-US" sz="1400" dirty="0">
-                <a:solidFill>
-                  <a:srgbClr val="0000FF"/>
-                </a:solidFill>
-                <a:latin typeface="Consolas" panose="020B0609020204030204" pitchFamily="49" charset="0"/>
-              </a:rPr>
-              <a:t>where</a:t>
-            </a:r>
-            <a:r>
-              <a:rPr lang="en-US" sz="1400" dirty="0">
-                <a:solidFill>
-                  <a:prstClr val="black"/>
-                </a:solidFill>
-                <a:latin typeface="Consolas" panose="020B0609020204030204" pitchFamily="49" charset="0"/>
-              </a:rPr>
-              <a:t> </a:t>
-            </a:r>
-            <a:r>
-              <a:rPr lang="en-US" sz="1400" dirty="0" err="1">
-                <a:solidFill>
-                  <a:srgbClr val="008080"/>
-                </a:solidFill>
-                <a:latin typeface="Consolas" panose="020B0609020204030204" pitchFamily="49" charset="0"/>
-              </a:rPr>
-              <a:t>cust</a:t>
-            </a:r>
-            <a:r>
-              <a:rPr lang="en-US" sz="1400" dirty="0" err="1">
-                <a:solidFill>
-                  <a:srgbClr val="808080"/>
-                </a:solidFill>
-                <a:latin typeface="Consolas" panose="020B0609020204030204" pitchFamily="49" charset="0"/>
-              </a:rPr>
-              <a:t>.</a:t>
-            </a:r>
-            <a:r>
-              <a:rPr lang="en-US" sz="1400" dirty="0" err="1">
-                <a:solidFill>
-                  <a:srgbClr val="0000FF"/>
-                </a:solidFill>
-                <a:latin typeface="Consolas" panose="020B0609020204030204" pitchFamily="49" charset="0"/>
-              </a:rPr>
-              <a:t>State</a:t>
-            </a:r>
-            <a:r>
-              <a:rPr lang="en-US" sz="1400" dirty="0">
-                <a:solidFill>
-                  <a:prstClr val="black"/>
-                </a:solidFill>
-                <a:latin typeface="Consolas" panose="020B0609020204030204" pitchFamily="49" charset="0"/>
-              </a:rPr>
-              <a:t> </a:t>
-            </a:r>
-            <a:r>
-              <a:rPr lang="en-US" sz="1400" dirty="0">
-                <a:solidFill>
-                  <a:srgbClr val="808080"/>
-                </a:solidFill>
-                <a:latin typeface="Consolas" panose="020B0609020204030204" pitchFamily="49" charset="0"/>
-                <a:ea typeface="Calibri" panose="020F0502020204030204" pitchFamily="34" charset="0"/>
-                <a:cs typeface="Times New Roman" panose="02020603050405020304" pitchFamily="18" charset="0"/>
-              </a:rPr>
-              <a:t>in</a:t>
-            </a:r>
-            <a:r>
-              <a:rPr lang="en-US" sz="1400" dirty="0">
-                <a:latin typeface="Consolas" panose="020B0609020204030204" pitchFamily="49" charset="0"/>
-                <a:ea typeface="Calibri" panose="020F0502020204030204" pitchFamily="34" charset="0"/>
-                <a:cs typeface="Times New Roman" panose="02020603050405020304" pitchFamily="18" charset="0"/>
-              </a:rPr>
-              <a:t> (</a:t>
-            </a:r>
-            <a:r>
-              <a:rPr lang="en-US" sz="1400" dirty="0">
-                <a:solidFill>
-                  <a:srgbClr val="FF0000"/>
-                </a:solidFill>
-                <a:latin typeface="Consolas" panose="020B0609020204030204" pitchFamily="49" charset="0"/>
-                <a:ea typeface="Calibri" panose="020F0502020204030204" pitchFamily="34" charset="0"/>
-                <a:cs typeface="Times New Roman" panose="02020603050405020304" pitchFamily="18" charset="0"/>
-              </a:rPr>
-              <a:t>'KS', 'MO'</a:t>
-            </a:r>
-            <a:r>
-              <a:rPr lang="en-US" sz="1400" dirty="0">
-                <a:latin typeface="Consolas" panose="020B0609020204030204" pitchFamily="49" charset="0"/>
-                <a:ea typeface="Calibri" panose="020F0502020204030204" pitchFamily="34" charset="0"/>
-                <a:cs typeface="Times New Roman" panose="02020603050405020304" pitchFamily="18" charset="0"/>
-              </a:rPr>
-              <a:t>)</a:t>
-            </a:r>
-            <a:endParaRPr lang="en-US" sz="1400" dirty="0">
-              <a:solidFill>
-                <a:prstClr val="black"/>
-              </a:solidFill>
-              <a:latin typeface="Consolas" panose="020B0609020204030204" pitchFamily="49" charset="0"/>
-            </a:endParaRPr>
-          </a:p>
-          <a:p>
-            <a:r>
-              <a:rPr lang="en-US" sz="1400" dirty="0">
-                <a:solidFill>
-                  <a:srgbClr val="0000FF"/>
-                </a:solidFill>
-                <a:latin typeface="Consolas" panose="020B0609020204030204" pitchFamily="49" charset="0"/>
-              </a:rPr>
-              <a:t>group</a:t>
-            </a:r>
-            <a:r>
-              <a:rPr lang="en-US" sz="1400" dirty="0">
-                <a:solidFill>
-                  <a:prstClr val="black"/>
-                </a:solidFill>
-                <a:latin typeface="Consolas" panose="020B0609020204030204" pitchFamily="49" charset="0"/>
-              </a:rPr>
-              <a:t> </a:t>
-            </a:r>
-            <a:r>
-              <a:rPr lang="en-US" sz="1400" dirty="0">
-                <a:solidFill>
-                  <a:srgbClr val="0000FF"/>
-                </a:solidFill>
-                <a:latin typeface="Consolas" panose="020B0609020204030204" pitchFamily="49" charset="0"/>
-              </a:rPr>
-              <a:t>by</a:t>
-            </a:r>
-            <a:r>
-              <a:rPr lang="en-US" sz="1400" dirty="0">
-                <a:solidFill>
-                  <a:prstClr val="black"/>
-                </a:solidFill>
-                <a:latin typeface="Consolas" panose="020B0609020204030204" pitchFamily="49" charset="0"/>
-              </a:rPr>
-              <a:t> </a:t>
-            </a:r>
-            <a:r>
-              <a:rPr lang="en-US" sz="1400" dirty="0" err="1">
-                <a:solidFill>
-                  <a:srgbClr val="008080"/>
-                </a:solidFill>
-                <a:latin typeface="Consolas" panose="020B0609020204030204" pitchFamily="49" charset="0"/>
-              </a:rPr>
-              <a:t>od</a:t>
-            </a:r>
-            <a:r>
-              <a:rPr lang="en-US" sz="1400" dirty="0" err="1">
-                <a:solidFill>
-                  <a:srgbClr val="808080"/>
-                </a:solidFill>
-                <a:latin typeface="Consolas" panose="020B0609020204030204" pitchFamily="49" charset="0"/>
-              </a:rPr>
-              <a:t>.</a:t>
-            </a:r>
-            <a:r>
-              <a:rPr lang="en-US" sz="1400" dirty="0" err="1">
-                <a:solidFill>
-                  <a:srgbClr val="008080"/>
-                </a:solidFill>
-                <a:latin typeface="Consolas" panose="020B0609020204030204" pitchFamily="49" charset="0"/>
-              </a:rPr>
-              <a:t>ProductId</a:t>
-            </a:r>
-            <a:endParaRPr lang="en-US" sz="1400" dirty="0">
-              <a:solidFill>
-                <a:prstClr val="black"/>
-              </a:solidFill>
-              <a:latin typeface="Consolas" panose="020B0609020204030204" pitchFamily="49" charset="0"/>
-            </a:endParaRPr>
-          </a:p>
-          <a:p>
-            <a:r>
-              <a:rPr lang="en-US" sz="1400" dirty="0">
-                <a:solidFill>
-                  <a:srgbClr val="0000FF"/>
-                </a:solidFill>
-                <a:latin typeface="Consolas" panose="020B0609020204030204" pitchFamily="49" charset="0"/>
-              </a:rPr>
-              <a:t>having</a:t>
-            </a:r>
-            <a:r>
-              <a:rPr lang="en-US" sz="1400" dirty="0">
-                <a:solidFill>
-                  <a:prstClr val="black"/>
-                </a:solidFill>
-                <a:latin typeface="Consolas" panose="020B0609020204030204" pitchFamily="49" charset="0"/>
-              </a:rPr>
-              <a:t> </a:t>
-            </a:r>
-            <a:r>
-              <a:rPr lang="en-US" sz="1400" dirty="0">
-                <a:solidFill>
-                  <a:srgbClr val="FF00FF"/>
-                </a:solidFill>
-                <a:latin typeface="Consolas" panose="020B0609020204030204" pitchFamily="49" charset="0"/>
-              </a:rPr>
-              <a:t>sum</a:t>
-            </a:r>
-            <a:r>
-              <a:rPr lang="en-US" sz="1400" dirty="0">
-                <a:solidFill>
-                  <a:srgbClr val="808080"/>
-                </a:solidFill>
-                <a:latin typeface="Consolas" panose="020B0609020204030204" pitchFamily="49" charset="0"/>
-              </a:rPr>
-              <a:t>(</a:t>
-            </a:r>
-            <a:r>
-              <a:rPr lang="en-US" sz="1400" dirty="0" err="1">
-                <a:solidFill>
-                  <a:srgbClr val="008080"/>
-                </a:solidFill>
-                <a:latin typeface="Consolas" panose="020B0609020204030204" pitchFamily="49" charset="0"/>
-              </a:rPr>
-              <a:t>od</a:t>
-            </a:r>
-            <a:r>
-              <a:rPr lang="en-US" sz="1400" dirty="0" err="1">
-                <a:solidFill>
-                  <a:srgbClr val="808080"/>
-                </a:solidFill>
-                <a:latin typeface="Consolas" panose="020B0609020204030204" pitchFamily="49" charset="0"/>
-              </a:rPr>
-              <a:t>.</a:t>
-            </a:r>
-            <a:r>
-              <a:rPr lang="en-US" sz="1400" dirty="0" err="1">
-                <a:solidFill>
-                  <a:srgbClr val="008080"/>
-                </a:solidFill>
-                <a:latin typeface="Consolas" panose="020B0609020204030204" pitchFamily="49" charset="0"/>
-              </a:rPr>
-              <a:t>Quantity</a:t>
-            </a:r>
-            <a:r>
-              <a:rPr lang="en-US" sz="1400" dirty="0">
-                <a:solidFill>
-                  <a:srgbClr val="808080"/>
-                </a:solidFill>
-                <a:latin typeface="Consolas" panose="020B0609020204030204" pitchFamily="49" charset="0"/>
-              </a:rPr>
-              <a:t>)</a:t>
-            </a:r>
-            <a:r>
-              <a:rPr lang="en-US" sz="1400" dirty="0">
-                <a:solidFill>
-                  <a:prstClr val="black"/>
-                </a:solidFill>
-                <a:latin typeface="Consolas" panose="020B0609020204030204" pitchFamily="49" charset="0"/>
-              </a:rPr>
-              <a:t> </a:t>
-            </a:r>
-            <a:r>
-              <a:rPr lang="en-US" sz="1400" dirty="0">
-                <a:solidFill>
-                  <a:srgbClr val="808080"/>
-                </a:solidFill>
-                <a:latin typeface="Consolas" panose="020B0609020204030204" pitchFamily="49" charset="0"/>
-              </a:rPr>
-              <a:t>&gt;=</a:t>
-            </a:r>
-            <a:r>
-              <a:rPr lang="en-US" sz="1400" dirty="0">
-                <a:solidFill>
-                  <a:prstClr val="black"/>
-                </a:solidFill>
-                <a:latin typeface="Consolas" panose="020B0609020204030204" pitchFamily="49" charset="0"/>
-              </a:rPr>
-              <a:t> 20</a:t>
-            </a:r>
-          </a:p>
-          <a:p>
-            <a:r>
-              <a:rPr lang="en-US" sz="1400" dirty="0">
-                <a:solidFill>
-                  <a:srgbClr val="0000FF"/>
-                </a:solidFill>
-                <a:latin typeface="Consolas" panose="020B0609020204030204" pitchFamily="49" charset="0"/>
-              </a:rPr>
-              <a:t>order</a:t>
-            </a:r>
-            <a:r>
-              <a:rPr lang="en-US" sz="1400" dirty="0">
-                <a:solidFill>
-                  <a:prstClr val="black"/>
-                </a:solidFill>
-                <a:latin typeface="Consolas" panose="020B0609020204030204" pitchFamily="49" charset="0"/>
-              </a:rPr>
-              <a:t> </a:t>
-            </a:r>
-            <a:r>
-              <a:rPr lang="en-US" sz="1400" dirty="0">
-                <a:solidFill>
-                  <a:srgbClr val="0000FF"/>
-                </a:solidFill>
-                <a:latin typeface="Consolas" panose="020B0609020204030204" pitchFamily="49" charset="0"/>
-              </a:rPr>
-              <a:t>by</a:t>
-            </a:r>
-            <a:r>
-              <a:rPr lang="en-US" sz="1400" dirty="0">
-                <a:solidFill>
-                  <a:prstClr val="black"/>
-                </a:solidFill>
-                <a:latin typeface="Consolas" panose="020B0609020204030204" pitchFamily="49" charset="0"/>
-              </a:rPr>
-              <a:t> </a:t>
-            </a:r>
-            <a:r>
-              <a:rPr lang="en-US" sz="1400" dirty="0" err="1">
-                <a:solidFill>
-                  <a:srgbClr val="008080"/>
-                </a:solidFill>
-                <a:latin typeface="Consolas" panose="020B0609020204030204" pitchFamily="49" charset="0"/>
-              </a:rPr>
-              <a:t>od</a:t>
-            </a:r>
-            <a:r>
-              <a:rPr lang="en-US" sz="1400" dirty="0" err="1">
-                <a:solidFill>
-                  <a:srgbClr val="808080"/>
-                </a:solidFill>
-                <a:latin typeface="Consolas" panose="020B0609020204030204" pitchFamily="49" charset="0"/>
-              </a:rPr>
-              <a:t>.</a:t>
-            </a:r>
-            <a:r>
-              <a:rPr lang="en-US" sz="1400" dirty="0" err="1">
-                <a:solidFill>
-                  <a:srgbClr val="008080"/>
-                </a:solidFill>
-                <a:latin typeface="Consolas" panose="020B0609020204030204" pitchFamily="49" charset="0"/>
-              </a:rPr>
-              <a:t>ProductId</a:t>
-            </a:r>
-            <a:r>
-              <a:rPr lang="en-US" sz="1400" dirty="0">
-                <a:solidFill>
-                  <a:srgbClr val="808080"/>
-                </a:solidFill>
-                <a:latin typeface="Consolas" panose="020B0609020204030204" pitchFamily="49" charset="0"/>
-              </a:rPr>
-              <a:t>;</a:t>
-            </a:r>
-            <a:endParaRPr lang="en-US" sz="1400" dirty="0">
-              <a:solidFill>
-                <a:prstClr val="black"/>
-              </a:solidFill>
-              <a:latin typeface="Consolas" panose="020B0609020204030204" pitchFamily="49" charset="0"/>
-            </a:endParaRPr>
+              <a:rPr lang="en-US" dirty="0"/>
+              <a:t>Memory grants</a:t>
+            </a:r>
+          </a:p>
+          <a:p>
+            <a:r>
+              <a:rPr lang="en-US" dirty="0"/>
+              <a:t>Costing</a:t>
+            </a:r>
+          </a:p>
+          <a:p>
+            <a:pPr lvl="1"/>
+            <a:r>
+              <a:rPr lang="en-US" dirty="0"/>
+              <a:t>Cold cache</a:t>
+            </a:r>
+          </a:p>
+          <a:p>
+            <a:pPr lvl="1"/>
+            <a:r>
+              <a:rPr lang="en-US" dirty="0"/>
+              <a:t>Sequential vs random I/O</a:t>
+            </a:r>
+          </a:p>
+          <a:p>
+            <a:pPr lvl="2"/>
+            <a:r>
+              <a:rPr lang="en-US" dirty="0"/>
+              <a:t>But not the nature of the I/O subsystem</a:t>
+            </a:r>
+          </a:p>
+          <a:p>
+            <a:pPr lvl="1"/>
+            <a:r>
+              <a:rPr lang="en-US" dirty="0"/>
+              <a:t>CPU costs, core count, available memory</a:t>
+            </a:r>
+          </a:p>
+          <a:p>
+            <a:pPr lvl="1"/>
+            <a:r>
+              <a:rPr lang="en-US" dirty="0"/>
+              <a:t>Cardinality estimator</a:t>
+            </a:r>
+          </a:p>
+          <a:p>
+            <a:pPr lvl="1"/>
+            <a:r>
+              <a:rPr lang="en-US" dirty="0"/>
+              <a:t>What do cost units really mean?</a:t>
+            </a:r>
           </a:p>
         </p:txBody>
       </p:sp>
-      <p:sp>
-        <p:nvSpPr>
-          <p:cNvPr id="6" name="Oval 5"/>
-          <p:cNvSpPr/>
-          <p:nvPr/>
-        </p:nvSpPr>
-        <p:spPr>
-          <a:xfrm>
-            <a:off x="8378792" y="542942"/>
-            <a:ext cx="616016" cy="606391"/>
-          </a:xfrm>
-          <a:prstGeom prst="ellipse">
-            <a:avLst/>
-          </a:prstGeom>
-        </p:spPr>
-        <p:style>
-          <a:lnRef idx="1">
-            <a:schemeClr val="accent1"/>
-          </a:lnRef>
-          <a:fillRef idx="3">
-            <a:schemeClr val="accent1"/>
-          </a:fillRef>
-          <a:effectRef idx="2">
-            <a:schemeClr val="accent1"/>
-          </a:effectRef>
-          <a:fontRef idx="minor">
-            <a:schemeClr val="lt1"/>
-          </a:fontRef>
-        </p:style>
-        <p:txBody>
-          <a:bodyPr rtlCol="0" anchor="ctr"/>
-          <a:lstStyle/>
-          <a:p>
-            <a:pPr algn="ctr"/>
-            <a:r>
-              <a:rPr lang="en-US" sz="1600" dirty="0"/>
-              <a:t>11</a:t>
-            </a:r>
-          </a:p>
-        </p:txBody>
-      </p:sp>
-      <p:pic>
-        <p:nvPicPr>
-          <p:cNvPr id="3" name="Picture 2"/>
-          <p:cNvPicPr>
-            <a:picLocks noChangeAspect="1"/>
-          </p:cNvPicPr>
-          <p:nvPr/>
-        </p:nvPicPr>
-        <p:blipFill>
-          <a:blip r:embed="rId3"/>
-          <a:stretch>
-            <a:fillRect/>
-          </a:stretch>
-        </p:blipFill>
-        <p:spPr>
-          <a:xfrm>
-            <a:off x="3246120" y="539496"/>
-            <a:ext cx="5428419" cy="5678424"/>
-          </a:xfrm>
-          <a:prstGeom prst="rect">
-            <a:avLst/>
-          </a:prstGeom>
-        </p:spPr>
-      </p:pic>
     </p:spTree>
     <p:extLst>
       <p:ext uri="{BB962C8B-B14F-4D97-AF65-F5344CB8AC3E}">
-        <p14:creationId xmlns:p14="http://schemas.microsoft.com/office/powerpoint/2010/main" val="1751467117"/>
+        <p14:creationId xmlns:p14="http://schemas.microsoft.com/office/powerpoint/2010/main" val="3650632215"/>
       </p:ext>
     </p:extLst>
   </p:cSld>
   <p:clrMapOvr>
     <a:masterClrMapping/>
   </p:clrMapOvr>
+  <mc:AlternateContent xmlns:mc="http://schemas.openxmlformats.org/markup-compatibility/2006">
+    <mc:Choice xmlns:p14="http://schemas.microsoft.com/office/powerpoint/2010/main" Requires="p14">
+      <p:transition spd="slow" p14:dur="2000"/>
+    </mc:Choice>
+    <mc:Fallback>
+      <p:transition spd="slow"/>
+    </mc:Fallback>
+  </mc:AlternateContent>
 </p:sld>
 </file>
 
@@ -38549,14 +38745,14 @@
                 <a:gridCol w="957714">
                   <a:extLst>
                     <a:ext uri="{9D8B030D-6E8A-4147-A177-3AD203B41FA5}">
-                      <a16:colId xmlns:a16="http://schemas.microsoft.com/office/drawing/2014/main" val="3940544257"/>
+                      <a16:colId xmlns:a16="http://schemas.microsoft.com/office/drawing/2014/main" xmlns="" val="3940544257"/>
                     </a:ext>
                   </a:extLst>
                 </a:gridCol>
                 <a:gridCol w="2464067">
                   <a:extLst>
                     <a:ext uri="{9D8B030D-6E8A-4147-A177-3AD203B41FA5}">
-                      <a16:colId xmlns:a16="http://schemas.microsoft.com/office/drawing/2014/main" val="3658567973"/>
+                      <a16:colId xmlns:a16="http://schemas.microsoft.com/office/drawing/2014/main" xmlns="" val="3658567973"/>
                     </a:ext>
                   </a:extLst>
                 </a:gridCol>
@@ -38590,7 +38786,7 @@
                 </a:tc>
                 <a:extLst>
                   <a:ext uri="{0D108BD9-81ED-4DB2-BD59-A6C34878D82A}">
-                    <a16:rowId xmlns:a16="http://schemas.microsoft.com/office/drawing/2014/main" val="1032275335"/>
+                    <a16:rowId xmlns:a16="http://schemas.microsoft.com/office/drawing/2014/main" xmlns="" val="1032275335"/>
                   </a:ext>
                 </a:extLst>
               </a:tr>
@@ -38720,7 +38916,7 @@
                 </a:tc>
                 <a:extLst>
                   <a:ext uri="{0D108BD9-81ED-4DB2-BD59-A6C34878D82A}">
-                    <a16:rowId xmlns:a16="http://schemas.microsoft.com/office/drawing/2014/main" val="4191484087"/>
+                    <a16:rowId xmlns:a16="http://schemas.microsoft.com/office/drawing/2014/main" xmlns="" val="4191484087"/>
                   </a:ext>
                 </a:extLst>
               </a:tr>
@@ -38794,7 +38990,7 @@
                 </a:tc>
                 <a:extLst>
                   <a:ext uri="{0D108BD9-81ED-4DB2-BD59-A6C34878D82A}">
-                    <a16:rowId xmlns:a16="http://schemas.microsoft.com/office/drawing/2014/main" val="1864588626"/>
+                    <a16:rowId xmlns:a16="http://schemas.microsoft.com/office/drawing/2014/main" xmlns="" val="1864588626"/>
                   </a:ext>
                 </a:extLst>
               </a:tr>
@@ -38916,7 +39112,7 @@
                 </a:tc>
                 <a:extLst>
                   <a:ext uri="{0D108BD9-81ED-4DB2-BD59-A6C34878D82A}">
-                    <a16:rowId xmlns:a16="http://schemas.microsoft.com/office/drawing/2014/main" val="3035259714"/>
+                    <a16:rowId xmlns:a16="http://schemas.microsoft.com/office/drawing/2014/main" xmlns="" val="3035259714"/>
                   </a:ext>
                 </a:extLst>
               </a:tr>
@@ -39005,7 +39201,7 @@
                 </a:tc>
                 <a:extLst>
                   <a:ext uri="{0D108BD9-81ED-4DB2-BD59-A6C34878D82A}">
-                    <a16:rowId xmlns:a16="http://schemas.microsoft.com/office/drawing/2014/main" val="2023621082"/>
+                    <a16:rowId xmlns:a16="http://schemas.microsoft.com/office/drawing/2014/main" xmlns="" val="2023621082"/>
                   </a:ext>
                 </a:extLst>
               </a:tr>
@@ -39094,7 +39290,7 @@
                 </a:tc>
                 <a:extLst>
                   <a:ext uri="{0D108BD9-81ED-4DB2-BD59-A6C34878D82A}">
-                    <a16:rowId xmlns:a16="http://schemas.microsoft.com/office/drawing/2014/main" val="120016333"/>
+                    <a16:rowId xmlns:a16="http://schemas.microsoft.com/office/drawing/2014/main" xmlns="" val="120016333"/>
                   </a:ext>
                 </a:extLst>
               </a:tr>
@@ -39239,21 +39435,21 @@
                 <a:gridCol w="960120">
                   <a:extLst>
                     <a:ext uri="{9D8B030D-6E8A-4147-A177-3AD203B41FA5}">
-                      <a16:colId xmlns:a16="http://schemas.microsoft.com/office/drawing/2014/main" val="392696932"/>
+                      <a16:colId xmlns:a16="http://schemas.microsoft.com/office/drawing/2014/main" xmlns="" val="392696932"/>
                     </a:ext>
                   </a:extLst>
                 </a:gridCol>
                 <a:gridCol w="2468880">
                   <a:extLst>
                     <a:ext uri="{9D8B030D-6E8A-4147-A177-3AD203B41FA5}">
-                      <a16:colId xmlns:a16="http://schemas.microsoft.com/office/drawing/2014/main" val="2769969192"/>
+                      <a16:colId xmlns:a16="http://schemas.microsoft.com/office/drawing/2014/main" xmlns="" val="2769969192"/>
                     </a:ext>
                   </a:extLst>
                 </a:gridCol>
                 <a:gridCol w="2468880">
                   <a:extLst>
                     <a:ext uri="{9D8B030D-6E8A-4147-A177-3AD203B41FA5}">
-                      <a16:colId xmlns:a16="http://schemas.microsoft.com/office/drawing/2014/main" val="2022610816"/>
+                      <a16:colId xmlns:a16="http://schemas.microsoft.com/office/drawing/2014/main" xmlns="" val="2022610816"/>
                     </a:ext>
                   </a:extLst>
                 </a:gridCol>
@@ -39305,7 +39501,7 @@
                 </a:tc>
                 <a:extLst>
                   <a:ext uri="{0D108BD9-81ED-4DB2-BD59-A6C34878D82A}">
-                    <a16:rowId xmlns:a16="http://schemas.microsoft.com/office/drawing/2014/main" val="2344937666"/>
+                    <a16:rowId xmlns:a16="http://schemas.microsoft.com/office/drawing/2014/main" xmlns="" val="2344937666"/>
                   </a:ext>
                 </a:extLst>
               </a:tr>
@@ -39438,7 +39634,7 @@
                 </a:tc>
                 <a:extLst>
                   <a:ext uri="{0D108BD9-81ED-4DB2-BD59-A6C34878D82A}">
-                    <a16:rowId xmlns:a16="http://schemas.microsoft.com/office/drawing/2014/main" val="1917341330"/>
+                    <a16:rowId xmlns:a16="http://schemas.microsoft.com/office/drawing/2014/main" xmlns="" val="1917341330"/>
                   </a:ext>
                 </a:extLst>
               </a:tr>
@@ -39655,7 +39851,7 @@
                 </a:tc>
                 <a:extLst>
                   <a:ext uri="{0D108BD9-81ED-4DB2-BD59-A6C34878D82A}">
-                    <a16:rowId xmlns:a16="http://schemas.microsoft.com/office/drawing/2014/main" val="3088042860"/>
+                    <a16:rowId xmlns:a16="http://schemas.microsoft.com/office/drawing/2014/main" xmlns="" val="3088042860"/>
                   </a:ext>
                 </a:extLst>
               </a:tr>
@@ -39739,7 +39935,7 @@
                 </a:tc>
                 <a:extLst>
                   <a:ext uri="{0D108BD9-81ED-4DB2-BD59-A6C34878D82A}">
-                    <a16:rowId xmlns:a16="http://schemas.microsoft.com/office/drawing/2014/main" val="2658530722"/>
+                    <a16:rowId xmlns:a16="http://schemas.microsoft.com/office/drawing/2014/main" xmlns="" val="2658530722"/>
                   </a:ext>
                 </a:extLst>
               </a:tr>
@@ -39871,7 +40067,7 @@
                 </a:tc>
                 <a:extLst>
                   <a:ext uri="{0D108BD9-81ED-4DB2-BD59-A6C34878D82A}">
-                    <a16:rowId xmlns:a16="http://schemas.microsoft.com/office/drawing/2014/main" val="1481886367"/>
+                    <a16:rowId xmlns:a16="http://schemas.microsoft.com/office/drawing/2014/main" xmlns="" val="1481886367"/>
                   </a:ext>
                 </a:extLst>
               </a:tr>
@@ -39970,7 +40166,7 @@
                 </a:tc>
                 <a:extLst>
                   <a:ext uri="{0D108BD9-81ED-4DB2-BD59-A6C34878D82A}">
-                    <a16:rowId xmlns:a16="http://schemas.microsoft.com/office/drawing/2014/main" val="4248384778"/>
+                    <a16:rowId xmlns:a16="http://schemas.microsoft.com/office/drawing/2014/main" xmlns="" val="4248384778"/>
                   </a:ext>
                 </a:extLst>
               </a:tr>
@@ -40069,7 +40265,7 @@
                 </a:tc>
                 <a:extLst>
                   <a:ext uri="{0D108BD9-81ED-4DB2-BD59-A6C34878D82A}">
-                    <a16:rowId xmlns:a16="http://schemas.microsoft.com/office/drawing/2014/main" val="1670483340"/>
+                    <a16:rowId xmlns:a16="http://schemas.microsoft.com/office/drawing/2014/main" xmlns="" val="1670483340"/>
                   </a:ext>
                 </a:extLst>
               </a:tr>
@@ -40214,28 +40410,28 @@
                 <a:gridCol w="960120">
                   <a:extLst>
                     <a:ext uri="{9D8B030D-6E8A-4147-A177-3AD203B41FA5}">
-                      <a16:colId xmlns:a16="http://schemas.microsoft.com/office/drawing/2014/main" val="392696932"/>
+                      <a16:colId xmlns:a16="http://schemas.microsoft.com/office/drawing/2014/main" xmlns="" val="392696932"/>
                     </a:ext>
                   </a:extLst>
                 </a:gridCol>
                 <a:gridCol w="2468880">
                   <a:extLst>
                     <a:ext uri="{9D8B030D-6E8A-4147-A177-3AD203B41FA5}">
-                      <a16:colId xmlns:a16="http://schemas.microsoft.com/office/drawing/2014/main" val="2769969192"/>
+                      <a16:colId xmlns:a16="http://schemas.microsoft.com/office/drawing/2014/main" xmlns="" val="2769969192"/>
                     </a:ext>
                   </a:extLst>
                 </a:gridCol>
                 <a:gridCol w="2468880">
                   <a:extLst>
                     <a:ext uri="{9D8B030D-6E8A-4147-A177-3AD203B41FA5}">
-                      <a16:colId xmlns:a16="http://schemas.microsoft.com/office/drawing/2014/main" val="2022610816"/>
+                      <a16:colId xmlns:a16="http://schemas.microsoft.com/office/drawing/2014/main" xmlns="" val="2022610816"/>
                     </a:ext>
                   </a:extLst>
                 </a:gridCol>
                 <a:gridCol w="2468880">
                   <a:extLst>
                     <a:ext uri="{9D8B030D-6E8A-4147-A177-3AD203B41FA5}">
-                      <a16:colId xmlns:a16="http://schemas.microsoft.com/office/drawing/2014/main" val="102813283"/>
+                      <a16:colId xmlns:a16="http://schemas.microsoft.com/office/drawing/2014/main" xmlns="" val="102813283"/>
                     </a:ext>
                   </a:extLst>
                 </a:gridCol>
@@ -40300,7 +40496,7 @@
                 </a:tc>
                 <a:extLst>
                   <a:ext uri="{0D108BD9-81ED-4DB2-BD59-A6C34878D82A}">
-                    <a16:rowId xmlns:a16="http://schemas.microsoft.com/office/drawing/2014/main" val="2344937666"/>
+                    <a16:rowId xmlns:a16="http://schemas.microsoft.com/office/drawing/2014/main" xmlns="" val="2344937666"/>
                   </a:ext>
                 </a:extLst>
               </a:tr>
@@ -40460,7 +40656,7 @@
                 </a:tc>
                 <a:extLst>
                   <a:ext uri="{0D108BD9-81ED-4DB2-BD59-A6C34878D82A}">
-                    <a16:rowId xmlns:a16="http://schemas.microsoft.com/office/drawing/2014/main" val="1917341330"/>
+                    <a16:rowId xmlns:a16="http://schemas.microsoft.com/office/drawing/2014/main" xmlns="" val="1917341330"/>
                   </a:ext>
                 </a:extLst>
               </a:tr>
@@ -40764,7 +40960,7 @@
                 </a:tc>
                 <a:extLst>
                   <a:ext uri="{0D108BD9-81ED-4DB2-BD59-A6C34878D82A}">
-                    <a16:rowId xmlns:a16="http://schemas.microsoft.com/office/drawing/2014/main" val="3088042860"/>
+                    <a16:rowId xmlns:a16="http://schemas.microsoft.com/office/drawing/2014/main" xmlns="" val="3088042860"/>
                   </a:ext>
                 </a:extLst>
               </a:tr>
@@ -40858,7 +41054,7 @@
                 </a:tc>
                 <a:extLst>
                   <a:ext uri="{0D108BD9-81ED-4DB2-BD59-A6C34878D82A}">
-                    <a16:rowId xmlns:a16="http://schemas.microsoft.com/office/drawing/2014/main" val="2658530722"/>
+                    <a16:rowId xmlns:a16="http://schemas.microsoft.com/office/drawing/2014/main" xmlns="" val="2658530722"/>
                   </a:ext>
                 </a:extLst>
               </a:tr>
@@ -41051,7 +41247,7 @@
                 </a:tc>
                 <a:extLst>
                   <a:ext uri="{0D108BD9-81ED-4DB2-BD59-A6C34878D82A}">
-                    <a16:rowId xmlns:a16="http://schemas.microsoft.com/office/drawing/2014/main" val="1481886367"/>
+                    <a16:rowId xmlns:a16="http://schemas.microsoft.com/office/drawing/2014/main" xmlns="" val="1481886367"/>
                   </a:ext>
                 </a:extLst>
               </a:tr>
@@ -41160,7 +41356,7 @@
                 </a:tc>
                 <a:extLst>
                   <a:ext uri="{0D108BD9-81ED-4DB2-BD59-A6C34878D82A}">
-                    <a16:rowId xmlns:a16="http://schemas.microsoft.com/office/drawing/2014/main" val="4248384778"/>
+                    <a16:rowId xmlns:a16="http://schemas.microsoft.com/office/drawing/2014/main" xmlns="" val="4248384778"/>
                   </a:ext>
                 </a:extLst>
               </a:tr>
@@ -41269,7 +41465,7 @@
                 </a:tc>
                 <a:extLst>
                   <a:ext uri="{0D108BD9-81ED-4DB2-BD59-A6C34878D82A}">
-                    <a16:rowId xmlns:a16="http://schemas.microsoft.com/office/drawing/2014/main" val="1670483340"/>
+                    <a16:rowId xmlns:a16="http://schemas.microsoft.com/office/drawing/2014/main" xmlns="" val="1670483340"/>
                   </a:ext>
                 </a:extLst>
               </a:tr>
@@ -41606,7 +41802,7 @@
 </file>
 
 <file path=ppt/slides/slide6.xml><?xml version="1.0" encoding="utf-8"?>
-<p:sld xmlns:a="http://schemas.openxmlformats.org/drawingml/2006/main" xmlns:r="http://schemas.openxmlformats.org/officeDocument/2006/relationships" xmlns:p="http://schemas.openxmlformats.org/presentationml/2006/main">
+<p:sld xmlns:a="http://schemas.openxmlformats.org/drawingml/2006/main" xmlns:r="http://schemas.openxmlformats.org/officeDocument/2006/relationships" xmlns:p="http://schemas.openxmlformats.org/presentationml/2006/main" show="0">
   <p:cSld>
     <p:spTree>
       <p:nvGrpSpPr>
@@ -42227,6 +42423,14 @@
   <p:clrMapOvr>
     <a:masterClrMapping/>
   </p:clrMapOvr>
+  <mc:AlternateContent xmlns:mc="http://schemas.openxmlformats.org/markup-compatibility/2006">
+    <mc:Choice xmlns:p14="http://schemas.microsoft.com/office/powerpoint/2010/main" Requires="p14">
+      <p:transition spd="slow" p14:dur="2000"/>
+    </mc:Choice>
+    <mc:Fallback>
+      <p:transition spd="slow"/>
+    </mc:Fallback>
+  </mc:AlternateContent>
 </p:sld>
 </file>
 
@@ -42298,14 +42502,14 @@
                 <a:gridCol w="934278">
                   <a:extLst>
                     <a:ext uri="{9D8B030D-6E8A-4147-A177-3AD203B41FA5}">
-                      <a16:colId xmlns:a16="http://schemas.microsoft.com/office/drawing/2014/main" val="4198655800"/>
+                      <a16:colId xmlns:a16="http://schemas.microsoft.com/office/drawing/2014/main" xmlns="" val="4198655800"/>
                     </a:ext>
                   </a:extLst>
                 </a:gridCol>
                 <a:gridCol w="7295322">
                   <a:extLst>
                     <a:ext uri="{9D8B030D-6E8A-4147-A177-3AD203B41FA5}">
-                      <a16:colId xmlns:a16="http://schemas.microsoft.com/office/drawing/2014/main" val="135413862"/>
+                      <a16:colId xmlns:a16="http://schemas.microsoft.com/office/drawing/2014/main" xmlns="" val="135413862"/>
                     </a:ext>
                   </a:extLst>
                 </a:gridCol>
@@ -42339,7 +42543,7 @@
                 </a:tc>
                 <a:extLst>
                   <a:ext uri="{0D108BD9-81ED-4DB2-BD59-A6C34878D82A}">
-                    <a16:rowId xmlns:a16="http://schemas.microsoft.com/office/drawing/2014/main" val="3068323444"/>
+                    <a16:rowId xmlns:a16="http://schemas.microsoft.com/office/drawing/2014/main" xmlns="" val="3068323444"/>
                   </a:ext>
                 </a:extLst>
               </a:tr>
@@ -42372,7 +42576,7 @@
                 </a:tc>
                 <a:extLst>
                   <a:ext uri="{0D108BD9-81ED-4DB2-BD59-A6C34878D82A}">
-                    <a16:rowId xmlns:a16="http://schemas.microsoft.com/office/drawing/2014/main" val="1586961909"/>
+                    <a16:rowId xmlns:a16="http://schemas.microsoft.com/office/drawing/2014/main" xmlns="" val="1586961909"/>
                   </a:ext>
                 </a:extLst>
               </a:tr>
@@ -42410,7 +42614,7 @@
                 </a:tc>
                 <a:extLst>
                   <a:ext uri="{0D108BD9-81ED-4DB2-BD59-A6C34878D82A}">
-                    <a16:rowId xmlns:a16="http://schemas.microsoft.com/office/drawing/2014/main" val="2280300197"/>
+                    <a16:rowId xmlns:a16="http://schemas.microsoft.com/office/drawing/2014/main" xmlns="" val="2280300197"/>
                   </a:ext>
                 </a:extLst>
               </a:tr>
@@ -42448,7 +42652,7 @@
                 </a:tc>
                 <a:extLst>
                   <a:ext uri="{0D108BD9-81ED-4DB2-BD59-A6C34878D82A}">
-                    <a16:rowId xmlns:a16="http://schemas.microsoft.com/office/drawing/2014/main" val="1192843310"/>
+                    <a16:rowId xmlns:a16="http://schemas.microsoft.com/office/drawing/2014/main" xmlns="" val="1192843310"/>
                   </a:ext>
                 </a:extLst>
               </a:tr>
@@ -42486,7 +42690,7 @@
                 </a:tc>
                 <a:extLst>
                   <a:ext uri="{0D108BD9-81ED-4DB2-BD59-A6C34878D82A}">
-                    <a16:rowId xmlns:a16="http://schemas.microsoft.com/office/drawing/2014/main" val="2620585158"/>
+                    <a16:rowId xmlns:a16="http://schemas.microsoft.com/office/drawing/2014/main" xmlns="" val="2620585158"/>
                   </a:ext>
                 </a:extLst>
               </a:tr>
@@ -42519,7 +42723,7 @@
                 </a:tc>
                 <a:extLst>
                   <a:ext uri="{0D108BD9-81ED-4DB2-BD59-A6C34878D82A}">
-                    <a16:rowId xmlns:a16="http://schemas.microsoft.com/office/drawing/2014/main" val="1697738616"/>
+                    <a16:rowId xmlns:a16="http://schemas.microsoft.com/office/drawing/2014/main" xmlns="" val="1697738616"/>
                   </a:ext>
                 </a:extLst>
               </a:tr>
@@ -42557,7 +42761,7 @@
                 </a:tc>
                 <a:extLst>
                   <a:ext uri="{0D108BD9-81ED-4DB2-BD59-A6C34878D82A}">
-                    <a16:rowId xmlns:a16="http://schemas.microsoft.com/office/drawing/2014/main" val="316611556"/>
+                    <a16:rowId xmlns:a16="http://schemas.microsoft.com/office/drawing/2014/main" xmlns="" val="316611556"/>
                   </a:ext>
                 </a:extLst>
               </a:tr>
@@ -42590,7 +42794,7 @@
                 </a:tc>
                 <a:extLst>
                   <a:ext uri="{0D108BD9-81ED-4DB2-BD59-A6C34878D82A}">
-                    <a16:rowId xmlns:a16="http://schemas.microsoft.com/office/drawing/2014/main" val="1312814102"/>
+                    <a16:rowId xmlns:a16="http://schemas.microsoft.com/office/drawing/2014/main" xmlns="" val="1312814102"/>
                   </a:ext>
                 </a:extLst>
               </a:tr>
@@ -42623,7 +42827,7 @@
                 </a:tc>
                 <a:extLst>
                   <a:ext uri="{0D108BD9-81ED-4DB2-BD59-A6C34878D82A}">
-                    <a16:rowId xmlns:a16="http://schemas.microsoft.com/office/drawing/2014/main" val="1975533996"/>
+                    <a16:rowId xmlns:a16="http://schemas.microsoft.com/office/drawing/2014/main" xmlns="" val="1975533996"/>
                   </a:ext>
                 </a:extLst>
               </a:tr>
@@ -42656,7 +42860,7 @@
                 </a:tc>
                 <a:extLst>
                   <a:ext uri="{0D108BD9-81ED-4DB2-BD59-A6C34878D82A}">
-                    <a16:rowId xmlns:a16="http://schemas.microsoft.com/office/drawing/2014/main" val="2759032957"/>
+                    <a16:rowId xmlns:a16="http://schemas.microsoft.com/office/drawing/2014/main" xmlns="" val="2759032957"/>
                   </a:ext>
                 </a:extLst>
               </a:tr>
@@ -42745,14 +42949,14 @@
                 <a:gridCol w="934278">
                   <a:extLst>
                     <a:ext uri="{9D8B030D-6E8A-4147-A177-3AD203B41FA5}">
-                      <a16:colId xmlns:a16="http://schemas.microsoft.com/office/drawing/2014/main" val="4198655800"/>
+                      <a16:colId xmlns:a16="http://schemas.microsoft.com/office/drawing/2014/main" xmlns="" val="4198655800"/>
                     </a:ext>
                   </a:extLst>
                 </a:gridCol>
                 <a:gridCol w="7295322">
                   <a:extLst>
                     <a:ext uri="{9D8B030D-6E8A-4147-A177-3AD203B41FA5}">
-                      <a16:colId xmlns:a16="http://schemas.microsoft.com/office/drawing/2014/main" val="135413862"/>
+                      <a16:colId xmlns:a16="http://schemas.microsoft.com/office/drawing/2014/main" xmlns="" val="135413862"/>
                     </a:ext>
                   </a:extLst>
                 </a:gridCol>
@@ -42786,7 +42990,7 @@
                 </a:tc>
                 <a:extLst>
                   <a:ext uri="{0D108BD9-81ED-4DB2-BD59-A6C34878D82A}">
-                    <a16:rowId xmlns:a16="http://schemas.microsoft.com/office/drawing/2014/main" val="3068323444"/>
+                    <a16:rowId xmlns:a16="http://schemas.microsoft.com/office/drawing/2014/main" xmlns="" val="3068323444"/>
                   </a:ext>
                 </a:extLst>
               </a:tr>
@@ -42819,7 +43023,7 @@
                 </a:tc>
                 <a:extLst>
                   <a:ext uri="{0D108BD9-81ED-4DB2-BD59-A6C34878D82A}">
-                    <a16:rowId xmlns:a16="http://schemas.microsoft.com/office/drawing/2014/main" val="2484981654"/>
+                    <a16:rowId xmlns:a16="http://schemas.microsoft.com/office/drawing/2014/main" xmlns="" val="2484981654"/>
                   </a:ext>
                 </a:extLst>
               </a:tr>
@@ -42857,7 +43061,7 @@
                 </a:tc>
                 <a:extLst>
                   <a:ext uri="{0D108BD9-81ED-4DB2-BD59-A6C34878D82A}">
-                    <a16:rowId xmlns:a16="http://schemas.microsoft.com/office/drawing/2014/main" val="1377910784"/>
+                    <a16:rowId xmlns:a16="http://schemas.microsoft.com/office/drawing/2014/main" xmlns="" val="1377910784"/>
                   </a:ext>
                 </a:extLst>
               </a:tr>
@@ -42890,7 +43094,7 @@
                 </a:tc>
                 <a:extLst>
                   <a:ext uri="{0D108BD9-81ED-4DB2-BD59-A6C34878D82A}">
-                    <a16:rowId xmlns:a16="http://schemas.microsoft.com/office/drawing/2014/main" val="1387856053"/>
+                    <a16:rowId xmlns:a16="http://schemas.microsoft.com/office/drawing/2014/main" xmlns="" val="1387856053"/>
                   </a:ext>
                 </a:extLst>
               </a:tr>
@@ -42928,7 +43132,7 @@
                 </a:tc>
                 <a:extLst>
                   <a:ext uri="{0D108BD9-81ED-4DB2-BD59-A6C34878D82A}">
-                    <a16:rowId xmlns:a16="http://schemas.microsoft.com/office/drawing/2014/main" val="2599123823"/>
+                    <a16:rowId xmlns:a16="http://schemas.microsoft.com/office/drawing/2014/main" xmlns="" val="2599123823"/>
                   </a:ext>
                 </a:extLst>
               </a:tr>
@@ -42969,7 +43173,7 @@
                 </a:tc>
                 <a:extLst>
                   <a:ext uri="{0D108BD9-81ED-4DB2-BD59-A6C34878D82A}">
-                    <a16:rowId xmlns:a16="http://schemas.microsoft.com/office/drawing/2014/main" val="1232603862"/>
+                    <a16:rowId xmlns:a16="http://schemas.microsoft.com/office/drawing/2014/main" xmlns="" val="1232603862"/>
                   </a:ext>
                 </a:extLst>
               </a:tr>
@@ -43002,7 +43206,7 @@
                 </a:tc>
                 <a:extLst>
                   <a:ext uri="{0D108BD9-81ED-4DB2-BD59-A6C34878D82A}">
-                    <a16:rowId xmlns:a16="http://schemas.microsoft.com/office/drawing/2014/main" val="4145944521"/>
+                    <a16:rowId xmlns:a16="http://schemas.microsoft.com/office/drawing/2014/main" xmlns="" val="4145944521"/>
                   </a:ext>
                 </a:extLst>
               </a:tr>
@@ -43040,7 +43244,7 @@
                 </a:tc>
                 <a:extLst>
                   <a:ext uri="{0D108BD9-81ED-4DB2-BD59-A6C34878D82A}">
-                    <a16:rowId xmlns:a16="http://schemas.microsoft.com/office/drawing/2014/main" val="2954677722"/>
+                    <a16:rowId xmlns:a16="http://schemas.microsoft.com/office/drawing/2014/main" xmlns="" val="2954677722"/>
                   </a:ext>
                 </a:extLst>
               </a:tr>
@@ -43073,7 +43277,7 @@
                 </a:tc>
                 <a:extLst>
                   <a:ext uri="{0D108BD9-81ED-4DB2-BD59-A6C34878D82A}">
-                    <a16:rowId xmlns:a16="http://schemas.microsoft.com/office/drawing/2014/main" val="205903975"/>
+                    <a16:rowId xmlns:a16="http://schemas.microsoft.com/office/drawing/2014/main" xmlns="" val="205903975"/>
                   </a:ext>
                 </a:extLst>
               </a:tr>
@@ -43106,7 +43310,7 @@
                 </a:tc>
                 <a:extLst>
                   <a:ext uri="{0D108BD9-81ED-4DB2-BD59-A6C34878D82A}">
-                    <a16:rowId xmlns:a16="http://schemas.microsoft.com/office/drawing/2014/main" val="2893595017"/>
+                    <a16:rowId xmlns:a16="http://schemas.microsoft.com/office/drawing/2014/main" xmlns="" val="2893595017"/>
                   </a:ext>
                 </a:extLst>
               </a:tr>
@@ -43139,7 +43343,7 @@
                 </a:tc>
                 <a:extLst>
                   <a:ext uri="{0D108BD9-81ED-4DB2-BD59-A6C34878D82A}">
-                    <a16:rowId xmlns:a16="http://schemas.microsoft.com/office/drawing/2014/main" val="2337380595"/>
+                    <a16:rowId xmlns:a16="http://schemas.microsoft.com/office/drawing/2014/main" xmlns="" val="2337380595"/>
                   </a:ext>
                 </a:extLst>
               </a:tr>
@@ -43780,7 +43984,7 @@
 </file>
 
 <file path=ppt/slides/slide7.xml><?xml version="1.0" encoding="utf-8"?>
-<p:sld xmlns:a="http://schemas.openxmlformats.org/drawingml/2006/main" xmlns:r="http://schemas.openxmlformats.org/officeDocument/2006/relationships" xmlns:p="http://schemas.openxmlformats.org/presentationml/2006/main">
+<p:sld xmlns:a="http://schemas.openxmlformats.org/drawingml/2006/main" xmlns:r="http://schemas.openxmlformats.org/officeDocument/2006/relationships" xmlns:p="http://schemas.openxmlformats.org/presentationml/2006/main" show="0">
   <p:cSld>
     <p:spTree>
       <p:nvGrpSpPr>
@@ -44398,11 +44602,19 @@
   <p:clrMapOvr>
     <a:masterClrMapping/>
   </p:clrMapOvr>
+  <mc:AlternateContent xmlns:mc="http://schemas.openxmlformats.org/markup-compatibility/2006">
+    <mc:Choice xmlns:p14="http://schemas.microsoft.com/office/powerpoint/2010/main" Requires="p14">
+      <p:transition spd="slow" p14:dur="2000"/>
+    </mc:Choice>
+    <mc:Fallback>
+      <p:transition spd="slow"/>
+    </mc:Fallback>
+  </mc:AlternateContent>
 </p:sld>
 </file>
 
 <file path=ppt/slides/slide8.xml><?xml version="1.0" encoding="utf-8"?>
-<p:sld xmlns:a="http://schemas.openxmlformats.org/drawingml/2006/main" xmlns:r="http://schemas.openxmlformats.org/officeDocument/2006/relationships" xmlns:p="http://schemas.openxmlformats.org/presentationml/2006/main">
+<p:sld xmlns:a="http://schemas.openxmlformats.org/drawingml/2006/main" xmlns:r="http://schemas.openxmlformats.org/officeDocument/2006/relationships" xmlns:p="http://schemas.openxmlformats.org/presentationml/2006/main" show="0">
   <p:cSld>
     <p:spTree>
       <p:nvGrpSpPr>
@@ -45020,11 +45232,19 @@
   <p:clrMapOvr>
     <a:masterClrMapping/>
   </p:clrMapOvr>
+  <mc:AlternateContent xmlns:mc="http://schemas.openxmlformats.org/markup-compatibility/2006">
+    <mc:Choice xmlns:p14="http://schemas.microsoft.com/office/powerpoint/2010/main" Requires="p14">
+      <p:transition spd="slow" p14:dur="2000"/>
+    </mc:Choice>
+    <mc:Fallback>
+      <p:transition spd="slow"/>
+    </mc:Fallback>
+  </mc:AlternateContent>
 </p:sld>
 </file>
 
 <file path=ppt/slides/slide9.xml><?xml version="1.0" encoding="utf-8"?>
-<p:sld xmlns:a="http://schemas.openxmlformats.org/drawingml/2006/main" xmlns:r="http://schemas.openxmlformats.org/officeDocument/2006/relationships" xmlns:p="http://schemas.openxmlformats.org/presentationml/2006/main">
+<p:sld xmlns:a="http://schemas.openxmlformats.org/drawingml/2006/main" xmlns:r="http://schemas.openxmlformats.org/officeDocument/2006/relationships" xmlns:p="http://schemas.openxmlformats.org/presentationml/2006/main" show="0">
   <p:cSld>
     <p:spTree>
       <p:nvGrpSpPr>
@@ -45650,6 +45870,14 @@
   <p:clrMapOvr>
     <a:masterClrMapping/>
   </p:clrMapOvr>
+  <mc:AlternateContent xmlns:mc="http://schemas.openxmlformats.org/markup-compatibility/2006">
+    <mc:Choice xmlns:p14="http://schemas.microsoft.com/office/powerpoint/2010/main" Requires="p14">
+      <p:transition spd="slow" p14:dur="2000"/>
+    </mc:Choice>
+    <mc:Fallback>
+      <p:transition spd="slow"/>
+    </mc:Fallback>
+  </mc:AlternateContent>
 </p:sld>
 </file>
 

--- a/Optimizer.pptx
+++ b/Optimizer.pptx
@@ -272,7 +272,7 @@
           <a:p>
             <a:fld id="{2EDCB34D-5EC2-4739-9693-E425457AC201}" type="datetimeFigureOut">
               <a:rPr lang="en-US" smtClean="0"/>
-              <a:t>09/14/2016</a:t>
+              <a:t>09/26/2016</a:t>
             </a:fld>
             <a:endParaRPr lang="en-US"/>
           </a:p>
@@ -3112,7 +3112,7 @@
             <a:fld id="{5942B21B-2ADA-A040-A652-A7305E1B99FE}" type="datetimeFigureOut">
               <a:rPr lang="en-US" smtClean="0"/>
               <a:pPr/>
-              <a:t>09/14/2016</a:t>
+              <a:t>09/26/2016</a:t>
             </a:fld>
             <a:endParaRPr lang="en-US" dirty="0"/>
           </a:p>
@@ -3302,7 +3302,7 @@
           <a:p>
             <a:fld id="{5942B21B-2ADA-A040-A652-A7305E1B99FE}" type="datetimeFigureOut">
               <a:rPr lang="en-US" smtClean="0"/>
-              <a:t>09/14/2016</a:t>
+              <a:t>09/26/2016</a:t>
             </a:fld>
             <a:endParaRPr lang="en-US"/>
           </a:p>
@@ -3426,7 +3426,7 @@
             <a:fld id="{5942B21B-2ADA-A040-A652-A7305E1B99FE}" type="datetimeFigureOut">
               <a:rPr lang="en-US" smtClean="0"/>
               <a:pPr/>
-              <a:t>09/14/2016</a:t>
+              <a:t>09/26/2016</a:t>
             </a:fld>
             <a:r>
               <a:rPr lang="en-US"/>
@@ -3697,7 +3697,7 @@
             <a:fld id="{5942B21B-2ADA-A040-A652-A7305E1B99FE}" type="datetimeFigureOut">
               <a:rPr lang="en-US" smtClean="0"/>
               <a:pPr/>
-              <a:t>09/14/2016</a:t>
+              <a:t>09/26/2016</a:t>
             </a:fld>
             <a:r>
               <a:rPr lang="en-US" dirty="0"/>
@@ -3967,7 +3967,7 @@
             <a:fld id="{5942B21B-2ADA-A040-A652-A7305E1B99FE}" type="datetimeFigureOut">
               <a:rPr lang="en-US" smtClean="0"/>
               <a:pPr/>
-              <a:t>09/14/2016</a:t>
+              <a:t>09/26/2016</a:t>
             </a:fld>
             <a:r>
               <a:rPr lang="en-US" dirty="0"/>
@@ -4307,7 +4307,7 @@
             <a:fld id="{5942B21B-2ADA-A040-A652-A7305E1B99FE}" type="datetimeFigureOut">
               <a:rPr lang="en-US" smtClean="0"/>
               <a:pPr/>
-              <a:t>09/14/2016</a:t>
+              <a:t>09/26/2016</a:t>
             </a:fld>
             <a:r>
               <a:rPr lang="en-US" dirty="0"/>
@@ -4648,7 +4648,7 @@
             <a:fld id="{5942B21B-2ADA-A040-A652-A7305E1B99FE}" type="datetimeFigureOut">
               <a:rPr lang="en-US" smtClean="0"/>
               <a:pPr/>
-              <a:t>09/14/2016</a:t>
+              <a:t>09/26/2016</a:t>
             </a:fld>
             <a:r>
               <a:rPr lang="en-US" dirty="0"/>
@@ -5163,7 +5163,7 @@
             <a:fld id="{5942B21B-2ADA-A040-A652-A7305E1B99FE}" type="datetimeFigureOut">
               <a:rPr lang="en-US" smtClean="0"/>
               <a:pPr/>
-              <a:t>09/14/2016</a:t>
+              <a:t>09/26/2016</a:t>
             </a:fld>
             <a:r>
               <a:rPr lang="en-US" dirty="0"/>
@@ -5372,7 +5372,7 @@
             <a:fld id="{5942B21B-2ADA-A040-A652-A7305E1B99FE}" type="datetimeFigureOut">
               <a:rPr lang="en-US" smtClean="0"/>
               <a:pPr/>
-              <a:t>09/14/2016</a:t>
+              <a:t>09/26/2016</a:t>
             </a:fld>
             <a:r>
               <a:rPr lang="en-US" dirty="0"/>
@@ -5559,7 +5559,7 @@
             <a:fld id="{5942B21B-2ADA-A040-A652-A7305E1B99FE}" type="datetimeFigureOut">
               <a:rPr lang="en-US" smtClean="0"/>
               <a:pPr/>
-              <a:t>09/14/2016</a:t>
+              <a:t>09/26/2016</a:t>
             </a:fld>
             <a:r>
               <a:rPr lang="en-US" dirty="0"/>
@@ -5890,7 +5890,7 @@
             <a:fld id="{5942B21B-2ADA-A040-A652-A7305E1B99FE}" type="datetimeFigureOut">
               <a:rPr lang="en-US" smtClean="0"/>
               <a:pPr/>
-              <a:t>09/14/2016</a:t>
+              <a:t>09/26/2016</a:t>
             </a:fld>
             <a:r>
               <a:rPr lang="en-US" dirty="0"/>
@@ -6198,7 +6198,7 @@
             <a:fld id="{5942B21B-2ADA-A040-A652-A7305E1B99FE}" type="datetimeFigureOut">
               <a:rPr lang="en-US" smtClean="0"/>
               <a:pPr/>
-              <a:t>09/14/2016</a:t>
+              <a:t>09/26/2016</a:t>
             </a:fld>
             <a:r>
               <a:rPr lang="en-US" dirty="0"/>
@@ -6477,7 +6477,7 @@
             <a:fld id="{5942B21B-2ADA-A040-A652-A7305E1B99FE}" type="datetimeFigureOut">
               <a:rPr lang="en-US" smtClean="0"/>
               <a:pPr/>
-              <a:t>09/14/2016</a:t>
+              <a:t>09/26/2016</a:t>
             </a:fld>
             <a:r>
               <a:rPr lang="en-US" dirty="0"/>
@@ -6957,7 +6957,7 @@
         </p:spPr>
         <p:txBody>
           <a:bodyPr vert="horz" lIns="91440" tIns="45720" rIns="91440" bIns="45720" rtlCol="0">
-            <a:normAutofit fontScale="77500" lnSpcReduction="20000"/>
+            <a:normAutofit fontScale="85000" lnSpcReduction="10000"/>
           </a:bodyPr>
           <a:lstStyle>
             <a:lvl1pPr marL="342900" indent="-342900" algn="l" defTabSz="457200" rtl="0" eaLnBrk="1" latinLnBrk="0" hangingPunct="1">
@@ -7111,7 +7111,7 @@
             </a:pPr>
             <a:r>
               <a:rPr lang="en-US" dirty="0" smtClean="0"/>
-              <a:t>Kansas City, MO </a:t>
+              <a:t>Minneapolis, MN </a:t>
             </a:r>
             <a:r>
               <a:rPr lang="en-US" dirty="0"/>
@@ -7119,7 +7119,7 @@
             </a:r>
             <a:r>
               <a:rPr lang="en-US" dirty="0" smtClean="0"/>
-              <a:t>September 24, </a:t>
+              <a:t>October 1, </a:t>
             </a:r>
             <a:r>
               <a:rPr lang="en-US" dirty="0"/>
@@ -8301,18 +8301,18 @@
                 <a:ea typeface="Calibri" panose="020F0502020204030204" pitchFamily="34" charset="0"/>
                 <a:cs typeface="Times New Roman" panose="02020603050405020304" pitchFamily="18" charset="0"/>
               </a:rPr>
-              <a:t>in</a:t>
-            </a:r>
-            <a:r>
-              <a:rPr lang="en-US" dirty="0">
-                <a:latin typeface="Consolas" panose="020B0609020204030204" pitchFamily="49" charset="0"/>
-                <a:ea typeface="Calibri" panose="020F0502020204030204" pitchFamily="34" charset="0"/>
-                <a:cs typeface="Times New Roman" panose="02020603050405020304" pitchFamily="18" charset="0"/>
-              </a:rPr>
-              <a:t> (</a:t>
-            </a:r>
-            <a:r>
-              <a:rPr lang="en-US" dirty="0">
+              <a:t>=</a:t>
+            </a:r>
+            <a:r>
+              <a:rPr lang="en-US" dirty="0" smtClean="0">
+                <a:latin typeface="Consolas" panose="020B0609020204030204" pitchFamily="49" charset="0"/>
+                <a:ea typeface="Calibri" panose="020F0502020204030204" pitchFamily="34" charset="0"/>
+                <a:cs typeface="Times New Roman" panose="02020603050405020304" pitchFamily="18" charset="0"/>
+              </a:rPr>
+              <a:t> </a:t>
+            </a:r>
+            <a:r>
+              <a:rPr lang="en-US" dirty="0" smtClean="0">
                 <a:solidFill>
                   <a:srgbClr val="FF0000"/>
                 </a:solidFill>
@@ -8320,15 +8320,7 @@
                 <a:ea typeface="Calibri" panose="020F0502020204030204" pitchFamily="34" charset="0"/>
                 <a:cs typeface="Times New Roman" panose="02020603050405020304" pitchFamily="18" charset="0"/>
               </a:rPr>
-              <a:t>'KS', 'MO'</a:t>
-            </a:r>
-            <a:r>
-              <a:rPr lang="en-US" dirty="0">
-                <a:latin typeface="Consolas" panose="020B0609020204030204" pitchFamily="49" charset="0"/>
-                <a:ea typeface="Calibri" panose="020F0502020204030204" pitchFamily="34" charset="0"/>
-                <a:cs typeface="Times New Roman" panose="02020603050405020304" pitchFamily="18" charset="0"/>
-              </a:rPr>
-              <a:t>)</a:t>
+              <a:t>'MN'</a:t>
             </a:r>
             <a:endParaRPr lang="en-US" sz="2400" dirty="0">
               <a:latin typeface="Calibri" panose="020F0502020204030204" pitchFamily="34" charset="0"/>
@@ -8668,21 +8660,21 @@
                 <a:gridCol w="2764301">
                   <a:extLst>
                     <a:ext uri="{9D8B030D-6E8A-4147-A177-3AD203B41FA5}">
-                      <a16:colId xmlns:a16="http://schemas.microsoft.com/office/drawing/2014/main" xmlns="" val="234227049"/>
+                      <a16:colId xmlns="" xmlns:a16="http://schemas.microsoft.com/office/drawing/2014/main" val="234227049"/>
                     </a:ext>
                   </a:extLst>
                 </a:gridCol>
                 <a:gridCol w="2764301">
                   <a:extLst>
                     <a:ext uri="{9D8B030D-6E8A-4147-A177-3AD203B41FA5}">
-                      <a16:colId xmlns:a16="http://schemas.microsoft.com/office/drawing/2014/main" xmlns="" val="4053135350"/>
+                      <a16:colId xmlns="" xmlns:a16="http://schemas.microsoft.com/office/drawing/2014/main" val="4053135350"/>
                     </a:ext>
                   </a:extLst>
                 </a:gridCol>
                 <a:gridCol w="2764301">
                   <a:extLst>
                     <a:ext uri="{9D8B030D-6E8A-4147-A177-3AD203B41FA5}">
-                      <a16:colId xmlns:a16="http://schemas.microsoft.com/office/drawing/2014/main" xmlns="" val="672378647"/>
+                      <a16:colId xmlns="" xmlns:a16="http://schemas.microsoft.com/office/drawing/2014/main" val="672378647"/>
                     </a:ext>
                   </a:extLst>
                 </a:gridCol>
@@ -8732,7 +8724,7 @@
                 </a:tc>
                 <a:extLst>
                   <a:ext uri="{0D108BD9-81ED-4DB2-BD59-A6C34878D82A}">
-                    <a16:rowId xmlns:a16="http://schemas.microsoft.com/office/drawing/2014/main" xmlns="" val="2843053056"/>
+                    <a16:rowId xmlns="" xmlns:a16="http://schemas.microsoft.com/office/drawing/2014/main" val="2843053056"/>
                   </a:ext>
                 </a:extLst>
               </a:tr>
@@ -8782,7 +8774,7 @@
                 </a:tc>
                 <a:extLst>
                   <a:ext uri="{0D108BD9-81ED-4DB2-BD59-A6C34878D82A}">
-                    <a16:rowId xmlns:a16="http://schemas.microsoft.com/office/drawing/2014/main" xmlns="" val="3055328934"/>
+                    <a16:rowId xmlns="" xmlns:a16="http://schemas.microsoft.com/office/drawing/2014/main" val="3055328934"/>
                   </a:ext>
                 </a:extLst>
               </a:tr>
@@ -8832,7 +8824,7 @@
                 </a:tc>
                 <a:extLst>
                   <a:ext uri="{0D108BD9-81ED-4DB2-BD59-A6C34878D82A}">
-                    <a16:rowId xmlns:a16="http://schemas.microsoft.com/office/drawing/2014/main" xmlns="" val="1144851549"/>
+                    <a16:rowId xmlns="" xmlns:a16="http://schemas.microsoft.com/office/drawing/2014/main" val="1144851549"/>
                   </a:ext>
                 </a:extLst>
               </a:tr>
@@ -8881,7 +8873,7 @@
                 </a:tc>
                 <a:extLst>
                   <a:ext uri="{0D108BD9-81ED-4DB2-BD59-A6C34878D82A}">
-                    <a16:rowId xmlns:a16="http://schemas.microsoft.com/office/drawing/2014/main" xmlns="" val="4258932578"/>
+                    <a16:rowId xmlns="" xmlns:a16="http://schemas.microsoft.com/office/drawing/2014/main" val="4258932578"/>
                   </a:ext>
                 </a:extLst>
               </a:tr>
@@ -8899,11 +8891,11 @@
   <p:clrMapOvr>
     <a:masterClrMapping/>
   </p:clrMapOvr>
-  <mc:AlternateContent xmlns:mc="http://schemas.openxmlformats.org/markup-compatibility/2006">
-    <mc:Choice xmlns:p14="http://schemas.microsoft.com/office/powerpoint/2010/main" Requires="p14">
+  <mc:AlternateContent xmlns:mc="http://schemas.openxmlformats.org/markup-compatibility/2006" xmlns:p14="http://schemas.microsoft.com/office/powerpoint/2010/main">
+    <mc:Choice Requires="p14">
       <p:transition spd="slow" p14:dur="2000"/>
     </mc:Choice>
-    <mc:Fallback>
+    <mc:Fallback xmlns="">
       <p:transition spd="slow"/>
     </mc:Fallback>
   </mc:AlternateContent>
@@ -8936,7 +8928,7 @@
         <p:spPr>
           <a:xfrm>
             <a:off x="513471" y="577713"/>
-            <a:ext cx="8292904" cy="2463238"/>
+            <a:ext cx="8292904" cy="2441117"/>
           </a:xfrm>
           <a:prstGeom prst="rect">
             <a:avLst/>
@@ -9816,15 +9808,15 @@
                 <a:ea typeface="Calibri" panose="020F0502020204030204" pitchFamily="34" charset="0"/>
                 <a:cs typeface="Times New Roman" panose="02020603050405020304" pitchFamily="18" charset="0"/>
               </a:rPr>
-              <a:t>in</a:t>
-            </a:r>
-            <a:r>
-              <a:rPr lang="en-US" dirty="0">
-                <a:latin typeface="Consolas" panose="020B0609020204030204" pitchFamily="49" charset="0"/>
-                <a:ea typeface="Calibri" panose="020F0502020204030204" pitchFamily="34" charset="0"/>
-                <a:cs typeface="Times New Roman" panose="02020603050405020304" pitchFamily="18" charset="0"/>
-              </a:rPr>
-              <a:t> (</a:t>
+              <a:t>=</a:t>
+            </a:r>
+            <a:r>
+              <a:rPr lang="en-US" dirty="0">
+                <a:latin typeface="Consolas" panose="020B0609020204030204" pitchFamily="49" charset="0"/>
+                <a:ea typeface="Calibri" panose="020F0502020204030204" pitchFamily="34" charset="0"/>
+                <a:cs typeface="Times New Roman" panose="02020603050405020304" pitchFamily="18" charset="0"/>
+              </a:rPr>
+              <a:t> </a:t>
             </a:r>
             <a:r>
               <a:rPr lang="en-US" dirty="0">
@@ -9835,15 +9827,18 @@
                 <a:ea typeface="Calibri" panose="020F0502020204030204" pitchFamily="34" charset="0"/>
                 <a:cs typeface="Times New Roman" panose="02020603050405020304" pitchFamily="18" charset="0"/>
               </a:rPr>
-              <a:t>'KS', 'MO'</a:t>
-            </a:r>
-            <a:r>
-              <a:rPr lang="en-US" dirty="0">
-                <a:latin typeface="Consolas" panose="020B0609020204030204" pitchFamily="49" charset="0"/>
-                <a:ea typeface="Calibri" panose="020F0502020204030204" pitchFamily="34" charset="0"/>
-                <a:cs typeface="Times New Roman" panose="02020603050405020304" pitchFamily="18" charset="0"/>
-              </a:rPr>
-              <a:t>)</a:t>
+              <a:t>'MN</a:t>
+            </a:r>
+            <a:r>
+              <a:rPr lang="en-US" dirty="0" smtClean="0">
+                <a:solidFill>
+                  <a:srgbClr val="FF0000"/>
+                </a:solidFill>
+                <a:latin typeface="Consolas" panose="020B0609020204030204" pitchFamily="49" charset="0"/>
+                <a:ea typeface="Calibri" panose="020F0502020204030204" pitchFamily="34" charset="0"/>
+                <a:cs typeface="Times New Roman" panose="02020603050405020304" pitchFamily="18" charset="0"/>
+              </a:rPr>
+              <a:t>'</a:t>
             </a:r>
             <a:endParaRPr lang="en-US" sz="2400" dirty="0">
               <a:latin typeface="Calibri" panose="020F0502020204030204" pitchFamily="34" charset="0"/>
@@ -10243,11 +10238,11 @@
   <p:clrMapOvr>
     <a:masterClrMapping/>
   </p:clrMapOvr>
-  <mc:AlternateContent xmlns:mc="http://schemas.openxmlformats.org/markup-compatibility/2006">
-    <mc:Choice xmlns:p14="http://schemas.microsoft.com/office/powerpoint/2010/main" Requires="p14">
+  <mc:AlternateContent xmlns:mc="http://schemas.openxmlformats.org/markup-compatibility/2006" xmlns:p14="http://schemas.microsoft.com/office/powerpoint/2010/main">
+    <mc:Choice Requires="p14">
       <p:transition spd="slow" p14:dur="2000"/>
     </mc:Choice>
-    <mc:Fallback>
+    <mc:Fallback xmlns="">
       <p:transition spd="slow"/>
     </mc:Fallback>
   </mc:AlternateContent>
@@ -11056,33 +11051,30 @@
             </a:r>
             <a:r>
               <a:rPr lang="en-US" dirty="0">
-                <a:solidFill>
-                  <a:srgbClr val="0000FF"/>
-                </a:solidFill>
-                <a:latin typeface="Consolas" panose="020B0609020204030204" pitchFamily="49" charset="0"/>
-                <a:ea typeface="Calibri" panose="020F0502020204030204" pitchFamily="34" charset="0"/>
-                <a:cs typeface="Times New Roman" panose="02020603050405020304" pitchFamily="18" charset="0"/>
-              </a:rPr>
-              <a:t> </a:t>
-            </a:r>
-            <a:r>
-              <a:rPr lang="en-US" dirty="0">
-                <a:solidFill>
-                  <a:srgbClr val="808080"/>
-                </a:solidFill>
-                <a:latin typeface="Consolas" panose="020B0609020204030204" pitchFamily="49" charset="0"/>
-                <a:ea typeface="Calibri" panose="020F0502020204030204" pitchFamily="34" charset="0"/>
-                <a:cs typeface="Times New Roman" panose="02020603050405020304" pitchFamily="18" charset="0"/>
-              </a:rPr>
-              <a:t>in</a:t>
-            </a:r>
-            <a:r>
-              <a:rPr lang="en-US" dirty="0">
-                <a:latin typeface="Consolas" panose="020B0609020204030204" pitchFamily="49" charset="0"/>
-                <a:ea typeface="Calibri" panose="020F0502020204030204" pitchFamily="34" charset="0"/>
-                <a:cs typeface="Times New Roman" panose="02020603050405020304" pitchFamily="18" charset="0"/>
-              </a:rPr>
-              <a:t> (</a:t>
+                <a:latin typeface="Consolas" panose="020B0609020204030204" pitchFamily="49" charset="0"/>
+                <a:ea typeface="Calibri" panose="020F0502020204030204" pitchFamily="34" charset="0"/>
+                <a:cs typeface="Times New Roman" panose="02020603050405020304" pitchFamily="18" charset="0"/>
+              </a:rPr>
+              <a:t> </a:t>
+            </a:r>
+            <a:r>
+              <a:rPr lang="en-US" dirty="0">
+                <a:solidFill>
+                  <a:srgbClr val="808080"/>
+                </a:solidFill>
+                <a:latin typeface="Consolas" panose="020B0609020204030204" pitchFamily="49" charset="0"/>
+                <a:ea typeface="Calibri" panose="020F0502020204030204" pitchFamily="34" charset="0"/>
+                <a:cs typeface="Times New Roman" panose="02020603050405020304" pitchFamily="18" charset="0"/>
+              </a:rPr>
+              <a:t>=</a:t>
+            </a:r>
+            <a:r>
+              <a:rPr lang="en-US" dirty="0">
+                <a:latin typeface="Consolas" panose="020B0609020204030204" pitchFamily="49" charset="0"/>
+                <a:ea typeface="Calibri" panose="020F0502020204030204" pitchFamily="34" charset="0"/>
+                <a:cs typeface="Times New Roman" panose="02020603050405020304" pitchFamily="18" charset="0"/>
+              </a:rPr>
+              <a:t> </a:t>
             </a:r>
             <a:r>
               <a:rPr lang="en-US" dirty="0">
@@ -11093,16 +11085,24 @@
                 <a:ea typeface="Calibri" panose="020F0502020204030204" pitchFamily="34" charset="0"/>
                 <a:cs typeface="Times New Roman" panose="02020603050405020304" pitchFamily="18" charset="0"/>
               </a:rPr>
-              <a:t>'KS', 'MO'</a:t>
-            </a:r>
-            <a:r>
-              <a:rPr lang="en-US" dirty="0">
-                <a:latin typeface="Consolas" panose="020B0609020204030204" pitchFamily="49" charset="0"/>
-                <a:ea typeface="Calibri" panose="020F0502020204030204" pitchFamily="34" charset="0"/>
-                <a:cs typeface="Times New Roman" panose="02020603050405020304" pitchFamily="18" charset="0"/>
-              </a:rPr>
-              <a:t>)</a:t>
-            </a:r>
+              <a:t>'MN</a:t>
+            </a:r>
+            <a:r>
+              <a:rPr lang="en-US" dirty="0" smtClean="0">
+                <a:solidFill>
+                  <a:srgbClr val="FF0000"/>
+                </a:solidFill>
+                <a:latin typeface="Consolas" panose="020B0609020204030204" pitchFamily="49" charset="0"/>
+                <a:ea typeface="Calibri" panose="020F0502020204030204" pitchFamily="34" charset="0"/>
+                <a:cs typeface="Times New Roman" panose="02020603050405020304" pitchFamily="18" charset="0"/>
+              </a:rPr>
+              <a:t>'</a:t>
+            </a:r>
+            <a:endParaRPr lang="en-US" dirty="0">
+              <a:latin typeface="Consolas" panose="020B0609020204030204" pitchFamily="49" charset="0"/>
+              <a:ea typeface="Calibri" panose="020F0502020204030204" pitchFamily="34" charset="0"/>
+              <a:cs typeface="Times New Roman" panose="02020603050405020304" pitchFamily="18" charset="0"/>
+            </a:endParaRPr>
           </a:p>
           <a:p>
             <a:pPr>
@@ -11477,11 +11477,11 @@
   <p:clrMapOvr>
     <a:masterClrMapping/>
   </p:clrMapOvr>
-  <mc:AlternateContent xmlns:mc="http://schemas.openxmlformats.org/markup-compatibility/2006">
-    <mc:Choice xmlns:p14="http://schemas.microsoft.com/office/powerpoint/2010/main" Requires="p14">
+  <mc:AlternateContent xmlns:mc="http://schemas.openxmlformats.org/markup-compatibility/2006" xmlns:p14="http://schemas.microsoft.com/office/powerpoint/2010/main">
+    <mc:Choice Requires="p14">
       <p:transition spd="slow" p14:dur="2000"/>
     </mc:Choice>
-    <mc:Fallback>
+    <mc:Fallback xmlns="">
       <p:transition spd="slow"/>
     </mc:Fallback>
   </mc:AlternateContent>
@@ -12283,15 +12283,15 @@
                 <a:ea typeface="Calibri" panose="020F0502020204030204" pitchFamily="34" charset="0"/>
                 <a:cs typeface="Times New Roman" panose="02020603050405020304" pitchFamily="18" charset="0"/>
               </a:rPr>
-              <a:t>in</a:t>
-            </a:r>
-            <a:r>
-              <a:rPr lang="en-US" dirty="0">
-                <a:latin typeface="Consolas" panose="020B0609020204030204" pitchFamily="49" charset="0"/>
-                <a:ea typeface="Calibri" panose="020F0502020204030204" pitchFamily="34" charset="0"/>
-                <a:cs typeface="Times New Roman" panose="02020603050405020304" pitchFamily="18" charset="0"/>
-              </a:rPr>
-              <a:t> (</a:t>
+              <a:t>=</a:t>
+            </a:r>
+            <a:r>
+              <a:rPr lang="en-US" dirty="0">
+                <a:latin typeface="Consolas" panose="020B0609020204030204" pitchFamily="49" charset="0"/>
+                <a:ea typeface="Calibri" panose="020F0502020204030204" pitchFamily="34" charset="0"/>
+                <a:cs typeface="Times New Roman" panose="02020603050405020304" pitchFamily="18" charset="0"/>
+              </a:rPr>
+              <a:t> </a:t>
             </a:r>
             <a:r>
               <a:rPr lang="en-US" dirty="0">
@@ -12302,15 +12302,18 @@
                 <a:ea typeface="Calibri" panose="020F0502020204030204" pitchFamily="34" charset="0"/>
                 <a:cs typeface="Times New Roman" panose="02020603050405020304" pitchFamily="18" charset="0"/>
               </a:rPr>
-              <a:t>'KS', 'MO'</a:t>
-            </a:r>
-            <a:r>
-              <a:rPr lang="en-US" dirty="0">
-                <a:latin typeface="Consolas" panose="020B0609020204030204" pitchFamily="49" charset="0"/>
-                <a:ea typeface="Calibri" panose="020F0502020204030204" pitchFamily="34" charset="0"/>
-                <a:cs typeface="Times New Roman" panose="02020603050405020304" pitchFamily="18" charset="0"/>
-              </a:rPr>
-              <a:t>)</a:t>
+              <a:t>'MN</a:t>
+            </a:r>
+            <a:r>
+              <a:rPr lang="en-US" dirty="0" smtClean="0">
+                <a:solidFill>
+                  <a:srgbClr val="FF0000"/>
+                </a:solidFill>
+                <a:latin typeface="Consolas" panose="020B0609020204030204" pitchFamily="49" charset="0"/>
+                <a:ea typeface="Calibri" panose="020F0502020204030204" pitchFamily="34" charset="0"/>
+                <a:cs typeface="Times New Roman" panose="02020603050405020304" pitchFamily="18" charset="0"/>
+              </a:rPr>
+              <a:t>'</a:t>
             </a:r>
             <a:endParaRPr lang="en-US" sz="2400" dirty="0">
               <a:latin typeface="Calibri" panose="020F0502020204030204" pitchFamily="34" charset="0"/>
@@ -12704,11 +12707,11 @@
   <p:clrMapOvr>
     <a:masterClrMapping/>
   </p:clrMapOvr>
-  <mc:AlternateContent xmlns:mc="http://schemas.openxmlformats.org/markup-compatibility/2006">
-    <mc:Choice xmlns:p14="http://schemas.microsoft.com/office/powerpoint/2010/main" Requires="p14">
+  <mc:AlternateContent xmlns:mc="http://schemas.openxmlformats.org/markup-compatibility/2006" xmlns:p14="http://schemas.microsoft.com/office/powerpoint/2010/main">
+    <mc:Choice Requires="p14">
       <p:transition spd="slow" p14:dur="2000"/>
     </mc:Choice>
-    <mc:Fallback>
+    <mc:Fallback xmlns="">
       <p:transition spd="slow"/>
     </mc:Fallback>
   </mc:AlternateContent>
@@ -13510,15 +13513,15 @@
                 <a:ea typeface="Calibri" panose="020F0502020204030204" pitchFamily="34" charset="0"/>
                 <a:cs typeface="Times New Roman" panose="02020603050405020304" pitchFamily="18" charset="0"/>
               </a:rPr>
-              <a:t>in</a:t>
-            </a:r>
-            <a:r>
-              <a:rPr lang="en-US" dirty="0">
-                <a:latin typeface="Consolas" panose="020B0609020204030204" pitchFamily="49" charset="0"/>
-                <a:ea typeface="Calibri" panose="020F0502020204030204" pitchFamily="34" charset="0"/>
-                <a:cs typeface="Times New Roman" panose="02020603050405020304" pitchFamily="18" charset="0"/>
-              </a:rPr>
-              <a:t> (</a:t>
+              <a:t>=</a:t>
+            </a:r>
+            <a:r>
+              <a:rPr lang="en-US" dirty="0">
+                <a:latin typeface="Consolas" panose="020B0609020204030204" pitchFamily="49" charset="0"/>
+                <a:ea typeface="Calibri" panose="020F0502020204030204" pitchFamily="34" charset="0"/>
+                <a:cs typeface="Times New Roman" panose="02020603050405020304" pitchFamily="18" charset="0"/>
+              </a:rPr>
+              <a:t> </a:t>
             </a:r>
             <a:r>
               <a:rPr lang="en-US" dirty="0">
@@ -13529,15 +13532,18 @@
                 <a:ea typeface="Calibri" panose="020F0502020204030204" pitchFamily="34" charset="0"/>
                 <a:cs typeface="Times New Roman" panose="02020603050405020304" pitchFamily="18" charset="0"/>
               </a:rPr>
-              <a:t>'KS', 'MO'</a:t>
-            </a:r>
-            <a:r>
-              <a:rPr lang="en-US" dirty="0">
-                <a:latin typeface="Consolas" panose="020B0609020204030204" pitchFamily="49" charset="0"/>
-                <a:ea typeface="Calibri" panose="020F0502020204030204" pitchFamily="34" charset="0"/>
-                <a:cs typeface="Times New Roman" panose="02020603050405020304" pitchFamily="18" charset="0"/>
-              </a:rPr>
-              <a:t>)</a:t>
+              <a:t>'MN</a:t>
+            </a:r>
+            <a:r>
+              <a:rPr lang="en-US" dirty="0" smtClean="0">
+                <a:solidFill>
+                  <a:srgbClr val="FF0000"/>
+                </a:solidFill>
+                <a:latin typeface="Consolas" panose="020B0609020204030204" pitchFamily="49" charset="0"/>
+                <a:ea typeface="Calibri" panose="020F0502020204030204" pitchFamily="34" charset="0"/>
+                <a:cs typeface="Times New Roman" panose="02020603050405020304" pitchFamily="18" charset="0"/>
+              </a:rPr>
+              <a:t>'</a:t>
             </a:r>
             <a:endParaRPr lang="en-US" sz="2400" dirty="0">
               <a:latin typeface="Calibri" panose="020F0502020204030204" pitchFamily="34" charset="0"/>
@@ -13931,11 +13937,11 @@
   <p:clrMapOvr>
     <a:masterClrMapping/>
   </p:clrMapOvr>
-  <mc:AlternateContent xmlns:mc="http://schemas.openxmlformats.org/markup-compatibility/2006">
-    <mc:Choice xmlns:p14="http://schemas.microsoft.com/office/powerpoint/2010/main" Requires="p14">
+  <mc:AlternateContent xmlns:mc="http://schemas.openxmlformats.org/markup-compatibility/2006" xmlns:p14="http://schemas.microsoft.com/office/powerpoint/2010/main">
+    <mc:Choice Requires="p14">
       <p:transition spd="slow" p14:dur="2000"/>
     </mc:Choice>
-    <mc:Fallback>
+    <mc:Fallback xmlns="">
       <p:transition spd="slow"/>
     </mc:Fallback>
   </mc:AlternateContent>
@@ -14758,8 +14764,47 @@
                 <a:ea typeface="Calibri" panose="020F0502020204030204" pitchFamily="34" charset="0"/>
                 <a:cs typeface="Times New Roman" panose="02020603050405020304" pitchFamily="18" charset="0"/>
               </a:rPr>
-              <a:t> in ('KS', 'MO')</a:t>
-            </a:r>
+              <a:t> </a:t>
+            </a:r>
+            <a:r>
+              <a:rPr lang="en-US" dirty="0" smtClean="0">
+                <a:solidFill>
+                  <a:srgbClr val="008080"/>
+                </a:solidFill>
+                <a:highlight>
+                  <a:srgbClr val="FFFF00"/>
+                </a:highlight>
+                <a:latin typeface="Consolas" panose="020B0609020204030204" pitchFamily="49" charset="0"/>
+                <a:ea typeface="Calibri" panose="020F0502020204030204" pitchFamily="34" charset="0"/>
+                <a:cs typeface="Times New Roman" panose="02020603050405020304" pitchFamily="18" charset="0"/>
+              </a:rPr>
+              <a:t>=</a:t>
+            </a:r>
+            <a:r>
+              <a:rPr lang="en-US" dirty="0" smtClean="0">
+                <a:solidFill>
+                  <a:srgbClr val="008080"/>
+                </a:solidFill>
+                <a:highlight>
+                  <a:srgbClr val="FFFF00"/>
+                </a:highlight>
+                <a:latin typeface="Consolas" panose="020B0609020204030204" pitchFamily="49" charset="0"/>
+                <a:ea typeface="Calibri" panose="020F0502020204030204" pitchFamily="34" charset="0"/>
+                <a:cs typeface="Times New Roman" panose="02020603050405020304" pitchFamily="18" charset="0"/>
+              </a:rPr>
+              <a:t> 'MN'</a:t>
+            </a:r>
+            <a:endParaRPr lang="en-US" dirty="0">
+              <a:solidFill>
+                <a:srgbClr val="008080"/>
+              </a:solidFill>
+              <a:highlight>
+                <a:srgbClr val="FFFF00"/>
+              </a:highlight>
+              <a:latin typeface="Consolas" panose="020B0609020204030204" pitchFamily="49" charset="0"/>
+              <a:ea typeface="Calibri" panose="020F0502020204030204" pitchFamily="34" charset="0"/>
+              <a:cs typeface="Times New Roman" panose="02020603050405020304" pitchFamily="18" charset="0"/>
+            </a:endParaRPr>
           </a:p>
           <a:p>
             <a:pPr>
@@ -15099,8 +15144,13 @@
             </a:pPr>
             <a:r>
               <a:rPr lang="en-US" sz="3000" dirty="0"/>
-              <a:t>Find rows in R4 where State = ‘KS’ or ‘MO’</a:t>
-            </a:r>
+              <a:t>Find rows in R4 where State = </a:t>
+            </a:r>
+            <a:r>
+              <a:rPr lang="en-US" sz="3000" dirty="0" smtClean="0"/>
+              <a:t>‘MN’</a:t>
+            </a:r>
+            <a:endParaRPr lang="en-US" sz="3000" dirty="0"/>
           </a:p>
           <a:p>
             <a:pPr marL="457200" indent="-457200">
@@ -15109,7 +15159,15 @@
             </a:pPr>
             <a:r>
               <a:rPr lang="en-US" sz="3000" dirty="0"/>
-              <a:t>Result is 19,805 rows / 14 columns</a:t>
+              <a:t>Result is </a:t>
+            </a:r>
+            <a:r>
+              <a:rPr lang="en-US" sz="3000" dirty="0" smtClean="0"/>
+              <a:t>13,270 </a:t>
+            </a:r>
+            <a:r>
+              <a:rPr lang="en-US" sz="3000" dirty="0"/>
+              <a:t>rows / 14 columns</a:t>
             </a:r>
           </a:p>
           <a:p>
@@ -15134,11 +15192,11 @@
   <p:clrMapOvr>
     <a:masterClrMapping/>
   </p:clrMapOvr>
-  <mc:AlternateContent xmlns:mc="http://schemas.openxmlformats.org/markup-compatibility/2006">
-    <mc:Choice xmlns:p14="http://schemas.microsoft.com/office/powerpoint/2010/main" Requires="p14">
+  <mc:AlternateContent xmlns:mc="http://schemas.openxmlformats.org/markup-compatibility/2006" xmlns:p14="http://schemas.microsoft.com/office/powerpoint/2010/main">
+    <mc:Choice Requires="p14">
       <p:transition spd="slow" p14:dur="2000"/>
     </mc:Choice>
-    <mc:Fallback>
+    <mc:Fallback xmlns="">
       <p:transition spd="slow"/>
     </mc:Fallback>
   </mc:AlternateContent>
@@ -15990,18 +16048,18 @@
                 <a:ea typeface="Calibri" panose="020F0502020204030204" pitchFamily="34" charset="0"/>
                 <a:cs typeface="Times New Roman" panose="02020603050405020304" pitchFamily="18" charset="0"/>
               </a:rPr>
-              <a:t>in</a:t>
-            </a:r>
-            <a:r>
-              <a:rPr lang="en-US" dirty="0">
-                <a:latin typeface="Consolas" panose="020B0609020204030204" pitchFamily="49" charset="0"/>
-                <a:ea typeface="Calibri" panose="020F0502020204030204" pitchFamily="34" charset="0"/>
-                <a:cs typeface="Times New Roman" panose="02020603050405020304" pitchFamily="18" charset="0"/>
-              </a:rPr>
-              <a:t> (</a:t>
-            </a:r>
-            <a:r>
-              <a:rPr lang="en-US" dirty="0">
+              <a:t>=</a:t>
+            </a:r>
+            <a:r>
+              <a:rPr lang="en-US" dirty="0" smtClean="0">
+                <a:latin typeface="Consolas" panose="020B0609020204030204" pitchFamily="49" charset="0"/>
+                <a:ea typeface="Calibri" panose="020F0502020204030204" pitchFamily="34" charset="0"/>
+                <a:cs typeface="Times New Roman" panose="02020603050405020304" pitchFamily="18" charset="0"/>
+              </a:rPr>
+              <a:t> </a:t>
+            </a:r>
+            <a:r>
+              <a:rPr lang="en-US" dirty="0" smtClean="0">
                 <a:solidFill>
                   <a:srgbClr val="FF0000"/>
                 </a:solidFill>
@@ -16009,15 +16067,7 @@
                 <a:ea typeface="Calibri" panose="020F0502020204030204" pitchFamily="34" charset="0"/>
                 <a:cs typeface="Times New Roman" panose="02020603050405020304" pitchFamily="18" charset="0"/>
               </a:rPr>
-              <a:t>'KS', 'MO'</a:t>
-            </a:r>
-            <a:r>
-              <a:rPr lang="en-US" dirty="0">
-                <a:latin typeface="Consolas" panose="020B0609020204030204" pitchFamily="49" charset="0"/>
-                <a:ea typeface="Calibri" panose="020F0502020204030204" pitchFamily="34" charset="0"/>
-                <a:cs typeface="Times New Roman" panose="02020603050405020304" pitchFamily="18" charset="0"/>
-              </a:rPr>
-              <a:t>)</a:t>
+              <a:t>'MN'</a:t>
             </a:r>
             <a:endParaRPr lang="en-US" sz="2400" dirty="0">
               <a:latin typeface="Calibri" panose="020F0502020204030204" pitchFamily="34" charset="0"/>
@@ -16351,7 +16401,15 @@
             </a:pPr>
             <a:r>
               <a:rPr lang="en-US" sz="3000" dirty="0"/>
-              <a:t>Result is 6,464 rows / 2 columns</a:t>
+              <a:t>Result is </a:t>
+            </a:r>
+            <a:r>
+              <a:rPr lang="en-US" sz="3000" dirty="0" smtClean="0"/>
+              <a:t>5,563 </a:t>
+            </a:r>
+            <a:r>
+              <a:rPr lang="en-US" sz="3000" dirty="0"/>
+              <a:t>rows / 2 columns</a:t>
             </a:r>
           </a:p>
           <a:p>
@@ -16398,11 +16456,11 @@
   <p:clrMapOvr>
     <a:masterClrMapping/>
   </p:clrMapOvr>
-  <mc:AlternateContent xmlns:mc="http://schemas.openxmlformats.org/markup-compatibility/2006">
-    <mc:Choice xmlns:p14="http://schemas.microsoft.com/office/powerpoint/2010/main" Requires="p14">
+  <mc:AlternateContent xmlns:mc="http://schemas.openxmlformats.org/markup-compatibility/2006" xmlns:p14="http://schemas.microsoft.com/office/powerpoint/2010/main">
+    <mc:Choice Requires="p14">
       <p:transition spd="slow" p14:dur="2000"/>
     </mc:Choice>
-    <mc:Fallback>
+    <mc:Fallback xmlns="">
       <p:transition spd="slow"/>
     </mc:Fallback>
   </mc:AlternateContent>
@@ -17246,26 +17304,26 @@
               <a:t> </a:t>
             </a:r>
             <a:r>
-              <a:rPr lang="en-US" dirty="0">
-                <a:solidFill>
-                  <a:srgbClr val="808080"/>
-                </a:solidFill>
-                <a:latin typeface="Consolas" panose="020B0609020204030204" pitchFamily="49" charset="0"/>
-                <a:ea typeface="Calibri" panose="020F0502020204030204" pitchFamily="34" charset="0"/>
-                <a:cs typeface="Times New Roman" panose="02020603050405020304" pitchFamily="18" charset="0"/>
-              </a:rPr>
-              <a:t>in</a:t>
-            </a:r>
-            <a:r>
-              <a:rPr lang="en-US" dirty="0">
-                <a:latin typeface="Consolas" panose="020B0609020204030204" pitchFamily="49" charset="0"/>
-                <a:ea typeface="Calibri" panose="020F0502020204030204" pitchFamily="34" charset="0"/>
-                <a:cs typeface="Times New Roman" panose="02020603050405020304" pitchFamily="18" charset="0"/>
-              </a:rPr>
-              <a:t> (</a:t>
-            </a:r>
-            <a:r>
-              <a:rPr lang="en-US" dirty="0">
+              <a:rPr lang="en-US" dirty="0" smtClean="0">
+                <a:solidFill>
+                  <a:srgbClr val="808080"/>
+                </a:solidFill>
+                <a:latin typeface="Consolas" panose="020B0609020204030204" pitchFamily="49" charset="0"/>
+                <a:ea typeface="Calibri" panose="020F0502020204030204" pitchFamily="34" charset="0"/>
+                <a:cs typeface="Times New Roman" panose="02020603050405020304" pitchFamily="18" charset="0"/>
+              </a:rPr>
+              <a:t>=</a:t>
+            </a:r>
+            <a:r>
+              <a:rPr lang="en-US" dirty="0" smtClean="0">
+                <a:latin typeface="Consolas" panose="020B0609020204030204" pitchFamily="49" charset="0"/>
+                <a:ea typeface="Calibri" panose="020F0502020204030204" pitchFamily="34" charset="0"/>
+                <a:cs typeface="Times New Roman" panose="02020603050405020304" pitchFamily="18" charset="0"/>
+              </a:rPr>
+              <a:t> </a:t>
+            </a:r>
+            <a:r>
+              <a:rPr lang="en-US" dirty="0" smtClean="0">
                 <a:solidFill>
                   <a:srgbClr val="FF0000"/>
                 </a:solidFill>
@@ -17273,15 +17331,7 @@
                 <a:ea typeface="Calibri" panose="020F0502020204030204" pitchFamily="34" charset="0"/>
                 <a:cs typeface="Times New Roman" panose="02020603050405020304" pitchFamily="18" charset="0"/>
               </a:rPr>
-              <a:t>'KS', 'MO'</a:t>
-            </a:r>
-            <a:r>
-              <a:rPr lang="en-US" dirty="0">
-                <a:latin typeface="Consolas" panose="020B0609020204030204" pitchFamily="49" charset="0"/>
-                <a:ea typeface="Calibri" panose="020F0502020204030204" pitchFamily="34" charset="0"/>
-                <a:cs typeface="Times New Roman" panose="02020603050405020304" pitchFamily="18" charset="0"/>
-              </a:rPr>
-              <a:t>)</a:t>
+              <a:t>'MN'</a:t>
             </a:r>
             <a:endParaRPr lang="en-US" sz="2400" dirty="0">
               <a:latin typeface="Calibri" panose="020F0502020204030204" pitchFamily="34" charset="0"/>
@@ -17562,7 +17612,15 @@
             </a:pPr>
             <a:r>
               <a:rPr lang="en-US" sz="3000" dirty="0"/>
-              <a:t>Result is 123 rows / 2 columns</a:t>
+              <a:t>Result is </a:t>
+            </a:r>
+            <a:r>
+              <a:rPr lang="en-US" sz="3000" dirty="0" smtClean="0"/>
+              <a:t>68 rows </a:t>
+            </a:r>
+            <a:r>
+              <a:rPr lang="en-US" sz="3000" dirty="0"/>
+              <a:t>/ 2 columns</a:t>
             </a:r>
           </a:p>
           <a:p>
@@ -17588,11 +17646,11 @@
   <p:clrMapOvr>
     <a:masterClrMapping/>
   </p:clrMapOvr>
-  <mc:AlternateContent xmlns:mc="http://schemas.openxmlformats.org/markup-compatibility/2006">
-    <mc:Choice xmlns:p14="http://schemas.microsoft.com/office/powerpoint/2010/main" Requires="p14">
+  <mc:AlternateContent xmlns:mc="http://schemas.openxmlformats.org/markup-compatibility/2006" xmlns:p14="http://schemas.microsoft.com/office/powerpoint/2010/main">
+    <mc:Choice Requires="p14">
       <p:transition spd="slow" p14:dur="2000"/>
     </mc:Choice>
-    <mc:Fallback>
+    <mc:Fallback xmlns="">
       <p:transition spd="slow"/>
     </mc:Fallback>
   </mc:AlternateContent>
@@ -19369,26 +19427,26 @@
               <a:t> </a:t>
             </a:r>
             <a:r>
-              <a:rPr lang="en-US" dirty="0">
-                <a:solidFill>
-                  <a:srgbClr val="808080"/>
-                </a:solidFill>
-                <a:latin typeface="Consolas" panose="020B0609020204030204" pitchFamily="49" charset="0"/>
-                <a:ea typeface="Calibri" panose="020F0502020204030204" pitchFamily="34" charset="0"/>
-                <a:cs typeface="Times New Roman" panose="02020603050405020304" pitchFamily="18" charset="0"/>
-              </a:rPr>
-              <a:t>in</a:t>
-            </a:r>
-            <a:r>
-              <a:rPr lang="en-US" dirty="0">
-                <a:latin typeface="Consolas" panose="020B0609020204030204" pitchFamily="49" charset="0"/>
-                <a:ea typeface="Calibri" panose="020F0502020204030204" pitchFamily="34" charset="0"/>
-                <a:cs typeface="Times New Roman" panose="02020603050405020304" pitchFamily="18" charset="0"/>
-              </a:rPr>
-              <a:t> (</a:t>
-            </a:r>
-            <a:r>
-              <a:rPr lang="en-US" dirty="0">
+              <a:rPr lang="en-US" dirty="0" smtClean="0">
+                <a:solidFill>
+                  <a:srgbClr val="808080"/>
+                </a:solidFill>
+                <a:latin typeface="Consolas" panose="020B0609020204030204" pitchFamily="49" charset="0"/>
+                <a:ea typeface="Calibri" panose="020F0502020204030204" pitchFamily="34" charset="0"/>
+                <a:cs typeface="Times New Roman" panose="02020603050405020304" pitchFamily="18" charset="0"/>
+              </a:rPr>
+              <a:t>=</a:t>
+            </a:r>
+            <a:r>
+              <a:rPr lang="en-US" dirty="0" smtClean="0">
+                <a:latin typeface="Consolas" panose="020B0609020204030204" pitchFamily="49" charset="0"/>
+                <a:ea typeface="Calibri" panose="020F0502020204030204" pitchFamily="34" charset="0"/>
+                <a:cs typeface="Times New Roman" panose="02020603050405020304" pitchFamily="18" charset="0"/>
+              </a:rPr>
+              <a:t> </a:t>
+            </a:r>
+            <a:r>
+              <a:rPr lang="en-US" dirty="0" smtClean="0">
                 <a:solidFill>
                   <a:srgbClr val="FF0000"/>
                 </a:solidFill>
@@ -19396,15 +19454,7 @@
                 <a:ea typeface="Calibri" panose="020F0502020204030204" pitchFamily="34" charset="0"/>
                 <a:cs typeface="Times New Roman" panose="02020603050405020304" pitchFamily="18" charset="0"/>
               </a:rPr>
-              <a:t>'KS', 'MO'</a:t>
-            </a:r>
-            <a:r>
-              <a:rPr lang="en-US" dirty="0">
-                <a:latin typeface="Consolas" panose="020B0609020204030204" pitchFamily="49" charset="0"/>
-                <a:ea typeface="Calibri" panose="020F0502020204030204" pitchFamily="34" charset="0"/>
-                <a:cs typeface="Times New Roman" panose="02020603050405020304" pitchFamily="18" charset="0"/>
-              </a:rPr>
-              <a:t>)</a:t>
+              <a:t>'MN'</a:t>
             </a:r>
             <a:endParaRPr lang="en-US" sz="2400" dirty="0">
               <a:latin typeface="Calibri" panose="020F0502020204030204" pitchFamily="34" charset="0"/>
@@ -19808,7 +19858,15 @@
             </a:pPr>
             <a:r>
               <a:rPr lang="en-US" sz="3000" dirty="0"/>
-              <a:t>Result is 39 rows / 2 columns</a:t>
+              <a:t>Result is </a:t>
+            </a:r>
+            <a:r>
+              <a:rPr lang="en-US" sz="3000" dirty="0" smtClean="0"/>
+              <a:t>68 rows </a:t>
+            </a:r>
+            <a:r>
+              <a:rPr lang="en-US" sz="3000" dirty="0"/>
+              <a:t>/ 2 columns</a:t>
             </a:r>
           </a:p>
           <a:p>
@@ -19834,11 +19892,11 @@
   <p:clrMapOvr>
     <a:masterClrMapping/>
   </p:clrMapOvr>
-  <mc:AlternateContent xmlns:mc="http://schemas.openxmlformats.org/markup-compatibility/2006">
-    <mc:Choice xmlns:p14="http://schemas.microsoft.com/office/powerpoint/2010/main" Requires="p14">
+  <mc:AlternateContent xmlns:mc="http://schemas.openxmlformats.org/markup-compatibility/2006" xmlns:p14="http://schemas.microsoft.com/office/powerpoint/2010/main">
+    <mc:Choice Requires="p14">
       <p:transition spd="slow" p14:dur="2000"/>
     </mc:Choice>
-    <mc:Fallback>
+    <mc:Fallback xmlns="">
       <p:transition spd="slow"/>
     </mc:Fallback>
   </mc:AlternateContent>
@@ -20682,26 +20740,26 @@
               <a:t> </a:t>
             </a:r>
             <a:r>
-              <a:rPr lang="en-US" dirty="0">
-                <a:solidFill>
-                  <a:srgbClr val="808080"/>
-                </a:solidFill>
-                <a:latin typeface="Consolas" panose="020B0609020204030204" pitchFamily="49" charset="0"/>
-                <a:ea typeface="Calibri" panose="020F0502020204030204" pitchFamily="34" charset="0"/>
-                <a:cs typeface="Times New Roman" panose="02020603050405020304" pitchFamily="18" charset="0"/>
-              </a:rPr>
-              <a:t>in</a:t>
-            </a:r>
-            <a:r>
-              <a:rPr lang="en-US" dirty="0">
-                <a:latin typeface="Consolas" panose="020B0609020204030204" pitchFamily="49" charset="0"/>
-                <a:ea typeface="Calibri" panose="020F0502020204030204" pitchFamily="34" charset="0"/>
-                <a:cs typeface="Times New Roman" panose="02020603050405020304" pitchFamily="18" charset="0"/>
-              </a:rPr>
-              <a:t> (</a:t>
-            </a:r>
-            <a:r>
-              <a:rPr lang="en-US" dirty="0">
+              <a:rPr lang="en-US" dirty="0" smtClean="0">
+                <a:solidFill>
+                  <a:srgbClr val="808080"/>
+                </a:solidFill>
+                <a:latin typeface="Consolas" panose="020B0609020204030204" pitchFamily="49" charset="0"/>
+                <a:ea typeface="Calibri" panose="020F0502020204030204" pitchFamily="34" charset="0"/>
+                <a:cs typeface="Times New Roman" panose="02020603050405020304" pitchFamily="18" charset="0"/>
+              </a:rPr>
+              <a:t>=</a:t>
+            </a:r>
+            <a:r>
+              <a:rPr lang="en-US" dirty="0" smtClean="0">
+                <a:latin typeface="Consolas" panose="020B0609020204030204" pitchFamily="49" charset="0"/>
+                <a:ea typeface="Calibri" panose="020F0502020204030204" pitchFamily="34" charset="0"/>
+                <a:cs typeface="Times New Roman" panose="02020603050405020304" pitchFamily="18" charset="0"/>
+              </a:rPr>
+              <a:t> </a:t>
+            </a:r>
+            <a:r>
+              <a:rPr lang="en-US" dirty="0" smtClean="0">
                 <a:solidFill>
                   <a:srgbClr val="FF0000"/>
                 </a:solidFill>
@@ -20709,15 +20767,7 @@
                 <a:ea typeface="Calibri" panose="020F0502020204030204" pitchFamily="34" charset="0"/>
                 <a:cs typeface="Times New Roman" panose="02020603050405020304" pitchFamily="18" charset="0"/>
               </a:rPr>
-              <a:t>'KS', 'MO'</a:t>
-            </a:r>
-            <a:r>
-              <a:rPr lang="en-US" dirty="0">
-                <a:latin typeface="Consolas" panose="020B0609020204030204" pitchFamily="49" charset="0"/>
-                <a:ea typeface="Calibri" panose="020F0502020204030204" pitchFamily="34" charset="0"/>
-                <a:cs typeface="Times New Roman" panose="02020603050405020304" pitchFamily="18" charset="0"/>
-              </a:rPr>
-              <a:t>)</a:t>
+              <a:t>'MN'</a:t>
             </a:r>
             <a:endParaRPr lang="en-US" sz="2400" dirty="0">
               <a:latin typeface="Calibri" panose="020F0502020204030204" pitchFamily="34" charset="0"/>
@@ -21061,11 +21111,11 @@
   <p:clrMapOvr>
     <a:masterClrMapping/>
   </p:clrMapOvr>
-  <mc:AlternateContent xmlns:mc="http://schemas.openxmlformats.org/markup-compatibility/2006">
-    <mc:Choice xmlns:p14="http://schemas.microsoft.com/office/powerpoint/2010/main" Requires="p14">
+  <mc:AlternateContent xmlns:mc="http://schemas.openxmlformats.org/markup-compatibility/2006" xmlns:p14="http://schemas.microsoft.com/office/powerpoint/2010/main">
+    <mc:Choice Requires="p14">
       <p:transition spd="slow" p14:dur="2000"/>
     </mc:Choice>
-    <mc:Fallback>
+    <mc:Fallback xmlns="">
       <p:transition spd="slow"/>
     </mc:Fallback>
   </mc:AlternateContent>
@@ -21912,26 +21962,18 @@
               <a:t> </a:t>
             </a:r>
             <a:r>
-              <a:rPr lang="en-US" dirty="0">
-                <a:solidFill>
-                  <a:srgbClr val="808080"/>
-                </a:solidFill>
-                <a:latin typeface="Consolas" panose="020B0609020204030204" pitchFamily="49" charset="0"/>
-                <a:ea typeface="Calibri" panose="020F0502020204030204" pitchFamily="34" charset="0"/>
-                <a:cs typeface="Times New Roman" panose="02020603050405020304" pitchFamily="18" charset="0"/>
-              </a:rPr>
-              <a:t>in</a:t>
-            </a:r>
-            <a:r>
-              <a:rPr lang="en-US" dirty="0">
-                <a:latin typeface="Consolas" panose="020B0609020204030204" pitchFamily="49" charset="0"/>
-                <a:ea typeface="Calibri" panose="020F0502020204030204" pitchFamily="34" charset="0"/>
-                <a:cs typeface="Times New Roman" panose="02020603050405020304" pitchFamily="18" charset="0"/>
-              </a:rPr>
-              <a:t> (</a:t>
-            </a:r>
-            <a:r>
-              <a:rPr lang="en-US" dirty="0">
+              <a:rPr lang="en-US" dirty="0" smtClean="0">
+                <a:solidFill>
+                  <a:srgbClr val="808080"/>
+                </a:solidFill>
+                <a:latin typeface="Consolas" panose="020B0609020204030204" pitchFamily="49" charset="0"/>
+                <a:ea typeface="Calibri" panose="020F0502020204030204" pitchFamily="34" charset="0"/>
+                <a:cs typeface="Times New Roman" panose="02020603050405020304" pitchFamily="18" charset="0"/>
+              </a:rPr>
+              <a:t>= </a:t>
+            </a:r>
+            <a:r>
+              <a:rPr lang="en-US" dirty="0" smtClean="0">
                 <a:solidFill>
                   <a:srgbClr val="FF0000"/>
                 </a:solidFill>
@@ -21939,15 +21981,7 @@
                 <a:ea typeface="Calibri" panose="020F0502020204030204" pitchFamily="34" charset="0"/>
                 <a:cs typeface="Times New Roman" panose="02020603050405020304" pitchFamily="18" charset="0"/>
               </a:rPr>
-              <a:t>'KS', 'MO'</a:t>
-            </a:r>
-            <a:r>
-              <a:rPr lang="en-US" dirty="0">
-                <a:latin typeface="Consolas" panose="020B0609020204030204" pitchFamily="49" charset="0"/>
-                <a:ea typeface="Calibri" panose="020F0502020204030204" pitchFamily="34" charset="0"/>
-                <a:cs typeface="Times New Roman" panose="02020603050405020304" pitchFamily="18" charset="0"/>
-              </a:rPr>
-              <a:t>)</a:t>
+              <a:t>'MN'</a:t>
             </a:r>
             <a:endParaRPr lang="en-US" sz="2400" dirty="0">
               <a:latin typeface="Calibri" panose="020F0502020204030204" pitchFamily="34" charset="0"/>
@@ -22349,11 +22383,11 @@
   <p:clrMapOvr>
     <a:masterClrMapping/>
   </p:clrMapOvr>
-  <mc:AlternateContent xmlns:mc="http://schemas.openxmlformats.org/markup-compatibility/2006">
-    <mc:Choice xmlns:p14="http://schemas.microsoft.com/office/powerpoint/2010/main" Requires="p14">
+  <mc:AlternateContent xmlns:mc="http://schemas.openxmlformats.org/markup-compatibility/2006" xmlns:p14="http://schemas.microsoft.com/office/powerpoint/2010/main">
+    <mc:Choice Requires="p14">
       <p:transition spd="slow" p14:dur="2000"/>
     </mc:Choice>
-    <mc:Fallback>
+    <mc:Fallback xmlns="">
       <p:transition spd="slow"/>
     </mc:Fallback>
   </mc:AlternateContent>
@@ -23023,26 +23057,26 @@
               <a:t> </a:t>
             </a:r>
             <a:r>
-              <a:rPr lang="en-US" dirty="0">
-                <a:solidFill>
-                  <a:srgbClr val="808080"/>
-                </a:solidFill>
-                <a:latin typeface="Consolas" panose="020B0609020204030204" pitchFamily="49" charset="0"/>
-                <a:ea typeface="Calibri" panose="020F0502020204030204" pitchFamily="34" charset="0"/>
-                <a:cs typeface="Times New Roman" panose="02020603050405020304" pitchFamily="18" charset="0"/>
-              </a:rPr>
-              <a:t>in</a:t>
-            </a:r>
-            <a:r>
-              <a:rPr lang="en-US" dirty="0">
-                <a:latin typeface="Consolas" panose="020B0609020204030204" pitchFamily="49" charset="0"/>
-                <a:ea typeface="Calibri" panose="020F0502020204030204" pitchFamily="34" charset="0"/>
-                <a:cs typeface="Times New Roman" panose="02020603050405020304" pitchFamily="18" charset="0"/>
-              </a:rPr>
-              <a:t> (</a:t>
-            </a:r>
-            <a:r>
-              <a:rPr lang="en-US" dirty="0">
+              <a:rPr lang="en-US" dirty="0" smtClean="0">
+                <a:solidFill>
+                  <a:srgbClr val="808080"/>
+                </a:solidFill>
+                <a:latin typeface="Consolas" panose="020B0609020204030204" pitchFamily="49" charset="0"/>
+                <a:ea typeface="Calibri" panose="020F0502020204030204" pitchFamily="34" charset="0"/>
+                <a:cs typeface="Times New Roman" panose="02020603050405020304" pitchFamily="18" charset="0"/>
+              </a:rPr>
+              <a:t>=</a:t>
+            </a:r>
+            <a:r>
+              <a:rPr lang="en-US" dirty="0" smtClean="0">
+                <a:latin typeface="Consolas" panose="020B0609020204030204" pitchFamily="49" charset="0"/>
+                <a:ea typeface="Calibri" panose="020F0502020204030204" pitchFamily="34" charset="0"/>
+                <a:cs typeface="Times New Roman" panose="02020603050405020304" pitchFamily="18" charset="0"/>
+              </a:rPr>
+              <a:t> </a:t>
+            </a:r>
+            <a:r>
+              <a:rPr lang="en-US" dirty="0" smtClean="0">
                 <a:solidFill>
                   <a:srgbClr val="FF0000"/>
                 </a:solidFill>
@@ -23050,15 +23084,7 @@
                 <a:ea typeface="Calibri" panose="020F0502020204030204" pitchFamily="34" charset="0"/>
                 <a:cs typeface="Times New Roman" panose="02020603050405020304" pitchFamily="18" charset="0"/>
               </a:rPr>
-              <a:t>'KS', 'MO'</a:t>
-            </a:r>
-            <a:r>
-              <a:rPr lang="en-US" dirty="0">
-                <a:latin typeface="Consolas" panose="020B0609020204030204" pitchFamily="49" charset="0"/>
-                <a:ea typeface="Calibri" panose="020F0502020204030204" pitchFamily="34" charset="0"/>
-                <a:cs typeface="Times New Roman" panose="02020603050405020304" pitchFamily="18" charset="0"/>
-              </a:rPr>
-              <a:t>)</a:t>
+              <a:t>'MN'</a:t>
             </a:r>
             <a:endParaRPr lang="en-US" sz="2400" dirty="0">
               <a:latin typeface="Calibri" panose="020F0502020204030204" pitchFamily="34" charset="0"/>
@@ -23601,11 +23627,11 @@
   <p:clrMapOvr>
     <a:masterClrMapping/>
   </p:clrMapOvr>
-  <mc:AlternateContent xmlns:mc="http://schemas.openxmlformats.org/markup-compatibility/2006">
-    <mc:Choice xmlns:p14="http://schemas.microsoft.com/office/powerpoint/2010/main" Requires="p14">
+  <mc:AlternateContent xmlns:mc="http://schemas.openxmlformats.org/markup-compatibility/2006" xmlns:p14="http://schemas.microsoft.com/office/powerpoint/2010/main">
+    <mc:Choice Requires="p14">
       <p:transition spd="slow" p14:dur="2000"/>
     </mc:Choice>
-    <mc:Fallback>
+    <mc:Fallback xmlns="">
       <p:transition spd="slow"/>
     </mc:Fallback>
   </mc:AlternateContent>
@@ -24274,26 +24300,18 @@
               <a:t> </a:t>
             </a:r>
             <a:r>
-              <a:rPr lang="en-US" sz="1400" dirty="0">
-                <a:solidFill>
-                  <a:srgbClr val="808080"/>
-                </a:solidFill>
-                <a:latin typeface="Consolas" panose="020B0609020204030204" pitchFamily="49" charset="0"/>
-                <a:ea typeface="Calibri" panose="020F0502020204030204" pitchFamily="34" charset="0"/>
-                <a:cs typeface="Times New Roman" panose="02020603050405020304" pitchFamily="18" charset="0"/>
-              </a:rPr>
-              <a:t>in</a:t>
-            </a:r>
-            <a:r>
-              <a:rPr lang="en-US" sz="1400" dirty="0">
-                <a:latin typeface="Consolas" panose="020B0609020204030204" pitchFamily="49" charset="0"/>
-                <a:ea typeface="Calibri" panose="020F0502020204030204" pitchFamily="34" charset="0"/>
-                <a:cs typeface="Times New Roman" panose="02020603050405020304" pitchFamily="18" charset="0"/>
-              </a:rPr>
-              <a:t> (</a:t>
-            </a:r>
-            <a:r>
-              <a:rPr lang="en-US" sz="1400" dirty="0">
+              <a:rPr lang="en-US" sz="1400" dirty="0" smtClean="0">
+                <a:solidFill>
+                  <a:srgbClr val="808080"/>
+                </a:solidFill>
+                <a:latin typeface="Consolas" panose="020B0609020204030204" pitchFamily="49" charset="0"/>
+                <a:ea typeface="Calibri" panose="020F0502020204030204" pitchFamily="34" charset="0"/>
+                <a:cs typeface="Times New Roman" panose="02020603050405020304" pitchFamily="18" charset="0"/>
+              </a:rPr>
+              <a:t>= </a:t>
+            </a:r>
+            <a:r>
+              <a:rPr lang="en-US" sz="1400" dirty="0" smtClean="0">
                 <a:solidFill>
                   <a:srgbClr val="FF0000"/>
                 </a:solidFill>
@@ -24301,15 +24319,7 @@
                 <a:ea typeface="Calibri" panose="020F0502020204030204" pitchFamily="34" charset="0"/>
                 <a:cs typeface="Times New Roman" panose="02020603050405020304" pitchFamily="18" charset="0"/>
               </a:rPr>
-              <a:t>'KS', 'MO'</a:t>
-            </a:r>
-            <a:r>
-              <a:rPr lang="en-US" sz="1400" dirty="0">
-                <a:latin typeface="Consolas" panose="020B0609020204030204" pitchFamily="49" charset="0"/>
-                <a:ea typeface="Calibri" panose="020F0502020204030204" pitchFamily="34" charset="0"/>
-                <a:cs typeface="Times New Roman" panose="02020603050405020304" pitchFamily="18" charset="0"/>
-              </a:rPr>
-              <a:t>)</a:t>
+              <a:t>'MN'</a:t>
             </a:r>
             <a:endParaRPr lang="en-US" dirty="0">
               <a:latin typeface="Calibri" panose="020F0502020204030204" pitchFamily="34" charset="0"/>
@@ -24847,7 +24857,7 @@
       </p:sp>
       <p:pic>
         <p:nvPicPr>
-          <p:cNvPr id="3" name="Picture 2"/>
+          <p:cNvPr id="4" name="Picture 3"/>
           <p:cNvPicPr>
             <a:picLocks noChangeAspect="1"/>
           </p:cNvPicPr>
@@ -24862,7 +24872,7 @@
         <p:spPr>
           <a:xfrm>
             <a:off x="3246120" y="539496"/>
-            <a:ext cx="5428419" cy="5678424"/>
+            <a:ext cx="5421612" cy="5678424"/>
           </a:xfrm>
           <a:prstGeom prst="rect">
             <a:avLst/>
@@ -24879,11 +24889,11 @@
   <p:clrMapOvr>
     <a:masterClrMapping/>
   </p:clrMapOvr>
-  <mc:AlternateContent xmlns:mc="http://schemas.openxmlformats.org/markup-compatibility/2006">
-    <mc:Choice xmlns:p14="http://schemas.microsoft.com/office/powerpoint/2010/main" Requires="p14">
+  <mc:AlternateContent xmlns:mc="http://schemas.openxmlformats.org/markup-compatibility/2006" xmlns:p14="http://schemas.microsoft.com/office/powerpoint/2010/main">
+    <mc:Choice Requires="p14">
       <p:transition spd="slow" p14:dur="2000"/>
     </mc:Choice>
-    <mc:Fallback>
+    <mc:Fallback xmlns="">
       <p:transition spd="slow"/>
     </mc:Fallback>
   </mc:AlternateContent>
@@ -26769,26 +26779,18 @@
               <a:t> </a:t>
             </a:r>
             <a:r>
-              <a:rPr lang="en-US" sz="1400" dirty="0">
-                <a:solidFill>
-                  <a:srgbClr val="808080"/>
-                </a:solidFill>
-                <a:latin typeface="Consolas" panose="020B0609020204030204" pitchFamily="49" charset="0"/>
-                <a:ea typeface="Calibri" panose="020F0502020204030204" pitchFamily="34" charset="0"/>
-                <a:cs typeface="Times New Roman" panose="02020603050405020304" pitchFamily="18" charset="0"/>
-              </a:rPr>
-              <a:t>in</a:t>
-            </a:r>
-            <a:r>
-              <a:rPr lang="en-US" sz="1400" dirty="0">
-                <a:latin typeface="Consolas" panose="020B0609020204030204" pitchFamily="49" charset="0"/>
-                <a:ea typeface="Calibri" panose="020F0502020204030204" pitchFamily="34" charset="0"/>
-                <a:cs typeface="Times New Roman" panose="02020603050405020304" pitchFamily="18" charset="0"/>
-              </a:rPr>
-              <a:t> (</a:t>
-            </a:r>
-            <a:r>
-              <a:rPr lang="en-US" sz="1400" dirty="0">
+              <a:rPr lang="en-US" sz="1400" dirty="0" smtClean="0">
+                <a:solidFill>
+                  <a:srgbClr val="808080"/>
+                </a:solidFill>
+                <a:latin typeface="Consolas" panose="020B0609020204030204" pitchFamily="49" charset="0"/>
+                <a:ea typeface="Calibri" panose="020F0502020204030204" pitchFamily="34" charset="0"/>
+                <a:cs typeface="Times New Roman" panose="02020603050405020304" pitchFamily="18" charset="0"/>
+              </a:rPr>
+              <a:t>= </a:t>
+            </a:r>
+            <a:r>
+              <a:rPr lang="en-US" sz="1400" dirty="0" smtClean="0">
                 <a:solidFill>
                   <a:srgbClr val="FF0000"/>
                 </a:solidFill>
@@ -26796,15 +26798,7 @@
                 <a:ea typeface="Calibri" panose="020F0502020204030204" pitchFamily="34" charset="0"/>
                 <a:cs typeface="Times New Roman" panose="02020603050405020304" pitchFamily="18" charset="0"/>
               </a:rPr>
-              <a:t>'KS', 'MO'</a:t>
-            </a:r>
-            <a:r>
-              <a:rPr lang="en-US" sz="1400" dirty="0">
-                <a:latin typeface="Consolas" panose="020B0609020204030204" pitchFamily="49" charset="0"/>
-                <a:ea typeface="Calibri" panose="020F0502020204030204" pitchFamily="34" charset="0"/>
-                <a:cs typeface="Times New Roman" panose="02020603050405020304" pitchFamily="18" charset="0"/>
-              </a:rPr>
-              <a:t>)</a:t>
+              <a:t>'MN'</a:t>
             </a:r>
             <a:endParaRPr lang="en-US" sz="1400" dirty="0">
               <a:solidFill>
@@ -27110,7 +27104,7 @@
       </p:sp>
       <p:pic>
         <p:nvPicPr>
-          <p:cNvPr id="3" name="Picture 2"/>
+          <p:cNvPr id="4" name="Picture 3"/>
           <p:cNvPicPr>
             <a:picLocks noChangeAspect="1"/>
           </p:cNvPicPr>
@@ -27125,7 +27119,7 @@
         <p:spPr>
           <a:xfrm>
             <a:off x="3246120" y="539496"/>
-            <a:ext cx="5428419" cy="5678424"/>
+            <a:ext cx="5421612" cy="5678424"/>
           </a:xfrm>
           <a:prstGeom prst="rect">
             <a:avLst/>
@@ -27385,7 +27379,7 @@
       </p:sp>
       <p:pic>
         <p:nvPicPr>
-          <p:cNvPr id="3" name="Picture 2"/>
+          <p:cNvPr id="4" name="Picture 3"/>
           <p:cNvPicPr>
             <a:picLocks noChangeAspect="1"/>
           </p:cNvPicPr>
@@ -27399,8 +27393,8 @@
         </p:blipFill>
         <p:spPr>
           <a:xfrm>
-            <a:off x="1238865" y="1387041"/>
-            <a:ext cx="6890364" cy="4620726"/>
+            <a:off x="1243584" y="1389888"/>
+            <a:ext cx="6894576" cy="4629356"/>
           </a:xfrm>
           <a:prstGeom prst="rect">
             <a:avLst/>
@@ -31058,11 +31052,11 @@
   <p:clrMapOvr>
     <a:masterClrMapping/>
   </p:clrMapOvr>
-  <mc:AlternateContent xmlns:mc="http://schemas.openxmlformats.org/markup-compatibility/2006">
-    <mc:Choice xmlns:p14="http://schemas.microsoft.com/office/powerpoint/2010/main" Requires="p14">
+  <mc:AlternateContent xmlns:mc="http://schemas.openxmlformats.org/markup-compatibility/2006" xmlns:p14="http://schemas.microsoft.com/office/powerpoint/2010/main">
+    <mc:Choice Requires="p14">
       <p:transition spd="slow" p14:dur="2000"/>
     </mc:Choice>
-    <mc:Fallback>
+    <mc:Fallback xmlns="">
       <p:transition spd="slow"/>
     </mc:Fallback>
   </mc:AlternateContent>
@@ -31418,14 +31412,14 @@
                 <a:gridCol w="7632835">
                   <a:extLst>
                     <a:ext uri="{9D8B030D-6E8A-4147-A177-3AD203B41FA5}">
-                      <a16:colId xmlns:a16="http://schemas.microsoft.com/office/drawing/2014/main" xmlns="" val="3644048045"/>
+                      <a16:colId xmlns="" xmlns:a16="http://schemas.microsoft.com/office/drawing/2014/main" val="3644048045"/>
                     </a:ext>
                   </a:extLst>
                 </a:gridCol>
                 <a:gridCol w="606393">
                   <a:extLst>
                     <a:ext uri="{9D8B030D-6E8A-4147-A177-3AD203B41FA5}">
-                      <a16:colId xmlns:a16="http://schemas.microsoft.com/office/drawing/2014/main" xmlns="" val="2034254753"/>
+                      <a16:colId xmlns="" xmlns:a16="http://schemas.microsoft.com/office/drawing/2014/main" val="2034254753"/>
                     </a:ext>
                   </a:extLst>
                 </a:gridCol>
@@ -31456,7 +31450,7 @@
                 </a:tc>
                 <a:extLst>
                   <a:ext uri="{0D108BD9-81ED-4DB2-BD59-A6C34878D82A}">
-                    <a16:rowId xmlns:a16="http://schemas.microsoft.com/office/drawing/2014/main" xmlns="" val="2708275910"/>
+                    <a16:rowId xmlns="" xmlns:a16="http://schemas.microsoft.com/office/drawing/2014/main" val="2708275910"/>
                   </a:ext>
                 </a:extLst>
               </a:tr>
@@ -31490,7 +31484,7 @@
                 </a:tc>
                 <a:extLst>
                   <a:ext uri="{0D108BD9-81ED-4DB2-BD59-A6C34878D82A}">
-                    <a16:rowId xmlns:a16="http://schemas.microsoft.com/office/drawing/2014/main" xmlns="" val="2161984115"/>
+                    <a16:rowId xmlns="" xmlns:a16="http://schemas.microsoft.com/office/drawing/2014/main" val="2161984115"/>
                   </a:ext>
                 </a:extLst>
               </a:tr>
@@ -31537,7 +31531,7 @@
                 </a:tc>
                 <a:extLst>
                   <a:ext uri="{0D108BD9-81ED-4DB2-BD59-A6C34878D82A}">
-                    <a16:rowId xmlns:a16="http://schemas.microsoft.com/office/drawing/2014/main" xmlns="" val="2841678841"/>
+                    <a16:rowId xmlns="" xmlns:a16="http://schemas.microsoft.com/office/drawing/2014/main" val="2841678841"/>
                   </a:ext>
                 </a:extLst>
               </a:tr>
@@ -31571,7 +31565,7 @@
                 </a:tc>
                 <a:extLst>
                   <a:ext uri="{0D108BD9-81ED-4DB2-BD59-A6C34878D82A}">
-                    <a16:rowId xmlns:a16="http://schemas.microsoft.com/office/drawing/2014/main" xmlns="" val="3144998627"/>
+                    <a16:rowId xmlns="" xmlns:a16="http://schemas.microsoft.com/office/drawing/2014/main" val="3144998627"/>
                   </a:ext>
                 </a:extLst>
               </a:tr>
@@ -31613,7 +31607,7 @@
                 </a:tc>
                 <a:extLst>
                   <a:ext uri="{0D108BD9-81ED-4DB2-BD59-A6C34878D82A}">
-                    <a16:rowId xmlns:a16="http://schemas.microsoft.com/office/drawing/2014/main" xmlns="" val="1419261869"/>
+                    <a16:rowId xmlns="" xmlns:a16="http://schemas.microsoft.com/office/drawing/2014/main" val="1419261869"/>
                   </a:ext>
                 </a:extLst>
               </a:tr>
@@ -31651,7 +31645,7 @@
                 </a:tc>
                 <a:extLst>
                   <a:ext uri="{0D108BD9-81ED-4DB2-BD59-A6C34878D82A}">
-                    <a16:rowId xmlns:a16="http://schemas.microsoft.com/office/drawing/2014/main" xmlns="" val="1427391072"/>
+                    <a16:rowId xmlns="" xmlns:a16="http://schemas.microsoft.com/office/drawing/2014/main" val="1427391072"/>
                   </a:ext>
                 </a:extLst>
               </a:tr>
@@ -31698,7 +31692,7 @@
                 </a:tc>
                 <a:extLst>
                   <a:ext uri="{0D108BD9-81ED-4DB2-BD59-A6C34878D82A}">
-                    <a16:rowId xmlns:a16="http://schemas.microsoft.com/office/drawing/2014/main" xmlns="" val="2346539918"/>
+                    <a16:rowId xmlns="" xmlns:a16="http://schemas.microsoft.com/office/drawing/2014/main" val="2346539918"/>
                   </a:ext>
                 </a:extLst>
               </a:tr>
@@ -31737,7 +31731,7 @@
                 </a:tc>
                 <a:extLst>
                   <a:ext uri="{0D108BD9-81ED-4DB2-BD59-A6C34878D82A}">
-                    <a16:rowId xmlns:a16="http://schemas.microsoft.com/office/drawing/2014/main" xmlns="" val="2275483042"/>
+                    <a16:rowId xmlns="" xmlns:a16="http://schemas.microsoft.com/office/drawing/2014/main" val="2275483042"/>
                   </a:ext>
                 </a:extLst>
               </a:tr>
@@ -31775,7 +31769,7 @@
                 </a:tc>
                 <a:extLst>
                   <a:ext uri="{0D108BD9-81ED-4DB2-BD59-A6C34878D82A}">
-                    <a16:rowId xmlns:a16="http://schemas.microsoft.com/office/drawing/2014/main" xmlns="" val="4202569347"/>
+                    <a16:rowId xmlns="" xmlns:a16="http://schemas.microsoft.com/office/drawing/2014/main" val="4202569347"/>
                   </a:ext>
                 </a:extLst>
               </a:tr>
@@ -31809,7 +31803,7 @@
                 </a:tc>
                 <a:extLst>
                   <a:ext uri="{0D108BD9-81ED-4DB2-BD59-A6C34878D82A}">
-                    <a16:rowId xmlns:a16="http://schemas.microsoft.com/office/drawing/2014/main" xmlns="" val="2989839269"/>
+                    <a16:rowId xmlns="" xmlns:a16="http://schemas.microsoft.com/office/drawing/2014/main" val="2989839269"/>
                   </a:ext>
                 </a:extLst>
               </a:tr>
@@ -31843,7 +31837,7 @@
                 </a:tc>
                 <a:extLst>
                   <a:ext uri="{0D108BD9-81ED-4DB2-BD59-A6C34878D82A}">
-                    <a16:rowId xmlns:a16="http://schemas.microsoft.com/office/drawing/2014/main" xmlns="" val="2130545569"/>
+                    <a16:rowId xmlns="" xmlns:a16="http://schemas.microsoft.com/office/drawing/2014/main" val="2130545569"/>
                   </a:ext>
                 </a:extLst>
               </a:tr>
@@ -31899,7 +31893,7 @@
                 </a:tc>
                 <a:extLst>
                   <a:ext uri="{0D108BD9-81ED-4DB2-BD59-A6C34878D82A}">
-                    <a16:rowId xmlns:a16="http://schemas.microsoft.com/office/drawing/2014/main" xmlns="" val="1848127216"/>
+                    <a16:rowId xmlns="" xmlns:a16="http://schemas.microsoft.com/office/drawing/2014/main" val="1848127216"/>
                   </a:ext>
                 </a:extLst>
               </a:tr>
@@ -31993,11 +31987,11 @@
   <p:clrMapOvr>
     <a:masterClrMapping/>
   </p:clrMapOvr>
-  <mc:AlternateContent xmlns:mc="http://schemas.openxmlformats.org/markup-compatibility/2006">
-    <mc:Choice xmlns:p14="http://schemas.microsoft.com/office/powerpoint/2010/main" Requires="p14">
+  <mc:AlternateContent xmlns:mc="http://schemas.openxmlformats.org/markup-compatibility/2006" xmlns:p14="http://schemas.microsoft.com/office/powerpoint/2010/main">
+    <mc:Choice Requires="p14">
       <p:transition spd="slow" p14:dur="2000"/>
     </mc:Choice>
-    <mc:Fallback>
+    <mc:Fallback xmlns="">
       <p:transition spd="slow"/>
     </mc:Fallback>
   </mc:AlternateContent>
@@ -32353,14 +32347,14 @@
                 <a:gridCol w="4119615">
                   <a:extLst>
                     <a:ext uri="{9D8B030D-6E8A-4147-A177-3AD203B41FA5}">
-                      <a16:colId xmlns:a16="http://schemas.microsoft.com/office/drawing/2014/main" xmlns="" val="3644048045"/>
+                      <a16:colId xmlns="" xmlns:a16="http://schemas.microsoft.com/office/drawing/2014/main" val="3644048045"/>
                     </a:ext>
                   </a:extLst>
                 </a:gridCol>
                 <a:gridCol w="4119613">
                   <a:extLst>
                     <a:ext uri="{9D8B030D-6E8A-4147-A177-3AD203B41FA5}">
-                      <a16:colId xmlns:a16="http://schemas.microsoft.com/office/drawing/2014/main" xmlns="" val="2034254753"/>
+                      <a16:colId xmlns="" xmlns:a16="http://schemas.microsoft.com/office/drawing/2014/main" val="2034254753"/>
                     </a:ext>
                   </a:extLst>
                 </a:gridCol>
@@ -32396,7 +32390,7 @@
                 </a:tc>
                 <a:extLst>
                   <a:ext uri="{0D108BD9-81ED-4DB2-BD59-A6C34878D82A}">
-                    <a16:rowId xmlns:a16="http://schemas.microsoft.com/office/drawing/2014/main" xmlns="" val="2708275910"/>
+                    <a16:rowId xmlns="" xmlns:a16="http://schemas.microsoft.com/office/drawing/2014/main" val="2708275910"/>
                   </a:ext>
                 </a:extLst>
               </a:tr>
@@ -32596,7 +32590,7 @@
                 </a:tc>
                 <a:extLst>
                   <a:ext uri="{0D108BD9-81ED-4DB2-BD59-A6C34878D82A}">
-                    <a16:rowId xmlns:a16="http://schemas.microsoft.com/office/drawing/2014/main" xmlns="" val="2161984115"/>
+                    <a16:rowId xmlns="" xmlns:a16="http://schemas.microsoft.com/office/drawing/2014/main" val="2161984115"/>
                   </a:ext>
                 </a:extLst>
               </a:tr>
@@ -32796,7 +32790,7 @@
                 </a:tc>
                 <a:extLst>
                   <a:ext uri="{0D108BD9-81ED-4DB2-BD59-A6C34878D82A}">
-                    <a16:rowId xmlns:a16="http://schemas.microsoft.com/office/drawing/2014/main" xmlns="" val="2841678841"/>
+                    <a16:rowId xmlns="" xmlns:a16="http://schemas.microsoft.com/office/drawing/2014/main" val="2841678841"/>
                   </a:ext>
                 </a:extLst>
               </a:tr>
@@ -32996,7 +32990,7 @@
                 </a:tc>
                 <a:extLst>
                   <a:ext uri="{0D108BD9-81ED-4DB2-BD59-A6C34878D82A}">
-                    <a16:rowId xmlns:a16="http://schemas.microsoft.com/office/drawing/2014/main" xmlns="" val="3144998627"/>
+                    <a16:rowId xmlns="" xmlns:a16="http://schemas.microsoft.com/office/drawing/2014/main" val="3144998627"/>
                   </a:ext>
                 </a:extLst>
               </a:tr>
@@ -33196,7 +33190,7 @@
                 </a:tc>
                 <a:extLst>
                   <a:ext uri="{0D108BD9-81ED-4DB2-BD59-A6C34878D82A}">
-                    <a16:rowId xmlns:a16="http://schemas.microsoft.com/office/drawing/2014/main" xmlns="" val="1419261869"/>
+                    <a16:rowId xmlns="" xmlns:a16="http://schemas.microsoft.com/office/drawing/2014/main" val="1419261869"/>
                   </a:ext>
                 </a:extLst>
               </a:tr>
@@ -33396,7 +33390,7 @@
                 </a:tc>
                 <a:extLst>
                   <a:ext uri="{0D108BD9-81ED-4DB2-BD59-A6C34878D82A}">
-                    <a16:rowId xmlns:a16="http://schemas.microsoft.com/office/drawing/2014/main" xmlns="" val="1427391072"/>
+                    <a16:rowId xmlns="" xmlns:a16="http://schemas.microsoft.com/office/drawing/2014/main" val="1427391072"/>
                   </a:ext>
                 </a:extLst>
               </a:tr>
@@ -33596,7 +33590,7 @@
                 </a:tc>
                 <a:extLst>
                   <a:ext uri="{0D108BD9-81ED-4DB2-BD59-A6C34878D82A}">
-                    <a16:rowId xmlns:a16="http://schemas.microsoft.com/office/drawing/2014/main" xmlns="" val="2346539918"/>
+                    <a16:rowId xmlns="" xmlns:a16="http://schemas.microsoft.com/office/drawing/2014/main" val="2346539918"/>
                   </a:ext>
                 </a:extLst>
               </a:tr>
@@ -33805,7 +33799,7 @@
                 </a:tc>
                 <a:extLst>
                   <a:ext uri="{0D108BD9-81ED-4DB2-BD59-A6C34878D82A}">
-                    <a16:rowId xmlns:a16="http://schemas.microsoft.com/office/drawing/2014/main" xmlns="" val="2275483042"/>
+                    <a16:rowId xmlns="" xmlns:a16="http://schemas.microsoft.com/office/drawing/2014/main" val="2275483042"/>
                   </a:ext>
                 </a:extLst>
               </a:tr>
@@ -34014,7 +34008,7 @@
                 </a:tc>
                 <a:extLst>
                   <a:ext uri="{0D108BD9-81ED-4DB2-BD59-A6C34878D82A}">
-                    <a16:rowId xmlns:a16="http://schemas.microsoft.com/office/drawing/2014/main" xmlns="" val="4202569347"/>
+                    <a16:rowId xmlns="" xmlns:a16="http://schemas.microsoft.com/office/drawing/2014/main" val="4202569347"/>
                   </a:ext>
                 </a:extLst>
               </a:tr>
@@ -34223,7 +34217,7 @@
                 </a:tc>
                 <a:extLst>
                   <a:ext uri="{0D108BD9-81ED-4DB2-BD59-A6C34878D82A}">
-                    <a16:rowId xmlns:a16="http://schemas.microsoft.com/office/drawing/2014/main" xmlns="" val="2989839269"/>
+                    <a16:rowId xmlns="" xmlns:a16="http://schemas.microsoft.com/office/drawing/2014/main" val="2989839269"/>
                   </a:ext>
                 </a:extLst>
               </a:tr>
@@ -34432,7 +34426,7 @@
                 </a:tc>
                 <a:extLst>
                   <a:ext uri="{0D108BD9-81ED-4DB2-BD59-A6C34878D82A}">
-                    <a16:rowId xmlns:a16="http://schemas.microsoft.com/office/drawing/2014/main" xmlns="" val="2130545569"/>
+                    <a16:rowId xmlns="" xmlns:a16="http://schemas.microsoft.com/office/drawing/2014/main" val="2130545569"/>
                   </a:ext>
                 </a:extLst>
               </a:tr>
@@ -34641,7 +34635,7 @@
                 </a:tc>
                 <a:extLst>
                   <a:ext uri="{0D108BD9-81ED-4DB2-BD59-A6C34878D82A}">
-                    <a16:rowId xmlns:a16="http://schemas.microsoft.com/office/drawing/2014/main" xmlns="" val="3045796785"/>
+                    <a16:rowId xmlns="" xmlns:a16="http://schemas.microsoft.com/office/drawing/2014/main" val="3045796785"/>
                   </a:ext>
                 </a:extLst>
               </a:tr>
@@ -34850,7 +34844,7 @@
                 </a:tc>
                 <a:extLst>
                   <a:ext uri="{0D108BD9-81ED-4DB2-BD59-A6C34878D82A}">
-                    <a16:rowId xmlns:a16="http://schemas.microsoft.com/office/drawing/2014/main" xmlns="" val="1091494175"/>
+                    <a16:rowId xmlns="" xmlns:a16="http://schemas.microsoft.com/office/drawing/2014/main" val="1091494175"/>
                   </a:ext>
                 </a:extLst>
               </a:tr>
@@ -34868,11 +34862,11 @@
   <p:clrMapOvr>
     <a:masterClrMapping/>
   </p:clrMapOvr>
-  <mc:AlternateContent xmlns:mc="http://schemas.openxmlformats.org/markup-compatibility/2006">
-    <mc:Choice xmlns:p14="http://schemas.microsoft.com/office/powerpoint/2010/main" Requires="p14">
+  <mc:AlternateContent xmlns:mc="http://schemas.openxmlformats.org/markup-compatibility/2006" xmlns:p14="http://schemas.microsoft.com/office/powerpoint/2010/main">
+    <mc:Choice Requires="p14">
       <p:transition spd="slow" p14:dur="2000"/>
     </mc:Choice>
-    <mc:Fallback>
+    <mc:Fallback xmlns="">
       <p:transition spd="slow"/>
     </mc:Fallback>
   </mc:AlternateContent>
@@ -34988,11 +34982,11 @@
   <p:clrMapOvr>
     <a:masterClrMapping/>
   </p:clrMapOvr>
-  <mc:AlternateContent xmlns:mc="http://schemas.openxmlformats.org/markup-compatibility/2006">
-    <mc:Choice xmlns:p14="http://schemas.microsoft.com/office/powerpoint/2010/main" Requires="p14">
+  <mc:AlternateContent xmlns:mc="http://schemas.openxmlformats.org/markup-compatibility/2006" xmlns:p14="http://schemas.microsoft.com/office/powerpoint/2010/main">
+    <mc:Choice Requires="p14">
       <p:transition spd="slow" p14:dur="2000"/>
     </mc:Choice>
-    <mc:Fallback>
+    <mc:Fallback xmlns="">
       <p:transition spd="slow"/>
     </mc:Fallback>
   </mc:AlternateContent>
@@ -35279,11 +35273,11 @@
   <p:clrMapOvr>
     <a:masterClrMapping/>
   </p:clrMapOvr>
-  <mc:AlternateContent xmlns:mc="http://schemas.openxmlformats.org/markup-compatibility/2006">
-    <mc:Choice xmlns:p14="http://schemas.microsoft.com/office/powerpoint/2010/main" Requires="p14">
+  <mc:AlternateContent xmlns:mc="http://schemas.openxmlformats.org/markup-compatibility/2006" xmlns:p14="http://schemas.microsoft.com/office/powerpoint/2010/main">
+    <mc:Choice Requires="p14">
       <p:transition spd="slow" p14:dur="2000"/>
     </mc:Choice>
-    <mc:Fallback>
+    <mc:Fallback xmlns="">
       <p:transition spd="slow"/>
     </mc:Fallback>
   </mc:AlternateContent>
@@ -35983,11 +35977,11 @@
   <p:clrMapOvr>
     <a:masterClrMapping/>
   </p:clrMapOvr>
-  <mc:AlternateContent xmlns:mc="http://schemas.openxmlformats.org/markup-compatibility/2006">
-    <mc:Choice xmlns:p14="http://schemas.microsoft.com/office/powerpoint/2010/main" Requires="p14">
+  <mc:AlternateContent xmlns:mc="http://schemas.openxmlformats.org/markup-compatibility/2006" xmlns:p14="http://schemas.microsoft.com/office/powerpoint/2010/main">
+    <mc:Choice Requires="p14">
       <p:transition spd="slow" p14:dur="2000"/>
     </mc:Choice>
-    <mc:Fallback>
+    <mc:Fallback xmlns="">
       <p:transition spd="slow"/>
     </mc:Fallback>
   </mc:AlternateContent>
@@ -36158,11 +36152,11 @@
   <p:clrMapOvr>
     <a:masterClrMapping/>
   </p:clrMapOvr>
-  <mc:AlternateContent xmlns:mc="http://schemas.openxmlformats.org/markup-compatibility/2006">
-    <mc:Choice xmlns:p14="http://schemas.microsoft.com/office/powerpoint/2010/main" Requires="p14">
+  <mc:AlternateContent xmlns:mc="http://schemas.openxmlformats.org/markup-compatibility/2006" xmlns:p14="http://schemas.microsoft.com/office/powerpoint/2010/main">
+    <mc:Choice Requires="p14">
       <p:transition spd="slow" p14:dur="2000"/>
     </mc:Choice>
-    <mc:Fallback>
+    <mc:Fallback xmlns="">
       <p:transition spd="slow"/>
     </mc:Fallback>
   </mc:AlternateContent>
@@ -36266,11 +36260,11 @@
   <p:clrMapOvr>
     <a:masterClrMapping/>
   </p:clrMapOvr>
-  <mc:AlternateContent xmlns:mc="http://schemas.openxmlformats.org/markup-compatibility/2006">
-    <mc:Choice xmlns:p14="http://schemas.microsoft.com/office/powerpoint/2010/main" Requires="p14">
+  <mc:AlternateContent xmlns:mc="http://schemas.openxmlformats.org/markup-compatibility/2006" xmlns:p14="http://schemas.microsoft.com/office/powerpoint/2010/main">
+    <mc:Choice Requires="p14">
       <p:transition spd="slow" p14:dur="2000"/>
     </mc:Choice>
-    <mc:Fallback>
+    <mc:Fallback xmlns="">
       <p:transition spd="slow"/>
     </mc:Fallback>
   </mc:AlternateContent>
@@ -36686,11 +36680,11 @@
   <p:clrMapOvr>
     <a:masterClrMapping/>
   </p:clrMapOvr>
-  <mc:AlternateContent xmlns:mc="http://schemas.openxmlformats.org/markup-compatibility/2006">
-    <mc:Choice xmlns:p14="http://schemas.microsoft.com/office/powerpoint/2010/main" Requires="p14">
+  <mc:AlternateContent xmlns:mc="http://schemas.openxmlformats.org/markup-compatibility/2006" xmlns:p14="http://schemas.microsoft.com/office/powerpoint/2010/main">
+    <mc:Choice Requires="p14">
       <p:transition spd="slow" p14:dur="2000"/>
     </mc:Choice>
-    <mc:Fallback>
+    <mc:Fallback xmlns="">
       <p:transition spd="slow"/>
     </mc:Fallback>
   </mc:AlternateContent>
@@ -37946,11 +37940,11 @@
   <p:clrMapOvr>
     <a:masterClrMapping/>
   </p:clrMapOvr>
-  <mc:AlternateContent xmlns:mc="http://schemas.openxmlformats.org/markup-compatibility/2006">
-    <mc:Choice xmlns:p14="http://schemas.microsoft.com/office/powerpoint/2010/main" Requires="p14">
+  <mc:AlternateContent xmlns:mc="http://schemas.openxmlformats.org/markup-compatibility/2006" xmlns:p14="http://schemas.microsoft.com/office/powerpoint/2010/main">
+    <mc:Choice Requires="p14">
       <p:transition spd="slow" p14:dur="2000"/>
     </mc:Choice>
-    <mc:Fallback>
+    <mc:Fallback xmlns="">
       <p:transition spd="slow"/>
     </mc:Fallback>
   </mc:AlternateContent>
@@ -38745,14 +38739,14 @@
                 <a:gridCol w="957714">
                   <a:extLst>
                     <a:ext uri="{9D8B030D-6E8A-4147-A177-3AD203B41FA5}">
-                      <a16:colId xmlns:a16="http://schemas.microsoft.com/office/drawing/2014/main" xmlns="" val="3940544257"/>
+                      <a16:colId xmlns="" xmlns:a16="http://schemas.microsoft.com/office/drawing/2014/main" val="3940544257"/>
                     </a:ext>
                   </a:extLst>
                 </a:gridCol>
                 <a:gridCol w="2464067">
                   <a:extLst>
                     <a:ext uri="{9D8B030D-6E8A-4147-A177-3AD203B41FA5}">
-                      <a16:colId xmlns:a16="http://schemas.microsoft.com/office/drawing/2014/main" xmlns="" val="3658567973"/>
+                      <a16:colId xmlns="" xmlns:a16="http://schemas.microsoft.com/office/drawing/2014/main" val="3658567973"/>
                     </a:ext>
                   </a:extLst>
                 </a:gridCol>
@@ -38786,7 +38780,7 @@
                 </a:tc>
                 <a:extLst>
                   <a:ext uri="{0D108BD9-81ED-4DB2-BD59-A6C34878D82A}">
-                    <a16:rowId xmlns:a16="http://schemas.microsoft.com/office/drawing/2014/main" xmlns="" val="1032275335"/>
+                    <a16:rowId xmlns="" xmlns:a16="http://schemas.microsoft.com/office/drawing/2014/main" val="1032275335"/>
                   </a:ext>
                 </a:extLst>
               </a:tr>
@@ -38916,7 +38910,7 @@
                 </a:tc>
                 <a:extLst>
                   <a:ext uri="{0D108BD9-81ED-4DB2-BD59-A6C34878D82A}">
-                    <a16:rowId xmlns:a16="http://schemas.microsoft.com/office/drawing/2014/main" xmlns="" val="4191484087"/>
+                    <a16:rowId xmlns="" xmlns:a16="http://schemas.microsoft.com/office/drawing/2014/main" val="4191484087"/>
                   </a:ext>
                 </a:extLst>
               </a:tr>
@@ -38990,7 +38984,7 @@
                 </a:tc>
                 <a:extLst>
                   <a:ext uri="{0D108BD9-81ED-4DB2-BD59-A6C34878D82A}">
-                    <a16:rowId xmlns:a16="http://schemas.microsoft.com/office/drawing/2014/main" xmlns="" val="1864588626"/>
+                    <a16:rowId xmlns="" xmlns:a16="http://schemas.microsoft.com/office/drawing/2014/main" val="1864588626"/>
                   </a:ext>
                 </a:extLst>
               </a:tr>
@@ -39112,7 +39106,7 @@
                 </a:tc>
                 <a:extLst>
                   <a:ext uri="{0D108BD9-81ED-4DB2-BD59-A6C34878D82A}">
-                    <a16:rowId xmlns:a16="http://schemas.microsoft.com/office/drawing/2014/main" xmlns="" val="3035259714"/>
+                    <a16:rowId xmlns="" xmlns:a16="http://schemas.microsoft.com/office/drawing/2014/main" val="3035259714"/>
                   </a:ext>
                 </a:extLst>
               </a:tr>
@@ -39201,7 +39195,7 @@
                 </a:tc>
                 <a:extLst>
                   <a:ext uri="{0D108BD9-81ED-4DB2-BD59-A6C34878D82A}">
-                    <a16:rowId xmlns:a16="http://schemas.microsoft.com/office/drawing/2014/main" xmlns="" val="2023621082"/>
+                    <a16:rowId xmlns="" xmlns:a16="http://schemas.microsoft.com/office/drawing/2014/main" val="2023621082"/>
                   </a:ext>
                 </a:extLst>
               </a:tr>
@@ -39290,7 +39284,7 @@
                 </a:tc>
                 <a:extLst>
                   <a:ext uri="{0D108BD9-81ED-4DB2-BD59-A6C34878D82A}">
-                    <a16:rowId xmlns:a16="http://schemas.microsoft.com/office/drawing/2014/main" xmlns="" val="120016333"/>
+                    <a16:rowId xmlns="" xmlns:a16="http://schemas.microsoft.com/office/drawing/2014/main" val="120016333"/>
                   </a:ext>
                 </a:extLst>
               </a:tr>
@@ -39435,21 +39429,21 @@
                 <a:gridCol w="960120">
                   <a:extLst>
                     <a:ext uri="{9D8B030D-6E8A-4147-A177-3AD203B41FA5}">
-                      <a16:colId xmlns:a16="http://schemas.microsoft.com/office/drawing/2014/main" xmlns="" val="392696932"/>
+                      <a16:colId xmlns="" xmlns:a16="http://schemas.microsoft.com/office/drawing/2014/main" val="392696932"/>
                     </a:ext>
                   </a:extLst>
                 </a:gridCol>
                 <a:gridCol w="2468880">
                   <a:extLst>
                     <a:ext uri="{9D8B030D-6E8A-4147-A177-3AD203B41FA5}">
-                      <a16:colId xmlns:a16="http://schemas.microsoft.com/office/drawing/2014/main" xmlns="" val="2769969192"/>
+                      <a16:colId xmlns="" xmlns:a16="http://schemas.microsoft.com/office/drawing/2014/main" val="2769969192"/>
                     </a:ext>
                   </a:extLst>
                 </a:gridCol>
                 <a:gridCol w="2468880">
                   <a:extLst>
                     <a:ext uri="{9D8B030D-6E8A-4147-A177-3AD203B41FA5}">
-                      <a16:colId xmlns:a16="http://schemas.microsoft.com/office/drawing/2014/main" xmlns="" val="2022610816"/>
+                      <a16:colId xmlns="" xmlns:a16="http://schemas.microsoft.com/office/drawing/2014/main" val="2022610816"/>
                     </a:ext>
                   </a:extLst>
                 </a:gridCol>
@@ -39501,7 +39495,7 @@
                 </a:tc>
                 <a:extLst>
                   <a:ext uri="{0D108BD9-81ED-4DB2-BD59-A6C34878D82A}">
-                    <a16:rowId xmlns:a16="http://schemas.microsoft.com/office/drawing/2014/main" xmlns="" val="2344937666"/>
+                    <a16:rowId xmlns="" xmlns:a16="http://schemas.microsoft.com/office/drawing/2014/main" val="2344937666"/>
                   </a:ext>
                 </a:extLst>
               </a:tr>
@@ -39634,7 +39628,7 @@
                 </a:tc>
                 <a:extLst>
                   <a:ext uri="{0D108BD9-81ED-4DB2-BD59-A6C34878D82A}">
-                    <a16:rowId xmlns:a16="http://schemas.microsoft.com/office/drawing/2014/main" xmlns="" val="1917341330"/>
+                    <a16:rowId xmlns="" xmlns:a16="http://schemas.microsoft.com/office/drawing/2014/main" val="1917341330"/>
                   </a:ext>
                 </a:extLst>
               </a:tr>
@@ -39851,7 +39845,7 @@
                 </a:tc>
                 <a:extLst>
                   <a:ext uri="{0D108BD9-81ED-4DB2-BD59-A6C34878D82A}">
-                    <a16:rowId xmlns:a16="http://schemas.microsoft.com/office/drawing/2014/main" xmlns="" val="3088042860"/>
+                    <a16:rowId xmlns="" xmlns:a16="http://schemas.microsoft.com/office/drawing/2014/main" val="3088042860"/>
                   </a:ext>
                 </a:extLst>
               </a:tr>
@@ -39935,7 +39929,7 @@
                 </a:tc>
                 <a:extLst>
                   <a:ext uri="{0D108BD9-81ED-4DB2-BD59-A6C34878D82A}">
-                    <a16:rowId xmlns:a16="http://schemas.microsoft.com/office/drawing/2014/main" xmlns="" val="2658530722"/>
+                    <a16:rowId xmlns="" xmlns:a16="http://schemas.microsoft.com/office/drawing/2014/main" val="2658530722"/>
                   </a:ext>
                 </a:extLst>
               </a:tr>
@@ -40067,7 +40061,7 @@
                 </a:tc>
                 <a:extLst>
                   <a:ext uri="{0D108BD9-81ED-4DB2-BD59-A6C34878D82A}">
-                    <a16:rowId xmlns:a16="http://schemas.microsoft.com/office/drawing/2014/main" xmlns="" val="1481886367"/>
+                    <a16:rowId xmlns="" xmlns:a16="http://schemas.microsoft.com/office/drawing/2014/main" val="1481886367"/>
                   </a:ext>
                 </a:extLst>
               </a:tr>
@@ -40166,7 +40160,7 @@
                 </a:tc>
                 <a:extLst>
                   <a:ext uri="{0D108BD9-81ED-4DB2-BD59-A6C34878D82A}">
-                    <a16:rowId xmlns:a16="http://schemas.microsoft.com/office/drawing/2014/main" xmlns="" val="4248384778"/>
+                    <a16:rowId xmlns="" xmlns:a16="http://schemas.microsoft.com/office/drawing/2014/main" val="4248384778"/>
                   </a:ext>
                 </a:extLst>
               </a:tr>
@@ -40265,7 +40259,7 @@
                 </a:tc>
                 <a:extLst>
                   <a:ext uri="{0D108BD9-81ED-4DB2-BD59-A6C34878D82A}">
-                    <a16:rowId xmlns:a16="http://schemas.microsoft.com/office/drawing/2014/main" xmlns="" val="1670483340"/>
+                    <a16:rowId xmlns="" xmlns:a16="http://schemas.microsoft.com/office/drawing/2014/main" val="1670483340"/>
                   </a:ext>
                 </a:extLst>
               </a:tr>
@@ -40410,28 +40404,28 @@
                 <a:gridCol w="960120">
                   <a:extLst>
                     <a:ext uri="{9D8B030D-6E8A-4147-A177-3AD203B41FA5}">
-                      <a16:colId xmlns:a16="http://schemas.microsoft.com/office/drawing/2014/main" xmlns="" val="392696932"/>
+                      <a16:colId xmlns="" xmlns:a16="http://schemas.microsoft.com/office/drawing/2014/main" val="392696932"/>
                     </a:ext>
                   </a:extLst>
                 </a:gridCol>
                 <a:gridCol w="2468880">
                   <a:extLst>
                     <a:ext uri="{9D8B030D-6E8A-4147-A177-3AD203B41FA5}">
-                      <a16:colId xmlns:a16="http://schemas.microsoft.com/office/drawing/2014/main" xmlns="" val="2769969192"/>
+                      <a16:colId xmlns="" xmlns:a16="http://schemas.microsoft.com/office/drawing/2014/main" val="2769969192"/>
                     </a:ext>
                   </a:extLst>
                 </a:gridCol>
                 <a:gridCol w="2468880">
                   <a:extLst>
                     <a:ext uri="{9D8B030D-6E8A-4147-A177-3AD203B41FA5}">
-                      <a16:colId xmlns:a16="http://schemas.microsoft.com/office/drawing/2014/main" xmlns="" val="2022610816"/>
+                      <a16:colId xmlns="" xmlns:a16="http://schemas.microsoft.com/office/drawing/2014/main" val="2022610816"/>
                     </a:ext>
                   </a:extLst>
                 </a:gridCol>
                 <a:gridCol w="2468880">
                   <a:extLst>
                     <a:ext uri="{9D8B030D-6E8A-4147-A177-3AD203B41FA5}">
-                      <a16:colId xmlns:a16="http://schemas.microsoft.com/office/drawing/2014/main" xmlns="" val="102813283"/>
+                      <a16:colId xmlns="" xmlns:a16="http://schemas.microsoft.com/office/drawing/2014/main" val="102813283"/>
                     </a:ext>
                   </a:extLst>
                 </a:gridCol>
@@ -40496,7 +40490,7 @@
                 </a:tc>
                 <a:extLst>
                   <a:ext uri="{0D108BD9-81ED-4DB2-BD59-A6C34878D82A}">
-                    <a16:rowId xmlns:a16="http://schemas.microsoft.com/office/drawing/2014/main" xmlns="" val="2344937666"/>
+                    <a16:rowId xmlns="" xmlns:a16="http://schemas.microsoft.com/office/drawing/2014/main" val="2344937666"/>
                   </a:ext>
                 </a:extLst>
               </a:tr>
@@ -40656,7 +40650,7 @@
                 </a:tc>
                 <a:extLst>
                   <a:ext uri="{0D108BD9-81ED-4DB2-BD59-A6C34878D82A}">
-                    <a16:rowId xmlns:a16="http://schemas.microsoft.com/office/drawing/2014/main" xmlns="" val="1917341330"/>
+                    <a16:rowId xmlns="" xmlns:a16="http://schemas.microsoft.com/office/drawing/2014/main" val="1917341330"/>
                   </a:ext>
                 </a:extLst>
               </a:tr>
@@ -40960,7 +40954,7 @@
                 </a:tc>
                 <a:extLst>
                   <a:ext uri="{0D108BD9-81ED-4DB2-BD59-A6C34878D82A}">
-                    <a16:rowId xmlns:a16="http://schemas.microsoft.com/office/drawing/2014/main" xmlns="" val="3088042860"/>
+                    <a16:rowId xmlns="" xmlns:a16="http://schemas.microsoft.com/office/drawing/2014/main" val="3088042860"/>
                   </a:ext>
                 </a:extLst>
               </a:tr>
@@ -41054,7 +41048,7 @@
                 </a:tc>
                 <a:extLst>
                   <a:ext uri="{0D108BD9-81ED-4DB2-BD59-A6C34878D82A}">
-                    <a16:rowId xmlns:a16="http://schemas.microsoft.com/office/drawing/2014/main" xmlns="" val="2658530722"/>
+                    <a16:rowId xmlns="" xmlns:a16="http://schemas.microsoft.com/office/drawing/2014/main" val="2658530722"/>
                   </a:ext>
                 </a:extLst>
               </a:tr>
@@ -41247,7 +41241,7 @@
                 </a:tc>
                 <a:extLst>
                   <a:ext uri="{0D108BD9-81ED-4DB2-BD59-A6C34878D82A}">
-                    <a16:rowId xmlns:a16="http://schemas.microsoft.com/office/drawing/2014/main" xmlns="" val="1481886367"/>
+                    <a16:rowId xmlns="" xmlns:a16="http://schemas.microsoft.com/office/drawing/2014/main" val="1481886367"/>
                   </a:ext>
                 </a:extLst>
               </a:tr>
@@ -41356,7 +41350,7 @@
                 </a:tc>
                 <a:extLst>
                   <a:ext uri="{0D108BD9-81ED-4DB2-BD59-A6C34878D82A}">
-                    <a16:rowId xmlns:a16="http://schemas.microsoft.com/office/drawing/2014/main" xmlns="" val="4248384778"/>
+                    <a16:rowId xmlns="" xmlns:a16="http://schemas.microsoft.com/office/drawing/2014/main" val="4248384778"/>
                   </a:ext>
                 </a:extLst>
               </a:tr>
@@ -41465,7 +41459,7 @@
                 </a:tc>
                 <a:extLst>
                   <a:ext uri="{0D108BD9-81ED-4DB2-BD59-A6C34878D82A}">
-                    <a16:rowId xmlns:a16="http://schemas.microsoft.com/office/drawing/2014/main" xmlns="" val="1670483340"/>
+                    <a16:rowId xmlns="" xmlns:a16="http://schemas.microsoft.com/office/drawing/2014/main" val="1670483340"/>
                   </a:ext>
                 </a:extLst>
               </a:tr>
@@ -42423,11 +42417,11 @@
   <p:clrMapOvr>
     <a:masterClrMapping/>
   </p:clrMapOvr>
-  <mc:AlternateContent xmlns:mc="http://schemas.openxmlformats.org/markup-compatibility/2006">
-    <mc:Choice xmlns:p14="http://schemas.microsoft.com/office/powerpoint/2010/main" Requires="p14">
+  <mc:AlternateContent xmlns:mc="http://schemas.openxmlformats.org/markup-compatibility/2006" xmlns:p14="http://schemas.microsoft.com/office/powerpoint/2010/main">
+    <mc:Choice Requires="p14">
       <p:transition spd="slow" p14:dur="2000"/>
     </mc:Choice>
-    <mc:Fallback>
+    <mc:Fallback xmlns="">
       <p:transition spd="slow"/>
     </mc:Fallback>
   </mc:AlternateContent>
@@ -42502,14 +42496,14 @@
                 <a:gridCol w="934278">
                   <a:extLst>
                     <a:ext uri="{9D8B030D-6E8A-4147-A177-3AD203B41FA5}">
-                      <a16:colId xmlns:a16="http://schemas.microsoft.com/office/drawing/2014/main" xmlns="" val="4198655800"/>
+                      <a16:colId xmlns="" xmlns:a16="http://schemas.microsoft.com/office/drawing/2014/main" val="4198655800"/>
                     </a:ext>
                   </a:extLst>
                 </a:gridCol>
                 <a:gridCol w="7295322">
                   <a:extLst>
                     <a:ext uri="{9D8B030D-6E8A-4147-A177-3AD203B41FA5}">
-                      <a16:colId xmlns:a16="http://schemas.microsoft.com/office/drawing/2014/main" xmlns="" val="135413862"/>
+                      <a16:colId xmlns="" xmlns:a16="http://schemas.microsoft.com/office/drawing/2014/main" val="135413862"/>
                     </a:ext>
                   </a:extLst>
                 </a:gridCol>
@@ -42543,7 +42537,7 @@
                 </a:tc>
                 <a:extLst>
                   <a:ext uri="{0D108BD9-81ED-4DB2-BD59-A6C34878D82A}">
-                    <a16:rowId xmlns:a16="http://schemas.microsoft.com/office/drawing/2014/main" xmlns="" val="3068323444"/>
+                    <a16:rowId xmlns="" xmlns:a16="http://schemas.microsoft.com/office/drawing/2014/main" val="3068323444"/>
                   </a:ext>
                 </a:extLst>
               </a:tr>
@@ -42576,7 +42570,7 @@
                 </a:tc>
                 <a:extLst>
                   <a:ext uri="{0D108BD9-81ED-4DB2-BD59-A6C34878D82A}">
-                    <a16:rowId xmlns:a16="http://schemas.microsoft.com/office/drawing/2014/main" xmlns="" val="1586961909"/>
+                    <a16:rowId xmlns="" xmlns:a16="http://schemas.microsoft.com/office/drawing/2014/main" val="1586961909"/>
                   </a:ext>
                 </a:extLst>
               </a:tr>
@@ -42614,7 +42608,7 @@
                 </a:tc>
                 <a:extLst>
                   <a:ext uri="{0D108BD9-81ED-4DB2-BD59-A6C34878D82A}">
-                    <a16:rowId xmlns:a16="http://schemas.microsoft.com/office/drawing/2014/main" xmlns="" val="2280300197"/>
+                    <a16:rowId xmlns="" xmlns:a16="http://schemas.microsoft.com/office/drawing/2014/main" val="2280300197"/>
                   </a:ext>
                 </a:extLst>
               </a:tr>
@@ -42652,7 +42646,7 @@
                 </a:tc>
                 <a:extLst>
                   <a:ext uri="{0D108BD9-81ED-4DB2-BD59-A6C34878D82A}">
-                    <a16:rowId xmlns:a16="http://schemas.microsoft.com/office/drawing/2014/main" xmlns="" val="1192843310"/>
+                    <a16:rowId xmlns="" xmlns:a16="http://schemas.microsoft.com/office/drawing/2014/main" val="1192843310"/>
                   </a:ext>
                 </a:extLst>
               </a:tr>
@@ -42690,7 +42684,7 @@
                 </a:tc>
                 <a:extLst>
                   <a:ext uri="{0D108BD9-81ED-4DB2-BD59-A6C34878D82A}">
-                    <a16:rowId xmlns:a16="http://schemas.microsoft.com/office/drawing/2014/main" xmlns="" val="2620585158"/>
+                    <a16:rowId xmlns="" xmlns:a16="http://schemas.microsoft.com/office/drawing/2014/main" val="2620585158"/>
                   </a:ext>
                 </a:extLst>
               </a:tr>
@@ -42723,7 +42717,7 @@
                 </a:tc>
                 <a:extLst>
                   <a:ext uri="{0D108BD9-81ED-4DB2-BD59-A6C34878D82A}">
-                    <a16:rowId xmlns:a16="http://schemas.microsoft.com/office/drawing/2014/main" xmlns="" val="1697738616"/>
+                    <a16:rowId xmlns="" xmlns:a16="http://schemas.microsoft.com/office/drawing/2014/main" val="1697738616"/>
                   </a:ext>
                 </a:extLst>
               </a:tr>
@@ -42761,7 +42755,7 @@
                 </a:tc>
                 <a:extLst>
                   <a:ext uri="{0D108BD9-81ED-4DB2-BD59-A6C34878D82A}">
-                    <a16:rowId xmlns:a16="http://schemas.microsoft.com/office/drawing/2014/main" xmlns="" val="316611556"/>
+                    <a16:rowId xmlns="" xmlns:a16="http://schemas.microsoft.com/office/drawing/2014/main" val="316611556"/>
                   </a:ext>
                 </a:extLst>
               </a:tr>
@@ -42794,7 +42788,7 @@
                 </a:tc>
                 <a:extLst>
                   <a:ext uri="{0D108BD9-81ED-4DB2-BD59-A6C34878D82A}">
-                    <a16:rowId xmlns:a16="http://schemas.microsoft.com/office/drawing/2014/main" xmlns="" val="1312814102"/>
+                    <a16:rowId xmlns="" xmlns:a16="http://schemas.microsoft.com/office/drawing/2014/main" val="1312814102"/>
                   </a:ext>
                 </a:extLst>
               </a:tr>
@@ -42827,7 +42821,7 @@
                 </a:tc>
                 <a:extLst>
                   <a:ext uri="{0D108BD9-81ED-4DB2-BD59-A6C34878D82A}">
-                    <a16:rowId xmlns:a16="http://schemas.microsoft.com/office/drawing/2014/main" xmlns="" val="1975533996"/>
+                    <a16:rowId xmlns="" xmlns:a16="http://schemas.microsoft.com/office/drawing/2014/main" val="1975533996"/>
                   </a:ext>
                 </a:extLst>
               </a:tr>
@@ -42860,7 +42854,7 @@
                 </a:tc>
                 <a:extLst>
                   <a:ext uri="{0D108BD9-81ED-4DB2-BD59-A6C34878D82A}">
-                    <a16:rowId xmlns:a16="http://schemas.microsoft.com/office/drawing/2014/main" xmlns="" val="2759032957"/>
+                    <a16:rowId xmlns="" xmlns:a16="http://schemas.microsoft.com/office/drawing/2014/main" val="2759032957"/>
                   </a:ext>
                 </a:extLst>
               </a:tr>
@@ -42949,14 +42943,14 @@
                 <a:gridCol w="934278">
                   <a:extLst>
                     <a:ext uri="{9D8B030D-6E8A-4147-A177-3AD203B41FA5}">
-                      <a16:colId xmlns:a16="http://schemas.microsoft.com/office/drawing/2014/main" xmlns="" val="4198655800"/>
+                      <a16:colId xmlns="" xmlns:a16="http://schemas.microsoft.com/office/drawing/2014/main" val="4198655800"/>
                     </a:ext>
                   </a:extLst>
                 </a:gridCol>
                 <a:gridCol w="7295322">
                   <a:extLst>
                     <a:ext uri="{9D8B030D-6E8A-4147-A177-3AD203B41FA5}">
-                      <a16:colId xmlns:a16="http://schemas.microsoft.com/office/drawing/2014/main" xmlns="" val="135413862"/>
+                      <a16:colId xmlns="" xmlns:a16="http://schemas.microsoft.com/office/drawing/2014/main" val="135413862"/>
                     </a:ext>
                   </a:extLst>
                 </a:gridCol>
@@ -42990,7 +42984,7 @@
                 </a:tc>
                 <a:extLst>
                   <a:ext uri="{0D108BD9-81ED-4DB2-BD59-A6C34878D82A}">
-                    <a16:rowId xmlns:a16="http://schemas.microsoft.com/office/drawing/2014/main" xmlns="" val="3068323444"/>
+                    <a16:rowId xmlns="" xmlns:a16="http://schemas.microsoft.com/office/drawing/2014/main" val="3068323444"/>
                   </a:ext>
                 </a:extLst>
               </a:tr>
@@ -43023,7 +43017,7 @@
                 </a:tc>
                 <a:extLst>
                   <a:ext uri="{0D108BD9-81ED-4DB2-BD59-A6C34878D82A}">
-                    <a16:rowId xmlns:a16="http://schemas.microsoft.com/office/drawing/2014/main" xmlns="" val="2484981654"/>
+                    <a16:rowId xmlns="" xmlns:a16="http://schemas.microsoft.com/office/drawing/2014/main" val="2484981654"/>
                   </a:ext>
                 </a:extLst>
               </a:tr>
@@ -43061,7 +43055,7 @@
                 </a:tc>
                 <a:extLst>
                   <a:ext uri="{0D108BD9-81ED-4DB2-BD59-A6C34878D82A}">
-                    <a16:rowId xmlns:a16="http://schemas.microsoft.com/office/drawing/2014/main" xmlns="" val="1377910784"/>
+                    <a16:rowId xmlns="" xmlns:a16="http://schemas.microsoft.com/office/drawing/2014/main" val="1377910784"/>
                   </a:ext>
                 </a:extLst>
               </a:tr>
@@ -43094,7 +43088,7 @@
                 </a:tc>
                 <a:extLst>
                   <a:ext uri="{0D108BD9-81ED-4DB2-BD59-A6C34878D82A}">
-                    <a16:rowId xmlns:a16="http://schemas.microsoft.com/office/drawing/2014/main" xmlns="" val="1387856053"/>
+                    <a16:rowId xmlns="" xmlns:a16="http://schemas.microsoft.com/office/drawing/2014/main" val="1387856053"/>
                   </a:ext>
                 </a:extLst>
               </a:tr>
@@ -43132,7 +43126,7 @@
                 </a:tc>
                 <a:extLst>
                   <a:ext uri="{0D108BD9-81ED-4DB2-BD59-A6C34878D82A}">
-                    <a16:rowId xmlns:a16="http://schemas.microsoft.com/office/drawing/2014/main" xmlns="" val="2599123823"/>
+                    <a16:rowId xmlns="" xmlns:a16="http://schemas.microsoft.com/office/drawing/2014/main" val="2599123823"/>
                   </a:ext>
                 </a:extLst>
               </a:tr>
@@ -43173,7 +43167,7 @@
                 </a:tc>
                 <a:extLst>
                   <a:ext uri="{0D108BD9-81ED-4DB2-BD59-A6C34878D82A}">
-                    <a16:rowId xmlns:a16="http://schemas.microsoft.com/office/drawing/2014/main" xmlns="" val="1232603862"/>
+                    <a16:rowId xmlns="" xmlns:a16="http://schemas.microsoft.com/office/drawing/2014/main" val="1232603862"/>
                   </a:ext>
                 </a:extLst>
               </a:tr>
@@ -43206,7 +43200,7 @@
                 </a:tc>
                 <a:extLst>
                   <a:ext uri="{0D108BD9-81ED-4DB2-BD59-A6C34878D82A}">
-                    <a16:rowId xmlns:a16="http://schemas.microsoft.com/office/drawing/2014/main" xmlns="" val="4145944521"/>
+                    <a16:rowId xmlns="" xmlns:a16="http://schemas.microsoft.com/office/drawing/2014/main" val="4145944521"/>
                   </a:ext>
                 </a:extLst>
               </a:tr>
@@ -43244,7 +43238,7 @@
                 </a:tc>
                 <a:extLst>
                   <a:ext uri="{0D108BD9-81ED-4DB2-BD59-A6C34878D82A}">
-                    <a16:rowId xmlns:a16="http://schemas.microsoft.com/office/drawing/2014/main" xmlns="" val="2954677722"/>
+                    <a16:rowId xmlns="" xmlns:a16="http://schemas.microsoft.com/office/drawing/2014/main" val="2954677722"/>
                   </a:ext>
                 </a:extLst>
               </a:tr>
@@ -43277,7 +43271,7 @@
                 </a:tc>
                 <a:extLst>
                   <a:ext uri="{0D108BD9-81ED-4DB2-BD59-A6C34878D82A}">
-                    <a16:rowId xmlns:a16="http://schemas.microsoft.com/office/drawing/2014/main" xmlns="" val="205903975"/>
+                    <a16:rowId xmlns="" xmlns:a16="http://schemas.microsoft.com/office/drawing/2014/main" val="205903975"/>
                   </a:ext>
                 </a:extLst>
               </a:tr>
@@ -43310,7 +43304,7 @@
                 </a:tc>
                 <a:extLst>
                   <a:ext uri="{0D108BD9-81ED-4DB2-BD59-A6C34878D82A}">
-                    <a16:rowId xmlns:a16="http://schemas.microsoft.com/office/drawing/2014/main" xmlns="" val="2893595017"/>
+                    <a16:rowId xmlns="" xmlns:a16="http://schemas.microsoft.com/office/drawing/2014/main" val="2893595017"/>
                   </a:ext>
                 </a:extLst>
               </a:tr>
@@ -43343,7 +43337,7 @@
                 </a:tc>
                 <a:extLst>
                   <a:ext uri="{0D108BD9-81ED-4DB2-BD59-A6C34878D82A}">
-                    <a16:rowId xmlns:a16="http://schemas.microsoft.com/office/drawing/2014/main" xmlns="" val="2337380595"/>
+                    <a16:rowId xmlns="" xmlns:a16="http://schemas.microsoft.com/office/drawing/2014/main" val="2337380595"/>
                   </a:ext>
                 </a:extLst>
               </a:tr>
@@ -44602,11 +44596,11 @@
   <p:clrMapOvr>
     <a:masterClrMapping/>
   </p:clrMapOvr>
-  <mc:AlternateContent xmlns:mc="http://schemas.openxmlformats.org/markup-compatibility/2006">
-    <mc:Choice xmlns:p14="http://schemas.microsoft.com/office/powerpoint/2010/main" Requires="p14">
+  <mc:AlternateContent xmlns:mc="http://schemas.openxmlformats.org/markup-compatibility/2006" xmlns:p14="http://schemas.microsoft.com/office/powerpoint/2010/main">
+    <mc:Choice Requires="p14">
       <p:transition spd="slow" p14:dur="2000"/>
     </mc:Choice>
-    <mc:Fallback>
+    <mc:Fallback xmlns="">
       <p:transition spd="slow"/>
     </mc:Fallback>
   </mc:AlternateContent>
@@ -45232,11 +45226,11 @@
   <p:clrMapOvr>
     <a:masterClrMapping/>
   </p:clrMapOvr>
-  <mc:AlternateContent xmlns:mc="http://schemas.openxmlformats.org/markup-compatibility/2006">
-    <mc:Choice xmlns:p14="http://schemas.microsoft.com/office/powerpoint/2010/main" Requires="p14">
+  <mc:AlternateContent xmlns:mc="http://schemas.openxmlformats.org/markup-compatibility/2006" xmlns:p14="http://schemas.microsoft.com/office/powerpoint/2010/main">
+    <mc:Choice Requires="p14">
       <p:transition spd="slow" p14:dur="2000"/>
     </mc:Choice>
-    <mc:Fallback>
+    <mc:Fallback xmlns="">
       <p:transition spd="slow"/>
     </mc:Fallback>
   </mc:AlternateContent>
@@ -45870,11 +45864,11 @@
   <p:clrMapOvr>
     <a:masterClrMapping/>
   </p:clrMapOvr>
-  <mc:AlternateContent xmlns:mc="http://schemas.openxmlformats.org/markup-compatibility/2006">
-    <mc:Choice xmlns:p14="http://schemas.microsoft.com/office/powerpoint/2010/main" Requires="p14">
+  <mc:AlternateContent xmlns:mc="http://schemas.openxmlformats.org/markup-compatibility/2006" xmlns:p14="http://schemas.microsoft.com/office/powerpoint/2010/main">
+    <mc:Choice Requires="p14">
       <p:transition spd="slow" p14:dur="2000"/>
     </mc:Choice>
-    <mc:Fallback>
+    <mc:Fallback xmlns="">
       <p:transition spd="slow"/>
     </mc:Fallback>
   </mc:AlternateContent>

--- a/Optimizer.pptx
+++ b/Optimizer.pptx
@@ -31,12 +31,12 @@
     <p:sldId id="273" r:id="rId22"/>
     <p:sldId id="274" r:id="rId23"/>
     <p:sldId id="323" r:id="rId24"/>
-    <p:sldId id="324" r:id="rId25"/>
-    <p:sldId id="331" r:id="rId26"/>
-    <p:sldId id="276" r:id="rId27"/>
-    <p:sldId id="277" r:id="rId28"/>
-    <p:sldId id="296" r:id="rId29"/>
-    <p:sldId id="325" r:id="rId30"/>
+    <p:sldId id="331" r:id="rId25"/>
+    <p:sldId id="276" r:id="rId26"/>
+    <p:sldId id="277" r:id="rId27"/>
+    <p:sldId id="296" r:id="rId28"/>
+    <p:sldId id="325" r:id="rId29"/>
+    <p:sldId id="324" r:id="rId30"/>
     <p:sldId id="280" r:id="rId31"/>
     <p:sldId id="329" r:id="rId32"/>
     <p:sldId id="281" r:id="rId33"/>
@@ -677,11 +677,11 @@
           <a:p>
             <a:r>
               <a:rPr lang="en-US" dirty="0"/>
-              <a:t>Merge join generally the best performing,</a:t>
+              <a:t>After</a:t>
             </a:r>
             <a:r>
               <a:rPr lang="en-US" baseline="0" dirty="0"/>
-              <a:t> but requires sorted input on join columns.  Only valid for equijoins.</a:t>
+              <a:t> this slide, type in a demo!</a:t>
             </a:r>
           </a:p>
           <a:p>
@@ -690,16 +690,7 @@
           <a:p>
             <a:r>
               <a:rPr lang="en-US" baseline="0" dirty="0"/>
-              <a:t>Nested loops best when inputs are of significantly different size.  Only join operator that works for joins using inequalities.</a:t>
-            </a:r>
-          </a:p>
-          <a:p>
-            <a:endParaRPr lang="en-US" baseline="0" dirty="0"/>
-          </a:p>
-          <a:p>
-            <a:r>
-              <a:rPr lang="en-US" baseline="0" dirty="0"/>
-              <a:t>Hash join works well with large inputs without sorted input, but is only valid for equijoins.</a:t>
+              <a:t>Then run through Parse Trees demo script.</a:t>
             </a:r>
             <a:endParaRPr lang="en-US" dirty="0"/>
           </a:p>
@@ -722,7 +713,7 @@
           <a:p>
             <a:fld id="{ADDBA41D-AE03-4F1C-B074-B56312AFAE46}" type="slidenum">
               <a:rPr lang="en-US" smtClean="0"/>
-              <a:t>27</a:t>
+              <a:t>28</a:t>
             </a:fld>
             <a:endParaRPr lang="en-US"/>
           </a:p>
@@ -731,7 +722,7 @@
     </p:spTree>
     <p:extLst>
       <p:ext uri="{BB962C8B-B14F-4D97-AF65-F5344CB8AC3E}">
-        <p14:creationId xmlns:p14="http://schemas.microsoft.com/office/powerpoint/2010/main" val="611840543"/>
+        <p14:creationId xmlns:p14="http://schemas.microsoft.com/office/powerpoint/2010/main" val="506269797"/>
       </p:ext>
     </p:extLst>
   </p:cSld>
@@ -832,7 +823,7 @@
     </p:spTree>
     <p:extLst>
       <p:ext uri="{BB962C8B-B14F-4D97-AF65-F5344CB8AC3E}">
-        <p14:creationId xmlns:p14="http://schemas.microsoft.com/office/powerpoint/2010/main" val="506269797"/>
+        <p14:creationId xmlns:p14="http://schemas.microsoft.com/office/powerpoint/2010/main" val="883350520"/>
       </p:ext>
     </p:extLst>
   </p:cSld>
@@ -2822,11 +2813,11 @@
           <a:p>
             <a:r>
               <a:rPr lang="en-US" dirty="0"/>
-              <a:t>After</a:t>
+              <a:t>Merge join generally the best performing,</a:t>
             </a:r>
             <a:r>
               <a:rPr lang="en-US" baseline="0" dirty="0"/>
-              <a:t> this slide, type in a demo!</a:t>
+              <a:t> but requires sorted input on join columns.  Only valid for equijoins.</a:t>
             </a:r>
           </a:p>
           <a:p>
@@ -2835,7 +2826,16 @@
           <a:p>
             <a:r>
               <a:rPr lang="en-US" baseline="0" dirty="0"/>
-              <a:t>Then run through Parse Trees demo script.</a:t>
+              <a:t>Nested loops best when inputs are of significantly different size.  Only join operator that works for joins using inequalities.</a:t>
+            </a:r>
+          </a:p>
+          <a:p>
+            <a:endParaRPr lang="en-US" baseline="0" dirty="0"/>
+          </a:p>
+          <a:p>
+            <a:r>
+              <a:rPr lang="en-US" baseline="0" dirty="0"/>
+              <a:t>Hash join works well with large inputs without sorted input, but is only valid for equijoins.</a:t>
             </a:r>
             <a:endParaRPr lang="en-US" dirty="0"/>
           </a:p>
@@ -2858,7 +2858,7 @@
           <a:p>
             <a:fld id="{ADDBA41D-AE03-4F1C-B074-B56312AFAE46}" type="slidenum">
               <a:rPr lang="en-US" smtClean="0"/>
-              <a:t>24</a:t>
+              <a:t>26</a:t>
             </a:fld>
             <a:endParaRPr lang="en-US"/>
           </a:p>
@@ -2867,7 +2867,7 @@
     </p:spTree>
     <p:extLst>
       <p:ext uri="{BB962C8B-B14F-4D97-AF65-F5344CB8AC3E}">
-        <p14:creationId xmlns:p14="http://schemas.microsoft.com/office/powerpoint/2010/main" val="883350520"/>
+        <p14:creationId xmlns:p14="http://schemas.microsoft.com/office/powerpoint/2010/main" val="611840543"/>
       </p:ext>
     </p:extLst>
   </p:cSld>
@@ -7138,6 +7138,13 @@
   <p:clrMapOvr>
     <a:masterClrMapping/>
   </p:clrMapOvr>
+  <p:timing>
+    <p:tnLst>
+      <p:par>
+        <p:cTn id="1" dur="indefinite" restart="never" nodeType="tmRoot"/>
+      </p:par>
+    </p:tnLst>
+  </p:timing>
 </p:sld>
 </file>
 
@@ -7239,6 +7246,13 @@
   <p:clrMapOvr>
     <a:masterClrMapping/>
   </p:clrMapOvr>
+  <p:timing>
+    <p:tnLst>
+      <p:par>
+        <p:cTn id="1" dur="indefinite" restart="never" nodeType="tmRoot"/>
+      </p:par>
+    </p:tnLst>
+  </p:timing>
 </p:sld>
 </file>
 
@@ -7453,6 +7467,13 @@
   <p:clrMapOvr>
     <a:masterClrMapping/>
   </p:clrMapOvr>
+  <p:timing>
+    <p:tnLst>
+      <p:par>
+        <p:cTn id="1" dur="indefinite" restart="never" nodeType="tmRoot"/>
+      </p:par>
+    </p:tnLst>
+  </p:timing>
 </p:sld>
 </file>
 
@@ -8660,21 +8681,21 @@
                 <a:gridCol w="2764301">
                   <a:extLst>
                     <a:ext uri="{9D8B030D-6E8A-4147-A177-3AD203B41FA5}">
-                      <a16:colId xmlns="" xmlns:a16="http://schemas.microsoft.com/office/drawing/2014/main" val="234227049"/>
+                      <a16:colId xmlns:a16="http://schemas.microsoft.com/office/drawing/2014/main" xmlns="" val="234227049"/>
                     </a:ext>
                   </a:extLst>
                 </a:gridCol>
                 <a:gridCol w="2764301">
                   <a:extLst>
                     <a:ext uri="{9D8B030D-6E8A-4147-A177-3AD203B41FA5}">
-                      <a16:colId xmlns="" xmlns:a16="http://schemas.microsoft.com/office/drawing/2014/main" val="4053135350"/>
+                      <a16:colId xmlns:a16="http://schemas.microsoft.com/office/drawing/2014/main" xmlns="" val="4053135350"/>
                     </a:ext>
                   </a:extLst>
                 </a:gridCol>
                 <a:gridCol w="2764301">
                   <a:extLst>
                     <a:ext uri="{9D8B030D-6E8A-4147-A177-3AD203B41FA5}">
-                      <a16:colId xmlns="" xmlns:a16="http://schemas.microsoft.com/office/drawing/2014/main" val="672378647"/>
+                      <a16:colId xmlns:a16="http://schemas.microsoft.com/office/drawing/2014/main" xmlns="" val="672378647"/>
                     </a:ext>
                   </a:extLst>
                 </a:gridCol>
@@ -8724,7 +8745,7 @@
                 </a:tc>
                 <a:extLst>
                   <a:ext uri="{0D108BD9-81ED-4DB2-BD59-A6C34878D82A}">
-                    <a16:rowId xmlns="" xmlns:a16="http://schemas.microsoft.com/office/drawing/2014/main" val="2843053056"/>
+                    <a16:rowId xmlns:a16="http://schemas.microsoft.com/office/drawing/2014/main" xmlns="" val="2843053056"/>
                   </a:ext>
                 </a:extLst>
               </a:tr>
@@ -8774,7 +8795,7 @@
                 </a:tc>
                 <a:extLst>
                   <a:ext uri="{0D108BD9-81ED-4DB2-BD59-A6C34878D82A}">
-                    <a16:rowId xmlns="" xmlns:a16="http://schemas.microsoft.com/office/drawing/2014/main" val="3055328934"/>
+                    <a16:rowId xmlns:a16="http://schemas.microsoft.com/office/drawing/2014/main" xmlns="" val="3055328934"/>
                   </a:ext>
                 </a:extLst>
               </a:tr>
@@ -8824,7 +8845,7 @@
                 </a:tc>
                 <a:extLst>
                   <a:ext uri="{0D108BD9-81ED-4DB2-BD59-A6C34878D82A}">
-                    <a16:rowId xmlns="" xmlns:a16="http://schemas.microsoft.com/office/drawing/2014/main" val="1144851549"/>
+                    <a16:rowId xmlns:a16="http://schemas.microsoft.com/office/drawing/2014/main" xmlns="" val="1144851549"/>
                   </a:ext>
                 </a:extLst>
               </a:tr>
@@ -8873,7 +8894,7 @@
                 </a:tc>
                 <a:extLst>
                   <a:ext uri="{0D108BD9-81ED-4DB2-BD59-A6C34878D82A}">
-                    <a16:rowId xmlns="" xmlns:a16="http://schemas.microsoft.com/office/drawing/2014/main" val="4258932578"/>
+                    <a16:rowId xmlns:a16="http://schemas.microsoft.com/office/drawing/2014/main" xmlns="" val="4258932578"/>
                   </a:ext>
                 </a:extLst>
               </a:tr>
@@ -8899,11 +8920,18 @@
       <p:transition spd="slow"/>
     </mc:Fallback>
   </mc:AlternateContent>
+  <p:timing>
+    <p:tnLst>
+      <p:par>
+        <p:cTn id="1" dur="indefinite" restart="never" nodeType="tmRoot"/>
+      </p:par>
+    </p:tnLst>
+  </p:timing>
 </p:sld>
 </file>
 
 <file path=ppt/slides/slide13.xml><?xml version="1.0" encoding="utf-8"?>
-<p:sld xmlns:a="http://schemas.openxmlformats.org/drawingml/2006/main" xmlns:r="http://schemas.openxmlformats.org/officeDocument/2006/relationships" xmlns:p="http://schemas.openxmlformats.org/presentationml/2006/main">
+<p:sld xmlns:a="http://schemas.openxmlformats.org/drawingml/2006/main" xmlns:r="http://schemas.openxmlformats.org/officeDocument/2006/relationships" xmlns:p="http://schemas.openxmlformats.org/presentationml/2006/main" show="0">
   <p:cSld>
     <p:spTree>
       <p:nvGrpSpPr>
@@ -10238,19 +10266,26 @@
   <p:clrMapOvr>
     <a:masterClrMapping/>
   </p:clrMapOvr>
-  <mc:AlternateContent xmlns:mc="http://schemas.openxmlformats.org/markup-compatibility/2006" xmlns:p14="http://schemas.microsoft.com/office/powerpoint/2010/main">
-    <mc:Choice Requires="p14">
+  <mc:AlternateContent xmlns:mc="http://schemas.openxmlformats.org/markup-compatibility/2006">
+    <mc:Choice xmlns:p14="http://schemas.microsoft.com/office/powerpoint/2010/main" Requires="p14">
       <p:transition spd="slow" p14:dur="2000"/>
     </mc:Choice>
-    <mc:Fallback xmlns="">
+    <mc:Fallback>
       <p:transition spd="slow"/>
     </mc:Fallback>
   </mc:AlternateContent>
+  <p:timing>
+    <p:tnLst>
+      <p:par>
+        <p:cTn id="1" dur="indefinite" restart="never" nodeType="tmRoot"/>
+      </p:par>
+    </p:tnLst>
+  </p:timing>
 </p:sld>
 </file>
 
 <file path=ppt/slides/slide14.xml><?xml version="1.0" encoding="utf-8"?>
-<p:sld xmlns:a="http://schemas.openxmlformats.org/drawingml/2006/main" xmlns:r="http://schemas.openxmlformats.org/officeDocument/2006/relationships" xmlns:p="http://schemas.openxmlformats.org/presentationml/2006/main">
+<p:sld xmlns:a="http://schemas.openxmlformats.org/drawingml/2006/main" xmlns:r="http://schemas.openxmlformats.org/officeDocument/2006/relationships" xmlns:p="http://schemas.openxmlformats.org/presentationml/2006/main" show="0">
   <p:cSld>
     <p:spTree>
       <p:nvGrpSpPr>
@@ -11477,11 +11512,11 @@
   <p:clrMapOvr>
     <a:masterClrMapping/>
   </p:clrMapOvr>
-  <mc:AlternateContent xmlns:mc="http://schemas.openxmlformats.org/markup-compatibility/2006" xmlns:p14="http://schemas.microsoft.com/office/powerpoint/2010/main">
-    <mc:Choice Requires="p14">
+  <mc:AlternateContent xmlns:mc="http://schemas.openxmlformats.org/markup-compatibility/2006">
+    <mc:Choice xmlns:p14="http://schemas.microsoft.com/office/powerpoint/2010/main" Requires="p14">
       <p:transition spd="slow" p14:dur="2000"/>
     </mc:Choice>
-    <mc:Fallback xmlns="">
+    <mc:Fallback>
       <p:transition spd="slow"/>
     </mc:Fallback>
   </mc:AlternateContent>
@@ -11489,7 +11524,7 @@
 </file>
 
 <file path=ppt/slides/slide15.xml><?xml version="1.0" encoding="utf-8"?>
-<p:sld xmlns:a="http://schemas.openxmlformats.org/drawingml/2006/main" xmlns:r="http://schemas.openxmlformats.org/officeDocument/2006/relationships" xmlns:p="http://schemas.openxmlformats.org/presentationml/2006/main">
+<p:sld xmlns:a="http://schemas.openxmlformats.org/drawingml/2006/main" xmlns:r="http://schemas.openxmlformats.org/officeDocument/2006/relationships" xmlns:p="http://schemas.openxmlformats.org/presentationml/2006/main" show="0">
   <p:cSld>
     <p:spTree>
       <p:nvGrpSpPr>
@@ -12707,11 +12742,11 @@
   <p:clrMapOvr>
     <a:masterClrMapping/>
   </p:clrMapOvr>
-  <mc:AlternateContent xmlns:mc="http://schemas.openxmlformats.org/markup-compatibility/2006" xmlns:p14="http://schemas.microsoft.com/office/powerpoint/2010/main">
-    <mc:Choice Requires="p14">
+  <mc:AlternateContent xmlns:mc="http://schemas.openxmlformats.org/markup-compatibility/2006">
+    <mc:Choice xmlns:p14="http://schemas.microsoft.com/office/powerpoint/2010/main" Requires="p14">
       <p:transition spd="slow" p14:dur="2000"/>
     </mc:Choice>
-    <mc:Fallback xmlns="">
+    <mc:Fallback>
       <p:transition spd="slow"/>
     </mc:Fallback>
   </mc:AlternateContent>
@@ -12719,7 +12754,7 @@
 </file>
 
 <file path=ppt/slides/slide16.xml><?xml version="1.0" encoding="utf-8"?>
-<p:sld xmlns:a="http://schemas.openxmlformats.org/drawingml/2006/main" xmlns:r="http://schemas.openxmlformats.org/officeDocument/2006/relationships" xmlns:p="http://schemas.openxmlformats.org/presentationml/2006/main">
+<p:sld xmlns:a="http://schemas.openxmlformats.org/drawingml/2006/main" xmlns:r="http://schemas.openxmlformats.org/officeDocument/2006/relationships" xmlns:p="http://schemas.openxmlformats.org/presentationml/2006/main" show="0">
   <p:cSld>
     <p:spTree>
       <p:nvGrpSpPr>
@@ -13937,11 +13972,11 @@
   <p:clrMapOvr>
     <a:masterClrMapping/>
   </p:clrMapOvr>
-  <mc:AlternateContent xmlns:mc="http://schemas.openxmlformats.org/markup-compatibility/2006" xmlns:p14="http://schemas.microsoft.com/office/powerpoint/2010/main">
-    <mc:Choice Requires="p14">
+  <mc:AlternateContent xmlns:mc="http://schemas.openxmlformats.org/markup-compatibility/2006">
+    <mc:Choice xmlns:p14="http://schemas.microsoft.com/office/powerpoint/2010/main" Requires="p14">
       <p:transition spd="slow" p14:dur="2000"/>
     </mc:Choice>
-    <mc:Fallback xmlns="">
+    <mc:Fallback>
       <p:transition spd="slow"/>
     </mc:Fallback>
   </mc:AlternateContent>
@@ -13949,7 +13984,7 @@
 </file>
 
 <file path=ppt/slides/slide17.xml><?xml version="1.0" encoding="utf-8"?>
-<p:sld xmlns:a="http://schemas.openxmlformats.org/drawingml/2006/main" xmlns:r="http://schemas.openxmlformats.org/officeDocument/2006/relationships" xmlns:p="http://schemas.openxmlformats.org/presentationml/2006/main">
+<p:sld xmlns:a="http://schemas.openxmlformats.org/drawingml/2006/main" xmlns:r="http://schemas.openxmlformats.org/officeDocument/2006/relationships" xmlns:p="http://schemas.openxmlformats.org/presentationml/2006/main" show="0">
   <p:cSld>
     <p:spTree>
       <p:nvGrpSpPr>
@@ -14778,21 +14813,7 @@
                 <a:ea typeface="Calibri" panose="020F0502020204030204" pitchFamily="34" charset="0"/>
                 <a:cs typeface="Times New Roman" panose="02020603050405020304" pitchFamily="18" charset="0"/>
               </a:rPr>
-              <a:t>=</a:t>
-            </a:r>
-            <a:r>
-              <a:rPr lang="en-US" dirty="0" smtClean="0">
-                <a:solidFill>
-                  <a:srgbClr val="008080"/>
-                </a:solidFill>
-                <a:highlight>
-                  <a:srgbClr val="FFFF00"/>
-                </a:highlight>
-                <a:latin typeface="Consolas" panose="020B0609020204030204" pitchFamily="49" charset="0"/>
-                <a:ea typeface="Calibri" panose="020F0502020204030204" pitchFamily="34" charset="0"/>
-                <a:cs typeface="Times New Roman" panose="02020603050405020304" pitchFamily="18" charset="0"/>
-              </a:rPr>
-              <a:t> 'MN'</a:t>
+              <a:t>= 'MN'</a:t>
             </a:r>
             <a:endParaRPr lang="en-US" dirty="0">
               <a:solidFill>
@@ -15192,11 +15213,11 @@
   <p:clrMapOvr>
     <a:masterClrMapping/>
   </p:clrMapOvr>
-  <mc:AlternateContent xmlns:mc="http://schemas.openxmlformats.org/markup-compatibility/2006" xmlns:p14="http://schemas.microsoft.com/office/powerpoint/2010/main">
-    <mc:Choice Requires="p14">
+  <mc:AlternateContent xmlns:mc="http://schemas.openxmlformats.org/markup-compatibility/2006">
+    <mc:Choice xmlns:p14="http://schemas.microsoft.com/office/powerpoint/2010/main" Requires="p14">
       <p:transition spd="slow" p14:dur="2000"/>
     </mc:Choice>
-    <mc:Fallback xmlns="">
+    <mc:Fallback>
       <p:transition spd="slow"/>
     </mc:Fallback>
   </mc:AlternateContent>
@@ -15204,7 +15225,7 @@
 </file>
 
 <file path=ppt/slides/slide18.xml><?xml version="1.0" encoding="utf-8"?>
-<p:sld xmlns:a="http://schemas.openxmlformats.org/drawingml/2006/main" xmlns:r="http://schemas.openxmlformats.org/officeDocument/2006/relationships" xmlns:p="http://schemas.openxmlformats.org/presentationml/2006/main">
+<p:sld xmlns:a="http://schemas.openxmlformats.org/drawingml/2006/main" xmlns:r="http://schemas.openxmlformats.org/officeDocument/2006/relationships" xmlns:p="http://schemas.openxmlformats.org/presentationml/2006/main" show="0">
   <p:cSld>
     <p:spTree>
       <p:nvGrpSpPr>
@@ -16456,11 +16477,11 @@
   <p:clrMapOvr>
     <a:masterClrMapping/>
   </p:clrMapOvr>
-  <mc:AlternateContent xmlns:mc="http://schemas.openxmlformats.org/markup-compatibility/2006" xmlns:p14="http://schemas.microsoft.com/office/powerpoint/2010/main">
-    <mc:Choice Requires="p14">
+  <mc:AlternateContent xmlns:mc="http://schemas.openxmlformats.org/markup-compatibility/2006">
+    <mc:Choice xmlns:p14="http://schemas.microsoft.com/office/powerpoint/2010/main" Requires="p14">
       <p:transition spd="slow" p14:dur="2000"/>
     </mc:Choice>
-    <mc:Fallback xmlns="">
+    <mc:Fallback>
       <p:transition spd="slow"/>
     </mc:Fallback>
   </mc:AlternateContent>
@@ -16468,7 +16489,7 @@
 </file>
 
 <file path=ppt/slides/slide19.xml><?xml version="1.0" encoding="utf-8"?>
-<p:sld xmlns:a="http://schemas.openxmlformats.org/drawingml/2006/main" xmlns:r="http://schemas.openxmlformats.org/officeDocument/2006/relationships" xmlns:p="http://schemas.openxmlformats.org/presentationml/2006/main">
+<p:sld xmlns:a="http://schemas.openxmlformats.org/drawingml/2006/main" xmlns:r="http://schemas.openxmlformats.org/officeDocument/2006/relationships" xmlns:p="http://schemas.openxmlformats.org/presentationml/2006/main" show="0">
   <p:cSld>
     <p:spTree>
       <p:nvGrpSpPr>
@@ -17646,11 +17667,11 @@
   <p:clrMapOvr>
     <a:masterClrMapping/>
   </p:clrMapOvr>
-  <mc:AlternateContent xmlns:mc="http://schemas.openxmlformats.org/markup-compatibility/2006" xmlns:p14="http://schemas.microsoft.com/office/powerpoint/2010/main">
-    <mc:Choice Requires="p14">
+  <mc:AlternateContent xmlns:mc="http://schemas.openxmlformats.org/markup-compatibility/2006">
+    <mc:Choice xmlns:p14="http://schemas.microsoft.com/office/powerpoint/2010/main" Requires="p14">
       <p:transition spd="slow" p14:dur="2000"/>
     </mc:Choice>
-    <mc:Fallback xmlns="">
+    <mc:Fallback>
       <p:transition spd="slow"/>
     </mc:Fallback>
   </mc:AlternateContent>
@@ -18664,11 +18685,18 @@
   <p:clrMapOvr>
     <a:masterClrMapping/>
   </p:clrMapOvr>
+  <p:timing>
+    <p:tnLst>
+      <p:par>
+        <p:cTn id="1" dur="indefinite" restart="never" nodeType="tmRoot"/>
+      </p:par>
+    </p:tnLst>
+  </p:timing>
 </p:sld>
 </file>
 
 <file path=ppt/slides/slide20.xml><?xml version="1.0" encoding="utf-8"?>
-<p:sld xmlns:a="http://schemas.openxmlformats.org/drawingml/2006/main" xmlns:r="http://schemas.openxmlformats.org/officeDocument/2006/relationships" xmlns:p="http://schemas.openxmlformats.org/presentationml/2006/main">
+<p:sld xmlns:a="http://schemas.openxmlformats.org/drawingml/2006/main" xmlns:r="http://schemas.openxmlformats.org/officeDocument/2006/relationships" xmlns:p="http://schemas.openxmlformats.org/presentationml/2006/main" show="0">
   <p:cSld>
     <p:spTree>
       <p:nvGrpSpPr>
@@ -19892,11 +19920,11 @@
   <p:clrMapOvr>
     <a:masterClrMapping/>
   </p:clrMapOvr>
-  <mc:AlternateContent xmlns:mc="http://schemas.openxmlformats.org/markup-compatibility/2006" xmlns:p14="http://schemas.microsoft.com/office/powerpoint/2010/main">
-    <mc:Choice Requires="p14">
+  <mc:AlternateContent xmlns:mc="http://schemas.openxmlformats.org/markup-compatibility/2006">
+    <mc:Choice xmlns:p14="http://schemas.microsoft.com/office/powerpoint/2010/main" Requires="p14">
       <p:transition spd="slow" p14:dur="2000"/>
     </mc:Choice>
-    <mc:Fallback xmlns="">
+    <mc:Fallback>
       <p:transition spd="slow"/>
     </mc:Fallback>
   </mc:AlternateContent>
@@ -19904,7 +19932,7 @@
 </file>
 
 <file path=ppt/slides/slide21.xml><?xml version="1.0" encoding="utf-8"?>
-<p:sld xmlns:a="http://schemas.openxmlformats.org/drawingml/2006/main" xmlns:r="http://schemas.openxmlformats.org/officeDocument/2006/relationships" xmlns:p="http://schemas.openxmlformats.org/presentationml/2006/main">
+<p:sld xmlns:a="http://schemas.openxmlformats.org/drawingml/2006/main" xmlns:r="http://schemas.openxmlformats.org/officeDocument/2006/relationships" xmlns:p="http://schemas.openxmlformats.org/presentationml/2006/main" show="0">
   <p:cSld>
     <p:spTree>
       <p:nvGrpSpPr>
@@ -21111,11 +21139,11 @@
   <p:clrMapOvr>
     <a:masterClrMapping/>
   </p:clrMapOvr>
-  <mc:AlternateContent xmlns:mc="http://schemas.openxmlformats.org/markup-compatibility/2006" xmlns:p14="http://schemas.microsoft.com/office/powerpoint/2010/main">
-    <mc:Choice Requires="p14">
+  <mc:AlternateContent xmlns:mc="http://schemas.openxmlformats.org/markup-compatibility/2006">
+    <mc:Choice xmlns:p14="http://schemas.microsoft.com/office/powerpoint/2010/main" Requires="p14">
       <p:transition spd="slow" p14:dur="2000"/>
     </mc:Choice>
-    <mc:Fallback xmlns="">
+    <mc:Fallback>
       <p:transition spd="slow"/>
     </mc:Fallback>
   </mc:AlternateContent>
@@ -21123,7 +21151,7 @@
 </file>
 
 <file path=ppt/slides/slide22.xml><?xml version="1.0" encoding="utf-8"?>
-<p:sld xmlns:a="http://schemas.openxmlformats.org/drawingml/2006/main" xmlns:r="http://schemas.openxmlformats.org/officeDocument/2006/relationships" xmlns:p="http://schemas.openxmlformats.org/presentationml/2006/main">
+<p:sld xmlns:a="http://schemas.openxmlformats.org/drawingml/2006/main" xmlns:r="http://schemas.openxmlformats.org/officeDocument/2006/relationships" xmlns:p="http://schemas.openxmlformats.org/presentationml/2006/main" show="0">
   <p:cSld>
     <p:spTree>
       <p:nvGrpSpPr>
@@ -22383,14 +22411,21 @@
   <p:clrMapOvr>
     <a:masterClrMapping/>
   </p:clrMapOvr>
-  <mc:AlternateContent xmlns:mc="http://schemas.openxmlformats.org/markup-compatibility/2006" xmlns:p14="http://schemas.microsoft.com/office/powerpoint/2010/main">
-    <mc:Choice Requires="p14">
+  <mc:AlternateContent xmlns:mc="http://schemas.openxmlformats.org/markup-compatibility/2006">
+    <mc:Choice xmlns:p14="http://schemas.microsoft.com/office/powerpoint/2010/main" Requires="p14">
       <p:transition spd="slow" p14:dur="2000"/>
     </mc:Choice>
-    <mc:Fallback xmlns="">
+    <mc:Fallback>
       <p:transition spd="slow"/>
     </mc:Fallback>
   </mc:AlternateContent>
+  <p:timing>
+    <p:tnLst>
+      <p:par>
+        <p:cTn id="1" dur="indefinite" restart="never" nodeType="tmRoot"/>
+      </p:par>
+    </p:tnLst>
+  </p:timing>
 </p:sld>
 </file>
 
@@ -23635,6 +23670,13 @@
       <p:transition spd="slow"/>
     </mc:Fallback>
   </mc:AlternateContent>
+  <p:timing>
+    <p:tnLst>
+      <p:par>
+        <p:cTn id="1" dur="indefinite" restart="never" nodeType="tmRoot"/>
+      </p:par>
+    </p:tnLst>
+  </p:timing>
 </p:sld>
 </file>
 
@@ -23672,1268 +23714,6 @@
           <a:p>
             <a:r>
               <a:rPr lang="en-US" dirty="0"/>
-              <a:t>Query Tree</a:t>
-            </a:r>
-          </a:p>
-        </p:txBody>
-      </p:sp>
-      <p:sp>
-        <p:nvSpPr>
-          <p:cNvPr id="5" name="TextBox 4"/>
-          <p:cNvSpPr txBox="1"/>
-          <p:nvPr/>
-        </p:nvSpPr>
-        <p:spPr>
-          <a:xfrm>
-            <a:off x="558265" y="1713297"/>
-            <a:ext cx="4025461" cy="2858475"/>
-          </a:xfrm>
-          <a:prstGeom prst="rect">
-            <a:avLst/>
-          </a:prstGeom>
-          <a:noFill/>
-        </p:spPr>
-        <p:txBody>
-          <a:bodyPr wrap="none" rtlCol="0">
-            <a:spAutoFit/>
-          </a:bodyPr>
-          <a:lstStyle/>
-          <a:p>
-            <a:pPr>
-              <a:lnSpc>
-                <a:spcPct val="107000"/>
-              </a:lnSpc>
-            </a:pPr>
-            <a:r>
-              <a:rPr lang="en-US" sz="1400" dirty="0">
-                <a:solidFill>
-                  <a:srgbClr val="0000FF"/>
-                </a:solidFill>
-                <a:latin typeface="Consolas" panose="020B0609020204030204" pitchFamily="49" charset="0"/>
-                <a:ea typeface="Calibri" panose="020F0502020204030204" pitchFamily="34" charset="0"/>
-                <a:cs typeface="Times New Roman" panose="02020603050405020304" pitchFamily="18" charset="0"/>
-              </a:rPr>
-              <a:t>from</a:t>
-            </a:r>
-            <a:r>
-              <a:rPr lang="en-US" sz="1400" dirty="0">
-                <a:latin typeface="Consolas" panose="020B0609020204030204" pitchFamily="49" charset="0"/>
-                <a:ea typeface="Calibri" panose="020F0502020204030204" pitchFamily="34" charset="0"/>
-                <a:cs typeface="Times New Roman" panose="02020603050405020304" pitchFamily="18" charset="0"/>
-              </a:rPr>
-              <a:t> </a:t>
-            </a:r>
-            <a:r>
-              <a:rPr lang="en-US" sz="1400" dirty="0" err="1">
-                <a:solidFill>
-                  <a:srgbClr val="008080"/>
-                </a:solidFill>
-                <a:latin typeface="Consolas" panose="020B0609020204030204" pitchFamily="49" charset="0"/>
-                <a:ea typeface="Calibri" panose="020F0502020204030204" pitchFamily="34" charset="0"/>
-                <a:cs typeface="Times New Roman" panose="02020603050405020304" pitchFamily="18" charset="0"/>
-              </a:rPr>
-              <a:t>dbo</a:t>
-            </a:r>
-            <a:r>
-              <a:rPr lang="en-US" sz="1400" dirty="0" err="1">
-                <a:solidFill>
-                  <a:srgbClr val="808080"/>
-                </a:solidFill>
-                <a:latin typeface="Consolas" panose="020B0609020204030204" pitchFamily="49" charset="0"/>
-                <a:ea typeface="Calibri" panose="020F0502020204030204" pitchFamily="34" charset="0"/>
-                <a:cs typeface="Times New Roman" panose="02020603050405020304" pitchFamily="18" charset="0"/>
-              </a:rPr>
-              <a:t>.</a:t>
-            </a:r>
-            <a:r>
-              <a:rPr lang="en-US" sz="1400" dirty="0" err="1">
-                <a:solidFill>
-                  <a:srgbClr val="008080"/>
-                </a:solidFill>
-                <a:latin typeface="Consolas" panose="020B0609020204030204" pitchFamily="49" charset="0"/>
-                <a:ea typeface="Calibri" panose="020F0502020204030204" pitchFamily="34" charset="0"/>
-                <a:cs typeface="Times New Roman" panose="02020603050405020304" pitchFamily="18" charset="0"/>
-              </a:rPr>
-              <a:t>OrderHeader</a:t>
-            </a:r>
-            <a:r>
-              <a:rPr lang="en-US" sz="1400" dirty="0">
-                <a:latin typeface="Consolas" panose="020B0609020204030204" pitchFamily="49" charset="0"/>
-                <a:ea typeface="Calibri" panose="020F0502020204030204" pitchFamily="34" charset="0"/>
-                <a:cs typeface="Times New Roman" panose="02020603050405020304" pitchFamily="18" charset="0"/>
-              </a:rPr>
-              <a:t> </a:t>
-            </a:r>
-            <a:r>
-              <a:rPr lang="en-US" sz="1400" dirty="0">
-                <a:solidFill>
-                  <a:srgbClr val="008080"/>
-                </a:solidFill>
-                <a:latin typeface="Consolas" panose="020B0609020204030204" pitchFamily="49" charset="0"/>
-                <a:ea typeface="Calibri" panose="020F0502020204030204" pitchFamily="34" charset="0"/>
-                <a:cs typeface="Times New Roman" panose="02020603050405020304" pitchFamily="18" charset="0"/>
-              </a:rPr>
-              <a:t>oh</a:t>
-            </a:r>
-            <a:endParaRPr lang="en-US" dirty="0">
-              <a:latin typeface="Calibri" panose="020F0502020204030204" pitchFamily="34" charset="0"/>
-              <a:ea typeface="Calibri" panose="020F0502020204030204" pitchFamily="34" charset="0"/>
-              <a:cs typeface="Times New Roman" panose="02020603050405020304" pitchFamily="18" charset="0"/>
-            </a:endParaRPr>
-          </a:p>
-          <a:p>
-            <a:pPr>
-              <a:lnSpc>
-                <a:spcPct val="107000"/>
-              </a:lnSpc>
-            </a:pPr>
-            <a:r>
-              <a:rPr lang="en-US" sz="1400" dirty="0">
-                <a:solidFill>
-                  <a:srgbClr val="808080"/>
-                </a:solidFill>
-                <a:latin typeface="Consolas" panose="020B0609020204030204" pitchFamily="49" charset="0"/>
-                <a:ea typeface="Calibri" panose="020F0502020204030204" pitchFamily="34" charset="0"/>
-                <a:cs typeface="Times New Roman" panose="02020603050405020304" pitchFamily="18" charset="0"/>
-              </a:rPr>
-              <a:t>inner</a:t>
-            </a:r>
-            <a:r>
-              <a:rPr lang="en-US" sz="1400" dirty="0">
-                <a:latin typeface="Consolas" panose="020B0609020204030204" pitchFamily="49" charset="0"/>
-                <a:ea typeface="Calibri" panose="020F0502020204030204" pitchFamily="34" charset="0"/>
-                <a:cs typeface="Times New Roman" panose="02020603050405020304" pitchFamily="18" charset="0"/>
-              </a:rPr>
-              <a:t> </a:t>
-            </a:r>
-            <a:r>
-              <a:rPr lang="en-US" sz="1400" dirty="0">
-                <a:solidFill>
-                  <a:srgbClr val="808080"/>
-                </a:solidFill>
-                <a:latin typeface="Consolas" panose="020B0609020204030204" pitchFamily="49" charset="0"/>
-                <a:ea typeface="Calibri" panose="020F0502020204030204" pitchFamily="34" charset="0"/>
-                <a:cs typeface="Times New Roman" panose="02020603050405020304" pitchFamily="18" charset="0"/>
-              </a:rPr>
-              <a:t>join</a:t>
-            </a:r>
-            <a:r>
-              <a:rPr lang="en-US" sz="1400" dirty="0">
-                <a:latin typeface="Consolas" panose="020B0609020204030204" pitchFamily="49" charset="0"/>
-                <a:ea typeface="Calibri" panose="020F0502020204030204" pitchFamily="34" charset="0"/>
-                <a:cs typeface="Times New Roman" panose="02020603050405020304" pitchFamily="18" charset="0"/>
-              </a:rPr>
-              <a:t> </a:t>
-            </a:r>
-            <a:r>
-              <a:rPr lang="en-US" sz="1400" dirty="0" err="1">
-                <a:solidFill>
-                  <a:srgbClr val="008080"/>
-                </a:solidFill>
-                <a:latin typeface="Consolas" panose="020B0609020204030204" pitchFamily="49" charset="0"/>
-                <a:ea typeface="Calibri" panose="020F0502020204030204" pitchFamily="34" charset="0"/>
-                <a:cs typeface="Times New Roman" panose="02020603050405020304" pitchFamily="18" charset="0"/>
-              </a:rPr>
-              <a:t>dbo</a:t>
-            </a:r>
-            <a:r>
-              <a:rPr lang="en-US" sz="1400" dirty="0" err="1">
-                <a:solidFill>
-                  <a:srgbClr val="808080"/>
-                </a:solidFill>
-                <a:latin typeface="Consolas" panose="020B0609020204030204" pitchFamily="49" charset="0"/>
-                <a:ea typeface="Calibri" panose="020F0502020204030204" pitchFamily="34" charset="0"/>
-                <a:cs typeface="Times New Roman" panose="02020603050405020304" pitchFamily="18" charset="0"/>
-              </a:rPr>
-              <a:t>.</a:t>
-            </a:r>
-            <a:r>
-              <a:rPr lang="en-US" sz="1400" dirty="0" err="1">
-                <a:solidFill>
-                  <a:srgbClr val="008080"/>
-                </a:solidFill>
-                <a:latin typeface="Consolas" panose="020B0609020204030204" pitchFamily="49" charset="0"/>
-                <a:ea typeface="Calibri" panose="020F0502020204030204" pitchFamily="34" charset="0"/>
-                <a:cs typeface="Times New Roman" panose="02020603050405020304" pitchFamily="18" charset="0"/>
-              </a:rPr>
-              <a:t>OrderDetail</a:t>
-            </a:r>
-            <a:r>
-              <a:rPr lang="en-US" sz="1400" dirty="0">
-                <a:latin typeface="Consolas" panose="020B0609020204030204" pitchFamily="49" charset="0"/>
-                <a:ea typeface="Calibri" panose="020F0502020204030204" pitchFamily="34" charset="0"/>
-                <a:cs typeface="Times New Roman" panose="02020603050405020304" pitchFamily="18" charset="0"/>
-              </a:rPr>
-              <a:t> </a:t>
-            </a:r>
-            <a:r>
-              <a:rPr lang="en-US" sz="1400" dirty="0">
-                <a:solidFill>
-                  <a:srgbClr val="008080"/>
-                </a:solidFill>
-                <a:latin typeface="Consolas" panose="020B0609020204030204" pitchFamily="49" charset="0"/>
-                <a:ea typeface="Calibri" panose="020F0502020204030204" pitchFamily="34" charset="0"/>
-                <a:cs typeface="Times New Roman" panose="02020603050405020304" pitchFamily="18" charset="0"/>
-              </a:rPr>
-              <a:t>od</a:t>
-            </a:r>
-            <a:endParaRPr lang="en-US" sz="1400" dirty="0">
-              <a:latin typeface="Consolas" panose="020B0609020204030204" pitchFamily="49" charset="0"/>
-              <a:ea typeface="Calibri" panose="020F0502020204030204" pitchFamily="34" charset="0"/>
-              <a:cs typeface="Times New Roman" panose="02020603050405020304" pitchFamily="18" charset="0"/>
-            </a:endParaRPr>
-          </a:p>
-          <a:p>
-            <a:pPr>
-              <a:lnSpc>
-                <a:spcPct val="107000"/>
-              </a:lnSpc>
-            </a:pPr>
-            <a:r>
-              <a:rPr lang="en-US" sz="1400" dirty="0">
-                <a:solidFill>
-                  <a:srgbClr val="808080"/>
-                </a:solidFill>
-                <a:latin typeface="Consolas" panose="020B0609020204030204" pitchFamily="49" charset="0"/>
-                <a:ea typeface="Calibri" panose="020F0502020204030204" pitchFamily="34" charset="0"/>
-                <a:cs typeface="Times New Roman" panose="02020603050405020304" pitchFamily="18" charset="0"/>
-              </a:rPr>
-              <a:t>inner</a:t>
-            </a:r>
-            <a:r>
-              <a:rPr lang="en-US" sz="1400" dirty="0">
-                <a:latin typeface="Consolas" panose="020B0609020204030204" pitchFamily="49" charset="0"/>
-                <a:ea typeface="Calibri" panose="020F0502020204030204" pitchFamily="34" charset="0"/>
-                <a:cs typeface="Times New Roman" panose="02020603050405020304" pitchFamily="18" charset="0"/>
-              </a:rPr>
-              <a:t> </a:t>
-            </a:r>
-            <a:r>
-              <a:rPr lang="en-US" sz="1400" dirty="0">
-                <a:solidFill>
-                  <a:srgbClr val="808080"/>
-                </a:solidFill>
-                <a:latin typeface="Consolas" panose="020B0609020204030204" pitchFamily="49" charset="0"/>
-                <a:ea typeface="Calibri" panose="020F0502020204030204" pitchFamily="34" charset="0"/>
-                <a:cs typeface="Times New Roman" panose="02020603050405020304" pitchFamily="18" charset="0"/>
-              </a:rPr>
-              <a:t>join</a:t>
-            </a:r>
-            <a:r>
-              <a:rPr lang="en-US" sz="1400" dirty="0">
-                <a:latin typeface="Consolas" panose="020B0609020204030204" pitchFamily="49" charset="0"/>
-                <a:ea typeface="Calibri" panose="020F0502020204030204" pitchFamily="34" charset="0"/>
-                <a:cs typeface="Times New Roman" panose="02020603050405020304" pitchFamily="18" charset="0"/>
-              </a:rPr>
-              <a:t> </a:t>
-            </a:r>
-            <a:r>
-              <a:rPr lang="en-US" sz="1400" dirty="0" err="1">
-                <a:solidFill>
-                  <a:srgbClr val="008080"/>
-                </a:solidFill>
-                <a:latin typeface="Consolas" panose="020B0609020204030204" pitchFamily="49" charset="0"/>
-                <a:ea typeface="Calibri" panose="020F0502020204030204" pitchFamily="34" charset="0"/>
-                <a:cs typeface="Times New Roman" panose="02020603050405020304" pitchFamily="18" charset="0"/>
-              </a:rPr>
-              <a:t>dbo</a:t>
-            </a:r>
-            <a:r>
-              <a:rPr lang="en-US" sz="1400" dirty="0" err="1">
-                <a:solidFill>
-                  <a:srgbClr val="808080"/>
-                </a:solidFill>
-                <a:latin typeface="Consolas" panose="020B0609020204030204" pitchFamily="49" charset="0"/>
-                <a:ea typeface="Calibri" panose="020F0502020204030204" pitchFamily="34" charset="0"/>
-                <a:cs typeface="Times New Roman" panose="02020603050405020304" pitchFamily="18" charset="0"/>
-              </a:rPr>
-              <a:t>.</a:t>
-            </a:r>
-            <a:r>
-              <a:rPr lang="en-US" sz="1400" dirty="0" err="1">
-                <a:solidFill>
-                  <a:srgbClr val="008080"/>
-                </a:solidFill>
-                <a:latin typeface="Consolas" panose="020B0609020204030204" pitchFamily="49" charset="0"/>
-                <a:ea typeface="Calibri" panose="020F0502020204030204" pitchFamily="34" charset="0"/>
-                <a:cs typeface="Times New Roman" panose="02020603050405020304" pitchFamily="18" charset="0"/>
-              </a:rPr>
-              <a:t>Customer</a:t>
-            </a:r>
-            <a:r>
-              <a:rPr lang="en-US" sz="1400" dirty="0">
-                <a:latin typeface="Consolas" panose="020B0609020204030204" pitchFamily="49" charset="0"/>
-                <a:ea typeface="Calibri" panose="020F0502020204030204" pitchFamily="34" charset="0"/>
-                <a:cs typeface="Times New Roman" panose="02020603050405020304" pitchFamily="18" charset="0"/>
-              </a:rPr>
-              <a:t> </a:t>
-            </a:r>
-            <a:r>
-              <a:rPr lang="en-US" sz="1400" dirty="0" err="1">
-                <a:solidFill>
-                  <a:srgbClr val="008080"/>
-                </a:solidFill>
-                <a:latin typeface="Consolas" panose="020B0609020204030204" pitchFamily="49" charset="0"/>
-                <a:ea typeface="Calibri" panose="020F0502020204030204" pitchFamily="34" charset="0"/>
-                <a:cs typeface="Times New Roman" panose="02020603050405020304" pitchFamily="18" charset="0"/>
-              </a:rPr>
-              <a:t>cust</a:t>
-            </a:r>
-            <a:endParaRPr lang="en-US" sz="1400" dirty="0">
-              <a:latin typeface="Consolas" panose="020B0609020204030204" pitchFamily="49" charset="0"/>
-              <a:ea typeface="Calibri" panose="020F0502020204030204" pitchFamily="34" charset="0"/>
-              <a:cs typeface="Times New Roman" panose="02020603050405020304" pitchFamily="18" charset="0"/>
-            </a:endParaRPr>
-          </a:p>
-          <a:p>
-            <a:pPr>
-              <a:lnSpc>
-                <a:spcPct val="107000"/>
-              </a:lnSpc>
-            </a:pPr>
-            <a:r>
-              <a:rPr lang="en-US" sz="1400" dirty="0">
-                <a:solidFill>
-                  <a:srgbClr val="0000FF"/>
-                </a:solidFill>
-                <a:latin typeface="Consolas" panose="020B0609020204030204" pitchFamily="49" charset="0"/>
-                <a:ea typeface="Calibri" panose="020F0502020204030204" pitchFamily="34" charset="0"/>
-                <a:cs typeface="Times New Roman" panose="02020603050405020304" pitchFamily="18" charset="0"/>
-              </a:rPr>
-              <a:t>on</a:t>
-            </a:r>
-            <a:r>
-              <a:rPr lang="en-US" sz="1400" dirty="0">
-                <a:latin typeface="Consolas" panose="020B0609020204030204" pitchFamily="49" charset="0"/>
-                <a:ea typeface="Calibri" panose="020F0502020204030204" pitchFamily="34" charset="0"/>
-                <a:cs typeface="Times New Roman" panose="02020603050405020304" pitchFamily="18" charset="0"/>
-              </a:rPr>
-              <a:t> </a:t>
-            </a:r>
-            <a:r>
-              <a:rPr lang="en-US" sz="1400" dirty="0" err="1">
-                <a:solidFill>
-                  <a:srgbClr val="008080"/>
-                </a:solidFill>
-                <a:latin typeface="Consolas" panose="020B0609020204030204" pitchFamily="49" charset="0"/>
-                <a:ea typeface="Calibri" panose="020F0502020204030204" pitchFamily="34" charset="0"/>
-                <a:cs typeface="Times New Roman" panose="02020603050405020304" pitchFamily="18" charset="0"/>
-              </a:rPr>
-              <a:t>oh</a:t>
-            </a:r>
-            <a:r>
-              <a:rPr lang="en-US" sz="1400" dirty="0" err="1">
-                <a:solidFill>
-                  <a:srgbClr val="808080"/>
-                </a:solidFill>
-                <a:latin typeface="Consolas" panose="020B0609020204030204" pitchFamily="49" charset="0"/>
-                <a:ea typeface="Calibri" panose="020F0502020204030204" pitchFamily="34" charset="0"/>
-                <a:cs typeface="Times New Roman" panose="02020603050405020304" pitchFamily="18" charset="0"/>
-              </a:rPr>
-              <a:t>.</a:t>
-            </a:r>
-            <a:r>
-              <a:rPr lang="en-US" sz="1400" dirty="0" err="1">
-                <a:solidFill>
-                  <a:srgbClr val="008080"/>
-                </a:solidFill>
-                <a:latin typeface="Consolas" panose="020B0609020204030204" pitchFamily="49" charset="0"/>
-                <a:ea typeface="Calibri" panose="020F0502020204030204" pitchFamily="34" charset="0"/>
-                <a:cs typeface="Times New Roman" panose="02020603050405020304" pitchFamily="18" charset="0"/>
-              </a:rPr>
-              <a:t>OrderId</a:t>
-            </a:r>
-            <a:r>
-              <a:rPr lang="en-US" sz="1400" dirty="0">
-                <a:latin typeface="Consolas" panose="020B0609020204030204" pitchFamily="49" charset="0"/>
-                <a:ea typeface="Calibri" panose="020F0502020204030204" pitchFamily="34" charset="0"/>
-                <a:cs typeface="Times New Roman" panose="02020603050405020304" pitchFamily="18" charset="0"/>
-              </a:rPr>
-              <a:t> </a:t>
-            </a:r>
-            <a:r>
-              <a:rPr lang="en-US" sz="1400" dirty="0">
-                <a:solidFill>
-                  <a:srgbClr val="808080"/>
-                </a:solidFill>
-                <a:latin typeface="Consolas" panose="020B0609020204030204" pitchFamily="49" charset="0"/>
-                <a:ea typeface="Calibri" panose="020F0502020204030204" pitchFamily="34" charset="0"/>
-                <a:cs typeface="Times New Roman" panose="02020603050405020304" pitchFamily="18" charset="0"/>
-              </a:rPr>
-              <a:t>=</a:t>
-            </a:r>
-            <a:r>
-              <a:rPr lang="en-US" sz="1400" dirty="0">
-                <a:latin typeface="Consolas" panose="020B0609020204030204" pitchFamily="49" charset="0"/>
-                <a:ea typeface="Calibri" panose="020F0502020204030204" pitchFamily="34" charset="0"/>
-                <a:cs typeface="Times New Roman" panose="02020603050405020304" pitchFamily="18" charset="0"/>
-              </a:rPr>
-              <a:t> </a:t>
-            </a:r>
-            <a:r>
-              <a:rPr lang="en-US" sz="1400" dirty="0" err="1">
-                <a:solidFill>
-                  <a:srgbClr val="008080"/>
-                </a:solidFill>
-                <a:latin typeface="Consolas" panose="020B0609020204030204" pitchFamily="49" charset="0"/>
-                <a:ea typeface="Calibri" panose="020F0502020204030204" pitchFamily="34" charset="0"/>
-                <a:cs typeface="Times New Roman" panose="02020603050405020304" pitchFamily="18" charset="0"/>
-              </a:rPr>
-              <a:t>od</a:t>
-            </a:r>
-            <a:r>
-              <a:rPr lang="en-US" sz="1400" dirty="0" err="1">
-                <a:solidFill>
-                  <a:srgbClr val="808080"/>
-                </a:solidFill>
-                <a:latin typeface="Consolas" panose="020B0609020204030204" pitchFamily="49" charset="0"/>
-                <a:ea typeface="Calibri" panose="020F0502020204030204" pitchFamily="34" charset="0"/>
-                <a:cs typeface="Times New Roman" panose="02020603050405020304" pitchFamily="18" charset="0"/>
-              </a:rPr>
-              <a:t>.</a:t>
-            </a:r>
-            <a:r>
-              <a:rPr lang="en-US" sz="1400" dirty="0" err="1">
-                <a:solidFill>
-                  <a:srgbClr val="008080"/>
-                </a:solidFill>
-                <a:latin typeface="Consolas" panose="020B0609020204030204" pitchFamily="49" charset="0"/>
-                <a:ea typeface="Calibri" panose="020F0502020204030204" pitchFamily="34" charset="0"/>
-                <a:cs typeface="Times New Roman" panose="02020603050405020304" pitchFamily="18" charset="0"/>
-              </a:rPr>
-              <a:t>OrderId</a:t>
-            </a:r>
-            <a:endParaRPr lang="en-US" dirty="0">
-              <a:latin typeface="Calibri" panose="020F0502020204030204" pitchFamily="34" charset="0"/>
-              <a:ea typeface="Calibri" panose="020F0502020204030204" pitchFamily="34" charset="0"/>
-              <a:cs typeface="Times New Roman" panose="02020603050405020304" pitchFamily="18" charset="0"/>
-            </a:endParaRPr>
-          </a:p>
-          <a:p>
-            <a:pPr>
-              <a:lnSpc>
-                <a:spcPct val="107000"/>
-              </a:lnSpc>
-            </a:pPr>
-            <a:r>
-              <a:rPr lang="en-US" sz="1400" dirty="0">
-                <a:solidFill>
-                  <a:srgbClr val="0000FF"/>
-                </a:solidFill>
-                <a:latin typeface="Consolas" panose="020B0609020204030204" pitchFamily="49" charset="0"/>
-                <a:ea typeface="Calibri" panose="020F0502020204030204" pitchFamily="34" charset="0"/>
-                <a:cs typeface="Times New Roman" panose="02020603050405020304" pitchFamily="18" charset="0"/>
-              </a:rPr>
-              <a:t>on</a:t>
-            </a:r>
-            <a:r>
-              <a:rPr lang="en-US" sz="1400" dirty="0">
-                <a:latin typeface="Consolas" panose="020B0609020204030204" pitchFamily="49" charset="0"/>
-                <a:ea typeface="Calibri" panose="020F0502020204030204" pitchFamily="34" charset="0"/>
-                <a:cs typeface="Times New Roman" panose="02020603050405020304" pitchFamily="18" charset="0"/>
-              </a:rPr>
-              <a:t> </a:t>
-            </a:r>
-            <a:r>
-              <a:rPr lang="en-US" sz="1400" dirty="0" err="1">
-                <a:solidFill>
-                  <a:srgbClr val="008080"/>
-                </a:solidFill>
-                <a:latin typeface="Consolas" panose="020B0609020204030204" pitchFamily="49" charset="0"/>
-                <a:ea typeface="Calibri" panose="020F0502020204030204" pitchFamily="34" charset="0"/>
-                <a:cs typeface="Times New Roman" panose="02020603050405020304" pitchFamily="18" charset="0"/>
-              </a:rPr>
-              <a:t>oh</a:t>
-            </a:r>
-            <a:r>
-              <a:rPr lang="en-US" sz="1400" dirty="0" err="1">
-                <a:solidFill>
-                  <a:srgbClr val="808080"/>
-                </a:solidFill>
-                <a:latin typeface="Consolas" panose="020B0609020204030204" pitchFamily="49" charset="0"/>
-                <a:ea typeface="Calibri" panose="020F0502020204030204" pitchFamily="34" charset="0"/>
-                <a:cs typeface="Times New Roman" panose="02020603050405020304" pitchFamily="18" charset="0"/>
-              </a:rPr>
-              <a:t>.</a:t>
-            </a:r>
-            <a:r>
-              <a:rPr lang="en-US" sz="1400" dirty="0" err="1">
-                <a:solidFill>
-                  <a:srgbClr val="008080"/>
-                </a:solidFill>
-                <a:latin typeface="Consolas" panose="020B0609020204030204" pitchFamily="49" charset="0"/>
-                <a:ea typeface="Calibri" panose="020F0502020204030204" pitchFamily="34" charset="0"/>
-                <a:cs typeface="Times New Roman" panose="02020603050405020304" pitchFamily="18" charset="0"/>
-              </a:rPr>
-              <a:t>CustomerId</a:t>
-            </a:r>
-            <a:r>
-              <a:rPr lang="en-US" sz="1400" dirty="0">
-                <a:latin typeface="Consolas" panose="020B0609020204030204" pitchFamily="49" charset="0"/>
-                <a:ea typeface="Calibri" panose="020F0502020204030204" pitchFamily="34" charset="0"/>
-                <a:cs typeface="Times New Roman" panose="02020603050405020304" pitchFamily="18" charset="0"/>
-              </a:rPr>
-              <a:t> </a:t>
-            </a:r>
-            <a:r>
-              <a:rPr lang="en-US" sz="1400" dirty="0">
-                <a:solidFill>
-                  <a:srgbClr val="808080"/>
-                </a:solidFill>
-                <a:latin typeface="Consolas" panose="020B0609020204030204" pitchFamily="49" charset="0"/>
-                <a:ea typeface="Calibri" panose="020F0502020204030204" pitchFamily="34" charset="0"/>
-                <a:cs typeface="Times New Roman" panose="02020603050405020304" pitchFamily="18" charset="0"/>
-              </a:rPr>
-              <a:t>=</a:t>
-            </a:r>
-            <a:r>
-              <a:rPr lang="en-US" sz="1400" dirty="0">
-                <a:latin typeface="Consolas" panose="020B0609020204030204" pitchFamily="49" charset="0"/>
-                <a:ea typeface="Calibri" panose="020F0502020204030204" pitchFamily="34" charset="0"/>
-                <a:cs typeface="Times New Roman" panose="02020603050405020304" pitchFamily="18" charset="0"/>
-              </a:rPr>
-              <a:t> </a:t>
-            </a:r>
-            <a:r>
-              <a:rPr lang="en-US" sz="1400" dirty="0" err="1">
-                <a:solidFill>
-                  <a:srgbClr val="008080"/>
-                </a:solidFill>
-                <a:latin typeface="Consolas" panose="020B0609020204030204" pitchFamily="49" charset="0"/>
-                <a:ea typeface="Calibri" panose="020F0502020204030204" pitchFamily="34" charset="0"/>
-                <a:cs typeface="Times New Roman" panose="02020603050405020304" pitchFamily="18" charset="0"/>
-              </a:rPr>
-              <a:t>cust</a:t>
-            </a:r>
-            <a:r>
-              <a:rPr lang="en-US" sz="1400" dirty="0" err="1">
-                <a:solidFill>
-                  <a:srgbClr val="808080"/>
-                </a:solidFill>
-                <a:latin typeface="Consolas" panose="020B0609020204030204" pitchFamily="49" charset="0"/>
-                <a:ea typeface="Calibri" panose="020F0502020204030204" pitchFamily="34" charset="0"/>
-                <a:cs typeface="Times New Roman" panose="02020603050405020304" pitchFamily="18" charset="0"/>
-              </a:rPr>
-              <a:t>.</a:t>
-            </a:r>
-            <a:r>
-              <a:rPr lang="en-US" sz="1400" dirty="0" err="1">
-                <a:solidFill>
-                  <a:srgbClr val="008080"/>
-                </a:solidFill>
-                <a:latin typeface="Consolas" panose="020B0609020204030204" pitchFamily="49" charset="0"/>
-                <a:ea typeface="Calibri" panose="020F0502020204030204" pitchFamily="34" charset="0"/>
-                <a:cs typeface="Times New Roman" panose="02020603050405020304" pitchFamily="18" charset="0"/>
-              </a:rPr>
-              <a:t>CustomerID</a:t>
-            </a:r>
-            <a:endParaRPr lang="en-US" dirty="0">
-              <a:latin typeface="Calibri" panose="020F0502020204030204" pitchFamily="34" charset="0"/>
-              <a:ea typeface="Calibri" panose="020F0502020204030204" pitchFamily="34" charset="0"/>
-              <a:cs typeface="Times New Roman" panose="02020603050405020304" pitchFamily="18" charset="0"/>
-            </a:endParaRPr>
-          </a:p>
-          <a:p>
-            <a:pPr>
-              <a:lnSpc>
-                <a:spcPct val="107000"/>
-              </a:lnSpc>
-            </a:pPr>
-            <a:r>
-              <a:rPr lang="en-US" sz="1400" dirty="0">
-                <a:solidFill>
-                  <a:srgbClr val="0000FF"/>
-                </a:solidFill>
-                <a:latin typeface="Consolas" panose="020B0609020204030204" pitchFamily="49" charset="0"/>
-                <a:ea typeface="Calibri" panose="020F0502020204030204" pitchFamily="34" charset="0"/>
-                <a:cs typeface="Times New Roman" panose="02020603050405020304" pitchFamily="18" charset="0"/>
-              </a:rPr>
-              <a:t>where</a:t>
-            </a:r>
-            <a:r>
-              <a:rPr lang="en-US" sz="1400" dirty="0">
-                <a:latin typeface="Consolas" panose="020B0609020204030204" pitchFamily="49" charset="0"/>
-                <a:ea typeface="Calibri" panose="020F0502020204030204" pitchFamily="34" charset="0"/>
-                <a:cs typeface="Times New Roman" panose="02020603050405020304" pitchFamily="18" charset="0"/>
-              </a:rPr>
-              <a:t> </a:t>
-            </a:r>
-            <a:r>
-              <a:rPr lang="en-US" sz="1400" dirty="0" err="1">
-                <a:solidFill>
-                  <a:srgbClr val="008080"/>
-                </a:solidFill>
-                <a:latin typeface="Consolas" panose="020B0609020204030204" pitchFamily="49" charset="0"/>
-                <a:ea typeface="Calibri" panose="020F0502020204030204" pitchFamily="34" charset="0"/>
-                <a:cs typeface="Times New Roman" panose="02020603050405020304" pitchFamily="18" charset="0"/>
-              </a:rPr>
-              <a:t>cust</a:t>
-            </a:r>
-            <a:r>
-              <a:rPr lang="en-US" sz="1400" dirty="0" err="1">
-                <a:solidFill>
-                  <a:srgbClr val="808080"/>
-                </a:solidFill>
-                <a:latin typeface="Consolas" panose="020B0609020204030204" pitchFamily="49" charset="0"/>
-                <a:ea typeface="Calibri" panose="020F0502020204030204" pitchFamily="34" charset="0"/>
-                <a:cs typeface="Times New Roman" panose="02020603050405020304" pitchFamily="18" charset="0"/>
-              </a:rPr>
-              <a:t>.</a:t>
-            </a:r>
-            <a:r>
-              <a:rPr lang="en-US" sz="1400" dirty="0" err="1">
-                <a:solidFill>
-                  <a:srgbClr val="0000FF"/>
-                </a:solidFill>
-                <a:latin typeface="Consolas" panose="020B0609020204030204" pitchFamily="49" charset="0"/>
-                <a:ea typeface="Calibri" panose="020F0502020204030204" pitchFamily="34" charset="0"/>
-                <a:cs typeface="Times New Roman" panose="02020603050405020304" pitchFamily="18" charset="0"/>
-              </a:rPr>
-              <a:t>State</a:t>
-            </a:r>
-            <a:r>
-              <a:rPr lang="en-US" sz="1400" dirty="0">
-                <a:latin typeface="Consolas" panose="020B0609020204030204" pitchFamily="49" charset="0"/>
-                <a:ea typeface="Calibri" panose="020F0502020204030204" pitchFamily="34" charset="0"/>
-                <a:cs typeface="Times New Roman" panose="02020603050405020304" pitchFamily="18" charset="0"/>
-              </a:rPr>
-              <a:t> </a:t>
-            </a:r>
-            <a:r>
-              <a:rPr lang="en-US" sz="1400" dirty="0" smtClean="0">
-                <a:solidFill>
-                  <a:srgbClr val="808080"/>
-                </a:solidFill>
-                <a:latin typeface="Consolas" panose="020B0609020204030204" pitchFamily="49" charset="0"/>
-                <a:ea typeface="Calibri" panose="020F0502020204030204" pitchFamily="34" charset="0"/>
-                <a:cs typeface="Times New Roman" panose="02020603050405020304" pitchFamily="18" charset="0"/>
-              </a:rPr>
-              <a:t>= </a:t>
-            </a:r>
-            <a:r>
-              <a:rPr lang="en-US" sz="1400" dirty="0" smtClean="0">
-                <a:solidFill>
-                  <a:srgbClr val="FF0000"/>
-                </a:solidFill>
-                <a:latin typeface="Consolas" panose="020B0609020204030204" pitchFamily="49" charset="0"/>
-                <a:ea typeface="Calibri" panose="020F0502020204030204" pitchFamily="34" charset="0"/>
-                <a:cs typeface="Times New Roman" panose="02020603050405020304" pitchFamily="18" charset="0"/>
-              </a:rPr>
-              <a:t>'MN'</a:t>
-            </a:r>
-            <a:endParaRPr lang="en-US" dirty="0">
-              <a:latin typeface="Calibri" panose="020F0502020204030204" pitchFamily="34" charset="0"/>
-              <a:ea typeface="Calibri" panose="020F0502020204030204" pitchFamily="34" charset="0"/>
-              <a:cs typeface="Times New Roman" panose="02020603050405020304" pitchFamily="18" charset="0"/>
-            </a:endParaRPr>
-          </a:p>
-          <a:p>
-            <a:pPr>
-              <a:lnSpc>
-                <a:spcPct val="107000"/>
-              </a:lnSpc>
-            </a:pPr>
-            <a:r>
-              <a:rPr lang="en-US" sz="1400" dirty="0">
-                <a:solidFill>
-                  <a:srgbClr val="0000FF"/>
-                </a:solidFill>
-                <a:latin typeface="Consolas" panose="020B0609020204030204" pitchFamily="49" charset="0"/>
-                <a:ea typeface="Calibri" panose="020F0502020204030204" pitchFamily="34" charset="0"/>
-                <a:cs typeface="Times New Roman" panose="02020603050405020304" pitchFamily="18" charset="0"/>
-              </a:rPr>
-              <a:t>group</a:t>
-            </a:r>
-            <a:r>
-              <a:rPr lang="en-US" sz="1400" dirty="0">
-                <a:latin typeface="Consolas" panose="020B0609020204030204" pitchFamily="49" charset="0"/>
-                <a:ea typeface="Calibri" panose="020F0502020204030204" pitchFamily="34" charset="0"/>
-                <a:cs typeface="Times New Roman" panose="02020603050405020304" pitchFamily="18" charset="0"/>
-              </a:rPr>
-              <a:t> </a:t>
-            </a:r>
-            <a:r>
-              <a:rPr lang="en-US" sz="1400" dirty="0">
-                <a:solidFill>
-                  <a:srgbClr val="0000FF"/>
-                </a:solidFill>
-                <a:latin typeface="Consolas" panose="020B0609020204030204" pitchFamily="49" charset="0"/>
-                <a:ea typeface="Calibri" panose="020F0502020204030204" pitchFamily="34" charset="0"/>
-                <a:cs typeface="Times New Roman" panose="02020603050405020304" pitchFamily="18" charset="0"/>
-              </a:rPr>
-              <a:t>by</a:t>
-            </a:r>
-            <a:r>
-              <a:rPr lang="en-US" sz="1400" dirty="0">
-                <a:latin typeface="Consolas" panose="020B0609020204030204" pitchFamily="49" charset="0"/>
-                <a:ea typeface="Calibri" panose="020F0502020204030204" pitchFamily="34" charset="0"/>
-                <a:cs typeface="Times New Roman" panose="02020603050405020304" pitchFamily="18" charset="0"/>
-              </a:rPr>
-              <a:t> </a:t>
-            </a:r>
-            <a:r>
-              <a:rPr lang="en-US" sz="1400" dirty="0" err="1">
-                <a:solidFill>
-                  <a:srgbClr val="008080"/>
-                </a:solidFill>
-                <a:latin typeface="Consolas" panose="020B0609020204030204" pitchFamily="49" charset="0"/>
-                <a:ea typeface="Calibri" panose="020F0502020204030204" pitchFamily="34" charset="0"/>
-                <a:cs typeface="Times New Roman" panose="02020603050405020304" pitchFamily="18" charset="0"/>
-              </a:rPr>
-              <a:t>od</a:t>
-            </a:r>
-            <a:r>
-              <a:rPr lang="en-US" sz="1400" dirty="0" err="1">
-                <a:solidFill>
-                  <a:srgbClr val="808080"/>
-                </a:solidFill>
-                <a:latin typeface="Consolas" panose="020B0609020204030204" pitchFamily="49" charset="0"/>
-                <a:ea typeface="Calibri" panose="020F0502020204030204" pitchFamily="34" charset="0"/>
-                <a:cs typeface="Times New Roman" panose="02020603050405020304" pitchFamily="18" charset="0"/>
-              </a:rPr>
-              <a:t>.</a:t>
-            </a:r>
-            <a:r>
-              <a:rPr lang="en-US" sz="1400" dirty="0" err="1">
-                <a:solidFill>
-                  <a:srgbClr val="008080"/>
-                </a:solidFill>
-                <a:latin typeface="Consolas" panose="020B0609020204030204" pitchFamily="49" charset="0"/>
-                <a:ea typeface="Calibri" panose="020F0502020204030204" pitchFamily="34" charset="0"/>
-                <a:cs typeface="Times New Roman" panose="02020603050405020304" pitchFamily="18" charset="0"/>
-              </a:rPr>
-              <a:t>ProductId</a:t>
-            </a:r>
-            <a:endParaRPr lang="en-US" dirty="0">
-              <a:latin typeface="Calibri" panose="020F0502020204030204" pitchFamily="34" charset="0"/>
-              <a:ea typeface="Calibri" panose="020F0502020204030204" pitchFamily="34" charset="0"/>
-              <a:cs typeface="Times New Roman" panose="02020603050405020304" pitchFamily="18" charset="0"/>
-            </a:endParaRPr>
-          </a:p>
-          <a:p>
-            <a:pPr>
-              <a:lnSpc>
-                <a:spcPct val="107000"/>
-              </a:lnSpc>
-            </a:pPr>
-            <a:r>
-              <a:rPr lang="en-US" sz="1400" dirty="0">
-                <a:solidFill>
-                  <a:srgbClr val="0000FF"/>
-                </a:solidFill>
-                <a:latin typeface="Consolas" panose="020B0609020204030204" pitchFamily="49" charset="0"/>
-                <a:ea typeface="Calibri" panose="020F0502020204030204" pitchFamily="34" charset="0"/>
-                <a:cs typeface="Times New Roman" panose="02020603050405020304" pitchFamily="18" charset="0"/>
-              </a:rPr>
-              <a:t>having</a:t>
-            </a:r>
-            <a:r>
-              <a:rPr lang="en-US" sz="1400" dirty="0">
-                <a:latin typeface="Consolas" panose="020B0609020204030204" pitchFamily="49" charset="0"/>
-                <a:ea typeface="Calibri" panose="020F0502020204030204" pitchFamily="34" charset="0"/>
-                <a:cs typeface="Times New Roman" panose="02020603050405020304" pitchFamily="18" charset="0"/>
-              </a:rPr>
-              <a:t> </a:t>
-            </a:r>
-            <a:r>
-              <a:rPr lang="en-US" sz="1400" dirty="0">
-                <a:solidFill>
-                  <a:srgbClr val="FF00FF"/>
-                </a:solidFill>
-                <a:latin typeface="Consolas" panose="020B0609020204030204" pitchFamily="49" charset="0"/>
-                <a:ea typeface="Calibri" panose="020F0502020204030204" pitchFamily="34" charset="0"/>
-                <a:cs typeface="Times New Roman" panose="02020603050405020304" pitchFamily="18" charset="0"/>
-              </a:rPr>
-              <a:t>sum</a:t>
-            </a:r>
-            <a:r>
-              <a:rPr lang="en-US" sz="1400" dirty="0">
-                <a:solidFill>
-                  <a:srgbClr val="808080"/>
-                </a:solidFill>
-                <a:latin typeface="Consolas" panose="020B0609020204030204" pitchFamily="49" charset="0"/>
-                <a:ea typeface="Calibri" panose="020F0502020204030204" pitchFamily="34" charset="0"/>
-                <a:cs typeface="Times New Roman" panose="02020603050405020304" pitchFamily="18" charset="0"/>
-              </a:rPr>
-              <a:t>(</a:t>
-            </a:r>
-            <a:r>
-              <a:rPr lang="en-US" sz="1400" dirty="0" err="1">
-                <a:solidFill>
-                  <a:srgbClr val="008080"/>
-                </a:solidFill>
-                <a:latin typeface="Consolas" panose="020B0609020204030204" pitchFamily="49" charset="0"/>
-                <a:ea typeface="Calibri" panose="020F0502020204030204" pitchFamily="34" charset="0"/>
-                <a:cs typeface="Times New Roman" panose="02020603050405020304" pitchFamily="18" charset="0"/>
-              </a:rPr>
-              <a:t>od</a:t>
-            </a:r>
-            <a:r>
-              <a:rPr lang="en-US" sz="1400" dirty="0" err="1">
-                <a:solidFill>
-                  <a:srgbClr val="808080"/>
-                </a:solidFill>
-                <a:latin typeface="Consolas" panose="020B0609020204030204" pitchFamily="49" charset="0"/>
-                <a:ea typeface="Calibri" panose="020F0502020204030204" pitchFamily="34" charset="0"/>
-                <a:cs typeface="Times New Roman" panose="02020603050405020304" pitchFamily="18" charset="0"/>
-              </a:rPr>
-              <a:t>.</a:t>
-            </a:r>
-            <a:r>
-              <a:rPr lang="en-US" sz="1400" dirty="0" err="1">
-                <a:solidFill>
-                  <a:srgbClr val="008080"/>
-                </a:solidFill>
-                <a:latin typeface="Consolas" panose="020B0609020204030204" pitchFamily="49" charset="0"/>
-                <a:ea typeface="Calibri" panose="020F0502020204030204" pitchFamily="34" charset="0"/>
-                <a:cs typeface="Times New Roman" panose="02020603050405020304" pitchFamily="18" charset="0"/>
-              </a:rPr>
-              <a:t>Quantity</a:t>
-            </a:r>
-            <a:r>
-              <a:rPr lang="en-US" sz="1400" dirty="0">
-                <a:solidFill>
-                  <a:srgbClr val="808080"/>
-                </a:solidFill>
-                <a:latin typeface="Consolas" panose="020B0609020204030204" pitchFamily="49" charset="0"/>
-                <a:ea typeface="Calibri" panose="020F0502020204030204" pitchFamily="34" charset="0"/>
-                <a:cs typeface="Times New Roman" panose="02020603050405020304" pitchFamily="18" charset="0"/>
-              </a:rPr>
-              <a:t>)</a:t>
-            </a:r>
-            <a:r>
-              <a:rPr lang="en-US" sz="1400" dirty="0">
-                <a:latin typeface="Consolas" panose="020B0609020204030204" pitchFamily="49" charset="0"/>
-                <a:ea typeface="Calibri" panose="020F0502020204030204" pitchFamily="34" charset="0"/>
-                <a:cs typeface="Times New Roman" panose="02020603050405020304" pitchFamily="18" charset="0"/>
-              </a:rPr>
-              <a:t> </a:t>
-            </a:r>
-            <a:r>
-              <a:rPr lang="en-US" sz="1400" dirty="0">
-                <a:solidFill>
-                  <a:srgbClr val="808080"/>
-                </a:solidFill>
-                <a:latin typeface="Consolas" panose="020B0609020204030204" pitchFamily="49" charset="0"/>
-                <a:ea typeface="Calibri" panose="020F0502020204030204" pitchFamily="34" charset="0"/>
-                <a:cs typeface="Times New Roman" panose="02020603050405020304" pitchFamily="18" charset="0"/>
-              </a:rPr>
-              <a:t>&gt;=</a:t>
-            </a:r>
-            <a:r>
-              <a:rPr lang="en-US" sz="1400" dirty="0">
-                <a:latin typeface="Consolas" panose="020B0609020204030204" pitchFamily="49" charset="0"/>
-                <a:ea typeface="Calibri" panose="020F0502020204030204" pitchFamily="34" charset="0"/>
-                <a:cs typeface="Times New Roman" panose="02020603050405020304" pitchFamily="18" charset="0"/>
-              </a:rPr>
-              <a:t> 20</a:t>
-            </a:r>
-            <a:endParaRPr lang="en-US" dirty="0">
-              <a:latin typeface="Calibri" panose="020F0502020204030204" pitchFamily="34" charset="0"/>
-              <a:ea typeface="Calibri" panose="020F0502020204030204" pitchFamily="34" charset="0"/>
-              <a:cs typeface="Times New Roman" panose="02020603050405020304" pitchFamily="18" charset="0"/>
-            </a:endParaRPr>
-          </a:p>
-          <a:p>
-            <a:pPr>
-              <a:lnSpc>
-                <a:spcPct val="107000"/>
-              </a:lnSpc>
-            </a:pPr>
-            <a:r>
-              <a:rPr lang="en-US" sz="1400" dirty="0">
-                <a:solidFill>
-                  <a:srgbClr val="0000FF"/>
-                </a:solidFill>
-                <a:latin typeface="Consolas" panose="020B0609020204030204" pitchFamily="49" charset="0"/>
-                <a:ea typeface="Calibri" panose="020F0502020204030204" pitchFamily="34" charset="0"/>
-                <a:cs typeface="Times New Roman" panose="02020603050405020304" pitchFamily="18" charset="0"/>
-              </a:rPr>
-              <a:t>select</a:t>
-            </a:r>
-            <a:r>
-              <a:rPr lang="en-US" sz="1400" dirty="0">
-                <a:latin typeface="Consolas" panose="020B0609020204030204" pitchFamily="49" charset="0"/>
-                <a:ea typeface="Calibri" panose="020F0502020204030204" pitchFamily="34" charset="0"/>
-                <a:cs typeface="Times New Roman" panose="02020603050405020304" pitchFamily="18" charset="0"/>
-              </a:rPr>
-              <a:t> </a:t>
-            </a:r>
-            <a:r>
-              <a:rPr lang="en-US" sz="1400" dirty="0" err="1">
-                <a:solidFill>
-                  <a:srgbClr val="008080"/>
-                </a:solidFill>
-                <a:latin typeface="Consolas" panose="020B0609020204030204" pitchFamily="49" charset="0"/>
-                <a:ea typeface="Calibri" panose="020F0502020204030204" pitchFamily="34" charset="0"/>
-                <a:cs typeface="Times New Roman" panose="02020603050405020304" pitchFamily="18" charset="0"/>
-              </a:rPr>
-              <a:t>od</a:t>
-            </a:r>
-            <a:r>
-              <a:rPr lang="en-US" sz="1400" dirty="0" err="1">
-                <a:solidFill>
-                  <a:srgbClr val="808080"/>
-                </a:solidFill>
-                <a:latin typeface="Consolas" panose="020B0609020204030204" pitchFamily="49" charset="0"/>
-                <a:ea typeface="Calibri" panose="020F0502020204030204" pitchFamily="34" charset="0"/>
-                <a:cs typeface="Times New Roman" panose="02020603050405020304" pitchFamily="18" charset="0"/>
-              </a:rPr>
-              <a:t>.</a:t>
-            </a:r>
-            <a:r>
-              <a:rPr lang="en-US" sz="1400" dirty="0" err="1">
-                <a:solidFill>
-                  <a:srgbClr val="008080"/>
-                </a:solidFill>
-                <a:latin typeface="Consolas" panose="020B0609020204030204" pitchFamily="49" charset="0"/>
-                <a:ea typeface="Calibri" panose="020F0502020204030204" pitchFamily="34" charset="0"/>
-                <a:cs typeface="Times New Roman" panose="02020603050405020304" pitchFamily="18" charset="0"/>
-              </a:rPr>
-              <a:t>ProductId</a:t>
-            </a:r>
-            <a:r>
-              <a:rPr lang="en-US" sz="1400" dirty="0">
-                <a:solidFill>
-                  <a:srgbClr val="808080"/>
-                </a:solidFill>
-                <a:latin typeface="Consolas" panose="020B0609020204030204" pitchFamily="49" charset="0"/>
-                <a:ea typeface="Calibri" panose="020F0502020204030204" pitchFamily="34" charset="0"/>
-                <a:cs typeface="Times New Roman" panose="02020603050405020304" pitchFamily="18" charset="0"/>
-              </a:rPr>
-              <a:t>,</a:t>
-            </a:r>
-            <a:endParaRPr lang="en-US" sz="1400" dirty="0">
-              <a:latin typeface="Consolas" panose="020B0609020204030204" pitchFamily="49" charset="0"/>
-              <a:ea typeface="Calibri" panose="020F0502020204030204" pitchFamily="34" charset="0"/>
-              <a:cs typeface="Times New Roman" panose="02020603050405020304" pitchFamily="18" charset="0"/>
-            </a:endParaRPr>
-          </a:p>
-          <a:p>
-            <a:pPr>
-              <a:lnSpc>
-                <a:spcPct val="107000"/>
-              </a:lnSpc>
-            </a:pPr>
-            <a:r>
-              <a:rPr lang="en-US" sz="1400" dirty="0">
-                <a:solidFill>
-                  <a:srgbClr val="FF00FF"/>
-                </a:solidFill>
-                <a:latin typeface="Consolas" panose="020B0609020204030204" pitchFamily="49" charset="0"/>
-                <a:ea typeface="Calibri" panose="020F0502020204030204" pitchFamily="34" charset="0"/>
-                <a:cs typeface="Times New Roman" panose="02020603050405020304" pitchFamily="18" charset="0"/>
-              </a:rPr>
-              <a:t>	sum</a:t>
-            </a:r>
-            <a:r>
-              <a:rPr lang="en-US" sz="1400" dirty="0">
-                <a:solidFill>
-                  <a:srgbClr val="808080"/>
-                </a:solidFill>
-                <a:latin typeface="Consolas" panose="020B0609020204030204" pitchFamily="49" charset="0"/>
-                <a:ea typeface="Calibri" panose="020F0502020204030204" pitchFamily="34" charset="0"/>
-                <a:cs typeface="Times New Roman" panose="02020603050405020304" pitchFamily="18" charset="0"/>
-              </a:rPr>
-              <a:t>(</a:t>
-            </a:r>
-            <a:r>
-              <a:rPr lang="en-US" sz="1400" dirty="0" err="1">
-                <a:solidFill>
-                  <a:srgbClr val="008080"/>
-                </a:solidFill>
-                <a:latin typeface="Consolas" panose="020B0609020204030204" pitchFamily="49" charset="0"/>
-                <a:ea typeface="Calibri" panose="020F0502020204030204" pitchFamily="34" charset="0"/>
-                <a:cs typeface="Times New Roman" panose="02020603050405020304" pitchFamily="18" charset="0"/>
-              </a:rPr>
-              <a:t>od</a:t>
-            </a:r>
-            <a:r>
-              <a:rPr lang="en-US" sz="1400" dirty="0" err="1">
-                <a:solidFill>
-                  <a:srgbClr val="808080"/>
-                </a:solidFill>
-                <a:latin typeface="Consolas" panose="020B0609020204030204" pitchFamily="49" charset="0"/>
-                <a:ea typeface="Calibri" panose="020F0502020204030204" pitchFamily="34" charset="0"/>
-                <a:cs typeface="Times New Roman" panose="02020603050405020304" pitchFamily="18" charset="0"/>
-              </a:rPr>
-              <a:t>.</a:t>
-            </a:r>
-            <a:r>
-              <a:rPr lang="en-US" sz="1400" dirty="0" err="1">
-                <a:solidFill>
-                  <a:srgbClr val="008080"/>
-                </a:solidFill>
-                <a:latin typeface="Consolas" panose="020B0609020204030204" pitchFamily="49" charset="0"/>
-                <a:ea typeface="Calibri" panose="020F0502020204030204" pitchFamily="34" charset="0"/>
-                <a:cs typeface="Times New Roman" panose="02020603050405020304" pitchFamily="18" charset="0"/>
-              </a:rPr>
-              <a:t>Quantity</a:t>
-            </a:r>
-            <a:r>
-              <a:rPr lang="en-US" sz="1400" dirty="0">
-                <a:solidFill>
-                  <a:srgbClr val="808080"/>
-                </a:solidFill>
-                <a:latin typeface="Consolas" panose="020B0609020204030204" pitchFamily="49" charset="0"/>
-                <a:ea typeface="Calibri" panose="020F0502020204030204" pitchFamily="34" charset="0"/>
-                <a:cs typeface="Times New Roman" panose="02020603050405020304" pitchFamily="18" charset="0"/>
-              </a:rPr>
-              <a:t>)</a:t>
-            </a:r>
-            <a:r>
-              <a:rPr lang="en-US" sz="1400" dirty="0">
-                <a:latin typeface="Consolas" panose="020B0609020204030204" pitchFamily="49" charset="0"/>
-                <a:ea typeface="Calibri" panose="020F0502020204030204" pitchFamily="34" charset="0"/>
-                <a:cs typeface="Times New Roman" panose="02020603050405020304" pitchFamily="18" charset="0"/>
-              </a:rPr>
-              <a:t> </a:t>
-            </a:r>
-            <a:r>
-              <a:rPr lang="en-US" sz="1400" dirty="0">
-                <a:solidFill>
-                  <a:srgbClr val="808080"/>
-                </a:solidFill>
-                <a:latin typeface="Consolas" panose="020B0609020204030204" pitchFamily="49" charset="0"/>
-                <a:ea typeface="Calibri" panose="020F0502020204030204" pitchFamily="34" charset="0"/>
-                <a:cs typeface="Times New Roman" panose="02020603050405020304" pitchFamily="18" charset="0"/>
-              </a:rPr>
-              <a:t>-</a:t>
-            </a:r>
-            <a:r>
-              <a:rPr lang="en-US" sz="1400" dirty="0">
-                <a:latin typeface="Consolas" panose="020B0609020204030204" pitchFamily="49" charset="0"/>
-                <a:ea typeface="Calibri" panose="020F0502020204030204" pitchFamily="34" charset="0"/>
-                <a:cs typeface="Times New Roman" panose="02020603050405020304" pitchFamily="18" charset="0"/>
-              </a:rPr>
-              <a:t> 20 </a:t>
-            </a:r>
-            <a:r>
-              <a:rPr lang="en-US" sz="1400" dirty="0" err="1">
-                <a:solidFill>
-                  <a:srgbClr val="008080"/>
-                </a:solidFill>
-                <a:latin typeface="Consolas" panose="020B0609020204030204" pitchFamily="49" charset="0"/>
-                <a:ea typeface="Calibri" panose="020F0502020204030204" pitchFamily="34" charset="0"/>
-                <a:cs typeface="Times New Roman" panose="02020603050405020304" pitchFamily="18" charset="0"/>
-              </a:rPr>
-              <a:t>ExcessOrders</a:t>
-            </a:r>
-            <a:endParaRPr lang="en-US" dirty="0">
-              <a:latin typeface="Calibri" panose="020F0502020204030204" pitchFamily="34" charset="0"/>
-              <a:ea typeface="Calibri" panose="020F0502020204030204" pitchFamily="34" charset="0"/>
-              <a:cs typeface="Times New Roman" panose="02020603050405020304" pitchFamily="18" charset="0"/>
-            </a:endParaRPr>
-          </a:p>
-          <a:p>
-            <a:pPr>
-              <a:lnSpc>
-                <a:spcPct val="107000"/>
-              </a:lnSpc>
-            </a:pPr>
-            <a:r>
-              <a:rPr lang="en-US" sz="1400" dirty="0">
-                <a:solidFill>
-                  <a:srgbClr val="0000FF"/>
-                </a:solidFill>
-                <a:latin typeface="Consolas" panose="020B0609020204030204" pitchFamily="49" charset="0"/>
-                <a:ea typeface="Calibri" panose="020F0502020204030204" pitchFamily="34" charset="0"/>
-                <a:cs typeface="Times New Roman" panose="02020603050405020304" pitchFamily="18" charset="0"/>
-              </a:rPr>
-              <a:t>order</a:t>
-            </a:r>
-            <a:r>
-              <a:rPr lang="en-US" sz="1400" dirty="0">
-                <a:latin typeface="Consolas" panose="020B0609020204030204" pitchFamily="49" charset="0"/>
-                <a:ea typeface="Calibri" panose="020F0502020204030204" pitchFamily="34" charset="0"/>
-                <a:cs typeface="Times New Roman" panose="02020603050405020304" pitchFamily="18" charset="0"/>
-              </a:rPr>
-              <a:t> </a:t>
-            </a:r>
-            <a:r>
-              <a:rPr lang="en-US" sz="1400" dirty="0">
-                <a:solidFill>
-                  <a:srgbClr val="0000FF"/>
-                </a:solidFill>
-                <a:latin typeface="Consolas" panose="020B0609020204030204" pitchFamily="49" charset="0"/>
-                <a:ea typeface="Calibri" panose="020F0502020204030204" pitchFamily="34" charset="0"/>
-                <a:cs typeface="Times New Roman" panose="02020603050405020304" pitchFamily="18" charset="0"/>
-              </a:rPr>
-              <a:t>by</a:t>
-            </a:r>
-            <a:r>
-              <a:rPr lang="en-US" sz="1400" dirty="0">
-                <a:latin typeface="Consolas" panose="020B0609020204030204" pitchFamily="49" charset="0"/>
-                <a:ea typeface="Calibri" panose="020F0502020204030204" pitchFamily="34" charset="0"/>
-                <a:cs typeface="Times New Roman" panose="02020603050405020304" pitchFamily="18" charset="0"/>
-              </a:rPr>
-              <a:t> </a:t>
-            </a:r>
-            <a:r>
-              <a:rPr lang="en-US" sz="1400" dirty="0" err="1">
-                <a:solidFill>
-                  <a:srgbClr val="008080"/>
-                </a:solidFill>
-                <a:latin typeface="Consolas" panose="020B0609020204030204" pitchFamily="49" charset="0"/>
-                <a:ea typeface="Calibri" panose="020F0502020204030204" pitchFamily="34" charset="0"/>
-                <a:cs typeface="Times New Roman" panose="02020603050405020304" pitchFamily="18" charset="0"/>
-              </a:rPr>
-              <a:t>od</a:t>
-            </a:r>
-            <a:r>
-              <a:rPr lang="en-US" sz="1400" dirty="0" err="1">
-                <a:solidFill>
-                  <a:srgbClr val="808080"/>
-                </a:solidFill>
-                <a:latin typeface="Consolas" panose="020B0609020204030204" pitchFamily="49" charset="0"/>
-                <a:ea typeface="Calibri" panose="020F0502020204030204" pitchFamily="34" charset="0"/>
-                <a:cs typeface="Times New Roman" panose="02020603050405020304" pitchFamily="18" charset="0"/>
-              </a:rPr>
-              <a:t>.</a:t>
-            </a:r>
-            <a:r>
-              <a:rPr lang="en-US" sz="1400" dirty="0" err="1">
-                <a:solidFill>
-                  <a:srgbClr val="008080"/>
-                </a:solidFill>
-                <a:latin typeface="Consolas" panose="020B0609020204030204" pitchFamily="49" charset="0"/>
-                <a:ea typeface="Calibri" panose="020F0502020204030204" pitchFamily="34" charset="0"/>
-                <a:cs typeface="Times New Roman" panose="02020603050405020304" pitchFamily="18" charset="0"/>
-              </a:rPr>
-              <a:t>ProductId</a:t>
-            </a:r>
-            <a:endParaRPr lang="en-US" sz="1400" dirty="0">
-              <a:solidFill>
-                <a:srgbClr val="008080"/>
-              </a:solidFill>
-              <a:latin typeface="Consolas" panose="020B0609020204030204" pitchFamily="49" charset="0"/>
-              <a:ea typeface="Calibri" panose="020F0502020204030204" pitchFamily="34" charset="0"/>
-              <a:cs typeface="Times New Roman" panose="02020603050405020304" pitchFamily="18" charset="0"/>
-            </a:endParaRPr>
-          </a:p>
-          <a:p>
-            <a:pPr>
-              <a:lnSpc>
-                <a:spcPct val="107000"/>
-              </a:lnSpc>
-            </a:pPr>
-            <a:r>
-              <a:rPr lang="en-US" sz="1400" dirty="0">
-                <a:solidFill>
-                  <a:srgbClr val="0000FF"/>
-                </a:solidFill>
-                <a:latin typeface="Consolas" panose="020B0609020204030204" pitchFamily="49" charset="0"/>
-                <a:ea typeface="Calibri" panose="020F0502020204030204" pitchFamily="34" charset="0"/>
-                <a:cs typeface="Times New Roman" panose="02020603050405020304" pitchFamily="18" charset="0"/>
-              </a:rPr>
-              <a:t>top</a:t>
-            </a:r>
-            <a:r>
-              <a:rPr lang="en-US" sz="1400" dirty="0">
-                <a:latin typeface="Consolas" panose="020B0609020204030204" pitchFamily="49" charset="0"/>
-                <a:ea typeface="Calibri" panose="020F0502020204030204" pitchFamily="34" charset="0"/>
-                <a:cs typeface="Times New Roman" panose="02020603050405020304" pitchFamily="18" charset="0"/>
-              </a:rPr>
-              <a:t> 5</a:t>
-            </a:r>
-            <a:r>
-              <a:rPr lang="en-US" sz="1400" dirty="0">
-                <a:solidFill>
-                  <a:srgbClr val="808080"/>
-                </a:solidFill>
-                <a:latin typeface="Consolas" panose="020B0609020204030204" pitchFamily="49" charset="0"/>
-                <a:ea typeface="Calibri" panose="020F0502020204030204" pitchFamily="34" charset="0"/>
-                <a:cs typeface="Times New Roman" panose="02020603050405020304" pitchFamily="18" charset="0"/>
-              </a:rPr>
-              <a:t>;</a:t>
-            </a:r>
-            <a:endParaRPr lang="en-US" dirty="0">
-              <a:latin typeface="Calibri" panose="020F0502020204030204" pitchFamily="34" charset="0"/>
-              <a:ea typeface="Calibri" panose="020F0502020204030204" pitchFamily="34" charset="0"/>
-              <a:cs typeface="Times New Roman" panose="02020603050405020304" pitchFamily="18" charset="0"/>
-            </a:endParaRPr>
-          </a:p>
-        </p:txBody>
-      </p:sp>
-      <p:pic>
-        <p:nvPicPr>
-          <p:cNvPr id="4" name="Picture 3"/>
-          <p:cNvPicPr>
-            <a:picLocks noChangeAspect="1"/>
-          </p:cNvPicPr>
-          <p:nvPr/>
-        </p:nvPicPr>
-        <p:blipFill>
-          <a:blip r:embed="rId3"/>
-          <a:stretch>
-            <a:fillRect/>
-          </a:stretch>
-        </p:blipFill>
-        <p:spPr>
-          <a:xfrm>
-            <a:off x="3246120" y="539496"/>
-            <a:ext cx="5421612" cy="5678424"/>
-          </a:xfrm>
-          <a:prstGeom prst="rect">
-            <a:avLst/>
-          </a:prstGeom>
-        </p:spPr>
-      </p:pic>
-    </p:spTree>
-    <p:extLst>
-      <p:ext uri="{BB962C8B-B14F-4D97-AF65-F5344CB8AC3E}">
-        <p14:creationId xmlns:p14="http://schemas.microsoft.com/office/powerpoint/2010/main" val="1565686106"/>
-      </p:ext>
-    </p:extLst>
-  </p:cSld>
-  <p:clrMapOvr>
-    <a:masterClrMapping/>
-  </p:clrMapOvr>
-  <mc:AlternateContent xmlns:mc="http://schemas.openxmlformats.org/markup-compatibility/2006" xmlns:p14="http://schemas.microsoft.com/office/powerpoint/2010/main">
-    <mc:Choice Requires="p14">
-      <p:transition spd="slow" p14:dur="2000"/>
-    </mc:Choice>
-    <mc:Fallback xmlns="">
-      <p:transition spd="slow"/>
-    </mc:Fallback>
-  </mc:AlternateContent>
-</p:sld>
-</file>
-
-<file path=ppt/slides/slide25.xml><?xml version="1.0" encoding="utf-8"?>
-<p:sld xmlns:a="http://schemas.openxmlformats.org/drawingml/2006/main" xmlns:r="http://schemas.openxmlformats.org/officeDocument/2006/relationships" xmlns:p="http://schemas.openxmlformats.org/presentationml/2006/main">
-  <p:cSld>
-    <p:spTree>
-      <p:nvGrpSpPr>
-        <p:cNvPr id="1" name=""/>
-        <p:cNvGrpSpPr/>
-        <p:nvPr/>
-      </p:nvGrpSpPr>
-      <p:grpSpPr>
-        <a:xfrm>
-          <a:off x="0" y="0"/>
-          <a:ext cx="0" cy="0"/>
-          <a:chOff x="0" y="0"/>
-          <a:chExt cx="0" cy="0"/>
-        </a:xfrm>
-      </p:grpSpPr>
-      <p:sp>
-        <p:nvSpPr>
-          <p:cNvPr id="2" name="Title 1"/>
-          <p:cNvSpPr>
-            <a:spLocks noGrp="1"/>
-          </p:cNvSpPr>
-          <p:nvPr>
-            <p:ph type="title"/>
-          </p:nvPr>
-        </p:nvSpPr>
-        <p:spPr/>
-        <p:txBody>
-          <a:bodyPr/>
-          <a:lstStyle/>
-          <a:p>
-            <a:r>
-              <a:rPr lang="en-US" dirty="0"/>
               <a:t>Logical Operators</a:t>
             </a:r>
           </a:p>
@@ -25325,10 +24105,17 @@
   <p:clrMapOvr>
     <a:masterClrMapping/>
   </p:clrMapOvr>
+  <p:timing>
+    <p:tnLst>
+      <p:par>
+        <p:cTn id="1" dur="indefinite" restart="never" nodeType="tmRoot"/>
+      </p:par>
+    </p:tnLst>
+  </p:timing>
 </p:sld>
 </file>
 
-<file path=ppt/slides/slide26.xml><?xml version="1.0" encoding="utf-8"?>
+<file path=ppt/slides/slide25.xml><?xml version="1.0" encoding="utf-8"?>
 <p:sld xmlns:a="http://schemas.openxmlformats.org/drawingml/2006/main" xmlns:r="http://schemas.openxmlformats.org/officeDocument/2006/relationships" xmlns:p="http://schemas.openxmlformats.org/presentationml/2006/main">
   <p:cSld>
     <p:spTree>
@@ -25575,10 +24362,17 @@
   <p:clrMapOvr>
     <a:masterClrMapping/>
   </p:clrMapOvr>
+  <p:timing>
+    <p:tnLst>
+      <p:par>
+        <p:cTn id="1" dur="indefinite" restart="never" nodeType="tmRoot"/>
+      </p:par>
+    </p:tnLst>
+  </p:timing>
 </p:sld>
 </file>
 
-<file path=ppt/slides/slide27.xml><?xml version="1.0" encoding="utf-8"?>
+<file path=ppt/slides/slide26.xml><?xml version="1.0" encoding="utf-8"?>
 <p:sld xmlns:a="http://schemas.openxmlformats.org/drawingml/2006/main" xmlns:r="http://schemas.openxmlformats.org/officeDocument/2006/relationships" xmlns:p="http://schemas.openxmlformats.org/presentationml/2006/main">
   <p:cSld>
     <p:spTree>
@@ -25854,6 +24648,120 @@
   <p:clrMapOvr>
     <a:masterClrMapping/>
   </p:clrMapOvr>
+  <p:timing>
+    <p:tnLst>
+      <p:par>
+        <p:cTn id="1" dur="indefinite" restart="never" nodeType="tmRoot"/>
+      </p:par>
+    </p:tnLst>
+  </p:timing>
+</p:sld>
+</file>
+
+<file path=ppt/slides/slide27.xml><?xml version="1.0" encoding="utf-8"?>
+<p:sld xmlns:a="http://schemas.openxmlformats.org/drawingml/2006/main" xmlns:r="http://schemas.openxmlformats.org/officeDocument/2006/relationships" xmlns:p="http://schemas.openxmlformats.org/presentationml/2006/main">
+  <p:cSld>
+    <p:spTree>
+      <p:nvGrpSpPr>
+        <p:cNvPr id="1" name=""/>
+        <p:cNvGrpSpPr/>
+        <p:nvPr/>
+      </p:nvGrpSpPr>
+      <p:grpSpPr>
+        <a:xfrm>
+          <a:off x="0" y="0"/>
+          <a:ext cx="0" cy="0"/>
+          <a:chOff x="0" y="0"/>
+          <a:chExt cx="0" cy="0"/>
+        </a:xfrm>
+      </p:grpSpPr>
+      <p:sp>
+        <p:nvSpPr>
+          <p:cNvPr id="2" name="Title 1"/>
+          <p:cNvSpPr>
+            <a:spLocks noGrp="1"/>
+          </p:cNvSpPr>
+          <p:nvPr>
+            <p:ph type="title"/>
+          </p:nvPr>
+        </p:nvSpPr>
+        <p:spPr/>
+        <p:txBody>
+          <a:bodyPr/>
+          <a:lstStyle/>
+          <a:p>
+            <a:r>
+              <a:rPr lang="en-US" dirty="0"/>
+              <a:t>Parse Trees</a:t>
+            </a:r>
+          </a:p>
+        </p:txBody>
+      </p:sp>
+      <p:sp>
+        <p:nvSpPr>
+          <p:cNvPr id="3" name="Content Placeholder 2"/>
+          <p:cNvSpPr>
+            <a:spLocks noGrp="1"/>
+          </p:cNvSpPr>
+          <p:nvPr>
+            <p:ph idx="1"/>
+          </p:nvPr>
+        </p:nvSpPr>
+        <p:spPr/>
+        <p:txBody>
+          <a:bodyPr/>
+          <a:lstStyle/>
+          <a:p>
+            <a:r>
+              <a:rPr lang="en-US" dirty="0"/>
+              <a:t>Internal representation of query operation</a:t>
+            </a:r>
+          </a:p>
+          <a:p>
+            <a:r>
+              <a:rPr lang="en-US" dirty="0"/>
+              <a:t>Nodes may be logical or physical operators</a:t>
+            </a:r>
+          </a:p>
+          <a:p>
+            <a:pPr lvl="1"/>
+            <a:r>
+              <a:rPr lang="en-US" dirty="0"/>
+              <a:t>0 to infinity inputs, 1 output</a:t>
+            </a:r>
+          </a:p>
+          <a:p>
+            <a:r>
+              <a:rPr lang="en-US" dirty="0"/>
+              <a:t>SQL Server will output parse trees at various phases of optimization</a:t>
+            </a:r>
+          </a:p>
+          <a:p>
+            <a:pPr lvl="1"/>
+            <a:r>
+              <a:rPr lang="en-US" dirty="0"/>
+              <a:t>A variety of trace flags will trigger output</a:t>
+            </a:r>
+          </a:p>
+        </p:txBody>
+      </p:sp>
+    </p:spTree>
+    <p:extLst>
+      <p:ext uri="{BB962C8B-B14F-4D97-AF65-F5344CB8AC3E}">
+        <p14:creationId xmlns:p14="http://schemas.microsoft.com/office/powerpoint/2010/main" val="1114966382"/>
+      </p:ext>
+    </p:extLst>
+  </p:cSld>
+  <p:clrMapOvr>
+    <a:masterClrMapping/>
+  </p:clrMapOvr>
+  <p:timing>
+    <p:tnLst>
+      <p:par>
+        <p:cTn id="1" dur="indefinite" restart="never" nodeType="tmRoot"/>
+      </p:par>
+    </p:tnLst>
+  </p:timing>
 </p:sld>
 </file>
 
@@ -25891,106 +24799,6 @@
           <a:p>
             <a:r>
               <a:rPr lang="en-US" dirty="0"/>
-              <a:t>Parse Trees</a:t>
-            </a:r>
-          </a:p>
-        </p:txBody>
-      </p:sp>
-      <p:sp>
-        <p:nvSpPr>
-          <p:cNvPr id="3" name="Content Placeholder 2"/>
-          <p:cNvSpPr>
-            <a:spLocks noGrp="1"/>
-          </p:cNvSpPr>
-          <p:nvPr>
-            <p:ph idx="1"/>
-          </p:nvPr>
-        </p:nvSpPr>
-        <p:spPr/>
-        <p:txBody>
-          <a:bodyPr/>
-          <a:lstStyle/>
-          <a:p>
-            <a:r>
-              <a:rPr lang="en-US" dirty="0"/>
-              <a:t>Internal representation of query operation</a:t>
-            </a:r>
-          </a:p>
-          <a:p>
-            <a:r>
-              <a:rPr lang="en-US" dirty="0"/>
-              <a:t>Nodes may be logical or physical operators</a:t>
-            </a:r>
-          </a:p>
-          <a:p>
-            <a:pPr lvl="1"/>
-            <a:r>
-              <a:rPr lang="en-US" dirty="0"/>
-              <a:t>0 to infinity inputs, 1 output</a:t>
-            </a:r>
-          </a:p>
-          <a:p>
-            <a:r>
-              <a:rPr lang="en-US" dirty="0"/>
-              <a:t>SQL Server will output parse trees at various phases of optimization</a:t>
-            </a:r>
-          </a:p>
-          <a:p>
-            <a:pPr lvl="1"/>
-            <a:r>
-              <a:rPr lang="en-US" dirty="0"/>
-              <a:t>A variety of trace flags will trigger output</a:t>
-            </a:r>
-          </a:p>
-        </p:txBody>
-      </p:sp>
-    </p:spTree>
-    <p:extLst>
-      <p:ext uri="{BB962C8B-B14F-4D97-AF65-F5344CB8AC3E}">
-        <p14:creationId xmlns:p14="http://schemas.microsoft.com/office/powerpoint/2010/main" val="1114966382"/>
-      </p:ext>
-    </p:extLst>
-  </p:cSld>
-  <p:clrMapOvr>
-    <a:masterClrMapping/>
-  </p:clrMapOvr>
-</p:sld>
-</file>
-
-<file path=ppt/slides/slide29.xml><?xml version="1.0" encoding="utf-8"?>
-<p:sld xmlns:a="http://schemas.openxmlformats.org/drawingml/2006/main" xmlns:r="http://schemas.openxmlformats.org/officeDocument/2006/relationships" xmlns:p="http://schemas.openxmlformats.org/presentationml/2006/main">
-  <p:cSld>
-    <p:spTree>
-      <p:nvGrpSpPr>
-        <p:cNvPr id="1" name=""/>
-        <p:cNvGrpSpPr/>
-        <p:nvPr/>
-      </p:nvGrpSpPr>
-      <p:grpSpPr>
-        <a:xfrm>
-          <a:off x="0" y="0"/>
-          <a:ext cx="0" cy="0"/>
-          <a:chOff x="0" y="0"/>
-          <a:chExt cx="0" cy="0"/>
-        </a:xfrm>
-      </p:grpSpPr>
-      <p:sp>
-        <p:nvSpPr>
-          <p:cNvPr id="2" name="Title 1"/>
-          <p:cNvSpPr>
-            <a:spLocks noGrp="1"/>
-          </p:cNvSpPr>
-          <p:nvPr>
-            <p:ph type="title"/>
-          </p:nvPr>
-        </p:nvSpPr>
-        <p:spPr/>
-        <p:txBody>
-          <a:bodyPr/>
-          <a:lstStyle/>
-          <a:p>
-            <a:r>
-              <a:rPr lang="en-US" dirty="0"/>
               <a:t>Example Parse Tree</a:t>
             </a:r>
           </a:p>
@@ -27058,47 +25866,6 @@
               </a:solidFill>
               <a:latin typeface="Consolas" panose="020B0609020204030204" pitchFamily="49" charset="0"/>
             </a:endParaRPr>
-          </a:p>
-        </p:txBody>
-      </p:sp>
-      <p:sp>
-        <p:nvSpPr>
-          <p:cNvPr id="6" name="Oval 5"/>
-          <p:cNvSpPr/>
-          <p:nvPr/>
-        </p:nvSpPr>
-        <p:spPr>
-          <a:xfrm>
-            <a:off x="8378792" y="542942"/>
-            <a:ext cx="616016" cy="606391"/>
-          </a:xfrm>
-          <a:prstGeom prst="ellipse">
-            <a:avLst/>
-          </a:prstGeom>
-        </p:spPr>
-        <p:style>
-          <a:lnRef idx="1">
-            <a:schemeClr val="accent1"/>
-          </a:lnRef>
-          <a:fillRef idx="3">
-            <a:schemeClr val="accent1"/>
-          </a:fillRef>
-          <a:effectRef idx="2">
-            <a:schemeClr val="accent1"/>
-          </a:effectRef>
-          <a:fontRef idx="minor">
-            <a:schemeClr val="lt1"/>
-          </a:fontRef>
-        </p:style>
-        <p:txBody>
-          <a:bodyPr rtlCol="0" anchor="ctr"/>
-          <a:lstStyle/>
-          <a:p>
-            <a:pPr algn="ctr"/>
-            <a:r>
-              <a:rPr lang="en-US" sz="1600" dirty="0"/>
-              <a:t>11</a:t>
-            </a:r>
           </a:p>
         </p:txBody>
       </p:sp>
@@ -27136,6 +25903,1323 @@
   <p:clrMapOvr>
     <a:masterClrMapping/>
   </p:clrMapOvr>
+  <p:timing>
+    <p:tnLst>
+      <p:par>
+        <p:cTn id="1" dur="indefinite" restart="never" nodeType="tmRoot"/>
+      </p:par>
+    </p:tnLst>
+  </p:timing>
+</p:sld>
+</file>
+
+<file path=ppt/slides/slide29.xml><?xml version="1.0" encoding="utf-8"?>
+<p:sld xmlns:a="http://schemas.openxmlformats.org/drawingml/2006/main" xmlns:r="http://schemas.openxmlformats.org/officeDocument/2006/relationships" xmlns:p="http://schemas.openxmlformats.org/presentationml/2006/main">
+  <p:cSld>
+    <p:spTree>
+      <p:nvGrpSpPr>
+        <p:cNvPr id="1" name=""/>
+        <p:cNvGrpSpPr/>
+        <p:nvPr/>
+      </p:nvGrpSpPr>
+      <p:grpSpPr>
+        <a:xfrm>
+          <a:off x="0" y="0"/>
+          <a:ext cx="0" cy="0"/>
+          <a:chOff x="0" y="0"/>
+          <a:chExt cx="0" cy="0"/>
+        </a:xfrm>
+      </p:grpSpPr>
+      <p:sp>
+        <p:nvSpPr>
+          <p:cNvPr id="2" name="Title 1"/>
+          <p:cNvSpPr>
+            <a:spLocks noGrp="1"/>
+          </p:cNvSpPr>
+          <p:nvPr>
+            <p:ph type="title"/>
+          </p:nvPr>
+        </p:nvSpPr>
+        <p:spPr/>
+        <p:txBody>
+          <a:bodyPr/>
+          <a:lstStyle/>
+          <a:p>
+            <a:r>
+              <a:rPr lang="en-US" dirty="0"/>
+              <a:t>Query Tree</a:t>
+            </a:r>
+          </a:p>
+        </p:txBody>
+      </p:sp>
+      <p:sp>
+        <p:nvSpPr>
+          <p:cNvPr id="5" name="TextBox 4"/>
+          <p:cNvSpPr txBox="1"/>
+          <p:nvPr/>
+        </p:nvSpPr>
+        <p:spPr>
+          <a:xfrm>
+            <a:off x="558265" y="1713297"/>
+            <a:ext cx="4025461" cy="2858475"/>
+          </a:xfrm>
+          <a:prstGeom prst="rect">
+            <a:avLst/>
+          </a:prstGeom>
+          <a:noFill/>
+        </p:spPr>
+        <p:txBody>
+          <a:bodyPr wrap="none" rtlCol="0">
+            <a:spAutoFit/>
+          </a:bodyPr>
+          <a:lstStyle/>
+          <a:p>
+            <a:pPr>
+              <a:lnSpc>
+                <a:spcPct val="107000"/>
+              </a:lnSpc>
+            </a:pPr>
+            <a:r>
+              <a:rPr lang="en-US" sz="1400" dirty="0">
+                <a:solidFill>
+                  <a:srgbClr val="0000FF"/>
+                </a:solidFill>
+                <a:latin typeface="Consolas" panose="020B0609020204030204" pitchFamily="49" charset="0"/>
+                <a:ea typeface="Calibri" panose="020F0502020204030204" pitchFamily="34" charset="0"/>
+                <a:cs typeface="Times New Roman" panose="02020603050405020304" pitchFamily="18" charset="0"/>
+              </a:rPr>
+              <a:t>from</a:t>
+            </a:r>
+            <a:r>
+              <a:rPr lang="en-US" sz="1400" dirty="0">
+                <a:latin typeface="Consolas" panose="020B0609020204030204" pitchFamily="49" charset="0"/>
+                <a:ea typeface="Calibri" panose="020F0502020204030204" pitchFamily="34" charset="0"/>
+                <a:cs typeface="Times New Roman" panose="02020603050405020304" pitchFamily="18" charset="0"/>
+              </a:rPr>
+              <a:t> </a:t>
+            </a:r>
+            <a:r>
+              <a:rPr lang="en-US" sz="1400" dirty="0" err="1">
+                <a:solidFill>
+                  <a:srgbClr val="008080"/>
+                </a:solidFill>
+                <a:latin typeface="Consolas" panose="020B0609020204030204" pitchFamily="49" charset="0"/>
+                <a:ea typeface="Calibri" panose="020F0502020204030204" pitchFamily="34" charset="0"/>
+                <a:cs typeface="Times New Roman" panose="02020603050405020304" pitchFamily="18" charset="0"/>
+              </a:rPr>
+              <a:t>dbo</a:t>
+            </a:r>
+            <a:r>
+              <a:rPr lang="en-US" sz="1400" dirty="0" err="1">
+                <a:solidFill>
+                  <a:srgbClr val="808080"/>
+                </a:solidFill>
+                <a:latin typeface="Consolas" panose="020B0609020204030204" pitchFamily="49" charset="0"/>
+                <a:ea typeface="Calibri" panose="020F0502020204030204" pitchFamily="34" charset="0"/>
+                <a:cs typeface="Times New Roman" panose="02020603050405020304" pitchFamily="18" charset="0"/>
+              </a:rPr>
+              <a:t>.</a:t>
+            </a:r>
+            <a:r>
+              <a:rPr lang="en-US" sz="1400" dirty="0" err="1">
+                <a:solidFill>
+                  <a:srgbClr val="008080"/>
+                </a:solidFill>
+                <a:latin typeface="Consolas" panose="020B0609020204030204" pitchFamily="49" charset="0"/>
+                <a:ea typeface="Calibri" panose="020F0502020204030204" pitchFamily="34" charset="0"/>
+                <a:cs typeface="Times New Roman" panose="02020603050405020304" pitchFamily="18" charset="0"/>
+              </a:rPr>
+              <a:t>OrderHeader</a:t>
+            </a:r>
+            <a:r>
+              <a:rPr lang="en-US" sz="1400" dirty="0">
+                <a:latin typeface="Consolas" panose="020B0609020204030204" pitchFamily="49" charset="0"/>
+                <a:ea typeface="Calibri" panose="020F0502020204030204" pitchFamily="34" charset="0"/>
+                <a:cs typeface="Times New Roman" panose="02020603050405020304" pitchFamily="18" charset="0"/>
+              </a:rPr>
+              <a:t> </a:t>
+            </a:r>
+            <a:r>
+              <a:rPr lang="en-US" sz="1400" dirty="0">
+                <a:solidFill>
+                  <a:srgbClr val="008080"/>
+                </a:solidFill>
+                <a:latin typeface="Consolas" panose="020B0609020204030204" pitchFamily="49" charset="0"/>
+                <a:ea typeface="Calibri" panose="020F0502020204030204" pitchFamily="34" charset="0"/>
+                <a:cs typeface="Times New Roman" panose="02020603050405020304" pitchFamily="18" charset="0"/>
+              </a:rPr>
+              <a:t>oh</a:t>
+            </a:r>
+            <a:endParaRPr lang="en-US" dirty="0">
+              <a:latin typeface="Calibri" panose="020F0502020204030204" pitchFamily="34" charset="0"/>
+              <a:ea typeface="Calibri" panose="020F0502020204030204" pitchFamily="34" charset="0"/>
+              <a:cs typeface="Times New Roman" panose="02020603050405020304" pitchFamily="18" charset="0"/>
+            </a:endParaRPr>
+          </a:p>
+          <a:p>
+            <a:pPr>
+              <a:lnSpc>
+                <a:spcPct val="107000"/>
+              </a:lnSpc>
+            </a:pPr>
+            <a:r>
+              <a:rPr lang="en-US" sz="1400" dirty="0">
+                <a:solidFill>
+                  <a:srgbClr val="808080"/>
+                </a:solidFill>
+                <a:latin typeface="Consolas" panose="020B0609020204030204" pitchFamily="49" charset="0"/>
+                <a:ea typeface="Calibri" panose="020F0502020204030204" pitchFamily="34" charset="0"/>
+                <a:cs typeface="Times New Roman" panose="02020603050405020304" pitchFamily="18" charset="0"/>
+              </a:rPr>
+              <a:t>inner</a:t>
+            </a:r>
+            <a:r>
+              <a:rPr lang="en-US" sz="1400" dirty="0">
+                <a:latin typeface="Consolas" panose="020B0609020204030204" pitchFamily="49" charset="0"/>
+                <a:ea typeface="Calibri" panose="020F0502020204030204" pitchFamily="34" charset="0"/>
+                <a:cs typeface="Times New Roman" panose="02020603050405020304" pitchFamily="18" charset="0"/>
+              </a:rPr>
+              <a:t> </a:t>
+            </a:r>
+            <a:r>
+              <a:rPr lang="en-US" sz="1400" dirty="0">
+                <a:solidFill>
+                  <a:srgbClr val="808080"/>
+                </a:solidFill>
+                <a:latin typeface="Consolas" panose="020B0609020204030204" pitchFamily="49" charset="0"/>
+                <a:ea typeface="Calibri" panose="020F0502020204030204" pitchFamily="34" charset="0"/>
+                <a:cs typeface="Times New Roman" panose="02020603050405020304" pitchFamily="18" charset="0"/>
+              </a:rPr>
+              <a:t>join</a:t>
+            </a:r>
+            <a:r>
+              <a:rPr lang="en-US" sz="1400" dirty="0">
+                <a:latin typeface="Consolas" panose="020B0609020204030204" pitchFamily="49" charset="0"/>
+                <a:ea typeface="Calibri" panose="020F0502020204030204" pitchFamily="34" charset="0"/>
+                <a:cs typeface="Times New Roman" panose="02020603050405020304" pitchFamily="18" charset="0"/>
+              </a:rPr>
+              <a:t> </a:t>
+            </a:r>
+            <a:r>
+              <a:rPr lang="en-US" sz="1400" dirty="0" err="1">
+                <a:solidFill>
+                  <a:srgbClr val="008080"/>
+                </a:solidFill>
+                <a:latin typeface="Consolas" panose="020B0609020204030204" pitchFamily="49" charset="0"/>
+                <a:ea typeface="Calibri" panose="020F0502020204030204" pitchFamily="34" charset="0"/>
+                <a:cs typeface="Times New Roman" panose="02020603050405020304" pitchFamily="18" charset="0"/>
+              </a:rPr>
+              <a:t>dbo</a:t>
+            </a:r>
+            <a:r>
+              <a:rPr lang="en-US" sz="1400" dirty="0" err="1">
+                <a:solidFill>
+                  <a:srgbClr val="808080"/>
+                </a:solidFill>
+                <a:latin typeface="Consolas" panose="020B0609020204030204" pitchFamily="49" charset="0"/>
+                <a:ea typeface="Calibri" panose="020F0502020204030204" pitchFamily="34" charset="0"/>
+                <a:cs typeface="Times New Roman" panose="02020603050405020304" pitchFamily="18" charset="0"/>
+              </a:rPr>
+              <a:t>.</a:t>
+            </a:r>
+            <a:r>
+              <a:rPr lang="en-US" sz="1400" dirty="0" err="1">
+                <a:solidFill>
+                  <a:srgbClr val="008080"/>
+                </a:solidFill>
+                <a:latin typeface="Consolas" panose="020B0609020204030204" pitchFamily="49" charset="0"/>
+                <a:ea typeface="Calibri" panose="020F0502020204030204" pitchFamily="34" charset="0"/>
+                <a:cs typeface="Times New Roman" panose="02020603050405020304" pitchFamily="18" charset="0"/>
+              </a:rPr>
+              <a:t>OrderDetail</a:t>
+            </a:r>
+            <a:r>
+              <a:rPr lang="en-US" sz="1400" dirty="0">
+                <a:latin typeface="Consolas" panose="020B0609020204030204" pitchFamily="49" charset="0"/>
+                <a:ea typeface="Calibri" panose="020F0502020204030204" pitchFamily="34" charset="0"/>
+                <a:cs typeface="Times New Roman" panose="02020603050405020304" pitchFamily="18" charset="0"/>
+              </a:rPr>
+              <a:t> </a:t>
+            </a:r>
+            <a:r>
+              <a:rPr lang="en-US" sz="1400" dirty="0">
+                <a:solidFill>
+                  <a:srgbClr val="008080"/>
+                </a:solidFill>
+                <a:latin typeface="Consolas" panose="020B0609020204030204" pitchFamily="49" charset="0"/>
+                <a:ea typeface="Calibri" panose="020F0502020204030204" pitchFamily="34" charset="0"/>
+                <a:cs typeface="Times New Roman" panose="02020603050405020304" pitchFamily="18" charset="0"/>
+              </a:rPr>
+              <a:t>od</a:t>
+            </a:r>
+            <a:endParaRPr lang="en-US" sz="1400" dirty="0">
+              <a:latin typeface="Consolas" panose="020B0609020204030204" pitchFamily="49" charset="0"/>
+              <a:ea typeface="Calibri" panose="020F0502020204030204" pitchFamily="34" charset="0"/>
+              <a:cs typeface="Times New Roman" panose="02020603050405020304" pitchFamily="18" charset="0"/>
+            </a:endParaRPr>
+          </a:p>
+          <a:p>
+            <a:pPr>
+              <a:lnSpc>
+                <a:spcPct val="107000"/>
+              </a:lnSpc>
+            </a:pPr>
+            <a:r>
+              <a:rPr lang="en-US" sz="1400" dirty="0">
+                <a:solidFill>
+                  <a:srgbClr val="808080"/>
+                </a:solidFill>
+                <a:latin typeface="Consolas" panose="020B0609020204030204" pitchFamily="49" charset="0"/>
+                <a:ea typeface="Calibri" panose="020F0502020204030204" pitchFamily="34" charset="0"/>
+                <a:cs typeface="Times New Roman" panose="02020603050405020304" pitchFamily="18" charset="0"/>
+              </a:rPr>
+              <a:t>inner</a:t>
+            </a:r>
+            <a:r>
+              <a:rPr lang="en-US" sz="1400" dirty="0">
+                <a:latin typeface="Consolas" panose="020B0609020204030204" pitchFamily="49" charset="0"/>
+                <a:ea typeface="Calibri" panose="020F0502020204030204" pitchFamily="34" charset="0"/>
+                <a:cs typeface="Times New Roman" panose="02020603050405020304" pitchFamily="18" charset="0"/>
+              </a:rPr>
+              <a:t> </a:t>
+            </a:r>
+            <a:r>
+              <a:rPr lang="en-US" sz="1400" dirty="0">
+                <a:solidFill>
+                  <a:srgbClr val="808080"/>
+                </a:solidFill>
+                <a:latin typeface="Consolas" panose="020B0609020204030204" pitchFamily="49" charset="0"/>
+                <a:ea typeface="Calibri" panose="020F0502020204030204" pitchFamily="34" charset="0"/>
+                <a:cs typeface="Times New Roman" panose="02020603050405020304" pitchFamily="18" charset="0"/>
+              </a:rPr>
+              <a:t>join</a:t>
+            </a:r>
+            <a:r>
+              <a:rPr lang="en-US" sz="1400" dirty="0">
+                <a:latin typeface="Consolas" panose="020B0609020204030204" pitchFamily="49" charset="0"/>
+                <a:ea typeface="Calibri" panose="020F0502020204030204" pitchFamily="34" charset="0"/>
+                <a:cs typeface="Times New Roman" panose="02020603050405020304" pitchFamily="18" charset="0"/>
+              </a:rPr>
+              <a:t> </a:t>
+            </a:r>
+            <a:r>
+              <a:rPr lang="en-US" sz="1400" dirty="0" err="1">
+                <a:solidFill>
+                  <a:srgbClr val="008080"/>
+                </a:solidFill>
+                <a:latin typeface="Consolas" panose="020B0609020204030204" pitchFamily="49" charset="0"/>
+                <a:ea typeface="Calibri" panose="020F0502020204030204" pitchFamily="34" charset="0"/>
+                <a:cs typeface="Times New Roman" panose="02020603050405020304" pitchFamily="18" charset="0"/>
+              </a:rPr>
+              <a:t>dbo</a:t>
+            </a:r>
+            <a:r>
+              <a:rPr lang="en-US" sz="1400" dirty="0" err="1">
+                <a:solidFill>
+                  <a:srgbClr val="808080"/>
+                </a:solidFill>
+                <a:latin typeface="Consolas" panose="020B0609020204030204" pitchFamily="49" charset="0"/>
+                <a:ea typeface="Calibri" panose="020F0502020204030204" pitchFamily="34" charset="0"/>
+                <a:cs typeface="Times New Roman" panose="02020603050405020304" pitchFamily="18" charset="0"/>
+              </a:rPr>
+              <a:t>.</a:t>
+            </a:r>
+            <a:r>
+              <a:rPr lang="en-US" sz="1400" dirty="0" err="1">
+                <a:solidFill>
+                  <a:srgbClr val="008080"/>
+                </a:solidFill>
+                <a:latin typeface="Consolas" panose="020B0609020204030204" pitchFamily="49" charset="0"/>
+                <a:ea typeface="Calibri" panose="020F0502020204030204" pitchFamily="34" charset="0"/>
+                <a:cs typeface="Times New Roman" panose="02020603050405020304" pitchFamily="18" charset="0"/>
+              </a:rPr>
+              <a:t>Customer</a:t>
+            </a:r>
+            <a:r>
+              <a:rPr lang="en-US" sz="1400" dirty="0">
+                <a:latin typeface="Consolas" panose="020B0609020204030204" pitchFamily="49" charset="0"/>
+                <a:ea typeface="Calibri" panose="020F0502020204030204" pitchFamily="34" charset="0"/>
+                <a:cs typeface="Times New Roman" panose="02020603050405020304" pitchFamily="18" charset="0"/>
+              </a:rPr>
+              <a:t> </a:t>
+            </a:r>
+            <a:r>
+              <a:rPr lang="en-US" sz="1400" dirty="0" err="1">
+                <a:solidFill>
+                  <a:srgbClr val="008080"/>
+                </a:solidFill>
+                <a:latin typeface="Consolas" panose="020B0609020204030204" pitchFamily="49" charset="0"/>
+                <a:ea typeface="Calibri" panose="020F0502020204030204" pitchFamily="34" charset="0"/>
+                <a:cs typeface="Times New Roman" panose="02020603050405020304" pitchFamily="18" charset="0"/>
+              </a:rPr>
+              <a:t>cust</a:t>
+            </a:r>
+            <a:endParaRPr lang="en-US" sz="1400" dirty="0">
+              <a:latin typeface="Consolas" panose="020B0609020204030204" pitchFamily="49" charset="0"/>
+              <a:ea typeface="Calibri" panose="020F0502020204030204" pitchFamily="34" charset="0"/>
+              <a:cs typeface="Times New Roman" panose="02020603050405020304" pitchFamily="18" charset="0"/>
+            </a:endParaRPr>
+          </a:p>
+          <a:p>
+            <a:pPr>
+              <a:lnSpc>
+                <a:spcPct val="107000"/>
+              </a:lnSpc>
+            </a:pPr>
+            <a:r>
+              <a:rPr lang="en-US" sz="1400" dirty="0">
+                <a:solidFill>
+                  <a:srgbClr val="0000FF"/>
+                </a:solidFill>
+                <a:latin typeface="Consolas" panose="020B0609020204030204" pitchFamily="49" charset="0"/>
+                <a:ea typeface="Calibri" panose="020F0502020204030204" pitchFamily="34" charset="0"/>
+                <a:cs typeface="Times New Roman" panose="02020603050405020304" pitchFamily="18" charset="0"/>
+              </a:rPr>
+              <a:t>on</a:t>
+            </a:r>
+            <a:r>
+              <a:rPr lang="en-US" sz="1400" dirty="0">
+                <a:latin typeface="Consolas" panose="020B0609020204030204" pitchFamily="49" charset="0"/>
+                <a:ea typeface="Calibri" panose="020F0502020204030204" pitchFamily="34" charset="0"/>
+                <a:cs typeface="Times New Roman" panose="02020603050405020304" pitchFamily="18" charset="0"/>
+              </a:rPr>
+              <a:t> </a:t>
+            </a:r>
+            <a:r>
+              <a:rPr lang="en-US" sz="1400" dirty="0" err="1">
+                <a:solidFill>
+                  <a:srgbClr val="008080"/>
+                </a:solidFill>
+                <a:latin typeface="Consolas" panose="020B0609020204030204" pitchFamily="49" charset="0"/>
+                <a:ea typeface="Calibri" panose="020F0502020204030204" pitchFamily="34" charset="0"/>
+                <a:cs typeface="Times New Roman" panose="02020603050405020304" pitchFamily="18" charset="0"/>
+              </a:rPr>
+              <a:t>oh</a:t>
+            </a:r>
+            <a:r>
+              <a:rPr lang="en-US" sz="1400" dirty="0" err="1">
+                <a:solidFill>
+                  <a:srgbClr val="808080"/>
+                </a:solidFill>
+                <a:latin typeface="Consolas" panose="020B0609020204030204" pitchFamily="49" charset="0"/>
+                <a:ea typeface="Calibri" panose="020F0502020204030204" pitchFamily="34" charset="0"/>
+                <a:cs typeface="Times New Roman" panose="02020603050405020304" pitchFamily="18" charset="0"/>
+              </a:rPr>
+              <a:t>.</a:t>
+            </a:r>
+            <a:r>
+              <a:rPr lang="en-US" sz="1400" dirty="0" err="1">
+                <a:solidFill>
+                  <a:srgbClr val="008080"/>
+                </a:solidFill>
+                <a:latin typeface="Consolas" panose="020B0609020204030204" pitchFamily="49" charset="0"/>
+                <a:ea typeface="Calibri" panose="020F0502020204030204" pitchFamily="34" charset="0"/>
+                <a:cs typeface="Times New Roman" panose="02020603050405020304" pitchFamily="18" charset="0"/>
+              </a:rPr>
+              <a:t>OrderId</a:t>
+            </a:r>
+            <a:r>
+              <a:rPr lang="en-US" sz="1400" dirty="0">
+                <a:latin typeface="Consolas" panose="020B0609020204030204" pitchFamily="49" charset="0"/>
+                <a:ea typeface="Calibri" panose="020F0502020204030204" pitchFamily="34" charset="0"/>
+                <a:cs typeface="Times New Roman" panose="02020603050405020304" pitchFamily="18" charset="0"/>
+              </a:rPr>
+              <a:t> </a:t>
+            </a:r>
+            <a:r>
+              <a:rPr lang="en-US" sz="1400" dirty="0">
+                <a:solidFill>
+                  <a:srgbClr val="808080"/>
+                </a:solidFill>
+                <a:latin typeface="Consolas" panose="020B0609020204030204" pitchFamily="49" charset="0"/>
+                <a:ea typeface="Calibri" panose="020F0502020204030204" pitchFamily="34" charset="0"/>
+                <a:cs typeface="Times New Roman" panose="02020603050405020304" pitchFamily="18" charset="0"/>
+              </a:rPr>
+              <a:t>=</a:t>
+            </a:r>
+            <a:r>
+              <a:rPr lang="en-US" sz="1400" dirty="0">
+                <a:latin typeface="Consolas" panose="020B0609020204030204" pitchFamily="49" charset="0"/>
+                <a:ea typeface="Calibri" panose="020F0502020204030204" pitchFamily="34" charset="0"/>
+                <a:cs typeface="Times New Roman" panose="02020603050405020304" pitchFamily="18" charset="0"/>
+              </a:rPr>
+              <a:t> </a:t>
+            </a:r>
+            <a:r>
+              <a:rPr lang="en-US" sz="1400" dirty="0" err="1">
+                <a:solidFill>
+                  <a:srgbClr val="008080"/>
+                </a:solidFill>
+                <a:latin typeface="Consolas" panose="020B0609020204030204" pitchFamily="49" charset="0"/>
+                <a:ea typeface="Calibri" panose="020F0502020204030204" pitchFamily="34" charset="0"/>
+                <a:cs typeface="Times New Roman" panose="02020603050405020304" pitchFamily="18" charset="0"/>
+              </a:rPr>
+              <a:t>od</a:t>
+            </a:r>
+            <a:r>
+              <a:rPr lang="en-US" sz="1400" dirty="0" err="1">
+                <a:solidFill>
+                  <a:srgbClr val="808080"/>
+                </a:solidFill>
+                <a:latin typeface="Consolas" panose="020B0609020204030204" pitchFamily="49" charset="0"/>
+                <a:ea typeface="Calibri" panose="020F0502020204030204" pitchFamily="34" charset="0"/>
+                <a:cs typeface="Times New Roman" panose="02020603050405020304" pitchFamily="18" charset="0"/>
+              </a:rPr>
+              <a:t>.</a:t>
+            </a:r>
+            <a:r>
+              <a:rPr lang="en-US" sz="1400" dirty="0" err="1">
+                <a:solidFill>
+                  <a:srgbClr val="008080"/>
+                </a:solidFill>
+                <a:latin typeface="Consolas" panose="020B0609020204030204" pitchFamily="49" charset="0"/>
+                <a:ea typeface="Calibri" panose="020F0502020204030204" pitchFamily="34" charset="0"/>
+                <a:cs typeface="Times New Roman" panose="02020603050405020304" pitchFamily="18" charset="0"/>
+              </a:rPr>
+              <a:t>OrderId</a:t>
+            </a:r>
+            <a:endParaRPr lang="en-US" dirty="0">
+              <a:latin typeface="Calibri" panose="020F0502020204030204" pitchFamily="34" charset="0"/>
+              <a:ea typeface="Calibri" panose="020F0502020204030204" pitchFamily="34" charset="0"/>
+              <a:cs typeface="Times New Roman" panose="02020603050405020304" pitchFamily="18" charset="0"/>
+            </a:endParaRPr>
+          </a:p>
+          <a:p>
+            <a:pPr>
+              <a:lnSpc>
+                <a:spcPct val="107000"/>
+              </a:lnSpc>
+            </a:pPr>
+            <a:r>
+              <a:rPr lang="en-US" sz="1400" dirty="0">
+                <a:solidFill>
+                  <a:srgbClr val="0000FF"/>
+                </a:solidFill>
+                <a:latin typeface="Consolas" panose="020B0609020204030204" pitchFamily="49" charset="0"/>
+                <a:ea typeface="Calibri" panose="020F0502020204030204" pitchFamily="34" charset="0"/>
+                <a:cs typeface="Times New Roman" panose="02020603050405020304" pitchFamily="18" charset="0"/>
+              </a:rPr>
+              <a:t>on</a:t>
+            </a:r>
+            <a:r>
+              <a:rPr lang="en-US" sz="1400" dirty="0">
+                <a:latin typeface="Consolas" panose="020B0609020204030204" pitchFamily="49" charset="0"/>
+                <a:ea typeface="Calibri" panose="020F0502020204030204" pitchFamily="34" charset="0"/>
+                <a:cs typeface="Times New Roman" panose="02020603050405020304" pitchFamily="18" charset="0"/>
+              </a:rPr>
+              <a:t> </a:t>
+            </a:r>
+            <a:r>
+              <a:rPr lang="en-US" sz="1400" dirty="0" err="1">
+                <a:solidFill>
+                  <a:srgbClr val="008080"/>
+                </a:solidFill>
+                <a:latin typeface="Consolas" panose="020B0609020204030204" pitchFamily="49" charset="0"/>
+                <a:ea typeface="Calibri" panose="020F0502020204030204" pitchFamily="34" charset="0"/>
+                <a:cs typeface="Times New Roman" panose="02020603050405020304" pitchFamily="18" charset="0"/>
+              </a:rPr>
+              <a:t>oh</a:t>
+            </a:r>
+            <a:r>
+              <a:rPr lang="en-US" sz="1400" dirty="0" err="1">
+                <a:solidFill>
+                  <a:srgbClr val="808080"/>
+                </a:solidFill>
+                <a:latin typeface="Consolas" panose="020B0609020204030204" pitchFamily="49" charset="0"/>
+                <a:ea typeface="Calibri" panose="020F0502020204030204" pitchFamily="34" charset="0"/>
+                <a:cs typeface="Times New Roman" panose="02020603050405020304" pitchFamily="18" charset="0"/>
+              </a:rPr>
+              <a:t>.</a:t>
+            </a:r>
+            <a:r>
+              <a:rPr lang="en-US" sz="1400" dirty="0" err="1">
+                <a:solidFill>
+                  <a:srgbClr val="008080"/>
+                </a:solidFill>
+                <a:latin typeface="Consolas" panose="020B0609020204030204" pitchFamily="49" charset="0"/>
+                <a:ea typeface="Calibri" panose="020F0502020204030204" pitchFamily="34" charset="0"/>
+                <a:cs typeface="Times New Roman" panose="02020603050405020304" pitchFamily="18" charset="0"/>
+              </a:rPr>
+              <a:t>CustomerId</a:t>
+            </a:r>
+            <a:r>
+              <a:rPr lang="en-US" sz="1400" dirty="0">
+                <a:latin typeface="Consolas" panose="020B0609020204030204" pitchFamily="49" charset="0"/>
+                <a:ea typeface="Calibri" panose="020F0502020204030204" pitchFamily="34" charset="0"/>
+                <a:cs typeface="Times New Roman" panose="02020603050405020304" pitchFamily="18" charset="0"/>
+              </a:rPr>
+              <a:t> </a:t>
+            </a:r>
+            <a:r>
+              <a:rPr lang="en-US" sz="1400" dirty="0">
+                <a:solidFill>
+                  <a:srgbClr val="808080"/>
+                </a:solidFill>
+                <a:latin typeface="Consolas" panose="020B0609020204030204" pitchFamily="49" charset="0"/>
+                <a:ea typeface="Calibri" panose="020F0502020204030204" pitchFamily="34" charset="0"/>
+                <a:cs typeface="Times New Roman" panose="02020603050405020304" pitchFamily="18" charset="0"/>
+              </a:rPr>
+              <a:t>=</a:t>
+            </a:r>
+            <a:r>
+              <a:rPr lang="en-US" sz="1400" dirty="0">
+                <a:latin typeface="Consolas" panose="020B0609020204030204" pitchFamily="49" charset="0"/>
+                <a:ea typeface="Calibri" panose="020F0502020204030204" pitchFamily="34" charset="0"/>
+                <a:cs typeface="Times New Roman" panose="02020603050405020304" pitchFamily="18" charset="0"/>
+              </a:rPr>
+              <a:t> </a:t>
+            </a:r>
+            <a:r>
+              <a:rPr lang="en-US" sz="1400" dirty="0" err="1">
+                <a:solidFill>
+                  <a:srgbClr val="008080"/>
+                </a:solidFill>
+                <a:latin typeface="Consolas" panose="020B0609020204030204" pitchFamily="49" charset="0"/>
+                <a:ea typeface="Calibri" panose="020F0502020204030204" pitchFamily="34" charset="0"/>
+                <a:cs typeface="Times New Roman" panose="02020603050405020304" pitchFamily="18" charset="0"/>
+              </a:rPr>
+              <a:t>cust</a:t>
+            </a:r>
+            <a:r>
+              <a:rPr lang="en-US" sz="1400" dirty="0" err="1">
+                <a:solidFill>
+                  <a:srgbClr val="808080"/>
+                </a:solidFill>
+                <a:latin typeface="Consolas" panose="020B0609020204030204" pitchFamily="49" charset="0"/>
+                <a:ea typeface="Calibri" panose="020F0502020204030204" pitchFamily="34" charset="0"/>
+                <a:cs typeface="Times New Roman" panose="02020603050405020304" pitchFamily="18" charset="0"/>
+              </a:rPr>
+              <a:t>.</a:t>
+            </a:r>
+            <a:r>
+              <a:rPr lang="en-US" sz="1400" dirty="0" err="1">
+                <a:solidFill>
+                  <a:srgbClr val="008080"/>
+                </a:solidFill>
+                <a:latin typeface="Consolas" panose="020B0609020204030204" pitchFamily="49" charset="0"/>
+                <a:ea typeface="Calibri" panose="020F0502020204030204" pitchFamily="34" charset="0"/>
+                <a:cs typeface="Times New Roman" panose="02020603050405020304" pitchFamily="18" charset="0"/>
+              </a:rPr>
+              <a:t>CustomerID</a:t>
+            </a:r>
+            <a:endParaRPr lang="en-US" dirty="0">
+              <a:latin typeface="Calibri" panose="020F0502020204030204" pitchFamily="34" charset="0"/>
+              <a:ea typeface="Calibri" panose="020F0502020204030204" pitchFamily="34" charset="0"/>
+              <a:cs typeface="Times New Roman" panose="02020603050405020304" pitchFamily="18" charset="0"/>
+            </a:endParaRPr>
+          </a:p>
+          <a:p>
+            <a:pPr>
+              <a:lnSpc>
+                <a:spcPct val="107000"/>
+              </a:lnSpc>
+            </a:pPr>
+            <a:r>
+              <a:rPr lang="en-US" sz="1400" dirty="0">
+                <a:solidFill>
+                  <a:srgbClr val="0000FF"/>
+                </a:solidFill>
+                <a:latin typeface="Consolas" panose="020B0609020204030204" pitchFamily="49" charset="0"/>
+                <a:ea typeface="Calibri" panose="020F0502020204030204" pitchFamily="34" charset="0"/>
+                <a:cs typeface="Times New Roman" panose="02020603050405020304" pitchFamily="18" charset="0"/>
+              </a:rPr>
+              <a:t>where</a:t>
+            </a:r>
+            <a:r>
+              <a:rPr lang="en-US" sz="1400" dirty="0">
+                <a:latin typeface="Consolas" panose="020B0609020204030204" pitchFamily="49" charset="0"/>
+                <a:ea typeface="Calibri" panose="020F0502020204030204" pitchFamily="34" charset="0"/>
+                <a:cs typeface="Times New Roman" panose="02020603050405020304" pitchFamily="18" charset="0"/>
+              </a:rPr>
+              <a:t> </a:t>
+            </a:r>
+            <a:r>
+              <a:rPr lang="en-US" sz="1400" dirty="0" err="1">
+                <a:solidFill>
+                  <a:srgbClr val="008080"/>
+                </a:solidFill>
+                <a:latin typeface="Consolas" panose="020B0609020204030204" pitchFamily="49" charset="0"/>
+                <a:ea typeface="Calibri" panose="020F0502020204030204" pitchFamily="34" charset="0"/>
+                <a:cs typeface="Times New Roman" panose="02020603050405020304" pitchFamily="18" charset="0"/>
+              </a:rPr>
+              <a:t>cust</a:t>
+            </a:r>
+            <a:r>
+              <a:rPr lang="en-US" sz="1400" dirty="0" err="1">
+                <a:solidFill>
+                  <a:srgbClr val="808080"/>
+                </a:solidFill>
+                <a:latin typeface="Consolas" panose="020B0609020204030204" pitchFamily="49" charset="0"/>
+                <a:ea typeface="Calibri" panose="020F0502020204030204" pitchFamily="34" charset="0"/>
+                <a:cs typeface="Times New Roman" panose="02020603050405020304" pitchFamily="18" charset="0"/>
+              </a:rPr>
+              <a:t>.</a:t>
+            </a:r>
+            <a:r>
+              <a:rPr lang="en-US" sz="1400" dirty="0" err="1">
+                <a:solidFill>
+                  <a:srgbClr val="0000FF"/>
+                </a:solidFill>
+                <a:latin typeface="Consolas" panose="020B0609020204030204" pitchFamily="49" charset="0"/>
+                <a:ea typeface="Calibri" panose="020F0502020204030204" pitchFamily="34" charset="0"/>
+                <a:cs typeface="Times New Roman" panose="02020603050405020304" pitchFamily="18" charset="0"/>
+              </a:rPr>
+              <a:t>State</a:t>
+            </a:r>
+            <a:r>
+              <a:rPr lang="en-US" sz="1400" dirty="0">
+                <a:latin typeface="Consolas" panose="020B0609020204030204" pitchFamily="49" charset="0"/>
+                <a:ea typeface="Calibri" panose="020F0502020204030204" pitchFamily="34" charset="0"/>
+                <a:cs typeface="Times New Roman" panose="02020603050405020304" pitchFamily="18" charset="0"/>
+              </a:rPr>
+              <a:t> </a:t>
+            </a:r>
+            <a:r>
+              <a:rPr lang="en-US" sz="1400" dirty="0" smtClean="0">
+                <a:solidFill>
+                  <a:srgbClr val="808080"/>
+                </a:solidFill>
+                <a:latin typeface="Consolas" panose="020B0609020204030204" pitchFamily="49" charset="0"/>
+                <a:ea typeface="Calibri" panose="020F0502020204030204" pitchFamily="34" charset="0"/>
+                <a:cs typeface="Times New Roman" panose="02020603050405020304" pitchFamily="18" charset="0"/>
+              </a:rPr>
+              <a:t>= </a:t>
+            </a:r>
+            <a:r>
+              <a:rPr lang="en-US" sz="1400" dirty="0" smtClean="0">
+                <a:solidFill>
+                  <a:srgbClr val="FF0000"/>
+                </a:solidFill>
+                <a:latin typeface="Consolas" panose="020B0609020204030204" pitchFamily="49" charset="0"/>
+                <a:ea typeface="Calibri" panose="020F0502020204030204" pitchFamily="34" charset="0"/>
+                <a:cs typeface="Times New Roman" panose="02020603050405020304" pitchFamily="18" charset="0"/>
+              </a:rPr>
+              <a:t>'MN'</a:t>
+            </a:r>
+            <a:endParaRPr lang="en-US" dirty="0">
+              <a:latin typeface="Calibri" panose="020F0502020204030204" pitchFamily="34" charset="0"/>
+              <a:ea typeface="Calibri" panose="020F0502020204030204" pitchFamily="34" charset="0"/>
+              <a:cs typeface="Times New Roman" panose="02020603050405020304" pitchFamily="18" charset="0"/>
+            </a:endParaRPr>
+          </a:p>
+          <a:p>
+            <a:pPr>
+              <a:lnSpc>
+                <a:spcPct val="107000"/>
+              </a:lnSpc>
+            </a:pPr>
+            <a:r>
+              <a:rPr lang="en-US" sz="1400" dirty="0">
+                <a:solidFill>
+                  <a:srgbClr val="0000FF"/>
+                </a:solidFill>
+                <a:latin typeface="Consolas" panose="020B0609020204030204" pitchFamily="49" charset="0"/>
+                <a:ea typeface="Calibri" panose="020F0502020204030204" pitchFamily="34" charset="0"/>
+                <a:cs typeface="Times New Roman" panose="02020603050405020304" pitchFamily="18" charset="0"/>
+              </a:rPr>
+              <a:t>group</a:t>
+            </a:r>
+            <a:r>
+              <a:rPr lang="en-US" sz="1400" dirty="0">
+                <a:latin typeface="Consolas" panose="020B0609020204030204" pitchFamily="49" charset="0"/>
+                <a:ea typeface="Calibri" panose="020F0502020204030204" pitchFamily="34" charset="0"/>
+                <a:cs typeface="Times New Roman" panose="02020603050405020304" pitchFamily="18" charset="0"/>
+              </a:rPr>
+              <a:t> </a:t>
+            </a:r>
+            <a:r>
+              <a:rPr lang="en-US" sz="1400" dirty="0">
+                <a:solidFill>
+                  <a:srgbClr val="0000FF"/>
+                </a:solidFill>
+                <a:latin typeface="Consolas" panose="020B0609020204030204" pitchFamily="49" charset="0"/>
+                <a:ea typeface="Calibri" panose="020F0502020204030204" pitchFamily="34" charset="0"/>
+                <a:cs typeface="Times New Roman" panose="02020603050405020304" pitchFamily="18" charset="0"/>
+              </a:rPr>
+              <a:t>by</a:t>
+            </a:r>
+            <a:r>
+              <a:rPr lang="en-US" sz="1400" dirty="0">
+                <a:latin typeface="Consolas" panose="020B0609020204030204" pitchFamily="49" charset="0"/>
+                <a:ea typeface="Calibri" panose="020F0502020204030204" pitchFamily="34" charset="0"/>
+                <a:cs typeface="Times New Roman" panose="02020603050405020304" pitchFamily="18" charset="0"/>
+              </a:rPr>
+              <a:t> </a:t>
+            </a:r>
+            <a:r>
+              <a:rPr lang="en-US" sz="1400" dirty="0" err="1">
+                <a:solidFill>
+                  <a:srgbClr val="008080"/>
+                </a:solidFill>
+                <a:latin typeface="Consolas" panose="020B0609020204030204" pitchFamily="49" charset="0"/>
+                <a:ea typeface="Calibri" panose="020F0502020204030204" pitchFamily="34" charset="0"/>
+                <a:cs typeface="Times New Roman" panose="02020603050405020304" pitchFamily="18" charset="0"/>
+              </a:rPr>
+              <a:t>od</a:t>
+            </a:r>
+            <a:r>
+              <a:rPr lang="en-US" sz="1400" dirty="0" err="1">
+                <a:solidFill>
+                  <a:srgbClr val="808080"/>
+                </a:solidFill>
+                <a:latin typeface="Consolas" panose="020B0609020204030204" pitchFamily="49" charset="0"/>
+                <a:ea typeface="Calibri" panose="020F0502020204030204" pitchFamily="34" charset="0"/>
+                <a:cs typeface="Times New Roman" panose="02020603050405020304" pitchFamily="18" charset="0"/>
+              </a:rPr>
+              <a:t>.</a:t>
+            </a:r>
+            <a:r>
+              <a:rPr lang="en-US" sz="1400" dirty="0" err="1">
+                <a:solidFill>
+                  <a:srgbClr val="008080"/>
+                </a:solidFill>
+                <a:latin typeface="Consolas" panose="020B0609020204030204" pitchFamily="49" charset="0"/>
+                <a:ea typeface="Calibri" panose="020F0502020204030204" pitchFamily="34" charset="0"/>
+                <a:cs typeface="Times New Roman" panose="02020603050405020304" pitchFamily="18" charset="0"/>
+              </a:rPr>
+              <a:t>ProductId</a:t>
+            </a:r>
+            <a:endParaRPr lang="en-US" dirty="0">
+              <a:latin typeface="Calibri" panose="020F0502020204030204" pitchFamily="34" charset="0"/>
+              <a:ea typeface="Calibri" panose="020F0502020204030204" pitchFamily="34" charset="0"/>
+              <a:cs typeface="Times New Roman" panose="02020603050405020304" pitchFamily="18" charset="0"/>
+            </a:endParaRPr>
+          </a:p>
+          <a:p>
+            <a:pPr>
+              <a:lnSpc>
+                <a:spcPct val="107000"/>
+              </a:lnSpc>
+            </a:pPr>
+            <a:r>
+              <a:rPr lang="en-US" sz="1400" dirty="0">
+                <a:solidFill>
+                  <a:srgbClr val="0000FF"/>
+                </a:solidFill>
+                <a:latin typeface="Consolas" panose="020B0609020204030204" pitchFamily="49" charset="0"/>
+                <a:ea typeface="Calibri" panose="020F0502020204030204" pitchFamily="34" charset="0"/>
+                <a:cs typeface="Times New Roman" panose="02020603050405020304" pitchFamily="18" charset="0"/>
+              </a:rPr>
+              <a:t>having</a:t>
+            </a:r>
+            <a:r>
+              <a:rPr lang="en-US" sz="1400" dirty="0">
+                <a:latin typeface="Consolas" panose="020B0609020204030204" pitchFamily="49" charset="0"/>
+                <a:ea typeface="Calibri" panose="020F0502020204030204" pitchFamily="34" charset="0"/>
+                <a:cs typeface="Times New Roman" panose="02020603050405020304" pitchFamily="18" charset="0"/>
+              </a:rPr>
+              <a:t> </a:t>
+            </a:r>
+            <a:r>
+              <a:rPr lang="en-US" sz="1400" dirty="0">
+                <a:solidFill>
+                  <a:srgbClr val="FF00FF"/>
+                </a:solidFill>
+                <a:latin typeface="Consolas" panose="020B0609020204030204" pitchFamily="49" charset="0"/>
+                <a:ea typeface="Calibri" panose="020F0502020204030204" pitchFamily="34" charset="0"/>
+                <a:cs typeface="Times New Roman" panose="02020603050405020304" pitchFamily="18" charset="0"/>
+              </a:rPr>
+              <a:t>sum</a:t>
+            </a:r>
+            <a:r>
+              <a:rPr lang="en-US" sz="1400" dirty="0">
+                <a:solidFill>
+                  <a:srgbClr val="808080"/>
+                </a:solidFill>
+                <a:latin typeface="Consolas" panose="020B0609020204030204" pitchFamily="49" charset="0"/>
+                <a:ea typeface="Calibri" panose="020F0502020204030204" pitchFamily="34" charset="0"/>
+                <a:cs typeface="Times New Roman" panose="02020603050405020304" pitchFamily="18" charset="0"/>
+              </a:rPr>
+              <a:t>(</a:t>
+            </a:r>
+            <a:r>
+              <a:rPr lang="en-US" sz="1400" dirty="0" err="1">
+                <a:solidFill>
+                  <a:srgbClr val="008080"/>
+                </a:solidFill>
+                <a:latin typeface="Consolas" panose="020B0609020204030204" pitchFamily="49" charset="0"/>
+                <a:ea typeface="Calibri" panose="020F0502020204030204" pitchFamily="34" charset="0"/>
+                <a:cs typeface="Times New Roman" panose="02020603050405020304" pitchFamily="18" charset="0"/>
+              </a:rPr>
+              <a:t>od</a:t>
+            </a:r>
+            <a:r>
+              <a:rPr lang="en-US" sz="1400" dirty="0" err="1">
+                <a:solidFill>
+                  <a:srgbClr val="808080"/>
+                </a:solidFill>
+                <a:latin typeface="Consolas" panose="020B0609020204030204" pitchFamily="49" charset="0"/>
+                <a:ea typeface="Calibri" panose="020F0502020204030204" pitchFamily="34" charset="0"/>
+                <a:cs typeface="Times New Roman" panose="02020603050405020304" pitchFamily="18" charset="0"/>
+              </a:rPr>
+              <a:t>.</a:t>
+            </a:r>
+            <a:r>
+              <a:rPr lang="en-US" sz="1400" dirty="0" err="1">
+                <a:solidFill>
+                  <a:srgbClr val="008080"/>
+                </a:solidFill>
+                <a:latin typeface="Consolas" panose="020B0609020204030204" pitchFamily="49" charset="0"/>
+                <a:ea typeface="Calibri" panose="020F0502020204030204" pitchFamily="34" charset="0"/>
+                <a:cs typeface="Times New Roman" panose="02020603050405020304" pitchFamily="18" charset="0"/>
+              </a:rPr>
+              <a:t>Quantity</a:t>
+            </a:r>
+            <a:r>
+              <a:rPr lang="en-US" sz="1400" dirty="0">
+                <a:solidFill>
+                  <a:srgbClr val="808080"/>
+                </a:solidFill>
+                <a:latin typeface="Consolas" panose="020B0609020204030204" pitchFamily="49" charset="0"/>
+                <a:ea typeface="Calibri" panose="020F0502020204030204" pitchFamily="34" charset="0"/>
+                <a:cs typeface="Times New Roman" panose="02020603050405020304" pitchFamily="18" charset="0"/>
+              </a:rPr>
+              <a:t>)</a:t>
+            </a:r>
+            <a:r>
+              <a:rPr lang="en-US" sz="1400" dirty="0">
+                <a:latin typeface="Consolas" panose="020B0609020204030204" pitchFamily="49" charset="0"/>
+                <a:ea typeface="Calibri" panose="020F0502020204030204" pitchFamily="34" charset="0"/>
+                <a:cs typeface="Times New Roman" panose="02020603050405020304" pitchFamily="18" charset="0"/>
+              </a:rPr>
+              <a:t> </a:t>
+            </a:r>
+            <a:r>
+              <a:rPr lang="en-US" sz="1400" dirty="0">
+                <a:solidFill>
+                  <a:srgbClr val="808080"/>
+                </a:solidFill>
+                <a:latin typeface="Consolas" panose="020B0609020204030204" pitchFamily="49" charset="0"/>
+                <a:ea typeface="Calibri" panose="020F0502020204030204" pitchFamily="34" charset="0"/>
+                <a:cs typeface="Times New Roman" panose="02020603050405020304" pitchFamily="18" charset="0"/>
+              </a:rPr>
+              <a:t>&gt;=</a:t>
+            </a:r>
+            <a:r>
+              <a:rPr lang="en-US" sz="1400" dirty="0">
+                <a:latin typeface="Consolas" panose="020B0609020204030204" pitchFamily="49" charset="0"/>
+                <a:ea typeface="Calibri" panose="020F0502020204030204" pitchFamily="34" charset="0"/>
+                <a:cs typeface="Times New Roman" panose="02020603050405020304" pitchFamily="18" charset="0"/>
+              </a:rPr>
+              <a:t> 20</a:t>
+            </a:r>
+            <a:endParaRPr lang="en-US" dirty="0">
+              <a:latin typeface="Calibri" panose="020F0502020204030204" pitchFamily="34" charset="0"/>
+              <a:ea typeface="Calibri" panose="020F0502020204030204" pitchFamily="34" charset="0"/>
+              <a:cs typeface="Times New Roman" panose="02020603050405020304" pitchFamily="18" charset="0"/>
+            </a:endParaRPr>
+          </a:p>
+          <a:p>
+            <a:pPr>
+              <a:lnSpc>
+                <a:spcPct val="107000"/>
+              </a:lnSpc>
+            </a:pPr>
+            <a:r>
+              <a:rPr lang="en-US" sz="1400" dirty="0">
+                <a:solidFill>
+                  <a:srgbClr val="0000FF"/>
+                </a:solidFill>
+                <a:latin typeface="Consolas" panose="020B0609020204030204" pitchFamily="49" charset="0"/>
+                <a:ea typeface="Calibri" panose="020F0502020204030204" pitchFamily="34" charset="0"/>
+                <a:cs typeface="Times New Roman" panose="02020603050405020304" pitchFamily="18" charset="0"/>
+              </a:rPr>
+              <a:t>select</a:t>
+            </a:r>
+            <a:r>
+              <a:rPr lang="en-US" sz="1400" dirty="0">
+                <a:latin typeface="Consolas" panose="020B0609020204030204" pitchFamily="49" charset="0"/>
+                <a:ea typeface="Calibri" panose="020F0502020204030204" pitchFamily="34" charset="0"/>
+                <a:cs typeface="Times New Roman" panose="02020603050405020304" pitchFamily="18" charset="0"/>
+              </a:rPr>
+              <a:t> </a:t>
+            </a:r>
+            <a:r>
+              <a:rPr lang="en-US" sz="1400" dirty="0" err="1">
+                <a:solidFill>
+                  <a:srgbClr val="008080"/>
+                </a:solidFill>
+                <a:latin typeface="Consolas" panose="020B0609020204030204" pitchFamily="49" charset="0"/>
+                <a:ea typeface="Calibri" panose="020F0502020204030204" pitchFamily="34" charset="0"/>
+                <a:cs typeface="Times New Roman" panose="02020603050405020304" pitchFamily="18" charset="0"/>
+              </a:rPr>
+              <a:t>od</a:t>
+            </a:r>
+            <a:r>
+              <a:rPr lang="en-US" sz="1400" dirty="0" err="1">
+                <a:solidFill>
+                  <a:srgbClr val="808080"/>
+                </a:solidFill>
+                <a:latin typeface="Consolas" panose="020B0609020204030204" pitchFamily="49" charset="0"/>
+                <a:ea typeface="Calibri" panose="020F0502020204030204" pitchFamily="34" charset="0"/>
+                <a:cs typeface="Times New Roman" panose="02020603050405020304" pitchFamily="18" charset="0"/>
+              </a:rPr>
+              <a:t>.</a:t>
+            </a:r>
+            <a:r>
+              <a:rPr lang="en-US" sz="1400" dirty="0" err="1">
+                <a:solidFill>
+                  <a:srgbClr val="008080"/>
+                </a:solidFill>
+                <a:latin typeface="Consolas" panose="020B0609020204030204" pitchFamily="49" charset="0"/>
+                <a:ea typeface="Calibri" panose="020F0502020204030204" pitchFamily="34" charset="0"/>
+                <a:cs typeface="Times New Roman" panose="02020603050405020304" pitchFamily="18" charset="0"/>
+              </a:rPr>
+              <a:t>ProductId</a:t>
+            </a:r>
+            <a:r>
+              <a:rPr lang="en-US" sz="1400" dirty="0">
+                <a:solidFill>
+                  <a:srgbClr val="808080"/>
+                </a:solidFill>
+                <a:latin typeface="Consolas" panose="020B0609020204030204" pitchFamily="49" charset="0"/>
+                <a:ea typeface="Calibri" panose="020F0502020204030204" pitchFamily="34" charset="0"/>
+                <a:cs typeface="Times New Roman" panose="02020603050405020304" pitchFamily="18" charset="0"/>
+              </a:rPr>
+              <a:t>,</a:t>
+            </a:r>
+            <a:endParaRPr lang="en-US" sz="1400" dirty="0">
+              <a:latin typeface="Consolas" panose="020B0609020204030204" pitchFamily="49" charset="0"/>
+              <a:ea typeface="Calibri" panose="020F0502020204030204" pitchFamily="34" charset="0"/>
+              <a:cs typeface="Times New Roman" panose="02020603050405020304" pitchFamily="18" charset="0"/>
+            </a:endParaRPr>
+          </a:p>
+          <a:p>
+            <a:pPr>
+              <a:lnSpc>
+                <a:spcPct val="107000"/>
+              </a:lnSpc>
+            </a:pPr>
+            <a:r>
+              <a:rPr lang="en-US" sz="1400" dirty="0">
+                <a:solidFill>
+                  <a:srgbClr val="FF00FF"/>
+                </a:solidFill>
+                <a:latin typeface="Consolas" panose="020B0609020204030204" pitchFamily="49" charset="0"/>
+                <a:ea typeface="Calibri" panose="020F0502020204030204" pitchFamily="34" charset="0"/>
+                <a:cs typeface="Times New Roman" panose="02020603050405020304" pitchFamily="18" charset="0"/>
+              </a:rPr>
+              <a:t>	sum</a:t>
+            </a:r>
+            <a:r>
+              <a:rPr lang="en-US" sz="1400" dirty="0">
+                <a:solidFill>
+                  <a:srgbClr val="808080"/>
+                </a:solidFill>
+                <a:latin typeface="Consolas" panose="020B0609020204030204" pitchFamily="49" charset="0"/>
+                <a:ea typeface="Calibri" panose="020F0502020204030204" pitchFamily="34" charset="0"/>
+                <a:cs typeface="Times New Roman" panose="02020603050405020304" pitchFamily="18" charset="0"/>
+              </a:rPr>
+              <a:t>(</a:t>
+            </a:r>
+            <a:r>
+              <a:rPr lang="en-US" sz="1400" dirty="0" err="1">
+                <a:solidFill>
+                  <a:srgbClr val="008080"/>
+                </a:solidFill>
+                <a:latin typeface="Consolas" panose="020B0609020204030204" pitchFamily="49" charset="0"/>
+                <a:ea typeface="Calibri" panose="020F0502020204030204" pitchFamily="34" charset="0"/>
+                <a:cs typeface="Times New Roman" panose="02020603050405020304" pitchFamily="18" charset="0"/>
+              </a:rPr>
+              <a:t>od</a:t>
+            </a:r>
+            <a:r>
+              <a:rPr lang="en-US" sz="1400" dirty="0" err="1">
+                <a:solidFill>
+                  <a:srgbClr val="808080"/>
+                </a:solidFill>
+                <a:latin typeface="Consolas" panose="020B0609020204030204" pitchFamily="49" charset="0"/>
+                <a:ea typeface="Calibri" panose="020F0502020204030204" pitchFamily="34" charset="0"/>
+                <a:cs typeface="Times New Roman" panose="02020603050405020304" pitchFamily="18" charset="0"/>
+              </a:rPr>
+              <a:t>.</a:t>
+            </a:r>
+            <a:r>
+              <a:rPr lang="en-US" sz="1400" dirty="0" err="1">
+                <a:solidFill>
+                  <a:srgbClr val="008080"/>
+                </a:solidFill>
+                <a:latin typeface="Consolas" panose="020B0609020204030204" pitchFamily="49" charset="0"/>
+                <a:ea typeface="Calibri" panose="020F0502020204030204" pitchFamily="34" charset="0"/>
+                <a:cs typeface="Times New Roman" panose="02020603050405020304" pitchFamily="18" charset="0"/>
+              </a:rPr>
+              <a:t>Quantity</a:t>
+            </a:r>
+            <a:r>
+              <a:rPr lang="en-US" sz="1400" dirty="0">
+                <a:solidFill>
+                  <a:srgbClr val="808080"/>
+                </a:solidFill>
+                <a:latin typeface="Consolas" panose="020B0609020204030204" pitchFamily="49" charset="0"/>
+                <a:ea typeface="Calibri" panose="020F0502020204030204" pitchFamily="34" charset="0"/>
+                <a:cs typeface="Times New Roman" panose="02020603050405020304" pitchFamily="18" charset="0"/>
+              </a:rPr>
+              <a:t>)</a:t>
+            </a:r>
+            <a:r>
+              <a:rPr lang="en-US" sz="1400" dirty="0">
+                <a:latin typeface="Consolas" panose="020B0609020204030204" pitchFamily="49" charset="0"/>
+                <a:ea typeface="Calibri" panose="020F0502020204030204" pitchFamily="34" charset="0"/>
+                <a:cs typeface="Times New Roman" panose="02020603050405020304" pitchFamily="18" charset="0"/>
+              </a:rPr>
+              <a:t> </a:t>
+            </a:r>
+            <a:r>
+              <a:rPr lang="en-US" sz="1400" dirty="0">
+                <a:solidFill>
+                  <a:srgbClr val="808080"/>
+                </a:solidFill>
+                <a:latin typeface="Consolas" panose="020B0609020204030204" pitchFamily="49" charset="0"/>
+                <a:ea typeface="Calibri" panose="020F0502020204030204" pitchFamily="34" charset="0"/>
+                <a:cs typeface="Times New Roman" panose="02020603050405020304" pitchFamily="18" charset="0"/>
+              </a:rPr>
+              <a:t>-</a:t>
+            </a:r>
+            <a:r>
+              <a:rPr lang="en-US" sz="1400" dirty="0">
+                <a:latin typeface="Consolas" panose="020B0609020204030204" pitchFamily="49" charset="0"/>
+                <a:ea typeface="Calibri" panose="020F0502020204030204" pitchFamily="34" charset="0"/>
+                <a:cs typeface="Times New Roman" panose="02020603050405020304" pitchFamily="18" charset="0"/>
+              </a:rPr>
+              <a:t> 20 </a:t>
+            </a:r>
+            <a:r>
+              <a:rPr lang="en-US" sz="1400" dirty="0" err="1">
+                <a:solidFill>
+                  <a:srgbClr val="008080"/>
+                </a:solidFill>
+                <a:latin typeface="Consolas" panose="020B0609020204030204" pitchFamily="49" charset="0"/>
+                <a:ea typeface="Calibri" panose="020F0502020204030204" pitchFamily="34" charset="0"/>
+                <a:cs typeface="Times New Roman" panose="02020603050405020304" pitchFamily="18" charset="0"/>
+              </a:rPr>
+              <a:t>ExcessOrders</a:t>
+            </a:r>
+            <a:endParaRPr lang="en-US" dirty="0">
+              <a:latin typeface="Calibri" panose="020F0502020204030204" pitchFamily="34" charset="0"/>
+              <a:ea typeface="Calibri" panose="020F0502020204030204" pitchFamily="34" charset="0"/>
+              <a:cs typeface="Times New Roman" panose="02020603050405020304" pitchFamily="18" charset="0"/>
+            </a:endParaRPr>
+          </a:p>
+          <a:p>
+            <a:pPr>
+              <a:lnSpc>
+                <a:spcPct val="107000"/>
+              </a:lnSpc>
+            </a:pPr>
+            <a:r>
+              <a:rPr lang="en-US" sz="1400" dirty="0">
+                <a:solidFill>
+                  <a:srgbClr val="0000FF"/>
+                </a:solidFill>
+                <a:latin typeface="Consolas" panose="020B0609020204030204" pitchFamily="49" charset="0"/>
+                <a:ea typeface="Calibri" panose="020F0502020204030204" pitchFamily="34" charset="0"/>
+                <a:cs typeface="Times New Roman" panose="02020603050405020304" pitchFamily="18" charset="0"/>
+              </a:rPr>
+              <a:t>order</a:t>
+            </a:r>
+            <a:r>
+              <a:rPr lang="en-US" sz="1400" dirty="0">
+                <a:latin typeface="Consolas" panose="020B0609020204030204" pitchFamily="49" charset="0"/>
+                <a:ea typeface="Calibri" panose="020F0502020204030204" pitchFamily="34" charset="0"/>
+                <a:cs typeface="Times New Roman" panose="02020603050405020304" pitchFamily="18" charset="0"/>
+              </a:rPr>
+              <a:t> </a:t>
+            </a:r>
+            <a:r>
+              <a:rPr lang="en-US" sz="1400" dirty="0">
+                <a:solidFill>
+                  <a:srgbClr val="0000FF"/>
+                </a:solidFill>
+                <a:latin typeface="Consolas" panose="020B0609020204030204" pitchFamily="49" charset="0"/>
+                <a:ea typeface="Calibri" panose="020F0502020204030204" pitchFamily="34" charset="0"/>
+                <a:cs typeface="Times New Roman" panose="02020603050405020304" pitchFamily="18" charset="0"/>
+              </a:rPr>
+              <a:t>by</a:t>
+            </a:r>
+            <a:r>
+              <a:rPr lang="en-US" sz="1400" dirty="0">
+                <a:latin typeface="Consolas" panose="020B0609020204030204" pitchFamily="49" charset="0"/>
+                <a:ea typeface="Calibri" panose="020F0502020204030204" pitchFamily="34" charset="0"/>
+                <a:cs typeface="Times New Roman" panose="02020603050405020304" pitchFamily="18" charset="0"/>
+              </a:rPr>
+              <a:t> </a:t>
+            </a:r>
+            <a:r>
+              <a:rPr lang="en-US" sz="1400" dirty="0" err="1">
+                <a:solidFill>
+                  <a:srgbClr val="008080"/>
+                </a:solidFill>
+                <a:latin typeface="Consolas" panose="020B0609020204030204" pitchFamily="49" charset="0"/>
+                <a:ea typeface="Calibri" panose="020F0502020204030204" pitchFamily="34" charset="0"/>
+                <a:cs typeface="Times New Roman" panose="02020603050405020304" pitchFamily="18" charset="0"/>
+              </a:rPr>
+              <a:t>od</a:t>
+            </a:r>
+            <a:r>
+              <a:rPr lang="en-US" sz="1400" dirty="0" err="1">
+                <a:solidFill>
+                  <a:srgbClr val="808080"/>
+                </a:solidFill>
+                <a:latin typeface="Consolas" panose="020B0609020204030204" pitchFamily="49" charset="0"/>
+                <a:ea typeface="Calibri" panose="020F0502020204030204" pitchFamily="34" charset="0"/>
+                <a:cs typeface="Times New Roman" panose="02020603050405020304" pitchFamily="18" charset="0"/>
+              </a:rPr>
+              <a:t>.</a:t>
+            </a:r>
+            <a:r>
+              <a:rPr lang="en-US" sz="1400" dirty="0" err="1">
+                <a:solidFill>
+                  <a:srgbClr val="008080"/>
+                </a:solidFill>
+                <a:latin typeface="Consolas" panose="020B0609020204030204" pitchFamily="49" charset="0"/>
+                <a:ea typeface="Calibri" panose="020F0502020204030204" pitchFamily="34" charset="0"/>
+                <a:cs typeface="Times New Roman" panose="02020603050405020304" pitchFamily="18" charset="0"/>
+              </a:rPr>
+              <a:t>ProductId</a:t>
+            </a:r>
+            <a:endParaRPr lang="en-US" sz="1400" dirty="0">
+              <a:solidFill>
+                <a:srgbClr val="008080"/>
+              </a:solidFill>
+              <a:latin typeface="Consolas" panose="020B0609020204030204" pitchFamily="49" charset="0"/>
+              <a:ea typeface="Calibri" panose="020F0502020204030204" pitchFamily="34" charset="0"/>
+              <a:cs typeface="Times New Roman" panose="02020603050405020304" pitchFamily="18" charset="0"/>
+            </a:endParaRPr>
+          </a:p>
+          <a:p>
+            <a:pPr>
+              <a:lnSpc>
+                <a:spcPct val="107000"/>
+              </a:lnSpc>
+            </a:pPr>
+            <a:r>
+              <a:rPr lang="en-US" sz="1400" dirty="0">
+                <a:solidFill>
+                  <a:srgbClr val="0000FF"/>
+                </a:solidFill>
+                <a:latin typeface="Consolas" panose="020B0609020204030204" pitchFamily="49" charset="0"/>
+                <a:ea typeface="Calibri" panose="020F0502020204030204" pitchFamily="34" charset="0"/>
+                <a:cs typeface="Times New Roman" panose="02020603050405020304" pitchFamily="18" charset="0"/>
+              </a:rPr>
+              <a:t>top</a:t>
+            </a:r>
+            <a:r>
+              <a:rPr lang="en-US" sz="1400" dirty="0">
+                <a:latin typeface="Consolas" panose="020B0609020204030204" pitchFamily="49" charset="0"/>
+                <a:ea typeface="Calibri" panose="020F0502020204030204" pitchFamily="34" charset="0"/>
+                <a:cs typeface="Times New Roman" panose="02020603050405020304" pitchFamily="18" charset="0"/>
+              </a:rPr>
+              <a:t> 5</a:t>
+            </a:r>
+            <a:r>
+              <a:rPr lang="en-US" sz="1400" dirty="0">
+                <a:solidFill>
+                  <a:srgbClr val="808080"/>
+                </a:solidFill>
+                <a:latin typeface="Consolas" panose="020B0609020204030204" pitchFamily="49" charset="0"/>
+                <a:ea typeface="Calibri" panose="020F0502020204030204" pitchFamily="34" charset="0"/>
+                <a:cs typeface="Times New Roman" panose="02020603050405020304" pitchFamily="18" charset="0"/>
+              </a:rPr>
+              <a:t>;</a:t>
+            </a:r>
+            <a:endParaRPr lang="en-US" dirty="0">
+              <a:latin typeface="Calibri" panose="020F0502020204030204" pitchFamily="34" charset="0"/>
+              <a:ea typeface="Calibri" panose="020F0502020204030204" pitchFamily="34" charset="0"/>
+              <a:cs typeface="Times New Roman" panose="02020603050405020304" pitchFamily="18" charset="0"/>
+            </a:endParaRPr>
+          </a:p>
+        </p:txBody>
+      </p:sp>
+      <p:pic>
+        <p:nvPicPr>
+          <p:cNvPr id="4" name="Picture 3"/>
+          <p:cNvPicPr>
+            <a:picLocks noChangeAspect="1"/>
+          </p:cNvPicPr>
+          <p:nvPr/>
+        </p:nvPicPr>
+        <p:blipFill>
+          <a:blip r:embed="rId3"/>
+          <a:stretch>
+            <a:fillRect/>
+          </a:stretch>
+        </p:blipFill>
+        <p:spPr>
+          <a:xfrm>
+            <a:off x="3246120" y="539496"/>
+            <a:ext cx="5421612" cy="5678424"/>
+          </a:xfrm>
+          <a:prstGeom prst="rect">
+            <a:avLst/>
+          </a:prstGeom>
+        </p:spPr>
+      </p:pic>
+      <p:sp>
+        <p:nvSpPr>
+          <p:cNvPr id="6" name="Oval 5"/>
+          <p:cNvSpPr/>
+          <p:nvPr/>
+        </p:nvSpPr>
+        <p:spPr>
+          <a:xfrm>
+            <a:off x="8388326" y="103889"/>
+            <a:ext cx="616016" cy="606391"/>
+          </a:xfrm>
+          <a:prstGeom prst="ellipse">
+            <a:avLst/>
+          </a:prstGeom>
+        </p:spPr>
+        <p:style>
+          <a:lnRef idx="1">
+            <a:schemeClr val="accent1"/>
+          </a:lnRef>
+          <a:fillRef idx="3">
+            <a:schemeClr val="accent1"/>
+          </a:fillRef>
+          <a:effectRef idx="2">
+            <a:schemeClr val="accent1"/>
+          </a:effectRef>
+          <a:fontRef idx="minor">
+            <a:schemeClr val="lt1"/>
+          </a:fontRef>
+        </p:style>
+        <p:txBody>
+          <a:bodyPr rtlCol="0" anchor="ctr"/>
+          <a:lstStyle/>
+          <a:p>
+            <a:pPr algn="ctr"/>
+            <a:r>
+              <a:rPr lang="en-US" sz="1600" dirty="0"/>
+              <a:t>11</a:t>
+            </a:r>
+          </a:p>
+        </p:txBody>
+      </p:sp>
+    </p:spTree>
+    <p:extLst>
+      <p:ext uri="{BB962C8B-B14F-4D97-AF65-F5344CB8AC3E}">
+        <p14:creationId xmlns:p14="http://schemas.microsoft.com/office/powerpoint/2010/main" val="1565686106"/>
+      </p:ext>
+    </p:extLst>
+  </p:cSld>
+  <p:clrMapOvr>
+    <a:masterClrMapping/>
+  </p:clrMapOvr>
+  <mc:AlternateContent xmlns:mc="http://schemas.openxmlformats.org/markup-compatibility/2006" xmlns:p14="http://schemas.microsoft.com/office/powerpoint/2010/main">
+    <mc:Choice Requires="p14">
+      <p:transition spd="slow" p14:dur="2000"/>
+    </mc:Choice>
+    <mc:Fallback xmlns="">
+      <p:transition spd="slow"/>
+    </mc:Fallback>
+  </mc:AlternateContent>
+  <p:timing>
+    <p:tnLst>
+      <p:par>
+        <p:cTn id="1" dur="indefinite" restart="never" nodeType="tmRoot"/>
+      </p:par>
+    </p:tnLst>
+  </p:timing>
 </p:sld>
 </file>
 
@@ -27247,6 +27331,13 @@
   <p:clrMapOvr>
     <a:masterClrMapping/>
   </p:clrMapOvr>
+  <p:timing>
+    <p:tnLst>
+      <p:par>
+        <p:cTn id="1" dur="indefinite" restart="never" nodeType="tmRoot"/>
+      </p:par>
+    </p:tnLst>
+  </p:timing>
 </p:sld>
 </file>
 
@@ -27333,6 +27424,13 @@
   <p:clrMapOvr>
     <a:masterClrMapping/>
   </p:clrMapOvr>
+  <p:timing>
+    <p:tnLst>
+      <p:par>
+        <p:cTn id="1" dur="indefinite" restart="never" nodeType="tmRoot"/>
+      </p:par>
+    </p:tnLst>
+  </p:timing>
 </p:sld>
 </file>
 
@@ -27411,6 +27509,13 @@
   <p:clrMapOvr>
     <a:masterClrMapping/>
   </p:clrMapOvr>
+  <p:timing>
+    <p:tnLst>
+      <p:par>
+        <p:cTn id="1" dur="indefinite" restart="never" nodeType="tmRoot"/>
+      </p:par>
+    </p:tnLst>
+  </p:timing>
 </p:sld>
 </file>
 
@@ -30472,6 +30577,13 @@
   <p:clrMapOvr>
     <a:masterClrMapping/>
   </p:clrMapOvr>
+  <p:timing>
+    <p:tnLst>
+      <p:par>
+        <p:cTn id="1" dur="indefinite" restart="never" nodeType="tmRoot"/>
+      </p:par>
+    </p:tnLst>
+  </p:timing>
 </p:sld>
 </file>
 
@@ -30674,6 +30786,13 @@
   <p:clrMapOvr>
     <a:masterClrMapping/>
   </p:clrMapOvr>
+  <p:timing>
+    <p:tnLst>
+      <p:par>
+        <p:cTn id="1" dur="indefinite" restart="never" nodeType="tmRoot"/>
+      </p:par>
+    </p:tnLst>
+  </p:timing>
 </p:sld>
 </file>
 
@@ -31412,14 +31531,14 @@
                 <a:gridCol w="7632835">
                   <a:extLst>
                     <a:ext uri="{9D8B030D-6E8A-4147-A177-3AD203B41FA5}">
-                      <a16:colId xmlns="" xmlns:a16="http://schemas.microsoft.com/office/drawing/2014/main" val="3644048045"/>
+                      <a16:colId xmlns:a16="http://schemas.microsoft.com/office/drawing/2014/main" xmlns="" val="3644048045"/>
                     </a:ext>
                   </a:extLst>
                 </a:gridCol>
                 <a:gridCol w="606393">
                   <a:extLst>
                     <a:ext uri="{9D8B030D-6E8A-4147-A177-3AD203B41FA5}">
-                      <a16:colId xmlns="" xmlns:a16="http://schemas.microsoft.com/office/drawing/2014/main" val="2034254753"/>
+                      <a16:colId xmlns:a16="http://schemas.microsoft.com/office/drawing/2014/main" xmlns="" val="2034254753"/>
                     </a:ext>
                   </a:extLst>
                 </a:gridCol>
@@ -31450,7 +31569,7 @@
                 </a:tc>
                 <a:extLst>
                   <a:ext uri="{0D108BD9-81ED-4DB2-BD59-A6C34878D82A}">
-                    <a16:rowId xmlns="" xmlns:a16="http://schemas.microsoft.com/office/drawing/2014/main" val="2708275910"/>
+                    <a16:rowId xmlns:a16="http://schemas.microsoft.com/office/drawing/2014/main" xmlns="" val="2708275910"/>
                   </a:ext>
                 </a:extLst>
               </a:tr>
@@ -31484,7 +31603,7 @@
                 </a:tc>
                 <a:extLst>
                   <a:ext uri="{0D108BD9-81ED-4DB2-BD59-A6C34878D82A}">
-                    <a16:rowId xmlns="" xmlns:a16="http://schemas.microsoft.com/office/drawing/2014/main" val="2161984115"/>
+                    <a16:rowId xmlns:a16="http://schemas.microsoft.com/office/drawing/2014/main" xmlns="" val="2161984115"/>
                   </a:ext>
                 </a:extLst>
               </a:tr>
@@ -31531,7 +31650,7 @@
                 </a:tc>
                 <a:extLst>
                   <a:ext uri="{0D108BD9-81ED-4DB2-BD59-A6C34878D82A}">
-                    <a16:rowId xmlns="" xmlns:a16="http://schemas.microsoft.com/office/drawing/2014/main" val="2841678841"/>
+                    <a16:rowId xmlns:a16="http://schemas.microsoft.com/office/drawing/2014/main" xmlns="" val="2841678841"/>
                   </a:ext>
                 </a:extLst>
               </a:tr>
@@ -31565,7 +31684,7 @@
                 </a:tc>
                 <a:extLst>
                   <a:ext uri="{0D108BD9-81ED-4DB2-BD59-A6C34878D82A}">
-                    <a16:rowId xmlns="" xmlns:a16="http://schemas.microsoft.com/office/drawing/2014/main" val="3144998627"/>
+                    <a16:rowId xmlns:a16="http://schemas.microsoft.com/office/drawing/2014/main" xmlns="" val="3144998627"/>
                   </a:ext>
                 </a:extLst>
               </a:tr>
@@ -31607,7 +31726,7 @@
                 </a:tc>
                 <a:extLst>
                   <a:ext uri="{0D108BD9-81ED-4DB2-BD59-A6C34878D82A}">
-                    <a16:rowId xmlns="" xmlns:a16="http://schemas.microsoft.com/office/drawing/2014/main" val="1419261869"/>
+                    <a16:rowId xmlns:a16="http://schemas.microsoft.com/office/drawing/2014/main" xmlns="" val="1419261869"/>
                   </a:ext>
                 </a:extLst>
               </a:tr>
@@ -31645,7 +31764,7 @@
                 </a:tc>
                 <a:extLst>
                   <a:ext uri="{0D108BD9-81ED-4DB2-BD59-A6C34878D82A}">
-                    <a16:rowId xmlns="" xmlns:a16="http://schemas.microsoft.com/office/drawing/2014/main" val="1427391072"/>
+                    <a16:rowId xmlns:a16="http://schemas.microsoft.com/office/drawing/2014/main" xmlns="" val="1427391072"/>
                   </a:ext>
                 </a:extLst>
               </a:tr>
@@ -31692,7 +31811,7 @@
                 </a:tc>
                 <a:extLst>
                   <a:ext uri="{0D108BD9-81ED-4DB2-BD59-A6C34878D82A}">
-                    <a16:rowId xmlns="" xmlns:a16="http://schemas.microsoft.com/office/drawing/2014/main" val="2346539918"/>
+                    <a16:rowId xmlns:a16="http://schemas.microsoft.com/office/drawing/2014/main" xmlns="" val="2346539918"/>
                   </a:ext>
                 </a:extLst>
               </a:tr>
@@ -31731,7 +31850,7 @@
                 </a:tc>
                 <a:extLst>
                   <a:ext uri="{0D108BD9-81ED-4DB2-BD59-A6C34878D82A}">
-                    <a16:rowId xmlns="" xmlns:a16="http://schemas.microsoft.com/office/drawing/2014/main" val="2275483042"/>
+                    <a16:rowId xmlns:a16="http://schemas.microsoft.com/office/drawing/2014/main" xmlns="" val="2275483042"/>
                   </a:ext>
                 </a:extLst>
               </a:tr>
@@ -31769,7 +31888,7 @@
                 </a:tc>
                 <a:extLst>
                   <a:ext uri="{0D108BD9-81ED-4DB2-BD59-A6C34878D82A}">
-                    <a16:rowId xmlns="" xmlns:a16="http://schemas.microsoft.com/office/drawing/2014/main" val="4202569347"/>
+                    <a16:rowId xmlns:a16="http://schemas.microsoft.com/office/drawing/2014/main" xmlns="" val="4202569347"/>
                   </a:ext>
                 </a:extLst>
               </a:tr>
@@ -31803,7 +31922,7 @@
                 </a:tc>
                 <a:extLst>
                   <a:ext uri="{0D108BD9-81ED-4DB2-BD59-A6C34878D82A}">
-                    <a16:rowId xmlns="" xmlns:a16="http://schemas.microsoft.com/office/drawing/2014/main" val="2989839269"/>
+                    <a16:rowId xmlns:a16="http://schemas.microsoft.com/office/drawing/2014/main" xmlns="" val="2989839269"/>
                   </a:ext>
                 </a:extLst>
               </a:tr>
@@ -31837,7 +31956,7 @@
                 </a:tc>
                 <a:extLst>
                   <a:ext uri="{0D108BD9-81ED-4DB2-BD59-A6C34878D82A}">
-                    <a16:rowId xmlns="" xmlns:a16="http://schemas.microsoft.com/office/drawing/2014/main" val="2130545569"/>
+                    <a16:rowId xmlns:a16="http://schemas.microsoft.com/office/drawing/2014/main" xmlns="" val="2130545569"/>
                   </a:ext>
                 </a:extLst>
               </a:tr>
@@ -31893,7 +32012,7 @@
                 </a:tc>
                 <a:extLst>
                   <a:ext uri="{0D108BD9-81ED-4DB2-BD59-A6C34878D82A}">
-                    <a16:rowId xmlns="" xmlns:a16="http://schemas.microsoft.com/office/drawing/2014/main" val="1848127216"/>
+                    <a16:rowId xmlns:a16="http://schemas.microsoft.com/office/drawing/2014/main" xmlns="" val="1848127216"/>
                   </a:ext>
                 </a:extLst>
               </a:tr>
@@ -32347,14 +32466,14 @@
                 <a:gridCol w="4119615">
                   <a:extLst>
                     <a:ext uri="{9D8B030D-6E8A-4147-A177-3AD203B41FA5}">
-                      <a16:colId xmlns="" xmlns:a16="http://schemas.microsoft.com/office/drawing/2014/main" val="3644048045"/>
+                      <a16:colId xmlns:a16="http://schemas.microsoft.com/office/drawing/2014/main" xmlns="" val="3644048045"/>
                     </a:ext>
                   </a:extLst>
                 </a:gridCol>
                 <a:gridCol w="4119613">
                   <a:extLst>
                     <a:ext uri="{9D8B030D-6E8A-4147-A177-3AD203B41FA5}">
-                      <a16:colId xmlns="" xmlns:a16="http://schemas.microsoft.com/office/drawing/2014/main" val="2034254753"/>
+                      <a16:colId xmlns:a16="http://schemas.microsoft.com/office/drawing/2014/main" xmlns="" val="2034254753"/>
                     </a:ext>
                   </a:extLst>
                 </a:gridCol>
@@ -32390,7 +32509,7 @@
                 </a:tc>
                 <a:extLst>
                   <a:ext uri="{0D108BD9-81ED-4DB2-BD59-A6C34878D82A}">
-                    <a16:rowId xmlns="" xmlns:a16="http://schemas.microsoft.com/office/drawing/2014/main" val="2708275910"/>
+                    <a16:rowId xmlns:a16="http://schemas.microsoft.com/office/drawing/2014/main" xmlns="" val="2708275910"/>
                   </a:ext>
                 </a:extLst>
               </a:tr>
@@ -32590,7 +32709,7 @@
                 </a:tc>
                 <a:extLst>
                   <a:ext uri="{0D108BD9-81ED-4DB2-BD59-A6C34878D82A}">
-                    <a16:rowId xmlns="" xmlns:a16="http://schemas.microsoft.com/office/drawing/2014/main" val="2161984115"/>
+                    <a16:rowId xmlns:a16="http://schemas.microsoft.com/office/drawing/2014/main" xmlns="" val="2161984115"/>
                   </a:ext>
                 </a:extLst>
               </a:tr>
@@ -32790,7 +32909,7 @@
                 </a:tc>
                 <a:extLst>
                   <a:ext uri="{0D108BD9-81ED-4DB2-BD59-A6C34878D82A}">
-                    <a16:rowId xmlns="" xmlns:a16="http://schemas.microsoft.com/office/drawing/2014/main" val="2841678841"/>
+                    <a16:rowId xmlns:a16="http://schemas.microsoft.com/office/drawing/2014/main" xmlns="" val="2841678841"/>
                   </a:ext>
                 </a:extLst>
               </a:tr>
@@ -32990,7 +33109,7 @@
                 </a:tc>
                 <a:extLst>
                   <a:ext uri="{0D108BD9-81ED-4DB2-BD59-A6C34878D82A}">
-                    <a16:rowId xmlns="" xmlns:a16="http://schemas.microsoft.com/office/drawing/2014/main" val="3144998627"/>
+                    <a16:rowId xmlns:a16="http://schemas.microsoft.com/office/drawing/2014/main" xmlns="" val="3144998627"/>
                   </a:ext>
                 </a:extLst>
               </a:tr>
@@ -33190,7 +33309,7 @@
                 </a:tc>
                 <a:extLst>
                   <a:ext uri="{0D108BD9-81ED-4DB2-BD59-A6C34878D82A}">
-                    <a16:rowId xmlns="" xmlns:a16="http://schemas.microsoft.com/office/drawing/2014/main" val="1419261869"/>
+                    <a16:rowId xmlns:a16="http://schemas.microsoft.com/office/drawing/2014/main" xmlns="" val="1419261869"/>
                   </a:ext>
                 </a:extLst>
               </a:tr>
@@ -33390,7 +33509,7 @@
                 </a:tc>
                 <a:extLst>
                   <a:ext uri="{0D108BD9-81ED-4DB2-BD59-A6C34878D82A}">
-                    <a16:rowId xmlns="" xmlns:a16="http://schemas.microsoft.com/office/drawing/2014/main" val="1427391072"/>
+                    <a16:rowId xmlns:a16="http://schemas.microsoft.com/office/drawing/2014/main" xmlns="" val="1427391072"/>
                   </a:ext>
                 </a:extLst>
               </a:tr>
@@ -33590,7 +33709,7 @@
                 </a:tc>
                 <a:extLst>
                   <a:ext uri="{0D108BD9-81ED-4DB2-BD59-A6C34878D82A}">
-                    <a16:rowId xmlns="" xmlns:a16="http://schemas.microsoft.com/office/drawing/2014/main" val="2346539918"/>
+                    <a16:rowId xmlns:a16="http://schemas.microsoft.com/office/drawing/2014/main" xmlns="" val="2346539918"/>
                   </a:ext>
                 </a:extLst>
               </a:tr>
@@ -33799,7 +33918,7 @@
                 </a:tc>
                 <a:extLst>
                   <a:ext uri="{0D108BD9-81ED-4DB2-BD59-A6C34878D82A}">
-                    <a16:rowId xmlns="" xmlns:a16="http://schemas.microsoft.com/office/drawing/2014/main" val="2275483042"/>
+                    <a16:rowId xmlns:a16="http://schemas.microsoft.com/office/drawing/2014/main" xmlns="" val="2275483042"/>
                   </a:ext>
                 </a:extLst>
               </a:tr>
@@ -34008,7 +34127,7 @@
                 </a:tc>
                 <a:extLst>
                   <a:ext uri="{0D108BD9-81ED-4DB2-BD59-A6C34878D82A}">
-                    <a16:rowId xmlns="" xmlns:a16="http://schemas.microsoft.com/office/drawing/2014/main" val="4202569347"/>
+                    <a16:rowId xmlns:a16="http://schemas.microsoft.com/office/drawing/2014/main" xmlns="" val="4202569347"/>
                   </a:ext>
                 </a:extLst>
               </a:tr>
@@ -34217,7 +34336,7 @@
                 </a:tc>
                 <a:extLst>
                   <a:ext uri="{0D108BD9-81ED-4DB2-BD59-A6C34878D82A}">
-                    <a16:rowId xmlns="" xmlns:a16="http://schemas.microsoft.com/office/drawing/2014/main" val="2989839269"/>
+                    <a16:rowId xmlns:a16="http://schemas.microsoft.com/office/drawing/2014/main" xmlns="" val="2989839269"/>
                   </a:ext>
                 </a:extLst>
               </a:tr>
@@ -34426,7 +34545,7 @@
                 </a:tc>
                 <a:extLst>
                   <a:ext uri="{0D108BD9-81ED-4DB2-BD59-A6C34878D82A}">
-                    <a16:rowId xmlns="" xmlns:a16="http://schemas.microsoft.com/office/drawing/2014/main" val="2130545569"/>
+                    <a16:rowId xmlns:a16="http://schemas.microsoft.com/office/drawing/2014/main" xmlns="" val="2130545569"/>
                   </a:ext>
                 </a:extLst>
               </a:tr>
@@ -34635,7 +34754,7 @@
                 </a:tc>
                 <a:extLst>
                   <a:ext uri="{0D108BD9-81ED-4DB2-BD59-A6C34878D82A}">
-                    <a16:rowId xmlns="" xmlns:a16="http://schemas.microsoft.com/office/drawing/2014/main" val="3045796785"/>
+                    <a16:rowId xmlns:a16="http://schemas.microsoft.com/office/drawing/2014/main" xmlns="" val="3045796785"/>
                   </a:ext>
                 </a:extLst>
               </a:tr>
@@ -34844,7 +34963,7 @@
                 </a:tc>
                 <a:extLst>
                   <a:ext uri="{0D108BD9-81ED-4DB2-BD59-A6C34878D82A}">
-                    <a16:rowId xmlns="" xmlns:a16="http://schemas.microsoft.com/office/drawing/2014/main" val="1091494175"/>
+                    <a16:rowId xmlns:a16="http://schemas.microsoft.com/office/drawing/2014/main" xmlns="" val="1091494175"/>
                   </a:ext>
                 </a:extLst>
               </a:tr>
@@ -35098,6 +35217,13 @@
   <p:clrMapOvr>
     <a:masterClrMapping/>
   </p:clrMapOvr>
+  <p:timing>
+    <p:tnLst>
+      <p:par>
+        <p:cTn id="1" dur="indefinite" restart="never" nodeType="tmRoot"/>
+      </p:par>
+    </p:tnLst>
+  </p:timing>
 </p:sld>
 </file>
 
@@ -36378,6 +36504,13 @@
   <p:clrMapOvr>
     <a:masterClrMapping/>
   </p:clrMapOvr>
+  <p:timing>
+    <p:tnLst>
+      <p:par>
+        <p:cTn id="1" dur="indefinite" restart="never" nodeType="tmRoot"/>
+      </p:par>
+    </p:tnLst>
+  </p:timing>
 </p:sld>
 </file>
 
@@ -36853,6 +36986,13 @@
   <p:clrMapOvr>
     <a:masterClrMapping/>
   </p:clrMapOvr>
+  <p:timing>
+    <p:tnLst>
+      <p:par>
+        <p:cTn id="1" dur="indefinite" restart="never" nodeType="tmRoot"/>
+      </p:par>
+    </p:tnLst>
+  </p:timing>
 </p:sld>
 </file>
 
@@ -36988,6 +37128,13 @@
   <p:clrMapOvr>
     <a:masterClrMapping/>
   </p:clrMapOvr>
+  <p:timing>
+    <p:tnLst>
+      <p:par>
+        <p:cTn id="1" dur="indefinite" restart="never" nodeType="tmRoot"/>
+      </p:par>
+    </p:tnLst>
+  </p:timing>
 </p:sld>
 </file>
 
@@ -37162,6 +37309,13 @@
   <p:clrMapOvr>
     <a:masterClrMapping/>
   </p:clrMapOvr>
+  <p:timing>
+    <p:tnLst>
+      <p:par>
+        <p:cTn id="1" dur="indefinite" restart="never" nodeType="tmRoot"/>
+      </p:par>
+    </p:tnLst>
+  </p:timing>
 </p:sld>
 </file>
 
@@ -37330,6 +37484,13 @@
   <p:clrMapOvr>
     <a:masterClrMapping/>
   </p:clrMapOvr>
+  <p:timing>
+    <p:tnLst>
+      <p:par>
+        <p:cTn id="1" dur="indefinite" restart="never" nodeType="tmRoot"/>
+      </p:par>
+    </p:tnLst>
+  </p:timing>
 </p:sld>
 </file>
 
@@ -37425,6 +37586,13 @@
   <p:clrMapOvr>
     <a:masterClrMapping/>
   </p:clrMapOvr>
+  <p:timing>
+    <p:tnLst>
+      <p:par>
+        <p:cTn id="1" dur="indefinite" restart="never" nodeType="tmRoot"/>
+      </p:par>
+    </p:tnLst>
+  </p:timing>
 </p:sld>
 </file>
 
@@ -37564,6 +37732,13 @@
   <p:clrMapOvr>
     <a:masterClrMapping/>
   </p:clrMapOvr>
+  <p:timing>
+    <p:tnLst>
+      <p:par>
+        <p:cTn id="1" dur="indefinite" restart="never" nodeType="tmRoot"/>
+      </p:par>
+    </p:tnLst>
+  </p:timing>
 </p:sld>
 </file>
 
@@ -37673,6 +37848,13 @@
   <p:clrMapOvr>
     <a:masterClrMapping/>
   </p:clrMapOvr>
+  <p:timing>
+    <p:tnLst>
+      <p:par>
+        <p:cTn id="1" dur="indefinite" restart="never" nodeType="tmRoot"/>
+      </p:par>
+    </p:tnLst>
+  </p:timing>
 </p:sld>
 </file>
 
@@ -37818,6 +38000,13 @@
   <p:clrMapOvr>
     <a:masterClrMapping/>
   </p:clrMapOvr>
+  <p:timing>
+    <p:tnLst>
+      <p:par>
+        <p:cTn id="1" dur="indefinite" restart="never" nodeType="tmRoot"/>
+      </p:par>
+    </p:tnLst>
+  </p:timing>
 </p:sld>
 </file>
 
@@ -38054,6 +38243,13 @@
   <p:clrMapOvr>
     <a:masterClrMapping/>
   </p:clrMapOvr>
+  <p:timing>
+    <p:tnLst>
+      <p:par>
+        <p:cTn id="1" dur="indefinite" restart="never" nodeType="tmRoot"/>
+      </p:par>
+    </p:tnLst>
+  </p:timing>
 </p:sld>
 </file>
 
@@ -38739,14 +38935,14 @@
                 <a:gridCol w="957714">
                   <a:extLst>
                     <a:ext uri="{9D8B030D-6E8A-4147-A177-3AD203B41FA5}">
-                      <a16:colId xmlns="" xmlns:a16="http://schemas.microsoft.com/office/drawing/2014/main" val="3940544257"/>
+                      <a16:colId xmlns:a16="http://schemas.microsoft.com/office/drawing/2014/main" xmlns="" val="3940544257"/>
                     </a:ext>
                   </a:extLst>
                 </a:gridCol>
                 <a:gridCol w="2464067">
                   <a:extLst>
                     <a:ext uri="{9D8B030D-6E8A-4147-A177-3AD203B41FA5}">
-                      <a16:colId xmlns="" xmlns:a16="http://schemas.microsoft.com/office/drawing/2014/main" val="3658567973"/>
+                      <a16:colId xmlns:a16="http://schemas.microsoft.com/office/drawing/2014/main" xmlns="" val="3658567973"/>
                     </a:ext>
                   </a:extLst>
                 </a:gridCol>
@@ -38780,7 +38976,7 @@
                 </a:tc>
                 <a:extLst>
                   <a:ext uri="{0D108BD9-81ED-4DB2-BD59-A6C34878D82A}">
-                    <a16:rowId xmlns="" xmlns:a16="http://schemas.microsoft.com/office/drawing/2014/main" val="1032275335"/>
+                    <a16:rowId xmlns:a16="http://schemas.microsoft.com/office/drawing/2014/main" xmlns="" val="1032275335"/>
                   </a:ext>
                 </a:extLst>
               </a:tr>
@@ -38910,7 +39106,7 @@
                 </a:tc>
                 <a:extLst>
                   <a:ext uri="{0D108BD9-81ED-4DB2-BD59-A6C34878D82A}">
-                    <a16:rowId xmlns="" xmlns:a16="http://schemas.microsoft.com/office/drawing/2014/main" val="4191484087"/>
+                    <a16:rowId xmlns:a16="http://schemas.microsoft.com/office/drawing/2014/main" xmlns="" val="4191484087"/>
                   </a:ext>
                 </a:extLst>
               </a:tr>
@@ -38984,7 +39180,7 @@
                 </a:tc>
                 <a:extLst>
                   <a:ext uri="{0D108BD9-81ED-4DB2-BD59-A6C34878D82A}">
-                    <a16:rowId xmlns="" xmlns:a16="http://schemas.microsoft.com/office/drawing/2014/main" val="1864588626"/>
+                    <a16:rowId xmlns:a16="http://schemas.microsoft.com/office/drawing/2014/main" xmlns="" val="1864588626"/>
                   </a:ext>
                 </a:extLst>
               </a:tr>
@@ -39106,7 +39302,7 @@
                 </a:tc>
                 <a:extLst>
                   <a:ext uri="{0D108BD9-81ED-4DB2-BD59-A6C34878D82A}">
-                    <a16:rowId xmlns="" xmlns:a16="http://schemas.microsoft.com/office/drawing/2014/main" val="3035259714"/>
+                    <a16:rowId xmlns:a16="http://schemas.microsoft.com/office/drawing/2014/main" xmlns="" val="3035259714"/>
                   </a:ext>
                 </a:extLst>
               </a:tr>
@@ -39195,7 +39391,7 @@
                 </a:tc>
                 <a:extLst>
                   <a:ext uri="{0D108BD9-81ED-4DB2-BD59-A6C34878D82A}">
-                    <a16:rowId xmlns="" xmlns:a16="http://schemas.microsoft.com/office/drawing/2014/main" val="2023621082"/>
+                    <a16:rowId xmlns:a16="http://schemas.microsoft.com/office/drawing/2014/main" xmlns="" val="2023621082"/>
                   </a:ext>
                 </a:extLst>
               </a:tr>
@@ -39284,7 +39480,7 @@
                 </a:tc>
                 <a:extLst>
                   <a:ext uri="{0D108BD9-81ED-4DB2-BD59-A6C34878D82A}">
-                    <a16:rowId xmlns="" xmlns:a16="http://schemas.microsoft.com/office/drawing/2014/main" val="120016333"/>
+                    <a16:rowId xmlns:a16="http://schemas.microsoft.com/office/drawing/2014/main" xmlns="" val="120016333"/>
                   </a:ext>
                 </a:extLst>
               </a:tr>
@@ -39302,6 +39498,13 @@
   <p:clrMapOvr>
     <a:masterClrMapping/>
   </p:clrMapOvr>
+  <p:timing>
+    <p:tnLst>
+      <p:par>
+        <p:cTn id="1" dur="indefinite" restart="never" nodeType="tmRoot"/>
+      </p:par>
+    </p:tnLst>
+  </p:timing>
 </p:sld>
 </file>
 
@@ -39429,21 +39632,21 @@
                 <a:gridCol w="960120">
                   <a:extLst>
                     <a:ext uri="{9D8B030D-6E8A-4147-A177-3AD203B41FA5}">
-                      <a16:colId xmlns="" xmlns:a16="http://schemas.microsoft.com/office/drawing/2014/main" val="392696932"/>
+                      <a16:colId xmlns:a16="http://schemas.microsoft.com/office/drawing/2014/main" xmlns="" val="392696932"/>
                     </a:ext>
                   </a:extLst>
                 </a:gridCol>
                 <a:gridCol w="2468880">
                   <a:extLst>
                     <a:ext uri="{9D8B030D-6E8A-4147-A177-3AD203B41FA5}">
-                      <a16:colId xmlns="" xmlns:a16="http://schemas.microsoft.com/office/drawing/2014/main" val="2769969192"/>
+                      <a16:colId xmlns:a16="http://schemas.microsoft.com/office/drawing/2014/main" xmlns="" val="2769969192"/>
                     </a:ext>
                   </a:extLst>
                 </a:gridCol>
                 <a:gridCol w="2468880">
                   <a:extLst>
                     <a:ext uri="{9D8B030D-6E8A-4147-A177-3AD203B41FA5}">
-                      <a16:colId xmlns="" xmlns:a16="http://schemas.microsoft.com/office/drawing/2014/main" val="2022610816"/>
+                      <a16:colId xmlns:a16="http://schemas.microsoft.com/office/drawing/2014/main" xmlns="" val="2022610816"/>
                     </a:ext>
                   </a:extLst>
                 </a:gridCol>
@@ -39495,7 +39698,7 @@
                 </a:tc>
                 <a:extLst>
                   <a:ext uri="{0D108BD9-81ED-4DB2-BD59-A6C34878D82A}">
-                    <a16:rowId xmlns="" xmlns:a16="http://schemas.microsoft.com/office/drawing/2014/main" val="2344937666"/>
+                    <a16:rowId xmlns:a16="http://schemas.microsoft.com/office/drawing/2014/main" xmlns="" val="2344937666"/>
                   </a:ext>
                 </a:extLst>
               </a:tr>
@@ -39628,7 +39831,7 @@
                 </a:tc>
                 <a:extLst>
                   <a:ext uri="{0D108BD9-81ED-4DB2-BD59-A6C34878D82A}">
-                    <a16:rowId xmlns="" xmlns:a16="http://schemas.microsoft.com/office/drawing/2014/main" val="1917341330"/>
+                    <a16:rowId xmlns:a16="http://schemas.microsoft.com/office/drawing/2014/main" xmlns="" val="1917341330"/>
                   </a:ext>
                 </a:extLst>
               </a:tr>
@@ -39845,7 +40048,7 @@
                 </a:tc>
                 <a:extLst>
                   <a:ext uri="{0D108BD9-81ED-4DB2-BD59-A6C34878D82A}">
-                    <a16:rowId xmlns="" xmlns:a16="http://schemas.microsoft.com/office/drawing/2014/main" val="3088042860"/>
+                    <a16:rowId xmlns:a16="http://schemas.microsoft.com/office/drawing/2014/main" xmlns="" val="3088042860"/>
                   </a:ext>
                 </a:extLst>
               </a:tr>
@@ -39929,7 +40132,7 @@
                 </a:tc>
                 <a:extLst>
                   <a:ext uri="{0D108BD9-81ED-4DB2-BD59-A6C34878D82A}">
-                    <a16:rowId xmlns="" xmlns:a16="http://schemas.microsoft.com/office/drawing/2014/main" val="2658530722"/>
+                    <a16:rowId xmlns:a16="http://schemas.microsoft.com/office/drawing/2014/main" xmlns="" val="2658530722"/>
                   </a:ext>
                 </a:extLst>
               </a:tr>
@@ -40061,7 +40264,7 @@
                 </a:tc>
                 <a:extLst>
                   <a:ext uri="{0D108BD9-81ED-4DB2-BD59-A6C34878D82A}">
-                    <a16:rowId xmlns="" xmlns:a16="http://schemas.microsoft.com/office/drawing/2014/main" val="1481886367"/>
+                    <a16:rowId xmlns:a16="http://schemas.microsoft.com/office/drawing/2014/main" xmlns="" val="1481886367"/>
                   </a:ext>
                 </a:extLst>
               </a:tr>
@@ -40160,7 +40363,7 @@
                 </a:tc>
                 <a:extLst>
                   <a:ext uri="{0D108BD9-81ED-4DB2-BD59-A6C34878D82A}">
-                    <a16:rowId xmlns="" xmlns:a16="http://schemas.microsoft.com/office/drawing/2014/main" val="4248384778"/>
+                    <a16:rowId xmlns:a16="http://schemas.microsoft.com/office/drawing/2014/main" xmlns="" val="4248384778"/>
                   </a:ext>
                 </a:extLst>
               </a:tr>
@@ -40259,7 +40462,7 @@
                 </a:tc>
                 <a:extLst>
                   <a:ext uri="{0D108BD9-81ED-4DB2-BD59-A6C34878D82A}">
-                    <a16:rowId xmlns="" xmlns:a16="http://schemas.microsoft.com/office/drawing/2014/main" val="1670483340"/>
+                    <a16:rowId xmlns:a16="http://schemas.microsoft.com/office/drawing/2014/main" xmlns="" val="1670483340"/>
                   </a:ext>
                 </a:extLst>
               </a:tr>
@@ -40277,6 +40480,13 @@
   <p:clrMapOvr>
     <a:masterClrMapping/>
   </p:clrMapOvr>
+  <p:timing>
+    <p:tnLst>
+      <p:par>
+        <p:cTn id="1" dur="indefinite" restart="never" nodeType="tmRoot"/>
+      </p:par>
+    </p:tnLst>
+  </p:timing>
 </p:sld>
 </file>
 
@@ -40404,28 +40614,28 @@
                 <a:gridCol w="960120">
                   <a:extLst>
                     <a:ext uri="{9D8B030D-6E8A-4147-A177-3AD203B41FA5}">
-                      <a16:colId xmlns="" xmlns:a16="http://schemas.microsoft.com/office/drawing/2014/main" val="392696932"/>
+                      <a16:colId xmlns:a16="http://schemas.microsoft.com/office/drawing/2014/main" xmlns="" val="392696932"/>
                     </a:ext>
                   </a:extLst>
                 </a:gridCol>
                 <a:gridCol w="2468880">
                   <a:extLst>
                     <a:ext uri="{9D8B030D-6E8A-4147-A177-3AD203B41FA5}">
-                      <a16:colId xmlns="" xmlns:a16="http://schemas.microsoft.com/office/drawing/2014/main" val="2769969192"/>
+                      <a16:colId xmlns:a16="http://schemas.microsoft.com/office/drawing/2014/main" xmlns="" val="2769969192"/>
                     </a:ext>
                   </a:extLst>
                 </a:gridCol>
                 <a:gridCol w="2468880">
                   <a:extLst>
                     <a:ext uri="{9D8B030D-6E8A-4147-A177-3AD203B41FA5}">
-                      <a16:colId xmlns="" xmlns:a16="http://schemas.microsoft.com/office/drawing/2014/main" val="2022610816"/>
+                      <a16:colId xmlns:a16="http://schemas.microsoft.com/office/drawing/2014/main" xmlns="" val="2022610816"/>
                     </a:ext>
                   </a:extLst>
                 </a:gridCol>
                 <a:gridCol w="2468880">
                   <a:extLst>
                     <a:ext uri="{9D8B030D-6E8A-4147-A177-3AD203B41FA5}">
-                      <a16:colId xmlns="" xmlns:a16="http://schemas.microsoft.com/office/drawing/2014/main" val="102813283"/>
+                      <a16:colId xmlns:a16="http://schemas.microsoft.com/office/drawing/2014/main" xmlns="" val="102813283"/>
                     </a:ext>
                   </a:extLst>
                 </a:gridCol>
@@ -40490,7 +40700,7 @@
                 </a:tc>
                 <a:extLst>
                   <a:ext uri="{0D108BD9-81ED-4DB2-BD59-A6C34878D82A}">
-                    <a16:rowId xmlns="" xmlns:a16="http://schemas.microsoft.com/office/drawing/2014/main" val="2344937666"/>
+                    <a16:rowId xmlns:a16="http://schemas.microsoft.com/office/drawing/2014/main" xmlns="" val="2344937666"/>
                   </a:ext>
                 </a:extLst>
               </a:tr>
@@ -40650,7 +40860,7 @@
                 </a:tc>
                 <a:extLst>
                   <a:ext uri="{0D108BD9-81ED-4DB2-BD59-A6C34878D82A}">
-                    <a16:rowId xmlns="" xmlns:a16="http://schemas.microsoft.com/office/drawing/2014/main" val="1917341330"/>
+                    <a16:rowId xmlns:a16="http://schemas.microsoft.com/office/drawing/2014/main" xmlns="" val="1917341330"/>
                   </a:ext>
                 </a:extLst>
               </a:tr>
@@ -40954,7 +41164,7 @@
                 </a:tc>
                 <a:extLst>
                   <a:ext uri="{0D108BD9-81ED-4DB2-BD59-A6C34878D82A}">
-                    <a16:rowId xmlns="" xmlns:a16="http://schemas.microsoft.com/office/drawing/2014/main" val="3088042860"/>
+                    <a16:rowId xmlns:a16="http://schemas.microsoft.com/office/drawing/2014/main" xmlns="" val="3088042860"/>
                   </a:ext>
                 </a:extLst>
               </a:tr>
@@ -41048,7 +41258,7 @@
                 </a:tc>
                 <a:extLst>
                   <a:ext uri="{0D108BD9-81ED-4DB2-BD59-A6C34878D82A}">
-                    <a16:rowId xmlns="" xmlns:a16="http://schemas.microsoft.com/office/drawing/2014/main" val="2658530722"/>
+                    <a16:rowId xmlns:a16="http://schemas.microsoft.com/office/drawing/2014/main" xmlns="" val="2658530722"/>
                   </a:ext>
                 </a:extLst>
               </a:tr>
@@ -41241,7 +41451,7 @@
                 </a:tc>
                 <a:extLst>
                   <a:ext uri="{0D108BD9-81ED-4DB2-BD59-A6C34878D82A}">
-                    <a16:rowId xmlns="" xmlns:a16="http://schemas.microsoft.com/office/drawing/2014/main" val="1481886367"/>
+                    <a16:rowId xmlns:a16="http://schemas.microsoft.com/office/drawing/2014/main" xmlns="" val="1481886367"/>
                   </a:ext>
                 </a:extLst>
               </a:tr>
@@ -41350,7 +41560,7 @@
                 </a:tc>
                 <a:extLst>
                   <a:ext uri="{0D108BD9-81ED-4DB2-BD59-A6C34878D82A}">
-                    <a16:rowId xmlns="" xmlns:a16="http://schemas.microsoft.com/office/drawing/2014/main" val="4248384778"/>
+                    <a16:rowId xmlns:a16="http://schemas.microsoft.com/office/drawing/2014/main" xmlns="" val="4248384778"/>
                   </a:ext>
                 </a:extLst>
               </a:tr>
@@ -41459,7 +41669,7 @@
                 </a:tc>
                 <a:extLst>
                   <a:ext uri="{0D108BD9-81ED-4DB2-BD59-A6C34878D82A}">
-                    <a16:rowId xmlns="" xmlns:a16="http://schemas.microsoft.com/office/drawing/2014/main" val="1670483340"/>
+                    <a16:rowId xmlns:a16="http://schemas.microsoft.com/office/drawing/2014/main" xmlns="" val="1670483340"/>
                   </a:ext>
                 </a:extLst>
               </a:tr>
@@ -41518,6 +41728,13 @@
   <p:clrMapOvr>
     <a:masterClrMapping/>
   </p:clrMapOvr>
+  <p:timing>
+    <p:tnLst>
+      <p:par>
+        <p:cTn id="1" dur="indefinite" restart="never" nodeType="tmRoot"/>
+      </p:par>
+    </p:tnLst>
+  </p:timing>
 </p:sld>
 </file>
 
@@ -41664,6 +41881,13 @@
   <p:clrMapOvr>
     <a:masterClrMapping/>
   </p:clrMapOvr>
+  <p:timing>
+    <p:tnLst>
+      <p:par>
+        <p:cTn id="1" dur="indefinite" restart="never" nodeType="tmRoot"/>
+      </p:par>
+    </p:tnLst>
+  </p:timing>
 </p:sld>
 </file>
 
@@ -41792,6 +42016,13 @@
   <p:clrMapOvr>
     <a:masterClrMapping/>
   </p:clrMapOvr>
+  <p:timing>
+    <p:tnLst>
+      <p:par>
+        <p:cTn id="1" dur="indefinite" restart="never" nodeType="tmRoot"/>
+      </p:par>
+    </p:tnLst>
+  </p:timing>
 </p:sld>
 </file>
 
@@ -42496,14 +42727,14 @@
                 <a:gridCol w="934278">
                   <a:extLst>
                     <a:ext uri="{9D8B030D-6E8A-4147-A177-3AD203B41FA5}">
-                      <a16:colId xmlns="" xmlns:a16="http://schemas.microsoft.com/office/drawing/2014/main" val="4198655800"/>
+                      <a16:colId xmlns:a16="http://schemas.microsoft.com/office/drawing/2014/main" xmlns="" val="4198655800"/>
                     </a:ext>
                   </a:extLst>
                 </a:gridCol>
                 <a:gridCol w="7295322">
                   <a:extLst>
                     <a:ext uri="{9D8B030D-6E8A-4147-A177-3AD203B41FA5}">
-                      <a16:colId xmlns="" xmlns:a16="http://schemas.microsoft.com/office/drawing/2014/main" val="135413862"/>
+                      <a16:colId xmlns:a16="http://schemas.microsoft.com/office/drawing/2014/main" xmlns="" val="135413862"/>
                     </a:ext>
                   </a:extLst>
                 </a:gridCol>
@@ -42537,7 +42768,7 @@
                 </a:tc>
                 <a:extLst>
                   <a:ext uri="{0D108BD9-81ED-4DB2-BD59-A6C34878D82A}">
-                    <a16:rowId xmlns="" xmlns:a16="http://schemas.microsoft.com/office/drawing/2014/main" val="3068323444"/>
+                    <a16:rowId xmlns:a16="http://schemas.microsoft.com/office/drawing/2014/main" xmlns="" val="3068323444"/>
                   </a:ext>
                 </a:extLst>
               </a:tr>
@@ -42570,7 +42801,7 @@
                 </a:tc>
                 <a:extLst>
                   <a:ext uri="{0D108BD9-81ED-4DB2-BD59-A6C34878D82A}">
-                    <a16:rowId xmlns="" xmlns:a16="http://schemas.microsoft.com/office/drawing/2014/main" val="1586961909"/>
+                    <a16:rowId xmlns:a16="http://schemas.microsoft.com/office/drawing/2014/main" xmlns="" val="1586961909"/>
                   </a:ext>
                 </a:extLst>
               </a:tr>
@@ -42608,7 +42839,7 @@
                 </a:tc>
                 <a:extLst>
                   <a:ext uri="{0D108BD9-81ED-4DB2-BD59-A6C34878D82A}">
-                    <a16:rowId xmlns="" xmlns:a16="http://schemas.microsoft.com/office/drawing/2014/main" val="2280300197"/>
+                    <a16:rowId xmlns:a16="http://schemas.microsoft.com/office/drawing/2014/main" xmlns="" val="2280300197"/>
                   </a:ext>
                 </a:extLst>
               </a:tr>
@@ -42646,7 +42877,7 @@
                 </a:tc>
                 <a:extLst>
                   <a:ext uri="{0D108BD9-81ED-4DB2-BD59-A6C34878D82A}">
-                    <a16:rowId xmlns="" xmlns:a16="http://schemas.microsoft.com/office/drawing/2014/main" val="1192843310"/>
+                    <a16:rowId xmlns:a16="http://schemas.microsoft.com/office/drawing/2014/main" xmlns="" val="1192843310"/>
                   </a:ext>
                 </a:extLst>
               </a:tr>
@@ -42684,7 +42915,7 @@
                 </a:tc>
                 <a:extLst>
                   <a:ext uri="{0D108BD9-81ED-4DB2-BD59-A6C34878D82A}">
-                    <a16:rowId xmlns="" xmlns:a16="http://schemas.microsoft.com/office/drawing/2014/main" val="2620585158"/>
+                    <a16:rowId xmlns:a16="http://schemas.microsoft.com/office/drawing/2014/main" xmlns="" val="2620585158"/>
                   </a:ext>
                 </a:extLst>
               </a:tr>
@@ -42717,7 +42948,7 @@
                 </a:tc>
                 <a:extLst>
                   <a:ext uri="{0D108BD9-81ED-4DB2-BD59-A6C34878D82A}">
-                    <a16:rowId xmlns="" xmlns:a16="http://schemas.microsoft.com/office/drawing/2014/main" val="1697738616"/>
+                    <a16:rowId xmlns:a16="http://schemas.microsoft.com/office/drawing/2014/main" xmlns="" val="1697738616"/>
                   </a:ext>
                 </a:extLst>
               </a:tr>
@@ -42755,7 +42986,7 @@
                 </a:tc>
                 <a:extLst>
                   <a:ext uri="{0D108BD9-81ED-4DB2-BD59-A6C34878D82A}">
-                    <a16:rowId xmlns="" xmlns:a16="http://schemas.microsoft.com/office/drawing/2014/main" val="316611556"/>
+                    <a16:rowId xmlns:a16="http://schemas.microsoft.com/office/drawing/2014/main" xmlns="" val="316611556"/>
                   </a:ext>
                 </a:extLst>
               </a:tr>
@@ -42788,7 +43019,7 @@
                 </a:tc>
                 <a:extLst>
                   <a:ext uri="{0D108BD9-81ED-4DB2-BD59-A6C34878D82A}">
-                    <a16:rowId xmlns="" xmlns:a16="http://schemas.microsoft.com/office/drawing/2014/main" val="1312814102"/>
+                    <a16:rowId xmlns:a16="http://schemas.microsoft.com/office/drawing/2014/main" xmlns="" val="1312814102"/>
                   </a:ext>
                 </a:extLst>
               </a:tr>
@@ -42821,7 +43052,7 @@
                 </a:tc>
                 <a:extLst>
                   <a:ext uri="{0D108BD9-81ED-4DB2-BD59-A6C34878D82A}">
-                    <a16:rowId xmlns="" xmlns:a16="http://schemas.microsoft.com/office/drawing/2014/main" val="1975533996"/>
+                    <a16:rowId xmlns:a16="http://schemas.microsoft.com/office/drawing/2014/main" xmlns="" val="1975533996"/>
                   </a:ext>
                 </a:extLst>
               </a:tr>
@@ -42854,7 +43085,7 @@
                 </a:tc>
                 <a:extLst>
                   <a:ext uri="{0D108BD9-81ED-4DB2-BD59-A6C34878D82A}">
-                    <a16:rowId xmlns="" xmlns:a16="http://schemas.microsoft.com/office/drawing/2014/main" val="2759032957"/>
+                    <a16:rowId xmlns:a16="http://schemas.microsoft.com/office/drawing/2014/main" xmlns="" val="2759032957"/>
                   </a:ext>
                 </a:extLst>
               </a:tr>
@@ -42872,6 +43103,13 @@
   <p:clrMapOvr>
     <a:masterClrMapping/>
   </p:clrMapOvr>
+  <p:timing>
+    <p:tnLst>
+      <p:par>
+        <p:cTn id="1" dur="indefinite" restart="never" nodeType="tmRoot"/>
+      </p:par>
+    </p:tnLst>
+  </p:timing>
 </p:sld>
 </file>
 
@@ -42943,14 +43181,14 @@
                 <a:gridCol w="934278">
                   <a:extLst>
                     <a:ext uri="{9D8B030D-6E8A-4147-A177-3AD203B41FA5}">
-                      <a16:colId xmlns="" xmlns:a16="http://schemas.microsoft.com/office/drawing/2014/main" val="4198655800"/>
+                      <a16:colId xmlns:a16="http://schemas.microsoft.com/office/drawing/2014/main" xmlns="" val="4198655800"/>
                     </a:ext>
                   </a:extLst>
                 </a:gridCol>
                 <a:gridCol w="7295322">
                   <a:extLst>
                     <a:ext uri="{9D8B030D-6E8A-4147-A177-3AD203B41FA5}">
-                      <a16:colId xmlns="" xmlns:a16="http://schemas.microsoft.com/office/drawing/2014/main" val="135413862"/>
+                      <a16:colId xmlns:a16="http://schemas.microsoft.com/office/drawing/2014/main" xmlns="" val="135413862"/>
                     </a:ext>
                   </a:extLst>
                 </a:gridCol>
@@ -42984,7 +43222,7 @@
                 </a:tc>
                 <a:extLst>
                   <a:ext uri="{0D108BD9-81ED-4DB2-BD59-A6C34878D82A}">
-                    <a16:rowId xmlns="" xmlns:a16="http://schemas.microsoft.com/office/drawing/2014/main" val="3068323444"/>
+                    <a16:rowId xmlns:a16="http://schemas.microsoft.com/office/drawing/2014/main" xmlns="" val="3068323444"/>
                   </a:ext>
                 </a:extLst>
               </a:tr>
@@ -43017,7 +43255,7 @@
                 </a:tc>
                 <a:extLst>
                   <a:ext uri="{0D108BD9-81ED-4DB2-BD59-A6C34878D82A}">
-                    <a16:rowId xmlns="" xmlns:a16="http://schemas.microsoft.com/office/drawing/2014/main" val="2484981654"/>
+                    <a16:rowId xmlns:a16="http://schemas.microsoft.com/office/drawing/2014/main" xmlns="" val="2484981654"/>
                   </a:ext>
                 </a:extLst>
               </a:tr>
@@ -43055,7 +43293,7 @@
                 </a:tc>
                 <a:extLst>
                   <a:ext uri="{0D108BD9-81ED-4DB2-BD59-A6C34878D82A}">
-                    <a16:rowId xmlns="" xmlns:a16="http://schemas.microsoft.com/office/drawing/2014/main" val="1377910784"/>
+                    <a16:rowId xmlns:a16="http://schemas.microsoft.com/office/drawing/2014/main" xmlns="" val="1377910784"/>
                   </a:ext>
                 </a:extLst>
               </a:tr>
@@ -43088,7 +43326,7 @@
                 </a:tc>
                 <a:extLst>
                   <a:ext uri="{0D108BD9-81ED-4DB2-BD59-A6C34878D82A}">
-                    <a16:rowId xmlns="" xmlns:a16="http://schemas.microsoft.com/office/drawing/2014/main" val="1387856053"/>
+                    <a16:rowId xmlns:a16="http://schemas.microsoft.com/office/drawing/2014/main" xmlns="" val="1387856053"/>
                   </a:ext>
                 </a:extLst>
               </a:tr>
@@ -43126,7 +43364,7 @@
                 </a:tc>
                 <a:extLst>
                   <a:ext uri="{0D108BD9-81ED-4DB2-BD59-A6C34878D82A}">
-                    <a16:rowId xmlns="" xmlns:a16="http://schemas.microsoft.com/office/drawing/2014/main" val="2599123823"/>
+                    <a16:rowId xmlns:a16="http://schemas.microsoft.com/office/drawing/2014/main" xmlns="" val="2599123823"/>
                   </a:ext>
                 </a:extLst>
               </a:tr>
@@ -43167,7 +43405,7 @@
                 </a:tc>
                 <a:extLst>
                   <a:ext uri="{0D108BD9-81ED-4DB2-BD59-A6C34878D82A}">
-                    <a16:rowId xmlns="" xmlns:a16="http://schemas.microsoft.com/office/drawing/2014/main" val="1232603862"/>
+                    <a16:rowId xmlns:a16="http://schemas.microsoft.com/office/drawing/2014/main" xmlns="" val="1232603862"/>
                   </a:ext>
                 </a:extLst>
               </a:tr>
@@ -43200,7 +43438,7 @@
                 </a:tc>
                 <a:extLst>
                   <a:ext uri="{0D108BD9-81ED-4DB2-BD59-A6C34878D82A}">
-                    <a16:rowId xmlns="" xmlns:a16="http://schemas.microsoft.com/office/drawing/2014/main" val="4145944521"/>
+                    <a16:rowId xmlns:a16="http://schemas.microsoft.com/office/drawing/2014/main" xmlns="" val="4145944521"/>
                   </a:ext>
                 </a:extLst>
               </a:tr>
@@ -43238,7 +43476,7 @@
                 </a:tc>
                 <a:extLst>
                   <a:ext uri="{0D108BD9-81ED-4DB2-BD59-A6C34878D82A}">
-                    <a16:rowId xmlns="" xmlns:a16="http://schemas.microsoft.com/office/drawing/2014/main" val="2954677722"/>
+                    <a16:rowId xmlns:a16="http://schemas.microsoft.com/office/drawing/2014/main" xmlns="" val="2954677722"/>
                   </a:ext>
                 </a:extLst>
               </a:tr>
@@ -43271,7 +43509,7 @@
                 </a:tc>
                 <a:extLst>
                   <a:ext uri="{0D108BD9-81ED-4DB2-BD59-A6C34878D82A}">
-                    <a16:rowId xmlns="" xmlns:a16="http://schemas.microsoft.com/office/drawing/2014/main" val="205903975"/>
+                    <a16:rowId xmlns:a16="http://schemas.microsoft.com/office/drawing/2014/main" xmlns="" val="205903975"/>
                   </a:ext>
                 </a:extLst>
               </a:tr>
@@ -43304,7 +43542,7 @@
                 </a:tc>
                 <a:extLst>
                   <a:ext uri="{0D108BD9-81ED-4DB2-BD59-A6C34878D82A}">
-                    <a16:rowId xmlns="" xmlns:a16="http://schemas.microsoft.com/office/drawing/2014/main" val="2893595017"/>
+                    <a16:rowId xmlns:a16="http://schemas.microsoft.com/office/drawing/2014/main" xmlns="" val="2893595017"/>
                   </a:ext>
                 </a:extLst>
               </a:tr>
@@ -43337,7 +43575,7 @@
                 </a:tc>
                 <a:extLst>
                   <a:ext uri="{0D108BD9-81ED-4DB2-BD59-A6C34878D82A}">
-                    <a16:rowId xmlns="" xmlns:a16="http://schemas.microsoft.com/office/drawing/2014/main" val="2337380595"/>
+                    <a16:rowId xmlns:a16="http://schemas.microsoft.com/office/drawing/2014/main" xmlns="" val="2337380595"/>
                   </a:ext>
                 </a:extLst>
               </a:tr>
@@ -43384,6 +43622,13 @@
   <p:clrMapOvr>
     <a:masterClrMapping/>
   </p:clrMapOvr>
+  <p:timing>
+    <p:tnLst>
+      <p:par>
+        <p:cTn id="1" dur="indefinite" restart="never" nodeType="tmRoot"/>
+      </p:par>
+    </p:tnLst>
+  </p:timing>
 </p:sld>
 </file>
 
@@ -43504,6 +43749,13 @@
   <p:clrMapOvr>
     <a:masterClrMapping/>
   </p:clrMapOvr>
+  <p:timing>
+    <p:tnLst>
+      <p:par>
+        <p:cTn id="1" dur="indefinite" restart="never" nodeType="tmRoot"/>
+      </p:par>
+    </p:tnLst>
+  </p:timing>
 </p:sld>
 </file>
 
@@ -43667,6 +43919,13 @@
   <p:clrMapOvr>
     <a:masterClrMapping/>
   </p:clrMapOvr>
+  <p:timing>
+    <p:tnLst>
+      <p:par>
+        <p:cTn id="1" dur="indefinite" restart="never" nodeType="tmRoot"/>
+      </p:par>
+    </p:tnLst>
+  </p:timing>
 </p:sld>
 </file>
 
@@ -43834,6 +44093,13 @@
   <p:clrMapOvr>
     <a:masterClrMapping/>
   </p:clrMapOvr>
+  <p:timing>
+    <p:tnLst>
+      <p:par>
+        <p:cTn id="1" dur="indefinite" restart="never" nodeType="tmRoot"/>
+      </p:par>
+    </p:tnLst>
+  </p:timing>
 </p:sld>
 </file>
 
@@ -43974,6 +44240,13 @@
   <p:clrMapOvr>
     <a:masterClrMapping/>
   </p:clrMapOvr>
+  <p:timing>
+    <p:tnLst>
+      <p:par>
+        <p:cTn id="1" dur="indefinite" restart="never" nodeType="tmRoot"/>
+      </p:par>
+    </p:tnLst>
+  </p:timing>
 </p:sld>
 </file>
 

--- a/Optimizer.pptx
+++ b/Optimizer.pptx
@@ -272,7 +272,7 @@
           <a:p>
             <a:fld id="{2EDCB34D-5EC2-4739-9693-E425457AC201}" type="datetimeFigureOut">
               <a:rPr lang="en-US" smtClean="0"/>
-              <a:t>09/26/2016</a:t>
+              <a:t>09/27/2016</a:t>
             </a:fld>
             <a:endParaRPr lang="en-US"/>
           </a:p>
@@ -3112,7 +3112,7 @@
             <a:fld id="{5942B21B-2ADA-A040-A652-A7305E1B99FE}" type="datetimeFigureOut">
               <a:rPr lang="en-US" smtClean="0"/>
               <a:pPr/>
-              <a:t>09/26/2016</a:t>
+              <a:t>09/27/2016</a:t>
             </a:fld>
             <a:endParaRPr lang="en-US" dirty="0"/>
           </a:p>
@@ -3302,7 +3302,7 @@
           <a:p>
             <a:fld id="{5942B21B-2ADA-A040-A652-A7305E1B99FE}" type="datetimeFigureOut">
               <a:rPr lang="en-US" smtClean="0"/>
-              <a:t>09/26/2016</a:t>
+              <a:t>09/27/2016</a:t>
             </a:fld>
             <a:endParaRPr lang="en-US"/>
           </a:p>
@@ -3426,7 +3426,7 @@
             <a:fld id="{5942B21B-2ADA-A040-A652-A7305E1B99FE}" type="datetimeFigureOut">
               <a:rPr lang="en-US" smtClean="0"/>
               <a:pPr/>
-              <a:t>09/26/2016</a:t>
+              <a:t>09/27/2016</a:t>
             </a:fld>
             <a:r>
               <a:rPr lang="en-US"/>
@@ -3697,7 +3697,7 @@
             <a:fld id="{5942B21B-2ADA-A040-A652-A7305E1B99FE}" type="datetimeFigureOut">
               <a:rPr lang="en-US" smtClean="0"/>
               <a:pPr/>
-              <a:t>09/26/2016</a:t>
+              <a:t>09/27/2016</a:t>
             </a:fld>
             <a:r>
               <a:rPr lang="en-US" dirty="0"/>
@@ -3967,7 +3967,7 @@
             <a:fld id="{5942B21B-2ADA-A040-A652-A7305E1B99FE}" type="datetimeFigureOut">
               <a:rPr lang="en-US" smtClean="0"/>
               <a:pPr/>
-              <a:t>09/26/2016</a:t>
+              <a:t>09/27/2016</a:t>
             </a:fld>
             <a:r>
               <a:rPr lang="en-US" dirty="0"/>
@@ -4307,7 +4307,7 @@
             <a:fld id="{5942B21B-2ADA-A040-A652-A7305E1B99FE}" type="datetimeFigureOut">
               <a:rPr lang="en-US" smtClean="0"/>
               <a:pPr/>
-              <a:t>09/26/2016</a:t>
+              <a:t>09/27/2016</a:t>
             </a:fld>
             <a:r>
               <a:rPr lang="en-US" dirty="0"/>
@@ -4648,7 +4648,7 @@
             <a:fld id="{5942B21B-2ADA-A040-A652-A7305E1B99FE}" type="datetimeFigureOut">
               <a:rPr lang="en-US" smtClean="0"/>
               <a:pPr/>
-              <a:t>09/26/2016</a:t>
+              <a:t>09/27/2016</a:t>
             </a:fld>
             <a:r>
               <a:rPr lang="en-US" dirty="0"/>
@@ -5163,7 +5163,7 @@
             <a:fld id="{5942B21B-2ADA-A040-A652-A7305E1B99FE}" type="datetimeFigureOut">
               <a:rPr lang="en-US" smtClean="0"/>
               <a:pPr/>
-              <a:t>09/26/2016</a:t>
+              <a:t>09/27/2016</a:t>
             </a:fld>
             <a:r>
               <a:rPr lang="en-US" dirty="0"/>
@@ -5372,7 +5372,7 @@
             <a:fld id="{5942B21B-2ADA-A040-A652-A7305E1B99FE}" type="datetimeFigureOut">
               <a:rPr lang="en-US" smtClean="0"/>
               <a:pPr/>
-              <a:t>09/26/2016</a:t>
+              <a:t>09/27/2016</a:t>
             </a:fld>
             <a:r>
               <a:rPr lang="en-US" dirty="0"/>
@@ -5559,7 +5559,7 @@
             <a:fld id="{5942B21B-2ADA-A040-A652-A7305E1B99FE}" type="datetimeFigureOut">
               <a:rPr lang="en-US" smtClean="0"/>
               <a:pPr/>
-              <a:t>09/26/2016</a:t>
+              <a:t>09/27/2016</a:t>
             </a:fld>
             <a:r>
               <a:rPr lang="en-US" dirty="0"/>
@@ -5890,7 +5890,7 @@
             <a:fld id="{5942B21B-2ADA-A040-A652-A7305E1B99FE}" type="datetimeFigureOut">
               <a:rPr lang="en-US" smtClean="0"/>
               <a:pPr/>
-              <a:t>09/26/2016</a:t>
+              <a:t>09/27/2016</a:t>
             </a:fld>
             <a:r>
               <a:rPr lang="en-US" dirty="0"/>
@@ -6198,7 +6198,7 @@
             <a:fld id="{5942B21B-2ADA-A040-A652-A7305E1B99FE}" type="datetimeFigureOut">
               <a:rPr lang="en-US" smtClean="0"/>
               <a:pPr/>
-              <a:t>09/26/2016</a:t>
+              <a:t>09/27/2016</a:t>
             </a:fld>
             <a:r>
               <a:rPr lang="en-US" dirty="0"/>
@@ -6477,7 +6477,7 @@
             <a:fld id="{5942B21B-2ADA-A040-A652-A7305E1B99FE}" type="datetimeFigureOut">
               <a:rPr lang="en-US" smtClean="0"/>
               <a:pPr/>
-              <a:t>09/26/2016</a:t>
+              <a:t>09/27/2016</a:t>
             </a:fld>
             <a:r>
               <a:rPr lang="en-US" dirty="0"/>
@@ -8681,21 +8681,21 @@
                 <a:gridCol w="2764301">
                   <a:extLst>
                     <a:ext uri="{9D8B030D-6E8A-4147-A177-3AD203B41FA5}">
-                      <a16:colId xmlns:a16="http://schemas.microsoft.com/office/drawing/2014/main" xmlns="" val="234227049"/>
+                      <a16:colId xmlns="" xmlns:a16="http://schemas.microsoft.com/office/drawing/2014/main" val="234227049"/>
                     </a:ext>
                   </a:extLst>
                 </a:gridCol>
                 <a:gridCol w="2764301">
                   <a:extLst>
                     <a:ext uri="{9D8B030D-6E8A-4147-A177-3AD203B41FA5}">
-                      <a16:colId xmlns:a16="http://schemas.microsoft.com/office/drawing/2014/main" xmlns="" val="4053135350"/>
+                      <a16:colId xmlns="" xmlns:a16="http://schemas.microsoft.com/office/drawing/2014/main" val="4053135350"/>
                     </a:ext>
                   </a:extLst>
                 </a:gridCol>
                 <a:gridCol w="2764301">
                   <a:extLst>
                     <a:ext uri="{9D8B030D-6E8A-4147-A177-3AD203B41FA5}">
-                      <a16:colId xmlns:a16="http://schemas.microsoft.com/office/drawing/2014/main" xmlns="" val="672378647"/>
+                      <a16:colId xmlns="" xmlns:a16="http://schemas.microsoft.com/office/drawing/2014/main" val="672378647"/>
                     </a:ext>
                   </a:extLst>
                 </a:gridCol>
@@ -8745,7 +8745,7 @@
                 </a:tc>
                 <a:extLst>
                   <a:ext uri="{0D108BD9-81ED-4DB2-BD59-A6C34878D82A}">
-                    <a16:rowId xmlns:a16="http://schemas.microsoft.com/office/drawing/2014/main" xmlns="" val="2843053056"/>
+                    <a16:rowId xmlns="" xmlns:a16="http://schemas.microsoft.com/office/drawing/2014/main" val="2843053056"/>
                   </a:ext>
                 </a:extLst>
               </a:tr>
@@ -8795,7 +8795,7 @@
                 </a:tc>
                 <a:extLst>
                   <a:ext uri="{0D108BD9-81ED-4DB2-BD59-A6C34878D82A}">
-                    <a16:rowId xmlns:a16="http://schemas.microsoft.com/office/drawing/2014/main" xmlns="" val="3055328934"/>
+                    <a16:rowId xmlns="" xmlns:a16="http://schemas.microsoft.com/office/drawing/2014/main" val="3055328934"/>
                   </a:ext>
                 </a:extLst>
               </a:tr>
@@ -8845,7 +8845,7 @@
                 </a:tc>
                 <a:extLst>
                   <a:ext uri="{0D108BD9-81ED-4DB2-BD59-A6C34878D82A}">
-                    <a16:rowId xmlns:a16="http://schemas.microsoft.com/office/drawing/2014/main" xmlns="" val="1144851549"/>
+                    <a16:rowId xmlns="" xmlns:a16="http://schemas.microsoft.com/office/drawing/2014/main" val="1144851549"/>
                   </a:ext>
                 </a:extLst>
               </a:tr>
@@ -8894,7 +8894,7 @@
                 </a:tc>
                 <a:extLst>
                   <a:ext uri="{0D108BD9-81ED-4DB2-BD59-A6C34878D82A}">
-                    <a16:rowId xmlns:a16="http://schemas.microsoft.com/office/drawing/2014/main" xmlns="" val="4258932578"/>
+                    <a16:rowId xmlns="" xmlns:a16="http://schemas.microsoft.com/office/drawing/2014/main" val="4258932578"/>
                   </a:ext>
                 </a:extLst>
               </a:tr>
@@ -10266,11 +10266,11 @@
   <p:clrMapOvr>
     <a:masterClrMapping/>
   </p:clrMapOvr>
-  <mc:AlternateContent xmlns:mc="http://schemas.openxmlformats.org/markup-compatibility/2006">
-    <mc:Choice xmlns:p14="http://schemas.microsoft.com/office/powerpoint/2010/main" Requires="p14">
+  <mc:AlternateContent xmlns:mc="http://schemas.openxmlformats.org/markup-compatibility/2006" xmlns:p14="http://schemas.microsoft.com/office/powerpoint/2010/main">
+    <mc:Choice Requires="p14">
       <p:transition spd="slow" p14:dur="2000"/>
     </mc:Choice>
-    <mc:Fallback>
+    <mc:Fallback xmlns="">
       <p:transition spd="slow"/>
     </mc:Fallback>
   </mc:AlternateContent>
@@ -11512,11 +11512,11 @@
   <p:clrMapOvr>
     <a:masterClrMapping/>
   </p:clrMapOvr>
-  <mc:AlternateContent xmlns:mc="http://schemas.openxmlformats.org/markup-compatibility/2006">
-    <mc:Choice xmlns:p14="http://schemas.microsoft.com/office/powerpoint/2010/main" Requires="p14">
+  <mc:AlternateContent xmlns:mc="http://schemas.openxmlformats.org/markup-compatibility/2006" xmlns:p14="http://schemas.microsoft.com/office/powerpoint/2010/main">
+    <mc:Choice Requires="p14">
       <p:transition spd="slow" p14:dur="2000"/>
     </mc:Choice>
-    <mc:Fallback>
+    <mc:Fallback xmlns="">
       <p:transition spd="slow"/>
     </mc:Fallback>
   </mc:AlternateContent>
@@ -12742,11 +12742,11 @@
   <p:clrMapOvr>
     <a:masterClrMapping/>
   </p:clrMapOvr>
-  <mc:AlternateContent xmlns:mc="http://schemas.openxmlformats.org/markup-compatibility/2006">
-    <mc:Choice xmlns:p14="http://schemas.microsoft.com/office/powerpoint/2010/main" Requires="p14">
+  <mc:AlternateContent xmlns:mc="http://schemas.openxmlformats.org/markup-compatibility/2006" xmlns:p14="http://schemas.microsoft.com/office/powerpoint/2010/main">
+    <mc:Choice Requires="p14">
       <p:transition spd="slow" p14:dur="2000"/>
     </mc:Choice>
-    <mc:Fallback>
+    <mc:Fallback xmlns="">
       <p:transition spd="slow"/>
     </mc:Fallback>
   </mc:AlternateContent>
@@ -13972,11 +13972,11 @@
   <p:clrMapOvr>
     <a:masterClrMapping/>
   </p:clrMapOvr>
-  <mc:AlternateContent xmlns:mc="http://schemas.openxmlformats.org/markup-compatibility/2006">
-    <mc:Choice xmlns:p14="http://schemas.microsoft.com/office/powerpoint/2010/main" Requires="p14">
+  <mc:AlternateContent xmlns:mc="http://schemas.openxmlformats.org/markup-compatibility/2006" xmlns:p14="http://schemas.microsoft.com/office/powerpoint/2010/main">
+    <mc:Choice Requires="p14">
       <p:transition spd="slow" p14:dur="2000"/>
     </mc:Choice>
-    <mc:Fallback>
+    <mc:Fallback xmlns="">
       <p:transition spd="slow"/>
     </mc:Fallback>
   </mc:AlternateContent>
@@ -15213,11 +15213,11 @@
   <p:clrMapOvr>
     <a:masterClrMapping/>
   </p:clrMapOvr>
-  <mc:AlternateContent xmlns:mc="http://schemas.openxmlformats.org/markup-compatibility/2006">
-    <mc:Choice xmlns:p14="http://schemas.microsoft.com/office/powerpoint/2010/main" Requires="p14">
+  <mc:AlternateContent xmlns:mc="http://schemas.openxmlformats.org/markup-compatibility/2006" xmlns:p14="http://schemas.microsoft.com/office/powerpoint/2010/main">
+    <mc:Choice Requires="p14">
       <p:transition spd="slow" p14:dur="2000"/>
     </mc:Choice>
-    <mc:Fallback>
+    <mc:Fallback xmlns="">
       <p:transition spd="slow"/>
     </mc:Fallback>
   </mc:AlternateContent>
@@ -16477,11 +16477,11 @@
   <p:clrMapOvr>
     <a:masterClrMapping/>
   </p:clrMapOvr>
-  <mc:AlternateContent xmlns:mc="http://schemas.openxmlformats.org/markup-compatibility/2006">
-    <mc:Choice xmlns:p14="http://schemas.microsoft.com/office/powerpoint/2010/main" Requires="p14">
+  <mc:AlternateContent xmlns:mc="http://schemas.openxmlformats.org/markup-compatibility/2006" xmlns:p14="http://schemas.microsoft.com/office/powerpoint/2010/main">
+    <mc:Choice Requires="p14">
       <p:transition spd="slow" p14:dur="2000"/>
     </mc:Choice>
-    <mc:Fallback>
+    <mc:Fallback xmlns="">
       <p:transition spd="slow"/>
     </mc:Fallback>
   </mc:AlternateContent>
@@ -17667,11 +17667,11 @@
   <p:clrMapOvr>
     <a:masterClrMapping/>
   </p:clrMapOvr>
-  <mc:AlternateContent xmlns:mc="http://schemas.openxmlformats.org/markup-compatibility/2006">
-    <mc:Choice xmlns:p14="http://schemas.microsoft.com/office/powerpoint/2010/main" Requires="p14">
+  <mc:AlternateContent xmlns:mc="http://schemas.openxmlformats.org/markup-compatibility/2006" xmlns:p14="http://schemas.microsoft.com/office/powerpoint/2010/main">
+    <mc:Choice Requires="p14">
       <p:transition spd="slow" p14:dur="2000"/>
     </mc:Choice>
-    <mc:Fallback>
+    <mc:Fallback xmlns="">
       <p:transition spd="slow"/>
     </mc:Fallback>
   </mc:AlternateContent>
@@ -19920,11 +19920,11 @@
   <p:clrMapOvr>
     <a:masterClrMapping/>
   </p:clrMapOvr>
-  <mc:AlternateContent xmlns:mc="http://schemas.openxmlformats.org/markup-compatibility/2006">
-    <mc:Choice xmlns:p14="http://schemas.microsoft.com/office/powerpoint/2010/main" Requires="p14">
+  <mc:AlternateContent xmlns:mc="http://schemas.openxmlformats.org/markup-compatibility/2006" xmlns:p14="http://schemas.microsoft.com/office/powerpoint/2010/main">
+    <mc:Choice Requires="p14">
       <p:transition spd="slow" p14:dur="2000"/>
     </mc:Choice>
-    <mc:Fallback>
+    <mc:Fallback xmlns="">
       <p:transition spd="slow"/>
     </mc:Fallback>
   </mc:AlternateContent>
@@ -21139,11 +21139,11 @@
   <p:clrMapOvr>
     <a:masterClrMapping/>
   </p:clrMapOvr>
-  <mc:AlternateContent xmlns:mc="http://schemas.openxmlformats.org/markup-compatibility/2006">
-    <mc:Choice xmlns:p14="http://schemas.microsoft.com/office/powerpoint/2010/main" Requires="p14">
+  <mc:AlternateContent xmlns:mc="http://schemas.openxmlformats.org/markup-compatibility/2006" xmlns:p14="http://schemas.microsoft.com/office/powerpoint/2010/main">
+    <mc:Choice Requires="p14">
       <p:transition spd="slow" p14:dur="2000"/>
     </mc:Choice>
-    <mc:Fallback>
+    <mc:Fallback xmlns="">
       <p:transition spd="slow"/>
     </mc:Fallback>
   </mc:AlternateContent>
@@ -22411,11 +22411,11 @@
   <p:clrMapOvr>
     <a:masterClrMapping/>
   </p:clrMapOvr>
-  <mc:AlternateContent xmlns:mc="http://schemas.openxmlformats.org/markup-compatibility/2006">
-    <mc:Choice xmlns:p14="http://schemas.microsoft.com/office/powerpoint/2010/main" Requires="p14">
+  <mc:AlternateContent xmlns:mc="http://schemas.openxmlformats.org/markup-compatibility/2006" xmlns:p14="http://schemas.microsoft.com/office/powerpoint/2010/main">
+    <mc:Choice Requires="p14">
       <p:transition spd="slow" p14:dur="2000"/>
     </mc:Choice>
-    <mc:Fallback>
+    <mc:Fallback xmlns="">
       <p:transition spd="slow"/>
     </mc:Fallback>
   </mc:AlternateContent>
@@ -28310,7 +28310,7 @@
         <p:spPr>
           <a:xfrm>
             <a:off x="457200" y="1350947"/>
-            <a:ext cx="8229600" cy="1104900"/>
+            <a:ext cx="8229600" cy="573103"/>
           </a:xfrm>
         </p:spPr>
         <p:txBody>
@@ -28319,20 +28319,14 @@
           </a:bodyPr>
           <a:lstStyle/>
           <a:p>
-            <a:r>
-              <a:rPr lang="en-US" dirty="0" err="1"/>
-              <a:t>Algebrizer</a:t>
+            <a:pPr lvl="1"/>
+            <a:r>
+              <a:rPr lang="en-US" dirty="0" smtClean="0"/>
+              <a:t>Expand </a:t>
             </a:r>
             <a:r>
               <a:rPr lang="en-US" dirty="0"/>
-              <a:t> (the “normalizer” in SQL 2000)</a:t>
-            </a:r>
-          </a:p>
-          <a:p>
-            <a:pPr lvl="1"/>
-            <a:r>
-              <a:rPr lang="en-US" dirty="0"/>
-              <a:t>Expand views</a:t>
+              <a:t>views</a:t>
             </a:r>
           </a:p>
         </p:txBody>
@@ -28347,7 +28341,7 @@
         </p:nvSpPr>
         <p:spPr>
           <a:xfrm>
-            <a:off x="457200" y="2389142"/>
+            <a:off x="457200" y="2084342"/>
             <a:ext cx="8229600" cy="1123950"/>
           </a:xfrm>
           <a:prstGeom prst="rect">
@@ -29121,7 +29115,7 @@
         </p:nvSpPr>
         <p:spPr>
           <a:xfrm>
-            <a:off x="457200" y="3829051"/>
+            <a:off x="457200" y="3524251"/>
             <a:ext cx="8229600" cy="2352674"/>
           </a:xfrm>
           <a:prstGeom prst="rect">
@@ -30297,9 +30291,6 @@
                     <p:cTn id="3" fill="hold">
                       <p:stCondLst>
                         <p:cond delay="indefinite"/>
-                        <p:cond evt="onBegin" delay="0">
-                          <p:tn val="2"/>
-                        </p:cond>
                       </p:stCondLst>
                       <p:childTnLst>
                         <p:par>
@@ -30309,7 +30300,7 @@
                             </p:stCondLst>
                             <p:childTnLst>
                               <p:par>
-                                <p:cTn id="5" presetID="1" presetClass="entr" presetSubtype="0" fill="hold" grpId="0" nodeType="withEffect">
+                                <p:cTn id="5" presetID="1" presetClass="entr" presetSubtype="0" fill="hold" grpId="0" nodeType="clickEffect">
                                   <p:stCondLst>
                                     <p:cond delay="0"/>
                                   </p:stCondLst>
@@ -30322,11 +30313,7 @@
                                           </p:stCondLst>
                                         </p:cTn>
                                         <p:tgtEl>
-                                          <p:spTgt spid="3">
-                                            <p:txEl>
-                                              <p:pRg st="0" end="0"/>
-                                            </p:txEl>
-                                          </p:spTgt>
+                                          <p:spTgt spid="6"/>
                                         </p:tgtEl>
                                         <p:attrNameLst>
                                           <p:attrName>style.visibility</p:attrName>
@@ -30366,51 +30353,6 @@
                                     <p:set>
                                       <p:cBhvr>
                                         <p:cTn id="10" dur="1" fill="hold">
-                                          <p:stCondLst>
-                                            <p:cond delay="0"/>
-                                          </p:stCondLst>
-                                        </p:cTn>
-                                        <p:tgtEl>
-                                          <p:spTgt spid="6"/>
-                                        </p:tgtEl>
-                                        <p:attrNameLst>
-                                          <p:attrName>style.visibility</p:attrName>
-                                        </p:attrNameLst>
-                                      </p:cBhvr>
-                                      <p:to>
-                                        <p:strVal val="visible"/>
-                                      </p:to>
-                                    </p:set>
-                                  </p:childTnLst>
-                                </p:cTn>
-                              </p:par>
-                            </p:childTnLst>
-                          </p:cTn>
-                        </p:par>
-                      </p:childTnLst>
-                    </p:cTn>
-                  </p:par>
-                  <p:par>
-                    <p:cTn id="11" fill="hold">
-                      <p:stCondLst>
-                        <p:cond delay="indefinite"/>
-                      </p:stCondLst>
-                      <p:childTnLst>
-                        <p:par>
-                          <p:cTn id="12" fill="hold">
-                            <p:stCondLst>
-                              <p:cond delay="0"/>
-                            </p:stCondLst>
-                            <p:childTnLst>
-                              <p:par>
-                                <p:cTn id="13" presetID="1" presetClass="entr" presetSubtype="0" fill="hold" grpId="0" nodeType="clickEffect">
-                                  <p:stCondLst>
-                                    <p:cond delay="0"/>
-                                  </p:stCondLst>
-                                  <p:childTnLst>
-                                    <p:set>
-                                      <p:cBhvr>
-                                        <p:cTn id="14" dur="1" fill="hold">
                                           <p:stCondLst>
                                             <p:cond delay="0"/>
                                           </p:stCondLst>
@@ -30457,7 +30399,6 @@
       </p:par>
     </p:tnLst>
     <p:bldLst>
-      <p:bldP spid="3" grpId="0" uiExpand="1" build="p"/>
       <p:bldP spid="6" grpId="0"/>
       <p:bldP spid="7" grpId="0"/>
     </p:bldLst>
@@ -30521,21 +30462,12 @@
           </a:bodyPr>
           <a:lstStyle/>
           <a:p>
-            <a:r>
-              <a:rPr lang="en-US" dirty="0" err="1"/>
-              <a:t>Algebrizer</a:t>
-            </a:r>
-            <a:r>
-              <a:rPr lang="en-US" dirty="0"/>
-              <a:t> (the “normalizer” in SQL 2000)</a:t>
-            </a:r>
-          </a:p>
-          <a:p>
             <a:pPr lvl="1"/>
             <a:r>
-              <a:rPr lang="en-US" dirty="0"/>
+              <a:rPr lang="en-US" dirty="0" smtClean="0"/>
               <a:t>Binding</a:t>
             </a:r>
+            <a:endParaRPr lang="en-US" dirty="0"/>
           </a:p>
           <a:p>
             <a:pPr lvl="2"/>
@@ -30547,23 +30479,502 @@
           <a:p>
             <a:pPr lvl="2"/>
             <a:r>
+              <a:rPr lang="en-US" dirty="0" smtClean="0"/>
+              <a:t>Data </a:t>
+            </a:r>
+            <a:r>
               <a:rPr lang="en-US" dirty="0"/>
-              <a:t>Constant folding</a:t>
-            </a:r>
+              <a:t>type resolution (i.e., UNION</a:t>
+            </a:r>
+            <a:r>
+              <a:rPr lang="en-US" dirty="0" smtClean="0"/>
+              <a:t>)</a:t>
+            </a:r>
+          </a:p>
+          <a:p>
+            <a:pPr marL="1371600" lvl="3" indent="0">
+              <a:buNone/>
+            </a:pPr>
+            <a:r>
+              <a:rPr lang="en-US" dirty="0" smtClean="0">
+                <a:solidFill>
+                  <a:srgbClr val="0000FF"/>
+                </a:solidFill>
+                <a:highlight>
+                  <a:srgbClr val="FFFFFF"/>
+                </a:highlight>
+                <a:latin typeface="Consolas" panose="020B0609020204030204" pitchFamily="49" charset="0"/>
+              </a:rPr>
+              <a:t>select</a:t>
+            </a:r>
+            <a:r>
+              <a:rPr lang="en-US" dirty="0" smtClean="0">
+                <a:solidFill>
+                  <a:srgbClr val="000000"/>
+                </a:solidFill>
+                <a:highlight>
+                  <a:srgbClr val="FFFFFF"/>
+                </a:highlight>
+                <a:latin typeface="Consolas" panose="020B0609020204030204" pitchFamily="49" charset="0"/>
+              </a:rPr>
+              <a:t> </a:t>
+            </a:r>
+            <a:r>
+              <a:rPr lang="en-US" dirty="0">
+                <a:solidFill>
+                  <a:srgbClr val="000000"/>
+                </a:solidFill>
+                <a:highlight>
+                  <a:srgbClr val="FFFFFF"/>
+                </a:highlight>
+                <a:latin typeface="Consolas" panose="020B0609020204030204" pitchFamily="49" charset="0"/>
+              </a:rPr>
+              <a:t>1 </a:t>
+            </a:r>
+            <a:r>
+              <a:rPr lang="en-US" dirty="0">
+                <a:solidFill>
+                  <a:srgbClr val="0000FF"/>
+                </a:solidFill>
+                <a:highlight>
+                  <a:srgbClr val="FFFFFF"/>
+                </a:highlight>
+                <a:latin typeface="Consolas" panose="020B0609020204030204" pitchFamily="49" charset="0"/>
+              </a:rPr>
+              <a:t>union</a:t>
+            </a:r>
+            <a:r>
+              <a:rPr lang="en-US" dirty="0">
+                <a:solidFill>
+                  <a:srgbClr val="000000"/>
+                </a:solidFill>
+                <a:highlight>
+                  <a:srgbClr val="FFFFFF"/>
+                </a:highlight>
+                <a:latin typeface="Consolas" panose="020B0609020204030204" pitchFamily="49" charset="0"/>
+              </a:rPr>
+              <a:t> </a:t>
+            </a:r>
+            <a:r>
+              <a:rPr lang="en-US" dirty="0">
+                <a:solidFill>
+                  <a:srgbClr val="808080"/>
+                </a:solidFill>
+                <a:highlight>
+                  <a:srgbClr val="FFFFFF"/>
+                </a:highlight>
+                <a:latin typeface="Consolas" panose="020B0609020204030204" pitchFamily="49" charset="0"/>
+              </a:rPr>
+              <a:t>all</a:t>
+            </a:r>
+            <a:r>
+              <a:rPr lang="en-US" dirty="0">
+                <a:solidFill>
+                  <a:srgbClr val="000000"/>
+                </a:solidFill>
+                <a:highlight>
+                  <a:srgbClr val="FFFFFF"/>
+                </a:highlight>
+                <a:latin typeface="Consolas" panose="020B0609020204030204" pitchFamily="49" charset="0"/>
+              </a:rPr>
+              <a:t> </a:t>
+            </a:r>
+            <a:r>
+              <a:rPr lang="en-US" dirty="0">
+                <a:solidFill>
+                  <a:srgbClr val="0000FF"/>
+                </a:solidFill>
+                <a:highlight>
+                  <a:srgbClr val="FFFFFF"/>
+                </a:highlight>
+                <a:latin typeface="Consolas" panose="020B0609020204030204" pitchFamily="49" charset="0"/>
+              </a:rPr>
+              <a:t>select</a:t>
+            </a:r>
+            <a:r>
+              <a:rPr lang="en-US" dirty="0">
+                <a:solidFill>
+                  <a:srgbClr val="000000"/>
+                </a:solidFill>
+                <a:highlight>
+                  <a:srgbClr val="FFFFFF"/>
+                </a:highlight>
+                <a:latin typeface="Consolas" panose="020B0609020204030204" pitchFamily="49" charset="0"/>
+              </a:rPr>
+              <a:t> </a:t>
+            </a:r>
+            <a:r>
+              <a:rPr lang="en-US" dirty="0">
+                <a:solidFill>
+                  <a:srgbClr val="FF0000"/>
+                </a:solidFill>
+                <a:highlight>
+                  <a:srgbClr val="FFFFFF"/>
+                </a:highlight>
+                <a:latin typeface="Consolas" panose="020B0609020204030204" pitchFamily="49" charset="0"/>
+              </a:rPr>
+              <a:t>'Some text</a:t>
+            </a:r>
+            <a:r>
+              <a:rPr lang="en-US" dirty="0" smtClean="0">
+                <a:solidFill>
+                  <a:srgbClr val="FF0000"/>
+                </a:solidFill>
+                <a:highlight>
+                  <a:srgbClr val="FFFFFF"/>
+                </a:highlight>
+                <a:latin typeface="Consolas" panose="020B0609020204030204" pitchFamily="49" charset="0"/>
+              </a:rPr>
+              <a:t>'</a:t>
+            </a:r>
+            <a:r>
+              <a:rPr lang="en-US" dirty="0" smtClean="0">
+                <a:solidFill>
+                  <a:srgbClr val="808080"/>
+                </a:solidFill>
+                <a:highlight>
+                  <a:srgbClr val="FFFFFF"/>
+                </a:highlight>
+                <a:latin typeface="Consolas" panose="020B0609020204030204" pitchFamily="49" charset="0"/>
+              </a:rPr>
+              <a:t>;</a:t>
+            </a:r>
+          </a:p>
+          <a:p>
+            <a:pPr marL="1714500" lvl="4" indent="0">
+              <a:buNone/>
+            </a:pPr>
+            <a:r>
+              <a:rPr lang="en-US" sz="2000" dirty="0" smtClean="0">
+                <a:solidFill>
+                  <a:srgbClr val="FF0000"/>
+                </a:solidFill>
+                <a:highlight>
+                  <a:srgbClr val="FFFFFF"/>
+                </a:highlight>
+                <a:latin typeface="Consolas" panose="020B0609020204030204" pitchFamily="49" charset="0"/>
+              </a:rPr>
+              <a:t>Conversion failed when converting the varchar value 'Some text' to data type int.</a:t>
+            </a:r>
+            <a:endParaRPr lang="en-US" sz="2000" dirty="0">
+              <a:solidFill>
+                <a:srgbClr val="FF0000"/>
+              </a:solidFill>
+            </a:endParaRPr>
           </a:p>
           <a:p>
             <a:pPr lvl="2"/>
             <a:r>
               <a:rPr lang="en-US" dirty="0"/>
-              <a:t>Data type resolution (i.e., UNION)</a:t>
-            </a:r>
-          </a:p>
-          <a:p>
-            <a:pPr lvl="2"/>
-            <a:r>
-              <a:rPr lang="en-US" dirty="0"/>
-              <a:t>Aggregate binding</a:t>
-            </a:r>
+              <a:t>Aggregate </a:t>
+            </a:r>
+            <a:r>
+              <a:rPr lang="en-US" dirty="0" smtClean="0"/>
+              <a:t>binding</a:t>
+            </a:r>
+          </a:p>
+          <a:p>
+            <a:pPr marL="1371600" lvl="3" indent="0">
+              <a:buNone/>
+            </a:pPr>
+            <a:r>
+              <a:rPr lang="en-US" dirty="0">
+                <a:solidFill>
+                  <a:srgbClr val="0000FF"/>
+                </a:solidFill>
+                <a:highlight>
+                  <a:srgbClr val="FFFFFF"/>
+                </a:highlight>
+                <a:latin typeface="Consolas" panose="020B0609020204030204" pitchFamily="49" charset="0"/>
+              </a:rPr>
+              <a:t>select</a:t>
+            </a:r>
+            <a:r>
+              <a:rPr lang="en-US" dirty="0">
+                <a:solidFill>
+                  <a:srgbClr val="000000"/>
+                </a:solidFill>
+                <a:highlight>
+                  <a:srgbClr val="FFFFFF"/>
+                </a:highlight>
+                <a:latin typeface="Consolas" panose="020B0609020204030204" pitchFamily="49" charset="0"/>
+              </a:rPr>
+              <a:t> </a:t>
+            </a:r>
+            <a:r>
+              <a:rPr lang="en-US" dirty="0" err="1">
+                <a:solidFill>
+                  <a:srgbClr val="000000"/>
+                </a:solidFill>
+                <a:highlight>
+                  <a:srgbClr val="FFFFFF"/>
+                </a:highlight>
+                <a:latin typeface="Consolas" panose="020B0609020204030204" pitchFamily="49" charset="0"/>
+              </a:rPr>
+              <a:t>LastName</a:t>
+            </a:r>
+            <a:r>
+              <a:rPr lang="en-US" dirty="0">
+                <a:solidFill>
+                  <a:srgbClr val="808080"/>
+                </a:solidFill>
+                <a:highlight>
+                  <a:srgbClr val="FFFFFF"/>
+                </a:highlight>
+                <a:latin typeface="Consolas" panose="020B0609020204030204" pitchFamily="49" charset="0"/>
+              </a:rPr>
+              <a:t>,</a:t>
+            </a:r>
+            <a:r>
+              <a:rPr lang="en-US" dirty="0">
+                <a:solidFill>
+                  <a:srgbClr val="000000"/>
+                </a:solidFill>
+                <a:highlight>
+                  <a:srgbClr val="FFFFFF"/>
+                </a:highlight>
+                <a:latin typeface="Consolas" panose="020B0609020204030204" pitchFamily="49" charset="0"/>
+              </a:rPr>
+              <a:t> </a:t>
+            </a:r>
+            <a:r>
+              <a:rPr lang="en-US" dirty="0" err="1">
+                <a:solidFill>
+                  <a:srgbClr val="000000"/>
+                </a:solidFill>
+                <a:highlight>
+                  <a:srgbClr val="FFFFFF"/>
+                </a:highlight>
+                <a:latin typeface="Consolas" panose="020B0609020204030204" pitchFamily="49" charset="0"/>
+              </a:rPr>
+              <a:t>CustomerID</a:t>
+            </a:r>
+            <a:r>
+              <a:rPr lang="en-US" dirty="0">
+                <a:solidFill>
+                  <a:srgbClr val="808080"/>
+                </a:solidFill>
+                <a:highlight>
+                  <a:srgbClr val="FFFFFF"/>
+                </a:highlight>
+                <a:latin typeface="Consolas" panose="020B0609020204030204" pitchFamily="49" charset="0"/>
+              </a:rPr>
+              <a:t>,</a:t>
+            </a:r>
+            <a:r>
+              <a:rPr lang="en-US" dirty="0">
+                <a:solidFill>
+                  <a:srgbClr val="000000"/>
+                </a:solidFill>
+                <a:highlight>
+                  <a:srgbClr val="FFFFFF"/>
+                </a:highlight>
+                <a:latin typeface="Consolas" panose="020B0609020204030204" pitchFamily="49" charset="0"/>
+              </a:rPr>
+              <a:t> </a:t>
+            </a:r>
+            <a:r>
+              <a:rPr lang="en-US" dirty="0">
+                <a:solidFill>
+                  <a:srgbClr val="FF00FF"/>
+                </a:solidFill>
+                <a:highlight>
+                  <a:srgbClr val="FFFFFF"/>
+                </a:highlight>
+                <a:latin typeface="Consolas" panose="020B0609020204030204" pitchFamily="49" charset="0"/>
+              </a:rPr>
+              <a:t>count</a:t>
+            </a:r>
+            <a:r>
+              <a:rPr lang="en-US" dirty="0">
+                <a:solidFill>
+                  <a:srgbClr val="808080"/>
+                </a:solidFill>
+                <a:highlight>
+                  <a:srgbClr val="FFFFFF"/>
+                </a:highlight>
+                <a:latin typeface="Consolas" panose="020B0609020204030204" pitchFamily="49" charset="0"/>
+              </a:rPr>
+              <a:t>(*)</a:t>
+            </a:r>
+            <a:r>
+              <a:rPr lang="en-US" dirty="0">
+                <a:solidFill>
+                  <a:srgbClr val="000000"/>
+                </a:solidFill>
+                <a:highlight>
+                  <a:srgbClr val="FFFFFF"/>
+                </a:highlight>
+                <a:latin typeface="Consolas" panose="020B0609020204030204" pitchFamily="49" charset="0"/>
+              </a:rPr>
+              <a:t> </a:t>
+            </a:r>
+            <a:r>
+              <a:rPr lang="en-US" dirty="0" err="1">
+                <a:solidFill>
+                  <a:srgbClr val="000000"/>
+                </a:solidFill>
+                <a:highlight>
+                  <a:srgbClr val="FFFFFF"/>
+                </a:highlight>
+                <a:latin typeface="Consolas" panose="020B0609020204030204" pitchFamily="49" charset="0"/>
+              </a:rPr>
+              <a:t>Nbr</a:t>
+            </a:r>
+            <a:r>
+              <a:rPr lang="en-US" dirty="0">
+                <a:solidFill>
+                  <a:srgbClr val="000000"/>
+                </a:solidFill>
+                <a:highlight>
+                  <a:srgbClr val="FFFFFF"/>
+                </a:highlight>
+                <a:latin typeface="Consolas" panose="020B0609020204030204" pitchFamily="49" charset="0"/>
+              </a:rPr>
+              <a:t> </a:t>
+            </a:r>
+            <a:r>
+              <a:rPr lang="en-US" dirty="0">
+                <a:solidFill>
+                  <a:srgbClr val="0000FF"/>
+                </a:solidFill>
+                <a:highlight>
+                  <a:srgbClr val="FFFFFF"/>
+                </a:highlight>
+                <a:latin typeface="Consolas" panose="020B0609020204030204" pitchFamily="49" charset="0"/>
+              </a:rPr>
+              <a:t>from</a:t>
+            </a:r>
+            <a:r>
+              <a:rPr lang="en-US" dirty="0">
+                <a:solidFill>
+                  <a:srgbClr val="000000"/>
+                </a:solidFill>
+                <a:highlight>
+                  <a:srgbClr val="FFFFFF"/>
+                </a:highlight>
+                <a:latin typeface="Consolas" panose="020B0609020204030204" pitchFamily="49" charset="0"/>
+              </a:rPr>
+              <a:t> Customer </a:t>
+            </a:r>
+            <a:r>
+              <a:rPr lang="en-US" dirty="0">
+                <a:solidFill>
+                  <a:srgbClr val="0000FF"/>
+                </a:solidFill>
+                <a:highlight>
+                  <a:srgbClr val="FFFFFF"/>
+                </a:highlight>
+                <a:latin typeface="Consolas" panose="020B0609020204030204" pitchFamily="49" charset="0"/>
+              </a:rPr>
+              <a:t>group</a:t>
+            </a:r>
+            <a:r>
+              <a:rPr lang="en-US" dirty="0">
+                <a:solidFill>
+                  <a:srgbClr val="000000"/>
+                </a:solidFill>
+                <a:highlight>
+                  <a:srgbClr val="FFFFFF"/>
+                </a:highlight>
+                <a:latin typeface="Consolas" panose="020B0609020204030204" pitchFamily="49" charset="0"/>
+              </a:rPr>
+              <a:t> </a:t>
+            </a:r>
+            <a:r>
+              <a:rPr lang="en-US" dirty="0">
+                <a:solidFill>
+                  <a:srgbClr val="0000FF"/>
+                </a:solidFill>
+                <a:highlight>
+                  <a:srgbClr val="FFFFFF"/>
+                </a:highlight>
+                <a:latin typeface="Consolas" panose="020B0609020204030204" pitchFamily="49" charset="0"/>
+              </a:rPr>
+              <a:t>by</a:t>
+            </a:r>
+            <a:r>
+              <a:rPr lang="en-US" dirty="0">
+                <a:solidFill>
+                  <a:srgbClr val="000000"/>
+                </a:solidFill>
+                <a:highlight>
+                  <a:srgbClr val="FFFFFF"/>
+                </a:highlight>
+                <a:latin typeface="Consolas" panose="020B0609020204030204" pitchFamily="49" charset="0"/>
+              </a:rPr>
+              <a:t> </a:t>
+            </a:r>
+            <a:r>
+              <a:rPr lang="en-US" dirty="0" err="1">
+                <a:solidFill>
+                  <a:srgbClr val="000000"/>
+                </a:solidFill>
+                <a:highlight>
+                  <a:srgbClr val="FFFFFF"/>
+                </a:highlight>
+                <a:latin typeface="Consolas" panose="020B0609020204030204" pitchFamily="49" charset="0"/>
+              </a:rPr>
+              <a:t>LastName</a:t>
+            </a:r>
+            <a:r>
+              <a:rPr lang="en-US" dirty="0" smtClean="0">
+                <a:solidFill>
+                  <a:srgbClr val="808080"/>
+                </a:solidFill>
+                <a:highlight>
+                  <a:srgbClr val="FFFFFF"/>
+                </a:highlight>
+                <a:latin typeface="Consolas" panose="020B0609020204030204" pitchFamily="49" charset="0"/>
+              </a:rPr>
+              <a:t>;</a:t>
+            </a:r>
+          </a:p>
+          <a:p>
+            <a:pPr marL="1828800" lvl="4" indent="0">
+              <a:buNone/>
+            </a:pPr>
+            <a:r>
+              <a:rPr lang="en-US" dirty="0">
+                <a:solidFill>
+                  <a:srgbClr val="FF0000"/>
+                </a:solidFill>
+                <a:highlight>
+                  <a:srgbClr val="FFFFFF"/>
+                </a:highlight>
+                <a:latin typeface="Consolas" panose="020B0609020204030204" pitchFamily="49" charset="0"/>
+              </a:rPr>
+              <a:t>Column '</a:t>
+            </a:r>
+            <a:r>
+              <a:rPr lang="en-US" dirty="0" err="1">
+                <a:solidFill>
+                  <a:srgbClr val="FF0000"/>
+                </a:solidFill>
+                <a:highlight>
+                  <a:srgbClr val="FFFFFF"/>
+                </a:highlight>
+                <a:latin typeface="Consolas" panose="020B0609020204030204" pitchFamily="49" charset="0"/>
+              </a:rPr>
+              <a:t>Customer.CustomerID</a:t>
+            </a:r>
+            <a:r>
+              <a:rPr lang="en-US" dirty="0">
+                <a:solidFill>
+                  <a:srgbClr val="FF0000"/>
+                </a:solidFill>
+                <a:highlight>
+                  <a:srgbClr val="FFFFFF"/>
+                </a:highlight>
+                <a:latin typeface="Consolas" panose="020B0609020204030204" pitchFamily="49" charset="0"/>
+              </a:rPr>
+              <a:t>' is invalid in the select list because it is not contained in either an aggregate function or the GROUP BY clause.</a:t>
+            </a:r>
+            <a:endParaRPr lang="en-US" dirty="0">
+              <a:solidFill>
+                <a:srgbClr val="FF0000"/>
+              </a:solidFill>
+            </a:endParaRPr>
           </a:p>
         </p:txBody>
       </p:sp>
@@ -30580,7 +30991,275 @@
   <p:timing>
     <p:tnLst>
       <p:par>
-        <p:cTn id="1" dur="indefinite" restart="never" nodeType="tmRoot"/>
+        <p:cTn id="1" dur="indefinite" restart="never" nodeType="tmRoot">
+          <p:childTnLst>
+            <p:seq concurrent="1" nextAc="seek">
+              <p:cTn id="2" dur="indefinite" nodeType="mainSeq">
+                <p:childTnLst>
+                  <p:par>
+                    <p:cTn id="3" fill="hold">
+                      <p:stCondLst>
+                        <p:cond delay="indefinite"/>
+                      </p:stCondLst>
+                      <p:childTnLst>
+                        <p:par>
+                          <p:cTn id="4" fill="hold">
+                            <p:stCondLst>
+                              <p:cond delay="0"/>
+                            </p:stCondLst>
+                            <p:childTnLst>
+                              <p:par>
+                                <p:cTn id="5" presetID="1" presetClass="entr" presetSubtype="0" fill="hold" nodeType="clickEffect">
+                                  <p:stCondLst>
+                                    <p:cond delay="0"/>
+                                  </p:stCondLst>
+                                  <p:childTnLst>
+                                    <p:set>
+                                      <p:cBhvr>
+                                        <p:cTn id="6" dur="1" fill="hold">
+                                          <p:stCondLst>
+                                            <p:cond delay="0"/>
+                                          </p:stCondLst>
+                                        </p:cTn>
+                                        <p:tgtEl>
+                                          <p:spTgt spid="3">
+                                            <p:txEl>
+                                              <p:pRg st="3" end="3"/>
+                                            </p:txEl>
+                                          </p:spTgt>
+                                        </p:tgtEl>
+                                        <p:attrNameLst>
+                                          <p:attrName>style.visibility</p:attrName>
+                                        </p:attrNameLst>
+                                      </p:cBhvr>
+                                      <p:to>
+                                        <p:strVal val="visible"/>
+                                      </p:to>
+                                    </p:set>
+                                  </p:childTnLst>
+                                </p:cTn>
+                              </p:par>
+                            </p:childTnLst>
+                          </p:cTn>
+                        </p:par>
+                      </p:childTnLst>
+                    </p:cTn>
+                  </p:par>
+                  <p:par>
+                    <p:cTn id="7" fill="hold">
+                      <p:stCondLst>
+                        <p:cond delay="indefinite"/>
+                      </p:stCondLst>
+                      <p:childTnLst>
+                        <p:par>
+                          <p:cTn id="8" fill="hold">
+                            <p:stCondLst>
+                              <p:cond delay="0"/>
+                            </p:stCondLst>
+                            <p:childTnLst>
+                              <p:par>
+                                <p:cTn id="9" presetID="1" presetClass="entr" presetSubtype="0" fill="hold" nodeType="clickEffect">
+                                  <p:stCondLst>
+                                    <p:cond delay="0"/>
+                                  </p:stCondLst>
+                                  <p:childTnLst>
+                                    <p:set>
+                                      <p:cBhvr>
+                                        <p:cTn id="10" dur="1" fill="hold">
+                                          <p:stCondLst>
+                                            <p:cond delay="0"/>
+                                          </p:stCondLst>
+                                        </p:cTn>
+                                        <p:tgtEl>
+                                          <p:spTgt spid="3">
+                                            <p:txEl>
+                                              <p:pRg st="4" end="4"/>
+                                            </p:txEl>
+                                          </p:spTgt>
+                                        </p:tgtEl>
+                                        <p:attrNameLst>
+                                          <p:attrName>style.visibility</p:attrName>
+                                        </p:attrNameLst>
+                                      </p:cBhvr>
+                                      <p:to>
+                                        <p:strVal val="visible"/>
+                                      </p:to>
+                                    </p:set>
+                                  </p:childTnLst>
+                                </p:cTn>
+                              </p:par>
+                            </p:childTnLst>
+                          </p:cTn>
+                        </p:par>
+                      </p:childTnLst>
+                    </p:cTn>
+                  </p:par>
+                  <p:par>
+                    <p:cTn id="11" fill="hold">
+                      <p:stCondLst>
+                        <p:cond delay="indefinite"/>
+                      </p:stCondLst>
+                      <p:childTnLst>
+                        <p:par>
+                          <p:cTn id="12" fill="hold">
+                            <p:stCondLst>
+                              <p:cond delay="0"/>
+                            </p:stCondLst>
+                            <p:childTnLst>
+                              <p:par>
+                                <p:cTn id="13" presetID="1" presetClass="entr" presetSubtype="0" fill="hold" nodeType="clickEffect">
+                                  <p:stCondLst>
+                                    <p:cond delay="0"/>
+                                  </p:stCondLst>
+                                  <p:childTnLst>
+                                    <p:set>
+                                      <p:cBhvr>
+                                        <p:cTn id="14" dur="1" fill="hold">
+                                          <p:stCondLst>
+                                            <p:cond delay="0"/>
+                                          </p:stCondLst>
+                                        </p:cTn>
+                                        <p:tgtEl>
+                                          <p:spTgt spid="3">
+                                            <p:txEl>
+                                              <p:pRg st="5" end="5"/>
+                                            </p:txEl>
+                                          </p:spTgt>
+                                        </p:tgtEl>
+                                        <p:attrNameLst>
+                                          <p:attrName>style.visibility</p:attrName>
+                                        </p:attrNameLst>
+                                      </p:cBhvr>
+                                      <p:to>
+                                        <p:strVal val="visible"/>
+                                      </p:to>
+                                    </p:set>
+                                  </p:childTnLst>
+                                </p:cTn>
+                              </p:par>
+                            </p:childTnLst>
+                          </p:cTn>
+                        </p:par>
+                      </p:childTnLst>
+                    </p:cTn>
+                  </p:par>
+                  <p:par>
+                    <p:cTn id="15" fill="hold">
+                      <p:stCondLst>
+                        <p:cond delay="indefinite"/>
+                      </p:stCondLst>
+                      <p:childTnLst>
+                        <p:par>
+                          <p:cTn id="16" fill="hold">
+                            <p:stCondLst>
+                              <p:cond delay="0"/>
+                            </p:stCondLst>
+                            <p:childTnLst>
+                              <p:par>
+                                <p:cTn id="17" presetID="1" presetClass="entr" presetSubtype="0" fill="hold" nodeType="clickEffect">
+                                  <p:stCondLst>
+                                    <p:cond delay="0"/>
+                                  </p:stCondLst>
+                                  <p:childTnLst>
+                                    <p:set>
+                                      <p:cBhvr>
+                                        <p:cTn id="18" dur="1" fill="hold">
+                                          <p:stCondLst>
+                                            <p:cond delay="0"/>
+                                          </p:stCondLst>
+                                        </p:cTn>
+                                        <p:tgtEl>
+                                          <p:spTgt spid="3">
+                                            <p:txEl>
+                                              <p:pRg st="6" end="6"/>
+                                            </p:txEl>
+                                          </p:spTgt>
+                                        </p:tgtEl>
+                                        <p:attrNameLst>
+                                          <p:attrName>style.visibility</p:attrName>
+                                        </p:attrNameLst>
+                                      </p:cBhvr>
+                                      <p:to>
+                                        <p:strVal val="visible"/>
+                                      </p:to>
+                                    </p:set>
+                                  </p:childTnLst>
+                                </p:cTn>
+                              </p:par>
+                            </p:childTnLst>
+                          </p:cTn>
+                        </p:par>
+                      </p:childTnLst>
+                    </p:cTn>
+                  </p:par>
+                  <p:par>
+                    <p:cTn id="19" fill="hold">
+                      <p:stCondLst>
+                        <p:cond delay="indefinite"/>
+                      </p:stCondLst>
+                      <p:childTnLst>
+                        <p:par>
+                          <p:cTn id="20" fill="hold">
+                            <p:stCondLst>
+                              <p:cond delay="0"/>
+                            </p:stCondLst>
+                            <p:childTnLst>
+                              <p:par>
+                                <p:cTn id="21" presetID="1" presetClass="entr" presetSubtype="0" fill="hold" nodeType="clickEffect">
+                                  <p:stCondLst>
+                                    <p:cond delay="0"/>
+                                  </p:stCondLst>
+                                  <p:childTnLst>
+                                    <p:set>
+                                      <p:cBhvr>
+                                        <p:cTn id="22" dur="1" fill="hold">
+                                          <p:stCondLst>
+                                            <p:cond delay="0"/>
+                                          </p:stCondLst>
+                                        </p:cTn>
+                                        <p:tgtEl>
+                                          <p:spTgt spid="3">
+                                            <p:txEl>
+                                              <p:pRg st="7" end="7"/>
+                                            </p:txEl>
+                                          </p:spTgt>
+                                        </p:tgtEl>
+                                        <p:attrNameLst>
+                                          <p:attrName>style.visibility</p:attrName>
+                                        </p:attrNameLst>
+                                      </p:cBhvr>
+                                      <p:to>
+                                        <p:strVal val="visible"/>
+                                      </p:to>
+                                    </p:set>
+                                  </p:childTnLst>
+                                </p:cTn>
+                              </p:par>
+                            </p:childTnLst>
+                          </p:cTn>
+                        </p:par>
+                      </p:childTnLst>
+                    </p:cTn>
+                  </p:par>
+                </p:childTnLst>
+              </p:cTn>
+              <p:prevCondLst>
+                <p:cond evt="onPrev" delay="0">
+                  <p:tgtEl>
+                    <p:sldTgt/>
+                  </p:tgtEl>
+                </p:cond>
+              </p:prevCondLst>
+              <p:nextCondLst>
+                <p:cond evt="onNext" delay="0">
+                  <p:tgtEl>
+                    <p:sldTgt/>
+                  </p:tgtEl>
+                </p:cond>
+              </p:nextCondLst>
+            </p:seq>
+          </p:childTnLst>
+        </p:cTn>
       </p:par>
     </p:tnLst>
   </p:timing>
@@ -31531,14 +32210,14 @@
                 <a:gridCol w="7632835">
                   <a:extLst>
                     <a:ext uri="{9D8B030D-6E8A-4147-A177-3AD203B41FA5}">
-                      <a16:colId xmlns:a16="http://schemas.microsoft.com/office/drawing/2014/main" xmlns="" val="3644048045"/>
+                      <a16:colId xmlns="" xmlns:a16="http://schemas.microsoft.com/office/drawing/2014/main" val="3644048045"/>
                     </a:ext>
                   </a:extLst>
                 </a:gridCol>
                 <a:gridCol w="606393">
                   <a:extLst>
                     <a:ext uri="{9D8B030D-6E8A-4147-A177-3AD203B41FA5}">
-                      <a16:colId xmlns:a16="http://schemas.microsoft.com/office/drawing/2014/main" xmlns="" val="2034254753"/>
+                      <a16:colId xmlns="" xmlns:a16="http://schemas.microsoft.com/office/drawing/2014/main" val="2034254753"/>
                     </a:ext>
                   </a:extLst>
                 </a:gridCol>
@@ -31569,7 +32248,7 @@
                 </a:tc>
                 <a:extLst>
                   <a:ext uri="{0D108BD9-81ED-4DB2-BD59-A6C34878D82A}">
-                    <a16:rowId xmlns:a16="http://schemas.microsoft.com/office/drawing/2014/main" xmlns="" val="2708275910"/>
+                    <a16:rowId xmlns="" xmlns:a16="http://schemas.microsoft.com/office/drawing/2014/main" val="2708275910"/>
                   </a:ext>
                 </a:extLst>
               </a:tr>
@@ -31603,7 +32282,7 @@
                 </a:tc>
                 <a:extLst>
                   <a:ext uri="{0D108BD9-81ED-4DB2-BD59-A6C34878D82A}">
-                    <a16:rowId xmlns:a16="http://schemas.microsoft.com/office/drawing/2014/main" xmlns="" val="2161984115"/>
+                    <a16:rowId xmlns="" xmlns:a16="http://schemas.microsoft.com/office/drawing/2014/main" val="2161984115"/>
                   </a:ext>
                 </a:extLst>
               </a:tr>
@@ -31650,7 +32329,7 @@
                 </a:tc>
                 <a:extLst>
                   <a:ext uri="{0D108BD9-81ED-4DB2-BD59-A6C34878D82A}">
-                    <a16:rowId xmlns:a16="http://schemas.microsoft.com/office/drawing/2014/main" xmlns="" val="2841678841"/>
+                    <a16:rowId xmlns="" xmlns:a16="http://schemas.microsoft.com/office/drawing/2014/main" val="2841678841"/>
                   </a:ext>
                 </a:extLst>
               </a:tr>
@@ -31684,7 +32363,7 @@
                 </a:tc>
                 <a:extLst>
                   <a:ext uri="{0D108BD9-81ED-4DB2-BD59-A6C34878D82A}">
-                    <a16:rowId xmlns:a16="http://schemas.microsoft.com/office/drawing/2014/main" xmlns="" val="3144998627"/>
+                    <a16:rowId xmlns="" xmlns:a16="http://schemas.microsoft.com/office/drawing/2014/main" val="3144998627"/>
                   </a:ext>
                 </a:extLst>
               </a:tr>
@@ -31726,7 +32405,7 @@
                 </a:tc>
                 <a:extLst>
                   <a:ext uri="{0D108BD9-81ED-4DB2-BD59-A6C34878D82A}">
-                    <a16:rowId xmlns:a16="http://schemas.microsoft.com/office/drawing/2014/main" xmlns="" val="1419261869"/>
+                    <a16:rowId xmlns="" xmlns:a16="http://schemas.microsoft.com/office/drawing/2014/main" val="1419261869"/>
                   </a:ext>
                 </a:extLst>
               </a:tr>
@@ -31764,7 +32443,7 @@
                 </a:tc>
                 <a:extLst>
                   <a:ext uri="{0D108BD9-81ED-4DB2-BD59-A6C34878D82A}">
-                    <a16:rowId xmlns:a16="http://schemas.microsoft.com/office/drawing/2014/main" xmlns="" val="1427391072"/>
+                    <a16:rowId xmlns="" xmlns:a16="http://schemas.microsoft.com/office/drawing/2014/main" val="1427391072"/>
                   </a:ext>
                 </a:extLst>
               </a:tr>
@@ -31811,7 +32490,7 @@
                 </a:tc>
                 <a:extLst>
                   <a:ext uri="{0D108BD9-81ED-4DB2-BD59-A6C34878D82A}">
-                    <a16:rowId xmlns:a16="http://schemas.microsoft.com/office/drawing/2014/main" xmlns="" val="2346539918"/>
+                    <a16:rowId xmlns="" xmlns:a16="http://schemas.microsoft.com/office/drawing/2014/main" val="2346539918"/>
                   </a:ext>
                 </a:extLst>
               </a:tr>
@@ -31850,7 +32529,7 @@
                 </a:tc>
                 <a:extLst>
                   <a:ext uri="{0D108BD9-81ED-4DB2-BD59-A6C34878D82A}">
-                    <a16:rowId xmlns:a16="http://schemas.microsoft.com/office/drawing/2014/main" xmlns="" val="2275483042"/>
+                    <a16:rowId xmlns="" xmlns:a16="http://schemas.microsoft.com/office/drawing/2014/main" val="2275483042"/>
                   </a:ext>
                 </a:extLst>
               </a:tr>
@@ -31888,7 +32567,7 @@
                 </a:tc>
                 <a:extLst>
                   <a:ext uri="{0D108BD9-81ED-4DB2-BD59-A6C34878D82A}">
-                    <a16:rowId xmlns:a16="http://schemas.microsoft.com/office/drawing/2014/main" xmlns="" val="4202569347"/>
+                    <a16:rowId xmlns="" xmlns:a16="http://schemas.microsoft.com/office/drawing/2014/main" val="4202569347"/>
                   </a:ext>
                 </a:extLst>
               </a:tr>
@@ -31922,7 +32601,7 @@
                 </a:tc>
                 <a:extLst>
                   <a:ext uri="{0D108BD9-81ED-4DB2-BD59-A6C34878D82A}">
-                    <a16:rowId xmlns:a16="http://schemas.microsoft.com/office/drawing/2014/main" xmlns="" val="2989839269"/>
+                    <a16:rowId xmlns="" xmlns:a16="http://schemas.microsoft.com/office/drawing/2014/main" val="2989839269"/>
                   </a:ext>
                 </a:extLst>
               </a:tr>
@@ -31956,7 +32635,7 @@
                 </a:tc>
                 <a:extLst>
                   <a:ext uri="{0D108BD9-81ED-4DB2-BD59-A6C34878D82A}">
-                    <a16:rowId xmlns:a16="http://schemas.microsoft.com/office/drawing/2014/main" xmlns="" val="2130545569"/>
+                    <a16:rowId xmlns="" xmlns:a16="http://schemas.microsoft.com/office/drawing/2014/main" val="2130545569"/>
                   </a:ext>
                 </a:extLst>
               </a:tr>
@@ -32012,7 +32691,7 @@
                 </a:tc>
                 <a:extLst>
                   <a:ext uri="{0D108BD9-81ED-4DB2-BD59-A6C34878D82A}">
-                    <a16:rowId xmlns:a16="http://schemas.microsoft.com/office/drawing/2014/main" xmlns="" val="1848127216"/>
+                    <a16:rowId xmlns="" xmlns:a16="http://schemas.microsoft.com/office/drawing/2014/main" val="1848127216"/>
                   </a:ext>
                 </a:extLst>
               </a:tr>
@@ -32466,14 +33145,14 @@
                 <a:gridCol w="4119615">
                   <a:extLst>
                     <a:ext uri="{9D8B030D-6E8A-4147-A177-3AD203B41FA5}">
-                      <a16:colId xmlns:a16="http://schemas.microsoft.com/office/drawing/2014/main" xmlns="" val="3644048045"/>
+                      <a16:colId xmlns="" xmlns:a16="http://schemas.microsoft.com/office/drawing/2014/main" val="3644048045"/>
                     </a:ext>
                   </a:extLst>
                 </a:gridCol>
                 <a:gridCol w="4119613">
                   <a:extLst>
                     <a:ext uri="{9D8B030D-6E8A-4147-A177-3AD203B41FA5}">
-                      <a16:colId xmlns:a16="http://schemas.microsoft.com/office/drawing/2014/main" xmlns="" val="2034254753"/>
+                      <a16:colId xmlns="" xmlns:a16="http://schemas.microsoft.com/office/drawing/2014/main" val="2034254753"/>
                     </a:ext>
                   </a:extLst>
                 </a:gridCol>
@@ -32509,7 +33188,7 @@
                 </a:tc>
                 <a:extLst>
                   <a:ext uri="{0D108BD9-81ED-4DB2-BD59-A6C34878D82A}">
-                    <a16:rowId xmlns:a16="http://schemas.microsoft.com/office/drawing/2014/main" xmlns="" val="2708275910"/>
+                    <a16:rowId xmlns="" xmlns:a16="http://schemas.microsoft.com/office/drawing/2014/main" val="2708275910"/>
                   </a:ext>
                 </a:extLst>
               </a:tr>
@@ -32709,7 +33388,7 @@
                 </a:tc>
                 <a:extLst>
                   <a:ext uri="{0D108BD9-81ED-4DB2-BD59-A6C34878D82A}">
-                    <a16:rowId xmlns:a16="http://schemas.microsoft.com/office/drawing/2014/main" xmlns="" val="2161984115"/>
+                    <a16:rowId xmlns="" xmlns:a16="http://schemas.microsoft.com/office/drawing/2014/main" val="2161984115"/>
                   </a:ext>
                 </a:extLst>
               </a:tr>
@@ -32909,7 +33588,7 @@
                 </a:tc>
                 <a:extLst>
                   <a:ext uri="{0D108BD9-81ED-4DB2-BD59-A6C34878D82A}">
-                    <a16:rowId xmlns:a16="http://schemas.microsoft.com/office/drawing/2014/main" xmlns="" val="2841678841"/>
+                    <a16:rowId xmlns="" xmlns:a16="http://schemas.microsoft.com/office/drawing/2014/main" val="2841678841"/>
                   </a:ext>
                 </a:extLst>
               </a:tr>
@@ -33109,7 +33788,7 @@
                 </a:tc>
                 <a:extLst>
                   <a:ext uri="{0D108BD9-81ED-4DB2-BD59-A6C34878D82A}">
-                    <a16:rowId xmlns:a16="http://schemas.microsoft.com/office/drawing/2014/main" xmlns="" val="3144998627"/>
+                    <a16:rowId xmlns="" xmlns:a16="http://schemas.microsoft.com/office/drawing/2014/main" val="3144998627"/>
                   </a:ext>
                 </a:extLst>
               </a:tr>
@@ -33309,7 +33988,7 @@
                 </a:tc>
                 <a:extLst>
                   <a:ext uri="{0D108BD9-81ED-4DB2-BD59-A6C34878D82A}">
-                    <a16:rowId xmlns:a16="http://schemas.microsoft.com/office/drawing/2014/main" xmlns="" val="1419261869"/>
+                    <a16:rowId xmlns="" xmlns:a16="http://schemas.microsoft.com/office/drawing/2014/main" val="1419261869"/>
                   </a:ext>
                 </a:extLst>
               </a:tr>
@@ -33509,7 +34188,7 @@
                 </a:tc>
                 <a:extLst>
                   <a:ext uri="{0D108BD9-81ED-4DB2-BD59-A6C34878D82A}">
-                    <a16:rowId xmlns:a16="http://schemas.microsoft.com/office/drawing/2014/main" xmlns="" val="1427391072"/>
+                    <a16:rowId xmlns="" xmlns:a16="http://schemas.microsoft.com/office/drawing/2014/main" val="1427391072"/>
                   </a:ext>
                 </a:extLst>
               </a:tr>
@@ -33709,7 +34388,7 @@
                 </a:tc>
                 <a:extLst>
                   <a:ext uri="{0D108BD9-81ED-4DB2-BD59-A6C34878D82A}">
-                    <a16:rowId xmlns:a16="http://schemas.microsoft.com/office/drawing/2014/main" xmlns="" val="2346539918"/>
+                    <a16:rowId xmlns="" xmlns:a16="http://schemas.microsoft.com/office/drawing/2014/main" val="2346539918"/>
                   </a:ext>
                 </a:extLst>
               </a:tr>
@@ -33918,7 +34597,7 @@
                 </a:tc>
                 <a:extLst>
                   <a:ext uri="{0D108BD9-81ED-4DB2-BD59-A6C34878D82A}">
-                    <a16:rowId xmlns:a16="http://schemas.microsoft.com/office/drawing/2014/main" xmlns="" val="2275483042"/>
+                    <a16:rowId xmlns="" xmlns:a16="http://schemas.microsoft.com/office/drawing/2014/main" val="2275483042"/>
                   </a:ext>
                 </a:extLst>
               </a:tr>
@@ -34127,7 +34806,7 @@
                 </a:tc>
                 <a:extLst>
                   <a:ext uri="{0D108BD9-81ED-4DB2-BD59-A6C34878D82A}">
-                    <a16:rowId xmlns:a16="http://schemas.microsoft.com/office/drawing/2014/main" xmlns="" val="4202569347"/>
+                    <a16:rowId xmlns="" xmlns:a16="http://schemas.microsoft.com/office/drawing/2014/main" val="4202569347"/>
                   </a:ext>
                 </a:extLst>
               </a:tr>
@@ -34336,7 +35015,7 @@
                 </a:tc>
                 <a:extLst>
                   <a:ext uri="{0D108BD9-81ED-4DB2-BD59-A6C34878D82A}">
-                    <a16:rowId xmlns:a16="http://schemas.microsoft.com/office/drawing/2014/main" xmlns="" val="2989839269"/>
+                    <a16:rowId xmlns="" xmlns:a16="http://schemas.microsoft.com/office/drawing/2014/main" val="2989839269"/>
                   </a:ext>
                 </a:extLst>
               </a:tr>
@@ -34545,7 +35224,7 @@
                 </a:tc>
                 <a:extLst>
                   <a:ext uri="{0D108BD9-81ED-4DB2-BD59-A6C34878D82A}">
-                    <a16:rowId xmlns:a16="http://schemas.microsoft.com/office/drawing/2014/main" xmlns="" val="2130545569"/>
+                    <a16:rowId xmlns="" xmlns:a16="http://schemas.microsoft.com/office/drawing/2014/main" val="2130545569"/>
                   </a:ext>
                 </a:extLst>
               </a:tr>
@@ -34754,7 +35433,7 @@
                 </a:tc>
                 <a:extLst>
                   <a:ext uri="{0D108BD9-81ED-4DB2-BD59-A6C34878D82A}">
-                    <a16:rowId xmlns:a16="http://schemas.microsoft.com/office/drawing/2014/main" xmlns="" val="3045796785"/>
+                    <a16:rowId xmlns="" xmlns:a16="http://schemas.microsoft.com/office/drawing/2014/main" val="3045796785"/>
                   </a:ext>
                 </a:extLst>
               </a:tr>
@@ -34963,7 +35642,7 @@
                 </a:tc>
                 <a:extLst>
                   <a:ext uri="{0D108BD9-81ED-4DB2-BD59-A6C34878D82A}">
-                    <a16:rowId xmlns:a16="http://schemas.microsoft.com/office/drawing/2014/main" xmlns="" val="1091494175"/>
+                    <a16:rowId xmlns="" xmlns:a16="http://schemas.microsoft.com/office/drawing/2014/main" val="1091494175"/>
                   </a:ext>
                 </a:extLst>
               </a:tr>
@@ -38935,14 +39614,14 @@
                 <a:gridCol w="957714">
                   <a:extLst>
                     <a:ext uri="{9D8B030D-6E8A-4147-A177-3AD203B41FA5}">
-                      <a16:colId xmlns:a16="http://schemas.microsoft.com/office/drawing/2014/main" xmlns="" val="3940544257"/>
+                      <a16:colId xmlns="" xmlns:a16="http://schemas.microsoft.com/office/drawing/2014/main" val="3940544257"/>
                     </a:ext>
                   </a:extLst>
                 </a:gridCol>
                 <a:gridCol w="2464067">
                   <a:extLst>
                     <a:ext uri="{9D8B030D-6E8A-4147-A177-3AD203B41FA5}">
-                      <a16:colId xmlns:a16="http://schemas.microsoft.com/office/drawing/2014/main" xmlns="" val="3658567973"/>
+                      <a16:colId xmlns="" xmlns:a16="http://schemas.microsoft.com/office/drawing/2014/main" val="3658567973"/>
                     </a:ext>
                   </a:extLst>
                 </a:gridCol>
@@ -38976,7 +39655,7 @@
                 </a:tc>
                 <a:extLst>
                   <a:ext uri="{0D108BD9-81ED-4DB2-BD59-A6C34878D82A}">
-                    <a16:rowId xmlns:a16="http://schemas.microsoft.com/office/drawing/2014/main" xmlns="" val="1032275335"/>
+                    <a16:rowId xmlns="" xmlns:a16="http://schemas.microsoft.com/office/drawing/2014/main" val="1032275335"/>
                   </a:ext>
                 </a:extLst>
               </a:tr>
@@ -39106,7 +39785,7 @@
                 </a:tc>
                 <a:extLst>
                   <a:ext uri="{0D108BD9-81ED-4DB2-BD59-A6C34878D82A}">
-                    <a16:rowId xmlns:a16="http://schemas.microsoft.com/office/drawing/2014/main" xmlns="" val="4191484087"/>
+                    <a16:rowId xmlns="" xmlns:a16="http://schemas.microsoft.com/office/drawing/2014/main" val="4191484087"/>
                   </a:ext>
                 </a:extLst>
               </a:tr>
@@ -39180,7 +39859,7 @@
                 </a:tc>
                 <a:extLst>
                   <a:ext uri="{0D108BD9-81ED-4DB2-BD59-A6C34878D82A}">
-                    <a16:rowId xmlns:a16="http://schemas.microsoft.com/office/drawing/2014/main" xmlns="" val="1864588626"/>
+                    <a16:rowId xmlns="" xmlns:a16="http://schemas.microsoft.com/office/drawing/2014/main" val="1864588626"/>
                   </a:ext>
                 </a:extLst>
               </a:tr>
@@ -39302,7 +39981,7 @@
                 </a:tc>
                 <a:extLst>
                   <a:ext uri="{0D108BD9-81ED-4DB2-BD59-A6C34878D82A}">
-                    <a16:rowId xmlns:a16="http://schemas.microsoft.com/office/drawing/2014/main" xmlns="" val="3035259714"/>
+                    <a16:rowId xmlns="" xmlns:a16="http://schemas.microsoft.com/office/drawing/2014/main" val="3035259714"/>
                   </a:ext>
                 </a:extLst>
               </a:tr>
@@ -39391,7 +40070,7 @@
                 </a:tc>
                 <a:extLst>
                   <a:ext uri="{0D108BD9-81ED-4DB2-BD59-A6C34878D82A}">
-                    <a16:rowId xmlns:a16="http://schemas.microsoft.com/office/drawing/2014/main" xmlns="" val="2023621082"/>
+                    <a16:rowId xmlns="" xmlns:a16="http://schemas.microsoft.com/office/drawing/2014/main" val="2023621082"/>
                   </a:ext>
                 </a:extLst>
               </a:tr>
@@ -39480,7 +40159,7 @@
                 </a:tc>
                 <a:extLst>
                   <a:ext uri="{0D108BD9-81ED-4DB2-BD59-A6C34878D82A}">
-                    <a16:rowId xmlns:a16="http://schemas.microsoft.com/office/drawing/2014/main" xmlns="" val="120016333"/>
+                    <a16:rowId xmlns="" xmlns:a16="http://schemas.microsoft.com/office/drawing/2014/main" val="120016333"/>
                   </a:ext>
                 </a:extLst>
               </a:tr>
@@ -39632,21 +40311,21 @@
                 <a:gridCol w="960120">
                   <a:extLst>
                     <a:ext uri="{9D8B030D-6E8A-4147-A177-3AD203B41FA5}">
-                      <a16:colId xmlns:a16="http://schemas.microsoft.com/office/drawing/2014/main" xmlns="" val="392696932"/>
+                      <a16:colId xmlns="" xmlns:a16="http://schemas.microsoft.com/office/drawing/2014/main" val="392696932"/>
                     </a:ext>
                   </a:extLst>
                 </a:gridCol>
                 <a:gridCol w="2468880">
                   <a:extLst>
                     <a:ext uri="{9D8B030D-6E8A-4147-A177-3AD203B41FA5}">
-                      <a16:colId xmlns:a16="http://schemas.microsoft.com/office/drawing/2014/main" xmlns="" val="2769969192"/>
+                      <a16:colId xmlns="" xmlns:a16="http://schemas.microsoft.com/office/drawing/2014/main" val="2769969192"/>
                     </a:ext>
                   </a:extLst>
                 </a:gridCol>
                 <a:gridCol w="2468880">
                   <a:extLst>
                     <a:ext uri="{9D8B030D-6E8A-4147-A177-3AD203B41FA5}">
-                      <a16:colId xmlns:a16="http://schemas.microsoft.com/office/drawing/2014/main" xmlns="" val="2022610816"/>
+                      <a16:colId xmlns="" xmlns:a16="http://schemas.microsoft.com/office/drawing/2014/main" val="2022610816"/>
                     </a:ext>
                   </a:extLst>
                 </a:gridCol>
@@ -39698,7 +40377,7 @@
                 </a:tc>
                 <a:extLst>
                   <a:ext uri="{0D108BD9-81ED-4DB2-BD59-A6C34878D82A}">
-                    <a16:rowId xmlns:a16="http://schemas.microsoft.com/office/drawing/2014/main" xmlns="" val="2344937666"/>
+                    <a16:rowId xmlns="" xmlns:a16="http://schemas.microsoft.com/office/drawing/2014/main" val="2344937666"/>
                   </a:ext>
                 </a:extLst>
               </a:tr>
@@ -39831,7 +40510,7 @@
                 </a:tc>
                 <a:extLst>
                   <a:ext uri="{0D108BD9-81ED-4DB2-BD59-A6C34878D82A}">
-                    <a16:rowId xmlns:a16="http://schemas.microsoft.com/office/drawing/2014/main" xmlns="" val="1917341330"/>
+                    <a16:rowId xmlns="" xmlns:a16="http://schemas.microsoft.com/office/drawing/2014/main" val="1917341330"/>
                   </a:ext>
                 </a:extLst>
               </a:tr>
@@ -40048,7 +40727,7 @@
                 </a:tc>
                 <a:extLst>
                   <a:ext uri="{0D108BD9-81ED-4DB2-BD59-A6C34878D82A}">
-                    <a16:rowId xmlns:a16="http://schemas.microsoft.com/office/drawing/2014/main" xmlns="" val="3088042860"/>
+                    <a16:rowId xmlns="" xmlns:a16="http://schemas.microsoft.com/office/drawing/2014/main" val="3088042860"/>
                   </a:ext>
                 </a:extLst>
               </a:tr>
@@ -40132,7 +40811,7 @@
                 </a:tc>
                 <a:extLst>
                   <a:ext uri="{0D108BD9-81ED-4DB2-BD59-A6C34878D82A}">
-                    <a16:rowId xmlns:a16="http://schemas.microsoft.com/office/drawing/2014/main" xmlns="" val="2658530722"/>
+                    <a16:rowId xmlns="" xmlns:a16="http://schemas.microsoft.com/office/drawing/2014/main" val="2658530722"/>
                   </a:ext>
                 </a:extLst>
               </a:tr>
@@ -40264,7 +40943,7 @@
                 </a:tc>
                 <a:extLst>
                   <a:ext uri="{0D108BD9-81ED-4DB2-BD59-A6C34878D82A}">
-                    <a16:rowId xmlns:a16="http://schemas.microsoft.com/office/drawing/2014/main" xmlns="" val="1481886367"/>
+                    <a16:rowId xmlns="" xmlns:a16="http://schemas.microsoft.com/office/drawing/2014/main" val="1481886367"/>
                   </a:ext>
                 </a:extLst>
               </a:tr>
@@ -40363,7 +41042,7 @@
                 </a:tc>
                 <a:extLst>
                   <a:ext uri="{0D108BD9-81ED-4DB2-BD59-A6C34878D82A}">
-                    <a16:rowId xmlns:a16="http://schemas.microsoft.com/office/drawing/2014/main" xmlns="" val="4248384778"/>
+                    <a16:rowId xmlns="" xmlns:a16="http://schemas.microsoft.com/office/drawing/2014/main" val="4248384778"/>
                   </a:ext>
                 </a:extLst>
               </a:tr>
@@ -40462,7 +41141,7 @@
                 </a:tc>
                 <a:extLst>
                   <a:ext uri="{0D108BD9-81ED-4DB2-BD59-A6C34878D82A}">
-                    <a16:rowId xmlns:a16="http://schemas.microsoft.com/office/drawing/2014/main" xmlns="" val="1670483340"/>
+                    <a16:rowId xmlns="" xmlns:a16="http://schemas.microsoft.com/office/drawing/2014/main" val="1670483340"/>
                   </a:ext>
                 </a:extLst>
               </a:tr>
@@ -40614,28 +41293,28 @@
                 <a:gridCol w="960120">
                   <a:extLst>
                     <a:ext uri="{9D8B030D-6E8A-4147-A177-3AD203B41FA5}">
-                      <a16:colId xmlns:a16="http://schemas.microsoft.com/office/drawing/2014/main" xmlns="" val="392696932"/>
+                      <a16:colId xmlns="" xmlns:a16="http://schemas.microsoft.com/office/drawing/2014/main" val="392696932"/>
                     </a:ext>
                   </a:extLst>
                 </a:gridCol>
                 <a:gridCol w="2468880">
                   <a:extLst>
                     <a:ext uri="{9D8B030D-6E8A-4147-A177-3AD203B41FA5}">
-                      <a16:colId xmlns:a16="http://schemas.microsoft.com/office/drawing/2014/main" xmlns="" val="2769969192"/>
+                      <a16:colId xmlns="" xmlns:a16="http://schemas.microsoft.com/office/drawing/2014/main" val="2769969192"/>
                     </a:ext>
                   </a:extLst>
                 </a:gridCol>
                 <a:gridCol w="2468880">
                   <a:extLst>
                     <a:ext uri="{9D8B030D-6E8A-4147-A177-3AD203B41FA5}">
-                      <a16:colId xmlns:a16="http://schemas.microsoft.com/office/drawing/2014/main" xmlns="" val="2022610816"/>
+                      <a16:colId xmlns="" xmlns:a16="http://schemas.microsoft.com/office/drawing/2014/main" val="2022610816"/>
                     </a:ext>
                   </a:extLst>
                 </a:gridCol>
                 <a:gridCol w="2468880">
                   <a:extLst>
                     <a:ext uri="{9D8B030D-6E8A-4147-A177-3AD203B41FA5}">
-                      <a16:colId xmlns:a16="http://schemas.microsoft.com/office/drawing/2014/main" xmlns="" val="102813283"/>
+                      <a16:colId xmlns="" xmlns:a16="http://schemas.microsoft.com/office/drawing/2014/main" val="102813283"/>
                     </a:ext>
                   </a:extLst>
                 </a:gridCol>
@@ -40700,7 +41379,7 @@
                 </a:tc>
                 <a:extLst>
                   <a:ext uri="{0D108BD9-81ED-4DB2-BD59-A6C34878D82A}">
-                    <a16:rowId xmlns:a16="http://schemas.microsoft.com/office/drawing/2014/main" xmlns="" val="2344937666"/>
+                    <a16:rowId xmlns="" xmlns:a16="http://schemas.microsoft.com/office/drawing/2014/main" val="2344937666"/>
                   </a:ext>
                 </a:extLst>
               </a:tr>
@@ -40860,7 +41539,7 @@
                 </a:tc>
                 <a:extLst>
                   <a:ext uri="{0D108BD9-81ED-4DB2-BD59-A6C34878D82A}">
-                    <a16:rowId xmlns:a16="http://schemas.microsoft.com/office/drawing/2014/main" xmlns="" val="1917341330"/>
+                    <a16:rowId xmlns="" xmlns:a16="http://schemas.microsoft.com/office/drawing/2014/main" val="1917341330"/>
                   </a:ext>
                 </a:extLst>
               </a:tr>
@@ -41164,7 +41843,7 @@
                 </a:tc>
                 <a:extLst>
                   <a:ext uri="{0D108BD9-81ED-4DB2-BD59-A6C34878D82A}">
-                    <a16:rowId xmlns:a16="http://schemas.microsoft.com/office/drawing/2014/main" xmlns="" val="3088042860"/>
+                    <a16:rowId xmlns="" xmlns:a16="http://schemas.microsoft.com/office/drawing/2014/main" val="3088042860"/>
                   </a:ext>
                 </a:extLst>
               </a:tr>
@@ -41258,7 +41937,7 @@
                 </a:tc>
                 <a:extLst>
                   <a:ext uri="{0D108BD9-81ED-4DB2-BD59-A6C34878D82A}">
-                    <a16:rowId xmlns:a16="http://schemas.microsoft.com/office/drawing/2014/main" xmlns="" val="2658530722"/>
+                    <a16:rowId xmlns="" xmlns:a16="http://schemas.microsoft.com/office/drawing/2014/main" val="2658530722"/>
                   </a:ext>
                 </a:extLst>
               </a:tr>
@@ -41451,7 +42130,7 @@
                 </a:tc>
                 <a:extLst>
                   <a:ext uri="{0D108BD9-81ED-4DB2-BD59-A6C34878D82A}">
-                    <a16:rowId xmlns:a16="http://schemas.microsoft.com/office/drawing/2014/main" xmlns="" val="1481886367"/>
+                    <a16:rowId xmlns="" xmlns:a16="http://schemas.microsoft.com/office/drawing/2014/main" val="1481886367"/>
                   </a:ext>
                 </a:extLst>
               </a:tr>
@@ -41560,7 +42239,7 @@
                 </a:tc>
                 <a:extLst>
                   <a:ext uri="{0D108BD9-81ED-4DB2-BD59-A6C34878D82A}">
-                    <a16:rowId xmlns:a16="http://schemas.microsoft.com/office/drawing/2014/main" xmlns="" val="4248384778"/>
+                    <a16:rowId xmlns="" xmlns:a16="http://schemas.microsoft.com/office/drawing/2014/main" val="4248384778"/>
                   </a:ext>
                 </a:extLst>
               </a:tr>
@@ -41669,7 +42348,7 @@
                 </a:tc>
                 <a:extLst>
                   <a:ext uri="{0D108BD9-81ED-4DB2-BD59-A6C34878D82A}">
-                    <a16:rowId xmlns:a16="http://schemas.microsoft.com/office/drawing/2014/main" xmlns="" val="1670483340"/>
+                    <a16:rowId xmlns="" xmlns:a16="http://schemas.microsoft.com/office/drawing/2014/main" val="1670483340"/>
                   </a:ext>
                 </a:extLst>
               </a:tr>
@@ -42727,14 +43406,14 @@
                 <a:gridCol w="934278">
                   <a:extLst>
                     <a:ext uri="{9D8B030D-6E8A-4147-A177-3AD203B41FA5}">
-                      <a16:colId xmlns:a16="http://schemas.microsoft.com/office/drawing/2014/main" xmlns="" val="4198655800"/>
+                      <a16:colId xmlns="" xmlns:a16="http://schemas.microsoft.com/office/drawing/2014/main" val="4198655800"/>
                     </a:ext>
                   </a:extLst>
                 </a:gridCol>
                 <a:gridCol w="7295322">
                   <a:extLst>
                     <a:ext uri="{9D8B030D-6E8A-4147-A177-3AD203B41FA5}">
-                      <a16:colId xmlns:a16="http://schemas.microsoft.com/office/drawing/2014/main" xmlns="" val="135413862"/>
+                      <a16:colId xmlns="" xmlns:a16="http://schemas.microsoft.com/office/drawing/2014/main" val="135413862"/>
                     </a:ext>
                   </a:extLst>
                 </a:gridCol>
@@ -42768,7 +43447,7 @@
                 </a:tc>
                 <a:extLst>
                   <a:ext uri="{0D108BD9-81ED-4DB2-BD59-A6C34878D82A}">
-                    <a16:rowId xmlns:a16="http://schemas.microsoft.com/office/drawing/2014/main" xmlns="" val="3068323444"/>
+                    <a16:rowId xmlns="" xmlns:a16="http://schemas.microsoft.com/office/drawing/2014/main" val="3068323444"/>
                   </a:ext>
                 </a:extLst>
               </a:tr>
@@ -42801,7 +43480,7 @@
                 </a:tc>
                 <a:extLst>
                   <a:ext uri="{0D108BD9-81ED-4DB2-BD59-A6C34878D82A}">
-                    <a16:rowId xmlns:a16="http://schemas.microsoft.com/office/drawing/2014/main" xmlns="" val="1586961909"/>
+                    <a16:rowId xmlns="" xmlns:a16="http://schemas.microsoft.com/office/drawing/2014/main" val="1586961909"/>
                   </a:ext>
                 </a:extLst>
               </a:tr>
@@ -42839,7 +43518,7 @@
                 </a:tc>
                 <a:extLst>
                   <a:ext uri="{0D108BD9-81ED-4DB2-BD59-A6C34878D82A}">
-                    <a16:rowId xmlns:a16="http://schemas.microsoft.com/office/drawing/2014/main" xmlns="" val="2280300197"/>
+                    <a16:rowId xmlns="" xmlns:a16="http://schemas.microsoft.com/office/drawing/2014/main" val="2280300197"/>
                   </a:ext>
                 </a:extLst>
               </a:tr>
@@ -42877,7 +43556,7 @@
                 </a:tc>
                 <a:extLst>
                   <a:ext uri="{0D108BD9-81ED-4DB2-BD59-A6C34878D82A}">
-                    <a16:rowId xmlns:a16="http://schemas.microsoft.com/office/drawing/2014/main" xmlns="" val="1192843310"/>
+                    <a16:rowId xmlns="" xmlns:a16="http://schemas.microsoft.com/office/drawing/2014/main" val="1192843310"/>
                   </a:ext>
                 </a:extLst>
               </a:tr>
@@ -42915,7 +43594,7 @@
                 </a:tc>
                 <a:extLst>
                   <a:ext uri="{0D108BD9-81ED-4DB2-BD59-A6C34878D82A}">
-                    <a16:rowId xmlns:a16="http://schemas.microsoft.com/office/drawing/2014/main" xmlns="" val="2620585158"/>
+                    <a16:rowId xmlns="" xmlns:a16="http://schemas.microsoft.com/office/drawing/2014/main" val="2620585158"/>
                   </a:ext>
                 </a:extLst>
               </a:tr>
@@ -42948,7 +43627,7 @@
                 </a:tc>
                 <a:extLst>
                   <a:ext uri="{0D108BD9-81ED-4DB2-BD59-A6C34878D82A}">
-                    <a16:rowId xmlns:a16="http://schemas.microsoft.com/office/drawing/2014/main" xmlns="" val="1697738616"/>
+                    <a16:rowId xmlns="" xmlns:a16="http://schemas.microsoft.com/office/drawing/2014/main" val="1697738616"/>
                   </a:ext>
                 </a:extLst>
               </a:tr>
@@ -42986,7 +43665,7 @@
                 </a:tc>
                 <a:extLst>
                   <a:ext uri="{0D108BD9-81ED-4DB2-BD59-A6C34878D82A}">
-                    <a16:rowId xmlns:a16="http://schemas.microsoft.com/office/drawing/2014/main" xmlns="" val="316611556"/>
+                    <a16:rowId xmlns="" xmlns:a16="http://schemas.microsoft.com/office/drawing/2014/main" val="316611556"/>
                   </a:ext>
                 </a:extLst>
               </a:tr>
@@ -43019,7 +43698,7 @@
                 </a:tc>
                 <a:extLst>
                   <a:ext uri="{0D108BD9-81ED-4DB2-BD59-A6C34878D82A}">
-                    <a16:rowId xmlns:a16="http://schemas.microsoft.com/office/drawing/2014/main" xmlns="" val="1312814102"/>
+                    <a16:rowId xmlns="" xmlns:a16="http://schemas.microsoft.com/office/drawing/2014/main" val="1312814102"/>
                   </a:ext>
                 </a:extLst>
               </a:tr>
@@ -43052,7 +43731,7 @@
                 </a:tc>
                 <a:extLst>
                   <a:ext uri="{0D108BD9-81ED-4DB2-BD59-A6C34878D82A}">
-                    <a16:rowId xmlns:a16="http://schemas.microsoft.com/office/drawing/2014/main" xmlns="" val="1975533996"/>
+                    <a16:rowId xmlns="" xmlns:a16="http://schemas.microsoft.com/office/drawing/2014/main" val="1975533996"/>
                   </a:ext>
                 </a:extLst>
               </a:tr>
@@ -43085,7 +43764,7 @@
                 </a:tc>
                 <a:extLst>
                   <a:ext uri="{0D108BD9-81ED-4DB2-BD59-A6C34878D82A}">
-                    <a16:rowId xmlns:a16="http://schemas.microsoft.com/office/drawing/2014/main" xmlns="" val="2759032957"/>
+                    <a16:rowId xmlns="" xmlns:a16="http://schemas.microsoft.com/office/drawing/2014/main" val="2759032957"/>
                   </a:ext>
                 </a:extLst>
               </a:tr>
@@ -43181,14 +43860,14 @@
                 <a:gridCol w="934278">
                   <a:extLst>
                     <a:ext uri="{9D8B030D-6E8A-4147-A177-3AD203B41FA5}">
-                      <a16:colId xmlns:a16="http://schemas.microsoft.com/office/drawing/2014/main" xmlns="" val="4198655800"/>
+                      <a16:colId xmlns="" xmlns:a16="http://schemas.microsoft.com/office/drawing/2014/main" val="4198655800"/>
                     </a:ext>
                   </a:extLst>
                 </a:gridCol>
                 <a:gridCol w="7295322">
                   <a:extLst>
                     <a:ext uri="{9D8B030D-6E8A-4147-A177-3AD203B41FA5}">
-                      <a16:colId xmlns:a16="http://schemas.microsoft.com/office/drawing/2014/main" xmlns="" val="135413862"/>
+                      <a16:colId xmlns="" xmlns:a16="http://schemas.microsoft.com/office/drawing/2014/main" val="135413862"/>
                     </a:ext>
                   </a:extLst>
                 </a:gridCol>
@@ -43222,7 +43901,7 @@
                 </a:tc>
                 <a:extLst>
                   <a:ext uri="{0D108BD9-81ED-4DB2-BD59-A6C34878D82A}">
-                    <a16:rowId xmlns:a16="http://schemas.microsoft.com/office/drawing/2014/main" xmlns="" val="3068323444"/>
+                    <a16:rowId xmlns="" xmlns:a16="http://schemas.microsoft.com/office/drawing/2014/main" val="3068323444"/>
                   </a:ext>
                 </a:extLst>
               </a:tr>
@@ -43255,7 +43934,7 @@
                 </a:tc>
                 <a:extLst>
                   <a:ext uri="{0D108BD9-81ED-4DB2-BD59-A6C34878D82A}">
-                    <a16:rowId xmlns:a16="http://schemas.microsoft.com/office/drawing/2014/main" xmlns="" val="2484981654"/>
+                    <a16:rowId xmlns="" xmlns:a16="http://schemas.microsoft.com/office/drawing/2014/main" val="2484981654"/>
                   </a:ext>
                 </a:extLst>
               </a:tr>
@@ -43293,7 +43972,7 @@
                 </a:tc>
                 <a:extLst>
                   <a:ext uri="{0D108BD9-81ED-4DB2-BD59-A6C34878D82A}">
-                    <a16:rowId xmlns:a16="http://schemas.microsoft.com/office/drawing/2014/main" xmlns="" val="1377910784"/>
+                    <a16:rowId xmlns="" xmlns:a16="http://schemas.microsoft.com/office/drawing/2014/main" val="1377910784"/>
                   </a:ext>
                 </a:extLst>
               </a:tr>
@@ -43326,7 +44005,7 @@
                 </a:tc>
                 <a:extLst>
                   <a:ext uri="{0D108BD9-81ED-4DB2-BD59-A6C34878D82A}">
-                    <a16:rowId xmlns:a16="http://schemas.microsoft.com/office/drawing/2014/main" xmlns="" val="1387856053"/>
+                    <a16:rowId xmlns="" xmlns:a16="http://schemas.microsoft.com/office/drawing/2014/main" val="1387856053"/>
                   </a:ext>
                 </a:extLst>
               </a:tr>
@@ -43364,7 +44043,7 @@
                 </a:tc>
                 <a:extLst>
                   <a:ext uri="{0D108BD9-81ED-4DB2-BD59-A6C34878D82A}">
-                    <a16:rowId xmlns:a16="http://schemas.microsoft.com/office/drawing/2014/main" xmlns="" val="2599123823"/>
+                    <a16:rowId xmlns="" xmlns:a16="http://schemas.microsoft.com/office/drawing/2014/main" val="2599123823"/>
                   </a:ext>
                 </a:extLst>
               </a:tr>
@@ -43405,7 +44084,7 @@
                 </a:tc>
                 <a:extLst>
                   <a:ext uri="{0D108BD9-81ED-4DB2-BD59-A6C34878D82A}">
-                    <a16:rowId xmlns:a16="http://schemas.microsoft.com/office/drawing/2014/main" xmlns="" val="1232603862"/>
+                    <a16:rowId xmlns="" xmlns:a16="http://schemas.microsoft.com/office/drawing/2014/main" val="1232603862"/>
                   </a:ext>
                 </a:extLst>
               </a:tr>
@@ -43438,7 +44117,7 @@
                 </a:tc>
                 <a:extLst>
                   <a:ext uri="{0D108BD9-81ED-4DB2-BD59-A6C34878D82A}">
-                    <a16:rowId xmlns:a16="http://schemas.microsoft.com/office/drawing/2014/main" xmlns="" val="4145944521"/>
+                    <a16:rowId xmlns="" xmlns:a16="http://schemas.microsoft.com/office/drawing/2014/main" val="4145944521"/>
                   </a:ext>
                 </a:extLst>
               </a:tr>
@@ -43476,7 +44155,7 @@
                 </a:tc>
                 <a:extLst>
                   <a:ext uri="{0D108BD9-81ED-4DB2-BD59-A6C34878D82A}">
-                    <a16:rowId xmlns:a16="http://schemas.microsoft.com/office/drawing/2014/main" xmlns="" val="2954677722"/>
+                    <a16:rowId xmlns="" xmlns:a16="http://schemas.microsoft.com/office/drawing/2014/main" val="2954677722"/>
                   </a:ext>
                 </a:extLst>
               </a:tr>
@@ -43509,7 +44188,7 @@
                 </a:tc>
                 <a:extLst>
                   <a:ext uri="{0D108BD9-81ED-4DB2-BD59-A6C34878D82A}">
-                    <a16:rowId xmlns:a16="http://schemas.microsoft.com/office/drawing/2014/main" xmlns="" val="205903975"/>
+                    <a16:rowId xmlns="" xmlns:a16="http://schemas.microsoft.com/office/drawing/2014/main" val="205903975"/>
                   </a:ext>
                 </a:extLst>
               </a:tr>
@@ -43542,7 +44221,7 @@
                 </a:tc>
                 <a:extLst>
                   <a:ext uri="{0D108BD9-81ED-4DB2-BD59-A6C34878D82A}">
-                    <a16:rowId xmlns:a16="http://schemas.microsoft.com/office/drawing/2014/main" xmlns="" val="2893595017"/>
+                    <a16:rowId xmlns="" xmlns:a16="http://schemas.microsoft.com/office/drawing/2014/main" val="2893595017"/>
                   </a:ext>
                 </a:extLst>
               </a:tr>
@@ -43575,7 +44254,7 @@
                 </a:tc>
                 <a:extLst>
                   <a:ext uri="{0D108BD9-81ED-4DB2-BD59-A6C34878D82A}">
-                    <a16:rowId xmlns:a16="http://schemas.microsoft.com/office/drawing/2014/main" xmlns="" val="2337380595"/>
+                    <a16:rowId xmlns="" xmlns:a16="http://schemas.microsoft.com/office/drawing/2014/main" val="2337380595"/>
                   </a:ext>
                 </a:extLst>
               </a:tr>

--- a/Optimizer.pptx
+++ b/Optimizer.pptx
@@ -30,28 +30,28 @@
     <p:sldId id="331" r:id="rId21"/>
     <p:sldId id="276" r:id="rId22"/>
     <p:sldId id="277" r:id="rId23"/>
-    <p:sldId id="296" r:id="rId24"/>
-    <p:sldId id="325" r:id="rId25"/>
-    <p:sldId id="324" r:id="rId26"/>
-    <p:sldId id="280" r:id="rId27"/>
-    <p:sldId id="329" r:id="rId28"/>
-    <p:sldId id="281" r:id="rId29"/>
-    <p:sldId id="327" r:id="rId30"/>
-    <p:sldId id="326" r:id="rId31"/>
+    <p:sldId id="280" r:id="rId24"/>
+    <p:sldId id="329" r:id="rId25"/>
+    <p:sldId id="281" r:id="rId26"/>
+    <p:sldId id="327" r:id="rId27"/>
+    <p:sldId id="326" r:id="rId28"/>
+    <p:sldId id="296" r:id="rId29"/>
+    <p:sldId id="325" r:id="rId30"/>
+    <p:sldId id="324" r:id="rId31"/>
     <p:sldId id="282" r:id="rId32"/>
-    <p:sldId id="287" r:id="rId33"/>
-    <p:sldId id="289" r:id="rId34"/>
-    <p:sldId id="291" r:id="rId35"/>
-    <p:sldId id="292" r:id="rId36"/>
-    <p:sldId id="293" r:id="rId37"/>
-    <p:sldId id="290" r:id="rId38"/>
-    <p:sldId id="283" r:id="rId39"/>
-    <p:sldId id="284" r:id="rId40"/>
-    <p:sldId id="315" r:id="rId41"/>
-    <p:sldId id="314" r:id="rId42"/>
-    <p:sldId id="298" r:id="rId43"/>
-    <p:sldId id="288" r:id="rId44"/>
-    <p:sldId id="286" r:id="rId45"/>
+    <p:sldId id="332" r:id="rId33"/>
+    <p:sldId id="287" r:id="rId34"/>
+    <p:sldId id="289" r:id="rId35"/>
+    <p:sldId id="291" r:id="rId36"/>
+    <p:sldId id="292" r:id="rId37"/>
+    <p:sldId id="293" r:id="rId38"/>
+    <p:sldId id="290" r:id="rId39"/>
+    <p:sldId id="283" r:id="rId40"/>
+    <p:sldId id="284" r:id="rId41"/>
+    <p:sldId id="315" r:id="rId42"/>
+    <p:sldId id="314" r:id="rId43"/>
+    <p:sldId id="298" r:id="rId44"/>
+    <p:sldId id="288" r:id="rId45"/>
     <p:sldId id="294" r:id="rId46"/>
     <p:sldId id="295" r:id="rId47"/>
     <p:sldId id="307" r:id="rId48"/>
@@ -268,7 +268,7 @@
           <a:p>
             <a:fld id="{2EDCB34D-5EC2-4739-9693-E425457AC201}" type="datetimeFigureOut">
               <a:rPr lang="en-US" smtClean="0"/>
-              <a:t>10/2/2016</a:t>
+              <a:t>10/04/2016</a:t>
             </a:fld>
             <a:endParaRPr lang="en-US"/>
           </a:p>
@@ -671,23 +671,6 @@
           <a:bodyPr/>
           <a:lstStyle/>
           <a:p>
-            <a:r>
-              <a:rPr lang="en-US" dirty="0"/>
-              <a:t>After</a:t>
-            </a:r>
-            <a:r>
-              <a:rPr lang="en-US" baseline="0" dirty="0"/>
-              <a:t> this slide, type in a demo!</a:t>
-            </a:r>
-          </a:p>
-          <a:p>
-            <a:endParaRPr lang="en-US" baseline="0" dirty="0"/>
-          </a:p>
-          <a:p>
-            <a:r>
-              <a:rPr lang="en-US" baseline="0" dirty="0"/>
-              <a:t>Then run through Parse Trees demo script.</a:t>
-            </a:r>
             <a:endParaRPr lang="en-US" dirty="0"/>
           </a:p>
         </p:txBody>
@@ -709,7 +692,7 @@
           <a:p>
             <a:fld id="{ADDBA41D-AE03-4F1C-B074-B56312AFAE46}" type="slidenum">
               <a:rPr lang="en-US" smtClean="0"/>
-              <a:t>24</a:t>
+              <a:t>25</a:t>
             </a:fld>
             <a:endParaRPr lang="en-US"/>
           </a:p>
@@ -718,7 +701,7 @@
     </p:spTree>
     <p:extLst>
       <p:ext uri="{BB962C8B-B14F-4D97-AF65-F5344CB8AC3E}">
-        <p14:creationId xmlns:p14="http://schemas.microsoft.com/office/powerpoint/2010/main" val="506269797"/>
+        <p14:creationId xmlns:p14="http://schemas.microsoft.com/office/powerpoint/2010/main" val="2197873287"/>
       </p:ext>
     </p:extLst>
   </p:cSld>
@@ -772,23 +755,6 @@
           <a:bodyPr/>
           <a:lstStyle/>
           <a:p>
-            <a:r>
-              <a:rPr lang="en-US" dirty="0"/>
-              <a:t>After</a:t>
-            </a:r>
-            <a:r>
-              <a:rPr lang="en-US" baseline="0" dirty="0"/>
-              <a:t> this slide, type in a demo!</a:t>
-            </a:r>
-          </a:p>
-          <a:p>
-            <a:endParaRPr lang="en-US" baseline="0" dirty="0"/>
-          </a:p>
-          <a:p>
-            <a:r>
-              <a:rPr lang="en-US" baseline="0" dirty="0"/>
-              <a:t>Then run through Parse Trees demo script.</a:t>
-            </a:r>
             <a:endParaRPr lang="en-US" dirty="0"/>
           </a:p>
         </p:txBody>
@@ -810,7 +776,7 @@
           <a:p>
             <a:fld id="{ADDBA41D-AE03-4F1C-B074-B56312AFAE46}" type="slidenum">
               <a:rPr lang="en-US" smtClean="0"/>
-              <a:t>25</a:t>
+              <a:t>26</a:t>
             </a:fld>
             <a:endParaRPr lang="en-US"/>
           </a:p>
@@ -819,7 +785,7 @@
     </p:spTree>
     <p:extLst>
       <p:ext uri="{BB962C8B-B14F-4D97-AF65-F5344CB8AC3E}">
-        <p14:creationId xmlns:p14="http://schemas.microsoft.com/office/powerpoint/2010/main" val="883350520"/>
+        <p14:creationId xmlns:p14="http://schemas.microsoft.com/office/powerpoint/2010/main" val="474815554"/>
       </p:ext>
     </p:extLst>
   </p:cSld>
@@ -873,6 +839,34 @@
           <a:bodyPr/>
           <a:lstStyle/>
           <a:p>
+            <a:r>
+              <a:rPr lang="en-US" dirty="0"/>
+              <a:t>Constant folding refers to pre-computing as much of an expression as possible, for example: 2 * pi() * radius</a:t>
+            </a:r>
+            <a:r>
+              <a:rPr lang="en-US" baseline="0" dirty="0"/>
+              <a:t> =&gt; 6.28319 * radius</a:t>
+            </a:r>
+            <a:endParaRPr lang="en-US" dirty="0"/>
+          </a:p>
+          <a:p>
+            <a:r>
+              <a:rPr lang="en-US" dirty="0"/>
+              <a:t>As an</a:t>
+            </a:r>
+            <a:r>
+              <a:rPr lang="en-US" baseline="0" dirty="0"/>
+              <a:t> example, data type resolution with the UNION operator will ensure that data types between the upper expression are compatible with the lower expression.</a:t>
+            </a:r>
+          </a:p>
+          <a:p>
+            <a:r>
+              <a:rPr lang="en-US" baseline="0" dirty="0"/>
+              <a:t>Aggregate binding checks if invalid columns are referenced downstream of the GROUP BY logical processing step.</a:t>
+            </a:r>
+            <a:endParaRPr lang="en-US" dirty="0"/>
+          </a:p>
+          <a:p>
             <a:endParaRPr lang="en-US" dirty="0"/>
           </a:p>
         </p:txBody>
@@ -894,7 +888,7 @@
           <a:p>
             <a:fld id="{ADDBA41D-AE03-4F1C-B074-B56312AFAE46}" type="slidenum">
               <a:rPr lang="en-US" smtClean="0"/>
-              <a:t>28</a:t>
+              <a:t>27</a:t>
             </a:fld>
             <a:endParaRPr lang="en-US"/>
           </a:p>
@@ -903,7 +897,7 @@
     </p:spTree>
     <p:extLst>
       <p:ext uri="{BB962C8B-B14F-4D97-AF65-F5344CB8AC3E}">
-        <p14:creationId xmlns:p14="http://schemas.microsoft.com/office/powerpoint/2010/main" val="2197873287"/>
+        <p14:creationId xmlns:p14="http://schemas.microsoft.com/office/powerpoint/2010/main" val="2174138734"/>
       </p:ext>
     </p:extLst>
   </p:cSld>
@@ -957,6 +951,23 @@
           <a:bodyPr/>
           <a:lstStyle/>
           <a:p>
+            <a:r>
+              <a:rPr lang="en-US" dirty="0"/>
+              <a:t>After</a:t>
+            </a:r>
+            <a:r>
+              <a:rPr lang="en-US" baseline="0" dirty="0"/>
+              <a:t> this slide, type in a demo!</a:t>
+            </a:r>
+          </a:p>
+          <a:p>
+            <a:endParaRPr lang="en-US" baseline="0" dirty="0"/>
+          </a:p>
+          <a:p>
+            <a:r>
+              <a:rPr lang="en-US" baseline="0" dirty="0"/>
+              <a:t>Then run through Parse Trees demo script.</a:t>
+            </a:r>
             <a:endParaRPr lang="en-US" dirty="0"/>
           </a:p>
         </p:txBody>
@@ -987,7 +998,7 @@
     </p:spTree>
     <p:extLst>
       <p:ext uri="{BB962C8B-B14F-4D97-AF65-F5344CB8AC3E}">
-        <p14:creationId xmlns:p14="http://schemas.microsoft.com/office/powerpoint/2010/main" val="474815554"/>
+        <p14:creationId xmlns:p14="http://schemas.microsoft.com/office/powerpoint/2010/main" val="506269797"/>
       </p:ext>
     </p:extLst>
   </p:cSld>
@@ -1043,32 +1054,21 @@
           <a:p>
             <a:r>
               <a:rPr lang="en-US" dirty="0"/>
-              <a:t>Constant folding refers to pre-computing as much of an expression as possible, for example: 2 * pi() * radius</a:t>
+              <a:t>After</a:t>
             </a:r>
             <a:r>
               <a:rPr lang="en-US" baseline="0" dirty="0"/>
-              <a:t> =&gt; 6.28319 * radius</a:t>
-            </a:r>
-            <a:endParaRPr lang="en-US" dirty="0"/>
-          </a:p>
-          <a:p>
-            <a:r>
-              <a:rPr lang="en-US" dirty="0"/>
-              <a:t>As an</a:t>
-            </a:r>
+              <a:t> this slide, type in a demo!</a:t>
+            </a:r>
+          </a:p>
+          <a:p>
+            <a:endParaRPr lang="en-US" baseline="0" dirty="0"/>
+          </a:p>
+          <a:p>
             <a:r>
               <a:rPr lang="en-US" baseline="0" dirty="0"/>
-              <a:t> example, data type resolution with the UNION operator will ensure that data types between the upper expression are compatible with the lower expression.</a:t>
-            </a:r>
-          </a:p>
-          <a:p>
-            <a:r>
-              <a:rPr lang="en-US" baseline="0" dirty="0"/>
-              <a:t>Aggregate binding checks if invalid columns are referenced downstream of the GROUP BY logical processing step.</a:t>
-            </a:r>
-            <a:endParaRPr lang="en-US" dirty="0"/>
-          </a:p>
-          <a:p>
+              <a:t>Then run through Parse Trees demo script.</a:t>
+            </a:r>
             <a:endParaRPr lang="en-US" dirty="0"/>
           </a:p>
         </p:txBody>
@@ -1099,7 +1099,7 @@
     </p:spTree>
     <p:extLst>
       <p:ext uri="{BB962C8B-B14F-4D97-AF65-F5344CB8AC3E}">
-        <p14:creationId xmlns:p14="http://schemas.microsoft.com/office/powerpoint/2010/main" val="2174138734"/>
+        <p14:creationId xmlns:p14="http://schemas.microsoft.com/office/powerpoint/2010/main" val="883350520"/>
       </p:ext>
     </p:extLst>
   </p:cSld>
@@ -1270,13 +1270,36 @@
           <a:p>
             <a:r>
               <a:rPr lang="en-US" dirty="0"/>
-              <a:t>Point out that in reality, there will be fewer than 25,920 plans because of logical</a:t>
+              <a:t>A trivial plan is one which can only be executed</a:t>
             </a:r>
             <a:r>
               <a:rPr lang="en-US" baseline="0" dirty="0"/>
-              <a:t> limitations.  For instance, if a join condition is not an equality, a merge join and hash join are not possible.</a:t>
-            </a:r>
-            <a:endParaRPr lang="en-US" dirty="0"/>
+              <a:t> in one possible way.  A common example is select * from table, or select * from table where col = value (if there are no index on “col”).  The query can be relatively complex, but only contain one table.  Having a subquery or a an inequality predicate automatically make the query non-trivial.  Trivial plans can be avoided using TF8757.</a:t>
+            </a:r>
+          </a:p>
+          <a:p>
+            <a:endParaRPr lang="en-US" baseline="0" dirty="0"/>
+          </a:p>
+          <a:p>
+            <a:r>
+              <a:rPr lang="en-US" baseline="0" dirty="0"/>
+              <a:t>The Optimization Level property on a query plan will be “Trivial” or “Full”</a:t>
+            </a:r>
+          </a:p>
+          <a:p>
+            <a:endParaRPr lang="en-US" baseline="0" dirty="0"/>
+          </a:p>
+          <a:p>
+            <a:r>
+              <a:rPr lang="en-US" baseline="0" dirty="0"/>
+              <a:t>The concept of Statistics and Cardinality Estimation is a complex topic to itself.  It is important to note that the CE underwent a significant re-write starting in SQL Server 2014 which can lead to very different plans being selected.</a:t>
+            </a:r>
+          </a:p>
+          <a:p>
+            <a:endParaRPr lang="en-US" baseline="0" dirty="0"/>
+          </a:p>
+          <a:p>
+            <a:endParaRPr lang="en-US" baseline="0" dirty="0"/>
           </a:p>
         </p:txBody>
       </p:sp>
@@ -1297,7 +1320,7 @@
           <a:p>
             <a:fld id="{ADDBA41D-AE03-4F1C-B074-B56312AFAE46}" type="slidenum">
               <a:rPr lang="en-US" smtClean="0"/>
-              <a:t>37</a:t>
+              <a:t>32</a:t>
             </a:fld>
             <a:endParaRPr lang="en-US"/>
           </a:p>
@@ -1306,7 +1329,7 @@
     </p:spTree>
     <p:extLst>
       <p:ext uri="{BB962C8B-B14F-4D97-AF65-F5344CB8AC3E}">
-        <p14:creationId xmlns:p14="http://schemas.microsoft.com/office/powerpoint/2010/main" val="1734029549"/>
+        <p14:creationId xmlns:p14="http://schemas.microsoft.com/office/powerpoint/2010/main" val="1260182041"/>
       </p:ext>
     </p:extLst>
   </p:cSld>
@@ -1360,6 +1383,14 @@
           <a:bodyPr/>
           <a:lstStyle/>
           <a:p>
+            <a:r>
+              <a:rPr lang="en-US" dirty="0"/>
+              <a:t>Point out that in reality, there will be fewer than 25,920 plans because of logical</a:t>
+            </a:r>
+            <a:r>
+              <a:rPr lang="en-US" baseline="0" dirty="0"/>
+              <a:t> limitations.  For instance, if a join condition is not an equality, a merge join and hash join are not possible.</a:t>
+            </a:r>
             <a:endParaRPr lang="en-US" dirty="0"/>
           </a:p>
         </p:txBody>
@@ -1381,7 +1412,7 @@
           <a:p>
             <a:fld id="{ADDBA41D-AE03-4F1C-B074-B56312AFAE46}" type="slidenum">
               <a:rPr lang="en-US" smtClean="0"/>
-              <a:t>39</a:t>
+              <a:t>38</a:t>
             </a:fld>
             <a:endParaRPr lang="en-US"/>
           </a:p>
@@ -1390,7 +1421,7 @@
     </p:spTree>
     <p:extLst>
       <p:ext uri="{BB962C8B-B14F-4D97-AF65-F5344CB8AC3E}">
-        <p14:creationId xmlns:p14="http://schemas.microsoft.com/office/powerpoint/2010/main" val="1929112360"/>
+        <p14:creationId xmlns:p14="http://schemas.microsoft.com/office/powerpoint/2010/main" val="1734029549"/>
       </p:ext>
     </p:extLst>
   </p:cSld>
@@ -1444,14 +1475,6 @@
           <a:bodyPr/>
           <a:lstStyle/>
           <a:p>
-            <a:r>
-              <a:rPr lang="en-US" dirty="0"/>
-              <a:t>Gain will have a value from 0 to 1, where 0 means no improvement,</a:t>
-            </a:r>
-            <a:r>
-              <a:rPr lang="en-US" baseline="0" dirty="0"/>
-              <a:t> and values approaching 1 indicate significant improvement.</a:t>
-            </a:r>
             <a:endParaRPr lang="en-US" dirty="0"/>
           </a:p>
         </p:txBody>
@@ -1473,7 +1496,7 @@
           <a:p>
             <a:fld id="{ADDBA41D-AE03-4F1C-B074-B56312AFAE46}" type="slidenum">
               <a:rPr lang="en-US" smtClean="0"/>
-              <a:t>41</a:t>
+              <a:t>40</a:t>
             </a:fld>
             <a:endParaRPr lang="en-US"/>
           </a:p>
@@ -1482,7 +1505,7 @@
     </p:spTree>
     <p:extLst>
       <p:ext uri="{BB962C8B-B14F-4D97-AF65-F5344CB8AC3E}">
-        <p14:creationId xmlns:p14="http://schemas.microsoft.com/office/powerpoint/2010/main" val="194171185"/>
+        <p14:creationId xmlns:p14="http://schemas.microsoft.com/office/powerpoint/2010/main" val="1929112360"/>
       </p:ext>
     </p:extLst>
   </p:cSld>
@@ -1538,11 +1561,11 @@
           <a:p>
             <a:r>
               <a:rPr lang="en-US" dirty="0"/>
-              <a:t>Show</a:t>
+              <a:t>Gain will have a value from 0 to 1, where 0 means no improvement,</a:t>
             </a:r>
             <a:r>
               <a:rPr lang="en-US" baseline="0" dirty="0"/>
-              <a:t> BOL for this DMV, then show 2005 version of BOL.</a:t>
+              <a:t> and values approaching 1 indicate significant improvement.</a:t>
             </a:r>
             <a:endParaRPr lang="en-US" dirty="0"/>
           </a:p>
@@ -1574,7 +1597,7 @@
     </p:spTree>
     <p:extLst>
       <p:ext uri="{BB962C8B-B14F-4D97-AF65-F5344CB8AC3E}">
-        <p14:creationId xmlns:p14="http://schemas.microsoft.com/office/powerpoint/2010/main" val="584843494"/>
+        <p14:creationId xmlns:p14="http://schemas.microsoft.com/office/powerpoint/2010/main" val="194171185"/>
       </p:ext>
     </p:extLst>
   </p:cSld>
@@ -1722,47 +1745,11 @@
           <a:p>
             <a:r>
               <a:rPr lang="en-US" dirty="0"/>
-              <a:t>Where the simplification rules really come into play is</a:t>
+              <a:t>Show</a:t>
             </a:r>
             <a:r>
               <a:rPr lang="en-US" baseline="0" dirty="0"/>
-              <a:t> with queries that are generated by tools such as Entity Framework.</a:t>
-            </a:r>
-          </a:p>
-          <a:p>
-            <a:r>
-              <a:rPr lang="en-US" baseline="0" dirty="0"/>
-              <a:t>Other examples of simplification are</a:t>
-            </a:r>
-          </a:p>
-          <a:p>
-            <a:pPr marL="171450" indent="-171450">
-              <a:buFont typeface="Arial" panose="020B0604020202020204" pitchFamily="34" charset="0"/>
-              <a:buChar char="•"/>
-            </a:pPr>
-            <a:r>
-              <a:rPr lang="en-US" baseline="0" dirty="0"/>
-              <a:t>Select collapse (remove redundancies from WHERE clause)</a:t>
-            </a:r>
-          </a:p>
-          <a:p>
-            <a:pPr marL="171450" indent="-171450">
-              <a:buFont typeface="Arial" panose="020B0604020202020204" pitchFamily="34" charset="0"/>
-              <a:buChar char="•"/>
-            </a:pPr>
-            <a:r>
-              <a:rPr lang="en-US" baseline="0" dirty="0"/>
-              <a:t>Range simplification (multiple range predicates that can be collapsed into a single range or value)</a:t>
-            </a:r>
-          </a:p>
-          <a:p>
-            <a:pPr marL="171450" indent="-171450">
-              <a:buFont typeface="Arial" panose="020B0604020202020204" pitchFamily="34" charset="0"/>
-              <a:buChar char="•"/>
-            </a:pPr>
-            <a:r>
-              <a:rPr lang="en-US" baseline="0" dirty="0"/>
-              <a:t>Computed column matching</a:t>
+              <a:t> BOL for this DMV, then show 2005 version of BOL.</a:t>
             </a:r>
             <a:endParaRPr lang="en-US" dirty="0"/>
           </a:p>
@@ -1785,7 +1772,7 @@
           <a:p>
             <a:fld id="{ADDBA41D-AE03-4F1C-B074-B56312AFAE46}" type="slidenum">
               <a:rPr lang="en-US" smtClean="0"/>
-              <a:t>44</a:t>
+              <a:t>43</a:t>
             </a:fld>
             <a:endParaRPr lang="en-US"/>
           </a:p>
@@ -1794,7 +1781,7 @@
     </p:spTree>
     <p:extLst>
       <p:ext uri="{BB962C8B-B14F-4D97-AF65-F5344CB8AC3E}">
-        <p14:creationId xmlns:p14="http://schemas.microsoft.com/office/powerpoint/2010/main" val="2879536405"/>
+        <p14:creationId xmlns:p14="http://schemas.microsoft.com/office/powerpoint/2010/main" val="584843494"/>
       </p:ext>
     </p:extLst>
   </p:cSld>
@@ -3108,7 +3095,7 @@
             <a:fld id="{5942B21B-2ADA-A040-A652-A7305E1B99FE}" type="datetimeFigureOut">
               <a:rPr lang="en-US" smtClean="0"/>
               <a:pPr/>
-              <a:t>10/2/2016</a:t>
+              <a:t>10/04/2016</a:t>
             </a:fld>
             <a:endParaRPr lang="en-US" dirty="0"/>
           </a:p>
@@ -3298,7 +3285,7 @@
           <a:p>
             <a:fld id="{5942B21B-2ADA-A040-A652-A7305E1B99FE}" type="datetimeFigureOut">
               <a:rPr lang="en-US" smtClean="0"/>
-              <a:t>10/2/2016</a:t>
+              <a:t>10/04/2016</a:t>
             </a:fld>
             <a:endParaRPr lang="en-US"/>
           </a:p>
@@ -3422,7 +3409,7 @@
             <a:fld id="{5942B21B-2ADA-A040-A652-A7305E1B99FE}" type="datetimeFigureOut">
               <a:rPr lang="en-US" smtClean="0"/>
               <a:pPr/>
-              <a:t>10/2/2016</a:t>
+              <a:t>10/04/2016</a:t>
             </a:fld>
             <a:r>
               <a:rPr lang="en-US"/>
@@ -3693,7 +3680,7 @@
             <a:fld id="{5942B21B-2ADA-A040-A652-A7305E1B99FE}" type="datetimeFigureOut">
               <a:rPr lang="en-US" smtClean="0"/>
               <a:pPr/>
-              <a:t>10/2/2016</a:t>
+              <a:t>10/04/2016</a:t>
             </a:fld>
             <a:r>
               <a:rPr lang="en-US" dirty="0"/>
@@ -3963,7 +3950,7 @@
             <a:fld id="{5942B21B-2ADA-A040-A652-A7305E1B99FE}" type="datetimeFigureOut">
               <a:rPr lang="en-US" smtClean="0"/>
               <a:pPr/>
-              <a:t>10/2/2016</a:t>
+              <a:t>10/04/2016</a:t>
             </a:fld>
             <a:r>
               <a:rPr lang="en-US" dirty="0"/>
@@ -4303,7 +4290,7 @@
             <a:fld id="{5942B21B-2ADA-A040-A652-A7305E1B99FE}" type="datetimeFigureOut">
               <a:rPr lang="en-US" smtClean="0"/>
               <a:pPr/>
-              <a:t>10/2/2016</a:t>
+              <a:t>10/04/2016</a:t>
             </a:fld>
             <a:r>
               <a:rPr lang="en-US" dirty="0"/>
@@ -4644,7 +4631,7 @@
             <a:fld id="{5942B21B-2ADA-A040-A652-A7305E1B99FE}" type="datetimeFigureOut">
               <a:rPr lang="en-US" smtClean="0"/>
               <a:pPr/>
-              <a:t>10/2/2016</a:t>
+              <a:t>10/04/2016</a:t>
             </a:fld>
             <a:r>
               <a:rPr lang="en-US" dirty="0"/>
@@ -5159,7 +5146,7 @@
             <a:fld id="{5942B21B-2ADA-A040-A652-A7305E1B99FE}" type="datetimeFigureOut">
               <a:rPr lang="en-US" smtClean="0"/>
               <a:pPr/>
-              <a:t>10/2/2016</a:t>
+              <a:t>10/04/2016</a:t>
             </a:fld>
             <a:r>
               <a:rPr lang="en-US" dirty="0"/>
@@ -5368,7 +5355,7 @@
             <a:fld id="{5942B21B-2ADA-A040-A652-A7305E1B99FE}" type="datetimeFigureOut">
               <a:rPr lang="en-US" smtClean="0"/>
               <a:pPr/>
-              <a:t>10/2/2016</a:t>
+              <a:t>10/04/2016</a:t>
             </a:fld>
             <a:r>
               <a:rPr lang="en-US" dirty="0"/>
@@ -5555,7 +5542,7 @@
             <a:fld id="{5942B21B-2ADA-A040-A652-A7305E1B99FE}" type="datetimeFigureOut">
               <a:rPr lang="en-US" smtClean="0"/>
               <a:pPr/>
-              <a:t>10/2/2016</a:t>
+              <a:t>10/04/2016</a:t>
             </a:fld>
             <a:r>
               <a:rPr lang="en-US" dirty="0"/>
@@ -5886,7 +5873,7 @@
             <a:fld id="{5942B21B-2ADA-A040-A652-A7305E1B99FE}" type="datetimeFigureOut">
               <a:rPr lang="en-US" smtClean="0"/>
               <a:pPr/>
-              <a:t>10/2/2016</a:t>
+              <a:t>10/04/2016</a:t>
             </a:fld>
             <a:r>
               <a:rPr lang="en-US" dirty="0"/>
@@ -6194,7 +6181,7 @@
             <a:fld id="{5942B21B-2ADA-A040-A652-A7305E1B99FE}" type="datetimeFigureOut">
               <a:rPr lang="en-US" smtClean="0"/>
               <a:pPr/>
-              <a:t>10/2/2016</a:t>
+              <a:t>10/04/2016</a:t>
             </a:fld>
             <a:r>
               <a:rPr lang="en-US" dirty="0"/>
@@ -6473,7 +6460,7 @@
             <a:fld id="{5942B21B-2ADA-A040-A652-A7305E1B99FE}" type="datetimeFigureOut">
               <a:rPr lang="en-US" smtClean="0"/>
               <a:pPr/>
-              <a:t>10/2/2016</a:t>
+              <a:t>10/04/2016</a:t>
             </a:fld>
             <a:r>
               <a:rPr lang="en-US" dirty="0"/>
@@ -8342,6 +8329,14 @@
   <p:clrMapOvr>
     <a:masterClrMapping/>
   </p:clrMapOvr>
+  <mc:AlternateContent xmlns:mc="http://schemas.openxmlformats.org/markup-compatibility/2006">
+    <mc:Choice xmlns:p14="http://schemas.microsoft.com/office/powerpoint/2010/main" Requires="p14">
+      <p:transition spd="slow" p14:dur="2000"/>
+    </mc:Choice>
+    <mc:Fallback>
+      <p:transition spd="slow"/>
+    </mc:Fallback>
+  </mc:AlternateContent>
 </p:sld>
 </file>
 
@@ -9553,6 +9548,14 @@
   <p:clrMapOvr>
     <a:masterClrMapping/>
   </p:clrMapOvr>
+  <mc:AlternateContent xmlns:mc="http://schemas.openxmlformats.org/markup-compatibility/2006">
+    <mc:Choice xmlns:p14="http://schemas.microsoft.com/office/powerpoint/2010/main" Requires="p14">
+      <p:transition spd="slow" p14:dur="2000"/>
+    </mc:Choice>
+    <mc:Fallback>
+      <p:transition spd="slow"/>
+    </mc:Fallback>
+  </mc:AlternateContent>
 </p:sld>
 </file>
 
@@ -10764,6 +10767,14 @@
   <p:clrMapOvr>
     <a:masterClrMapping/>
   </p:clrMapOvr>
+  <mc:AlternateContent xmlns:mc="http://schemas.openxmlformats.org/markup-compatibility/2006">
+    <mc:Choice xmlns:p14="http://schemas.microsoft.com/office/powerpoint/2010/main" Requires="p14">
+      <p:transition spd="slow" p14:dur="2000"/>
+    </mc:Choice>
+    <mc:Fallback>
+      <p:transition spd="slow"/>
+    </mc:Fallback>
+  </mc:AlternateContent>
 </p:sld>
 </file>
 
@@ -11959,6 +11970,14 @@
   <p:clrMapOvr>
     <a:masterClrMapping/>
   </p:clrMapOvr>
+  <mc:AlternateContent xmlns:mc="http://schemas.openxmlformats.org/markup-compatibility/2006">
+    <mc:Choice xmlns:p14="http://schemas.microsoft.com/office/powerpoint/2010/main" Requires="p14">
+      <p:transition spd="slow" p14:dur="2000"/>
+    </mc:Choice>
+    <mc:Fallback>
+      <p:transition spd="slow"/>
+    </mc:Fallback>
+  </mc:AlternateContent>
 </p:sld>
 </file>
 
@@ -13207,6 +13226,14 @@
   <p:clrMapOvr>
     <a:masterClrMapping/>
   </p:clrMapOvr>
+  <mc:AlternateContent xmlns:mc="http://schemas.openxmlformats.org/markup-compatibility/2006">
+    <mc:Choice xmlns:p14="http://schemas.microsoft.com/office/powerpoint/2010/main" Requires="p14">
+      <p:transition spd="slow" p14:dur="2000"/>
+    </mc:Choice>
+    <mc:Fallback>
+      <p:transition spd="slow"/>
+    </mc:Fallback>
+  </mc:AlternateContent>
 </p:sld>
 </file>
 
@@ -14381,6 +14408,14 @@
   <p:clrMapOvr>
     <a:masterClrMapping/>
   </p:clrMapOvr>
+  <mc:AlternateContent xmlns:mc="http://schemas.openxmlformats.org/markup-compatibility/2006">
+    <mc:Choice xmlns:p14="http://schemas.microsoft.com/office/powerpoint/2010/main" Requires="p14">
+      <p:transition spd="slow" p14:dur="2000"/>
+    </mc:Choice>
+    <mc:Fallback>
+      <p:transition spd="slow"/>
+    </mc:Fallback>
+  </mc:AlternateContent>
 </p:sld>
 </file>
 
@@ -15601,6 +15636,14 @@
   <p:clrMapOvr>
     <a:masterClrMapping/>
   </p:clrMapOvr>
+  <mc:AlternateContent xmlns:mc="http://schemas.openxmlformats.org/markup-compatibility/2006">
+    <mc:Choice xmlns:p14="http://schemas.microsoft.com/office/powerpoint/2010/main" Requires="p14">
+      <p:transition spd="slow" p14:dur="2000"/>
+    </mc:Choice>
+    <mc:Fallback>
+      <p:transition spd="slow"/>
+    </mc:Fallback>
+  </mc:AlternateContent>
 </p:sld>
 </file>
 
@@ -16812,6 +16855,14 @@
   <p:clrMapOvr>
     <a:masterClrMapping/>
   </p:clrMapOvr>
+  <mc:AlternateContent xmlns:mc="http://schemas.openxmlformats.org/markup-compatibility/2006">
+    <mc:Choice xmlns:p14="http://schemas.microsoft.com/office/powerpoint/2010/main" Requires="p14">
+      <p:transition spd="slow" p14:dur="2000"/>
+    </mc:Choice>
+    <mc:Fallback>
+      <p:transition spd="slow"/>
+    </mc:Fallback>
+  </mc:AlternateContent>
 </p:sld>
 </file>
 
@@ -18076,6 +18127,14 @@
   <p:clrMapOvr>
     <a:masterClrMapping/>
   </p:clrMapOvr>
+  <mc:AlternateContent xmlns:mc="http://schemas.openxmlformats.org/markup-compatibility/2006">
+    <mc:Choice xmlns:p14="http://schemas.microsoft.com/office/powerpoint/2010/main" Requires="p14">
+      <p:transition spd="slow" p14:dur="2000"/>
+    </mc:Choice>
+    <mc:Fallback>
+      <p:transition spd="slow"/>
+    </mc:Fallback>
+  </mc:AlternateContent>
 </p:sld>
 </file>
 
@@ -21316,7 +21375,7 @@
           <a:p>
             <a:r>
               <a:rPr lang="en-US" dirty="0"/>
-              <a:t>Parse Trees</a:t>
+              <a:t>Process of Executing a Query</a:t>
             </a:r>
           </a:p>
         </p:txBody>
@@ -21338,2542 +21397,6 @@
           <a:p>
             <a:r>
               <a:rPr lang="en-US" dirty="0"/>
-              <a:t>Internal representation of query operation</a:t>
-            </a:r>
-          </a:p>
-          <a:p>
-            <a:r>
-              <a:rPr lang="en-US" dirty="0"/>
-              <a:t>Nodes may be logical or physical operators</a:t>
-            </a:r>
-          </a:p>
-          <a:p>
-            <a:pPr lvl="1"/>
-            <a:r>
-              <a:rPr lang="en-US" dirty="0"/>
-              <a:t>0 to infinity inputs, 1 output</a:t>
-            </a:r>
-          </a:p>
-          <a:p>
-            <a:r>
-              <a:rPr lang="en-US" dirty="0"/>
-              <a:t>SQL Server will output parse trees at various phases of optimization</a:t>
-            </a:r>
-          </a:p>
-          <a:p>
-            <a:pPr lvl="1"/>
-            <a:r>
-              <a:rPr lang="en-US" dirty="0"/>
-              <a:t>A variety of trace flags will trigger output</a:t>
-            </a:r>
-          </a:p>
-        </p:txBody>
-      </p:sp>
-    </p:spTree>
-    <p:extLst>
-      <p:ext uri="{BB962C8B-B14F-4D97-AF65-F5344CB8AC3E}">
-        <p14:creationId xmlns:p14="http://schemas.microsoft.com/office/powerpoint/2010/main" val="1114966382"/>
-      </p:ext>
-    </p:extLst>
-  </p:cSld>
-  <p:clrMapOvr>
-    <a:masterClrMapping/>
-  </p:clrMapOvr>
-</p:sld>
-</file>
-
-<file path=ppt/slides/slide24.xml><?xml version="1.0" encoding="utf-8"?>
-<p:sld xmlns:a="http://schemas.openxmlformats.org/drawingml/2006/main" xmlns:r="http://schemas.openxmlformats.org/officeDocument/2006/relationships" xmlns:p="http://schemas.openxmlformats.org/presentationml/2006/main">
-  <p:cSld>
-    <p:spTree>
-      <p:nvGrpSpPr>
-        <p:cNvPr id="1" name=""/>
-        <p:cNvGrpSpPr/>
-        <p:nvPr/>
-      </p:nvGrpSpPr>
-      <p:grpSpPr>
-        <a:xfrm>
-          <a:off x="0" y="0"/>
-          <a:ext cx="0" cy="0"/>
-          <a:chOff x="0" y="0"/>
-          <a:chExt cx="0" cy="0"/>
-        </a:xfrm>
-      </p:grpSpPr>
-      <p:sp>
-        <p:nvSpPr>
-          <p:cNvPr id="2" name="Title 1"/>
-          <p:cNvSpPr>
-            <a:spLocks noGrp="1"/>
-          </p:cNvSpPr>
-          <p:nvPr>
-            <p:ph type="title"/>
-          </p:nvPr>
-        </p:nvSpPr>
-        <p:spPr/>
-        <p:txBody>
-          <a:bodyPr/>
-          <a:lstStyle/>
-          <a:p>
-            <a:r>
-              <a:rPr lang="en-US" dirty="0"/>
-              <a:t>Example Parse Tree</a:t>
-            </a:r>
-          </a:p>
-        </p:txBody>
-      </p:sp>
-      <p:sp>
-        <p:nvSpPr>
-          <p:cNvPr id="5" name="TextBox 4"/>
-          <p:cNvSpPr txBox="1"/>
-          <p:nvPr/>
-        </p:nvSpPr>
-        <p:spPr>
-          <a:xfrm>
-            <a:off x="558265" y="1713297"/>
-            <a:ext cx="4025461" cy="2677656"/>
-          </a:xfrm>
-          <a:prstGeom prst="rect">
-            <a:avLst/>
-          </a:prstGeom>
-          <a:noFill/>
-        </p:spPr>
-        <p:txBody>
-          <a:bodyPr wrap="none" rtlCol="0">
-            <a:spAutoFit/>
-          </a:bodyPr>
-          <a:lstStyle/>
-          <a:p>
-            <a:r>
-              <a:rPr lang="en-US" sz="1400" dirty="0">
-                <a:solidFill>
-                  <a:srgbClr val="0000FF"/>
-                </a:solidFill>
-                <a:latin typeface="Consolas" panose="020B0609020204030204" pitchFamily="49" charset="0"/>
-              </a:rPr>
-              <a:t>select</a:t>
-            </a:r>
-            <a:r>
-              <a:rPr lang="en-US" sz="1400" dirty="0">
-                <a:solidFill>
-                  <a:prstClr val="black"/>
-                </a:solidFill>
-                <a:latin typeface="Consolas" panose="020B0609020204030204" pitchFamily="49" charset="0"/>
-              </a:rPr>
-              <a:t> </a:t>
-            </a:r>
-            <a:r>
-              <a:rPr lang="en-US" sz="1400" dirty="0">
-                <a:solidFill>
-                  <a:srgbClr val="0000FF"/>
-                </a:solidFill>
-                <a:latin typeface="Consolas" panose="020B0609020204030204" pitchFamily="49" charset="0"/>
-              </a:rPr>
-              <a:t>top</a:t>
-            </a:r>
-            <a:r>
-              <a:rPr lang="en-US" sz="1400" dirty="0">
-                <a:solidFill>
-                  <a:prstClr val="black"/>
-                </a:solidFill>
-                <a:latin typeface="Consolas" panose="020B0609020204030204" pitchFamily="49" charset="0"/>
-              </a:rPr>
-              <a:t> 5</a:t>
-            </a:r>
-          </a:p>
-          <a:p>
-            <a:r>
-              <a:rPr lang="en-US" sz="1400" dirty="0">
-                <a:solidFill>
-                  <a:srgbClr val="008080"/>
-                </a:solidFill>
-                <a:latin typeface="Consolas" panose="020B0609020204030204" pitchFamily="49" charset="0"/>
-              </a:rPr>
-              <a:t>	</a:t>
-            </a:r>
-            <a:r>
-              <a:rPr lang="en-US" sz="1400" dirty="0" err="1">
-                <a:solidFill>
-                  <a:srgbClr val="008080"/>
-                </a:solidFill>
-                <a:latin typeface="Consolas" panose="020B0609020204030204" pitchFamily="49" charset="0"/>
-              </a:rPr>
-              <a:t>od</a:t>
-            </a:r>
-            <a:r>
-              <a:rPr lang="en-US" sz="1400" dirty="0" err="1">
-                <a:solidFill>
-                  <a:srgbClr val="808080"/>
-                </a:solidFill>
-                <a:latin typeface="Consolas" panose="020B0609020204030204" pitchFamily="49" charset="0"/>
-              </a:rPr>
-              <a:t>.</a:t>
-            </a:r>
-            <a:r>
-              <a:rPr lang="en-US" sz="1400" dirty="0" err="1">
-                <a:solidFill>
-                  <a:srgbClr val="008080"/>
-                </a:solidFill>
-                <a:latin typeface="Consolas" panose="020B0609020204030204" pitchFamily="49" charset="0"/>
-              </a:rPr>
-              <a:t>ProductId</a:t>
-            </a:r>
-            <a:r>
-              <a:rPr lang="en-US" sz="1400" dirty="0">
-                <a:solidFill>
-                  <a:srgbClr val="808080"/>
-                </a:solidFill>
-                <a:latin typeface="Consolas" panose="020B0609020204030204" pitchFamily="49" charset="0"/>
-              </a:rPr>
-              <a:t>,</a:t>
-            </a:r>
-            <a:endParaRPr lang="en-US" sz="1400" dirty="0">
-              <a:solidFill>
-                <a:prstClr val="black"/>
-              </a:solidFill>
-              <a:latin typeface="Consolas" panose="020B0609020204030204" pitchFamily="49" charset="0"/>
-            </a:endParaRPr>
-          </a:p>
-          <a:p>
-            <a:r>
-              <a:rPr lang="en-US" sz="1400" dirty="0">
-                <a:solidFill>
-                  <a:srgbClr val="FF00FF"/>
-                </a:solidFill>
-                <a:latin typeface="Consolas" panose="020B0609020204030204" pitchFamily="49" charset="0"/>
-              </a:rPr>
-              <a:t>	sum</a:t>
-            </a:r>
-            <a:r>
-              <a:rPr lang="en-US" sz="1400" dirty="0">
-                <a:solidFill>
-                  <a:srgbClr val="808080"/>
-                </a:solidFill>
-                <a:latin typeface="Consolas" panose="020B0609020204030204" pitchFamily="49" charset="0"/>
-              </a:rPr>
-              <a:t>(</a:t>
-            </a:r>
-            <a:r>
-              <a:rPr lang="en-US" sz="1400" dirty="0" err="1">
-                <a:solidFill>
-                  <a:srgbClr val="008080"/>
-                </a:solidFill>
-                <a:latin typeface="Consolas" panose="020B0609020204030204" pitchFamily="49" charset="0"/>
-              </a:rPr>
-              <a:t>od</a:t>
-            </a:r>
-            <a:r>
-              <a:rPr lang="en-US" sz="1400" dirty="0" err="1">
-                <a:solidFill>
-                  <a:srgbClr val="808080"/>
-                </a:solidFill>
-                <a:latin typeface="Consolas" panose="020B0609020204030204" pitchFamily="49" charset="0"/>
-              </a:rPr>
-              <a:t>.</a:t>
-            </a:r>
-            <a:r>
-              <a:rPr lang="en-US" sz="1400" dirty="0" err="1">
-                <a:solidFill>
-                  <a:srgbClr val="008080"/>
-                </a:solidFill>
-                <a:latin typeface="Consolas" panose="020B0609020204030204" pitchFamily="49" charset="0"/>
-              </a:rPr>
-              <a:t>Quantity</a:t>
-            </a:r>
-            <a:r>
-              <a:rPr lang="en-US" sz="1400" dirty="0">
-                <a:solidFill>
-                  <a:srgbClr val="808080"/>
-                </a:solidFill>
-                <a:latin typeface="Consolas" panose="020B0609020204030204" pitchFamily="49" charset="0"/>
-              </a:rPr>
-              <a:t>)</a:t>
-            </a:r>
-            <a:r>
-              <a:rPr lang="en-US" sz="1400" dirty="0">
-                <a:solidFill>
-                  <a:prstClr val="black"/>
-                </a:solidFill>
-                <a:latin typeface="Consolas" panose="020B0609020204030204" pitchFamily="49" charset="0"/>
-              </a:rPr>
-              <a:t> </a:t>
-            </a:r>
-            <a:r>
-              <a:rPr lang="en-US" sz="1400" dirty="0">
-                <a:solidFill>
-                  <a:srgbClr val="808080"/>
-                </a:solidFill>
-                <a:latin typeface="Consolas" panose="020B0609020204030204" pitchFamily="49" charset="0"/>
-              </a:rPr>
-              <a:t>-</a:t>
-            </a:r>
-            <a:r>
-              <a:rPr lang="en-US" sz="1400" dirty="0">
-                <a:solidFill>
-                  <a:prstClr val="black"/>
-                </a:solidFill>
-                <a:latin typeface="Consolas" panose="020B0609020204030204" pitchFamily="49" charset="0"/>
-              </a:rPr>
-              <a:t> 20 </a:t>
-            </a:r>
-            <a:r>
-              <a:rPr lang="en-US" sz="1400" dirty="0" err="1">
-                <a:solidFill>
-                  <a:srgbClr val="008080"/>
-                </a:solidFill>
-                <a:latin typeface="Consolas" panose="020B0609020204030204" pitchFamily="49" charset="0"/>
-              </a:rPr>
-              <a:t>ExcessOrders</a:t>
-            </a:r>
-            <a:endParaRPr lang="en-US" sz="1400" dirty="0">
-              <a:solidFill>
-                <a:prstClr val="black"/>
-              </a:solidFill>
-              <a:latin typeface="Consolas" panose="020B0609020204030204" pitchFamily="49" charset="0"/>
-            </a:endParaRPr>
-          </a:p>
-          <a:p>
-            <a:r>
-              <a:rPr lang="en-US" sz="1400" dirty="0">
-                <a:solidFill>
-                  <a:srgbClr val="0000FF"/>
-                </a:solidFill>
-                <a:latin typeface="Consolas" panose="020B0609020204030204" pitchFamily="49" charset="0"/>
-              </a:rPr>
-              <a:t>from</a:t>
-            </a:r>
-            <a:r>
-              <a:rPr lang="en-US" sz="1400" dirty="0">
-                <a:solidFill>
-                  <a:prstClr val="black"/>
-                </a:solidFill>
-                <a:latin typeface="Consolas" panose="020B0609020204030204" pitchFamily="49" charset="0"/>
-              </a:rPr>
-              <a:t> </a:t>
-            </a:r>
-            <a:r>
-              <a:rPr lang="en-US" sz="1400" dirty="0" err="1">
-                <a:solidFill>
-                  <a:srgbClr val="008080"/>
-                </a:solidFill>
-                <a:latin typeface="Consolas" panose="020B0609020204030204" pitchFamily="49" charset="0"/>
-              </a:rPr>
-              <a:t>CorpDB</a:t>
-            </a:r>
-            <a:r>
-              <a:rPr lang="en-US" sz="1400" dirty="0" err="1">
-                <a:solidFill>
-                  <a:srgbClr val="808080"/>
-                </a:solidFill>
-                <a:latin typeface="Consolas" panose="020B0609020204030204" pitchFamily="49" charset="0"/>
-              </a:rPr>
-              <a:t>.</a:t>
-            </a:r>
-            <a:r>
-              <a:rPr lang="en-US" sz="1400" dirty="0" err="1">
-                <a:solidFill>
-                  <a:srgbClr val="008080"/>
-                </a:solidFill>
-                <a:latin typeface="Consolas" panose="020B0609020204030204" pitchFamily="49" charset="0"/>
-              </a:rPr>
-              <a:t>dbo</a:t>
-            </a:r>
-            <a:r>
-              <a:rPr lang="en-US" sz="1400" dirty="0" err="1">
-                <a:solidFill>
-                  <a:srgbClr val="808080"/>
-                </a:solidFill>
-                <a:latin typeface="Consolas" panose="020B0609020204030204" pitchFamily="49" charset="0"/>
-              </a:rPr>
-              <a:t>.</a:t>
-            </a:r>
-            <a:r>
-              <a:rPr lang="en-US" sz="1400" dirty="0" err="1">
-                <a:solidFill>
-                  <a:srgbClr val="008080"/>
-                </a:solidFill>
-                <a:latin typeface="Consolas" panose="020B0609020204030204" pitchFamily="49" charset="0"/>
-              </a:rPr>
-              <a:t>OrderHeader</a:t>
-            </a:r>
-            <a:r>
-              <a:rPr lang="en-US" sz="1400" dirty="0">
-                <a:solidFill>
-                  <a:prstClr val="black"/>
-                </a:solidFill>
-                <a:latin typeface="Consolas" panose="020B0609020204030204" pitchFamily="49" charset="0"/>
-              </a:rPr>
-              <a:t> </a:t>
-            </a:r>
-            <a:r>
-              <a:rPr lang="en-US" sz="1400" dirty="0">
-                <a:solidFill>
-                  <a:srgbClr val="008080"/>
-                </a:solidFill>
-                <a:latin typeface="Consolas" panose="020B0609020204030204" pitchFamily="49" charset="0"/>
-              </a:rPr>
-              <a:t>oh</a:t>
-            </a:r>
-            <a:endParaRPr lang="en-US" sz="1400" dirty="0">
-              <a:solidFill>
-                <a:prstClr val="black"/>
-              </a:solidFill>
-              <a:latin typeface="Consolas" panose="020B0609020204030204" pitchFamily="49" charset="0"/>
-            </a:endParaRPr>
-          </a:p>
-          <a:p>
-            <a:r>
-              <a:rPr lang="en-US" sz="1400" dirty="0">
-                <a:solidFill>
-                  <a:srgbClr val="808080"/>
-                </a:solidFill>
-                <a:latin typeface="Consolas" panose="020B0609020204030204" pitchFamily="49" charset="0"/>
-              </a:rPr>
-              <a:t>inner</a:t>
-            </a:r>
-            <a:r>
-              <a:rPr lang="en-US" sz="1400" dirty="0">
-                <a:solidFill>
-                  <a:prstClr val="black"/>
-                </a:solidFill>
-                <a:latin typeface="Consolas" panose="020B0609020204030204" pitchFamily="49" charset="0"/>
-              </a:rPr>
-              <a:t> </a:t>
-            </a:r>
-            <a:r>
-              <a:rPr lang="en-US" sz="1400" dirty="0">
-                <a:solidFill>
-                  <a:srgbClr val="808080"/>
-                </a:solidFill>
-                <a:latin typeface="Consolas" panose="020B0609020204030204" pitchFamily="49" charset="0"/>
-              </a:rPr>
-              <a:t>join</a:t>
-            </a:r>
-            <a:r>
-              <a:rPr lang="en-US" sz="1400" dirty="0">
-                <a:solidFill>
-                  <a:prstClr val="black"/>
-                </a:solidFill>
-                <a:latin typeface="Consolas" panose="020B0609020204030204" pitchFamily="49" charset="0"/>
-              </a:rPr>
-              <a:t> </a:t>
-            </a:r>
-            <a:r>
-              <a:rPr lang="en-US" sz="1400" dirty="0" err="1">
-                <a:solidFill>
-                  <a:srgbClr val="008080"/>
-                </a:solidFill>
-                <a:latin typeface="Consolas" panose="020B0609020204030204" pitchFamily="49" charset="0"/>
-              </a:rPr>
-              <a:t>CorpDB</a:t>
-            </a:r>
-            <a:r>
-              <a:rPr lang="en-US" sz="1400" dirty="0" err="1">
-                <a:solidFill>
-                  <a:srgbClr val="808080"/>
-                </a:solidFill>
-                <a:latin typeface="Consolas" panose="020B0609020204030204" pitchFamily="49" charset="0"/>
-              </a:rPr>
-              <a:t>.</a:t>
-            </a:r>
-            <a:r>
-              <a:rPr lang="en-US" sz="1400" dirty="0" err="1">
-                <a:solidFill>
-                  <a:srgbClr val="008080"/>
-                </a:solidFill>
-                <a:latin typeface="Consolas" panose="020B0609020204030204" pitchFamily="49" charset="0"/>
-              </a:rPr>
-              <a:t>dbo</a:t>
-            </a:r>
-            <a:r>
-              <a:rPr lang="en-US" sz="1400" dirty="0" err="1">
-                <a:solidFill>
-                  <a:srgbClr val="808080"/>
-                </a:solidFill>
-                <a:latin typeface="Consolas" panose="020B0609020204030204" pitchFamily="49" charset="0"/>
-              </a:rPr>
-              <a:t>.</a:t>
-            </a:r>
-            <a:r>
-              <a:rPr lang="en-US" sz="1400" dirty="0" err="1">
-                <a:solidFill>
-                  <a:srgbClr val="008080"/>
-                </a:solidFill>
-                <a:latin typeface="Consolas" panose="020B0609020204030204" pitchFamily="49" charset="0"/>
-              </a:rPr>
-              <a:t>OrderDetail</a:t>
-            </a:r>
-            <a:r>
-              <a:rPr lang="en-US" sz="1400" dirty="0">
-                <a:solidFill>
-                  <a:prstClr val="black"/>
-                </a:solidFill>
-                <a:latin typeface="Consolas" panose="020B0609020204030204" pitchFamily="49" charset="0"/>
-              </a:rPr>
-              <a:t> </a:t>
-            </a:r>
-            <a:r>
-              <a:rPr lang="en-US" sz="1400" dirty="0">
-                <a:solidFill>
-                  <a:srgbClr val="008080"/>
-                </a:solidFill>
-                <a:latin typeface="Consolas" panose="020B0609020204030204" pitchFamily="49" charset="0"/>
-              </a:rPr>
-              <a:t>od</a:t>
-            </a:r>
-            <a:endParaRPr lang="en-US" sz="1400" dirty="0">
-              <a:solidFill>
-                <a:prstClr val="black"/>
-              </a:solidFill>
-              <a:latin typeface="Consolas" panose="020B0609020204030204" pitchFamily="49" charset="0"/>
-            </a:endParaRPr>
-          </a:p>
-          <a:p>
-            <a:r>
-              <a:rPr lang="en-US" sz="1400" dirty="0">
-                <a:solidFill>
-                  <a:srgbClr val="0000FF"/>
-                </a:solidFill>
-                <a:latin typeface="Consolas" panose="020B0609020204030204" pitchFamily="49" charset="0"/>
-              </a:rPr>
-              <a:t>on</a:t>
-            </a:r>
-            <a:r>
-              <a:rPr lang="en-US" sz="1400" dirty="0">
-                <a:solidFill>
-                  <a:prstClr val="black"/>
-                </a:solidFill>
-                <a:latin typeface="Consolas" panose="020B0609020204030204" pitchFamily="49" charset="0"/>
-              </a:rPr>
-              <a:t> </a:t>
-            </a:r>
-            <a:r>
-              <a:rPr lang="en-US" sz="1400" dirty="0" err="1">
-                <a:solidFill>
-                  <a:srgbClr val="008080"/>
-                </a:solidFill>
-                <a:latin typeface="Consolas" panose="020B0609020204030204" pitchFamily="49" charset="0"/>
-              </a:rPr>
-              <a:t>oh</a:t>
-            </a:r>
-            <a:r>
-              <a:rPr lang="en-US" sz="1400" dirty="0" err="1">
-                <a:solidFill>
-                  <a:srgbClr val="808080"/>
-                </a:solidFill>
-                <a:latin typeface="Consolas" panose="020B0609020204030204" pitchFamily="49" charset="0"/>
-              </a:rPr>
-              <a:t>.</a:t>
-            </a:r>
-            <a:r>
-              <a:rPr lang="en-US" sz="1400" dirty="0" err="1">
-                <a:solidFill>
-                  <a:srgbClr val="008080"/>
-                </a:solidFill>
-                <a:latin typeface="Consolas" panose="020B0609020204030204" pitchFamily="49" charset="0"/>
-              </a:rPr>
-              <a:t>OrderId</a:t>
-            </a:r>
-            <a:r>
-              <a:rPr lang="en-US" sz="1400" dirty="0">
-                <a:solidFill>
-                  <a:prstClr val="black"/>
-                </a:solidFill>
-                <a:latin typeface="Consolas" panose="020B0609020204030204" pitchFamily="49" charset="0"/>
-              </a:rPr>
-              <a:t> </a:t>
-            </a:r>
-            <a:r>
-              <a:rPr lang="en-US" sz="1400" dirty="0">
-                <a:solidFill>
-                  <a:srgbClr val="808080"/>
-                </a:solidFill>
-                <a:latin typeface="Consolas" panose="020B0609020204030204" pitchFamily="49" charset="0"/>
-              </a:rPr>
-              <a:t>=</a:t>
-            </a:r>
-            <a:r>
-              <a:rPr lang="en-US" sz="1400" dirty="0">
-                <a:solidFill>
-                  <a:prstClr val="black"/>
-                </a:solidFill>
-                <a:latin typeface="Consolas" panose="020B0609020204030204" pitchFamily="49" charset="0"/>
-              </a:rPr>
-              <a:t> </a:t>
-            </a:r>
-            <a:r>
-              <a:rPr lang="en-US" sz="1400" dirty="0" err="1">
-                <a:solidFill>
-                  <a:srgbClr val="008080"/>
-                </a:solidFill>
-                <a:latin typeface="Consolas" panose="020B0609020204030204" pitchFamily="49" charset="0"/>
-              </a:rPr>
-              <a:t>od</a:t>
-            </a:r>
-            <a:r>
-              <a:rPr lang="en-US" sz="1400" dirty="0" err="1">
-                <a:solidFill>
-                  <a:srgbClr val="808080"/>
-                </a:solidFill>
-                <a:latin typeface="Consolas" panose="020B0609020204030204" pitchFamily="49" charset="0"/>
-              </a:rPr>
-              <a:t>.</a:t>
-            </a:r>
-            <a:r>
-              <a:rPr lang="en-US" sz="1400" dirty="0" err="1">
-                <a:solidFill>
-                  <a:srgbClr val="008080"/>
-                </a:solidFill>
-                <a:latin typeface="Consolas" panose="020B0609020204030204" pitchFamily="49" charset="0"/>
-              </a:rPr>
-              <a:t>OrderId</a:t>
-            </a:r>
-            <a:endParaRPr lang="en-US" sz="1400" dirty="0">
-              <a:solidFill>
-                <a:prstClr val="black"/>
-              </a:solidFill>
-              <a:latin typeface="Consolas" panose="020B0609020204030204" pitchFamily="49" charset="0"/>
-            </a:endParaRPr>
-          </a:p>
-          <a:p>
-            <a:r>
-              <a:rPr lang="en-US" sz="1400" dirty="0">
-                <a:solidFill>
-                  <a:srgbClr val="808080"/>
-                </a:solidFill>
-                <a:latin typeface="Consolas" panose="020B0609020204030204" pitchFamily="49" charset="0"/>
-              </a:rPr>
-              <a:t>inner</a:t>
-            </a:r>
-            <a:r>
-              <a:rPr lang="en-US" sz="1400" dirty="0">
-                <a:solidFill>
-                  <a:prstClr val="black"/>
-                </a:solidFill>
-                <a:latin typeface="Consolas" panose="020B0609020204030204" pitchFamily="49" charset="0"/>
-              </a:rPr>
-              <a:t> </a:t>
-            </a:r>
-            <a:r>
-              <a:rPr lang="en-US" sz="1400" dirty="0">
-                <a:solidFill>
-                  <a:srgbClr val="808080"/>
-                </a:solidFill>
-                <a:latin typeface="Consolas" panose="020B0609020204030204" pitchFamily="49" charset="0"/>
-              </a:rPr>
-              <a:t>join</a:t>
-            </a:r>
-            <a:r>
-              <a:rPr lang="en-US" sz="1400" dirty="0">
-                <a:solidFill>
-                  <a:prstClr val="black"/>
-                </a:solidFill>
-                <a:latin typeface="Consolas" panose="020B0609020204030204" pitchFamily="49" charset="0"/>
-              </a:rPr>
-              <a:t> </a:t>
-            </a:r>
-            <a:r>
-              <a:rPr lang="en-US" sz="1400" dirty="0" err="1">
-                <a:solidFill>
-                  <a:srgbClr val="008080"/>
-                </a:solidFill>
-                <a:latin typeface="Consolas" panose="020B0609020204030204" pitchFamily="49" charset="0"/>
-              </a:rPr>
-              <a:t>CorpDB</a:t>
-            </a:r>
-            <a:r>
-              <a:rPr lang="en-US" sz="1400" dirty="0" err="1">
-                <a:solidFill>
-                  <a:srgbClr val="808080"/>
-                </a:solidFill>
-                <a:latin typeface="Consolas" panose="020B0609020204030204" pitchFamily="49" charset="0"/>
-              </a:rPr>
-              <a:t>.</a:t>
-            </a:r>
-            <a:r>
-              <a:rPr lang="en-US" sz="1400" dirty="0" err="1">
-                <a:solidFill>
-                  <a:srgbClr val="008080"/>
-                </a:solidFill>
-                <a:latin typeface="Consolas" panose="020B0609020204030204" pitchFamily="49" charset="0"/>
-              </a:rPr>
-              <a:t>dbo</a:t>
-            </a:r>
-            <a:r>
-              <a:rPr lang="en-US" sz="1400" dirty="0" err="1">
-                <a:solidFill>
-                  <a:srgbClr val="808080"/>
-                </a:solidFill>
-                <a:latin typeface="Consolas" panose="020B0609020204030204" pitchFamily="49" charset="0"/>
-              </a:rPr>
-              <a:t>.</a:t>
-            </a:r>
-            <a:r>
-              <a:rPr lang="en-US" sz="1400" dirty="0" err="1">
-                <a:solidFill>
-                  <a:srgbClr val="008080"/>
-                </a:solidFill>
-                <a:latin typeface="Consolas" panose="020B0609020204030204" pitchFamily="49" charset="0"/>
-              </a:rPr>
-              <a:t>Customer</a:t>
-            </a:r>
-            <a:r>
-              <a:rPr lang="en-US" sz="1400" dirty="0">
-                <a:solidFill>
-                  <a:prstClr val="black"/>
-                </a:solidFill>
-                <a:latin typeface="Consolas" panose="020B0609020204030204" pitchFamily="49" charset="0"/>
-              </a:rPr>
-              <a:t> </a:t>
-            </a:r>
-            <a:r>
-              <a:rPr lang="en-US" sz="1400" dirty="0" err="1">
-                <a:solidFill>
-                  <a:srgbClr val="008080"/>
-                </a:solidFill>
-                <a:latin typeface="Consolas" panose="020B0609020204030204" pitchFamily="49" charset="0"/>
-              </a:rPr>
-              <a:t>cust</a:t>
-            </a:r>
-            <a:endParaRPr lang="en-US" sz="1400" dirty="0">
-              <a:solidFill>
-                <a:prstClr val="black"/>
-              </a:solidFill>
-              <a:latin typeface="Consolas" panose="020B0609020204030204" pitchFamily="49" charset="0"/>
-            </a:endParaRPr>
-          </a:p>
-          <a:p>
-            <a:r>
-              <a:rPr lang="en-US" sz="1400" dirty="0">
-                <a:solidFill>
-                  <a:srgbClr val="0000FF"/>
-                </a:solidFill>
-                <a:latin typeface="Consolas" panose="020B0609020204030204" pitchFamily="49" charset="0"/>
-              </a:rPr>
-              <a:t>on</a:t>
-            </a:r>
-            <a:r>
-              <a:rPr lang="en-US" sz="1400" dirty="0">
-                <a:solidFill>
-                  <a:prstClr val="black"/>
-                </a:solidFill>
-                <a:latin typeface="Consolas" panose="020B0609020204030204" pitchFamily="49" charset="0"/>
-              </a:rPr>
-              <a:t> </a:t>
-            </a:r>
-            <a:r>
-              <a:rPr lang="en-US" sz="1400" dirty="0" err="1">
-                <a:solidFill>
-                  <a:srgbClr val="008080"/>
-                </a:solidFill>
-                <a:latin typeface="Consolas" panose="020B0609020204030204" pitchFamily="49" charset="0"/>
-              </a:rPr>
-              <a:t>oh</a:t>
-            </a:r>
-            <a:r>
-              <a:rPr lang="en-US" sz="1400" dirty="0" err="1">
-                <a:solidFill>
-                  <a:srgbClr val="808080"/>
-                </a:solidFill>
-                <a:latin typeface="Consolas" panose="020B0609020204030204" pitchFamily="49" charset="0"/>
-              </a:rPr>
-              <a:t>.</a:t>
-            </a:r>
-            <a:r>
-              <a:rPr lang="en-US" sz="1400" dirty="0" err="1">
-                <a:solidFill>
-                  <a:srgbClr val="008080"/>
-                </a:solidFill>
-                <a:latin typeface="Consolas" panose="020B0609020204030204" pitchFamily="49" charset="0"/>
-              </a:rPr>
-              <a:t>CustomerId</a:t>
-            </a:r>
-            <a:r>
-              <a:rPr lang="en-US" sz="1400" dirty="0">
-                <a:solidFill>
-                  <a:prstClr val="black"/>
-                </a:solidFill>
-                <a:latin typeface="Consolas" panose="020B0609020204030204" pitchFamily="49" charset="0"/>
-              </a:rPr>
-              <a:t> </a:t>
-            </a:r>
-            <a:r>
-              <a:rPr lang="en-US" sz="1400" dirty="0">
-                <a:solidFill>
-                  <a:srgbClr val="808080"/>
-                </a:solidFill>
-                <a:latin typeface="Consolas" panose="020B0609020204030204" pitchFamily="49" charset="0"/>
-              </a:rPr>
-              <a:t>=</a:t>
-            </a:r>
-            <a:r>
-              <a:rPr lang="en-US" sz="1400" dirty="0">
-                <a:solidFill>
-                  <a:prstClr val="black"/>
-                </a:solidFill>
-                <a:latin typeface="Consolas" panose="020B0609020204030204" pitchFamily="49" charset="0"/>
-              </a:rPr>
-              <a:t> </a:t>
-            </a:r>
-            <a:r>
-              <a:rPr lang="en-US" sz="1400" dirty="0" err="1">
-                <a:solidFill>
-                  <a:srgbClr val="008080"/>
-                </a:solidFill>
-                <a:latin typeface="Consolas" panose="020B0609020204030204" pitchFamily="49" charset="0"/>
-              </a:rPr>
-              <a:t>cust</a:t>
-            </a:r>
-            <a:r>
-              <a:rPr lang="en-US" sz="1400" dirty="0" err="1">
-                <a:solidFill>
-                  <a:srgbClr val="808080"/>
-                </a:solidFill>
-                <a:latin typeface="Consolas" panose="020B0609020204030204" pitchFamily="49" charset="0"/>
-              </a:rPr>
-              <a:t>.</a:t>
-            </a:r>
-            <a:r>
-              <a:rPr lang="en-US" sz="1400" dirty="0" err="1">
-                <a:solidFill>
-                  <a:srgbClr val="008080"/>
-                </a:solidFill>
-                <a:latin typeface="Consolas" panose="020B0609020204030204" pitchFamily="49" charset="0"/>
-              </a:rPr>
-              <a:t>CustomerID</a:t>
-            </a:r>
-            <a:endParaRPr lang="en-US" sz="1400" dirty="0">
-              <a:solidFill>
-                <a:prstClr val="black"/>
-              </a:solidFill>
-              <a:latin typeface="Consolas" panose="020B0609020204030204" pitchFamily="49" charset="0"/>
-            </a:endParaRPr>
-          </a:p>
-          <a:p>
-            <a:r>
-              <a:rPr lang="en-US" sz="1400" dirty="0">
-                <a:solidFill>
-                  <a:srgbClr val="0000FF"/>
-                </a:solidFill>
-                <a:latin typeface="Consolas" panose="020B0609020204030204" pitchFamily="49" charset="0"/>
-              </a:rPr>
-              <a:t>where</a:t>
-            </a:r>
-            <a:r>
-              <a:rPr lang="en-US" sz="1400" dirty="0">
-                <a:solidFill>
-                  <a:prstClr val="black"/>
-                </a:solidFill>
-                <a:latin typeface="Consolas" panose="020B0609020204030204" pitchFamily="49" charset="0"/>
-              </a:rPr>
-              <a:t> </a:t>
-            </a:r>
-            <a:r>
-              <a:rPr lang="en-US" sz="1400" dirty="0" err="1">
-                <a:solidFill>
-                  <a:srgbClr val="008080"/>
-                </a:solidFill>
-                <a:latin typeface="Consolas" panose="020B0609020204030204" pitchFamily="49" charset="0"/>
-              </a:rPr>
-              <a:t>cust</a:t>
-            </a:r>
-            <a:r>
-              <a:rPr lang="en-US" sz="1400" dirty="0" err="1">
-                <a:solidFill>
-                  <a:srgbClr val="808080"/>
-                </a:solidFill>
-                <a:latin typeface="Consolas" panose="020B0609020204030204" pitchFamily="49" charset="0"/>
-              </a:rPr>
-              <a:t>.</a:t>
-            </a:r>
-            <a:r>
-              <a:rPr lang="en-US" sz="1400" dirty="0" err="1">
-                <a:solidFill>
-                  <a:srgbClr val="0000FF"/>
-                </a:solidFill>
-                <a:latin typeface="Consolas" panose="020B0609020204030204" pitchFamily="49" charset="0"/>
-              </a:rPr>
-              <a:t>State</a:t>
-            </a:r>
-            <a:r>
-              <a:rPr lang="en-US" sz="1400" dirty="0">
-                <a:solidFill>
-                  <a:prstClr val="black"/>
-                </a:solidFill>
-                <a:latin typeface="Consolas" panose="020B0609020204030204" pitchFamily="49" charset="0"/>
-              </a:rPr>
-              <a:t> </a:t>
-            </a:r>
-            <a:r>
-              <a:rPr lang="en-US" sz="1400" dirty="0">
-                <a:solidFill>
-                  <a:srgbClr val="808080"/>
-                </a:solidFill>
-                <a:latin typeface="Consolas" panose="020B0609020204030204" pitchFamily="49" charset="0"/>
-                <a:ea typeface="Calibri" panose="020F0502020204030204" pitchFamily="34" charset="0"/>
-                <a:cs typeface="Times New Roman" panose="02020603050405020304" pitchFamily="18" charset="0"/>
-              </a:rPr>
-              <a:t>= </a:t>
-            </a:r>
-            <a:r>
-              <a:rPr lang="en-US" sz="1400" dirty="0">
-                <a:solidFill>
-                  <a:srgbClr val="FF0000"/>
-                </a:solidFill>
-                <a:latin typeface="Consolas" panose="020B0609020204030204" pitchFamily="49" charset="0"/>
-                <a:ea typeface="Calibri" panose="020F0502020204030204" pitchFamily="34" charset="0"/>
-                <a:cs typeface="Times New Roman" panose="02020603050405020304" pitchFamily="18" charset="0"/>
-              </a:rPr>
-              <a:t>'MN'</a:t>
-            </a:r>
-            <a:endParaRPr lang="en-US" sz="1400" dirty="0">
-              <a:solidFill>
-                <a:prstClr val="black"/>
-              </a:solidFill>
-              <a:latin typeface="Consolas" panose="020B0609020204030204" pitchFamily="49" charset="0"/>
-            </a:endParaRPr>
-          </a:p>
-          <a:p>
-            <a:r>
-              <a:rPr lang="en-US" sz="1400" dirty="0">
-                <a:solidFill>
-                  <a:srgbClr val="0000FF"/>
-                </a:solidFill>
-                <a:latin typeface="Consolas" panose="020B0609020204030204" pitchFamily="49" charset="0"/>
-              </a:rPr>
-              <a:t>group</a:t>
-            </a:r>
-            <a:r>
-              <a:rPr lang="en-US" sz="1400" dirty="0">
-                <a:solidFill>
-                  <a:prstClr val="black"/>
-                </a:solidFill>
-                <a:latin typeface="Consolas" panose="020B0609020204030204" pitchFamily="49" charset="0"/>
-              </a:rPr>
-              <a:t> </a:t>
-            </a:r>
-            <a:r>
-              <a:rPr lang="en-US" sz="1400" dirty="0">
-                <a:solidFill>
-                  <a:srgbClr val="0000FF"/>
-                </a:solidFill>
-                <a:latin typeface="Consolas" panose="020B0609020204030204" pitchFamily="49" charset="0"/>
-              </a:rPr>
-              <a:t>by</a:t>
-            </a:r>
-            <a:r>
-              <a:rPr lang="en-US" sz="1400" dirty="0">
-                <a:solidFill>
-                  <a:prstClr val="black"/>
-                </a:solidFill>
-                <a:latin typeface="Consolas" panose="020B0609020204030204" pitchFamily="49" charset="0"/>
-              </a:rPr>
-              <a:t> </a:t>
-            </a:r>
-            <a:r>
-              <a:rPr lang="en-US" sz="1400" dirty="0" err="1">
-                <a:solidFill>
-                  <a:srgbClr val="008080"/>
-                </a:solidFill>
-                <a:latin typeface="Consolas" panose="020B0609020204030204" pitchFamily="49" charset="0"/>
-              </a:rPr>
-              <a:t>od</a:t>
-            </a:r>
-            <a:r>
-              <a:rPr lang="en-US" sz="1400" dirty="0" err="1">
-                <a:solidFill>
-                  <a:srgbClr val="808080"/>
-                </a:solidFill>
-                <a:latin typeface="Consolas" panose="020B0609020204030204" pitchFamily="49" charset="0"/>
-              </a:rPr>
-              <a:t>.</a:t>
-            </a:r>
-            <a:r>
-              <a:rPr lang="en-US" sz="1400" dirty="0" err="1">
-                <a:solidFill>
-                  <a:srgbClr val="008080"/>
-                </a:solidFill>
-                <a:latin typeface="Consolas" panose="020B0609020204030204" pitchFamily="49" charset="0"/>
-              </a:rPr>
-              <a:t>ProductId</a:t>
-            </a:r>
-            <a:endParaRPr lang="en-US" sz="1400" dirty="0">
-              <a:solidFill>
-                <a:prstClr val="black"/>
-              </a:solidFill>
-              <a:latin typeface="Consolas" panose="020B0609020204030204" pitchFamily="49" charset="0"/>
-            </a:endParaRPr>
-          </a:p>
-          <a:p>
-            <a:r>
-              <a:rPr lang="en-US" sz="1400" dirty="0">
-                <a:solidFill>
-                  <a:srgbClr val="0000FF"/>
-                </a:solidFill>
-                <a:latin typeface="Consolas" panose="020B0609020204030204" pitchFamily="49" charset="0"/>
-              </a:rPr>
-              <a:t>having</a:t>
-            </a:r>
-            <a:r>
-              <a:rPr lang="en-US" sz="1400" dirty="0">
-                <a:solidFill>
-                  <a:prstClr val="black"/>
-                </a:solidFill>
-                <a:latin typeface="Consolas" panose="020B0609020204030204" pitchFamily="49" charset="0"/>
-              </a:rPr>
-              <a:t> </a:t>
-            </a:r>
-            <a:r>
-              <a:rPr lang="en-US" sz="1400" dirty="0">
-                <a:solidFill>
-                  <a:srgbClr val="FF00FF"/>
-                </a:solidFill>
-                <a:latin typeface="Consolas" panose="020B0609020204030204" pitchFamily="49" charset="0"/>
-              </a:rPr>
-              <a:t>sum</a:t>
-            </a:r>
-            <a:r>
-              <a:rPr lang="en-US" sz="1400" dirty="0">
-                <a:solidFill>
-                  <a:srgbClr val="808080"/>
-                </a:solidFill>
-                <a:latin typeface="Consolas" panose="020B0609020204030204" pitchFamily="49" charset="0"/>
-              </a:rPr>
-              <a:t>(</a:t>
-            </a:r>
-            <a:r>
-              <a:rPr lang="en-US" sz="1400" dirty="0" err="1">
-                <a:solidFill>
-                  <a:srgbClr val="008080"/>
-                </a:solidFill>
-                <a:latin typeface="Consolas" panose="020B0609020204030204" pitchFamily="49" charset="0"/>
-              </a:rPr>
-              <a:t>od</a:t>
-            </a:r>
-            <a:r>
-              <a:rPr lang="en-US" sz="1400" dirty="0" err="1">
-                <a:solidFill>
-                  <a:srgbClr val="808080"/>
-                </a:solidFill>
-                <a:latin typeface="Consolas" panose="020B0609020204030204" pitchFamily="49" charset="0"/>
-              </a:rPr>
-              <a:t>.</a:t>
-            </a:r>
-            <a:r>
-              <a:rPr lang="en-US" sz="1400" dirty="0" err="1">
-                <a:solidFill>
-                  <a:srgbClr val="008080"/>
-                </a:solidFill>
-                <a:latin typeface="Consolas" panose="020B0609020204030204" pitchFamily="49" charset="0"/>
-              </a:rPr>
-              <a:t>Quantity</a:t>
-            </a:r>
-            <a:r>
-              <a:rPr lang="en-US" sz="1400" dirty="0">
-                <a:solidFill>
-                  <a:srgbClr val="808080"/>
-                </a:solidFill>
-                <a:latin typeface="Consolas" panose="020B0609020204030204" pitchFamily="49" charset="0"/>
-              </a:rPr>
-              <a:t>)</a:t>
-            </a:r>
-            <a:r>
-              <a:rPr lang="en-US" sz="1400" dirty="0">
-                <a:solidFill>
-                  <a:prstClr val="black"/>
-                </a:solidFill>
-                <a:latin typeface="Consolas" panose="020B0609020204030204" pitchFamily="49" charset="0"/>
-              </a:rPr>
-              <a:t> </a:t>
-            </a:r>
-            <a:r>
-              <a:rPr lang="en-US" sz="1400" dirty="0">
-                <a:solidFill>
-                  <a:srgbClr val="808080"/>
-                </a:solidFill>
-                <a:latin typeface="Consolas" panose="020B0609020204030204" pitchFamily="49" charset="0"/>
-              </a:rPr>
-              <a:t>&gt;=</a:t>
-            </a:r>
-            <a:r>
-              <a:rPr lang="en-US" sz="1400" dirty="0">
-                <a:solidFill>
-                  <a:prstClr val="black"/>
-                </a:solidFill>
-                <a:latin typeface="Consolas" panose="020B0609020204030204" pitchFamily="49" charset="0"/>
-              </a:rPr>
-              <a:t> 20</a:t>
-            </a:r>
-          </a:p>
-          <a:p>
-            <a:r>
-              <a:rPr lang="en-US" sz="1400" dirty="0">
-                <a:solidFill>
-                  <a:srgbClr val="0000FF"/>
-                </a:solidFill>
-                <a:latin typeface="Consolas" panose="020B0609020204030204" pitchFamily="49" charset="0"/>
-              </a:rPr>
-              <a:t>order</a:t>
-            </a:r>
-            <a:r>
-              <a:rPr lang="en-US" sz="1400" dirty="0">
-                <a:solidFill>
-                  <a:prstClr val="black"/>
-                </a:solidFill>
-                <a:latin typeface="Consolas" panose="020B0609020204030204" pitchFamily="49" charset="0"/>
-              </a:rPr>
-              <a:t> </a:t>
-            </a:r>
-            <a:r>
-              <a:rPr lang="en-US" sz="1400" dirty="0">
-                <a:solidFill>
-                  <a:srgbClr val="0000FF"/>
-                </a:solidFill>
-                <a:latin typeface="Consolas" panose="020B0609020204030204" pitchFamily="49" charset="0"/>
-              </a:rPr>
-              <a:t>by</a:t>
-            </a:r>
-            <a:r>
-              <a:rPr lang="en-US" sz="1400" dirty="0">
-                <a:solidFill>
-                  <a:prstClr val="black"/>
-                </a:solidFill>
-                <a:latin typeface="Consolas" panose="020B0609020204030204" pitchFamily="49" charset="0"/>
-              </a:rPr>
-              <a:t> </a:t>
-            </a:r>
-            <a:r>
-              <a:rPr lang="en-US" sz="1400" dirty="0" err="1">
-                <a:solidFill>
-                  <a:srgbClr val="008080"/>
-                </a:solidFill>
-                <a:latin typeface="Consolas" panose="020B0609020204030204" pitchFamily="49" charset="0"/>
-              </a:rPr>
-              <a:t>od</a:t>
-            </a:r>
-            <a:r>
-              <a:rPr lang="en-US" sz="1400" dirty="0" err="1">
-                <a:solidFill>
-                  <a:srgbClr val="808080"/>
-                </a:solidFill>
-                <a:latin typeface="Consolas" panose="020B0609020204030204" pitchFamily="49" charset="0"/>
-              </a:rPr>
-              <a:t>.</a:t>
-            </a:r>
-            <a:r>
-              <a:rPr lang="en-US" sz="1400" dirty="0" err="1">
-                <a:solidFill>
-                  <a:srgbClr val="008080"/>
-                </a:solidFill>
-                <a:latin typeface="Consolas" panose="020B0609020204030204" pitchFamily="49" charset="0"/>
-              </a:rPr>
-              <a:t>ProductId</a:t>
-            </a:r>
-            <a:r>
-              <a:rPr lang="en-US" sz="1400" dirty="0">
-                <a:solidFill>
-                  <a:srgbClr val="808080"/>
-                </a:solidFill>
-                <a:latin typeface="Consolas" panose="020B0609020204030204" pitchFamily="49" charset="0"/>
-              </a:rPr>
-              <a:t>;</a:t>
-            </a:r>
-            <a:endParaRPr lang="en-US" sz="1400" dirty="0">
-              <a:solidFill>
-                <a:prstClr val="black"/>
-              </a:solidFill>
-              <a:latin typeface="Consolas" panose="020B0609020204030204" pitchFamily="49" charset="0"/>
-            </a:endParaRPr>
-          </a:p>
-        </p:txBody>
-      </p:sp>
-      <p:pic>
-        <p:nvPicPr>
-          <p:cNvPr id="4" name="Picture 3"/>
-          <p:cNvPicPr>
-            <a:picLocks noChangeAspect="1"/>
-          </p:cNvPicPr>
-          <p:nvPr/>
-        </p:nvPicPr>
-        <p:blipFill>
-          <a:blip r:embed="rId3"/>
-          <a:stretch>
-            <a:fillRect/>
-          </a:stretch>
-        </p:blipFill>
-        <p:spPr>
-          <a:xfrm>
-            <a:off x="3246120" y="539496"/>
-            <a:ext cx="5421612" cy="5678424"/>
-          </a:xfrm>
-          <a:prstGeom prst="rect">
-            <a:avLst/>
-          </a:prstGeom>
-        </p:spPr>
-      </p:pic>
-    </p:spTree>
-    <p:extLst>
-      <p:ext uri="{BB962C8B-B14F-4D97-AF65-F5344CB8AC3E}">
-        <p14:creationId xmlns:p14="http://schemas.microsoft.com/office/powerpoint/2010/main" val="1751467117"/>
-      </p:ext>
-    </p:extLst>
-  </p:cSld>
-  <p:clrMapOvr>
-    <a:masterClrMapping/>
-  </p:clrMapOvr>
-</p:sld>
-</file>
-
-<file path=ppt/slides/slide25.xml><?xml version="1.0" encoding="utf-8"?>
-<p:sld xmlns:a="http://schemas.openxmlformats.org/drawingml/2006/main" xmlns:r="http://schemas.openxmlformats.org/officeDocument/2006/relationships" xmlns:p="http://schemas.openxmlformats.org/presentationml/2006/main">
-  <p:cSld>
-    <p:spTree>
-      <p:nvGrpSpPr>
-        <p:cNvPr id="1" name=""/>
-        <p:cNvGrpSpPr/>
-        <p:nvPr/>
-      </p:nvGrpSpPr>
-      <p:grpSpPr>
-        <a:xfrm>
-          <a:off x="0" y="0"/>
-          <a:ext cx="0" cy="0"/>
-          <a:chOff x="0" y="0"/>
-          <a:chExt cx="0" cy="0"/>
-        </a:xfrm>
-      </p:grpSpPr>
-      <p:sp>
-        <p:nvSpPr>
-          <p:cNvPr id="2" name="Title 1"/>
-          <p:cNvSpPr>
-            <a:spLocks noGrp="1"/>
-          </p:cNvSpPr>
-          <p:nvPr>
-            <p:ph type="title"/>
-          </p:nvPr>
-        </p:nvSpPr>
-        <p:spPr/>
-        <p:txBody>
-          <a:bodyPr/>
-          <a:lstStyle/>
-          <a:p>
-            <a:r>
-              <a:rPr lang="en-US" dirty="0"/>
-              <a:t>Query Tree</a:t>
-            </a:r>
-          </a:p>
-        </p:txBody>
-      </p:sp>
-      <p:sp>
-        <p:nvSpPr>
-          <p:cNvPr id="5" name="TextBox 4"/>
-          <p:cNvSpPr txBox="1"/>
-          <p:nvPr/>
-        </p:nvSpPr>
-        <p:spPr>
-          <a:xfrm>
-            <a:off x="558265" y="1713297"/>
-            <a:ext cx="4025461" cy="2858475"/>
-          </a:xfrm>
-          <a:prstGeom prst="rect">
-            <a:avLst/>
-          </a:prstGeom>
-          <a:noFill/>
-        </p:spPr>
-        <p:txBody>
-          <a:bodyPr wrap="none" rtlCol="0">
-            <a:spAutoFit/>
-          </a:bodyPr>
-          <a:lstStyle/>
-          <a:p>
-            <a:pPr>
-              <a:lnSpc>
-                <a:spcPct val="107000"/>
-              </a:lnSpc>
-            </a:pPr>
-            <a:r>
-              <a:rPr lang="en-US" sz="1400" dirty="0">
-                <a:solidFill>
-                  <a:srgbClr val="0000FF"/>
-                </a:solidFill>
-                <a:latin typeface="Consolas" panose="020B0609020204030204" pitchFamily="49" charset="0"/>
-                <a:ea typeface="Calibri" panose="020F0502020204030204" pitchFamily="34" charset="0"/>
-                <a:cs typeface="Times New Roman" panose="02020603050405020304" pitchFamily="18" charset="0"/>
-              </a:rPr>
-              <a:t>from</a:t>
-            </a:r>
-            <a:r>
-              <a:rPr lang="en-US" sz="1400" dirty="0">
-                <a:latin typeface="Consolas" panose="020B0609020204030204" pitchFamily="49" charset="0"/>
-                <a:ea typeface="Calibri" panose="020F0502020204030204" pitchFamily="34" charset="0"/>
-                <a:cs typeface="Times New Roman" panose="02020603050405020304" pitchFamily="18" charset="0"/>
-              </a:rPr>
-              <a:t> </a:t>
-            </a:r>
-            <a:r>
-              <a:rPr lang="en-US" sz="1400" dirty="0" err="1">
-                <a:solidFill>
-                  <a:srgbClr val="008080"/>
-                </a:solidFill>
-                <a:latin typeface="Consolas" panose="020B0609020204030204" pitchFamily="49" charset="0"/>
-                <a:ea typeface="Calibri" panose="020F0502020204030204" pitchFamily="34" charset="0"/>
-                <a:cs typeface="Times New Roman" panose="02020603050405020304" pitchFamily="18" charset="0"/>
-              </a:rPr>
-              <a:t>dbo</a:t>
-            </a:r>
-            <a:r>
-              <a:rPr lang="en-US" sz="1400" dirty="0" err="1">
-                <a:solidFill>
-                  <a:srgbClr val="808080"/>
-                </a:solidFill>
-                <a:latin typeface="Consolas" panose="020B0609020204030204" pitchFamily="49" charset="0"/>
-                <a:ea typeface="Calibri" panose="020F0502020204030204" pitchFamily="34" charset="0"/>
-                <a:cs typeface="Times New Roman" panose="02020603050405020304" pitchFamily="18" charset="0"/>
-              </a:rPr>
-              <a:t>.</a:t>
-            </a:r>
-            <a:r>
-              <a:rPr lang="en-US" sz="1400" dirty="0" err="1">
-                <a:solidFill>
-                  <a:srgbClr val="008080"/>
-                </a:solidFill>
-                <a:latin typeface="Consolas" panose="020B0609020204030204" pitchFamily="49" charset="0"/>
-                <a:ea typeface="Calibri" panose="020F0502020204030204" pitchFamily="34" charset="0"/>
-                <a:cs typeface="Times New Roman" panose="02020603050405020304" pitchFamily="18" charset="0"/>
-              </a:rPr>
-              <a:t>OrderHeader</a:t>
-            </a:r>
-            <a:r>
-              <a:rPr lang="en-US" sz="1400" dirty="0">
-                <a:latin typeface="Consolas" panose="020B0609020204030204" pitchFamily="49" charset="0"/>
-                <a:ea typeface="Calibri" panose="020F0502020204030204" pitchFamily="34" charset="0"/>
-                <a:cs typeface="Times New Roman" panose="02020603050405020304" pitchFamily="18" charset="0"/>
-              </a:rPr>
-              <a:t> </a:t>
-            </a:r>
-            <a:r>
-              <a:rPr lang="en-US" sz="1400" dirty="0">
-                <a:solidFill>
-                  <a:srgbClr val="008080"/>
-                </a:solidFill>
-                <a:latin typeface="Consolas" panose="020B0609020204030204" pitchFamily="49" charset="0"/>
-                <a:ea typeface="Calibri" panose="020F0502020204030204" pitchFamily="34" charset="0"/>
-                <a:cs typeface="Times New Roman" panose="02020603050405020304" pitchFamily="18" charset="0"/>
-              </a:rPr>
-              <a:t>oh</a:t>
-            </a:r>
-            <a:endParaRPr lang="en-US" dirty="0">
-              <a:latin typeface="Calibri" panose="020F0502020204030204" pitchFamily="34" charset="0"/>
-              <a:ea typeface="Calibri" panose="020F0502020204030204" pitchFamily="34" charset="0"/>
-              <a:cs typeface="Times New Roman" panose="02020603050405020304" pitchFamily="18" charset="0"/>
-            </a:endParaRPr>
-          </a:p>
-          <a:p>
-            <a:pPr>
-              <a:lnSpc>
-                <a:spcPct val="107000"/>
-              </a:lnSpc>
-            </a:pPr>
-            <a:r>
-              <a:rPr lang="en-US" sz="1400" dirty="0">
-                <a:solidFill>
-                  <a:srgbClr val="808080"/>
-                </a:solidFill>
-                <a:latin typeface="Consolas" panose="020B0609020204030204" pitchFamily="49" charset="0"/>
-                <a:ea typeface="Calibri" panose="020F0502020204030204" pitchFamily="34" charset="0"/>
-                <a:cs typeface="Times New Roman" panose="02020603050405020304" pitchFamily="18" charset="0"/>
-              </a:rPr>
-              <a:t>inner</a:t>
-            </a:r>
-            <a:r>
-              <a:rPr lang="en-US" sz="1400" dirty="0">
-                <a:latin typeface="Consolas" panose="020B0609020204030204" pitchFamily="49" charset="0"/>
-                <a:ea typeface="Calibri" panose="020F0502020204030204" pitchFamily="34" charset="0"/>
-                <a:cs typeface="Times New Roman" panose="02020603050405020304" pitchFamily="18" charset="0"/>
-              </a:rPr>
-              <a:t> </a:t>
-            </a:r>
-            <a:r>
-              <a:rPr lang="en-US" sz="1400" dirty="0">
-                <a:solidFill>
-                  <a:srgbClr val="808080"/>
-                </a:solidFill>
-                <a:latin typeface="Consolas" panose="020B0609020204030204" pitchFamily="49" charset="0"/>
-                <a:ea typeface="Calibri" panose="020F0502020204030204" pitchFamily="34" charset="0"/>
-                <a:cs typeface="Times New Roman" panose="02020603050405020304" pitchFamily="18" charset="0"/>
-              </a:rPr>
-              <a:t>join</a:t>
-            </a:r>
-            <a:r>
-              <a:rPr lang="en-US" sz="1400" dirty="0">
-                <a:latin typeface="Consolas" panose="020B0609020204030204" pitchFamily="49" charset="0"/>
-                <a:ea typeface="Calibri" panose="020F0502020204030204" pitchFamily="34" charset="0"/>
-                <a:cs typeface="Times New Roman" panose="02020603050405020304" pitchFamily="18" charset="0"/>
-              </a:rPr>
-              <a:t> </a:t>
-            </a:r>
-            <a:r>
-              <a:rPr lang="en-US" sz="1400" dirty="0" err="1">
-                <a:solidFill>
-                  <a:srgbClr val="008080"/>
-                </a:solidFill>
-                <a:latin typeface="Consolas" panose="020B0609020204030204" pitchFamily="49" charset="0"/>
-                <a:ea typeface="Calibri" panose="020F0502020204030204" pitchFamily="34" charset="0"/>
-                <a:cs typeface="Times New Roman" panose="02020603050405020304" pitchFamily="18" charset="0"/>
-              </a:rPr>
-              <a:t>dbo</a:t>
-            </a:r>
-            <a:r>
-              <a:rPr lang="en-US" sz="1400" dirty="0" err="1">
-                <a:solidFill>
-                  <a:srgbClr val="808080"/>
-                </a:solidFill>
-                <a:latin typeface="Consolas" panose="020B0609020204030204" pitchFamily="49" charset="0"/>
-                <a:ea typeface="Calibri" panose="020F0502020204030204" pitchFamily="34" charset="0"/>
-                <a:cs typeface="Times New Roman" panose="02020603050405020304" pitchFamily="18" charset="0"/>
-              </a:rPr>
-              <a:t>.</a:t>
-            </a:r>
-            <a:r>
-              <a:rPr lang="en-US" sz="1400" dirty="0" err="1">
-                <a:solidFill>
-                  <a:srgbClr val="008080"/>
-                </a:solidFill>
-                <a:latin typeface="Consolas" panose="020B0609020204030204" pitchFamily="49" charset="0"/>
-                <a:ea typeface="Calibri" panose="020F0502020204030204" pitchFamily="34" charset="0"/>
-                <a:cs typeface="Times New Roman" panose="02020603050405020304" pitchFamily="18" charset="0"/>
-              </a:rPr>
-              <a:t>OrderDetail</a:t>
-            </a:r>
-            <a:r>
-              <a:rPr lang="en-US" sz="1400" dirty="0">
-                <a:latin typeface="Consolas" panose="020B0609020204030204" pitchFamily="49" charset="0"/>
-                <a:ea typeface="Calibri" panose="020F0502020204030204" pitchFamily="34" charset="0"/>
-                <a:cs typeface="Times New Roman" panose="02020603050405020304" pitchFamily="18" charset="0"/>
-              </a:rPr>
-              <a:t> </a:t>
-            </a:r>
-            <a:r>
-              <a:rPr lang="en-US" sz="1400" dirty="0">
-                <a:solidFill>
-                  <a:srgbClr val="008080"/>
-                </a:solidFill>
-                <a:latin typeface="Consolas" panose="020B0609020204030204" pitchFamily="49" charset="0"/>
-                <a:ea typeface="Calibri" panose="020F0502020204030204" pitchFamily="34" charset="0"/>
-                <a:cs typeface="Times New Roman" panose="02020603050405020304" pitchFamily="18" charset="0"/>
-              </a:rPr>
-              <a:t>od</a:t>
-            </a:r>
-            <a:endParaRPr lang="en-US" sz="1400" dirty="0">
-              <a:latin typeface="Consolas" panose="020B0609020204030204" pitchFamily="49" charset="0"/>
-              <a:ea typeface="Calibri" panose="020F0502020204030204" pitchFamily="34" charset="0"/>
-              <a:cs typeface="Times New Roman" panose="02020603050405020304" pitchFamily="18" charset="0"/>
-            </a:endParaRPr>
-          </a:p>
-          <a:p>
-            <a:pPr>
-              <a:lnSpc>
-                <a:spcPct val="107000"/>
-              </a:lnSpc>
-            </a:pPr>
-            <a:r>
-              <a:rPr lang="en-US" sz="1400" dirty="0">
-                <a:solidFill>
-                  <a:srgbClr val="808080"/>
-                </a:solidFill>
-                <a:latin typeface="Consolas" panose="020B0609020204030204" pitchFamily="49" charset="0"/>
-                <a:ea typeface="Calibri" panose="020F0502020204030204" pitchFamily="34" charset="0"/>
-                <a:cs typeface="Times New Roman" panose="02020603050405020304" pitchFamily="18" charset="0"/>
-              </a:rPr>
-              <a:t>inner</a:t>
-            </a:r>
-            <a:r>
-              <a:rPr lang="en-US" sz="1400" dirty="0">
-                <a:latin typeface="Consolas" panose="020B0609020204030204" pitchFamily="49" charset="0"/>
-                <a:ea typeface="Calibri" panose="020F0502020204030204" pitchFamily="34" charset="0"/>
-                <a:cs typeface="Times New Roman" panose="02020603050405020304" pitchFamily="18" charset="0"/>
-              </a:rPr>
-              <a:t> </a:t>
-            </a:r>
-            <a:r>
-              <a:rPr lang="en-US" sz="1400" dirty="0">
-                <a:solidFill>
-                  <a:srgbClr val="808080"/>
-                </a:solidFill>
-                <a:latin typeface="Consolas" panose="020B0609020204030204" pitchFamily="49" charset="0"/>
-                <a:ea typeface="Calibri" panose="020F0502020204030204" pitchFamily="34" charset="0"/>
-                <a:cs typeface="Times New Roman" panose="02020603050405020304" pitchFamily="18" charset="0"/>
-              </a:rPr>
-              <a:t>join</a:t>
-            </a:r>
-            <a:r>
-              <a:rPr lang="en-US" sz="1400" dirty="0">
-                <a:latin typeface="Consolas" panose="020B0609020204030204" pitchFamily="49" charset="0"/>
-                <a:ea typeface="Calibri" panose="020F0502020204030204" pitchFamily="34" charset="0"/>
-                <a:cs typeface="Times New Roman" panose="02020603050405020304" pitchFamily="18" charset="0"/>
-              </a:rPr>
-              <a:t> </a:t>
-            </a:r>
-            <a:r>
-              <a:rPr lang="en-US" sz="1400" dirty="0" err="1">
-                <a:solidFill>
-                  <a:srgbClr val="008080"/>
-                </a:solidFill>
-                <a:latin typeface="Consolas" panose="020B0609020204030204" pitchFamily="49" charset="0"/>
-                <a:ea typeface="Calibri" panose="020F0502020204030204" pitchFamily="34" charset="0"/>
-                <a:cs typeface="Times New Roman" panose="02020603050405020304" pitchFamily="18" charset="0"/>
-              </a:rPr>
-              <a:t>dbo</a:t>
-            </a:r>
-            <a:r>
-              <a:rPr lang="en-US" sz="1400" dirty="0" err="1">
-                <a:solidFill>
-                  <a:srgbClr val="808080"/>
-                </a:solidFill>
-                <a:latin typeface="Consolas" panose="020B0609020204030204" pitchFamily="49" charset="0"/>
-                <a:ea typeface="Calibri" panose="020F0502020204030204" pitchFamily="34" charset="0"/>
-                <a:cs typeface="Times New Roman" panose="02020603050405020304" pitchFamily="18" charset="0"/>
-              </a:rPr>
-              <a:t>.</a:t>
-            </a:r>
-            <a:r>
-              <a:rPr lang="en-US" sz="1400" dirty="0" err="1">
-                <a:solidFill>
-                  <a:srgbClr val="008080"/>
-                </a:solidFill>
-                <a:latin typeface="Consolas" panose="020B0609020204030204" pitchFamily="49" charset="0"/>
-                <a:ea typeface="Calibri" panose="020F0502020204030204" pitchFamily="34" charset="0"/>
-                <a:cs typeface="Times New Roman" panose="02020603050405020304" pitchFamily="18" charset="0"/>
-              </a:rPr>
-              <a:t>Customer</a:t>
-            </a:r>
-            <a:r>
-              <a:rPr lang="en-US" sz="1400" dirty="0">
-                <a:latin typeface="Consolas" panose="020B0609020204030204" pitchFamily="49" charset="0"/>
-                <a:ea typeface="Calibri" panose="020F0502020204030204" pitchFamily="34" charset="0"/>
-                <a:cs typeface="Times New Roman" panose="02020603050405020304" pitchFamily="18" charset="0"/>
-              </a:rPr>
-              <a:t> </a:t>
-            </a:r>
-            <a:r>
-              <a:rPr lang="en-US" sz="1400" dirty="0" err="1">
-                <a:solidFill>
-                  <a:srgbClr val="008080"/>
-                </a:solidFill>
-                <a:latin typeface="Consolas" panose="020B0609020204030204" pitchFamily="49" charset="0"/>
-                <a:ea typeface="Calibri" panose="020F0502020204030204" pitchFamily="34" charset="0"/>
-                <a:cs typeface="Times New Roman" panose="02020603050405020304" pitchFamily="18" charset="0"/>
-              </a:rPr>
-              <a:t>cust</a:t>
-            </a:r>
-            <a:endParaRPr lang="en-US" sz="1400" dirty="0">
-              <a:latin typeface="Consolas" panose="020B0609020204030204" pitchFamily="49" charset="0"/>
-              <a:ea typeface="Calibri" panose="020F0502020204030204" pitchFamily="34" charset="0"/>
-              <a:cs typeface="Times New Roman" panose="02020603050405020304" pitchFamily="18" charset="0"/>
-            </a:endParaRPr>
-          </a:p>
-          <a:p>
-            <a:pPr>
-              <a:lnSpc>
-                <a:spcPct val="107000"/>
-              </a:lnSpc>
-            </a:pPr>
-            <a:r>
-              <a:rPr lang="en-US" sz="1400" dirty="0">
-                <a:solidFill>
-                  <a:srgbClr val="0000FF"/>
-                </a:solidFill>
-                <a:latin typeface="Consolas" panose="020B0609020204030204" pitchFamily="49" charset="0"/>
-                <a:ea typeface="Calibri" panose="020F0502020204030204" pitchFamily="34" charset="0"/>
-                <a:cs typeface="Times New Roman" panose="02020603050405020304" pitchFamily="18" charset="0"/>
-              </a:rPr>
-              <a:t>on</a:t>
-            </a:r>
-            <a:r>
-              <a:rPr lang="en-US" sz="1400" dirty="0">
-                <a:latin typeface="Consolas" panose="020B0609020204030204" pitchFamily="49" charset="0"/>
-                <a:ea typeface="Calibri" panose="020F0502020204030204" pitchFamily="34" charset="0"/>
-                <a:cs typeface="Times New Roman" panose="02020603050405020304" pitchFamily="18" charset="0"/>
-              </a:rPr>
-              <a:t> </a:t>
-            </a:r>
-            <a:r>
-              <a:rPr lang="en-US" sz="1400" dirty="0" err="1">
-                <a:solidFill>
-                  <a:srgbClr val="008080"/>
-                </a:solidFill>
-                <a:latin typeface="Consolas" panose="020B0609020204030204" pitchFamily="49" charset="0"/>
-                <a:ea typeface="Calibri" panose="020F0502020204030204" pitchFamily="34" charset="0"/>
-                <a:cs typeface="Times New Roman" panose="02020603050405020304" pitchFamily="18" charset="0"/>
-              </a:rPr>
-              <a:t>oh</a:t>
-            </a:r>
-            <a:r>
-              <a:rPr lang="en-US" sz="1400" dirty="0" err="1">
-                <a:solidFill>
-                  <a:srgbClr val="808080"/>
-                </a:solidFill>
-                <a:latin typeface="Consolas" panose="020B0609020204030204" pitchFamily="49" charset="0"/>
-                <a:ea typeface="Calibri" panose="020F0502020204030204" pitchFamily="34" charset="0"/>
-                <a:cs typeface="Times New Roman" panose="02020603050405020304" pitchFamily="18" charset="0"/>
-              </a:rPr>
-              <a:t>.</a:t>
-            </a:r>
-            <a:r>
-              <a:rPr lang="en-US" sz="1400" dirty="0" err="1">
-                <a:solidFill>
-                  <a:srgbClr val="008080"/>
-                </a:solidFill>
-                <a:latin typeface="Consolas" panose="020B0609020204030204" pitchFamily="49" charset="0"/>
-                <a:ea typeface="Calibri" panose="020F0502020204030204" pitchFamily="34" charset="0"/>
-                <a:cs typeface="Times New Roman" panose="02020603050405020304" pitchFamily="18" charset="0"/>
-              </a:rPr>
-              <a:t>OrderId</a:t>
-            </a:r>
-            <a:r>
-              <a:rPr lang="en-US" sz="1400" dirty="0">
-                <a:latin typeface="Consolas" panose="020B0609020204030204" pitchFamily="49" charset="0"/>
-                <a:ea typeface="Calibri" panose="020F0502020204030204" pitchFamily="34" charset="0"/>
-                <a:cs typeface="Times New Roman" panose="02020603050405020304" pitchFamily="18" charset="0"/>
-              </a:rPr>
-              <a:t> </a:t>
-            </a:r>
-            <a:r>
-              <a:rPr lang="en-US" sz="1400" dirty="0">
-                <a:solidFill>
-                  <a:srgbClr val="808080"/>
-                </a:solidFill>
-                <a:latin typeface="Consolas" panose="020B0609020204030204" pitchFamily="49" charset="0"/>
-                <a:ea typeface="Calibri" panose="020F0502020204030204" pitchFamily="34" charset="0"/>
-                <a:cs typeface="Times New Roman" panose="02020603050405020304" pitchFamily="18" charset="0"/>
-              </a:rPr>
-              <a:t>=</a:t>
-            </a:r>
-            <a:r>
-              <a:rPr lang="en-US" sz="1400" dirty="0">
-                <a:latin typeface="Consolas" panose="020B0609020204030204" pitchFamily="49" charset="0"/>
-                <a:ea typeface="Calibri" panose="020F0502020204030204" pitchFamily="34" charset="0"/>
-                <a:cs typeface="Times New Roman" panose="02020603050405020304" pitchFamily="18" charset="0"/>
-              </a:rPr>
-              <a:t> </a:t>
-            </a:r>
-            <a:r>
-              <a:rPr lang="en-US" sz="1400" dirty="0" err="1">
-                <a:solidFill>
-                  <a:srgbClr val="008080"/>
-                </a:solidFill>
-                <a:latin typeface="Consolas" panose="020B0609020204030204" pitchFamily="49" charset="0"/>
-                <a:ea typeface="Calibri" panose="020F0502020204030204" pitchFamily="34" charset="0"/>
-                <a:cs typeface="Times New Roman" panose="02020603050405020304" pitchFamily="18" charset="0"/>
-              </a:rPr>
-              <a:t>od</a:t>
-            </a:r>
-            <a:r>
-              <a:rPr lang="en-US" sz="1400" dirty="0" err="1">
-                <a:solidFill>
-                  <a:srgbClr val="808080"/>
-                </a:solidFill>
-                <a:latin typeface="Consolas" panose="020B0609020204030204" pitchFamily="49" charset="0"/>
-                <a:ea typeface="Calibri" panose="020F0502020204030204" pitchFamily="34" charset="0"/>
-                <a:cs typeface="Times New Roman" panose="02020603050405020304" pitchFamily="18" charset="0"/>
-              </a:rPr>
-              <a:t>.</a:t>
-            </a:r>
-            <a:r>
-              <a:rPr lang="en-US" sz="1400" dirty="0" err="1">
-                <a:solidFill>
-                  <a:srgbClr val="008080"/>
-                </a:solidFill>
-                <a:latin typeface="Consolas" panose="020B0609020204030204" pitchFamily="49" charset="0"/>
-                <a:ea typeface="Calibri" panose="020F0502020204030204" pitchFamily="34" charset="0"/>
-                <a:cs typeface="Times New Roman" panose="02020603050405020304" pitchFamily="18" charset="0"/>
-              </a:rPr>
-              <a:t>OrderId</a:t>
-            </a:r>
-            <a:endParaRPr lang="en-US" dirty="0">
-              <a:latin typeface="Calibri" panose="020F0502020204030204" pitchFamily="34" charset="0"/>
-              <a:ea typeface="Calibri" panose="020F0502020204030204" pitchFamily="34" charset="0"/>
-              <a:cs typeface="Times New Roman" panose="02020603050405020304" pitchFamily="18" charset="0"/>
-            </a:endParaRPr>
-          </a:p>
-          <a:p>
-            <a:pPr>
-              <a:lnSpc>
-                <a:spcPct val="107000"/>
-              </a:lnSpc>
-            </a:pPr>
-            <a:r>
-              <a:rPr lang="en-US" sz="1400" dirty="0">
-                <a:solidFill>
-                  <a:srgbClr val="0000FF"/>
-                </a:solidFill>
-                <a:latin typeface="Consolas" panose="020B0609020204030204" pitchFamily="49" charset="0"/>
-                <a:ea typeface="Calibri" panose="020F0502020204030204" pitchFamily="34" charset="0"/>
-                <a:cs typeface="Times New Roman" panose="02020603050405020304" pitchFamily="18" charset="0"/>
-              </a:rPr>
-              <a:t>on</a:t>
-            </a:r>
-            <a:r>
-              <a:rPr lang="en-US" sz="1400" dirty="0">
-                <a:latin typeface="Consolas" panose="020B0609020204030204" pitchFamily="49" charset="0"/>
-                <a:ea typeface="Calibri" panose="020F0502020204030204" pitchFamily="34" charset="0"/>
-                <a:cs typeface="Times New Roman" panose="02020603050405020304" pitchFamily="18" charset="0"/>
-              </a:rPr>
-              <a:t> </a:t>
-            </a:r>
-            <a:r>
-              <a:rPr lang="en-US" sz="1400" dirty="0" err="1">
-                <a:solidFill>
-                  <a:srgbClr val="008080"/>
-                </a:solidFill>
-                <a:latin typeface="Consolas" panose="020B0609020204030204" pitchFamily="49" charset="0"/>
-                <a:ea typeface="Calibri" panose="020F0502020204030204" pitchFamily="34" charset="0"/>
-                <a:cs typeface="Times New Roman" panose="02020603050405020304" pitchFamily="18" charset="0"/>
-              </a:rPr>
-              <a:t>oh</a:t>
-            </a:r>
-            <a:r>
-              <a:rPr lang="en-US" sz="1400" dirty="0" err="1">
-                <a:solidFill>
-                  <a:srgbClr val="808080"/>
-                </a:solidFill>
-                <a:latin typeface="Consolas" panose="020B0609020204030204" pitchFamily="49" charset="0"/>
-                <a:ea typeface="Calibri" panose="020F0502020204030204" pitchFamily="34" charset="0"/>
-                <a:cs typeface="Times New Roman" panose="02020603050405020304" pitchFamily="18" charset="0"/>
-              </a:rPr>
-              <a:t>.</a:t>
-            </a:r>
-            <a:r>
-              <a:rPr lang="en-US" sz="1400" dirty="0" err="1">
-                <a:solidFill>
-                  <a:srgbClr val="008080"/>
-                </a:solidFill>
-                <a:latin typeface="Consolas" panose="020B0609020204030204" pitchFamily="49" charset="0"/>
-                <a:ea typeface="Calibri" panose="020F0502020204030204" pitchFamily="34" charset="0"/>
-                <a:cs typeface="Times New Roman" panose="02020603050405020304" pitchFamily="18" charset="0"/>
-              </a:rPr>
-              <a:t>CustomerId</a:t>
-            </a:r>
-            <a:r>
-              <a:rPr lang="en-US" sz="1400" dirty="0">
-                <a:latin typeface="Consolas" panose="020B0609020204030204" pitchFamily="49" charset="0"/>
-                <a:ea typeface="Calibri" panose="020F0502020204030204" pitchFamily="34" charset="0"/>
-                <a:cs typeface="Times New Roman" panose="02020603050405020304" pitchFamily="18" charset="0"/>
-              </a:rPr>
-              <a:t> </a:t>
-            </a:r>
-            <a:r>
-              <a:rPr lang="en-US" sz="1400" dirty="0">
-                <a:solidFill>
-                  <a:srgbClr val="808080"/>
-                </a:solidFill>
-                <a:latin typeface="Consolas" panose="020B0609020204030204" pitchFamily="49" charset="0"/>
-                <a:ea typeface="Calibri" panose="020F0502020204030204" pitchFamily="34" charset="0"/>
-                <a:cs typeface="Times New Roman" panose="02020603050405020304" pitchFamily="18" charset="0"/>
-              </a:rPr>
-              <a:t>=</a:t>
-            </a:r>
-            <a:r>
-              <a:rPr lang="en-US" sz="1400" dirty="0">
-                <a:latin typeface="Consolas" panose="020B0609020204030204" pitchFamily="49" charset="0"/>
-                <a:ea typeface="Calibri" panose="020F0502020204030204" pitchFamily="34" charset="0"/>
-                <a:cs typeface="Times New Roman" panose="02020603050405020304" pitchFamily="18" charset="0"/>
-              </a:rPr>
-              <a:t> </a:t>
-            </a:r>
-            <a:r>
-              <a:rPr lang="en-US" sz="1400" dirty="0" err="1">
-                <a:solidFill>
-                  <a:srgbClr val="008080"/>
-                </a:solidFill>
-                <a:latin typeface="Consolas" panose="020B0609020204030204" pitchFamily="49" charset="0"/>
-                <a:ea typeface="Calibri" panose="020F0502020204030204" pitchFamily="34" charset="0"/>
-                <a:cs typeface="Times New Roman" panose="02020603050405020304" pitchFamily="18" charset="0"/>
-              </a:rPr>
-              <a:t>cust</a:t>
-            </a:r>
-            <a:r>
-              <a:rPr lang="en-US" sz="1400" dirty="0" err="1">
-                <a:solidFill>
-                  <a:srgbClr val="808080"/>
-                </a:solidFill>
-                <a:latin typeface="Consolas" panose="020B0609020204030204" pitchFamily="49" charset="0"/>
-                <a:ea typeface="Calibri" panose="020F0502020204030204" pitchFamily="34" charset="0"/>
-                <a:cs typeface="Times New Roman" panose="02020603050405020304" pitchFamily="18" charset="0"/>
-              </a:rPr>
-              <a:t>.</a:t>
-            </a:r>
-            <a:r>
-              <a:rPr lang="en-US" sz="1400" dirty="0" err="1">
-                <a:solidFill>
-                  <a:srgbClr val="008080"/>
-                </a:solidFill>
-                <a:latin typeface="Consolas" panose="020B0609020204030204" pitchFamily="49" charset="0"/>
-                <a:ea typeface="Calibri" panose="020F0502020204030204" pitchFamily="34" charset="0"/>
-                <a:cs typeface="Times New Roman" panose="02020603050405020304" pitchFamily="18" charset="0"/>
-              </a:rPr>
-              <a:t>CustomerID</a:t>
-            </a:r>
-            <a:endParaRPr lang="en-US" dirty="0">
-              <a:latin typeface="Calibri" panose="020F0502020204030204" pitchFamily="34" charset="0"/>
-              <a:ea typeface="Calibri" panose="020F0502020204030204" pitchFamily="34" charset="0"/>
-              <a:cs typeface="Times New Roman" panose="02020603050405020304" pitchFamily="18" charset="0"/>
-            </a:endParaRPr>
-          </a:p>
-          <a:p>
-            <a:pPr>
-              <a:lnSpc>
-                <a:spcPct val="107000"/>
-              </a:lnSpc>
-            </a:pPr>
-            <a:r>
-              <a:rPr lang="en-US" sz="1400" dirty="0">
-                <a:solidFill>
-                  <a:srgbClr val="0000FF"/>
-                </a:solidFill>
-                <a:latin typeface="Consolas" panose="020B0609020204030204" pitchFamily="49" charset="0"/>
-                <a:ea typeface="Calibri" panose="020F0502020204030204" pitchFamily="34" charset="0"/>
-                <a:cs typeface="Times New Roman" panose="02020603050405020304" pitchFamily="18" charset="0"/>
-              </a:rPr>
-              <a:t>where</a:t>
-            </a:r>
-            <a:r>
-              <a:rPr lang="en-US" sz="1400" dirty="0">
-                <a:latin typeface="Consolas" panose="020B0609020204030204" pitchFamily="49" charset="0"/>
-                <a:ea typeface="Calibri" panose="020F0502020204030204" pitchFamily="34" charset="0"/>
-                <a:cs typeface="Times New Roman" panose="02020603050405020304" pitchFamily="18" charset="0"/>
-              </a:rPr>
-              <a:t> </a:t>
-            </a:r>
-            <a:r>
-              <a:rPr lang="en-US" sz="1400" dirty="0" err="1">
-                <a:solidFill>
-                  <a:srgbClr val="008080"/>
-                </a:solidFill>
-                <a:latin typeface="Consolas" panose="020B0609020204030204" pitchFamily="49" charset="0"/>
-                <a:ea typeface="Calibri" panose="020F0502020204030204" pitchFamily="34" charset="0"/>
-                <a:cs typeface="Times New Roman" panose="02020603050405020304" pitchFamily="18" charset="0"/>
-              </a:rPr>
-              <a:t>cust</a:t>
-            </a:r>
-            <a:r>
-              <a:rPr lang="en-US" sz="1400" dirty="0" err="1">
-                <a:solidFill>
-                  <a:srgbClr val="808080"/>
-                </a:solidFill>
-                <a:latin typeface="Consolas" panose="020B0609020204030204" pitchFamily="49" charset="0"/>
-                <a:ea typeface="Calibri" panose="020F0502020204030204" pitchFamily="34" charset="0"/>
-                <a:cs typeface="Times New Roman" panose="02020603050405020304" pitchFamily="18" charset="0"/>
-              </a:rPr>
-              <a:t>.</a:t>
-            </a:r>
-            <a:r>
-              <a:rPr lang="en-US" sz="1400" dirty="0" err="1">
-                <a:solidFill>
-                  <a:srgbClr val="0000FF"/>
-                </a:solidFill>
-                <a:latin typeface="Consolas" panose="020B0609020204030204" pitchFamily="49" charset="0"/>
-                <a:ea typeface="Calibri" panose="020F0502020204030204" pitchFamily="34" charset="0"/>
-                <a:cs typeface="Times New Roman" panose="02020603050405020304" pitchFamily="18" charset="0"/>
-              </a:rPr>
-              <a:t>State</a:t>
-            </a:r>
-            <a:r>
-              <a:rPr lang="en-US" sz="1400" dirty="0">
-                <a:latin typeface="Consolas" panose="020B0609020204030204" pitchFamily="49" charset="0"/>
-                <a:ea typeface="Calibri" panose="020F0502020204030204" pitchFamily="34" charset="0"/>
-                <a:cs typeface="Times New Roman" panose="02020603050405020304" pitchFamily="18" charset="0"/>
-              </a:rPr>
-              <a:t> </a:t>
-            </a:r>
-            <a:r>
-              <a:rPr lang="en-US" sz="1400" dirty="0">
-                <a:solidFill>
-                  <a:srgbClr val="808080"/>
-                </a:solidFill>
-                <a:latin typeface="Consolas" panose="020B0609020204030204" pitchFamily="49" charset="0"/>
-                <a:ea typeface="Calibri" panose="020F0502020204030204" pitchFamily="34" charset="0"/>
-                <a:cs typeface="Times New Roman" panose="02020603050405020304" pitchFamily="18" charset="0"/>
-              </a:rPr>
-              <a:t>= </a:t>
-            </a:r>
-            <a:r>
-              <a:rPr lang="en-US" sz="1400" dirty="0">
-                <a:solidFill>
-                  <a:srgbClr val="FF0000"/>
-                </a:solidFill>
-                <a:latin typeface="Consolas" panose="020B0609020204030204" pitchFamily="49" charset="0"/>
-                <a:ea typeface="Calibri" panose="020F0502020204030204" pitchFamily="34" charset="0"/>
-                <a:cs typeface="Times New Roman" panose="02020603050405020304" pitchFamily="18" charset="0"/>
-              </a:rPr>
-              <a:t>'MN'</a:t>
-            </a:r>
-            <a:endParaRPr lang="en-US" dirty="0">
-              <a:latin typeface="Calibri" panose="020F0502020204030204" pitchFamily="34" charset="0"/>
-              <a:ea typeface="Calibri" panose="020F0502020204030204" pitchFamily="34" charset="0"/>
-              <a:cs typeface="Times New Roman" panose="02020603050405020304" pitchFamily="18" charset="0"/>
-            </a:endParaRPr>
-          </a:p>
-          <a:p>
-            <a:pPr>
-              <a:lnSpc>
-                <a:spcPct val="107000"/>
-              </a:lnSpc>
-            </a:pPr>
-            <a:r>
-              <a:rPr lang="en-US" sz="1400" dirty="0">
-                <a:solidFill>
-                  <a:srgbClr val="0000FF"/>
-                </a:solidFill>
-                <a:latin typeface="Consolas" panose="020B0609020204030204" pitchFamily="49" charset="0"/>
-                <a:ea typeface="Calibri" panose="020F0502020204030204" pitchFamily="34" charset="0"/>
-                <a:cs typeface="Times New Roman" panose="02020603050405020304" pitchFamily="18" charset="0"/>
-              </a:rPr>
-              <a:t>group</a:t>
-            </a:r>
-            <a:r>
-              <a:rPr lang="en-US" sz="1400" dirty="0">
-                <a:latin typeface="Consolas" panose="020B0609020204030204" pitchFamily="49" charset="0"/>
-                <a:ea typeface="Calibri" panose="020F0502020204030204" pitchFamily="34" charset="0"/>
-                <a:cs typeface="Times New Roman" panose="02020603050405020304" pitchFamily="18" charset="0"/>
-              </a:rPr>
-              <a:t> </a:t>
-            </a:r>
-            <a:r>
-              <a:rPr lang="en-US" sz="1400" dirty="0">
-                <a:solidFill>
-                  <a:srgbClr val="0000FF"/>
-                </a:solidFill>
-                <a:latin typeface="Consolas" panose="020B0609020204030204" pitchFamily="49" charset="0"/>
-                <a:ea typeface="Calibri" panose="020F0502020204030204" pitchFamily="34" charset="0"/>
-                <a:cs typeface="Times New Roman" panose="02020603050405020304" pitchFamily="18" charset="0"/>
-              </a:rPr>
-              <a:t>by</a:t>
-            </a:r>
-            <a:r>
-              <a:rPr lang="en-US" sz="1400" dirty="0">
-                <a:latin typeface="Consolas" panose="020B0609020204030204" pitchFamily="49" charset="0"/>
-                <a:ea typeface="Calibri" panose="020F0502020204030204" pitchFamily="34" charset="0"/>
-                <a:cs typeface="Times New Roman" panose="02020603050405020304" pitchFamily="18" charset="0"/>
-              </a:rPr>
-              <a:t> </a:t>
-            </a:r>
-            <a:r>
-              <a:rPr lang="en-US" sz="1400" dirty="0" err="1">
-                <a:solidFill>
-                  <a:srgbClr val="008080"/>
-                </a:solidFill>
-                <a:latin typeface="Consolas" panose="020B0609020204030204" pitchFamily="49" charset="0"/>
-                <a:ea typeface="Calibri" panose="020F0502020204030204" pitchFamily="34" charset="0"/>
-                <a:cs typeface="Times New Roman" panose="02020603050405020304" pitchFamily="18" charset="0"/>
-              </a:rPr>
-              <a:t>od</a:t>
-            </a:r>
-            <a:r>
-              <a:rPr lang="en-US" sz="1400" dirty="0" err="1">
-                <a:solidFill>
-                  <a:srgbClr val="808080"/>
-                </a:solidFill>
-                <a:latin typeface="Consolas" panose="020B0609020204030204" pitchFamily="49" charset="0"/>
-                <a:ea typeface="Calibri" panose="020F0502020204030204" pitchFamily="34" charset="0"/>
-                <a:cs typeface="Times New Roman" panose="02020603050405020304" pitchFamily="18" charset="0"/>
-              </a:rPr>
-              <a:t>.</a:t>
-            </a:r>
-            <a:r>
-              <a:rPr lang="en-US" sz="1400" dirty="0" err="1">
-                <a:solidFill>
-                  <a:srgbClr val="008080"/>
-                </a:solidFill>
-                <a:latin typeface="Consolas" panose="020B0609020204030204" pitchFamily="49" charset="0"/>
-                <a:ea typeface="Calibri" panose="020F0502020204030204" pitchFamily="34" charset="0"/>
-                <a:cs typeface="Times New Roman" panose="02020603050405020304" pitchFamily="18" charset="0"/>
-              </a:rPr>
-              <a:t>ProductId</a:t>
-            </a:r>
-            <a:endParaRPr lang="en-US" dirty="0">
-              <a:latin typeface="Calibri" panose="020F0502020204030204" pitchFamily="34" charset="0"/>
-              <a:ea typeface="Calibri" panose="020F0502020204030204" pitchFamily="34" charset="0"/>
-              <a:cs typeface="Times New Roman" panose="02020603050405020304" pitchFamily="18" charset="0"/>
-            </a:endParaRPr>
-          </a:p>
-          <a:p>
-            <a:pPr>
-              <a:lnSpc>
-                <a:spcPct val="107000"/>
-              </a:lnSpc>
-            </a:pPr>
-            <a:r>
-              <a:rPr lang="en-US" sz="1400" dirty="0">
-                <a:solidFill>
-                  <a:srgbClr val="0000FF"/>
-                </a:solidFill>
-                <a:latin typeface="Consolas" panose="020B0609020204030204" pitchFamily="49" charset="0"/>
-                <a:ea typeface="Calibri" panose="020F0502020204030204" pitchFamily="34" charset="0"/>
-                <a:cs typeface="Times New Roman" panose="02020603050405020304" pitchFamily="18" charset="0"/>
-              </a:rPr>
-              <a:t>having</a:t>
-            </a:r>
-            <a:r>
-              <a:rPr lang="en-US" sz="1400" dirty="0">
-                <a:latin typeface="Consolas" panose="020B0609020204030204" pitchFamily="49" charset="0"/>
-                <a:ea typeface="Calibri" panose="020F0502020204030204" pitchFamily="34" charset="0"/>
-                <a:cs typeface="Times New Roman" panose="02020603050405020304" pitchFamily="18" charset="0"/>
-              </a:rPr>
-              <a:t> </a:t>
-            </a:r>
-            <a:r>
-              <a:rPr lang="en-US" sz="1400" dirty="0">
-                <a:solidFill>
-                  <a:srgbClr val="FF00FF"/>
-                </a:solidFill>
-                <a:latin typeface="Consolas" panose="020B0609020204030204" pitchFamily="49" charset="0"/>
-                <a:ea typeface="Calibri" panose="020F0502020204030204" pitchFamily="34" charset="0"/>
-                <a:cs typeface="Times New Roman" panose="02020603050405020304" pitchFamily="18" charset="0"/>
-              </a:rPr>
-              <a:t>sum</a:t>
-            </a:r>
-            <a:r>
-              <a:rPr lang="en-US" sz="1400" dirty="0">
-                <a:solidFill>
-                  <a:srgbClr val="808080"/>
-                </a:solidFill>
-                <a:latin typeface="Consolas" panose="020B0609020204030204" pitchFamily="49" charset="0"/>
-                <a:ea typeface="Calibri" panose="020F0502020204030204" pitchFamily="34" charset="0"/>
-                <a:cs typeface="Times New Roman" panose="02020603050405020304" pitchFamily="18" charset="0"/>
-              </a:rPr>
-              <a:t>(</a:t>
-            </a:r>
-            <a:r>
-              <a:rPr lang="en-US" sz="1400" dirty="0" err="1">
-                <a:solidFill>
-                  <a:srgbClr val="008080"/>
-                </a:solidFill>
-                <a:latin typeface="Consolas" panose="020B0609020204030204" pitchFamily="49" charset="0"/>
-                <a:ea typeface="Calibri" panose="020F0502020204030204" pitchFamily="34" charset="0"/>
-                <a:cs typeface="Times New Roman" panose="02020603050405020304" pitchFamily="18" charset="0"/>
-              </a:rPr>
-              <a:t>od</a:t>
-            </a:r>
-            <a:r>
-              <a:rPr lang="en-US" sz="1400" dirty="0" err="1">
-                <a:solidFill>
-                  <a:srgbClr val="808080"/>
-                </a:solidFill>
-                <a:latin typeface="Consolas" panose="020B0609020204030204" pitchFamily="49" charset="0"/>
-                <a:ea typeface="Calibri" panose="020F0502020204030204" pitchFamily="34" charset="0"/>
-                <a:cs typeface="Times New Roman" panose="02020603050405020304" pitchFamily="18" charset="0"/>
-              </a:rPr>
-              <a:t>.</a:t>
-            </a:r>
-            <a:r>
-              <a:rPr lang="en-US" sz="1400" dirty="0" err="1">
-                <a:solidFill>
-                  <a:srgbClr val="008080"/>
-                </a:solidFill>
-                <a:latin typeface="Consolas" panose="020B0609020204030204" pitchFamily="49" charset="0"/>
-                <a:ea typeface="Calibri" panose="020F0502020204030204" pitchFamily="34" charset="0"/>
-                <a:cs typeface="Times New Roman" panose="02020603050405020304" pitchFamily="18" charset="0"/>
-              </a:rPr>
-              <a:t>Quantity</a:t>
-            </a:r>
-            <a:r>
-              <a:rPr lang="en-US" sz="1400" dirty="0">
-                <a:solidFill>
-                  <a:srgbClr val="808080"/>
-                </a:solidFill>
-                <a:latin typeface="Consolas" panose="020B0609020204030204" pitchFamily="49" charset="0"/>
-                <a:ea typeface="Calibri" panose="020F0502020204030204" pitchFamily="34" charset="0"/>
-                <a:cs typeface="Times New Roman" panose="02020603050405020304" pitchFamily="18" charset="0"/>
-              </a:rPr>
-              <a:t>)</a:t>
-            </a:r>
-            <a:r>
-              <a:rPr lang="en-US" sz="1400" dirty="0">
-                <a:latin typeface="Consolas" panose="020B0609020204030204" pitchFamily="49" charset="0"/>
-                <a:ea typeface="Calibri" panose="020F0502020204030204" pitchFamily="34" charset="0"/>
-                <a:cs typeface="Times New Roman" panose="02020603050405020304" pitchFamily="18" charset="0"/>
-              </a:rPr>
-              <a:t> </a:t>
-            </a:r>
-            <a:r>
-              <a:rPr lang="en-US" sz="1400" dirty="0">
-                <a:solidFill>
-                  <a:srgbClr val="808080"/>
-                </a:solidFill>
-                <a:latin typeface="Consolas" panose="020B0609020204030204" pitchFamily="49" charset="0"/>
-                <a:ea typeface="Calibri" panose="020F0502020204030204" pitchFamily="34" charset="0"/>
-                <a:cs typeface="Times New Roman" panose="02020603050405020304" pitchFamily="18" charset="0"/>
-              </a:rPr>
-              <a:t>&gt;=</a:t>
-            </a:r>
-            <a:r>
-              <a:rPr lang="en-US" sz="1400" dirty="0">
-                <a:latin typeface="Consolas" panose="020B0609020204030204" pitchFamily="49" charset="0"/>
-                <a:ea typeface="Calibri" panose="020F0502020204030204" pitchFamily="34" charset="0"/>
-                <a:cs typeface="Times New Roman" panose="02020603050405020304" pitchFamily="18" charset="0"/>
-              </a:rPr>
-              <a:t> 20</a:t>
-            </a:r>
-            <a:endParaRPr lang="en-US" dirty="0">
-              <a:latin typeface="Calibri" panose="020F0502020204030204" pitchFamily="34" charset="0"/>
-              <a:ea typeface="Calibri" panose="020F0502020204030204" pitchFamily="34" charset="0"/>
-              <a:cs typeface="Times New Roman" panose="02020603050405020304" pitchFamily="18" charset="0"/>
-            </a:endParaRPr>
-          </a:p>
-          <a:p>
-            <a:pPr>
-              <a:lnSpc>
-                <a:spcPct val="107000"/>
-              </a:lnSpc>
-            </a:pPr>
-            <a:r>
-              <a:rPr lang="en-US" sz="1400" dirty="0">
-                <a:solidFill>
-                  <a:srgbClr val="0000FF"/>
-                </a:solidFill>
-                <a:latin typeface="Consolas" panose="020B0609020204030204" pitchFamily="49" charset="0"/>
-                <a:ea typeface="Calibri" panose="020F0502020204030204" pitchFamily="34" charset="0"/>
-                <a:cs typeface="Times New Roman" panose="02020603050405020304" pitchFamily="18" charset="0"/>
-              </a:rPr>
-              <a:t>select</a:t>
-            </a:r>
-            <a:r>
-              <a:rPr lang="en-US" sz="1400" dirty="0">
-                <a:latin typeface="Consolas" panose="020B0609020204030204" pitchFamily="49" charset="0"/>
-                <a:ea typeface="Calibri" panose="020F0502020204030204" pitchFamily="34" charset="0"/>
-                <a:cs typeface="Times New Roman" panose="02020603050405020304" pitchFamily="18" charset="0"/>
-              </a:rPr>
-              <a:t> </a:t>
-            </a:r>
-            <a:r>
-              <a:rPr lang="en-US" sz="1400" dirty="0" err="1">
-                <a:solidFill>
-                  <a:srgbClr val="008080"/>
-                </a:solidFill>
-                <a:latin typeface="Consolas" panose="020B0609020204030204" pitchFamily="49" charset="0"/>
-                <a:ea typeface="Calibri" panose="020F0502020204030204" pitchFamily="34" charset="0"/>
-                <a:cs typeface="Times New Roman" panose="02020603050405020304" pitchFamily="18" charset="0"/>
-              </a:rPr>
-              <a:t>od</a:t>
-            </a:r>
-            <a:r>
-              <a:rPr lang="en-US" sz="1400" dirty="0" err="1">
-                <a:solidFill>
-                  <a:srgbClr val="808080"/>
-                </a:solidFill>
-                <a:latin typeface="Consolas" panose="020B0609020204030204" pitchFamily="49" charset="0"/>
-                <a:ea typeface="Calibri" panose="020F0502020204030204" pitchFamily="34" charset="0"/>
-                <a:cs typeface="Times New Roman" panose="02020603050405020304" pitchFamily="18" charset="0"/>
-              </a:rPr>
-              <a:t>.</a:t>
-            </a:r>
-            <a:r>
-              <a:rPr lang="en-US" sz="1400" dirty="0" err="1">
-                <a:solidFill>
-                  <a:srgbClr val="008080"/>
-                </a:solidFill>
-                <a:latin typeface="Consolas" panose="020B0609020204030204" pitchFamily="49" charset="0"/>
-                <a:ea typeface="Calibri" panose="020F0502020204030204" pitchFamily="34" charset="0"/>
-                <a:cs typeface="Times New Roman" panose="02020603050405020304" pitchFamily="18" charset="0"/>
-              </a:rPr>
-              <a:t>ProductId</a:t>
-            </a:r>
-            <a:r>
-              <a:rPr lang="en-US" sz="1400" dirty="0">
-                <a:solidFill>
-                  <a:srgbClr val="808080"/>
-                </a:solidFill>
-                <a:latin typeface="Consolas" panose="020B0609020204030204" pitchFamily="49" charset="0"/>
-                <a:ea typeface="Calibri" panose="020F0502020204030204" pitchFamily="34" charset="0"/>
-                <a:cs typeface="Times New Roman" panose="02020603050405020304" pitchFamily="18" charset="0"/>
-              </a:rPr>
-              <a:t>,</a:t>
-            </a:r>
-            <a:endParaRPr lang="en-US" sz="1400" dirty="0">
-              <a:latin typeface="Consolas" panose="020B0609020204030204" pitchFamily="49" charset="0"/>
-              <a:ea typeface="Calibri" panose="020F0502020204030204" pitchFamily="34" charset="0"/>
-              <a:cs typeface="Times New Roman" panose="02020603050405020304" pitchFamily="18" charset="0"/>
-            </a:endParaRPr>
-          </a:p>
-          <a:p>
-            <a:pPr>
-              <a:lnSpc>
-                <a:spcPct val="107000"/>
-              </a:lnSpc>
-            </a:pPr>
-            <a:r>
-              <a:rPr lang="en-US" sz="1400" dirty="0">
-                <a:solidFill>
-                  <a:srgbClr val="FF00FF"/>
-                </a:solidFill>
-                <a:latin typeface="Consolas" panose="020B0609020204030204" pitchFamily="49" charset="0"/>
-                <a:ea typeface="Calibri" panose="020F0502020204030204" pitchFamily="34" charset="0"/>
-                <a:cs typeface="Times New Roman" panose="02020603050405020304" pitchFamily="18" charset="0"/>
-              </a:rPr>
-              <a:t>	sum</a:t>
-            </a:r>
-            <a:r>
-              <a:rPr lang="en-US" sz="1400" dirty="0">
-                <a:solidFill>
-                  <a:srgbClr val="808080"/>
-                </a:solidFill>
-                <a:latin typeface="Consolas" panose="020B0609020204030204" pitchFamily="49" charset="0"/>
-                <a:ea typeface="Calibri" panose="020F0502020204030204" pitchFamily="34" charset="0"/>
-                <a:cs typeface="Times New Roman" panose="02020603050405020304" pitchFamily="18" charset="0"/>
-              </a:rPr>
-              <a:t>(</a:t>
-            </a:r>
-            <a:r>
-              <a:rPr lang="en-US" sz="1400" dirty="0" err="1">
-                <a:solidFill>
-                  <a:srgbClr val="008080"/>
-                </a:solidFill>
-                <a:latin typeface="Consolas" panose="020B0609020204030204" pitchFamily="49" charset="0"/>
-                <a:ea typeface="Calibri" panose="020F0502020204030204" pitchFamily="34" charset="0"/>
-                <a:cs typeface="Times New Roman" panose="02020603050405020304" pitchFamily="18" charset="0"/>
-              </a:rPr>
-              <a:t>od</a:t>
-            </a:r>
-            <a:r>
-              <a:rPr lang="en-US" sz="1400" dirty="0" err="1">
-                <a:solidFill>
-                  <a:srgbClr val="808080"/>
-                </a:solidFill>
-                <a:latin typeface="Consolas" panose="020B0609020204030204" pitchFamily="49" charset="0"/>
-                <a:ea typeface="Calibri" panose="020F0502020204030204" pitchFamily="34" charset="0"/>
-                <a:cs typeface="Times New Roman" panose="02020603050405020304" pitchFamily="18" charset="0"/>
-              </a:rPr>
-              <a:t>.</a:t>
-            </a:r>
-            <a:r>
-              <a:rPr lang="en-US" sz="1400" dirty="0" err="1">
-                <a:solidFill>
-                  <a:srgbClr val="008080"/>
-                </a:solidFill>
-                <a:latin typeface="Consolas" panose="020B0609020204030204" pitchFamily="49" charset="0"/>
-                <a:ea typeface="Calibri" panose="020F0502020204030204" pitchFamily="34" charset="0"/>
-                <a:cs typeface="Times New Roman" panose="02020603050405020304" pitchFamily="18" charset="0"/>
-              </a:rPr>
-              <a:t>Quantity</a:t>
-            </a:r>
-            <a:r>
-              <a:rPr lang="en-US" sz="1400" dirty="0">
-                <a:solidFill>
-                  <a:srgbClr val="808080"/>
-                </a:solidFill>
-                <a:latin typeface="Consolas" panose="020B0609020204030204" pitchFamily="49" charset="0"/>
-                <a:ea typeface="Calibri" panose="020F0502020204030204" pitchFamily="34" charset="0"/>
-                <a:cs typeface="Times New Roman" panose="02020603050405020304" pitchFamily="18" charset="0"/>
-              </a:rPr>
-              <a:t>)</a:t>
-            </a:r>
-            <a:r>
-              <a:rPr lang="en-US" sz="1400" dirty="0">
-                <a:latin typeface="Consolas" panose="020B0609020204030204" pitchFamily="49" charset="0"/>
-                <a:ea typeface="Calibri" panose="020F0502020204030204" pitchFamily="34" charset="0"/>
-                <a:cs typeface="Times New Roman" panose="02020603050405020304" pitchFamily="18" charset="0"/>
-              </a:rPr>
-              <a:t> </a:t>
-            </a:r>
-            <a:r>
-              <a:rPr lang="en-US" sz="1400" dirty="0">
-                <a:solidFill>
-                  <a:srgbClr val="808080"/>
-                </a:solidFill>
-                <a:latin typeface="Consolas" panose="020B0609020204030204" pitchFamily="49" charset="0"/>
-                <a:ea typeface="Calibri" panose="020F0502020204030204" pitchFamily="34" charset="0"/>
-                <a:cs typeface="Times New Roman" panose="02020603050405020304" pitchFamily="18" charset="0"/>
-              </a:rPr>
-              <a:t>-</a:t>
-            </a:r>
-            <a:r>
-              <a:rPr lang="en-US" sz="1400" dirty="0">
-                <a:latin typeface="Consolas" panose="020B0609020204030204" pitchFamily="49" charset="0"/>
-                <a:ea typeface="Calibri" panose="020F0502020204030204" pitchFamily="34" charset="0"/>
-                <a:cs typeface="Times New Roman" panose="02020603050405020304" pitchFamily="18" charset="0"/>
-              </a:rPr>
-              <a:t> 20 </a:t>
-            </a:r>
-            <a:r>
-              <a:rPr lang="en-US" sz="1400" dirty="0" err="1">
-                <a:solidFill>
-                  <a:srgbClr val="008080"/>
-                </a:solidFill>
-                <a:latin typeface="Consolas" panose="020B0609020204030204" pitchFamily="49" charset="0"/>
-                <a:ea typeface="Calibri" panose="020F0502020204030204" pitchFamily="34" charset="0"/>
-                <a:cs typeface="Times New Roman" panose="02020603050405020304" pitchFamily="18" charset="0"/>
-              </a:rPr>
-              <a:t>ExcessOrders</a:t>
-            </a:r>
-            <a:endParaRPr lang="en-US" dirty="0">
-              <a:latin typeface="Calibri" panose="020F0502020204030204" pitchFamily="34" charset="0"/>
-              <a:ea typeface="Calibri" panose="020F0502020204030204" pitchFamily="34" charset="0"/>
-              <a:cs typeface="Times New Roman" panose="02020603050405020304" pitchFamily="18" charset="0"/>
-            </a:endParaRPr>
-          </a:p>
-          <a:p>
-            <a:pPr>
-              <a:lnSpc>
-                <a:spcPct val="107000"/>
-              </a:lnSpc>
-            </a:pPr>
-            <a:r>
-              <a:rPr lang="en-US" sz="1400" dirty="0">
-                <a:solidFill>
-                  <a:srgbClr val="0000FF"/>
-                </a:solidFill>
-                <a:latin typeface="Consolas" panose="020B0609020204030204" pitchFamily="49" charset="0"/>
-                <a:ea typeface="Calibri" panose="020F0502020204030204" pitchFamily="34" charset="0"/>
-                <a:cs typeface="Times New Roman" panose="02020603050405020304" pitchFamily="18" charset="0"/>
-              </a:rPr>
-              <a:t>order</a:t>
-            </a:r>
-            <a:r>
-              <a:rPr lang="en-US" sz="1400" dirty="0">
-                <a:latin typeface="Consolas" panose="020B0609020204030204" pitchFamily="49" charset="0"/>
-                <a:ea typeface="Calibri" panose="020F0502020204030204" pitchFamily="34" charset="0"/>
-                <a:cs typeface="Times New Roman" panose="02020603050405020304" pitchFamily="18" charset="0"/>
-              </a:rPr>
-              <a:t> </a:t>
-            </a:r>
-            <a:r>
-              <a:rPr lang="en-US" sz="1400" dirty="0">
-                <a:solidFill>
-                  <a:srgbClr val="0000FF"/>
-                </a:solidFill>
-                <a:latin typeface="Consolas" panose="020B0609020204030204" pitchFamily="49" charset="0"/>
-                <a:ea typeface="Calibri" panose="020F0502020204030204" pitchFamily="34" charset="0"/>
-                <a:cs typeface="Times New Roman" panose="02020603050405020304" pitchFamily="18" charset="0"/>
-              </a:rPr>
-              <a:t>by</a:t>
-            </a:r>
-            <a:r>
-              <a:rPr lang="en-US" sz="1400" dirty="0">
-                <a:latin typeface="Consolas" panose="020B0609020204030204" pitchFamily="49" charset="0"/>
-                <a:ea typeface="Calibri" panose="020F0502020204030204" pitchFamily="34" charset="0"/>
-                <a:cs typeface="Times New Roman" panose="02020603050405020304" pitchFamily="18" charset="0"/>
-              </a:rPr>
-              <a:t> </a:t>
-            </a:r>
-            <a:r>
-              <a:rPr lang="en-US" sz="1400" dirty="0" err="1">
-                <a:solidFill>
-                  <a:srgbClr val="008080"/>
-                </a:solidFill>
-                <a:latin typeface="Consolas" panose="020B0609020204030204" pitchFamily="49" charset="0"/>
-                <a:ea typeface="Calibri" panose="020F0502020204030204" pitchFamily="34" charset="0"/>
-                <a:cs typeface="Times New Roman" panose="02020603050405020304" pitchFamily="18" charset="0"/>
-              </a:rPr>
-              <a:t>od</a:t>
-            </a:r>
-            <a:r>
-              <a:rPr lang="en-US" sz="1400" dirty="0" err="1">
-                <a:solidFill>
-                  <a:srgbClr val="808080"/>
-                </a:solidFill>
-                <a:latin typeface="Consolas" panose="020B0609020204030204" pitchFamily="49" charset="0"/>
-                <a:ea typeface="Calibri" panose="020F0502020204030204" pitchFamily="34" charset="0"/>
-                <a:cs typeface="Times New Roman" panose="02020603050405020304" pitchFamily="18" charset="0"/>
-              </a:rPr>
-              <a:t>.</a:t>
-            </a:r>
-            <a:r>
-              <a:rPr lang="en-US" sz="1400" dirty="0" err="1">
-                <a:solidFill>
-                  <a:srgbClr val="008080"/>
-                </a:solidFill>
-                <a:latin typeface="Consolas" panose="020B0609020204030204" pitchFamily="49" charset="0"/>
-                <a:ea typeface="Calibri" panose="020F0502020204030204" pitchFamily="34" charset="0"/>
-                <a:cs typeface="Times New Roman" panose="02020603050405020304" pitchFamily="18" charset="0"/>
-              </a:rPr>
-              <a:t>ProductId</a:t>
-            </a:r>
-            <a:endParaRPr lang="en-US" sz="1400" dirty="0">
-              <a:solidFill>
-                <a:srgbClr val="008080"/>
-              </a:solidFill>
-              <a:latin typeface="Consolas" panose="020B0609020204030204" pitchFamily="49" charset="0"/>
-              <a:ea typeface="Calibri" panose="020F0502020204030204" pitchFamily="34" charset="0"/>
-              <a:cs typeface="Times New Roman" panose="02020603050405020304" pitchFamily="18" charset="0"/>
-            </a:endParaRPr>
-          </a:p>
-          <a:p>
-            <a:pPr>
-              <a:lnSpc>
-                <a:spcPct val="107000"/>
-              </a:lnSpc>
-            </a:pPr>
-            <a:r>
-              <a:rPr lang="en-US" sz="1400" dirty="0">
-                <a:solidFill>
-                  <a:srgbClr val="0000FF"/>
-                </a:solidFill>
-                <a:latin typeface="Consolas" panose="020B0609020204030204" pitchFamily="49" charset="0"/>
-                <a:ea typeface="Calibri" panose="020F0502020204030204" pitchFamily="34" charset="0"/>
-                <a:cs typeface="Times New Roman" panose="02020603050405020304" pitchFamily="18" charset="0"/>
-              </a:rPr>
-              <a:t>top</a:t>
-            </a:r>
-            <a:r>
-              <a:rPr lang="en-US" sz="1400" dirty="0">
-                <a:latin typeface="Consolas" panose="020B0609020204030204" pitchFamily="49" charset="0"/>
-                <a:ea typeface="Calibri" panose="020F0502020204030204" pitchFamily="34" charset="0"/>
-                <a:cs typeface="Times New Roman" panose="02020603050405020304" pitchFamily="18" charset="0"/>
-              </a:rPr>
-              <a:t> 5</a:t>
-            </a:r>
-            <a:r>
-              <a:rPr lang="en-US" sz="1400" dirty="0">
-                <a:solidFill>
-                  <a:srgbClr val="808080"/>
-                </a:solidFill>
-                <a:latin typeface="Consolas" panose="020B0609020204030204" pitchFamily="49" charset="0"/>
-                <a:ea typeface="Calibri" panose="020F0502020204030204" pitchFamily="34" charset="0"/>
-                <a:cs typeface="Times New Roman" panose="02020603050405020304" pitchFamily="18" charset="0"/>
-              </a:rPr>
-              <a:t>;</a:t>
-            </a:r>
-            <a:endParaRPr lang="en-US" dirty="0">
-              <a:latin typeface="Calibri" panose="020F0502020204030204" pitchFamily="34" charset="0"/>
-              <a:ea typeface="Calibri" panose="020F0502020204030204" pitchFamily="34" charset="0"/>
-              <a:cs typeface="Times New Roman" panose="02020603050405020304" pitchFamily="18" charset="0"/>
-            </a:endParaRPr>
-          </a:p>
-        </p:txBody>
-      </p:sp>
-      <p:pic>
-        <p:nvPicPr>
-          <p:cNvPr id="4" name="Picture 3"/>
-          <p:cNvPicPr>
-            <a:picLocks noChangeAspect="1"/>
-          </p:cNvPicPr>
-          <p:nvPr/>
-        </p:nvPicPr>
-        <p:blipFill>
-          <a:blip r:embed="rId3"/>
-          <a:stretch>
-            <a:fillRect/>
-          </a:stretch>
-        </p:blipFill>
-        <p:spPr>
-          <a:xfrm>
-            <a:off x="3246120" y="539496"/>
-            <a:ext cx="5421612" cy="5678424"/>
-          </a:xfrm>
-          <a:prstGeom prst="rect">
-            <a:avLst/>
-          </a:prstGeom>
-        </p:spPr>
-      </p:pic>
-      <p:sp>
-        <p:nvSpPr>
-          <p:cNvPr id="6" name="Oval 5"/>
-          <p:cNvSpPr/>
-          <p:nvPr/>
-        </p:nvSpPr>
-        <p:spPr>
-          <a:xfrm>
-            <a:off x="8388326" y="103889"/>
-            <a:ext cx="616016" cy="606391"/>
-          </a:xfrm>
-          <a:prstGeom prst="ellipse">
-            <a:avLst/>
-          </a:prstGeom>
-        </p:spPr>
-        <p:style>
-          <a:lnRef idx="1">
-            <a:schemeClr val="accent1"/>
-          </a:lnRef>
-          <a:fillRef idx="3">
-            <a:schemeClr val="accent1"/>
-          </a:fillRef>
-          <a:effectRef idx="2">
-            <a:schemeClr val="accent1"/>
-          </a:effectRef>
-          <a:fontRef idx="minor">
-            <a:schemeClr val="lt1"/>
-          </a:fontRef>
-        </p:style>
-        <p:txBody>
-          <a:bodyPr rtlCol="0" anchor="ctr"/>
-          <a:lstStyle/>
-          <a:p>
-            <a:pPr algn="ctr"/>
-            <a:r>
-              <a:rPr lang="en-US" sz="1600" dirty="0"/>
-              <a:t>11</a:t>
-            </a:r>
-          </a:p>
-        </p:txBody>
-      </p:sp>
-    </p:spTree>
-    <p:extLst>
-      <p:ext uri="{BB962C8B-B14F-4D97-AF65-F5344CB8AC3E}">
-        <p14:creationId xmlns:p14="http://schemas.microsoft.com/office/powerpoint/2010/main" val="1565686106"/>
-      </p:ext>
-    </p:extLst>
-  </p:cSld>
-  <p:clrMapOvr>
-    <a:masterClrMapping/>
-  </p:clrMapOvr>
-</p:sld>
-</file>
-
-<file path=ppt/slides/slide26.xml><?xml version="1.0" encoding="utf-8"?>
-<p:sld xmlns:a="http://schemas.openxmlformats.org/drawingml/2006/main" xmlns:r="http://schemas.openxmlformats.org/officeDocument/2006/relationships" xmlns:p="http://schemas.openxmlformats.org/presentationml/2006/main">
-  <p:cSld>
-    <p:spTree>
-      <p:nvGrpSpPr>
-        <p:cNvPr id="1" name=""/>
-        <p:cNvGrpSpPr/>
-        <p:nvPr/>
-      </p:nvGrpSpPr>
-      <p:grpSpPr>
-        <a:xfrm>
-          <a:off x="0" y="0"/>
-          <a:ext cx="0" cy="0"/>
-          <a:chOff x="0" y="0"/>
-          <a:chExt cx="0" cy="0"/>
-        </a:xfrm>
-      </p:grpSpPr>
-      <p:sp>
-        <p:nvSpPr>
-          <p:cNvPr id="2" name="Title 1"/>
-          <p:cNvSpPr>
-            <a:spLocks noGrp="1"/>
-          </p:cNvSpPr>
-          <p:nvPr>
-            <p:ph type="title"/>
-          </p:nvPr>
-        </p:nvSpPr>
-        <p:spPr/>
-        <p:txBody>
-          <a:bodyPr/>
-          <a:lstStyle/>
-          <a:p>
-            <a:r>
-              <a:rPr lang="en-US" dirty="0"/>
-              <a:t>Process of Executing a Query</a:t>
-            </a:r>
-          </a:p>
-        </p:txBody>
-      </p:sp>
-      <p:sp>
-        <p:nvSpPr>
-          <p:cNvPr id="3" name="Content Placeholder 2"/>
-          <p:cNvSpPr>
-            <a:spLocks noGrp="1"/>
-          </p:cNvSpPr>
-          <p:nvPr>
-            <p:ph idx="1"/>
-          </p:nvPr>
-        </p:nvSpPr>
-        <p:spPr/>
-        <p:txBody>
-          <a:bodyPr/>
-          <a:lstStyle/>
-          <a:p>
-            <a:r>
-              <a:rPr lang="en-US" dirty="0"/>
               <a:t>Parsing and binding</a:t>
             </a:r>
           </a:p>
@@ -23904,7 +21427,7 @@
 </p:sld>
 </file>
 
-<file path=ppt/slides/slide27.xml><?xml version="1.0" encoding="utf-8"?>
+<file path=ppt/slides/slide24.xml><?xml version="1.0" encoding="utf-8"?>
 <p:sld xmlns:a="http://schemas.openxmlformats.org/drawingml/2006/main" xmlns:r="http://schemas.openxmlformats.org/officeDocument/2006/relationships" xmlns:p="http://schemas.openxmlformats.org/presentationml/2006/main">
   <p:cSld>
     <p:spTree>
@@ -23982,7 +21505,7 @@
 </p:sld>
 </file>
 
-<file path=ppt/slides/slide28.xml><?xml version="1.0" encoding="utf-8"?>
+<file path=ppt/slides/slide25.xml><?xml version="1.0" encoding="utf-8"?>
 <p:sld xmlns:a="http://schemas.openxmlformats.org/drawingml/2006/main" xmlns:r="http://schemas.openxmlformats.org/officeDocument/2006/relationships" xmlns:p="http://schemas.openxmlformats.org/presentationml/2006/main">
   <p:cSld>
     <p:spTree>
@@ -24721,7 +22244,7 @@
 </p:sld>
 </file>
 
-<file path=ppt/slides/slide29.xml><?xml version="1.0" encoding="utf-8"?>
+<file path=ppt/slides/slide26.xml><?xml version="1.0" encoding="utf-8"?>
 <p:sld xmlns:a="http://schemas.openxmlformats.org/drawingml/2006/main" xmlns:r="http://schemas.openxmlformats.org/officeDocument/2006/relationships" xmlns:p="http://schemas.openxmlformats.org/presentationml/2006/main">
   <p:cSld>
     <p:spTree>
@@ -26865,118 +24388,7 @@
 </p:sld>
 </file>
 
-<file path=ppt/slides/slide3.xml><?xml version="1.0" encoding="utf-8"?>
-<p:sld xmlns:a="http://schemas.openxmlformats.org/drawingml/2006/main" xmlns:r="http://schemas.openxmlformats.org/officeDocument/2006/relationships" xmlns:p="http://schemas.openxmlformats.org/presentationml/2006/main">
-  <p:cSld>
-    <p:spTree>
-      <p:nvGrpSpPr>
-        <p:cNvPr id="1" name=""/>
-        <p:cNvGrpSpPr/>
-        <p:nvPr/>
-      </p:nvGrpSpPr>
-      <p:grpSpPr>
-        <a:xfrm>
-          <a:off x="0" y="0"/>
-          <a:ext cx="0" cy="0"/>
-          <a:chOff x="0" y="0"/>
-          <a:chExt cx="0" cy="0"/>
-        </a:xfrm>
-      </p:grpSpPr>
-      <p:sp>
-        <p:nvSpPr>
-          <p:cNvPr id="2" name="Title 1"/>
-          <p:cNvSpPr>
-            <a:spLocks noGrp="1"/>
-          </p:cNvSpPr>
-          <p:nvPr>
-            <p:ph type="title"/>
-          </p:nvPr>
-        </p:nvSpPr>
-        <p:spPr/>
-        <p:txBody>
-          <a:bodyPr/>
-          <a:lstStyle/>
-          <a:p>
-            <a:r>
-              <a:rPr lang="en-US" dirty="0"/>
-              <a:t>About This Session</a:t>
-            </a:r>
-          </a:p>
-        </p:txBody>
-      </p:sp>
-      <p:sp>
-        <p:nvSpPr>
-          <p:cNvPr id="3" name="Content Placeholder 2"/>
-          <p:cNvSpPr>
-            <a:spLocks noGrp="1"/>
-          </p:cNvSpPr>
-          <p:nvPr>
-            <p:ph idx="1"/>
-          </p:nvPr>
-        </p:nvSpPr>
-        <p:spPr/>
-        <p:txBody>
-          <a:bodyPr/>
-          <a:lstStyle/>
-          <a:p>
-            <a:r>
-              <a:rPr lang="en-US" dirty="0"/>
-              <a:t>What this session is not</a:t>
-            </a:r>
-          </a:p>
-          <a:p>
-            <a:pPr lvl="1"/>
-            <a:r>
-              <a:rPr lang="en-US" dirty="0"/>
-              <a:t>An end-to-end optimizer session</a:t>
-            </a:r>
-          </a:p>
-          <a:p>
-            <a:pPr lvl="1"/>
-            <a:r>
-              <a:rPr lang="en-US" dirty="0"/>
-              <a:t>A performance tuning session</a:t>
-            </a:r>
-          </a:p>
-          <a:p>
-            <a:endParaRPr lang="en-US" dirty="0"/>
-          </a:p>
-          <a:p>
-            <a:r>
-              <a:rPr lang="en-US" dirty="0"/>
-              <a:t>Goals of this session</a:t>
-            </a:r>
-          </a:p>
-          <a:p>
-            <a:pPr lvl="1"/>
-            <a:r>
-              <a:rPr lang="en-US" dirty="0"/>
-              <a:t>Additional understanding of SQL Server internals</a:t>
-            </a:r>
-          </a:p>
-          <a:p>
-            <a:pPr lvl="1"/>
-            <a:r>
-              <a:rPr lang="en-US" dirty="0"/>
-              <a:t>Provide an additional skill for performance tuning</a:t>
-            </a:r>
-          </a:p>
-        </p:txBody>
-      </p:sp>
-    </p:spTree>
-    <p:extLst>
-      <p:ext uri="{BB962C8B-B14F-4D97-AF65-F5344CB8AC3E}">
-        <p14:creationId xmlns:p14="http://schemas.microsoft.com/office/powerpoint/2010/main" val="1507468022"/>
-      </p:ext>
-    </p:extLst>
-  </p:cSld>
-  <p:clrMapOvr>
-    <a:masterClrMapping/>
-  </p:clrMapOvr>
-</p:sld>
-</file>
-
-<file path=ppt/slides/slide30.xml><?xml version="1.0" encoding="utf-8"?>
+<file path=ppt/slides/slide27.xml><?xml version="1.0" encoding="utf-8"?>
 <p:sld xmlns:a="http://schemas.openxmlformats.org/drawingml/2006/main" xmlns:r="http://schemas.openxmlformats.org/officeDocument/2006/relationships" xmlns:p="http://schemas.openxmlformats.org/presentationml/2006/main">
   <p:cSld>
     <p:spTree>
@@ -27799,6 +25211,2700 @@
 </p:sld>
 </file>
 
+<file path=ppt/slides/slide28.xml><?xml version="1.0" encoding="utf-8"?>
+<p:sld xmlns:a="http://schemas.openxmlformats.org/drawingml/2006/main" xmlns:r="http://schemas.openxmlformats.org/officeDocument/2006/relationships" xmlns:p="http://schemas.openxmlformats.org/presentationml/2006/main">
+  <p:cSld>
+    <p:spTree>
+      <p:nvGrpSpPr>
+        <p:cNvPr id="1" name=""/>
+        <p:cNvGrpSpPr/>
+        <p:nvPr/>
+      </p:nvGrpSpPr>
+      <p:grpSpPr>
+        <a:xfrm>
+          <a:off x="0" y="0"/>
+          <a:ext cx="0" cy="0"/>
+          <a:chOff x="0" y="0"/>
+          <a:chExt cx="0" cy="0"/>
+        </a:xfrm>
+      </p:grpSpPr>
+      <p:sp>
+        <p:nvSpPr>
+          <p:cNvPr id="2" name="Title 1"/>
+          <p:cNvSpPr>
+            <a:spLocks noGrp="1"/>
+          </p:cNvSpPr>
+          <p:nvPr>
+            <p:ph type="title"/>
+          </p:nvPr>
+        </p:nvSpPr>
+        <p:spPr/>
+        <p:txBody>
+          <a:bodyPr/>
+          <a:lstStyle/>
+          <a:p>
+            <a:r>
+              <a:rPr lang="en-US" dirty="0"/>
+              <a:t>Parse </a:t>
+            </a:r>
+            <a:r>
+              <a:rPr lang="en-US" dirty="0" smtClean="0"/>
+              <a:t>Trees*</a:t>
+            </a:r>
+            <a:endParaRPr lang="en-US" dirty="0"/>
+          </a:p>
+        </p:txBody>
+      </p:sp>
+      <p:sp>
+        <p:nvSpPr>
+          <p:cNvPr id="3" name="Content Placeholder 2"/>
+          <p:cNvSpPr>
+            <a:spLocks noGrp="1"/>
+          </p:cNvSpPr>
+          <p:nvPr>
+            <p:ph idx="1"/>
+          </p:nvPr>
+        </p:nvSpPr>
+        <p:spPr/>
+        <p:txBody>
+          <a:bodyPr/>
+          <a:lstStyle/>
+          <a:p>
+            <a:r>
+              <a:rPr lang="en-US" dirty="0"/>
+              <a:t>Internal representation of query operation</a:t>
+            </a:r>
+          </a:p>
+          <a:p>
+            <a:r>
+              <a:rPr lang="en-US" dirty="0"/>
+              <a:t>Nodes may be logical or physical operators</a:t>
+            </a:r>
+          </a:p>
+          <a:p>
+            <a:pPr lvl="1"/>
+            <a:r>
+              <a:rPr lang="en-US" dirty="0"/>
+              <a:t>0 to infinity inputs, 1 output</a:t>
+            </a:r>
+          </a:p>
+          <a:p>
+            <a:r>
+              <a:rPr lang="en-US" dirty="0"/>
+              <a:t>SQL Server will output parse trees at various phases of optimization</a:t>
+            </a:r>
+          </a:p>
+          <a:p>
+            <a:pPr lvl="1"/>
+            <a:r>
+              <a:rPr lang="en-US" dirty="0"/>
+              <a:t>A variety of trace flags will trigger output</a:t>
+            </a:r>
+          </a:p>
+        </p:txBody>
+      </p:sp>
+      <p:sp>
+        <p:nvSpPr>
+          <p:cNvPr id="4" name="TextBox 3"/>
+          <p:cNvSpPr txBox="1"/>
+          <p:nvPr/>
+        </p:nvSpPr>
+        <p:spPr>
+          <a:xfrm>
+            <a:off x="457200" y="6154738"/>
+            <a:ext cx="3724096" cy="369332"/>
+          </a:xfrm>
+          <a:prstGeom prst="rect">
+            <a:avLst/>
+          </a:prstGeom>
+          <a:noFill/>
+        </p:spPr>
+        <p:txBody>
+          <a:bodyPr wrap="none" rtlCol="0">
+            <a:spAutoFit/>
+          </a:bodyPr>
+          <a:lstStyle/>
+          <a:p>
+            <a:r>
+              <a:rPr lang="en-US" dirty="0" smtClean="0"/>
+              <a:t>* Or query trees, or relational trees</a:t>
+            </a:r>
+            <a:endParaRPr lang="en-US" dirty="0"/>
+          </a:p>
+        </p:txBody>
+      </p:sp>
+    </p:spTree>
+    <p:extLst>
+      <p:ext uri="{BB962C8B-B14F-4D97-AF65-F5344CB8AC3E}">
+        <p14:creationId xmlns:p14="http://schemas.microsoft.com/office/powerpoint/2010/main" val="1114966382"/>
+      </p:ext>
+    </p:extLst>
+  </p:cSld>
+  <p:clrMapOvr>
+    <a:masterClrMapping/>
+  </p:clrMapOvr>
+</p:sld>
+</file>
+
+<file path=ppt/slides/slide29.xml><?xml version="1.0" encoding="utf-8"?>
+<p:sld xmlns:a="http://schemas.openxmlformats.org/drawingml/2006/main" xmlns:r="http://schemas.openxmlformats.org/officeDocument/2006/relationships" xmlns:p="http://schemas.openxmlformats.org/presentationml/2006/main">
+  <p:cSld>
+    <p:spTree>
+      <p:nvGrpSpPr>
+        <p:cNvPr id="1" name=""/>
+        <p:cNvGrpSpPr/>
+        <p:nvPr/>
+      </p:nvGrpSpPr>
+      <p:grpSpPr>
+        <a:xfrm>
+          <a:off x="0" y="0"/>
+          <a:ext cx="0" cy="0"/>
+          <a:chOff x="0" y="0"/>
+          <a:chExt cx="0" cy="0"/>
+        </a:xfrm>
+      </p:grpSpPr>
+      <p:sp>
+        <p:nvSpPr>
+          <p:cNvPr id="2" name="Title 1"/>
+          <p:cNvSpPr>
+            <a:spLocks noGrp="1"/>
+          </p:cNvSpPr>
+          <p:nvPr>
+            <p:ph type="title"/>
+          </p:nvPr>
+        </p:nvSpPr>
+        <p:spPr/>
+        <p:txBody>
+          <a:bodyPr/>
+          <a:lstStyle/>
+          <a:p>
+            <a:r>
+              <a:rPr lang="en-US" dirty="0"/>
+              <a:t>Example Parse Tree</a:t>
+            </a:r>
+          </a:p>
+        </p:txBody>
+      </p:sp>
+      <p:sp>
+        <p:nvSpPr>
+          <p:cNvPr id="5" name="TextBox 4"/>
+          <p:cNvSpPr txBox="1"/>
+          <p:nvPr/>
+        </p:nvSpPr>
+        <p:spPr>
+          <a:xfrm>
+            <a:off x="558265" y="1713297"/>
+            <a:ext cx="4025461" cy="2677656"/>
+          </a:xfrm>
+          <a:prstGeom prst="rect">
+            <a:avLst/>
+          </a:prstGeom>
+          <a:noFill/>
+        </p:spPr>
+        <p:txBody>
+          <a:bodyPr wrap="none" rtlCol="0">
+            <a:spAutoFit/>
+          </a:bodyPr>
+          <a:lstStyle/>
+          <a:p>
+            <a:r>
+              <a:rPr lang="en-US" sz="1400" dirty="0">
+                <a:solidFill>
+                  <a:srgbClr val="0000FF"/>
+                </a:solidFill>
+                <a:latin typeface="Consolas" panose="020B0609020204030204" pitchFamily="49" charset="0"/>
+              </a:rPr>
+              <a:t>select</a:t>
+            </a:r>
+            <a:r>
+              <a:rPr lang="en-US" sz="1400" dirty="0">
+                <a:solidFill>
+                  <a:prstClr val="black"/>
+                </a:solidFill>
+                <a:latin typeface="Consolas" panose="020B0609020204030204" pitchFamily="49" charset="0"/>
+              </a:rPr>
+              <a:t> </a:t>
+            </a:r>
+            <a:r>
+              <a:rPr lang="en-US" sz="1400" dirty="0">
+                <a:solidFill>
+                  <a:srgbClr val="0000FF"/>
+                </a:solidFill>
+                <a:latin typeface="Consolas" panose="020B0609020204030204" pitchFamily="49" charset="0"/>
+              </a:rPr>
+              <a:t>top</a:t>
+            </a:r>
+            <a:r>
+              <a:rPr lang="en-US" sz="1400" dirty="0">
+                <a:solidFill>
+                  <a:prstClr val="black"/>
+                </a:solidFill>
+                <a:latin typeface="Consolas" panose="020B0609020204030204" pitchFamily="49" charset="0"/>
+              </a:rPr>
+              <a:t> 5</a:t>
+            </a:r>
+          </a:p>
+          <a:p>
+            <a:r>
+              <a:rPr lang="en-US" sz="1400" dirty="0">
+                <a:solidFill>
+                  <a:srgbClr val="008080"/>
+                </a:solidFill>
+                <a:latin typeface="Consolas" panose="020B0609020204030204" pitchFamily="49" charset="0"/>
+              </a:rPr>
+              <a:t>	</a:t>
+            </a:r>
+            <a:r>
+              <a:rPr lang="en-US" sz="1400" dirty="0" err="1">
+                <a:solidFill>
+                  <a:srgbClr val="008080"/>
+                </a:solidFill>
+                <a:latin typeface="Consolas" panose="020B0609020204030204" pitchFamily="49" charset="0"/>
+              </a:rPr>
+              <a:t>od</a:t>
+            </a:r>
+            <a:r>
+              <a:rPr lang="en-US" sz="1400" dirty="0" err="1">
+                <a:solidFill>
+                  <a:srgbClr val="808080"/>
+                </a:solidFill>
+                <a:latin typeface="Consolas" panose="020B0609020204030204" pitchFamily="49" charset="0"/>
+              </a:rPr>
+              <a:t>.</a:t>
+            </a:r>
+            <a:r>
+              <a:rPr lang="en-US" sz="1400" dirty="0" err="1">
+                <a:solidFill>
+                  <a:srgbClr val="008080"/>
+                </a:solidFill>
+                <a:latin typeface="Consolas" panose="020B0609020204030204" pitchFamily="49" charset="0"/>
+              </a:rPr>
+              <a:t>ProductId</a:t>
+            </a:r>
+            <a:r>
+              <a:rPr lang="en-US" sz="1400" dirty="0">
+                <a:solidFill>
+                  <a:srgbClr val="808080"/>
+                </a:solidFill>
+                <a:latin typeface="Consolas" panose="020B0609020204030204" pitchFamily="49" charset="0"/>
+              </a:rPr>
+              <a:t>,</a:t>
+            </a:r>
+            <a:endParaRPr lang="en-US" sz="1400" dirty="0">
+              <a:solidFill>
+                <a:prstClr val="black"/>
+              </a:solidFill>
+              <a:latin typeface="Consolas" panose="020B0609020204030204" pitchFamily="49" charset="0"/>
+            </a:endParaRPr>
+          </a:p>
+          <a:p>
+            <a:r>
+              <a:rPr lang="en-US" sz="1400" dirty="0">
+                <a:solidFill>
+                  <a:srgbClr val="FF00FF"/>
+                </a:solidFill>
+                <a:latin typeface="Consolas" panose="020B0609020204030204" pitchFamily="49" charset="0"/>
+              </a:rPr>
+              <a:t>	sum</a:t>
+            </a:r>
+            <a:r>
+              <a:rPr lang="en-US" sz="1400" dirty="0">
+                <a:solidFill>
+                  <a:srgbClr val="808080"/>
+                </a:solidFill>
+                <a:latin typeface="Consolas" panose="020B0609020204030204" pitchFamily="49" charset="0"/>
+              </a:rPr>
+              <a:t>(</a:t>
+            </a:r>
+            <a:r>
+              <a:rPr lang="en-US" sz="1400" dirty="0" err="1">
+                <a:solidFill>
+                  <a:srgbClr val="008080"/>
+                </a:solidFill>
+                <a:latin typeface="Consolas" panose="020B0609020204030204" pitchFamily="49" charset="0"/>
+              </a:rPr>
+              <a:t>od</a:t>
+            </a:r>
+            <a:r>
+              <a:rPr lang="en-US" sz="1400" dirty="0" err="1">
+                <a:solidFill>
+                  <a:srgbClr val="808080"/>
+                </a:solidFill>
+                <a:latin typeface="Consolas" panose="020B0609020204030204" pitchFamily="49" charset="0"/>
+              </a:rPr>
+              <a:t>.</a:t>
+            </a:r>
+            <a:r>
+              <a:rPr lang="en-US" sz="1400" dirty="0" err="1">
+                <a:solidFill>
+                  <a:srgbClr val="008080"/>
+                </a:solidFill>
+                <a:latin typeface="Consolas" panose="020B0609020204030204" pitchFamily="49" charset="0"/>
+              </a:rPr>
+              <a:t>Quantity</a:t>
+            </a:r>
+            <a:r>
+              <a:rPr lang="en-US" sz="1400" dirty="0">
+                <a:solidFill>
+                  <a:srgbClr val="808080"/>
+                </a:solidFill>
+                <a:latin typeface="Consolas" panose="020B0609020204030204" pitchFamily="49" charset="0"/>
+              </a:rPr>
+              <a:t>)</a:t>
+            </a:r>
+            <a:r>
+              <a:rPr lang="en-US" sz="1400" dirty="0">
+                <a:solidFill>
+                  <a:prstClr val="black"/>
+                </a:solidFill>
+                <a:latin typeface="Consolas" panose="020B0609020204030204" pitchFamily="49" charset="0"/>
+              </a:rPr>
+              <a:t> </a:t>
+            </a:r>
+            <a:r>
+              <a:rPr lang="en-US" sz="1400" dirty="0">
+                <a:solidFill>
+                  <a:srgbClr val="808080"/>
+                </a:solidFill>
+                <a:latin typeface="Consolas" panose="020B0609020204030204" pitchFamily="49" charset="0"/>
+              </a:rPr>
+              <a:t>-</a:t>
+            </a:r>
+            <a:r>
+              <a:rPr lang="en-US" sz="1400" dirty="0">
+                <a:solidFill>
+                  <a:prstClr val="black"/>
+                </a:solidFill>
+                <a:latin typeface="Consolas" panose="020B0609020204030204" pitchFamily="49" charset="0"/>
+              </a:rPr>
+              <a:t> 20 </a:t>
+            </a:r>
+            <a:r>
+              <a:rPr lang="en-US" sz="1400" dirty="0" err="1">
+                <a:solidFill>
+                  <a:srgbClr val="008080"/>
+                </a:solidFill>
+                <a:latin typeface="Consolas" panose="020B0609020204030204" pitchFamily="49" charset="0"/>
+              </a:rPr>
+              <a:t>ExcessOrders</a:t>
+            </a:r>
+            <a:endParaRPr lang="en-US" sz="1400" dirty="0">
+              <a:solidFill>
+                <a:prstClr val="black"/>
+              </a:solidFill>
+              <a:latin typeface="Consolas" panose="020B0609020204030204" pitchFamily="49" charset="0"/>
+            </a:endParaRPr>
+          </a:p>
+          <a:p>
+            <a:r>
+              <a:rPr lang="en-US" sz="1400" dirty="0">
+                <a:solidFill>
+                  <a:srgbClr val="0000FF"/>
+                </a:solidFill>
+                <a:latin typeface="Consolas" panose="020B0609020204030204" pitchFamily="49" charset="0"/>
+              </a:rPr>
+              <a:t>from</a:t>
+            </a:r>
+            <a:r>
+              <a:rPr lang="en-US" sz="1400" dirty="0">
+                <a:solidFill>
+                  <a:prstClr val="black"/>
+                </a:solidFill>
+                <a:latin typeface="Consolas" panose="020B0609020204030204" pitchFamily="49" charset="0"/>
+              </a:rPr>
+              <a:t> </a:t>
+            </a:r>
+            <a:r>
+              <a:rPr lang="en-US" sz="1400" dirty="0" err="1">
+                <a:solidFill>
+                  <a:srgbClr val="008080"/>
+                </a:solidFill>
+                <a:latin typeface="Consolas" panose="020B0609020204030204" pitchFamily="49" charset="0"/>
+              </a:rPr>
+              <a:t>CorpDB</a:t>
+            </a:r>
+            <a:r>
+              <a:rPr lang="en-US" sz="1400" dirty="0" err="1">
+                <a:solidFill>
+                  <a:srgbClr val="808080"/>
+                </a:solidFill>
+                <a:latin typeface="Consolas" panose="020B0609020204030204" pitchFamily="49" charset="0"/>
+              </a:rPr>
+              <a:t>.</a:t>
+            </a:r>
+            <a:r>
+              <a:rPr lang="en-US" sz="1400" dirty="0" err="1">
+                <a:solidFill>
+                  <a:srgbClr val="008080"/>
+                </a:solidFill>
+                <a:latin typeface="Consolas" panose="020B0609020204030204" pitchFamily="49" charset="0"/>
+              </a:rPr>
+              <a:t>dbo</a:t>
+            </a:r>
+            <a:r>
+              <a:rPr lang="en-US" sz="1400" dirty="0" err="1">
+                <a:solidFill>
+                  <a:srgbClr val="808080"/>
+                </a:solidFill>
+                <a:latin typeface="Consolas" panose="020B0609020204030204" pitchFamily="49" charset="0"/>
+              </a:rPr>
+              <a:t>.</a:t>
+            </a:r>
+            <a:r>
+              <a:rPr lang="en-US" sz="1400" dirty="0" err="1">
+                <a:solidFill>
+                  <a:srgbClr val="008080"/>
+                </a:solidFill>
+                <a:latin typeface="Consolas" panose="020B0609020204030204" pitchFamily="49" charset="0"/>
+              </a:rPr>
+              <a:t>OrderHeader</a:t>
+            </a:r>
+            <a:r>
+              <a:rPr lang="en-US" sz="1400" dirty="0">
+                <a:solidFill>
+                  <a:prstClr val="black"/>
+                </a:solidFill>
+                <a:latin typeface="Consolas" panose="020B0609020204030204" pitchFamily="49" charset="0"/>
+              </a:rPr>
+              <a:t> </a:t>
+            </a:r>
+            <a:r>
+              <a:rPr lang="en-US" sz="1400" dirty="0">
+                <a:solidFill>
+                  <a:srgbClr val="008080"/>
+                </a:solidFill>
+                <a:latin typeface="Consolas" panose="020B0609020204030204" pitchFamily="49" charset="0"/>
+              </a:rPr>
+              <a:t>oh</a:t>
+            </a:r>
+            <a:endParaRPr lang="en-US" sz="1400" dirty="0">
+              <a:solidFill>
+                <a:prstClr val="black"/>
+              </a:solidFill>
+              <a:latin typeface="Consolas" panose="020B0609020204030204" pitchFamily="49" charset="0"/>
+            </a:endParaRPr>
+          </a:p>
+          <a:p>
+            <a:r>
+              <a:rPr lang="en-US" sz="1400" dirty="0">
+                <a:solidFill>
+                  <a:srgbClr val="808080"/>
+                </a:solidFill>
+                <a:latin typeface="Consolas" panose="020B0609020204030204" pitchFamily="49" charset="0"/>
+              </a:rPr>
+              <a:t>inner</a:t>
+            </a:r>
+            <a:r>
+              <a:rPr lang="en-US" sz="1400" dirty="0">
+                <a:solidFill>
+                  <a:prstClr val="black"/>
+                </a:solidFill>
+                <a:latin typeface="Consolas" panose="020B0609020204030204" pitchFamily="49" charset="0"/>
+              </a:rPr>
+              <a:t> </a:t>
+            </a:r>
+            <a:r>
+              <a:rPr lang="en-US" sz="1400" dirty="0">
+                <a:solidFill>
+                  <a:srgbClr val="808080"/>
+                </a:solidFill>
+                <a:latin typeface="Consolas" panose="020B0609020204030204" pitchFamily="49" charset="0"/>
+              </a:rPr>
+              <a:t>join</a:t>
+            </a:r>
+            <a:r>
+              <a:rPr lang="en-US" sz="1400" dirty="0">
+                <a:solidFill>
+                  <a:prstClr val="black"/>
+                </a:solidFill>
+                <a:latin typeface="Consolas" panose="020B0609020204030204" pitchFamily="49" charset="0"/>
+              </a:rPr>
+              <a:t> </a:t>
+            </a:r>
+            <a:r>
+              <a:rPr lang="en-US" sz="1400" dirty="0" err="1">
+                <a:solidFill>
+                  <a:srgbClr val="008080"/>
+                </a:solidFill>
+                <a:latin typeface="Consolas" panose="020B0609020204030204" pitchFamily="49" charset="0"/>
+              </a:rPr>
+              <a:t>CorpDB</a:t>
+            </a:r>
+            <a:r>
+              <a:rPr lang="en-US" sz="1400" dirty="0" err="1">
+                <a:solidFill>
+                  <a:srgbClr val="808080"/>
+                </a:solidFill>
+                <a:latin typeface="Consolas" panose="020B0609020204030204" pitchFamily="49" charset="0"/>
+              </a:rPr>
+              <a:t>.</a:t>
+            </a:r>
+            <a:r>
+              <a:rPr lang="en-US" sz="1400" dirty="0" err="1">
+                <a:solidFill>
+                  <a:srgbClr val="008080"/>
+                </a:solidFill>
+                <a:latin typeface="Consolas" panose="020B0609020204030204" pitchFamily="49" charset="0"/>
+              </a:rPr>
+              <a:t>dbo</a:t>
+            </a:r>
+            <a:r>
+              <a:rPr lang="en-US" sz="1400" dirty="0" err="1">
+                <a:solidFill>
+                  <a:srgbClr val="808080"/>
+                </a:solidFill>
+                <a:latin typeface="Consolas" panose="020B0609020204030204" pitchFamily="49" charset="0"/>
+              </a:rPr>
+              <a:t>.</a:t>
+            </a:r>
+            <a:r>
+              <a:rPr lang="en-US" sz="1400" dirty="0" err="1">
+                <a:solidFill>
+                  <a:srgbClr val="008080"/>
+                </a:solidFill>
+                <a:latin typeface="Consolas" panose="020B0609020204030204" pitchFamily="49" charset="0"/>
+              </a:rPr>
+              <a:t>OrderDetail</a:t>
+            </a:r>
+            <a:r>
+              <a:rPr lang="en-US" sz="1400" dirty="0">
+                <a:solidFill>
+                  <a:prstClr val="black"/>
+                </a:solidFill>
+                <a:latin typeface="Consolas" panose="020B0609020204030204" pitchFamily="49" charset="0"/>
+              </a:rPr>
+              <a:t> </a:t>
+            </a:r>
+            <a:r>
+              <a:rPr lang="en-US" sz="1400" dirty="0">
+                <a:solidFill>
+                  <a:srgbClr val="008080"/>
+                </a:solidFill>
+                <a:latin typeface="Consolas" panose="020B0609020204030204" pitchFamily="49" charset="0"/>
+              </a:rPr>
+              <a:t>od</a:t>
+            </a:r>
+            <a:endParaRPr lang="en-US" sz="1400" dirty="0">
+              <a:solidFill>
+                <a:prstClr val="black"/>
+              </a:solidFill>
+              <a:latin typeface="Consolas" panose="020B0609020204030204" pitchFamily="49" charset="0"/>
+            </a:endParaRPr>
+          </a:p>
+          <a:p>
+            <a:r>
+              <a:rPr lang="en-US" sz="1400" dirty="0">
+                <a:solidFill>
+                  <a:srgbClr val="0000FF"/>
+                </a:solidFill>
+                <a:latin typeface="Consolas" panose="020B0609020204030204" pitchFamily="49" charset="0"/>
+              </a:rPr>
+              <a:t>on</a:t>
+            </a:r>
+            <a:r>
+              <a:rPr lang="en-US" sz="1400" dirty="0">
+                <a:solidFill>
+                  <a:prstClr val="black"/>
+                </a:solidFill>
+                <a:latin typeface="Consolas" panose="020B0609020204030204" pitchFamily="49" charset="0"/>
+              </a:rPr>
+              <a:t> </a:t>
+            </a:r>
+            <a:r>
+              <a:rPr lang="en-US" sz="1400" dirty="0" err="1">
+                <a:solidFill>
+                  <a:srgbClr val="008080"/>
+                </a:solidFill>
+                <a:latin typeface="Consolas" panose="020B0609020204030204" pitchFamily="49" charset="0"/>
+              </a:rPr>
+              <a:t>oh</a:t>
+            </a:r>
+            <a:r>
+              <a:rPr lang="en-US" sz="1400" dirty="0" err="1">
+                <a:solidFill>
+                  <a:srgbClr val="808080"/>
+                </a:solidFill>
+                <a:latin typeface="Consolas" panose="020B0609020204030204" pitchFamily="49" charset="0"/>
+              </a:rPr>
+              <a:t>.</a:t>
+            </a:r>
+            <a:r>
+              <a:rPr lang="en-US" sz="1400" dirty="0" err="1">
+                <a:solidFill>
+                  <a:srgbClr val="008080"/>
+                </a:solidFill>
+                <a:latin typeface="Consolas" panose="020B0609020204030204" pitchFamily="49" charset="0"/>
+              </a:rPr>
+              <a:t>OrderId</a:t>
+            </a:r>
+            <a:r>
+              <a:rPr lang="en-US" sz="1400" dirty="0">
+                <a:solidFill>
+                  <a:prstClr val="black"/>
+                </a:solidFill>
+                <a:latin typeface="Consolas" panose="020B0609020204030204" pitchFamily="49" charset="0"/>
+              </a:rPr>
+              <a:t> </a:t>
+            </a:r>
+            <a:r>
+              <a:rPr lang="en-US" sz="1400" dirty="0">
+                <a:solidFill>
+                  <a:srgbClr val="808080"/>
+                </a:solidFill>
+                <a:latin typeface="Consolas" panose="020B0609020204030204" pitchFamily="49" charset="0"/>
+              </a:rPr>
+              <a:t>=</a:t>
+            </a:r>
+            <a:r>
+              <a:rPr lang="en-US" sz="1400" dirty="0">
+                <a:solidFill>
+                  <a:prstClr val="black"/>
+                </a:solidFill>
+                <a:latin typeface="Consolas" panose="020B0609020204030204" pitchFamily="49" charset="0"/>
+              </a:rPr>
+              <a:t> </a:t>
+            </a:r>
+            <a:r>
+              <a:rPr lang="en-US" sz="1400" dirty="0" err="1">
+                <a:solidFill>
+                  <a:srgbClr val="008080"/>
+                </a:solidFill>
+                <a:latin typeface="Consolas" panose="020B0609020204030204" pitchFamily="49" charset="0"/>
+              </a:rPr>
+              <a:t>od</a:t>
+            </a:r>
+            <a:r>
+              <a:rPr lang="en-US" sz="1400" dirty="0" err="1">
+                <a:solidFill>
+                  <a:srgbClr val="808080"/>
+                </a:solidFill>
+                <a:latin typeface="Consolas" panose="020B0609020204030204" pitchFamily="49" charset="0"/>
+              </a:rPr>
+              <a:t>.</a:t>
+            </a:r>
+            <a:r>
+              <a:rPr lang="en-US" sz="1400" dirty="0" err="1">
+                <a:solidFill>
+                  <a:srgbClr val="008080"/>
+                </a:solidFill>
+                <a:latin typeface="Consolas" panose="020B0609020204030204" pitchFamily="49" charset="0"/>
+              </a:rPr>
+              <a:t>OrderId</a:t>
+            </a:r>
+            <a:endParaRPr lang="en-US" sz="1400" dirty="0">
+              <a:solidFill>
+                <a:prstClr val="black"/>
+              </a:solidFill>
+              <a:latin typeface="Consolas" panose="020B0609020204030204" pitchFamily="49" charset="0"/>
+            </a:endParaRPr>
+          </a:p>
+          <a:p>
+            <a:r>
+              <a:rPr lang="en-US" sz="1400" dirty="0">
+                <a:solidFill>
+                  <a:srgbClr val="808080"/>
+                </a:solidFill>
+                <a:latin typeface="Consolas" panose="020B0609020204030204" pitchFamily="49" charset="0"/>
+              </a:rPr>
+              <a:t>inner</a:t>
+            </a:r>
+            <a:r>
+              <a:rPr lang="en-US" sz="1400" dirty="0">
+                <a:solidFill>
+                  <a:prstClr val="black"/>
+                </a:solidFill>
+                <a:latin typeface="Consolas" panose="020B0609020204030204" pitchFamily="49" charset="0"/>
+              </a:rPr>
+              <a:t> </a:t>
+            </a:r>
+            <a:r>
+              <a:rPr lang="en-US" sz="1400" dirty="0">
+                <a:solidFill>
+                  <a:srgbClr val="808080"/>
+                </a:solidFill>
+                <a:latin typeface="Consolas" panose="020B0609020204030204" pitchFamily="49" charset="0"/>
+              </a:rPr>
+              <a:t>join</a:t>
+            </a:r>
+            <a:r>
+              <a:rPr lang="en-US" sz="1400" dirty="0">
+                <a:solidFill>
+                  <a:prstClr val="black"/>
+                </a:solidFill>
+                <a:latin typeface="Consolas" panose="020B0609020204030204" pitchFamily="49" charset="0"/>
+              </a:rPr>
+              <a:t> </a:t>
+            </a:r>
+            <a:r>
+              <a:rPr lang="en-US" sz="1400" dirty="0" err="1">
+                <a:solidFill>
+                  <a:srgbClr val="008080"/>
+                </a:solidFill>
+                <a:latin typeface="Consolas" panose="020B0609020204030204" pitchFamily="49" charset="0"/>
+              </a:rPr>
+              <a:t>CorpDB</a:t>
+            </a:r>
+            <a:r>
+              <a:rPr lang="en-US" sz="1400" dirty="0" err="1">
+                <a:solidFill>
+                  <a:srgbClr val="808080"/>
+                </a:solidFill>
+                <a:latin typeface="Consolas" panose="020B0609020204030204" pitchFamily="49" charset="0"/>
+              </a:rPr>
+              <a:t>.</a:t>
+            </a:r>
+            <a:r>
+              <a:rPr lang="en-US" sz="1400" dirty="0" err="1">
+                <a:solidFill>
+                  <a:srgbClr val="008080"/>
+                </a:solidFill>
+                <a:latin typeface="Consolas" panose="020B0609020204030204" pitchFamily="49" charset="0"/>
+              </a:rPr>
+              <a:t>dbo</a:t>
+            </a:r>
+            <a:r>
+              <a:rPr lang="en-US" sz="1400" dirty="0" err="1">
+                <a:solidFill>
+                  <a:srgbClr val="808080"/>
+                </a:solidFill>
+                <a:latin typeface="Consolas" panose="020B0609020204030204" pitchFamily="49" charset="0"/>
+              </a:rPr>
+              <a:t>.</a:t>
+            </a:r>
+            <a:r>
+              <a:rPr lang="en-US" sz="1400" dirty="0" err="1">
+                <a:solidFill>
+                  <a:srgbClr val="008080"/>
+                </a:solidFill>
+                <a:latin typeface="Consolas" panose="020B0609020204030204" pitchFamily="49" charset="0"/>
+              </a:rPr>
+              <a:t>Customer</a:t>
+            </a:r>
+            <a:r>
+              <a:rPr lang="en-US" sz="1400" dirty="0">
+                <a:solidFill>
+                  <a:prstClr val="black"/>
+                </a:solidFill>
+                <a:latin typeface="Consolas" panose="020B0609020204030204" pitchFamily="49" charset="0"/>
+              </a:rPr>
+              <a:t> </a:t>
+            </a:r>
+            <a:r>
+              <a:rPr lang="en-US" sz="1400" dirty="0" err="1">
+                <a:solidFill>
+                  <a:srgbClr val="008080"/>
+                </a:solidFill>
+                <a:latin typeface="Consolas" panose="020B0609020204030204" pitchFamily="49" charset="0"/>
+              </a:rPr>
+              <a:t>cust</a:t>
+            </a:r>
+            <a:endParaRPr lang="en-US" sz="1400" dirty="0">
+              <a:solidFill>
+                <a:prstClr val="black"/>
+              </a:solidFill>
+              <a:latin typeface="Consolas" panose="020B0609020204030204" pitchFamily="49" charset="0"/>
+            </a:endParaRPr>
+          </a:p>
+          <a:p>
+            <a:r>
+              <a:rPr lang="en-US" sz="1400" dirty="0">
+                <a:solidFill>
+                  <a:srgbClr val="0000FF"/>
+                </a:solidFill>
+                <a:latin typeface="Consolas" panose="020B0609020204030204" pitchFamily="49" charset="0"/>
+              </a:rPr>
+              <a:t>on</a:t>
+            </a:r>
+            <a:r>
+              <a:rPr lang="en-US" sz="1400" dirty="0">
+                <a:solidFill>
+                  <a:prstClr val="black"/>
+                </a:solidFill>
+                <a:latin typeface="Consolas" panose="020B0609020204030204" pitchFamily="49" charset="0"/>
+              </a:rPr>
+              <a:t> </a:t>
+            </a:r>
+            <a:r>
+              <a:rPr lang="en-US" sz="1400" dirty="0" err="1">
+                <a:solidFill>
+                  <a:srgbClr val="008080"/>
+                </a:solidFill>
+                <a:latin typeface="Consolas" panose="020B0609020204030204" pitchFamily="49" charset="0"/>
+              </a:rPr>
+              <a:t>oh</a:t>
+            </a:r>
+            <a:r>
+              <a:rPr lang="en-US" sz="1400" dirty="0" err="1">
+                <a:solidFill>
+                  <a:srgbClr val="808080"/>
+                </a:solidFill>
+                <a:latin typeface="Consolas" panose="020B0609020204030204" pitchFamily="49" charset="0"/>
+              </a:rPr>
+              <a:t>.</a:t>
+            </a:r>
+            <a:r>
+              <a:rPr lang="en-US" sz="1400" dirty="0" err="1">
+                <a:solidFill>
+                  <a:srgbClr val="008080"/>
+                </a:solidFill>
+                <a:latin typeface="Consolas" panose="020B0609020204030204" pitchFamily="49" charset="0"/>
+              </a:rPr>
+              <a:t>CustomerId</a:t>
+            </a:r>
+            <a:r>
+              <a:rPr lang="en-US" sz="1400" dirty="0">
+                <a:solidFill>
+                  <a:prstClr val="black"/>
+                </a:solidFill>
+                <a:latin typeface="Consolas" panose="020B0609020204030204" pitchFamily="49" charset="0"/>
+              </a:rPr>
+              <a:t> </a:t>
+            </a:r>
+            <a:r>
+              <a:rPr lang="en-US" sz="1400" dirty="0">
+                <a:solidFill>
+                  <a:srgbClr val="808080"/>
+                </a:solidFill>
+                <a:latin typeface="Consolas" panose="020B0609020204030204" pitchFamily="49" charset="0"/>
+              </a:rPr>
+              <a:t>=</a:t>
+            </a:r>
+            <a:r>
+              <a:rPr lang="en-US" sz="1400" dirty="0">
+                <a:solidFill>
+                  <a:prstClr val="black"/>
+                </a:solidFill>
+                <a:latin typeface="Consolas" panose="020B0609020204030204" pitchFamily="49" charset="0"/>
+              </a:rPr>
+              <a:t> </a:t>
+            </a:r>
+            <a:r>
+              <a:rPr lang="en-US" sz="1400" dirty="0" err="1">
+                <a:solidFill>
+                  <a:srgbClr val="008080"/>
+                </a:solidFill>
+                <a:latin typeface="Consolas" panose="020B0609020204030204" pitchFamily="49" charset="0"/>
+              </a:rPr>
+              <a:t>cust</a:t>
+            </a:r>
+            <a:r>
+              <a:rPr lang="en-US" sz="1400" dirty="0" err="1">
+                <a:solidFill>
+                  <a:srgbClr val="808080"/>
+                </a:solidFill>
+                <a:latin typeface="Consolas" panose="020B0609020204030204" pitchFamily="49" charset="0"/>
+              </a:rPr>
+              <a:t>.</a:t>
+            </a:r>
+            <a:r>
+              <a:rPr lang="en-US" sz="1400" dirty="0" err="1">
+                <a:solidFill>
+                  <a:srgbClr val="008080"/>
+                </a:solidFill>
+                <a:latin typeface="Consolas" panose="020B0609020204030204" pitchFamily="49" charset="0"/>
+              </a:rPr>
+              <a:t>CustomerID</a:t>
+            </a:r>
+            <a:endParaRPr lang="en-US" sz="1400" dirty="0">
+              <a:solidFill>
+                <a:prstClr val="black"/>
+              </a:solidFill>
+              <a:latin typeface="Consolas" panose="020B0609020204030204" pitchFamily="49" charset="0"/>
+            </a:endParaRPr>
+          </a:p>
+          <a:p>
+            <a:r>
+              <a:rPr lang="en-US" sz="1400" dirty="0">
+                <a:solidFill>
+                  <a:srgbClr val="0000FF"/>
+                </a:solidFill>
+                <a:latin typeface="Consolas" panose="020B0609020204030204" pitchFamily="49" charset="0"/>
+              </a:rPr>
+              <a:t>where</a:t>
+            </a:r>
+            <a:r>
+              <a:rPr lang="en-US" sz="1400" dirty="0">
+                <a:solidFill>
+                  <a:prstClr val="black"/>
+                </a:solidFill>
+                <a:latin typeface="Consolas" panose="020B0609020204030204" pitchFamily="49" charset="0"/>
+              </a:rPr>
+              <a:t> </a:t>
+            </a:r>
+            <a:r>
+              <a:rPr lang="en-US" sz="1400" dirty="0" err="1">
+                <a:solidFill>
+                  <a:srgbClr val="008080"/>
+                </a:solidFill>
+                <a:latin typeface="Consolas" panose="020B0609020204030204" pitchFamily="49" charset="0"/>
+              </a:rPr>
+              <a:t>cust</a:t>
+            </a:r>
+            <a:r>
+              <a:rPr lang="en-US" sz="1400" dirty="0" err="1">
+                <a:solidFill>
+                  <a:srgbClr val="808080"/>
+                </a:solidFill>
+                <a:latin typeface="Consolas" panose="020B0609020204030204" pitchFamily="49" charset="0"/>
+              </a:rPr>
+              <a:t>.</a:t>
+            </a:r>
+            <a:r>
+              <a:rPr lang="en-US" sz="1400" dirty="0" err="1">
+                <a:solidFill>
+                  <a:srgbClr val="0000FF"/>
+                </a:solidFill>
+                <a:latin typeface="Consolas" panose="020B0609020204030204" pitchFamily="49" charset="0"/>
+              </a:rPr>
+              <a:t>State</a:t>
+            </a:r>
+            <a:r>
+              <a:rPr lang="en-US" sz="1400" dirty="0">
+                <a:solidFill>
+                  <a:prstClr val="black"/>
+                </a:solidFill>
+                <a:latin typeface="Consolas" panose="020B0609020204030204" pitchFamily="49" charset="0"/>
+              </a:rPr>
+              <a:t> </a:t>
+            </a:r>
+            <a:r>
+              <a:rPr lang="en-US" sz="1400" dirty="0">
+                <a:solidFill>
+                  <a:srgbClr val="808080"/>
+                </a:solidFill>
+                <a:latin typeface="Consolas" panose="020B0609020204030204" pitchFamily="49" charset="0"/>
+                <a:ea typeface="Calibri" panose="020F0502020204030204" pitchFamily="34" charset="0"/>
+                <a:cs typeface="Times New Roman" panose="02020603050405020304" pitchFamily="18" charset="0"/>
+              </a:rPr>
+              <a:t>= </a:t>
+            </a:r>
+            <a:r>
+              <a:rPr lang="en-US" sz="1400" dirty="0">
+                <a:solidFill>
+                  <a:srgbClr val="FF0000"/>
+                </a:solidFill>
+                <a:latin typeface="Consolas" panose="020B0609020204030204" pitchFamily="49" charset="0"/>
+                <a:ea typeface="Calibri" panose="020F0502020204030204" pitchFamily="34" charset="0"/>
+                <a:cs typeface="Times New Roman" panose="02020603050405020304" pitchFamily="18" charset="0"/>
+              </a:rPr>
+              <a:t>'MN'</a:t>
+            </a:r>
+            <a:endParaRPr lang="en-US" sz="1400" dirty="0">
+              <a:solidFill>
+                <a:prstClr val="black"/>
+              </a:solidFill>
+              <a:latin typeface="Consolas" panose="020B0609020204030204" pitchFamily="49" charset="0"/>
+            </a:endParaRPr>
+          </a:p>
+          <a:p>
+            <a:r>
+              <a:rPr lang="en-US" sz="1400" dirty="0">
+                <a:solidFill>
+                  <a:srgbClr val="0000FF"/>
+                </a:solidFill>
+                <a:latin typeface="Consolas" panose="020B0609020204030204" pitchFamily="49" charset="0"/>
+              </a:rPr>
+              <a:t>group</a:t>
+            </a:r>
+            <a:r>
+              <a:rPr lang="en-US" sz="1400" dirty="0">
+                <a:solidFill>
+                  <a:prstClr val="black"/>
+                </a:solidFill>
+                <a:latin typeface="Consolas" panose="020B0609020204030204" pitchFamily="49" charset="0"/>
+              </a:rPr>
+              <a:t> </a:t>
+            </a:r>
+            <a:r>
+              <a:rPr lang="en-US" sz="1400" dirty="0">
+                <a:solidFill>
+                  <a:srgbClr val="0000FF"/>
+                </a:solidFill>
+                <a:latin typeface="Consolas" panose="020B0609020204030204" pitchFamily="49" charset="0"/>
+              </a:rPr>
+              <a:t>by</a:t>
+            </a:r>
+            <a:r>
+              <a:rPr lang="en-US" sz="1400" dirty="0">
+                <a:solidFill>
+                  <a:prstClr val="black"/>
+                </a:solidFill>
+                <a:latin typeface="Consolas" panose="020B0609020204030204" pitchFamily="49" charset="0"/>
+              </a:rPr>
+              <a:t> </a:t>
+            </a:r>
+            <a:r>
+              <a:rPr lang="en-US" sz="1400" dirty="0" err="1">
+                <a:solidFill>
+                  <a:srgbClr val="008080"/>
+                </a:solidFill>
+                <a:latin typeface="Consolas" panose="020B0609020204030204" pitchFamily="49" charset="0"/>
+              </a:rPr>
+              <a:t>od</a:t>
+            </a:r>
+            <a:r>
+              <a:rPr lang="en-US" sz="1400" dirty="0" err="1">
+                <a:solidFill>
+                  <a:srgbClr val="808080"/>
+                </a:solidFill>
+                <a:latin typeface="Consolas" panose="020B0609020204030204" pitchFamily="49" charset="0"/>
+              </a:rPr>
+              <a:t>.</a:t>
+            </a:r>
+            <a:r>
+              <a:rPr lang="en-US" sz="1400" dirty="0" err="1">
+                <a:solidFill>
+                  <a:srgbClr val="008080"/>
+                </a:solidFill>
+                <a:latin typeface="Consolas" panose="020B0609020204030204" pitchFamily="49" charset="0"/>
+              </a:rPr>
+              <a:t>ProductId</a:t>
+            </a:r>
+            <a:endParaRPr lang="en-US" sz="1400" dirty="0">
+              <a:solidFill>
+                <a:prstClr val="black"/>
+              </a:solidFill>
+              <a:latin typeface="Consolas" panose="020B0609020204030204" pitchFamily="49" charset="0"/>
+            </a:endParaRPr>
+          </a:p>
+          <a:p>
+            <a:r>
+              <a:rPr lang="en-US" sz="1400" dirty="0">
+                <a:solidFill>
+                  <a:srgbClr val="0000FF"/>
+                </a:solidFill>
+                <a:latin typeface="Consolas" panose="020B0609020204030204" pitchFamily="49" charset="0"/>
+              </a:rPr>
+              <a:t>having</a:t>
+            </a:r>
+            <a:r>
+              <a:rPr lang="en-US" sz="1400" dirty="0">
+                <a:solidFill>
+                  <a:prstClr val="black"/>
+                </a:solidFill>
+                <a:latin typeface="Consolas" panose="020B0609020204030204" pitchFamily="49" charset="0"/>
+              </a:rPr>
+              <a:t> </a:t>
+            </a:r>
+            <a:r>
+              <a:rPr lang="en-US" sz="1400" dirty="0">
+                <a:solidFill>
+                  <a:srgbClr val="FF00FF"/>
+                </a:solidFill>
+                <a:latin typeface="Consolas" panose="020B0609020204030204" pitchFamily="49" charset="0"/>
+              </a:rPr>
+              <a:t>sum</a:t>
+            </a:r>
+            <a:r>
+              <a:rPr lang="en-US" sz="1400" dirty="0">
+                <a:solidFill>
+                  <a:srgbClr val="808080"/>
+                </a:solidFill>
+                <a:latin typeface="Consolas" panose="020B0609020204030204" pitchFamily="49" charset="0"/>
+              </a:rPr>
+              <a:t>(</a:t>
+            </a:r>
+            <a:r>
+              <a:rPr lang="en-US" sz="1400" dirty="0" err="1">
+                <a:solidFill>
+                  <a:srgbClr val="008080"/>
+                </a:solidFill>
+                <a:latin typeface="Consolas" panose="020B0609020204030204" pitchFamily="49" charset="0"/>
+              </a:rPr>
+              <a:t>od</a:t>
+            </a:r>
+            <a:r>
+              <a:rPr lang="en-US" sz="1400" dirty="0" err="1">
+                <a:solidFill>
+                  <a:srgbClr val="808080"/>
+                </a:solidFill>
+                <a:latin typeface="Consolas" panose="020B0609020204030204" pitchFamily="49" charset="0"/>
+              </a:rPr>
+              <a:t>.</a:t>
+            </a:r>
+            <a:r>
+              <a:rPr lang="en-US" sz="1400" dirty="0" err="1">
+                <a:solidFill>
+                  <a:srgbClr val="008080"/>
+                </a:solidFill>
+                <a:latin typeface="Consolas" panose="020B0609020204030204" pitchFamily="49" charset="0"/>
+              </a:rPr>
+              <a:t>Quantity</a:t>
+            </a:r>
+            <a:r>
+              <a:rPr lang="en-US" sz="1400" dirty="0">
+                <a:solidFill>
+                  <a:srgbClr val="808080"/>
+                </a:solidFill>
+                <a:latin typeface="Consolas" panose="020B0609020204030204" pitchFamily="49" charset="0"/>
+              </a:rPr>
+              <a:t>)</a:t>
+            </a:r>
+            <a:r>
+          